--- a/docs/figures.pptx
+++ b/docs/figures.pptx
@@ -6,6 +6,7 @@
   </p:sldMasterIdLst>
   <p:sldIdLst>
     <p:sldId id="256" r:id="rId2"/>
+    <p:sldId id="257" r:id="rId3"/>
   </p:sldIdLst>
   <p:sldSz cx="12192000" cy="6858000"/>
   <p:notesSz cx="6858000" cy="9144000"/>
@@ -104,6 +105,11 @@
       </a:defRPr>
     </a:lvl9pPr>
   </p:defaultTextStyle>
+  <p:extLst>
+    <p:ext uri="{EFAFB233-063F-42B5-8137-9DF3F51BA10A}">
+      <p15:sldGuideLst xmlns:p15="http://schemas.microsoft.com/office/powerpoint/2012/main"/>
+    </p:ext>
+  </p:extLst>
 </p:presentation>
 </file>
 
@@ -238,7 +244,7 @@
           <a:p>
             <a:fld id="{5827CF75-21ED-4285-9C22-184A8788EFA2}" type="datetimeFigureOut">
               <a:rPr lang="pt-BR" smtClean="0"/>
-              <a:t>15/11/2016</a:t>
+              <a:t>31/12/2017</a:t>
             </a:fld>
             <a:endParaRPr lang="pt-BR"/>
           </a:p>
@@ -408,7 +414,7 @@
           <a:p>
             <a:fld id="{5827CF75-21ED-4285-9C22-184A8788EFA2}" type="datetimeFigureOut">
               <a:rPr lang="pt-BR" smtClean="0"/>
-              <a:t>15/11/2016</a:t>
+              <a:t>31/12/2017</a:t>
             </a:fld>
             <a:endParaRPr lang="pt-BR"/>
           </a:p>
@@ -588,7 +594,7 @@
           <a:p>
             <a:fld id="{5827CF75-21ED-4285-9C22-184A8788EFA2}" type="datetimeFigureOut">
               <a:rPr lang="pt-BR" smtClean="0"/>
-              <a:t>15/11/2016</a:t>
+              <a:t>31/12/2017</a:t>
             </a:fld>
             <a:endParaRPr lang="pt-BR"/>
           </a:p>
@@ -758,7 +764,7 @@
           <a:p>
             <a:fld id="{5827CF75-21ED-4285-9C22-184A8788EFA2}" type="datetimeFigureOut">
               <a:rPr lang="pt-BR" smtClean="0"/>
-              <a:t>15/11/2016</a:t>
+              <a:t>31/12/2017</a:t>
             </a:fld>
             <a:endParaRPr lang="pt-BR"/>
           </a:p>
@@ -1004,7 +1010,7 @@
           <a:p>
             <a:fld id="{5827CF75-21ED-4285-9C22-184A8788EFA2}" type="datetimeFigureOut">
               <a:rPr lang="pt-BR" smtClean="0"/>
-              <a:t>15/11/2016</a:t>
+              <a:t>31/12/2017</a:t>
             </a:fld>
             <a:endParaRPr lang="pt-BR"/>
           </a:p>
@@ -1236,7 +1242,7 @@
           <a:p>
             <a:fld id="{5827CF75-21ED-4285-9C22-184A8788EFA2}" type="datetimeFigureOut">
               <a:rPr lang="pt-BR" smtClean="0"/>
-              <a:t>15/11/2016</a:t>
+              <a:t>31/12/2017</a:t>
             </a:fld>
             <a:endParaRPr lang="pt-BR"/>
           </a:p>
@@ -1603,7 +1609,7 @@
           <a:p>
             <a:fld id="{5827CF75-21ED-4285-9C22-184A8788EFA2}" type="datetimeFigureOut">
               <a:rPr lang="pt-BR" smtClean="0"/>
-              <a:t>15/11/2016</a:t>
+              <a:t>31/12/2017</a:t>
             </a:fld>
             <a:endParaRPr lang="pt-BR"/>
           </a:p>
@@ -1721,7 +1727,7 @@
           <a:p>
             <a:fld id="{5827CF75-21ED-4285-9C22-184A8788EFA2}" type="datetimeFigureOut">
               <a:rPr lang="pt-BR" smtClean="0"/>
-              <a:t>15/11/2016</a:t>
+              <a:t>31/12/2017</a:t>
             </a:fld>
             <a:endParaRPr lang="pt-BR"/>
           </a:p>
@@ -1816,7 +1822,7 @@
           <a:p>
             <a:fld id="{5827CF75-21ED-4285-9C22-184A8788EFA2}" type="datetimeFigureOut">
               <a:rPr lang="pt-BR" smtClean="0"/>
-              <a:t>15/11/2016</a:t>
+              <a:t>31/12/2017</a:t>
             </a:fld>
             <a:endParaRPr lang="pt-BR"/>
           </a:p>
@@ -2093,7 +2099,7 @@
           <a:p>
             <a:fld id="{5827CF75-21ED-4285-9C22-184A8788EFA2}" type="datetimeFigureOut">
               <a:rPr lang="pt-BR" smtClean="0"/>
-              <a:t>15/11/2016</a:t>
+              <a:t>31/12/2017</a:t>
             </a:fld>
             <a:endParaRPr lang="pt-BR"/>
           </a:p>
@@ -2346,7 +2352,7 @@
           <a:p>
             <a:fld id="{5827CF75-21ED-4285-9C22-184A8788EFA2}" type="datetimeFigureOut">
               <a:rPr lang="pt-BR" smtClean="0"/>
-              <a:t>15/11/2016</a:t>
+              <a:t>31/12/2017</a:t>
             </a:fld>
             <a:endParaRPr lang="pt-BR"/>
           </a:p>
@@ -2559,7 +2565,7 @@
           <a:p>
             <a:fld id="{5827CF75-21ED-4285-9C22-184A8788EFA2}" type="datetimeFigureOut">
               <a:rPr lang="pt-BR" smtClean="0"/>
-              <a:t>15/11/2016</a:t>
+              <a:t>31/12/2017</a:t>
             </a:fld>
             <a:endParaRPr lang="pt-BR"/>
           </a:p>
@@ -3782,7 +3788,7 @@
         <p:spPr>
           <a:xfrm>
             <a:off x="2071089" y="2202872"/>
-            <a:ext cx="1815112" cy="369332"/>
+            <a:ext cx="1936941" cy="369332"/>
           </a:xfrm>
           <a:prstGeom prst="rect">
             <a:avLst/>
@@ -3801,11 +3807,15 @@
             </a:r>
             <a:r>
               <a:rPr lang="pt-BR" dirty="0" err="1" smtClean="0"/>
-              <a:t>bouding</a:t>
+              <a:t>bounding</a:t>
             </a:r>
             <a:r>
               <a:rPr lang="pt-BR" dirty="0" smtClean="0"/>
-              <a:t> box</a:t>
+              <a:t> </a:t>
+            </a:r>
+            <a:r>
+              <a:rPr lang="pt-BR" dirty="0" smtClean="0"/>
+              <a:t>box</a:t>
             </a:r>
             <a:endParaRPr lang="pt-BR" dirty="0"/>
           </a:p>
@@ -3973,8 +3983,8 @@
         </p:nvCxnSpPr>
         <p:spPr>
           <a:xfrm>
-            <a:off x="3886201" y="2387538"/>
-            <a:ext cx="875803" cy="120551"/>
+            <a:off x="4008030" y="2387538"/>
+            <a:ext cx="753974" cy="120551"/>
           </a:xfrm>
           <a:prstGeom prst="straightConnector1">
             <a:avLst/>
@@ -4037,6 +4047,2537 @@
     <p:extLst>
       <p:ext uri="{BB962C8B-B14F-4D97-AF65-F5344CB8AC3E}">
         <p14:creationId xmlns:p14="http://schemas.microsoft.com/office/powerpoint/2010/main" val="2117222638"/>
+      </p:ext>
+    </p:extLst>
+  </p:cSld>
+  <p:clrMapOvr>
+    <a:masterClrMapping/>
+  </p:clrMapOvr>
+</p:sld>
+</file>
+
+<file path=ppt/slides/slide2.xml><?xml version="1.0" encoding="utf-8"?>
+<p:sld xmlns:a="http://schemas.openxmlformats.org/drawingml/2006/main" xmlns:r="http://schemas.openxmlformats.org/officeDocument/2006/relationships" xmlns:p="http://schemas.openxmlformats.org/presentationml/2006/main">
+  <p:cSld>
+    <p:spTree>
+      <p:nvGrpSpPr>
+        <p:cNvPr id="1" name=""/>
+        <p:cNvGrpSpPr/>
+        <p:nvPr/>
+      </p:nvGrpSpPr>
+      <p:grpSpPr>
+        <a:xfrm>
+          <a:off x="0" y="0"/>
+          <a:ext cx="0" cy="0"/>
+          <a:chOff x="0" y="0"/>
+          <a:chExt cx="0" cy="0"/>
+        </a:xfrm>
+      </p:grpSpPr>
+      <p:grpSp>
+        <p:nvGrpSpPr>
+          <p:cNvPr id="2" name="Grupo 1"/>
+          <p:cNvGrpSpPr/>
+          <p:nvPr/>
+        </p:nvGrpSpPr>
+        <p:grpSpPr>
+          <a:xfrm>
+            <a:off x="1900052" y="1223158"/>
+            <a:ext cx="3740727" cy="1256808"/>
+            <a:chOff x="1104407" y="1472540"/>
+            <a:chExt cx="3740727" cy="3740726"/>
+          </a:xfrm>
+        </p:grpSpPr>
+        <p:sp>
+          <p:nvSpPr>
+            <p:cNvPr id="4" name="Retângulo 3"/>
+            <p:cNvSpPr/>
+            <p:nvPr/>
+          </p:nvSpPr>
+          <p:spPr>
+            <a:xfrm>
+              <a:off x="1104408" y="1472540"/>
+              <a:ext cx="1246909" cy="1246909"/>
+            </a:xfrm>
+            <a:prstGeom prst="rect">
+              <a:avLst/>
+            </a:prstGeom>
+            <a:noFill/>
+          </p:spPr>
+          <p:style>
+            <a:lnRef idx="2">
+              <a:schemeClr val="accent1">
+                <a:shade val="50000"/>
+              </a:schemeClr>
+            </a:lnRef>
+            <a:fillRef idx="1">
+              <a:schemeClr val="accent1"/>
+            </a:fillRef>
+            <a:effectRef idx="0">
+              <a:schemeClr val="accent1"/>
+            </a:effectRef>
+            <a:fontRef idx="minor">
+              <a:schemeClr val="lt1"/>
+            </a:fontRef>
+          </p:style>
+          <p:txBody>
+            <a:bodyPr rtlCol="0" anchor="ctr"/>
+            <a:lstStyle/>
+            <a:p>
+              <a:pPr algn="ctr"/>
+              <a:endParaRPr lang="pt-BR"/>
+            </a:p>
+          </p:txBody>
+        </p:sp>
+        <p:sp>
+          <p:nvSpPr>
+            <p:cNvPr id="5" name="Retângulo 4"/>
+            <p:cNvSpPr/>
+            <p:nvPr/>
+          </p:nvSpPr>
+          <p:spPr>
+            <a:xfrm>
+              <a:off x="2351317" y="1472540"/>
+              <a:ext cx="1246909" cy="1246909"/>
+            </a:xfrm>
+            <a:prstGeom prst="rect">
+              <a:avLst/>
+            </a:prstGeom>
+            <a:noFill/>
+          </p:spPr>
+          <p:style>
+            <a:lnRef idx="2">
+              <a:schemeClr val="accent1">
+                <a:shade val="50000"/>
+              </a:schemeClr>
+            </a:lnRef>
+            <a:fillRef idx="1">
+              <a:schemeClr val="accent1"/>
+            </a:fillRef>
+            <a:effectRef idx="0">
+              <a:schemeClr val="accent1"/>
+            </a:effectRef>
+            <a:fontRef idx="minor">
+              <a:schemeClr val="lt1"/>
+            </a:fontRef>
+          </p:style>
+          <p:txBody>
+            <a:bodyPr rtlCol="0" anchor="ctr"/>
+            <a:lstStyle/>
+            <a:p>
+              <a:pPr algn="ctr"/>
+              <a:endParaRPr lang="pt-BR"/>
+            </a:p>
+          </p:txBody>
+        </p:sp>
+        <p:sp>
+          <p:nvSpPr>
+            <p:cNvPr id="6" name="Retângulo 5"/>
+            <p:cNvSpPr/>
+            <p:nvPr/>
+          </p:nvSpPr>
+          <p:spPr>
+            <a:xfrm>
+              <a:off x="1104407" y="2719449"/>
+              <a:ext cx="1246909" cy="1246909"/>
+            </a:xfrm>
+            <a:prstGeom prst="rect">
+              <a:avLst/>
+            </a:prstGeom>
+            <a:noFill/>
+          </p:spPr>
+          <p:style>
+            <a:lnRef idx="2">
+              <a:schemeClr val="accent1">
+                <a:shade val="50000"/>
+              </a:schemeClr>
+            </a:lnRef>
+            <a:fillRef idx="1">
+              <a:schemeClr val="accent1"/>
+            </a:fillRef>
+            <a:effectRef idx="0">
+              <a:schemeClr val="accent1"/>
+            </a:effectRef>
+            <a:fontRef idx="minor">
+              <a:schemeClr val="lt1"/>
+            </a:fontRef>
+          </p:style>
+          <p:txBody>
+            <a:bodyPr rtlCol="0" anchor="ctr"/>
+            <a:lstStyle/>
+            <a:p>
+              <a:pPr algn="ctr"/>
+              <a:endParaRPr lang="pt-BR"/>
+            </a:p>
+          </p:txBody>
+        </p:sp>
+        <p:sp>
+          <p:nvSpPr>
+            <p:cNvPr id="7" name="Retângulo 6"/>
+            <p:cNvSpPr/>
+            <p:nvPr/>
+          </p:nvSpPr>
+          <p:spPr>
+            <a:xfrm>
+              <a:off x="2351316" y="2719448"/>
+              <a:ext cx="1246909" cy="1246909"/>
+            </a:xfrm>
+            <a:prstGeom prst="rect">
+              <a:avLst/>
+            </a:prstGeom>
+            <a:noFill/>
+          </p:spPr>
+          <p:style>
+            <a:lnRef idx="2">
+              <a:schemeClr val="accent1">
+                <a:shade val="50000"/>
+              </a:schemeClr>
+            </a:lnRef>
+            <a:fillRef idx="1">
+              <a:schemeClr val="accent1"/>
+            </a:fillRef>
+            <a:effectRef idx="0">
+              <a:schemeClr val="accent1"/>
+            </a:effectRef>
+            <a:fontRef idx="minor">
+              <a:schemeClr val="lt1"/>
+            </a:fontRef>
+          </p:style>
+          <p:txBody>
+            <a:bodyPr rtlCol="0" anchor="ctr"/>
+            <a:lstStyle/>
+            <a:p>
+              <a:pPr algn="ctr"/>
+              <a:endParaRPr lang="pt-BR"/>
+            </a:p>
+          </p:txBody>
+        </p:sp>
+        <p:sp>
+          <p:nvSpPr>
+            <p:cNvPr id="8" name="Retângulo 7"/>
+            <p:cNvSpPr/>
+            <p:nvPr/>
+          </p:nvSpPr>
+          <p:spPr>
+            <a:xfrm>
+              <a:off x="1104407" y="3966357"/>
+              <a:ext cx="1246909" cy="1246909"/>
+            </a:xfrm>
+            <a:prstGeom prst="rect">
+              <a:avLst/>
+            </a:prstGeom>
+            <a:noFill/>
+          </p:spPr>
+          <p:style>
+            <a:lnRef idx="2">
+              <a:schemeClr val="accent1">
+                <a:shade val="50000"/>
+              </a:schemeClr>
+            </a:lnRef>
+            <a:fillRef idx="1">
+              <a:schemeClr val="accent1"/>
+            </a:fillRef>
+            <a:effectRef idx="0">
+              <a:schemeClr val="accent1"/>
+            </a:effectRef>
+            <a:fontRef idx="minor">
+              <a:schemeClr val="lt1"/>
+            </a:fontRef>
+          </p:style>
+          <p:txBody>
+            <a:bodyPr rtlCol="0" anchor="ctr"/>
+            <a:lstStyle/>
+            <a:p>
+              <a:pPr algn="ctr"/>
+              <a:endParaRPr lang="pt-BR"/>
+            </a:p>
+          </p:txBody>
+        </p:sp>
+        <p:sp>
+          <p:nvSpPr>
+            <p:cNvPr id="9" name="Retângulo 8"/>
+            <p:cNvSpPr/>
+            <p:nvPr/>
+          </p:nvSpPr>
+          <p:spPr>
+            <a:xfrm>
+              <a:off x="2351316" y="3966356"/>
+              <a:ext cx="1246909" cy="1246909"/>
+            </a:xfrm>
+            <a:prstGeom prst="rect">
+              <a:avLst/>
+            </a:prstGeom>
+            <a:noFill/>
+          </p:spPr>
+          <p:style>
+            <a:lnRef idx="2">
+              <a:schemeClr val="accent1">
+                <a:shade val="50000"/>
+              </a:schemeClr>
+            </a:lnRef>
+            <a:fillRef idx="1">
+              <a:schemeClr val="accent1"/>
+            </a:fillRef>
+            <a:effectRef idx="0">
+              <a:schemeClr val="accent1"/>
+            </a:effectRef>
+            <a:fontRef idx="minor">
+              <a:schemeClr val="lt1"/>
+            </a:fontRef>
+          </p:style>
+          <p:txBody>
+            <a:bodyPr rtlCol="0" anchor="ctr"/>
+            <a:lstStyle/>
+            <a:p>
+              <a:pPr algn="ctr"/>
+              <a:endParaRPr lang="pt-BR"/>
+            </a:p>
+          </p:txBody>
+        </p:sp>
+        <p:sp>
+          <p:nvSpPr>
+            <p:cNvPr id="12" name="Retângulo 11"/>
+            <p:cNvSpPr/>
+            <p:nvPr/>
+          </p:nvSpPr>
+          <p:spPr>
+            <a:xfrm>
+              <a:off x="3598225" y="1472540"/>
+              <a:ext cx="1246909" cy="1246909"/>
+            </a:xfrm>
+            <a:prstGeom prst="rect">
+              <a:avLst/>
+            </a:prstGeom>
+            <a:noFill/>
+          </p:spPr>
+          <p:style>
+            <a:lnRef idx="2">
+              <a:schemeClr val="accent1">
+                <a:shade val="50000"/>
+              </a:schemeClr>
+            </a:lnRef>
+            <a:fillRef idx="1">
+              <a:schemeClr val="accent1"/>
+            </a:fillRef>
+            <a:effectRef idx="0">
+              <a:schemeClr val="accent1"/>
+            </a:effectRef>
+            <a:fontRef idx="minor">
+              <a:schemeClr val="lt1"/>
+            </a:fontRef>
+          </p:style>
+          <p:txBody>
+            <a:bodyPr rtlCol="0" anchor="ctr"/>
+            <a:lstStyle/>
+            <a:p>
+              <a:pPr algn="ctr"/>
+              <a:endParaRPr lang="pt-BR"/>
+            </a:p>
+          </p:txBody>
+        </p:sp>
+        <p:sp>
+          <p:nvSpPr>
+            <p:cNvPr id="13" name="Retângulo 12"/>
+            <p:cNvSpPr/>
+            <p:nvPr/>
+          </p:nvSpPr>
+          <p:spPr>
+            <a:xfrm>
+              <a:off x="3598224" y="2719448"/>
+              <a:ext cx="1246909" cy="1246909"/>
+            </a:xfrm>
+            <a:prstGeom prst="rect">
+              <a:avLst/>
+            </a:prstGeom>
+            <a:noFill/>
+          </p:spPr>
+          <p:style>
+            <a:lnRef idx="2">
+              <a:schemeClr val="accent1">
+                <a:shade val="50000"/>
+              </a:schemeClr>
+            </a:lnRef>
+            <a:fillRef idx="1">
+              <a:schemeClr val="accent1"/>
+            </a:fillRef>
+            <a:effectRef idx="0">
+              <a:schemeClr val="accent1"/>
+            </a:effectRef>
+            <a:fontRef idx="minor">
+              <a:schemeClr val="lt1"/>
+            </a:fontRef>
+          </p:style>
+          <p:txBody>
+            <a:bodyPr rtlCol="0" anchor="ctr"/>
+            <a:lstStyle/>
+            <a:p>
+              <a:pPr algn="ctr"/>
+              <a:endParaRPr lang="pt-BR"/>
+            </a:p>
+          </p:txBody>
+        </p:sp>
+        <p:sp>
+          <p:nvSpPr>
+            <p:cNvPr id="14" name="Retângulo 13"/>
+            <p:cNvSpPr/>
+            <p:nvPr/>
+          </p:nvSpPr>
+          <p:spPr>
+            <a:xfrm>
+              <a:off x="3598224" y="3966356"/>
+              <a:ext cx="1246909" cy="1246909"/>
+            </a:xfrm>
+            <a:prstGeom prst="rect">
+              <a:avLst/>
+            </a:prstGeom>
+            <a:noFill/>
+          </p:spPr>
+          <p:style>
+            <a:lnRef idx="2">
+              <a:schemeClr val="accent1">
+                <a:shade val="50000"/>
+              </a:schemeClr>
+            </a:lnRef>
+            <a:fillRef idx="1">
+              <a:schemeClr val="accent1"/>
+            </a:fillRef>
+            <a:effectRef idx="0">
+              <a:schemeClr val="accent1"/>
+            </a:effectRef>
+            <a:fontRef idx="minor">
+              <a:schemeClr val="lt1"/>
+            </a:fontRef>
+          </p:style>
+          <p:txBody>
+            <a:bodyPr rtlCol="0" anchor="ctr"/>
+            <a:lstStyle/>
+            <a:p>
+              <a:pPr algn="ctr"/>
+              <a:endParaRPr lang="pt-BR"/>
+            </a:p>
+          </p:txBody>
+        </p:sp>
+      </p:grpSp>
+      <p:sp>
+        <p:nvSpPr>
+          <p:cNvPr id="16" name="Elipse 15"/>
+          <p:cNvSpPr/>
+          <p:nvPr/>
+        </p:nvSpPr>
+        <p:spPr>
+          <a:xfrm>
+            <a:off x="4280064" y="1142017"/>
+            <a:ext cx="213756" cy="213756"/>
+          </a:xfrm>
+          <a:prstGeom prst="ellipse">
+            <a:avLst/>
+          </a:prstGeom>
+        </p:spPr>
+        <p:style>
+          <a:lnRef idx="2">
+            <a:schemeClr val="accent1">
+              <a:shade val="50000"/>
+            </a:schemeClr>
+          </a:lnRef>
+          <a:fillRef idx="1">
+            <a:schemeClr val="accent1"/>
+          </a:fillRef>
+          <a:effectRef idx="0">
+            <a:schemeClr val="accent1"/>
+          </a:effectRef>
+          <a:fontRef idx="minor">
+            <a:schemeClr val="lt1"/>
+          </a:fontRef>
+        </p:style>
+        <p:txBody>
+          <a:bodyPr rtlCol="0" anchor="ctr"/>
+          <a:lstStyle/>
+          <a:p>
+            <a:pPr algn="ctr"/>
+            <a:endParaRPr lang="pt-BR"/>
+          </a:p>
+        </p:txBody>
+      </p:sp>
+      <p:sp>
+        <p:nvSpPr>
+          <p:cNvPr id="17" name="Elipse 16"/>
+          <p:cNvSpPr/>
+          <p:nvPr/>
+        </p:nvSpPr>
+        <p:spPr>
+          <a:xfrm>
+            <a:off x="4099955" y="1878526"/>
+            <a:ext cx="213756" cy="213756"/>
+          </a:xfrm>
+          <a:prstGeom prst="ellipse">
+            <a:avLst/>
+          </a:prstGeom>
+        </p:spPr>
+        <p:style>
+          <a:lnRef idx="2">
+            <a:schemeClr val="accent1">
+              <a:shade val="50000"/>
+            </a:schemeClr>
+          </a:lnRef>
+          <a:fillRef idx="1">
+            <a:schemeClr val="accent1"/>
+          </a:fillRef>
+          <a:effectRef idx="0">
+            <a:schemeClr val="accent1"/>
+          </a:effectRef>
+          <a:fontRef idx="minor">
+            <a:schemeClr val="lt1"/>
+          </a:fontRef>
+        </p:style>
+        <p:txBody>
+          <a:bodyPr rtlCol="0" anchor="ctr"/>
+          <a:lstStyle/>
+          <a:p>
+            <a:pPr algn="ctr"/>
+            <a:endParaRPr lang="pt-BR"/>
+          </a:p>
+        </p:txBody>
+      </p:sp>
+      <p:sp>
+        <p:nvSpPr>
+          <p:cNvPr id="20" name="Elipse 19"/>
+          <p:cNvSpPr/>
+          <p:nvPr/>
+        </p:nvSpPr>
+        <p:spPr>
+          <a:xfrm>
+            <a:off x="3933699" y="2750620"/>
+            <a:ext cx="213756" cy="213756"/>
+          </a:xfrm>
+          <a:prstGeom prst="ellipse">
+            <a:avLst/>
+          </a:prstGeom>
+        </p:spPr>
+        <p:style>
+          <a:lnRef idx="2">
+            <a:schemeClr val="accent1">
+              <a:shade val="50000"/>
+            </a:schemeClr>
+          </a:lnRef>
+          <a:fillRef idx="1">
+            <a:schemeClr val="accent1"/>
+          </a:fillRef>
+          <a:effectRef idx="0">
+            <a:schemeClr val="accent1"/>
+          </a:effectRef>
+          <a:fontRef idx="minor">
+            <a:schemeClr val="lt1"/>
+          </a:fontRef>
+        </p:style>
+        <p:txBody>
+          <a:bodyPr rtlCol="0" anchor="ctr"/>
+          <a:lstStyle/>
+          <a:p>
+            <a:pPr algn="ctr"/>
+            <a:endParaRPr lang="pt-BR"/>
+          </a:p>
+        </p:txBody>
+      </p:sp>
+      <p:sp>
+        <p:nvSpPr>
+          <p:cNvPr id="22" name="Elipse 21"/>
+          <p:cNvSpPr/>
+          <p:nvPr/>
+        </p:nvSpPr>
+        <p:spPr>
+          <a:xfrm>
+            <a:off x="3283529" y="4885209"/>
+            <a:ext cx="213756" cy="213756"/>
+          </a:xfrm>
+          <a:prstGeom prst="ellipse">
+            <a:avLst/>
+          </a:prstGeom>
+        </p:spPr>
+        <p:style>
+          <a:lnRef idx="2">
+            <a:schemeClr val="accent1">
+              <a:shade val="50000"/>
+            </a:schemeClr>
+          </a:lnRef>
+          <a:fillRef idx="1">
+            <a:schemeClr val="accent1"/>
+          </a:fillRef>
+          <a:effectRef idx="0">
+            <a:schemeClr val="accent1"/>
+          </a:effectRef>
+          <a:fontRef idx="minor">
+            <a:schemeClr val="lt1"/>
+          </a:fontRef>
+        </p:style>
+        <p:txBody>
+          <a:bodyPr rtlCol="0" anchor="ctr"/>
+          <a:lstStyle/>
+          <a:p>
+            <a:pPr algn="ctr"/>
+            <a:endParaRPr lang="pt-BR"/>
+          </a:p>
+        </p:txBody>
+      </p:sp>
+      <p:sp>
+        <p:nvSpPr>
+          <p:cNvPr id="23" name="Elipse 22"/>
+          <p:cNvSpPr/>
+          <p:nvPr/>
+        </p:nvSpPr>
+        <p:spPr>
+          <a:xfrm>
+            <a:off x="3675412" y="3816429"/>
+            <a:ext cx="213756" cy="213756"/>
+          </a:xfrm>
+          <a:prstGeom prst="ellipse">
+            <a:avLst/>
+          </a:prstGeom>
+        </p:spPr>
+        <p:style>
+          <a:lnRef idx="2">
+            <a:schemeClr val="accent1">
+              <a:shade val="50000"/>
+            </a:schemeClr>
+          </a:lnRef>
+          <a:fillRef idx="1">
+            <a:schemeClr val="accent1"/>
+          </a:fillRef>
+          <a:effectRef idx="0">
+            <a:schemeClr val="accent1"/>
+          </a:effectRef>
+          <a:fontRef idx="minor">
+            <a:schemeClr val="lt1"/>
+          </a:fontRef>
+        </p:style>
+        <p:txBody>
+          <a:bodyPr rtlCol="0" anchor="ctr"/>
+          <a:lstStyle/>
+          <a:p>
+            <a:pPr algn="ctr"/>
+            <a:endParaRPr lang="pt-BR"/>
+          </a:p>
+        </p:txBody>
+      </p:sp>
+      <p:sp>
+        <p:nvSpPr>
+          <p:cNvPr id="33" name="Retângulo 32"/>
+          <p:cNvSpPr/>
+          <p:nvPr/>
+        </p:nvSpPr>
+        <p:spPr>
+          <a:xfrm>
+            <a:off x="6624446" y="1256812"/>
+            <a:ext cx="1246909" cy="1246909"/>
+          </a:xfrm>
+          <a:prstGeom prst="rect">
+            <a:avLst/>
+          </a:prstGeom>
+          <a:noFill/>
+        </p:spPr>
+        <p:style>
+          <a:lnRef idx="2">
+            <a:schemeClr val="accent1">
+              <a:shade val="50000"/>
+            </a:schemeClr>
+          </a:lnRef>
+          <a:fillRef idx="1">
+            <a:schemeClr val="accent1"/>
+          </a:fillRef>
+          <a:effectRef idx="0">
+            <a:schemeClr val="accent1"/>
+          </a:effectRef>
+          <a:fontRef idx="minor">
+            <a:schemeClr val="lt1"/>
+          </a:fontRef>
+        </p:style>
+        <p:txBody>
+          <a:bodyPr rtlCol="0" anchor="ctr"/>
+          <a:lstStyle/>
+          <a:p>
+            <a:pPr algn="ctr"/>
+            <a:endParaRPr lang="pt-BR"/>
+          </a:p>
+        </p:txBody>
+      </p:sp>
+      <p:sp>
+        <p:nvSpPr>
+          <p:cNvPr id="36" name="Retângulo 35"/>
+          <p:cNvSpPr/>
+          <p:nvPr/>
+        </p:nvSpPr>
+        <p:spPr>
+          <a:xfrm>
+            <a:off x="7871355" y="1256812"/>
+            <a:ext cx="1246909" cy="1246909"/>
+          </a:xfrm>
+          <a:prstGeom prst="rect">
+            <a:avLst/>
+          </a:prstGeom>
+          <a:noFill/>
+        </p:spPr>
+        <p:style>
+          <a:lnRef idx="2">
+            <a:schemeClr val="accent1">
+              <a:shade val="50000"/>
+            </a:schemeClr>
+          </a:lnRef>
+          <a:fillRef idx="1">
+            <a:schemeClr val="accent1"/>
+          </a:fillRef>
+          <a:effectRef idx="0">
+            <a:schemeClr val="accent1"/>
+          </a:effectRef>
+          <a:fontRef idx="minor">
+            <a:schemeClr val="lt1"/>
+          </a:fontRef>
+        </p:style>
+        <p:txBody>
+          <a:bodyPr rtlCol="0" anchor="ctr"/>
+          <a:lstStyle/>
+          <a:p>
+            <a:pPr algn="ctr"/>
+            <a:endParaRPr lang="pt-BR"/>
+          </a:p>
+        </p:txBody>
+      </p:sp>
+      <p:sp>
+        <p:nvSpPr>
+          <p:cNvPr id="37" name="Retângulo 36"/>
+          <p:cNvSpPr/>
+          <p:nvPr/>
+        </p:nvSpPr>
+        <p:spPr>
+          <a:xfrm>
+            <a:off x="6624445" y="2503721"/>
+            <a:ext cx="1246909" cy="1246909"/>
+          </a:xfrm>
+          <a:prstGeom prst="rect">
+            <a:avLst/>
+          </a:prstGeom>
+          <a:noFill/>
+        </p:spPr>
+        <p:style>
+          <a:lnRef idx="2">
+            <a:schemeClr val="accent1">
+              <a:shade val="50000"/>
+            </a:schemeClr>
+          </a:lnRef>
+          <a:fillRef idx="1">
+            <a:schemeClr val="accent1"/>
+          </a:fillRef>
+          <a:effectRef idx="0">
+            <a:schemeClr val="accent1"/>
+          </a:effectRef>
+          <a:fontRef idx="minor">
+            <a:schemeClr val="lt1"/>
+          </a:fontRef>
+        </p:style>
+        <p:txBody>
+          <a:bodyPr rtlCol="0" anchor="ctr"/>
+          <a:lstStyle/>
+          <a:p>
+            <a:pPr algn="ctr"/>
+            <a:endParaRPr lang="pt-BR"/>
+          </a:p>
+        </p:txBody>
+      </p:sp>
+      <p:sp>
+        <p:nvSpPr>
+          <p:cNvPr id="39" name="Retângulo 38"/>
+          <p:cNvSpPr/>
+          <p:nvPr/>
+        </p:nvSpPr>
+        <p:spPr>
+          <a:xfrm>
+            <a:off x="7871354" y="2503720"/>
+            <a:ext cx="1246909" cy="1246909"/>
+          </a:xfrm>
+          <a:prstGeom prst="rect">
+            <a:avLst/>
+          </a:prstGeom>
+          <a:noFill/>
+        </p:spPr>
+        <p:style>
+          <a:lnRef idx="2">
+            <a:schemeClr val="accent1">
+              <a:shade val="50000"/>
+            </a:schemeClr>
+          </a:lnRef>
+          <a:fillRef idx="1">
+            <a:schemeClr val="accent1"/>
+          </a:fillRef>
+          <a:effectRef idx="0">
+            <a:schemeClr val="accent1"/>
+          </a:effectRef>
+          <a:fontRef idx="minor">
+            <a:schemeClr val="lt1"/>
+          </a:fontRef>
+        </p:style>
+        <p:txBody>
+          <a:bodyPr rtlCol="0" anchor="ctr"/>
+          <a:lstStyle/>
+          <a:p>
+            <a:pPr algn="ctr"/>
+            <a:endParaRPr lang="pt-BR"/>
+          </a:p>
+        </p:txBody>
+      </p:sp>
+      <p:sp>
+        <p:nvSpPr>
+          <p:cNvPr id="40" name="Retângulo 39"/>
+          <p:cNvSpPr/>
+          <p:nvPr/>
+        </p:nvSpPr>
+        <p:spPr>
+          <a:xfrm>
+            <a:off x="6624445" y="3750629"/>
+            <a:ext cx="1246909" cy="1246909"/>
+          </a:xfrm>
+          <a:prstGeom prst="rect">
+            <a:avLst/>
+          </a:prstGeom>
+          <a:noFill/>
+        </p:spPr>
+        <p:style>
+          <a:lnRef idx="2">
+            <a:schemeClr val="accent1">
+              <a:shade val="50000"/>
+            </a:schemeClr>
+          </a:lnRef>
+          <a:fillRef idx="1">
+            <a:schemeClr val="accent1"/>
+          </a:fillRef>
+          <a:effectRef idx="0">
+            <a:schemeClr val="accent1"/>
+          </a:effectRef>
+          <a:fontRef idx="minor">
+            <a:schemeClr val="lt1"/>
+          </a:fontRef>
+        </p:style>
+        <p:txBody>
+          <a:bodyPr rtlCol="0" anchor="ctr"/>
+          <a:lstStyle/>
+          <a:p>
+            <a:pPr algn="ctr"/>
+            <a:endParaRPr lang="pt-BR"/>
+          </a:p>
+        </p:txBody>
+      </p:sp>
+      <p:sp>
+        <p:nvSpPr>
+          <p:cNvPr id="42" name="Retângulo 41"/>
+          <p:cNvSpPr/>
+          <p:nvPr/>
+        </p:nvSpPr>
+        <p:spPr>
+          <a:xfrm>
+            <a:off x="7871354" y="3750628"/>
+            <a:ext cx="1246909" cy="1246909"/>
+          </a:xfrm>
+          <a:prstGeom prst="rect">
+            <a:avLst/>
+          </a:prstGeom>
+          <a:noFill/>
+        </p:spPr>
+        <p:style>
+          <a:lnRef idx="2">
+            <a:schemeClr val="accent1">
+              <a:shade val="50000"/>
+            </a:schemeClr>
+          </a:lnRef>
+          <a:fillRef idx="1">
+            <a:schemeClr val="accent1"/>
+          </a:fillRef>
+          <a:effectRef idx="0">
+            <a:schemeClr val="accent1"/>
+          </a:effectRef>
+          <a:fontRef idx="minor">
+            <a:schemeClr val="lt1"/>
+          </a:fontRef>
+        </p:style>
+        <p:txBody>
+          <a:bodyPr rtlCol="0" anchor="ctr"/>
+          <a:lstStyle/>
+          <a:p>
+            <a:pPr algn="ctr"/>
+            <a:endParaRPr lang="pt-BR"/>
+          </a:p>
+        </p:txBody>
+      </p:sp>
+      <p:sp>
+        <p:nvSpPr>
+          <p:cNvPr id="43" name="Retângulo 42"/>
+          <p:cNvSpPr/>
+          <p:nvPr/>
+        </p:nvSpPr>
+        <p:spPr>
+          <a:xfrm>
+            <a:off x="9118263" y="1256812"/>
+            <a:ext cx="1246909" cy="1246909"/>
+          </a:xfrm>
+          <a:prstGeom prst="rect">
+            <a:avLst/>
+          </a:prstGeom>
+          <a:noFill/>
+        </p:spPr>
+        <p:style>
+          <a:lnRef idx="2">
+            <a:schemeClr val="accent1">
+              <a:shade val="50000"/>
+            </a:schemeClr>
+          </a:lnRef>
+          <a:fillRef idx="1">
+            <a:schemeClr val="accent1"/>
+          </a:fillRef>
+          <a:effectRef idx="0">
+            <a:schemeClr val="accent1"/>
+          </a:effectRef>
+          <a:fontRef idx="minor">
+            <a:schemeClr val="lt1"/>
+          </a:fontRef>
+        </p:style>
+        <p:txBody>
+          <a:bodyPr rtlCol="0" anchor="ctr"/>
+          <a:lstStyle/>
+          <a:p>
+            <a:pPr algn="ctr"/>
+            <a:endParaRPr lang="pt-BR"/>
+          </a:p>
+        </p:txBody>
+      </p:sp>
+      <p:sp>
+        <p:nvSpPr>
+          <p:cNvPr id="44" name="Retângulo 43"/>
+          <p:cNvSpPr/>
+          <p:nvPr/>
+        </p:nvSpPr>
+        <p:spPr>
+          <a:xfrm>
+            <a:off x="9118262" y="2503720"/>
+            <a:ext cx="1246909" cy="1246909"/>
+          </a:xfrm>
+          <a:prstGeom prst="rect">
+            <a:avLst/>
+          </a:prstGeom>
+          <a:noFill/>
+        </p:spPr>
+        <p:style>
+          <a:lnRef idx="2">
+            <a:schemeClr val="accent1">
+              <a:shade val="50000"/>
+            </a:schemeClr>
+          </a:lnRef>
+          <a:fillRef idx="1">
+            <a:schemeClr val="accent1"/>
+          </a:fillRef>
+          <a:effectRef idx="0">
+            <a:schemeClr val="accent1"/>
+          </a:effectRef>
+          <a:fontRef idx="minor">
+            <a:schemeClr val="lt1"/>
+          </a:fontRef>
+        </p:style>
+        <p:txBody>
+          <a:bodyPr rtlCol="0" anchor="ctr"/>
+          <a:lstStyle/>
+          <a:p>
+            <a:pPr algn="ctr"/>
+            <a:endParaRPr lang="pt-BR"/>
+          </a:p>
+        </p:txBody>
+      </p:sp>
+      <p:sp>
+        <p:nvSpPr>
+          <p:cNvPr id="45" name="Retângulo 44"/>
+          <p:cNvSpPr/>
+          <p:nvPr/>
+        </p:nvSpPr>
+        <p:spPr>
+          <a:xfrm>
+            <a:off x="9118262" y="3750628"/>
+            <a:ext cx="1246909" cy="1246909"/>
+          </a:xfrm>
+          <a:prstGeom prst="rect">
+            <a:avLst/>
+          </a:prstGeom>
+          <a:noFill/>
+        </p:spPr>
+        <p:style>
+          <a:lnRef idx="2">
+            <a:schemeClr val="accent1">
+              <a:shade val="50000"/>
+            </a:schemeClr>
+          </a:lnRef>
+          <a:fillRef idx="1">
+            <a:schemeClr val="accent1"/>
+          </a:fillRef>
+          <a:effectRef idx="0">
+            <a:schemeClr val="accent1"/>
+          </a:effectRef>
+          <a:fontRef idx="minor">
+            <a:schemeClr val="lt1"/>
+          </a:fontRef>
+        </p:style>
+        <p:txBody>
+          <a:bodyPr rtlCol="0" anchor="ctr"/>
+          <a:lstStyle/>
+          <a:p>
+            <a:pPr algn="ctr"/>
+            <a:endParaRPr lang="pt-BR"/>
+          </a:p>
+        </p:txBody>
+      </p:sp>
+      <p:sp>
+        <p:nvSpPr>
+          <p:cNvPr id="46" name="Elipse 45"/>
+          <p:cNvSpPr/>
+          <p:nvPr/>
+        </p:nvSpPr>
+        <p:spPr>
+          <a:xfrm>
+            <a:off x="8487878" y="2318660"/>
+            <a:ext cx="213756" cy="213756"/>
+          </a:xfrm>
+          <a:prstGeom prst="ellipse">
+            <a:avLst/>
+          </a:prstGeom>
+        </p:spPr>
+        <p:style>
+          <a:lnRef idx="2">
+            <a:schemeClr val="accent1">
+              <a:shade val="50000"/>
+            </a:schemeClr>
+          </a:lnRef>
+          <a:fillRef idx="1">
+            <a:schemeClr val="accent1"/>
+          </a:fillRef>
+          <a:effectRef idx="0">
+            <a:schemeClr val="accent1"/>
+          </a:effectRef>
+          <a:fontRef idx="minor">
+            <a:schemeClr val="lt1"/>
+          </a:fontRef>
+        </p:style>
+        <p:txBody>
+          <a:bodyPr rtlCol="0" anchor="ctr"/>
+          <a:lstStyle/>
+          <a:p>
+            <a:pPr algn="ctr"/>
+            <a:endParaRPr lang="pt-BR"/>
+          </a:p>
+        </p:txBody>
+      </p:sp>
+      <p:sp>
+        <p:nvSpPr>
+          <p:cNvPr id="47" name="Elipse 46"/>
+          <p:cNvSpPr/>
+          <p:nvPr/>
+        </p:nvSpPr>
+        <p:spPr>
+          <a:xfrm>
+            <a:off x="8601686" y="1878526"/>
+            <a:ext cx="213756" cy="213756"/>
+          </a:xfrm>
+          <a:prstGeom prst="ellipse">
+            <a:avLst/>
+          </a:prstGeom>
+        </p:spPr>
+        <p:style>
+          <a:lnRef idx="2">
+            <a:schemeClr val="accent1">
+              <a:shade val="50000"/>
+            </a:schemeClr>
+          </a:lnRef>
+          <a:fillRef idx="1">
+            <a:schemeClr val="accent1"/>
+          </a:fillRef>
+          <a:effectRef idx="0">
+            <a:schemeClr val="accent1"/>
+          </a:effectRef>
+          <a:fontRef idx="minor">
+            <a:schemeClr val="lt1"/>
+          </a:fontRef>
+        </p:style>
+        <p:txBody>
+          <a:bodyPr rtlCol="0" anchor="ctr"/>
+          <a:lstStyle/>
+          <a:p>
+            <a:pPr algn="ctr"/>
+            <a:endParaRPr lang="pt-BR"/>
+          </a:p>
+        </p:txBody>
+      </p:sp>
+      <p:sp>
+        <p:nvSpPr>
+          <p:cNvPr id="48" name="Elipse 47"/>
+          <p:cNvSpPr/>
+          <p:nvPr/>
+        </p:nvSpPr>
+        <p:spPr>
+          <a:xfrm>
+            <a:off x="8708564" y="1393624"/>
+            <a:ext cx="213756" cy="213756"/>
+          </a:xfrm>
+          <a:prstGeom prst="ellipse">
+            <a:avLst/>
+          </a:prstGeom>
+        </p:spPr>
+        <p:style>
+          <a:lnRef idx="2">
+            <a:schemeClr val="accent1">
+              <a:shade val="50000"/>
+            </a:schemeClr>
+          </a:lnRef>
+          <a:fillRef idx="1">
+            <a:schemeClr val="accent1"/>
+          </a:fillRef>
+          <a:effectRef idx="0">
+            <a:schemeClr val="accent1"/>
+          </a:effectRef>
+          <a:fontRef idx="minor">
+            <a:schemeClr val="lt1"/>
+          </a:fontRef>
+        </p:style>
+        <p:txBody>
+          <a:bodyPr rtlCol="0" anchor="ctr"/>
+          <a:lstStyle/>
+          <a:p>
+            <a:pPr algn="ctr"/>
+            <a:endParaRPr lang="pt-BR"/>
+          </a:p>
+        </p:txBody>
+      </p:sp>
+      <p:sp>
+        <p:nvSpPr>
+          <p:cNvPr id="49" name="Elipse 48"/>
+          <p:cNvSpPr/>
+          <p:nvPr/>
+        </p:nvSpPr>
+        <p:spPr>
+          <a:xfrm>
+            <a:off x="8325576" y="3094655"/>
+            <a:ext cx="213756" cy="213756"/>
+          </a:xfrm>
+          <a:prstGeom prst="ellipse">
+            <a:avLst/>
+          </a:prstGeom>
+        </p:spPr>
+        <p:style>
+          <a:lnRef idx="2">
+            <a:schemeClr val="accent1">
+              <a:shade val="50000"/>
+            </a:schemeClr>
+          </a:lnRef>
+          <a:fillRef idx="1">
+            <a:schemeClr val="accent1"/>
+          </a:fillRef>
+          <a:effectRef idx="0">
+            <a:schemeClr val="accent1"/>
+          </a:effectRef>
+          <a:fontRef idx="minor">
+            <a:schemeClr val="lt1"/>
+          </a:fontRef>
+        </p:style>
+        <p:txBody>
+          <a:bodyPr rtlCol="0" anchor="ctr"/>
+          <a:lstStyle/>
+          <a:p>
+            <a:pPr algn="ctr"/>
+            <a:endParaRPr lang="pt-BR"/>
+          </a:p>
+        </p:txBody>
+      </p:sp>
+      <p:sp>
+        <p:nvSpPr>
+          <p:cNvPr id="50" name="Elipse 49"/>
+          <p:cNvSpPr/>
+          <p:nvPr/>
+        </p:nvSpPr>
+        <p:spPr>
+          <a:xfrm>
+            <a:off x="8439383" y="2730232"/>
+            <a:ext cx="213756" cy="213756"/>
+          </a:xfrm>
+          <a:prstGeom prst="ellipse">
+            <a:avLst/>
+          </a:prstGeom>
+        </p:spPr>
+        <p:style>
+          <a:lnRef idx="2">
+            <a:schemeClr val="accent1">
+              <a:shade val="50000"/>
+            </a:schemeClr>
+          </a:lnRef>
+          <a:fillRef idx="1">
+            <a:schemeClr val="accent1"/>
+          </a:fillRef>
+          <a:effectRef idx="0">
+            <a:schemeClr val="accent1"/>
+          </a:effectRef>
+          <a:fontRef idx="minor">
+            <a:schemeClr val="lt1"/>
+          </a:fontRef>
+        </p:style>
+        <p:txBody>
+          <a:bodyPr rtlCol="0" anchor="ctr"/>
+          <a:lstStyle/>
+          <a:p>
+            <a:pPr algn="ctr"/>
+            <a:endParaRPr lang="pt-BR"/>
+          </a:p>
+        </p:txBody>
+      </p:sp>
+      <p:sp>
+        <p:nvSpPr>
+          <p:cNvPr id="51" name="Elipse 50"/>
+          <p:cNvSpPr/>
+          <p:nvPr/>
+        </p:nvSpPr>
+        <p:spPr>
+          <a:xfrm>
+            <a:off x="7973267" y="4531105"/>
+            <a:ext cx="213756" cy="213756"/>
+          </a:xfrm>
+          <a:prstGeom prst="ellipse">
+            <a:avLst/>
+          </a:prstGeom>
+        </p:spPr>
+        <p:style>
+          <a:lnRef idx="2">
+            <a:schemeClr val="accent1">
+              <a:shade val="50000"/>
+            </a:schemeClr>
+          </a:lnRef>
+          <a:fillRef idx="1">
+            <a:schemeClr val="accent1"/>
+          </a:fillRef>
+          <a:effectRef idx="0">
+            <a:schemeClr val="accent1"/>
+          </a:effectRef>
+          <a:fontRef idx="minor">
+            <a:schemeClr val="lt1"/>
+          </a:fontRef>
+        </p:style>
+        <p:txBody>
+          <a:bodyPr rtlCol="0" anchor="ctr"/>
+          <a:lstStyle/>
+          <a:p>
+            <a:pPr algn="ctr"/>
+            <a:endParaRPr lang="pt-BR"/>
+          </a:p>
+        </p:txBody>
+      </p:sp>
+      <p:sp>
+        <p:nvSpPr>
+          <p:cNvPr id="52" name="Elipse 51"/>
+          <p:cNvSpPr/>
+          <p:nvPr/>
+        </p:nvSpPr>
+        <p:spPr>
+          <a:xfrm>
+            <a:off x="8111820" y="3855462"/>
+            <a:ext cx="213756" cy="213756"/>
+          </a:xfrm>
+          <a:prstGeom prst="ellipse">
+            <a:avLst/>
+          </a:prstGeom>
+        </p:spPr>
+        <p:style>
+          <a:lnRef idx="2">
+            <a:schemeClr val="accent1">
+              <a:shade val="50000"/>
+            </a:schemeClr>
+          </a:lnRef>
+          <a:fillRef idx="1">
+            <a:schemeClr val="accent1"/>
+          </a:fillRef>
+          <a:effectRef idx="0">
+            <a:schemeClr val="accent1"/>
+          </a:effectRef>
+          <a:fontRef idx="minor">
+            <a:schemeClr val="lt1"/>
+          </a:fontRef>
+        </p:style>
+        <p:txBody>
+          <a:bodyPr rtlCol="0" anchor="ctr"/>
+          <a:lstStyle/>
+          <a:p>
+            <a:pPr algn="ctr"/>
+            <a:endParaRPr lang="pt-BR"/>
+          </a:p>
+        </p:txBody>
+      </p:sp>
+      <p:sp>
+        <p:nvSpPr>
+          <p:cNvPr id="53" name="Elipse 52"/>
+          <p:cNvSpPr/>
+          <p:nvPr/>
+        </p:nvSpPr>
+        <p:spPr>
+          <a:xfrm>
+            <a:off x="8218698" y="3448869"/>
+            <a:ext cx="213756" cy="213756"/>
+          </a:xfrm>
+          <a:prstGeom prst="ellipse">
+            <a:avLst/>
+          </a:prstGeom>
+        </p:spPr>
+        <p:style>
+          <a:lnRef idx="2">
+            <a:schemeClr val="accent1">
+              <a:shade val="50000"/>
+            </a:schemeClr>
+          </a:lnRef>
+          <a:fillRef idx="1">
+            <a:schemeClr val="accent1"/>
+          </a:fillRef>
+          <a:effectRef idx="0">
+            <a:schemeClr val="accent1"/>
+          </a:effectRef>
+          <a:fontRef idx="minor">
+            <a:schemeClr val="lt1"/>
+          </a:fontRef>
+        </p:style>
+        <p:txBody>
+          <a:bodyPr rtlCol="0" anchor="ctr"/>
+          <a:lstStyle/>
+          <a:p>
+            <a:pPr algn="ctr"/>
+            <a:endParaRPr lang="pt-BR"/>
+          </a:p>
+        </p:txBody>
+      </p:sp>
+      <p:sp>
+        <p:nvSpPr>
+          <p:cNvPr id="54" name="Elipse 53"/>
+          <p:cNvSpPr/>
+          <p:nvPr/>
+        </p:nvSpPr>
+        <p:spPr>
+          <a:xfrm>
+            <a:off x="8068270" y="4207162"/>
+            <a:ext cx="213756" cy="213756"/>
+          </a:xfrm>
+          <a:prstGeom prst="ellipse">
+            <a:avLst/>
+          </a:prstGeom>
+        </p:spPr>
+        <p:style>
+          <a:lnRef idx="2">
+            <a:schemeClr val="accent1">
+              <a:shade val="50000"/>
+            </a:schemeClr>
+          </a:lnRef>
+          <a:fillRef idx="1">
+            <a:schemeClr val="accent1"/>
+          </a:fillRef>
+          <a:effectRef idx="0">
+            <a:schemeClr val="accent1"/>
+          </a:effectRef>
+          <a:fontRef idx="minor">
+            <a:schemeClr val="lt1"/>
+          </a:fontRef>
+        </p:style>
+        <p:txBody>
+          <a:bodyPr rtlCol="0" anchor="ctr"/>
+          <a:lstStyle/>
+          <a:p>
+            <a:pPr algn="ctr"/>
+            <a:endParaRPr lang="pt-BR"/>
+          </a:p>
+        </p:txBody>
+      </p:sp>
+      <p:grpSp>
+        <p:nvGrpSpPr>
+          <p:cNvPr id="55" name="Grupo 54"/>
+          <p:cNvGrpSpPr/>
+          <p:nvPr/>
+        </p:nvGrpSpPr>
+        <p:grpSpPr>
+          <a:xfrm>
+            <a:off x="1900051" y="2478480"/>
+            <a:ext cx="3740727" cy="1256808"/>
+            <a:chOff x="1104407" y="1472540"/>
+            <a:chExt cx="3740727" cy="3740726"/>
+          </a:xfrm>
+        </p:grpSpPr>
+        <p:sp>
+          <p:nvSpPr>
+            <p:cNvPr id="56" name="Retângulo 55"/>
+            <p:cNvSpPr/>
+            <p:nvPr/>
+          </p:nvSpPr>
+          <p:spPr>
+            <a:xfrm>
+              <a:off x="1104408" y="1472540"/>
+              <a:ext cx="1246909" cy="1246909"/>
+            </a:xfrm>
+            <a:prstGeom prst="rect">
+              <a:avLst/>
+            </a:prstGeom>
+            <a:noFill/>
+          </p:spPr>
+          <p:style>
+            <a:lnRef idx="2">
+              <a:schemeClr val="accent1">
+                <a:shade val="50000"/>
+              </a:schemeClr>
+            </a:lnRef>
+            <a:fillRef idx="1">
+              <a:schemeClr val="accent1"/>
+            </a:fillRef>
+            <a:effectRef idx="0">
+              <a:schemeClr val="accent1"/>
+            </a:effectRef>
+            <a:fontRef idx="minor">
+              <a:schemeClr val="lt1"/>
+            </a:fontRef>
+          </p:style>
+          <p:txBody>
+            <a:bodyPr rtlCol="0" anchor="ctr"/>
+            <a:lstStyle/>
+            <a:p>
+              <a:pPr algn="ctr"/>
+              <a:endParaRPr lang="pt-BR"/>
+            </a:p>
+          </p:txBody>
+        </p:sp>
+        <p:sp>
+          <p:nvSpPr>
+            <p:cNvPr id="57" name="Retângulo 56"/>
+            <p:cNvSpPr/>
+            <p:nvPr/>
+          </p:nvSpPr>
+          <p:spPr>
+            <a:xfrm>
+              <a:off x="2351317" y="1472540"/>
+              <a:ext cx="1246909" cy="1246909"/>
+            </a:xfrm>
+            <a:prstGeom prst="rect">
+              <a:avLst/>
+            </a:prstGeom>
+            <a:noFill/>
+          </p:spPr>
+          <p:style>
+            <a:lnRef idx="2">
+              <a:schemeClr val="accent1">
+                <a:shade val="50000"/>
+              </a:schemeClr>
+            </a:lnRef>
+            <a:fillRef idx="1">
+              <a:schemeClr val="accent1"/>
+            </a:fillRef>
+            <a:effectRef idx="0">
+              <a:schemeClr val="accent1"/>
+            </a:effectRef>
+            <a:fontRef idx="minor">
+              <a:schemeClr val="lt1"/>
+            </a:fontRef>
+          </p:style>
+          <p:txBody>
+            <a:bodyPr rtlCol="0" anchor="ctr"/>
+            <a:lstStyle/>
+            <a:p>
+              <a:pPr algn="ctr"/>
+              <a:endParaRPr lang="pt-BR"/>
+            </a:p>
+          </p:txBody>
+        </p:sp>
+        <p:sp>
+          <p:nvSpPr>
+            <p:cNvPr id="58" name="Retângulo 57"/>
+            <p:cNvSpPr/>
+            <p:nvPr/>
+          </p:nvSpPr>
+          <p:spPr>
+            <a:xfrm>
+              <a:off x="1104407" y="2719449"/>
+              <a:ext cx="1246909" cy="1246909"/>
+            </a:xfrm>
+            <a:prstGeom prst="rect">
+              <a:avLst/>
+            </a:prstGeom>
+            <a:noFill/>
+          </p:spPr>
+          <p:style>
+            <a:lnRef idx="2">
+              <a:schemeClr val="accent1">
+                <a:shade val="50000"/>
+              </a:schemeClr>
+            </a:lnRef>
+            <a:fillRef idx="1">
+              <a:schemeClr val="accent1"/>
+            </a:fillRef>
+            <a:effectRef idx="0">
+              <a:schemeClr val="accent1"/>
+            </a:effectRef>
+            <a:fontRef idx="minor">
+              <a:schemeClr val="lt1"/>
+            </a:fontRef>
+          </p:style>
+          <p:txBody>
+            <a:bodyPr rtlCol="0" anchor="ctr"/>
+            <a:lstStyle/>
+            <a:p>
+              <a:pPr algn="ctr"/>
+              <a:endParaRPr lang="pt-BR"/>
+            </a:p>
+          </p:txBody>
+        </p:sp>
+        <p:sp>
+          <p:nvSpPr>
+            <p:cNvPr id="59" name="Retângulo 58"/>
+            <p:cNvSpPr/>
+            <p:nvPr/>
+          </p:nvSpPr>
+          <p:spPr>
+            <a:xfrm>
+              <a:off x="2351316" y="2719448"/>
+              <a:ext cx="1246909" cy="1246909"/>
+            </a:xfrm>
+            <a:prstGeom prst="rect">
+              <a:avLst/>
+            </a:prstGeom>
+            <a:noFill/>
+          </p:spPr>
+          <p:style>
+            <a:lnRef idx="2">
+              <a:schemeClr val="accent1">
+                <a:shade val="50000"/>
+              </a:schemeClr>
+            </a:lnRef>
+            <a:fillRef idx="1">
+              <a:schemeClr val="accent1"/>
+            </a:fillRef>
+            <a:effectRef idx="0">
+              <a:schemeClr val="accent1"/>
+            </a:effectRef>
+            <a:fontRef idx="minor">
+              <a:schemeClr val="lt1"/>
+            </a:fontRef>
+          </p:style>
+          <p:txBody>
+            <a:bodyPr rtlCol="0" anchor="ctr"/>
+            <a:lstStyle/>
+            <a:p>
+              <a:pPr algn="ctr"/>
+              <a:endParaRPr lang="pt-BR"/>
+            </a:p>
+          </p:txBody>
+        </p:sp>
+        <p:sp>
+          <p:nvSpPr>
+            <p:cNvPr id="60" name="Retângulo 59"/>
+            <p:cNvSpPr/>
+            <p:nvPr/>
+          </p:nvSpPr>
+          <p:spPr>
+            <a:xfrm>
+              <a:off x="1104407" y="3966357"/>
+              <a:ext cx="1246909" cy="1246909"/>
+            </a:xfrm>
+            <a:prstGeom prst="rect">
+              <a:avLst/>
+            </a:prstGeom>
+            <a:noFill/>
+          </p:spPr>
+          <p:style>
+            <a:lnRef idx="2">
+              <a:schemeClr val="accent1">
+                <a:shade val="50000"/>
+              </a:schemeClr>
+            </a:lnRef>
+            <a:fillRef idx="1">
+              <a:schemeClr val="accent1"/>
+            </a:fillRef>
+            <a:effectRef idx="0">
+              <a:schemeClr val="accent1"/>
+            </a:effectRef>
+            <a:fontRef idx="minor">
+              <a:schemeClr val="lt1"/>
+            </a:fontRef>
+          </p:style>
+          <p:txBody>
+            <a:bodyPr rtlCol="0" anchor="ctr"/>
+            <a:lstStyle/>
+            <a:p>
+              <a:pPr algn="ctr"/>
+              <a:endParaRPr lang="pt-BR"/>
+            </a:p>
+          </p:txBody>
+        </p:sp>
+        <p:sp>
+          <p:nvSpPr>
+            <p:cNvPr id="61" name="Retângulo 60"/>
+            <p:cNvSpPr/>
+            <p:nvPr/>
+          </p:nvSpPr>
+          <p:spPr>
+            <a:xfrm>
+              <a:off x="2351316" y="3966356"/>
+              <a:ext cx="1246909" cy="1246909"/>
+            </a:xfrm>
+            <a:prstGeom prst="rect">
+              <a:avLst/>
+            </a:prstGeom>
+            <a:noFill/>
+          </p:spPr>
+          <p:style>
+            <a:lnRef idx="2">
+              <a:schemeClr val="accent1">
+                <a:shade val="50000"/>
+              </a:schemeClr>
+            </a:lnRef>
+            <a:fillRef idx="1">
+              <a:schemeClr val="accent1"/>
+            </a:fillRef>
+            <a:effectRef idx="0">
+              <a:schemeClr val="accent1"/>
+            </a:effectRef>
+            <a:fontRef idx="minor">
+              <a:schemeClr val="lt1"/>
+            </a:fontRef>
+          </p:style>
+          <p:txBody>
+            <a:bodyPr rtlCol="0" anchor="ctr"/>
+            <a:lstStyle/>
+            <a:p>
+              <a:pPr algn="ctr"/>
+              <a:endParaRPr lang="pt-BR"/>
+            </a:p>
+          </p:txBody>
+        </p:sp>
+        <p:sp>
+          <p:nvSpPr>
+            <p:cNvPr id="62" name="Retângulo 61"/>
+            <p:cNvSpPr/>
+            <p:nvPr/>
+          </p:nvSpPr>
+          <p:spPr>
+            <a:xfrm>
+              <a:off x="3598225" y="1472540"/>
+              <a:ext cx="1246909" cy="1246909"/>
+            </a:xfrm>
+            <a:prstGeom prst="rect">
+              <a:avLst/>
+            </a:prstGeom>
+            <a:noFill/>
+          </p:spPr>
+          <p:style>
+            <a:lnRef idx="2">
+              <a:schemeClr val="accent1">
+                <a:shade val="50000"/>
+              </a:schemeClr>
+            </a:lnRef>
+            <a:fillRef idx="1">
+              <a:schemeClr val="accent1"/>
+            </a:fillRef>
+            <a:effectRef idx="0">
+              <a:schemeClr val="accent1"/>
+            </a:effectRef>
+            <a:fontRef idx="minor">
+              <a:schemeClr val="lt1"/>
+            </a:fontRef>
+          </p:style>
+          <p:txBody>
+            <a:bodyPr rtlCol="0" anchor="ctr"/>
+            <a:lstStyle/>
+            <a:p>
+              <a:pPr algn="ctr"/>
+              <a:endParaRPr lang="pt-BR"/>
+            </a:p>
+          </p:txBody>
+        </p:sp>
+        <p:sp>
+          <p:nvSpPr>
+            <p:cNvPr id="63" name="Retângulo 62"/>
+            <p:cNvSpPr/>
+            <p:nvPr/>
+          </p:nvSpPr>
+          <p:spPr>
+            <a:xfrm>
+              <a:off x="3598224" y="2719448"/>
+              <a:ext cx="1246909" cy="1246909"/>
+            </a:xfrm>
+            <a:prstGeom prst="rect">
+              <a:avLst/>
+            </a:prstGeom>
+            <a:noFill/>
+          </p:spPr>
+          <p:style>
+            <a:lnRef idx="2">
+              <a:schemeClr val="accent1">
+                <a:shade val="50000"/>
+              </a:schemeClr>
+            </a:lnRef>
+            <a:fillRef idx="1">
+              <a:schemeClr val="accent1"/>
+            </a:fillRef>
+            <a:effectRef idx="0">
+              <a:schemeClr val="accent1"/>
+            </a:effectRef>
+            <a:fontRef idx="minor">
+              <a:schemeClr val="lt1"/>
+            </a:fontRef>
+          </p:style>
+          <p:txBody>
+            <a:bodyPr rtlCol="0" anchor="ctr"/>
+            <a:lstStyle/>
+            <a:p>
+              <a:pPr algn="ctr"/>
+              <a:endParaRPr lang="pt-BR"/>
+            </a:p>
+          </p:txBody>
+        </p:sp>
+        <p:sp>
+          <p:nvSpPr>
+            <p:cNvPr id="64" name="Retângulo 63"/>
+            <p:cNvSpPr/>
+            <p:nvPr/>
+          </p:nvSpPr>
+          <p:spPr>
+            <a:xfrm>
+              <a:off x="3598224" y="3966356"/>
+              <a:ext cx="1246909" cy="1246909"/>
+            </a:xfrm>
+            <a:prstGeom prst="rect">
+              <a:avLst/>
+            </a:prstGeom>
+            <a:noFill/>
+          </p:spPr>
+          <p:style>
+            <a:lnRef idx="2">
+              <a:schemeClr val="accent1">
+                <a:shade val="50000"/>
+              </a:schemeClr>
+            </a:lnRef>
+            <a:fillRef idx="1">
+              <a:schemeClr val="accent1"/>
+            </a:fillRef>
+            <a:effectRef idx="0">
+              <a:schemeClr val="accent1"/>
+            </a:effectRef>
+            <a:fontRef idx="minor">
+              <a:schemeClr val="lt1"/>
+            </a:fontRef>
+          </p:style>
+          <p:txBody>
+            <a:bodyPr rtlCol="0" anchor="ctr"/>
+            <a:lstStyle/>
+            <a:p>
+              <a:pPr algn="ctr"/>
+              <a:endParaRPr lang="pt-BR"/>
+            </a:p>
+          </p:txBody>
+        </p:sp>
+      </p:grpSp>
+      <p:grpSp>
+        <p:nvGrpSpPr>
+          <p:cNvPr id="65" name="Grupo 64"/>
+          <p:cNvGrpSpPr/>
+          <p:nvPr/>
+        </p:nvGrpSpPr>
+        <p:grpSpPr>
+          <a:xfrm>
+            <a:off x="1900050" y="3735279"/>
+            <a:ext cx="3740727" cy="1256808"/>
+            <a:chOff x="1104407" y="1472540"/>
+            <a:chExt cx="3740727" cy="3740726"/>
+          </a:xfrm>
+        </p:grpSpPr>
+        <p:sp>
+          <p:nvSpPr>
+            <p:cNvPr id="66" name="Retângulo 65"/>
+            <p:cNvSpPr/>
+            <p:nvPr/>
+          </p:nvSpPr>
+          <p:spPr>
+            <a:xfrm>
+              <a:off x="1104408" y="1472540"/>
+              <a:ext cx="1246909" cy="1246909"/>
+            </a:xfrm>
+            <a:prstGeom prst="rect">
+              <a:avLst/>
+            </a:prstGeom>
+            <a:noFill/>
+          </p:spPr>
+          <p:style>
+            <a:lnRef idx="2">
+              <a:schemeClr val="accent1">
+                <a:shade val="50000"/>
+              </a:schemeClr>
+            </a:lnRef>
+            <a:fillRef idx="1">
+              <a:schemeClr val="accent1"/>
+            </a:fillRef>
+            <a:effectRef idx="0">
+              <a:schemeClr val="accent1"/>
+            </a:effectRef>
+            <a:fontRef idx="minor">
+              <a:schemeClr val="lt1"/>
+            </a:fontRef>
+          </p:style>
+          <p:txBody>
+            <a:bodyPr rtlCol="0" anchor="ctr"/>
+            <a:lstStyle/>
+            <a:p>
+              <a:pPr algn="ctr"/>
+              <a:endParaRPr lang="pt-BR"/>
+            </a:p>
+          </p:txBody>
+        </p:sp>
+        <p:sp>
+          <p:nvSpPr>
+            <p:cNvPr id="67" name="Retângulo 66"/>
+            <p:cNvSpPr/>
+            <p:nvPr/>
+          </p:nvSpPr>
+          <p:spPr>
+            <a:xfrm>
+              <a:off x="2351317" y="1472540"/>
+              <a:ext cx="1246909" cy="1246909"/>
+            </a:xfrm>
+            <a:prstGeom prst="rect">
+              <a:avLst/>
+            </a:prstGeom>
+            <a:noFill/>
+          </p:spPr>
+          <p:style>
+            <a:lnRef idx="2">
+              <a:schemeClr val="accent1">
+                <a:shade val="50000"/>
+              </a:schemeClr>
+            </a:lnRef>
+            <a:fillRef idx="1">
+              <a:schemeClr val="accent1"/>
+            </a:fillRef>
+            <a:effectRef idx="0">
+              <a:schemeClr val="accent1"/>
+            </a:effectRef>
+            <a:fontRef idx="minor">
+              <a:schemeClr val="lt1"/>
+            </a:fontRef>
+          </p:style>
+          <p:txBody>
+            <a:bodyPr rtlCol="0" anchor="ctr"/>
+            <a:lstStyle/>
+            <a:p>
+              <a:pPr algn="ctr"/>
+              <a:endParaRPr lang="pt-BR"/>
+            </a:p>
+          </p:txBody>
+        </p:sp>
+        <p:sp>
+          <p:nvSpPr>
+            <p:cNvPr id="68" name="Retângulo 67"/>
+            <p:cNvSpPr/>
+            <p:nvPr/>
+          </p:nvSpPr>
+          <p:spPr>
+            <a:xfrm>
+              <a:off x="1104407" y="2719449"/>
+              <a:ext cx="1246909" cy="1246909"/>
+            </a:xfrm>
+            <a:prstGeom prst="rect">
+              <a:avLst/>
+            </a:prstGeom>
+            <a:noFill/>
+          </p:spPr>
+          <p:style>
+            <a:lnRef idx="2">
+              <a:schemeClr val="accent1">
+                <a:shade val="50000"/>
+              </a:schemeClr>
+            </a:lnRef>
+            <a:fillRef idx="1">
+              <a:schemeClr val="accent1"/>
+            </a:fillRef>
+            <a:effectRef idx="0">
+              <a:schemeClr val="accent1"/>
+            </a:effectRef>
+            <a:fontRef idx="minor">
+              <a:schemeClr val="lt1"/>
+            </a:fontRef>
+          </p:style>
+          <p:txBody>
+            <a:bodyPr rtlCol="0" anchor="ctr"/>
+            <a:lstStyle/>
+            <a:p>
+              <a:pPr algn="ctr"/>
+              <a:endParaRPr lang="pt-BR"/>
+            </a:p>
+          </p:txBody>
+        </p:sp>
+        <p:sp>
+          <p:nvSpPr>
+            <p:cNvPr id="69" name="Retângulo 68"/>
+            <p:cNvSpPr/>
+            <p:nvPr/>
+          </p:nvSpPr>
+          <p:spPr>
+            <a:xfrm>
+              <a:off x="2351316" y="2719448"/>
+              <a:ext cx="1246909" cy="1246909"/>
+            </a:xfrm>
+            <a:prstGeom prst="rect">
+              <a:avLst/>
+            </a:prstGeom>
+            <a:noFill/>
+          </p:spPr>
+          <p:style>
+            <a:lnRef idx="2">
+              <a:schemeClr val="accent1">
+                <a:shade val="50000"/>
+              </a:schemeClr>
+            </a:lnRef>
+            <a:fillRef idx="1">
+              <a:schemeClr val="accent1"/>
+            </a:fillRef>
+            <a:effectRef idx="0">
+              <a:schemeClr val="accent1"/>
+            </a:effectRef>
+            <a:fontRef idx="minor">
+              <a:schemeClr val="lt1"/>
+            </a:fontRef>
+          </p:style>
+          <p:txBody>
+            <a:bodyPr rtlCol="0" anchor="ctr"/>
+            <a:lstStyle/>
+            <a:p>
+              <a:pPr algn="ctr"/>
+              <a:endParaRPr lang="pt-BR"/>
+            </a:p>
+          </p:txBody>
+        </p:sp>
+        <p:sp>
+          <p:nvSpPr>
+            <p:cNvPr id="70" name="Retângulo 69"/>
+            <p:cNvSpPr/>
+            <p:nvPr/>
+          </p:nvSpPr>
+          <p:spPr>
+            <a:xfrm>
+              <a:off x="1104407" y="3966357"/>
+              <a:ext cx="1246909" cy="1246909"/>
+            </a:xfrm>
+            <a:prstGeom prst="rect">
+              <a:avLst/>
+            </a:prstGeom>
+            <a:noFill/>
+          </p:spPr>
+          <p:style>
+            <a:lnRef idx="2">
+              <a:schemeClr val="accent1">
+                <a:shade val="50000"/>
+              </a:schemeClr>
+            </a:lnRef>
+            <a:fillRef idx="1">
+              <a:schemeClr val="accent1"/>
+            </a:fillRef>
+            <a:effectRef idx="0">
+              <a:schemeClr val="accent1"/>
+            </a:effectRef>
+            <a:fontRef idx="minor">
+              <a:schemeClr val="lt1"/>
+            </a:fontRef>
+          </p:style>
+          <p:txBody>
+            <a:bodyPr rtlCol="0" anchor="ctr"/>
+            <a:lstStyle/>
+            <a:p>
+              <a:pPr algn="ctr"/>
+              <a:endParaRPr lang="pt-BR"/>
+            </a:p>
+          </p:txBody>
+        </p:sp>
+        <p:sp>
+          <p:nvSpPr>
+            <p:cNvPr id="71" name="Retângulo 70"/>
+            <p:cNvSpPr/>
+            <p:nvPr/>
+          </p:nvSpPr>
+          <p:spPr>
+            <a:xfrm>
+              <a:off x="2351316" y="3966356"/>
+              <a:ext cx="1246909" cy="1246909"/>
+            </a:xfrm>
+            <a:prstGeom prst="rect">
+              <a:avLst/>
+            </a:prstGeom>
+            <a:noFill/>
+          </p:spPr>
+          <p:style>
+            <a:lnRef idx="2">
+              <a:schemeClr val="accent1">
+                <a:shade val="50000"/>
+              </a:schemeClr>
+            </a:lnRef>
+            <a:fillRef idx="1">
+              <a:schemeClr val="accent1"/>
+            </a:fillRef>
+            <a:effectRef idx="0">
+              <a:schemeClr val="accent1"/>
+            </a:effectRef>
+            <a:fontRef idx="minor">
+              <a:schemeClr val="lt1"/>
+            </a:fontRef>
+          </p:style>
+          <p:txBody>
+            <a:bodyPr rtlCol="0" anchor="ctr"/>
+            <a:lstStyle/>
+            <a:p>
+              <a:pPr algn="ctr"/>
+              <a:endParaRPr lang="pt-BR"/>
+            </a:p>
+          </p:txBody>
+        </p:sp>
+        <p:sp>
+          <p:nvSpPr>
+            <p:cNvPr id="72" name="Retângulo 71"/>
+            <p:cNvSpPr/>
+            <p:nvPr/>
+          </p:nvSpPr>
+          <p:spPr>
+            <a:xfrm>
+              <a:off x="3598225" y="1472540"/>
+              <a:ext cx="1246909" cy="1246909"/>
+            </a:xfrm>
+            <a:prstGeom prst="rect">
+              <a:avLst/>
+            </a:prstGeom>
+            <a:noFill/>
+          </p:spPr>
+          <p:style>
+            <a:lnRef idx="2">
+              <a:schemeClr val="accent1">
+                <a:shade val="50000"/>
+              </a:schemeClr>
+            </a:lnRef>
+            <a:fillRef idx="1">
+              <a:schemeClr val="accent1"/>
+            </a:fillRef>
+            <a:effectRef idx="0">
+              <a:schemeClr val="accent1"/>
+            </a:effectRef>
+            <a:fontRef idx="minor">
+              <a:schemeClr val="lt1"/>
+            </a:fontRef>
+          </p:style>
+          <p:txBody>
+            <a:bodyPr rtlCol="0" anchor="ctr"/>
+            <a:lstStyle/>
+            <a:p>
+              <a:pPr algn="ctr"/>
+              <a:endParaRPr lang="pt-BR"/>
+            </a:p>
+          </p:txBody>
+        </p:sp>
+        <p:sp>
+          <p:nvSpPr>
+            <p:cNvPr id="73" name="Retângulo 72"/>
+            <p:cNvSpPr/>
+            <p:nvPr/>
+          </p:nvSpPr>
+          <p:spPr>
+            <a:xfrm>
+              <a:off x="3598224" y="2719448"/>
+              <a:ext cx="1246909" cy="1246909"/>
+            </a:xfrm>
+            <a:prstGeom prst="rect">
+              <a:avLst/>
+            </a:prstGeom>
+            <a:noFill/>
+          </p:spPr>
+          <p:style>
+            <a:lnRef idx="2">
+              <a:schemeClr val="accent1">
+                <a:shade val="50000"/>
+              </a:schemeClr>
+            </a:lnRef>
+            <a:fillRef idx="1">
+              <a:schemeClr val="accent1"/>
+            </a:fillRef>
+            <a:effectRef idx="0">
+              <a:schemeClr val="accent1"/>
+            </a:effectRef>
+            <a:fontRef idx="minor">
+              <a:schemeClr val="lt1"/>
+            </a:fontRef>
+          </p:style>
+          <p:txBody>
+            <a:bodyPr rtlCol="0" anchor="ctr"/>
+            <a:lstStyle/>
+            <a:p>
+              <a:pPr algn="ctr"/>
+              <a:endParaRPr lang="pt-BR"/>
+            </a:p>
+          </p:txBody>
+        </p:sp>
+        <p:sp>
+          <p:nvSpPr>
+            <p:cNvPr id="74" name="Retângulo 73"/>
+            <p:cNvSpPr/>
+            <p:nvPr/>
+          </p:nvSpPr>
+          <p:spPr>
+            <a:xfrm>
+              <a:off x="3598224" y="3966356"/>
+              <a:ext cx="1246909" cy="1246909"/>
+            </a:xfrm>
+            <a:prstGeom prst="rect">
+              <a:avLst/>
+            </a:prstGeom>
+            <a:noFill/>
+          </p:spPr>
+          <p:style>
+            <a:lnRef idx="2">
+              <a:schemeClr val="accent1">
+                <a:shade val="50000"/>
+              </a:schemeClr>
+            </a:lnRef>
+            <a:fillRef idx="1">
+              <a:schemeClr val="accent1"/>
+            </a:fillRef>
+            <a:effectRef idx="0">
+              <a:schemeClr val="accent1"/>
+            </a:effectRef>
+            <a:fontRef idx="minor">
+              <a:schemeClr val="lt1"/>
+            </a:fontRef>
+          </p:style>
+          <p:txBody>
+            <a:bodyPr rtlCol="0" anchor="ctr"/>
+            <a:lstStyle/>
+            <a:p>
+              <a:pPr algn="ctr"/>
+              <a:endParaRPr lang="pt-BR"/>
+            </a:p>
+          </p:txBody>
+        </p:sp>
+      </p:grpSp>
+      <p:cxnSp>
+        <p:nvCxnSpPr>
+          <p:cNvPr id="75" name="Conector de seta reta 74"/>
+          <p:cNvCxnSpPr/>
+          <p:nvPr/>
+        </p:nvCxnSpPr>
+        <p:spPr>
+          <a:xfrm flipV="1">
+            <a:off x="1006435" y="1387439"/>
+            <a:ext cx="0" cy="4345075"/>
+          </a:xfrm>
+          <a:prstGeom prst="straightConnector1">
+            <a:avLst/>
+          </a:prstGeom>
+          <a:ln>
+            <a:tailEnd type="triangle"/>
+          </a:ln>
+        </p:spPr>
+        <p:style>
+          <a:lnRef idx="1">
+            <a:schemeClr val="accent1"/>
+          </a:lnRef>
+          <a:fillRef idx="0">
+            <a:schemeClr val="accent1"/>
+          </a:fillRef>
+          <a:effectRef idx="0">
+            <a:schemeClr val="accent1"/>
+          </a:effectRef>
+          <a:fontRef idx="minor">
+            <a:schemeClr val="tx1"/>
+          </a:fontRef>
+        </p:style>
+      </p:cxnSp>
+      <p:cxnSp>
+        <p:nvCxnSpPr>
+          <p:cNvPr id="76" name="Conector de seta reta 75"/>
+          <p:cNvCxnSpPr/>
+          <p:nvPr/>
+        </p:nvCxnSpPr>
+        <p:spPr>
+          <a:xfrm>
+            <a:off x="1006435" y="5725127"/>
+            <a:ext cx="9788234" cy="7387"/>
+          </a:xfrm>
+          <a:prstGeom prst="straightConnector1">
+            <a:avLst/>
+          </a:prstGeom>
+          <a:ln>
+            <a:tailEnd type="triangle"/>
+          </a:ln>
+        </p:spPr>
+        <p:style>
+          <a:lnRef idx="1">
+            <a:schemeClr val="accent1"/>
+          </a:lnRef>
+          <a:fillRef idx="0">
+            <a:schemeClr val="accent1"/>
+          </a:fillRef>
+          <a:effectRef idx="0">
+            <a:schemeClr val="accent1"/>
+          </a:effectRef>
+          <a:fontRef idx="minor">
+            <a:schemeClr val="tx1"/>
+          </a:fontRef>
+        </p:style>
+      </p:cxnSp>
+      <p:sp>
+        <p:nvSpPr>
+          <p:cNvPr id="77" name="CaixaDeTexto 76"/>
+          <p:cNvSpPr txBox="1"/>
+          <p:nvPr/>
+        </p:nvSpPr>
+        <p:spPr>
+          <a:xfrm rot="16200000">
+            <a:off x="394383" y="3285646"/>
+            <a:ext cx="871392" cy="369332"/>
+          </a:xfrm>
+          <a:prstGeom prst="rect">
+            <a:avLst/>
+          </a:prstGeom>
+          <a:noFill/>
+        </p:spPr>
+        <p:txBody>
+          <a:bodyPr wrap="none" rtlCol="0">
+            <a:spAutoFit/>
+          </a:bodyPr>
+          <a:lstStyle/>
+          <a:p>
+            <a:r>
+              <a:rPr lang="pt-BR" dirty="0" smtClean="0"/>
+              <a:t>vertical</a:t>
+            </a:r>
+            <a:endParaRPr lang="pt-BR" dirty="0"/>
+          </a:p>
+        </p:txBody>
+      </p:sp>
+      <p:sp>
+        <p:nvSpPr>
+          <p:cNvPr id="78" name="CaixaDeTexto 77"/>
+          <p:cNvSpPr txBox="1"/>
+          <p:nvPr/>
+        </p:nvSpPr>
+        <p:spPr>
+          <a:xfrm>
+            <a:off x="5492336" y="5798497"/>
+            <a:ext cx="1126847" cy="369332"/>
+          </a:xfrm>
+          <a:prstGeom prst="rect">
+            <a:avLst/>
+          </a:prstGeom>
+          <a:noFill/>
+        </p:spPr>
+        <p:txBody>
+          <a:bodyPr wrap="none" rtlCol="0">
+            <a:spAutoFit/>
+          </a:bodyPr>
+          <a:lstStyle/>
+          <a:p>
+            <a:r>
+              <a:rPr lang="pt-BR" dirty="0" smtClean="0"/>
+              <a:t>horizontal</a:t>
+            </a:r>
+            <a:endParaRPr lang="pt-BR" dirty="0"/>
+          </a:p>
+        </p:txBody>
+      </p:sp>
+      <p:cxnSp>
+        <p:nvCxnSpPr>
+          <p:cNvPr id="79" name="Conector de seta reta 78"/>
+          <p:cNvCxnSpPr/>
+          <p:nvPr/>
+        </p:nvCxnSpPr>
+        <p:spPr>
+          <a:xfrm>
+            <a:off x="3570409" y="892993"/>
+            <a:ext cx="726579" cy="288575"/>
+          </a:xfrm>
+          <a:prstGeom prst="straightConnector1">
+            <a:avLst/>
+          </a:prstGeom>
+          <a:ln>
+            <a:tailEnd type="triangle"/>
+          </a:ln>
+        </p:spPr>
+        <p:style>
+          <a:lnRef idx="1">
+            <a:schemeClr val="accent1"/>
+          </a:lnRef>
+          <a:fillRef idx="0">
+            <a:schemeClr val="accent1"/>
+          </a:fillRef>
+          <a:effectRef idx="0">
+            <a:schemeClr val="accent1"/>
+          </a:effectRef>
+          <a:fontRef idx="minor">
+            <a:schemeClr val="tx1"/>
+          </a:fontRef>
+        </p:style>
+      </p:cxnSp>
+      <p:cxnSp>
+        <p:nvCxnSpPr>
+          <p:cNvPr id="80" name="Conector de seta reta 79"/>
+          <p:cNvCxnSpPr/>
+          <p:nvPr/>
+        </p:nvCxnSpPr>
+        <p:spPr>
+          <a:xfrm>
+            <a:off x="7981984" y="1151479"/>
+            <a:ext cx="726579" cy="288575"/>
+          </a:xfrm>
+          <a:prstGeom prst="straightConnector1">
+            <a:avLst/>
+          </a:prstGeom>
+          <a:ln>
+            <a:tailEnd type="triangle"/>
+          </a:ln>
+        </p:spPr>
+        <p:style>
+          <a:lnRef idx="1">
+            <a:schemeClr val="accent1"/>
+          </a:lnRef>
+          <a:fillRef idx="0">
+            <a:schemeClr val="accent1"/>
+          </a:fillRef>
+          <a:effectRef idx="0">
+            <a:schemeClr val="accent1"/>
+          </a:effectRef>
+          <a:fontRef idx="minor">
+            <a:schemeClr val="tx1"/>
+          </a:fontRef>
+        </p:style>
+      </p:cxnSp>
+      <p:cxnSp>
+        <p:nvCxnSpPr>
+          <p:cNvPr id="81" name="Conector de seta reta 80"/>
+          <p:cNvCxnSpPr/>
+          <p:nvPr/>
+        </p:nvCxnSpPr>
+        <p:spPr>
+          <a:xfrm flipH="1">
+            <a:off x="5396055" y="1059980"/>
+            <a:ext cx="504497" cy="253192"/>
+          </a:xfrm>
+          <a:prstGeom prst="straightConnector1">
+            <a:avLst/>
+          </a:prstGeom>
+          <a:ln>
+            <a:tailEnd type="triangle"/>
+          </a:ln>
+        </p:spPr>
+        <p:style>
+          <a:lnRef idx="1">
+            <a:schemeClr val="accent1"/>
+          </a:lnRef>
+          <a:fillRef idx="0">
+            <a:schemeClr val="accent1"/>
+          </a:fillRef>
+          <a:effectRef idx="0">
+            <a:schemeClr val="accent1"/>
+          </a:effectRef>
+          <a:fontRef idx="minor">
+            <a:schemeClr val="tx1"/>
+          </a:fontRef>
+        </p:style>
+      </p:cxnSp>
+      <p:cxnSp>
+        <p:nvCxnSpPr>
+          <p:cNvPr id="82" name="Conector de seta reta 81"/>
+          <p:cNvCxnSpPr/>
+          <p:nvPr/>
+        </p:nvCxnSpPr>
+        <p:spPr>
+          <a:xfrm>
+            <a:off x="6142593" y="1045878"/>
+            <a:ext cx="726579" cy="288575"/>
+          </a:xfrm>
+          <a:prstGeom prst="straightConnector1">
+            <a:avLst/>
+          </a:prstGeom>
+          <a:ln>
+            <a:tailEnd type="triangle"/>
+          </a:ln>
+        </p:spPr>
+        <p:style>
+          <a:lnRef idx="1">
+            <a:schemeClr val="accent1"/>
+          </a:lnRef>
+          <a:fillRef idx="0">
+            <a:schemeClr val="accent1"/>
+          </a:fillRef>
+          <a:effectRef idx="0">
+            <a:schemeClr val="accent1"/>
+          </a:effectRef>
+          <a:fontRef idx="minor">
+            <a:schemeClr val="tx1"/>
+          </a:fontRef>
+        </p:style>
+      </p:cxnSp>
+      <p:sp>
+        <p:nvSpPr>
+          <p:cNvPr id="83" name="CaixaDeTexto 82"/>
+          <p:cNvSpPr txBox="1"/>
+          <p:nvPr/>
+        </p:nvSpPr>
+        <p:spPr>
+          <a:xfrm>
+            <a:off x="1795205" y="601449"/>
+            <a:ext cx="2492285" cy="369332"/>
+          </a:xfrm>
+          <a:prstGeom prst="rect">
+            <a:avLst/>
+          </a:prstGeom>
+          <a:noFill/>
+        </p:spPr>
+        <p:txBody>
+          <a:bodyPr wrap="none" rtlCol="0">
+            <a:spAutoFit/>
+          </a:bodyPr>
+          <a:lstStyle/>
+          <a:p>
+            <a:r>
+              <a:rPr lang="pt-BR" dirty="0" err="1" smtClean="0"/>
+              <a:t>primary</a:t>
+            </a:r>
+            <a:r>
+              <a:rPr lang="pt-BR" dirty="0" smtClean="0"/>
+              <a:t> data in point set</a:t>
+            </a:r>
+            <a:endParaRPr lang="pt-BR" dirty="0"/>
+          </a:p>
+        </p:txBody>
+      </p:sp>
+      <p:sp>
+        <p:nvSpPr>
+          <p:cNvPr id="84" name="CaixaDeTexto 83"/>
+          <p:cNvSpPr txBox="1"/>
+          <p:nvPr/>
+        </p:nvSpPr>
+        <p:spPr>
+          <a:xfrm>
+            <a:off x="7455491" y="804354"/>
+            <a:ext cx="2492285" cy="369332"/>
+          </a:xfrm>
+          <a:prstGeom prst="rect">
+            <a:avLst/>
+          </a:prstGeom>
+          <a:noFill/>
+        </p:spPr>
+        <p:txBody>
+          <a:bodyPr wrap="none" rtlCol="0">
+            <a:spAutoFit/>
+          </a:bodyPr>
+          <a:lstStyle/>
+          <a:p>
+            <a:r>
+              <a:rPr lang="pt-BR" dirty="0" err="1" smtClean="0"/>
+              <a:t>primary</a:t>
+            </a:r>
+            <a:r>
+              <a:rPr lang="pt-BR" dirty="0" smtClean="0"/>
+              <a:t> data in point set</a:t>
+            </a:r>
+            <a:endParaRPr lang="pt-BR" dirty="0"/>
+          </a:p>
+        </p:txBody>
+      </p:sp>
+      <p:sp>
+        <p:nvSpPr>
+          <p:cNvPr id="85" name="CaixaDeTexto 84"/>
+          <p:cNvSpPr txBox="1"/>
+          <p:nvPr/>
+        </p:nvSpPr>
+        <p:spPr>
+          <a:xfrm>
+            <a:off x="5048161" y="708327"/>
+            <a:ext cx="2048061" cy="369332"/>
+          </a:xfrm>
+          <a:prstGeom prst="rect">
+            <a:avLst/>
+          </a:prstGeom>
+          <a:noFill/>
+        </p:spPr>
+        <p:txBody>
+          <a:bodyPr wrap="none" rtlCol="0">
+            <a:spAutoFit/>
+          </a:bodyPr>
+          <a:lstStyle/>
+          <a:p>
+            <a:r>
+              <a:rPr lang="pt-BR" dirty="0" err="1" smtClean="0"/>
+              <a:t>secondary</a:t>
+            </a:r>
+            <a:r>
+              <a:rPr lang="pt-BR" dirty="0" smtClean="0"/>
+              <a:t> data grid</a:t>
+            </a:r>
+            <a:endParaRPr lang="pt-BR" dirty="0"/>
+          </a:p>
+        </p:txBody>
+      </p:sp>
+      <p:sp>
+        <p:nvSpPr>
+          <p:cNvPr id="86" name="CaixaDeTexto 85"/>
+          <p:cNvSpPr txBox="1"/>
+          <p:nvPr/>
+        </p:nvSpPr>
+        <p:spPr>
+          <a:xfrm>
+            <a:off x="3060280" y="5278942"/>
+            <a:ext cx="1508683" cy="369332"/>
+          </a:xfrm>
+          <a:prstGeom prst="rect">
+            <a:avLst/>
+          </a:prstGeom>
+          <a:noFill/>
+        </p:spPr>
+        <p:txBody>
+          <a:bodyPr wrap="none" rtlCol="0">
+            <a:spAutoFit/>
+          </a:bodyPr>
+          <a:lstStyle/>
+          <a:p>
+            <a:r>
+              <a:rPr lang="pt-BR" dirty="0" smtClean="0"/>
+              <a:t>case for MM1</a:t>
+            </a:r>
+            <a:endParaRPr lang="pt-BR" dirty="0"/>
+          </a:p>
+        </p:txBody>
+      </p:sp>
+      <p:sp>
+        <p:nvSpPr>
+          <p:cNvPr id="87" name="CaixaDeTexto 86"/>
+          <p:cNvSpPr txBox="1"/>
+          <p:nvPr/>
+        </p:nvSpPr>
+        <p:spPr>
+          <a:xfrm>
+            <a:off x="7816664" y="5250750"/>
+            <a:ext cx="1508683" cy="369332"/>
+          </a:xfrm>
+          <a:prstGeom prst="rect">
+            <a:avLst/>
+          </a:prstGeom>
+          <a:noFill/>
+        </p:spPr>
+        <p:txBody>
+          <a:bodyPr wrap="none" rtlCol="0">
+            <a:spAutoFit/>
+          </a:bodyPr>
+          <a:lstStyle/>
+          <a:p>
+            <a:r>
+              <a:rPr lang="pt-BR" dirty="0" smtClean="0"/>
+              <a:t>case for MM2</a:t>
+            </a:r>
+            <a:endParaRPr lang="pt-BR" dirty="0"/>
+          </a:p>
+        </p:txBody>
+      </p:sp>
+    </p:spTree>
+    <p:extLst>
+      <p:ext uri="{BB962C8B-B14F-4D97-AF65-F5344CB8AC3E}">
+        <p14:creationId xmlns:p14="http://schemas.microsoft.com/office/powerpoint/2010/main" val="2572700560"/>
       </p:ext>
     </p:extLst>
   </p:cSld>

--- a/docs/figures.pptx
+++ b/docs/figures.pptx
@@ -8,6 +8,7 @@
     <p:sldId id="256" r:id="rId2"/>
     <p:sldId id="257" r:id="rId3"/>
     <p:sldId id="258" r:id="rId4"/>
+    <p:sldId id="259" r:id="rId5"/>
   </p:sldIdLst>
   <p:sldSz cx="12192000" cy="6858000"/>
   <p:notesSz cx="6858000" cy="9144000"/>
@@ -245,7 +246,7 @@
           <a:p>
             <a:fld id="{5827CF75-21ED-4285-9C22-184A8788EFA2}" type="datetimeFigureOut">
               <a:rPr lang="pt-BR" smtClean="0"/>
-              <a:t>06/01/2018</a:t>
+              <a:t>01/04/2018</a:t>
             </a:fld>
             <a:endParaRPr lang="pt-BR"/>
           </a:p>
@@ -415,7 +416,7 @@
           <a:p>
             <a:fld id="{5827CF75-21ED-4285-9C22-184A8788EFA2}" type="datetimeFigureOut">
               <a:rPr lang="pt-BR" smtClean="0"/>
-              <a:t>06/01/2018</a:t>
+              <a:t>01/04/2018</a:t>
             </a:fld>
             <a:endParaRPr lang="pt-BR"/>
           </a:p>
@@ -595,7 +596,7 @@
           <a:p>
             <a:fld id="{5827CF75-21ED-4285-9C22-184A8788EFA2}" type="datetimeFigureOut">
               <a:rPr lang="pt-BR" smtClean="0"/>
-              <a:t>06/01/2018</a:t>
+              <a:t>01/04/2018</a:t>
             </a:fld>
             <a:endParaRPr lang="pt-BR"/>
           </a:p>
@@ -765,7 +766,7 @@
           <a:p>
             <a:fld id="{5827CF75-21ED-4285-9C22-184A8788EFA2}" type="datetimeFigureOut">
               <a:rPr lang="pt-BR" smtClean="0"/>
-              <a:t>06/01/2018</a:t>
+              <a:t>01/04/2018</a:t>
             </a:fld>
             <a:endParaRPr lang="pt-BR"/>
           </a:p>
@@ -1011,7 +1012,7 @@
           <a:p>
             <a:fld id="{5827CF75-21ED-4285-9C22-184A8788EFA2}" type="datetimeFigureOut">
               <a:rPr lang="pt-BR" smtClean="0"/>
-              <a:t>06/01/2018</a:t>
+              <a:t>01/04/2018</a:t>
             </a:fld>
             <a:endParaRPr lang="pt-BR"/>
           </a:p>
@@ -1243,7 +1244,7 @@
           <a:p>
             <a:fld id="{5827CF75-21ED-4285-9C22-184A8788EFA2}" type="datetimeFigureOut">
               <a:rPr lang="pt-BR" smtClean="0"/>
-              <a:t>06/01/2018</a:t>
+              <a:t>01/04/2018</a:t>
             </a:fld>
             <a:endParaRPr lang="pt-BR"/>
           </a:p>
@@ -1610,7 +1611,7 @@
           <a:p>
             <a:fld id="{5827CF75-21ED-4285-9C22-184A8788EFA2}" type="datetimeFigureOut">
               <a:rPr lang="pt-BR" smtClean="0"/>
-              <a:t>06/01/2018</a:t>
+              <a:t>01/04/2018</a:t>
             </a:fld>
             <a:endParaRPr lang="pt-BR"/>
           </a:p>
@@ -1728,7 +1729,7 @@
           <a:p>
             <a:fld id="{5827CF75-21ED-4285-9C22-184A8788EFA2}" type="datetimeFigureOut">
               <a:rPr lang="pt-BR" smtClean="0"/>
-              <a:t>06/01/2018</a:t>
+              <a:t>01/04/2018</a:t>
             </a:fld>
             <a:endParaRPr lang="pt-BR"/>
           </a:p>
@@ -1823,7 +1824,7 @@
           <a:p>
             <a:fld id="{5827CF75-21ED-4285-9C22-184A8788EFA2}" type="datetimeFigureOut">
               <a:rPr lang="pt-BR" smtClean="0"/>
-              <a:t>06/01/2018</a:t>
+              <a:t>01/04/2018</a:t>
             </a:fld>
             <a:endParaRPr lang="pt-BR"/>
           </a:p>
@@ -2100,7 +2101,7 @@
           <a:p>
             <a:fld id="{5827CF75-21ED-4285-9C22-184A8788EFA2}" type="datetimeFigureOut">
               <a:rPr lang="pt-BR" smtClean="0"/>
-              <a:t>06/01/2018</a:t>
+              <a:t>01/04/2018</a:t>
             </a:fld>
             <a:endParaRPr lang="pt-BR"/>
           </a:p>
@@ -2353,7 +2354,7 @@
           <a:p>
             <a:fld id="{5827CF75-21ED-4285-9C22-184A8788EFA2}" type="datetimeFigureOut">
               <a:rPr lang="pt-BR" smtClean="0"/>
-              <a:t>06/01/2018</a:t>
+              <a:t>01/04/2018</a:t>
             </a:fld>
             <a:endParaRPr lang="pt-BR"/>
           </a:p>
@@ -2566,7 +2567,7 @@
           <a:p>
             <a:fld id="{5827CF75-21ED-4285-9C22-184A8788EFA2}" type="datetimeFigureOut">
               <a:rPr lang="pt-BR" smtClean="0"/>
-              <a:t>06/01/2018</a:t>
+              <a:t>01/04/2018</a:t>
             </a:fld>
             <a:endParaRPr lang="pt-BR"/>
           </a:p>
@@ -6848,6 +6849,1805 @@
 </p:sld>
 </file>
 
+<file path=ppt/slides/slide4.xml><?xml version="1.0" encoding="utf-8"?>
+<p:sld xmlns:a="http://schemas.openxmlformats.org/drawingml/2006/main" xmlns:r="http://schemas.openxmlformats.org/officeDocument/2006/relationships" xmlns:p="http://schemas.openxmlformats.org/presentationml/2006/main">
+  <p:cSld>
+    <p:spTree>
+      <p:nvGrpSpPr>
+        <p:cNvPr id="1" name=""/>
+        <p:cNvGrpSpPr/>
+        <p:nvPr/>
+      </p:nvGrpSpPr>
+      <p:grpSpPr>
+        <a:xfrm>
+          <a:off x="0" y="0"/>
+          <a:ext cx="0" cy="0"/>
+          <a:chOff x="0" y="0"/>
+          <a:chExt cx="0" cy="0"/>
+        </a:xfrm>
+      </p:grpSpPr>
+      <p:pic>
+        <p:nvPicPr>
+          <p:cNvPr id="1026" name="Picture 2" descr="Resultado de imagem para contour map"/>
+          <p:cNvPicPr>
+            <a:picLocks noChangeAspect="1" noChangeArrowheads="1"/>
+          </p:cNvPicPr>
+          <p:nvPr/>
+        </p:nvPicPr>
+        <p:blipFill>
+          <a:blip r:embed="rId2" cstate="print">
+            <a:extLst>
+              <a:ext uri="{28A0092B-C50C-407E-A947-70E740481C1C}">
+                <a14:useLocalDpi xmlns:a14="http://schemas.microsoft.com/office/drawing/2010/main" val="0"/>
+              </a:ext>
+            </a:extLst>
+          </a:blip>
+          <a:srcRect/>
+          <a:stretch>
+            <a:fillRect/>
+          </a:stretch>
+        </p:blipFill>
+        <p:spPr bwMode="auto">
+          <a:xfrm>
+            <a:off x="641261" y="834054"/>
+            <a:ext cx="1140033" cy="1140033"/>
+          </a:xfrm>
+          <a:prstGeom prst="rect">
+            <a:avLst/>
+          </a:prstGeom>
+          <a:noFill/>
+          <a:ln>
+            <a:solidFill>
+              <a:schemeClr val="tx1"/>
+            </a:solidFill>
+          </a:ln>
+          <a:extLst>
+            <a:ext uri="{909E8E84-426E-40DD-AFC4-6F175D3DCCD1}">
+              <a14:hiddenFill xmlns:a14="http://schemas.microsoft.com/office/drawing/2010/main">
+                <a:solidFill>
+                  <a:srgbClr val="FFFFFF"/>
+                </a:solidFill>
+              </a14:hiddenFill>
+            </a:ext>
+          </a:extLst>
+        </p:spPr>
+      </p:pic>
+      <p:sp>
+        <p:nvSpPr>
+          <p:cNvPr id="2" name="CaixaDeTexto 1"/>
+          <p:cNvSpPr txBox="1"/>
+          <p:nvPr/>
+        </p:nvSpPr>
+        <p:spPr>
+          <a:xfrm>
+            <a:off x="2149429" y="1219404"/>
+            <a:ext cx="508473" cy="369332"/>
+          </a:xfrm>
+          <a:prstGeom prst="rect">
+            <a:avLst/>
+          </a:prstGeom>
+          <a:noFill/>
+        </p:spPr>
+        <p:txBody>
+          <a:bodyPr wrap="none" rtlCol="0">
+            <a:spAutoFit/>
+          </a:bodyPr>
+          <a:lstStyle/>
+          <a:p>
+            <a:r>
+              <a:rPr lang="pt-BR" dirty="0" smtClean="0"/>
+              <a:t>FFT</a:t>
+            </a:r>
+            <a:endParaRPr lang="pt-BR" dirty="0"/>
+          </a:p>
+        </p:txBody>
+      </p:sp>
+      <p:cxnSp>
+        <p:nvCxnSpPr>
+          <p:cNvPr id="4" name="Conector de seta reta 3"/>
+          <p:cNvCxnSpPr>
+            <a:stCxn id="1026" idx="3"/>
+            <a:endCxn id="2" idx="1"/>
+          </p:cNvCxnSpPr>
+          <p:nvPr/>
+        </p:nvCxnSpPr>
+        <p:spPr>
+          <a:xfrm flipV="1">
+            <a:off x="1781294" y="1404070"/>
+            <a:ext cx="368135" cy="1"/>
+          </a:xfrm>
+          <a:prstGeom prst="straightConnector1">
+            <a:avLst/>
+          </a:prstGeom>
+          <a:ln>
+            <a:tailEnd type="triangle"/>
+          </a:ln>
+        </p:spPr>
+        <p:style>
+          <a:lnRef idx="1">
+            <a:schemeClr val="accent1"/>
+          </a:lnRef>
+          <a:fillRef idx="0">
+            <a:schemeClr val="accent1"/>
+          </a:fillRef>
+          <a:effectRef idx="0">
+            <a:schemeClr val="accent1"/>
+          </a:effectRef>
+          <a:fontRef idx="minor">
+            <a:schemeClr val="tx1"/>
+          </a:fontRef>
+        </p:style>
+      </p:cxnSp>
+      <p:cxnSp>
+        <p:nvCxnSpPr>
+          <p:cNvPr id="11" name="Conector angulado 10"/>
+          <p:cNvCxnSpPr>
+            <a:stCxn id="2" idx="0"/>
+            <a:endCxn id="19" idx="1"/>
+          </p:cNvCxnSpPr>
+          <p:nvPr/>
+        </p:nvCxnSpPr>
+        <p:spPr>
+          <a:xfrm rot="5400000" flipH="1" flipV="1">
+            <a:off x="2674850" y="562870"/>
+            <a:ext cx="385350" cy="927718"/>
+          </a:xfrm>
+          <a:prstGeom prst="bentConnector2">
+            <a:avLst/>
+          </a:prstGeom>
+          <a:ln>
+            <a:tailEnd type="triangle"/>
+          </a:ln>
+        </p:spPr>
+        <p:style>
+          <a:lnRef idx="1">
+            <a:schemeClr val="accent1"/>
+          </a:lnRef>
+          <a:fillRef idx="0">
+            <a:schemeClr val="accent1"/>
+          </a:fillRef>
+          <a:effectRef idx="0">
+            <a:schemeClr val="accent1"/>
+          </a:effectRef>
+          <a:fontRef idx="minor">
+            <a:schemeClr val="tx1"/>
+          </a:fontRef>
+        </p:style>
+      </p:cxnSp>
+      <p:cxnSp>
+        <p:nvCxnSpPr>
+          <p:cNvPr id="13" name="Conector de seta reta 12"/>
+          <p:cNvCxnSpPr>
+            <a:stCxn id="2" idx="3"/>
+            <a:endCxn id="20" idx="1"/>
+          </p:cNvCxnSpPr>
+          <p:nvPr/>
+        </p:nvCxnSpPr>
+        <p:spPr>
+          <a:xfrm flipV="1">
+            <a:off x="2657902" y="1404069"/>
+            <a:ext cx="673482" cy="1"/>
+          </a:xfrm>
+          <a:prstGeom prst="straightConnector1">
+            <a:avLst/>
+          </a:prstGeom>
+          <a:ln>
+            <a:tailEnd type="triangle"/>
+          </a:ln>
+        </p:spPr>
+        <p:style>
+          <a:lnRef idx="1">
+            <a:schemeClr val="accent1"/>
+          </a:lnRef>
+          <a:fillRef idx="0">
+            <a:schemeClr val="accent1"/>
+          </a:fillRef>
+          <a:effectRef idx="0">
+            <a:schemeClr val="accent1"/>
+          </a:effectRef>
+          <a:fontRef idx="minor">
+            <a:schemeClr val="tx1"/>
+          </a:fontRef>
+        </p:style>
+      </p:cxnSp>
+      <p:cxnSp>
+        <p:nvCxnSpPr>
+          <p:cNvPr id="16" name="Conector angulado 15"/>
+          <p:cNvCxnSpPr>
+            <a:stCxn id="2" idx="2"/>
+            <a:endCxn id="21" idx="1"/>
+          </p:cNvCxnSpPr>
+          <p:nvPr/>
+        </p:nvCxnSpPr>
+        <p:spPr>
+          <a:xfrm rot="16200000" flipH="1">
+            <a:off x="2682860" y="1309542"/>
+            <a:ext cx="369330" cy="927718"/>
+          </a:xfrm>
+          <a:prstGeom prst="bentConnector2">
+            <a:avLst/>
+          </a:prstGeom>
+          <a:ln>
+            <a:tailEnd type="triangle"/>
+          </a:ln>
+        </p:spPr>
+        <p:style>
+          <a:lnRef idx="1">
+            <a:schemeClr val="accent1"/>
+          </a:lnRef>
+          <a:fillRef idx="0">
+            <a:schemeClr val="accent1"/>
+          </a:fillRef>
+          <a:effectRef idx="0">
+            <a:schemeClr val="accent1"/>
+          </a:effectRef>
+          <a:fontRef idx="minor">
+            <a:schemeClr val="tx1"/>
+          </a:fontRef>
+        </p:style>
+      </p:cxnSp>
+      <p:sp>
+        <p:nvSpPr>
+          <p:cNvPr id="19" name="CaixaDeTexto 18"/>
+          <p:cNvSpPr txBox="1"/>
+          <p:nvPr/>
+        </p:nvSpPr>
+        <p:spPr>
+          <a:xfrm>
+            <a:off x="3331384" y="649388"/>
+            <a:ext cx="1505540" cy="369332"/>
+          </a:xfrm>
+          <a:prstGeom prst="rect">
+            <a:avLst/>
+          </a:prstGeom>
+          <a:noFill/>
+        </p:spPr>
+        <p:txBody>
+          <a:bodyPr wrap="none" rtlCol="0">
+            <a:spAutoFit/>
+          </a:bodyPr>
+          <a:lstStyle/>
+          <a:p>
+            <a:r>
+              <a:rPr lang="pt-BR" dirty="0" err="1" smtClean="0"/>
+              <a:t>phase</a:t>
+            </a:r>
+            <a:r>
+              <a:rPr lang="pt-BR" dirty="0" smtClean="0"/>
+              <a:t> grid (</a:t>
+            </a:r>
+            <a:r>
+              <a:rPr lang="el-GR" dirty="0" smtClean="0"/>
+              <a:t>φ</a:t>
+            </a:r>
+            <a:r>
+              <a:rPr lang="pt-BR" dirty="0" smtClean="0"/>
+              <a:t>)</a:t>
+            </a:r>
+            <a:endParaRPr lang="pt-BR" dirty="0"/>
+          </a:p>
+        </p:txBody>
+      </p:sp>
+      <p:sp>
+        <p:nvSpPr>
+          <p:cNvPr id="20" name="CaixaDeTexto 19"/>
+          <p:cNvSpPr txBox="1"/>
+          <p:nvPr/>
+        </p:nvSpPr>
+        <p:spPr>
+          <a:xfrm>
+            <a:off x="3331384" y="1219403"/>
+            <a:ext cx="1704506" cy="369332"/>
+          </a:xfrm>
+          <a:prstGeom prst="rect">
+            <a:avLst/>
+          </a:prstGeom>
+          <a:noFill/>
+        </p:spPr>
+        <p:txBody>
+          <a:bodyPr wrap="none" rtlCol="0">
+            <a:spAutoFit/>
+          </a:bodyPr>
+          <a:lstStyle/>
+          <a:p>
+            <a:r>
+              <a:rPr lang="pt-BR" dirty="0"/>
+              <a:t>r</a:t>
+            </a:r>
+            <a:r>
+              <a:rPr lang="pt-BR" dirty="0" smtClean="0"/>
+              <a:t>eal </a:t>
+            </a:r>
+            <a:r>
+              <a:rPr lang="pt-BR" dirty="0" err="1" smtClean="0"/>
+              <a:t>part</a:t>
+            </a:r>
+            <a:r>
+              <a:rPr lang="pt-BR" dirty="0" smtClean="0"/>
+              <a:t> grid (a)</a:t>
+            </a:r>
+            <a:endParaRPr lang="pt-BR" dirty="0"/>
+          </a:p>
+        </p:txBody>
+      </p:sp>
+      <p:sp>
+        <p:nvSpPr>
+          <p:cNvPr id="21" name="CaixaDeTexto 20"/>
+          <p:cNvSpPr txBox="1"/>
+          <p:nvPr/>
+        </p:nvSpPr>
+        <p:spPr>
+          <a:xfrm>
+            <a:off x="3331384" y="1773400"/>
+            <a:ext cx="2292166" cy="369332"/>
+          </a:xfrm>
+          <a:prstGeom prst="rect">
+            <a:avLst/>
+          </a:prstGeom>
+          <a:noFill/>
+        </p:spPr>
+        <p:txBody>
+          <a:bodyPr wrap="none" rtlCol="0">
+            <a:spAutoFit/>
+          </a:bodyPr>
+          <a:lstStyle/>
+          <a:p>
+            <a:r>
+              <a:rPr lang="pt-BR" dirty="0" err="1"/>
+              <a:t>i</a:t>
+            </a:r>
+            <a:r>
+              <a:rPr lang="pt-BR" dirty="0" err="1" smtClean="0"/>
+              <a:t>maginary</a:t>
+            </a:r>
+            <a:r>
+              <a:rPr lang="pt-BR" dirty="0" smtClean="0"/>
+              <a:t> </a:t>
+            </a:r>
+            <a:r>
+              <a:rPr lang="pt-BR" dirty="0" err="1" smtClean="0"/>
+              <a:t>part</a:t>
+            </a:r>
+            <a:r>
+              <a:rPr lang="pt-BR" dirty="0" smtClean="0"/>
+              <a:t> grid (b)</a:t>
+            </a:r>
+            <a:endParaRPr lang="pt-BR" dirty="0"/>
+          </a:p>
+        </p:txBody>
+      </p:sp>
+      <p:sp>
+        <p:nvSpPr>
+          <p:cNvPr id="26" name="CaixaDeTexto 25"/>
+          <p:cNvSpPr txBox="1"/>
+          <p:nvPr/>
+        </p:nvSpPr>
+        <p:spPr>
+          <a:xfrm>
+            <a:off x="6094233" y="1162695"/>
+            <a:ext cx="1653113" cy="923330"/>
+          </a:xfrm>
+          <a:prstGeom prst="rect">
+            <a:avLst/>
+          </a:prstGeom>
+          <a:noFill/>
+          <a:ln>
+            <a:solidFill>
+              <a:schemeClr val="tx1"/>
+            </a:solidFill>
+          </a:ln>
+        </p:spPr>
+        <p:txBody>
+          <a:bodyPr wrap="square" rtlCol="0">
+            <a:spAutoFit/>
+          </a:bodyPr>
+          <a:lstStyle/>
+          <a:p>
+            <a:r>
+              <a:rPr lang="pt-BR" dirty="0" smtClean="0"/>
+              <a:t>||z|| = z ∙ z* = </a:t>
+            </a:r>
+          </a:p>
+          <a:p>
+            <a:r>
+              <a:rPr lang="pt-BR" dirty="0" smtClean="0"/>
+              <a:t>(</a:t>
+            </a:r>
+            <a:r>
+              <a:rPr lang="pt-BR" dirty="0" err="1" smtClean="0"/>
+              <a:t>a+bi</a:t>
+            </a:r>
+            <a:r>
+              <a:rPr lang="pt-BR" dirty="0" smtClean="0"/>
+              <a:t>)(</a:t>
+            </a:r>
+            <a:r>
+              <a:rPr lang="pt-BR" dirty="0" err="1" smtClean="0"/>
+              <a:t>a-bi</a:t>
+            </a:r>
+            <a:r>
+              <a:rPr lang="pt-BR" dirty="0" smtClean="0"/>
+              <a:t>)=</a:t>
+            </a:r>
+          </a:p>
+          <a:p>
+            <a:r>
+              <a:rPr lang="pt-BR" dirty="0" smtClean="0"/>
+              <a:t>a</a:t>
+            </a:r>
+            <a:r>
+              <a:rPr lang="pt-BR" baseline="30000" dirty="0" smtClean="0"/>
+              <a:t>2</a:t>
+            </a:r>
+            <a:r>
+              <a:rPr lang="pt-BR" dirty="0" smtClean="0"/>
+              <a:t>+b</a:t>
+            </a:r>
+            <a:r>
+              <a:rPr lang="pt-BR" baseline="30000" dirty="0" smtClean="0"/>
+              <a:t>2</a:t>
+            </a:r>
+            <a:endParaRPr lang="pt-BR" dirty="0"/>
+          </a:p>
+        </p:txBody>
+      </p:sp>
+      <p:sp>
+        <p:nvSpPr>
+          <p:cNvPr id="27" name="Texto explicativo em forma de nuvem 26"/>
+          <p:cNvSpPr/>
+          <p:nvPr/>
+        </p:nvSpPr>
+        <p:spPr>
+          <a:xfrm>
+            <a:off x="8028252" y="169882"/>
+            <a:ext cx="2481943" cy="1104405"/>
+          </a:xfrm>
+          <a:prstGeom prst="cloudCallout">
+            <a:avLst>
+              <a:gd name="adj1" fmla="val -74900"/>
+              <a:gd name="adj2" fmla="val 48522"/>
+            </a:avLst>
+          </a:prstGeom>
+        </p:spPr>
+        <p:style>
+          <a:lnRef idx="2">
+            <a:schemeClr val="dk1"/>
+          </a:lnRef>
+          <a:fillRef idx="1">
+            <a:schemeClr val="lt1"/>
+          </a:fillRef>
+          <a:effectRef idx="0">
+            <a:schemeClr val="dk1"/>
+          </a:effectRef>
+          <a:fontRef idx="minor">
+            <a:schemeClr val="dk1"/>
+          </a:fontRef>
+        </p:style>
+        <p:txBody>
+          <a:bodyPr rtlCol="0" anchor="ctr"/>
+          <a:lstStyle/>
+          <a:p>
+            <a:pPr algn="ctr"/>
+            <a:r>
+              <a:rPr lang="pt-BR" dirty="0" err="1" smtClean="0"/>
+              <a:t>Theorem</a:t>
+            </a:r>
+            <a:r>
+              <a:rPr lang="pt-BR" dirty="0" smtClean="0"/>
+              <a:t> </a:t>
+            </a:r>
+            <a:r>
+              <a:rPr lang="pt-BR" dirty="0" err="1" smtClean="0"/>
+              <a:t>of</a:t>
+            </a:r>
+            <a:endParaRPr lang="pt-BR" dirty="0" smtClean="0"/>
+          </a:p>
+          <a:p>
+            <a:pPr algn="ctr"/>
+            <a:r>
+              <a:rPr lang="pt-BR" dirty="0" err="1" smtClean="0"/>
+              <a:t>Convolution</a:t>
+            </a:r>
+            <a:endParaRPr lang="pt-BR" dirty="0"/>
+          </a:p>
+        </p:txBody>
+      </p:sp>
+      <p:cxnSp>
+        <p:nvCxnSpPr>
+          <p:cNvPr id="29" name="Conector angulado 28"/>
+          <p:cNvCxnSpPr>
+            <a:stCxn id="21" idx="3"/>
+            <a:endCxn id="26" idx="2"/>
+          </p:cNvCxnSpPr>
+          <p:nvPr/>
+        </p:nvCxnSpPr>
+        <p:spPr>
+          <a:xfrm>
+            <a:off x="5623550" y="1958066"/>
+            <a:ext cx="1297240" cy="127959"/>
+          </a:xfrm>
+          <a:prstGeom prst="bentConnector4">
+            <a:avLst>
+              <a:gd name="adj1" fmla="val 18142"/>
+              <a:gd name="adj2" fmla="val 278651"/>
+            </a:avLst>
+          </a:prstGeom>
+          <a:ln>
+            <a:tailEnd type="triangle"/>
+          </a:ln>
+        </p:spPr>
+        <p:style>
+          <a:lnRef idx="1">
+            <a:schemeClr val="accent1"/>
+          </a:lnRef>
+          <a:fillRef idx="0">
+            <a:schemeClr val="accent1"/>
+          </a:fillRef>
+          <a:effectRef idx="0">
+            <a:schemeClr val="accent1"/>
+          </a:effectRef>
+          <a:fontRef idx="minor">
+            <a:schemeClr val="tx1"/>
+          </a:fontRef>
+        </p:style>
+      </p:cxnSp>
+      <p:cxnSp>
+        <p:nvCxnSpPr>
+          <p:cNvPr id="32" name="Conector angulado 31"/>
+          <p:cNvCxnSpPr>
+            <a:stCxn id="20" idx="3"/>
+            <a:endCxn id="26" idx="0"/>
+          </p:cNvCxnSpPr>
+          <p:nvPr/>
+        </p:nvCxnSpPr>
+        <p:spPr>
+          <a:xfrm flipV="1">
+            <a:off x="5035890" y="1162695"/>
+            <a:ext cx="1884900" cy="241374"/>
+          </a:xfrm>
+          <a:prstGeom prst="bentConnector4">
+            <a:avLst>
+              <a:gd name="adj1" fmla="val 28074"/>
+              <a:gd name="adj2" fmla="val 194708"/>
+            </a:avLst>
+          </a:prstGeom>
+          <a:ln>
+            <a:tailEnd type="triangle"/>
+          </a:ln>
+        </p:spPr>
+        <p:style>
+          <a:lnRef idx="1">
+            <a:schemeClr val="accent1"/>
+          </a:lnRef>
+          <a:fillRef idx="0">
+            <a:schemeClr val="accent1"/>
+          </a:fillRef>
+          <a:effectRef idx="0">
+            <a:schemeClr val="accent1"/>
+          </a:effectRef>
+          <a:fontRef idx="minor">
+            <a:schemeClr val="tx1"/>
+          </a:fontRef>
+        </p:style>
+      </p:cxnSp>
+      <p:grpSp>
+        <p:nvGrpSpPr>
+          <p:cNvPr id="41" name="Grupo 40"/>
+          <p:cNvGrpSpPr/>
+          <p:nvPr/>
+        </p:nvGrpSpPr>
+        <p:grpSpPr>
+          <a:xfrm>
+            <a:off x="828628" y="2769734"/>
+            <a:ext cx="765298" cy="960260"/>
+            <a:chOff x="810514" y="2520352"/>
+            <a:chExt cx="765298" cy="960260"/>
+          </a:xfrm>
+        </p:grpSpPr>
+        <p:sp>
+          <p:nvSpPr>
+            <p:cNvPr id="39" name="Retângulo 38"/>
+            <p:cNvSpPr/>
+            <p:nvPr/>
+          </p:nvSpPr>
+          <p:spPr>
+            <a:xfrm>
+              <a:off x="810514" y="2544104"/>
+              <a:ext cx="765298" cy="936508"/>
+            </a:xfrm>
+            <a:prstGeom prst="rect">
+              <a:avLst/>
+            </a:prstGeom>
+            <a:solidFill>
+              <a:schemeClr val="bg1"/>
+            </a:solidFill>
+          </p:spPr>
+          <p:style>
+            <a:lnRef idx="2">
+              <a:schemeClr val="accent1">
+                <a:shade val="50000"/>
+              </a:schemeClr>
+            </a:lnRef>
+            <a:fillRef idx="1">
+              <a:schemeClr val="accent1"/>
+            </a:fillRef>
+            <a:effectRef idx="0">
+              <a:schemeClr val="accent1"/>
+            </a:effectRef>
+            <a:fontRef idx="minor">
+              <a:schemeClr val="lt1"/>
+            </a:fontRef>
+          </p:style>
+          <p:txBody>
+            <a:bodyPr rtlCol="0" anchor="ctr"/>
+            <a:lstStyle/>
+            <a:p>
+              <a:pPr algn="ctr"/>
+              <a:endParaRPr lang="pt-BR"/>
+            </a:p>
+          </p:txBody>
+        </p:sp>
+        <p:grpSp>
+          <p:nvGrpSpPr>
+            <p:cNvPr id="36" name="Grupo 35"/>
+            <p:cNvGrpSpPr/>
+            <p:nvPr/>
+          </p:nvGrpSpPr>
+          <p:grpSpPr>
+            <a:xfrm>
+              <a:off x="884658" y="2520352"/>
+              <a:ext cx="653238" cy="957793"/>
+              <a:chOff x="2208715" y="2818560"/>
+              <a:chExt cx="898374" cy="1389012"/>
+            </a:xfrm>
+          </p:grpSpPr>
+          <p:sp>
+            <p:nvSpPr>
+              <p:cNvPr id="35" name="Elipse 34"/>
+              <p:cNvSpPr/>
+              <p:nvPr/>
+            </p:nvSpPr>
+            <p:spPr>
+              <a:xfrm rot="1912392">
+                <a:off x="2419448" y="2818560"/>
+                <a:ext cx="427082" cy="1377537"/>
+              </a:xfrm>
+              <a:prstGeom prst="ellipse">
+                <a:avLst/>
+              </a:prstGeom>
+              <a:noFill/>
+              <a:ln>
+                <a:solidFill>
+                  <a:schemeClr val="tx1"/>
+                </a:solidFill>
+              </a:ln>
+            </p:spPr>
+            <p:style>
+              <a:lnRef idx="2">
+                <a:schemeClr val="accent1">
+                  <a:shade val="50000"/>
+                </a:schemeClr>
+              </a:lnRef>
+              <a:fillRef idx="1">
+                <a:schemeClr val="accent1"/>
+              </a:fillRef>
+              <a:effectRef idx="0">
+                <a:schemeClr val="accent1"/>
+              </a:effectRef>
+              <a:fontRef idx="minor">
+                <a:schemeClr val="lt1"/>
+              </a:fontRef>
+            </p:style>
+            <p:txBody>
+              <a:bodyPr rtlCol="0" anchor="ctr"/>
+              <a:lstStyle/>
+              <a:p>
+                <a:pPr algn="ctr"/>
+                <a:endParaRPr lang="pt-BR"/>
+              </a:p>
+            </p:txBody>
+          </p:sp>
+          <p:sp>
+            <p:nvSpPr>
+              <p:cNvPr id="37" name="Elipse 36"/>
+              <p:cNvSpPr/>
+              <p:nvPr/>
+            </p:nvSpPr>
+            <p:spPr>
+              <a:xfrm rot="6091130">
+                <a:off x="2444361" y="3058140"/>
+                <a:ext cx="427082" cy="898374"/>
+              </a:xfrm>
+              <a:prstGeom prst="ellipse">
+                <a:avLst/>
+              </a:prstGeom>
+              <a:noFill/>
+              <a:ln>
+                <a:solidFill>
+                  <a:schemeClr val="tx1"/>
+                </a:solidFill>
+              </a:ln>
+            </p:spPr>
+            <p:style>
+              <a:lnRef idx="2">
+                <a:schemeClr val="accent1">
+                  <a:shade val="50000"/>
+                </a:schemeClr>
+              </a:lnRef>
+              <a:fillRef idx="1">
+                <a:schemeClr val="accent1"/>
+              </a:fillRef>
+              <a:effectRef idx="0">
+                <a:schemeClr val="accent1"/>
+              </a:effectRef>
+              <a:fontRef idx="minor">
+                <a:schemeClr val="lt1"/>
+              </a:fontRef>
+            </p:style>
+            <p:txBody>
+              <a:bodyPr rtlCol="0" anchor="ctr"/>
+              <a:lstStyle/>
+              <a:p>
+                <a:pPr algn="ctr"/>
+                <a:endParaRPr lang="pt-BR"/>
+              </a:p>
+            </p:txBody>
+          </p:sp>
+          <p:sp>
+            <p:nvSpPr>
+              <p:cNvPr id="38" name="Elipse 37"/>
+              <p:cNvSpPr/>
+              <p:nvPr/>
+            </p:nvSpPr>
+            <p:spPr>
+              <a:xfrm rot="8973660">
+                <a:off x="2571144" y="2830035"/>
+                <a:ext cx="92671" cy="1377537"/>
+              </a:xfrm>
+              <a:prstGeom prst="ellipse">
+                <a:avLst/>
+              </a:prstGeom>
+              <a:noFill/>
+              <a:ln>
+                <a:solidFill>
+                  <a:schemeClr val="tx1"/>
+                </a:solidFill>
+              </a:ln>
+            </p:spPr>
+            <p:style>
+              <a:lnRef idx="2">
+                <a:schemeClr val="accent1">
+                  <a:shade val="50000"/>
+                </a:schemeClr>
+              </a:lnRef>
+              <a:fillRef idx="1">
+                <a:schemeClr val="accent1"/>
+              </a:fillRef>
+              <a:effectRef idx="0">
+                <a:schemeClr val="accent1"/>
+              </a:effectRef>
+              <a:fontRef idx="minor">
+                <a:schemeClr val="lt1"/>
+              </a:fontRef>
+            </p:style>
+            <p:txBody>
+              <a:bodyPr rtlCol="0" anchor="ctr"/>
+              <a:lstStyle/>
+              <a:p>
+                <a:pPr algn="ctr"/>
+                <a:endParaRPr lang="pt-BR"/>
+              </a:p>
+            </p:txBody>
+          </p:sp>
+        </p:grpSp>
+      </p:grpSp>
+      <p:sp>
+        <p:nvSpPr>
+          <p:cNvPr id="43" name="CaixaDeTexto 42"/>
+          <p:cNvSpPr txBox="1"/>
+          <p:nvPr/>
+        </p:nvSpPr>
+        <p:spPr>
+          <a:xfrm>
+            <a:off x="692608" y="447657"/>
+            <a:ext cx="1037335" cy="369332"/>
+          </a:xfrm>
+          <a:prstGeom prst="rect">
+            <a:avLst/>
+          </a:prstGeom>
+          <a:noFill/>
+        </p:spPr>
+        <p:txBody>
+          <a:bodyPr wrap="none" rtlCol="0">
+            <a:spAutoFit/>
+          </a:bodyPr>
+          <a:lstStyle/>
+          <a:p>
+            <a:r>
+              <a:rPr lang="pt-BR" dirty="0" smtClean="0"/>
+              <a:t>Data grid</a:t>
+            </a:r>
+            <a:endParaRPr lang="pt-BR" dirty="0"/>
+          </a:p>
+        </p:txBody>
+      </p:sp>
+      <p:sp>
+        <p:nvSpPr>
+          <p:cNvPr id="44" name="CaixaDeTexto 43"/>
+          <p:cNvSpPr txBox="1"/>
+          <p:nvPr/>
+        </p:nvSpPr>
+        <p:spPr>
+          <a:xfrm>
+            <a:off x="596384" y="2203372"/>
+            <a:ext cx="1218988" cy="646331"/>
+          </a:xfrm>
+          <a:prstGeom prst="rect">
+            <a:avLst/>
+          </a:prstGeom>
+          <a:noFill/>
+        </p:spPr>
+        <p:txBody>
+          <a:bodyPr wrap="none" rtlCol="0">
+            <a:spAutoFit/>
+          </a:bodyPr>
+          <a:lstStyle/>
+          <a:p>
+            <a:pPr algn="ctr"/>
+            <a:r>
+              <a:rPr lang="pt-BR" dirty="0" err="1" smtClean="0"/>
+              <a:t>Covariance</a:t>
+            </a:r>
+            <a:endParaRPr lang="pt-BR" dirty="0"/>
+          </a:p>
+          <a:p>
+            <a:pPr algn="ctr"/>
+            <a:r>
+              <a:rPr lang="pt-BR" dirty="0" smtClean="0"/>
+              <a:t>grid</a:t>
+            </a:r>
+            <a:endParaRPr lang="pt-BR" dirty="0"/>
+          </a:p>
+        </p:txBody>
+      </p:sp>
+      <p:cxnSp>
+        <p:nvCxnSpPr>
+          <p:cNvPr id="45" name="Conector angulado 44"/>
+          <p:cNvCxnSpPr>
+            <a:stCxn id="26" idx="3"/>
+            <a:endCxn id="48" idx="0"/>
+          </p:cNvCxnSpPr>
+          <p:nvPr/>
+        </p:nvCxnSpPr>
+        <p:spPr>
+          <a:xfrm flipH="1">
+            <a:off x="2640181" y="1624360"/>
+            <a:ext cx="5107165" cy="1450150"/>
+          </a:xfrm>
+          <a:prstGeom prst="bentConnector4">
+            <a:avLst>
+              <a:gd name="adj1" fmla="val -4476"/>
+              <a:gd name="adj2" fmla="val 65918"/>
+            </a:avLst>
+          </a:prstGeom>
+          <a:ln>
+            <a:tailEnd type="triangle"/>
+          </a:ln>
+        </p:spPr>
+        <p:style>
+          <a:lnRef idx="1">
+            <a:schemeClr val="accent1"/>
+          </a:lnRef>
+          <a:fillRef idx="0">
+            <a:schemeClr val="accent1"/>
+          </a:fillRef>
+          <a:effectRef idx="0">
+            <a:schemeClr val="accent1"/>
+          </a:effectRef>
+          <a:fontRef idx="minor">
+            <a:schemeClr val="tx1"/>
+          </a:fontRef>
+        </p:style>
+      </p:cxnSp>
+      <p:sp>
+        <p:nvSpPr>
+          <p:cNvPr id="48" name="CaixaDeTexto 47"/>
+          <p:cNvSpPr txBox="1"/>
+          <p:nvPr/>
+        </p:nvSpPr>
+        <p:spPr>
+          <a:xfrm>
+            <a:off x="2323427" y="3074510"/>
+            <a:ext cx="633507" cy="369332"/>
+          </a:xfrm>
+          <a:prstGeom prst="rect">
+            <a:avLst/>
+          </a:prstGeom>
+          <a:noFill/>
+        </p:spPr>
+        <p:txBody>
+          <a:bodyPr wrap="none" rtlCol="0">
+            <a:spAutoFit/>
+          </a:bodyPr>
+          <a:lstStyle/>
+          <a:p>
+            <a:r>
+              <a:rPr lang="pt-BR" dirty="0" smtClean="0"/>
+              <a:t>RFFT</a:t>
+            </a:r>
+            <a:endParaRPr lang="pt-BR" dirty="0"/>
+          </a:p>
+        </p:txBody>
+      </p:sp>
+      <p:sp>
+        <p:nvSpPr>
+          <p:cNvPr id="50" name="CaixaDeTexto 49"/>
+          <p:cNvSpPr txBox="1"/>
+          <p:nvPr/>
+        </p:nvSpPr>
+        <p:spPr>
+          <a:xfrm>
+            <a:off x="3648321" y="3071882"/>
+            <a:ext cx="2412648" cy="369332"/>
+          </a:xfrm>
+          <a:prstGeom prst="rect">
+            <a:avLst/>
+          </a:prstGeom>
+          <a:noFill/>
+        </p:spPr>
+        <p:txBody>
+          <a:bodyPr wrap="none" rtlCol="0">
+            <a:spAutoFit/>
+          </a:bodyPr>
+          <a:lstStyle/>
+          <a:p>
+            <a:r>
+              <a:rPr lang="pt-BR" dirty="0" err="1" smtClean="0"/>
+              <a:t>zeroes</a:t>
+            </a:r>
+            <a:r>
+              <a:rPr lang="pt-BR" dirty="0" smtClean="0"/>
+              <a:t> grid (zero </a:t>
+            </a:r>
+            <a:r>
+              <a:rPr lang="pt-BR" dirty="0" err="1" smtClean="0"/>
+              <a:t>phase</a:t>
+            </a:r>
+            <a:r>
+              <a:rPr lang="pt-BR" dirty="0" smtClean="0"/>
+              <a:t>)</a:t>
+            </a:r>
+            <a:endParaRPr lang="pt-BR" dirty="0"/>
+          </a:p>
+        </p:txBody>
+      </p:sp>
+      <p:cxnSp>
+        <p:nvCxnSpPr>
+          <p:cNvPr id="51" name="Conector de seta reta 50"/>
+          <p:cNvCxnSpPr>
+            <a:stCxn id="50" idx="1"/>
+            <a:endCxn id="48" idx="3"/>
+          </p:cNvCxnSpPr>
+          <p:nvPr/>
+        </p:nvCxnSpPr>
+        <p:spPr>
+          <a:xfrm flipH="1">
+            <a:off x="2956934" y="3256548"/>
+            <a:ext cx="691387" cy="2628"/>
+          </a:xfrm>
+          <a:prstGeom prst="straightConnector1">
+            <a:avLst/>
+          </a:prstGeom>
+          <a:ln>
+            <a:tailEnd type="triangle"/>
+          </a:ln>
+        </p:spPr>
+        <p:style>
+          <a:lnRef idx="1">
+            <a:schemeClr val="accent1"/>
+          </a:lnRef>
+          <a:fillRef idx="0">
+            <a:schemeClr val="accent1"/>
+          </a:fillRef>
+          <a:effectRef idx="0">
+            <a:schemeClr val="accent1"/>
+          </a:effectRef>
+          <a:fontRef idx="minor">
+            <a:schemeClr val="tx1"/>
+          </a:fontRef>
+        </p:style>
+      </p:cxnSp>
+      <p:cxnSp>
+        <p:nvCxnSpPr>
+          <p:cNvPr id="54" name="Conector de seta reta 53"/>
+          <p:cNvCxnSpPr>
+            <a:stCxn id="48" idx="1"/>
+            <a:endCxn id="39" idx="3"/>
+          </p:cNvCxnSpPr>
+          <p:nvPr/>
+        </p:nvCxnSpPr>
+        <p:spPr>
+          <a:xfrm flipH="1">
+            <a:off x="1593926" y="3259176"/>
+            <a:ext cx="729501" cy="2564"/>
+          </a:xfrm>
+          <a:prstGeom prst="straightConnector1">
+            <a:avLst/>
+          </a:prstGeom>
+          <a:ln>
+            <a:tailEnd type="triangle"/>
+          </a:ln>
+        </p:spPr>
+        <p:style>
+          <a:lnRef idx="1">
+            <a:schemeClr val="accent1"/>
+          </a:lnRef>
+          <a:fillRef idx="0">
+            <a:schemeClr val="accent1"/>
+          </a:fillRef>
+          <a:effectRef idx="0">
+            <a:schemeClr val="accent1"/>
+          </a:effectRef>
+          <a:fontRef idx="minor">
+            <a:schemeClr val="tx1"/>
+          </a:fontRef>
+        </p:style>
+      </p:cxnSp>
+      <p:sp>
+        <p:nvSpPr>
+          <p:cNvPr id="57" name="CaixaDeTexto 56"/>
+          <p:cNvSpPr txBox="1"/>
+          <p:nvPr/>
+        </p:nvSpPr>
+        <p:spPr>
+          <a:xfrm>
+            <a:off x="523690" y="4002451"/>
+            <a:ext cx="1368773" cy="369332"/>
+          </a:xfrm>
+          <a:prstGeom prst="rect">
+            <a:avLst/>
+          </a:prstGeom>
+          <a:noFill/>
+        </p:spPr>
+        <p:txBody>
+          <a:bodyPr wrap="none" rtlCol="0">
+            <a:spAutoFit/>
+          </a:bodyPr>
+          <a:lstStyle/>
+          <a:p>
+            <a:r>
+              <a:rPr lang="pt-BR" dirty="0" smtClean="0"/>
+              <a:t>SVD </a:t>
+            </a:r>
+            <a:r>
+              <a:rPr lang="pt-BR" dirty="0" err="1" smtClean="0"/>
+              <a:t>Analysis</a:t>
+            </a:r>
+            <a:endParaRPr lang="pt-BR" dirty="0"/>
+          </a:p>
+        </p:txBody>
+      </p:sp>
+      <p:cxnSp>
+        <p:nvCxnSpPr>
+          <p:cNvPr id="59" name="Conector de seta reta 58"/>
+          <p:cNvCxnSpPr>
+            <a:stCxn id="39" idx="2"/>
+            <a:endCxn id="57" idx="0"/>
+          </p:cNvCxnSpPr>
+          <p:nvPr/>
+        </p:nvCxnSpPr>
+        <p:spPr>
+          <a:xfrm flipH="1">
+            <a:off x="1208077" y="3729994"/>
+            <a:ext cx="3200" cy="272457"/>
+          </a:xfrm>
+          <a:prstGeom prst="straightConnector1">
+            <a:avLst/>
+          </a:prstGeom>
+          <a:ln>
+            <a:tailEnd type="triangle"/>
+          </a:ln>
+        </p:spPr>
+        <p:style>
+          <a:lnRef idx="1">
+            <a:schemeClr val="accent1"/>
+          </a:lnRef>
+          <a:fillRef idx="0">
+            <a:schemeClr val="accent1"/>
+          </a:fillRef>
+          <a:effectRef idx="0">
+            <a:schemeClr val="accent1"/>
+          </a:effectRef>
+          <a:fontRef idx="minor">
+            <a:schemeClr val="tx1"/>
+          </a:fontRef>
+        </p:style>
+      </p:cxnSp>
+      <p:grpSp>
+        <p:nvGrpSpPr>
+          <p:cNvPr id="62" name="Grupo 61"/>
+          <p:cNvGrpSpPr/>
+          <p:nvPr/>
+        </p:nvGrpSpPr>
+        <p:grpSpPr>
+          <a:xfrm>
+            <a:off x="2189913" y="4396867"/>
+            <a:ext cx="765298" cy="960260"/>
+            <a:chOff x="2403665" y="3969356"/>
+            <a:chExt cx="765298" cy="960260"/>
+          </a:xfrm>
+        </p:grpSpPr>
+        <p:sp>
+          <p:nvSpPr>
+            <p:cNvPr id="64" name="Retângulo 63"/>
+            <p:cNvSpPr/>
+            <p:nvPr/>
+          </p:nvSpPr>
+          <p:spPr>
+            <a:xfrm>
+              <a:off x="2403665" y="3993108"/>
+              <a:ext cx="765298" cy="936508"/>
+            </a:xfrm>
+            <a:prstGeom prst="rect">
+              <a:avLst/>
+            </a:prstGeom>
+            <a:solidFill>
+              <a:schemeClr val="bg1"/>
+            </a:solidFill>
+          </p:spPr>
+          <p:style>
+            <a:lnRef idx="2">
+              <a:schemeClr val="accent1">
+                <a:shade val="50000"/>
+              </a:schemeClr>
+            </a:lnRef>
+            <a:fillRef idx="1">
+              <a:schemeClr val="accent1"/>
+            </a:fillRef>
+            <a:effectRef idx="0">
+              <a:schemeClr val="accent1"/>
+            </a:effectRef>
+            <a:fontRef idx="minor">
+              <a:schemeClr val="lt1"/>
+            </a:fontRef>
+          </p:style>
+          <p:txBody>
+            <a:bodyPr rtlCol="0" anchor="ctr"/>
+            <a:lstStyle/>
+            <a:p>
+              <a:pPr algn="ctr"/>
+              <a:endParaRPr lang="pt-BR"/>
+            </a:p>
+          </p:txBody>
+        </p:sp>
+        <p:sp>
+          <p:nvSpPr>
+            <p:cNvPr id="66" name="Elipse 65"/>
+            <p:cNvSpPr/>
+            <p:nvPr/>
+          </p:nvSpPr>
+          <p:spPr>
+            <a:xfrm rot="1912392">
+              <a:off x="2631040" y="3969356"/>
+              <a:ext cx="310546" cy="949880"/>
+            </a:xfrm>
+            <a:prstGeom prst="ellipse">
+              <a:avLst/>
+            </a:prstGeom>
+            <a:noFill/>
+            <a:ln>
+              <a:solidFill>
+                <a:schemeClr val="tx1"/>
+              </a:solidFill>
+            </a:ln>
+          </p:spPr>
+          <p:style>
+            <a:lnRef idx="2">
+              <a:schemeClr val="accent1">
+                <a:shade val="50000"/>
+              </a:schemeClr>
+            </a:lnRef>
+            <a:fillRef idx="1">
+              <a:schemeClr val="accent1"/>
+            </a:fillRef>
+            <a:effectRef idx="0">
+              <a:schemeClr val="accent1"/>
+            </a:effectRef>
+            <a:fontRef idx="minor">
+              <a:schemeClr val="lt1"/>
+            </a:fontRef>
+          </p:style>
+          <p:txBody>
+            <a:bodyPr rtlCol="0" anchor="ctr"/>
+            <a:lstStyle/>
+            <a:p>
+              <a:pPr algn="ctr"/>
+              <a:endParaRPr lang="pt-BR"/>
+            </a:p>
+          </p:txBody>
+        </p:sp>
+      </p:grpSp>
+      <p:sp>
+        <p:nvSpPr>
+          <p:cNvPr id="70" name="CaixaDeTexto 69"/>
+          <p:cNvSpPr txBox="1"/>
+          <p:nvPr/>
+        </p:nvSpPr>
+        <p:spPr>
+          <a:xfrm>
+            <a:off x="2094341" y="3703205"/>
+            <a:ext cx="1039900" cy="646331"/>
+          </a:xfrm>
+          <a:prstGeom prst="rect">
+            <a:avLst/>
+          </a:prstGeom>
+          <a:noFill/>
+        </p:spPr>
+        <p:txBody>
+          <a:bodyPr wrap="none" rtlCol="0">
+            <a:spAutoFit/>
+          </a:bodyPr>
+          <a:lstStyle/>
+          <a:p>
+            <a:r>
+              <a:rPr lang="pt-BR" dirty="0" err="1" smtClean="0"/>
+              <a:t>Desired</a:t>
+            </a:r>
+            <a:endParaRPr lang="pt-BR" dirty="0"/>
+          </a:p>
+          <a:p>
+            <a:r>
+              <a:rPr lang="pt-BR" dirty="0" err="1" smtClean="0"/>
+              <a:t>structure</a:t>
+            </a:r>
+            <a:endParaRPr lang="pt-BR" dirty="0"/>
+          </a:p>
+        </p:txBody>
+      </p:sp>
+      <p:cxnSp>
+        <p:nvCxnSpPr>
+          <p:cNvPr id="71" name="Conector angulado 70"/>
+          <p:cNvCxnSpPr>
+            <a:stCxn id="57" idx="2"/>
+            <a:endCxn id="64" idx="1"/>
+          </p:cNvCxnSpPr>
+          <p:nvPr/>
+        </p:nvCxnSpPr>
+        <p:spPr>
+          <a:xfrm rot="16200000" flipH="1">
+            <a:off x="1440450" y="4139410"/>
+            <a:ext cx="517090" cy="981836"/>
+          </a:xfrm>
+          <a:prstGeom prst="bentConnector2">
+            <a:avLst/>
+          </a:prstGeom>
+          <a:ln>
+            <a:tailEnd type="triangle"/>
+          </a:ln>
+        </p:spPr>
+        <p:style>
+          <a:lnRef idx="1">
+            <a:schemeClr val="accent1"/>
+          </a:lnRef>
+          <a:fillRef idx="0">
+            <a:schemeClr val="accent1"/>
+          </a:fillRef>
+          <a:effectRef idx="0">
+            <a:schemeClr val="accent1"/>
+          </a:effectRef>
+          <a:fontRef idx="minor">
+            <a:schemeClr val="tx1"/>
+          </a:fontRef>
+        </p:style>
+      </p:cxnSp>
+      <p:sp>
+        <p:nvSpPr>
+          <p:cNvPr id="74" name="CaixaDeTexto 73"/>
+          <p:cNvSpPr txBox="1"/>
+          <p:nvPr/>
+        </p:nvSpPr>
+        <p:spPr>
+          <a:xfrm>
+            <a:off x="3300456" y="4704207"/>
+            <a:ext cx="508473" cy="369332"/>
+          </a:xfrm>
+          <a:prstGeom prst="rect">
+            <a:avLst/>
+          </a:prstGeom>
+          <a:noFill/>
+        </p:spPr>
+        <p:txBody>
+          <a:bodyPr wrap="none" rtlCol="0">
+            <a:spAutoFit/>
+          </a:bodyPr>
+          <a:lstStyle/>
+          <a:p>
+            <a:r>
+              <a:rPr lang="pt-BR" dirty="0" smtClean="0"/>
+              <a:t>FFT</a:t>
+            </a:r>
+            <a:endParaRPr lang="pt-BR" dirty="0"/>
+          </a:p>
+        </p:txBody>
+      </p:sp>
+      <p:cxnSp>
+        <p:nvCxnSpPr>
+          <p:cNvPr id="75" name="Conector de seta reta 74"/>
+          <p:cNvCxnSpPr>
+            <a:stCxn id="64" idx="3"/>
+            <a:endCxn id="74" idx="1"/>
+          </p:cNvCxnSpPr>
+          <p:nvPr/>
+        </p:nvCxnSpPr>
+        <p:spPr>
+          <a:xfrm>
+            <a:off x="2955211" y="4888873"/>
+            <a:ext cx="345245" cy="0"/>
+          </a:xfrm>
+          <a:prstGeom prst="straightConnector1">
+            <a:avLst/>
+          </a:prstGeom>
+          <a:ln>
+            <a:tailEnd type="triangle"/>
+          </a:ln>
+        </p:spPr>
+        <p:style>
+          <a:lnRef idx="1">
+            <a:schemeClr val="accent1"/>
+          </a:lnRef>
+          <a:fillRef idx="0">
+            <a:schemeClr val="accent1"/>
+          </a:fillRef>
+          <a:effectRef idx="0">
+            <a:schemeClr val="accent1"/>
+          </a:effectRef>
+          <a:fontRef idx="minor">
+            <a:schemeClr val="tx1"/>
+          </a:fontRef>
+        </p:style>
+      </p:cxnSp>
+      <p:cxnSp>
+        <p:nvCxnSpPr>
+          <p:cNvPr id="78" name="Conector angulado 77"/>
+          <p:cNvCxnSpPr>
+            <a:stCxn id="74" idx="0"/>
+            <a:endCxn id="79" idx="1"/>
+          </p:cNvCxnSpPr>
+          <p:nvPr/>
+        </p:nvCxnSpPr>
+        <p:spPr>
+          <a:xfrm rot="5400000" flipH="1" flipV="1">
+            <a:off x="3825253" y="4048297"/>
+            <a:ext cx="385350" cy="926470"/>
+          </a:xfrm>
+          <a:prstGeom prst="bentConnector2">
+            <a:avLst/>
+          </a:prstGeom>
+          <a:ln>
+            <a:tailEnd type="triangle"/>
+          </a:ln>
+        </p:spPr>
+        <p:style>
+          <a:lnRef idx="1">
+            <a:schemeClr val="accent1"/>
+          </a:lnRef>
+          <a:fillRef idx="0">
+            <a:schemeClr val="accent1"/>
+          </a:fillRef>
+          <a:effectRef idx="0">
+            <a:schemeClr val="accent1"/>
+          </a:effectRef>
+          <a:fontRef idx="minor">
+            <a:schemeClr val="tx1"/>
+          </a:fontRef>
+        </p:style>
+      </p:cxnSp>
+      <p:sp>
+        <p:nvSpPr>
+          <p:cNvPr id="79" name="CaixaDeTexto 78"/>
+          <p:cNvSpPr txBox="1"/>
+          <p:nvPr/>
+        </p:nvSpPr>
+        <p:spPr>
+          <a:xfrm>
+            <a:off x="4481163" y="4134191"/>
+            <a:ext cx="2845911" cy="369332"/>
+          </a:xfrm>
+          <a:prstGeom prst="rect">
+            <a:avLst/>
+          </a:prstGeom>
+          <a:noFill/>
+        </p:spPr>
+        <p:txBody>
+          <a:bodyPr wrap="square" rtlCol="0">
+            <a:spAutoFit/>
+          </a:bodyPr>
+          <a:lstStyle/>
+          <a:p>
+            <a:r>
+              <a:rPr lang="el-GR" dirty="0" smtClean="0"/>
+              <a:t>φ</a:t>
+            </a:r>
+            <a:r>
+              <a:rPr lang="pt-BR" dirty="0" smtClean="0"/>
+              <a:t> (must </a:t>
+            </a:r>
+            <a:r>
+              <a:rPr lang="pt-BR" dirty="0" err="1" smtClean="0"/>
+              <a:t>be</a:t>
+            </a:r>
+            <a:r>
+              <a:rPr lang="pt-BR" dirty="0" smtClean="0"/>
+              <a:t> </a:t>
+            </a:r>
+            <a:r>
+              <a:rPr lang="pt-BR" dirty="0" err="1" smtClean="0"/>
+              <a:t>entirely</a:t>
+            </a:r>
+            <a:r>
+              <a:rPr lang="pt-BR" dirty="0" smtClean="0"/>
+              <a:t> </a:t>
+            </a:r>
+            <a:r>
+              <a:rPr lang="pt-BR" dirty="0" err="1" smtClean="0"/>
+              <a:t>zeroed</a:t>
+            </a:r>
+            <a:r>
+              <a:rPr lang="pt-BR" dirty="0" smtClean="0"/>
+              <a:t>)</a:t>
+            </a:r>
+            <a:endParaRPr lang="pt-BR" dirty="0"/>
+          </a:p>
+        </p:txBody>
+      </p:sp>
+      <p:sp>
+        <p:nvSpPr>
+          <p:cNvPr id="82" name="CaixaDeTexto 81"/>
+          <p:cNvSpPr txBox="1"/>
+          <p:nvPr/>
+        </p:nvSpPr>
+        <p:spPr>
+          <a:xfrm>
+            <a:off x="4458383" y="4700491"/>
+            <a:ext cx="2113079" cy="369332"/>
+          </a:xfrm>
+          <a:prstGeom prst="rect">
+            <a:avLst/>
+          </a:prstGeom>
+          <a:noFill/>
+        </p:spPr>
+        <p:txBody>
+          <a:bodyPr wrap="none" rtlCol="0">
+            <a:spAutoFit/>
+          </a:bodyPr>
+          <a:lstStyle/>
+          <a:p>
+            <a:r>
+              <a:rPr lang="pt-BR" dirty="0" smtClean="0"/>
+              <a:t>magnitude grid (|z|)</a:t>
+            </a:r>
+            <a:endParaRPr lang="pt-BR" dirty="0"/>
+          </a:p>
+        </p:txBody>
+      </p:sp>
+      <p:cxnSp>
+        <p:nvCxnSpPr>
+          <p:cNvPr id="83" name="Conector de seta reta 82"/>
+          <p:cNvCxnSpPr>
+            <a:stCxn id="74" idx="3"/>
+            <a:endCxn id="82" idx="1"/>
+          </p:cNvCxnSpPr>
+          <p:nvPr/>
+        </p:nvCxnSpPr>
+        <p:spPr>
+          <a:xfrm flipV="1">
+            <a:off x="3808929" y="4885157"/>
+            <a:ext cx="649454" cy="3716"/>
+          </a:xfrm>
+          <a:prstGeom prst="straightConnector1">
+            <a:avLst/>
+          </a:prstGeom>
+          <a:ln>
+            <a:tailEnd type="triangle"/>
+          </a:ln>
+        </p:spPr>
+        <p:style>
+          <a:lnRef idx="1">
+            <a:schemeClr val="accent1"/>
+          </a:lnRef>
+          <a:fillRef idx="0">
+            <a:schemeClr val="accent1"/>
+          </a:fillRef>
+          <a:effectRef idx="0">
+            <a:schemeClr val="accent1"/>
+          </a:effectRef>
+          <a:fontRef idx="minor">
+            <a:schemeClr val="tx1"/>
+          </a:fontRef>
+        </p:style>
+      </p:cxnSp>
+      <p:sp>
+        <p:nvSpPr>
+          <p:cNvPr id="86" name="CaixaDeTexto 85"/>
+          <p:cNvSpPr txBox="1"/>
+          <p:nvPr/>
+        </p:nvSpPr>
+        <p:spPr>
+          <a:xfrm>
+            <a:off x="7943458" y="4707025"/>
+            <a:ext cx="633507" cy="369332"/>
+          </a:xfrm>
+          <a:prstGeom prst="rect">
+            <a:avLst/>
+          </a:prstGeom>
+          <a:noFill/>
+        </p:spPr>
+        <p:txBody>
+          <a:bodyPr wrap="none" rtlCol="0">
+            <a:spAutoFit/>
+          </a:bodyPr>
+          <a:lstStyle/>
+          <a:p>
+            <a:r>
+              <a:rPr lang="pt-BR" dirty="0" smtClean="0"/>
+              <a:t>RFFT</a:t>
+            </a:r>
+            <a:endParaRPr lang="pt-BR" dirty="0"/>
+          </a:p>
+        </p:txBody>
+      </p:sp>
+      <p:cxnSp>
+        <p:nvCxnSpPr>
+          <p:cNvPr id="87" name="Conector angulado 86"/>
+          <p:cNvCxnSpPr>
+            <a:stCxn id="19" idx="3"/>
+            <a:endCxn id="86" idx="0"/>
+          </p:cNvCxnSpPr>
+          <p:nvPr/>
+        </p:nvCxnSpPr>
+        <p:spPr>
+          <a:xfrm>
+            <a:off x="4836924" y="834054"/>
+            <a:ext cx="3423288" cy="3872971"/>
+          </a:xfrm>
+          <a:prstGeom prst="bentConnector2">
+            <a:avLst/>
+          </a:prstGeom>
+          <a:ln>
+            <a:tailEnd type="triangle"/>
+          </a:ln>
+        </p:spPr>
+        <p:style>
+          <a:lnRef idx="1">
+            <a:schemeClr val="accent1"/>
+          </a:lnRef>
+          <a:fillRef idx="0">
+            <a:schemeClr val="accent1"/>
+          </a:fillRef>
+          <a:effectRef idx="0">
+            <a:schemeClr val="accent1"/>
+          </a:effectRef>
+          <a:fontRef idx="minor">
+            <a:schemeClr val="tx1"/>
+          </a:fontRef>
+        </p:style>
+      </p:cxnSp>
+      <p:cxnSp>
+        <p:nvCxnSpPr>
+          <p:cNvPr id="90" name="Conector de seta reta 89"/>
+          <p:cNvCxnSpPr>
+            <a:stCxn id="82" idx="3"/>
+            <a:endCxn id="86" idx="1"/>
+          </p:cNvCxnSpPr>
+          <p:nvPr/>
+        </p:nvCxnSpPr>
+        <p:spPr>
+          <a:xfrm>
+            <a:off x="6571462" y="4885157"/>
+            <a:ext cx="1371996" cy="6534"/>
+          </a:xfrm>
+          <a:prstGeom prst="straightConnector1">
+            <a:avLst/>
+          </a:prstGeom>
+          <a:ln>
+            <a:tailEnd type="triangle"/>
+          </a:ln>
+        </p:spPr>
+        <p:style>
+          <a:lnRef idx="1">
+            <a:schemeClr val="accent1"/>
+          </a:lnRef>
+          <a:fillRef idx="0">
+            <a:schemeClr val="accent1"/>
+          </a:fillRef>
+          <a:effectRef idx="0">
+            <a:schemeClr val="accent1"/>
+          </a:effectRef>
+          <a:fontRef idx="minor">
+            <a:schemeClr val="tx1"/>
+          </a:fontRef>
+        </p:style>
+      </p:cxnSp>
+      <p:pic>
+        <p:nvPicPr>
+          <p:cNvPr id="1028" name="Picture 4" descr="Imagem relacionada"/>
+          <p:cNvPicPr>
+            <a:picLocks noChangeAspect="1" noChangeArrowheads="1"/>
+          </p:cNvPicPr>
+          <p:nvPr/>
+        </p:nvPicPr>
+        <p:blipFill>
+          <a:blip r:embed="rId3" cstate="print">
+            <a:extLst>
+              <a:ext uri="{28A0092B-C50C-407E-A947-70E740481C1C}">
+                <a14:useLocalDpi xmlns:a14="http://schemas.microsoft.com/office/drawing/2010/main" val="0"/>
+              </a:ext>
+            </a:extLst>
+          </a:blip>
+          <a:srcRect/>
+          <a:stretch>
+            <a:fillRect/>
+          </a:stretch>
+        </p:blipFill>
+        <p:spPr bwMode="auto">
+          <a:xfrm>
+            <a:off x="9589309" y="4283766"/>
+            <a:ext cx="1157819" cy="1204837"/>
+          </a:xfrm>
+          <a:prstGeom prst="rect">
+            <a:avLst/>
+          </a:prstGeom>
+          <a:noFill/>
+          <a:extLst>
+            <a:ext uri="{909E8E84-426E-40DD-AFC4-6F175D3DCCD1}">
+              <a14:hiddenFill xmlns:a14="http://schemas.microsoft.com/office/drawing/2010/main">
+                <a:solidFill>
+                  <a:srgbClr val="FFFFFF"/>
+                </a:solidFill>
+              </a14:hiddenFill>
+            </a:ext>
+          </a:extLst>
+        </p:spPr>
+      </p:pic>
+      <p:cxnSp>
+        <p:nvCxnSpPr>
+          <p:cNvPr id="94" name="Conector de seta reta 93"/>
+          <p:cNvCxnSpPr>
+            <a:stCxn id="86" idx="3"/>
+            <a:endCxn id="1028" idx="1"/>
+          </p:cNvCxnSpPr>
+          <p:nvPr/>
+        </p:nvCxnSpPr>
+        <p:spPr>
+          <a:xfrm flipV="1">
+            <a:off x="8576965" y="4886185"/>
+            <a:ext cx="1012344" cy="5506"/>
+          </a:xfrm>
+          <a:prstGeom prst="straightConnector1">
+            <a:avLst/>
+          </a:prstGeom>
+          <a:ln>
+            <a:tailEnd type="triangle"/>
+          </a:ln>
+        </p:spPr>
+        <p:style>
+          <a:lnRef idx="1">
+            <a:schemeClr val="accent1"/>
+          </a:lnRef>
+          <a:fillRef idx="0">
+            <a:schemeClr val="accent1"/>
+          </a:fillRef>
+          <a:effectRef idx="0">
+            <a:schemeClr val="accent1"/>
+          </a:effectRef>
+          <a:fontRef idx="minor">
+            <a:schemeClr val="tx1"/>
+          </a:fontRef>
+        </p:style>
+      </p:cxnSp>
+      <p:sp>
+        <p:nvSpPr>
+          <p:cNvPr id="98" name="CaixaDeTexto 97"/>
+          <p:cNvSpPr txBox="1"/>
+          <p:nvPr/>
+        </p:nvSpPr>
+        <p:spPr>
+          <a:xfrm>
+            <a:off x="9341490" y="3902559"/>
+            <a:ext cx="1808637" cy="369332"/>
+          </a:xfrm>
+          <a:prstGeom prst="rect">
+            <a:avLst/>
+          </a:prstGeom>
+          <a:noFill/>
+        </p:spPr>
+        <p:txBody>
+          <a:bodyPr wrap="none" rtlCol="0">
+            <a:spAutoFit/>
+          </a:bodyPr>
+          <a:lstStyle/>
+          <a:p>
+            <a:r>
+              <a:rPr lang="pt-BR" dirty="0" err="1" smtClean="0"/>
+              <a:t>Filtered</a:t>
+            </a:r>
+            <a:r>
+              <a:rPr lang="pt-BR" dirty="0" smtClean="0"/>
+              <a:t> </a:t>
+            </a:r>
+            <a:r>
+              <a:rPr lang="pt-BR" dirty="0" err="1" smtClean="0"/>
+              <a:t>structure</a:t>
+            </a:r>
+            <a:endParaRPr lang="pt-BR" dirty="0"/>
+          </a:p>
+        </p:txBody>
+      </p:sp>
+      <p:sp>
+        <p:nvSpPr>
+          <p:cNvPr id="99" name="Texto explicativo em forma de nuvem 98"/>
+          <p:cNvSpPr/>
+          <p:nvPr/>
+        </p:nvSpPr>
+        <p:spPr>
+          <a:xfrm>
+            <a:off x="5904118" y="5406793"/>
+            <a:ext cx="2481943" cy="1104405"/>
+          </a:xfrm>
+          <a:prstGeom prst="cloudCallout">
+            <a:avLst>
+              <a:gd name="adj1" fmla="val 34191"/>
+              <a:gd name="adj2" fmla="val -88037"/>
+            </a:avLst>
+          </a:prstGeom>
+        </p:spPr>
+        <p:style>
+          <a:lnRef idx="2">
+            <a:schemeClr val="dk1"/>
+          </a:lnRef>
+          <a:fillRef idx="1">
+            <a:schemeClr val="lt1"/>
+          </a:fillRef>
+          <a:effectRef idx="0">
+            <a:schemeClr val="dk1"/>
+          </a:effectRef>
+          <a:fontRef idx="minor">
+            <a:schemeClr val="dk1"/>
+          </a:fontRef>
+        </p:style>
+        <p:txBody>
+          <a:bodyPr rtlCol="0" anchor="ctr"/>
+          <a:lstStyle/>
+          <a:p>
+            <a:pPr algn="ctr"/>
+            <a:r>
+              <a:rPr lang="pt-BR" dirty="0" smtClean="0"/>
+              <a:t>Fourier Integral</a:t>
+            </a:r>
+          </a:p>
+          <a:p>
+            <a:pPr algn="ctr"/>
+            <a:r>
+              <a:rPr lang="pt-BR" dirty="0" err="1" smtClean="0"/>
+              <a:t>Method</a:t>
+            </a:r>
+            <a:endParaRPr lang="pt-BR" dirty="0"/>
+          </a:p>
+        </p:txBody>
+      </p:sp>
+    </p:spTree>
+    <p:extLst>
+      <p:ext uri="{BB962C8B-B14F-4D97-AF65-F5344CB8AC3E}">
+        <p14:creationId xmlns:p14="http://schemas.microsoft.com/office/powerpoint/2010/main" val="2087459032"/>
+      </p:ext>
+    </p:extLst>
+  </p:cSld>
+  <p:clrMapOvr>
+    <a:masterClrMapping/>
+  </p:clrMapOvr>
+</p:sld>
+</file>
+
 <file path=ppt/theme/theme1.xml><?xml version="1.0" encoding="utf-8"?>
 <a:theme xmlns:a="http://schemas.openxmlformats.org/drawingml/2006/main" name="Tema do Office">
   <a:themeElements>

--- a/docs/figures.pptx
+++ b/docs/figures.pptx
@@ -11,6 +11,8 @@
     <p:sldId id="259" r:id="rId5"/>
     <p:sldId id="260" r:id="rId6"/>
     <p:sldId id="261" r:id="rId7"/>
+    <p:sldId id="262" r:id="rId8"/>
+    <p:sldId id="263" r:id="rId9"/>
   </p:sldIdLst>
   <p:sldSz cx="12192000" cy="6858000"/>
   <p:notesSz cx="6858000" cy="9144000"/>
@@ -111,7 +113,7 @@
   </p:defaultTextStyle>
   <p:extLst>
     <p:ext uri="{EFAFB233-063F-42B5-8137-9DF3F51BA10A}">
-      <p15:sldGuideLst xmlns:p15="http://schemas.microsoft.com/office/powerpoint/2012/main"/>
+      <p15:sldGuideLst xmlns:p15="http://schemas.microsoft.com/office/powerpoint/2012/main" xmlns=""/>
     </p:ext>
   </p:extLst>
 </p:presentation>
@@ -248,7 +250,7 @@
           <a:p>
             <a:fld id="{5827CF75-21ED-4285-9C22-184A8788EFA2}" type="datetimeFigureOut">
               <a:rPr lang="pt-BR" smtClean="0"/>
-              <a:t>28/07/2018</a:t>
+              <a:t>12/09/2018</a:t>
             </a:fld>
             <a:endParaRPr lang="pt-BR"/>
           </a:p>
@@ -418,7 +420,7 @@
           <a:p>
             <a:fld id="{5827CF75-21ED-4285-9C22-184A8788EFA2}" type="datetimeFigureOut">
               <a:rPr lang="pt-BR" smtClean="0"/>
-              <a:t>28/07/2018</a:t>
+              <a:t>12/09/2018</a:t>
             </a:fld>
             <a:endParaRPr lang="pt-BR"/>
           </a:p>
@@ -598,7 +600,7 @@
           <a:p>
             <a:fld id="{5827CF75-21ED-4285-9C22-184A8788EFA2}" type="datetimeFigureOut">
               <a:rPr lang="pt-BR" smtClean="0"/>
-              <a:t>28/07/2018</a:t>
+              <a:t>12/09/2018</a:t>
             </a:fld>
             <a:endParaRPr lang="pt-BR"/>
           </a:p>
@@ -768,7 +770,7 @@
           <a:p>
             <a:fld id="{5827CF75-21ED-4285-9C22-184A8788EFA2}" type="datetimeFigureOut">
               <a:rPr lang="pt-BR" smtClean="0"/>
-              <a:t>28/07/2018</a:t>
+              <a:t>12/09/2018</a:t>
             </a:fld>
             <a:endParaRPr lang="pt-BR"/>
           </a:p>
@@ -1014,7 +1016,7 @@
           <a:p>
             <a:fld id="{5827CF75-21ED-4285-9C22-184A8788EFA2}" type="datetimeFigureOut">
               <a:rPr lang="pt-BR" smtClean="0"/>
-              <a:t>28/07/2018</a:t>
+              <a:t>12/09/2018</a:t>
             </a:fld>
             <a:endParaRPr lang="pt-BR"/>
           </a:p>
@@ -1246,7 +1248,7 @@
           <a:p>
             <a:fld id="{5827CF75-21ED-4285-9C22-184A8788EFA2}" type="datetimeFigureOut">
               <a:rPr lang="pt-BR" smtClean="0"/>
-              <a:t>28/07/2018</a:t>
+              <a:t>12/09/2018</a:t>
             </a:fld>
             <a:endParaRPr lang="pt-BR"/>
           </a:p>
@@ -1613,7 +1615,7 @@
           <a:p>
             <a:fld id="{5827CF75-21ED-4285-9C22-184A8788EFA2}" type="datetimeFigureOut">
               <a:rPr lang="pt-BR" smtClean="0"/>
-              <a:t>28/07/2018</a:t>
+              <a:t>12/09/2018</a:t>
             </a:fld>
             <a:endParaRPr lang="pt-BR"/>
           </a:p>
@@ -1731,7 +1733,7 @@
           <a:p>
             <a:fld id="{5827CF75-21ED-4285-9C22-184A8788EFA2}" type="datetimeFigureOut">
               <a:rPr lang="pt-BR" smtClean="0"/>
-              <a:t>28/07/2018</a:t>
+              <a:t>12/09/2018</a:t>
             </a:fld>
             <a:endParaRPr lang="pt-BR"/>
           </a:p>
@@ -1826,7 +1828,7 @@
           <a:p>
             <a:fld id="{5827CF75-21ED-4285-9C22-184A8788EFA2}" type="datetimeFigureOut">
               <a:rPr lang="pt-BR" smtClean="0"/>
-              <a:t>28/07/2018</a:t>
+              <a:t>12/09/2018</a:t>
             </a:fld>
             <a:endParaRPr lang="pt-BR"/>
           </a:p>
@@ -2103,7 +2105,7 @@
           <a:p>
             <a:fld id="{5827CF75-21ED-4285-9C22-184A8788EFA2}" type="datetimeFigureOut">
               <a:rPr lang="pt-BR" smtClean="0"/>
-              <a:t>28/07/2018</a:t>
+              <a:t>12/09/2018</a:t>
             </a:fld>
             <a:endParaRPr lang="pt-BR"/>
           </a:p>
@@ -2356,7 +2358,7 @@
           <a:p>
             <a:fld id="{5827CF75-21ED-4285-9C22-184A8788EFA2}" type="datetimeFigureOut">
               <a:rPr lang="pt-BR" smtClean="0"/>
-              <a:t>28/07/2018</a:t>
+              <a:t>12/09/2018</a:t>
             </a:fld>
             <a:endParaRPr lang="pt-BR"/>
           </a:p>
@@ -2569,7 +2571,7 @@
           <a:p>
             <a:fld id="{5827CF75-21ED-4285-9C22-184A8788EFA2}" type="datetimeFigureOut">
               <a:rPr lang="pt-BR" smtClean="0"/>
-              <a:t>28/07/2018</a:t>
+              <a:t>12/09/2018</a:t>
             </a:fld>
             <a:endParaRPr lang="pt-BR"/>
           </a:p>
@@ -9193,19 +9195,11 @@
           <a:p>
             <a:r>
               <a:rPr lang="pt-BR" sz="1200" dirty="0" err="1" smtClean="0"/>
-              <a:t>ph</a:t>
-            </a:r>
-            <a:r>
-              <a:rPr lang="pt-BR" sz="1200" dirty="0" err="1" smtClean="0"/>
-              <a:t>ase</a:t>
+              <a:t>phase</a:t>
             </a:r>
             <a:r>
               <a:rPr lang="pt-BR" sz="1200" dirty="0" smtClean="0"/>
-              <a:t> </a:t>
-            </a:r>
-            <a:r>
-              <a:rPr lang="pt-BR" sz="1200" dirty="0" smtClean="0"/>
-              <a:t>(</a:t>
+              <a:t> (</a:t>
             </a:r>
             <a:r>
               <a:rPr lang="el-GR" sz="1200" dirty="0" smtClean="0"/>
@@ -9251,11 +9245,7 @@
             </a:r>
             <a:r>
               <a:rPr lang="pt-BR" sz="1200" dirty="0" smtClean="0"/>
-              <a:t> </a:t>
-            </a:r>
-            <a:r>
-              <a:rPr lang="pt-BR" sz="1200" dirty="0" smtClean="0"/>
-              <a:t>(a)</a:t>
+              <a:t> (a)</a:t>
             </a:r>
             <a:endParaRPr lang="pt-BR" sz="1200" dirty="0"/>
           </a:p>
@@ -9297,11 +9287,7 @@
             </a:r>
             <a:r>
               <a:rPr lang="pt-BR" sz="1200" dirty="0" smtClean="0"/>
-              <a:t> </a:t>
-            </a:r>
-            <a:r>
-              <a:rPr lang="pt-BR" sz="1200" dirty="0" smtClean="0"/>
-              <a:t>(b)</a:t>
+              <a:t> (b)</a:t>
             </a:r>
             <a:endParaRPr lang="pt-BR" sz="1200" dirty="0"/>
           </a:p>
@@ -9336,15 +9322,7 @@
           <a:p>
             <a:r>
               <a:rPr lang="pt-BR" sz="1200" dirty="0" smtClean="0"/>
-              <a:t>||z</a:t>
-            </a:r>
-            <a:r>
-              <a:rPr lang="pt-BR" sz="1200" dirty="0" smtClean="0"/>
-              <a:t>|| </a:t>
-            </a:r>
-            <a:r>
-              <a:rPr lang="pt-BR" sz="1200" dirty="0" smtClean="0"/>
-              <a:t>= z ∙ z* = </a:t>
+              <a:t>||z|| = z ∙ z* = </a:t>
             </a:r>
           </a:p>
           <a:p>
@@ -10137,11 +10115,7 @@
             </a:r>
             <a:r>
               <a:rPr lang="pt-BR" sz="1200" dirty="0" smtClean="0"/>
-              <a:t> </a:t>
-            </a:r>
-            <a:r>
-              <a:rPr lang="pt-BR" sz="1200" dirty="0" smtClean="0"/>
-              <a:t>fundamental</a:t>
+              <a:t> fundamental</a:t>
             </a:r>
           </a:p>
           <a:p>
@@ -11710,19 +11684,11 @@
             </a:r>
             <a:r>
               <a:rPr lang="pt-BR" sz="1200" dirty="0" err="1" smtClean="0"/>
-              <a:t>paramater</a:t>
-            </a:r>
-            <a:r>
-              <a:rPr lang="pt-BR" sz="1200" dirty="0" err="1" smtClean="0"/>
-              <a:t>s</a:t>
+              <a:t>paramaters</a:t>
             </a:r>
             <a:r>
               <a:rPr lang="pt-BR" sz="1200" dirty="0" smtClean="0"/>
-              <a:t> </a:t>
-            </a:r>
-            <a:r>
-              <a:rPr lang="pt-BR" sz="1200" dirty="0" smtClean="0"/>
-              <a:t>[w]</a:t>
+              <a:t> [w]</a:t>
             </a:r>
             <a:endParaRPr lang="pt-BR" sz="1200" dirty="0"/>
           </a:p>
@@ -15887,8 +15853,8 @@
           </p:txBody>
         </p:sp>
       </p:grpSp>
-      <mc:AlternateContent xmlns:mc="http://schemas.openxmlformats.org/markup-compatibility/2006">
-        <mc:Choice xmlns:a14="http://schemas.microsoft.com/office/drawing/2010/main" Requires="a14">
+      <mc:AlternateContent xmlns:mc="http://schemas.openxmlformats.org/markup-compatibility/2006" xmlns:a14="http://schemas.microsoft.com/office/drawing/2010/main">
+        <mc:Choice Requires="a14">
           <p:sp>
             <p:nvSpPr>
               <p:cNvPr id="129" name="CaixaDeTexto 128"/>
@@ -15956,7 +15922,7 @@
             </p:txBody>
           </p:sp>
         </mc:Choice>
-        <mc:Fallback>
+        <mc:Fallback xmlns="">
           <p:sp>
             <p:nvSpPr>
               <p:cNvPr id="129" name="CaixaDeTexto 128"/>
@@ -15995,8 +15961,8 @@
           </p:sp>
         </mc:Fallback>
       </mc:AlternateContent>
-      <mc:AlternateContent xmlns:mc="http://schemas.openxmlformats.org/markup-compatibility/2006">
-        <mc:Choice xmlns:a14="http://schemas.microsoft.com/office/drawing/2010/main" Requires="a14">
+      <mc:AlternateContent xmlns:mc="http://schemas.openxmlformats.org/markup-compatibility/2006" xmlns:a14="http://schemas.microsoft.com/office/drawing/2010/main">
+        <mc:Choice Requires="a14">
           <p:sp>
             <p:nvSpPr>
               <p:cNvPr id="130" name="CaixaDeTexto 129"/>
@@ -16071,7 +16037,7 @@
             </p:txBody>
           </p:sp>
         </mc:Choice>
-        <mc:Fallback>
+        <mc:Fallback xmlns="">
           <p:sp>
             <p:nvSpPr>
               <p:cNvPr id="130" name="CaixaDeTexto 129"/>
@@ -18141,11 +18107,7 @@
             </a:r>
             <a:r>
               <a:rPr lang="pt-BR" sz="1050" dirty="0" smtClean="0"/>
-              <a:t> </a:t>
-            </a:r>
-            <a:r>
-              <a:rPr lang="pt-BR" sz="1050" dirty="0" smtClean="0"/>
-              <a:t>sets </a:t>
+              <a:t> sets </a:t>
             </a:r>
             <a:r>
               <a:rPr lang="pt-BR" sz="1050" dirty="0" err="1" smtClean="0"/>
@@ -18424,11 +18386,7 @@
             </a:r>
             <a:r>
               <a:rPr lang="pt-BR" sz="1200" dirty="0" smtClean="0"/>
-              <a:t> </a:t>
-            </a:r>
-            <a:r>
-              <a:rPr lang="pt-BR" sz="1200" dirty="0" smtClean="0"/>
-              <a:t>[w]</a:t>
+              <a:t> [w]</a:t>
             </a:r>
             <a:endParaRPr lang="pt-BR" sz="1200" dirty="0"/>
           </a:p>
@@ -19980,6 +19938,807 @@
   <p:clrMapOvr>
     <a:masterClrMapping/>
   </p:clrMapOvr>
+  <p:timing>
+    <p:tnLst>
+      <p:par>
+        <p:cTn id="1" dur="indefinite" restart="never" nodeType="tmRoot"/>
+      </p:par>
+    </p:tnLst>
+  </p:timing>
+</p:sld>
+</file>
+
+<file path=ppt/slides/slide7.xml><?xml version="1.0" encoding="utf-8"?>
+<p:sld xmlns:a="http://schemas.openxmlformats.org/drawingml/2006/main" xmlns:r="http://schemas.openxmlformats.org/officeDocument/2006/relationships" xmlns:p="http://schemas.openxmlformats.org/presentationml/2006/main">
+  <p:cSld>
+    <p:spTree>
+      <p:nvGrpSpPr>
+        <p:cNvPr id="1" name=""/>
+        <p:cNvGrpSpPr/>
+        <p:nvPr/>
+      </p:nvGrpSpPr>
+      <p:grpSpPr>
+        <a:xfrm>
+          <a:off x="0" y="0"/>
+          <a:ext cx="0" cy="0"/>
+          <a:chOff x="0" y="0"/>
+          <a:chExt cx="0" cy="0"/>
+        </a:xfrm>
+      </p:grpSpPr>
+      <p:pic>
+        <p:nvPicPr>
+          <p:cNvPr id="1027" name="Picture 3"/>
+          <p:cNvPicPr>
+            <a:picLocks noChangeAspect="1" noChangeArrowheads="1"/>
+          </p:cNvPicPr>
+          <p:nvPr/>
+        </p:nvPicPr>
+        <p:blipFill>
+          <a:blip r:embed="rId2">
+            <a:extLst>
+              <a:ext uri="{28A0092B-C50C-407E-A947-70E740481C1C}">
+                <a14:useLocalDpi xmlns:a14="http://schemas.microsoft.com/office/drawing/2010/main" val="0"/>
+              </a:ext>
+            </a:extLst>
+          </a:blip>
+          <a:srcRect/>
+          <a:stretch>
+            <a:fillRect/>
+          </a:stretch>
+        </p:blipFill>
+        <p:spPr bwMode="auto">
+          <a:xfrm>
+            <a:off x="1181781" y="35403"/>
+            <a:ext cx="2255383" cy="1711301"/>
+          </a:xfrm>
+          <a:prstGeom prst="rect">
+            <a:avLst/>
+          </a:prstGeom>
+          <a:noFill/>
+          <a:ln>
+            <a:noFill/>
+          </a:ln>
+          <a:extLst>
+            <a:ext uri="{909E8E84-426E-40DD-AFC4-6F175D3DCCD1}">
+              <a14:hiddenFill xmlns:a14="http://schemas.microsoft.com/office/drawing/2010/main">
+                <a:solidFill>
+                  <a:schemeClr val="accent1"/>
+                </a:solidFill>
+              </a14:hiddenFill>
+            </a:ext>
+            <a:ext uri="{91240B29-F687-4F45-9708-019B960494DF}">
+              <a14:hiddenLine xmlns:a14="http://schemas.microsoft.com/office/drawing/2010/main" w="9525">
+                <a:solidFill>
+                  <a:schemeClr val="tx1"/>
+                </a:solidFill>
+                <a:miter lim="800000"/>
+                <a:headEnd/>
+                <a:tailEnd/>
+              </a14:hiddenLine>
+            </a:ext>
+          </a:extLst>
+        </p:spPr>
+      </p:pic>
+      <p:pic>
+        <p:nvPicPr>
+          <p:cNvPr id="1028" name="Picture 4"/>
+          <p:cNvPicPr>
+            <a:picLocks noChangeAspect="1" noChangeArrowheads="1"/>
+          </p:cNvPicPr>
+          <p:nvPr/>
+        </p:nvPicPr>
+        <p:blipFill>
+          <a:blip r:embed="rId3">
+            <a:extLst>
+              <a:ext uri="{28A0092B-C50C-407E-A947-70E740481C1C}">
+                <a14:useLocalDpi xmlns:a14="http://schemas.microsoft.com/office/drawing/2010/main" val="0"/>
+              </a:ext>
+            </a:extLst>
+          </a:blip>
+          <a:srcRect/>
+          <a:stretch>
+            <a:fillRect/>
+          </a:stretch>
+        </p:blipFill>
+        <p:spPr bwMode="auto">
+          <a:xfrm>
+            <a:off x="3437164" y="35401"/>
+            <a:ext cx="2122371" cy="1711301"/>
+          </a:xfrm>
+          <a:prstGeom prst="rect">
+            <a:avLst/>
+          </a:prstGeom>
+          <a:noFill/>
+          <a:ln>
+            <a:noFill/>
+          </a:ln>
+          <a:extLst>
+            <a:ext uri="{909E8E84-426E-40DD-AFC4-6F175D3DCCD1}">
+              <a14:hiddenFill xmlns:a14="http://schemas.microsoft.com/office/drawing/2010/main">
+                <a:solidFill>
+                  <a:schemeClr val="accent1"/>
+                </a:solidFill>
+              </a14:hiddenFill>
+            </a:ext>
+            <a:ext uri="{91240B29-F687-4F45-9708-019B960494DF}">
+              <a14:hiddenLine xmlns:a14="http://schemas.microsoft.com/office/drawing/2010/main" w="9525">
+                <a:solidFill>
+                  <a:schemeClr val="tx1"/>
+                </a:solidFill>
+                <a:miter lim="800000"/>
+                <a:headEnd/>
+                <a:tailEnd/>
+              </a14:hiddenLine>
+            </a:ext>
+          </a:extLst>
+        </p:spPr>
+      </p:pic>
+      <p:pic>
+        <p:nvPicPr>
+          <p:cNvPr id="1029" name="Picture 5"/>
+          <p:cNvPicPr>
+            <a:picLocks noChangeAspect="1" noChangeArrowheads="1"/>
+          </p:cNvPicPr>
+          <p:nvPr/>
+        </p:nvPicPr>
+        <p:blipFill>
+          <a:blip r:embed="rId4">
+            <a:extLst>
+              <a:ext uri="{28A0092B-C50C-407E-A947-70E740481C1C}">
+                <a14:useLocalDpi xmlns:a14="http://schemas.microsoft.com/office/drawing/2010/main" val="0"/>
+              </a:ext>
+            </a:extLst>
+          </a:blip>
+          <a:srcRect/>
+          <a:stretch>
+            <a:fillRect/>
+          </a:stretch>
+        </p:blipFill>
+        <p:spPr bwMode="auto">
+          <a:xfrm>
+            <a:off x="1172597" y="1746702"/>
+            <a:ext cx="2255382" cy="1697350"/>
+          </a:xfrm>
+          <a:prstGeom prst="rect">
+            <a:avLst/>
+          </a:prstGeom>
+          <a:noFill/>
+          <a:ln>
+            <a:noFill/>
+          </a:ln>
+          <a:extLst>
+            <a:ext uri="{909E8E84-426E-40DD-AFC4-6F175D3DCCD1}">
+              <a14:hiddenFill xmlns:a14="http://schemas.microsoft.com/office/drawing/2010/main">
+                <a:solidFill>
+                  <a:schemeClr val="accent1"/>
+                </a:solidFill>
+              </a14:hiddenFill>
+            </a:ext>
+            <a:ext uri="{91240B29-F687-4F45-9708-019B960494DF}">
+              <a14:hiddenLine xmlns:a14="http://schemas.microsoft.com/office/drawing/2010/main" w="9525">
+                <a:solidFill>
+                  <a:schemeClr val="tx1"/>
+                </a:solidFill>
+                <a:miter lim="800000"/>
+                <a:headEnd/>
+                <a:tailEnd/>
+              </a14:hiddenLine>
+            </a:ext>
+          </a:extLst>
+        </p:spPr>
+      </p:pic>
+      <p:pic>
+        <p:nvPicPr>
+          <p:cNvPr id="1030" name="Picture 6"/>
+          <p:cNvPicPr>
+            <a:picLocks noChangeAspect="1" noChangeArrowheads="1"/>
+          </p:cNvPicPr>
+          <p:nvPr/>
+        </p:nvPicPr>
+        <p:blipFill>
+          <a:blip r:embed="rId5">
+            <a:extLst>
+              <a:ext uri="{28A0092B-C50C-407E-A947-70E740481C1C}">
+                <a14:useLocalDpi xmlns:a14="http://schemas.microsoft.com/office/drawing/2010/main" val="0"/>
+              </a:ext>
+            </a:extLst>
+          </a:blip>
+          <a:srcRect/>
+          <a:stretch>
+            <a:fillRect/>
+          </a:stretch>
+        </p:blipFill>
+        <p:spPr bwMode="auto">
+          <a:xfrm>
+            <a:off x="3437164" y="1746705"/>
+            <a:ext cx="2096466" cy="1697348"/>
+          </a:xfrm>
+          <a:prstGeom prst="rect">
+            <a:avLst/>
+          </a:prstGeom>
+          <a:noFill/>
+          <a:ln>
+            <a:noFill/>
+          </a:ln>
+          <a:extLst>
+            <a:ext uri="{909E8E84-426E-40DD-AFC4-6F175D3DCCD1}">
+              <a14:hiddenFill xmlns:a14="http://schemas.microsoft.com/office/drawing/2010/main">
+                <a:solidFill>
+                  <a:schemeClr val="accent1"/>
+                </a:solidFill>
+              </a14:hiddenFill>
+            </a:ext>
+            <a:ext uri="{91240B29-F687-4F45-9708-019B960494DF}">
+              <a14:hiddenLine xmlns:a14="http://schemas.microsoft.com/office/drawing/2010/main" w="9525">
+                <a:solidFill>
+                  <a:schemeClr val="tx1"/>
+                </a:solidFill>
+                <a:miter lim="800000"/>
+                <a:headEnd/>
+                <a:tailEnd/>
+              </a14:hiddenLine>
+            </a:ext>
+          </a:extLst>
+        </p:spPr>
+      </p:pic>
+      <p:pic>
+        <p:nvPicPr>
+          <p:cNvPr id="1031" name="Picture 7"/>
+          <p:cNvPicPr>
+            <a:picLocks noChangeAspect="1" noChangeArrowheads="1"/>
+          </p:cNvPicPr>
+          <p:nvPr/>
+        </p:nvPicPr>
+        <p:blipFill>
+          <a:blip r:embed="rId6">
+            <a:extLst>
+              <a:ext uri="{28A0092B-C50C-407E-A947-70E740481C1C}">
+                <a14:useLocalDpi xmlns:a14="http://schemas.microsoft.com/office/drawing/2010/main" val="0"/>
+              </a:ext>
+            </a:extLst>
+          </a:blip>
+          <a:srcRect/>
+          <a:stretch>
+            <a:fillRect/>
+          </a:stretch>
+        </p:blipFill>
+        <p:spPr bwMode="auto">
+          <a:xfrm>
+            <a:off x="1181792" y="3437165"/>
+            <a:ext cx="2255372" cy="1751065"/>
+          </a:xfrm>
+          <a:prstGeom prst="rect">
+            <a:avLst/>
+          </a:prstGeom>
+          <a:noFill/>
+          <a:ln>
+            <a:noFill/>
+          </a:ln>
+          <a:extLst>
+            <a:ext uri="{909E8E84-426E-40DD-AFC4-6F175D3DCCD1}">
+              <a14:hiddenFill xmlns:a14="http://schemas.microsoft.com/office/drawing/2010/main">
+                <a:solidFill>
+                  <a:schemeClr val="accent1"/>
+                </a:solidFill>
+              </a14:hiddenFill>
+            </a:ext>
+            <a:ext uri="{91240B29-F687-4F45-9708-019B960494DF}">
+              <a14:hiddenLine xmlns:a14="http://schemas.microsoft.com/office/drawing/2010/main" w="9525">
+                <a:solidFill>
+                  <a:schemeClr val="tx1"/>
+                </a:solidFill>
+                <a:miter lim="800000"/>
+                <a:headEnd/>
+                <a:tailEnd/>
+              </a14:hiddenLine>
+            </a:ext>
+          </a:extLst>
+        </p:spPr>
+      </p:pic>
+      <p:pic>
+        <p:nvPicPr>
+          <p:cNvPr id="1032" name="Picture 8"/>
+          <p:cNvPicPr>
+            <a:picLocks noChangeAspect="1" noChangeArrowheads="1"/>
+          </p:cNvPicPr>
+          <p:nvPr/>
+        </p:nvPicPr>
+        <p:blipFill>
+          <a:blip r:embed="rId7">
+            <a:extLst>
+              <a:ext uri="{28A0092B-C50C-407E-A947-70E740481C1C}">
+                <a14:useLocalDpi xmlns:a14="http://schemas.microsoft.com/office/drawing/2010/main" val="0"/>
+              </a:ext>
+            </a:extLst>
+          </a:blip>
+          <a:srcRect/>
+          <a:stretch>
+            <a:fillRect/>
+          </a:stretch>
+        </p:blipFill>
+        <p:spPr bwMode="auto">
+          <a:xfrm>
+            <a:off x="3437164" y="3490347"/>
+            <a:ext cx="2096466" cy="1697562"/>
+          </a:xfrm>
+          <a:prstGeom prst="rect">
+            <a:avLst/>
+          </a:prstGeom>
+          <a:noFill/>
+          <a:ln>
+            <a:noFill/>
+          </a:ln>
+          <a:extLst>
+            <a:ext uri="{909E8E84-426E-40DD-AFC4-6F175D3DCCD1}">
+              <a14:hiddenFill xmlns:a14="http://schemas.microsoft.com/office/drawing/2010/main">
+                <a:solidFill>
+                  <a:schemeClr val="accent1"/>
+                </a:solidFill>
+              </a14:hiddenFill>
+            </a:ext>
+            <a:ext uri="{91240B29-F687-4F45-9708-019B960494DF}">
+              <a14:hiddenLine xmlns:a14="http://schemas.microsoft.com/office/drawing/2010/main" w="9525">
+                <a:solidFill>
+                  <a:schemeClr val="tx1"/>
+                </a:solidFill>
+                <a:miter lim="800000"/>
+                <a:headEnd/>
+                <a:tailEnd/>
+              </a14:hiddenLine>
+            </a:ext>
+          </a:extLst>
+        </p:spPr>
+      </p:pic>
+      <p:pic>
+        <p:nvPicPr>
+          <p:cNvPr id="1033" name="Picture 9"/>
+          <p:cNvPicPr>
+            <a:picLocks noChangeAspect="1" noChangeArrowheads="1"/>
+          </p:cNvPicPr>
+          <p:nvPr/>
+        </p:nvPicPr>
+        <p:blipFill>
+          <a:blip r:embed="rId8">
+            <a:extLst>
+              <a:ext uri="{28A0092B-C50C-407E-A947-70E740481C1C}">
+                <a14:useLocalDpi xmlns:a14="http://schemas.microsoft.com/office/drawing/2010/main" val="0"/>
+              </a:ext>
+            </a:extLst>
+          </a:blip>
+          <a:srcRect/>
+          <a:stretch>
+            <a:fillRect/>
+          </a:stretch>
+        </p:blipFill>
+        <p:spPr bwMode="auto">
+          <a:xfrm>
+            <a:off x="1181792" y="5078186"/>
+            <a:ext cx="2313286" cy="1779814"/>
+          </a:xfrm>
+          <a:prstGeom prst="rect">
+            <a:avLst/>
+          </a:prstGeom>
+          <a:noFill/>
+          <a:ln>
+            <a:noFill/>
+          </a:ln>
+          <a:extLst>
+            <a:ext uri="{909E8E84-426E-40DD-AFC4-6F175D3DCCD1}">
+              <a14:hiddenFill xmlns:a14="http://schemas.microsoft.com/office/drawing/2010/main">
+                <a:solidFill>
+                  <a:schemeClr val="accent1"/>
+                </a:solidFill>
+              </a14:hiddenFill>
+            </a:ext>
+            <a:ext uri="{91240B29-F687-4F45-9708-019B960494DF}">
+              <a14:hiddenLine xmlns:a14="http://schemas.microsoft.com/office/drawing/2010/main" w="9525">
+                <a:solidFill>
+                  <a:schemeClr val="tx1"/>
+                </a:solidFill>
+                <a:miter lim="800000"/>
+                <a:headEnd/>
+                <a:tailEnd/>
+              </a14:hiddenLine>
+            </a:ext>
+          </a:extLst>
+        </p:spPr>
+      </p:pic>
+      <p:pic>
+        <p:nvPicPr>
+          <p:cNvPr id="1034" name="Picture 10"/>
+          <p:cNvPicPr>
+            <a:picLocks noChangeAspect="1" noChangeArrowheads="1"/>
+          </p:cNvPicPr>
+          <p:nvPr/>
+        </p:nvPicPr>
+        <p:blipFill>
+          <a:blip r:embed="rId9">
+            <a:extLst>
+              <a:ext uri="{28A0092B-C50C-407E-A947-70E740481C1C}">
+                <a14:useLocalDpi xmlns:a14="http://schemas.microsoft.com/office/drawing/2010/main" val="0"/>
+              </a:ext>
+            </a:extLst>
+          </a:blip>
+          <a:srcRect/>
+          <a:stretch>
+            <a:fillRect/>
+          </a:stretch>
+        </p:blipFill>
+        <p:spPr bwMode="auto">
+          <a:xfrm>
+            <a:off x="3454261" y="5212722"/>
+            <a:ext cx="2049246" cy="1615339"/>
+          </a:xfrm>
+          <a:prstGeom prst="rect">
+            <a:avLst/>
+          </a:prstGeom>
+          <a:noFill/>
+          <a:ln>
+            <a:noFill/>
+          </a:ln>
+          <a:extLst>
+            <a:ext uri="{909E8E84-426E-40DD-AFC4-6F175D3DCCD1}">
+              <a14:hiddenFill xmlns:a14="http://schemas.microsoft.com/office/drawing/2010/main">
+                <a:solidFill>
+                  <a:schemeClr val="accent1"/>
+                </a:solidFill>
+              </a14:hiddenFill>
+            </a:ext>
+            <a:ext uri="{91240B29-F687-4F45-9708-019B960494DF}">
+              <a14:hiddenLine xmlns:a14="http://schemas.microsoft.com/office/drawing/2010/main" w="9525">
+                <a:solidFill>
+                  <a:schemeClr val="tx1"/>
+                </a:solidFill>
+                <a:miter lim="800000"/>
+                <a:headEnd/>
+                <a:tailEnd/>
+              </a14:hiddenLine>
+            </a:ext>
+          </a:extLst>
+        </p:spPr>
+      </p:pic>
+      <p:sp>
+        <p:nvSpPr>
+          <p:cNvPr id="4" name="CaixaDeTexto 3"/>
+          <p:cNvSpPr txBox="1"/>
+          <p:nvPr/>
+        </p:nvSpPr>
+        <p:spPr>
+          <a:xfrm>
+            <a:off x="5463473" y="429590"/>
+            <a:ext cx="780983" cy="738664"/>
+          </a:xfrm>
+          <a:prstGeom prst="rect">
+            <a:avLst/>
+          </a:prstGeom>
+          <a:noFill/>
+        </p:spPr>
+        <p:txBody>
+          <a:bodyPr wrap="none" rtlCol="0">
+            <a:spAutoFit/>
+          </a:bodyPr>
+          <a:lstStyle/>
+          <a:p>
+            <a:pPr algn="ctr"/>
+            <a:r>
+              <a:rPr lang="pt-BR" sz="1400" dirty="0" smtClean="0"/>
+              <a:t>sample</a:t>
+            </a:r>
+          </a:p>
+          <a:p>
+            <a:pPr algn="ctr"/>
+            <a:r>
+              <a:rPr lang="pt-BR" sz="1400" dirty="0" smtClean="0"/>
+              <a:t>spacing:</a:t>
+            </a:r>
+          </a:p>
+          <a:p>
+            <a:pPr algn="ctr"/>
+            <a:r>
+              <a:rPr lang="pt-BR" sz="1400" dirty="0" smtClean="0"/>
+              <a:t>0.0</a:t>
+            </a:r>
+            <a:endParaRPr lang="pt-BR" sz="1400" dirty="0"/>
+          </a:p>
+        </p:txBody>
+      </p:sp>
+      <p:sp>
+        <p:nvSpPr>
+          <p:cNvPr id="14" name="CaixaDeTexto 13"/>
+          <p:cNvSpPr txBox="1"/>
+          <p:nvPr/>
+        </p:nvSpPr>
+        <p:spPr>
+          <a:xfrm>
+            <a:off x="5485248" y="2157697"/>
+            <a:ext cx="780983" cy="738664"/>
+          </a:xfrm>
+          <a:prstGeom prst="rect">
+            <a:avLst/>
+          </a:prstGeom>
+          <a:noFill/>
+        </p:spPr>
+        <p:txBody>
+          <a:bodyPr wrap="none" rtlCol="0">
+            <a:spAutoFit/>
+          </a:bodyPr>
+          <a:lstStyle/>
+          <a:p>
+            <a:pPr algn="ctr"/>
+            <a:r>
+              <a:rPr lang="pt-BR" sz="1400" dirty="0" smtClean="0"/>
+              <a:t>sample</a:t>
+            </a:r>
+          </a:p>
+          <a:p>
+            <a:pPr algn="ctr"/>
+            <a:r>
+              <a:rPr lang="pt-BR" sz="1400" dirty="0" smtClean="0"/>
+              <a:t>spacing:</a:t>
+            </a:r>
+          </a:p>
+          <a:p>
+            <a:pPr algn="ctr"/>
+            <a:r>
+              <a:rPr lang="pt-BR" sz="1400" dirty="0" smtClean="0"/>
+              <a:t>2.0</a:t>
+            </a:r>
+            <a:endParaRPr lang="pt-BR" sz="1400" dirty="0"/>
+          </a:p>
+        </p:txBody>
+      </p:sp>
+      <p:sp>
+        <p:nvSpPr>
+          <p:cNvPr id="15" name="CaixaDeTexto 14"/>
+          <p:cNvSpPr txBox="1"/>
+          <p:nvPr/>
+        </p:nvSpPr>
+        <p:spPr>
+          <a:xfrm>
+            <a:off x="5524842" y="3831376"/>
+            <a:ext cx="780983" cy="738664"/>
+          </a:xfrm>
+          <a:prstGeom prst="rect">
+            <a:avLst/>
+          </a:prstGeom>
+          <a:noFill/>
+        </p:spPr>
+        <p:txBody>
+          <a:bodyPr wrap="none" rtlCol="0">
+            <a:spAutoFit/>
+          </a:bodyPr>
+          <a:lstStyle/>
+          <a:p>
+            <a:pPr algn="ctr"/>
+            <a:r>
+              <a:rPr lang="pt-BR" sz="1400" dirty="0" smtClean="0"/>
+              <a:t>sample</a:t>
+            </a:r>
+          </a:p>
+          <a:p>
+            <a:pPr algn="ctr"/>
+            <a:r>
+              <a:rPr lang="pt-BR" sz="1400" dirty="0" smtClean="0"/>
+              <a:t>spacing:</a:t>
+            </a:r>
+          </a:p>
+          <a:p>
+            <a:pPr algn="ctr"/>
+            <a:r>
+              <a:rPr lang="pt-BR" sz="1400" dirty="0" smtClean="0"/>
+              <a:t>3.0</a:t>
+            </a:r>
+            <a:endParaRPr lang="pt-BR" sz="1400" dirty="0"/>
+          </a:p>
+        </p:txBody>
+      </p:sp>
+      <p:sp>
+        <p:nvSpPr>
+          <p:cNvPr id="16" name="CaixaDeTexto 15"/>
+          <p:cNvSpPr txBox="1"/>
+          <p:nvPr/>
+        </p:nvSpPr>
+        <p:spPr>
+          <a:xfrm>
+            <a:off x="5524842" y="5651059"/>
+            <a:ext cx="780983" cy="738664"/>
+          </a:xfrm>
+          <a:prstGeom prst="rect">
+            <a:avLst/>
+          </a:prstGeom>
+          <a:noFill/>
+        </p:spPr>
+        <p:txBody>
+          <a:bodyPr wrap="none" rtlCol="0">
+            <a:spAutoFit/>
+          </a:bodyPr>
+          <a:lstStyle/>
+          <a:p>
+            <a:pPr algn="ctr"/>
+            <a:r>
+              <a:rPr lang="pt-BR" sz="1400" dirty="0" smtClean="0"/>
+              <a:t>sample</a:t>
+            </a:r>
+          </a:p>
+          <a:p>
+            <a:pPr algn="ctr"/>
+            <a:r>
+              <a:rPr lang="pt-BR" sz="1400" dirty="0" smtClean="0"/>
+              <a:t>spacing:</a:t>
+            </a:r>
+          </a:p>
+          <a:p>
+            <a:pPr algn="ctr"/>
+            <a:r>
+              <a:rPr lang="pt-BR" sz="1400" dirty="0" smtClean="0"/>
+              <a:t>4.0</a:t>
+            </a:r>
+            <a:endParaRPr lang="pt-BR" sz="1400" dirty="0"/>
+          </a:p>
+        </p:txBody>
+      </p:sp>
+    </p:spTree>
+    <p:extLst>
+      <p:ext uri="{BB962C8B-B14F-4D97-AF65-F5344CB8AC3E}">
+        <p14:creationId xmlns:p14="http://schemas.microsoft.com/office/powerpoint/2010/main" val="275650194"/>
+      </p:ext>
+    </p:extLst>
+  </p:cSld>
+  <p:clrMapOvr>
+    <a:masterClrMapping/>
+  </p:clrMapOvr>
+  <p:timing>
+    <p:tnLst>
+      <p:par>
+        <p:cTn id="1" dur="indefinite" restart="never" nodeType="tmRoot"/>
+      </p:par>
+    </p:tnLst>
+  </p:timing>
+</p:sld>
+</file>
+
+<file path=ppt/slides/slide8.xml><?xml version="1.0" encoding="utf-8"?>
+<p:sld xmlns:a="http://schemas.openxmlformats.org/drawingml/2006/main" xmlns:r="http://schemas.openxmlformats.org/officeDocument/2006/relationships" xmlns:p="http://schemas.openxmlformats.org/presentationml/2006/main">
+  <p:cSld>
+    <p:spTree>
+      <p:nvGrpSpPr>
+        <p:cNvPr id="1" name=""/>
+        <p:cNvGrpSpPr/>
+        <p:nvPr/>
+      </p:nvGrpSpPr>
+      <p:grpSpPr>
+        <a:xfrm>
+          <a:off x="0" y="0"/>
+          <a:ext cx="0" cy="0"/>
+          <a:chOff x="0" y="0"/>
+          <a:chExt cx="0" cy="0"/>
+        </a:xfrm>
+      </p:grpSpPr>
+      <p:pic>
+        <p:nvPicPr>
+          <p:cNvPr id="2050" name="Picture 2"/>
+          <p:cNvPicPr>
+            <a:picLocks noChangeAspect="1" noChangeArrowheads="1"/>
+          </p:cNvPicPr>
+          <p:nvPr/>
+        </p:nvPicPr>
+        <p:blipFill>
+          <a:blip r:embed="rId2">
+            <a:extLst>
+              <a:ext uri="{28A0092B-C50C-407E-A947-70E740481C1C}">
+                <a14:useLocalDpi xmlns:a14="http://schemas.microsoft.com/office/drawing/2010/main" val="0"/>
+              </a:ext>
+            </a:extLst>
+          </a:blip>
+          <a:srcRect/>
+          <a:stretch>
+            <a:fillRect/>
+          </a:stretch>
+        </p:blipFill>
+        <p:spPr bwMode="auto">
+          <a:xfrm>
+            <a:off x="1950585" y="1259341"/>
+            <a:ext cx="3343275" cy="3686175"/>
+          </a:xfrm>
+          <a:prstGeom prst="rect">
+            <a:avLst/>
+          </a:prstGeom>
+          <a:noFill/>
+          <a:ln>
+            <a:noFill/>
+          </a:ln>
+          <a:extLst>
+            <a:ext uri="{909E8E84-426E-40DD-AFC4-6F175D3DCCD1}">
+              <a14:hiddenFill xmlns:a14="http://schemas.microsoft.com/office/drawing/2010/main">
+                <a:solidFill>
+                  <a:schemeClr val="accent1"/>
+                </a:solidFill>
+              </a14:hiddenFill>
+            </a:ext>
+            <a:ext uri="{91240B29-F687-4F45-9708-019B960494DF}">
+              <a14:hiddenLine xmlns:a14="http://schemas.microsoft.com/office/drawing/2010/main" w="9525">
+                <a:solidFill>
+                  <a:schemeClr val="tx1"/>
+                </a:solidFill>
+                <a:miter lim="800000"/>
+                <a:headEnd/>
+                <a:tailEnd/>
+              </a14:hiddenLine>
+            </a:ext>
+          </a:extLst>
+        </p:spPr>
+      </p:pic>
+      <p:pic>
+        <p:nvPicPr>
+          <p:cNvPr id="2051" name="Picture 3"/>
+          <p:cNvPicPr>
+            <a:picLocks noChangeAspect="1" noChangeArrowheads="1"/>
+          </p:cNvPicPr>
+          <p:nvPr/>
+        </p:nvPicPr>
+        <p:blipFill>
+          <a:blip r:embed="rId3">
+            <a:extLst>
+              <a:ext uri="{28A0092B-C50C-407E-A947-70E740481C1C}">
+                <a14:useLocalDpi xmlns:a14="http://schemas.microsoft.com/office/drawing/2010/main" val="0"/>
+              </a:ext>
+            </a:extLst>
+          </a:blip>
+          <a:srcRect/>
+          <a:stretch>
+            <a:fillRect/>
+          </a:stretch>
+        </p:blipFill>
+        <p:spPr bwMode="auto">
+          <a:xfrm>
+            <a:off x="5248967" y="1289282"/>
+            <a:ext cx="4600575" cy="3609975"/>
+          </a:xfrm>
+          <a:prstGeom prst="rect">
+            <a:avLst/>
+          </a:prstGeom>
+          <a:noFill/>
+          <a:ln>
+            <a:noFill/>
+          </a:ln>
+          <a:extLst>
+            <a:ext uri="{909E8E84-426E-40DD-AFC4-6F175D3DCCD1}">
+              <a14:hiddenFill xmlns:a14="http://schemas.microsoft.com/office/drawing/2010/main">
+                <a:solidFill>
+                  <a:schemeClr val="accent1"/>
+                </a:solidFill>
+              </a14:hiddenFill>
+            </a:ext>
+            <a:ext uri="{91240B29-F687-4F45-9708-019B960494DF}">
+              <a14:hiddenLine xmlns:a14="http://schemas.microsoft.com/office/drawing/2010/main" w="9525">
+                <a:solidFill>
+                  <a:schemeClr val="tx1"/>
+                </a:solidFill>
+                <a:miter lim="800000"/>
+                <a:headEnd/>
+                <a:tailEnd/>
+              </a14:hiddenLine>
+            </a:ext>
+          </a:extLst>
+        </p:spPr>
+      </p:pic>
+    </p:spTree>
+    <p:extLst>
+      <p:ext uri="{BB962C8B-B14F-4D97-AF65-F5344CB8AC3E}">
+        <p14:creationId xmlns:p14="http://schemas.microsoft.com/office/powerpoint/2010/main" val="3658310469"/>
+      </p:ext>
+    </p:extLst>
+  </p:cSld>
+  <p:clrMapOvr>
+    <a:masterClrMapping/>
+  </p:clrMapOvr>
+  <p:timing>
+    <p:tnLst>
+      <p:par>
+        <p:cTn id="1" dur="indefinite" restart="never" nodeType="tmRoot"/>
+      </p:par>
+    </p:tnLst>
+  </p:timing>
 </p:sld>
 </file>
 
@@ -20238,7 +20997,7 @@
   <a:extraClrSchemeLst/>
   <a:extLst>
     <a:ext uri="{05A4C25C-085E-4340-85A3-A5531E510DB2}">
-      <thm15:themeFamily xmlns:thm15="http://schemas.microsoft.com/office/thememl/2012/main" name="Office Theme" id="{62F939B6-93AF-4DB8-9C6B-D6C7DFDC589F}" vid="{4A3C46E8-61CC-4603-A589-7422A47A8E4A}"/>
+      <thm15:themeFamily xmlns:thm15="http://schemas.microsoft.com/office/thememl/2012/main" xmlns="" name="Office Theme" id="{62F939B6-93AF-4DB8-9C6B-D6C7DFDC589F}" vid="{4A3C46E8-61CC-4603-A589-7422A47A8E4A}"/>
     </a:ext>
   </a:extLst>
 </a:theme>

--- a/docs/figures.pptx
+++ b/docs/figures.pptx
@@ -11,8 +11,9 @@
     <p:sldId id="259" r:id="rId5"/>
     <p:sldId id="260" r:id="rId6"/>
     <p:sldId id="261" r:id="rId7"/>
-    <p:sldId id="262" r:id="rId8"/>
-    <p:sldId id="263" r:id="rId9"/>
+    <p:sldId id="264" r:id="rId8"/>
+    <p:sldId id="262" r:id="rId9"/>
+    <p:sldId id="263" r:id="rId10"/>
   </p:sldIdLst>
   <p:sldSz cx="12192000" cy="6858000"/>
   <p:notesSz cx="6858000" cy="9144000"/>
@@ -113,7 +114,18 @@
   </p:defaultTextStyle>
   <p:extLst>
     <p:ext uri="{EFAFB233-063F-42B5-8137-9DF3F51BA10A}">
-      <p15:sldGuideLst xmlns:p15="http://schemas.microsoft.com/office/powerpoint/2012/main" xmlns=""/>
+      <p15:sldGuideLst xmlns:p15="http://schemas.microsoft.com/office/powerpoint/2012/main">
+        <p15:guide id="1" orient="horz" pos="2160">
+          <p15:clr>
+            <a:srgbClr val="A4A3A4"/>
+          </p15:clr>
+        </p15:guide>
+        <p15:guide id="2" pos="3840">
+          <p15:clr>
+            <a:srgbClr val="A4A3A4"/>
+          </p15:clr>
+        </p15:guide>
+      </p15:sldGuideLst>
     </p:ext>
   </p:extLst>
 </p:presentation>
@@ -250,7 +262,7 @@
           <a:p>
             <a:fld id="{5827CF75-21ED-4285-9C22-184A8788EFA2}" type="datetimeFigureOut">
               <a:rPr lang="pt-BR" smtClean="0"/>
-              <a:t>12/09/2018</a:t>
+              <a:t>19/09/2018</a:t>
             </a:fld>
             <a:endParaRPr lang="pt-BR"/>
           </a:p>
@@ -420,7 +432,7 @@
           <a:p>
             <a:fld id="{5827CF75-21ED-4285-9C22-184A8788EFA2}" type="datetimeFigureOut">
               <a:rPr lang="pt-BR" smtClean="0"/>
-              <a:t>12/09/2018</a:t>
+              <a:t>19/09/2018</a:t>
             </a:fld>
             <a:endParaRPr lang="pt-BR"/>
           </a:p>
@@ -600,7 +612,7 @@
           <a:p>
             <a:fld id="{5827CF75-21ED-4285-9C22-184A8788EFA2}" type="datetimeFigureOut">
               <a:rPr lang="pt-BR" smtClean="0"/>
-              <a:t>12/09/2018</a:t>
+              <a:t>19/09/2018</a:t>
             </a:fld>
             <a:endParaRPr lang="pt-BR"/>
           </a:p>
@@ -770,7 +782,7 @@
           <a:p>
             <a:fld id="{5827CF75-21ED-4285-9C22-184A8788EFA2}" type="datetimeFigureOut">
               <a:rPr lang="pt-BR" smtClean="0"/>
-              <a:t>12/09/2018</a:t>
+              <a:t>19/09/2018</a:t>
             </a:fld>
             <a:endParaRPr lang="pt-BR"/>
           </a:p>
@@ -1016,7 +1028,7 @@
           <a:p>
             <a:fld id="{5827CF75-21ED-4285-9C22-184A8788EFA2}" type="datetimeFigureOut">
               <a:rPr lang="pt-BR" smtClean="0"/>
-              <a:t>12/09/2018</a:t>
+              <a:t>19/09/2018</a:t>
             </a:fld>
             <a:endParaRPr lang="pt-BR"/>
           </a:p>
@@ -1248,7 +1260,7 @@
           <a:p>
             <a:fld id="{5827CF75-21ED-4285-9C22-184A8788EFA2}" type="datetimeFigureOut">
               <a:rPr lang="pt-BR" smtClean="0"/>
-              <a:t>12/09/2018</a:t>
+              <a:t>19/09/2018</a:t>
             </a:fld>
             <a:endParaRPr lang="pt-BR"/>
           </a:p>
@@ -1615,7 +1627,7 @@
           <a:p>
             <a:fld id="{5827CF75-21ED-4285-9C22-184A8788EFA2}" type="datetimeFigureOut">
               <a:rPr lang="pt-BR" smtClean="0"/>
-              <a:t>12/09/2018</a:t>
+              <a:t>19/09/2018</a:t>
             </a:fld>
             <a:endParaRPr lang="pt-BR"/>
           </a:p>
@@ -1733,7 +1745,7 @@
           <a:p>
             <a:fld id="{5827CF75-21ED-4285-9C22-184A8788EFA2}" type="datetimeFigureOut">
               <a:rPr lang="pt-BR" smtClean="0"/>
-              <a:t>12/09/2018</a:t>
+              <a:t>19/09/2018</a:t>
             </a:fld>
             <a:endParaRPr lang="pt-BR"/>
           </a:p>
@@ -1828,7 +1840,7 @@
           <a:p>
             <a:fld id="{5827CF75-21ED-4285-9C22-184A8788EFA2}" type="datetimeFigureOut">
               <a:rPr lang="pt-BR" smtClean="0"/>
-              <a:t>12/09/2018</a:t>
+              <a:t>19/09/2018</a:t>
             </a:fld>
             <a:endParaRPr lang="pt-BR"/>
           </a:p>
@@ -2105,7 +2117,7 @@
           <a:p>
             <a:fld id="{5827CF75-21ED-4285-9C22-184A8788EFA2}" type="datetimeFigureOut">
               <a:rPr lang="pt-BR" smtClean="0"/>
-              <a:t>12/09/2018</a:t>
+              <a:t>19/09/2018</a:t>
             </a:fld>
             <a:endParaRPr lang="pt-BR"/>
           </a:p>
@@ -2358,7 +2370,7 @@
           <a:p>
             <a:fld id="{5827CF75-21ED-4285-9C22-184A8788EFA2}" type="datetimeFigureOut">
               <a:rPr lang="pt-BR" smtClean="0"/>
-              <a:t>12/09/2018</a:t>
+              <a:t>19/09/2018</a:t>
             </a:fld>
             <a:endParaRPr lang="pt-BR"/>
           </a:p>
@@ -2571,7 +2583,7 @@
           <a:p>
             <a:fld id="{5827CF75-21ED-4285-9C22-184A8788EFA2}" type="datetimeFigureOut">
               <a:rPr lang="pt-BR" smtClean="0"/>
-              <a:t>12/09/2018</a:t>
+              <a:t>19/09/2018</a:t>
             </a:fld>
             <a:endParaRPr lang="pt-BR"/>
           </a:p>
@@ -19965,6 +19977,575 @@
           <a:chExt cx="0" cy="0"/>
         </a:xfrm>
       </p:grpSpPr>
+      <p:sp>
+        <p:nvSpPr>
+          <p:cNvPr id="4" name="Retângulo 3"/>
+          <p:cNvSpPr/>
+          <p:nvPr/>
+        </p:nvSpPr>
+        <p:spPr>
+          <a:xfrm>
+            <a:off x="5078683" y="244767"/>
+            <a:ext cx="4587834" cy="3046988"/>
+          </a:xfrm>
+          <a:prstGeom prst="rect">
+            <a:avLst/>
+          </a:prstGeom>
+        </p:spPr>
+        <p:txBody>
+          <a:bodyPr wrap="square">
+            <a:spAutoFit/>
+          </a:bodyPr>
+          <a:lstStyle/>
+          <a:p>
+            <a:r>
+              <a:rPr lang="pt-BR" sz="1200" b="1" dirty="0">
+                <a:latin typeface="Courier New" panose="02070309020205020404" pitchFamily="49" charset="0"/>
+                <a:cs typeface="Courier New" panose="02070309020205020404" pitchFamily="49" charset="0"/>
+              </a:rPr>
+              <a:t> </a:t>
+            </a:r>
+            <a:r>
+              <a:rPr lang="pt-BR" sz="1200" b="1" dirty="0" smtClean="0">
+                <a:latin typeface="Courier New" panose="02070309020205020404" pitchFamily="49" charset="0"/>
+                <a:cs typeface="Courier New" panose="02070309020205020404" pitchFamily="49" charset="0"/>
+              </a:rPr>
+              <a:t>   </a:t>
+            </a:r>
+            <a:r>
+              <a:rPr lang="pt-BR" sz="1200" b="1" dirty="0" err="1" smtClean="0">
+                <a:latin typeface="Courier New" panose="02070309020205020404" pitchFamily="49" charset="0"/>
+                <a:cs typeface="Courier New" panose="02070309020205020404" pitchFamily="49" charset="0"/>
+              </a:rPr>
+              <a:t>Parameters</a:t>
+            </a:r>
+            <a:r>
+              <a:rPr lang="pt-BR" sz="1200" b="1" dirty="0" smtClean="0">
+                <a:latin typeface="Courier New" panose="02070309020205020404" pitchFamily="49" charset="0"/>
+                <a:cs typeface="Courier New" panose="02070309020205020404" pitchFamily="49" charset="0"/>
+              </a:rPr>
+              <a:t> </a:t>
+            </a:r>
+            <a:r>
+              <a:rPr lang="pt-BR" sz="1200" b="1" dirty="0">
+                <a:latin typeface="Courier New" panose="02070309020205020404" pitchFamily="49" charset="0"/>
+                <a:cs typeface="Courier New" panose="02070309020205020404" pitchFamily="49" charset="0"/>
+              </a:rPr>
+              <a:t>for </a:t>
+            </a:r>
+            <a:r>
+              <a:rPr lang="pt-BR" sz="1200" b="1" dirty="0" err="1">
+                <a:latin typeface="Courier New" panose="02070309020205020404" pitchFamily="49" charset="0"/>
+                <a:cs typeface="Courier New" panose="02070309020205020404" pitchFamily="49" charset="0"/>
+              </a:rPr>
+              <a:t>vmodel</a:t>
+            </a:r>
+            <a:endParaRPr lang="pt-BR" sz="1200" b="1" dirty="0">
+              <a:latin typeface="Courier New" panose="02070309020205020404" pitchFamily="49" charset="0"/>
+              <a:cs typeface="Courier New" panose="02070309020205020404" pitchFamily="49" charset="0"/>
+            </a:endParaRPr>
+          </a:p>
+          <a:p>
+            <a:r>
+              <a:rPr lang="pt-BR" sz="1200" b="1" dirty="0" smtClean="0">
+                <a:latin typeface="Courier New" panose="02070309020205020404" pitchFamily="49" charset="0"/>
+                <a:cs typeface="Courier New" panose="02070309020205020404" pitchFamily="49" charset="0"/>
+              </a:rPr>
+              <a:t>******************************** </a:t>
+            </a:r>
+            <a:endParaRPr lang="pt-BR" sz="1200" b="1" dirty="0">
+              <a:latin typeface="Courier New" panose="02070309020205020404" pitchFamily="49" charset="0"/>
+              <a:cs typeface="Courier New" panose="02070309020205020404" pitchFamily="49" charset="0"/>
+            </a:endParaRPr>
+          </a:p>
+          <a:p>
+            <a:endParaRPr lang="pt-BR" sz="1200" b="1" dirty="0">
+              <a:latin typeface="Courier New" panose="02070309020205020404" pitchFamily="49" charset="0"/>
+              <a:cs typeface="Courier New" panose="02070309020205020404" pitchFamily="49" charset="0"/>
+            </a:endParaRPr>
+          </a:p>
+          <a:p>
+            <a:r>
+              <a:rPr lang="pt-BR" sz="1200" b="1" dirty="0">
+                <a:latin typeface="Courier New" panose="02070309020205020404" pitchFamily="49" charset="0"/>
+                <a:cs typeface="Courier New" panose="02070309020205020404" pitchFamily="49" charset="0"/>
+              </a:rPr>
+              <a:t>START OF PARAMETERS:</a:t>
+            </a:r>
+          </a:p>
+          <a:p>
+            <a:r>
+              <a:rPr lang="pt-BR" sz="1200" b="1" dirty="0" smtClean="0">
+                <a:latin typeface="Courier New" panose="02070309020205020404" pitchFamily="49" charset="0"/>
+                <a:cs typeface="Courier New" panose="02070309020205020404" pitchFamily="49" charset="0"/>
+              </a:rPr>
+              <a:t>10570390.out</a:t>
+            </a:r>
+          </a:p>
+          <a:p>
+            <a:r>
+              <a:rPr lang="pt-BR" sz="1200" b="1" dirty="0" smtClean="0">
+                <a:latin typeface="Courier New" panose="02070309020205020404" pitchFamily="49" charset="0"/>
+                <a:cs typeface="Courier New" panose="02070309020205020404" pitchFamily="49" charset="0"/>
+              </a:rPr>
+              <a:t>1 40 </a:t>
+            </a:r>
+          </a:p>
+          <a:p>
+            <a:r>
+              <a:rPr lang="pt-BR" sz="1200" b="1" dirty="0" smtClean="0">
+                <a:latin typeface="Courier New" panose="02070309020205020404" pitchFamily="49" charset="0"/>
+                <a:cs typeface="Courier New" panose="02070309020205020404" pitchFamily="49" charset="0"/>
+              </a:rPr>
+              <a:t>0 </a:t>
+            </a:r>
+            <a:r>
+              <a:rPr lang="pt-BR" sz="1200" b="1" dirty="0">
+                <a:latin typeface="Courier New" panose="02070309020205020404" pitchFamily="49" charset="0"/>
+                <a:cs typeface="Courier New" panose="02070309020205020404" pitchFamily="49" charset="0"/>
+              </a:rPr>
+              <a:t>0 0.5 </a:t>
+            </a:r>
+          </a:p>
+          <a:p>
+            <a:r>
+              <a:rPr lang="pt-BR" sz="1200" b="1" dirty="0">
+                <a:latin typeface="Courier New" panose="02070309020205020404" pitchFamily="49" charset="0"/>
+                <a:cs typeface="Courier New" panose="02070309020205020404" pitchFamily="49" charset="0"/>
+              </a:rPr>
+              <a:t>4 0 </a:t>
+            </a:r>
+          </a:p>
+          <a:p>
+            <a:r>
+              <a:rPr lang="pt-BR" sz="1200" b="1" dirty="0">
+                <a:latin typeface="Courier New" panose="02070309020205020404" pitchFamily="49" charset="0"/>
+                <a:cs typeface="Courier New" panose="02070309020205020404" pitchFamily="49" charset="0"/>
+              </a:rPr>
+              <a:t>1 0.25 0 0 0 </a:t>
+            </a:r>
+          </a:p>
+          <a:p>
+            <a:r>
+              <a:rPr lang="pt-BR" sz="1200" b="1" dirty="0">
+                <a:latin typeface="Courier New" panose="02070309020205020404" pitchFamily="49" charset="0"/>
+                <a:cs typeface="Courier New" panose="02070309020205020404" pitchFamily="49" charset="0"/>
+              </a:rPr>
+              <a:t>20 20 1 </a:t>
+            </a:r>
+          </a:p>
+          <a:p>
+            <a:r>
+              <a:rPr lang="pt-BR" sz="1200" b="1" dirty="0">
+                <a:latin typeface="Courier New" panose="02070309020205020404" pitchFamily="49" charset="0"/>
+                <a:cs typeface="Courier New" panose="02070309020205020404" pitchFamily="49" charset="0"/>
+              </a:rPr>
+              <a:t>1 0.25 0 0 0 </a:t>
+            </a:r>
+          </a:p>
+          <a:p>
+            <a:r>
+              <a:rPr lang="pt-BR" sz="1200" b="1" dirty="0">
+                <a:latin typeface="Courier New" panose="02070309020205020404" pitchFamily="49" charset="0"/>
+                <a:cs typeface="Courier New" panose="02070309020205020404" pitchFamily="49" charset="0"/>
+              </a:rPr>
+              <a:t>50 50 1 </a:t>
+            </a:r>
+          </a:p>
+          <a:p>
+            <a:r>
+              <a:rPr lang="pt-BR" sz="1200" b="1" dirty="0">
+                <a:latin typeface="Courier New" panose="02070309020205020404" pitchFamily="49" charset="0"/>
+                <a:cs typeface="Courier New" panose="02070309020205020404" pitchFamily="49" charset="0"/>
+              </a:rPr>
+              <a:t>1 0.25 135 0 0 </a:t>
+            </a:r>
+          </a:p>
+          <a:p>
+            <a:r>
+              <a:rPr lang="pt-BR" sz="1200" b="1" dirty="0">
+                <a:latin typeface="Courier New" panose="02070309020205020404" pitchFamily="49" charset="0"/>
+                <a:cs typeface="Courier New" panose="02070309020205020404" pitchFamily="49" charset="0"/>
+              </a:rPr>
+              <a:t>10000 1 1 </a:t>
+            </a:r>
+          </a:p>
+          <a:p>
+            <a:r>
+              <a:rPr lang="pt-BR" sz="1200" b="1" dirty="0">
+                <a:latin typeface="Courier New" panose="02070309020205020404" pitchFamily="49" charset="0"/>
+                <a:cs typeface="Courier New" panose="02070309020205020404" pitchFamily="49" charset="0"/>
+              </a:rPr>
+              <a:t>1 0.25 45 0 0 </a:t>
+            </a:r>
+          </a:p>
+          <a:p>
+            <a:r>
+              <a:rPr lang="pt-BR" sz="1200" b="1" dirty="0">
+                <a:latin typeface="Courier New" panose="02070309020205020404" pitchFamily="49" charset="0"/>
+                <a:cs typeface="Courier New" panose="02070309020205020404" pitchFamily="49" charset="0"/>
+              </a:rPr>
+              <a:t>10000 5 1 </a:t>
+            </a:r>
+          </a:p>
+        </p:txBody>
+      </p:sp>
+      <p:pic>
+        <p:nvPicPr>
+          <p:cNvPr id="5" name="Imagem 4"/>
+          <p:cNvPicPr>
+            <a:picLocks noChangeAspect="1"/>
+          </p:cNvPicPr>
+          <p:nvPr/>
+        </p:nvPicPr>
+        <p:blipFill>
+          <a:blip r:embed="rId2"/>
+          <a:stretch>
+            <a:fillRect/>
+          </a:stretch>
+        </p:blipFill>
+        <p:spPr>
+          <a:xfrm>
+            <a:off x="375495" y="201466"/>
+            <a:ext cx="4388898" cy="3276094"/>
+          </a:xfrm>
+          <a:prstGeom prst="rect">
+            <a:avLst/>
+          </a:prstGeom>
+        </p:spPr>
+      </p:pic>
+      <p:pic>
+        <p:nvPicPr>
+          <p:cNvPr id="6" name="Imagem 5"/>
+          <p:cNvPicPr>
+            <a:picLocks noChangeAspect="1"/>
+          </p:cNvPicPr>
+          <p:nvPr/>
+        </p:nvPicPr>
+        <p:blipFill>
+          <a:blip r:embed="rId3"/>
+          <a:stretch>
+            <a:fillRect/>
+          </a:stretch>
+        </p:blipFill>
+        <p:spPr>
+          <a:xfrm>
+            <a:off x="8366306" y="615519"/>
+            <a:ext cx="3205231" cy="2447987"/>
+          </a:xfrm>
+          <a:prstGeom prst="rect">
+            <a:avLst/>
+          </a:prstGeom>
+        </p:spPr>
+      </p:pic>
+      <p:pic>
+        <p:nvPicPr>
+          <p:cNvPr id="7" name="Imagem 6"/>
+          <p:cNvPicPr>
+            <a:picLocks noChangeAspect="1"/>
+          </p:cNvPicPr>
+          <p:nvPr/>
+        </p:nvPicPr>
+        <p:blipFill>
+          <a:blip r:embed="rId4"/>
+          <a:stretch>
+            <a:fillRect/>
+          </a:stretch>
+        </p:blipFill>
+        <p:spPr>
+          <a:xfrm>
+            <a:off x="477732" y="3705100"/>
+            <a:ext cx="2795311" cy="2113809"/>
+          </a:xfrm>
+          <a:prstGeom prst="rect">
+            <a:avLst/>
+          </a:prstGeom>
+        </p:spPr>
+      </p:pic>
+      <p:pic>
+        <p:nvPicPr>
+          <p:cNvPr id="8" name="Imagem 7"/>
+          <p:cNvPicPr>
+            <a:picLocks noChangeAspect="1"/>
+          </p:cNvPicPr>
+          <p:nvPr/>
+        </p:nvPicPr>
+        <p:blipFill>
+          <a:blip r:embed="rId5"/>
+          <a:stretch>
+            <a:fillRect/>
+          </a:stretch>
+        </p:blipFill>
+        <p:spPr>
+          <a:xfrm>
+            <a:off x="3273043" y="3705100"/>
+            <a:ext cx="2829869" cy="2113809"/>
+          </a:xfrm>
+          <a:prstGeom prst="rect">
+            <a:avLst/>
+          </a:prstGeom>
+        </p:spPr>
+      </p:pic>
+      <p:pic>
+        <p:nvPicPr>
+          <p:cNvPr id="9" name="Imagem 8"/>
+          <p:cNvPicPr>
+            <a:picLocks noChangeAspect="1"/>
+          </p:cNvPicPr>
+          <p:nvPr/>
+        </p:nvPicPr>
+        <p:blipFill>
+          <a:blip r:embed="rId6"/>
+          <a:stretch>
+            <a:fillRect/>
+          </a:stretch>
+        </p:blipFill>
+        <p:spPr>
+          <a:xfrm>
+            <a:off x="6068354" y="3705100"/>
+            <a:ext cx="2829869" cy="2118025"/>
+          </a:xfrm>
+          <a:prstGeom prst="rect">
+            <a:avLst/>
+          </a:prstGeom>
+        </p:spPr>
+      </p:pic>
+      <p:pic>
+        <p:nvPicPr>
+          <p:cNvPr id="10" name="Imagem 9"/>
+          <p:cNvPicPr>
+            <a:picLocks noChangeAspect="1"/>
+          </p:cNvPicPr>
+          <p:nvPr/>
+        </p:nvPicPr>
+        <p:blipFill>
+          <a:blip r:embed="rId7"/>
+          <a:stretch>
+            <a:fillRect/>
+          </a:stretch>
+        </p:blipFill>
+        <p:spPr>
+          <a:xfrm>
+            <a:off x="8898223" y="3705100"/>
+            <a:ext cx="2841880" cy="2143153"/>
+          </a:xfrm>
+          <a:prstGeom prst="rect">
+            <a:avLst/>
+          </a:prstGeom>
+        </p:spPr>
+      </p:pic>
+      <p:sp>
+        <p:nvSpPr>
+          <p:cNvPr id="11" name="CaixaDeTexto 10"/>
+          <p:cNvSpPr txBox="1"/>
+          <p:nvPr/>
+        </p:nvSpPr>
+        <p:spPr>
+          <a:xfrm>
+            <a:off x="9353296" y="2964803"/>
+            <a:ext cx="773673" cy="369332"/>
+          </a:xfrm>
+          <a:prstGeom prst="rect">
+            <a:avLst/>
+          </a:prstGeom>
+          <a:noFill/>
+        </p:spPr>
+        <p:txBody>
+          <a:bodyPr wrap="none" rtlCol="0">
+            <a:spAutoFit/>
+          </a:bodyPr>
+          <a:lstStyle/>
+          <a:p>
+            <a:r>
+              <a:rPr lang="pt-BR" dirty="0" smtClean="0"/>
+              <a:t>MEAN</a:t>
+            </a:r>
+            <a:endParaRPr lang="pt-BR" dirty="0"/>
+          </a:p>
+        </p:txBody>
+      </p:sp>
+      <p:sp>
+        <p:nvSpPr>
+          <p:cNvPr id="12" name="CaixaDeTexto 11"/>
+          <p:cNvSpPr txBox="1"/>
+          <p:nvPr/>
+        </p:nvSpPr>
+        <p:spPr>
+          <a:xfrm>
+            <a:off x="967338" y="5809323"/>
+            <a:ext cx="1260281" cy="369332"/>
+          </a:xfrm>
+          <a:prstGeom prst="rect">
+            <a:avLst/>
+          </a:prstGeom>
+          <a:noFill/>
+        </p:spPr>
+        <p:txBody>
+          <a:bodyPr wrap="none" rtlCol="0">
+            <a:spAutoFit/>
+          </a:bodyPr>
+          <a:lstStyle/>
+          <a:p>
+            <a:r>
+              <a:rPr lang="pt-BR" dirty="0" err="1" smtClean="0"/>
+              <a:t>Sph</a:t>
+            </a:r>
+            <a:r>
+              <a:rPr lang="pt-BR" dirty="0" smtClean="0"/>
+              <a:t> 20 x 20</a:t>
+            </a:r>
+            <a:endParaRPr lang="pt-BR" dirty="0"/>
+          </a:p>
+        </p:txBody>
+      </p:sp>
+      <p:sp>
+        <p:nvSpPr>
+          <p:cNvPr id="13" name="CaixaDeTexto 12"/>
+          <p:cNvSpPr txBox="1"/>
+          <p:nvPr/>
+        </p:nvSpPr>
+        <p:spPr>
+          <a:xfrm>
+            <a:off x="3803124" y="5809323"/>
+            <a:ext cx="1260281" cy="369332"/>
+          </a:xfrm>
+          <a:prstGeom prst="rect">
+            <a:avLst/>
+          </a:prstGeom>
+          <a:noFill/>
+        </p:spPr>
+        <p:txBody>
+          <a:bodyPr wrap="none" rtlCol="0">
+            <a:spAutoFit/>
+          </a:bodyPr>
+          <a:lstStyle/>
+          <a:p>
+            <a:r>
+              <a:rPr lang="pt-BR" dirty="0" err="1" smtClean="0"/>
+              <a:t>Sph</a:t>
+            </a:r>
+            <a:r>
+              <a:rPr lang="pt-BR" dirty="0" smtClean="0"/>
+              <a:t> 50 x 50</a:t>
+            </a:r>
+            <a:endParaRPr lang="pt-BR" dirty="0"/>
+          </a:p>
+        </p:txBody>
+      </p:sp>
+      <p:sp>
+        <p:nvSpPr>
+          <p:cNvPr id="14" name="CaixaDeTexto 13"/>
+          <p:cNvSpPr txBox="1"/>
+          <p:nvPr/>
+        </p:nvSpPr>
+        <p:spPr>
+          <a:xfrm>
+            <a:off x="6475533" y="5809323"/>
+            <a:ext cx="1552028" cy="646331"/>
+          </a:xfrm>
+          <a:prstGeom prst="rect">
+            <a:avLst/>
+          </a:prstGeom>
+          <a:noFill/>
+        </p:spPr>
+        <p:txBody>
+          <a:bodyPr wrap="none" rtlCol="0">
+            <a:spAutoFit/>
+          </a:bodyPr>
+          <a:lstStyle/>
+          <a:p>
+            <a:pPr algn="ctr"/>
+            <a:r>
+              <a:rPr lang="pt-BR" dirty="0" err="1" smtClean="0"/>
+              <a:t>Sph</a:t>
+            </a:r>
+            <a:r>
+              <a:rPr lang="pt-BR" dirty="0" smtClean="0"/>
+              <a:t> 10,000 x 1</a:t>
+            </a:r>
+          </a:p>
+          <a:p>
+            <a:pPr algn="ctr"/>
+            <a:r>
+              <a:rPr lang="pt-BR" dirty="0" smtClean="0"/>
+              <a:t>@ N135E</a:t>
+            </a:r>
+            <a:endParaRPr lang="pt-BR" dirty="0"/>
+          </a:p>
+        </p:txBody>
+      </p:sp>
+      <p:sp>
+        <p:nvSpPr>
+          <p:cNvPr id="15" name="CaixaDeTexto 14"/>
+          <p:cNvSpPr txBox="1"/>
+          <p:nvPr/>
+        </p:nvSpPr>
+        <p:spPr>
+          <a:xfrm>
+            <a:off x="9329152" y="5814044"/>
+            <a:ext cx="1552028" cy="646331"/>
+          </a:xfrm>
+          <a:prstGeom prst="rect">
+            <a:avLst/>
+          </a:prstGeom>
+          <a:noFill/>
+        </p:spPr>
+        <p:txBody>
+          <a:bodyPr wrap="none" rtlCol="0">
+            <a:spAutoFit/>
+          </a:bodyPr>
+          <a:lstStyle/>
+          <a:p>
+            <a:pPr algn="ctr"/>
+            <a:r>
+              <a:rPr lang="pt-BR" dirty="0" err="1" smtClean="0"/>
+              <a:t>Sph</a:t>
+            </a:r>
+            <a:r>
+              <a:rPr lang="pt-BR" dirty="0" smtClean="0"/>
+              <a:t> 10,000 x 5</a:t>
+            </a:r>
+          </a:p>
+          <a:p>
+            <a:pPr algn="ctr"/>
+            <a:r>
+              <a:rPr lang="pt-BR" dirty="0" smtClean="0"/>
+              <a:t>@ N045E</a:t>
+            </a:r>
+            <a:endParaRPr lang="pt-BR" dirty="0"/>
+          </a:p>
+        </p:txBody>
+      </p:sp>
+    </p:spTree>
+    <p:extLst>
+      <p:ext uri="{BB962C8B-B14F-4D97-AF65-F5344CB8AC3E}">
+        <p14:creationId xmlns:p14="http://schemas.microsoft.com/office/powerpoint/2010/main" val="664631757"/>
+      </p:ext>
+    </p:extLst>
+  </p:cSld>
+  <p:clrMapOvr>
+    <a:masterClrMapping/>
+  </p:clrMapOvr>
+</p:sld>
+</file>
+
+<file path=ppt/slides/slide8.xml><?xml version="1.0" encoding="utf-8"?>
+<p:sld xmlns:a="http://schemas.openxmlformats.org/drawingml/2006/main" xmlns:r="http://schemas.openxmlformats.org/officeDocument/2006/relationships" xmlns:p="http://schemas.openxmlformats.org/presentationml/2006/main">
+  <p:cSld>
+    <p:spTree>
+      <p:nvGrpSpPr>
+        <p:cNvPr id="1" name=""/>
+        <p:cNvGrpSpPr/>
+        <p:nvPr/>
+      </p:nvGrpSpPr>
+      <p:grpSpPr>
+        <a:xfrm>
+          <a:off x="0" y="0"/>
+          <a:ext cx="0" cy="0"/>
+          <a:chOff x="0" y="0"/>
+          <a:chExt cx="0" cy="0"/>
+        </a:xfrm>
+      </p:grpSpPr>
       <p:pic>
         <p:nvPicPr>
           <p:cNvPr id="1027" name="Picture 3"/>
@@ -20597,7 +21178,7 @@
 </p:sld>
 </file>
 
-<file path=ppt/slides/slide8.xml><?xml version="1.0" encoding="utf-8"?>
+<file path=ppt/slides/slide9.xml><?xml version="1.0" encoding="utf-8"?>
 <p:sld xmlns:a="http://schemas.openxmlformats.org/drawingml/2006/main" xmlns:r="http://schemas.openxmlformats.org/officeDocument/2006/relationships" xmlns:p="http://schemas.openxmlformats.org/presentationml/2006/main">
   <p:cSld>
     <p:spTree>
@@ -20997,7 +21578,7 @@
   <a:extraClrSchemeLst/>
   <a:extLst>
     <a:ext uri="{05A4C25C-085E-4340-85A3-A5531E510DB2}">
-      <thm15:themeFamily xmlns:thm15="http://schemas.microsoft.com/office/thememl/2012/main" xmlns="" name="Office Theme" id="{62F939B6-93AF-4DB8-9C6B-D6C7DFDC589F}" vid="{4A3C46E8-61CC-4603-A589-7422A47A8E4A}"/>
+      <thm15:themeFamily xmlns:thm15="http://schemas.microsoft.com/office/thememl/2012/main" name="Office Theme" id="{62F939B6-93AF-4DB8-9C6B-D6C7DFDC589F}" vid="{4A3C46E8-61CC-4603-A589-7422A47A8E4A}"/>
     </a:ext>
   </a:extLst>
 </a:theme>

--- a/docs/figures.pptx
+++ b/docs/figures.pptx
@@ -7,11 +7,11 @@
   <p:sldIdLst>
     <p:sldId id="256" r:id="rId2"/>
     <p:sldId id="257" r:id="rId3"/>
-    <p:sldId id="258" r:id="rId4"/>
-    <p:sldId id="259" r:id="rId5"/>
-    <p:sldId id="260" r:id="rId6"/>
-    <p:sldId id="261" r:id="rId7"/>
-    <p:sldId id="264" r:id="rId8"/>
+    <p:sldId id="264" r:id="rId4"/>
+    <p:sldId id="258" r:id="rId5"/>
+    <p:sldId id="259" r:id="rId6"/>
+    <p:sldId id="260" r:id="rId7"/>
+    <p:sldId id="261" r:id="rId8"/>
     <p:sldId id="262" r:id="rId9"/>
     <p:sldId id="263" r:id="rId10"/>
   </p:sldIdLst>
@@ -114,18 +114,7 @@
   </p:defaultTextStyle>
   <p:extLst>
     <p:ext uri="{EFAFB233-063F-42B5-8137-9DF3F51BA10A}">
-      <p15:sldGuideLst xmlns:p15="http://schemas.microsoft.com/office/powerpoint/2012/main">
-        <p15:guide id="1" orient="horz" pos="2160">
-          <p15:clr>
-            <a:srgbClr val="A4A3A4"/>
-          </p15:clr>
-        </p15:guide>
-        <p15:guide id="2" pos="3840">
-          <p15:clr>
-            <a:srgbClr val="A4A3A4"/>
-          </p15:clr>
-        </p15:guide>
-      </p15:sldGuideLst>
+      <p15:sldGuideLst xmlns="" xmlns:p15="http://schemas.microsoft.com/office/powerpoint/2012/main"/>
     </p:ext>
   </p:extLst>
 </p:presentation>
@@ -262,7 +251,7 @@
           <a:p>
             <a:fld id="{5827CF75-21ED-4285-9C22-184A8788EFA2}" type="datetimeFigureOut">
               <a:rPr lang="pt-BR" smtClean="0"/>
-              <a:t>19/09/2018</a:t>
+              <a:t>03/10/2018</a:t>
             </a:fld>
             <a:endParaRPr lang="pt-BR"/>
           </a:p>
@@ -432,7 +421,7 @@
           <a:p>
             <a:fld id="{5827CF75-21ED-4285-9C22-184A8788EFA2}" type="datetimeFigureOut">
               <a:rPr lang="pt-BR" smtClean="0"/>
-              <a:t>19/09/2018</a:t>
+              <a:t>03/10/2018</a:t>
             </a:fld>
             <a:endParaRPr lang="pt-BR"/>
           </a:p>
@@ -612,7 +601,7 @@
           <a:p>
             <a:fld id="{5827CF75-21ED-4285-9C22-184A8788EFA2}" type="datetimeFigureOut">
               <a:rPr lang="pt-BR" smtClean="0"/>
-              <a:t>19/09/2018</a:t>
+              <a:t>03/10/2018</a:t>
             </a:fld>
             <a:endParaRPr lang="pt-BR"/>
           </a:p>
@@ -782,7 +771,7 @@
           <a:p>
             <a:fld id="{5827CF75-21ED-4285-9C22-184A8788EFA2}" type="datetimeFigureOut">
               <a:rPr lang="pt-BR" smtClean="0"/>
-              <a:t>19/09/2018</a:t>
+              <a:t>03/10/2018</a:t>
             </a:fld>
             <a:endParaRPr lang="pt-BR"/>
           </a:p>
@@ -1028,7 +1017,7 @@
           <a:p>
             <a:fld id="{5827CF75-21ED-4285-9C22-184A8788EFA2}" type="datetimeFigureOut">
               <a:rPr lang="pt-BR" smtClean="0"/>
-              <a:t>19/09/2018</a:t>
+              <a:t>03/10/2018</a:t>
             </a:fld>
             <a:endParaRPr lang="pt-BR"/>
           </a:p>
@@ -1260,7 +1249,7 @@
           <a:p>
             <a:fld id="{5827CF75-21ED-4285-9C22-184A8788EFA2}" type="datetimeFigureOut">
               <a:rPr lang="pt-BR" smtClean="0"/>
-              <a:t>19/09/2018</a:t>
+              <a:t>03/10/2018</a:t>
             </a:fld>
             <a:endParaRPr lang="pt-BR"/>
           </a:p>
@@ -1627,7 +1616,7 @@
           <a:p>
             <a:fld id="{5827CF75-21ED-4285-9C22-184A8788EFA2}" type="datetimeFigureOut">
               <a:rPr lang="pt-BR" smtClean="0"/>
-              <a:t>19/09/2018</a:t>
+              <a:t>03/10/2018</a:t>
             </a:fld>
             <a:endParaRPr lang="pt-BR"/>
           </a:p>
@@ -1745,7 +1734,7 @@
           <a:p>
             <a:fld id="{5827CF75-21ED-4285-9C22-184A8788EFA2}" type="datetimeFigureOut">
               <a:rPr lang="pt-BR" smtClean="0"/>
-              <a:t>19/09/2018</a:t>
+              <a:t>03/10/2018</a:t>
             </a:fld>
             <a:endParaRPr lang="pt-BR"/>
           </a:p>
@@ -1840,7 +1829,7 @@
           <a:p>
             <a:fld id="{5827CF75-21ED-4285-9C22-184A8788EFA2}" type="datetimeFigureOut">
               <a:rPr lang="pt-BR" smtClean="0"/>
-              <a:t>19/09/2018</a:t>
+              <a:t>03/10/2018</a:t>
             </a:fld>
             <a:endParaRPr lang="pt-BR"/>
           </a:p>
@@ -2117,7 +2106,7 @@
           <a:p>
             <a:fld id="{5827CF75-21ED-4285-9C22-184A8788EFA2}" type="datetimeFigureOut">
               <a:rPr lang="pt-BR" smtClean="0"/>
-              <a:t>19/09/2018</a:t>
+              <a:t>03/10/2018</a:t>
             </a:fld>
             <a:endParaRPr lang="pt-BR"/>
           </a:p>
@@ -2370,7 +2359,7 @@
           <a:p>
             <a:fld id="{5827CF75-21ED-4285-9C22-184A8788EFA2}" type="datetimeFigureOut">
               <a:rPr lang="pt-BR" smtClean="0"/>
-              <a:t>19/09/2018</a:t>
+              <a:t>03/10/2018</a:t>
             </a:fld>
             <a:endParaRPr lang="pt-BR"/>
           </a:p>
@@ -2583,7 +2572,7 @@
           <a:p>
             <a:fld id="{5827CF75-21ED-4285-9C22-184A8788EFA2}" type="datetimeFigureOut">
               <a:rPr lang="pt-BR" smtClean="0"/>
-              <a:t>19/09/2018</a:t>
+              <a:t>03/10/2018</a:t>
             </a:fld>
             <a:endParaRPr lang="pt-BR"/>
           </a:p>
@@ -4067,10 +4056,6452 @@
   <p:clrMapOvr>
     <a:masterClrMapping/>
   </p:clrMapOvr>
+  <p:timing>
+    <p:tnLst>
+      <p:par>
+        <p:cTn id="1" dur="indefinite" restart="never" nodeType="tmRoot"/>
+      </p:par>
+    </p:tnLst>
+  </p:timing>
 </p:sld>
 </file>
 
 <file path=ppt/slides/slide2.xml><?xml version="1.0" encoding="utf-8"?>
+<p:sld xmlns:a="http://schemas.openxmlformats.org/drawingml/2006/main" xmlns:r="http://schemas.openxmlformats.org/officeDocument/2006/relationships" xmlns:p="http://schemas.openxmlformats.org/presentationml/2006/main">
+  <p:cSld>
+    <p:spTree>
+      <p:nvGrpSpPr>
+        <p:cNvPr id="1" name=""/>
+        <p:cNvGrpSpPr/>
+        <p:nvPr/>
+      </p:nvGrpSpPr>
+      <p:grpSpPr>
+        <a:xfrm>
+          <a:off x="0" y="0"/>
+          <a:ext cx="0" cy="0"/>
+          <a:chOff x="0" y="0"/>
+          <a:chExt cx="0" cy="0"/>
+        </a:xfrm>
+      </p:grpSpPr>
+      <p:sp>
+        <p:nvSpPr>
+          <p:cNvPr id="3" name="Forma livre 2"/>
+          <p:cNvSpPr/>
+          <p:nvPr/>
+        </p:nvSpPr>
+        <p:spPr>
+          <a:xfrm>
+            <a:off x="1216483" y="854062"/>
+            <a:ext cx="2571750" cy="315817"/>
+          </a:xfrm>
+          <a:custGeom>
+            <a:avLst/>
+            <a:gdLst>
+              <a:gd name="connsiteX0" fmla="*/ 0 w 2571750"/>
+              <a:gd name="connsiteY0" fmla="*/ 215490 h 315817"/>
+              <a:gd name="connsiteX1" fmla="*/ 432707 w 2571750"/>
+              <a:gd name="connsiteY1" fmla="*/ 44040 h 315817"/>
+              <a:gd name="connsiteX2" fmla="*/ 865414 w 2571750"/>
+              <a:gd name="connsiteY2" fmla="*/ 11383 h 315817"/>
+              <a:gd name="connsiteX3" fmla="*/ 1371600 w 2571750"/>
+              <a:gd name="connsiteY3" fmla="*/ 207326 h 315817"/>
+              <a:gd name="connsiteX4" fmla="*/ 1894114 w 2571750"/>
+              <a:gd name="connsiteY4" fmla="*/ 313461 h 315817"/>
+              <a:gd name="connsiteX5" fmla="*/ 2571750 w 2571750"/>
+              <a:gd name="connsiteY5" fmla="*/ 109354 h 315817"/>
+            </a:gdLst>
+            <a:ahLst/>
+            <a:cxnLst>
+              <a:cxn ang="0">
+                <a:pos x="connsiteX0" y="connsiteY0"/>
+              </a:cxn>
+              <a:cxn ang="0">
+                <a:pos x="connsiteX1" y="connsiteY1"/>
+              </a:cxn>
+              <a:cxn ang="0">
+                <a:pos x="connsiteX2" y="connsiteY2"/>
+              </a:cxn>
+              <a:cxn ang="0">
+                <a:pos x="connsiteX3" y="connsiteY3"/>
+              </a:cxn>
+              <a:cxn ang="0">
+                <a:pos x="connsiteX4" y="connsiteY4"/>
+              </a:cxn>
+              <a:cxn ang="0">
+                <a:pos x="connsiteX5" y="connsiteY5"/>
+              </a:cxn>
+            </a:cxnLst>
+            <a:rect l="l" t="t" r="r" b="b"/>
+            <a:pathLst>
+              <a:path w="2571750" h="315817">
+                <a:moveTo>
+                  <a:pt x="0" y="215490"/>
+                </a:moveTo>
+                <a:cubicBezTo>
+                  <a:pt x="144235" y="146774"/>
+                  <a:pt x="288471" y="78058"/>
+                  <a:pt x="432707" y="44040"/>
+                </a:cubicBezTo>
+                <a:cubicBezTo>
+                  <a:pt x="576943" y="10022"/>
+                  <a:pt x="708932" y="-15831"/>
+                  <a:pt x="865414" y="11383"/>
+                </a:cubicBezTo>
+                <a:cubicBezTo>
+                  <a:pt x="1021896" y="38597"/>
+                  <a:pt x="1200150" y="156980"/>
+                  <a:pt x="1371600" y="207326"/>
+                </a:cubicBezTo>
+                <a:cubicBezTo>
+                  <a:pt x="1543050" y="257672"/>
+                  <a:pt x="1694089" y="329790"/>
+                  <a:pt x="1894114" y="313461"/>
+                </a:cubicBezTo>
+                <a:cubicBezTo>
+                  <a:pt x="2094139" y="297132"/>
+                  <a:pt x="2332944" y="203243"/>
+                  <a:pt x="2571750" y="109354"/>
+                </a:cubicBezTo>
+              </a:path>
+            </a:pathLst>
+          </a:custGeom>
+          <a:noFill/>
+        </p:spPr>
+        <p:style>
+          <a:lnRef idx="2">
+            <a:schemeClr val="accent1">
+              <a:shade val="50000"/>
+            </a:schemeClr>
+          </a:lnRef>
+          <a:fillRef idx="1">
+            <a:schemeClr val="accent1"/>
+          </a:fillRef>
+          <a:effectRef idx="0">
+            <a:schemeClr val="accent1"/>
+          </a:effectRef>
+          <a:fontRef idx="minor">
+            <a:schemeClr val="lt1"/>
+          </a:fontRef>
+        </p:style>
+        <p:txBody>
+          <a:bodyPr rtlCol="0" anchor="ctr"/>
+          <a:lstStyle/>
+          <a:p>
+            <a:pPr algn="ctr"/>
+            <a:endParaRPr lang="pt-BR" sz="1200"/>
+          </a:p>
+        </p:txBody>
+      </p:sp>
+      <p:sp>
+        <p:nvSpPr>
+          <p:cNvPr id="88" name="Forma livre 87"/>
+          <p:cNvSpPr/>
+          <p:nvPr/>
+        </p:nvSpPr>
+        <p:spPr>
+          <a:xfrm>
+            <a:off x="1336227" y="1063610"/>
+            <a:ext cx="2571750" cy="315817"/>
+          </a:xfrm>
+          <a:custGeom>
+            <a:avLst/>
+            <a:gdLst>
+              <a:gd name="connsiteX0" fmla="*/ 0 w 2571750"/>
+              <a:gd name="connsiteY0" fmla="*/ 215490 h 315817"/>
+              <a:gd name="connsiteX1" fmla="*/ 432707 w 2571750"/>
+              <a:gd name="connsiteY1" fmla="*/ 44040 h 315817"/>
+              <a:gd name="connsiteX2" fmla="*/ 865414 w 2571750"/>
+              <a:gd name="connsiteY2" fmla="*/ 11383 h 315817"/>
+              <a:gd name="connsiteX3" fmla="*/ 1371600 w 2571750"/>
+              <a:gd name="connsiteY3" fmla="*/ 207326 h 315817"/>
+              <a:gd name="connsiteX4" fmla="*/ 1894114 w 2571750"/>
+              <a:gd name="connsiteY4" fmla="*/ 313461 h 315817"/>
+              <a:gd name="connsiteX5" fmla="*/ 2571750 w 2571750"/>
+              <a:gd name="connsiteY5" fmla="*/ 109354 h 315817"/>
+            </a:gdLst>
+            <a:ahLst/>
+            <a:cxnLst>
+              <a:cxn ang="0">
+                <a:pos x="connsiteX0" y="connsiteY0"/>
+              </a:cxn>
+              <a:cxn ang="0">
+                <a:pos x="connsiteX1" y="connsiteY1"/>
+              </a:cxn>
+              <a:cxn ang="0">
+                <a:pos x="connsiteX2" y="connsiteY2"/>
+              </a:cxn>
+              <a:cxn ang="0">
+                <a:pos x="connsiteX3" y="connsiteY3"/>
+              </a:cxn>
+              <a:cxn ang="0">
+                <a:pos x="connsiteX4" y="connsiteY4"/>
+              </a:cxn>
+              <a:cxn ang="0">
+                <a:pos x="connsiteX5" y="connsiteY5"/>
+              </a:cxn>
+            </a:cxnLst>
+            <a:rect l="l" t="t" r="r" b="b"/>
+            <a:pathLst>
+              <a:path w="2571750" h="315817">
+                <a:moveTo>
+                  <a:pt x="0" y="215490"/>
+                </a:moveTo>
+                <a:cubicBezTo>
+                  <a:pt x="144235" y="146774"/>
+                  <a:pt x="288471" y="78058"/>
+                  <a:pt x="432707" y="44040"/>
+                </a:cubicBezTo>
+                <a:cubicBezTo>
+                  <a:pt x="576943" y="10022"/>
+                  <a:pt x="708932" y="-15831"/>
+                  <a:pt x="865414" y="11383"/>
+                </a:cubicBezTo>
+                <a:cubicBezTo>
+                  <a:pt x="1021896" y="38597"/>
+                  <a:pt x="1200150" y="156980"/>
+                  <a:pt x="1371600" y="207326"/>
+                </a:cubicBezTo>
+                <a:cubicBezTo>
+                  <a:pt x="1543050" y="257672"/>
+                  <a:pt x="1694089" y="329790"/>
+                  <a:pt x="1894114" y="313461"/>
+                </a:cubicBezTo>
+                <a:cubicBezTo>
+                  <a:pt x="2094139" y="297132"/>
+                  <a:pt x="2332944" y="203243"/>
+                  <a:pt x="2571750" y="109354"/>
+                </a:cubicBezTo>
+              </a:path>
+            </a:pathLst>
+          </a:custGeom>
+          <a:noFill/>
+        </p:spPr>
+        <p:style>
+          <a:lnRef idx="2">
+            <a:schemeClr val="accent1">
+              <a:shade val="50000"/>
+            </a:schemeClr>
+          </a:lnRef>
+          <a:fillRef idx="1">
+            <a:schemeClr val="accent1"/>
+          </a:fillRef>
+          <a:effectRef idx="0">
+            <a:schemeClr val="accent1"/>
+          </a:effectRef>
+          <a:fontRef idx="minor">
+            <a:schemeClr val="lt1"/>
+          </a:fontRef>
+        </p:style>
+        <p:txBody>
+          <a:bodyPr rtlCol="0" anchor="ctr"/>
+          <a:lstStyle/>
+          <a:p>
+            <a:pPr algn="ctr"/>
+            <a:endParaRPr lang="pt-BR" sz="1200"/>
+          </a:p>
+        </p:txBody>
+      </p:sp>
+      <p:sp>
+        <p:nvSpPr>
+          <p:cNvPr id="90" name="Forma livre 89"/>
+          <p:cNvSpPr/>
+          <p:nvPr/>
+        </p:nvSpPr>
+        <p:spPr>
+          <a:xfrm>
+            <a:off x="1651907" y="1469094"/>
+            <a:ext cx="2571750" cy="315817"/>
+          </a:xfrm>
+          <a:custGeom>
+            <a:avLst/>
+            <a:gdLst>
+              <a:gd name="connsiteX0" fmla="*/ 0 w 2571750"/>
+              <a:gd name="connsiteY0" fmla="*/ 215490 h 315817"/>
+              <a:gd name="connsiteX1" fmla="*/ 432707 w 2571750"/>
+              <a:gd name="connsiteY1" fmla="*/ 44040 h 315817"/>
+              <a:gd name="connsiteX2" fmla="*/ 865414 w 2571750"/>
+              <a:gd name="connsiteY2" fmla="*/ 11383 h 315817"/>
+              <a:gd name="connsiteX3" fmla="*/ 1371600 w 2571750"/>
+              <a:gd name="connsiteY3" fmla="*/ 207326 h 315817"/>
+              <a:gd name="connsiteX4" fmla="*/ 1894114 w 2571750"/>
+              <a:gd name="connsiteY4" fmla="*/ 313461 h 315817"/>
+              <a:gd name="connsiteX5" fmla="*/ 2571750 w 2571750"/>
+              <a:gd name="connsiteY5" fmla="*/ 109354 h 315817"/>
+            </a:gdLst>
+            <a:ahLst/>
+            <a:cxnLst>
+              <a:cxn ang="0">
+                <a:pos x="connsiteX0" y="connsiteY0"/>
+              </a:cxn>
+              <a:cxn ang="0">
+                <a:pos x="connsiteX1" y="connsiteY1"/>
+              </a:cxn>
+              <a:cxn ang="0">
+                <a:pos x="connsiteX2" y="connsiteY2"/>
+              </a:cxn>
+              <a:cxn ang="0">
+                <a:pos x="connsiteX3" y="connsiteY3"/>
+              </a:cxn>
+              <a:cxn ang="0">
+                <a:pos x="connsiteX4" y="connsiteY4"/>
+              </a:cxn>
+              <a:cxn ang="0">
+                <a:pos x="connsiteX5" y="connsiteY5"/>
+              </a:cxn>
+            </a:cxnLst>
+            <a:rect l="l" t="t" r="r" b="b"/>
+            <a:pathLst>
+              <a:path w="2571750" h="315817">
+                <a:moveTo>
+                  <a:pt x="0" y="215490"/>
+                </a:moveTo>
+                <a:cubicBezTo>
+                  <a:pt x="144235" y="146774"/>
+                  <a:pt x="288471" y="78058"/>
+                  <a:pt x="432707" y="44040"/>
+                </a:cubicBezTo>
+                <a:cubicBezTo>
+                  <a:pt x="576943" y="10022"/>
+                  <a:pt x="708932" y="-15831"/>
+                  <a:pt x="865414" y="11383"/>
+                </a:cubicBezTo>
+                <a:cubicBezTo>
+                  <a:pt x="1021896" y="38597"/>
+                  <a:pt x="1200150" y="156980"/>
+                  <a:pt x="1371600" y="207326"/>
+                </a:cubicBezTo>
+                <a:cubicBezTo>
+                  <a:pt x="1543050" y="257672"/>
+                  <a:pt x="1694089" y="329790"/>
+                  <a:pt x="1894114" y="313461"/>
+                </a:cubicBezTo>
+                <a:cubicBezTo>
+                  <a:pt x="2094139" y="297132"/>
+                  <a:pt x="2332944" y="203243"/>
+                  <a:pt x="2571750" y="109354"/>
+                </a:cubicBezTo>
+              </a:path>
+            </a:pathLst>
+          </a:custGeom>
+          <a:noFill/>
+        </p:spPr>
+        <p:style>
+          <a:lnRef idx="2">
+            <a:schemeClr val="accent1">
+              <a:shade val="50000"/>
+            </a:schemeClr>
+          </a:lnRef>
+          <a:fillRef idx="1">
+            <a:schemeClr val="accent1"/>
+          </a:fillRef>
+          <a:effectRef idx="0">
+            <a:schemeClr val="accent1"/>
+          </a:effectRef>
+          <a:fontRef idx="minor">
+            <a:schemeClr val="lt1"/>
+          </a:fontRef>
+        </p:style>
+        <p:txBody>
+          <a:bodyPr rtlCol="0" anchor="ctr"/>
+          <a:lstStyle/>
+          <a:p>
+            <a:pPr algn="ctr"/>
+            <a:endParaRPr lang="pt-BR" sz="1200"/>
+          </a:p>
+        </p:txBody>
+      </p:sp>
+      <p:sp>
+        <p:nvSpPr>
+          <p:cNvPr id="93" name="Forma livre 92"/>
+          <p:cNvSpPr/>
+          <p:nvPr/>
+        </p:nvSpPr>
+        <p:spPr>
+          <a:xfrm>
+            <a:off x="1496791" y="1264994"/>
+            <a:ext cx="2571750" cy="315817"/>
+          </a:xfrm>
+          <a:custGeom>
+            <a:avLst/>
+            <a:gdLst>
+              <a:gd name="connsiteX0" fmla="*/ 0 w 2571750"/>
+              <a:gd name="connsiteY0" fmla="*/ 215490 h 315817"/>
+              <a:gd name="connsiteX1" fmla="*/ 432707 w 2571750"/>
+              <a:gd name="connsiteY1" fmla="*/ 44040 h 315817"/>
+              <a:gd name="connsiteX2" fmla="*/ 865414 w 2571750"/>
+              <a:gd name="connsiteY2" fmla="*/ 11383 h 315817"/>
+              <a:gd name="connsiteX3" fmla="*/ 1371600 w 2571750"/>
+              <a:gd name="connsiteY3" fmla="*/ 207326 h 315817"/>
+              <a:gd name="connsiteX4" fmla="*/ 1894114 w 2571750"/>
+              <a:gd name="connsiteY4" fmla="*/ 313461 h 315817"/>
+              <a:gd name="connsiteX5" fmla="*/ 2571750 w 2571750"/>
+              <a:gd name="connsiteY5" fmla="*/ 109354 h 315817"/>
+            </a:gdLst>
+            <a:ahLst/>
+            <a:cxnLst>
+              <a:cxn ang="0">
+                <a:pos x="connsiteX0" y="connsiteY0"/>
+              </a:cxn>
+              <a:cxn ang="0">
+                <a:pos x="connsiteX1" y="connsiteY1"/>
+              </a:cxn>
+              <a:cxn ang="0">
+                <a:pos x="connsiteX2" y="connsiteY2"/>
+              </a:cxn>
+              <a:cxn ang="0">
+                <a:pos x="connsiteX3" y="connsiteY3"/>
+              </a:cxn>
+              <a:cxn ang="0">
+                <a:pos x="connsiteX4" y="connsiteY4"/>
+              </a:cxn>
+              <a:cxn ang="0">
+                <a:pos x="connsiteX5" y="connsiteY5"/>
+              </a:cxn>
+            </a:cxnLst>
+            <a:rect l="l" t="t" r="r" b="b"/>
+            <a:pathLst>
+              <a:path w="2571750" h="315817">
+                <a:moveTo>
+                  <a:pt x="0" y="215490"/>
+                </a:moveTo>
+                <a:cubicBezTo>
+                  <a:pt x="144235" y="146774"/>
+                  <a:pt x="288471" y="78058"/>
+                  <a:pt x="432707" y="44040"/>
+                </a:cubicBezTo>
+                <a:cubicBezTo>
+                  <a:pt x="576943" y="10022"/>
+                  <a:pt x="708932" y="-15831"/>
+                  <a:pt x="865414" y="11383"/>
+                </a:cubicBezTo>
+                <a:cubicBezTo>
+                  <a:pt x="1021896" y="38597"/>
+                  <a:pt x="1200150" y="156980"/>
+                  <a:pt x="1371600" y="207326"/>
+                </a:cubicBezTo>
+                <a:cubicBezTo>
+                  <a:pt x="1543050" y="257672"/>
+                  <a:pt x="1694089" y="329790"/>
+                  <a:pt x="1894114" y="313461"/>
+                </a:cubicBezTo>
+                <a:cubicBezTo>
+                  <a:pt x="2094139" y="297132"/>
+                  <a:pt x="2332944" y="203243"/>
+                  <a:pt x="2571750" y="109354"/>
+                </a:cubicBezTo>
+              </a:path>
+            </a:pathLst>
+          </a:custGeom>
+          <a:noFill/>
+        </p:spPr>
+        <p:style>
+          <a:lnRef idx="2">
+            <a:schemeClr val="accent1">
+              <a:shade val="50000"/>
+            </a:schemeClr>
+          </a:lnRef>
+          <a:fillRef idx="1">
+            <a:schemeClr val="accent1"/>
+          </a:fillRef>
+          <a:effectRef idx="0">
+            <a:schemeClr val="accent1"/>
+          </a:effectRef>
+          <a:fontRef idx="minor">
+            <a:schemeClr val="lt1"/>
+          </a:fontRef>
+        </p:style>
+        <p:txBody>
+          <a:bodyPr rtlCol="0" anchor="ctr"/>
+          <a:lstStyle/>
+          <a:p>
+            <a:pPr algn="ctr"/>
+            <a:endParaRPr lang="pt-BR" sz="1200"/>
+          </a:p>
+        </p:txBody>
+      </p:sp>
+      <p:cxnSp>
+        <p:nvCxnSpPr>
+          <p:cNvPr id="11" name="Conector reto 10"/>
+          <p:cNvCxnSpPr/>
+          <p:nvPr/>
+        </p:nvCxnSpPr>
+        <p:spPr>
+          <a:xfrm flipV="1">
+            <a:off x="1836966" y="1539991"/>
+            <a:ext cx="866776" cy="329662"/>
+          </a:xfrm>
+          <a:prstGeom prst="line">
+            <a:avLst/>
+          </a:prstGeom>
+          <a:ln w="12700">
+            <a:solidFill>
+              <a:schemeClr val="accent5">
+                <a:lumMod val="75000"/>
+              </a:schemeClr>
+            </a:solidFill>
+          </a:ln>
+        </p:spPr>
+        <p:style>
+          <a:lnRef idx="1">
+            <a:schemeClr val="accent1"/>
+          </a:lnRef>
+          <a:fillRef idx="0">
+            <a:schemeClr val="accent1"/>
+          </a:fillRef>
+          <a:effectRef idx="0">
+            <a:schemeClr val="accent1"/>
+          </a:effectRef>
+          <a:fontRef idx="minor">
+            <a:schemeClr val="tx1"/>
+          </a:fontRef>
+        </p:style>
+      </p:cxnSp>
+      <p:cxnSp>
+        <p:nvCxnSpPr>
+          <p:cNvPr id="94" name="Conector reto 93"/>
+          <p:cNvCxnSpPr>
+            <a:endCxn id="90" idx="3"/>
+          </p:cNvCxnSpPr>
+          <p:nvPr/>
+        </p:nvCxnSpPr>
+        <p:spPr>
+          <a:xfrm flipV="1">
+            <a:off x="2005694" y="1676420"/>
+            <a:ext cx="1017813" cy="419110"/>
+          </a:xfrm>
+          <a:prstGeom prst="line">
+            <a:avLst/>
+          </a:prstGeom>
+          <a:ln w="12700">
+            <a:solidFill>
+              <a:schemeClr val="accent5">
+                <a:lumMod val="75000"/>
+              </a:schemeClr>
+            </a:solidFill>
+          </a:ln>
+        </p:spPr>
+        <p:style>
+          <a:lnRef idx="1">
+            <a:schemeClr val="accent1"/>
+          </a:lnRef>
+          <a:fillRef idx="0">
+            <a:schemeClr val="accent1"/>
+          </a:fillRef>
+          <a:effectRef idx="0">
+            <a:schemeClr val="accent1"/>
+          </a:effectRef>
+          <a:fontRef idx="minor">
+            <a:schemeClr val="tx1"/>
+          </a:fontRef>
+        </p:style>
+      </p:cxnSp>
+      <p:cxnSp>
+        <p:nvCxnSpPr>
+          <p:cNvPr id="95" name="Conector reto 94"/>
+          <p:cNvCxnSpPr/>
+          <p:nvPr/>
+        </p:nvCxnSpPr>
+        <p:spPr>
+          <a:xfrm flipV="1">
+            <a:off x="2196878" y="1793076"/>
+            <a:ext cx="1249813" cy="509283"/>
+          </a:xfrm>
+          <a:prstGeom prst="line">
+            <a:avLst/>
+          </a:prstGeom>
+          <a:ln w="12700">
+            <a:solidFill>
+              <a:schemeClr val="accent5">
+                <a:lumMod val="75000"/>
+              </a:schemeClr>
+            </a:solidFill>
+          </a:ln>
+        </p:spPr>
+        <p:style>
+          <a:lnRef idx="1">
+            <a:schemeClr val="accent1"/>
+          </a:lnRef>
+          <a:fillRef idx="0">
+            <a:schemeClr val="accent1"/>
+          </a:fillRef>
+          <a:effectRef idx="0">
+            <a:schemeClr val="accent1"/>
+          </a:effectRef>
+          <a:fontRef idx="minor">
+            <a:schemeClr val="tx1"/>
+          </a:fontRef>
+        </p:style>
+      </p:cxnSp>
+      <p:sp>
+        <p:nvSpPr>
+          <p:cNvPr id="19" name="Forma livre 18"/>
+          <p:cNvSpPr/>
+          <p:nvPr/>
+        </p:nvSpPr>
+        <p:spPr>
+          <a:xfrm>
+            <a:off x="1224647" y="1061388"/>
+            <a:ext cx="979715" cy="1249135"/>
+          </a:xfrm>
+          <a:custGeom>
+            <a:avLst/>
+            <a:gdLst>
+              <a:gd name="connsiteX0" fmla="*/ 0 w 979715"/>
+              <a:gd name="connsiteY0" fmla="*/ 0 h 1249135"/>
+              <a:gd name="connsiteX1" fmla="*/ 277586 w 979715"/>
+              <a:gd name="connsiteY1" fmla="*/ 440871 h 1249135"/>
+              <a:gd name="connsiteX2" fmla="*/ 979715 w 979715"/>
+              <a:gd name="connsiteY2" fmla="*/ 1249135 h 1249135"/>
+            </a:gdLst>
+            <a:ahLst/>
+            <a:cxnLst>
+              <a:cxn ang="0">
+                <a:pos x="connsiteX0" y="connsiteY0"/>
+              </a:cxn>
+              <a:cxn ang="0">
+                <a:pos x="connsiteX1" y="connsiteY1"/>
+              </a:cxn>
+              <a:cxn ang="0">
+                <a:pos x="connsiteX2" y="connsiteY2"/>
+              </a:cxn>
+            </a:cxnLst>
+            <a:rect l="l" t="t" r="r" b="b"/>
+            <a:pathLst>
+              <a:path w="979715" h="1249135">
+                <a:moveTo>
+                  <a:pt x="0" y="0"/>
+                </a:moveTo>
+                <a:cubicBezTo>
+                  <a:pt x="57150" y="116341"/>
+                  <a:pt x="114300" y="232682"/>
+                  <a:pt x="277586" y="440871"/>
+                </a:cubicBezTo>
+                <a:cubicBezTo>
+                  <a:pt x="440872" y="649060"/>
+                  <a:pt x="710293" y="949097"/>
+                  <a:pt x="979715" y="1249135"/>
+                </a:cubicBezTo>
+              </a:path>
+            </a:pathLst>
+          </a:custGeom>
+          <a:noFill/>
+        </p:spPr>
+        <p:style>
+          <a:lnRef idx="2">
+            <a:schemeClr val="accent1">
+              <a:shade val="50000"/>
+            </a:schemeClr>
+          </a:lnRef>
+          <a:fillRef idx="1">
+            <a:schemeClr val="accent1"/>
+          </a:fillRef>
+          <a:effectRef idx="0">
+            <a:schemeClr val="accent1"/>
+          </a:effectRef>
+          <a:fontRef idx="minor">
+            <a:schemeClr val="lt1"/>
+          </a:fontRef>
+        </p:style>
+        <p:txBody>
+          <a:bodyPr rtlCol="0" anchor="ctr"/>
+          <a:lstStyle/>
+          <a:p>
+            <a:pPr algn="ctr"/>
+            <a:endParaRPr lang="pt-BR" sz="1200"/>
+          </a:p>
+        </p:txBody>
+      </p:sp>
+      <p:sp>
+        <p:nvSpPr>
+          <p:cNvPr id="96" name="Forma livre 95"/>
+          <p:cNvSpPr/>
+          <p:nvPr/>
+        </p:nvSpPr>
+        <p:spPr>
+          <a:xfrm>
+            <a:off x="4005945" y="1061388"/>
+            <a:ext cx="2571750" cy="315817"/>
+          </a:xfrm>
+          <a:custGeom>
+            <a:avLst/>
+            <a:gdLst>
+              <a:gd name="connsiteX0" fmla="*/ 0 w 2571750"/>
+              <a:gd name="connsiteY0" fmla="*/ 215490 h 315817"/>
+              <a:gd name="connsiteX1" fmla="*/ 432707 w 2571750"/>
+              <a:gd name="connsiteY1" fmla="*/ 44040 h 315817"/>
+              <a:gd name="connsiteX2" fmla="*/ 865414 w 2571750"/>
+              <a:gd name="connsiteY2" fmla="*/ 11383 h 315817"/>
+              <a:gd name="connsiteX3" fmla="*/ 1371600 w 2571750"/>
+              <a:gd name="connsiteY3" fmla="*/ 207326 h 315817"/>
+              <a:gd name="connsiteX4" fmla="*/ 1894114 w 2571750"/>
+              <a:gd name="connsiteY4" fmla="*/ 313461 h 315817"/>
+              <a:gd name="connsiteX5" fmla="*/ 2571750 w 2571750"/>
+              <a:gd name="connsiteY5" fmla="*/ 109354 h 315817"/>
+            </a:gdLst>
+            <a:ahLst/>
+            <a:cxnLst>
+              <a:cxn ang="0">
+                <a:pos x="connsiteX0" y="connsiteY0"/>
+              </a:cxn>
+              <a:cxn ang="0">
+                <a:pos x="connsiteX1" y="connsiteY1"/>
+              </a:cxn>
+              <a:cxn ang="0">
+                <a:pos x="connsiteX2" y="connsiteY2"/>
+              </a:cxn>
+              <a:cxn ang="0">
+                <a:pos x="connsiteX3" y="connsiteY3"/>
+              </a:cxn>
+              <a:cxn ang="0">
+                <a:pos x="connsiteX4" y="connsiteY4"/>
+              </a:cxn>
+              <a:cxn ang="0">
+                <a:pos x="connsiteX5" y="connsiteY5"/>
+              </a:cxn>
+            </a:cxnLst>
+            <a:rect l="l" t="t" r="r" b="b"/>
+            <a:pathLst>
+              <a:path w="2571750" h="315817">
+                <a:moveTo>
+                  <a:pt x="0" y="215490"/>
+                </a:moveTo>
+                <a:cubicBezTo>
+                  <a:pt x="144235" y="146774"/>
+                  <a:pt x="288471" y="78058"/>
+                  <a:pt x="432707" y="44040"/>
+                </a:cubicBezTo>
+                <a:cubicBezTo>
+                  <a:pt x="576943" y="10022"/>
+                  <a:pt x="708932" y="-15831"/>
+                  <a:pt x="865414" y="11383"/>
+                </a:cubicBezTo>
+                <a:cubicBezTo>
+                  <a:pt x="1021896" y="38597"/>
+                  <a:pt x="1200150" y="156980"/>
+                  <a:pt x="1371600" y="207326"/>
+                </a:cubicBezTo>
+                <a:cubicBezTo>
+                  <a:pt x="1543050" y="257672"/>
+                  <a:pt x="1694089" y="329790"/>
+                  <a:pt x="1894114" y="313461"/>
+                </a:cubicBezTo>
+                <a:cubicBezTo>
+                  <a:pt x="2094139" y="297132"/>
+                  <a:pt x="2332944" y="203243"/>
+                  <a:pt x="2571750" y="109354"/>
+                </a:cubicBezTo>
+              </a:path>
+            </a:pathLst>
+          </a:custGeom>
+          <a:noFill/>
+        </p:spPr>
+        <p:style>
+          <a:lnRef idx="2">
+            <a:schemeClr val="accent1">
+              <a:shade val="50000"/>
+            </a:schemeClr>
+          </a:lnRef>
+          <a:fillRef idx="1">
+            <a:schemeClr val="accent1"/>
+          </a:fillRef>
+          <a:effectRef idx="0">
+            <a:schemeClr val="accent1"/>
+          </a:effectRef>
+          <a:fontRef idx="minor">
+            <a:schemeClr val="lt1"/>
+          </a:fontRef>
+        </p:style>
+        <p:txBody>
+          <a:bodyPr rtlCol="0" anchor="ctr"/>
+          <a:lstStyle/>
+          <a:p>
+            <a:pPr algn="ctr"/>
+            <a:endParaRPr lang="pt-BR" sz="1200"/>
+          </a:p>
+        </p:txBody>
+      </p:sp>
+      <p:sp>
+        <p:nvSpPr>
+          <p:cNvPr id="97" name="Forma livre 96"/>
+          <p:cNvSpPr/>
+          <p:nvPr/>
+        </p:nvSpPr>
+        <p:spPr>
+          <a:xfrm>
+            <a:off x="4125689" y="1270936"/>
+            <a:ext cx="2571750" cy="315817"/>
+          </a:xfrm>
+          <a:custGeom>
+            <a:avLst/>
+            <a:gdLst>
+              <a:gd name="connsiteX0" fmla="*/ 0 w 2571750"/>
+              <a:gd name="connsiteY0" fmla="*/ 215490 h 315817"/>
+              <a:gd name="connsiteX1" fmla="*/ 432707 w 2571750"/>
+              <a:gd name="connsiteY1" fmla="*/ 44040 h 315817"/>
+              <a:gd name="connsiteX2" fmla="*/ 865414 w 2571750"/>
+              <a:gd name="connsiteY2" fmla="*/ 11383 h 315817"/>
+              <a:gd name="connsiteX3" fmla="*/ 1371600 w 2571750"/>
+              <a:gd name="connsiteY3" fmla="*/ 207326 h 315817"/>
+              <a:gd name="connsiteX4" fmla="*/ 1894114 w 2571750"/>
+              <a:gd name="connsiteY4" fmla="*/ 313461 h 315817"/>
+              <a:gd name="connsiteX5" fmla="*/ 2571750 w 2571750"/>
+              <a:gd name="connsiteY5" fmla="*/ 109354 h 315817"/>
+            </a:gdLst>
+            <a:ahLst/>
+            <a:cxnLst>
+              <a:cxn ang="0">
+                <a:pos x="connsiteX0" y="connsiteY0"/>
+              </a:cxn>
+              <a:cxn ang="0">
+                <a:pos x="connsiteX1" y="connsiteY1"/>
+              </a:cxn>
+              <a:cxn ang="0">
+                <a:pos x="connsiteX2" y="connsiteY2"/>
+              </a:cxn>
+              <a:cxn ang="0">
+                <a:pos x="connsiteX3" y="connsiteY3"/>
+              </a:cxn>
+              <a:cxn ang="0">
+                <a:pos x="connsiteX4" y="connsiteY4"/>
+              </a:cxn>
+              <a:cxn ang="0">
+                <a:pos x="connsiteX5" y="connsiteY5"/>
+              </a:cxn>
+            </a:cxnLst>
+            <a:rect l="l" t="t" r="r" b="b"/>
+            <a:pathLst>
+              <a:path w="2571750" h="315817">
+                <a:moveTo>
+                  <a:pt x="0" y="215490"/>
+                </a:moveTo>
+                <a:cubicBezTo>
+                  <a:pt x="144235" y="146774"/>
+                  <a:pt x="288471" y="78058"/>
+                  <a:pt x="432707" y="44040"/>
+                </a:cubicBezTo>
+                <a:cubicBezTo>
+                  <a:pt x="576943" y="10022"/>
+                  <a:pt x="708932" y="-15831"/>
+                  <a:pt x="865414" y="11383"/>
+                </a:cubicBezTo>
+                <a:cubicBezTo>
+                  <a:pt x="1021896" y="38597"/>
+                  <a:pt x="1200150" y="156980"/>
+                  <a:pt x="1371600" y="207326"/>
+                </a:cubicBezTo>
+                <a:cubicBezTo>
+                  <a:pt x="1543050" y="257672"/>
+                  <a:pt x="1694089" y="329790"/>
+                  <a:pt x="1894114" y="313461"/>
+                </a:cubicBezTo>
+                <a:cubicBezTo>
+                  <a:pt x="2094139" y="297132"/>
+                  <a:pt x="2332944" y="203243"/>
+                  <a:pt x="2571750" y="109354"/>
+                </a:cubicBezTo>
+              </a:path>
+            </a:pathLst>
+          </a:custGeom>
+          <a:noFill/>
+        </p:spPr>
+        <p:style>
+          <a:lnRef idx="2">
+            <a:schemeClr val="accent1">
+              <a:shade val="50000"/>
+            </a:schemeClr>
+          </a:lnRef>
+          <a:fillRef idx="1">
+            <a:schemeClr val="accent1"/>
+          </a:fillRef>
+          <a:effectRef idx="0">
+            <a:schemeClr val="accent1"/>
+          </a:effectRef>
+          <a:fontRef idx="minor">
+            <a:schemeClr val="lt1"/>
+          </a:fontRef>
+        </p:style>
+        <p:txBody>
+          <a:bodyPr rtlCol="0" anchor="ctr"/>
+          <a:lstStyle/>
+          <a:p>
+            <a:pPr algn="ctr"/>
+            <a:endParaRPr lang="pt-BR" sz="1200"/>
+          </a:p>
+        </p:txBody>
+      </p:sp>
+      <p:sp>
+        <p:nvSpPr>
+          <p:cNvPr id="98" name="Forma livre 97"/>
+          <p:cNvSpPr/>
+          <p:nvPr/>
+        </p:nvSpPr>
+        <p:spPr>
+          <a:xfrm>
+            <a:off x="4449533" y="1676420"/>
+            <a:ext cx="2571750" cy="315817"/>
+          </a:xfrm>
+          <a:custGeom>
+            <a:avLst/>
+            <a:gdLst>
+              <a:gd name="connsiteX0" fmla="*/ 0 w 2571750"/>
+              <a:gd name="connsiteY0" fmla="*/ 215490 h 315817"/>
+              <a:gd name="connsiteX1" fmla="*/ 432707 w 2571750"/>
+              <a:gd name="connsiteY1" fmla="*/ 44040 h 315817"/>
+              <a:gd name="connsiteX2" fmla="*/ 865414 w 2571750"/>
+              <a:gd name="connsiteY2" fmla="*/ 11383 h 315817"/>
+              <a:gd name="connsiteX3" fmla="*/ 1371600 w 2571750"/>
+              <a:gd name="connsiteY3" fmla="*/ 207326 h 315817"/>
+              <a:gd name="connsiteX4" fmla="*/ 1894114 w 2571750"/>
+              <a:gd name="connsiteY4" fmla="*/ 313461 h 315817"/>
+              <a:gd name="connsiteX5" fmla="*/ 2571750 w 2571750"/>
+              <a:gd name="connsiteY5" fmla="*/ 109354 h 315817"/>
+            </a:gdLst>
+            <a:ahLst/>
+            <a:cxnLst>
+              <a:cxn ang="0">
+                <a:pos x="connsiteX0" y="connsiteY0"/>
+              </a:cxn>
+              <a:cxn ang="0">
+                <a:pos x="connsiteX1" y="connsiteY1"/>
+              </a:cxn>
+              <a:cxn ang="0">
+                <a:pos x="connsiteX2" y="connsiteY2"/>
+              </a:cxn>
+              <a:cxn ang="0">
+                <a:pos x="connsiteX3" y="connsiteY3"/>
+              </a:cxn>
+              <a:cxn ang="0">
+                <a:pos x="connsiteX4" y="connsiteY4"/>
+              </a:cxn>
+              <a:cxn ang="0">
+                <a:pos x="connsiteX5" y="connsiteY5"/>
+              </a:cxn>
+            </a:cxnLst>
+            <a:rect l="l" t="t" r="r" b="b"/>
+            <a:pathLst>
+              <a:path w="2571750" h="315817">
+                <a:moveTo>
+                  <a:pt x="0" y="215490"/>
+                </a:moveTo>
+                <a:cubicBezTo>
+                  <a:pt x="144235" y="146774"/>
+                  <a:pt x="288471" y="78058"/>
+                  <a:pt x="432707" y="44040"/>
+                </a:cubicBezTo>
+                <a:cubicBezTo>
+                  <a:pt x="576943" y="10022"/>
+                  <a:pt x="708932" y="-15831"/>
+                  <a:pt x="865414" y="11383"/>
+                </a:cubicBezTo>
+                <a:cubicBezTo>
+                  <a:pt x="1021896" y="38597"/>
+                  <a:pt x="1200150" y="156980"/>
+                  <a:pt x="1371600" y="207326"/>
+                </a:cubicBezTo>
+                <a:cubicBezTo>
+                  <a:pt x="1543050" y="257672"/>
+                  <a:pt x="1694089" y="329790"/>
+                  <a:pt x="1894114" y="313461"/>
+                </a:cubicBezTo>
+                <a:cubicBezTo>
+                  <a:pt x="2094139" y="297132"/>
+                  <a:pt x="2332944" y="203243"/>
+                  <a:pt x="2571750" y="109354"/>
+                </a:cubicBezTo>
+              </a:path>
+            </a:pathLst>
+          </a:custGeom>
+          <a:noFill/>
+        </p:spPr>
+        <p:style>
+          <a:lnRef idx="2">
+            <a:schemeClr val="accent1">
+              <a:shade val="50000"/>
+            </a:schemeClr>
+          </a:lnRef>
+          <a:fillRef idx="1">
+            <a:schemeClr val="accent1"/>
+          </a:fillRef>
+          <a:effectRef idx="0">
+            <a:schemeClr val="accent1"/>
+          </a:effectRef>
+          <a:fontRef idx="minor">
+            <a:schemeClr val="lt1"/>
+          </a:fontRef>
+        </p:style>
+        <p:txBody>
+          <a:bodyPr rtlCol="0" anchor="ctr"/>
+          <a:lstStyle/>
+          <a:p>
+            <a:pPr algn="ctr"/>
+            <a:endParaRPr lang="pt-BR" sz="1200"/>
+          </a:p>
+        </p:txBody>
+      </p:sp>
+      <p:sp>
+        <p:nvSpPr>
+          <p:cNvPr id="99" name="Forma livre 98"/>
+          <p:cNvSpPr/>
+          <p:nvPr/>
+        </p:nvSpPr>
+        <p:spPr>
+          <a:xfrm>
+            <a:off x="4286253" y="1472320"/>
+            <a:ext cx="2571750" cy="315817"/>
+          </a:xfrm>
+          <a:custGeom>
+            <a:avLst/>
+            <a:gdLst>
+              <a:gd name="connsiteX0" fmla="*/ 0 w 2571750"/>
+              <a:gd name="connsiteY0" fmla="*/ 215490 h 315817"/>
+              <a:gd name="connsiteX1" fmla="*/ 432707 w 2571750"/>
+              <a:gd name="connsiteY1" fmla="*/ 44040 h 315817"/>
+              <a:gd name="connsiteX2" fmla="*/ 865414 w 2571750"/>
+              <a:gd name="connsiteY2" fmla="*/ 11383 h 315817"/>
+              <a:gd name="connsiteX3" fmla="*/ 1371600 w 2571750"/>
+              <a:gd name="connsiteY3" fmla="*/ 207326 h 315817"/>
+              <a:gd name="connsiteX4" fmla="*/ 1894114 w 2571750"/>
+              <a:gd name="connsiteY4" fmla="*/ 313461 h 315817"/>
+              <a:gd name="connsiteX5" fmla="*/ 2571750 w 2571750"/>
+              <a:gd name="connsiteY5" fmla="*/ 109354 h 315817"/>
+            </a:gdLst>
+            <a:ahLst/>
+            <a:cxnLst>
+              <a:cxn ang="0">
+                <a:pos x="connsiteX0" y="connsiteY0"/>
+              </a:cxn>
+              <a:cxn ang="0">
+                <a:pos x="connsiteX1" y="connsiteY1"/>
+              </a:cxn>
+              <a:cxn ang="0">
+                <a:pos x="connsiteX2" y="connsiteY2"/>
+              </a:cxn>
+              <a:cxn ang="0">
+                <a:pos x="connsiteX3" y="connsiteY3"/>
+              </a:cxn>
+              <a:cxn ang="0">
+                <a:pos x="connsiteX4" y="connsiteY4"/>
+              </a:cxn>
+              <a:cxn ang="0">
+                <a:pos x="connsiteX5" y="connsiteY5"/>
+              </a:cxn>
+            </a:cxnLst>
+            <a:rect l="l" t="t" r="r" b="b"/>
+            <a:pathLst>
+              <a:path w="2571750" h="315817">
+                <a:moveTo>
+                  <a:pt x="0" y="215490"/>
+                </a:moveTo>
+                <a:cubicBezTo>
+                  <a:pt x="144235" y="146774"/>
+                  <a:pt x="288471" y="78058"/>
+                  <a:pt x="432707" y="44040"/>
+                </a:cubicBezTo>
+                <a:cubicBezTo>
+                  <a:pt x="576943" y="10022"/>
+                  <a:pt x="708932" y="-15831"/>
+                  <a:pt x="865414" y="11383"/>
+                </a:cubicBezTo>
+                <a:cubicBezTo>
+                  <a:pt x="1021896" y="38597"/>
+                  <a:pt x="1200150" y="156980"/>
+                  <a:pt x="1371600" y="207326"/>
+                </a:cubicBezTo>
+                <a:cubicBezTo>
+                  <a:pt x="1543050" y="257672"/>
+                  <a:pt x="1694089" y="329790"/>
+                  <a:pt x="1894114" y="313461"/>
+                </a:cubicBezTo>
+                <a:cubicBezTo>
+                  <a:pt x="2094139" y="297132"/>
+                  <a:pt x="2332944" y="203243"/>
+                  <a:pt x="2571750" y="109354"/>
+                </a:cubicBezTo>
+              </a:path>
+            </a:pathLst>
+          </a:custGeom>
+          <a:noFill/>
+        </p:spPr>
+        <p:style>
+          <a:lnRef idx="2">
+            <a:schemeClr val="accent1">
+              <a:shade val="50000"/>
+            </a:schemeClr>
+          </a:lnRef>
+          <a:fillRef idx="1">
+            <a:schemeClr val="accent1"/>
+          </a:fillRef>
+          <a:effectRef idx="0">
+            <a:schemeClr val="accent1"/>
+          </a:effectRef>
+          <a:fontRef idx="minor">
+            <a:schemeClr val="lt1"/>
+          </a:fontRef>
+        </p:style>
+        <p:txBody>
+          <a:bodyPr rtlCol="0" anchor="ctr"/>
+          <a:lstStyle/>
+          <a:p>
+            <a:pPr algn="ctr"/>
+            <a:endParaRPr lang="pt-BR" sz="1200"/>
+          </a:p>
+        </p:txBody>
+      </p:sp>
+      <p:sp>
+        <p:nvSpPr>
+          <p:cNvPr id="26" name="Forma livre 25"/>
+          <p:cNvSpPr/>
+          <p:nvPr/>
+        </p:nvSpPr>
+        <p:spPr>
+          <a:xfrm>
+            <a:off x="3780069" y="955252"/>
+            <a:ext cx="669471" cy="947057"/>
+          </a:xfrm>
+          <a:custGeom>
+            <a:avLst/>
+            <a:gdLst>
+              <a:gd name="connsiteX0" fmla="*/ 0 w 669471"/>
+              <a:gd name="connsiteY0" fmla="*/ 0 h 947057"/>
+              <a:gd name="connsiteX1" fmla="*/ 424543 w 669471"/>
+              <a:gd name="connsiteY1" fmla="*/ 628650 h 947057"/>
+              <a:gd name="connsiteX2" fmla="*/ 669471 w 669471"/>
+              <a:gd name="connsiteY2" fmla="*/ 947057 h 947057"/>
+            </a:gdLst>
+            <a:ahLst/>
+            <a:cxnLst>
+              <a:cxn ang="0">
+                <a:pos x="connsiteX0" y="connsiteY0"/>
+              </a:cxn>
+              <a:cxn ang="0">
+                <a:pos x="connsiteX1" y="connsiteY1"/>
+              </a:cxn>
+              <a:cxn ang="0">
+                <a:pos x="connsiteX2" y="connsiteY2"/>
+              </a:cxn>
+            </a:cxnLst>
+            <a:rect l="l" t="t" r="r" b="b"/>
+            <a:pathLst>
+              <a:path w="669471" h="947057">
+                <a:moveTo>
+                  <a:pt x="0" y="0"/>
+                </a:moveTo>
+                <a:cubicBezTo>
+                  <a:pt x="156482" y="235403"/>
+                  <a:pt x="312965" y="470807"/>
+                  <a:pt x="424543" y="628650"/>
+                </a:cubicBezTo>
+                <a:cubicBezTo>
+                  <a:pt x="536121" y="786493"/>
+                  <a:pt x="602796" y="866775"/>
+                  <a:pt x="669471" y="947057"/>
+                </a:cubicBezTo>
+              </a:path>
+            </a:pathLst>
+          </a:custGeom>
+          <a:noFill/>
+        </p:spPr>
+        <p:style>
+          <a:lnRef idx="2">
+            <a:schemeClr val="accent1">
+              <a:shade val="50000"/>
+            </a:schemeClr>
+          </a:lnRef>
+          <a:fillRef idx="1">
+            <a:schemeClr val="accent1"/>
+          </a:fillRef>
+          <a:effectRef idx="0">
+            <a:schemeClr val="accent1"/>
+          </a:effectRef>
+          <a:fontRef idx="minor">
+            <a:schemeClr val="lt1"/>
+          </a:fontRef>
+        </p:style>
+        <p:txBody>
+          <a:bodyPr rtlCol="0" anchor="ctr"/>
+          <a:lstStyle/>
+          <a:p>
+            <a:pPr algn="ctr"/>
+            <a:endParaRPr lang="pt-BR" sz="1200"/>
+          </a:p>
+        </p:txBody>
+      </p:sp>
+      <p:sp>
+        <p:nvSpPr>
+          <p:cNvPr id="27" name="Forma livre 26"/>
+          <p:cNvSpPr/>
+          <p:nvPr/>
+        </p:nvSpPr>
+        <p:spPr>
+          <a:xfrm>
+            <a:off x="6580419" y="1151195"/>
+            <a:ext cx="432707" cy="628650"/>
+          </a:xfrm>
+          <a:custGeom>
+            <a:avLst/>
+            <a:gdLst>
+              <a:gd name="connsiteX0" fmla="*/ 0 w 432707"/>
+              <a:gd name="connsiteY0" fmla="*/ 0 h 628650"/>
+              <a:gd name="connsiteX1" fmla="*/ 122464 w 432707"/>
+              <a:gd name="connsiteY1" fmla="*/ 236764 h 628650"/>
+              <a:gd name="connsiteX2" fmla="*/ 261257 w 432707"/>
+              <a:gd name="connsiteY2" fmla="*/ 432707 h 628650"/>
+              <a:gd name="connsiteX3" fmla="*/ 432707 w 432707"/>
+              <a:gd name="connsiteY3" fmla="*/ 628650 h 628650"/>
+            </a:gdLst>
+            <a:ahLst/>
+            <a:cxnLst>
+              <a:cxn ang="0">
+                <a:pos x="connsiteX0" y="connsiteY0"/>
+              </a:cxn>
+              <a:cxn ang="0">
+                <a:pos x="connsiteX1" y="connsiteY1"/>
+              </a:cxn>
+              <a:cxn ang="0">
+                <a:pos x="connsiteX2" y="connsiteY2"/>
+              </a:cxn>
+              <a:cxn ang="0">
+                <a:pos x="connsiteX3" y="connsiteY3"/>
+              </a:cxn>
+            </a:cxnLst>
+            <a:rect l="l" t="t" r="r" b="b"/>
+            <a:pathLst>
+              <a:path w="432707" h="628650">
+                <a:moveTo>
+                  <a:pt x="0" y="0"/>
+                </a:moveTo>
+                <a:cubicBezTo>
+                  <a:pt x="39460" y="82323"/>
+                  <a:pt x="78921" y="164646"/>
+                  <a:pt x="122464" y="236764"/>
+                </a:cubicBezTo>
+                <a:cubicBezTo>
+                  <a:pt x="166007" y="308882"/>
+                  <a:pt x="209550" y="367393"/>
+                  <a:pt x="261257" y="432707"/>
+                </a:cubicBezTo>
+                <a:cubicBezTo>
+                  <a:pt x="312964" y="498021"/>
+                  <a:pt x="372835" y="563335"/>
+                  <a:pt x="432707" y="628650"/>
+                </a:cubicBezTo>
+              </a:path>
+            </a:pathLst>
+          </a:custGeom>
+          <a:noFill/>
+        </p:spPr>
+        <p:style>
+          <a:lnRef idx="2">
+            <a:schemeClr val="accent1">
+              <a:shade val="50000"/>
+            </a:schemeClr>
+          </a:lnRef>
+          <a:fillRef idx="1">
+            <a:schemeClr val="accent1"/>
+          </a:fillRef>
+          <a:effectRef idx="0">
+            <a:schemeClr val="accent1"/>
+          </a:effectRef>
+          <a:fontRef idx="minor">
+            <a:schemeClr val="lt1"/>
+          </a:fontRef>
+        </p:style>
+        <p:txBody>
+          <a:bodyPr rtlCol="0" anchor="ctr"/>
+          <a:lstStyle/>
+          <a:p>
+            <a:pPr algn="ctr"/>
+            <a:endParaRPr lang="pt-BR" sz="1200"/>
+          </a:p>
+        </p:txBody>
+      </p:sp>
+      <p:grpSp>
+        <p:nvGrpSpPr>
+          <p:cNvPr id="28" name="Grupo 27"/>
+          <p:cNvGrpSpPr/>
+          <p:nvPr/>
+        </p:nvGrpSpPr>
+        <p:grpSpPr>
+          <a:xfrm>
+            <a:off x="1006435" y="489400"/>
+            <a:ext cx="6316929" cy="2115040"/>
+            <a:chOff x="1006435" y="1387439"/>
+            <a:chExt cx="9788234" cy="4345075"/>
+          </a:xfrm>
+        </p:grpSpPr>
+        <p:cxnSp>
+          <p:nvCxnSpPr>
+            <p:cNvPr id="100" name="Conector de seta reta 99"/>
+            <p:cNvCxnSpPr/>
+            <p:nvPr/>
+          </p:nvCxnSpPr>
+          <p:spPr>
+            <a:xfrm flipV="1">
+              <a:off x="1006435" y="1387439"/>
+              <a:ext cx="0" cy="4345075"/>
+            </a:xfrm>
+            <a:prstGeom prst="straightConnector1">
+              <a:avLst/>
+            </a:prstGeom>
+            <a:ln>
+              <a:tailEnd type="triangle"/>
+            </a:ln>
+          </p:spPr>
+          <p:style>
+            <a:lnRef idx="1">
+              <a:schemeClr val="accent1"/>
+            </a:lnRef>
+            <a:fillRef idx="0">
+              <a:schemeClr val="accent1"/>
+            </a:fillRef>
+            <a:effectRef idx="0">
+              <a:schemeClr val="accent1"/>
+            </a:effectRef>
+            <a:fontRef idx="minor">
+              <a:schemeClr val="tx1"/>
+            </a:fontRef>
+          </p:style>
+        </p:cxnSp>
+        <p:cxnSp>
+          <p:nvCxnSpPr>
+            <p:cNvPr id="101" name="Conector de seta reta 100"/>
+            <p:cNvCxnSpPr/>
+            <p:nvPr/>
+          </p:nvCxnSpPr>
+          <p:spPr>
+            <a:xfrm>
+              <a:off x="1006435" y="5725127"/>
+              <a:ext cx="9788234" cy="7387"/>
+            </a:xfrm>
+            <a:prstGeom prst="straightConnector1">
+              <a:avLst/>
+            </a:prstGeom>
+            <a:ln>
+              <a:tailEnd type="triangle"/>
+            </a:ln>
+          </p:spPr>
+          <p:style>
+            <a:lnRef idx="1">
+              <a:schemeClr val="accent1"/>
+            </a:lnRef>
+            <a:fillRef idx="0">
+              <a:schemeClr val="accent1"/>
+            </a:fillRef>
+            <a:effectRef idx="0">
+              <a:schemeClr val="accent1"/>
+            </a:effectRef>
+            <a:fontRef idx="minor">
+              <a:schemeClr val="tx1"/>
+            </a:fontRef>
+          </p:style>
+        </p:cxnSp>
+      </p:grpSp>
+      <p:sp>
+        <p:nvSpPr>
+          <p:cNvPr id="102" name="CaixaDeTexto 101"/>
+          <p:cNvSpPr txBox="1"/>
+          <p:nvPr/>
+        </p:nvSpPr>
+        <p:spPr>
+          <a:xfrm>
+            <a:off x="6865097" y="2604440"/>
+            <a:ext cx="367601" cy="276999"/>
+          </a:xfrm>
+          <a:prstGeom prst="rect">
+            <a:avLst/>
+          </a:prstGeom>
+          <a:noFill/>
+        </p:spPr>
+        <p:txBody>
+          <a:bodyPr wrap="none" rtlCol="0">
+            <a:spAutoFit/>
+          </a:bodyPr>
+          <a:lstStyle/>
+          <a:p>
+            <a:r>
+              <a:rPr lang="pt-BR" sz="1200" dirty="0" smtClean="0"/>
+              <a:t>X,Y</a:t>
+            </a:r>
+            <a:endParaRPr lang="pt-BR" sz="1200" dirty="0"/>
+          </a:p>
+        </p:txBody>
+      </p:sp>
+      <p:sp>
+        <p:nvSpPr>
+          <p:cNvPr id="103" name="CaixaDeTexto 102"/>
+          <p:cNvSpPr txBox="1"/>
+          <p:nvPr/>
+        </p:nvSpPr>
+        <p:spPr>
+          <a:xfrm>
+            <a:off x="711446" y="496805"/>
+            <a:ext cx="256802" cy="276999"/>
+          </a:xfrm>
+          <a:prstGeom prst="rect">
+            <a:avLst/>
+          </a:prstGeom>
+          <a:noFill/>
+        </p:spPr>
+        <p:txBody>
+          <a:bodyPr wrap="none" rtlCol="0">
+            <a:spAutoFit/>
+          </a:bodyPr>
+          <a:lstStyle/>
+          <a:p>
+            <a:r>
+              <a:rPr lang="pt-BR" sz="1200" dirty="0" smtClean="0"/>
+              <a:t>Z</a:t>
+            </a:r>
+            <a:endParaRPr lang="pt-BR" sz="1200" dirty="0"/>
+          </a:p>
+        </p:txBody>
+      </p:sp>
+      <p:sp>
+        <p:nvSpPr>
+          <p:cNvPr id="29" name="Forma livre 28"/>
+          <p:cNvSpPr/>
+          <p:nvPr/>
+        </p:nvSpPr>
+        <p:spPr>
+          <a:xfrm>
+            <a:off x="1755321" y="873589"/>
+            <a:ext cx="938893" cy="1224643"/>
+          </a:xfrm>
+          <a:custGeom>
+            <a:avLst/>
+            <a:gdLst>
+              <a:gd name="connsiteX0" fmla="*/ 0 w 938893"/>
+              <a:gd name="connsiteY0" fmla="*/ 0 h 1224643"/>
+              <a:gd name="connsiteX1" fmla="*/ 163286 w 938893"/>
+              <a:gd name="connsiteY1" fmla="*/ 334736 h 1224643"/>
+              <a:gd name="connsiteX2" fmla="*/ 383722 w 938893"/>
+              <a:gd name="connsiteY2" fmla="*/ 620486 h 1224643"/>
+              <a:gd name="connsiteX3" fmla="*/ 938893 w 938893"/>
+              <a:gd name="connsiteY3" fmla="*/ 1224643 h 1224643"/>
+            </a:gdLst>
+            <a:ahLst/>
+            <a:cxnLst>
+              <a:cxn ang="0">
+                <a:pos x="connsiteX0" y="connsiteY0"/>
+              </a:cxn>
+              <a:cxn ang="0">
+                <a:pos x="connsiteX1" y="connsiteY1"/>
+              </a:cxn>
+              <a:cxn ang="0">
+                <a:pos x="connsiteX2" y="connsiteY2"/>
+              </a:cxn>
+              <a:cxn ang="0">
+                <a:pos x="connsiteX3" y="connsiteY3"/>
+              </a:cxn>
+            </a:cxnLst>
+            <a:rect l="l" t="t" r="r" b="b"/>
+            <a:pathLst>
+              <a:path w="938893" h="1224643">
+                <a:moveTo>
+                  <a:pt x="0" y="0"/>
+                </a:moveTo>
+                <a:cubicBezTo>
+                  <a:pt x="49666" y="115661"/>
+                  <a:pt x="99332" y="231322"/>
+                  <a:pt x="163286" y="334736"/>
+                </a:cubicBezTo>
+                <a:cubicBezTo>
+                  <a:pt x="227240" y="438150"/>
+                  <a:pt x="254454" y="472168"/>
+                  <a:pt x="383722" y="620486"/>
+                </a:cubicBezTo>
+                <a:cubicBezTo>
+                  <a:pt x="512990" y="768804"/>
+                  <a:pt x="725941" y="996723"/>
+                  <a:pt x="938893" y="1224643"/>
+                </a:cubicBezTo>
+              </a:path>
+            </a:pathLst>
+          </a:custGeom>
+          <a:noFill/>
+        </p:spPr>
+        <p:style>
+          <a:lnRef idx="2">
+            <a:schemeClr val="accent1">
+              <a:shade val="50000"/>
+            </a:schemeClr>
+          </a:lnRef>
+          <a:fillRef idx="1">
+            <a:schemeClr val="accent1"/>
+          </a:fillRef>
+          <a:effectRef idx="0">
+            <a:schemeClr val="accent1"/>
+          </a:effectRef>
+          <a:fontRef idx="minor">
+            <a:schemeClr val="lt1"/>
+          </a:fontRef>
+        </p:style>
+        <p:txBody>
+          <a:bodyPr rtlCol="0" anchor="ctr"/>
+          <a:lstStyle/>
+          <a:p>
+            <a:pPr algn="ctr"/>
+            <a:endParaRPr lang="pt-BR" sz="1200"/>
+          </a:p>
+        </p:txBody>
+      </p:sp>
+      <p:sp>
+        <p:nvSpPr>
+          <p:cNvPr id="30" name="Forma livre 29"/>
+          <p:cNvSpPr/>
+          <p:nvPr/>
+        </p:nvSpPr>
+        <p:spPr>
+          <a:xfrm>
+            <a:off x="2530929" y="1028711"/>
+            <a:ext cx="310242" cy="579664"/>
+          </a:xfrm>
+          <a:custGeom>
+            <a:avLst/>
+            <a:gdLst>
+              <a:gd name="connsiteX0" fmla="*/ 0 w 310242"/>
+              <a:gd name="connsiteY0" fmla="*/ 0 h 579664"/>
+              <a:gd name="connsiteX1" fmla="*/ 138792 w 310242"/>
+              <a:gd name="connsiteY1" fmla="*/ 302078 h 579664"/>
+              <a:gd name="connsiteX2" fmla="*/ 310242 w 310242"/>
+              <a:gd name="connsiteY2" fmla="*/ 579664 h 579664"/>
+            </a:gdLst>
+            <a:ahLst/>
+            <a:cxnLst>
+              <a:cxn ang="0">
+                <a:pos x="connsiteX0" y="connsiteY0"/>
+              </a:cxn>
+              <a:cxn ang="0">
+                <a:pos x="connsiteX1" y="connsiteY1"/>
+              </a:cxn>
+              <a:cxn ang="0">
+                <a:pos x="connsiteX2" y="connsiteY2"/>
+              </a:cxn>
+            </a:cxnLst>
+            <a:rect l="l" t="t" r="r" b="b"/>
+            <a:pathLst>
+              <a:path w="310242" h="579664">
+                <a:moveTo>
+                  <a:pt x="0" y="0"/>
+                </a:moveTo>
+                <a:cubicBezTo>
+                  <a:pt x="43542" y="102733"/>
+                  <a:pt x="87085" y="205467"/>
+                  <a:pt x="138792" y="302078"/>
+                </a:cubicBezTo>
+                <a:cubicBezTo>
+                  <a:pt x="190499" y="398689"/>
+                  <a:pt x="250370" y="489176"/>
+                  <a:pt x="310242" y="579664"/>
+                </a:cubicBezTo>
+              </a:path>
+            </a:pathLst>
+          </a:custGeom>
+          <a:noFill/>
+        </p:spPr>
+        <p:style>
+          <a:lnRef idx="2">
+            <a:schemeClr val="accent1">
+              <a:shade val="50000"/>
+            </a:schemeClr>
+          </a:lnRef>
+          <a:fillRef idx="1">
+            <a:schemeClr val="accent1"/>
+          </a:fillRef>
+          <a:effectRef idx="0">
+            <a:schemeClr val="accent1"/>
+          </a:effectRef>
+          <a:fontRef idx="minor">
+            <a:schemeClr val="lt1"/>
+          </a:fontRef>
+        </p:style>
+        <p:txBody>
+          <a:bodyPr rtlCol="0" anchor="ctr"/>
+          <a:lstStyle/>
+          <a:p>
+            <a:pPr algn="ctr"/>
+            <a:endParaRPr lang="pt-BR" sz="1200"/>
+          </a:p>
+        </p:txBody>
+      </p:sp>
+      <p:sp>
+        <p:nvSpPr>
+          <p:cNvPr id="31" name="Forma livre 30"/>
+          <p:cNvSpPr/>
+          <p:nvPr/>
+        </p:nvSpPr>
+        <p:spPr>
+          <a:xfrm>
+            <a:off x="3020786" y="1690017"/>
+            <a:ext cx="187778" cy="204108"/>
+          </a:xfrm>
+          <a:custGeom>
+            <a:avLst/>
+            <a:gdLst>
+              <a:gd name="connsiteX0" fmla="*/ 0 w 187778"/>
+              <a:gd name="connsiteY0" fmla="*/ 0 h 204108"/>
+              <a:gd name="connsiteX1" fmla="*/ 187778 w 187778"/>
+              <a:gd name="connsiteY1" fmla="*/ 204108 h 204108"/>
+            </a:gdLst>
+            <a:ahLst/>
+            <a:cxnLst>
+              <a:cxn ang="0">
+                <a:pos x="connsiteX0" y="connsiteY0"/>
+              </a:cxn>
+              <a:cxn ang="0">
+                <a:pos x="connsiteX1" y="connsiteY1"/>
+              </a:cxn>
+            </a:cxnLst>
+            <a:rect l="l" t="t" r="r" b="b"/>
+            <a:pathLst>
+              <a:path w="187778" h="204108">
+                <a:moveTo>
+                  <a:pt x="0" y="0"/>
+                </a:moveTo>
+                <a:lnTo>
+                  <a:pt x="187778" y="204108"/>
+                </a:lnTo>
+              </a:path>
+            </a:pathLst>
+          </a:custGeom>
+          <a:noFill/>
+        </p:spPr>
+        <p:style>
+          <a:lnRef idx="2">
+            <a:schemeClr val="accent1">
+              <a:shade val="50000"/>
+            </a:schemeClr>
+          </a:lnRef>
+          <a:fillRef idx="1">
+            <a:schemeClr val="accent1"/>
+          </a:fillRef>
+          <a:effectRef idx="0">
+            <a:schemeClr val="accent1"/>
+          </a:effectRef>
+          <a:fontRef idx="minor">
+            <a:schemeClr val="lt1"/>
+          </a:fontRef>
+        </p:style>
+        <p:txBody>
+          <a:bodyPr rtlCol="0" anchor="ctr"/>
+          <a:lstStyle/>
+          <a:p>
+            <a:pPr algn="ctr"/>
+            <a:endParaRPr lang="pt-BR" sz="1200"/>
+          </a:p>
+        </p:txBody>
+      </p:sp>
+      <p:sp>
+        <p:nvSpPr>
+          <p:cNvPr id="32" name="Forma livre 31"/>
+          <p:cNvSpPr/>
+          <p:nvPr/>
+        </p:nvSpPr>
+        <p:spPr>
+          <a:xfrm>
+            <a:off x="3257550" y="1126682"/>
+            <a:ext cx="408214" cy="644978"/>
+          </a:xfrm>
+          <a:custGeom>
+            <a:avLst/>
+            <a:gdLst>
+              <a:gd name="connsiteX0" fmla="*/ 0 w 408214"/>
+              <a:gd name="connsiteY0" fmla="*/ 0 h 644978"/>
+              <a:gd name="connsiteX1" fmla="*/ 187779 w 408214"/>
+              <a:gd name="connsiteY1" fmla="*/ 334735 h 644978"/>
+              <a:gd name="connsiteX2" fmla="*/ 408214 w 408214"/>
+              <a:gd name="connsiteY2" fmla="*/ 644978 h 644978"/>
+            </a:gdLst>
+            <a:ahLst/>
+            <a:cxnLst>
+              <a:cxn ang="0">
+                <a:pos x="connsiteX0" y="connsiteY0"/>
+              </a:cxn>
+              <a:cxn ang="0">
+                <a:pos x="connsiteX1" y="connsiteY1"/>
+              </a:cxn>
+              <a:cxn ang="0">
+                <a:pos x="connsiteX2" y="connsiteY2"/>
+              </a:cxn>
+            </a:cxnLst>
+            <a:rect l="l" t="t" r="r" b="b"/>
+            <a:pathLst>
+              <a:path w="408214" h="644978">
+                <a:moveTo>
+                  <a:pt x="0" y="0"/>
+                </a:moveTo>
+                <a:cubicBezTo>
+                  <a:pt x="59871" y="113619"/>
+                  <a:pt x="119743" y="227239"/>
+                  <a:pt x="187779" y="334735"/>
+                </a:cubicBezTo>
+                <a:cubicBezTo>
+                  <a:pt x="255815" y="442231"/>
+                  <a:pt x="332014" y="543604"/>
+                  <a:pt x="408214" y="644978"/>
+                </a:cubicBezTo>
+              </a:path>
+            </a:pathLst>
+          </a:custGeom>
+          <a:noFill/>
+        </p:spPr>
+        <p:style>
+          <a:lnRef idx="2">
+            <a:schemeClr val="accent1">
+              <a:shade val="50000"/>
+            </a:schemeClr>
+          </a:lnRef>
+          <a:fillRef idx="1">
+            <a:schemeClr val="accent1"/>
+          </a:fillRef>
+          <a:effectRef idx="0">
+            <a:schemeClr val="accent1"/>
+          </a:effectRef>
+          <a:fontRef idx="minor">
+            <a:schemeClr val="lt1"/>
+          </a:fontRef>
+        </p:style>
+        <p:txBody>
+          <a:bodyPr rtlCol="0" anchor="ctr"/>
+          <a:lstStyle/>
+          <a:p>
+            <a:pPr algn="ctr"/>
+            <a:endParaRPr lang="pt-BR" sz="1200"/>
+          </a:p>
+        </p:txBody>
+      </p:sp>
+      <p:sp>
+        <p:nvSpPr>
+          <p:cNvPr id="34" name="Forma livre 33"/>
+          <p:cNvSpPr/>
+          <p:nvPr/>
+        </p:nvSpPr>
+        <p:spPr>
+          <a:xfrm>
+            <a:off x="4449536" y="1094025"/>
+            <a:ext cx="432707" cy="628650"/>
+          </a:xfrm>
+          <a:custGeom>
+            <a:avLst/>
+            <a:gdLst>
+              <a:gd name="connsiteX0" fmla="*/ 0 w 432707"/>
+              <a:gd name="connsiteY0" fmla="*/ 0 h 628650"/>
+              <a:gd name="connsiteX1" fmla="*/ 432707 w 432707"/>
+              <a:gd name="connsiteY1" fmla="*/ 628650 h 628650"/>
+            </a:gdLst>
+            <a:ahLst/>
+            <a:cxnLst>
+              <a:cxn ang="0">
+                <a:pos x="connsiteX0" y="connsiteY0"/>
+              </a:cxn>
+              <a:cxn ang="0">
+                <a:pos x="connsiteX1" y="connsiteY1"/>
+              </a:cxn>
+            </a:cxnLst>
+            <a:rect l="l" t="t" r="r" b="b"/>
+            <a:pathLst>
+              <a:path w="432707" h="628650">
+                <a:moveTo>
+                  <a:pt x="0" y="0"/>
+                </a:moveTo>
+                <a:lnTo>
+                  <a:pt x="432707" y="628650"/>
+                </a:lnTo>
+              </a:path>
+            </a:pathLst>
+          </a:custGeom>
+          <a:noFill/>
+        </p:spPr>
+        <p:style>
+          <a:lnRef idx="2">
+            <a:schemeClr val="accent1">
+              <a:shade val="50000"/>
+            </a:schemeClr>
+          </a:lnRef>
+          <a:fillRef idx="1">
+            <a:schemeClr val="accent1"/>
+          </a:fillRef>
+          <a:effectRef idx="0">
+            <a:schemeClr val="accent1"/>
+          </a:effectRef>
+          <a:fontRef idx="minor">
+            <a:schemeClr val="lt1"/>
+          </a:fontRef>
+        </p:style>
+        <p:txBody>
+          <a:bodyPr rtlCol="0" anchor="ctr"/>
+          <a:lstStyle/>
+          <a:p>
+            <a:pPr algn="ctr"/>
+            <a:endParaRPr lang="pt-BR" sz="1200"/>
+          </a:p>
+        </p:txBody>
+      </p:sp>
+      <p:sp>
+        <p:nvSpPr>
+          <p:cNvPr id="35" name="Forma livre 34"/>
+          <p:cNvSpPr/>
+          <p:nvPr/>
+        </p:nvSpPr>
+        <p:spPr>
+          <a:xfrm>
+            <a:off x="5241471" y="1208325"/>
+            <a:ext cx="367393" cy="587828"/>
+          </a:xfrm>
+          <a:custGeom>
+            <a:avLst/>
+            <a:gdLst>
+              <a:gd name="connsiteX0" fmla="*/ 0 w 367393"/>
+              <a:gd name="connsiteY0" fmla="*/ 0 h 587828"/>
+              <a:gd name="connsiteX1" fmla="*/ 367393 w 367393"/>
+              <a:gd name="connsiteY1" fmla="*/ 587828 h 587828"/>
+            </a:gdLst>
+            <a:ahLst/>
+            <a:cxnLst>
+              <a:cxn ang="0">
+                <a:pos x="connsiteX0" y="connsiteY0"/>
+              </a:cxn>
+              <a:cxn ang="0">
+                <a:pos x="connsiteX1" y="connsiteY1"/>
+              </a:cxn>
+            </a:cxnLst>
+            <a:rect l="l" t="t" r="r" b="b"/>
+            <a:pathLst>
+              <a:path w="367393" h="587828">
+                <a:moveTo>
+                  <a:pt x="0" y="0"/>
+                </a:moveTo>
+                <a:lnTo>
+                  <a:pt x="367393" y="587828"/>
+                </a:lnTo>
+              </a:path>
+            </a:pathLst>
+          </a:custGeom>
+          <a:noFill/>
+        </p:spPr>
+        <p:style>
+          <a:lnRef idx="2">
+            <a:schemeClr val="accent1">
+              <a:shade val="50000"/>
+            </a:schemeClr>
+          </a:lnRef>
+          <a:fillRef idx="1">
+            <a:schemeClr val="accent1"/>
+          </a:fillRef>
+          <a:effectRef idx="0">
+            <a:schemeClr val="accent1"/>
+          </a:effectRef>
+          <a:fontRef idx="minor">
+            <a:schemeClr val="lt1"/>
+          </a:fontRef>
+        </p:style>
+        <p:txBody>
+          <a:bodyPr rtlCol="0" anchor="ctr"/>
+          <a:lstStyle/>
+          <a:p>
+            <a:pPr algn="ctr"/>
+            <a:endParaRPr lang="pt-BR" sz="1200"/>
+          </a:p>
+        </p:txBody>
+      </p:sp>
+      <p:sp>
+        <p:nvSpPr>
+          <p:cNvPr id="38" name="Forma livre 37"/>
+          <p:cNvSpPr/>
+          <p:nvPr/>
+        </p:nvSpPr>
+        <p:spPr>
+          <a:xfrm>
+            <a:off x="5968093" y="1355282"/>
+            <a:ext cx="400050" cy="628650"/>
+          </a:xfrm>
+          <a:custGeom>
+            <a:avLst/>
+            <a:gdLst>
+              <a:gd name="connsiteX0" fmla="*/ 0 w 400050"/>
+              <a:gd name="connsiteY0" fmla="*/ 0 h 628650"/>
+              <a:gd name="connsiteX1" fmla="*/ 400050 w 400050"/>
+              <a:gd name="connsiteY1" fmla="*/ 628650 h 628650"/>
+            </a:gdLst>
+            <a:ahLst/>
+            <a:cxnLst>
+              <a:cxn ang="0">
+                <a:pos x="connsiteX0" y="connsiteY0"/>
+              </a:cxn>
+              <a:cxn ang="0">
+                <a:pos x="connsiteX1" y="connsiteY1"/>
+              </a:cxn>
+            </a:cxnLst>
+            <a:rect l="l" t="t" r="r" b="b"/>
+            <a:pathLst>
+              <a:path w="400050" h="628650">
+                <a:moveTo>
+                  <a:pt x="0" y="0"/>
+                </a:moveTo>
+                <a:lnTo>
+                  <a:pt x="400050" y="628650"/>
+                </a:lnTo>
+              </a:path>
+            </a:pathLst>
+          </a:custGeom>
+          <a:noFill/>
+        </p:spPr>
+        <p:style>
+          <a:lnRef idx="2">
+            <a:schemeClr val="accent1">
+              <a:shade val="50000"/>
+            </a:schemeClr>
+          </a:lnRef>
+          <a:fillRef idx="1">
+            <a:schemeClr val="accent1"/>
+          </a:fillRef>
+          <a:effectRef idx="0">
+            <a:schemeClr val="accent1"/>
+          </a:effectRef>
+          <a:fontRef idx="minor">
+            <a:schemeClr val="lt1"/>
+          </a:fontRef>
+        </p:style>
+        <p:txBody>
+          <a:bodyPr rtlCol="0" anchor="ctr"/>
+          <a:lstStyle/>
+          <a:p>
+            <a:pPr algn="ctr"/>
+            <a:endParaRPr lang="pt-BR" sz="1200"/>
+          </a:p>
+        </p:txBody>
+      </p:sp>
+      <p:sp>
+        <p:nvSpPr>
+          <p:cNvPr id="104" name="Retângulo 103"/>
+          <p:cNvSpPr/>
+          <p:nvPr/>
+        </p:nvSpPr>
+        <p:spPr>
+          <a:xfrm>
+            <a:off x="2424988" y="3508962"/>
+            <a:ext cx="303284" cy="404974"/>
+          </a:xfrm>
+          <a:prstGeom prst="rect">
+            <a:avLst/>
+          </a:prstGeom>
+          <a:noFill/>
+        </p:spPr>
+        <p:style>
+          <a:lnRef idx="2">
+            <a:schemeClr val="accent1">
+              <a:shade val="50000"/>
+            </a:schemeClr>
+          </a:lnRef>
+          <a:fillRef idx="1">
+            <a:schemeClr val="accent1"/>
+          </a:fillRef>
+          <a:effectRef idx="0">
+            <a:schemeClr val="accent1"/>
+          </a:effectRef>
+          <a:fontRef idx="minor">
+            <a:schemeClr val="lt1"/>
+          </a:fontRef>
+        </p:style>
+        <p:txBody>
+          <a:bodyPr rtlCol="0" anchor="ctr"/>
+          <a:lstStyle/>
+          <a:p>
+            <a:pPr algn="ctr"/>
+            <a:endParaRPr lang="pt-BR" sz="1200"/>
+          </a:p>
+        </p:txBody>
+      </p:sp>
+      <p:sp>
+        <p:nvSpPr>
+          <p:cNvPr id="105" name="Retângulo 104"/>
+          <p:cNvSpPr/>
+          <p:nvPr/>
+        </p:nvSpPr>
+        <p:spPr>
+          <a:xfrm>
+            <a:off x="2728273" y="3508962"/>
+            <a:ext cx="303284" cy="404974"/>
+          </a:xfrm>
+          <a:prstGeom prst="rect">
+            <a:avLst/>
+          </a:prstGeom>
+          <a:noFill/>
+        </p:spPr>
+        <p:style>
+          <a:lnRef idx="2">
+            <a:schemeClr val="accent1">
+              <a:shade val="50000"/>
+            </a:schemeClr>
+          </a:lnRef>
+          <a:fillRef idx="1">
+            <a:schemeClr val="accent1"/>
+          </a:fillRef>
+          <a:effectRef idx="0">
+            <a:schemeClr val="accent1"/>
+          </a:effectRef>
+          <a:fontRef idx="minor">
+            <a:schemeClr val="lt1"/>
+          </a:fontRef>
+        </p:style>
+        <p:txBody>
+          <a:bodyPr rtlCol="0" anchor="ctr"/>
+          <a:lstStyle/>
+          <a:p>
+            <a:pPr algn="ctr"/>
+            <a:endParaRPr lang="pt-BR" sz="1200"/>
+          </a:p>
+        </p:txBody>
+      </p:sp>
+      <p:sp>
+        <p:nvSpPr>
+          <p:cNvPr id="106" name="Retângulo 105"/>
+          <p:cNvSpPr/>
+          <p:nvPr/>
+        </p:nvSpPr>
+        <p:spPr>
+          <a:xfrm>
+            <a:off x="2424988" y="3913936"/>
+            <a:ext cx="303284" cy="404974"/>
+          </a:xfrm>
+          <a:prstGeom prst="rect">
+            <a:avLst/>
+          </a:prstGeom>
+          <a:noFill/>
+        </p:spPr>
+        <p:style>
+          <a:lnRef idx="2">
+            <a:schemeClr val="accent1">
+              <a:shade val="50000"/>
+            </a:schemeClr>
+          </a:lnRef>
+          <a:fillRef idx="1">
+            <a:schemeClr val="accent1"/>
+          </a:fillRef>
+          <a:effectRef idx="0">
+            <a:schemeClr val="accent1"/>
+          </a:effectRef>
+          <a:fontRef idx="minor">
+            <a:schemeClr val="lt1"/>
+          </a:fontRef>
+        </p:style>
+        <p:txBody>
+          <a:bodyPr rtlCol="0" anchor="ctr"/>
+          <a:lstStyle/>
+          <a:p>
+            <a:pPr algn="ctr"/>
+            <a:endParaRPr lang="pt-BR" sz="1200"/>
+          </a:p>
+        </p:txBody>
+      </p:sp>
+      <p:sp>
+        <p:nvSpPr>
+          <p:cNvPr id="107" name="Retângulo 106"/>
+          <p:cNvSpPr/>
+          <p:nvPr/>
+        </p:nvSpPr>
+        <p:spPr>
+          <a:xfrm>
+            <a:off x="2728272" y="3913936"/>
+            <a:ext cx="303284" cy="404974"/>
+          </a:xfrm>
+          <a:prstGeom prst="rect">
+            <a:avLst/>
+          </a:prstGeom>
+          <a:noFill/>
+        </p:spPr>
+        <p:style>
+          <a:lnRef idx="2">
+            <a:schemeClr val="accent1">
+              <a:shade val="50000"/>
+            </a:schemeClr>
+          </a:lnRef>
+          <a:fillRef idx="1">
+            <a:schemeClr val="accent1"/>
+          </a:fillRef>
+          <a:effectRef idx="0">
+            <a:schemeClr val="accent1"/>
+          </a:effectRef>
+          <a:fontRef idx="minor">
+            <a:schemeClr val="lt1"/>
+          </a:fontRef>
+        </p:style>
+        <p:txBody>
+          <a:bodyPr rtlCol="0" anchor="ctr"/>
+          <a:lstStyle/>
+          <a:p>
+            <a:pPr algn="ctr"/>
+            <a:endParaRPr lang="pt-BR" sz="1200"/>
+          </a:p>
+        </p:txBody>
+      </p:sp>
+      <p:sp>
+        <p:nvSpPr>
+          <p:cNvPr id="108" name="Retângulo 107"/>
+          <p:cNvSpPr/>
+          <p:nvPr/>
+        </p:nvSpPr>
+        <p:spPr>
+          <a:xfrm>
+            <a:off x="2424988" y="4318911"/>
+            <a:ext cx="303284" cy="404974"/>
+          </a:xfrm>
+          <a:prstGeom prst="rect">
+            <a:avLst/>
+          </a:prstGeom>
+          <a:noFill/>
+        </p:spPr>
+        <p:style>
+          <a:lnRef idx="2">
+            <a:schemeClr val="accent1">
+              <a:shade val="50000"/>
+            </a:schemeClr>
+          </a:lnRef>
+          <a:fillRef idx="1">
+            <a:schemeClr val="accent1"/>
+          </a:fillRef>
+          <a:effectRef idx="0">
+            <a:schemeClr val="accent1"/>
+          </a:effectRef>
+          <a:fontRef idx="minor">
+            <a:schemeClr val="lt1"/>
+          </a:fontRef>
+        </p:style>
+        <p:txBody>
+          <a:bodyPr rtlCol="0" anchor="ctr"/>
+          <a:lstStyle/>
+          <a:p>
+            <a:pPr algn="ctr"/>
+            <a:endParaRPr lang="pt-BR" sz="1200"/>
+          </a:p>
+        </p:txBody>
+      </p:sp>
+      <p:sp>
+        <p:nvSpPr>
+          <p:cNvPr id="109" name="Retângulo 108"/>
+          <p:cNvSpPr/>
+          <p:nvPr/>
+        </p:nvSpPr>
+        <p:spPr>
+          <a:xfrm>
+            <a:off x="2728272" y="4318911"/>
+            <a:ext cx="303284" cy="404974"/>
+          </a:xfrm>
+          <a:prstGeom prst="rect">
+            <a:avLst/>
+          </a:prstGeom>
+          <a:noFill/>
+        </p:spPr>
+        <p:style>
+          <a:lnRef idx="2">
+            <a:schemeClr val="accent1">
+              <a:shade val="50000"/>
+            </a:schemeClr>
+          </a:lnRef>
+          <a:fillRef idx="1">
+            <a:schemeClr val="accent1"/>
+          </a:fillRef>
+          <a:effectRef idx="0">
+            <a:schemeClr val="accent1"/>
+          </a:effectRef>
+          <a:fontRef idx="minor">
+            <a:schemeClr val="lt1"/>
+          </a:fontRef>
+        </p:style>
+        <p:txBody>
+          <a:bodyPr rtlCol="0" anchor="ctr"/>
+          <a:lstStyle/>
+          <a:p>
+            <a:pPr algn="ctr"/>
+            <a:endParaRPr lang="pt-BR" sz="1200"/>
+          </a:p>
+        </p:txBody>
+      </p:sp>
+      <p:sp>
+        <p:nvSpPr>
+          <p:cNvPr id="110" name="Retângulo 109"/>
+          <p:cNvSpPr/>
+          <p:nvPr/>
+        </p:nvSpPr>
+        <p:spPr>
+          <a:xfrm>
+            <a:off x="3031557" y="3508962"/>
+            <a:ext cx="303284" cy="404974"/>
+          </a:xfrm>
+          <a:prstGeom prst="rect">
+            <a:avLst/>
+          </a:prstGeom>
+          <a:noFill/>
+        </p:spPr>
+        <p:style>
+          <a:lnRef idx="2">
+            <a:schemeClr val="accent1">
+              <a:shade val="50000"/>
+            </a:schemeClr>
+          </a:lnRef>
+          <a:fillRef idx="1">
+            <a:schemeClr val="accent1"/>
+          </a:fillRef>
+          <a:effectRef idx="0">
+            <a:schemeClr val="accent1"/>
+          </a:effectRef>
+          <a:fontRef idx="minor">
+            <a:schemeClr val="lt1"/>
+          </a:fontRef>
+        </p:style>
+        <p:txBody>
+          <a:bodyPr rtlCol="0" anchor="ctr"/>
+          <a:lstStyle/>
+          <a:p>
+            <a:pPr algn="ctr"/>
+            <a:endParaRPr lang="pt-BR" sz="1200"/>
+          </a:p>
+        </p:txBody>
+      </p:sp>
+      <p:sp>
+        <p:nvSpPr>
+          <p:cNvPr id="111" name="Retângulo 110"/>
+          <p:cNvSpPr/>
+          <p:nvPr/>
+        </p:nvSpPr>
+        <p:spPr>
+          <a:xfrm>
+            <a:off x="3031556" y="3913936"/>
+            <a:ext cx="303284" cy="404974"/>
+          </a:xfrm>
+          <a:prstGeom prst="rect">
+            <a:avLst/>
+          </a:prstGeom>
+          <a:noFill/>
+        </p:spPr>
+        <p:style>
+          <a:lnRef idx="2">
+            <a:schemeClr val="accent1">
+              <a:shade val="50000"/>
+            </a:schemeClr>
+          </a:lnRef>
+          <a:fillRef idx="1">
+            <a:schemeClr val="accent1"/>
+          </a:fillRef>
+          <a:effectRef idx="0">
+            <a:schemeClr val="accent1"/>
+          </a:effectRef>
+          <a:fontRef idx="minor">
+            <a:schemeClr val="lt1"/>
+          </a:fontRef>
+        </p:style>
+        <p:txBody>
+          <a:bodyPr rtlCol="0" anchor="ctr"/>
+          <a:lstStyle/>
+          <a:p>
+            <a:pPr algn="ctr"/>
+            <a:endParaRPr lang="pt-BR" sz="1200"/>
+          </a:p>
+        </p:txBody>
+      </p:sp>
+      <p:sp>
+        <p:nvSpPr>
+          <p:cNvPr id="112" name="Retângulo 111"/>
+          <p:cNvSpPr/>
+          <p:nvPr/>
+        </p:nvSpPr>
+        <p:spPr>
+          <a:xfrm>
+            <a:off x="3031556" y="4318911"/>
+            <a:ext cx="303284" cy="404974"/>
+          </a:xfrm>
+          <a:prstGeom prst="rect">
+            <a:avLst/>
+          </a:prstGeom>
+          <a:noFill/>
+        </p:spPr>
+        <p:style>
+          <a:lnRef idx="2">
+            <a:schemeClr val="accent1">
+              <a:shade val="50000"/>
+            </a:schemeClr>
+          </a:lnRef>
+          <a:fillRef idx="1">
+            <a:schemeClr val="accent1"/>
+          </a:fillRef>
+          <a:effectRef idx="0">
+            <a:schemeClr val="accent1"/>
+          </a:effectRef>
+          <a:fontRef idx="minor">
+            <a:schemeClr val="lt1"/>
+          </a:fontRef>
+        </p:style>
+        <p:txBody>
+          <a:bodyPr rtlCol="0" anchor="ctr"/>
+          <a:lstStyle/>
+          <a:p>
+            <a:pPr algn="ctr"/>
+            <a:endParaRPr lang="pt-BR" sz="1200"/>
+          </a:p>
+        </p:txBody>
+      </p:sp>
+      <p:sp>
+        <p:nvSpPr>
+          <p:cNvPr id="114" name="Retângulo 113"/>
+          <p:cNvSpPr/>
+          <p:nvPr/>
+        </p:nvSpPr>
+        <p:spPr>
+          <a:xfrm>
+            <a:off x="3336877" y="3508962"/>
+            <a:ext cx="303284" cy="404974"/>
+          </a:xfrm>
+          <a:prstGeom prst="rect">
+            <a:avLst/>
+          </a:prstGeom>
+          <a:noFill/>
+        </p:spPr>
+        <p:style>
+          <a:lnRef idx="2">
+            <a:schemeClr val="accent1">
+              <a:shade val="50000"/>
+            </a:schemeClr>
+          </a:lnRef>
+          <a:fillRef idx="1">
+            <a:schemeClr val="accent1"/>
+          </a:fillRef>
+          <a:effectRef idx="0">
+            <a:schemeClr val="accent1"/>
+          </a:effectRef>
+          <a:fontRef idx="minor">
+            <a:schemeClr val="lt1"/>
+          </a:fontRef>
+        </p:style>
+        <p:txBody>
+          <a:bodyPr rtlCol="0" anchor="ctr"/>
+          <a:lstStyle/>
+          <a:p>
+            <a:pPr algn="ctr"/>
+            <a:endParaRPr lang="pt-BR" sz="1200"/>
+          </a:p>
+        </p:txBody>
+      </p:sp>
+      <p:sp>
+        <p:nvSpPr>
+          <p:cNvPr id="115" name="Retângulo 114"/>
+          <p:cNvSpPr/>
+          <p:nvPr/>
+        </p:nvSpPr>
+        <p:spPr>
+          <a:xfrm>
+            <a:off x="3640162" y="3508962"/>
+            <a:ext cx="303284" cy="404974"/>
+          </a:xfrm>
+          <a:prstGeom prst="rect">
+            <a:avLst/>
+          </a:prstGeom>
+          <a:noFill/>
+        </p:spPr>
+        <p:style>
+          <a:lnRef idx="2">
+            <a:schemeClr val="accent1">
+              <a:shade val="50000"/>
+            </a:schemeClr>
+          </a:lnRef>
+          <a:fillRef idx="1">
+            <a:schemeClr val="accent1"/>
+          </a:fillRef>
+          <a:effectRef idx="0">
+            <a:schemeClr val="accent1"/>
+          </a:effectRef>
+          <a:fontRef idx="minor">
+            <a:schemeClr val="lt1"/>
+          </a:fontRef>
+        </p:style>
+        <p:txBody>
+          <a:bodyPr rtlCol="0" anchor="ctr"/>
+          <a:lstStyle/>
+          <a:p>
+            <a:pPr algn="ctr"/>
+            <a:endParaRPr lang="pt-BR" sz="1200"/>
+          </a:p>
+        </p:txBody>
+      </p:sp>
+      <p:sp>
+        <p:nvSpPr>
+          <p:cNvPr id="116" name="Retângulo 115"/>
+          <p:cNvSpPr/>
+          <p:nvPr/>
+        </p:nvSpPr>
+        <p:spPr>
+          <a:xfrm>
+            <a:off x="3336877" y="3913936"/>
+            <a:ext cx="303284" cy="404974"/>
+          </a:xfrm>
+          <a:prstGeom prst="rect">
+            <a:avLst/>
+          </a:prstGeom>
+          <a:noFill/>
+        </p:spPr>
+        <p:style>
+          <a:lnRef idx="2">
+            <a:schemeClr val="accent1">
+              <a:shade val="50000"/>
+            </a:schemeClr>
+          </a:lnRef>
+          <a:fillRef idx="1">
+            <a:schemeClr val="accent1"/>
+          </a:fillRef>
+          <a:effectRef idx="0">
+            <a:schemeClr val="accent1"/>
+          </a:effectRef>
+          <a:fontRef idx="minor">
+            <a:schemeClr val="lt1"/>
+          </a:fontRef>
+        </p:style>
+        <p:txBody>
+          <a:bodyPr rtlCol="0" anchor="ctr"/>
+          <a:lstStyle/>
+          <a:p>
+            <a:pPr algn="ctr"/>
+            <a:endParaRPr lang="pt-BR" sz="1200"/>
+          </a:p>
+        </p:txBody>
+      </p:sp>
+      <p:sp>
+        <p:nvSpPr>
+          <p:cNvPr id="117" name="Retângulo 116"/>
+          <p:cNvSpPr/>
+          <p:nvPr/>
+        </p:nvSpPr>
+        <p:spPr>
+          <a:xfrm>
+            <a:off x="3640161" y="3913936"/>
+            <a:ext cx="303284" cy="404974"/>
+          </a:xfrm>
+          <a:prstGeom prst="rect">
+            <a:avLst/>
+          </a:prstGeom>
+          <a:noFill/>
+        </p:spPr>
+        <p:style>
+          <a:lnRef idx="2">
+            <a:schemeClr val="accent1">
+              <a:shade val="50000"/>
+            </a:schemeClr>
+          </a:lnRef>
+          <a:fillRef idx="1">
+            <a:schemeClr val="accent1"/>
+          </a:fillRef>
+          <a:effectRef idx="0">
+            <a:schemeClr val="accent1"/>
+          </a:effectRef>
+          <a:fontRef idx="minor">
+            <a:schemeClr val="lt1"/>
+          </a:fontRef>
+        </p:style>
+        <p:txBody>
+          <a:bodyPr rtlCol="0" anchor="ctr"/>
+          <a:lstStyle/>
+          <a:p>
+            <a:pPr algn="ctr"/>
+            <a:endParaRPr lang="pt-BR" sz="1200"/>
+          </a:p>
+        </p:txBody>
+      </p:sp>
+      <p:sp>
+        <p:nvSpPr>
+          <p:cNvPr id="118" name="Retângulo 117"/>
+          <p:cNvSpPr/>
+          <p:nvPr/>
+        </p:nvSpPr>
+        <p:spPr>
+          <a:xfrm>
+            <a:off x="3336877" y="4318910"/>
+            <a:ext cx="303284" cy="404974"/>
+          </a:xfrm>
+          <a:prstGeom prst="rect">
+            <a:avLst/>
+          </a:prstGeom>
+          <a:noFill/>
+        </p:spPr>
+        <p:style>
+          <a:lnRef idx="2">
+            <a:schemeClr val="accent1">
+              <a:shade val="50000"/>
+            </a:schemeClr>
+          </a:lnRef>
+          <a:fillRef idx="1">
+            <a:schemeClr val="accent1"/>
+          </a:fillRef>
+          <a:effectRef idx="0">
+            <a:schemeClr val="accent1"/>
+          </a:effectRef>
+          <a:fontRef idx="minor">
+            <a:schemeClr val="lt1"/>
+          </a:fontRef>
+        </p:style>
+        <p:txBody>
+          <a:bodyPr rtlCol="0" anchor="ctr"/>
+          <a:lstStyle/>
+          <a:p>
+            <a:pPr algn="ctr"/>
+            <a:endParaRPr lang="pt-BR" sz="1200"/>
+          </a:p>
+        </p:txBody>
+      </p:sp>
+      <p:sp>
+        <p:nvSpPr>
+          <p:cNvPr id="119" name="Retângulo 118"/>
+          <p:cNvSpPr/>
+          <p:nvPr/>
+        </p:nvSpPr>
+        <p:spPr>
+          <a:xfrm>
+            <a:off x="3640161" y="4318910"/>
+            <a:ext cx="303284" cy="404974"/>
+          </a:xfrm>
+          <a:prstGeom prst="rect">
+            <a:avLst/>
+          </a:prstGeom>
+          <a:noFill/>
+        </p:spPr>
+        <p:style>
+          <a:lnRef idx="2">
+            <a:schemeClr val="accent1">
+              <a:shade val="50000"/>
+            </a:schemeClr>
+          </a:lnRef>
+          <a:fillRef idx="1">
+            <a:schemeClr val="accent1"/>
+          </a:fillRef>
+          <a:effectRef idx="0">
+            <a:schemeClr val="accent1"/>
+          </a:effectRef>
+          <a:fontRef idx="minor">
+            <a:schemeClr val="lt1"/>
+          </a:fontRef>
+        </p:style>
+        <p:txBody>
+          <a:bodyPr rtlCol="0" anchor="ctr"/>
+          <a:lstStyle/>
+          <a:p>
+            <a:pPr algn="ctr"/>
+            <a:endParaRPr lang="pt-BR" sz="1200"/>
+          </a:p>
+        </p:txBody>
+      </p:sp>
+      <p:sp>
+        <p:nvSpPr>
+          <p:cNvPr id="120" name="Retângulo 119"/>
+          <p:cNvSpPr/>
+          <p:nvPr/>
+        </p:nvSpPr>
+        <p:spPr>
+          <a:xfrm>
+            <a:off x="3943446" y="3508962"/>
+            <a:ext cx="303284" cy="404974"/>
+          </a:xfrm>
+          <a:prstGeom prst="rect">
+            <a:avLst/>
+          </a:prstGeom>
+          <a:noFill/>
+        </p:spPr>
+        <p:style>
+          <a:lnRef idx="2">
+            <a:schemeClr val="accent1">
+              <a:shade val="50000"/>
+            </a:schemeClr>
+          </a:lnRef>
+          <a:fillRef idx="1">
+            <a:schemeClr val="accent1"/>
+          </a:fillRef>
+          <a:effectRef idx="0">
+            <a:schemeClr val="accent1"/>
+          </a:effectRef>
+          <a:fontRef idx="minor">
+            <a:schemeClr val="lt1"/>
+          </a:fontRef>
+        </p:style>
+        <p:txBody>
+          <a:bodyPr rtlCol="0" anchor="ctr"/>
+          <a:lstStyle/>
+          <a:p>
+            <a:pPr algn="ctr"/>
+            <a:endParaRPr lang="pt-BR" sz="1200"/>
+          </a:p>
+        </p:txBody>
+      </p:sp>
+      <p:sp>
+        <p:nvSpPr>
+          <p:cNvPr id="121" name="Retângulo 120"/>
+          <p:cNvSpPr/>
+          <p:nvPr/>
+        </p:nvSpPr>
+        <p:spPr>
+          <a:xfrm>
+            <a:off x="3943445" y="3913936"/>
+            <a:ext cx="303284" cy="404974"/>
+          </a:xfrm>
+          <a:prstGeom prst="rect">
+            <a:avLst/>
+          </a:prstGeom>
+          <a:noFill/>
+        </p:spPr>
+        <p:style>
+          <a:lnRef idx="2">
+            <a:schemeClr val="accent1">
+              <a:shade val="50000"/>
+            </a:schemeClr>
+          </a:lnRef>
+          <a:fillRef idx="1">
+            <a:schemeClr val="accent1"/>
+          </a:fillRef>
+          <a:effectRef idx="0">
+            <a:schemeClr val="accent1"/>
+          </a:effectRef>
+          <a:fontRef idx="minor">
+            <a:schemeClr val="lt1"/>
+          </a:fontRef>
+        </p:style>
+        <p:txBody>
+          <a:bodyPr rtlCol="0" anchor="ctr"/>
+          <a:lstStyle/>
+          <a:p>
+            <a:pPr algn="ctr"/>
+            <a:endParaRPr lang="pt-BR" sz="1200"/>
+          </a:p>
+        </p:txBody>
+      </p:sp>
+      <p:sp>
+        <p:nvSpPr>
+          <p:cNvPr id="122" name="Retângulo 121"/>
+          <p:cNvSpPr/>
+          <p:nvPr/>
+        </p:nvSpPr>
+        <p:spPr>
+          <a:xfrm>
+            <a:off x="3943445" y="4318910"/>
+            <a:ext cx="303284" cy="404974"/>
+          </a:xfrm>
+          <a:prstGeom prst="rect">
+            <a:avLst/>
+          </a:prstGeom>
+          <a:noFill/>
+        </p:spPr>
+        <p:style>
+          <a:lnRef idx="2">
+            <a:schemeClr val="accent1">
+              <a:shade val="50000"/>
+            </a:schemeClr>
+          </a:lnRef>
+          <a:fillRef idx="1">
+            <a:schemeClr val="accent1"/>
+          </a:fillRef>
+          <a:effectRef idx="0">
+            <a:schemeClr val="accent1"/>
+          </a:effectRef>
+          <a:fontRef idx="minor">
+            <a:schemeClr val="lt1"/>
+          </a:fontRef>
+        </p:style>
+        <p:txBody>
+          <a:bodyPr rtlCol="0" anchor="ctr"/>
+          <a:lstStyle/>
+          <a:p>
+            <a:pPr algn="ctr"/>
+            <a:endParaRPr lang="pt-BR" sz="1200"/>
+          </a:p>
+        </p:txBody>
+      </p:sp>
+      <p:sp>
+        <p:nvSpPr>
+          <p:cNvPr id="124" name="Retângulo 123"/>
+          <p:cNvSpPr/>
+          <p:nvPr/>
+        </p:nvSpPr>
+        <p:spPr>
+          <a:xfrm>
+            <a:off x="2425350" y="4729327"/>
+            <a:ext cx="303284" cy="404974"/>
+          </a:xfrm>
+          <a:prstGeom prst="rect">
+            <a:avLst/>
+          </a:prstGeom>
+          <a:noFill/>
+        </p:spPr>
+        <p:style>
+          <a:lnRef idx="2">
+            <a:schemeClr val="accent1">
+              <a:shade val="50000"/>
+            </a:schemeClr>
+          </a:lnRef>
+          <a:fillRef idx="1">
+            <a:schemeClr val="accent1"/>
+          </a:fillRef>
+          <a:effectRef idx="0">
+            <a:schemeClr val="accent1"/>
+          </a:effectRef>
+          <a:fontRef idx="minor">
+            <a:schemeClr val="lt1"/>
+          </a:fontRef>
+        </p:style>
+        <p:txBody>
+          <a:bodyPr rtlCol="0" anchor="ctr"/>
+          <a:lstStyle/>
+          <a:p>
+            <a:pPr algn="ctr"/>
+            <a:endParaRPr lang="pt-BR" sz="1200"/>
+          </a:p>
+        </p:txBody>
+      </p:sp>
+      <p:sp>
+        <p:nvSpPr>
+          <p:cNvPr id="125" name="Retângulo 124"/>
+          <p:cNvSpPr/>
+          <p:nvPr/>
+        </p:nvSpPr>
+        <p:spPr>
+          <a:xfrm>
+            <a:off x="2728635" y="4729327"/>
+            <a:ext cx="303284" cy="404974"/>
+          </a:xfrm>
+          <a:prstGeom prst="rect">
+            <a:avLst/>
+          </a:prstGeom>
+          <a:noFill/>
+        </p:spPr>
+        <p:style>
+          <a:lnRef idx="2">
+            <a:schemeClr val="accent1">
+              <a:shade val="50000"/>
+            </a:schemeClr>
+          </a:lnRef>
+          <a:fillRef idx="1">
+            <a:schemeClr val="accent1"/>
+          </a:fillRef>
+          <a:effectRef idx="0">
+            <a:schemeClr val="accent1"/>
+          </a:effectRef>
+          <a:fontRef idx="minor">
+            <a:schemeClr val="lt1"/>
+          </a:fontRef>
+        </p:style>
+        <p:txBody>
+          <a:bodyPr rtlCol="0" anchor="ctr"/>
+          <a:lstStyle/>
+          <a:p>
+            <a:pPr algn="ctr"/>
+            <a:endParaRPr lang="pt-BR" sz="1200"/>
+          </a:p>
+        </p:txBody>
+      </p:sp>
+      <p:sp>
+        <p:nvSpPr>
+          <p:cNvPr id="126" name="Retângulo 125"/>
+          <p:cNvSpPr/>
+          <p:nvPr/>
+        </p:nvSpPr>
+        <p:spPr>
+          <a:xfrm>
+            <a:off x="2425350" y="5134301"/>
+            <a:ext cx="303284" cy="404974"/>
+          </a:xfrm>
+          <a:prstGeom prst="rect">
+            <a:avLst/>
+          </a:prstGeom>
+          <a:noFill/>
+        </p:spPr>
+        <p:style>
+          <a:lnRef idx="2">
+            <a:schemeClr val="accent1">
+              <a:shade val="50000"/>
+            </a:schemeClr>
+          </a:lnRef>
+          <a:fillRef idx="1">
+            <a:schemeClr val="accent1"/>
+          </a:fillRef>
+          <a:effectRef idx="0">
+            <a:schemeClr val="accent1"/>
+          </a:effectRef>
+          <a:fontRef idx="minor">
+            <a:schemeClr val="lt1"/>
+          </a:fontRef>
+        </p:style>
+        <p:txBody>
+          <a:bodyPr rtlCol="0" anchor="ctr"/>
+          <a:lstStyle/>
+          <a:p>
+            <a:pPr algn="ctr"/>
+            <a:endParaRPr lang="pt-BR" sz="1200"/>
+          </a:p>
+        </p:txBody>
+      </p:sp>
+      <p:sp>
+        <p:nvSpPr>
+          <p:cNvPr id="127" name="Retângulo 126"/>
+          <p:cNvSpPr/>
+          <p:nvPr/>
+        </p:nvSpPr>
+        <p:spPr>
+          <a:xfrm>
+            <a:off x="2728634" y="5134300"/>
+            <a:ext cx="303284" cy="404974"/>
+          </a:xfrm>
+          <a:prstGeom prst="rect">
+            <a:avLst/>
+          </a:prstGeom>
+          <a:noFill/>
+        </p:spPr>
+        <p:style>
+          <a:lnRef idx="2">
+            <a:schemeClr val="accent1">
+              <a:shade val="50000"/>
+            </a:schemeClr>
+          </a:lnRef>
+          <a:fillRef idx="1">
+            <a:schemeClr val="accent1"/>
+          </a:fillRef>
+          <a:effectRef idx="0">
+            <a:schemeClr val="accent1"/>
+          </a:effectRef>
+          <a:fontRef idx="minor">
+            <a:schemeClr val="lt1"/>
+          </a:fontRef>
+        </p:style>
+        <p:txBody>
+          <a:bodyPr rtlCol="0" anchor="ctr"/>
+          <a:lstStyle/>
+          <a:p>
+            <a:pPr algn="ctr"/>
+            <a:endParaRPr lang="pt-BR" sz="1200"/>
+          </a:p>
+        </p:txBody>
+      </p:sp>
+      <p:sp>
+        <p:nvSpPr>
+          <p:cNvPr id="128" name="Retângulo 127"/>
+          <p:cNvSpPr/>
+          <p:nvPr/>
+        </p:nvSpPr>
+        <p:spPr>
+          <a:xfrm>
+            <a:off x="2425350" y="5539274"/>
+            <a:ext cx="303284" cy="404974"/>
+          </a:xfrm>
+          <a:prstGeom prst="rect">
+            <a:avLst/>
+          </a:prstGeom>
+          <a:noFill/>
+        </p:spPr>
+        <p:style>
+          <a:lnRef idx="2">
+            <a:schemeClr val="accent1">
+              <a:shade val="50000"/>
+            </a:schemeClr>
+          </a:lnRef>
+          <a:fillRef idx="1">
+            <a:schemeClr val="accent1"/>
+          </a:fillRef>
+          <a:effectRef idx="0">
+            <a:schemeClr val="accent1"/>
+          </a:effectRef>
+          <a:fontRef idx="minor">
+            <a:schemeClr val="lt1"/>
+          </a:fontRef>
+        </p:style>
+        <p:txBody>
+          <a:bodyPr rtlCol="0" anchor="ctr"/>
+          <a:lstStyle/>
+          <a:p>
+            <a:pPr algn="ctr"/>
+            <a:endParaRPr lang="pt-BR" sz="1200"/>
+          </a:p>
+        </p:txBody>
+      </p:sp>
+      <p:sp>
+        <p:nvSpPr>
+          <p:cNvPr id="129" name="Retângulo 128"/>
+          <p:cNvSpPr/>
+          <p:nvPr/>
+        </p:nvSpPr>
+        <p:spPr>
+          <a:xfrm>
+            <a:off x="2728634" y="5539274"/>
+            <a:ext cx="303284" cy="404974"/>
+          </a:xfrm>
+          <a:prstGeom prst="rect">
+            <a:avLst/>
+          </a:prstGeom>
+          <a:noFill/>
+        </p:spPr>
+        <p:style>
+          <a:lnRef idx="2">
+            <a:schemeClr val="accent1">
+              <a:shade val="50000"/>
+            </a:schemeClr>
+          </a:lnRef>
+          <a:fillRef idx="1">
+            <a:schemeClr val="accent1"/>
+          </a:fillRef>
+          <a:effectRef idx="0">
+            <a:schemeClr val="accent1"/>
+          </a:effectRef>
+          <a:fontRef idx="minor">
+            <a:schemeClr val="lt1"/>
+          </a:fontRef>
+        </p:style>
+        <p:txBody>
+          <a:bodyPr rtlCol="0" anchor="ctr"/>
+          <a:lstStyle/>
+          <a:p>
+            <a:pPr algn="ctr"/>
+            <a:endParaRPr lang="pt-BR" sz="1200"/>
+          </a:p>
+        </p:txBody>
+      </p:sp>
+      <p:sp>
+        <p:nvSpPr>
+          <p:cNvPr id="130" name="Retângulo 129"/>
+          <p:cNvSpPr/>
+          <p:nvPr/>
+        </p:nvSpPr>
+        <p:spPr>
+          <a:xfrm>
+            <a:off x="3031919" y="4729327"/>
+            <a:ext cx="303284" cy="404974"/>
+          </a:xfrm>
+          <a:prstGeom prst="rect">
+            <a:avLst/>
+          </a:prstGeom>
+          <a:pattFill prst="wdDnDiag">
+            <a:fgClr>
+              <a:schemeClr val="accent1">
+                <a:lumMod val="60000"/>
+                <a:lumOff val="40000"/>
+              </a:schemeClr>
+            </a:fgClr>
+            <a:bgClr>
+              <a:schemeClr val="bg1"/>
+            </a:bgClr>
+          </a:pattFill>
+        </p:spPr>
+        <p:style>
+          <a:lnRef idx="2">
+            <a:schemeClr val="accent1">
+              <a:shade val="50000"/>
+            </a:schemeClr>
+          </a:lnRef>
+          <a:fillRef idx="1">
+            <a:schemeClr val="accent1"/>
+          </a:fillRef>
+          <a:effectRef idx="0">
+            <a:schemeClr val="accent1"/>
+          </a:effectRef>
+          <a:fontRef idx="minor">
+            <a:schemeClr val="lt1"/>
+          </a:fontRef>
+        </p:style>
+        <p:txBody>
+          <a:bodyPr rtlCol="0" anchor="ctr"/>
+          <a:lstStyle/>
+          <a:p>
+            <a:pPr algn="ctr"/>
+            <a:endParaRPr lang="pt-BR" sz="1200"/>
+          </a:p>
+        </p:txBody>
+      </p:sp>
+      <p:sp>
+        <p:nvSpPr>
+          <p:cNvPr id="131" name="Retângulo 130"/>
+          <p:cNvSpPr/>
+          <p:nvPr/>
+        </p:nvSpPr>
+        <p:spPr>
+          <a:xfrm>
+            <a:off x="3031918" y="5134300"/>
+            <a:ext cx="303284" cy="404974"/>
+          </a:xfrm>
+          <a:prstGeom prst="rect">
+            <a:avLst/>
+          </a:prstGeom>
+          <a:pattFill prst="wdDnDiag">
+            <a:fgClr>
+              <a:schemeClr val="accent1">
+                <a:lumMod val="60000"/>
+                <a:lumOff val="40000"/>
+              </a:schemeClr>
+            </a:fgClr>
+            <a:bgClr>
+              <a:schemeClr val="bg1"/>
+            </a:bgClr>
+          </a:pattFill>
+        </p:spPr>
+        <p:style>
+          <a:lnRef idx="2">
+            <a:schemeClr val="accent1">
+              <a:shade val="50000"/>
+            </a:schemeClr>
+          </a:lnRef>
+          <a:fillRef idx="1">
+            <a:schemeClr val="accent1"/>
+          </a:fillRef>
+          <a:effectRef idx="0">
+            <a:schemeClr val="accent1"/>
+          </a:effectRef>
+          <a:fontRef idx="minor">
+            <a:schemeClr val="lt1"/>
+          </a:fontRef>
+        </p:style>
+        <p:txBody>
+          <a:bodyPr rtlCol="0" anchor="ctr"/>
+          <a:lstStyle/>
+          <a:p>
+            <a:pPr algn="ctr"/>
+            <a:endParaRPr lang="pt-BR" sz="1200"/>
+          </a:p>
+        </p:txBody>
+      </p:sp>
+      <p:sp>
+        <p:nvSpPr>
+          <p:cNvPr id="132" name="Retângulo 131"/>
+          <p:cNvSpPr/>
+          <p:nvPr/>
+        </p:nvSpPr>
+        <p:spPr>
+          <a:xfrm>
+            <a:off x="3031918" y="5539274"/>
+            <a:ext cx="303284" cy="404974"/>
+          </a:xfrm>
+          <a:prstGeom prst="rect">
+            <a:avLst/>
+          </a:prstGeom>
+          <a:noFill/>
+        </p:spPr>
+        <p:style>
+          <a:lnRef idx="2">
+            <a:schemeClr val="accent1">
+              <a:shade val="50000"/>
+            </a:schemeClr>
+          </a:lnRef>
+          <a:fillRef idx="1">
+            <a:schemeClr val="accent1"/>
+          </a:fillRef>
+          <a:effectRef idx="0">
+            <a:schemeClr val="accent1"/>
+          </a:effectRef>
+          <a:fontRef idx="minor">
+            <a:schemeClr val="lt1"/>
+          </a:fontRef>
+        </p:style>
+        <p:txBody>
+          <a:bodyPr rtlCol="0" anchor="ctr"/>
+          <a:lstStyle/>
+          <a:p>
+            <a:pPr algn="ctr"/>
+            <a:endParaRPr lang="pt-BR" sz="1200"/>
+          </a:p>
+        </p:txBody>
+      </p:sp>
+      <p:sp>
+        <p:nvSpPr>
+          <p:cNvPr id="134" name="Retângulo 133"/>
+          <p:cNvSpPr/>
+          <p:nvPr/>
+        </p:nvSpPr>
+        <p:spPr>
+          <a:xfrm>
+            <a:off x="3337239" y="4729326"/>
+            <a:ext cx="303284" cy="404974"/>
+          </a:xfrm>
+          <a:prstGeom prst="rect">
+            <a:avLst/>
+          </a:prstGeom>
+          <a:pattFill prst="wdDnDiag">
+            <a:fgClr>
+              <a:schemeClr val="accent1">
+                <a:lumMod val="60000"/>
+                <a:lumOff val="40000"/>
+              </a:schemeClr>
+            </a:fgClr>
+            <a:bgClr>
+              <a:schemeClr val="bg1"/>
+            </a:bgClr>
+          </a:pattFill>
+        </p:spPr>
+        <p:style>
+          <a:lnRef idx="2">
+            <a:schemeClr val="accent1">
+              <a:shade val="50000"/>
+            </a:schemeClr>
+          </a:lnRef>
+          <a:fillRef idx="1">
+            <a:schemeClr val="accent1"/>
+          </a:fillRef>
+          <a:effectRef idx="0">
+            <a:schemeClr val="accent1"/>
+          </a:effectRef>
+          <a:fontRef idx="minor">
+            <a:schemeClr val="lt1"/>
+          </a:fontRef>
+        </p:style>
+        <p:txBody>
+          <a:bodyPr rtlCol="0" anchor="ctr"/>
+          <a:lstStyle/>
+          <a:p>
+            <a:pPr algn="ctr"/>
+            <a:endParaRPr lang="pt-BR" sz="1200"/>
+          </a:p>
+        </p:txBody>
+      </p:sp>
+      <p:sp>
+        <p:nvSpPr>
+          <p:cNvPr id="135" name="Retângulo 134"/>
+          <p:cNvSpPr/>
+          <p:nvPr/>
+        </p:nvSpPr>
+        <p:spPr>
+          <a:xfrm>
+            <a:off x="3640524" y="4729326"/>
+            <a:ext cx="303284" cy="404974"/>
+          </a:xfrm>
+          <a:prstGeom prst="rect">
+            <a:avLst/>
+          </a:prstGeom>
+          <a:pattFill prst="wdDnDiag">
+            <a:fgClr>
+              <a:schemeClr val="accent1">
+                <a:lumMod val="60000"/>
+                <a:lumOff val="40000"/>
+              </a:schemeClr>
+            </a:fgClr>
+            <a:bgClr>
+              <a:schemeClr val="bg1"/>
+            </a:bgClr>
+          </a:pattFill>
+        </p:spPr>
+        <p:style>
+          <a:lnRef idx="2">
+            <a:schemeClr val="accent1">
+              <a:shade val="50000"/>
+            </a:schemeClr>
+          </a:lnRef>
+          <a:fillRef idx="1">
+            <a:schemeClr val="accent1"/>
+          </a:fillRef>
+          <a:effectRef idx="0">
+            <a:schemeClr val="accent1"/>
+          </a:effectRef>
+          <a:fontRef idx="minor">
+            <a:schemeClr val="lt1"/>
+          </a:fontRef>
+        </p:style>
+        <p:txBody>
+          <a:bodyPr rtlCol="0" anchor="ctr"/>
+          <a:lstStyle/>
+          <a:p>
+            <a:pPr algn="ctr"/>
+            <a:endParaRPr lang="pt-BR" sz="1200"/>
+          </a:p>
+        </p:txBody>
+      </p:sp>
+      <p:sp>
+        <p:nvSpPr>
+          <p:cNvPr id="136" name="Retângulo 135"/>
+          <p:cNvSpPr/>
+          <p:nvPr/>
+        </p:nvSpPr>
+        <p:spPr>
+          <a:xfrm>
+            <a:off x="3337239" y="5134300"/>
+            <a:ext cx="303284" cy="404974"/>
+          </a:xfrm>
+          <a:prstGeom prst="rect">
+            <a:avLst/>
+          </a:prstGeom>
+          <a:pattFill prst="wdDnDiag">
+            <a:fgClr>
+              <a:schemeClr val="accent1">
+                <a:lumMod val="60000"/>
+                <a:lumOff val="40000"/>
+              </a:schemeClr>
+            </a:fgClr>
+            <a:bgClr>
+              <a:schemeClr val="bg1"/>
+            </a:bgClr>
+          </a:pattFill>
+        </p:spPr>
+        <p:style>
+          <a:lnRef idx="2">
+            <a:schemeClr val="accent1">
+              <a:shade val="50000"/>
+            </a:schemeClr>
+          </a:lnRef>
+          <a:fillRef idx="1">
+            <a:schemeClr val="accent1"/>
+          </a:fillRef>
+          <a:effectRef idx="0">
+            <a:schemeClr val="accent1"/>
+          </a:effectRef>
+          <a:fontRef idx="minor">
+            <a:schemeClr val="lt1"/>
+          </a:fontRef>
+        </p:style>
+        <p:txBody>
+          <a:bodyPr rtlCol="0" anchor="ctr"/>
+          <a:lstStyle/>
+          <a:p>
+            <a:pPr algn="ctr"/>
+            <a:endParaRPr lang="pt-BR" sz="1200"/>
+          </a:p>
+        </p:txBody>
+      </p:sp>
+      <p:sp>
+        <p:nvSpPr>
+          <p:cNvPr id="137" name="Retângulo 136"/>
+          <p:cNvSpPr/>
+          <p:nvPr/>
+        </p:nvSpPr>
+        <p:spPr>
+          <a:xfrm>
+            <a:off x="3640523" y="5134299"/>
+            <a:ext cx="303284" cy="404974"/>
+          </a:xfrm>
+          <a:prstGeom prst="rect">
+            <a:avLst/>
+          </a:prstGeom>
+          <a:pattFill prst="wdDnDiag">
+            <a:fgClr>
+              <a:schemeClr val="accent1">
+                <a:lumMod val="60000"/>
+                <a:lumOff val="40000"/>
+              </a:schemeClr>
+            </a:fgClr>
+            <a:bgClr>
+              <a:schemeClr val="bg1"/>
+            </a:bgClr>
+          </a:pattFill>
+        </p:spPr>
+        <p:style>
+          <a:lnRef idx="2">
+            <a:schemeClr val="accent1">
+              <a:shade val="50000"/>
+            </a:schemeClr>
+          </a:lnRef>
+          <a:fillRef idx="1">
+            <a:schemeClr val="accent1"/>
+          </a:fillRef>
+          <a:effectRef idx="0">
+            <a:schemeClr val="accent1"/>
+          </a:effectRef>
+          <a:fontRef idx="minor">
+            <a:schemeClr val="lt1"/>
+          </a:fontRef>
+        </p:style>
+        <p:txBody>
+          <a:bodyPr rtlCol="0" anchor="ctr"/>
+          <a:lstStyle/>
+          <a:p>
+            <a:pPr algn="ctr"/>
+            <a:endParaRPr lang="pt-BR" sz="1200"/>
+          </a:p>
+        </p:txBody>
+      </p:sp>
+      <p:sp>
+        <p:nvSpPr>
+          <p:cNvPr id="138" name="Retângulo 137"/>
+          <p:cNvSpPr/>
+          <p:nvPr/>
+        </p:nvSpPr>
+        <p:spPr>
+          <a:xfrm>
+            <a:off x="3337239" y="5539273"/>
+            <a:ext cx="303284" cy="404974"/>
+          </a:xfrm>
+          <a:prstGeom prst="rect">
+            <a:avLst/>
+          </a:prstGeom>
+          <a:pattFill prst="wdDnDiag">
+            <a:fgClr>
+              <a:schemeClr val="accent1">
+                <a:lumMod val="60000"/>
+                <a:lumOff val="40000"/>
+              </a:schemeClr>
+            </a:fgClr>
+            <a:bgClr>
+              <a:schemeClr val="bg1"/>
+            </a:bgClr>
+          </a:pattFill>
+        </p:spPr>
+        <p:style>
+          <a:lnRef idx="2">
+            <a:schemeClr val="accent1">
+              <a:shade val="50000"/>
+            </a:schemeClr>
+          </a:lnRef>
+          <a:fillRef idx="1">
+            <a:schemeClr val="accent1"/>
+          </a:fillRef>
+          <a:effectRef idx="0">
+            <a:schemeClr val="accent1"/>
+          </a:effectRef>
+          <a:fontRef idx="minor">
+            <a:schemeClr val="lt1"/>
+          </a:fontRef>
+        </p:style>
+        <p:txBody>
+          <a:bodyPr rtlCol="0" anchor="ctr"/>
+          <a:lstStyle/>
+          <a:p>
+            <a:pPr algn="ctr"/>
+            <a:endParaRPr lang="pt-BR" sz="1200"/>
+          </a:p>
+        </p:txBody>
+      </p:sp>
+      <p:sp>
+        <p:nvSpPr>
+          <p:cNvPr id="139" name="Retângulo 138"/>
+          <p:cNvSpPr/>
+          <p:nvPr/>
+        </p:nvSpPr>
+        <p:spPr>
+          <a:xfrm>
+            <a:off x="3640523" y="5539273"/>
+            <a:ext cx="303284" cy="404974"/>
+          </a:xfrm>
+          <a:prstGeom prst="rect">
+            <a:avLst/>
+          </a:prstGeom>
+          <a:pattFill prst="wdDnDiag">
+            <a:fgClr>
+              <a:schemeClr val="accent1">
+                <a:lumMod val="60000"/>
+                <a:lumOff val="40000"/>
+              </a:schemeClr>
+            </a:fgClr>
+            <a:bgClr>
+              <a:schemeClr val="bg1"/>
+            </a:bgClr>
+          </a:pattFill>
+        </p:spPr>
+        <p:style>
+          <a:lnRef idx="2">
+            <a:schemeClr val="accent1">
+              <a:shade val="50000"/>
+            </a:schemeClr>
+          </a:lnRef>
+          <a:fillRef idx="1">
+            <a:schemeClr val="accent1"/>
+          </a:fillRef>
+          <a:effectRef idx="0">
+            <a:schemeClr val="accent1"/>
+          </a:effectRef>
+          <a:fontRef idx="minor">
+            <a:schemeClr val="lt1"/>
+          </a:fontRef>
+        </p:style>
+        <p:txBody>
+          <a:bodyPr rtlCol="0" anchor="ctr"/>
+          <a:lstStyle/>
+          <a:p>
+            <a:pPr algn="ctr"/>
+            <a:endParaRPr lang="pt-BR" sz="1200"/>
+          </a:p>
+        </p:txBody>
+      </p:sp>
+      <p:sp>
+        <p:nvSpPr>
+          <p:cNvPr id="140" name="Retângulo 139"/>
+          <p:cNvSpPr/>
+          <p:nvPr/>
+        </p:nvSpPr>
+        <p:spPr>
+          <a:xfrm>
+            <a:off x="3943808" y="4729326"/>
+            <a:ext cx="303284" cy="404974"/>
+          </a:xfrm>
+          <a:prstGeom prst="rect">
+            <a:avLst/>
+          </a:prstGeom>
+          <a:pattFill prst="wdDnDiag">
+            <a:fgClr>
+              <a:schemeClr val="accent1">
+                <a:lumMod val="60000"/>
+                <a:lumOff val="40000"/>
+              </a:schemeClr>
+            </a:fgClr>
+            <a:bgClr>
+              <a:schemeClr val="bg1"/>
+            </a:bgClr>
+          </a:pattFill>
+        </p:spPr>
+        <p:style>
+          <a:lnRef idx="2">
+            <a:schemeClr val="accent1">
+              <a:shade val="50000"/>
+            </a:schemeClr>
+          </a:lnRef>
+          <a:fillRef idx="1">
+            <a:schemeClr val="accent1"/>
+          </a:fillRef>
+          <a:effectRef idx="0">
+            <a:schemeClr val="accent1"/>
+          </a:effectRef>
+          <a:fontRef idx="minor">
+            <a:schemeClr val="lt1"/>
+          </a:fontRef>
+        </p:style>
+        <p:txBody>
+          <a:bodyPr rtlCol="0" anchor="ctr"/>
+          <a:lstStyle/>
+          <a:p>
+            <a:pPr algn="ctr"/>
+            <a:endParaRPr lang="pt-BR" sz="1200"/>
+          </a:p>
+        </p:txBody>
+      </p:sp>
+      <p:sp>
+        <p:nvSpPr>
+          <p:cNvPr id="141" name="Retângulo 140"/>
+          <p:cNvSpPr/>
+          <p:nvPr/>
+        </p:nvSpPr>
+        <p:spPr>
+          <a:xfrm>
+            <a:off x="3943807" y="5134299"/>
+            <a:ext cx="303284" cy="404974"/>
+          </a:xfrm>
+          <a:prstGeom prst="rect">
+            <a:avLst/>
+          </a:prstGeom>
+          <a:pattFill prst="wdDnDiag">
+            <a:fgClr>
+              <a:schemeClr val="accent1">
+                <a:lumMod val="60000"/>
+                <a:lumOff val="40000"/>
+              </a:schemeClr>
+            </a:fgClr>
+            <a:bgClr>
+              <a:schemeClr val="bg1"/>
+            </a:bgClr>
+          </a:pattFill>
+        </p:spPr>
+        <p:style>
+          <a:lnRef idx="2">
+            <a:schemeClr val="accent1">
+              <a:shade val="50000"/>
+            </a:schemeClr>
+          </a:lnRef>
+          <a:fillRef idx="1">
+            <a:schemeClr val="accent1"/>
+          </a:fillRef>
+          <a:effectRef idx="0">
+            <a:schemeClr val="accent1"/>
+          </a:effectRef>
+          <a:fontRef idx="minor">
+            <a:schemeClr val="lt1"/>
+          </a:fontRef>
+        </p:style>
+        <p:txBody>
+          <a:bodyPr rtlCol="0" anchor="ctr"/>
+          <a:lstStyle/>
+          <a:p>
+            <a:pPr algn="ctr"/>
+            <a:endParaRPr lang="pt-BR" sz="1200"/>
+          </a:p>
+        </p:txBody>
+      </p:sp>
+      <p:sp>
+        <p:nvSpPr>
+          <p:cNvPr id="142" name="Retângulo 141"/>
+          <p:cNvSpPr/>
+          <p:nvPr/>
+        </p:nvSpPr>
+        <p:spPr>
+          <a:xfrm>
+            <a:off x="3943807" y="5539273"/>
+            <a:ext cx="303284" cy="404974"/>
+          </a:xfrm>
+          <a:prstGeom prst="rect">
+            <a:avLst/>
+          </a:prstGeom>
+          <a:pattFill prst="wdDnDiag">
+            <a:fgClr>
+              <a:schemeClr val="accent1">
+                <a:lumMod val="60000"/>
+                <a:lumOff val="40000"/>
+              </a:schemeClr>
+            </a:fgClr>
+            <a:bgClr>
+              <a:schemeClr val="bg1"/>
+            </a:bgClr>
+          </a:pattFill>
+        </p:spPr>
+        <p:style>
+          <a:lnRef idx="2">
+            <a:schemeClr val="accent1">
+              <a:shade val="50000"/>
+            </a:schemeClr>
+          </a:lnRef>
+          <a:fillRef idx="1">
+            <a:schemeClr val="accent1"/>
+          </a:fillRef>
+          <a:effectRef idx="0">
+            <a:schemeClr val="accent1"/>
+          </a:effectRef>
+          <a:fontRef idx="minor">
+            <a:schemeClr val="lt1"/>
+          </a:fontRef>
+        </p:style>
+        <p:txBody>
+          <a:bodyPr rtlCol="0" anchor="ctr"/>
+          <a:lstStyle/>
+          <a:p>
+            <a:pPr algn="ctr"/>
+            <a:endParaRPr lang="pt-BR" sz="1200"/>
+          </a:p>
+        </p:txBody>
+      </p:sp>
+      <p:sp>
+        <p:nvSpPr>
+          <p:cNvPr id="144" name="Retângulo 143"/>
+          <p:cNvSpPr/>
+          <p:nvPr/>
+        </p:nvSpPr>
+        <p:spPr>
+          <a:xfrm>
+            <a:off x="4247092" y="3508962"/>
+            <a:ext cx="303285" cy="406789"/>
+          </a:xfrm>
+          <a:prstGeom prst="rect">
+            <a:avLst/>
+          </a:prstGeom>
+          <a:noFill/>
+        </p:spPr>
+        <p:style>
+          <a:lnRef idx="2">
+            <a:schemeClr val="accent1">
+              <a:shade val="50000"/>
+            </a:schemeClr>
+          </a:lnRef>
+          <a:fillRef idx="1">
+            <a:schemeClr val="accent1"/>
+          </a:fillRef>
+          <a:effectRef idx="0">
+            <a:schemeClr val="accent1"/>
+          </a:effectRef>
+          <a:fontRef idx="minor">
+            <a:schemeClr val="lt1"/>
+          </a:fontRef>
+        </p:style>
+        <p:txBody>
+          <a:bodyPr rtlCol="0" anchor="ctr"/>
+          <a:lstStyle/>
+          <a:p>
+            <a:pPr algn="ctr"/>
+            <a:endParaRPr lang="pt-BR" sz="1200"/>
+          </a:p>
+        </p:txBody>
+      </p:sp>
+      <p:sp>
+        <p:nvSpPr>
+          <p:cNvPr id="145" name="Retângulo 144"/>
+          <p:cNvSpPr/>
+          <p:nvPr/>
+        </p:nvSpPr>
+        <p:spPr>
+          <a:xfrm>
+            <a:off x="4550377" y="3508962"/>
+            <a:ext cx="303285" cy="406789"/>
+          </a:xfrm>
+          <a:prstGeom prst="rect">
+            <a:avLst/>
+          </a:prstGeom>
+          <a:noFill/>
+        </p:spPr>
+        <p:style>
+          <a:lnRef idx="2">
+            <a:schemeClr val="accent1">
+              <a:shade val="50000"/>
+            </a:schemeClr>
+          </a:lnRef>
+          <a:fillRef idx="1">
+            <a:schemeClr val="accent1"/>
+          </a:fillRef>
+          <a:effectRef idx="0">
+            <a:schemeClr val="accent1"/>
+          </a:effectRef>
+          <a:fontRef idx="minor">
+            <a:schemeClr val="lt1"/>
+          </a:fontRef>
+        </p:style>
+        <p:txBody>
+          <a:bodyPr rtlCol="0" anchor="ctr"/>
+          <a:lstStyle/>
+          <a:p>
+            <a:pPr algn="ctr"/>
+            <a:endParaRPr lang="pt-BR" sz="1200"/>
+          </a:p>
+        </p:txBody>
+      </p:sp>
+      <p:sp>
+        <p:nvSpPr>
+          <p:cNvPr id="146" name="Retângulo 145"/>
+          <p:cNvSpPr/>
+          <p:nvPr/>
+        </p:nvSpPr>
+        <p:spPr>
+          <a:xfrm>
+            <a:off x="4247092" y="3913936"/>
+            <a:ext cx="303285" cy="406789"/>
+          </a:xfrm>
+          <a:prstGeom prst="rect">
+            <a:avLst/>
+          </a:prstGeom>
+          <a:noFill/>
+        </p:spPr>
+        <p:style>
+          <a:lnRef idx="2">
+            <a:schemeClr val="accent1">
+              <a:shade val="50000"/>
+            </a:schemeClr>
+          </a:lnRef>
+          <a:fillRef idx="1">
+            <a:schemeClr val="accent1"/>
+          </a:fillRef>
+          <a:effectRef idx="0">
+            <a:schemeClr val="accent1"/>
+          </a:effectRef>
+          <a:fontRef idx="minor">
+            <a:schemeClr val="lt1"/>
+          </a:fontRef>
+        </p:style>
+        <p:txBody>
+          <a:bodyPr rtlCol="0" anchor="ctr"/>
+          <a:lstStyle/>
+          <a:p>
+            <a:pPr algn="ctr"/>
+            <a:endParaRPr lang="pt-BR" sz="1200"/>
+          </a:p>
+        </p:txBody>
+      </p:sp>
+      <p:sp>
+        <p:nvSpPr>
+          <p:cNvPr id="147" name="Retângulo 146"/>
+          <p:cNvSpPr/>
+          <p:nvPr/>
+        </p:nvSpPr>
+        <p:spPr>
+          <a:xfrm>
+            <a:off x="4550377" y="3913936"/>
+            <a:ext cx="303285" cy="406789"/>
+          </a:xfrm>
+          <a:prstGeom prst="rect">
+            <a:avLst/>
+          </a:prstGeom>
+          <a:noFill/>
+        </p:spPr>
+        <p:style>
+          <a:lnRef idx="2">
+            <a:schemeClr val="accent1">
+              <a:shade val="50000"/>
+            </a:schemeClr>
+          </a:lnRef>
+          <a:fillRef idx="1">
+            <a:schemeClr val="accent1"/>
+          </a:fillRef>
+          <a:effectRef idx="0">
+            <a:schemeClr val="accent1"/>
+          </a:effectRef>
+          <a:fontRef idx="minor">
+            <a:schemeClr val="lt1"/>
+          </a:fontRef>
+        </p:style>
+        <p:txBody>
+          <a:bodyPr rtlCol="0" anchor="ctr"/>
+          <a:lstStyle/>
+          <a:p>
+            <a:pPr algn="ctr"/>
+            <a:endParaRPr lang="pt-BR" sz="1200"/>
+          </a:p>
+        </p:txBody>
+      </p:sp>
+      <p:sp>
+        <p:nvSpPr>
+          <p:cNvPr id="148" name="Retângulo 147"/>
+          <p:cNvSpPr/>
+          <p:nvPr/>
+        </p:nvSpPr>
+        <p:spPr>
+          <a:xfrm>
+            <a:off x="4247092" y="4322538"/>
+            <a:ext cx="303285" cy="406789"/>
+          </a:xfrm>
+          <a:prstGeom prst="rect">
+            <a:avLst/>
+          </a:prstGeom>
+          <a:noFill/>
+        </p:spPr>
+        <p:style>
+          <a:lnRef idx="2">
+            <a:schemeClr val="accent1">
+              <a:shade val="50000"/>
+            </a:schemeClr>
+          </a:lnRef>
+          <a:fillRef idx="1">
+            <a:schemeClr val="accent1"/>
+          </a:fillRef>
+          <a:effectRef idx="0">
+            <a:schemeClr val="accent1"/>
+          </a:effectRef>
+          <a:fontRef idx="minor">
+            <a:schemeClr val="lt1"/>
+          </a:fontRef>
+        </p:style>
+        <p:txBody>
+          <a:bodyPr rtlCol="0" anchor="ctr"/>
+          <a:lstStyle/>
+          <a:p>
+            <a:pPr algn="ctr"/>
+            <a:endParaRPr lang="pt-BR" sz="1200"/>
+          </a:p>
+        </p:txBody>
+      </p:sp>
+      <p:sp>
+        <p:nvSpPr>
+          <p:cNvPr id="149" name="Retângulo 148"/>
+          <p:cNvSpPr/>
+          <p:nvPr/>
+        </p:nvSpPr>
+        <p:spPr>
+          <a:xfrm>
+            <a:off x="4550377" y="4322538"/>
+            <a:ext cx="303285" cy="406789"/>
+          </a:xfrm>
+          <a:prstGeom prst="rect">
+            <a:avLst/>
+          </a:prstGeom>
+          <a:noFill/>
+        </p:spPr>
+        <p:style>
+          <a:lnRef idx="2">
+            <a:schemeClr val="accent1">
+              <a:shade val="50000"/>
+            </a:schemeClr>
+          </a:lnRef>
+          <a:fillRef idx="1">
+            <a:schemeClr val="accent1"/>
+          </a:fillRef>
+          <a:effectRef idx="0">
+            <a:schemeClr val="accent1"/>
+          </a:effectRef>
+          <a:fontRef idx="minor">
+            <a:schemeClr val="lt1"/>
+          </a:fontRef>
+        </p:style>
+        <p:txBody>
+          <a:bodyPr rtlCol="0" anchor="ctr"/>
+          <a:lstStyle/>
+          <a:p>
+            <a:pPr algn="ctr"/>
+            <a:endParaRPr lang="pt-BR" sz="1200"/>
+          </a:p>
+        </p:txBody>
+      </p:sp>
+      <p:sp>
+        <p:nvSpPr>
+          <p:cNvPr id="185" name="Retângulo 184"/>
+          <p:cNvSpPr/>
+          <p:nvPr/>
+        </p:nvSpPr>
+        <p:spPr>
+          <a:xfrm>
+            <a:off x="4247092" y="4723882"/>
+            <a:ext cx="303285" cy="406789"/>
+          </a:xfrm>
+          <a:prstGeom prst="rect">
+            <a:avLst/>
+          </a:prstGeom>
+          <a:pattFill prst="wdDnDiag">
+            <a:fgClr>
+              <a:schemeClr val="accent1">
+                <a:lumMod val="60000"/>
+                <a:lumOff val="40000"/>
+              </a:schemeClr>
+            </a:fgClr>
+            <a:bgClr>
+              <a:schemeClr val="bg1"/>
+            </a:bgClr>
+          </a:pattFill>
+        </p:spPr>
+        <p:style>
+          <a:lnRef idx="2">
+            <a:schemeClr val="accent1">
+              <a:shade val="50000"/>
+            </a:schemeClr>
+          </a:lnRef>
+          <a:fillRef idx="1">
+            <a:schemeClr val="accent1"/>
+          </a:fillRef>
+          <a:effectRef idx="0">
+            <a:schemeClr val="accent1"/>
+          </a:effectRef>
+          <a:fontRef idx="minor">
+            <a:schemeClr val="lt1"/>
+          </a:fontRef>
+        </p:style>
+        <p:txBody>
+          <a:bodyPr rtlCol="0" anchor="ctr"/>
+          <a:lstStyle/>
+          <a:p>
+            <a:pPr algn="ctr"/>
+            <a:endParaRPr lang="pt-BR" sz="1200"/>
+          </a:p>
+        </p:txBody>
+      </p:sp>
+      <p:sp>
+        <p:nvSpPr>
+          <p:cNvPr id="186" name="Retângulo 185"/>
+          <p:cNvSpPr/>
+          <p:nvPr/>
+        </p:nvSpPr>
+        <p:spPr>
+          <a:xfrm>
+            <a:off x="4550377" y="4723882"/>
+            <a:ext cx="303285" cy="406789"/>
+          </a:xfrm>
+          <a:prstGeom prst="rect">
+            <a:avLst/>
+          </a:prstGeom>
+          <a:pattFill prst="wdDnDiag">
+            <a:fgClr>
+              <a:schemeClr val="accent1">
+                <a:lumMod val="60000"/>
+                <a:lumOff val="40000"/>
+              </a:schemeClr>
+            </a:fgClr>
+            <a:bgClr>
+              <a:schemeClr val="bg1"/>
+            </a:bgClr>
+          </a:pattFill>
+        </p:spPr>
+        <p:style>
+          <a:lnRef idx="2">
+            <a:schemeClr val="accent1">
+              <a:shade val="50000"/>
+            </a:schemeClr>
+          </a:lnRef>
+          <a:fillRef idx="1">
+            <a:schemeClr val="accent1"/>
+          </a:fillRef>
+          <a:effectRef idx="0">
+            <a:schemeClr val="accent1"/>
+          </a:effectRef>
+          <a:fontRef idx="minor">
+            <a:schemeClr val="lt1"/>
+          </a:fontRef>
+        </p:style>
+        <p:txBody>
+          <a:bodyPr rtlCol="0" anchor="ctr"/>
+          <a:lstStyle/>
+          <a:p>
+            <a:pPr algn="ctr"/>
+            <a:endParaRPr lang="pt-BR" sz="1200"/>
+          </a:p>
+        </p:txBody>
+      </p:sp>
+      <p:sp>
+        <p:nvSpPr>
+          <p:cNvPr id="187" name="Retângulo 186"/>
+          <p:cNvSpPr/>
+          <p:nvPr/>
+        </p:nvSpPr>
+        <p:spPr>
+          <a:xfrm>
+            <a:off x="4247092" y="5130671"/>
+            <a:ext cx="303285" cy="406789"/>
+          </a:xfrm>
+          <a:prstGeom prst="rect">
+            <a:avLst/>
+          </a:prstGeom>
+          <a:pattFill prst="wdDnDiag">
+            <a:fgClr>
+              <a:schemeClr val="accent1">
+                <a:lumMod val="60000"/>
+                <a:lumOff val="40000"/>
+              </a:schemeClr>
+            </a:fgClr>
+            <a:bgClr>
+              <a:schemeClr val="bg1"/>
+            </a:bgClr>
+          </a:pattFill>
+        </p:spPr>
+        <p:style>
+          <a:lnRef idx="2">
+            <a:schemeClr val="accent1">
+              <a:shade val="50000"/>
+            </a:schemeClr>
+          </a:lnRef>
+          <a:fillRef idx="1">
+            <a:schemeClr val="accent1"/>
+          </a:fillRef>
+          <a:effectRef idx="0">
+            <a:schemeClr val="accent1"/>
+          </a:effectRef>
+          <a:fontRef idx="minor">
+            <a:schemeClr val="lt1"/>
+          </a:fontRef>
+        </p:style>
+        <p:txBody>
+          <a:bodyPr rtlCol="0" anchor="ctr"/>
+          <a:lstStyle/>
+          <a:p>
+            <a:pPr algn="ctr"/>
+            <a:endParaRPr lang="pt-BR" sz="1200"/>
+          </a:p>
+        </p:txBody>
+      </p:sp>
+      <p:sp>
+        <p:nvSpPr>
+          <p:cNvPr id="188" name="Retângulo 187"/>
+          <p:cNvSpPr/>
+          <p:nvPr/>
+        </p:nvSpPr>
+        <p:spPr>
+          <a:xfrm>
+            <a:off x="4550377" y="5130670"/>
+            <a:ext cx="303285" cy="406789"/>
+          </a:xfrm>
+          <a:prstGeom prst="rect">
+            <a:avLst/>
+          </a:prstGeom>
+          <a:pattFill prst="wdDnDiag">
+            <a:fgClr>
+              <a:schemeClr val="accent1">
+                <a:lumMod val="60000"/>
+                <a:lumOff val="40000"/>
+              </a:schemeClr>
+            </a:fgClr>
+            <a:bgClr>
+              <a:schemeClr val="bg1"/>
+            </a:bgClr>
+          </a:pattFill>
+        </p:spPr>
+        <p:style>
+          <a:lnRef idx="2">
+            <a:schemeClr val="accent1">
+              <a:shade val="50000"/>
+            </a:schemeClr>
+          </a:lnRef>
+          <a:fillRef idx="1">
+            <a:schemeClr val="accent1"/>
+          </a:fillRef>
+          <a:effectRef idx="0">
+            <a:schemeClr val="accent1"/>
+          </a:effectRef>
+          <a:fontRef idx="minor">
+            <a:schemeClr val="lt1"/>
+          </a:fontRef>
+        </p:style>
+        <p:txBody>
+          <a:bodyPr rtlCol="0" anchor="ctr"/>
+          <a:lstStyle/>
+          <a:p>
+            <a:pPr algn="ctr"/>
+            <a:endParaRPr lang="pt-BR" sz="1200"/>
+          </a:p>
+        </p:txBody>
+      </p:sp>
+      <p:sp>
+        <p:nvSpPr>
+          <p:cNvPr id="189" name="Retângulo 188"/>
+          <p:cNvSpPr/>
+          <p:nvPr/>
+        </p:nvSpPr>
+        <p:spPr>
+          <a:xfrm>
+            <a:off x="4247092" y="5537458"/>
+            <a:ext cx="303285" cy="406789"/>
+          </a:xfrm>
+          <a:prstGeom prst="rect">
+            <a:avLst/>
+          </a:prstGeom>
+          <a:pattFill prst="wdDnDiag">
+            <a:fgClr>
+              <a:schemeClr val="accent1">
+                <a:lumMod val="60000"/>
+                <a:lumOff val="40000"/>
+              </a:schemeClr>
+            </a:fgClr>
+            <a:bgClr>
+              <a:schemeClr val="bg1"/>
+            </a:bgClr>
+          </a:pattFill>
+        </p:spPr>
+        <p:style>
+          <a:lnRef idx="2">
+            <a:schemeClr val="accent1">
+              <a:shade val="50000"/>
+            </a:schemeClr>
+          </a:lnRef>
+          <a:fillRef idx="1">
+            <a:schemeClr val="accent1"/>
+          </a:fillRef>
+          <a:effectRef idx="0">
+            <a:schemeClr val="accent1"/>
+          </a:effectRef>
+          <a:fontRef idx="minor">
+            <a:schemeClr val="lt1"/>
+          </a:fontRef>
+        </p:style>
+        <p:txBody>
+          <a:bodyPr rtlCol="0" anchor="ctr"/>
+          <a:lstStyle/>
+          <a:p>
+            <a:pPr algn="ctr"/>
+            <a:endParaRPr lang="pt-BR" sz="1200"/>
+          </a:p>
+        </p:txBody>
+      </p:sp>
+      <p:sp>
+        <p:nvSpPr>
+          <p:cNvPr id="190" name="Retângulo 189"/>
+          <p:cNvSpPr/>
+          <p:nvPr/>
+        </p:nvSpPr>
+        <p:spPr>
+          <a:xfrm>
+            <a:off x="4550377" y="5537458"/>
+            <a:ext cx="303285" cy="406789"/>
+          </a:xfrm>
+          <a:prstGeom prst="rect">
+            <a:avLst/>
+          </a:prstGeom>
+          <a:pattFill prst="wdDnDiag">
+            <a:fgClr>
+              <a:schemeClr val="accent1">
+                <a:lumMod val="60000"/>
+                <a:lumOff val="40000"/>
+              </a:schemeClr>
+            </a:fgClr>
+            <a:bgClr>
+              <a:schemeClr val="bg1"/>
+            </a:bgClr>
+          </a:pattFill>
+        </p:spPr>
+        <p:style>
+          <a:lnRef idx="2">
+            <a:schemeClr val="accent1">
+              <a:shade val="50000"/>
+            </a:schemeClr>
+          </a:lnRef>
+          <a:fillRef idx="1">
+            <a:schemeClr val="accent1"/>
+          </a:fillRef>
+          <a:effectRef idx="0">
+            <a:schemeClr val="accent1"/>
+          </a:effectRef>
+          <a:fontRef idx="minor">
+            <a:schemeClr val="lt1"/>
+          </a:fontRef>
+        </p:style>
+        <p:txBody>
+          <a:bodyPr rtlCol="0" anchor="ctr"/>
+          <a:lstStyle/>
+          <a:p>
+            <a:pPr algn="ctr"/>
+            <a:endParaRPr lang="pt-BR" sz="1200"/>
+          </a:p>
+        </p:txBody>
+      </p:sp>
+      <p:grpSp>
+        <p:nvGrpSpPr>
+          <p:cNvPr id="192" name="Grupo 191"/>
+          <p:cNvGrpSpPr/>
+          <p:nvPr/>
+        </p:nvGrpSpPr>
+        <p:grpSpPr>
+          <a:xfrm>
+            <a:off x="2424803" y="2960550"/>
+            <a:ext cx="3482068" cy="2980998"/>
+            <a:chOff x="1006435" y="1387439"/>
+            <a:chExt cx="9788234" cy="4345075"/>
+          </a:xfrm>
+        </p:grpSpPr>
+        <p:cxnSp>
+          <p:nvCxnSpPr>
+            <p:cNvPr id="193" name="Conector de seta reta 192"/>
+            <p:cNvCxnSpPr/>
+            <p:nvPr/>
+          </p:nvCxnSpPr>
+          <p:spPr>
+            <a:xfrm flipV="1">
+              <a:off x="1006435" y="1387439"/>
+              <a:ext cx="0" cy="4345075"/>
+            </a:xfrm>
+            <a:prstGeom prst="straightConnector1">
+              <a:avLst/>
+            </a:prstGeom>
+            <a:ln>
+              <a:tailEnd type="triangle"/>
+            </a:ln>
+          </p:spPr>
+          <p:style>
+            <a:lnRef idx="1">
+              <a:schemeClr val="accent1"/>
+            </a:lnRef>
+            <a:fillRef idx="0">
+              <a:schemeClr val="accent1"/>
+            </a:fillRef>
+            <a:effectRef idx="0">
+              <a:schemeClr val="accent1"/>
+            </a:effectRef>
+            <a:fontRef idx="minor">
+              <a:schemeClr val="tx1"/>
+            </a:fontRef>
+          </p:style>
+        </p:cxnSp>
+        <p:cxnSp>
+          <p:nvCxnSpPr>
+            <p:cNvPr id="194" name="Conector de seta reta 193"/>
+            <p:cNvCxnSpPr/>
+            <p:nvPr/>
+          </p:nvCxnSpPr>
+          <p:spPr>
+            <a:xfrm>
+              <a:off x="1006435" y="5725127"/>
+              <a:ext cx="9788234" cy="7387"/>
+            </a:xfrm>
+            <a:prstGeom prst="straightConnector1">
+              <a:avLst/>
+            </a:prstGeom>
+            <a:ln>
+              <a:tailEnd type="triangle"/>
+            </a:ln>
+          </p:spPr>
+          <p:style>
+            <a:lnRef idx="1">
+              <a:schemeClr val="accent1"/>
+            </a:lnRef>
+            <a:fillRef idx="0">
+              <a:schemeClr val="accent1"/>
+            </a:fillRef>
+            <a:effectRef idx="0">
+              <a:schemeClr val="accent1"/>
+            </a:effectRef>
+            <a:fontRef idx="minor">
+              <a:schemeClr val="tx1"/>
+            </a:fontRef>
+          </p:style>
+        </p:cxnSp>
+      </p:grpSp>
+      <p:sp>
+        <p:nvSpPr>
+          <p:cNvPr id="195" name="CaixaDeTexto 194"/>
+          <p:cNvSpPr txBox="1"/>
+          <p:nvPr/>
+        </p:nvSpPr>
+        <p:spPr>
+          <a:xfrm>
+            <a:off x="5474160" y="5924580"/>
+            <a:ext cx="396519" cy="276999"/>
+          </a:xfrm>
+          <a:prstGeom prst="rect">
+            <a:avLst/>
+          </a:prstGeom>
+          <a:noFill/>
+        </p:spPr>
+        <p:txBody>
+          <a:bodyPr wrap="none" rtlCol="0">
+            <a:spAutoFit/>
+          </a:bodyPr>
+          <a:lstStyle/>
+          <a:p>
+            <a:r>
+              <a:rPr lang="pt-BR" sz="1200" dirty="0" smtClean="0"/>
+              <a:t>U,V</a:t>
+            </a:r>
+            <a:endParaRPr lang="pt-BR" sz="1200" dirty="0"/>
+          </a:p>
+        </p:txBody>
+      </p:sp>
+      <p:sp>
+        <p:nvSpPr>
+          <p:cNvPr id="196" name="CaixaDeTexto 195"/>
+          <p:cNvSpPr txBox="1"/>
+          <p:nvPr/>
+        </p:nvSpPr>
+        <p:spPr>
+          <a:xfrm>
+            <a:off x="2062173" y="2960550"/>
+            <a:ext cx="320922" cy="276999"/>
+          </a:xfrm>
+          <a:prstGeom prst="rect">
+            <a:avLst/>
+          </a:prstGeom>
+          <a:noFill/>
+        </p:spPr>
+        <p:txBody>
+          <a:bodyPr wrap="none" rtlCol="0">
+            <a:spAutoFit/>
+          </a:bodyPr>
+          <a:lstStyle/>
+          <a:p>
+            <a:r>
+              <a:rPr lang="pt-BR" sz="1200" dirty="0" smtClean="0"/>
+              <a:t>W</a:t>
+            </a:r>
+            <a:endParaRPr lang="pt-BR" sz="1200" dirty="0"/>
+          </a:p>
+        </p:txBody>
+      </p:sp>
+      <p:sp>
+        <p:nvSpPr>
+          <p:cNvPr id="197" name="CaixaDeTexto 196"/>
+          <p:cNvSpPr txBox="1"/>
+          <p:nvPr/>
+        </p:nvSpPr>
+        <p:spPr>
+          <a:xfrm>
+            <a:off x="2230695" y="5968740"/>
+            <a:ext cx="380232" cy="276999"/>
+          </a:xfrm>
+          <a:prstGeom prst="rect">
+            <a:avLst/>
+          </a:prstGeom>
+          <a:noFill/>
+        </p:spPr>
+        <p:txBody>
+          <a:bodyPr wrap="none" rtlCol="0">
+            <a:spAutoFit/>
+          </a:bodyPr>
+          <a:lstStyle/>
+          <a:p>
+            <a:r>
+              <a:rPr lang="pt-BR" sz="1200" dirty="0" smtClean="0"/>
+              <a:t>0.0</a:t>
+            </a:r>
+            <a:endParaRPr lang="pt-BR" sz="1200" dirty="0"/>
+          </a:p>
+        </p:txBody>
+      </p:sp>
+      <p:sp>
+        <p:nvSpPr>
+          <p:cNvPr id="198" name="CaixaDeTexto 197"/>
+          <p:cNvSpPr txBox="1"/>
+          <p:nvPr/>
+        </p:nvSpPr>
+        <p:spPr>
+          <a:xfrm>
+            <a:off x="4620995" y="5993232"/>
+            <a:ext cx="380232" cy="276999"/>
+          </a:xfrm>
+          <a:prstGeom prst="rect">
+            <a:avLst/>
+          </a:prstGeom>
+          <a:noFill/>
+        </p:spPr>
+        <p:txBody>
+          <a:bodyPr wrap="none" rtlCol="0">
+            <a:spAutoFit/>
+          </a:bodyPr>
+          <a:lstStyle/>
+          <a:p>
+            <a:r>
+              <a:rPr lang="pt-BR" sz="1200" dirty="0" smtClean="0"/>
+              <a:t>1.0</a:t>
+            </a:r>
+            <a:endParaRPr lang="pt-BR" sz="1200" dirty="0"/>
+          </a:p>
+        </p:txBody>
+      </p:sp>
+      <p:sp>
+        <p:nvSpPr>
+          <p:cNvPr id="199" name="CaixaDeTexto 198"/>
+          <p:cNvSpPr txBox="1"/>
+          <p:nvPr/>
+        </p:nvSpPr>
+        <p:spPr>
+          <a:xfrm>
+            <a:off x="2007551" y="5802744"/>
+            <a:ext cx="380232" cy="276999"/>
+          </a:xfrm>
+          <a:prstGeom prst="rect">
+            <a:avLst/>
+          </a:prstGeom>
+          <a:noFill/>
+        </p:spPr>
+        <p:txBody>
+          <a:bodyPr wrap="none" rtlCol="0">
+            <a:spAutoFit/>
+          </a:bodyPr>
+          <a:lstStyle/>
+          <a:p>
+            <a:r>
+              <a:rPr lang="pt-BR" sz="1200" dirty="0" smtClean="0"/>
+              <a:t>0.0</a:t>
+            </a:r>
+            <a:endParaRPr lang="pt-BR" sz="1200" dirty="0"/>
+          </a:p>
+        </p:txBody>
+      </p:sp>
+      <p:sp>
+        <p:nvSpPr>
+          <p:cNvPr id="200" name="CaixaDeTexto 199"/>
+          <p:cNvSpPr txBox="1"/>
+          <p:nvPr/>
+        </p:nvSpPr>
+        <p:spPr>
+          <a:xfrm>
+            <a:off x="2002904" y="3370702"/>
+            <a:ext cx="380232" cy="276999"/>
+          </a:xfrm>
+          <a:prstGeom prst="rect">
+            <a:avLst/>
+          </a:prstGeom>
+          <a:noFill/>
+        </p:spPr>
+        <p:txBody>
+          <a:bodyPr wrap="none" rtlCol="0">
+            <a:spAutoFit/>
+          </a:bodyPr>
+          <a:lstStyle/>
+          <a:p>
+            <a:r>
+              <a:rPr lang="pt-BR" sz="1200" dirty="0" smtClean="0"/>
+              <a:t>1.0</a:t>
+            </a:r>
+            <a:endParaRPr lang="pt-BR" sz="1200" dirty="0"/>
+          </a:p>
+        </p:txBody>
+      </p:sp>
+      <p:sp>
+        <p:nvSpPr>
+          <p:cNvPr id="201" name="Chave direita 200"/>
+          <p:cNvSpPr/>
+          <p:nvPr/>
+        </p:nvSpPr>
+        <p:spPr>
+          <a:xfrm>
+            <a:off x="7462155" y="794487"/>
+            <a:ext cx="318407" cy="1820669"/>
+          </a:xfrm>
+          <a:prstGeom prst="rightBrace">
+            <a:avLst/>
+          </a:prstGeom>
+        </p:spPr>
+        <p:style>
+          <a:lnRef idx="1">
+            <a:schemeClr val="accent1"/>
+          </a:lnRef>
+          <a:fillRef idx="0">
+            <a:schemeClr val="accent1"/>
+          </a:fillRef>
+          <a:effectRef idx="0">
+            <a:schemeClr val="accent1"/>
+          </a:effectRef>
+          <a:fontRef idx="minor">
+            <a:schemeClr val="tx1"/>
+          </a:fontRef>
+        </p:style>
+        <p:txBody>
+          <a:bodyPr rtlCol="0" anchor="ctr"/>
+          <a:lstStyle/>
+          <a:p>
+            <a:pPr algn="ctr"/>
+            <a:endParaRPr lang="pt-BR" sz="1200"/>
+          </a:p>
+        </p:txBody>
+      </p:sp>
+      <p:sp>
+        <p:nvSpPr>
+          <p:cNvPr id="202" name="CaixaDeTexto 201"/>
+          <p:cNvSpPr txBox="1"/>
+          <p:nvPr/>
+        </p:nvSpPr>
+        <p:spPr>
+          <a:xfrm>
+            <a:off x="7732941" y="1549305"/>
+            <a:ext cx="997389" cy="276999"/>
+          </a:xfrm>
+          <a:prstGeom prst="rect">
+            <a:avLst/>
+          </a:prstGeom>
+          <a:noFill/>
+        </p:spPr>
+        <p:txBody>
+          <a:bodyPr wrap="none" rtlCol="0">
+            <a:spAutoFit/>
+          </a:bodyPr>
+          <a:lstStyle/>
+          <a:p>
+            <a:r>
+              <a:rPr lang="pt-BR" sz="1200" dirty="0" smtClean="0"/>
+              <a:t>actual model</a:t>
+            </a:r>
+            <a:endParaRPr lang="pt-BR" sz="1200" dirty="0"/>
+          </a:p>
+        </p:txBody>
+      </p:sp>
+      <p:sp>
+        <p:nvSpPr>
+          <p:cNvPr id="203" name="Chave direita 202"/>
+          <p:cNvSpPr/>
+          <p:nvPr/>
+        </p:nvSpPr>
+        <p:spPr>
+          <a:xfrm>
+            <a:off x="6902912" y="3498221"/>
+            <a:ext cx="318407" cy="2426360"/>
+          </a:xfrm>
+          <a:prstGeom prst="rightBrace">
+            <a:avLst/>
+          </a:prstGeom>
+        </p:spPr>
+        <p:style>
+          <a:lnRef idx="1">
+            <a:schemeClr val="accent1"/>
+          </a:lnRef>
+          <a:fillRef idx="0">
+            <a:schemeClr val="accent1"/>
+          </a:fillRef>
+          <a:effectRef idx="0">
+            <a:schemeClr val="accent1"/>
+          </a:effectRef>
+          <a:fontRef idx="minor">
+            <a:schemeClr val="tx1"/>
+          </a:fontRef>
+        </p:style>
+        <p:txBody>
+          <a:bodyPr rtlCol="0" anchor="ctr"/>
+          <a:lstStyle/>
+          <a:p>
+            <a:pPr algn="ctr"/>
+            <a:endParaRPr lang="pt-BR" sz="1200"/>
+          </a:p>
+        </p:txBody>
+      </p:sp>
+      <p:sp>
+        <p:nvSpPr>
+          <p:cNvPr id="204" name="CaixaDeTexto 203"/>
+          <p:cNvSpPr txBox="1"/>
+          <p:nvPr/>
+        </p:nvSpPr>
+        <p:spPr>
+          <a:xfrm>
+            <a:off x="7173698" y="4564825"/>
+            <a:ext cx="1603901" cy="276999"/>
+          </a:xfrm>
+          <a:prstGeom prst="rect">
+            <a:avLst/>
+          </a:prstGeom>
+          <a:noFill/>
+        </p:spPr>
+        <p:txBody>
+          <a:bodyPr wrap="none" rtlCol="0">
+            <a:spAutoFit/>
+          </a:bodyPr>
+          <a:lstStyle/>
+          <a:p>
+            <a:r>
+              <a:rPr lang="pt-BR" sz="1200" dirty="0" smtClean="0"/>
+              <a:t>what GSLib works with</a:t>
+            </a:r>
+            <a:endParaRPr lang="pt-BR" sz="1200" dirty="0"/>
+          </a:p>
+        </p:txBody>
+      </p:sp>
+      <p:grpSp>
+        <p:nvGrpSpPr>
+          <p:cNvPr id="228" name="Grupo 227"/>
+          <p:cNvGrpSpPr/>
+          <p:nvPr/>
+        </p:nvGrpSpPr>
+        <p:grpSpPr>
+          <a:xfrm>
+            <a:off x="1730088" y="681471"/>
+            <a:ext cx="329045" cy="1464965"/>
+            <a:chOff x="1730088" y="681471"/>
+            <a:chExt cx="329045" cy="1464965"/>
+          </a:xfrm>
+          <a:solidFill>
+            <a:srgbClr val="00B050"/>
+          </a:solidFill>
+        </p:grpSpPr>
+        <p:sp>
+          <p:nvSpPr>
+            <p:cNvPr id="205" name="Elipse 204"/>
+            <p:cNvSpPr/>
+            <p:nvPr/>
+          </p:nvSpPr>
+          <p:spPr>
+            <a:xfrm>
+              <a:off x="2005694" y="681471"/>
+              <a:ext cx="53439" cy="53439"/>
+            </a:xfrm>
+            <a:prstGeom prst="ellipse">
+              <a:avLst/>
+            </a:prstGeom>
+            <a:grpFill/>
+            <a:ln>
+              <a:noFill/>
+            </a:ln>
+          </p:spPr>
+          <p:style>
+            <a:lnRef idx="2">
+              <a:schemeClr val="accent1">
+                <a:shade val="50000"/>
+              </a:schemeClr>
+            </a:lnRef>
+            <a:fillRef idx="1">
+              <a:schemeClr val="accent1"/>
+            </a:fillRef>
+            <a:effectRef idx="0">
+              <a:schemeClr val="accent1"/>
+            </a:effectRef>
+            <a:fontRef idx="minor">
+              <a:schemeClr val="lt1"/>
+            </a:fontRef>
+          </p:style>
+          <p:txBody>
+            <a:bodyPr rtlCol="0" anchor="ctr"/>
+            <a:lstStyle/>
+            <a:p>
+              <a:pPr algn="ctr"/>
+              <a:endParaRPr lang="pt-BR" sz="1200"/>
+            </a:p>
+          </p:txBody>
+        </p:sp>
+        <p:sp>
+          <p:nvSpPr>
+            <p:cNvPr id="206" name="Elipse 205"/>
+            <p:cNvSpPr/>
+            <p:nvPr/>
+          </p:nvSpPr>
+          <p:spPr>
+            <a:xfrm>
+              <a:off x="1978974" y="928532"/>
+              <a:ext cx="53439" cy="53439"/>
+            </a:xfrm>
+            <a:prstGeom prst="ellipse">
+              <a:avLst/>
+            </a:prstGeom>
+            <a:grpFill/>
+            <a:ln>
+              <a:noFill/>
+            </a:ln>
+          </p:spPr>
+          <p:style>
+            <a:lnRef idx="2">
+              <a:schemeClr val="accent1">
+                <a:shade val="50000"/>
+              </a:schemeClr>
+            </a:lnRef>
+            <a:fillRef idx="1">
+              <a:schemeClr val="accent1"/>
+            </a:fillRef>
+            <a:effectRef idx="0">
+              <a:schemeClr val="accent1"/>
+            </a:effectRef>
+            <a:fontRef idx="minor">
+              <a:schemeClr val="lt1"/>
+            </a:fontRef>
+          </p:style>
+          <p:txBody>
+            <a:bodyPr rtlCol="0" anchor="ctr"/>
+            <a:lstStyle/>
+            <a:p>
+              <a:pPr algn="ctr"/>
+              <a:endParaRPr lang="pt-BR" sz="1200"/>
+            </a:p>
+          </p:txBody>
+        </p:sp>
+        <p:sp>
+          <p:nvSpPr>
+            <p:cNvPr id="207" name="Elipse 206"/>
+            <p:cNvSpPr/>
+            <p:nvPr/>
+          </p:nvSpPr>
+          <p:spPr>
+            <a:xfrm>
+              <a:off x="1952254" y="1165857"/>
+              <a:ext cx="53439" cy="53439"/>
+            </a:xfrm>
+            <a:prstGeom prst="ellipse">
+              <a:avLst/>
+            </a:prstGeom>
+            <a:grpFill/>
+            <a:ln>
+              <a:noFill/>
+            </a:ln>
+          </p:spPr>
+          <p:style>
+            <a:lnRef idx="2">
+              <a:schemeClr val="accent1">
+                <a:shade val="50000"/>
+              </a:schemeClr>
+            </a:lnRef>
+            <a:fillRef idx="1">
+              <a:schemeClr val="accent1"/>
+            </a:fillRef>
+            <a:effectRef idx="0">
+              <a:schemeClr val="accent1"/>
+            </a:effectRef>
+            <a:fontRef idx="minor">
+              <a:schemeClr val="lt1"/>
+            </a:fontRef>
+          </p:style>
+          <p:txBody>
+            <a:bodyPr rtlCol="0" anchor="ctr"/>
+            <a:lstStyle/>
+            <a:p>
+              <a:pPr algn="ctr"/>
+              <a:endParaRPr lang="pt-BR" sz="1200"/>
+            </a:p>
+          </p:txBody>
+        </p:sp>
+        <p:sp>
+          <p:nvSpPr>
+            <p:cNvPr id="208" name="Elipse 207"/>
+            <p:cNvSpPr/>
+            <p:nvPr/>
+          </p:nvSpPr>
+          <p:spPr>
+            <a:xfrm>
+              <a:off x="1903764" y="1381630"/>
+              <a:ext cx="53439" cy="53439"/>
+            </a:xfrm>
+            <a:prstGeom prst="ellipse">
+              <a:avLst/>
+            </a:prstGeom>
+            <a:grpFill/>
+            <a:ln>
+              <a:noFill/>
+            </a:ln>
+          </p:spPr>
+          <p:style>
+            <a:lnRef idx="2">
+              <a:schemeClr val="accent1">
+                <a:shade val="50000"/>
+              </a:schemeClr>
+            </a:lnRef>
+            <a:fillRef idx="1">
+              <a:schemeClr val="accent1"/>
+            </a:fillRef>
+            <a:effectRef idx="0">
+              <a:schemeClr val="accent1"/>
+            </a:effectRef>
+            <a:fontRef idx="minor">
+              <a:schemeClr val="lt1"/>
+            </a:fontRef>
+          </p:style>
+          <p:txBody>
+            <a:bodyPr rtlCol="0" anchor="ctr"/>
+            <a:lstStyle/>
+            <a:p>
+              <a:pPr algn="ctr"/>
+              <a:endParaRPr lang="pt-BR" sz="1200"/>
+            </a:p>
+          </p:txBody>
+        </p:sp>
+        <p:sp>
+          <p:nvSpPr>
+            <p:cNvPr id="209" name="Elipse 208"/>
+            <p:cNvSpPr/>
+            <p:nvPr/>
+          </p:nvSpPr>
+          <p:spPr>
+            <a:xfrm>
+              <a:off x="1863438" y="1627536"/>
+              <a:ext cx="53439" cy="53439"/>
+            </a:xfrm>
+            <a:prstGeom prst="ellipse">
+              <a:avLst/>
+            </a:prstGeom>
+            <a:grpFill/>
+            <a:ln>
+              <a:noFill/>
+            </a:ln>
+          </p:spPr>
+          <p:style>
+            <a:lnRef idx="2">
+              <a:schemeClr val="accent1">
+                <a:shade val="50000"/>
+              </a:schemeClr>
+            </a:lnRef>
+            <a:fillRef idx="1">
+              <a:schemeClr val="accent1"/>
+            </a:fillRef>
+            <a:effectRef idx="0">
+              <a:schemeClr val="accent1"/>
+            </a:effectRef>
+            <a:fontRef idx="minor">
+              <a:schemeClr val="lt1"/>
+            </a:fontRef>
+          </p:style>
+          <p:txBody>
+            <a:bodyPr rtlCol="0" anchor="ctr"/>
+            <a:lstStyle/>
+            <a:p>
+              <a:pPr algn="ctr"/>
+              <a:endParaRPr lang="pt-BR" sz="1200"/>
+            </a:p>
+          </p:txBody>
+        </p:sp>
+        <p:sp>
+          <p:nvSpPr>
+            <p:cNvPr id="210" name="Elipse 209"/>
+            <p:cNvSpPr/>
+            <p:nvPr/>
+          </p:nvSpPr>
+          <p:spPr>
+            <a:xfrm>
+              <a:off x="1783527" y="1891917"/>
+              <a:ext cx="53439" cy="53439"/>
+            </a:xfrm>
+            <a:prstGeom prst="ellipse">
+              <a:avLst/>
+            </a:prstGeom>
+            <a:grpFill/>
+            <a:ln>
+              <a:noFill/>
+            </a:ln>
+          </p:spPr>
+          <p:style>
+            <a:lnRef idx="2">
+              <a:schemeClr val="accent1">
+                <a:shade val="50000"/>
+              </a:schemeClr>
+            </a:lnRef>
+            <a:fillRef idx="1">
+              <a:schemeClr val="accent1"/>
+            </a:fillRef>
+            <a:effectRef idx="0">
+              <a:schemeClr val="accent1"/>
+            </a:effectRef>
+            <a:fontRef idx="minor">
+              <a:schemeClr val="lt1"/>
+            </a:fontRef>
+          </p:style>
+          <p:txBody>
+            <a:bodyPr rtlCol="0" anchor="ctr"/>
+            <a:lstStyle/>
+            <a:p>
+              <a:pPr algn="ctr"/>
+              <a:endParaRPr lang="pt-BR" sz="1200"/>
+            </a:p>
+          </p:txBody>
+        </p:sp>
+        <p:sp>
+          <p:nvSpPr>
+            <p:cNvPr id="211" name="Elipse 210"/>
+            <p:cNvSpPr/>
+            <p:nvPr/>
+          </p:nvSpPr>
+          <p:spPr>
+            <a:xfrm>
+              <a:off x="1730088" y="2092997"/>
+              <a:ext cx="53439" cy="53439"/>
+            </a:xfrm>
+            <a:prstGeom prst="ellipse">
+              <a:avLst/>
+            </a:prstGeom>
+            <a:grpFill/>
+            <a:ln>
+              <a:noFill/>
+            </a:ln>
+          </p:spPr>
+          <p:style>
+            <a:lnRef idx="2">
+              <a:schemeClr val="accent1">
+                <a:shade val="50000"/>
+              </a:schemeClr>
+            </a:lnRef>
+            <a:fillRef idx="1">
+              <a:schemeClr val="accent1"/>
+            </a:fillRef>
+            <a:effectRef idx="0">
+              <a:schemeClr val="accent1"/>
+            </a:effectRef>
+            <a:fontRef idx="minor">
+              <a:schemeClr val="lt1"/>
+            </a:fontRef>
+          </p:style>
+          <p:txBody>
+            <a:bodyPr rtlCol="0" anchor="ctr"/>
+            <a:lstStyle/>
+            <a:p>
+              <a:pPr algn="ctr"/>
+              <a:endParaRPr lang="pt-BR" sz="1200"/>
+            </a:p>
+          </p:txBody>
+        </p:sp>
+      </p:grpSp>
+      <p:sp>
+        <p:nvSpPr>
+          <p:cNvPr id="214" name="Elipse 213"/>
+          <p:cNvSpPr/>
+          <p:nvPr/>
+        </p:nvSpPr>
+        <p:spPr>
+          <a:xfrm>
+            <a:off x="2848346" y="743807"/>
+            <a:ext cx="53439" cy="53439"/>
+          </a:xfrm>
+          <a:prstGeom prst="ellipse">
+            <a:avLst/>
+          </a:prstGeom>
+          <a:solidFill>
+            <a:srgbClr val="FF0000"/>
+          </a:solidFill>
+          <a:ln>
+            <a:noFill/>
+          </a:ln>
+        </p:spPr>
+        <p:style>
+          <a:lnRef idx="2">
+            <a:schemeClr val="accent1">
+              <a:shade val="50000"/>
+            </a:schemeClr>
+          </a:lnRef>
+          <a:fillRef idx="1">
+            <a:schemeClr val="accent1"/>
+          </a:fillRef>
+          <a:effectRef idx="0">
+            <a:schemeClr val="accent1"/>
+          </a:effectRef>
+          <a:fontRef idx="minor">
+            <a:schemeClr val="lt1"/>
+          </a:fontRef>
+        </p:style>
+        <p:txBody>
+          <a:bodyPr rtlCol="0" anchor="ctr"/>
+          <a:lstStyle/>
+          <a:p>
+            <a:pPr algn="ctr"/>
+            <a:endParaRPr lang="pt-BR" sz="1200"/>
+          </a:p>
+        </p:txBody>
+      </p:sp>
+      <p:sp>
+        <p:nvSpPr>
+          <p:cNvPr id="215" name="Elipse 214"/>
+          <p:cNvSpPr/>
+          <p:nvPr/>
+        </p:nvSpPr>
+        <p:spPr>
+          <a:xfrm>
+            <a:off x="2821626" y="981971"/>
+            <a:ext cx="53439" cy="53439"/>
+          </a:xfrm>
+          <a:prstGeom prst="ellipse">
+            <a:avLst/>
+          </a:prstGeom>
+          <a:solidFill>
+            <a:srgbClr val="FF0000"/>
+          </a:solidFill>
+          <a:ln>
+            <a:noFill/>
+          </a:ln>
+        </p:spPr>
+        <p:style>
+          <a:lnRef idx="2">
+            <a:schemeClr val="accent1">
+              <a:shade val="50000"/>
+            </a:schemeClr>
+          </a:lnRef>
+          <a:fillRef idx="1">
+            <a:schemeClr val="accent1"/>
+          </a:fillRef>
+          <a:effectRef idx="0">
+            <a:schemeClr val="accent1"/>
+          </a:effectRef>
+          <a:fontRef idx="minor">
+            <a:schemeClr val="lt1"/>
+          </a:fontRef>
+        </p:style>
+        <p:txBody>
+          <a:bodyPr rtlCol="0" anchor="ctr"/>
+          <a:lstStyle/>
+          <a:p>
+            <a:pPr algn="ctr"/>
+            <a:endParaRPr lang="pt-BR" sz="1200"/>
+          </a:p>
+        </p:txBody>
+      </p:sp>
+      <p:sp>
+        <p:nvSpPr>
+          <p:cNvPr id="216" name="Elipse 215"/>
+          <p:cNvSpPr/>
+          <p:nvPr/>
+        </p:nvSpPr>
+        <p:spPr>
+          <a:xfrm>
+            <a:off x="2781677" y="1208325"/>
+            <a:ext cx="53439" cy="53439"/>
+          </a:xfrm>
+          <a:prstGeom prst="ellipse">
+            <a:avLst/>
+          </a:prstGeom>
+          <a:solidFill>
+            <a:srgbClr val="FF0000"/>
+          </a:solidFill>
+          <a:ln>
+            <a:noFill/>
+          </a:ln>
+        </p:spPr>
+        <p:style>
+          <a:lnRef idx="2">
+            <a:schemeClr val="accent1">
+              <a:shade val="50000"/>
+            </a:schemeClr>
+          </a:lnRef>
+          <a:fillRef idx="1">
+            <a:schemeClr val="accent1"/>
+          </a:fillRef>
+          <a:effectRef idx="0">
+            <a:schemeClr val="accent1"/>
+          </a:effectRef>
+          <a:fontRef idx="minor">
+            <a:schemeClr val="lt1"/>
+          </a:fontRef>
+        </p:style>
+        <p:txBody>
+          <a:bodyPr rtlCol="0" anchor="ctr"/>
+          <a:lstStyle/>
+          <a:p>
+            <a:pPr algn="ctr"/>
+            <a:endParaRPr lang="pt-BR" sz="1200"/>
+          </a:p>
+        </p:txBody>
+      </p:sp>
+      <p:sp>
+        <p:nvSpPr>
+          <p:cNvPr id="217" name="Elipse 216"/>
+          <p:cNvSpPr/>
+          <p:nvPr/>
+        </p:nvSpPr>
+        <p:spPr>
+          <a:xfrm>
+            <a:off x="2754957" y="1360268"/>
+            <a:ext cx="53439" cy="53439"/>
+          </a:xfrm>
+          <a:prstGeom prst="ellipse">
+            <a:avLst/>
+          </a:prstGeom>
+          <a:solidFill>
+            <a:srgbClr val="FF0000"/>
+          </a:solidFill>
+          <a:ln>
+            <a:noFill/>
+          </a:ln>
+        </p:spPr>
+        <p:style>
+          <a:lnRef idx="2">
+            <a:schemeClr val="accent1">
+              <a:shade val="50000"/>
+            </a:schemeClr>
+          </a:lnRef>
+          <a:fillRef idx="1">
+            <a:schemeClr val="accent1"/>
+          </a:fillRef>
+          <a:effectRef idx="0">
+            <a:schemeClr val="accent1"/>
+          </a:effectRef>
+          <a:fontRef idx="minor">
+            <a:schemeClr val="lt1"/>
+          </a:fontRef>
+        </p:style>
+        <p:txBody>
+          <a:bodyPr rtlCol="0" anchor="ctr"/>
+          <a:lstStyle/>
+          <a:p>
+            <a:pPr algn="ctr"/>
+            <a:endParaRPr lang="pt-BR" sz="1200"/>
+          </a:p>
+        </p:txBody>
+      </p:sp>
+      <p:sp>
+        <p:nvSpPr>
+          <p:cNvPr id="218" name="Elipse 217"/>
+          <p:cNvSpPr/>
+          <p:nvPr/>
+        </p:nvSpPr>
+        <p:spPr>
+          <a:xfrm>
+            <a:off x="2729227" y="1616168"/>
+            <a:ext cx="53439" cy="53439"/>
+          </a:xfrm>
+          <a:prstGeom prst="ellipse">
+            <a:avLst/>
+          </a:prstGeom>
+          <a:solidFill>
+            <a:srgbClr val="FF0000"/>
+          </a:solidFill>
+          <a:ln>
+            <a:noFill/>
+          </a:ln>
+        </p:spPr>
+        <p:style>
+          <a:lnRef idx="2">
+            <a:schemeClr val="accent1">
+              <a:shade val="50000"/>
+            </a:schemeClr>
+          </a:lnRef>
+          <a:fillRef idx="1">
+            <a:schemeClr val="accent1"/>
+          </a:fillRef>
+          <a:effectRef idx="0">
+            <a:schemeClr val="accent1"/>
+          </a:effectRef>
+          <a:fontRef idx="minor">
+            <a:schemeClr val="lt1"/>
+          </a:fontRef>
+        </p:style>
+        <p:txBody>
+          <a:bodyPr rtlCol="0" anchor="ctr"/>
+          <a:lstStyle/>
+          <a:p>
+            <a:pPr algn="ctr"/>
+            <a:endParaRPr lang="pt-BR" sz="1200"/>
+          </a:p>
+        </p:txBody>
+      </p:sp>
+      <p:sp>
+        <p:nvSpPr>
+          <p:cNvPr id="219" name="Elipse 218"/>
+          <p:cNvSpPr/>
+          <p:nvPr/>
+        </p:nvSpPr>
+        <p:spPr>
+          <a:xfrm>
+            <a:off x="2696504" y="1845251"/>
+            <a:ext cx="53439" cy="53439"/>
+          </a:xfrm>
+          <a:prstGeom prst="ellipse">
+            <a:avLst/>
+          </a:prstGeom>
+          <a:solidFill>
+            <a:srgbClr val="FF0000"/>
+          </a:solidFill>
+          <a:ln>
+            <a:noFill/>
+          </a:ln>
+        </p:spPr>
+        <p:style>
+          <a:lnRef idx="2">
+            <a:schemeClr val="accent1">
+              <a:shade val="50000"/>
+            </a:schemeClr>
+          </a:lnRef>
+          <a:fillRef idx="1">
+            <a:schemeClr val="accent1"/>
+          </a:fillRef>
+          <a:effectRef idx="0">
+            <a:schemeClr val="accent1"/>
+          </a:effectRef>
+          <a:fontRef idx="minor">
+            <a:schemeClr val="lt1"/>
+          </a:fontRef>
+        </p:style>
+        <p:txBody>
+          <a:bodyPr rtlCol="0" anchor="ctr"/>
+          <a:lstStyle/>
+          <a:p>
+            <a:pPr algn="ctr"/>
+            <a:endParaRPr lang="pt-BR" sz="1200"/>
+          </a:p>
+        </p:txBody>
+      </p:sp>
+      <p:sp>
+        <p:nvSpPr>
+          <p:cNvPr id="220" name="Elipse 219"/>
+          <p:cNvSpPr/>
+          <p:nvPr/>
+        </p:nvSpPr>
+        <p:spPr>
+          <a:xfrm>
+            <a:off x="2632611" y="2098232"/>
+            <a:ext cx="53439" cy="53439"/>
+          </a:xfrm>
+          <a:prstGeom prst="ellipse">
+            <a:avLst/>
+          </a:prstGeom>
+          <a:solidFill>
+            <a:srgbClr val="FF0000"/>
+          </a:solidFill>
+          <a:ln>
+            <a:noFill/>
+          </a:ln>
+        </p:spPr>
+        <p:style>
+          <a:lnRef idx="2">
+            <a:schemeClr val="accent1">
+              <a:shade val="50000"/>
+            </a:schemeClr>
+          </a:lnRef>
+          <a:fillRef idx="1">
+            <a:schemeClr val="accent1"/>
+          </a:fillRef>
+          <a:effectRef idx="0">
+            <a:schemeClr val="accent1"/>
+          </a:effectRef>
+          <a:fontRef idx="minor">
+            <a:schemeClr val="lt1"/>
+          </a:fontRef>
+        </p:style>
+        <p:txBody>
+          <a:bodyPr rtlCol="0" anchor="ctr"/>
+          <a:lstStyle/>
+          <a:p>
+            <a:pPr algn="ctr"/>
+            <a:endParaRPr lang="pt-BR" sz="1200"/>
+          </a:p>
+        </p:txBody>
+      </p:sp>
+      <p:grpSp>
+        <p:nvGrpSpPr>
+          <p:cNvPr id="229" name="Grupo 228"/>
+          <p:cNvGrpSpPr/>
+          <p:nvPr/>
+        </p:nvGrpSpPr>
+        <p:grpSpPr>
+          <a:xfrm>
+            <a:off x="3882622" y="777919"/>
+            <a:ext cx="329045" cy="1464965"/>
+            <a:chOff x="1730088" y="681471"/>
+            <a:chExt cx="329045" cy="1464965"/>
+          </a:xfrm>
+          <a:solidFill>
+            <a:srgbClr val="00B0F0"/>
+          </a:solidFill>
+        </p:grpSpPr>
+        <p:sp>
+          <p:nvSpPr>
+            <p:cNvPr id="230" name="Elipse 229"/>
+            <p:cNvSpPr/>
+            <p:nvPr/>
+          </p:nvSpPr>
+          <p:spPr>
+            <a:xfrm>
+              <a:off x="2005694" y="681471"/>
+              <a:ext cx="53439" cy="53439"/>
+            </a:xfrm>
+            <a:prstGeom prst="ellipse">
+              <a:avLst/>
+            </a:prstGeom>
+            <a:grpFill/>
+            <a:ln>
+              <a:noFill/>
+            </a:ln>
+          </p:spPr>
+          <p:style>
+            <a:lnRef idx="2">
+              <a:schemeClr val="accent1">
+                <a:shade val="50000"/>
+              </a:schemeClr>
+            </a:lnRef>
+            <a:fillRef idx="1">
+              <a:schemeClr val="accent1"/>
+            </a:fillRef>
+            <a:effectRef idx="0">
+              <a:schemeClr val="accent1"/>
+            </a:effectRef>
+            <a:fontRef idx="minor">
+              <a:schemeClr val="lt1"/>
+            </a:fontRef>
+          </p:style>
+          <p:txBody>
+            <a:bodyPr rtlCol="0" anchor="ctr"/>
+            <a:lstStyle/>
+            <a:p>
+              <a:pPr algn="ctr"/>
+              <a:endParaRPr lang="pt-BR" sz="1200"/>
+            </a:p>
+          </p:txBody>
+        </p:sp>
+        <p:sp>
+          <p:nvSpPr>
+            <p:cNvPr id="231" name="Elipse 230"/>
+            <p:cNvSpPr/>
+            <p:nvPr/>
+          </p:nvSpPr>
+          <p:spPr>
+            <a:xfrm>
+              <a:off x="1978974" y="928532"/>
+              <a:ext cx="53439" cy="53439"/>
+            </a:xfrm>
+            <a:prstGeom prst="ellipse">
+              <a:avLst/>
+            </a:prstGeom>
+            <a:grpFill/>
+            <a:ln>
+              <a:noFill/>
+            </a:ln>
+          </p:spPr>
+          <p:style>
+            <a:lnRef idx="2">
+              <a:schemeClr val="accent1">
+                <a:shade val="50000"/>
+              </a:schemeClr>
+            </a:lnRef>
+            <a:fillRef idx="1">
+              <a:schemeClr val="accent1"/>
+            </a:fillRef>
+            <a:effectRef idx="0">
+              <a:schemeClr val="accent1"/>
+            </a:effectRef>
+            <a:fontRef idx="minor">
+              <a:schemeClr val="lt1"/>
+            </a:fontRef>
+          </p:style>
+          <p:txBody>
+            <a:bodyPr rtlCol="0" anchor="ctr"/>
+            <a:lstStyle/>
+            <a:p>
+              <a:pPr algn="ctr"/>
+              <a:endParaRPr lang="pt-BR" sz="1200"/>
+            </a:p>
+          </p:txBody>
+        </p:sp>
+        <p:sp>
+          <p:nvSpPr>
+            <p:cNvPr id="232" name="Elipse 231"/>
+            <p:cNvSpPr/>
+            <p:nvPr/>
+          </p:nvSpPr>
+          <p:spPr>
+            <a:xfrm>
+              <a:off x="1952254" y="1165857"/>
+              <a:ext cx="53439" cy="53439"/>
+            </a:xfrm>
+            <a:prstGeom prst="ellipse">
+              <a:avLst/>
+            </a:prstGeom>
+            <a:grpFill/>
+            <a:ln>
+              <a:noFill/>
+            </a:ln>
+          </p:spPr>
+          <p:style>
+            <a:lnRef idx="2">
+              <a:schemeClr val="accent1">
+                <a:shade val="50000"/>
+              </a:schemeClr>
+            </a:lnRef>
+            <a:fillRef idx="1">
+              <a:schemeClr val="accent1"/>
+            </a:fillRef>
+            <a:effectRef idx="0">
+              <a:schemeClr val="accent1"/>
+            </a:effectRef>
+            <a:fontRef idx="minor">
+              <a:schemeClr val="lt1"/>
+            </a:fontRef>
+          </p:style>
+          <p:txBody>
+            <a:bodyPr rtlCol="0" anchor="ctr"/>
+            <a:lstStyle/>
+            <a:p>
+              <a:pPr algn="ctr"/>
+              <a:endParaRPr lang="pt-BR" sz="1200"/>
+            </a:p>
+          </p:txBody>
+        </p:sp>
+        <p:sp>
+          <p:nvSpPr>
+            <p:cNvPr id="233" name="Elipse 232"/>
+            <p:cNvSpPr/>
+            <p:nvPr/>
+          </p:nvSpPr>
+          <p:spPr>
+            <a:xfrm>
+              <a:off x="1903764" y="1381630"/>
+              <a:ext cx="53439" cy="53439"/>
+            </a:xfrm>
+            <a:prstGeom prst="ellipse">
+              <a:avLst/>
+            </a:prstGeom>
+            <a:grpFill/>
+            <a:ln>
+              <a:noFill/>
+            </a:ln>
+          </p:spPr>
+          <p:style>
+            <a:lnRef idx="2">
+              <a:schemeClr val="accent1">
+                <a:shade val="50000"/>
+              </a:schemeClr>
+            </a:lnRef>
+            <a:fillRef idx="1">
+              <a:schemeClr val="accent1"/>
+            </a:fillRef>
+            <a:effectRef idx="0">
+              <a:schemeClr val="accent1"/>
+            </a:effectRef>
+            <a:fontRef idx="minor">
+              <a:schemeClr val="lt1"/>
+            </a:fontRef>
+          </p:style>
+          <p:txBody>
+            <a:bodyPr rtlCol="0" anchor="ctr"/>
+            <a:lstStyle/>
+            <a:p>
+              <a:pPr algn="ctr"/>
+              <a:endParaRPr lang="pt-BR" sz="1200"/>
+            </a:p>
+          </p:txBody>
+        </p:sp>
+        <p:sp>
+          <p:nvSpPr>
+            <p:cNvPr id="234" name="Elipse 233"/>
+            <p:cNvSpPr/>
+            <p:nvPr/>
+          </p:nvSpPr>
+          <p:spPr>
+            <a:xfrm>
+              <a:off x="1863438" y="1627536"/>
+              <a:ext cx="53439" cy="53439"/>
+            </a:xfrm>
+            <a:prstGeom prst="ellipse">
+              <a:avLst/>
+            </a:prstGeom>
+            <a:grpFill/>
+            <a:ln>
+              <a:noFill/>
+            </a:ln>
+          </p:spPr>
+          <p:style>
+            <a:lnRef idx="2">
+              <a:schemeClr val="accent1">
+                <a:shade val="50000"/>
+              </a:schemeClr>
+            </a:lnRef>
+            <a:fillRef idx="1">
+              <a:schemeClr val="accent1"/>
+            </a:fillRef>
+            <a:effectRef idx="0">
+              <a:schemeClr val="accent1"/>
+            </a:effectRef>
+            <a:fontRef idx="minor">
+              <a:schemeClr val="lt1"/>
+            </a:fontRef>
+          </p:style>
+          <p:txBody>
+            <a:bodyPr rtlCol="0" anchor="ctr"/>
+            <a:lstStyle/>
+            <a:p>
+              <a:pPr algn="ctr"/>
+              <a:endParaRPr lang="pt-BR" sz="1200"/>
+            </a:p>
+          </p:txBody>
+        </p:sp>
+        <p:sp>
+          <p:nvSpPr>
+            <p:cNvPr id="235" name="Elipse 234"/>
+            <p:cNvSpPr/>
+            <p:nvPr/>
+          </p:nvSpPr>
+          <p:spPr>
+            <a:xfrm>
+              <a:off x="1783527" y="1891917"/>
+              <a:ext cx="53439" cy="53439"/>
+            </a:xfrm>
+            <a:prstGeom prst="ellipse">
+              <a:avLst/>
+            </a:prstGeom>
+            <a:grpFill/>
+            <a:ln>
+              <a:noFill/>
+            </a:ln>
+          </p:spPr>
+          <p:style>
+            <a:lnRef idx="2">
+              <a:schemeClr val="accent1">
+                <a:shade val="50000"/>
+              </a:schemeClr>
+            </a:lnRef>
+            <a:fillRef idx="1">
+              <a:schemeClr val="accent1"/>
+            </a:fillRef>
+            <a:effectRef idx="0">
+              <a:schemeClr val="accent1"/>
+            </a:effectRef>
+            <a:fontRef idx="minor">
+              <a:schemeClr val="lt1"/>
+            </a:fontRef>
+          </p:style>
+          <p:txBody>
+            <a:bodyPr rtlCol="0" anchor="ctr"/>
+            <a:lstStyle/>
+            <a:p>
+              <a:pPr algn="ctr"/>
+              <a:endParaRPr lang="pt-BR" sz="1200"/>
+            </a:p>
+          </p:txBody>
+        </p:sp>
+        <p:sp>
+          <p:nvSpPr>
+            <p:cNvPr id="236" name="Elipse 235"/>
+            <p:cNvSpPr/>
+            <p:nvPr/>
+          </p:nvSpPr>
+          <p:spPr>
+            <a:xfrm>
+              <a:off x="1730088" y="2092997"/>
+              <a:ext cx="53439" cy="53439"/>
+            </a:xfrm>
+            <a:prstGeom prst="ellipse">
+              <a:avLst/>
+            </a:prstGeom>
+            <a:grpFill/>
+            <a:ln>
+              <a:noFill/>
+            </a:ln>
+          </p:spPr>
+          <p:style>
+            <a:lnRef idx="2">
+              <a:schemeClr val="accent1">
+                <a:shade val="50000"/>
+              </a:schemeClr>
+            </a:lnRef>
+            <a:fillRef idx="1">
+              <a:schemeClr val="accent1"/>
+            </a:fillRef>
+            <a:effectRef idx="0">
+              <a:schemeClr val="accent1"/>
+            </a:effectRef>
+            <a:fontRef idx="minor">
+              <a:schemeClr val="lt1"/>
+            </a:fontRef>
+          </p:style>
+          <p:txBody>
+            <a:bodyPr rtlCol="0" anchor="ctr"/>
+            <a:lstStyle/>
+            <a:p>
+              <a:pPr algn="ctr"/>
+              <a:endParaRPr lang="pt-BR" sz="1200"/>
+            </a:p>
+          </p:txBody>
+        </p:sp>
+      </p:grpSp>
+      <p:grpSp>
+        <p:nvGrpSpPr>
+          <p:cNvPr id="237" name="Grupo 236"/>
+          <p:cNvGrpSpPr/>
+          <p:nvPr/>
+        </p:nvGrpSpPr>
+        <p:grpSpPr>
+          <a:xfrm>
+            <a:off x="4906504" y="747590"/>
+            <a:ext cx="329045" cy="1464965"/>
+            <a:chOff x="1730088" y="681471"/>
+            <a:chExt cx="329045" cy="1464965"/>
+          </a:xfrm>
+          <a:solidFill>
+            <a:schemeClr val="accent2">
+              <a:lumMod val="60000"/>
+              <a:lumOff val="40000"/>
+            </a:schemeClr>
+          </a:solidFill>
+        </p:grpSpPr>
+        <p:sp>
+          <p:nvSpPr>
+            <p:cNvPr id="238" name="Elipse 237"/>
+            <p:cNvSpPr/>
+            <p:nvPr/>
+          </p:nvSpPr>
+          <p:spPr>
+            <a:xfrm>
+              <a:off x="2005694" y="681471"/>
+              <a:ext cx="53439" cy="53439"/>
+            </a:xfrm>
+            <a:prstGeom prst="ellipse">
+              <a:avLst/>
+            </a:prstGeom>
+            <a:grpFill/>
+            <a:ln>
+              <a:noFill/>
+            </a:ln>
+          </p:spPr>
+          <p:style>
+            <a:lnRef idx="2">
+              <a:schemeClr val="accent1">
+                <a:shade val="50000"/>
+              </a:schemeClr>
+            </a:lnRef>
+            <a:fillRef idx="1">
+              <a:schemeClr val="accent1"/>
+            </a:fillRef>
+            <a:effectRef idx="0">
+              <a:schemeClr val="accent1"/>
+            </a:effectRef>
+            <a:fontRef idx="minor">
+              <a:schemeClr val="lt1"/>
+            </a:fontRef>
+          </p:style>
+          <p:txBody>
+            <a:bodyPr rtlCol="0" anchor="ctr"/>
+            <a:lstStyle/>
+            <a:p>
+              <a:pPr algn="ctr"/>
+              <a:endParaRPr lang="pt-BR" sz="1200"/>
+            </a:p>
+          </p:txBody>
+        </p:sp>
+        <p:sp>
+          <p:nvSpPr>
+            <p:cNvPr id="239" name="Elipse 238"/>
+            <p:cNvSpPr/>
+            <p:nvPr/>
+          </p:nvSpPr>
+          <p:spPr>
+            <a:xfrm>
+              <a:off x="1978974" y="928532"/>
+              <a:ext cx="53439" cy="53439"/>
+            </a:xfrm>
+            <a:prstGeom prst="ellipse">
+              <a:avLst/>
+            </a:prstGeom>
+            <a:grpFill/>
+            <a:ln>
+              <a:noFill/>
+            </a:ln>
+          </p:spPr>
+          <p:style>
+            <a:lnRef idx="2">
+              <a:schemeClr val="accent1">
+                <a:shade val="50000"/>
+              </a:schemeClr>
+            </a:lnRef>
+            <a:fillRef idx="1">
+              <a:schemeClr val="accent1"/>
+            </a:fillRef>
+            <a:effectRef idx="0">
+              <a:schemeClr val="accent1"/>
+            </a:effectRef>
+            <a:fontRef idx="minor">
+              <a:schemeClr val="lt1"/>
+            </a:fontRef>
+          </p:style>
+          <p:txBody>
+            <a:bodyPr rtlCol="0" anchor="ctr"/>
+            <a:lstStyle/>
+            <a:p>
+              <a:pPr algn="ctr"/>
+              <a:endParaRPr lang="pt-BR" sz="1200"/>
+            </a:p>
+          </p:txBody>
+        </p:sp>
+        <p:sp>
+          <p:nvSpPr>
+            <p:cNvPr id="240" name="Elipse 239"/>
+            <p:cNvSpPr/>
+            <p:nvPr/>
+          </p:nvSpPr>
+          <p:spPr>
+            <a:xfrm>
+              <a:off x="1952254" y="1165857"/>
+              <a:ext cx="53439" cy="53439"/>
+            </a:xfrm>
+            <a:prstGeom prst="ellipse">
+              <a:avLst/>
+            </a:prstGeom>
+            <a:grpFill/>
+            <a:ln>
+              <a:noFill/>
+            </a:ln>
+          </p:spPr>
+          <p:style>
+            <a:lnRef idx="2">
+              <a:schemeClr val="accent1">
+                <a:shade val="50000"/>
+              </a:schemeClr>
+            </a:lnRef>
+            <a:fillRef idx="1">
+              <a:schemeClr val="accent1"/>
+            </a:fillRef>
+            <a:effectRef idx="0">
+              <a:schemeClr val="accent1"/>
+            </a:effectRef>
+            <a:fontRef idx="minor">
+              <a:schemeClr val="lt1"/>
+            </a:fontRef>
+          </p:style>
+          <p:txBody>
+            <a:bodyPr rtlCol="0" anchor="ctr"/>
+            <a:lstStyle/>
+            <a:p>
+              <a:pPr algn="ctr"/>
+              <a:endParaRPr lang="pt-BR" sz="1200"/>
+            </a:p>
+          </p:txBody>
+        </p:sp>
+        <p:sp>
+          <p:nvSpPr>
+            <p:cNvPr id="241" name="Elipse 240"/>
+            <p:cNvSpPr/>
+            <p:nvPr/>
+          </p:nvSpPr>
+          <p:spPr>
+            <a:xfrm>
+              <a:off x="1903764" y="1381630"/>
+              <a:ext cx="53439" cy="53439"/>
+            </a:xfrm>
+            <a:prstGeom prst="ellipse">
+              <a:avLst/>
+            </a:prstGeom>
+            <a:grpFill/>
+            <a:ln>
+              <a:noFill/>
+            </a:ln>
+          </p:spPr>
+          <p:style>
+            <a:lnRef idx="2">
+              <a:schemeClr val="accent1">
+                <a:shade val="50000"/>
+              </a:schemeClr>
+            </a:lnRef>
+            <a:fillRef idx="1">
+              <a:schemeClr val="accent1"/>
+            </a:fillRef>
+            <a:effectRef idx="0">
+              <a:schemeClr val="accent1"/>
+            </a:effectRef>
+            <a:fontRef idx="minor">
+              <a:schemeClr val="lt1"/>
+            </a:fontRef>
+          </p:style>
+          <p:txBody>
+            <a:bodyPr rtlCol="0" anchor="ctr"/>
+            <a:lstStyle/>
+            <a:p>
+              <a:pPr algn="ctr"/>
+              <a:endParaRPr lang="pt-BR" sz="1200"/>
+            </a:p>
+          </p:txBody>
+        </p:sp>
+        <p:sp>
+          <p:nvSpPr>
+            <p:cNvPr id="242" name="Elipse 241"/>
+            <p:cNvSpPr/>
+            <p:nvPr/>
+          </p:nvSpPr>
+          <p:spPr>
+            <a:xfrm>
+              <a:off x="1863438" y="1627536"/>
+              <a:ext cx="53439" cy="53439"/>
+            </a:xfrm>
+            <a:prstGeom prst="ellipse">
+              <a:avLst/>
+            </a:prstGeom>
+            <a:grpFill/>
+            <a:ln>
+              <a:noFill/>
+            </a:ln>
+          </p:spPr>
+          <p:style>
+            <a:lnRef idx="2">
+              <a:schemeClr val="accent1">
+                <a:shade val="50000"/>
+              </a:schemeClr>
+            </a:lnRef>
+            <a:fillRef idx="1">
+              <a:schemeClr val="accent1"/>
+            </a:fillRef>
+            <a:effectRef idx="0">
+              <a:schemeClr val="accent1"/>
+            </a:effectRef>
+            <a:fontRef idx="minor">
+              <a:schemeClr val="lt1"/>
+            </a:fontRef>
+          </p:style>
+          <p:txBody>
+            <a:bodyPr rtlCol="0" anchor="ctr"/>
+            <a:lstStyle/>
+            <a:p>
+              <a:pPr algn="ctr"/>
+              <a:endParaRPr lang="pt-BR" sz="1200"/>
+            </a:p>
+          </p:txBody>
+        </p:sp>
+        <p:sp>
+          <p:nvSpPr>
+            <p:cNvPr id="243" name="Elipse 242"/>
+            <p:cNvSpPr/>
+            <p:nvPr/>
+          </p:nvSpPr>
+          <p:spPr>
+            <a:xfrm>
+              <a:off x="1783527" y="1891917"/>
+              <a:ext cx="53439" cy="53439"/>
+            </a:xfrm>
+            <a:prstGeom prst="ellipse">
+              <a:avLst/>
+            </a:prstGeom>
+            <a:grpFill/>
+            <a:ln>
+              <a:noFill/>
+            </a:ln>
+          </p:spPr>
+          <p:style>
+            <a:lnRef idx="2">
+              <a:schemeClr val="accent1">
+                <a:shade val="50000"/>
+              </a:schemeClr>
+            </a:lnRef>
+            <a:fillRef idx="1">
+              <a:schemeClr val="accent1"/>
+            </a:fillRef>
+            <a:effectRef idx="0">
+              <a:schemeClr val="accent1"/>
+            </a:effectRef>
+            <a:fontRef idx="minor">
+              <a:schemeClr val="lt1"/>
+            </a:fontRef>
+          </p:style>
+          <p:txBody>
+            <a:bodyPr rtlCol="0" anchor="ctr"/>
+            <a:lstStyle/>
+            <a:p>
+              <a:pPr algn="ctr"/>
+              <a:endParaRPr lang="pt-BR" sz="1200"/>
+            </a:p>
+          </p:txBody>
+        </p:sp>
+        <p:sp>
+          <p:nvSpPr>
+            <p:cNvPr id="244" name="Elipse 243"/>
+            <p:cNvSpPr/>
+            <p:nvPr/>
+          </p:nvSpPr>
+          <p:spPr>
+            <a:xfrm>
+              <a:off x="1730088" y="2092997"/>
+              <a:ext cx="53439" cy="53439"/>
+            </a:xfrm>
+            <a:prstGeom prst="ellipse">
+              <a:avLst/>
+            </a:prstGeom>
+            <a:grpFill/>
+            <a:ln>
+              <a:noFill/>
+            </a:ln>
+          </p:spPr>
+          <p:style>
+            <a:lnRef idx="2">
+              <a:schemeClr val="accent1">
+                <a:shade val="50000"/>
+              </a:schemeClr>
+            </a:lnRef>
+            <a:fillRef idx="1">
+              <a:schemeClr val="accent1"/>
+            </a:fillRef>
+            <a:effectRef idx="0">
+              <a:schemeClr val="accent1"/>
+            </a:effectRef>
+            <a:fontRef idx="minor">
+              <a:schemeClr val="lt1"/>
+            </a:fontRef>
+          </p:style>
+          <p:txBody>
+            <a:bodyPr rtlCol="0" anchor="ctr"/>
+            <a:lstStyle/>
+            <a:p>
+              <a:pPr algn="ctr"/>
+              <a:endParaRPr lang="pt-BR" sz="1200"/>
+            </a:p>
+          </p:txBody>
+        </p:sp>
+      </p:grpSp>
+      <p:sp>
+        <p:nvSpPr>
+          <p:cNvPr id="247" name="Elipse 246"/>
+          <p:cNvSpPr/>
+          <p:nvPr/>
+        </p:nvSpPr>
+        <p:spPr>
+          <a:xfrm>
+            <a:off x="2810114" y="3680086"/>
+            <a:ext cx="53439" cy="53439"/>
+          </a:xfrm>
+          <a:prstGeom prst="ellipse">
+            <a:avLst/>
+          </a:prstGeom>
+          <a:solidFill>
+            <a:srgbClr val="00B050"/>
+          </a:solidFill>
+          <a:ln>
+            <a:noFill/>
+          </a:ln>
+        </p:spPr>
+        <p:style>
+          <a:lnRef idx="2">
+            <a:schemeClr val="accent1">
+              <a:shade val="50000"/>
+            </a:schemeClr>
+          </a:lnRef>
+          <a:fillRef idx="1">
+            <a:schemeClr val="accent1"/>
+          </a:fillRef>
+          <a:effectRef idx="0">
+            <a:schemeClr val="accent1"/>
+          </a:effectRef>
+          <a:fontRef idx="minor">
+            <a:schemeClr val="lt1"/>
+          </a:fontRef>
+        </p:style>
+        <p:txBody>
+          <a:bodyPr rtlCol="0" anchor="ctr"/>
+          <a:lstStyle/>
+          <a:p>
+            <a:pPr algn="ctr"/>
+            <a:endParaRPr lang="pt-BR" sz="1200"/>
+          </a:p>
+        </p:txBody>
+      </p:sp>
+      <p:sp>
+        <p:nvSpPr>
+          <p:cNvPr id="248" name="Elipse 247"/>
+          <p:cNvSpPr/>
+          <p:nvPr/>
+        </p:nvSpPr>
+        <p:spPr>
+          <a:xfrm>
+            <a:off x="2740347" y="4090610"/>
+            <a:ext cx="53439" cy="53439"/>
+          </a:xfrm>
+          <a:prstGeom prst="ellipse">
+            <a:avLst/>
+          </a:prstGeom>
+          <a:solidFill>
+            <a:srgbClr val="00B050"/>
+          </a:solidFill>
+          <a:ln>
+            <a:noFill/>
+          </a:ln>
+        </p:spPr>
+        <p:style>
+          <a:lnRef idx="2">
+            <a:schemeClr val="accent1">
+              <a:shade val="50000"/>
+            </a:schemeClr>
+          </a:lnRef>
+          <a:fillRef idx="1">
+            <a:schemeClr val="accent1"/>
+          </a:fillRef>
+          <a:effectRef idx="0">
+            <a:schemeClr val="accent1"/>
+          </a:effectRef>
+          <a:fontRef idx="minor">
+            <a:schemeClr val="lt1"/>
+          </a:fontRef>
+        </p:style>
+        <p:txBody>
+          <a:bodyPr rtlCol="0" anchor="ctr"/>
+          <a:lstStyle/>
+          <a:p>
+            <a:pPr algn="ctr"/>
+            <a:endParaRPr lang="pt-BR" sz="1200"/>
+          </a:p>
+        </p:txBody>
+      </p:sp>
+      <p:sp>
+        <p:nvSpPr>
+          <p:cNvPr id="249" name="Elipse 248"/>
+          <p:cNvSpPr/>
+          <p:nvPr/>
+        </p:nvSpPr>
+        <p:spPr>
+          <a:xfrm>
+            <a:off x="2640537" y="4395881"/>
+            <a:ext cx="53439" cy="53439"/>
+          </a:xfrm>
+          <a:prstGeom prst="ellipse">
+            <a:avLst/>
+          </a:prstGeom>
+          <a:solidFill>
+            <a:srgbClr val="00B050"/>
+          </a:solidFill>
+          <a:ln>
+            <a:noFill/>
+          </a:ln>
+        </p:spPr>
+        <p:style>
+          <a:lnRef idx="2">
+            <a:schemeClr val="accent1">
+              <a:shade val="50000"/>
+            </a:schemeClr>
+          </a:lnRef>
+          <a:fillRef idx="1">
+            <a:schemeClr val="accent1"/>
+          </a:fillRef>
+          <a:effectRef idx="0">
+            <a:schemeClr val="accent1"/>
+          </a:effectRef>
+          <a:fontRef idx="minor">
+            <a:schemeClr val="lt1"/>
+          </a:fontRef>
+        </p:style>
+        <p:txBody>
+          <a:bodyPr rtlCol="0" anchor="ctr"/>
+          <a:lstStyle/>
+          <a:p>
+            <a:pPr algn="ctr"/>
+            <a:endParaRPr lang="pt-BR" sz="1200"/>
+          </a:p>
+        </p:txBody>
+      </p:sp>
+      <p:sp>
+        <p:nvSpPr>
+          <p:cNvPr id="250" name="Elipse 249"/>
+          <p:cNvSpPr/>
+          <p:nvPr/>
+        </p:nvSpPr>
+        <p:spPr>
+          <a:xfrm>
+            <a:off x="2515103" y="4770147"/>
+            <a:ext cx="53439" cy="53439"/>
+          </a:xfrm>
+          <a:prstGeom prst="ellipse">
+            <a:avLst/>
+          </a:prstGeom>
+          <a:solidFill>
+            <a:srgbClr val="00B050"/>
+          </a:solidFill>
+          <a:ln>
+            <a:noFill/>
+          </a:ln>
+        </p:spPr>
+        <p:style>
+          <a:lnRef idx="2">
+            <a:schemeClr val="accent1">
+              <a:shade val="50000"/>
+            </a:schemeClr>
+          </a:lnRef>
+          <a:fillRef idx="1">
+            <a:schemeClr val="accent1"/>
+          </a:fillRef>
+          <a:effectRef idx="0">
+            <a:schemeClr val="accent1"/>
+          </a:effectRef>
+          <a:fontRef idx="minor">
+            <a:schemeClr val="lt1"/>
+          </a:fontRef>
+        </p:style>
+        <p:txBody>
+          <a:bodyPr rtlCol="0" anchor="ctr"/>
+          <a:lstStyle/>
+          <a:p>
+            <a:pPr algn="ctr"/>
+            <a:endParaRPr lang="pt-BR" sz="1200"/>
+          </a:p>
+        </p:txBody>
+      </p:sp>
+      <p:sp>
+        <p:nvSpPr>
+          <p:cNvPr id="253" name="Elipse 252"/>
+          <p:cNvSpPr/>
+          <p:nvPr/>
+        </p:nvSpPr>
+        <p:spPr>
+          <a:xfrm>
+            <a:off x="3137923" y="3819677"/>
+            <a:ext cx="53439" cy="53439"/>
+          </a:xfrm>
+          <a:prstGeom prst="ellipse">
+            <a:avLst/>
+          </a:prstGeom>
+          <a:solidFill>
+            <a:srgbClr val="FF0000"/>
+          </a:solidFill>
+          <a:ln>
+            <a:noFill/>
+          </a:ln>
+        </p:spPr>
+        <p:style>
+          <a:lnRef idx="2">
+            <a:schemeClr val="accent1">
+              <a:shade val="50000"/>
+            </a:schemeClr>
+          </a:lnRef>
+          <a:fillRef idx="1">
+            <a:schemeClr val="accent1"/>
+          </a:fillRef>
+          <a:effectRef idx="0">
+            <a:schemeClr val="accent1"/>
+          </a:effectRef>
+          <a:fontRef idx="minor">
+            <a:schemeClr val="lt1"/>
+          </a:fontRef>
+        </p:style>
+        <p:txBody>
+          <a:bodyPr rtlCol="0" anchor="ctr"/>
+          <a:lstStyle/>
+          <a:p>
+            <a:pPr algn="ctr"/>
+            <a:endParaRPr lang="pt-BR" sz="1200"/>
+          </a:p>
+        </p:txBody>
+      </p:sp>
+      <p:sp>
+        <p:nvSpPr>
+          <p:cNvPr id="254" name="Elipse 253"/>
+          <p:cNvSpPr/>
+          <p:nvPr/>
+        </p:nvSpPr>
+        <p:spPr>
+          <a:xfrm>
+            <a:off x="3070383" y="4224651"/>
+            <a:ext cx="53439" cy="53439"/>
+          </a:xfrm>
+          <a:prstGeom prst="ellipse">
+            <a:avLst/>
+          </a:prstGeom>
+          <a:solidFill>
+            <a:srgbClr val="FF0000"/>
+          </a:solidFill>
+          <a:ln>
+            <a:noFill/>
+          </a:ln>
+        </p:spPr>
+        <p:style>
+          <a:lnRef idx="2">
+            <a:schemeClr val="accent1">
+              <a:shade val="50000"/>
+            </a:schemeClr>
+          </a:lnRef>
+          <a:fillRef idx="1">
+            <a:schemeClr val="accent1"/>
+          </a:fillRef>
+          <a:effectRef idx="0">
+            <a:schemeClr val="accent1"/>
+          </a:effectRef>
+          <a:fontRef idx="minor">
+            <a:schemeClr val="lt1"/>
+          </a:fontRef>
+        </p:style>
+        <p:txBody>
+          <a:bodyPr rtlCol="0" anchor="ctr"/>
+          <a:lstStyle/>
+          <a:p>
+            <a:pPr algn="ctr"/>
+            <a:endParaRPr lang="pt-BR" sz="1200"/>
+          </a:p>
+        </p:txBody>
+      </p:sp>
+      <p:sp>
+        <p:nvSpPr>
+          <p:cNvPr id="255" name="Elipse 254"/>
+          <p:cNvSpPr/>
+          <p:nvPr/>
+        </p:nvSpPr>
+        <p:spPr>
+          <a:xfrm>
+            <a:off x="2920596" y="5307344"/>
+            <a:ext cx="53439" cy="53439"/>
+          </a:xfrm>
+          <a:prstGeom prst="ellipse">
+            <a:avLst/>
+          </a:prstGeom>
+          <a:solidFill>
+            <a:srgbClr val="FF0000"/>
+          </a:solidFill>
+          <a:ln>
+            <a:noFill/>
+          </a:ln>
+        </p:spPr>
+        <p:style>
+          <a:lnRef idx="2">
+            <a:schemeClr val="accent1">
+              <a:shade val="50000"/>
+            </a:schemeClr>
+          </a:lnRef>
+          <a:fillRef idx="1">
+            <a:schemeClr val="accent1"/>
+          </a:fillRef>
+          <a:effectRef idx="0">
+            <a:schemeClr val="accent1"/>
+          </a:effectRef>
+          <a:fontRef idx="minor">
+            <a:schemeClr val="lt1"/>
+          </a:fontRef>
+        </p:style>
+        <p:txBody>
+          <a:bodyPr rtlCol="0" anchor="ctr"/>
+          <a:lstStyle/>
+          <a:p>
+            <a:pPr algn="ctr"/>
+            <a:endParaRPr lang="pt-BR" sz="1200"/>
+          </a:p>
+        </p:txBody>
+      </p:sp>
+      <p:sp>
+        <p:nvSpPr>
+          <p:cNvPr id="256" name="Elipse 255"/>
+          <p:cNvSpPr/>
+          <p:nvPr/>
+        </p:nvSpPr>
+        <p:spPr>
+          <a:xfrm>
+            <a:off x="2826442" y="5598840"/>
+            <a:ext cx="53439" cy="53439"/>
+          </a:xfrm>
+          <a:prstGeom prst="ellipse">
+            <a:avLst/>
+          </a:prstGeom>
+          <a:solidFill>
+            <a:srgbClr val="FF0000"/>
+          </a:solidFill>
+          <a:ln>
+            <a:noFill/>
+          </a:ln>
+        </p:spPr>
+        <p:style>
+          <a:lnRef idx="2">
+            <a:schemeClr val="accent1">
+              <a:shade val="50000"/>
+            </a:schemeClr>
+          </a:lnRef>
+          <a:fillRef idx="1">
+            <a:schemeClr val="accent1"/>
+          </a:fillRef>
+          <a:effectRef idx="0">
+            <a:schemeClr val="accent1"/>
+          </a:effectRef>
+          <a:fontRef idx="minor">
+            <a:schemeClr val="lt1"/>
+          </a:fontRef>
+        </p:style>
+        <p:txBody>
+          <a:bodyPr rtlCol="0" anchor="ctr"/>
+          <a:lstStyle/>
+          <a:p>
+            <a:pPr algn="ctr"/>
+            <a:endParaRPr lang="pt-BR" sz="1200"/>
+          </a:p>
+        </p:txBody>
+      </p:sp>
+      <p:sp>
+        <p:nvSpPr>
+          <p:cNvPr id="257" name="Elipse 256"/>
+          <p:cNvSpPr/>
+          <p:nvPr/>
+        </p:nvSpPr>
+        <p:spPr>
+          <a:xfrm>
+            <a:off x="2649814" y="5917527"/>
+            <a:ext cx="53439" cy="53439"/>
+          </a:xfrm>
+          <a:prstGeom prst="ellipse">
+            <a:avLst/>
+          </a:prstGeom>
+          <a:solidFill>
+            <a:srgbClr val="FF0000"/>
+          </a:solidFill>
+          <a:ln>
+            <a:noFill/>
+          </a:ln>
+        </p:spPr>
+        <p:style>
+          <a:lnRef idx="2">
+            <a:schemeClr val="accent1">
+              <a:shade val="50000"/>
+            </a:schemeClr>
+          </a:lnRef>
+          <a:fillRef idx="1">
+            <a:schemeClr val="accent1"/>
+          </a:fillRef>
+          <a:effectRef idx="0">
+            <a:schemeClr val="accent1"/>
+          </a:effectRef>
+          <a:fontRef idx="minor">
+            <a:schemeClr val="lt1"/>
+          </a:fontRef>
+        </p:style>
+        <p:txBody>
+          <a:bodyPr rtlCol="0" anchor="ctr"/>
+          <a:lstStyle/>
+          <a:p>
+            <a:pPr algn="ctr"/>
+            <a:endParaRPr lang="pt-BR" sz="1200"/>
+          </a:p>
+        </p:txBody>
+      </p:sp>
+      <p:sp>
+        <p:nvSpPr>
+          <p:cNvPr id="261" name="Elipse 260"/>
+          <p:cNvSpPr/>
+          <p:nvPr/>
+        </p:nvSpPr>
+        <p:spPr>
+          <a:xfrm>
+            <a:off x="3705736" y="3549562"/>
+            <a:ext cx="53439" cy="53439"/>
+          </a:xfrm>
+          <a:prstGeom prst="ellipse">
+            <a:avLst/>
+          </a:prstGeom>
+          <a:solidFill>
+            <a:srgbClr val="00B0F0"/>
+          </a:solidFill>
+          <a:ln>
+            <a:noFill/>
+          </a:ln>
+        </p:spPr>
+        <p:style>
+          <a:lnRef idx="2">
+            <a:schemeClr val="accent1">
+              <a:shade val="50000"/>
+            </a:schemeClr>
+          </a:lnRef>
+          <a:fillRef idx="1">
+            <a:schemeClr val="accent1"/>
+          </a:fillRef>
+          <a:effectRef idx="0">
+            <a:schemeClr val="accent1"/>
+          </a:effectRef>
+          <a:fontRef idx="minor">
+            <a:schemeClr val="lt1"/>
+          </a:fontRef>
+        </p:style>
+        <p:txBody>
+          <a:bodyPr rtlCol="0" anchor="ctr"/>
+          <a:lstStyle/>
+          <a:p>
+            <a:pPr algn="ctr"/>
+            <a:endParaRPr lang="pt-BR" sz="1200"/>
+          </a:p>
+        </p:txBody>
+      </p:sp>
+      <p:sp>
+        <p:nvSpPr>
+          <p:cNvPr id="262" name="Elipse 261"/>
+          <p:cNvSpPr/>
+          <p:nvPr/>
+        </p:nvSpPr>
+        <p:spPr>
+          <a:xfrm>
+            <a:off x="3556307" y="4464629"/>
+            <a:ext cx="53439" cy="53439"/>
+          </a:xfrm>
+          <a:prstGeom prst="ellipse">
+            <a:avLst/>
+          </a:prstGeom>
+          <a:solidFill>
+            <a:srgbClr val="00B0F0"/>
+          </a:solidFill>
+          <a:ln>
+            <a:noFill/>
+          </a:ln>
+        </p:spPr>
+        <p:style>
+          <a:lnRef idx="2">
+            <a:schemeClr val="accent1">
+              <a:shade val="50000"/>
+            </a:schemeClr>
+          </a:lnRef>
+          <a:fillRef idx="1">
+            <a:schemeClr val="accent1"/>
+          </a:fillRef>
+          <a:effectRef idx="0">
+            <a:schemeClr val="accent1"/>
+          </a:effectRef>
+          <a:fontRef idx="minor">
+            <a:schemeClr val="lt1"/>
+          </a:fontRef>
+        </p:style>
+        <p:txBody>
+          <a:bodyPr rtlCol="0" anchor="ctr"/>
+          <a:lstStyle/>
+          <a:p>
+            <a:pPr algn="ctr"/>
+            <a:endParaRPr lang="pt-BR" sz="1200"/>
+          </a:p>
+        </p:txBody>
+      </p:sp>
+      <p:sp>
+        <p:nvSpPr>
+          <p:cNvPr id="268" name="Elipse 267"/>
+          <p:cNvSpPr/>
+          <p:nvPr/>
+        </p:nvSpPr>
+        <p:spPr>
+          <a:xfrm>
+            <a:off x="4161565" y="3674946"/>
+            <a:ext cx="53439" cy="53439"/>
+          </a:xfrm>
+          <a:prstGeom prst="ellipse">
+            <a:avLst/>
+          </a:prstGeom>
+          <a:solidFill>
+            <a:schemeClr val="accent2">
+              <a:lumMod val="60000"/>
+              <a:lumOff val="40000"/>
+            </a:schemeClr>
+          </a:solidFill>
+          <a:ln>
+            <a:noFill/>
+          </a:ln>
+        </p:spPr>
+        <p:style>
+          <a:lnRef idx="2">
+            <a:schemeClr val="accent1">
+              <a:shade val="50000"/>
+            </a:schemeClr>
+          </a:lnRef>
+          <a:fillRef idx="1">
+            <a:schemeClr val="accent1"/>
+          </a:fillRef>
+          <a:effectRef idx="0">
+            <a:schemeClr val="accent1"/>
+          </a:effectRef>
+          <a:fontRef idx="minor">
+            <a:schemeClr val="lt1"/>
+          </a:fontRef>
+        </p:style>
+        <p:txBody>
+          <a:bodyPr rtlCol="0" anchor="ctr"/>
+          <a:lstStyle/>
+          <a:p>
+            <a:pPr algn="ctr"/>
+            <a:endParaRPr lang="pt-BR" sz="1200"/>
+          </a:p>
+        </p:txBody>
+      </p:sp>
+      <p:sp>
+        <p:nvSpPr>
+          <p:cNvPr id="269" name="Elipse 268"/>
+          <p:cNvSpPr/>
+          <p:nvPr/>
+        </p:nvSpPr>
+        <p:spPr>
+          <a:xfrm>
+            <a:off x="4074667" y="4286254"/>
+            <a:ext cx="53439" cy="53439"/>
+          </a:xfrm>
+          <a:prstGeom prst="ellipse">
+            <a:avLst/>
+          </a:prstGeom>
+          <a:solidFill>
+            <a:schemeClr val="accent2">
+              <a:lumMod val="60000"/>
+              <a:lumOff val="40000"/>
+            </a:schemeClr>
+          </a:solidFill>
+          <a:ln>
+            <a:noFill/>
+          </a:ln>
+        </p:spPr>
+        <p:style>
+          <a:lnRef idx="2">
+            <a:schemeClr val="accent1">
+              <a:shade val="50000"/>
+            </a:schemeClr>
+          </a:lnRef>
+          <a:fillRef idx="1">
+            <a:schemeClr val="accent1"/>
+          </a:fillRef>
+          <a:effectRef idx="0">
+            <a:schemeClr val="accent1"/>
+          </a:effectRef>
+          <a:fontRef idx="minor">
+            <a:schemeClr val="lt1"/>
+          </a:fontRef>
+        </p:style>
+        <p:txBody>
+          <a:bodyPr rtlCol="0" anchor="ctr"/>
+          <a:lstStyle/>
+          <a:p>
+            <a:pPr algn="ctr"/>
+            <a:endParaRPr lang="pt-BR" sz="1200"/>
+          </a:p>
+        </p:txBody>
+      </p:sp>
+      <p:sp>
+        <p:nvSpPr>
+          <p:cNvPr id="274" name="Chave direita 273"/>
+          <p:cNvSpPr/>
+          <p:nvPr/>
+        </p:nvSpPr>
+        <p:spPr>
+          <a:xfrm>
+            <a:off x="4947581" y="4729326"/>
+            <a:ext cx="318407" cy="1195253"/>
+          </a:xfrm>
+          <a:prstGeom prst="rightBrace">
+            <a:avLst/>
+          </a:prstGeom>
+        </p:spPr>
+        <p:style>
+          <a:lnRef idx="1">
+            <a:schemeClr val="accent1"/>
+          </a:lnRef>
+          <a:fillRef idx="0">
+            <a:schemeClr val="accent1"/>
+          </a:fillRef>
+          <a:effectRef idx="0">
+            <a:schemeClr val="accent1"/>
+          </a:effectRef>
+          <a:fontRef idx="minor">
+            <a:schemeClr val="tx1"/>
+          </a:fontRef>
+        </p:style>
+        <p:txBody>
+          <a:bodyPr rtlCol="0" anchor="ctr"/>
+          <a:lstStyle/>
+          <a:p>
+            <a:pPr algn="ctr"/>
+            <a:endParaRPr lang="pt-BR" sz="1200"/>
+          </a:p>
+        </p:txBody>
+      </p:sp>
+      <p:sp>
+        <p:nvSpPr>
+          <p:cNvPr id="275" name="CaixaDeTexto 274"/>
+          <p:cNvSpPr txBox="1"/>
+          <p:nvPr/>
+        </p:nvSpPr>
+        <p:spPr>
+          <a:xfrm>
+            <a:off x="5284770" y="5176117"/>
+            <a:ext cx="940386" cy="276999"/>
+          </a:xfrm>
+          <a:prstGeom prst="rect">
+            <a:avLst/>
+          </a:prstGeom>
+          <a:noFill/>
+        </p:spPr>
+        <p:txBody>
+          <a:bodyPr wrap="none" rtlCol="0">
+            <a:spAutoFit/>
+          </a:bodyPr>
+          <a:lstStyle/>
+          <a:p>
+            <a:r>
+              <a:rPr lang="pt-BR" sz="1200" dirty="0" smtClean="0"/>
+              <a:t>eroded cells</a:t>
+            </a:r>
+            <a:endParaRPr lang="pt-BR" sz="1200" dirty="0"/>
+          </a:p>
+        </p:txBody>
+      </p:sp>
+    </p:spTree>
+    <p:extLst>
+      <p:ext uri="{BB962C8B-B14F-4D97-AF65-F5344CB8AC3E}">
+        <p14:creationId xmlns:p14="http://schemas.microsoft.com/office/powerpoint/2010/main" val="2572700560"/>
+      </p:ext>
+    </p:extLst>
+  </p:cSld>
+  <p:clrMapOvr>
+    <a:masterClrMapping/>
+  </p:clrMapOvr>
+  <p:timing>
+    <p:tnLst>
+      <p:par>
+        <p:cTn id="1" dur="indefinite" restart="never" nodeType="tmRoot"/>
+      </p:par>
+    </p:tnLst>
+  </p:timing>
+</p:sld>
+</file>
+
+<file path=ppt/slides/slide3.xml><?xml version="1.0" encoding="utf-8"?>
 <p:sld xmlns:a="http://schemas.openxmlformats.org/drawingml/2006/main" xmlns:r="http://schemas.openxmlformats.org/officeDocument/2006/relationships" xmlns:p="http://schemas.openxmlformats.org/presentationml/2006/main">
   <p:cSld>
     <p:spTree>
@@ -6591,17 +13022,24 @@
     </p:spTree>
     <p:extLst>
       <p:ext uri="{BB962C8B-B14F-4D97-AF65-F5344CB8AC3E}">
-        <p14:creationId xmlns:p14="http://schemas.microsoft.com/office/powerpoint/2010/main" val="2572700560"/>
+        <p14:creationId xmlns:p14="http://schemas.microsoft.com/office/powerpoint/2010/main" val="485247877"/>
       </p:ext>
     </p:extLst>
   </p:cSld>
   <p:clrMapOvr>
     <a:masterClrMapping/>
   </p:clrMapOvr>
+  <p:timing>
+    <p:tnLst>
+      <p:par>
+        <p:cTn id="1" dur="indefinite" restart="never" nodeType="tmRoot"/>
+      </p:par>
+    </p:tnLst>
+  </p:timing>
 </p:sld>
 </file>
 
-<file path=ppt/slides/slide3.xml><?xml version="1.0" encoding="utf-8"?>
+<file path=ppt/slides/slide4.xml><?xml version="1.0" encoding="utf-8"?>
 <p:sld xmlns:a="http://schemas.openxmlformats.org/drawingml/2006/main" xmlns:r="http://schemas.openxmlformats.org/officeDocument/2006/relationships" xmlns:p="http://schemas.openxmlformats.org/presentationml/2006/main">
   <p:cSld>
     <p:spTree>
@@ -6862,10 +13300,17 @@
   <p:clrMapOvr>
     <a:masterClrMapping/>
   </p:clrMapOvr>
+  <p:timing>
+    <p:tnLst>
+      <p:par>
+        <p:cTn id="1" dur="indefinite" restart="never" nodeType="tmRoot"/>
+      </p:par>
+    </p:tnLst>
+  </p:timing>
 </p:sld>
 </file>
 
-<file path=ppt/slides/slide4.xml><?xml version="1.0" encoding="utf-8"?>
+<file path=ppt/slides/slide5.xml><?xml version="1.0" encoding="utf-8"?>
 <p:sld xmlns:a="http://schemas.openxmlformats.org/drawingml/2006/main" xmlns:r="http://schemas.openxmlformats.org/officeDocument/2006/relationships" xmlns:p="http://schemas.openxmlformats.org/presentationml/2006/main">
   <p:cSld>
     <p:spTree>
@@ -8664,7 +15109,7 @@
 </p:sld>
 </file>
 
-<file path=ppt/slides/slide5.xml><?xml version="1.0" encoding="utf-8"?>
+<file path=ppt/slides/slide6.xml><?xml version="1.0" encoding="utf-8"?>
 <p:sld xmlns:a="http://schemas.openxmlformats.org/drawingml/2006/main" xmlns:r="http://schemas.openxmlformats.org/officeDocument/2006/relationships" xmlns:p="http://schemas.openxmlformats.org/presentationml/2006/main">
   <p:cSld>
     <p:spTree>
@@ -12700,7 +19145,7 @@
 </p:sld>
 </file>
 
-<file path=ppt/slides/slide6.xml><?xml version="1.0" encoding="utf-8"?>
+<file path=ppt/slides/slide7.xml><?xml version="1.0" encoding="utf-8"?>
 <p:sld xmlns:a="http://schemas.openxmlformats.org/drawingml/2006/main" xmlns:r="http://schemas.openxmlformats.org/officeDocument/2006/relationships" xmlns:p="http://schemas.openxmlformats.org/presentationml/2006/main">
   <p:cSld>
     <p:spTree>
@@ -19960,575 +26405,6 @@
 </p:sld>
 </file>
 
-<file path=ppt/slides/slide7.xml><?xml version="1.0" encoding="utf-8"?>
-<p:sld xmlns:a="http://schemas.openxmlformats.org/drawingml/2006/main" xmlns:r="http://schemas.openxmlformats.org/officeDocument/2006/relationships" xmlns:p="http://schemas.openxmlformats.org/presentationml/2006/main">
-  <p:cSld>
-    <p:spTree>
-      <p:nvGrpSpPr>
-        <p:cNvPr id="1" name=""/>
-        <p:cNvGrpSpPr/>
-        <p:nvPr/>
-      </p:nvGrpSpPr>
-      <p:grpSpPr>
-        <a:xfrm>
-          <a:off x="0" y="0"/>
-          <a:ext cx="0" cy="0"/>
-          <a:chOff x="0" y="0"/>
-          <a:chExt cx="0" cy="0"/>
-        </a:xfrm>
-      </p:grpSpPr>
-      <p:sp>
-        <p:nvSpPr>
-          <p:cNvPr id="4" name="Retângulo 3"/>
-          <p:cNvSpPr/>
-          <p:nvPr/>
-        </p:nvSpPr>
-        <p:spPr>
-          <a:xfrm>
-            <a:off x="5078683" y="244767"/>
-            <a:ext cx="4587834" cy="3046988"/>
-          </a:xfrm>
-          <a:prstGeom prst="rect">
-            <a:avLst/>
-          </a:prstGeom>
-        </p:spPr>
-        <p:txBody>
-          <a:bodyPr wrap="square">
-            <a:spAutoFit/>
-          </a:bodyPr>
-          <a:lstStyle/>
-          <a:p>
-            <a:r>
-              <a:rPr lang="pt-BR" sz="1200" b="1" dirty="0">
-                <a:latin typeface="Courier New" panose="02070309020205020404" pitchFamily="49" charset="0"/>
-                <a:cs typeface="Courier New" panose="02070309020205020404" pitchFamily="49" charset="0"/>
-              </a:rPr>
-              <a:t> </a:t>
-            </a:r>
-            <a:r>
-              <a:rPr lang="pt-BR" sz="1200" b="1" dirty="0" smtClean="0">
-                <a:latin typeface="Courier New" panose="02070309020205020404" pitchFamily="49" charset="0"/>
-                <a:cs typeface="Courier New" panose="02070309020205020404" pitchFamily="49" charset="0"/>
-              </a:rPr>
-              <a:t>   </a:t>
-            </a:r>
-            <a:r>
-              <a:rPr lang="pt-BR" sz="1200" b="1" dirty="0" err="1" smtClean="0">
-                <a:latin typeface="Courier New" panose="02070309020205020404" pitchFamily="49" charset="0"/>
-                <a:cs typeface="Courier New" panose="02070309020205020404" pitchFamily="49" charset="0"/>
-              </a:rPr>
-              <a:t>Parameters</a:t>
-            </a:r>
-            <a:r>
-              <a:rPr lang="pt-BR" sz="1200" b="1" dirty="0" smtClean="0">
-                <a:latin typeface="Courier New" panose="02070309020205020404" pitchFamily="49" charset="0"/>
-                <a:cs typeface="Courier New" panose="02070309020205020404" pitchFamily="49" charset="0"/>
-              </a:rPr>
-              <a:t> </a:t>
-            </a:r>
-            <a:r>
-              <a:rPr lang="pt-BR" sz="1200" b="1" dirty="0">
-                <a:latin typeface="Courier New" panose="02070309020205020404" pitchFamily="49" charset="0"/>
-                <a:cs typeface="Courier New" panose="02070309020205020404" pitchFamily="49" charset="0"/>
-              </a:rPr>
-              <a:t>for </a:t>
-            </a:r>
-            <a:r>
-              <a:rPr lang="pt-BR" sz="1200" b="1" dirty="0" err="1">
-                <a:latin typeface="Courier New" panose="02070309020205020404" pitchFamily="49" charset="0"/>
-                <a:cs typeface="Courier New" panose="02070309020205020404" pitchFamily="49" charset="0"/>
-              </a:rPr>
-              <a:t>vmodel</a:t>
-            </a:r>
-            <a:endParaRPr lang="pt-BR" sz="1200" b="1" dirty="0">
-              <a:latin typeface="Courier New" panose="02070309020205020404" pitchFamily="49" charset="0"/>
-              <a:cs typeface="Courier New" panose="02070309020205020404" pitchFamily="49" charset="0"/>
-            </a:endParaRPr>
-          </a:p>
-          <a:p>
-            <a:r>
-              <a:rPr lang="pt-BR" sz="1200" b="1" dirty="0" smtClean="0">
-                <a:latin typeface="Courier New" panose="02070309020205020404" pitchFamily="49" charset="0"/>
-                <a:cs typeface="Courier New" panose="02070309020205020404" pitchFamily="49" charset="0"/>
-              </a:rPr>
-              <a:t>******************************** </a:t>
-            </a:r>
-            <a:endParaRPr lang="pt-BR" sz="1200" b="1" dirty="0">
-              <a:latin typeface="Courier New" panose="02070309020205020404" pitchFamily="49" charset="0"/>
-              <a:cs typeface="Courier New" panose="02070309020205020404" pitchFamily="49" charset="0"/>
-            </a:endParaRPr>
-          </a:p>
-          <a:p>
-            <a:endParaRPr lang="pt-BR" sz="1200" b="1" dirty="0">
-              <a:latin typeface="Courier New" panose="02070309020205020404" pitchFamily="49" charset="0"/>
-              <a:cs typeface="Courier New" panose="02070309020205020404" pitchFamily="49" charset="0"/>
-            </a:endParaRPr>
-          </a:p>
-          <a:p>
-            <a:r>
-              <a:rPr lang="pt-BR" sz="1200" b="1" dirty="0">
-                <a:latin typeface="Courier New" panose="02070309020205020404" pitchFamily="49" charset="0"/>
-                <a:cs typeface="Courier New" panose="02070309020205020404" pitchFamily="49" charset="0"/>
-              </a:rPr>
-              <a:t>START OF PARAMETERS:</a:t>
-            </a:r>
-          </a:p>
-          <a:p>
-            <a:r>
-              <a:rPr lang="pt-BR" sz="1200" b="1" dirty="0" smtClean="0">
-                <a:latin typeface="Courier New" panose="02070309020205020404" pitchFamily="49" charset="0"/>
-                <a:cs typeface="Courier New" panose="02070309020205020404" pitchFamily="49" charset="0"/>
-              </a:rPr>
-              <a:t>10570390.out</a:t>
-            </a:r>
-          </a:p>
-          <a:p>
-            <a:r>
-              <a:rPr lang="pt-BR" sz="1200" b="1" dirty="0" smtClean="0">
-                <a:latin typeface="Courier New" panose="02070309020205020404" pitchFamily="49" charset="0"/>
-                <a:cs typeface="Courier New" panose="02070309020205020404" pitchFamily="49" charset="0"/>
-              </a:rPr>
-              <a:t>1 40 </a:t>
-            </a:r>
-          </a:p>
-          <a:p>
-            <a:r>
-              <a:rPr lang="pt-BR" sz="1200" b="1" dirty="0" smtClean="0">
-                <a:latin typeface="Courier New" panose="02070309020205020404" pitchFamily="49" charset="0"/>
-                <a:cs typeface="Courier New" panose="02070309020205020404" pitchFamily="49" charset="0"/>
-              </a:rPr>
-              <a:t>0 </a:t>
-            </a:r>
-            <a:r>
-              <a:rPr lang="pt-BR" sz="1200" b="1" dirty="0">
-                <a:latin typeface="Courier New" panose="02070309020205020404" pitchFamily="49" charset="0"/>
-                <a:cs typeface="Courier New" panose="02070309020205020404" pitchFamily="49" charset="0"/>
-              </a:rPr>
-              <a:t>0 0.5 </a:t>
-            </a:r>
-          </a:p>
-          <a:p>
-            <a:r>
-              <a:rPr lang="pt-BR" sz="1200" b="1" dirty="0">
-                <a:latin typeface="Courier New" panose="02070309020205020404" pitchFamily="49" charset="0"/>
-                <a:cs typeface="Courier New" panose="02070309020205020404" pitchFamily="49" charset="0"/>
-              </a:rPr>
-              <a:t>4 0 </a:t>
-            </a:r>
-          </a:p>
-          <a:p>
-            <a:r>
-              <a:rPr lang="pt-BR" sz="1200" b="1" dirty="0">
-                <a:latin typeface="Courier New" panose="02070309020205020404" pitchFamily="49" charset="0"/>
-                <a:cs typeface="Courier New" panose="02070309020205020404" pitchFamily="49" charset="0"/>
-              </a:rPr>
-              <a:t>1 0.25 0 0 0 </a:t>
-            </a:r>
-          </a:p>
-          <a:p>
-            <a:r>
-              <a:rPr lang="pt-BR" sz="1200" b="1" dirty="0">
-                <a:latin typeface="Courier New" panose="02070309020205020404" pitchFamily="49" charset="0"/>
-                <a:cs typeface="Courier New" panose="02070309020205020404" pitchFamily="49" charset="0"/>
-              </a:rPr>
-              <a:t>20 20 1 </a:t>
-            </a:r>
-          </a:p>
-          <a:p>
-            <a:r>
-              <a:rPr lang="pt-BR" sz="1200" b="1" dirty="0">
-                <a:latin typeface="Courier New" panose="02070309020205020404" pitchFamily="49" charset="0"/>
-                <a:cs typeface="Courier New" panose="02070309020205020404" pitchFamily="49" charset="0"/>
-              </a:rPr>
-              <a:t>1 0.25 0 0 0 </a:t>
-            </a:r>
-          </a:p>
-          <a:p>
-            <a:r>
-              <a:rPr lang="pt-BR" sz="1200" b="1" dirty="0">
-                <a:latin typeface="Courier New" panose="02070309020205020404" pitchFamily="49" charset="0"/>
-                <a:cs typeface="Courier New" panose="02070309020205020404" pitchFamily="49" charset="0"/>
-              </a:rPr>
-              <a:t>50 50 1 </a:t>
-            </a:r>
-          </a:p>
-          <a:p>
-            <a:r>
-              <a:rPr lang="pt-BR" sz="1200" b="1" dirty="0">
-                <a:latin typeface="Courier New" panose="02070309020205020404" pitchFamily="49" charset="0"/>
-                <a:cs typeface="Courier New" panose="02070309020205020404" pitchFamily="49" charset="0"/>
-              </a:rPr>
-              <a:t>1 0.25 135 0 0 </a:t>
-            </a:r>
-          </a:p>
-          <a:p>
-            <a:r>
-              <a:rPr lang="pt-BR" sz="1200" b="1" dirty="0">
-                <a:latin typeface="Courier New" panose="02070309020205020404" pitchFamily="49" charset="0"/>
-                <a:cs typeface="Courier New" panose="02070309020205020404" pitchFamily="49" charset="0"/>
-              </a:rPr>
-              <a:t>10000 1 1 </a:t>
-            </a:r>
-          </a:p>
-          <a:p>
-            <a:r>
-              <a:rPr lang="pt-BR" sz="1200" b="1" dirty="0">
-                <a:latin typeface="Courier New" panose="02070309020205020404" pitchFamily="49" charset="0"/>
-                <a:cs typeface="Courier New" panose="02070309020205020404" pitchFamily="49" charset="0"/>
-              </a:rPr>
-              <a:t>1 0.25 45 0 0 </a:t>
-            </a:r>
-          </a:p>
-          <a:p>
-            <a:r>
-              <a:rPr lang="pt-BR" sz="1200" b="1" dirty="0">
-                <a:latin typeface="Courier New" panose="02070309020205020404" pitchFamily="49" charset="0"/>
-                <a:cs typeface="Courier New" panose="02070309020205020404" pitchFamily="49" charset="0"/>
-              </a:rPr>
-              <a:t>10000 5 1 </a:t>
-            </a:r>
-          </a:p>
-        </p:txBody>
-      </p:sp>
-      <p:pic>
-        <p:nvPicPr>
-          <p:cNvPr id="5" name="Imagem 4"/>
-          <p:cNvPicPr>
-            <a:picLocks noChangeAspect="1"/>
-          </p:cNvPicPr>
-          <p:nvPr/>
-        </p:nvPicPr>
-        <p:blipFill>
-          <a:blip r:embed="rId2"/>
-          <a:stretch>
-            <a:fillRect/>
-          </a:stretch>
-        </p:blipFill>
-        <p:spPr>
-          <a:xfrm>
-            <a:off x="375495" y="201466"/>
-            <a:ext cx="4388898" cy="3276094"/>
-          </a:xfrm>
-          <a:prstGeom prst="rect">
-            <a:avLst/>
-          </a:prstGeom>
-        </p:spPr>
-      </p:pic>
-      <p:pic>
-        <p:nvPicPr>
-          <p:cNvPr id="6" name="Imagem 5"/>
-          <p:cNvPicPr>
-            <a:picLocks noChangeAspect="1"/>
-          </p:cNvPicPr>
-          <p:nvPr/>
-        </p:nvPicPr>
-        <p:blipFill>
-          <a:blip r:embed="rId3"/>
-          <a:stretch>
-            <a:fillRect/>
-          </a:stretch>
-        </p:blipFill>
-        <p:spPr>
-          <a:xfrm>
-            <a:off x="8366306" y="615519"/>
-            <a:ext cx="3205231" cy="2447987"/>
-          </a:xfrm>
-          <a:prstGeom prst="rect">
-            <a:avLst/>
-          </a:prstGeom>
-        </p:spPr>
-      </p:pic>
-      <p:pic>
-        <p:nvPicPr>
-          <p:cNvPr id="7" name="Imagem 6"/>
-          <p:cNvPicPr>
-            <a:picLocks noChangeAspect="1"/>
-          </p:cNvPicPr>
-          <p:nvPr/>
-        </p:nvPicPr>
-        <p:blipFill>
-          <a:blip r:embed="rId4"/>
-          <a:stretch>
-            <a:fillRect/>
-          </a:stretch>
-        </p:blipFill>
-        <p:spPr>
-          <a:xfrm>
-            <a:off x="477732" y="3705100"/>
-            <a:ext cx="2795311" cy="2113809"/>
-          </a:xfrm>
-          <a:prstGeom prst="rect">
-            <a:avLst/>
-          </a:prstGeom>
-        </p:spPr>
-      </p:pic>
-      <p:pic>
-        <p:nvPicPr>
-          <p:cNvPr id="8" name="Imagem 7"/>
-          <p:cNvPicPr>
-            <a:picLocks noChangeAspect="1"/>
-          </p:cNvPicPr>
-          <p:nvPr/>
-        </p:nvPicPr>
-        <p:blipFill>
-          <a:blip r:embed="rId5"/>
-          <a:stretch>
-            <a:fillRect/>
-          </a:stretch>
-        </p:blipFill>
-        <p:spPr>
-          <a:xfrm>
-            <a:off x="3273043" y="3705100"/>
-            <a:ext cx="2829869" cy="2113809"/>
-          </a:xfrm>
-          <a:prstGeom prst="rect">
-            <a:avLst/>
-          </a:prstGeom>
-        </p:spPr>
-      </p:pic>
-      <p:pic>
-        <p:nvPicPr>
-          <p:cNvPr id="9" name="Imagem 8"/>
-          <p:cNvPicPr>
-            <a:picLocks noChangeAspect="1"/>
-          </p:cNvPicPr>
-          <p:nvPr/>
-        </p:nvPicPr>
-        <p:blipFill>
-          <a:blip r:embed="rId6"/>
-          <a:stretch>
-            <a:fillRect/>
-          </a:stretch>
-        </p:blipFill>
-        <p:spPr>
-          <a:xfrm>
-            <a:off x="6068354" y="3705100"/>
-            <a:ext cx="2829869" cy="2118025"/>
-          </a:xfrm>
-          <a:prstGeom prst="rect">
-            <a:avLst/>
-          </a:prstGeom>
-        </p:spPr>
-      </p:pic>
-      <p:pic>
-        <p:nvPicPr>
-          <p:cNvPr id="10" name="Imagem 9"/>
-          <p:cNvPicPr>
-            <a:picLocks noChangeAspect="1"/>
-          </p:cNvPicPr>
-          <p:nvPr/>
-        </p:nvPicPr>
-        <p:blipFill>
-          <a:blip r:embed="rId7"/>
-          <a:stretch>
-            <a:fillRect/>
-          </a:stretch>
-        </p:blipFill>
-        <p:spPr>
-          <a:xfrm>
-            <a:off x="8898223" y="3705100"/>
-            <a:ext cx="2841880" cy="2143153"/>
-          </a:xfrm>
-          <a:prstGeom prst="rect">
-            <a:avLst/>
-          </a:prstGeom>
-        </p:spPr>
-      </p:pic>
-      <p:sp>
-        <p:nvSpPr>
-          <p:cNvPr id="11" name="CaixaDeTexto 10"/>
-          <p:cNvSpPr txBox="1"/>
-          <p:nvPr/>
-        </p:nvSpPr>
-        <p:spPr>
-          <a:xfrm>
-            <a:off x="9353296" y="2964803"/>
-            <a:ext cx="773673" cy="369332"/>
-          </a:xfrm>
-          <a:prstGeom prst="rect">
-            <a:avLst/>
-          </a:prstGeom>
-          <a:noFill/>
-        </p:spPr>
-        <p:txBody>
-          <a:bodyPr wrap="none" rtlCol="0">
-            <a:spAutoFit/>
-          </a:bodyPr>
-          <a:lstStyle/>
-          <a:p>
-            <a:r>
-              <a:rPr lang="pt-BR" dirty="0" smtClean="0"/>
-              <a:t>MEAN</a:t>
-            </a:r>
-            <a:endParaRPr lang="pt-BR" dirty="0"/>
-          </a:p>
-        </p:txBody>
-      </p:sp>
-      <p:sp>
-        <p:nvSpPr>
-          <p:cNvPr id="12" name="CaixaDeTexto 11"/>
-          <p:cNvSpPr txBox="1"/>
-          <p:nvPr/>
-        </p:nvSpPr>
-        <p:spPr>
-          <a:xfrm>
-            <a:off x="967338" y="5809323"/>
-            <a:ext cx="1260281" cy="369332"/>
-          </a:xfrm>
-          <a:prstGeom prst="rect">
-            <a:avLst/>
-          </a:prstGeom>
-          <a:noFill/>
-        </p:spPr>
-        <p:txBody>
-          <a:bodyPr wrap="none" rtlCol="0">
-            <a:spAutoFit/>
-          </a:bodyPr>
-          <a:lstStyle/>
-          <a:p>
-            <a:r>
-              <a:rPr lang="pt-BR" dirty="0" err="1" smtClean="0"/>
-              <a:t>Sph</a:t>
-            </a:r>
-            <a:r>
-              <a:rPr lang="pt-BR" dirty="0" smtClean="0"/>
-              <a:t> 20 x 20</a:t>
-            </a:r>
-            <a:endParaRPr lang="pt-BR" dirty="0"/>
-          </a:p>
-        </p:txBody>
-      </p:sp>
-      <p:sp>
-        <p:nvSpPr>
-          <p:cNvPr id="13" name="CaixaDeTexto 12"/>
-          <p:cNvSpPr txBox="1"/>
-          <p:nvPr/>
-        </p:nvSpPr>
-        <p:spPr>
-          <a:xfrm>
-            <a:off x="3803124" y="5809323"/>
-            <a:ext cx="1260281" cy="369332"/>
-          </a:xfrm>
-          <a:prstGeom prst="rect">
-            <a:avLst/>
-          </a:prstGeom>
-          <a:noFill/>
-        </p:spPr>
-        <p:txBody>
-          <a:bodyPr wrap="none" rtlCol="0">
-            <a:spAutoFit/>
-          </a:bodyPr>
-          <a:lstStyle/>
-          <a:p>
-            <a:r>
-              <a:rPr lang="pt-BR" dirty="0" err="1" smtClean="0"/>
-              <a:t>Sph</a:t>
-            </a:r>
-            <a:r>
-              <a:rPr lang="pt-BR" dirty="0" smtClean="0"/>
-              <a:t> 50 x 50</a:t>
-            </a:r>
-            <a:endParaRPr lang="pt-BR" dirty="0"/>
-          </a:p>
-        </p:txBody>
-      </p:sp>
-      <p:sp>
-        <p:nvSpPr>
-          <p:cNvPr id="14" name="CaixaDeTexto 13"/>
-          <p:cNvSpPr txBox="1"/>
-          <p:nvPr/>
-        </p:nvSpPr>
-        <p:spPr>
-          <a:xfrm>
-            <a:off x="6475533" y="5809323"/>
-            <a:ext cx="1552028" cy="646331"/>
-          </a:xfrm>
-          <a:prstGeom prst="rect">
-            <a:avLst/>
-          </a:prstGeom>
-          <a:noFill/>
-        </p:spPr>
-        <p:txBody>
-          <a:bodyPr wrap="none" rtlCol="0">
-            <a:spAutoFit/>
-          </a:bodyPr>
-          <a:lstStyle/>
-          <a:p>
-            <a:pPr algn="ctr"/>
-            <a:r>
-              <a:rPr lang="pt-BR" dirty="0" err="1" smtClean="0"/>
-              <a:t>Sph</a:t>
-            </a:r>
-            <a:r>
-              <a:rPr lang="pt-BR" dirty="0" smtClean="0"/>
-              <a:t> 10,000 x 1</a:t>
-            </a:r>
-          </a:p>
-          <a:p>
-            <a:pPr algn="ctr"/>
-            <a:r>
-              <a:rPr lang="pt-BR" dirty="0" smtClean="0"/>
-              <a:t>@ N135E</a:t>
-            </a:r>
-            <a:endParaRPr lang="pt-BR" dirty="0"/>
-          </a:p>
-        </p:txBody>
-      </p:sp>
-      <p:sp>
-        <p:nvSpPr>
-          <p:cNvPr id="15" name="CaixaDeTexto 14"/>
-          <p:cNvSpPr txBox="1"/>
-          <p:nvPr/>
-        </p:nvSpPr>
-        <p:spPr>
-          <a:xfrm>
-            <a:off x="9329152" y="5814044"/>
-            <a:ext cx="1552028" cy="646331"/>
-          </a:xfrm>
-          <a:prstGeom prst="rect">
-            <a:avLst/>
-          </a:prstGeom>
-          <a:noFill/>
-        </p:spPr>
-        <p:txBody>
-          <a:bodyPr wrap="none" rtlCol="0">
-            <a:spAutoFit/>
-          </a:bodyPr>
-          <a:lstStyle/>
-          <a:p>
-            <a:pPr algn="ctr"/>
-            <a:r>
-              <a:rPr lang="pt-BR" dirty="0" err="1" smtClean="0"/>
-              <a:t>Sph</a:t>
-            </a:r>
-            <a:r>
-              <a:rPr lang="pt-BR" dirty="0" smtClean="0"/>
-              <a:t> 10,000 x 5</a:t>
-            </a:r>
-          </a:p>
-          <a:p>
-            <a:pPr algn="ctr"/>
-            <a:r>
-              <a:rPr lang="pt-BR" dirty="0" smtClean="0"/>
-              <a:t>@ N045E</a:t>
-            </a:r>
-            <a:endParaRPr lang="pt-BR" dirty="0"/>
-          </a:p>
-        </p:txBody>
-      </p:sp>
-    </p:spTree>
-    <p:extLst>
-      <p:ext uri="{BB962C8B-B14F-4D97-AF65-F5344CB8AC3E}">
-        <p14:creationId xmlns:p14="http://schemas.microsoft.com/office/powerpoint/2010/main" val="664631757"/>
-      </p:ext>
-    </p:extLst>
-  </p:cSld>
-  <p:clrMapOvr>
-    <a:masterClrMapping/>
-  </p:clrMapOvr>
-</p:sld>
-</file>
-
 <file path=ppt/slides/slide8.xml><?xml version="1.0" encoding="utf-8"?>
 <p:sld xmlns:a="http://schemas.openxmlformats.org/drawingml/2006/main" xmlns:r="http://schemas.openxmlformats.org/officeDocument/2006/relationships" xmlns:p="http://schemas.openxmlformats.org/presentationml/2006/main">
   <p:cSld>
@@ -21578,7 +27454,7 @@
   <a:extraClrSchemeLst/>
   <a:extLst>
     <a:ext uri="{05A4C25C-085E-4340-85A3-A5531E510DB2}">
-      <thm15:themeFamily xmlns:thm15="http://schemas.microsoft.com/office/thememl/2012/main" name="Office Theme" id="{62F939B6-93AF-4DB8-9C6B-D6C7DFDC589F}" vid="{4A3C46E8-61CC-4603-A589-7422A47A8E4A}"/>
+      <thm15:themeFamily xmlns="" xmlns:thm15="http://schemas.microsoft.com/office/thememl/2012/main" name="Office Theme" id="{62F939B6-93AF-4DB8-9C6B-D6C7DFDC589F}" vid="{4A3C46E8-61CC-4603-A589-7422A47A8E4A}"/>
     </a:ext>
   </a:extLst>
 </a:theme>

--- a/docs/figures.pptx
+++ b/docs/figures.pptx
@@ -7,13 +7,15 @@
   <p:sldIdLst>
     <p:sldId id="256" r:id="rId2"/>
     <p:sldId id="257" r:id="rId3"/>
-    <p:sldId id="264" r:id="rId4"/>
-    <p:sldId id="258" r:id="rId5"/>
-    <p:sldId id="259" r:id="rId6"/>
-    <p:sldId id="260" r:id="rId7"/>
-    <p:sldId id="261" r:id="rId8"/>
-    <p:sldId id="262" r:id="rId9"/>
-    <p:sldId id="263" r:id="rId10"/>
+    <p:sldId id="265" r:id="rId4"/>
+    <p:sldId id="266" r:id="rId5"/>
+    <p:sldId id="264" r:id="rId6"/>
+    <p:sldId id="258" r:id="rId7"/>
+    <p:sldId id="259" r:id="rId8"/>
+    <p:sldId id="260" r:id="rId9"/>
+    <p:sldId id="261" r:id="rId10"/>
+    <p:sldId id="262" r:id="rId11"/>
+    <p:sldId id="263" r:id="rId12"/>
   </p:sldIdLst>
   <p:sldSz cx="12192000" cy="6858000"/>
   <p:notesSz cx="6858000" cy="9144000"/>
@@ -114,7 +116,7 @@
   </p:defaultTextStyle>
   <p:extLst>
     <p:ext uri="{EFAFB233-063F-42B5-8137-9DF3F51BA10A}">
-      <p15:sldGuideLst xmlns="" xmlns:p15="http://schemas.microsoft.com/office/powerpoint/2012/main"/>
+      <p15:sldGuideLst xmlns:p15="http://schemas.microsoft.com/office/powerpoint/2012/main" xmlns=""/>
     </p:ext>
   </p:extLst>
 </p:presentation>
@@ -251,7 +253,7 @@
           <a:p>
             <a:fld id="{5827CF75-21ED-4285-9C22-184A8788EFA2}" type="datetimeFigureOut">
               <a:rPr lang="pt-BR" smtClean="0"/>
-              <a:t>03/10/2018</a:t>
+              <a:t>05/10/2018</a:t>
             </a:fld>
             <a:endParaRPr lang="pt-BR"/>
           </a:p>
@@ -421,7 +423,7 @@
           <a:p>
             <a:fld id="{5827CF75-21ED-4285-9C22-184A8788EFA2}" type="datetimeFigureOut">
               <a:rPr lang="pt-BR" smtClean="0"/>
-              <a:t>03/10/2018</a:t>
+              <a:t>05/10/2018</a:t>
             </a:fld>
             <a:endParaRPr lang="pt-BR"/>
           </a:p>
@@ -601,7 +603,7 @@
           <a:p>
             <a:fld id="{5827CF75-21ED-4285-9C22-184A8788EFA2}" type="datetimeFigureOut">
               <a:rPr lang="pt-BR" smtClean="0"/>
-              <a:t>03/10/2018</a:t>
+              <a:t>05/10/2018</a:t>
             </a:fld>
             <a:endParaRPr lang="pt-BR"/>
           </a:p>
@@ -771,7 +773,7 @@
           <a:p>
             <a:fld id="{5827CF75-21ED-4285-9C22-184A8788EFA2}" type="datetimeFigureOut">
               <a:rPr lang="pt-BR" smtClean="0"/>
-              <a:t>03/10/2018</a:t>
+              <a:t>05/10/2018</a:t>
             </a:fld>
             <a:endParaRPr lang="pt-BR"/>
           </a:p>
@@ -1017,7 +1019,7 @@
           <a:p>
             <a:fld id="{5827CF75-21ED-4285-9C22-184A8788EFA2}" type="datetimeFigureOut">
               <a:rPr lang="pt-BR" smtClean="0"/>
-              <a:t>03/10/2018</a:t>
+              <a:t>05/10/2018</a:t>
             </a:fld>
             <a:endParaRPr lang="pt-BR"/>
           </a:p>
@@ -1249,7 +1251,7 @@
           <a:p>
             <a:fld id="{5827CF75-21ED-4285-9C22-184A8788EFA2}" type="datetimeFigureOut">
               <a:rPr lang="pt-BR" smtClean="0"/>
-              <a:t>03/10/2018</a:t>
+              <a:t>05/10/2018</a:t>
             </a:fld>
             <a:endParaRPr lang="pt-BR"/>
           </a:p>
@@ -1616,7 +1618,7 @@
           <a:p>
             <a:fld id="{5827CF75-21ED-4285-9C22-184A8788EFA2}" type="datetimeFigureOut">
               <a:rPr lang="pt-BR" smtClean="0"/>
-              <a:t>03/10/2018</a:t>
+              <a:t>05/10/2018</a:t>
             </a:fld>
             <a:endParaRPr lang="pt-BR"/>
           </a:p>
@@ -1734,7 +1736,7 @@
           <a:p>
             <a:fld id="{5827CF75-21ED-4285-9C22-184A8788EFA2}" type="datetimeFigureOut">
               <a:rPr lang="pt-BR" smtClean="0"/>
-              <a:t>03/10/2018</a:t>
+              <a:t>05/10/2018</a:t>
             </a:fld>
             <a:endParaRPr lang="pt-BR"/>
           </a:p>
@@ -1829,7 +1831,7 @@
           <a:p>
             <a:fld id="{5827CF75-21ED-4285-9C22-184A8788EFA2}" type="datetimeFigureOut">
               <a:rPr lang="pt-BR" smtClean="0"/>
-              <a:t>03/10/2018</a:t>
+              <a:t>05/10/2018</a:t>
             </a:fld>
             <a:endParaRPr lang="pt-BR"/>
           </a:p>
@@ -2106,7 +2108,7 @@
           <a:p>
             <a:fld id="{5827CF75-21ED-4285-9C22-184A8788EFA2}" type="datetimeFigureOut">
               <a:rPr lang="pt-BR" smtClean="0"/>
-              <a:t>03/10/2018</a:t>
+              <a:t>05/10/2018</a:t>
             </a:fld>
             <a:endParaRPr lang="pt-BR"/>
           </a:p>
@@ -2359,7 +2361,7 @@
           <a:p>
             <a:fld id="{5827CF75-21ED-4285-9C22-184A8788EFA2}" type="datetimeFigureOut">
               <a:rPr lang="pt-BR" smtClean="0"/>
-              <a:t>03/10/2018</a:t>
+              <a:t>05/10/2018</a:t>
             </a:fld>
             <a:endParaRPr lang="pt-BR"/>
           </a:p>
@@ -2572,7 +2574,7 @@
           <a:p>
             <a:fld id="{5827CF75-21ED-4285-9C22-184A8788EFA2}" type="datetimeFigureOut">
               <a:rPr lang="pt-BR" smtClean="0"/>
-              <a:t>03/10/2018</a:t>
+              <a:t>05/10/2018</a:t>
             </a:fld>
             <a:endParaRPr lang="pt-BR"/>
           </a:p>
@@ -4066,6 +4068,800 @@
 </p:sld>
 </file>
 
+<file path=ppt/slides/slide10.xml><?xml version="1.0" encoding="utf-8"?>
+<p:sld xmlns:a="http://schemas.openxmlformats.org/drawingml/2006/main" xmlns:r="http://schemas.openxmlformats.org/officeDocument/2006/relationships" xmlns:p="http://schemas.openxmlformats.org/presentationml/2006/main">
+  <p:cSld>
+    <p:spTree>
+      <p:nvGrpSpPr>
+        <p:cNvPr id="1" name=""/>
+        <p:cNvGrpSpPr/>
+        <p:nvPr/>
+      </p:nvGrpSpPr>
+      <p:grpSpPr>
+        <a:xfrm>
+          <a:off x="0" y="0"/>
+          <a:ext cx="0" cy="0"/>
+          <a:chOff x="0" y="0"/>
+          <a:chExt cx="0" cy="0"/>
+        </a:xfrm>
+      </p:grpSpPr>
+      <p:pic>
+        <p:nvPicPr>
+          <p:cNvPr id="1027" name="Picture 3"/>
+          <p:cNvPicPr>
+            <a:picLocks noChangeAspect="1" noChangeArrowheads="1"/>
+          </p:cNvPicPr>
+          <p:nvPr/>
+        </p:nvPicPr>
+        <p:blipFill>
+          <a:blip r:embed="rId2">
+            <a:extLst>
+              <a:ext uri="{28A0092B-C50C-407E-A947-70E740481C1C}">
+                <a14:useLocalDpi xmlns:a14="http://schemas.microsoft.com/office/drawing/2010/main" val="0"/>
+              </a:ext>
+            </a:extLst>
+          </a:blip>
+          <a:srcRect/>
+          <a:stretch>
+            <a:fillRect/>
+          </a:stretch>
+        </p:blipFill>
+        <p:spPr bwMode="auto">
+          <a:xfrm>
+            <a:off x="1181781" y="35403"/>
+            <a:ext cx="2255383" cy="1711301"/>
+          </a:xfrm>
+          <a:prstGeom prst="rect">
+            <a:avLst/>
+          </a:prstGeom>
+          <a:noFill/>
+          <a:ln>
+            <a:noFill/>
+          </a:ln>
+          <a:extLst>
+            <a:ext uri="{909E8E84-426E-40DD-AFC4-6F175D3DCCD1}">
+              <a14:hiddenFill xmlns:a14="http://schemas.microsoft.com/office/drawing/2010/main">
+                <a:solidFill>
+                  <a:schemeClr val="accent1"/>
+                </a:solidFill>
+              </a14:hiddenFill>
+            </a:ext>
+            <a:ext uri="{91240B29-F687-4F45-9708-019B960494DF}">
+              <a14:hiddenLine xmlns:a14="http://schemas.microsoft.com/office/drawing/2010/main" w="9525">
+                <a:solidFill>
+                  <a:schemeClr val="tx1"/>
+                </a:solidFill>
+                <a:miter lim="800000"/>
+                <a:headEnd/>
+                <a:tailEnd/>
+              </a14:hiddenLine>
+            </a:ext>
+          </a:extLst>
+        </p:spPr>
+      </p:pic>
+      <p:pic>
+        <p:nvPicPr>
+          <p:cNvPr id="1028" name="Picture 4"/>
+          <p:cNvPicPr>
+            <a:picLocks noChangeAspect="1" noChangeArrowheads="1"/>
+          </p:cNvPicPr>
+          <p:nvPr/>
+        </p:nvPicPr>
+        <p:blipFill>
+          <a:blip r:embed="rId3">
+            <a:extLst>
+              <a:ext uri="{28A0092B-C50C-407E-A947-70E740481C1C}">
+                <a14:useLocalDpi xmlns:a14="http://schemas.microsoft.com/office/drawing/2010/main" val="0"/>
+              </a:ext>
+            </a:extLst>
+          </a:blip>
+          <a:srcRect/>
+          <a:stretch>
+            <a:fillRect/>
+          </a:stretch>
+        </p:blipFill>
+        <p:spPr bwMode="auto">
+          <a:xfrm>
+            <a:off x="3437164" y="35401"/>
+            <a:ext cx="2122371" cy="1711301"/>
+          </a:xfrm>
+          <a:prstGeom prst="rect">
+            <a:avLst/>
+          </a:prstGeom>
+          <a:noFill/>
+          <a:ln>
+            <a:noFill/>
+          </a:ln>
+          <a:extLst>
+            <a:ext uri="{909E8E84-426E-40DD-AFC4-6F175D3DCCD1}">
+              <a14:hiddenFill xmlns:a14="http://schemas.microsoft.com/office/drawing/2010/main">
+                <a:solidFill>
+                  <a:schemeClr val="accent1"/>
+                </a:solidFill>
+              </a14:hiddenFill>
+            </a:ext>
+            <a:ext uri="{91240B29-F687-4F45-9708-019B960494DF}">
+              <a14:hiddenLine xmlns:a14="http://schemas.microsoft.com/office/drawing/2010/main" w="9525">
+                <a:solidFill>
+                  <a:schemeClr val="tx1"/>
+                </a:solidFill>
+                <a:miter lim="800000"/>
+                <a:headEnd/>
+                <a:tailEnd/>
+              </a14:hiddenLine>
+            </a:ext>
+          </a:extLst>
+        </p:spPr>
+      </p:pic>
+      <p:pic>
+        <p:nvPicPr>
+          <p:cNvPr id="1029" name="Picture 5"/>
+          <p:cNvPicPr>
+            <a:picLocks noChangeAspect="1" noChangeArrowheads="1"/>
+          </p:cNvPicPr>
+          <p:nvPr/>
+        </p:nvPicPr>
+        <p:blipFill>
+          <a:blip r:embed="rId4">
+            <a:extLst>
+              <a:ext uri="{28A0092B-C50C-407E-A947-70E740481C1C}">
+                <a14:useLocalDpi xmlns:a14="http://schemas.microsoft.com/office/drawing/2010/main" val="0"/>
+              </a:ext>
+            </a:extLst>
+          </a:blip>
+          <a:srcRect/>
+          <a:stretch>
+            <a:fillRect/>
+          </a:stretch>
+        </p:blipFill>
+        <p:spPr bwMode="auto">
+          <a:xfrm>
+            <a:off x="1172597" y="1746702"/>
+            <a:ext cx="2255382" cy="1697350"/>
+          </a:xfrm>
+          <a:prstGeom prst="rect">
+            <a:avLst/>
+          </a:prstGeom>
+          <a:noFill/>
+          <a:ln>
+            <a:noFill/>
+          </a:ln>
+          <a:extLst>
+            <a:ext uri="{909E8E84-426E-40DD-AFC4-6F175D3DCCD1}">
+              <a14:hiddenFill xmlns:a14="http://schemas.microsoft.com/office/drawing/2010/main">
+                <a:solidFill>
+                  <a:schemeClr val="accent1"/>
+                </a:solidFill>
+              </a14:hiddenFill>
+            </a:ext>
+            <a:ext uri="{91240B29-F687-4F45-9708-019B960494DF}">
+              <a14:hiddenLine xmlns:a14="http://schemas.microsoft.com/office/drawing/2010/main" w="9525">
+                <a:solidFill>
+                  <a:schemeClr val="tx1"/>
+                </a:solidFill>
+                <a:miter lim="800000"/>
+                <a:headEnd/>
+                <a:tailEnd/>
+              </a14:hiddenLine>
+            </a:ext>
+          </a:extLst>
+        </p:spPr>
+      </p:pic>
+      <p:pic>
+        <p:nvPicPr>
+          <p:cNvPr id="1030" name="Picture 6"/>
+          <p:cNvPicPr>
+            <a:picLocks noChangeAspect="1" noChangeArrowheads="1"/>
+          </p:cNvPicPr>
+          <p:nvPr/>
+        </p:nvPicPr>
+        <p:blipFill>
+          <a:blip r:embed="rId5">
+            <a:extLst>
+              <a:ext uri="{28A0092B-C50C-407E-A947-70E740481C1C}">
+                <a14:useLocalDpi xmlns:a14="http://schemas.microsoft.com/office/drawing/2010/main" val="0"/>
+              </a:ext>
+            </a:extLst>
+          </a:blip>
+          <a:srcRect/>
+          <a:stretch>
+            <a:fillRect/>
+          </a:stretch>
+        </p:blipFill>
+        <p:spPr bwMode="auto">
+          <a:xfrm>
+            <a:off x="3437164" y="1746705"/>
+            <a:ext cx="2096466" cy="1697348"/>
+          </a:xfrm>
+          <a:prstGeom prst="rect">
+            <a:avLst/>
+          </a:prstGeom>
+          <a:noFill/>
+          <a:ln>
+            <a:noFill/>
+          </a:ln>
+          <a:extLst>
+            <a:ext uri="{909E8E84-426E-40DD-AFC4-6F175D3DCCD1}">
+              <a14:hiddenFill xmlns:a14="http://schemas.microsoft.com/office/drawing/2010/main">
+                <a:solidFill>
+                  <a:schemeClr val="accent1"/>
+                </a:solidFill>
+              </a14:hiddenFill>
+            </a:ext>
+            <a:ext uri="{91240B29-F687-4F45-9708-019B960494DF}">
+              <a14:hiddenLine xmlns:a14="http://schemas.microsoft.com/office/drawing/2010/main" w="9525">
+                <a:solidFill>
+                  <a:schemeClr val="tx1"/>
+                </a:solidFill>
+                <a:miter lim="800000"/>
+                <a:headEnd/>
+                <a:tailEnd/>
+              </a14:hiddenLine>
+            </a:ext>
+          </a:extLst>
+        </p:spPr>
+      </p:pic>
+      <p:pic>
+        <p:nvPicPr>
+          <p:cNvPr id="1031" name="Picture 7"/>
+          <p:cNvPicPr>
+            <a:picLocks noChangeAspect="1" noChangeArrowheads="1"/>
+          </p:cNvPicPr>
+          <p:nvPr/>
+        </p:nvPicPr>
+        <p:blipFill>
+          <a:blip r:embed="rId6">
+            <a:extLst>
+              <a:ext uri="{28A0092B-C50C-407E-A947-70E740481C1C}">
+                <a14:useLocalDpi xmlns:a14="http://schemas.microsoft.com/office/drawing/2010/main" val="0"/>
+              </a:ext>
+            </a:extLst>
+          </a:blip>
+          <a:srcRect/>
+          <a:stretch>
+            <a:fillRect/>
+          </a:stretch>
+        </p:blipFill>
+        <p:spPr bwMode="auto">
+          <a:xfrm>
+            <a:off x="1181792" y="3437165"/>
+            <a:ext cx="2255372" cy="1751065"/>
+          </a:xfrm>
+          <a:prstGeom prst="rect">
+            <a:avLst/>
+          </a:prstGeom>
+          <a:noFill/>
+          <a:ln>
+            <a:noFill/>
+          </a:ln>
+          <a:extLst>
+            <a:ext uri="{909E8E84-426E-40DD-AFC4-6F175D3DCCD1}">
+              <a14:hiddenFill xmlns:a14="http://schemas.microsoft.com/office/drawing/2010/main">
+                <a:solidFill>
+                  <a:schemeClr val="accent1"/>
+                </a:solidFill>
+              </a14:hiddenFill>
+            </a:ext>
+            <a:ext uri="{91240B29-F687-4F45-9708-019B960494DF}">
+              <a14:hiddenLine xmlns:a14="http://schemas.microsoft.com/office/drawing/2010/main" w="9525">
+                <a:solidFill>
+                  <a:schemeClr val="tx1"/>
+                </a:solidFill>
+                <a:miter lim="800000"/>
+                <a:headEnd/>
+                <a:tailEnd/>
+              </a14:hiddenLine>
+            </a:ext>
+          </a:extLst>
+        </p:spPr>
+      </p:pic>
+      <p:pic>
+        <p:nvPicPr>
+          <p:cNvPr id="1032" name="Picture 8"/>
+          <p:cNvPicPr>
+            <a:picLocks noChangeAspect="1" noChangeArrowheads="1"/>
+          </p:cNvPicPr>
+          <p:nvPr/>
+        </p:nvPicPr>
+        <p:blipFill>
+          <a:blip r:embed="rId7">
+            <a:extLst>
+              <a:ext uri="{28A0092B-C50C-407E-A947-70E740481C1C}">
+                <a14:useLocalDpi xmlns:a14="http://schemas.microsoft.com/office/drawing/2010/main" val="0"/>
+              </a:ext>
+            </a:extLst>
+          </a:blip>
+          <a:srcRect/>
+          <a:stretch>
+            <a:fillRect/>
+          </a:stretch>
+        </p:blipFill>
+        <p:spPr bwMode="auto">
+          <a:xfrm>
+            <a:off x="3437164" y="3490347"/>
+            <a:ext cx="2096466" cy="1697562"/>
+          </a:xfrm>
+          <a:prstGeom prst="rect">
+            <a:avLst/>
+          </a:prstGeom>
+          <a:noFill/>
+          <a:ln>
+            <a:noFill/>
+          </a:ln>
+          <a:extLst>
+            <a:ext uri="{909E8E84-426E-40DD-AFC4-6F175D3DCCD1}">
+              <a14:hiddenFill xmlns:a14="http://schemas.microsoft.com/office/drawing/2010/main">
+                <a:solidFill>
+                  <a:schemeClr val="accent1"/>
+                </a:solidFill>
+              </a14:hiddenFill>
+            </a:ext>
+            <a:ext uri="{91240B29-F687-4F45-9708-019B960494DF}">
+              <a14:hiddenLine xmlns:a14="http://schemas.microsoft.com/office/drawing/2010/main" w="9525">
+                <a:solidFill>
+                  <a:schemeClr val="tx1"/>
+                </a:solidFill>
+                <a:miter lim="800000"/>
+                <a:headEnd/>
+                <a:tailEnd/>
+              </a14:hiddenLine>
+            </a:ext>
+          </a:extLst>
+        </p:spPr>
+      </p:pic>
+      <p:pic>
+        <p:nvPicPr>
+          <p:cNvPr id="1033" name="Picture 9"/>
+          <p:cNvPicPr>
+            <a:picLocks noChangeAspect="1" noChangeArrowheads="1"/>
+          </p:cNvPicPr>
+          <p:nvPr/>
+        </p:nvPicPr>
+        <p:blipFill>
+          <a:blip r:embed="rId8">
+            <a:extLst>
+              <a:ext uri="{28A0092B-C50C-407E-A947-70E740481C1C}">
+                <a14:useLocalDpi xmlns:a14="http://schemas.microsoft.com/office/drawing/2010/main" val="0"/>
+              </a:ext>
+            </a:extLst>
+          </a:blip>
+          <a:srcRect/>
+          <a:stretch>
+            <a:fillRect/>
+          </a:stretch>
+        </p:blipFill>
+        <p:spPr bwMode="auto">
+          <a:xfrm>
+            <a:off x="1181792" y="5078186"/>
+            <a:ext cx="2313286" cy="1779814"/>
+          </a:xfrm>
+          <a:prstGeom prst="rect">
+            <a:avLst/>
+          </a:prstGeom>
+          <a:noFill/>
+          <a:ln>
+            <a:noFill/>
+          </a:ln>
+          <a:extLst>
+            <a:ext uri="{909E8E84-426E-40DD-AFC4-6F175D3DCCD1}">
+              <a14:hiddenFill xmlns:a14="http://schemas.microsoft.com/office/drawing/2010/main">
+                <a:solidFill>
+                  <a:schemeClr val="accent1"/>
+                </a:solidFill>
+              </a14:hiddenFill>
+            </a:ext>
+            <a:ext uri="{91240B29-F687-4F45-9708-019B960494DF}">
+              <a14:hiddenLine xmlns:a14="http://schemas.microsoft.com/office/drawing/2010/main" w="9525">
+                <a:solidFill>
+                  <a:schemeClr val="tx1"/>
+                </a:solidFill>
+                <a:miter lim="800000"/>
+                <a:headEnd/>
+                <a:tailEnd/>
+              </a14:hiddenLine>
+            </a:ext>
+          </a:extLst>
+        </p:spPr>
+      </p:pic>
+      <p:pic>
+        <p:nvPicPr>
+          <p:cNvPr id="1034" name="Picture 10"/>
+          <p:cNvPicPr>
+            <a:picLocks noChangeAspect="1" noChangeArrowheads="1"/>
+          </p:cNvPicPr>
+          <p:nvPr/>
+        </p:nvPicPr>
+        <p:blipFill>
+          <a:blip r:embed="rId9">
+            <a:extLst>
+              <a:ext uri="{28A0092B-C50C-407E-A947-70E740481C1C}">
+                <a14:useLocalDpi xmlns:a14="http://schemas.microsoft.com/office/drawing/2010/main" val="0"/>
+              </a:ext>
+            </a:extLst>
+          </a:blip>
+          <a:srcRect/>
+          <a:stretch>
+            <a:fillRect/>
+          </a:stretch>
+        </p:blipFill>
+        <p:spPr bwMode="auto">
+          <a:xfrm>
+            <a:off x="3454261" y="5212722"/>
+            <a:ext cx="2049246" cy="1615339"/>
+          </a:xfrm>
+          <a:prstGeom prst="rect">
+            <a:avLst/>
+          </a:prstGeom>
+          <a:noFill/>
+          <a:ln>
+            <a:noFill/>
+          </a:ln>
+          <a:extLst>
+            <a:ext uri="{909E8E84-426E-40DD-AFC4-6F175D3DCCD1}">
+              <a14:hiddenFill xmlns:a14="http://schemas.microsoft.com/office/drawing/2010/main">
+                <a:solidFill>
+                  <a:schemeClr val="accent1"/>
+                </a:solidFill>
+              </a14:hiddenFill>
+            </a:ext>
+            <a:ext uri="{91240B29-F687-4F45-9708-019B960494DF}">
+              <a14:hiddenLine xmlns:a14="http://schemas.microsoft.com/office/drawing/2010/main" w="9525">
+                <a:solidFill>
+                  <a:schemeClr val="tx1"/>
+                </a:solidFill>
+                <a:miter lim="800000"/>
+                <a:headEnd/>
+                <a:tailEnd/>
+              </a14:hiddenLine>
+            </a:ext>
+          </a:extLst>
+        </p:spPr>
+      </p:pic>
+      <p:sp>
+        <p:nvSpPr>
+          <p:cNvPr id="4" name="CaixaDeTexto 3"/>
+          <p:cNvSpPr txBox="1"/>
+          <p:nvPr/>
+        </p:nvSpPr>
+        <p:spPr>
+          <a:xfrm>
+            <a:off x="5463473" y="429590"/>
+            <a:ext cx="780983" cy="738664"/>
+          </a:xfrm>
+          <a:prstGeom prst="rect">
+            <a:avLst/>
+          </a:prstGeom>
+          <a:noFill/>
+        </p:spPr>
+        <p:txBody>
+          <a:bodyPr wrap="none" rtlCol="0">
+            <a:spAutoFit/>
+          </a:bodyPr>
+          <a:lstStyle/>
+          <a:p>
+            <a:pPr algn="ctr"/>
+            <a:r>
+              <a:rPr lang="pt-BR" sz="1400" dirty="0" smtClean="0"/>
+              <a:t>sample</a:t>
+            </a:r>
+          </a:p>
+          <a:p>
+            <a:pPr algn="ctr"/>
+            <a:r>
+              <a:rPr lang="pt-BR" sz="1400" dirty="0" smtClean="0"/>
+              <a:t>spacing:</a:t>
+            </a:r>
+          </a:p>
+          <a:p>
+            <a:pPr algn="ctr"/>
+            <a:r>
+              <a:rPr lang="pt-BR" sz="1400" dirty="0" smtClean="0"/>
+              <a:t>0.0</a:t>
+            </a:r>
+            <a:endParaRPr lang="pt-BR" sz="1400" dirty="0"/>
+          </a:p>
+        </p:txBody>
+      </p:sp>
+      <p:sp>
+        <p:nvSpPr>
+          <p:cNvPr id="14" name="CaixaDeTexto 13"/>
+          <p:cNvSpPr txBox="1"/>
+          <p:nvPr/>
+        </p:nvSpPr>
+        <p:spPr>
+          <a:xfrm>
+            <a:off x="5485248" y="2157697"/>
+            <a:ext cx="780983" cy="738664"/>
+          </a:xfrm>
+          <a:prstGeom prst="rect">
+            <a:avLst/>
+          </a:prstGeom>
+          <a:noFill/>
+        </p:spPr>
+        <p:txBody>
+          <a:bodyPr wrap="none" rtlCol="0">
+            <a:spAutoFit/>
+          </a:bodyPr>
+          <a:lstStyle/>
+          <a:p>
+            <a:pPr algn="ctr"/>
+            <a:r>
+              <a:rPr lang="pt-BR" sz="1400" dirty="0" smtClean="0"/>
+              <a:t>sample</a:t>
+            </a:r>
+          </a:p>
+          <a:p>
+            <a:pPr algn="ctr"/>
+            <a:r>
+              <a:rPr lang="pt-BR" sz="1400" dirty="0" smtClean="0"/>
+              <a:t>spacing:</a:t>
+            </a:r>
+          </a:p>
+          <a:p>
+            <a:pPr algn="ctr"/>
+            <a:r>
+              <a:rPr lang="pt-BR" sz="1400" dirty="0" smtClean="0"/>
+              <a:t>2.0</a:t>
+            </a:r>
+            <a:endParaRPr lang="pt-BR" sz="1400" dirty="0"/>
+          </a:p>
+        </p:txBody>
+      </p:sp>
+      <p:sp>
+        <p:nvSpPr>
+          <p:cNvPr id="15" name="CaixaDeTexto 14"/>
+          <p:cNvSpPr txBox="1"/>
+          <p:nvPr/>
+        </p:nvSpPr>
+        <p:spPr>
+          <a:xfrm>
+            <a:off x="5524842" y="3831376"/>
+            <a:ext cx="780983" cy="738664"/>
+          </a:xfrm>
+          <a:prstGeom prst="rect">
+            <a:avLst/>
+          </a:prstGeom>
+          <a:noFill/>
+        </p:spPr>
+        <p:txBody>
+          <a:bodyPr wrap="none" rtlCol="0">
+            <a:spAutoFit/>
+          </a:bodyPr>
+          <a:lstStyle/>
+          <a:p>
+            <a:pPr algn="ctr"/>
+            <a:r>
+              <a:rPr lang="pt-BR" sz="1400" dirty="0" smtClean="0"/>
+              <a:t>sample</a:t>
+            </a:r>
+          </a:p>
+          <a:p>
+            <a:pPr algn="ctr"/>
+            <a:r>
+              <a:rPr lang="pt-BR" sz="1400" dirty="0" smtClean="0"/>
+              <a:t>spacing:</a:t>
+            </a:r>
+          </a:p>
+          <a:p>
+            <a:pPr algn="ctr"/>
+            <a:r>
+              <a:rPr lang="pt-BR" sz="1400" dirty="0" smtClean="0"/>
+              <a:t>3.0</a:t>
+            </a:r>
+            <a:endParaRPr lang="pt-BR" sz="1400" dirty="0"/>
+          </a:p>
+        </p:txBody>
+      </p:sp>
+      <p:sp>
+        <p:nvSpPr>
+          <p:cNvPr id="16" name="CaixaDeTexto 15"/>
+          <p:cNvSpPr txBox="1"/>
+          <p:nvPr/>
+        </p:nvSpPr>
+        <p:spPr>
+          <a:xfrm>
+            <a:off x="5524842" y="5651059"/>
+            <a:ext cx="780983" cy="738664"/>
+          </a:xfrm>
+          <a:prstGeom prst="rect">
+            <a:avLst/>
+          </a:prstGeom>
+          <a:noFill/>
+        </p:spPr>
+        <p:txBody>
+          <a:bodyPr wrap="none" rtlCol="0">
+            <a:spAutoFit/>
+          </a:bodyPr>
+          <a:lstStyle/>
+          <a:p>
+            <a:pPr algn="ctr"/>
+            <a:r>
+              <a:rPr lang="pt-BR" sz="1400" dirty="0" smtClean="0"/>
+              <a:t>sample</a:t>
+            </a:r>
+          </a:p>
+          <a:p>
+            <a:pPr algn="ctr"/>
+            <a:r>
+              <a:rPr lang="pt-BR" sz="1400" dirty="0" smtClean="0"/>
+              <a:t>spacing:</a:t>
+            </a:r>
+          </a:p>
+          <a:p>
+            <a:pPr algn="ctr"/>
+            <a:r>
+              <a:rPr lang="pt-BR" sz="1400" dirty="0" smtClean="0"/>
+              <a:t>4.0</a:t>
+            </a:r>
+            <a:endParaRPr lang="pt-BR" sz="1400" dirty="0"/>
+          </a:p>
+        </p:txBody>
+      </p:sp>
+    </p:spTree>
+    <p:extLst>
+      <p:ext uri="{BB962C8B-B14F-4D97-AF65-F5344CB8AC3E}">
+        <p14:creationId xmlns:p14="http://schemas.microsoft.com/office/powerpoint/2010/main" val="275650194"/>
+      </p:ext>
+    </p:extLst>
+  </p:cSld>
+  <p:clrMapOvr>
+    <a:masterClrMapping/>
+  </p:clrMapOvr>
+  <p:timing>
+    <p:tnLst>
+      <p:par>
+        <p:cTn id="1" dur="indefinite" restart="never" nodeType="tmRoot"/>
+      </p:par>
+    </p:tnLst>
+  </p:timing>
+</p:sld>
+</file>
+
+<file path=ppt/slides/slide11.xml><?xml version="1.0" encoding="utf-8"?>
+<p:sld xmlns:a="http://schemas.openxmlformats.org/drawingml/2006/main" xmlns:r="http://schemas.openxmlformats.org/officeDocument/2006/relationships" xmlns:p="http://schemas.openxmlformats.org/presentationml/2006/main">
+  <p:cSld>
+    <p:spTree>
+      <p:nvGrpSpPr>
+        <p:cNvPr id="1" name=""/>
+        <p:cNvGrpSpPr/>
+        <p:nvPr/>
+      </p:nvGrpSpPr>
+      <p:grpSpPr>
+        <a:xfrm>
+          <a:off x="0" y="0"/>
+          <a:ext cx="0" cy="0"/>
+          <a:chOff x="0" y="0"/>
+          <a:chExt cx="0" cy="0"/>
+        </a:xfrm>
+      </p:grpSpPr>
+      <p:pic>
+        <p:nvPicPr>
+          <p:cNvPr id="2050" name="Picture 2"/>
+          <p:cNvPicPr>
+            <a:picLocks noChangeAspect="1" noChangeArrowheads="1"/>
+          </p:cNvPicPr>
+          <p:nvPr/>
+        </p:nvPicPr>
+        <p:blipFill>
+          <a:blip r:embed="rId2">
+            <a:extLst>
+              <a:ext uri="{28A0092B-C50C-407E-A947-70E740481C1C}">
+                <a14:useLocalDpi xmlns:a14="http://schemas.microsoft.com/office/drawing/2010/main" val="0"/>
+              </a:ext>
+            </a:extLst>
+          </a:blip>
+          <a:srcRect/>
+          <a:stretch>
+            <a:fillRect/>
+          </a:stretch>
+        </p:blipFill>
+        <p:spPr bwMode="auto">
+          <a:xfrm>
+            <a:off x="1950585" y="1259341"/>
+            <a:ext cx="3343275" cy="3686175"/>
+          </a:xfrm>
+          <a:prstGeom prst="rect">
+            <a:avLst/>
+          </a:prstGeom>
+          <a:noFill/>
+          <a:ln>
+            <a:noFill/>
+          </a:ln>
+          <a:extLst>
+            <a:ext uri="{909E8E84-426E-40DD-AFC4-6F175D3DCCD1}">
+              <a14:hiddenFill xmlns:a14="http://schemas.microsoft.com/office/drawing/2010/main">
+                <a:solidFill>
+                  <a:schemeClr val="accent1"/>
+                </a:solidFill>
+              </a14:hiddenFill>
+            </a:ext>
+            <a:ext uri="{91240B29-F687-4F45-9708-019B960494DF}">
+              <a14:hiddenLine xmlns:a14="http://schemas.microsoft.com/office/drawing/2010/main" w="9525">
+                <a:solidFill>
+                  <a:schemeClr val="tx1"/>
+                </a:solidFill>
+                <a:miter lim="800000"/>
+                <a:headEnd/>
+                <a:tailEnd/>
+              </a14:hiddenLine>
+            </a:ext>
+          </a:extLst>
+        </p:spPr>
+      </p:pic>
+      <p:pic>
+        <p:nvPicPr>
+          <p:cNvPr id="2051" name="Picture 3"/>
+          <p:cNvPicPr>
+            <a:picLocks noChangeAspect="1" noChangeArrowheads="1"/>
+          </p:cNvPicPr>
+          <p:nvPr/>
+        </p:nvPicPr>
+        <p:blipFill>
+          <a:blip r:embed="rId3">
+            <a:extLst>
+              <a:ext uri="{28A0092B-C50C-407E-A947-70E740481C1C}">
+                <a14:useLocalDpi xmlns:a14="http://schemas.microsoft.com/office/drawing/2010/main" val="0"/>
+              </a:ext>
+            </a:extLst>
+          </a:blip>
+          <a:srcRect/>
+          <a:stretch>
+            <a:fillRect/>
+          </a:stretch>
+        </p:blipFill>
+        <p:spPr bwMode="auto">
+          <a:xfrm>
+            <a:off x="5248967" y="1289282"/>
+            <a:ext cx="4600575" cy="3609975"/>
+          </a:xfrm>
+          <a:prstGeom prst="rect">
+            <a:avLst/>
+          </a:prstGeom>
+          <a:noFill/>
+          <a:ln>
+            <a:noFill/>
+          </a:ln>
+          <a:extLst>
+            <a:ext uri="{909E8E84-426E-40DD-AFC4-6F175D3DCCD1}">
+              <a14:hiddenFill xmlns:a14="http://schemas.microsoft.com/office/drawing/2010/main">
+                <a:solidFill>
+                  <a:schemeClr val="accent1"/>
+                </a:solidFill>
+              </a14:hiddenFill>
+            </a:ext>
+            <a:ext uri="{91240B29-F687-4F45-9708-019B960494DF}">
+              <a14:hiddenLine xmlns:a14="http://schemas.microsoft.com/office/drawing/2010/main" w="9525">
+                <a:solidFill>
+                  <a:schemeClr val="tx1"/>
+                </a:solidFill>
+                <a:miter lim="800000"/>
+                <a:headEnd/>
+                <a:tailEnd/>
+              </a14:hiddenLine>
+            </a:ext>
+          </a:extLst>
+        </p:spPr>
+      </p:pic>
+    </p:spTree>
+    <p:extLst>
+      <p:ext uri="{BB962C8B-B14F-4D97-AF65-F5344CB8AC3E}">
+        <p14:creationId xmlns:p14="http://schemas.microsoft.com/office/powerpoint/2010/main" val="3658310469"/>
+      </p:ext>
+    </p:extLst>
+  </p:cSld>
+  <p:clrMapOvr>
+    <a:masterClrMapping/>
+  </p:clrMapOvr>
+  <p:timing>
+    <p:tnLst>
+      <p:par>
+        <p:cTn id="1" dur="indefinite" restart="never" nodeType="tmRoot"/>
+      </p:par>
+    </p:tnLst>
+  </p:timing>
+</p:sld>
+</file>
+
 <file path=ppt/slides/slide2.xml><?xml version="1.0" encoding="utf-8"?>
 <p:sld xmlns:a="http://schemas.openxmlformats.org/drawingml/2006/main" xmlns:r="http://schemas.openxmlformats.org/officeDocument/2006/relationships" xmlns:p="http://schemas.openxmlformats.org/presentationml/2006/main">
   <p:cSld>
@@ -10502,6 +11298,3928 @@
 </file>
 
 <file path=ppt/slides/slide3.xml><?xml version="1.0" encoding="utf-8"?>
+<p:sld xmlns:a="http://schemas.openxmlformats.org/drawingml/2006/main" xmlns:r="http://schemas.openxmlformats.org/officeDocument/2006/relationships" xmlns:p="http://schemas.openxmlformats.org/presentationml/2006/main">
+  <p:cSld>
+    <p:spTree>
+      <p:nvGrpSpPr>
+        <p:cNvPr id="1" name=""/>
+        <p:cNvGrpSpPr/>
+        <p:nvPr/>
+      </p:nvGrpSpPr>
+      <p:grpSpPr>
+        <a:xfrm>
+          <a:off x="0" y="0"/>
+          <a:ext cx="0" cy="0"/>
+          <a:chOff x="0" y="0"/>
+          <a:chExt cx="0" cy="0"/>
+        </a:xfrm>
+      </p:grpSpPr>
+      <p:sp>
+        <p:nvSpPr>
+          <p:cNvPr id="143" name="Retângulo 142"/>
+          <p:cNvSpPr/>
+          <p:nvPr/>
+        </p:nvSpPr>
+        <p:spPr>
+          <a:xfrm>
+            <a:off x="1587081" y="1073624"/>
+            <a:ext cx="1246909" cy="1246909"/>
+          </a:xfrm>
+          <a:prstGeom prst="rect">
+            <a:avLst/>
+          </a:prstGeom>
+          <a:noFill/>
+        </p:spPr>
+        <p:style>
+          <a:lnRef idx="2">
+            <a:schemeClr val="accent1">
+              <a:shade val="50000"/>
+            </a:schemeClr>
+          </a:lnRef>
+          <a:fillRef idx="1">
+            <a:schemeClr val="accent1"/>
+          </a:fillRef>
+          <a:effectRef idx="0">
+            <a:schemeClr val="accent1"/>
+          </a:effectRef>
+          <a:fontRef idx="minor">
+            <a:schemeClr val="lt1"/>
+          </a:fontRef>
+        </p:style>
+        <p:txBody>
+          <a:bodyPr rtlCol="0" anchor="ctr"/>
+          <a:lstStyle/>
+          <a:p>
+            <a:pPr algn="ctr"/>
+            <a:endParaRPr lang="pt-BR"/>
+          </a:p>
+        </p:txBody>
+      </p:sp>
+      <p:sp>
+        <p:nvSpPr>
+          <p:cNvPr id="150" name="Retângulo 149"/>
+          <p:cNvSpPr/>
+          <p:nvPr/>
+        </p:nvSpPr>
+        <p:spPr>
+          <a:xfrm>
+            <a:off x="2833990" y="1073624"/>
+            <a:ext cx="1246909" cy="1246909"/>
+          </a:xfrm>
+          <a:prstGeom prst="rect">
+            <a:avLst/>
+          </a:prstGeom>
+          <a:noFill/>
+        </p:spPr>
+        <p:style>
+          <a:lnRef idx="2">
+            <a:schemeClr val="accent1">
+              <a:shade val="50000"/>
+            </a:schemeClr>
+          </a:lnRef>
+          <a:fillRef idx="1">
+            <a:schemeClr val="accent1"/>
+          </a:fillRef>
+          <a:effectRef idx="0">
+            <a:schemeClr val="accent1"/>
+          </a:effectRef>
+          <a:fontRef idx="minor">
+            <a:schemeClr val="lt1"/>
+          </a:fontRef>
+        </p:style>
+        <p:txBody>
+          <a:bodyPr rtlCol="0" anchor="ctr"/>
+          <a:lstStyle/>
+          <a:p>
+            <a:pPr algn="ctr"/>
+            <a:endParaRPr lang="pt-BR"/>
+          </a:p>
+        </p:txBody>
+      </p:sp>
+      <p:sp>
+        <p:nvSpPr>
+          <p:cNvPr id="151" name="Retângulo 150"/>
+          <p:cNvSpPr/>
+          <p:nvPr/>
+        </p:nvSpPr>
+        <p:spPr>
+          <a:xfrm>
+            <a:off x="1587080" y="2320533"/>
+            <a:ext cx="1246909" cy="1246909"/>
+          </a:xfrm>
+          <a:prstGeom prst="rect">
+            <a:avLst/>
+          </a:prstGeom>
+          <a:noFill/>
+        </p:spPr>
+        <p:style>
+          <a:lnRef idx="2">
+            <a:schemeClr val="accent1">
+              <a:shade val="50000"/>
+            </a:schemeClr>
+          </a:lnRef>
+          <a:fillRef idx="1">
+            <a:schemeClr val="accent1"/>
+          </a:fillRef>
+          <a:effectRef idx="0">
+            <a:schemeClr val="accent1"/>
+          </a:effectRef>
+          <a:fontRef idx="minor">
+            <a:schemeClr val="lt1"/>
+          </a:fontRef>
+        </p:style>
+        <p:txBody>
+          <a:bodyPr rtlCol="0" anchor="ctr"/>
+          <a:lstStyle/>
+          <a:p>
+            <a:pPr algn="ctr"/>
+            <a:endParaRPr lang="pt-BR"/>
+          </a:p>
+        </p:txBody>
+      </p:sp>
+      <p:sp>
+        <p:nvSpPr>
+          <p:cNvPr id="152" name="Retângulo 151"/>
+          <p:cNvSpPr/>
+          <p:nvPr/>
+        </p:nvSpPr>
+        <p:spPr>
+          <a:xfrm>
+            <a:off x="2833989" y="2320532"/>
+            <a:ext cx="1246909" cy="1246909"/>
+          </a:xfrm>
+          <a:prstGeom prst="rect">
+            <a:avLst/>
+          </a:prstGeom>
+          <a:noFill/>
+        </p:spPr>
+        <p:style>
+          <a:lnRef idx="2">
+            <a:schemeClr val="accent1">
+              <a:shade val="50000"/>
+            </a:schemeClr>
+          </a:lnRef>
+          <a:fillRef idx="1">
+            <a:schemeClr val="accent1"/>
+          </a:fillRef>
+          <a:effectRef idx="0">
+            <a:schemeClr val="accent1"/>
+          </a:effectRef>
+          <a:fontRef idx="minor">
+            <a:schemeClr val="lt1"/>
+          </a:fontRef>
+        </p:style>
+        <p:txBody>
+          <a:bodyPr rtlCol="0" anchor="ctr"/>
+          <a:lstStyle/>
+          <a:p>
+            <a:pPr algn="ctr"/>
+            <a:endParaRPr lang="pt-BR"/>
+          </a:p>
+        </p:txBody>
+      </p:sp>
+      <p:sp>
+        <p:nvSpPr>
+          <p:cNvPr id="153" name="Retângulo 152"/>
+          <p:cNvSpPr/>
+          <p:nvPr/>
+        </p:nvSpPr>
+        <p:spPr>
+          <a:xfrm>
+            <a:off x="1587080" y="3567441"/>
+            <a:ext cx="1246909" cy="1246909"/>
+          </a:xfrm>
+          <a:prstGeom prst="rect">
+            <a:avLst/>
+          </a:prstGeom>
+          <a:noFill/>
+        </p:spPr>
+        <p:style>
+          <a:lnRef idx="2">
+            <a:schemeClr val="accent1">
+              <a:shade val="50000"/>
+            </a:schemeClr>
+          </a:lnRef>
+          <a:fillRef idx="1">
+            <a:schemeClr val="accent1"/>
+          </a:fillRef>
+          <a:effectRef idx="0">
+            <a:schemeClr val="accent1"/>
+          </a:effectRef>
+          <a:fontRef idx="minor">
+            <a:schemeClr val="lt1"/>
+          </a:fontRef>
+        </p:style>
+        <p:txBody>
+          <a:bodyPr rtlCol="0" anchor="ctr"/>
+          <a:lstStyle/>
+          <a:p>
+            <a:pPr algn="ctr"/>
+            <a:endParaRPr lang="pt-BR"/>
+          </a:p>
+        </p:txBody>
+      </p:sp>
+      <p:sp>
+        <p:nvSpPr>
+          <p:cNvPr id="154" name="Retângulo 153"/>
+          <p:cNvSpPr/>
+          <p:nvPr/>
+        </p:nvSpPr>
+        <p:spPr>
+          <a:xfrm>
+            <a:off x="2833989" y="3567440"/>
+            <a:ext cx="1246909" cy="1246909"/>
+          </a:xfrm>
+          <a:prstGeom prst="rect">
+            <a:avLst/>
+          </a:prstGeom>
+          <a:noFill/>
+        </p:spPr>
+        <p:style>
+          <a:lnRef idx="2">
+            <a:schemeClr val="accent1">
+              <a:shade val="50000"/>
+            </a:schemeClr>
+          </a:lnRef>
+          <a:fillRef idx="1">
+            <a:schemeClr val="accent1"/>
+          </a:fillRef>
+          <a:effectRef idx="0">
+            <a:schemeClr val="accent1"/>
+          </a:effectRef>
+          <a:fontRef idx="minor">
+            <a:schemeClr val="lt1"/>
+          </a:fontRef>
+        </p:style>
+        <p:txBody>
+          <a:bodyPr rtlCol="0" anchor="ctr"/>
+          <a:lstStyle/>
+          <a:p>
+            <a:pPr algn="ctr"/>
+            <a:endParaRPr lang="pt-BR"/>
+          </a:p>
+        </p:txBody>
+      </p:sp>
+      <p:sp>
+        <p:nvSpPr>
+          <p:cNvPr id="155" name="Retângulo 154"/>
+          <p:cNvSpPr/>
+          <p:nvPr/>
+        </p:nvSpPr>
+        <p:spPr>
+          <a:xfrm>
+            <a:off x="4080898" y="1073624"/>
+            <a:ext cx="1246909" cy="1246909"/>
+          </a:xfrm>
+          <a:prstGeom prst="rect">
+            <a:avLst/>
+          </a:prstGeom>
+          <a:noFill/>
+        </p:spPr>
+        <p:style>
+          <a:lnRef idx="2">
+            <a:schemeClr val="accent1">
+              <a:shade val="50000"/>
+            </a:schemeClr>
+          </a:lnRef>
+          <a:fillRef idx="1">
+            <a:schemeClr val="accent1"/>
+          </a:fillRef>
+          <a:effectRef idx="0">
+            <a:schemeClr val="accent1"/>
+          </a:effectRef>
+          <a:fontRef idx="minor">
+            <a:schemeClr val="lt1"/>
+          </a:fontRef>
+        </p:style>
+        <p:txBody>
+          <a:bodyPr rtlCol="0" anchor="ctr"/>
+          <a:lstStyle/>
+          <a:p>
+            <a:pPr algn="ctr"/>
+            <a:endParaRPr lang="pt-BR"/>
+          </a:p>
+        </p:txBody>
+      </p:sp>
+      <p:sp>
+        <p:nvSpPr>
+          <p:cNvPr id="156" name="Retângulo 155"/>
+          <p:cNvSpPr/>
+          <p:nvPr/>
+        </p:nvSpPr>
+        <p:spPr>
+          <a:xfrm>
+            <a:off x="4080897" y="2320532"/>
+            <a:ext cx="1246909" cy="1246909"/>
+          </a:xfrm>
+          <a:prstGeom prst="rect">
+            <a:avLst/>
+          </a:prstGeom>
+          <a:noFill/>
+        </p:spPr>
+        <p:style>
+          <a:lnRef idx="2">
+            <a:schemeClr val="accent1">
+              <a:shade val="50000"/>
+            </a:schemeClr>
+          </a:lnRef>
+          <a:fillRef idx="1">
+            <a:schemeClr val="accent1"/>
+          </a:fillRef>
+          <a:effectRef idx="0">
+            <a:schemeClr val="accent1"/>
+          </a:effectRef>
+          <a:fontRef idx="minor">
+            <a:schemeClr val="lt1"/>
+          </a:fontRef>
+        </p:style>
+        <p:txBody>
+          <a:bodyPr rtlCol="0" anchor="ctr"/>
+          <a:lstStyle/>
+          <a:p>
+            <a:pPr algn="ctr"/>
+            <a:endParaRPr lang="pt-BR"/>
+          </a:p>
+        </p:txBody>
+      </p:sp>
+      <p:sp>
+        <p:nvSpPr>
+          <p:cNvPr id="157" name="Retângulo 156"/>
+          <p:cNvSpPr/>
+          <p:nvPr/>
+        </p:nvSpPr>
+        <p:spPr>
+          <a:xfrm>
+            <a:off x="4080897" y="3567440"/>
+            <a:ext cx="1246909" cy="1246909"/>
+          </a:xfrm>
+          <a:prstGeom prst="rect">
+            <a:avLst/>
+          </a:prstGeom>
+          <a:noFill/>
+        </p:spPr>
+        <p:style>
+          <a:lnRef idx="2">
+            <a:schemeClr val="accent1">
+              <a:shade val="50000"/>
+            </a:schemeClr>
+          </a:lnRef>
+          <a:fillRef idx="1">
+            <a:schemeClr val="accent1"/>
+          </a:fillRef>
+          <a:effectRef idx="0">
+            <a:schemeClr val="accent1"/>
+          </a:effectRef>
+          <a:fontRef idx="minor">
+            <a:schemeClr val="lt1"/>
+          </a:fontRef>
+        </p:style>
+        <p:txBody>
+          <a:bodyPr rtlCol="0" anchor="ctr"/>
+          <a:lstStyle/>
+          <a:p>
+            <a:pPr algn="ctr"/>
+            <a:endParaRPr lang="pt-BR"/>
+          </a:p>
+        </p:txBody>
+      </p:sp>
+      <p:sp>
+        <p:nvSpPr>
+          <p:cNvPr id="170" name="CaixaDeTexto 169"/>
+          <p:cNvSpPr txBox="1"/>
+          <p:nvPr/>
+        </p:nvSpPr>
+        <p:spPr>
+          <a:xfrm>
+            <a:off x="2591817" y="651435"/>
+            <a:ext cx="1620444" cy="461665"/>
+          </a:xfrm>
+          <a:prstGeom prst="rect">
+            <a:avLst/>
+          </a:prstGeom>
+          <a:noFill/>
+        </p:spPr>
+        <p:txBody>
+          <a:bodyPr wrap="none" rtlCol="0">
+            <a:spAutoFit/>
+          </a:bodyPr>
+          <a:lstStyle/>
+          <a:p>
+            <a:pPr algn="ctr"/>
+            <a:r>
+              <a:rPr lang="pt-BR" sz="1200" b="1" dirty="0" smtClean="0"/>
+              <a:t>2D Cartesian grid with</a:t>
+            </a:r>
+          </a:p>
+          <a:p>
+            <a:pPr algn="ctr"/>
+            <a:r>
+              <a:rPr lang="pt-BR" sz="1200" b="1" dirty="0" smtClean="0"/>
+              <a:t>top and base variables</a:t>
+            </a:r>
+            <a:endParaRPr lang="pt-BR" sz="1200" b="1" dirty="0"/>
+          </a:p>
+        </p:txBody>
+      </p:sp>
+      <p:sp>
+        <p:nvSpPr>
+          <p:cNvPr id="171" name="Elipse 170"/>
+          <p:cNvSpPr/>
+          <p:nvPr/>
+        </p:nvSpPr>
+        <p:spPr>
+          <a:xfrm>
+            <a:off x="2183815" y="4190894"/>
+            <a:ext cx="53439" cy="53439"/>
+          </a:xfrm>
+          <a:prstGeom prst="ellipse">
+            <a:avLst/>
+          </a:prstGeom>
+          <a:solidFill>
+            <a:srgbClr val="FF0000"/>
+          </a:solidFill>
+          <a:ln>
+            <a:noFill/>
+          </a:ln>
+        </p:spPr>
+        <p:style>
+          <a:lnRef idx="2">
+            <a:schemeClr val="accent1">
+              <a:shade val="50000"/>
+            </a:schemeClr>
+          </a:lnRef>
+          <a:fillRef idx="1">
+            <a:schemeClr val="accent1"/>
+          </a:fillRef>
+          <a:effectRef idx="0">
+            <a:schemeClr val="accent1"/>
+          </a:effectRef>
+          <a:fontRef idx="minor">
+            <a:schemeClr val="lt1"/>
+          </a:fontRef>
+        </p:style>
+        <p:txBody>
+          <a:bodyPr rtlCol="0" anchor="ctr"/>
+          <a:lstStyle/>
+          <a:p>
+            <a:pPr algn="ctr"/>
+            <a:endParaRPr lang="pt-BR" sz="1200"/>
+          </a:p>
+        </p:txBody>
+      </p:sp>
+      <p:sp>
+        <p:nvSpPr>
+          <p:cNvPr id="172" name="Elipse 171"/>
+          <p:cNvSpPr/>
+          <p:nvPr/>
+        </p:nvSpPr>
+        <p:spPr>
+          <a:xfrm>
+            <a:off x="3430724" y="4182729"/>
+            <a:ext cx="53439" cy="53439"/>
+          </a:xfrm>
+          <a:prstGeom prst="ellipse">
+            <a:avLst/>
+          </a:prstGeom>
+          <a:solidFill>
+            <a:srgbClr val="FF0000"/>
+          </a:solidFill>
+          <a:ln>
+            <a:noFill/>
+          </a:ln>
+        </p:spPr>
+        <p:style>
+          <a:lnRef idx="2">
+            <a:schemeClr val="accent1">
+              <a:shade val="50000"/>
+            </a:schemeClr>
+          </a:lnRef>
+          <a:fillRef idx="1">
+            <a:schemeClr val="accent1"/>
+          </a:fillRef>
+          <a:effectRef idx="0">
+            <a:schemeClr val="accent1"/>
+          </a:effectRef>
+          <a:fontRef idx="minor">
+            <a:schemeClr val="lt1"/>
+          </a:fontRef>
+        </p:style>
+        <p:txBody>
+          <a:bodyPr rtlCol="0" anchor="ctr"/>
+          <a:lstStyle/>
+          <a:p>
+            <a:pPr algn="ctr"/>
+            <a:endParaRPr lang="pt-BR" sz="1200"/>
+          </a:p>
+        </p:txBody>
+      </p:sp>
+      <p:sp>
+        <p:nvSpPr>
+          <p:cNvPr id="173" name="Elipse 172"/>
+          <p:cNvSpPr/>
+          <p:nvPr/>
+        </p:nvSpPr>
+        <p:spPr>
+          <a:xfrm>
+            <a:off x="2180167" y="2938170"/>
+            <a:ext cx="53439" cy="53439"/>
+          </a:xfrm>
+          <a:prstGeom prst="ellipse">
+            <a:avLst/>
+          </a:prstGeom>
+          <a:solidFill>
+            <a:srgbClr val="FF0000"/>
+          </a:solidFill>
+          <a:ln>
+            <a:noFill/>
+          </a:ln>
+        </p:spPr>
+        <p:style>
+          <a:lnRef idx="2">
+            <a:schemeClr val="accent1">
+              <a:shade val="50000"/>
+            </a:schemeClr>
+          </a:lnRef>
+          <a:fillRef idx="1">
+            <a:schemeClr val="accent1"/>
+          </a:fillRef>
+          <a:effectRef idx="0">
+            <a:schemeClr val="accent1"/>
+          </a:effectRef>
+          <a:fontRef idx="minor">
+            <a:schemeClr val="lt1"/>
+          </a:fontRef>
+        </p:style>
+        <p:txBody>
+          <a:bodyPr rtlCol="0" anchor="ctr"/>
+          <a:lstStyle/>
+          <a:p>
+            <a:pPr algn="ctr"/>
+            <a:endParaRPr lang="pt-BR" sz="1200"/>
+          </a:p>
+        </p:txBody>
+      </p:sp>
+      <p:sp>
+        <p:nvSpPr>
+          <p:cNvPr id="174" name="Elipse 173"/>
+          <p:cNvSpPr/>
+          <p:nvPr/>
+        </p:nvSpPr>
+        <p:spPr>
+          <a:xfrm>
+            <a:off x="3412230" y="2930006"/>
+            <a:ext cx="53439" cy="53439"/>
+          </a:xfrm>
+          <a:prstGeom prst="ellipse">
+            <a:avLst/>
+          </a:prstGeom>
+          <a:solidFill>
+            <a:srgbClr val="FF0000"/>
+          </a:solidFill>
+          <a:ln>
+            <a:noFill/>
+          </a:ln>
+        </p:spPr>
+        <p:style>
+          <a:lnRef idx="2">
+            <a:schemeClr val="accent1">
+              <a:shade val="50000"/>
+            </a:schemeClr>
+          </a:lnRef>
+          <a:fillRef idx="1">
+            <a:schemeClr val="accent1"/>
+          </a:fillRef>
+          <a:effectRef idx="0">
+            <a:schemeClr val="accent1"/>
+          </a:effectRef>
+          <a:fontRef idx="minor">
+            <a:schemeClr val="lt1"/>
+          </a:fontRef>
+        </p:style>
+        <p:txBody>
+          <a:bodyPr rtlCol="0" anchor="ctr"/>
+          <a:lstStyle/>
+          <a:p>
+            <a:pPr algn="ctr"/>
+            <a:endParaRPr lang="pt-BR" sz="1200"/>
+          </a:p>
+        </p:txBody>
+      </p:sp>
+      <p:sp>
+        <p:nvSpPr>
+          <p:cNvPr id="175" name="Retângulo 174"/>
+          <p:cNvSpPr/>
+          <p:nvPr/>
+        </p:nvSpPr>
+        <p:spPr>
+          <a:xfrm>
+            <a:off x="2206141" y="2964767"/>
+            <a:ext cx="1246909" cy="1246909"/>
+          </a:xfrm>
+          <a:prstGeom prst="rect">
+            <a:avLst/>
+          </a:prstGeom>
+          <a:noFill/>
+          <a:ln>
+            <a:solidFill>
+              <a:srgbClr val="FF0000"/>
+            </a:solidFill>
+            <a:prstDash val="dash"/>
+          </a:ln>
+        </p:spPr>
+        <p:style>
+          <a:lnRef idx="2">
+            <a:schemeClr val="accent1">
+              <a:shade val="50000"/>
+            </a:schemeClr>
+          </a:lnRef>
+          <a:fillRef idx="1">
+            <a:schemeClr val="accent1"/>
+          </a:fillRef>
+          <a:effectRef idx="0">
+            <a:schemeClr val="accent1"/>
+          </a:effectRef>
+          <a:fontRef idx="minor">
+            <a:schemeClr val="lt1"/>
+          </a:fontRef>
+        </p:style>
+        <p:txBody>
+          <a:bodyPr rtlCol="0" anchor="ctr"/>
+          <a:lstStyle/>
+          <a:p>
+            <a:pPr algn="ctr"/>
+            <a:endParaRPr lang="pt-BR"/>
+          </a:p>
+        </p:txBody>
+      </p:sp>
+      <p:cxnSp>
+        <p:nvCxnSpPr>
+          <p:cNvPr id="176" name="Conector de seta reta 175"/>
+          <p:cNvCxnSpPr/>
+          <p:nvPr/>
+        </p:nvCxnSpPr>
+        <p:spPr>
+          <a:xfrm flipV="1">
+            <a:off x="1591925" y="4806185"/>
+            <a:ext cx="4555782" cy="10542"/>
+          </a:xfrm>
+          <a:prstGeom prst="straightConnector1">
+            <a:avLst/>
+          </a:prstGeom>
+          <a:ln>
+            <a:tailEnd type="triangle"/>
+          </a:ln>
+        </p:spPr>
+        <p:style>
+          <a:lnRef idx="1">
+            <a:schemeClr val="accent1"/>
+          </a:lnRef>
+          <a:fillRef idx="0">
+            <a:schemeClr val="accent1"/>
+          </a:fillRef>
+          <a:effectRef idx="0">
+            <a:schemeClr val="accent1"/>
+          </a:effectRef>
+          <a:fontRef idx="minor">
+            <a:schemeClr val="tx1"/>
+          </a:fontRef>
+        </p:style>
+      </p:cxnSp>
+      <p:sp>
+        <p:nvSpPr>
+          <p:cNvPr id="177" name="CaixaDeTexto 176"/>
+          <p:cNvSpPr txBox="1"/>
+          <p:nvPr/>
+        </p:nvSpPr>
+        <p:spPr>
+          <a:xfrm>
+            <a:off x="2479447" y="3588221"/>
+            <a:ext cx="516488" cy="276999"/>
+          </a:xfrm>
+          <a:prstGeom prst="rect">
+            <a:avLst/>
+          </a:prstGeom>
+          <a:noFill/>
+        </p:spPr>
+        <p:txBody>
+          <a:bodyPr wrap="none" rtlCol="0">
+            <a:spAutoFit/>
+          </a:bodyPr>
+          <a:lstStyle/>
+          <a:p>
+            <a:r>
+              <a:rPr lang="pt-BR" sz="1200" b="1" dirty="0" smtClean="0"/>
+              <a:t>cell 0</a:t>
+            </a:r>
+            <a:endParaRPr lang="pt-BR" sz="1200" b="1" dirty="0"/>
+          </a:p>
+        </p:txBody>
+      </p:sp>
+      <p:sp>
+        <p:nvSpPr>
+          <p:cNvPr id="178" name="CaixaDeTexto 177"/>
+          <p:cNvSpPr txBox="1"/>
+          <p:nvPr/>
+        </p:nvSpPr>
+        <p:spPr>
+          <a:xfrm>
+            <a:off x="2057696" y="4871360"/>
+            <a:ext cx="263214" cy="276999"/>
+          </a:xfrm>
+          <a:prstGeom prst="rect">
+            <a:avLst/>
+          </a:prstGeom>
+          <a:noFill/>
+        </p:spPr>
+        <p:txBody>
+          <a:bodyPr wrap="none" rtlCol="0">
+            <a:spAutoFit/>
+          </a:bodyPr>
+          <a:lstStyle/>
+          <a:p>
+            <a:r>
+              <a:rPr lang="pt-BR" sz="1200" b="1" dirty="0" smtClean="0"/>
+              <a:t>0</a:t>
+            </a:r>
+            <a:endParaRPr lang="pt-BR" sz="1200" b="1" dirty="0"/>
+          </a:p>
+        </p:txBody>
+      </p:sp>
+      <p:sp>
+        <p:nvSpPr>
+          <p:cNvPr id="179" name="CaixaDeTexto 178"/>
+          <p:cNvSpPr txBox="1"/>
+          <p:nvPr/>
+        </p:nvSpPr>
+        <p:spPr>
+          <a:xfrm>
+            <a:off x="3328564" y="4868644"/>
+            <a:ext cx="263214" cy="276999"/>
+          </a:xfrm>
+          <a:prstGeom prst="rect">
+            <a:avLst/>
+          </a:prstGeom>
+          <a:noFill/>
+        </p:spPr>
+        <p:txBody>
+          <a:bodyPr wrap="none" rtlCol="0">
+            <a:spAutoFit/>
+          </a:bodyPr>
+          <a:lstStyle/>
+          <a:p>
+            <a:r>
+              <a:rPr lang="pt-BR" sz="1200" b="1" dirty="0" smtClean="0"/>
+              <a:t>1</a:t>
+            </a:r>
+            <a:endParaRPr lang="pt-BR" sz="1200" b="1" dirty="0"/>
+          </a:p>
+        </p:txBody>
+      </p:sp>
+      <p:sp>
+        <p:nvSpPr>
+          <p:cNvPr id="180" name="CaixaDeTexto 179"/>
+          <p:cNvSpPr txBox="1"/>
+          <p:nvPr/>
+        </p:nvSpPr>
+        <p:spPr>
+          <a:xfrm>
+            <a:off x="4624295" y="4868643"/>
+            <a:ext cx="263214" cy="276999"/>
+          </a:xfrm>
+          <a:prstGeom prst="rect">
+            <a:avLst/>
+          </a:prstGeom>
+          <a:noFill/>
+        </p:spPr>
+        <p:txBody>
+          <a:bodyPr wrap="none" rtlCol="0">
+            <a:spAutoFit/>
+          </a:bodyPr>
+          <a:lstStyle/>
+          <a:p>
+            <a:r>
+              <a:rPr lang="pt-BR" sz="1200" b="1" dirty="0" smtClean="0"/>
+              <a:t>2</a:t>
+            </a:r>
+            <a:endParaRPr lang="pt-BR" sz="1200" b="1" dirty="0"/>
+          </a:p>
+        </p:txBody>
+      </p:sp>
+      <p:sp>
+        <p:nvSpPr>
+          <p:cNvPr id="181" name="CaixaDeTexto 180"/>
+          <p:cNvSpPr txBox="1"/>
+          <p:nvPr/>
+        </p:nvSpPr>
+        <p:spPr>
+          <a:xfrm>
+            <a:off x="1243950" y="2826389"/>
+            <a:ext cx="263214" cy="276999"/>
+          </a:xfrm>
+          <a:prstGeom prst="rect">
+            <a:avLst/>
+          </a:prstGeom>
+          <a:noFill/>
+        </p:spPr>
+        <p:txBody>
+          <a:bodyPr wrap="none" rtlCol="0">
+            <a:spAutoFit/>
+          </a:bodyPr>
+          <a:lstStyle/>
+          <a:p>
+            <a:r>
+              <a:rPr lang="pt-BR" sz="1200" b="1" dirty="0" smtClean="0"/>
+              <a:t>1</a:t>
+            </a:r>
+            <a:endParaRPr lang="pt-BR" sz="1200" b="1" dirty="0"/>
+          </a:p>
+        </p:txBody>
+      </p:sp>
+      <p:sp>
+        <p:nvSpPr>
+          <p:cNvPr id="183" name="CaixaDeTexto 182"/>
+          <p:cNvSpPr txBox="1"/>
+          <p:nvPr/>
+        </p:nvSpPr>
+        <p:spPr>
+          <a:xfrm>
+            <a:off x="1243950" y="1558578"/>
+            <a:ext cx="263214" cy="276999"/>
+          </a:xfrm>
+          <a:prstGeom prst="rect">
+            <a:avLst/>
+          </a:prstGeom>
+          <a:noFill/>
+        </p:spPr>
+        <p:txBody>
+          <a:bodyPr wrap="none" rtlCol="0">
+            <a:spAutoFit/>
+          </a:bodyPr>
+          <a:lstStyle/>
+          <a:p>
+            <a:r>
+              <a:rPr lang="pt-BR" sz="1200" b="1" dirty="0" smtClean="0"/>
+              <a:t>2</a:t>
+            </a:r>
+            <a:endParaRPr lang="pt-BR" sz="1200" b="1" dirty="0"/>
+          </a:p>
+        </p:txBody>
+      </p:sp>
+      <p:sp>
+        <p:nvSpPr>
+          <p:cNvPr id="184" name="CaixaDeTexto 183"/>
+          <p:cNvSpPr txBox="1"/>
+          <p:nvPr/>
+        </p:nvSpPr>
+        <p:spPr>
+          <a:xfrm>
+            <a:off x="1243481" y="4070948"/>
+            <a:ext cx="263214" cy="276999"/>
+          </a:xfrm>
+          <a:prstGeom prst="rect">
+            <a:avLst/>
+          </a:prstGeom>
+          <a:noFill/>
+        </p:spPr>
+        <p:txBody>
+          <a:bodyPr wrap="none" rtlCol="0">
+            <a:spAutoFit/>
+          </a:bodyPr>
+          <a:lstStyle/>
+          <a:p>
+            <a:r>
+              <a:rPr lang="pt-BR" sz="1200" b="1" dirty="0" smtClean="0"/>
+              <a:t>0</a:t>
+            </a:r>
+            <a:endParaRPr lang="pt-BR" sz="1200" b="1" dirty="0"/>
+          </a:p>
+        </p:txBody>
+      </p:sp>
+      <p:cxnSp>
+        <p:nvCxnSpPr>
+          <p:cNvPr id="212" name="Conector de seta reta 211"/>
+          <p:cNvCxnSpPr/>
+          <p:nvPr/>
+        </p:nvCxnSpPr>
+        <p:spPr>
+          <a:xfrm flipV="1">
+            <a:off x="1587080" y="514351"/>
+            <a:ext cx="1" cy="4310539"/>
+          </a:xfrm>
+          <a:prstGeom prst="straightConnector1">
+            <a:avLst/>
+          </a:prstGeom>
+          <a:ln>
+            <a:tailEnd type="triangle"/>
+          </a:ln>
+        </p:spPr>
+        <p:style>
+          <a:lnRef idx="1">
+            <a:schemeClr val="accent1"/>
+          </a:lnRef>
+          <a:fillRef idx="0">
+            <a:schemeClr val="accent1"/>
+          </a:fillRef>
+          <a:effectRef idx="0">
+            <a:schemeClr val="accent1"/>
+          </a:effectRef>
+          <a:fontRef idx="minor">
+            <a:schemeClr val="tx1"/>
+          </a:fontRef>
+        </p:style>
+      </p:cxnSp>
+      <p:sp>
+        <p:nvSpPr>
+          <p:cNvPr id="213" name="CaixaDeTexto 212"/>
+          <p:cNvSpPr txBox="1"/>
+          <p:nvPr/>
+        </p:nvSpPr>
+        <p:spPr>
+          <a:xfrm>
+            <a:off x="5672795" y="4863194"/>
+            <a:ext cx="746038" cy="276999"/>
+          </a:xfrm>
+          <a:prstGeom prst="rect">
+            <a:avLst/>
+          </a:prstGeom>
+          <a:noFill/>
+        </p:spPr>
+        <p:txBody>
+          <a:bodyPr wrap="none" rtlCol="0">
+            <a:spAutoFit/>
+          </a:bodyPr>
+          <a:lstStyle/>
+          <a:p>
+            <a:r>
+              <a:rPr lang="pt-BR" sz="1200" b="1" dirty="0" smtClean="0"/>
+              <a:t>I indexes</a:t>
+            </a:r>
+            <a:endParaRPr lang="pt-BR" sz="1200" b="1" dirty="0"/>
+          </a:p>
+        </p:txBody>
+      </p:sp>
+      <p:sp>
+        <p:nvSpPr>
+          <p:cNvPr id="221" name="CaixaDeTexto 220"/>
+          <p:cNvSpPr txBox="1"/>
+          <p:nvPr/>
+        </p:nvSpPr>
+        <p:spPr>
+          <a:xfrm>
+            <a:off x="751508" y="727183"/>
+            <a:ext cx="755656" cy="276999"/>
+          </a:xfrm>
+          <a:prstGeom prst="rect">
+            <a:avLst/>
+          </a:prstGeom>
+          <a:noFill/>
+        </p:spPr>
+        <p:txBody>
+          <a:bodyPr wrap="none" rtlCol="0">
+            <a:spAutoFit/>
+          </a:bodyPr>
+          <a:lstStyle/>
+          <a:p>
+            <a:r>
+              <a:rPr lang="pt-BR" sz="1200" b="1" dirty="0" smtClean="0"/>
+              <a:t>J indexes</a:t>
+            </a:r>
+            <a:endParaRPr lang="pt-BR" sz="1200" b="1" dirty="0"/>
+          </a:p>
+        </p:txBody>
+      </p:sp>
+      <p:sp>
+        <p:nvSpPr>
+          <p:cNvPr id="222" name="Elipse 221"/>
+          <p:cNvSpPr/>
+          <p:nvPr/>
+        </p:nvSpPr>
+        <p:spPr>
+          <a:xfrm>
+            <a:off x="3430191" y="4188178"/>
+            <a:ext cx="53439" cy="53439"/>
+          </a:xfrm>
+          <a:prstGeom prst="ellipse">
+            <a:avLst/>
+          </a:prstGeom>
+          <a:solidFill>
+            <a:srgbClr val="FF0000"/>
+          </a:solidFill>
+          <a:ln>
+            <a:noFill/>
+          </a:ln>
+        </p:spPr>
+        <p:style>
+          <a:lnRef idx="2">
+            <a:schemeClr val="accent1">
+              <a:shade val="50000"/>
+            </a:schemeClr>
+          </a:lnRef>
+          <a:fillRef idx="1">
+            <a:schemeClr val="accent1"/>
+          </a:fillRef>
+          <a:effectRef idx="0">
+            <a:schemeClr val="accent1"/>
+          </a:effectRef>
+          <a:fontRef idx="minor">
+            <a:schemeClr val="lt1"/>
+          </a:fontRef>
+        </p:style>
+        <p:txBody>
+          <a:bodyPr rtlCol="0" anchor="ctr"/>
+          <a:lstStyle/>
+          <a:p>
+            <a:pPr algn="ctr"/>
+            <a:endParaRPr lang="pt-BR" sz="1200"/>
+          </a:p>
+        </p:txBody>
+      </p:sp>
+      <p:sp>
+        <p:nvSpPr>
+          <p:cNvPr id="223" name="Elipse 222"/>
+          <p:cNvSpPr/>
+          <p:nvPr/>
+        </p:nvSpPr>
+        <p:spPr>
+          <a:xfrm>
+            <a:off x="4677100" y="4180013"/>
+            <a:ext cx="53439" cy="53439"/>
+          </a:xfrm>
+          <a:prstGeom prst="ellipse">
+            <a:avLst/>
+          </a:prstGeom>
+          <a:solidFill>
+            <a:srgbClr val="FF0000"/>
+          </a:solidFill>
+          <a:ln>
+            <a:noFill/>
+          </a:ln>
+        </p:spPr>
+        <p:style>
+          <a:lnRef idx="2">
+            <a:schemeClr val="accent1">
+              <a:shade val="50000"/>
+            </a:schemeClr>
+          </a:lnRef>
+          <a:fillRef idx="1">
+            <a:schemeClr val="accent1"/>
+          </a:fillRef>
+          <a:effectRef idx="0">
+            <a:schemeClr val="accent1"/>
+          </a:effectRef>
+          <a:fontRef idx="minor">
+            <a:schemeClr val="lt1"/>
+          </a:fontRef>
+        </p:style>
+        <p:txBody>
+          <a:bodyPr rtlCol="0" anchor="ctr"/>
+          <a:lstStyle/>
+          <a:p>
+            <a:pPr algn="ctr"/>
+            <a:endParaRPr lang="pt-BR" sz="1200"/>
+          </a:p>
+        </p:txBody>
+      </p:sp>
+      <p:sp>
+        <p:nvSpPr>
+          <p:cNvPr id="224" name="Elipse 223"/>
+          <p:cNvSpPr/>
+          <p:nvPr/>
+        </p:nvSpPr>
+        <p:spPr>
+          <a:xfrm>
+            <a:off x="3426543" y="2935454"/>
+            <a:ext cx="53439" cy="53439"/>
+          </a:xfrm>
+          <a:prstGeom prst="ellipse">
+            <a:avLst/>
+          </a:prstGeom>
+          <a:solidFill>
+            <a:srgbClr val="FF0000"/>
+          </a:solidFill>
+          <a:ln>
+            <a:noFill/>
+          </a:ln>
+        </p:spPr>
+        <p:style>
+          <a:lnRef idx="2">
+            <a:schemeClr val="accent1">
+              <a:shade val="50000"/>
+            </a:schemeClr>
+          </a:lnRef>
+          <a:fillRef idx="1">
+            <a:schemeClr val="accent1"/>
+          </a:fillRef>
+          <a:effectRef idx="0">
+            <a:schemeClr val="accent1"/>
+          </a:effectRef>
+          <a:fontRef idx="minor">
+            <a:schemeClr val="lt1"/>
+          </a:fontRef>
+        </p:style>
+        <p:txBody>
+          <a:bodyPr rtlCol="0" anchor="ctr"/>
+          <a:lstStyle/>
+          <a:p>
+            <a:pPr algn="ctr"/>
+            <a:endParaRPr lang="pt-BR" sz="1200"/>
+          </a:p>
+        </p:txBody>
+      </p:sp>
+      <p:sp>
+        <p:nvSpPr>
+          <p:cNvPr id="225" name="Elipse 224"/>
+          <p:cNvSpPr/>
+          <p:nvPr/>
+        </p:nvSpPr>
+        <p:spPr>
+          <a:xfrm>
+            <a:off x="4658606" y="2927290"/>
+            <a:ext cx="53439" cy="53439"/>
+          </a:xfrm>
+          <a:prstGeom prst="ellipse">
+            <a:avLst/>
+          </a:prstGeom>
+          <a:solidFill>
+            <a:srgbClr val="FF0000"/>
+          </a:solidFill>
+          <a:ln>
+            <a:noFill/>
+          </a:ln>
+        </p:spPr>
+        <p:style>
+          <a:lnRef idx="2">
+            <a:schemeClr val="accent1">
+              <a:shade val="50000"/>
+            </a:schemeClr>
+          </a:lnRef>
+          <a:fillRef idx="1">
+            <a:schemeClr val="accent1"/>
+          </a:fillRef>
+          <a:effectRef idx="0">
+            <a:schemeClr val="accent1"/>
+          </a:effectRef>
+          <a:fontRef idx="minor">
+            <a:schemeClr val="lt1"/>
+          </a:fontRef>
+        </p:style>
+        <p:txBody>
+          <a:bodyPr rtlCol="0" anchor="ctr"/>
+          <a:lstStyle/>
+          <a:p>
+            <a:pPr algn="ctr"/>
+            <a:endParaRPr lang="pt-BR" sz="1200"/>
+          </a:p>
+        </p:txBody>
+      </p:sp>
+      <p:sp>
+        <p:nvSpPr>
+          <p:cNvPr id="226" name="Retângulo 225"/>
+          <p:cNvSpPr/>
+          <p:nvPr/>
+        </p:nvSpPr>
+        <p:spPr>
+          <a:xfrm>
+            <a:off x="3452517" y="2962051"/>
+            <a:ext cx="1246909" cy="1246909"/>
+          </a:xfrm>
+          <a:prstGeom prst="rect">
+            <a:avLst/>
+          </a:prstGeom>
+          <a:noFill/>
+          <a:ln>
+            <a:solidFill>
+              <a:srgbClr val="FF0000"/>
+            </a:solidFill>
+            <a:prstDash val="dash"/>
+          </a:ln>
+        </p:spPr>
+        <p:style>
+          <a:lnRef idx="2">
+            <a:schemeClr val="accent1">
+              <a:shade val="50000"/>
+            </a:schemeClr>
+          </a:lnRef>
+          <a:fillRef idx="1">
+            <a:schemeClr val="accent1"/>
+          </a:fillRef>
+          <a:effectRef idx="0">
+            <a:schemeClr val="accent1"/>
+          </a:effectRef>
+          <a:fontRef idx="minor">
+            <a:schemeClr val="lt1"/>
+          </a:fontRef>
+        </p:style>
+        <p:txBody>
+          <a:bodyPr rtlCol="0" anchor="ctr"/>
+          <a:lstStyle/>
+          <a:p>
+            <a:pPr algn="ctr"/>
+            <a:endParaRPr lang="pt-BR"/>
+          </a:p>
+        </p:txBody>
+      </p:sp>
+      <p:sp>
+        <p:nvSpPr>
+          <p:cNvPr id="227" name="Elipse 226"/>
+          <p:cNvSpPr/>
+          <p:nvPr/>
+        </p:nvSpPr>
+        <p:spPr>
+          <a:xfrm>
+            <a:off x="2183282" y="2939063"/>
+            <a:ext cx="53439" cy="53439"/>
+          </a:xfrm>
+          <a:prstGeom prst="ellipse">
+            <a:avLst/>
+          </a:prstGeom>
+          <a:solidFill>
+            <a:srgbClr val="FF0000"/>
+          </a:solidFill>
+          <a:ln>
+            <a:noFill/>
+          </a:ln>
+        </p:spPr>
+        <p:style>
+          <a:lnRef idx="2">
+            <a:schemeClr val="accent1">
+              <a:shade val="50000"/>
+            </a:schemeClr>
+          </a:lnRef>
+          <a:fillRef idx="1">
+            <a:schemeClr val="accent1"/>
+          </a:fillRef>
+          <a:effectRef idx="0">
+            <a:schemeClr val="accent1"/>
+          </a:effectRef>
+          <a:fontRef idx="minor">
+            <a:schemeClr val="lt1"/>
+          </a:fontRef>
+        </p:style>
+        <p:txBody>
+          <a:bodyPr rtlCol="0" anchor="ctr"/>
+          <a:lstStyle/>
+          <a:p>
+            <a:pPr algn="ctr"/>
+            <a:endParaRPr lang="pt-BR" sz="1200"/>
+          </a:p>
+        </p:txBody>
+      </p:sp>
+      <p:sp>
+        <p:nvSpPr>
+          <p:cNvPr id="245" name="Elipse 244"/>
+          <p:cNvSpPr/>
+          <p:nvPr/>
+        </p:nvSpPr>
+        <p:spPr>
+          <a:xfrm>
+            <a:off x="3430191" y="2930898"/>
+            <a:ext cx="53439" cy="53439"/>
+          </a:xfrm>
+          <a:prstGeom prst="ellipse">
+            <a:avLst/>
+          </a:prstGeom>
+          <a:solidFill>
+            <a:srgbClr val="FF0000"/>
+          </a:solidFill>
+          <a:ln>
+            <a:noFill/>
+          </a:ln>
+        </p:spPr>
+        <p:style>
+          <a:lnRef idx="2">
+            <a:schemeClr val="accent1">
+              <a:shade val="50000"/>
+            </a:schemeClr>
+          </a:lnRef>
+          <a:fillRef idx="1">
+            <a:schemeClr val="accent1"/>
+          </a:fillRef>
+          <a:effectRef idx="0">
+            <a:schemeClr val="accent1"/>
+          </a:effectRef>
+          <a:fontRef idx="minor">
+            <a:schemeClr val="lt1"/>
+          </a:fontRef>
+        </p:style>
+        <p:txBody>
+          <a:bodyPr rtlCol="0" anchor="ctr"/>
+          <a:lstStyle/>
+          <a:p>
+            <a:pPr algn="ctr"/>
+            <a:endParaRPr lang="pt-BR" sz="1200"/>
+          </a:p>
+        </p:txBody>
+      </p:sp>
+      <p:sp>
+        <p:nvSpPr>
+          <p:cNvPr id="246" name="Elipse 245"/>
+          <p:cNvSpPr/>
+          <p:nvPr/>
+        </p:nvSpPr>
+        <p:spPr>
+          <a:xfrm>
+            <a:off x="2179634" y="1686339"/>
+            <a:ext cx="53439" cy="53439"/>
+          </a:xfrm>
+          <a:prstGeom prst="ellipse">
+            <a:avLst/>
+          </a:prstGeom>
+          <a:solidFill>
+            <a:srgbClr val="FF0000"/>
+          </a:solidFill>
+          <a:ln>
+            <a:noFill/>
+          </a:ln>
+        </p:spPr>
+        <p:style>
+          <a:lnRef idx="2">
+            <a:schemeClr val="accent1">
+              <a:shade val="50000"/>
+            </a:schemeClr>
+          </a:lnRef>
+          <a:fillRef idx="1">
+            <a:schemeClr val="accent1"/>
+          </a:fillRef>
+          <a:effectRef idx="0">
+            <a:schemeClr val="accent1"/>
+          </a:effectRef>
+          <a:fontRef idx="minor">
+            <a:schemeClr val="lt1"/>
+          </a:fontRef>
+        </p:style>
+        <p:txBody>
+          <a:bodyPr rtlCol="0" anchor="ctr"/>
+          <a:lstStyle/>
+          <a:p>
+            <a:pPr algn="ctr"/>
+            <a:endParaRPr lang="pt-BR" sz="1200"/>
+          </a:p>
+        </p:txBody>
+      </p:sp>
+      <p:sp>
+        <p:nvSpPr>
+          <p:cNvPr id="251" name="Elipse 250"/>
+          <p:cNvSpPr/>
+          <p:nvPr/>
+        </p:nvSpPr>
+        <p:spPr>
+          <a:xfrm>
+            <a:off x="3411697" y="1678175"/>
+            <a:ext cx="53439" cy="53439"/>
+          </a:xfrm>
+          <a:prstGeom prst="ellipse">
+            <a:avLst/>
+          </a:prstGeom>
+          <a:solidFill>
+            <a:srgbClr val="FF0000"/>
+          </a:solidFill>
+          <a:ln>
+            <a:noFill/>
+          </a:ln>
+        </p:spPr>
+        <p:style>
+          <a:lnRef idx="2">
+            <a:schemeClr val="accent1">
+              <a:shade val="50000"/>
+            </a:schemeClr>
+          </a:lnRef>
+          <a:fillRef idx="1">
+            <a:schemeClr val="accent1"/>
+          </a:fillRef>
+          <a:effectRef idx="0">
+            <a:schemeClr val="accent1"/>
+          </a:effectRef>
+          <a:fontRef idx="minor">
+            <a:schemeClr val="lt1"/>
+          </a:fontRef>
+        </p:style>
+        <p:txBody>
+          <a:bodyPr rtlCol="0" anchor="ctr"/>
+          <a:lstStyle/>
+          <a:p>
+            <a:pPr algn="ctr"/>
+            <a:endParaRPr lang="pt-BR" sz="1200"/>
+          </a:p>
+        </p:txBody>
+      </p:sp>
+      <p:sp>
+        <p:nvSpPr>
+          <p:cNvPr id="252" name="Retângulo 251"/>
+          <p:cNvSpPr/>
+          <p:nvPr/>
+        </p:nvSpPr>
+        <p:spPr>
+          <a:xfrm>
+            <a:off x="2205608" y="1712936"/>
+            <a:ext cx="1246909" cy="1246909"/>
+          </a:xfrm>
+          <a:prstGeom prst="rect">
+            <a:avLst/>
+          </a:prstGeom>
+          <a:noFill/>
+          <a:ln>
+            <a:solidFill>
+              <a:srgbClr val="FF0000"/>
+            </a:solidFill>
+            <a:prstDash val="dash"/>
+          </a:ln>
+        </p:spPr>
+        <p:style>
+          <a:lnRef idx="2">
+            <a:schemeClr val="accent1">
+              <a:shade val="50000"/>
+            </a:schemeClr>
+          </a:lnRef>
+          <a:fillRef idx="1">
+            <a:schemeClr val="accent1"/>
+          </a:fillRef>
+          <a:effectRef idx="0">
+            <a:schemeClr val="accent1"/>
+          </a:effectRef>
+          <a:fontRef idx="minor">
+            <a:schemeClr val="lt1"/>
+          </a:fontRef>
+        </p:style>
+        <p:txBody>
+          <a:bodyPr rtlCol="0" anchor="ctr"/>
+          <a:lstStyle/>
+          <a:p>
+            <a:pPr algn="ctr"/>
+            <a:endParaRPr lang="pt-BR"/>
+          </a:p>
+        </p:txBody>
+      </p:sp>
+      <p:sp>
+        <p:nvSpPr>
+          <p:cNvPr id="258" name="Elipse 257"/>
+          <p:cNvSpPr/>
+          <p:nvPr/>
+        </p:nvSpPr>
+        <p:spPr>
+          <a:xfrm>
+            <a:off x="3430191" y="2947227"/>
+            <a:ext cx="53439" cy="53439"/>
+          </a:xfrm>
+          <a:prstGeom prst="ellipse">
+            <a:avLst/>
+          </a:prstGeom>
+          <a:solidFill>
+            <a:srgbClr val="FF0000"/>
+          </a:solidFill>
+          <a:ln>
+            <a:noFill/>
+          </a:ln>
+        </p:spPr>
+        <p:style>
+          <a:lnRef idx="2">
+            <a:schemeClr val="accent1">
+              <a:shade val="50000"/>
+            </a:schemeClr>
+          </a:lnRef>
+          <a:fillRef idx="1">
+            <a:schemeClr val="accent1"/>
+          </a:fillRef>
+          <a:effectRef idx="0">
+            <a:schemeClr val="accent1"/>
+          </a:effectRef>
+          <a:fontRef idx="minor">
+            <a:schemeClr val="lt1"/>
+          </a:fontRef>
+        </p:style>
+        <p:txBody>
+          <a:bodyPr rtlCol="0" anchor="ctr"/>
+          <a:lstStyle/>
+          <a:p>
+            <a:pPr algn="ctr"/>
+            <a:endParaRPr lang="pt-BR" sz="1200"/>
+          </a:p>
+        </p:txBody>
+      </p:sp>
+      <p:sp>
+        <p:nvSpPr>
+          <p:cNvPr id="259" name="Elipse 258"/>
+          <p:cNvSpPr/>
+          <p:nvPr/>
+        </p:nvSpPr>
+        <p:spPr>
+          <a:xfrm>
+            <a:off x="4677100" y="2939062"/>
+            <a:ext cx="53439" cy="53439"/>
+          </a:xfrm>
+          <a:prstGeom prst="ellipse">
+            <a:avLst/>
+          </a:prstGeom>
+          <a:solidFill>
+            <a:srgbClr val="FF0000"/>
+          </a:solidFill>
+          <a:ln>
+            <a:noFill/>
+          </a:ln>
+        </p:spPr>
+        <p:style>
+          <a:lnRef idx="2">
+            <a:schemeClr val="accent1">
+              <a:shade val="50000"/>
+            </a:schemeClr>
+          </a:lnRef>
+          <a:fillRef idx="1">
+            <a:schemeClr val="accent1"/>
+          </a:fillRef>
+          <a:effectRef idx="0">
+            <a:schemeClr val="accent1"/>
+          </a:effectRef>
+          <a:fontRef idx="minor">
+            <a:schemeClr val="lt1"/>
+          </a:fontRef>
+        </p:style>
+        <p:txBody>
+          <a:bodyPr rtlCol="0" anchor="ctr"/>
+          <a:lstStyle/>
+          <a:p>
+            <a:pPr algn="ctr"/>
+            <a:endParaRPr lang="pt-BR" sz="1200"/>
+          </a:p>
+        </p:txBody>
+      </p:sp>
+      <p:sp>
+        <p:nvSpPr>
+          <p:cNvPr id="260" name="Elipse 259"/>
+          <p:cNvSpPr/>
+          <p:nvPr/>
+        </p:nvSpPr>
+        <p:spPr>
+          <a:xfrm>
+            <a:off x="3426543" y="1694503"/>
+            <a:ext cx="53439" cy="53439"/>
+          </a:xfrm>
+          <a:prstGeom prst="ellipse">
+            <a:avLst/>
+          </a:prstGeom>
+          <a:solidFill>
+            <a:srgbClr val="FF0000"/>
+          </a:solidFill>
+          <a:ln>
+            <a:noFill/>
+          </a:ln>
+        </p:spPr>
+        <p:style>
+          <a:lnRef idx="2">
+            <a:schemeClr val="accent1">
+              <a:shade val="50000"/>
+            </a:schemeClr>
+          </a:lnRef>
+          <a:fillRef idx="1">
+            <a:schemeClr val="accent1"/>
+          </a:fillRef>
+          <a:effectRef idx="0">
+            <a:schemeClr val="accent1"/>
+          </a:effectRef>
+          <a:fontRef idx="minor">
+            <a:schemeClr val="lt1"/>
+          </a:fontRef>
+        </p:style>
+        <p:txBody>
+          <a:bodyPr rtlCol="0" anchor="ctr"/>
+          <a:lstStyle/>
+          <a:p>
+            <a:pPr algn="ctr"/>
+            <a:endParaRPr lang="pt-BR" sz="1200"/>
+          </a:p>
+        </p:txBody>
+      </p:sp>
+      <p:sp>
+        <p:nvSpPr>
+          <p:cNvPr id="263" name="Elipse 262"/>
+          <p:cNvSpPr/>
+          <p:nvPr/>
+        </p:nvSpPr>
+        <p:spPr>
+          <a:xfrm>
+            <a:off x="4658606" y="1686339"/>
+            <a:ext cx="53439" cy="53439"/>
+          </a:xfrm>
+          <a:prstGeom prst="ellipse">
+            <a:avLst/>
+          </a:prstGeom>
+          <a:solidFill>
+            <a:srgbClr val="FF0000"/>
+          </a:solidFill>
+          <a:ln>
+            <a:noFill/>
+          </a:ln>
+        </p:spPr>
+        <p:style>
+          <a:lnRef idx="2">
+            <a:schemeClr val="accent1">
+              <a:shade val="50000"/>
+            </a:schemeClr>
+          </a:lnRef>
+          <a:fillRef idx="1">
+            <a:schemeClr val="accent1"/>
+          </a:fillRef>
+          <a:effectRef idx="0">
+            <a:schemeClr val="accent1"/>
+          </a:effectRef>
+          <a:fontRef idx="minor">
+            <a:schemeClr val="lt1"/>
+          </a:fontRef>
+        </p:style>
+        <p:txBody>
+          <a:bodyPr rtlCol="0" anchor="ctr"/>
+          <a:lstStyle/>
+          <a:p>
+            <a:pPr algn="ctr"/>
+            <a:endParaRPr lang="pt-BR" sz="1200"/>
+          </a:p>
+        </p:txBody>
+      </p:sp>
+      <p:sp>
+        <p:nvSpPr>
+          <p:cNvPr id="264" name="Retângulo 263"/>
+          <p:cNvSpPr/>
+          <p:nvPr/>
+        </p:nvSpPr>
+        <p:spPr>
+          <a:xfrm>
+            <a:off x="3452517" y="1721100"/>
+            <a:ext cx="1246909" cy="1246909"/>
+          </a:xfrm>
+          <a:prstGeom prst="rect">
+            <a:avLst/>
+          </a:prstGeom>
+          <a:noFill/>
+          <a:ln>
+            <a:solidFill>
+              <a:srgbClr val="FF0000"/>
+            </a:solidFill>
+            <a:prstDash val="dash"/>
+          </a:ln>
+        </p:spPr>
+        <p:style>
+          <a:lnRef idx="2">
+            <a:schemeClr val="accent1">
+              <a:shade val="50000"/>
+            </a:schemeClr>
+          </a:lnRef>
+          <a:fillRef idx="1">
+            <a:schemeClr val="accent1"/>
+          </a:fillRef>
+          <a:effectRef idx="0">
+            <a:schemeClr val="accent1"/>
+          </a:effectRef>
+          <a:fontRef idx="minor">
+            <a:schemeClr val="lt1"/>
+          </a:fontRef>
+        </p:style>
+        <p:txBody>
+          <a:bodyPr rtlCol="0" anchor="ctr"/>
+          <a:lstStyle/>
+          <a:p>
+            <a:pPr algn="ctr"/>
+            <a:endParaRPr lang="pt-BR"/>
+          </a:p>
+        </p:txBody>
+      </p:sp>
+      <p:sp>
+        <p:nvSpPr>
+          <p:cNvPr id="265" name="CaixaDeTexto 264"/>
+          <p:cNvSpPr txBox="1"/>
+          <p:nvPr/>
+        </p:nvSpPr>
+        <p:spPr>
+          <a:xfrm>
+            <a:off x="3893951" y="3567440"/>
+            <a:ext cx="516488" cy="276999"/>
+          </a:xfrm>
+          <a:prstGeom prst="rect">
+            <a:avLst/>
+          </a:prstGeom>
+          <a:noFill/>
+        </p:spPr>
+        <p:txBody>
+          <a:bodyPr wrap="none" rtlCol="0">
+            <a:spAutoFit/>
+          </a:bodyPr>
+          <a:lstStyle/>
+          <a:p>
+            <a:r>
+              <a:rPr lang="pt-BR" sz="1200" b="1" dirty="0" smtClean="0"/>
+              <a:t>cell 1</a:t>
+            </a:r>
+            <a:endParaRPr lang="pt-BR" sz="1200" b="1" dirty="0"/>
+          </a:p>
+        </p:txBody>
+      </p:sp>
+      <p:sp>
+        <p:nvSpPr>
+          <p:cNvPr id="266" name="CaixaDeTexto 265"/>
+          <p:cNvSpPr txBox="1"/>
+          <p:nvPr/>
+        </p:nvSpPr>
+        <p:spPr>
+          <a:xfrm>
+            <a:off x="2575746" y="2320532"/>
+            <a:ext cx="516488" cy="276999"/>
+          </a:xfrm>
+          <a:prstGeom prst="rect">
+            <a:avLst/>
+          </a:prstGeom>
+          <a:noFill/>
+        </p:spPr>
+        <p:txBody>
+          <a:bodyPr wrap="none" rtlCol="0">
+            <a:spAutoFit/>
+          </a:bodyPr>
+          <a:lstStyle/>
+          <a:p>
+            <a:r>
+              <a:rPr lang="pt-BR" sz="1200" b="1" dirty="0" smtClean="0"/>
+              <a:t>cell 2</a:t>
+            </a:r>
+            <a:endParaRPr lang="pt-BR" sz="1200" b="1" dirty="0"/>
+          </a:p>
+        </p:txBody>
+      </p:sp>
+      <p:sp>
+        <p:nvSpPr>
+          <p:cNvPr id="267" name="CaixaDeTexto 266"/>
+          <p:cNvSpPr txBox="1"/>
+          <p:nvPr/>
+        </p:nvSpPr>
+        <p:spPr>
+          <a:xfrm>
+            <a:off x="3822655" y="2292666"/>
+            <a:ext cx="516488" cy="276999"/>
+          </a:xfrm>
+          <a:prstGeom prst="rect">
+            <a:avLst/>
+          </a:prstGeom>
+          <a:noFill/>
+        </p:spPr>
+        <p:txBody>
+          <a:bodyPr wrap="none" rtlCol="0">
+            <a:spAutoFit/>
+          </a:bodyPr>
+          <a:lstStyle/>
+          <a:p>
+            <a:r>
+              <a:rPr lang="pt-BR" sz="1200" b="1" dirty="0" smtClean="0"/>
+              <a:t>cell 3</a:t>
+            </a:r>
+            <a:endParaRPr lang="pt-BR" sz="1200" b="1" dirty="0"/>
+          </a:p>
+        </p:txBody>
+      </p:sp>
+      <p:sp>
+        <p:nvSpPr>
+          <p:cNvPr id="13" name="Forma livre 12"/>
+          <p:cNvSpPr/>
+          <p:nvPr/>
+        </p:nvSpPr>
+        <p:spPr>
+          <a:xfrm flipV="1">
+            <a:off x="8294859" y="2637996"/>
+            <a:ext cx="1812472" cy="303282"/>
+          </a:xfrm>
+          <a:custGeom>
+            <a:avLst/>
+            <a:gdLst>
+              <a:gd name="connsiteX0" fmla="*/ 0 w 1812472"/>
+              <a:gd name="connsiteY0" fmla="*/ 0 h 367393"/>
+              <a:gd name="connsiteX1" fmla="*/ 898072 w 1812472"/>
+              <a:gd name="connsiteY1" fmla="*/ 367393 h 367393"/>
+              <a:gd name="connsiteX2" fmla="*/ 1812472 w 1812472"/>
+              <a:gd name="connsiteY2" fmla="*/ 114300 h 367393"/>
+            </a:gdLst>
+            <a:ahLst/>
+            <a:cxnLst>
+              <a:cxn ang="0">
+                <a:pos x="connsiteX0" y="connsiteY0"/>
+              </a:cxn>
+              <a:cxn ang="0">
+                <a:pos x="connsiteX1" y="connsiteY1"/>
+              </a:cxn>
+              <a:cxn ang="0">
+                <a:pos x="connsiteX2" y="connsiteY2"/>
+              </a:cxn>
+            </a:cxnLst>
+            <a:rect l="l" t="t" r="r" b="b"/>
+            <a:pathLst>
+              <a:path w="1812472" h="367393">
+                <a:moveTo>
+                  <a:pt x="0" y="0"/>
+                </a:moveTo>
+                <a:lnTo>
+                  <a:pt x="898072" y="367393"/>
+                </a:lnTo>
+                <a:lnTo>
+                  <a:pt x="1812472" y="114300"/>
+                </a:lnTo>
+              </a:path>
+            </a:pathLst>
+          </a:custGeom>
+          <a:noFill/>
+          <a:ln w="12700">
+            <a:solidFill>
+              <a:srgbClr val="FF0000"/>
+            </a:solidFill>
+            <a:prstDash val="dash"/>
+          </a:ln>
+        </p:spPr>
+        <p:style>
+          <a:lnRef idx="2">
+            <a:schemeClr val="accent1">
+              <a:shade val="50000"/>
+            </a:schemeClr>
+          </a:lnRef>
+          <a:fillRef idx="1">
+            <a:schemeClr val="accent1"/>
+          </a:fillRef>
+          <a:effectRef idx="0">
+            <a:schemeClr val="accent1"/>
+          </a:effectRef>
+          <a:fontRef idx="minor">
+            <a:schemeClr val="lt1"/>
+          </a:fontRef>
+        </p:style>
+        <p:txBody>
+          <a:bodyPr rtlCol="0" anchor="ctr"/>
+          <a:lstStyle/>
+          <a:p>
+            <a:pPr algn="ctr"/>
+            <a:endParaRPr lang="pt-BR"/>
+          </a:p>
+        </p:txBody>
+      </p:sp>
+      <p:sp>
+        <p:nvSpPr>
+          <p:cNvPr id="270" name="Forma livre 269"/>
+          <p:cNvSpPr/>
+          <p:nvPr/>
+        </p:nvSpPr>
+        <p:spPr>
+          <a:xfrm flipV="1">
+            <a:off x="8297591" y="2850076"/>
+            <a:ext cx="1812472" cy="566978"/>
+          </a:xfrm>
+          <a:custGeom>
+            <a:avLst/>
+            <a:gdLst>
+              <a:gd name="connsiteX0" fmla="*/ 0 w 1812472"/>
+              <a:gd name="connsiteY0" fmla="*/ 0 h 367393"/>
+              <a:gd name="connsiteX1" fmla="*/ 898072 w 1812472"/>
+              <a:gd name="connsiteY1" fmla="*/ 367393 h 367393"/>
+              <a:gd name="connsiteX2" fmla="*/ 1812472 w 1812472"/>
+              <a:gd name="connsiteY2" fmla="*/ 114300 h 367393"/>
+            </a:gdLst>
+            <a:ahLst/>
+            <a:cxnLst>
+              <a:cxn ang="0">
+                <a:pos x="connsiteX0" y="connsiteY0"/>
+              </a:cxn>
+              <a:cxn ang="0">
+                <a:pos x="connsiteX1" y="connsiteY1"/>
+              </a:cxn>
+              <a:cxn ang="0">
+                <a:pos x="connsiteX2" y="connsiteY2"/>
+              </a:cxn>
+            </a:cxnLst>
+            <a:rect l="l" t="t" r="r" b="b"/>
+            <a:pathLst>
+              <a:path w="1812472" h="367393">
+                <a:moveTo>
+                  <a:pt x="0" y="0"/>
+                </a:moveTo>
+                <a:lnTo>
+                  <a:pt x="898072" y="367393"/>
+                </a:lnTo>
+                <a:lnTo>
+                  <a:pt x="1812472" y="114300"/>
+                </a:lnTo>
+              </a:path>
+            </a:pathLst>
+          </a:custGeom>
+          <a:noFill/>
+          <a:ln w="12700">
+            <a:solidFill>
+              <a:srgbClr val="FF0000"/>
+            </a:solidFill>
+            <a:prstDash val="dash"/>
+          </a:ln>
+        </p:spPr>
+        <p:style>
+          <a:lnRef idx="2">
+            <a:schemeClr val="accent1">
+              <a:shade val="50000"/>
+            </a:schemeClr>
+          </a:lnRef>
+          <a:fillRef idx="1">
+            <a:schemeClr val="accent1"/>
+          </a:fillRef>
+          <a:effectRef idx="0">
+            <a:schemeClr val="accent1"/>
+          </a:effectRef>
+          <a:fontRef idx="minor">
+            <a:schemeClr val="lt1"/>
+          </a:fontRef>
+        </p:style>
+        <p:txBody>
+          <a:bodyPr rtlCol="0" anchor="ctr"/>
+          <a:lstStyle/>
+          <a:p>
+            <a:pPr algn="ctr"/>
+            <a:endParaRPr lang="pt-BR"/>
+          </a:p>
+        </p:txBody>
+      </p:sp>
+      <p:sp>
+        <p:nvSpPr>
+          <p:cNvPr id="271" name="Forma livre 270"/>
+          <p:cNvSpPr/>
+          <p:nvPr/>
+        </p:nvSpPr>
+        <p:spPr>
+          <a:xfrm flipV="1">
+            <a:off x="8297591" y="2516893"/>
+            <a:ext cx="1812472" cy="268648"/>
+          </a:xfrm>
+          <a:custGeom>
+            <a:avLst/>
+            <a:gdLst>
+              <a:gd name="connsiteX0" fmla="*/ 0 w 1812472"/>
+              <a:gd name="connsiteY0" fmla="*/ 0 h 367393"/>
+              <a:gd name="connsiteX1" fmla="*/ 898072 w 1812472"/>
+              <a:gd name="connsiteY1" fmla="*/ 367393 h 367393"/>
+              <a:gd name="connsiteX2" fmla="*/ 1812472 w 1812472"/>
+              <a:gd name="connsiteY2" fmla="*/ 114300 h 367393"/>
+            </a:gdLst>
+            <a:ahLst/>
+            <a:cxnLst>
+              <a:cxn ang="0">
+                <a:pos x="connsiteX0" y="connsiteY0"/>
+              </a:cxn>
+              <a:cxn ang="0">
+                <a:pos x="connsiteX1" y="connsiteY1"/>
+              </a:cxn>
+              <a:cxn ang="0">
+                <a:pos x="connsiteX2" y="connsiteY2"/>
+              </a:cxn>
+            </a:cxnLst>
+            <a:rect l="l" t="t" r="r" b="b"/>
+            <a:pathLst>
+              <a:path w="1812472" h="367393">
+                <a:moveTo>
+                  <a:pt x="0" y="0"/>
+                </a:moveTo>
+                <a:lnTo>
+                  <a:pt x="898072" y="367393"/>
+                </a:lnTo>
+                <a:lnTo>
+                  <a:pt x="1812472" y="114300"/>
+                </a:lnTo>
+              </a:path>
+            </a:pathLst>
+          </a:custGeom>
+          <a:noFill/>
+          <a:ln w="12700">
+            <a:solidFill>
+              <a:srgbClr val="FF0000"/>
+            </a:solidFill>
+            <a:prstDash val="dash"/>
+          </a:ln>
+        </p:spPr>
+        <p:style>
+          <a:lnRef idx="2">
+            <a:schemeClr val="accent1">
+              <a:shade val="50000"/>
+            </a:schemeClr>
+          </a:lnRef>
+          <a:fillRef idx="1">
+            <a:schemeClr val="accent1"/>
+          </a:fillRef>
+          <a:effectRef idx="0">
+            <a:schemeClr val="accent1"/>
+          </a:effectRef>
+          <a:fontRef idx="minor">
+            <a:schemeClr val="lt1"/>
+          </a:fontRef>
+        </p:style>
+        <p:txBody>
+          <a:bodyPr rtlCol="0" anchor="ctr"/>
+          <a:lstStyle/>
+          <a:p>
+            <a:pPr algn="ctr"/>
+            <a:endParaRPr lang="pt-BR"/>
+          </a:p>
+        </p:txBody>
+      </p:sp>
+      <p:sp>
+        <p:nvSpPr>
+          <p:cNvPr id="272" name="Forma livre 271"/>
+          <p:cNvSpPr/>
+          <p:nvPr/>
+        </p:nvSpPr>
+        <p:spPr>
+          <a:xfrm flipV="1">
+            <a:off x="8292159" y="2415988"/>
+            <a:ext cx="1812472" cy="195073"/>
+          </a:xfrm>
+          <a:custGeom>
+            <a:avLst/>
+            <a:gdLst>
+              <a:gd name="connsiteX0" fmla="*/ 0 w 1812472"/>
+              <a:gd name="connsiteY0" fmla="*/ 0 h 367393"/>
+              <a:gd name="connsiteX1" fmla="*/ 898072 w 1812472"/>
+              <a:gd name="connsiteY1" fmla="*/ 367393 h 367393"/>
+              <a:gd name="connsiteX2" fmla="*/ 1812472 w 1812472"/>
+              <a:gd name="connsiteY2" fmla="*/ 114300 h 367393"/>
+            </a:gdLst>
+            <a:ahLst/>
+            <a:cxnLst>
+              <a:cxn ang="0">
+                <a:pos x="connsiteX0" y="connsiteY0"/>
+              </a:cxn>
+              <a:cxn ang="0">
+                <a:pos x="connsiteX1" y="connsiteY1"/>
+              </a:cxn>
+              <a:cxn ang="0">
+                <a:pos x="connsiteX2" y="connsiteY2"/>
+              </a:cxn>
+            </a:cxnLst>
+            <a:rect l="l" t="t" r="r" b="b"/>
+            <a:pathLst>
+              <a:path w="1812472" h="367393">
+                <a:moveTo>
+                  <a:pt x="0" y="0"/>
+                </a:moveTo>
+                <a:lnTo>
+                  <a:pt x="898072" y="367393"/>
+                </a:lnTo>
+                <a:lnTo>
+                  <a:pt x="1812472" y="114300"/>
+                </a:lnTo>
+              </a:path>
+            </a:pathLst>
+          </a:custGeom>
+          <a:noFill/>
+          <a:ln w="12700">
+            <a:solidFill>
+              <a:srgbClr val="FF0000"/>
+            </a:solidFill>
+            <a:prstDash val="dash"/>
+          </a:ln>
+        </p:spPr>
+        <p:style>
+          <a:lnRef idx="2">
+            <a:schemeClr val="accent1">
+              <a:shade val="50000"/>
+            </a:schemeClr>
+          </a:lnRef>
+          <a:fillRef idx="1">
+            <a:schemeClr val="accent1"/>
+          </a:fillRef>
+          <a:effectRef idx="0">
+            <a:schemeClr val="accent1"/>
+          </a:effectRef>
+          <a:fontRef idx="minor">
+            <a:schemeClr val="lt1"/>
+          </a:fontRef>
+        </p:style>
+        <p:txBody>
+          <a:bodyPr rtlCol="0" anchor="ctr"/>
+          <a:lstStyle/>
+          <a:p>
+            <a:pPr algn="ctr"/>
+            <a:endParaRPr lang="pt-BR"/>
+          </a:p>
+        </p:txBody>
+      </p:sp>
+      <p:sp>
+        <p:nvSpPr>
+          <p:cNvPr id="273" name="Forma livre 272"/>
+          <p:cNvSpPr/>
+          <p:nvPr/>
+        </p:nvSpPr>
+        <p:spPr>
+          <a:xfrm flipV="1">
+            <a:off x="8292159" y="2740827"/>
+            <a:ext cx="1812472" cy="400902"/>
+          </a:xfrm>
+          <a:custGeom>
+            <a:avLst/>
+            <a:gdLst>
+              <a:gd name="connsiteX0" fmla="*/ 0 w 1812472"/>
+              <a:gd name="connsiteY0" fmla="*/ 0 h 367393"/>
+              <a:gd name="connsiteX1" fmla="*/ 898072 w 1812472"/>
+              <a:gd name="connsiteY1" fmla="*/ 367393 h 367393"/>
+              <a:gd name="connsiteX2" fmla="*/ 1812472 w 1812472"/>
+              <a:gd name="connsiteY2" fmla="*/ 114300 h 367393"/>
+            </a:gdLst>
+            <a:ahLst/>
+            <a:cxnLst>
+              <a:cxn ang="0">
+                <a:pos x="connsiteX0" y="connsiteY0"/>
+              </a:cxn>
+              <a:cxn ang="0">
+                <a:pos x="connsiteX1" y="connsiteY1"/>
+              </a:cxn>
+              <a:cxn ang="0">
+                <a:pos x="connsiteX2" y="connsiteY2"/>
+              </a:cxn>
+            </a:cxnLst>
+            <a:rect l="l" t="t" r="r" b="b"/>
+            <a:pathLst>
+              <a:path w="1812472" h="367393">
+                <a:moveTo>
+                  <a:pt x="0" y="0"/>
+                </a:moveTo>
+                <a:lnTo>
+                  <a:pt x="898072" y="367393"/>
+                </a:lnTo>
+                <a:lnTo>
+                  <a:pt x="1812472" y="114300"/>
+                </a:lnTo>
+              </a:path>
+            </a:pathLst>
+          </a:custGeom>
+          <a:noFill/>
+          <a:ln w="12700">
+            <a:solidFill>
+              <a:srgbClr val="FF0000"/>
+            </a:solidFill>
+            <a:prstDash val="dash"/>
+          </a:ln>
+        </p:spPr>
+        <p:style>
+          <a:lnRef idx="2">
+            <a:schemeClr val="accent1">
+              <a:shade val="50000"/>
+            </a:schemeClr>
+          </a:lnRef>
+          <a:fillRef idx="1">
+            <a:schemeClr val="accent1"/>
+          </a:fillRef>
+          <a:effectRef idx="0">
+            <a:schemeClr val="accent1"/>
+          </a:effectRef>
+          <a:fontRef idx="minor">
+            <a:schemeClr val="lt1"/>
+          </a:fontRef>
+        </p:style>
+        <p:txBody>
+          <a:bodyPr rtlCol="0" anchor="ctr"/>
+          <a:lstStyle/>
+          <a:p>
+            <a:pPr algn="ctr"/>
+            <a:endParaRPr lang="pt-BR"/>
+          </a:p>
+        </p:txBody>
+      </p:sp>
+      <p:cxnSp>
+        <p:nvCxnSpPr>
+          <p:cNvPr id="16" name="Conector reto 15"/>
+          <p:cNvCxnSpPr>
+            <a:stCxn id="272" idx="2"/>
+            <a:endCxn id="270" idx="2"/>
+          </p:cNvCxnSpPr>
+          <p:nvPr/>
+        </p:nvCxnSpPr>
+        <p:spPr>
+          <a:xfrm>
+            <a:off x="10104631" y="2550372"/>
+            <a:ext cx="5432" cy="690289"/>
+          </a:xfrm>
+          <a:prstGeom prst="line">
+            <a:avLst/>
+          </a:prstGeom>
+          <a:ln w="12700">
+            <a:solidFill>
+              <a:srgbClr val="FF0000"/>
+            </a:solidFill>
+            <a:prstDash val="dash"/>
+          </a:ln>
+        </p:spPr>
+        <p:style>
+          <a:lnRef idx="1">
+            <a:schemeClr val="accent1"/>
+          </a:lnRef>
+          <a:fillRef idx="0">
+            <a:schemeClr val="accent1"/>
+          </a:fillRef>
+          <a:effectRef idx="0">
+            <a:schemeClr val="accent1"/>
+          </a:effectRef>
+          <a:fontRef idx="minor">
+            <a:schemeClr val="tx1"/>
+          </a:fontRef>
+        </p:style>
+      </p:cxnSp>
+      <p:cxnSp>
+        <p:nvCxnSpPr>
+          <p:cNvPr id="18" name="Conector reto 17"/>
+          <p:cNvCxnSpPr/>
+          <p:nvPr/>
+        </p:nvCxnSpPr>
+        <p:spPr>
+          <a:xfrm>
+            <a:off x="9190231" y="2421090"/>
+            <a:ext cx="0" cy="399266"/>
+          </a:xfrm>
+          <a:prstGeom prst="line">
+            <a:avLst/>
+          </a:prstGeom>
+          <a:ln w="12700">
+            <a:solidFill>
+              <a:srgbClr val="FF0000"/>
+            </a:solidFill>
+            <a:prstDash val="dash"/>
+          </a:ln>
+        </p:spPr>
+        <p:style>
+          <a:lnRef idx="1">
+            <a:schemeClr val="accent1"/>
+          </a:lnRef>
+          <a:fillRef idx="0">
+            <a:schemeClr val="accent1"/>
+          </a:fillRef>
+          <a:effectRef idx="0">
+            <a:schemeClr val="accent1"/>
+          </a:effectRef>
+          <a:fontRef idx="minor">
+            <a:schemeClr val="tx1"/>
+          </a:fontRef>
+        </p:style>
+      </p:cxnSp>
+      <p:cxnSp>
+        <p:nvCxnSpPr>
+          <p:cNvPr id="21" name="Conector reto 20"/>
+          <p:cNvCxnSpPr>
+            <a:stCxn id="272" idx="0"/>
+            <a:endCxn id="270" idx="0"/>
+          </p:cNvCxnSpPr>
+          <p:nvPr/>
+        </p:nvCxnSpPr>
+        <p:spPr>
+          <a:xfrm>
+            <a:off x="8292159" y="2611061"/>
+            <a:ext cx="5432" cy="805993"/>
+          </a:xfrm>
+          <a:prstGeom prst="line">
+            <a:avLst/>
+          </a:prstGeom>
+          <a:ln w="12700">
+            <a:solidFill>
+              <a:srgbClr val="FF0000"/>
+            </a:solidFill>
+            <a:prstDash val="dash"/>
+          </a:ln>
+        </p:spPr>
+        <p:style>
+          <a:lnRef idx="1">
+            <a:schemeClr val="accent1"/>
+          </a:lnRef>
+          <a:fillRef idx="0">
+            <a:schemeClr val="accent1"/>
+          </a:fillRef>
+          <a:effectRef idx="0">
+            <a:schemeClr val="accent1"/>
+          </a:effectRef>
+          <a:fontRef idx="minor">
+            <a:schemeClr val="tx1"/>
+          </a:fontRef>
+        </p:style>
+      </p:cxnSp>
+      <p:sp>
+        <p:nvSpPr>
+          <p:cNvPr id="276" name="CaixaDeTexto 275"/>
+          <p:cNvSpPr txBox="1"/>
+          <p:nvPr/>
+        </p:nvSpPr>
+        <p:spPr>
+          <a:xfrm>
+            <a:off x="7711173" y="3180562"/>
+            <a:ext cx="516488" cy="276999"/>
+          </a:xfrm>
+          <a:prstGeom prst="rect">
+            <a:avLst/>
+          </a:prstGeom>
+          <a:noFill/>
+        </p:spPr>
+        <p:txBody>
+          <a:bodyPr wrap="none" rtlCol="0">
+            <a:spAutoFit/>
+          </a:bodyPr>
+          <a:lstStyle/>
+          <a:p>
+            <a:r>
+              <a:rPr lang="pt-BR" sz="1200" b="1" dirty="0" smtClean="0"/>
+              <a:t>cell 0</a:t>
+            </a:r>
+            <a:endParaRPr lang="pt-BR" sz="1200" b="1" dirty="0"/>
+          </a:p>
+        </p:txBody>
+      </p:sp>
+      <p:sp>
+        <p:nvSpPr>
+          <p:cNvPr id="277" name="CaixaDeTexto 276"/>
+          <p:cNvSpPr txBox="1"/>
+          <p:nvPr/>
+        </p:nvSpPr>
+        <p:spPr>
+          <a:xfrm>
+            <a:off x="10182237" y="3030385"/>
+            <a:ext cx="516488" cy="276999"/>
+          </a:xfrm>
+          <a:prstGeom prst="rect">
+            <a:avLst/>
+          </a:prstGeom>
+          <a:noFill/>
+        </p:spPr>
+        <p:txBody>
+          <a:bodyPr wrap="none" rtlCol="0">
+            <a:spAutoFit/>
+          </a:bodyPr>
+          <a:lstStyle/>
+          <a:p>
+            <a:r>
+              <a:rPr lang="pt-BR" sz="1200" b="1" dirty="0" smtClean="0"/>
+              <a:t>cell 1</a:t>
+            </a:r>
+            <a:endParaRPr lang="pt-BR" sz="1200" b="1" dirty="0"/>
+          </a:p>
+        </p:txBody>
+      </p:sp>
+      <p:sp>
+        <p:nvSpPr>
+          <p:cNvPr id="278" name="CaixaDeTexto 277"/>
+          <p:cNvSpPr txBox="1"/>
+          <p:nvPr/>
+        </p:nvSpPr>
+        <p:spPr>
+          <a:xfrm>
+            <a:off x="7731523" y="2864730"/>
+            <a:ext cx="516488" cy="276999"/>
+          </a:xfrm>
+          <a:prstGeom prst="rect">
+            <a:avLst/>
+          </a:prstGeom>
+          <a:noFill/>
+        </p:spPr>
+        <p:txBody>
+          <a:bodyPr wrap="none" rtlCol="0">
+            <a:spAutoFit/>
+          </a:bodyPr>
+          <a:lstStyle/>
+          <a:p>
+            <a:r>
+              <a:rPr lang="pt-BR" sz="1200" b="1" dirty="0" smtClean="0"/>
+              <a:t>cell 4</a:t>
+            </a:r>
+            <a:endParaRPr lang="pt-BR" sz="1200" b="1" dirty="0"/>
+          </a:p>
+        </p:txBody>
+      </p:sp>
+      <p:sp>
+        <p:nvSpPr>
+          <p:cNvPr id="279" name="CaixaDeTexto 278"/>
+          <p:cNvSpPr txBox="1"/>
+          <p:nvPr/>
+        </p:nvSpPr>
+        <p:spPr>
+          <a:xfrm>
+            <a:off x="10159881" y="2787687"/>
+            <a:ext cx="516488" cy="276999"/>
+          </a:xfrm>
+          <a:prstGeom prst="rect">
+            <a:avLst/>
+          </a:prstGeom>
+          <a:noFill/>
+        </p:spPr>
+        <p:txBody>
+          <a:bodyPr wrap="none" rtlCol="0">
+            <a:spAutoFit/>
+          </a:bodyPr>
+          <a:lstStyle/>
+          <a:p>
+            <a:r>
+              <a:rPr lang="pt-BR" sz="1200" b="1" dirty="0" smtClean="0"/>
+              <a:t>cell 5</a:t>
+            </a:r>
+            <a:endParaRPr lang="pt-BR" sz="1200" b="1" dirty="0"/>
+          </a:p>
+        </p:txBody>
+      </p:sp>
+      <p:sp>
+        <p:nvSpPr>
+          <p:cNvPr id="280" name="CaixaDeTexto 279"/>
+          <p:cNvSpPr txBox="1"/>
+          <p:nvPr/>
+        </p:nvSpPr>
+        <p:spPr>
+          <a:xfrm>
+            <a:off x="7731523" y="2707226"/>
+            <a:ext cx="516488" cy="276999"/>
+          </a:xfrm>
+          <a:prstGeom prst="rect">
+            <a:avLst/>
+          </a:prstGeom>
+          <a:noFill/>
+        </p:spPr>
+        <p:txBody>
+          <a:bodyPr wrap="none" rtlCol="0">
+            <a:spAutoFit/>
+          </a:bodyPr>
+          <a:lstStyle/>
+          <a:p>
+            <a:r>
+              <a:rPr lang="pt-BR" sz="1200" b="1" dirty="0" smtClean="0"/>
+              <a:t>cell 8</a:t>
+            </a:r>
+            <a:endParaRPr lang="pt-BR" sz="1200" b="1" dirty="0"/>
+          </a:p>
+        </p:txBody>
+      </p:sp>
+      <p:sp>
+        <p:nvSpPr>
+          <p:cNvPr id="281" name="CaixaDeTexto 280"/>
+          <p:cNvSpPr txBox="1"/>
+          <p:nvPr/>
+        </p:nvSpPr>
+        <p:spPr>
+          <a:xfrm>
+            <a:off x="10173509" y="2617603"/>
+            <a:ext cx="516488" cy="276999"/>
+          </a:xfrm>
+          <a:prstGeom prst="rect">
+            <a:avLst/>
+          </a:prstGeom>
+          <a:noFill/>
+        </p:spPr>
+        <p:txBody>
+          <a:bodyPr wrap="none" rtlCol="0">
+            <a:spAutoFit/>
+          </a:bodyPr>
+          <a:lstStyle/>
+          <a:p>
+            <a:r>
+              <a:rPr lang="pt-BR" sz="1200" b="1" dirty="0" smtClean="0"/>
+              <a:t>cell 9</a:t>
+            </a:r>
+            <a:endParaRPr lang="pt-BR" sz="1200" b="1" dirty="0"/>
+          </a:p>
+        </p:txBody>
+      </p:sp>
+      <p:sp>
+        <p:nvSpPr>
+          <p:cNvPr id="282" name="CaixaDeTexto 281"/>
+          <p:cNvSpPr txBox="1"/>
+          <p:nvPr/>
+        </p:nvSpPr>
+        <p:spPr>
+          <a:xfrm>
+            <a:off x="7710359" y="2517658"/>
+            <a:ext cx="595035" cy="276999"/>
+          </a:xfrm>
+          <a:prstGeom prst="rect">
+            <a:avLst/>
+          </a:prstGeom>
+          <a:noFill/>
+        </p:spPr>
+        <p:txBody>
+          <a:bodyPr wrap="none" rtlCol="0">
+            <a:spAutoFit/>
+          </a:bodyPr>
+          <a:lstStyle/>
+          <a:p>
+            <a:r>
+              <a:rPr lang="pt-BR" sz="1200" b="1" dirty="0" smtClean="0"/>
+              <a:t>cell 12</a:t>
+            </a:r>
+            <a:endParaRPr lang="pt-BR" sz="1200" b="1" dirty="0"/>
+          </a:p>
+        </p:txBody>
+      </p:sp>
+      <p:sp>
+        <p:nvSpPr>
+          <p:cNvPr id="283" name="CaixaDeTexto 282"/>
+          <p:cNvSpPr txBox="1"/>
+          <p:nvPr/>
+        </p:nvSpPr>
+        <p:spPr>
+          <a:xfrm>
+            <a:off x="10137287" y="2496304"/>
+            <a:ext cx="595035" cy="276999"/>
+          </a:xfrm>
+          <a:prstGeom prst="rect">
+            <a:avLst/>
+          </a:prstGeom>
+          <a:noFill/>
+        </p:spPr>
+        <p:txBody>
+          <a:bodyPr wrap="none" rtlCol="0">
+            <a:spAutoFit/>
+          </a:bodyPr>
+          <a:lstStyle/>
+          <a:p>
+            <a:r>
+              <a:rPr lang="pt-BR" sz="1200" b="1" dirty="0" smtClean="0"/>
+              <a:t>cell 13</a:t>
+            </a:r>
+            <a:endParaRPr lang="pt-BR" sz="1200" b="1" dirty="0"/>
+          </a:p>
+        </p:txBody>
+      </p:sp>
+      <p:cxnSp>
+        <p:nvCxnSpPr>
+          <p:cNvPr id="284" name="Conector de seta reta 283"/>
+          <p:cNvCxnSpPr/>
+          <p:nvPr/>
+        </p:nvCxnSpPr>
+        <p:spPr>
+          <a:xfrm flipH="1" flipV="1">
+            <a:off x="8297591" y="3457562"/>
+            <a:ext cx="779840" cy="446339"/>
+          </a:xfrm>
+          <a:prstGeom prst="straightConnector1">
+            <a:avLst/>
+          </a:prstGeom>
+          <a:ln>
+            <a:tailEnd type="triangle"/>
+          </a:ln>
+        </p:spPr>
+        <p:style>
+          <a:lnRef idx="1">
+            <a:schemeClr val="accent1"/>
+          </a:lnRef>
+          <a:fillRef idx="0">
+            <a:schemeClr val="accent1"/>
+          </a:fillRef>
+          <a:effectRef idx="0">
+            <a:schemeClr val="accent1"/>
+          </a:effectRef>
+          <a:fontRef idx="minor">
+            <a:schemeClr val="tx1"/>
+          </a:fontRef>
+        </p:style>
+      </p:cxnSp>
+      <p:cxnSp>
+        <p:nvCxnSpPr>
+          <p:cNvPr id="285" name="Conector de seta reta 284"/>
+          <p:cNvCxnSpPr>
+            <a:endCxn id="270" idx="1"/>
+          </p:cNvCxnSpPr>
+          <p:nvPr/>
+        </p:nvCxnSpPr>
+        <p:spPr>
+          <a:xfrm flipH="1" flipV="1">
+            <a:off x="9195663" y="2850076"/>
+            <a:ext cx="34168" cy="1035760"/>
+          </a:xfrm>
+          <a:prstGeom prst="straightConnector1">
+            <a:avLst/>
+          </a:prstGeom>
+          <a:ln>
+            <a:tailEnd type="triangle"/>
+          </a:ln>
+        </p:spPr>
+        <p:style>
+          <a:lnRef idx="1">
+            <a:schemeClr val="accent1"/>
+          </a:lnRef>
+          <a:fillRef idx="0">
+            <a:schemeClr val="accent1"/>
+          </a:fillRef>
+          <a:effectRef idx="0">
+            <a:schemeClr val="accent1"/>
+          </a:effectRef>
+          <a:fontRef idx="minor">
+            <a:schemeClr val="tx1"/>
+          </a:fontRef>
+        </p:style>
+      </p:cxnSp>
+      <p:cxnSp>
+        <p:nvCxnSpPr>
+          <p:cNvPr id="286" name="Conector de seta reta 285"/>
+          <p:cNvCxnSpPr/>
+          <p:nvPr/>
+        </p:nvCxnSpPr>
+        <p:spPr>
+          <a:xfrm flipV="1">
+            <a:off x="9413367" y="3240662"/>
+            <a:ext cx="723920" cy="665955"/>
+          </a:xfrm>
+          <a:prstGeom prst="straightConnector1">
+            <a:avLst/>
+          </a:prstGeom>
+          <a:ln>
+            <a:tailEnd type="triangle"/>
+          </a:ln>
+        </p:spPr>
+        <p:style>
+          <a:lnRef idx="1">
+            <a:schemeClr val="accent1"/>
+          </a:lnRef>
+          <a:fillRef idx="0">
+            <a:schemeClr val="accent1"/>
+          </a:fillRef>
+          <a:effectRef idx="0">
+            <a:schemeClr val="accent1"/>
+          </a:effectRef>
+          <a:fontRef idx="minor">
+            <a:schemeClr val="tx1"/>
+          </a:fontRef>
+        </p:style>
+      </p:cxnSp>
+      <p:cxnSp>
+        <p:nvCxnSpPr>
+          <p:cNvPr id="287" name="Conector de seta reta 286"/>
+          <p:cNvCxnSpPr>
+            <a:endCxn id="272" idx="0"/>
+          </p:cNvCxnSpPr>
+          <p:nvPr/>
+        </p:nvCxnSpPr>
+        <p:spPr>
+          <a:xfrm flipH="1">
+            <a:off x="8292159" y="1714489"/>
+            <a:ext cx="785272" cy="896572"/>
+          </a:xfrm>
+          <a:prstGeom prst="straightConnector1">
+            <a:avLst/>
+          </a:prstGeom>
+          <a:ln>
+            <a:tailEnd type="triangle"/>
+          </a:ln>
+        </p:spPr>
+        <p:style>
+          <a:lnRef idx="1">
+            <a:schemeClr val="accent1"/>
+          </a:lnRef>
+          <a:fillRef idx="0">
+            <a:schemeClr val="accent1"/>
+          </a:fillRef>
+          <a:effectRef idx="0">
+            <a:schemeClr val="accent1"/>
+          </a:effectRef>
+          <a:fontRef idx="minor">
+            <a:schemeClr val="tx1"/>
+          </a:fontRef>
+        </p:style>
+      </p:cxnSp>
+      <p:cxnSp>
+        <p:nvCxnSpPr>
+          <p:cNvPr id="288" name="Conector de seta reta 287"/>
+          <p:cNvCxnSpPr>
+            <a:endCxn id="272" idx="1"/>
+          </p:cNvCxnSpPr>
+          <p:nvPr/>
+        </p:nvCxnSpPr>
+        <p:spPr>
+          <a:xfrm>
+            <a:off x="9190231" y="1714489"/>
+            <a:ext cx="0" cy="701499"/>
+          </a:xfrm>
+          <a:prstGeom prst="straightConnector1">
+            <a:avLst/>
+          </a:prstGeom>
+          <a:ln>
+            <a:tailEnd type="triangle"/>
+          </a:ln>
+        </p:spPr>
+        <p:style>
+          <a:lnRef idx="1">
+            <a:schemeClr val="accent1"/>
+          </a:lnRef>
+          <a:fillRef idx="0">
+            <a:schemeClr val="accent1"/>
+          </a:fillRef>
+          <a:effectRef idx="0">
+            <a:schemeClr val="accent1"/>
+          </a:effectRef>
+          <a:fontRef idx="minor">
+            <a:schemeClr val="tx1"/>
+          </a:fontRef>
+        </p:style>
+      </p:cxnSp>
+      <p:cxnSp>
+        <p:nvCxnSpPr>
+          <p:cNvPr id="289" name="Conector de seta reta 288"/>
+          <p:cNvCxnSpPr>
+            <a:endCxn id="272" idx="2"/>
+          </p:cNvCxnSpPr>
+          <p:nvPr/>
+        </p:nvCxnSpPr>
+        <p:spPr>
+          <a:xfrm>
+            <a:off x="9356217" y="1714489"/>
+            <a:ext cx="748414" cy="835883"/>
+          </a:xfrm>
+          <a:prstGeom prst="straightConnector1">
+            <a:avLst/>
+          </a:prstGeom>
+          <a:ln>
+            <a:tailEnd type="triangle"/>
+          </a:ln>
+        </p:spPr>
+        <p:style>
+          <a:lnRef idx="1">
+            <a:schemeClr val="accent1"/>
+          </a:lnRef>
+          <a:fillRef idx="0">
+            <a:schemeClr val="accent1"/>
+          </a:fillRef>
+          <a:effectRef idx="0">
+            <a:schemeClr val="accent1"/>
+          </a:effectRef>
+          <a:fontRef idx="minor">
+            <a:schemeClr val="tx1"/>
+          </a:fontRef>
+        </p:style>
+      </p:cxnSp>
+      <p:sp>
+        <p:nvSpPr>
+          <p:cNvPr id="290" name="CaixaDeTexto 289"/>
+          <p:cNvSpPr txBox="1"/>
+          <p:nvPr/>
+        </p:nvSpPr>
+        <p:spPr>
+          <a:xfrm>
+            <a:off x="8839728" y="3906617"/>
+            <a:ext cx="1142620" cy="276999"/>
+          </a:xfrm>
+          <a:prstGeom prst="rect">
+            <a:avLst/>
+          </a:prstGeom>
+          <a:noFill/>
+        </p:spPr>
+        <p:txBody>
+          <a:bodyPr wrap="none" rtlCol="0">
+            <a:spAutoFit/>
+          </a:bodyPr>
+          <a:lstStyle/>
+          <a:p>
+            <a:r>
+              <a:rPr lang="pt-BR" sz="1200" b="1" dirty="0" smtClean="0"/>
+              <a:t>Z = base values</a:t>
+            </a:r>
+            <a:endParaRPr lang="pt-BR" sz="1200" b="1" dirty="0"/>
+          </a:p>
+        </p:txBody>
+      </p:sp>
+      <p:sp>
+        <p:nvSpPr>
+          <p:cNvPr id="291" name="CaixaDeTexto 290"/>
+          <p:cNvSpPr txBox="1"/>
+          <p:nvPr/>
+        </p:nvSpPr>
+        <p:spPr>
+          <a:xfrm>
+            <a:off x="8706749" y="1419196"/>
+            <a:ext cx="1064202" cy="276999"/>
+          </a:xfrm>
+          <a:prstGeom prst="rect">
+            <a:avLst/>
+          </a:prstGeom>
+          <a:noFill/>
+        </p:spPr>
+        <p:txBody>
+          <a:bodyPr wrap="none" rtlCol="0">
+            <a:spAutoFit/>
+          </a:bodyPr>
+          <a:lstStyle/>
+          <a:p>
+            <a:r>
+              <a:rPr lang="pt-BR" sz="1200" b="1" dirty="0" smtClean="0"/>
+              <a:t>Z = top values</a:t>
+            </a:r>
+            <a:endParaRPr lang="pt-BR" sz="1200" b="1" dirty="0"/>
+          </a:p>
+        </p:txBody>
+      </p:sp>
+      <p:sp>
+        <p:nvSpPr>
+          <p:cNvPr id="292" name="CaixaDeTexto 291"/>
+          <p:cNvSpPr txBox="1"/>
+          <p:nvPr/>
+        </p:nvSpPr>
+        <p:spPr>
+          <a:xfrm>
+            <a:off x="1524490" y="5145329"/>
+            <a:ext cx="4216732" cy="276999"/>
+          </a:xfrm>
+          <a:prstGeom prst="rect">
+            <a:avLst/>
+          </a:prstGeom>
+          <a:noFill/>
+        </p:spPr>
+        <p:txBody>
+          <a:bodyPr wrap="none" rtlCol="0">
+            <a:spAutoFit/>
+          </a:bodyPr>
+          <a:lstStyle/>
+          <a:p>
+            <a:r>
+              <a:rPr lang="pt-BR" sz="1200" b="1" dirty="0" smtClean="0"/>
+              <a:t>X, Y = cell centers of the Cartesian grid with top and base values</a:t>
+            </a:r>
+            <a:endParaRPr lang="pt-BR" sz="1200" b="1" dirty="0"/>
+          </a:p>
+        </p:txBody>
+      </p:sp>
+      <p:sp>
+        <p:nvSpPr>
+          <p:cNvPr id="293" name="CaixaDeTexto 292"/>
+          <p:cNvSpPr txBox="1"/>
+          <p:nvPr/>
+        </p:nvSpPr>
+        <p:spPr>
+          <a:xfrm>
+            <a:off x="7901230" y="4285730"/>
+            <a:ext cx="2934073" cy="461665"/>
+          </a:xfrm>
+          <a:prstGeom prst="rect">
+            <a:avLst/>
+          </a:prstGeom>
+          <a:noFill/>
+        </p:spPr>
+        <p:txBody>
+          <a:bodyPr wrap="none" rtlCol="0">
+            <a:spAutoFit/>
+          </a:bodyPr>
+          <a:lstStyle/>
+          <a:p>
+            <a:pPr algn="ctr"/>
+            <a:r>
+              <a:rPr lang="pt-BR" sz="1200" b="1" dirty="0" smtClean="0"/>
+              <a:t>number of horizon slices = 4</a:t>
+            </a:r>
+          </a:p>
+          <a:p>
+            <a:pPr algn="ctr"/>
+            <a:r>
+              <a:rPr lang="pt-BR" sz="1200" b="1" dirty="0" smtClean="0"/>
+              <a:t>proportional depths between top and base</a:t>
+            </a:r>
+            <a:endParaRPr lang="pt-BR" sz="1200" b="1" dirty="0"/>
+          </a:p>
+        </p:txBody>
+      </p:sp>
+      <p:sp>
+        <p:nvSpPr>
+          <p:cNvPr id="48" name="Seta para a direita 47"/>
+          <p:cNvSpPr/>
+          <p:nvPr/>
+        </p:nvSpPr>
+        <p:spPr>
+          <a:xfrm>
+            <a:off x="6412520" y="2603482"/>
+            <a:ext cx="445114" cy="384564"/>
+          </a:xfrm>
+          <a:prstGeom prst="rightArrow">
+            <a:avLst/>
+          </a:prstGeom>
+        </p:spPr>
+        <p:style>
+          <a:lnRef idx="2">
+            <a:schemeClr val="accent1">
+              <a:shade val="50000"/>
+            </a:schemeClr>
+          </a:lnRef>
+          <a:fillRef idx="1">
+            <a:schemeClr val="accent1"/>
+          </a:fillRef>
+          <a:effectRef idx="0">
+            <a:schemeClr val="accent1"/>
+          </a:effectRef>
+          <a:fontRef idx="minor">
+            <a:schemeClr val="lt1"/>
+          </a:fontRef>
+        </p:style>
+        <p:txBody>
+          <a:bodyPr rtlCol="0" anchor="ctr"/>
+          <a:lstStyle/>
+          <a:p>
+            <a:pPr algn="ctr"/>
+            <a:endParaRPr lang="pt-BR"/>
+          </a:p>
+        </p:txBody>
+      </p:sp>
+      <p:grpSp>
+        <p:nvGrpSpPr>
+          <p:cNvPr id="294" name="Grupo 293"/>
+          <p:cNvGrpSpPr/>
+          <p:nvPr/>
+        </p:nvGrpSpPr>
+        <p:grpSpPr>
+          <a:xfrm>
+            <a:off x="548168" y="285750"/>
+            <a:ext cx="6316929" cy="5290490"/>
+            <a:chOff x="1006435" y="1387439"/>
+            <a:chExt cx="9788234" cy="4345075"/>
+          </a:xfrm>
+        </p:grpSpPr>
+        <p:cxnSp>
+          <p:nvCxnSpPr>
+            <p:cNvPr id="295" name="Conector de seta reta 294"/>
+            <p:cNvCxnSpPr/>
+            <p:nvPr/>
+          </p:nvCxnSpPr>
+          <p:spPr>
+            <a:xfrm flipV="1">
+              <a:off x="1006435" y="1387439"/>
+              <a:ext cx="0" cy="4345075"/>
+            </a:xfrm>
+            <a:prstGeom prst="straightConnector1">
+              <a:avLst/>
+            </a:prstGeom>
+            <a:ln>
+              <a:tailEnd type="triangle"/>
+            </a:ln>
+          </p:spPr>
+          <p:style>
+            <a:lnRef idx="1">
+              <a:schemeClr val="accent1"/>
+            </a:lnRef>
+            <a:fillRef idx="0">
+              <a:schemeClr val="accent1"/>
+            </a:fillRef>
+            <a:effectRef idx="0">
+              <a:schemeClr val="accent1"/>
+            </a:effectRef>
+            <a:fontRef idx="minor">
+              <a:schemeClr val="tx1"/>
+            </a:fontRef>
+          </p:style>
+        </p:cxnSp>
+        <p:cxnSp>
+          <p:nvCxnSpPr>
+            <p:cNvPr id="296" name="Conector de seta reta 295"/>
+            <p:cNvCxnSpPr/>
+            <p:nvPr/>
+          </p:nvCxnSpPr>
+          <p:spPr>
+            <a:xfrm>
+              <a:off x="1006435" y="5725127"/>
+              <a:ext cx="9788234" cy="7387"/>
+            </a:xfrm>
+            <a:prstGeom prst="straightConnector1">
+              <a:avLst/>
+            </a:prstGeom>
+            <a:ln>
+              <a:tailEnd type="triangle"/>
+            </a:ln>
+          </p:spPr>
+          <p:style>
+            <a:lnRef idx="1">
+              <a:schemeClr val="accent1"/>
+            </a:lnRef>
+            <a:fillRef idx="0">
+              <a:schemeClr val="accent1"/>
+            </a:fillRef>
+            <a:effectRef idx="0">
+              <a:schemeClr val="accent1"/>
+            </a:effectRef>
+            <a:fontRef idx="minor">
+              <a:schemeClr val="tx1"/>
+            </a:fontRef>
+          </p:style>
+        </p:cxnSp>
+      </p:grpSp>
+      <p:sp>
+        <p:nvSpPr>
+          <p:cNvPr id="297" name="CaixaDeTexto 296"/>
+          <p:cNvSpPr txBox="1"/>
+          <p:nvPr/>
+        </p:nvSpPr>
+        <p:spPr>
+          <a:xfrm>
+            <a:off x="6406830" y="5576240"/>
+            <a:ext cx="264816" cy="276999"/>
+          </a:xfrm>
+          <a:prstGeom prst="rect">
+            <a:avLst/>
+          </a:prstGeom>
+          <a:noFill/>
+        </p:spPr>
+        <p:txBody>
+          <a:bodyPr wrap="none" rtlCol="0">
+            <a:spAutoFit/>
+          </a:bodyPr>
+          <a:lstStyle/>
+          <a:p>
+            <a:r>
+              <a:rPr lang="pt-BR" sz="1200" dirty="0" smtClean="0"/>
+              <a:t>X</a:t>
+            </a:r>
+            <a:endParaRPr lang="pt-BR" sz="1200" dirty="0"/>
+          </a:p>
+        </p:txBody>
+      </p:sp>
+      <p:sp>
+        <p:nvSpPr>
+          <p:cNvPr id="298" name="CaixaDeTexto 297"/>
+          <p:cNvSpPr txBox="1"/>
+          <p:nvPr/>
+        </p:nvSpPr>
+        <p:spPr>
+          <a:xfrm>
+            <a:off x="253179" y="437660"/>
+            <a:ext cx="260008" cy="276999"/>
+          </a:xfrm>
+          <a:prstGeom prst="rect">
+            <a:avLst/>
+          </a:prstGeom>
+          <a:noFill/>
+        </p:spPr>
+        <p:txBody>
+          <a:bodyPr wrap="none" rtlCol="0">
+            <a:spAutoFit/>
+          </a:bodyPr>
+          <a:lstStyle/>
+          <a:p>
+            <a:r>
+              <a:rPr lang="pt-BR" sz="1200" dirty="0"/>
+              <a:t>Y</a:t>
+            </a:r>
+            <a:endParaRPr lang="pt-BR" sz="1200" dirty="0"/>
+          </a:p>
+        </p:txBody>
+      </p:sp>
+      <p:grpSp>
+        <p:nvGrpSpPr>
+          <p:cNvPr id="299" name="Grupo 298"/>
+          <p:cNvGrpSpPr/>
+          <p:nvPr/>
+        </p:nvGrpSpPr>
+        <p:grpSpPr>
+          <a:xfrm>
+            <a:off x="7692147" y="1298085"/>
+            <a:ext cx="3509218" cy="3437189"/>
+            <a:chOff x="1006435" y="1387439"/>
+            <a:chExt cx="9788234" cy="4345075"/>
+          </a:xfrm>
+        </p:grpSpPr>
+        <p:cxnSp>
+          <p:nvCxnSpPr>
+            <p:cNvPr id="300" name="Conector de seta reta 299"/>
+            <p:cNvCxnSpPr/>
+            <p:nvPr/>
+          </p:nvCxnSpPr>
+          <p:spPr>
+            <a:xfrm flipV="1">
+              <a:off x="1006435" y="1387439"/>
+              <a:ext cx="0" cy="4345075"/>
+            </a:xfrm>
+            <a:prstGeom prst="straightConnector1">
+              <a:avLst/>
+            </a:prstGeom>
+            <a:ln>
+              <a:tailEnd type="triangle"/>
+            </a:ln>
+          </p:spPr>
+          <p:style>
+            <a:lnRef idx="1">
+              <a:schemeClr val="accent1"/>
+            </a:lnRef>
+            <a:fillRef idx="0">
+              <a:schemeClr val="accent1"/>
+            </a:fillRef>
+            <a:effectRef idx="0">
+              <a:schemeClr val="accent1"/>
+            </a:effectRef>
+            <a:fontRef idx="minor">
+              <a:schemeClr val="tx1"/>
+            </a:fontRef>
+          </p:style>
+        </p:cxnSp>
+        <p:cxnSp>
+          <p:nvCxnSpPr>
+            <p:cNvPr id="301" name="Conector de seta reta 300"/>
+            <p:cNvCxnSpPr/>
+            <p:nvPr/>
+          </p:nvCxnSpPr>
+          <p:spPr>
+            <a:xfrm>
+              <a:off x="1006435" y="5725127"/>
+              <a:ext cx="9788234" cy="7387"/>
+            </a:xfrm>
+            <a:prstGeom prst="straightConnector1">
+              <a:avLst/>
+            </a:prstGeom>
+            <a:ln>
+              <a:tailEnd type="triangle"/>
+            </a:ln>
+          </p:spPr>
+          <p:style>
+            <a:lnRef idx="1">
+              <a:schemeClr val="accent1"/>
+            </a:lnRef>
+            <a:fillRef idx="0">
+              <a:schemeClr val="accent1"/>
+            </a:fillRef>
+            <a:effectRef idx="0">
+              <a:schemeClr val="accent1"/>
+            </a:effectRef>
+            <a:fontRef idx="minor">
+              <a:schemeClr val="tx1"/>
+            </a:fontRef>
+          </p:style>
+        </p:cxnSp>
+      </p:grpSp>
+      <p:sp>
+        <p:nvSpPr>
+          <p:cNvPr id="302" name="CaixaDeTexto 301"/>
+          <p:cNvSpPr txBox="1"/>
+          <p:nvPr/>
+        </p:nvSpPr>
+        <p:spPr>
+          <a:xfrm>
+            <a:off x="11038004" y="4774106"/>
+            <a:ext cx="245006" cy="276999"/>
+          </a:xfrm>
+          <a:prstGeom prst="rect">
+            <a:avLst/>
+          </a:prstGeom>
+          <a:noFill/>
+        </p:spPr>
+        <p:txBody>
+          <a:bodyPr wrap="square" rtlCol="0">
+            <a:spAutoFit/>
+          </a:bodyPr>
+          <a:lstStyle/>
+          <a:p>
+            <a:r>
+              <a:rPr lang="pt-BR" sz="1200" dirty="0" smtClean="0"/>
+              <a:t>X</a:t>
+            </a:r>
+            <a:endParaRPr lang="pt-BR" sz="1200" dirty="0"/>
+          </a:p>
+        </p:txBody>
+      </p:sp>
+      <p:sp>
+        <p:nvSpPr>
+          <p:cNvPr id="303" name="CaixaDeTexto 302"/>
+          <p:cNvSpPr txBox="1"/>
+          <p:nvPr/>
+        </p:nvSpPr>
+        <p:spPr>
+          <a:xfrm>
+            <a:off x="7427330" y="1229028"/>
+            <a:ext cx="217286" cy="276999"/>
+          </a:xfrm>
+          <a:prstGeom prst="rect">
+            <a:avLst/>
+          </a:prstGeom>
+          <a:noFill/>
+        </p:spPr>
+        <p:txBody>
+          <a:bodyPr wrap="square" rtlCol="0">
+            <a:spAutoFit/>
+          </a:bodyPr>
+          <a:lstStyle/>
+          <a:p>
+            <a:r>
+              <a:rPr lang="pt-BR" sz="1200" dirty="0" smtClean="0"/>
+              <a:t>Z</a:t>
+            </a:r>
+            <a:endParaRPr lang="pt-BR" sz="1200" dirty="0"/>
+          </a:p>
+        </p:txBody>
+      </p:sp>
+      <p:cxnSp>
+        <p:nvCxnSpPr>
+          <p:cNvPr id="304" name="Conector de seta reta 303"/>
+          <p:cNvCxnSpPr/>
+          <p:nvPr/>
+        </p:nvCxnSpPr>
+        <p:spPr>
+          <a:xfrm flipH="1" flipV="1">
+            <a:off x="4712045" y="3751212"/>
+            <a:ext cx="1239719" cy="138500"/>
+          </a:xfrm>
+          <a:prstGeom prst="straightConnector1">
+            <a:avLst/>
+          </a:prstGeom>
+          <a:ln>
+            <a:tailEnd type="triangle"/>
+          </a:ln>
+        </p:spPr>
+        <p:style>
+          <a:lnRef idx="1">
+            <a:schemeClr val="accent1"/>
+          </a:lnRef>
+          <a:fillRef idx="0">
+            <a:schemeClr val="accent1"/>
+          </a:fillRef>
+          <a:effectRef idx="0">
+            <a:schemeClr val="accent1"/>
+          </a:effectRef>
+          <a:fontRef idx="minor">
+            <a:schemeClr val="tx1"/>
+          </a:fontRef>
+        </p:style>
+      </p:cxnSp>
+      <p:sp>
+        <p:nvSpPr>
+          <p:cNvPr id="305" name="CaixaDeTexto 304"/>
+          <p:cNvSpPr txBox="1"/>
+          <p:nvPr/>
+        </p:nvSpPr>
+        <p:spPr>
+          <a:xfrm>
+            <a:off x="5523213" y="3850322"/>
+            <a:ext cx="1173142" cy="461665"/>
+          </a:xfrm>
+          <a:prstGeom prst="rect">
+            <a:avLst/>
+          </a:prstGeom>
+          <a:noFill/>
+        </p:spPr>
+        <p:txBody>
+          <a:bodyPr wrap="none" rtlCol="0">
+            <a:spAutoFit/>
+          </a:bodyPr>
+          <a:lstStyle/>
+          <a:p>
+            <a:pPr algn="ctr"/>
+            <a:r>
+              <a:rPr lang="pt-BR" sz="1200" b="1" dirty="0" smtClean="0"/>
+              <a:t>cells of the </a:t>
+            </a:r>
+          </a:p>
+          <a:p>
+            <a:pPr algn="ctr"/>
+            <a:r>
+              <a:rPr lang="pt-BR" sz="1200" b="1" dirty="0" smtClean="0"/>
+              <a:t>1</a:t>
+            </a:r>
+            <a:r>
+              <a:rPr lang="pt-BR" sz="1200" b="1" baseline="30000" dirty="0" smtClean="0"/>
+              <a:t>st</a:t>
+            </a:r>
+            <a:r>
+              <a:rPr lang="pt-BR" sz="1200" b="1" dirty="0" smtClean="0"/>
+              <a:t> horizon slice</a:t>
+            </a:r>
+            <a:endParaRPr lang="pt-BR" sz="1200" b="1" dirty="0"/>
+          </a:p>
+        </p:txBody>
+      </p:sp>
+    </p:spTree>
+    <p:extLst>
+      <p:ext uri="{BB962C8B-B14F-4D97-AF65-F5344CB8AC3E}">
+        <p14:creationId xmlns:p14="http://schemas.microsoft.com/office/powerpoint/2010/main" val="661577508"/>
+      </p:ext>
+    </p:extLst>
+  </p:cSld>
+  <p:clrMapOvr>
+    <a:masterClrMapping/>
+  </p:clrMapOvr>
+  <p:timing>
+    <p:tnLst>
+      <p:par>
+        <p:cTn id="1" dur="indefinite" restart="never" nodeType="tmRoot"/>
+      </p:par>
+    </p:tnLst>
+  </p:timing>
+</p:sld>
+</file>
+
+<file path=ppt/slides/slide4.xml><?xml version="1.0" encoding="utf-8"?>
+<p:sld xmlns:a="http://schemas.openxmlformats.org/drawingml/2006/main" xmlns:r="http://schemas.openxmlformats.org/officeDocument/2006/relationships" xmlns:p="http://schemas.openxmlformats.org/presentationml/2006/main">
+  <p:cSld>
+    <p:spTree>
+      <p:nvGrpSpPr>
+        <p:cNvPr id="1" name=""/>
+        <p:cNvGrpSpPr/>
+        <p:nvPr/>
+      </p:nvGrpSpPr>
+      <p:grpSpPr>
+        <a:xfrm>
+          <a:off x="0" y="0"/>
+          <a:ext cx="0" cy="0"/>
+          <a:chOff x="0" y="0"/>
+          <a:chExt cx="0" cy="0"/>
+        </a:xfrm>
+      </p:grpSpPr>
+      <p:sp>
+        <p:nvSpPr>
+          <p:cNvPr id="5" name="Cubo 4"/>
+          <p:cNvSpPr/>
+          <p:nvPr/>
+        </p:nvSpPr>
+        <p:spPr>
+          <a:xfrm>
+            <a:off x="1605161" y="1253510"/>
+            <a:ext cx="1913645" cy="1877785"/>
+          </a:xfrm>
+          <a:prstGeom prst="cube">
+            <a:avLst/>
+          </a:prstGeom>
+          <a:noFill/>
+          <a:ln w="12700">
+            <a:solidFill>
+              <a:srgbClr val="0070C0"/>
+            </a:solidFill>
+          </a:ln>
+        </p:spPr>
+        <p:style>
+          <a:lnRef idx="2">
+            <a:schemeClr val="accent1">
+              <a:shade val="50000"/>
+            </a:schemeClr>
+          </a:lnRef>
+          <a:fillRef idx="1">
+            <a:schemeClr val="accent1"/>
+          </a:fillRef>
+          <a:effectRef idx="0">
+            <a:schemeClr val="accent1"/>
+          </a:effectRef>
+          <a:fontRef idx="minor">
+            <a:schemeClr val="lt1"/>
+          </a:fontRef>
+        </p:style>
+        <p:txBody>
+          <a:bodyPr rtlCol="0" anchor="ctr"/>
+          <a:lstStyle/>
+          <a:p>
+            <a:pPr algn="ctr"/>
+            <a:endParaRPr lang="pt-BR">
+              <a:ln w="38100">
+                <a:solidFill>
+                  <a:srgbClr val="0070C0"/>
+                </a:solidFill>
+              </a:ln>
+            </a:endParaRPr>
+          </a:p>
+        </p:txBody>
+      </p:sp>
+      <p:cxnSp>
+        <p:nvCxnSpPr>
+          <p:cNvPr id="7" name="Conector reto 6"/>
+          <p:cNvCxnSpPr/>
+          <p:nvPr/>
+        </p:nvCxnSpPr>
+        <p:spPr>
+          <a:xfrm flipV="1">
+            <a:off x="1605161" y="2661557"/>
+            <a:ext cx="468567" cy="469739"/>
+          </a:xfrm>
+          <a:prstGeom prst="line">
+            <a:avLst/>
+          </a:prstGeom>
+          <a:ln w="12700">
+            <a:solidFill>
+              <a:srgbClr val="0070C0"/>
+            </a:solidFill>
+            <a:prstDash val="dash"/>
+          </a:ln>
+        </p:spPr>
+        <p:style>
+          <a:lnRef idx="1">
+            <a:schemeClr val="accent1"/>
+          </a:lnRef>
+          <a:fillRef idx="0">
+            <a:schemeClr val="accent1"/>
+          </a:fillRef>
+          <a:effectRef idx="0">
+            <a:schemeClr val="accent1"/>
+          </a:effectRef>
+          <a:fontRef idx="minor">
+            <a:schemeClr val="tx1"/>
+          </a:fontRef>
+        </p:style>
+      </p:cxnSp>
+      <p:cxnSp>
+        <p:nvCxnSpPr>
+          <p:cNvPr id="10" name="Conector reto 9"/>
+          <p:cNvCxnSpPr/>
+          <p:nvPr/>
+        </p:nvCxnSpPr>
+        <p:spPr>
+          <a:xfrm flipH="1">
+            <a:off x="2073728" y="2661557"/>
+            <a:ext cx="1445078" cy="0"/>
+          </a:xfrm>
+          <a:prstGeom prst="line">
+            <a:avLst/>
+          </a:prstGeom>
+          <a:ln w="12700">
+            <a:solidFill>
+              <a:srgbClr val="0070C0"/>
+            </a:solidFill>
+            <a:prstDash val="dash"/>
+          </a:ln>
+        </p:spPr>
+        <p:style>
+          <a:lnRef idx="1">
+            <a:schemeClr val="accent1"/>
+          </a:lnRef>
+          <a:fillRef idx="0">
+            <a:schemeClr val="accent1"/>
+          </a:fillRef>
+          <a:effectRef idx="0">
+            <a:schemeClr val="accent1"/>
+          </a:effectRef>
+          <a:fontRef idx="minor">
+            <a:schemeClr val="tx1"/>
+          </a:fontRef>
+        </p:style>
+      </p:cxnSp>
+      <p:cxnSp>
+        <p:nvCxnSpPr>
+          <p:cNvPr id="12" name="Conector reto 11"/>
+          <p:cNvCxnSpPr/>
+          <p:nvPr/>
+        </p:nvCxnSpPr>
+        <p:spPr>
+          <a:xfrm>
+            <a:off x="2073728" y="1253510"/>
+            <a:ext cx="0" cy="1408047"/>
+          </a:xfrm>
+          <a:prstGeom prst="line">
+            <a:avLst/>
+          </a:prstGeom>
+          <a:ln w="12700">
+            <a:solidFill>
+              <a:srgbClr val="0070C0"/>
+            </a:solidFill>
+            <a:prstDash val="dash"/>
+          </a:ln>
+        </p:spPr>
+        <p:style>
+          <a:lnRef idx="1">
+            <a:schemeClr val="accent1"/>
+          </a:lnRef>
+          <a:fillRef idx="0">
+            <a:schemeClr val="accent1"/>
+          </a:fillRef>
+          <a:effectRef idx="0">
+            <a:schemeClr val="accent1"/>
+          </a:effectRef>
+          <a:fontRef idx="minor">
+            <a:schemeClr val="tx1"/>
+          </a:fontRef>
+        </p:style>
+      </p:cxnSp>
+      <p:grpSp>
+        <p:nvGrpSpPr>
+          <p:cNvPr id="16" name="Grupo 15"/>
+          <p:cNvGrpSpPr/>
+          <p:nvPr/>
+        </p:nvGrpSpPr>
+        <p:grpSpPr>
+          <a:xfrm>
+            <a:off x="2073728" y="742950"/>
+            <a:ext cx="2423632" cy="1918640"/>
+            <a:chOff x="1006435" y="1387439"/>
+            <a:chExt cx="9788234" cy="4345075"/>
+          </a:xfrm>
+        </p:grpSpPr>
+        <p:cxnSp>
+          <p:nvCxnSpPr>
+            <p:cNvPr id="17" name="Conector de seta reta 16"/>
+            <p:cNvCxnSpPr/>
+            <p:nvPr/>
+          </p:nvCxnSpPr>
+          <p:spPr>
+            <a:xfrm flipV="1">
+              <a:off x="1006435" y="1387439"/>
+              <a:ext cx="0" cy="4345075"/>
+            </a:xfrm>
+            <a:prstGeom prst="straightConnector1">
+              <a:avLst/>
+            </a:prstGeom>
+            <a:ln>
+              <a:tailEnd type="triangle"/>
+            </a:ln>
+          </p:spPr>
+          <p:style>
+            <a:lnRef idx="1">
+              <a:schemeClr val="accent1"/>
+            </a:lnRef>
+            <a:fillRef idx="0">
+              <a:schemeClr val="accent1"/>
+            </a:fillRef>
+            <a:effectRef idx="0">
+              <a:schemeClr val="accent1"/>
+            </a:effectRef>
+            <a:fontRef idx="minor">
+              <a:schemeClr val="tx1"/>
+            </a:fontRef>
+          </p:style>
+        </p:cxnSp>
+        <p:cxnSp>
+          <p:nvCxnSpPr>
+            <p:cNvPr id="18" name="Conector de seta reta 17"/>
+            <p:cNvCxnSpPr/>
+            <p:nvPr/>
+          </p:nvCxnSpPr>
+          <p:spPr>
+            <a:xfrm>
+              <a:off x="1006435" y="5725127"/>
+              <a:ext cx="9788234" cy="7387"/>
+            </a:xfrm>
+            <a:prstGeom prst="straightConnector1">
+              <a:avLst/>
+            </a:prstGeom>
+            <a:ln>
+              <a:tailEnd type="triangle"/>
+            </a:ln>
+          </p:spPr>
+          <p:style>
+            <a:lnRef idx="1">
+              <a:schemeClr val="accent1"/>
+            </a:lnRef>
+            <a:fillRef idx="0">
+              <a:schemeClr val="accent1"/>
+            </a:fillRef>
+            <a:effectRef idx="0">
+              <a:schemeClr val="accent1"/>
+            </a:effectRef>
+            <a:fontRef idx="minor">
+              <a:schemeClr val="tx1"/>
+            </a:fontRef>
+          </p:style>
+        </p:cxnSp>
+      </p:grpSp>
+      <p:cxnSp>
+        <p:nvCxnSpPr>
+          <p:cNvPr id="19" name="Conector de seta reta 18"/>
+          <p:cNvCxnSpPr/>
+          <p:nvPr/>
+        </p:nvCxnSpPr>
+        <p:spPr>
+          <a:xfrm flipH="1">
+            <a:off x="1094014" y="2654537"/>
+            <a:ext cx="979714" cy="994899"/>
+          </a:xfrm>
+          <a:prstGeom prst="straightConnector1">
+            <a:avLst/>
+          </a:prstGeom>
+          <a:ln>
+            <a:tailEnd type="triangle"/>
+          </a:ln>
+        </p:spPr>
+        <p:style>
+          <a:lnRef idx="1">
+            <a:schemeClr val="accent1"/>
+          </a:lnRef>
+          <a:fillRef idx="0">
+            <a:schemeClr val="accent1"/>
+          </a:fillRef>
+          <a:effectRef idx="0">
+            <a:schemeClr val="accent1"/>
+          </a:effectRef>
+          <a:fontRef idx="minor">
+            <a:schemeClr val="tx1"/>
+          </a:fontRef>
+        </p:style>
+      </p:cxnSp>
+      <p:sp>
+        <p:nvSpPr>
+          <p:cNvPr id="21" name="CaixaDeTexto 20"/>
+          <p:cNvSpPr txBox="1"/>
+          <p:nvPr/>
+        </p:nvSpPr>
+        <p:spPr>
+          <a:xfrm>
+            <a:off x="4014120" y="2757926"/>
+            <a:ext cx="815801" cy="276999"/>
+          </a:xfrm>
+          <a:prstGeom prst="rect">
+            <a:avLst/>
+          </a:prstGeom>
+          <a:noFill/>
+        </p:spPr>
+        <p:txBody>
+          <a:bodyPr wrap="none" rtlCol="0">
+            <a:spAutoFit/>
+          </a:bodyPr>
+          <a:lstStyle/>
+          <a:p>
+            <a:r>
+              <a:rPr lang="pt-BR" sz="1200" dirty="0" smtClean="0"/>
+              <a:t>I direction</a:t>
+            </a:r>
+            <a:endParaRPr lang="pt-BR" sz="1200" dirty="0"/>
+          </a:p>
+        </p:txBody>
+      </p:sp>
+      <p:sp>
+        <p:nvSpPr>
+          <p:cNvPr id="23" name="CaixaDeTexto 22"/>
+          <p:cNvSpPr txBox="1"/>
+          <p:nvPr/>
+        </p:nvSpPr>
+        <p:spPr>
+          <a:xfrm>
+            <a:off x="1246707" y="738039"/>
+            <a:ext cx="827021" cy="276999"/>
+          </a:xfrm>
+          <a:prstGeom prst="rect">
+            <a:avLst/>
+          </a:prstGeom>
+          <a:noFill/>
+        </p:spPr>
+        <p:txBody>
+          <a:bodyPr wrap="none" rtlCol="0">
+            <a:spAutoFit/>
+          </a:bodyPr>
+          <a:lstStyle/>
+          <a:p>
+            <a:r>
+              <a:rPr lang="pt-BR" sz="1200" dirty="0" smtClean="0"/>
+              <a:t>J direction</a:t>
+            </a:r>
+            <a:endParaRPr lang="pt-BR" sz="1200" dirty="0"/>
+          </a:p>
+        </p:txBody>
+      </p:sp>
+      <p:sp>
+        <p:nvSpPr>
+          <p:cNvPr id="24" name="CaixaDeTexto 23"/>
+          <p:cNvSpPr txBox="1"/>
+          <p:nvPr/>
+        </p:nvSpPr>
+        <p:spPr>
+          <a:xfrm>
+            <a:off x="802738" y="3634221"/>
+            <a:ext cx="857479" cy="276999"/>
+          </a:xfrm>
+          <a:prstGeom prst="rect">
+            <a:avLst/>
+          </a:prstGeom>
+          <a:noFill/>
+        </p:spPr>
+        <p:txBody>
+          <a:bodyPr wrap="none" rtlCol="0">
+            <a:spAutoFit/>
+          </a:bodyPr>
+          <a:lstStyle/>
+          <a:p>
+            <a:r>
+              <a:rPr lang="pt-BR" sz="1200" dirty="0" smtClean="0"/>
+              <a:t>K direction</a:t>
+            </a:r>
+            <a:endParaRPr lang="pt-BR" sz="1200" dirty="0"/>
+          </a:p>
+        </p:txBody>
+      </p:sp>
+      <p:sp>
+        <p:nvSpPr>
+          <p:cNvPr id="25" name="CaixaDeTexto 24"/>
+          <p:cNvSpPr txBox="1"/>
+          <p:nvPr/>
+        </p:nvSpPr>
+        <p:spPr>
+          <a:xfrm>
+            <a:off x="1942254" y="2621294"/>
+            <a:ext cx="356188" cy="276999"/>
+          </a:xfrm>
+          <a:prstGeom prst="rect">
+            <a:avLst/>
+          </a:prstGeom>
+          <a:noFill/>
+        </p:spPr>
+        <p:txBody>
+          <a:bodyPr wrap="none" rtlCol="0">
+            <a:spAutoFit/>
+          </a:bodyPr>
+          <a:lstStyle/>
+          <a:p>
+            <a:r>
+              <a:rPr lang="pt-BR" sz="1200" dirty="0" smtClean="0"/>
+              <a:t>[0]</a:t>
+            </a:r>
+            <a:endParaRPr lang="pt-BR" sz="1200" dirty="0"/>
+          </a:p>
+        </p:txBody>
+      </p:sp>
+      <p:sp>
+        <p:nvSpPr>
+          <p:cNvPr id="26" name="CaixaDeTexto 25"/>
+          <p:cNvSpPr txBox="1"/>
+          <p:nvPr/>
+        </p:nvSpPr>
+        <p:spPr>
+          <a:xfrm>
+            <a:off x="3400940" y="2661590"/>
+            <a:ext cx="356188" cy="276999"/>
+          </a:xfrm>
+          <a:prstGeom prst="rect">
+            <a:avLst/>
+          </a:prstGeom>
+          <a:noFill/>
+        </p:spPr>
+        <p:txBody>
+          <a:bodyPr wrap="none" rtlCol="0">
+            <a:spAutoFit/>
+          </a:bodyPr>
+          <a:lstStyle/>
+          <a:p>
+            <a:r>
+              <a:rPr lang="pt-BR" sz="1200" dirty="0" smtClean="0"/>
+              <a:t>[1]</a:t>
+            </a:r>
+            <a:endParaRPr lang="pt-BR" sz="1200" dirty="0"/>
+          </a:p>
+        </p:txBody>
+      </p:sp>
+      <p:sp>
+        <p:nvSpPr>
+          <p:cNvPr id="27" name="CaixaDeTexto 26"/>
+          <p:cNvSpPr txBox="1"/>
+          <p:nvPr/>
+        </p:nvSpPr>
+        <p:spPr>
+          <a:xfrm>
+            <a:off x="3461658" y="1015038"/>
+            <a:ext cx="356188" cy="276999"/>
+          </a:xfrm>
+          <a:prstGeom prst="rect">
+            <a:avLst/>
+          </a:prstGeom>
+          <a:noFill/>
+        </p:spPr>
+        <p:txBody>
+          <a:bodyPr wrap="none" rtlCol="0">
+            <a:spAutoFit/>
+          </a:bodyPr>
+          <a:lstStyle/>
+          <a:p>
+            <a:r>
+              <a:rPr lang="pt-BR" sz="1200" dirty="0" smtClean="0"/>
+              <a:t>[2]</a:t>
+            </a:r>
+            <a:endParaRPr lang="pt-BR" sz="1200" dirty="0"/>
+          </a:p>
+        </p:txBody>
+      </p:sp>
+      <p:sp>
+        <p:nvSpPr>
+          <p:cNvPr id="28" name="CaixaDeTexto 27"/>
+          <p:cNvSpPr txBox="1"/>
+          <p:nvPr/>
+        </p:nvSpPr>
+        <p:spPr>
+          <a:xfrm>
+            <a:off x="2020856" y="1015038"/>
+            <a:ext cx="356188" cy="276999"/>
+          </a:xfrm>
+          <a:prstGeom prst="rect">
+            <a:avLst/>
+          </a:prstGeom>
+          <a:noFill/>
+        </p:spPr>
+        <p:txBody>
+          <a:bodyPr wrap="none" rtlCol="0">
+            <a:spAutoFit/>
+          </a:bodyPr>
+          <a:lstStyle/>
+          <a:p>
+            <a:r>
+              <a:rPr lang="pt-BR" sz="1200" dirty="0" smtClean="0"/>
+              <a:t>[3]</a:t>
+            </a:r>
+            <a:endParaRPr lang="pt-BR" sz="1200" dirty="0"/>
+          </a:p>
+        </p:txBody>
+      </p:sp>
+      <p:sp>
+        <p:nvSpPr>
+          <p:cNvPr id="30" name="CaixaDeTexto 29"/>
+          <p:cNvSpPr txBox="1"/>
+          <p:nvPr/>
+        </p:nvSpPr>
+        <p:spPr>
+          <a:xfrm>
+            <a:off x="1461411" y="3108416"/>
+            <a:ext cx="356188" cy="276999"/>
+          </a:xfrm>
+          <a:prstGeom prst="rect">
+            <a:avLst/>
+          </a:prstGeom>
+          <a:noFill/>
+        </p:spPr>
+        <p:txBody>
+          <a:bodyPr wrap="none" rtlCol="0">
+            <a:spAutoFit/>
+          </a:bodyPr>
+          <a:lstStyle/>
+          <a:p>
+            <a:r>
+              <a:rPr lang="pt-BR" sz="1200" dirty="0" smtClean="0"/>
+              <a:t>[4]</a:t>
+            </a:r>
+            <a:endParaRPr lang="pt-BR" sz="1200" dirty="0"/>
+          </a:p>
+        </p:txBody>
+      </p:sp>
+      <p:sp>
+        <p:nvSpPr>
+          <p:cNvPr id="31" name="CaixaDeTexto 30"/>
+          <p:cNvSpPr txBox="1"/>
+          <p:nvPr/>
+        </p:nvSpPr>
+        <p:spPr>
+          <a:xfrm>
+            <a:off x="2913028" y="3108416"/>
+            <a:ext cx="356188" cy="276999"/>
+          </a:xfrm>
+          <a:prstGeom prst="rect">
+            <a:avLst/>
+          </a:prstGeom>
+          <a:noFill/>
+        </p:spPr>
+        <p:txBody>
+          <a:bodyPr wrap="none" rtlCol="0">
+            <a:spAutoFit/>
+          </a:bodyPr>
+          <a:lstStyle/>
+          <a:p>
+            <a:r>
+              <a:rPr lang="pt-BR" sz="1200" dirty="0" smtClean="0"/>
+              <a:t>[5]</a:t>
+            </a:r>
+            <a:endParaRPr lang="pt-BR" sz="1200" dirty="0"/>
+          </a:p>
+        </p:txBody>
+      </p:sp>
+      <p:sp>
+        <p:nvSpPr>
+          <p:cNvPr id="32" name="CaixaDeTexto 31"/>
+          <p:cNvSpPr txBox="1"/>
+          <p:nvPr/>
+        </p:nvSpPr>
+        <p:spPr>
+          <a:xfrm>
+            <a:off x="2978340" y="1662017"/>
+            <a:ext cx="356188" cy="276999"/>
+          </a:xfrm>
+          <a:prstGeom prst="rect">
+            <a:avLst/>
+          </a:prstGeom>
+          <a:noFill/>
+        </p:spPr>
+        <p:txBody>
+          <a:bodyPr wrap="none" rtlCol="0">
+            <a:spAutoFit/>
+          </a:bodyPr>
+          <a:lstStyle/>
+          <a:p>
+            <a:r>
+              <a:rPr lang="pt-BR" sz="1200" dirty="0" smtClean="0"/>
+              <a:t>[6]</a:t>
+            </a:r>
+            <a:endParaRPr lang="pt-BR" sz="1200" dirty="0"/>
+          </a:p>
+        </p:txBody>
+      </p:sp>
+      <p:sp>
+        <p:nvSpPr>
+          <p:cNvPr id="33" name="CaixaDeTexto 32"/>
+          <p:cNvSpPr txBox="1"/>
+          <p:nvPr/>
+        </p:nvSpPr>
+        <p:spPr>
+          <a:xfrm>
+            <a:off x="1337923" y="1563770"/>
+            <a:ext cx="356188" cy="276999"/>
+          </a:xfrm>
+          <a:prstGeom prst="rect">
+            <a:avLst/>
+          </a:prstGeom>
+          <a:noFill/>
+        </p:spPr>
+        <p:txBody>
+          <a:bodyPr wrap="none" rtlCol="0">
+            <a:spAutoFit/>
+          </a:bodyPr>
+          <a:lstStyle/>
+          <a:p>
+            <a:r>
+              <a:rPr lang="pt-BR" sz="1200" dirty="0" smtClean="0"/>
+              <a:t>[7]</a:t>
+            </a:r>
+            <a:endParaRPr lang="pt-BR" sz="1200" dirty="0"/>
+          </a:p>
+        </p:txBody>
+      </p:sp>
+    </p:spTree>
+    <p:extLst>
+      <p:ext uri="{BB962C8B-B14F-4D97-AF65-F5344CB8AC3E}">
+        <p14:creationId xmlns:p14="http://schemas.microsoft.com/office/powerpoint/2010/main" val="4211378720"/>
+      </p:ext>
+    </p:extLst>
+  </p:cSld>
+  <p:clrMapOvr>
+    <a:masterClrMapping/>
+  </p:clrMapOvr>
+</p:sld>
+</file>
+
+<file path=ppt/slides/slide5.xml><?xml version="1.0" encoding="utf-8"?>
 <p:sld xmlns:a="http://schemas.openxmlformats.org/drawingml/2006/main" xmlns:r="http://schemas.openxmlformats.org/officeDocument/2006/relationships" xmlns:p="http://schemas.openxmlformats.org/presentationml/2006/main">
   <p:cSld>
     <p:spTree>
@@ -13039,7 +17757,7 @@
 </p:sld>
 </file>
 
-<file path=ppt/slides/slide4.xml><?xml version="1.0" encoding="utf-8"?>
+<file path=ppt/slides/slide6.xml><?xml version="1.0" encoding="utf-8"?>
 <p:sld xmlns:a="http://schemas.openxmlformats.org/drawingml/2006/main" xmlns:r="http://schemas.openxmlformats.org/officeDocument/2006/relationships" xmlns:p="http://schemas.openxmlformats.org/presentationml/2006/main">
   <p:cSld>
     <p:spTree>
@@ -13310,7 +18028,7 @@
 </p:sld>
 </file>
 
-<file path=ppt/slides/slide5.xml><?xml version="1.0" encoding="utf-8"?>
+<file path=ppt/slides/slide7.xml><?xml version="1.0" encoding="utf-8"?>
 <p:sld xmlns:a="http://schemas.openxmlformats.org/drawingml/2006/main" xmlns:r="http://schemas.openxmlformats.org/officeDocument/2006/relationships" xmlns:p="http://schemas.openxmlformats.org/presentationml/2006/main">
   <p:cSld>
     <p:spTree>
@@ -15109,7 +19827,7 @@
 </p:sld>
 </file>
 
-<file path=ppt/slides/slide6.xml><?xml version="1.0" encoding="utf-8"?>
+<file path=ppt/slides/slide8.xml><?xml version="1.0" encoding="utf-8"?>
 <p:sld xmlns:a="http://schemas.openxmlformats.org/drawingml/2006/main" xmlns:r="http://schemas.openxmlformats.org/officeDocument/2006/relationships" xmlns:p="http://schemas.openxmlformats.org/presentationml/2006/main">
   <p:cSld>
     <p:spTree>
@@ -19145,7 +23863,7 @@
 </p:sld>
 </file>
 
-<file path=ppt/slides/slide7.xml><?xml version="1.0" encoding="utf-8"?>
+<file path=ppt/slides/slide9.xml><?xml version="1.0" encoding="utf-8"?>
 <p:sld xmlns:a="http://schemas.openxmlformats.org/drawingml/2006/main" xmlns:r="http://schemas.openxmlformats.org/officeDocument/2006/relationships" xmlns:p="http://schemas.openxmlformats.org/presentationml/2006/main">
   <p:cSld>
     <p:spTree>
@@ -26405,800 +31123,6 @@
 </p:sld>
 </file>
 
-<file path=ppt/slides/slide8.xml><?xml version="1.0" encoding="utf-8"?>
-<p:sld xmlns:a="http://schemas.openxmlformats.org/drawingml/2006/main" xmlns:r="http://schemas.openxmlformats.org/officeDocument/2006/relationships" xmlns:p="http://schemas.openxmlformats.org/presentationml/2006/main">
-  <p:cSld>
-    <p:spTree>
-      <p:nvGrpSpPr>
-        <p:cNvPr id="1" name=""/>
-        <p:cNvGrpSpPr/>
-        <p:nvPr/>
-      </p:nvGrpSpPr>
-      <p:grpSpPr>
-        <a:xfrm>
-          <a:off x="0" y="0"/>
-          <a:ext cx="0" cy="0"/>
-          <a:chOff x="0" y="0"/>
-          <a:chExt cx="0" cy="0"/>
-        </a:xfrm>
-      </p:grpSpPr>
-      <p:pic>
-        <p:nvPicPr>
-          <p:cNvPr id="1027" name="Picture 3"/>
-          <p:cNvPicPr>
-            <a:picLocks noChangeAspect="1" noChangeArrowheads="1"/>
-          </p:cNvPicPr>
-          <p:nvPr/>
-        </p:nvPicPr>
-        <p:blipFill>
-          <a:blip r:embed="rId2">
-            <a:extLst>
-              <a:ext uri="{28A0092B-C50C-407E-A947-70E740481C1C}">
-                <a14:useLocalDpi xmlns:a14="http://schemas.microsoft.com/office/drawing/2010/main" val="0"/>
-              </a:ext>
-            </a:extLst>
-          </a:blip>
-          <a:srcRect/>
-          <a:stretch>
-            <a:fillRect/>
-          </a:stretch>
-        </p:blipFill>
-        <p:spPr bwMode="auto">
-          <a:xfrm>
-            <a:off x="1181781" y="35403"/>
-            <a:ext cx="2255383" cy="1711301"/>
-          </a:xfrm>
-          <a:prstGeom prst="rect">
-            <a:avLst/>
-          </a:prstGeom>
-          <a:noFill/>
-          <a:ln>
-            <a:noFill/>
-          </a:ln>
-          <a:extLst>
-            <a:ext uri="{909E8E84-426E-40DD-AFC4-6F175D3DCCD1}">
-              <a14:hiddenFill xmlns:a14="http://schemas.microsoft.com/office/drawing/2010/main">
-                <a:solidFill>
-                  <a:schemeClr val="accent1"/>
-                </a:solidFill>
-              </a14:hiddenFill>
-            </a:ext>
-            <a:ext uri="{91240B29-F687-4F45-9708-019B960494DF}">
-              <a14:hiddenLine xmlns:a14="http://schemas.microsoft.com/office/drawing/2010/main" w="9525">
-                <a:solidFill>
-                  <a:schemeClr val="tx1"/>
-                </a:solidFill>
-                <a:miter lim="800000"/>
-                <a:headEnd/>
-                <a:tailEnd/>
-              </a14:hiddenLine>
-            </a:ext>
-          </a:extLst>
-        </p:spPr>
-      </p:pic>
-      <p:pic>
-        <p:nvPicPr>
-          <p:cNvPr id="1028" name="Picture 4"/>
-          <p:cNvPicPr>
-            <a:picLocks noChangeAspect="1" noChangeArrowheads="1"/>
-          </p:cNvPicPr>
-          <p:nvPr/>
-        </p:nvPicPr>
-        <p:blipFill>
-          <a:blip r:embed="rId3">
-            <a:extLst>
-              <a:ext uri="{28A0092B-C50C-407E-A947-70E740481C1C}">
-                <a14:useLocalDpi xmlns:a14="http://schemas.microsoft.com/office/drawing/2010/main" val="0"/>
-              </a:ext>
-            </a:extLst>
-          </a:blip>
-          <a:srcRect/>
-          <a:stretch>
-            <a:fillRect/>
-          </a:stretch>
-        </p:blipFill>
-        <p:spPr bwMode="auto">
-          <a:xfrm>
-            <a:off x="3437164" y="35401"/>
-            <a:ext cx="2122371" cy="1711301"/>
-          </a:xfrm>
-          <a:prstGeom prst="rect">
-            <a:avLst/>
-          </a:prstGeom>
-          <a:noFill/>
-          <a:ln>
-            <a:noFill/>
-          </a:ln>
-          <a:extLst>
-            <a:ext uri="{909E8E84-426E-40DD-AFC4-6F175D3DCCD1}">
-              <a14:hiddenFill xmlns:a14="http://schemas.microsoft.com/office/drawing/2010/main">
-                <a:solidFill>
-                  <a:schemeClr val="accent1"/>
-                </a:solidFill>
-              </a14:hiddenFill>
-            </a:ext>
-            <a:ext uri="{91240B29-F687-4F45-9708-019B960494DF}">
-              <a14:hiddenLine xmlns:a14="http://schemas.microsoft.com/office/drawing/2010/main" w="9525">
-                <a:solidFill>
-                  <a:schemeClr val="tx1"/>
-                </a:solidFill>
-                <a:miter lim="800000"/>
-                <a:headEnd/>
-                <a:tailEnd/>
-              </a14:hiddenLine>
-            </a:ext>
-          </a:extLst>
-        </p:spPr>
-      </p:pic>
-      <p:pic>
-        <p:nvPicPr>
-          <p:cNvPr id="1029" name="Picture 5"/>
-          <p:cNvPicPr>
-            <a:picLocks noChangeAspect="1" noChangeArrowheads="1"/>
-          </p:cNvPicPr>
-          <p:nvPr/>
-        </p:nvPicPr>
-        <p:blipFill>
-          <a:blip r:embed="rId4">
-            <a:extLst>
-              <a:ext uri="{28A0092B-C50C-407E-A947-70E740481C1C}">
-                <a14:useLocalDpi xmlns:a14="http://schemas.microsoft.com/office/drawing/2010/main" val="0"/>
-              </a:ext>
-            </a:extLst>
-          </a:blip>
-          <a:srcRect/>
-          <a:stretch>
-            <a:fillRect/>
-          </a:stretch>
-        </p:blipFill>
-        <p:spPr bwMode="auto">
-          <a:xfrm>
-            <a:off x="1172597" y="1746702"/>
-            <a:ext cx="2255382" cy="1697350"/>
-          </a:xfrm>
-          <a:prstGeom prst="rect">
-            <a:avLst/>
-          </a:prstGeom>
-          <a:noFill/>
-          <a:ln>
-            <a:noFill/>
-          </a:ln>
-          <a:extLst>
-            <a:ext uri="{909E8E84-426E-40DD-AFC4-6F175D3DCCD1}">
-              <a14:hiddenFill xmlns:a14="http://schemas.microsoft.com/office/drawing/2010/main">
-                <a:solidFill>
-                  <a:schemeClr val="accent1"/>
-                </a:solidFill>
-              </a14:hiddenFill>
-            </a:ext>
-            <a:ext uri="{91240B29-F687-4F45-9708-019B960494DF}">
-              <a14:hiddenLine xmlns:a14="http://schemas.microsoft.com/office/drawing/2010/main" w="9525">
-                <a:solidFill>
-                  <a:schemeClr val="tx1"/>
-                </a:solidFill>
-                <a:miter lim="800000"/>
-                <a:headEnd/>
-                <a:tailEnd/>
-              </a14:hiddenLine>
-            </a:ext>
-          </a:extLst>
-        </p:spPr>
-      </p:pic>
-      <p:pic>
-        <p:nvPicPr>
-          <p:cNvPr id="1030" name="Picture 6"/>
-          <p:cNvPicPr>
-            <a:picLocks noChangeAspect="1" noChangeArrowheads="1"/>
-          </p:cNvPicPr>
-          <p:nvPr/>
-        </p:nvPicPr>
-        <p:blipFill>
-          <a:blip r:embed="rId5">
-            <a:extLst>
-              <a:ext uri="{28A0092B-C50C-407E-A947-70E740481C1C}">
-                <a14:useLocalDpi xmlns:a14="http://schemas.microsoft.com/office/drawing/2010/main" val="0"/>
-              </a:ext>
-            </a:extLst>
-          </a:blip>
-          <a:srcRect/>
-          <a:stretch>
-            <a:fillRect/>
-          </a:stretch>
-        </p:blipFill>
-        <p:spPr bwMode="auto">
-          <a:xfrm>
-            <a:off x="3437164" y="1746705"/>
-            <a:ext cx="2096466" cy="1697348"/>
-          </a:xfrm>
-          <a:prstGeom prst="rect">
-            <a:avLst/>
-          </a:prstGeom>
-          <a:noFill/>
-          <a:ln>
-            <a:noFill/>
-          </a:ln>
-          <a:extLst>
-            <a:ext uri="{909E8E84-426E-40DD-AFC4-6F175D3DCCD1}">
-              <a14:hiddenFill xmlns:a14="http://schemas.microsoft.com/office/drawing/2010/main">
-                <a:solidFill>
-                  <a:schemeClr val="accent1"/>
-                </a:solidFill>
-              </a14:hiddenFill>
-            </a:ext>
-            <a:ext uri="{91240B29-F687-4F45-9708-019B960494DF}">
-              <a14:hiddenLine xmlns:a14="http://schemas.microsoft.com/office/drawing/2010/main" w="9525">
-                <a:solidFill>
-                  <a:schemeClr val="tx1"/>
-                </a:solidFill>
-                <a:miter lim="800000"/>
-                <a:headEnd/>
-                <a:tailEnd/>
-              </a14:hiddenLine>
-            </a:ext>
-          </a:extLst>
-        </p:spPr>
-      </p:pic>
-      <p:pic>
-        <p:nvPicPr>
-          <p:cNvPr id="1031" name="Picture 7"/>
-          <p:cNvPicPr>
-            <a:picLocks noChangeAspect="1" noChangeArrowheads="1"/>
-          </p:cNvPicPr>
-          <p:nvPr/>
-        </p:nvPicPr>
-        <p:blipFill>
-          <a:blip r:embed="rId6">
-            <a:extLst>
-              <a:ext uri="{28A0092B-C50C-407E-A947-70E740481C1C}">
-                <a14:useLocalDpi xmlns:a14="http://schemas.microsoft.com/office/drawing/2010/main" val="0"/>
-              </a:ext>
-            </a:extLst>
-          </a:blip>
-          <a:srcRect/>
-          <a:stretch>
-            <a:fillRect/>
-          </a:stretch>
-        </p:blipFill>
-        <p:spPr bwMode="auto">
-          <a:xfrm>
-            <a:off x="1181792" y="3437165"/>
-            <a:ext cx="2255372" cy="1751065"/>
-          </a:xfrm>
-          <a:prstGeom prst="rect">
-            <a:avLst/>
-          </a:prstGeom>
-          <a:noFill/>
-          <a:ln>
-            <a:noFill/>
-          </a:ln>
-          <a:extLst>
-            <a:ext uri="{909E8E84-426E-40DD-AFC4-6F175D3DCCD1}">
-              <a14:hiddenFill xmlns:a14="http://schemas.microsoft.com/office/drawing/2010/main">
-                <a:solidFill>
-                  <a:schemeClr val="accent1"/>
-                </a:solidFill>
-              </a14:hiddenFill>
-            </a:ext>
-            <a:ext uri="{91240B29-F687-4F45-9708-019B960494DF}">
-              <a14:hiddenLine xmlns:a14="http://schemas.microsoft.com/office/drawing/2010/main" w="9525">
-                <a:solidFill>
-                  <a:schemeClr val="tx1"/>
-                </a:solidFill>
-                <a:miter lim="800000"/>
-                <a:headEnd/>
-                <a:tailEnd/>
-              </a14:hiddenLine>
-            </a:ext>
-          </a:extLst>
-        </p:spPr>
-      </p:pic>
-      <p:pic>
-        <p:nvPicPr>
-          <p:cNvPr id="1032" name="Picture 8"/>
-          <p:cNvPicPr>
-            <a:picLocks noChangeAspect="1" noChangeArrowheads="1"/>
-          </p:cNvPicPr>
-          <p:nvPr/>
-        </p:nvPicPr>
-        <p:blipFill>
-          <a:blip r:embed="rId7">
-            <a:extLst>
-              <a:ext uri="{28A0092B-C50C-407E-A947-70E740481C1C}">
-                <a14:useLocalDpi xmlns:a14="http://schemas.microsoft.com/office/drawing/2010/main" val="0"/>
-              </a:ext>
-            </a:extLst>
-          </a:blip>
-          <a:srcRect/>
-          <a:stretch>
-            <a:fillRect/>
-          </a:stretch>
-        </p:blipFill>
-        <p:spPr bwMode="auto">
-          <a:xfrm>
-            <a:off x="3437164" y="3490347"/>
-            <a:ext cx="2096466" cy="1697562"/>
-          </a:xfrm>
-          <a:prstGeom prst="rect">
-            <a:avLst/>
-          </a:prstGeom>
-          <a:noFill/>
-          <a:ln>
-            <a:noFill/>
-          </a:ln>
-          <a:extLst>
-            <a:ext uri="{909E8E84-426E-40DD-AFC4-6F175D3DCCD1}">
-              <a14:hiddenFill xmlns:a14="http://schemas.microsoft.com/office/drawing/2010/main">
-                <a:solidFill>
-                  <a:schemeClr val="accent1"/>
-                </a:solidFill>
-              </a14:hiddenFill>
-            </a:ext>
-            <a:ext uri="{91240B29-F687-4F45-9708-019B960494DF}">
-              <a14:hiddenLine xmlns:a14="http://schemas.microsoft.com/office/drawing/2010/main" w="9525">
-                <a:solidFill>
-                  <a:schemeClr val="tx1"/>
-                </a:solidFill>
-                <a:miter lim="800000"/>
-                <a:headEnd/>
-                <a:tailEnd/>
-              </a14:hiddenLine>
-            </a:ext>
-          </a:extLst>
-        </p:spPr>
-      </p:pic>
-      <p:pic>
-        <p:nvPicPr>
-          <p:cNvPr id="1033" name="Picture 9"/>
-          <p:cNvPicPr>
-            <a:picLocks noChangeAspect="1" noChangeArrowheads="1"/>
-          </p:cNvPicPr>
-          <p:nvPr/>
-        </p:nvPicPr>
-        <p:blipFill>
-          <a:blip r:embed="rId8">
-            <a:extLst>
-              <a:ext uri="{28A0092B-C50C-407E-A947-70E740481C1C}">
-                <a14:useLocalDpi xmlns:a14="http://schemas.microsoft.com/office/drawing/2010/main" val="0"/>
-              </a:ext>
-            </a:extLst>
-          </a:blip>
-          <a:srcRect/>
-          <a:stretch>
-            <a:fillRect/>
-          </a:stretch>
-        </p:blipFill>
-        <p:spPr bwMode="auto">
-          <a:xfrm>
-            <a:off x="1181792" y="5078186"/>
-            <a:ext cx="2313286" cy="1779814"/>
-          </a:xfrm>
-          <a:prstGeom prst="rect">
-            <a:avLst/>
-          </a:prstGeom>
-          <a:noFill/>
-          <a:ln>
-            <a:noFill/>
-          </a:ln>
-          <a:extLst>
-            <a:ext uri="{909E8E84-426E-40DD-AFC4-6F175D3DCCD1}">
-              <a14:hiddenFill xmlns:a14="http://schemas.microsoft.com/office/drawing/2010/main">
-                <a:solidFill>
-                  <a:schemeClr val="accent1"/>
-                </a:solidFill>
-              </a14:hiddenFill>
-            </a:ext>
-            <a:ext uri="{91240B29-F687-4F45-9708-019B960494DF}">
-              <a14:hiddenLine xmlns:a14="http://schemas.microsoft.com/office/drawing/2010/main" w="9525">
-                <a:solidFill>
-                  <a:schemeClr val="tx1"/>
-                </a:solidFill>
-                <a:miter lim="800000"/>
-                <a:headEnd/>
-                <a:tailEnd/>
-              </a14:hiddenLine>
-            </a:ext>
-          </a:extLst>
-        </p:spPr>
-      </p:pic>
-      <p:pic>
-        <p:nvPicPr>
-          <p:cNvPr id="1034" name="Picture 10"/>
-          <p:cNvPicPr>
-            <a:picLocks noChangeAspect="1" noChangeArrowheads="1"/>
-          </p:cNvPicPr>
-          <p:nvPr/>
-        </p:nvPicPr>
-        <p:blipFill>
-          <a:blip r:embed="rId9">
-            <a:extLst>
-              <a:ext uri="{28A0092B-C50C-407E-A947-70E740481C1C}">
-                <a14:useLocalDpi xmlns:a14="http://schemas.microsoft.com/office/drawing/2010/main" val="0"/>
-              </a:ext>
-            </a:extLst>
-          </a:blip>
-          <a:srcRect/>
-          <a:stretch>
-            <a:fillRect/>
-          </a:stretch>
-        </p:blipFill>
-        <p:spPr bwMode="auto">
-          <a:xfrm>
-            <a:off x="3454261" y="5212722"/>
-            <a:ext cx="2049246" cy="1615339"/>
-          </a:xfrm>
-          <a:prstGeom prst="rect">
-            <a:avLst/>
-          </a:prstGeom>
-          <a:noFill/>
-          <a:ln>
-            <a:noFill/>
-          </a:ln>
-          <a:extLst>
-            <a:ext uri="{909E8E84-426E-40DD-AFC4-6F175D3DCCD1}">
-              <a14:hiddenFill xmlns:a14="http://schemas.microsoft.com/office/drawing/2010/main">
-                <a:solidFill>
-                  <a:schemeClr val="accent1"/>
-                </a:solidFill>
-              </a14:hiddenFill>
-            </a:ext>
-            <a:ext uri="{91240B29-F687-4F45-9708-019B960494DF}">
-              <a14:hiddenLine xmlns:a14="http://schemas.microsoft.com/office/drawing/2010/main" w="9525">
-                <a:solidFill>
-                  <a:schemeClr val="tx1"/>
-                </a:solidFill>
-                <a:miter lim="800000"/>
-                <a:headEnd/>
-                <a:tailEnd/>
-              </a14:hiddenLine>
-            </a:ext>
-          </a:extLst>
-        </p:spPr>
-      </p:pic>
-      <p:sp>
-        <p:nvSpPr>
-          <p:cNvPr id="4" name="CaixaDeTexto 3"/>
-          <p:cNvSpPr txBox="1"/>
-          <p:nvPr/>
-        </p:nvSpPr>
-        <p:spPr>
-          <a:xfrm>
-            <a:off x="5463473" y="429590"/>
-            <a:ext cx="780983" cy="738664"/>
-          </a:xfrm>
-          <a:prstGeom prst="rect">
-            <a:avLst/>
-          </a:prstGeom>
-          <a:noFill/>
-        </p:spPr>
-        <p:txBody>
-          <a:bodyPr wrap="none" rtlCol="0">
-            <a:spAutoFit/>
-          </a:bodyPr>
-          <a:lstStyle/>
-          <a:p>
-            <a:pPr algn="ctr"/>
-            <a:r>
-              <a:rPr lang="pt-BR" sz="1400" dirty="0" smtClean="0"/>
-              <a:t>sample</a:t>
-            </a:r>
-          </a:p>
-          <a:p>
-            <a:pPr algn="ctr"/>
-            <a:r>
-              <a:rPr lang="pt-BR" sz="1400" dirty="0" smtClean="0"/>
-              <a:t>spacing:</a:t>
-            </a:r>
-          </a:p>
-          <a:p>
-            <a:pPr algn="ctr"/>
-            <a:r>
-              <a:rPr lang="pt-BR" sz="1400" dirty="0" smtClean="0"/>
-              <a:t>0.0</a:t>
-            </a:r>
-            <a:endParaRPr lang="pt-BR" sz="1400" dirty="0"/>
-          </a:p>
-        </p:txBody>
-      </p:sp>
-      <p:sp>
-        <p:nvSpPr>
-          <p:cNvPr id="14" name="CaixaDeTexto 13"/>
-          <p:cNvSpPr txBox="1"/>
-          <p:nvPr/>
-        </p:nvSpPr>
-        <p:spPr>
-          <a:xfrm>
-            <a:off x="5485248" y="2157697"/>
-            <a:ext cx="780983" cy="738664"/>
-          </a:xfrm>
-          <a:prstGeom prst="rect">
-            <a:avLst/>
-          </a:prstGeom>
-          <a:noFill/>
-        </p:spPr>
-        <p:txBody>
-          <a:bodyPr wrap="none" rtlCol="0">
-            <a:spAutoFit/>
-          </a:bodyPr>
-          <a:lstStyle/>
-          <a:p>
-            <a:pPr algn="ctr"/>
-            <a:r>
-              <a:rPr lang="pt-BR" sz="1400" dirty="0" smtClean="0"/>
-              <a:t>sample</a:t>
-            </a:r>
-          </a:p>
-          <a:p>
-            <a:pPr algn="ctr"/>
-            <a:r>
-              <a:rPr lang="pt-BR" sz="1400" dirty="0" smtClean="0"/>
-              <a:t>spacing:</a:t>
-            </a:r>
-          </a:p>
-          <a:p>
-            <a:pPr algn="ctr"/>
-            <a:r>
-              <a:rPr lang="pt-BR" sz="1400" dirty="0" smtClean="0"/>
-              <a:t>2.0</a:t>
-            </a:r>
-            <a:endParaRPr lang="pt-BR" sz="1400" dirty="0"/>
-          </a:p>
-        </p:txBody>
-      </p:sp>
-      <p:sp>
-        <p:nvSpPr>
-          <p:cNvPr id="15" name="CaixaDeTexto 14"/>
-          <p:cNvSpPr txBox="1"/>
-          <p:nvPr/>
-        </p:nvSpPr>
-        <p:spPr>
-          <a:xfrm>
-            <a:off x="5524842" y="3831376"/>
-            <a:ext cx="780983" cy="738664"/>
-          </a:xfrm>
-          <a:prstGeom prst="rect">
-            <a:avLst/>
-          </a:prstGeom>
-          <a:noFill/>
-        </p:spPr>
-        <p:txBody>
-          <a:bodyPr wrap="none" rtlCol="0">
-            <a:spAutoFit/>
-          </a:bodyPr>
-          <a:lstStyle/>
-          <a:p>
-            <a:pPr algn="ctr"/>
-            <a:r>
-              <a:rPr lang="pt-BR" sz="1400" dirty="0" smtClean="0"/>
-              <a:t>sample</a:t>
-            </a:r>
-          </a:p>
-          <a:p>
-            <a:pPr algn="ctr"/>
-            <a:r>
-              <a:rPr lang="pt-BR" sz="1400" dirty="0" smtClean="0"/>
-              <a:t>spacing:</a:t>
-            </a:r>
-          </a:p>
-          <a:p>
-            <a:pPr algn="ctr"/>
-            <a:r>
-              <a:rPr lang="pt-BR" sz="1400" dirty="0" smtClean="0"/>
-              <a:t>3.0</a:t>
-            </a:r>
-            <a:endParaRPr lang="pt-BR" sz="1400" dirty="0"/>
-          </a:p>
-        </p:txBody>
-      </p:sp>
-      <p:sp>
-        <p:nvSpPr>
-          <p:cNvPr id="16" name="CaixaDeTexto 15"/>
-          <p:cNvSpPr txBox="1"/>
-          <p:nvPr/>
-        </p:nvSpPr>
-        <p:spPr>
-          <a:xfrm>
-            <a:off x="5524842" y="5651059"/>
-            <a:ext cx="780983" cy="738664"/>
-          </a:xfrm>
-          <a:prstGeom prst="rect">
-            <a:avLst/>
-          </a:prstGeom>
-          <a:noFill/>
-        </p:spPr>
-        <p:txBody>
-          <a:bodyPr wrap="none" rtlCol="0">
-            <a:spAutoFit/>
-          </a:bodyPr>
-          <a:lstStyle/>
-          <a:p>
-            <a:pPr algn="ctr"/>
-            <a:r>
-              <a:rPr lang="pt-BR" sz="1400" dirty="0" smtClean="0"/>
-              <a:t>sample</a:t>
-            </a:r>
-          </a:p>
-          <a:p>
-            <a:pPr algn="ctr"/>
-            <a:r>
-              <a:rPr lang="pt-BR" sz="1400" dirty="0" smtClean="0"/>
-              <a:t>spacing:</a:t>
-            </a:r>
-          </a:p>
-          <a:p>
-            <a:pPr algn="ctr"/>
-            <a:r>
-              <a:rPr lang="pt-BR" sz="1400" dirty="0" smtClean="0"/>
-              <a:t>4.0</a:t>
-            </a:r>
-            <a:endParaRPr lang="pt-BR" sz="1400" dirty="0"/>
-          </a:p>
-        </p:txBody>
-      </p:sp>
-    </p:spTree>
-    <p:extLst>
-      <p:ext uri="{BB962C8B-B14F-4D97-AF65-F5344CB8AC3E}">
-        <p14:creationId xmlns:p14="http://schemas.microsoft.com/office/powerpoint/2010/main" val="275650194"/>
-      </p:ext>
-    </p:extLst>
-  </p:cSld>
-  <p:clrMapOvr>
-    <a:masterClrMapping/>
-  </p:clrMapOvr>
-  <p:timing>
-    <p:tnLst>
-      <p:par>
-        <p:cTn id="1" dur="indefinite" restart="never" nodeType="tmRoot"/>
-      </p:par>
-    </p:tnLst>
-  </p:timing>
-</p:sld>
-</file>
-
-<file path=ppt/slides/slide9.xml><?xml version="1.0" encoding="utf-8"?>
-<p:sld xmlns:a="http://schemas.openxmlformats.org/drawingml/2006/main" xmlns:r="http://schemas.openxmlformats.org/officeDocument/2006/relationships" xmlns:p="http://schemas.openxmlformats.org/presentationml/2006/main">
-  <p:cSld>
-    <p:spTree>
-      <p:nvGrpSpPr>
-        <p:cNvPr id="1" name=""/>
-        <p:cNvGrpSpPr/>
-        <p:nvPr/>
-      </p:nvGrpSpPr>
-      <p:grpSpPr>
-        <a:xfrm>
-          <a:off x="0" y="0"/>
-          <a:ext cx="0" cy="0"/>
-          <a:chOff x="0" y="0"/>
-          <a:chExt cx="0" cy="0"/>
-        </a:xfrm>
-      </p:grpSpPr>
-      <p:pic>
-        <p:nvPicPr>
-          <p:cNvPr id="2050" name="Picture 2"/>
-          <p:cNvPicPr>
-            <a:picLocks noChangeAspect="1" noChangeArrowheads="1"/>
-          </p:cNvPicPr>
-          <p:nvPr/>
-        </p:nvPicPr>
-        <p:blipFill>
-          <a:blip r:embed="rId2">
-            <a:extLst>
-              <a:ext uri="{28A0092B-C50C-407E-A947-70E740481C1C}">
-                <a14:useLocalDpi xmlns:a14="http://schemas.microsoft.com/office/drawing/2010/main" val="0"/>
-              </a:ext>
-            </a:extLst>
-          </a:blip>
-          <a:srcRect/>
-          <a:stretch>
-            <a:fillRect/>
-          </a:stretch>
-        </p:blipFill>
-        <p:spPr bwMode="auto">
-          <a:xfrm>
-            <a:off x="1950585" y="1259341"/>
-            <a:ext cx="3343275" cy="3686175"/>
-          </a:xfrm>
-          <a:prstGeom prst="rect">
-            <a:avLst/>
-          </a:prstGeom>
-          <a:noFill/>
-          <a:ln>
-            <a:noFill/>
-          </a:ln>
-          <a:extLst>
-            <a:ext uri="{909E8E84-426E-40DD-AFC4-6F175D3DCCD1}">
-              <a14:hiddenFill xmlns:a14="http://schemas.microsoft.com/office/drawing/2010/main">
-                <a:solidFill>
-                  <a:schemeClr val="accent1"/>
-                </a:solidFill>
-              </a14:hiddenFill>
-            </a:ext>
-            <a:ext uri="{91240B29-F687-4F45-9708-019B960494DF}">
-              <a14:hiddenLine xmlns:a14="http://schemas.microsoft.com/office/drawing/2010/main" w="9525">
-                <a:solidFill>
-                  <a:schemeClr val="tx1"/>
-                </a:solidFill>
-                <a:miter lim="800000"/>
-                <a:headEnd/>
-                <a:tailEnd/>
-              </a14:hiddenLine>
-            </a:ext>
-          </a:extLst>
-        </p:spPr>
-      </p:pic>
-      <p:pic>
-        <p:nvPicPr>
-          <p:cNvPr id="2051" name="Picture 3"/>
-          <p:cNvPicPr>
-            <a:picLocks noChangeAspect="1" noChangeArrowheads="1"/>
-          </p:cNvPicPr>
-          <p:nvPr/>
-        </p:nvPicPr>
-        <p:blipFill>
-          <a:blip r:embed="rId3">
-            <a:extLst>
-              <a:ext uri="{28A0092B-C50C-407E-A947-70E740481C1C}">
-                <a14:useLocalDpi xmlns:a14="http://schemas.microsoft.com/office/drawing/2010/main" val="0"/>
-              </a:ext>
-            </a:extLst>
-          </a:blip>
-          <a:srcRect/>
-          <a:stretch>
-            <a:fillRect/>
-          </a:stretch>
-        </p:blipFill>
-        <p:spPr bwMode="auto">
-          <a:xfrm>
-            <a:off x="5248967" y="1289282"/>
-            <a:ext cx="4600575" cy="3609975"/>
-          </a:xfrm>
-          <a:prstGeom prst="rect">
-            <a:avLst/>
-          </a:prstGeom>
-          <a:noFill/>
-          <a:ln>
-            <a:noFill/>
-          </a:ln>
-          <a:extLst>
-            <a:ext uri="{909E8E84-426E-40DD-AFC4-6F175D3DCCD1}">
-              <a14:hiddenFill xmlns:a14="http://schemas.microsoft.com/office/drawing/2010/main">
-                <a:solidFill>
-                  <a:schemeClr val="accent1"/>
-                </a:solidFill>
-              </a14:hiddenFill>
-            </a:ext>
-            <a:ext uri="{91240B29-F687-4F45-9708-019B960494DF}">
-              <a14:hiddenLine xmlns:a14="http://schemas.microsoft.com/office/drawing/2010/main" w="9525">
-                <a:solidFill>
-                  <a:schemeClr val="tx1"/>
-                </a:solidFill>
-                <a:miter lim="800000"/>
-                <a:headEnd/>
-                <a:tailEnd/>
-              </a14:hiddenLine>
-            </a:ext>
-          </a:extLst>
-        </p:spPr>
-      </p:pic>
-    </p:spTree>
-    <p:extLst>
-      <p:ext uri="{BB962C8B-B14F-4D97-AF65-F5344CB8AC3E}">
-        <p14:creationId xmlns:p14="http://schemas.microsoft.com/office/powerpoint/2010/main" val="3658310469"/>
-      </p:ext>
-    </p:extLst>
-  </p:cSld>
-  <p:clrMapOvr>
-    <a:masterClrMapping/>
-  </p:clrMapOvr>
-  <p:timing>
-    <p:tnLst>
-      <p:par>
-        <p:cTn id="1" dur="indefinite" restart="never" nodeType="tmRoot"/>
-      </p:par>
-    </p:tnLst>
-  </p:timing>
-</p:sld>
-</file>
-
 <file path=ppt/theme/theme1.xml><?xml version="1.0" encoding="utf-8"?>
 <a:theme xmlns:a="http://schemas.openxmlformats.org/drawingml/2006/main" name="Tema do Office">
   <a:themeElements>
@@ -27454,7 +31378,7 @@
   <a:extraClrSchemeLst/>
   <a:extLst>
     <a:ext uri="{05A4C25C-085E-4340-85A3-A5531E510DB2}">
-      <thm15:themeFamily xmlns="" xmlns:thm15="http://schemas.microsoft.com/office/thememl/2012/main" name="Office Theme" id="{62F939B6-93AF-4DB8-9C6B-D6C7DFDC589F}" vid="{4A3C46E8-61CC-4603-A589-7422A47A8E4A}"/>
+      <thm15:themeFamily xmlns:thm15="http://schemas.microsoft.com/office/thememl/2012/main" xmlns="" name="Office Theme" id="{62F939B6-93AF-4DB8-9C6B-D6C7DFDC589F}" vid="{4A3C46E8-61CC-4603-A589-7422A47A8E4A}"/>
     </a:ext>
   </a:extLst>
 </a:theme>

--- a/docs/figures.pptx
+++ b/docs/figures.pptx
@@ -16,6 +16,10 @@
     <p:sldId id="261" r:id="rId10"/>
     <p:sldId id="262" r:id="rId11"/>
     <p:sldId id="263" r:id="rId12"/>
+    <p:sldId id="268" r:id="rId13"/>
+    <p:sldId id="269" r:id="rId14"/>
+    <p:sldId id="270" r:id="rId15"/>
+    <p:sldId id="271" r:id="rId16"/>
   </p:sldIdLst>
   <p:sldSz cx="12192000" cy="6858000"/>
   <p:notesSz cx="6858000" cy="9144000"/>
@@ -116,7 +120,18 @@
   </p:defaultTextStyle>
   <p:extLst>
     <p:ext uri="{EFAFB233-063F-42B5-8137-9DF3F51BA10A}">
-      <p15:sldGuideLst xmlns:p15="http://schemas.microsoft.com/office/powerpoint/2012/main" xmlns=""/>
+      <p15:sldGuideLst xmlns:p15="http://schemas.microsoft.com/office/powerpoint/2012/main">
+        <p15:guide id="1" orient="horz" pos="2160">
+          <p15:clr>
+            <a:srgbClr val="A4A3A4"/>
+          </p15:clr>
+        </p15:guide>
+        <p15:guide id="2" pos="3840">
+          <p15:clr>
+            <a:srgbClr val="A4A3A4"/>
+          </p15:clr>
+        </p15:guide>
+      </p15:sldGuideLst>
     </p:ext>
   </p:extLst>
 </p:presentation>
@@ -253,7 +268,7 @@
           <a:p>
             <a:fld id="{5827CF75-21ED-4285-9C22-184A8788EFA2}" type="datetimeFigureOut">
               <a:rPr lang="pt-BR" smtClean="0"/>
-              <a:t>05/10/2018</a:t>
+              <a:t>24/11/2018</a:t>
             </a:fld>
             <a:endParaRPr lang="pt-BR"/>
           </a:p>
@@ -423,7 +438,7 @@
           <a:p>
             <a:fld id="{5827CF75-21ED-4285-9C22-184A8788EFA2}" type="datetimeFigureOut">
               <a:rPr lang="pt-BR" smtClean="0"/>
-              <a:t>05/10/2018</a:t>
+              <a:t>24/11/2018</a:t>
             </a:fld>
             <a:endParaRPr lang="pt-BR"/>
           </a:p>
@@ -603,7 +618,7 @@
           <a:p>
             <a:fld id="{5827CF75-21ED-4285-9C22-184A8788EFA2}" type="datetimeFigureOut">
               <a:rPr lang="pt-BR" smtClean="0"/>
-              <a:t>05/10/2018</a:t>
+              <a:t>24/11/2018</a:t>
             </a:fld>
             <a:endParaRPr lang="pt-BR"/>
           </a:p>
@@ -773,7 +788,7 @@
           <a:p>
             <a:fld id="{5827CF75-21ED-4285-9C22-184A8788EFA2}" type="datetimeFigureOut">
               <a:rPr lang="pt-BR" smtClean="0"/>
-              <a:t>05/10/2018</a:t>
+              <a:t>24/11/2018</a:t>
             </a:fld>
             <a:endParaRPr lang="pt-BR"/>
           </a:p>
@@ -1019,7 +1034,7 @@
           <a:p>
             <a:fld id="{5827CF75-21ED-4285-9C22-184A8788EFA2}" type="datetimeFigureOut">
               <a:rPr lang="pt-BR" smtClean="0"/>
-              <a:t>05/10/2018</a:t>
+              <a:t>24/11/2018</a:t>
             </a:fld>
             <a:endParaRPr lang="pt-BR"/>
           </a:p>
@@ -1251,7 +1266,7 @@
           <a:p>
             <a:fld id="{5827CF75-21ED-4285-9C22-184A8788EFA2}" type="datetimeFigureOut">
               <a:rPr lang="pt-BR" smtClean="0"/>
-              <a:t>05/10/2018</a:t>
+              <a:t>24/11/2018</a:t>
             </a:fld>
             <a:endParaRPr lang="pt-BR"/>
           </a:p>
@@ -1618,7 +1633,7 @@
           <a:p>
             <a:fld id="{5827CF75-21ED-4285-9C22-184A8788EFA2}" type="datetimeFigureOut">
               <a:rPr lang="pt-BR" smtClean="0"/>
-              <a:t>05/10/2018</a:t>
+              <a:t>24/11/2018</a:t>
             </a:fld>
             <a:endParaRPr lang="pt-BR"/>
           </a:p>
@@ -1736,7 +1751,7 @@
           <a:p>
             <a:fld id="{5827CF75-21ED-4285-9C22-184A8788EFA2}" type="datetimeFigureOut">
               <a:rPr lang="pt-BR" smtClean="0"/>
-              <a:t>05/10/2018</a:t>
+              <a:t>24/11/2018</a:t>
             </a:fld>
             <a:endParaRPr lang="pt-BR"/>
           </a:p>
@@ -1831,7 +1846,7 @@
           <a:p>
             <a:fld id="{5827CF75-21ED-4285-9C22-184A8788EFA2}" type="datetimeFigureOut">
               <a:rPr lang="pt-BR" smtClean="0"/>
-              <a:t>05/10/2018</a:t>
+              <a:t>24/11/2018</a:t>
             </a:fld>
             <a:endParaRPr lang="pt-BR"/>
           </a:p>
@@ -2108,7 +2123,7 @@
           <a:p>
             <a:fld id="{5827CF75-21ED-4285-9C22-184A8788EFA2}" type="datetimeFigureOut">
               <a:rPr lang="pt-BR" smtClean="0"/>
-              <a:t>05/10/2018</a:t>
+              <a:t>24/11/2018</a:t>
             </a:fld>
             <a:endParaRPr lang="pt-BR"/>
           </a:p>
@@ -2361,7 +2376,7 @@
           <a:p>
             <a:fld id="{5827CF75-21ED-4285-9C22-184A8788EFA2}" type="datetimeFigureOut">
               <a:rPr lang="pt-BR" smtClean="0"/>
-              <a:t>05/10/2018</a:t>
+              <a:t>24/11/2018</a:t>
             </a:fld>
             <a:endParaRPr lang="pt-BR"/>
           </a:p>
@@ -2574,7 +2589,7 @@
           <a:p>
             <a:fld id="{5827CF75-21ED-4285-9C22-184A8788EFA2}" type="datetimeFigureOut">
               <a:rPr lang="pt-BR" smtClean="0"/>
-              <a:t>05/10/2018</a:t>
+              <a:t>24/11/2018</a:t>
             </a:fld>
             <a:endParaRPr lang="pt-BR"/>
           </a:p>
@@ -4862,6 +4877,822 @@
 </p:sld>
 </file>
 
+<file path=ppt/slides/slide12.xml><?xml version="1.0" encoding="utf-8"?>
+<p:sld xmlns:a="http://schemas.openxmlformats.org/drawingml/2006/main" xmlns:r="http://schemas.openxmlformats.org/officeDocument/2006/relationships" xmlns:p="http://schemas.openxmlformats.org/presentationml/2006/main">
+  <p:cSld>
+    <p:spTree>
+      <p:nvGrpSpPr>
+        <p:cNvPr id="1" name=""/>
+        <p:cNvGrpSpPr/>
+        <p:nvPr/>
+      </p:nvGrpSpPr>
+      <p:grpSpPr>
+        <a:xfrm>
+          <a:off x="0" y="0"/>
+          <a:ext cx="0" cy="0"/>
+          <a:chOff x="0" y="0"/>
+          <a:chExt cx="0" cy="0"/>
+        </a:xfrm>
+      </p:grpSpPr>
+      <p:pic>
+        <p:nvPicPr>
+          <p:cNvPr id="80" name="Imagem 79"/>
+          <p:cNvPicPr>
+            <a:picLocks noChangeAspect="1"/>
+          </p:cNvPicPr>
+          <p:nvPr/>
+        </p:nvPicPr>
+        <p:blipFill>
+          <a:blip r:embed="rId2">
+            <a:clrChange>
+              <a:clrFrom>
+                <a:srgbClr val="FEFFFC"/>
+              </a:clrFrom>
+              <a:clrTo>
+                <a:srgbClr val="FEFFFC">
+                  <a:alpha val="0"/>
+                </a:srgbClr>
+              </a:clrTo>
+            </a:clrChange>
+          </a:blip>
+          <a:stretch>
+            <a:fillRect/>
+          </a:stretch>
+        </p:blipFill>
+        <p:spPr>
+          <a:xfrm>
+            <a:off x="2567608" y="942976"/>
+            <a:ext cx="3352800" cy="2486025"/>
+          </a:xfrm>
+          <a:prstGeom prst="rect">
+            <a:avLst/>
+          </a:prstGeom>
+        </p:spPr>
+      </p:pic>
+      <p:cxnSp>
+        <p:nvCxnSpPr>
+          <p:cNvPr id="81" name="Conector de seta reta 80"/>
+          <p:cNvCxnSpPr/>
+          <p:nvPr/>
+        </p:nvCxnSpPr>
+        <p:spPr>
+          <a:xfrm>
+            <a:off x="2423592" y="3429000"/>
+            <a:ext cx="3672408" cy="0"/>
+          </a:xfrm>
+          <a:prstGeom prst="straightConnector1">
+            <a:avLst/>
+          </a:prstGeom>
+          <a:ln>
+            <a:solidFill>
+              <a:schemeClr val="tx1"/>
+            </a:solidFill>
+            <a:tailEnd type="triangle" w="med" len="lg"/>
+          </a:ln>
+        </p:spPr>
+        <p:style>
+          <a:lnRef idx="1">
+            <a:schemeClr val="accent1"/>
+          </a:lnRef>
+          <a:fillRef idx="0">
+            <a:schemeClr val="accent1"/>
+          </a:fillRef>
+          <a:effectRef idx="0">
+            <a:schemeClr val="accent1"/>
+          </a:effectRef>
+          <a:fontRef idx="minor">
+            <a:schemeClr val="tx1"/>
+          </a:fontRef>
+        </p:style>
+      </p:cxnSp>
+      <p:sp>
+        <p:nvSpPr>
+          <p:cNvPr id="83" name="CaixaDeTexto 82"/>
+          <p:cNvSpPr txBox="1"/>
+          <p:nvPr/>
+        </p:nvSpPr>
+        <p:spPr>
+          <a:xfrm>
+            <a:off x="5852853" y="3417936"/>
+            <a:ext cx="284052" cy="369332"/>
+          </a:xfrm>
+          <a:prstGeom prst="rect">
+            <a:avLst/>
+          </a:prstGeom>
+          <a:noFill/>
+        </p:spPr>
+        <p:txBody>
+          <a:bodyPr wrap="none" rtlCol="0">
+            <a:spAutoFit/>
+          </a:bodyPr>
+          <a:lstStyle/>
+          <a:p>
+            <a:r>
+              <a:rPr lang="pt-BR" dirty="0"/>
+              <a:t>x</a:t>
+            </a:r>
+            <a:endParaRPr lang="pt-BR" dirty="0"/>
+          </a:p>
+        </p:txBody>
+      </p:sp>
+      <p:sp>
+        <p:nvSpPr>
+          <p:cNvPr id="84" name="CaixaDeTexto 83"/>
+          <p:cNvSpPr txBox="1"/>
+          <p:nvPr/>
+        </p:nvSpPr>
+        <p:spPr>
+          <a:xfrm rot="16200000">
+            <a:off x="1972602" y="1697600"/>
+            <a:ext cx="686213" cy="369332"/>
+          </a:xfrm>
+          <a:prstGeom prst="rect">
+            <a:avLst/>
+          </a:prstGeom>
+          <a:noFill/>
+        </p:spPr>
+        <p:txBody>
+          <a:bodyPr wrap="none" rtlCol="0">
+            <a:spAutoFit/>
+          </a:bodyPr>
+          <a:lstStyle/>
+          <a:p>
+            <a:r>
+              <a:rPr lang="pt-BR" dirty="0" err="1" smtClean="0"/>
+              <a:t>value</a:t>
+            </a:r>
+            <a:endParaRPr lang="pt-BR" dirty="0"/>
+          </a:p>
+        </p:txBody>
+      </p:sp>
+      <p:cxnSp>
+        <p:nvCxnSpPr>
+          <p:cNvPr id="88" name="Conector de seta reta 87"/>
+          <p:cNvCxnSpPr/>
+          <p:nvPr/>
+        </p:nvCxnSpPr>
+        <p:spPr>
+          <a:xfrm flipV="1">
+            <a:off x="2567608" y="548680"/>
+            <a:ext cx="0" cy="3032720"/>
+          </a:xfrm>
+          <a:prstGeom prst="straightConnector1">
+            <a:avLst/>
+          </a:prstGeom>
+          <a:ln>
+            <a:solidFill>
+              <a:schemeClr val="tx1"/>
+            </a:solidFill>
+            <a:tailEnd type="triangle" w="med" len="lg"/>
+          </a:ln>
+        </p:spPr>
+        <p:style>
+          <a:lnRef idx="1">
+            <a:schemeClr val="accent1"/>
+          </a:lnRef>
+          <a:fillRef idx="0">
+            <a:schemeClr val="accent1"/>
+          </a:fillRef>
+          <a:effectRef idx="0">
+            <a:schemeClr val="accent1"/>
+          </a:effectRef>
+          <a:fontRef idx="minor">
+            <a:schemeClr val="tx1"/>
+          </a:fontRef>
+        </p:style>
+      </p:cxnSp>
+    </p:spTree>
+    <p:extLst>
+      <p:ext uri="{BB962C8B-B14F-4D97-AF65-F5344CB8AC3E}">
+        <p14:creationId xmlns:p14="http://schemas.microsoft.com/office/powerpoint/2010/main" val="1485089528"/>
+      </p:ext>
+    </p:extLst>
+  </p:cSld>
+  <p:clrMapOvr>
+    <a:masterClrMapping/>
+  </p:clrMapOvr>
+  <p:timing>
+    <p:tnLst>
+      <p:par>
+        <p:cTn id="1" dur="indefinite" restart="never" nodeType="tmRoot"/>
+      </p:par>
+    </p:tnLst>
+  </p:timing>
+</p:sld>
+</file>
+
+<file path=ppt/slides/slide13.xml><?xml version="1.0" encoding="utf-8"?>
+<p:sld xmlns:a="http://schemas.openxmlformats.org/drawingml/2006/main" xmlns:r="http://schemas.openxmlformats.org/officeDocument/2006/relationships" xmlns:p="http://schemas.openxmlformats.org/presentationml/2006/main">
+  <p:cSld>
+    <p:spTree>
+      <p:nvGrpSpPr>
+        <p:cNvPr id="1" name=""/>
+        <p:cNvGrpSpPr/>
+        <p:nvPr/>
+      </p:nvGrpSpPr>
+      <p:grpSpPr>
+        <a:xfrm>
+          <a:off x="0" y="0"/>
+          <a:ext cx="0" cy="0"/>
+          <a:chOff x="0" y="0"/>
+          <a:chExt cx="0" cy="0"/>
+        </a:xfrm>
+      </p:grpSpPr>
+      <p:pic>
+        <p:nvPicPr>
+          <p:cNvPr id="3" name="Imagem 2"/>
+          <p:cNvPicPr>
+            <a:picLocks noChangeAspect="1"/>
+          </p:cNvPicPr>
+          <p:nvPr/>
+        </p:nvPicPr>
+        <p:blipFill>
+          <a:blip r:embed="rId2">
+            <a:clrChange>
+              <a:clrFrom>
+                <a:srgbClr val="FEFFFC"/>
+              </a:clrFrom>
+              <a:clrTo>
+                <a:srgbClr val="FEFFFC">
+                  <a:alpha val="0"/>
+                </a:srgbClr>
+              </a:clrTo>
+            </a:clrChange>
+          </a:blip>
+          <a:stretch>
+            <a:fillRect/>
+          </a:stretch>
+        </p:blipFill>
+        <p:spPr>
+          <a:xfrm>
+            <a:off x="2567609" y="793351"/>
+            <a:ext cx="3457575" cy="2628900"/>
+          </a:xfrm>
+          <a:prstGeom prst="rect">
+            <a:avLst/>
+          </a:prstGeom>
+        </p:spPr>
+      </p:pic>
+      <p:cxnSp>
+        <p:nvCxnSpPr>
+          <p:cNvPr id="81" name="Conector de seta reta 80"/>
+          <p:cNvCxnSpPr/>
+          <p:nvPr/>
+        </p:nvCxnSpPr>
+        <p:spPr>
+          <a:xfrm>
+            <a:off x="2423592" y="3429000"/>
+            <a:ext cx="3672408" cy="0"/>
+          </a:xfrm>
+          <a:prstGeom prst="straightConnector1">
+            <a:avLst/>
+          </a:prstGeom>
+          <a:ln>
+            <a:solidFill>
+              <a:schemeClr val="tx1"/>
+            </a:solidFill>
+            <a:tailEnd type="triangle" w="med" len="lg"/>
+          </a:ln>
+        </p:spPr>
+        <p:style>
+          <a:lnRef idx="1">
+            <a:schemeClr val="accent1"/>
+          </a:lnRef>
+          <a:fillRef idx="0">
+            <a:schemeClr val="accent1"/>
+          </a:fillRef>
+          <a:effectRef idx="0">
+            <a:schemeClr val="accent1"/>
+          </a:effectRef>
+          <a:fontRef idx="minor">
+            <a:schemeClr val="tx1"/>
+          </a:fontRef>
+        </p:style>
+      </p:cxnSp>
+      <p:sp>
+        <p:nvSpPr>
+          <p:cNvPr id="83" name="CaixaDeTexto 82"/>
+          <p:cNvSpPr txBox="1"/>
+          <p:nvPr/>
+        </p:nvSpPr>
+        <p:spPr>
+          <a:xfrm>
+            <a:off x="5852853" y="3417936"/>
+            <a:ext cx="284052" cy="369332"/>
+          </a:xfrm>
+          <a:prstGeom prst="rect">
+            <a:avLst/>
+          </a:prstGeom>
+          <a:noFill/>
+        </p:spPr>
+        <p:txBody>
+          <a:bodyPr wrap="none" rtlCol="0">
+            <a:spAutoFit/>
+          </a:bodyPr>
+          <a:lstStyle/>
+          <a:p>
+            <a:r>
+              <a:rPr lang="pt-BR" dirty="0"/>
+              <a:t>x</a:t>
+            </a:r>
+            <a:endParaRPr lang="pt-BR" dirty="0"/>
+          </a:p>
+        </p:txBody>
+      </p:sp>
+      <p:sp>
+        <p:nvSpPr>
+          <p:cNvPr id="84" name="CaixaDeTexto 83"/>
+          <p:cNvSpPr txBox="1"/>
+          <p:nvPr/>
+        </p:nvSpPr>
+        <p:spPr>
+          <a:xfrm rot="16200000">
+            <a:off x="1972602" y="1697600"/>
+            <a:ext cx="686213" cy="369332"/>
+          </a:xfrm>
+          <a:prstGeom prst="rect">
+            <a:avLst/>
+          </a:prstGeom>
+          <a:noFill/>
+        </p:spPr>
+        <p:txBody>
+          <a:bodyPr wrap="none" rtlCol="0">
+            <a:spAutoFit/>
+          </a:bodyPr>
+          <a:lstStyle/>
+          <a:p>
+            <a:r>
+              <a:rPr lang="pt-BR" dirty="0" err="1" smtClean="0"/>
+              <a:t>value</a:t>
+            </a:r>
+            <a:endParaRPr lang="pt-BR" dirty="0"/>
+          </a:p>
+        </p:txBody>
+      </p:sp>
+      <p:cxnSp>
+        <p:nvCxnSpPr>
+          <p:cNvPr id="88" name="Conector de seta reta 87"/>
+          <p:cNvCxnSpPr/>
+          <p:nvPr/>
+        </p:nvCxnSpPr>
+        <p:spPr>
+          <a:xfrm flipV="1">
+            <a:off x="2567608" y="548680"/>
+            <a:ext cx="0" cy="3032720"/>
+          </a:xfrm>
+          <a:prstGeom prst="straightConnector1">
+            <a:avLst/>
+          </a:prstGeom>
+          <a:ln>
+            <a:solidFill>
+              <a:schemeClr val="tx1"/>
+            </a:solidFill>
+            <a:tailEnd type="triangle" w="med" len="lg"/>
+          </a:ln>
+        </p:spPr>
+        <p:style>
+          <a:lnRef idx="1">
+            <a:schemeClr val="accent1"/>
+          </a:lnRef>
+          <a:fillRef idx="0">
+            <a:schemeClr val="accent1"/>
+          </a:fillRef>
+          <a:effectRef idx="0">
+            <a:schemeClr val="accent1"/>
+          </a:effectRef>
+          <a:fontRef idx="minor">
+            <a:schemeClr val="tx1"/>
+          </a:fontRef>
+        </p:style>
+      </p:cxnSp>
+    </p:spTree>
+    <p:extLst>
+      <p:ext uri="{BB962C8B-B14F-4D97-AF65-F5344CB8AC3E}">
+        <p14:creationId xmlns:p14="http://schemas.microsoft.com/office/powerpoint/2010/main" val="3848290507"/>
+      </p:ext>
+    </p:extLst>
+  </p:cSld>
+  <p:clrMapOvr>
+    <a:masterClrMapping/>
+  </p:clrMapOvr>
+  <p:timing>
+    <p:tnLst>
+      <p:par>
+        <p:cTn id="1" dur="indefinite" restart="never" nodeType="tmRoot"/>
+      </p:par>
+    </p:tnLst>
+  </p:timing>
+</p:sld>
+</file>
+
+<file path=ppt/slides/slide14.xml><?xml version="1.0" encoding="utf-8"?>
+<p:sld xmlns:a="http://schemas.openxmlformats.org/drawingml/2006/main" xmlns:r="http://schemas.openxmlformats.org/officeDocument/2006/relationships" xmlns:p="http://schemas.openxmlformats.org/presentationml/2006/main">
+  <p:cSld>
+    <p:spTree>
+      <p:nvGrpSpPr>
+        <p:cNvPr id="1" name=""/>
+        <p:cNvGrpSpPr/>
+        <p:nvPr/>
+      </p:nvGrpSpPr>
+      <p:grpSpPr>
+        <a:xfrm>
+          <a:off x="0" y="0"/>
+          <a:ext cx="0" cy="0"/>
+          <a:chOff x="0" y="0"/>
+          <a:chExt cx="0" cy="0"/>
+        </a:xfrm>
+      </p:grpSpPr>
+      <p:pic>
+        <p:nvPicPr>
+          <p:cNvPr id="2" name="Imagem 1"/>
+          <p:cNvPicPr>
+            <a:picLocks noChangeAspect="1"/>
+          </p:cNvPicPr>
+          <p:nvPr/>
+        </p:nvPicPr>
+        <p:blipFill>
+          <a:blip r:embed="rId2">
+            <a:clrChange>
+              <a:clrFrom>
+                <a:srgbClr val="FEFFFC"/>
+              </a:clrFrom>
+              <a:clrTo>
+                <a:srgbClr val="FEFFFC">
+                  <a:alpha val="0"/>
+                </a:srgbClr>
+              </a:clrTo>
+            </a:clrChange>
+          </a:blip>
+          <a:stretch>
+            <a:fillRect/>
+          </a:stretch>
+        </p:blipFill>
+        <p:spPr>
+          <a:xfrm>
+            <a:off x="2567609" y="760462"/>
+            <a:ext cx="3381375" cy="2657475"/>
+          </a:xfrm>
+          <a:prstGeom prst="rect">
+            <a:avLst/>
+          </a:prstGeom>
+        </p:spPr>
+      </p:pic>
+      <p:cxnSp>
+        <p:nvCxnSpPr>
+          <p:cNvPr id="81" name="Conector de seta reta 80"/>
+          <p:cNvCxnSpPr/>
+          <p:nvPr/>
+        </p:nvCxnSpPr>
+        <p:spPr>
+          <a:xfrm>
+            <a:off x="2423592" y="3429000"/>
+            <a:ext cx="3672408" cy="0"/>
+          </a:xfrm>
+          <a:prstGeom prst="straightConnector1">
+            <a:avLst/>
+          </a:prstGeom>
+          <a:ln>
+            <a:solidFill>
+              <a:schemeClr val="tx1"/>
+            </a:solidFill>
+            <a:tailEnd type="triangle" w="med" len="lg"/>
+          </a:ln>
+        </p:spPr>
+        <p:style>
+          <a:lnRef idx="1">
+            <a:schemeClr val="accent1"/>
+          </a:lnRef>
+          <a:fillRef idx="0">
+            <a:schemeClr val="accent1"/>
+          </a:fillRef>
+          <a:effectRef idx="0">
+            <a:schemeClr val="accent1"/>
+          </a:effectRef>
+          <a:fontRef idx="minor">
+            <a:schemeClr val="tx1"/>
+          </a:fontRef>
+        </p:style>
+      </p:cxnSp>
+      <p:sp>
+        <p:nvSpPr>
+          <p:cNvPr id="83" name="CaixaDeTexto 82"/>
+          <p:cNvSpPr txBox="1"/>
+          <p:nvPr/>
+        </p:nvSpPr>
+        <p:spPr>
+          <a:xfrm>
+            <a:off x="5852853" y="3417936"/>
+            <a:ext cx="284052" cy="369332"/>
+          </a:xfrm>
+          <a:prstGeom prst="rect">
+            <a:avLst/>
+          </a:prstGeom>
+          <a:noFill/>
+        </p:spPr>
+        <p:txBody>
+          <a:bodyPr wrap="none" rtlCol="0">
+            <a:spAutoFit/>
+          </a:bodyPr>
+          <a:lstStyle/>
+          <a:p>
+            <a:r>
+              <a:rPr lang="pt-BR" dirty="0"/>
+              <a:t>x</a:t>
+            </a:r>
+            <a:endParaRPr lang="pt-BR" dirty="0"/>
+          </a:p>
+        </p:txBody>
+      </p:sp>
+      <p:sp>
+        <p:nvSpPr>
+          <p:cNvPr id="84" name="CaixaDeTexto 83"/>
+          <p:cNvSpPr txBox="1"/>
+          <p:nvPr/>
+        </p:nvSpPr>
+        <p:spPr>
+          <a:xfrm rot="16200000">
+            <a:off x="1972602" y="1697600"/>
+            <a:ext cx="686213" cy="369332"/>
+          </a:xfrm>
+          <a:prstGeom prst="rect">
+            <a:avLst/>
+          </a:prstGeom>
+          <a:noFill/>
+        </p:spPr>
+        <p:txBody>
+          <a:bodyPr wrap="none" rtlCol="0">
+            <a:spAutoFit/>
+          </a:bodyPr>
+          <a:lstStyle/>
+          <a:p>
+            <a:r>
+              <a:rPr lang="pt-BR" dirty="0" err="1" smtClean="0"/>
+              <a:t>value</a:t>
+            </a:r>
+            <a:endParaRPr lang="pt-BR" dirty="0"/>
+          </a:p>
+        </p:txBody>
+      </p:sp>
+      <p:cxnSp>
+        <p:nvCxnSpPr>
+          <p:cNvPr id="88" name="Conector de seta reta 87"/>
+          <p:cNvCxnSpPr/>
+          <p:nvPr/>
+        </p:nvCxnSpPr>
+        <p:spPr>
+          <a:xfrm flipV="1">
+            <a:off x="2567608" y="548680"/>
+            <a:ext cx="0" cy="3032720"/>
+          </a:xfrm>
+          <a:prstGeom prst="straightConnector1">
+            <a:avLst/>
+          </a:prstGeom>
+          <a:ln>
+            <a:solidFill>
+              <a:schemeClr val="tx1"/>
+            </a:solidFill>
+            <a:tailEnd type="triangle" w="med" len="lg"/>
+          </a:ln>
+        </p:spPr>
+        <p:style>
+          <a:lnRef idx="1">
+            <a:schemeClr val="accent1"/>
+          </a:lnRef>
+          <a:fillRef idx="0">
+            <a:schemeClr val="accent1"/>
+          </a:fillRef>
+          <a:effectRef idx="0">
+            <a:schemeClr val="accent1"/>
+          </a:effectRef>
+          <a:fontRef idx="minor">
+            <a:schemeClr val="tx1"/>
+          </a:fontRef>
+        </p:style>
+      </p:cxnSp>
+    </p:spTree>
+    <p:extLst>
+      <p:ext uri="{BB962C8B-B14F-4D97-AF65-F5344CB8AC3E}">
+        <p14:creationId xmlns:p14="http://schemas.microsoft.com/office/powerpoint/2010/main" val="2110769789"/>
+      </p:ext>
+    </p:extLst>
+  </p:cSld>
+  <p:clrMapOvr>
+    <a:masterClrMapping/>
+  </p:clrMapOvr>
+  <p:timing>
+    <p:tnLst>
+      <p:par>
+        <p:cTn id="1" dur="indefinite" restart="never" nodeType="tmRoot"/>
+      </p:par>
+    </p:tnLst>
+  </p:timing>
+</p:sld>
+</file>
+
+<file path=ppt/slides/slide15.xml><?xml version="1.0" encoding="utf-8"?>
+<p:sld xmlns:a="http://schemas.openxmlformats.org/drawingml/2006/main" xmlns:r="http://schemas.openxmlformats.org/officeDocument/2006/relationships" xmlns:p="http://schemas.openxmlformats.org/presentationml/2006/main">
+  <p:cSld>
+    <p:spTree>
+      <p:nvGrpSpPr>
+        <p:cNvPr id="1" name=""/>
+        <p:cNvGrpSpPr/>
+        <p:nvPr/>
+      </p:nvGrpSpPr>
+      <p:grpSpPr>
+        <a:xfrm>
+          <a:off x="0" y="0"/>
+          <a:ext cx="0" cy="0"/>
+          <a:chOff x="0" y="0"/>
+          <a:chExt cx="0" cy="0"/>
+        </a:xfrm>
+      </p:grpSpPr>
+      <p:cxnSp>
+        <p:nvCxnSpPr>
+          <p:cNvPr id="81" name="Conector de seta reta 80"/>
+          <p:cNvCxnSpPr/>
+          <p:nvPr/>
+        </p:nvCxnSpPr>
+        <p:spPr>
+          <a:xfrm>
+            <a:off x="2423592" y="3429000"/>
+            <a:ext cx="3672408" cy="0"/>
+          </a:xfrm>
+          <a:prstGeom prst="straightConnector1">
+            <a:avLst/>
+          </a:prstGeom>
+          <a:ln>
+            <a:solidFill>
+              <a:schemeClr val="tx1"/>
+            </a:solidFill>
+            <a:tailEnd type="triangle" w="med" len="lg"/>
+          </a:ln>
+        </p:spPr>
+        <p:style>
+          <a:lnRef idx="1">
+            <a:schemeClr val="accent1"/>
+          </a:lnRef>
+          <a:fillRef idx="0">
+            <a:schemeClr val="accent1"/>
+          </a:fillRef>
+          <a:effectRef idx="0">
+            <a:schemeClr val="accent1"/>
+          </a:effectRef>
+          <a:fontRef idx="minor">
+            <a:schemeClr val="tx1"/>
+          </a:fontRef>
+        </p:style>
+      </p:cxnSp>
+      <p:sp>
+        <p:nvSpPr>
+          <p:cNvPr id="83" name="CaixaDeTexto 82"/>
+          <p:cNvSpPr txBox="1"/>
+          <p:nvPr/>
+        </p:nvSpPr>
+        <p:spPr>
+          <a:xfrm>
+            <a:off x="5852853" y="3417936"/>
+            <a:ext cx="284052" cy="369332"/>
+          </a:xfrm>
+          <a:prstGeom prst="rect">
+            <a:avLst/>
+          </a:prstGeom>
+          <a:noFill/>
+        </p:spPr>
+        <p:txBody>
+          <a:bodyPr wrap="none" rtlCol="0">
+            <a:spAutoFit/>
+          </a:bodyPr>
+          <a:lstStyle/>
+          <a:p>
+            <a:r>
+              <a:rPr lang="pt-BR" dirty="0"/>
+              <a:t>x</a:t>
+            </a:r>
+            <a:endParaRPr lang="pt-BR" dirty="0"/>
+          </a:p>
+        </p:txBody>
+      </p:sp>
+      <p:sp>
+        <p:nvSpPr>
+          <p:cNvPr id="84" name="CaixaDeTexto 83"/>
+          <p:cNvSpPr txBox="1"/>
+          <p:nvPr/>
+        </p:nvSpPr>
+        <p:spPr>
+          <a:xfrm rot="16200000">
+            <a:off x="1972602" y="1697600"/>
+            <a:ext cx="686213" cy="369332"/>
+          </a:xfrm>
+          <a:prstGeom prst="rect">
+            <a:avLst/>
+          </a:prstGeom>
+          <a:noFill/>
+        </p:spPr>
+        <p:txBody>
+          <a:bodyPr wrap="none" rtlCol="0">
+            <a:spAutoFit/>
+          </a:bodyPr>
+          <a:lstStyle/>
+          <a:p>
+            <a:r>
+              <a:rPr lang="pt-BR" dirty="0" err="1" smtClean="0"/>
+              <a:t>value</a:t>
+            </a:r>
+            <a:endParaRPr lang="pt-BR" dirty="0"/>
+          </a:p>
+        </p:txBody>
+      </p:sp>
+      <p:cxnSp>
+        <p:nvCxnSpPr>
+          <p:cNvPr id="88" name="Conector de seta reta 87"/>
+          <p:cNvCxnSpPr/>
+          <p:nvPr/>
+        </p:nvCxnSpPr>
+        <p:spPr>
+          <a:xfrm flipV="1">
+            <a:off x="2567608" y="548680"/>
+            <a:ext cx="0" cy="3032720"/>
+          </a:xfrm>
+          <a:prstGeom prst="straightConnector1">
+            <a:avLst/>
+          </a:prstGeom>
+          <a:ln>
+            <a:solidFill>
+              <a:schemeClr val="tx1"/>
+            </a:solidFill>
+            <a:tailEnd type="triangle" w="med" len="lg"/>
+          </a:ln>
+        </p:spPr>
+        <p:style>
+          <a:lnRef idx="1">
+            <a:schemeClr val="accent1"/>
+          </a:lnRef>
+          <a:fillRef idx="0">
+            <a:schemeClr val="accent1"/>
+          </a:fillRef>
+          <a:effectRef idx="0">
+            <a:schemeClr val="accent1"/>
+          </a:effectRef>
+          <a:fontRef idx="minor">
+            <a:schemeClr val="tx1"/>
+          </a:fontRef>
+        </p:style>
+      </p:cxnSp>
+      <p:pic>
+        <p:nvPicPr>
+          <p:cNvPr id="3" name="Imagem 2"/>
+          <p:cNvPicPr>
+            <a:picLocks noChangeAspect="1"/>
+          </p:cNvPicPr>
+          <p:nvPr/>
+        </p:nvPicPr>
+        <p:blipFill>
+          <a:blip r:embed="rId2">
+            <a:clrChange>
+              <a:clrFrom>
+                <a:srgbClr val="FEFFFC"/>
+              </a:clrFrom>
+              <a:clrTo>
+                <a:srgbClr val="FEFFFC">
+                  <a:alpha val="0"/>
+                </a:srgbClr>
+              </a:clrTo>
+            </a:clrChange>
+          </a:blip>
+          <a:stretch>
+            <a:fillRect/>
+          </a:stretch>
+        </p:blipFill>
+        <p:spPr>
+          <a:xfrm>
+            <a:off x="2613505" y="1096144"/>
+            <a:ext cx="3381375" cy="1828800"/>
+          </a:xfrm>
+          <a:prstGeom prst="rect">
+            <a:avLst/>
+          </a:prstGeom>
+        </p:spPr>
+      </p:pic>
+    </p:spTree>
+    <p:extLst>
+      <p:ext uri="{BB962C8B-B14F-4D97-AF65-F5344CB8AC3E}">
+        <p14:creationId xmlns:p14="http://schemas.microsoft.com/office/powerpoint/2010/main" val="1648656838"/>
+      </p:ext>
+    </p:extLst>
+  </p:cSld>
+  <p:clrMapOvr>
+    <a:masterClrMapping/>
+  </p:clrMapOvr>
+  <p:timing>
+    <p:tnLst>
+      <p:par>
+        <p:cTn id="1" dur="indefinite" restart="never" nodeType="tmRoot"/>
+      </p:par>
+    </p:tnLst>
+  </p:timing>
+</p:sld>
+</file>
+
 <file path=ppt/slides/slide2.xml><?xml version="1.0" encoding="utf-8"?>
 <p:sld xmlns:a="http://schemas.openxmlformats.org/drawingml/2006/main" xmlns:r="http://schemas.openxmlformats.org/officeDocument/2006/relationships" xmlns:p="http://schemas.openxmlformats.org/presentationml/2006/main">
   <p:cSld>
@@ -14341,7 +15172,6 @@
               <a:rPr lang="pt-BR" sz="1200" dirty="0"/>
               <a:t>Y</a:t>
             </a:r>
-            <a:endParaRPr lang="pt-BR" sz="1200" dirty="0"/>
           </a:p>
         </p:txBody>
       </p:sp>
@@ -31378,7 +32208,7 @@
   <a:extraClrSchemeLst/>
   <a:extLst>
     <a:ext uri="{05A4C25C-085E-4340-85A3-A5531E510DB2}">
-      <thm15:themeFamily xmlns:thm15="http://schemas.microsoft.com/office/thememl/2012/main" xmlns="" name="Office Theme" id="{62F939B6-93AF-4DB8-9C6B-D6C7DFDC589F}" vid="{4A3C46E8-61CC-4603-A589-7422A47A8E4A}"/>
+      <thm15:themeFamily xmlns:thm15="http://schemas.microsoft.com/office/thememl/2012/main" name="Office Theme" id="{62F939B6-93AF-4DB8-9C6B-D6C7DFDC589F}" vid="{4A3C46E8-61CC-4603-A589-7422A47A8E4A}"/>
     </a:ext>
   </a:extLst>
 </a:theme>

--- a/docs/figures.pptx
+++ b/docs/figures.pptx
@@ -20,6 +20,10 @@
     <p:sldId id="269" r:id="rId14"/>
     <p:sldId id="270" r:id="rId15"/>
     <p:sldId id="271" r:id="rId16"/>
+    <p:sldId id="272" r:id="rId17"/>
+    <p:sldId id="274" r:id="rId18"/>
+    <p:sldId id="275" r:id="rId19"/>
+    <p:sldId id="273" r:id="rId20"/>
   </p:sldIdLst>
   <p:sldSz cx="12192000" cy="6858000"/>
   <p:notesSz cx="6858000" cy="9144000"/>
@@ -268,7 +272,7 @@
           <a:p>
             <a:fld id="{5827CF75-21ED-4285-9C22-184A8788EFA2}" type="datetimeFigureOut">
               <a:rPr lang="pt-BR" smtClean="0"/>
-              <a:t>24/11/2018</a:t>
+              <a:t>14/01/2019</a:t>
             </a:fld>
             <a:endParaRPr lang="pt-BR"/>
           </a:p>
@@ -438,7 +442,7 @@
           <a:p>
             <a:fld id="{5827CF75-21ED-4285-9C22-184A8788EFA2}" type="datetimeFigureOut">
               <a:rPr lang="pt-BR" smtClean="0"/>
-              <a:t>24/11/2018</a:t>
+              <a:t>14/01/2019</a:t>
             </a:fld>
             <a:endParaRPr lang="pt-BR"/>
           </a:p>
@@ -618,7 +622,7 @@
           <a:p>
             <a:fld id="{5827CF75-21ED-4285-9C22-184A8788EFA2}" type="datetimeFigureOut">
               <a:rPr lang="pt-BR" smtClean="0"/>
-              <a:t>24/11/2018</a:t>
+              <a:t>14/01/2019</a:t>
             </a:fld>
             <a:endParaRPr lang="pt-BR"/>
           </a:p>
@@ -788,7 +792,7 @@
           <a:p>
             <a:fld id="{5827CF75-21ED-4285-9C22-184A8788EFA2}" type="datetimeFigureOut">
               <a:rPr lang="pt-BR" smtClean="0"/>
-              <a:t>24/11/2018</a:t>
+              <a:t>14/01/2019</a:t>
             </a:fld>
             <a:endParaRPr lang="pt-BR"/>
           </a:p>
@@ -1034,7 +1038,7 @@
           <a:p>
             <a:fld id="{5827CF75-21ED-4285-9C22-184A8788EFA2}" type="datetimeFigureOut">
               <a:rPr lang="pt-BR" smtClean="0"/>
-              <a:t>24/11/2018</a:t>
+              <a:t>14/01/2019</a:t>
             </a:fld>
             <a:endParaRPr lang="pt-BR"/>
           </a:p>
@@ -1266,7 +1270,7 @@
           <a:p>
             <a:fld id="{5827CF75-21ED-4285-9C22-184A8788EFA2}" type="datetimeFigureOut">
               <a:rPr lang="pt-BR" smtClean="0"/>
-              <a:t>24/11/2018</a:t>
+              <a:t>14/01/2019</a:t>
             </a:fld>
             <a:endParaRPr lang="pt-BR"/>
           </a:p>
@@ -1633,7 +1637,7 @@
           <a:p>
             <a:fld id="{5827CF75-21ED-4285-9C22-184A8788EFA2}" type="datetimeFigureOut">
               <a:rPr lang="pt-BR" smtClean="0"/>
-              <a:t>24/11/2018</a:t>
+              <a:t>14/01/2019</a:t>
             </a:fld>
             <a:endParaRPr lang="pt-BR"/>
           </a:p>
@@ -1751,7 +1755,7 @@
           <a:p>
             <a:fld id="{5827CF75-21ED-4285-9C22-184A8788EFA2}" type="datetimeFigureOut">
               <a:rPr lang="pt-BR" smtClean="0"/>
-              <a:t>24/11/2018</a:t>
+              <a:t>14/01/2019</a:t>
             </a:fld>
             <a:endParaRPr lang="pt-BR"/>
           </a:p>
@@ -1846,7 +1850,7 @@
           <a:p>
             <a:fld id="{5827CF75-21ED-4285-9C22-184A8788EFA2}" type="datetimeFigureOut">
               <a:rPr lang="pt-BR" smtClean="0"/>
-              <a:t>24/11/2018</a:t>
+              <a:t>14/01/2019</a:t>
             </a:fld>
             <a:endParaRPr lang="pt-BR"/>
           </a:p>
@@ -2123,7 +2127,7 @@
           <a:p>
             <a:fld id="{5827CF75-21ED-4285-9C22-184A8788EFA2}" type="datetimeFigureOut">
               <a:rPr lang="pt-BR" smtClean="0"/>
-              <a:t>24/11/2018</a:t>
+              <a:t>14/01/2019</a:t>
             </a:fld>
             <a:endParaRPr lang="pt-BR"/>
           </a:p>
@@ -2376,7 +2380,7 @@
           <a:p>
             <a:fld id="{5827CF75-21ED-4285-9C22-184A8788EFA2}" type="datetimeFigureOut">
               <a:rPr lang="pt-BR" smtClean="0"/>
-              <a:t>24/11/2018</a:t>
+              <a:t>14/01/2019</a:t>
             </a:fld>
             <a:endParaRPr lang="pt-BR"/>
           </a:p>
@@ -2589,7 +2593,7 @@
           <a:p>
             <a:fld id="{5827CF75-21ED-4285-9C22-184A8788EFA2}" type="datetimeFigureOut">
               <a:rPr lang="pt-BR" smtClean="0"/>
-              <a:t>24/11/2018</a:t>
+              <a:t>14/01/2019</a:t>
             </a:fld>
             <a:endParaRPr lang="pt-BR"/>
           </a:p>
@@ -4991,7 +4995,6 @@
               <a:rPr lang="pt-BR" dirty="0"/>
               <a:t>x</a:t>
             </a:r>
-            <a:endParaRPr lang="pt-BR" dirty="0"/>
           </a:p>
         </p:txBody>
       </p:sp>
@@ -5195,7 +5198,6 @@
               <a:rPr lang="pt-BR" dirty="0"/>
               <a:t>x</a:t>
             </a:r>
-            <a:endParaRPr lang="pt-BR" dirty="0"/>
           </a:p>
         </p:txBody>
       </p:sp>
@@ -5399,7 +5401,6 @@
               <a:rPr lang="pt-BR" dirty="0"/>
               <a:t>x</a:t>
             </a:r>
-            <a:endParaRPr lang="pt-BR" dirty="0"/>
           </a:p>
         </p:txBody>
       </p:sp>
@@ -5568,7 +5569,6 @@
               <a:rPr lang="pt-BR" dirty="0"/>
               <a:t>x</a:t>
             </a:r>
-            <a:endParaRPr lang="pt-BR" dirty="0"/>
           </a:p>
         </p:txBody>
       </p:sp>
@@ -5677,6 +5677,2719 @@
     <p:extLst>
       <p:ext uri="{BB962C8B-B14F-4D97-AF65-F5344CB8AC3E}">
         <p14:creationId xmlns:p14="http://schemas.microsoft.com/office/powerpoint/2010/main" val="1648656838"/>
+      </p:ext>
+    </p:extLst>
+  </p:cSld>
+  <p:clrMapOvr>
+    <a:masterClrMapping/>
+  </p:clrMapOvr>
+  <p:timing>
+    <p:tnLst>
+      <p:par>
+        <p:cTn id="1" dur="indefinite" restart="never" nodeType="tmRoot"/>
+      </p:par>
+    </p:tnLst>
+  </p:timing>
+</p:sld>
+</file>
+
+<file path=ppt/slides/slide16.xml><?xml version="1.0" encoding="utf-8"?>
+<p:sld xmlns:a="http://schemas.openxmlformats.org/drawingml/2006/main" xmlns:r="http://schemas.openxmlformats.org/officeDocument/2006/relationships" xmlns:p="http://schemas.openxmlformats.org/presentationml/2006/main">
+  <p:cSld>
+    <p:spTree>
+      <p:nvGrpSpPr>
+        <p:cNvPr id="1" name=""/>
+        <p:cNvGrpSpPr/>
+        <p:nvPr/>
+      </p:nvGrpSpPr>
+      <p:grpSpPr>
+        <a:xfrm>
+          <a:off x="0" y="0"/>
+          <a:ext cx="0" cy="0"/>
+          <a:chOff x="0" y="0"/>
+          <a:chExt cx="0" cy="0"/>
+        </a:xfrm>
+      </p:grpSpPr>
+      <p:pic>
+        <p:nvPicPr>
+          <p:cNvPr id="4" name="Imagem 3"/>
+          <p:cNvPicPr>
+            <a:picLocks noChangeAspect="1"/>
+          </p:cNvPicPr>
+          <p:nvPr/>
+        </p:nvPicPr>
+        <p:blipFill>
+          <a:blip r:embed="rId2"/>
+          <a:stretch>
+            <a:fillRect/>
+          </a:stretch>
+        </p:blipFill>
+        <p:spPr>
+          <a:xfrm>
+            <a:off x="1758462" y="1572320"/>
+            <a:ext cx="5790223" cy="3644510"/>
+          </a:xfrm>
+          <a:prstGeom prst="rect">
+            <a:avLst/>
+          </a:prstGeom>
+        </p:spPr>
+      </p:pic>
+      <p:sp>
+        <p:nvSpPr>
+          <p:cNvPr id="7" name="CaixaDeTexto 6"/>
+          <p:cNvSpPr txBox="1"/>
+          <p:nvPr/>
+        </p:nvSpPr>
+        <p:spPr>
+          <a:xfrm>
+            <a:off x="3813273" y="884979"/>
+            <a:ext cx="2525004" cy="261610"/>
+          </a:xfrm>
+          <a:prstGeom prst="rect">
+            <a:avLst/>
+          </a:prstGeom>
+          <a:noFill/>
+        </p:spPr>
+        <p:txBody>
+          <a:bodyPr wrap="square" rtlCol="0">
+            <a:spAutoFit/>
+          </a:bodyPr>
+          <a:lstStyle/>
+          <a:p>
+            <a:pPr algn="ctr"/>
+            <a:r>
+              <a:rPr lang="pt-BR" sz="1100" b="1" dirty="0" smtClean="0"/>
+              <a:t>B2: computes </a:t>
+            </a:r>
+            <a:r>
+              <a:rPr lang="pt-BR" sz="1100" b="1" dirty="0" err="1" smtClean="0"/>
+              <a:t>and</a:t>
+            </a:r>
+            <a:r>
+              <a:rPr lang="pt-BR" sz="1100" b="1" dirty="0" smtClean="0"/>
+              <a:t> displays Gabor </a:t>
+            </a:r>
+            <a:r>
+              <a:rPr lang="pt-BR" sz="1100" b="1" dirty="0" err="1" smtClean="0"/>
+              <a:t>space</a:t>
+            </a:r>
+            <a:endParaRPr lang="pt-BR" sz="1100" b="1" dirty="0"/>
+          </a:p>
+        </p:txBody>
+      </p:sp>
+      <p:cxnSp>
+        <p:nvCxnSpPr>
+          <p:cNvPr id="9" name="Conector angulado 8"/>
+          <p:cNvCxnSpPr>
+            <a:stCxn id="7" idx="1"/>
+            <a:endCxn id="10" idx="0"/>
+          </p:cNvCxnSpPr>
+          <p:nvPr/>
+        </p:nvCxnSpPr>
+        <p:spPr>
+          <a:xfrm rot="10800000" flipV="1">
+            <a:off x="3614299" y="1015783"/>
+            <a:ext cx="198975" cy="812593"/>
+          </a:xfrm>
+          <a:prstGeom prst="bentConnector2">
+            <a:avLst/>
+          </a:prstGeom>
+          <a:ln>
+            <a:solidFill>
+              <a:srgbClr val="FF0000"/>
+            </a:solidFill>
+            <a:tailEnd type="triangle"/>
+          </a:ln>
+        </p:spPr>
+        <p:style>
+          <a:lnRef idx="1">
+            <a:schemeClr val="accent1"/>
+          </a:lnRef>
+          <a:fillRef idx="0">
+            <a:schemeClr val="accent1"/>
+          </a:fillRef>
+          <a:effectRef idx="0">
+            <a:schemeClr val="accent1"/>
+          </a:effectRef>
+          <a:fontRef idx="minor">
+            <a:schemeClr val="tx1"/>
+          </a:fontRef>
+        </p:style>
+      </p:cxnSp>
+      <p:sp>
+        <p:nvSpPr>
+          <p:cNvPr id="10" name="Retângulo 9"/>
+          <p:cNvSpPr/>
+          <p:nvPr/>
+        </p:nvSpPr>
+        <p:spPr>
+          <a:xfrm>
+            <a:off x="3516288" y="1828377"/>
+            <a:ext cx="196020" cy="140677"/>
+          </a:xfrm>
+          <a:prstGeom prst="rect">
+            <a:avLst/>
+          </a:prstGeom>
+          <a:noFill/>
+          <a:ln>
+            <a:noFill/>
+          </a:ln>
+        </p:spPr>
+        <p:style>
+          <a:lnRef idx="2">
+            <a:schemeClr val="accent1">
+              <a:shade val="50000"/>
+            </a:schemeClr>
+          </a:lnRef>
+          <a:fillRef idx="1">
+            <a:schemeClr val="accent1"/>
+          </a:fillRef>
+          <a:effectRef idx="0">
+            <a:schemeClr val="accent1"/>
+          </a:effectRef>
+          <a:fontRef idx="minor">
+            <a:schemeClr val="lt1"/>
+          </a:fontRef>
+        </p:style>
+        <p:txBody>
+          <a:bodyPr rtlCol="0" anchor="ctr"/>
+          <a:lstStyle/>
+          <a:p>
+            <a:pPr algn="ctr"/>
+            <a:endParaRPr lang="pt-BR"/>
+          </a:p>
+        </p:txBody>
+      </p:sp>
+      <p:cxnSp>
+        <p:nvCxnSpPr>
+          <p:cNvPr id="15" name="Conector angulado 14"/>
+          <p:cNvCxnSpPr>
+            <a:stCxn id="27" idx="1"/>
+            <a:endCxn id="16" idx="0"/>
+          </p:cNvCxnSpPr>
+          <p:nvPr/>
+        </p:nvCxnSpPr>
+        <p:spPr>
+          <a:xfrm rot="10800000" flipH="1" flipV="1">
+            <a:off x="3040185" y="691085"/>
+            <a:ext cx="216398" cy="1143976"/>
+          </a:xfrm>
+          <a:prstGeom prst="bentConnector4">
+            <a:avLst>
+              <a:gd name="adj1" fmla="val -105639"/>
+              <a:gd name="adj2" fmla="val 55717"/>
+            </a:avLst>
+          </a:prstGeom>
+          <a:ln>
+            <a:solidFill>
+              <a:srgbClr val="FF0000"/>
+            </a:solidFill>
+            <a:tailEnd type="triangle"/>
+          </a:ln>
+        </p:spPr>
+        <p:style>
+          <a:lnRef idx="1">
+            <a:schemeClr val="accent1"/>
+          </a:lnRef>
+          <a:fillRef idx="0">
+            <a:schemeClr val="accent1"/>
+          </a:fillRef>
+          <a:effectRef idx="0">
+            <a:schemeClr val="accent1"/>
+          </a:effectRef>
+          <a:fontRef idx="minor">
+            <a:schemeClr val="tx1"/>
+          </a:fontRef>
+        </p:style>
+      </p:cxnSp>
+      <p:sp>
+        <p:nvSpPr>
+          <p:cNvPr id="16" name="Retângulo 15"/>
+          <p:cNvSpPr/>
+          <p:nvPr/>
+        </p:nvSpPr>
+        <p:spPr>
+          <a:xfrm>
+            <a:off x="3158573" y="1835061"/>
+            <a:ext cx="196020" cy="140677"/>
+          </a:xfrm>
+          <a:prstGeom prst="rect">
+            <a:avLst/>
+          </a:prstGeom>
+          <a:noFill/>
+          <a:ln>
+            <a:noFill/>
+          </a:ln>
+        </p:spPr>
+        <p:style>
+          <a:lnRef idx="2">
+            <a:schemeClr val="accent1">
+              <a:shade val="50000"/>
+            </a:schemeClr>
+          </a:lnRef>
+          <a:fillRef idx="1">
+            <a:schemeClr val="accent1"/>
+          </a:fillRef>
+          <a:effectRef idx="0">
+            <a:schemeClr val="accent1"/>
+          </a:effectRef>
+          <a:fontRef idx="minor">
+            <a:schemeClr val="lt1"/>
+          </a:fontRef>
+        </p:style>
+        <p:txBody>
+          <a:bodyPr rtlCol="0" anchor="ctr"/>
+          <a:lstStyle/>
+          <a:p>
+            <a:pPr algn="ctr"/>
+            <a:endParaRPr lang="pt-BR"/>
+          </a:p>
+        </p:txBody>
+      </p:sp>
+      <p:sp>
+        <p:nvSpPr>
+          <p:cNvPr id="20" name="CaixaDeTexto 19"/>
+          <p:cNvSpPr txBox="1"/>
+          <p:nvPr/>
+        </p:nvSpPr>
+        <p:spPr>
+          <a:xfrm>
+            <a:off x="4817549" y="1163247"/>
+            <a:ext cx="1692666" cy="261610"/>
+          </a:xfrm>
+          <a:prstGeom prst="rect">
+            <a:avLst/>
+          </a:prstGeom>
+          <a:noFill/>
+        </p:spPr>
+        <p:txBody>
+          <a:bodyPr wrap="square" rtlCol="0">
+            <a:spAutoFit/>
+          </a:bodyPr>
+          <a:lstStyle/>
+          <a:p>
+            <a:pPr algn="ctr"/>
+            <a:r>
+              <a:rPr lang="pt-BR" sz="1100" b="1" dirty="0" smtClean="0"/>
+              <a:t>D2: Gabor </a:t>
+            </a:r>
+            <a:r>
+              <a:rPr lang="pt-BR" sz="1100" b="1" dirty="0" err="1" smtClean="0"/>
+              <a:t>space</a:t>
+            </a:r>
+            <a:r>
+              <a:rPr lang="pt-BR" sz="1100" b="1" dirty="0" smtClean="0"/>
+              <a:t> display</a:t>
+            </a:r>
+            <a:endParaRPr lang="pt-BR" sz="1100" b="1" dirty="0"/>
+          </a:p>
+        </p:txBody>
+      </p:sp>
+      <p:cxnSp>
+        <p:nvCxnSpPr>
+          <p:cNvPr id="21" name="Conector angulado 20"/>
+          <p:cNvCxnSpPr>
+            <a:stCxn id="20" idx="2"/>
+            <a:endCxn id="22" idx="0"/>
+          </p:cNvCxnSpPr>
+          <p:nvPr/>
+        </p:nvCxnSpPr>
+        <p:spPr>
+          <a:xfrm rot="5400000">
+            <a:off x="5490224" y="1598515"/>
+            <a:ext cx="347317" cy="12700"/>
+          </a:xfrm>
+          <a:prstGeom prst="bentConnector3">
+            <a:avLst>
+              <a:gd name="adj1" fmla="val 50000"/>
+            </a:avLst>
+          </a:prstGeom>
+          <a:ln>
+            <a:solidFill>
+              <a:srgbClr val="FF0000"/>
+            </a:solidFill>
+            <a:tailEnd type="triangle"/>
+          </a:ln>
+        </p:spPr>
+        <p:style>
+          <a:lnRef idx="1">
+            <a:schemeClr val="accent1"/>
+          </a:lnRef>
+          <a:fillRef idx="0">
+            <a:schemeClr val="accent1"/>
+          </a:fillRef>
+          <a:effectRef idx="0">
+            <a:schemeClr val="accent1"/>
+          </a:effectRef>
+          <a:fontRef idx="minor">
+            <a:schemeClr val="tx1"/>
+          </a:fontRef>
+        </p:style>
+      </p:cxnSp>
+      <p:sp>
+        <p:nvSpPr>
+          <p:cNvPr id="22" name="Retângulo 21"/>
+          <p:cNvSpPr/>
+          <p:nvPr/>
+        </p:nvSpPr>
+        <p:spPr>
+          <a:xfrm>
+            <a:off x="5565872" y="1772174"/>
+            <a:ext cx="196020" cy="140677"/>
+          </a:xfrm>
+          <a:prstGeom prst="rect">
+            <a:avLst/>
+          </a:prstGeom>
+          <a:noFill/>
+          <a:ln>
+            <a:noFill/>
+          </a:ln>
+        </p:spPr>
+        <p:style>
+          <a:lnRef idx="2">
+            <a:schemeClr val="accent1">
+              <a:shade val="50000"/>
+            </a:schemeClr>
+          </a:lnRef>
+          <a:fillRef idx="1">
+            <a:schemeClr val="accent1"/>
+          </a:fillRef>
+          <a:effectRef idx="0">
+            <a:schemeClr val="accent1"/>
+          </a:effectRef>
+          <a:fontRef idx="minor">
+            <a:schemeClr val="lt1"/>
+          </a:fontRef>
+        </p:style>
+        <p:txBody>
+          <a:bodyPr rtlCol="0" anchor="ctr"/>
+          <a:lstStyle/>
+          <a:p>
+            <a:pPr algn="ctr"/>
+            <a:endParaRPr lang="pt-BR"/>
+          </a:p>
+        </p:txBody>
+      </p:sp>
+      <p:sp>
+        <p:nvSpPr>
+          <p:cNvPr id="27" name="CaixaDeTexto 26"/>
+          <p:cNvSpPr txBox="1"/>
+          <p:nvPr/>
+        </p:nvSpPr>
+        <p:spPr>
+          <a:xfrm>
+            <a:off x="3040185" y="560280"/>
+            <a:ext cx="1914769" cy="261610"/>
+          </a:xfrm>
+          <a:prstGeom prst="rect">
+            <a:avLst/>
+          </a:prstGeom>
+          <a:noFill/>
+        </p:spPr>
+        <p:txBody>
+          <a:bodyPr wrap="square" rtlCol="0">
+            <a:spAutoFit/>
+          </a:bodyPr>
+          <a:lstStyle/>
+          <a:p>
+            <a:pPr algn="ctr"/>
+            <a:r>
+              <a:rPr lang="pt-BR" sz="1100" b="1" dirty="0" smtClean="0"/>
+              <a:t>B1: opens </a:t>
+            </a:r>
+            <a:r>
+              <a:rPr lang="pt-BR" sz="1100" b="1" dirty="0" err="1" smtClean="0"/>
+              <a:t>the</a:t>
+            </a:r>
+            <a:r>
+              <a:rPr lang="pt-BR" sz="1100" b="1" dirty="0" smtClean="0"/>
+              <a:t> scanner </a:t>
+            </a:r>
+            <a:r>
+              <a:rPr lang="pt-BR" sz="1100" b="1" dirty="0" err="1" smtClean="0"/>
+              <a:t>dialog</a:t>
+            </a:r>
+            <a:endParaRPr lang="pt-BR" sz="1100" b="1" dirty="0"/>
+          </a:p>
+        </p:txBody>
+      </p:sp>
+      <p:sp>
+        <p:nvSpPr>
+          <p:cNvPr id="31" name="CaixaDeTexto 30"/>
+          <p:cNvSpPr txBox="1"/>
+          <p:nvPr/>
+        </p:nvSpPr>
+        <p:spPr>
+          <a:xfrm>
+            <a:off x="250094" y="2897443"/>
+            <a:ext cx="1086338" cy="430887"/>
+          </a:xfrm>
+          <a:prstGeom prst="rect">
+            <a:avLst/>
+          </a:prstGeom>
+          <a:noFill/>
+        </p:spPr>
+        <p:txBody>
+          <a:bodyPr wrap="square" rtlCol="0">
+            <a:spAutoFit/>
+          </a:bodyPr>
+          <a:lstStyle/>
+          <a:p>
+            <a:pPr algn="ctr"/>
+            <a:r>
+              <a:rPr lang="pt-BR" sz="1100" b="1" dirty="0" smtClean="0"/>
+              <a:t>B3: </a:t>
+            </a:r>
+            <a:r>
+              <a:rPr lang="pt-BR" sz="1100" b="1" dirty="0" err="1" smtClean="0"/>
+              <a:t>refresh</a:t>
+            </a:r>
+            <a:r>
+              <a:rPr lang="pt-BR" sz="1100" b="1" dirty="0" smtClean="0"/>
+              <a:t> </a:t>
+            </a:r>
+          </a:p>
+          <a:p>
+            <a:pPr algn="ctr"/>
+            <a:r>
+              <a:rPr lang="pt-BR" sz="1100" b="1" dirty="0" err="1" smtClean="0"/>
+              <a:t>kernel</a:t>
+            </a:r>
+            <a:r>
+              <a:rPr lang="pt-BR" sz="1100" b="1" dirty="0" smtClean="0"/>
+              <a:t> displays</a:t>
+            </a:r>
+            <a:endParaRPr lang="pt-BR" sz="1100" b="1" dirty="0"/>
+          </a:p>
+        </p:txBody>
+      </p:sp>
+      <p:cxnSp>
+        <p:nvCxnSpPr>
+          <p:cNvPr id="32" name="Conector angulado 31"/>
+          <p:cNvCxnSpPr>
+            <a:stCxn id="58" idx="1"/>
+            <a:endCxn id="33" idx="2"/>
+          </p:cNvCxnSpPr>
+          <p:nvPr/>
+        </p:nvCxnSpPr>
+        <p:spPr>
+          <a:xfrm rot="10800000">
+            <a:off x="3605415" y="4682226"/>
+            <a:ext cx="333244" cy="812873"/>
+          </a:xfrm>
+          <a:prstGeom prst="bentConnector2">
+            <a:avLst/>
+          </a:prstGeom>
+          <a:ln>
+            <a:solidFill>
+              <a:srgbClr val="FF0000"/>
+            </a:solidFill>
+            <a:tailEnd type="triangle"/>
+          </a:ln>
+        </p:spPr>
+        <p:style>
+          <a:lnRef idx="1">
+            <a:schemeClr val="accent1"/>
+          </a:lnRef>
+          <a:fillRef idx="0">
+            <a:schemeClr val="accent1"/>
+          </a:fillRef>
+          <a:effectRef idx="0">
+            <a:schemeClr val="accent1"/>
+          </a:effectRef>
+          <a:fontRef idx="minor">
+            <a:schemeClr val="tx1"/>
+          </a:fontRef>
+        </p:style>
+      </p:cxnSp>
+      <p:sp>
+        <p:nvSpPr>
+          <p:cNvPr id="33" name="Retângulo 32"/>
+          <p:cNvSpPr/>
+          <p:nvPr/>
+        </p:nvSpPr>
+        <p:spPr>
+          <a:xfrm>
+            <a:off x="3507405" y="4541548"/>
+            <a:ext cx="196020" cy="140677"/>
+          </a:xfrm>
+          <a:prstGeom prst="rect">
+            <a:avLst/>
+          </a:prstGeom>
+          <a:noFill/>
+          <a:ln>
+            <a:noFill/>
+          </a:ln>
+        </p:spPr>
+        <p:style>
+          <a:lnRef idx="2">
+            <a:schemeClr val="accent1">
+              <a:shade val="50000"/>
+            </a:schemeClr>
+          </a:lnRef>
+          <a:fillRef idx="1">
+            <a:schemeClr val="accent1"/>
+          </a:fillRef>
+          <a:effectRef idx="0">
+            <a:schemeClr val="accent1"/>
+          </a:effectRef>
+          <a:fontRef idx="minor">
+            <a:schemeClr val="lt1"/>
+          </a:fontRef>
+        </p:style>
+        <p:txBody>
+          <a:bodyPr rtlCol="0" anchor="ctr"/>
+          <a:lstStyle/>
+          <a:p>
+            <a:pPr algn="ctr"/>
+            <a:endParaRPr lang="pt-BR"/>
+          </a:p>
+        </p:txBody>
+      </p:sp>
+      <p:cxnSp>
+        <p:nvCxnSpPr>
+          <p:cNvPr id="34" name="Conector angulado 33"/>
+          <p:cNvCxnSpPr>
+            <a:stCxn id="31" idx="3"/>
+            <a:endCxn id="35" idx="1"/>
+          </p:cNvCxnSpPr>
+          <p:nvPr/>
+        </p:nvCxnSpPr>
+        <p:spPr>
+          <a:xfrm flipV="1">
+            <a:off x="1336432" y="2876336"/>
+            <a:ext cx="2179856" cy="236551"/>
+          </a:xfrm>
+          <a:prstGeom prst="bentConnector3">
+            <a:avLst>
+              <a:gd name="adj1" fmla="val 50000"/>
+            </a:avLst>
+          </a:prstGeom>
+          <a:ln>
+            <a:solidFill>
+              <a:srgbClr val="FF0000"/>
+            </a:solidFill>
+            <a:tailEnd type="triangle"/>
+          </a:ln>
+        </p:spPr>
+        <p:style>
+          <a:lnRef idx="1">
+            <a:schemeClr val="accent1"/>
+          </a:lnRef>
+          <a:fillRef idx="0">
+            <a:schemeClr val="accent1"/>
+          </a:fillRef>
+          <a:effectRef idx="0">
+            <a:schemeClr val="accent1"/>
+          </a:effectRef>
+          <a:fontRef idx="minor">
+            <a:schemeClr val="tx1"/>
+          </a:fontRef>
+        </p:style>
+      </p:cxnSp>
+      <p:sp>
+        <p:nvSpPr>
+          <p:cNvPr id="35" name="Retângulo 34"/>
+          <p:cNvSpPr/>
+          <p:nvPr/>
+        </p:nvSpPr>
+        <p:spPr>
+          <a:xfrm>
+            <a:off x="3516288" y="2773634"/>
+            <a:ext cx="196020" cy="205403"/>
+          </a:xfrm>
+          <a:prstGeom prst="rect">
+            <a:avLst/>
+          </a:prstGeom>
+          <a:noFill/>
+          <a:ln>
+            <a:noFill/>
+          </a:ln>
+        </p:spPr>
+        <p:style>
+          <a:lnRef idx="2">
+            <a:schemeClr val="accent1">
+              <a:shade val="50000"/>
+            </a:schemeClr>
+          </a:lnRef>
+          <a:fillRef idx="1">
+            <a:schemeClr val="accent1"/>
+          </a:fillRef>
+          <a:effectRef idx="0">
+            <a:schemeClr val="accent1"/>
+          </a:effectRef>
+          <a:fontRef idx="minor">
+            <a:schemeClr val="lt1"/>
+          </a:fontRef>
+        </p:style>
+        <p:txBody>
+          <a:bodyPr rtlCol="0" anchor="ctr"/>
+          <a:lstStyle/>
+          <a:p>
+            <a:pPr algn="ctr"/>
+            <a:endParaRPr lang="pt-BR"/>
+          </a:p>
+        </p:txBody>
+      </p:sp>
+      <p:sp>
+        <p:nvSpPr>
+          <p:cNvPr id="42" name="Retângulo 41"/>
+          <p:cNvSpPr/>
+          <p:nvPr/>
+        </p:nvSpPr>
+        <p:spPr>
+          <a:xfrm>
+            <a:off x="1844431" y="3390850"/>
+            <a:ext cx="1867877" cy="884165"/>
+          </a:xfrm>
+          <a:prstGeom prst="rect">
+            <a:avLst/>
+          </a:prstGeom>
+          <a:noFill/>
+          <a:ln>
+            <a:solidFill>
+              <a:srgbClr val="FF0000"/>
+            </a:solidFill>
+          </a:ln>
+        </p:spPr>
+        <p:style>
+          <a:lnRef idx="2">
+            <a:schemeClr val="accent1">
+              <a:shade val="50000"/>
+            </a:schemeClr>
+          </a:lnRef>
+          <a:fillRef idx="1">
+            <a:schemeClr val="accent1"/>
+          </a:fillRef>
+          <a:effectRef idx="0">
+            <a:schemeClr val="accent1"/>
+          </a:effectRef>
+          <a:fontRef idx="minor">
+            <a:schemeClr val="lt1"/>
+          </a:fontRef>
+        </p:style>
+        <p:txBody>
+          <a:bodyPr rtlCol="0" anchor="ctr"/>
+          <a:lstStyle/>
+          <a:p>
+            <a:pPr algn="ctr"/>
+            <a:endParaRPr lang="pt-BR"/>
+          </a:p>
+        </p:txBody>
+      </p:sp>
+      <p:cxnSp>
+        <p:nvCxnSpPr>
+          <p:cNvPr id="43" name="Conector angulado 42"/>
+          <p:cNvCxnSpPr>
+            <a:stCxn id="46" idx="3"/>
+            <a:endCxn id="42" idx="1"/>
+          </p:cNvCxnSpPr>
+          <p:nvPr/>
+        </p:nvCxnSpPr>
+        <p:spPr>
+          <a:xfrm>
+            <a:off x="1367692" y="3831606"/>
+            <a:ext cx="476739" cy="1327"/>
+          </a:xfrm>
+          <a:prstGeom prst="bentConnector3">
+            <a:avLst>
+              <a:gd name="adj1" fmla="val 50000"/>
+            </a:avLst>
+          </a:prstGeom>
+          <a:ln>
+            <a:solidFill>
+              <a:srgbClr val="FF0000"/>
+            </a:solidFill>
+            <a:tailEnd type="triangle"/>
+          </a:ln>
+        </p:spPr>
+        <p:style>
+          <a:lnRef idx="1">
+            <a:schemeClr val="accent1"/>
+          </a:lnRef>
+          <a:fillRef idx="0">
+            <a:schemeClr val="accent1"/>
+          </a:fillRef>
+          <a:effectRef idx="0">
+            <a:schemeClr val="accent1"/>
+          </a:effectRef>
+          <a:fontRef idx="minor">
+            <a:schemeClr val="tx1"/>
+          </a:fontRef>
+        </p:style>
+      </p:cxnSp>
+      <p:sp>
+        <p:nvSpPr>
+          <p:cNvPr id="46" name="CaixaDeTexto 45"/>
+          <p:cNvSpPr txBox="1"/>
+          <p:nvPr/>
+        </p:nvSpPr>
+        <p:spPr>
+          <a:xfrm>
+            <a:off x="281354" y="3446885"/>
+            <a:ext cx="1086338" cy="769441"/>
+          </a:xfrm>
+          <a:prstGeom prst="rect">
+            <a:avLst/>
+          </a:prstGeom>
+          <a:noFill/>
+        </p:spPr>
+        <p:txBody>
+          <a:bodyPr wrap="square" rtlCol="0">
+            <a:spAutoFit/>
+          </a:bodyPr>
+          <a:lstStyle/>
+          <a:p>
+            <a:pPr algn="ctr"/>
+            <a:r>
+              <a:rPr lang="pt-BR" sz="1100" b="1" dirty="0" smtClean="0"/>
+              <a:t>D3: </a:t>
+            </a:r>
+            <a:r>
+              <a:rPr lang="pt-BR" sz="1100" b="1" dirty="0" err="1" smtClean="0"/>
+              <a:t>kernel</a:t>
+            </a:r>
+            <a:r>
+              <a:rPr lang="pt-BR" sz="1100" b="1" dirty="0" smtClean="0"/>
+              <a:t> displays (min. </a:t>
+            </a:r>
+            <a:r>
+              <a:rPr lang="pt-BR" sz="1100" b="1" dirty="0" err="1" smtClean="0"/>
+              <a:t>and</a:t>
+            </a:r>
+            <a:r>
+              <a:rPr lang="pt-BR" sz="1100" b="1" dirty="0" smtClean="0"/>
+              <a:t> </a:t>
+            </a:r>
+            <a:r>
+              <a:rPr lang="pt-BR" sz="1100" b="1" dirty="0" err="1" smtClean="0"/>
+              <a:t>max</a:t>
+            </a:r>
+            <a:r>
+              <a:rPr lang="pt-BR" sz="1100" b="1" dirty="0" smtClean="0"/>
+              <a:t>. </a:t>
+            </a:r>
+            <a:r>
+              <a:rPr lang="pt-BR" sz="1100" b="1" dirty="0" err="1" smtClean="0"/>
+              <a:t>frequencies</a:t>
+            </a:r>
+            <a:r>
+              <a:rPr lang="pt-BR" sz="1100" b="1" dirty="0" smtClean="0"/>
+              <a:t>)</a:t>
+            </a:r>
+            <a:endParaRPr lang="pt-BR" sz="1100" b="1" dirty="0"/>
+          </a:p>
+        </p:txBody>
+      </p:sp>
+      <p:sp>
+        <p:nvSpPr>
+          <p:cNvPr id="49" name="Retângulo 48"/>
+          <p:cNvSpPr/>
+          <p:nvPr/>
+        </p:nvSpPr>
+        <p:spPr>
+          <a:xfrm>
+            <a:off x="1844433" y="2135144"/>
+            <a:ext cx="1867876" cy="574468"/>
+          </a:xfrm>
+          <a:prstGeom prst="rect">
+            <a:avLst/>
+          </a:prstGeom>
+          <a:noFill/>
+          <a:ln>
+            <a:solidFill>
+              <a:srgbClr val="FF0000"/>
+            </a:solidFill>
+          </a:ln>
+        </p:spPr>
+        <p:style>
+          <a:lnRef idx="2">
+            <a:schemeClr val="accent1">
+              <a:shade val="50000"/>
+            </a:schemeClr>
+          </a:lnRef>
+          <a:fillRef idx="1">
+            <a:schemeClr val="accent1"/>
+          </a:fillRef>
+          <a:effectRef idx="0">
+            <a:schemeClr val="accent1"/>
+          </a:effectRef>
+          <a:fontRef idx="minor">
+            <a:schemeClr val="lt1"/>
+          </a:fontRef>
+        </p:style>
+        <p:txBody>
+          <a:bodyPr rtlCol="0" anchor="ctr"/>
+          <a:lstStyle/>
+          <a:p>
+            <a:pPr algn="ctr"/>
+            <a:endParaRPr lang="pt-BR"/>
+          </a:p>
+        </p:txBody>
+      </p:sp>
+      <p:cxnSp>
+        <p:nvCxnSpPr>
+          <p:cNvPr id="51" name="Conector angulado 50"/>
+          <p:cNvCxnSpPr>
+            <a:stCxn id="54" idx="2"/>
+            <a:endCxn id="49" idx="1"/>
+          </p:cNvCxnSpPr>
+          <p:nvPr/>
+        </p:nvCxnSpPr>
+        <p:spPr>
+          <a:xfrm rot="16200000" flipH="1">
+            <a:off x="1016203" y="1594148"/>
+            <a:ext cx="1300406" cy="356053"/>
+          </a:xfrm>
+          <a:prstGeom prst="bentConnector2">
+            <a:avLst/>
+          </a:prstGeom>
+          <a:ln>
+            <a:solidFill>
+              <a:srgbClr val="FF0000"/>
+            </a:solidFill>
+            <a:tailEnd type="triangle"/>
+          </a:ln>
+        </p:spPr>
+        <p:style>
+          <a:lnRef idx="1">
+            <a:schemeClr val="accent1"/>
+          </a:lnRef>
+          <a:fillRef idx="0">
+            <a:schemeClr val="accent1"/>
+          </a:fillRef>
+          <a:effectRef idx="0">
+            <a:schemeClr val="accent1"/>
+          </a:effectRef>
+          <a:fontRef idx="minor">
+            <a:schemeClr val="tx1"/>
+          </a:fontRef>
+        </p:style>
+      </p:cxnSp>
+      <p:sp>
+        <p:nvSpPr>
+          <p:cNvPr id="54" name="CaixaDeTexto 53"/>
+          <p:cNvSpPr txBox="1"/>
+          <p:nvPr/>
+        </p:nvSpPr>
+        <p:spPr>
+          <a:xfrm>
+            <a:off x="493265" y="691085"/>
+            <a:ext cx="1990229" cy="430887"/>
+          </a:xfrm>
+          <a:prstGeom prst="rect">
+            <a:avLst/>
+          </a:prstGeom>
+          <a:noFill/>
+        </p:spPr>
+        <p:txBody>
+          <a:bodyPr wrap="square" rtlCol="0">
+            <a:spAutoFit/>
+          </a:bodyPr>
+          <a:lstStyle/>
+          <a:p>
+            <a:pPr algn="ctr"/>
+            <a:r>
+              <a:rPr lang="pt-BR" sz="1100" b="1" dirty="0" smtClean="0"/>
+              <a:t>D1: </a:t>
+            </a:r>
+            <a:r>
+              <a:rPr lang="pt-BR" sz="1100" b="1" dirty="0" err="1" smtClean="0"/>
+              <a:t>kernel</a:t>
+            </a:r>
+            <a:r>
+              <a:rPr lang="pt-BR" sz="1100" b="1" dirty="0" smtClean="0"/>
+              <a:t> </a:t>
+            </a:r>
+            <a:r>
+              <a:rPr lang="pt-BR" sz="1100" b="1" dirty="0" err="1" smtClean="0"/>
+              <a:t>frequency</a:t>
+            </a:r>
+            <a:r>
+              <a:rPr lang="pt-BR" sz="1100" b="1" dirty="0" smtClean="0"/>
+              <a:t> </a:t>
+            </a:r>
+            <a:r>
+              <a:rPr lang="pt-BR" sz="1100" b="1" dirty="0" err="1" smtClean="0"/>
+              <a:t>to</a:t>
+            </a:r>
+            <a:r>
+              <a:rPr lang="pt-BR" sz="1100" b="1" dirty="0" smtClean="0"/>
+              <a:t> </a:t>
+            </a:r>
+            <a:r>
+              <a:rPr lang="pt-BR" sz="1100" b="1" dirty="0" err="1" smtClean="0"/>
+              <a:t>spatial</a:t>
+            </a:r>
+            <a:r>
+              <a:rPr lang="pt-BR" sz="1100" b="1" dirty="0" smtClean="0"/>
+              <a:t> </a:t>
+            </a:r>
+            <a:r>
+              <a:rPr lang="pt-BR" sz="1100" b="1" dirty="0" err="1" smtClean="0"/>
+              <a:t>size</a:t>
+            </a:r>
+            <a:r>
+              <a:rPr lang="pt-BR" sz="1100" b="1" dirty="0" smtClean="0"/>
+              <a:t> </a:t>
+            </a:r>
+            <a:r>
+              <a:rPr lang="pt-BR" sz="1100" b="1" dirty="0" err="1" smtClean="0"/>
+              <a:t>conversion</a:t>
+            </a:r>
+            <a:r>
+              <a:rPr lang="pt-BR" sz="1100" b="1" dirty="0" smtClean="0"/>
+              <a:t> display</a:t>
+            </a:r>
+            <a:endParaRPr lang="pt-BR" sz="1100" b="1" dirty="0"/>
+          </a:p>
+        </p:txBody>
+      </p:sp>
+      <p:sp>
+        <p:nvSpPr>
+          <p:cNvPr id="58" name="CaixaDeTexto 57"/>
+          <p:cNvSpPr txBox="1"/>
+          <p:nvPr/>
+        </p:nvSpPr>
+        <p:spPr>
+          <a:xfrm>
+            <a:off x="3938659" y="5364293"/>
+            <a:ext cx="2071371" cy="261610"/>
+          </a:xfrm>
+          <a:prstGeom prst="rect">
+            <a:avLst/>
+          </a:prstGeom>
+          <a:noFill/>
+        </p:spPr>
+        <p:txBody>
+          <a:bodyPr wrap="square" rtlCol="0">
+            <a:spAutoFit/>
+          </a:bodyPr>
+          <a:lstStyle/>
+          <a:p>
+            <a:pPr algn="ctr"/>
+            <a:r>
+              <a:rPr lang="pt-BR" sz="1100" b="1" dirty="0" smtClean="0"/>
+              <a:t>B4: </a:t>
+            </a:r>
+            <a:r>
+              <a:rPr lang="pt-BR" sz="1100" b="1" dirty="0" err="1" smtClean="0"/>
+              <a:t>updates</a:t>
+            </a:r>
+            <a:r>
+              <a:rPr lang="pt-BR" sz="1100" b="1" dirty="0" smtClean="0"/>
+              <a:t> Gabor </a:t>
+            </a:r>
+            <a:r>
+              <a:rPr lang="pt-BR" sz="1100" b="1" dirty="0" err="1" smtClean="0"/>
+              <a:t>space</a:t>
+            </a:r>
+            <a:r>
+              <a:rPr lang="pt-BR" sz="1100" b="1" dirty="0" smtClean="0"/>
+              <a:t> display</a:t>
+            </a:r>
+            <a:endParaRPr lang="pt-BR" sz="1100" b="1" dirty="0"/>
+          </a:p>
+        </p:txBody>
+      </p:sp>
+      <p:cxnSp>
+        <p:nvCxnSpPr>
+          <p:cNvPr id="62" name="Conector angulado 61"/>
+          <p:cNvCxnSpPr>
+            <a:stCxn id="64" idx="1"/>
+            <a:endCxn id="63" idx="2"/>
+          </p:cNvCxnSpPr>
+          <p:nvPr/>
+        </p:nvCxnSpPr>
+        <p:spPr>
+          <a:xfrm rot="10800000">
+            <a:off x="2454296" y="5065235"/>
+            <a:ext cx="333245" cy="633120"/>
+          </a:xfrm>
+          <a:prstGeom prst="bentConnector2">
+            <a:avLst/>
+          </a:prstGeom>
+          <a:ln>
+            <a:solidFill>
+              <a:srgbClr val="FF0000"/>
+            </a:solidFill>
+            <a:tailEnd type="triangle"/>
+          </a:ln>
+        </p:spPr>
+        <p:style>
+          <a:lnRef idx="1">
+            <a:schemeClr val="accent1"/>
+          </a:lnRef>
+          <a:fillRef idx="0">
+            <a:schemeClr val="accent1"/>
+          </a:fillRef>
+          <a:effectRef idx="0">
+            <a:schemeClr val="accent1"/>
+          </a:effectRef>
+          <a:fontRef idx="minor">
+            <a:schemeClr val="tx1"/>
+          </a:fontRef>
+        </p:style>
+      </p:cxnSp>
+      <p:sp>
+        <p:nvSpPr>
+          <p:cNvPr id="63" name="Retângulo 62"/>
+          <p:cNvSpPr/>
+          <p:nvPr/>
+        </p:nvSpPr>
+        <p:spPr>
+          <a:xfrm>
+            <a:off x="2356285" y="4924558"/>
+            <a:ext cx="196020" cy="140677"/>
+          </a:xfrm>
+          <a:prstGeom prst="rect">
+            <a:avLst/>
+          </a:prstGeom>
+          <a:noFill/>
+          <a:ln>
+            <a:noFill/>
+          </a:ln>
+        </p:spPr>
+        <p:style>
+          <a:lnRef idx="2">
+            <a:schemeClr val="accent1">
+              <a:shade val="50000"/>
+            </a:schemeClr>
+          </a:lnRef>
+          <a:fillRef idx="1">
+            <a:schemeClr val="accent1"/>
+          </a:fillRef>
+          <a:effectRef idx="0">
+            <a:schemeClr val="accent1"/>
+          </a:effectRef>
+          <a:fontRef idx="minor">
+            <a:schemeClr val="lt1"/>
+          </a:fontRef>
+        </p:style>
+        <p:txBody>
+          <a:bodyPr rtlCol="0" anchor="ctr"/>
+          <a:lstStyle/>
+          <a:p>
+            <a:pPr algn="ctr"/>
+            <a:endParaRPr lang="pt-BR"/>
+          </a:p>
+        </p:txBody>
+      </p:sp>
+      <p:sp>
+        <p:nvSpPr>
+          <p:cNvPr id="64" name="CaixaDeTexto 63"/>
+          <p:cNvSpPr txBox="1"/>
+          <p:nvPr/>
+        </p:nvSpPr>
+        <p:spPr>
+          <a:xfrm>
+            <a:off x="2787540" y="5567550"/>
+            <a:ext cx="1948584" cy="261610"/>
+          </a:xfrm>
+          <a:prstGeom prst="rect">
+            <a:avLst/>
+          </a:prstGeom>
+          <a:noFill/>
+        </p:spPr>
+        <p:txBody>
+          <a:bodyPr wrap="square" rtlCol="0">
+            <a:spAutoFit/>
+          </a:bodyPr>
+          <a:lstStyle/>
+          <a:p>
+            <a:pPr algn="ctr"/>
+            <a:r>
+              <a:rPr lang="pt-BR" sz="1100" b="1" dirty="0" smtClean="0"/>
+              <a:t>B6: </a:t>
+            </a:r>
+            <a:r>
+              <a:rPr lang="pt-BR" sz="1100" b="1" dirty="0" err="1" smtClean="0"/>
+              <a:t>saves</a:t>
+            </a:r>
+            <a:r>
+              <a:rPr lang="pt-BR" sz="1100" b="1" dirty="0" smtClean="0"/>
+              <a:t> </a:t>
+            </a:r>
+            <a:r>
+              <a:rPr lang="pt-BR" sz="1100" b="1" dirty="0" err="1" smtClean="0"/>
+              <a:t>filtered</a:t>
+            </a:r>
+            <a:r>
+              <a:rPr lang="pt-BR" sz="1100" b="1" dirty="0" smtClean="0"/>
+              <a:t> </a:t>
+            </a:r>
+            <a:r>
+              <a:rPr lang="pt-BR" sz="1100" b="1" dirty="0" err="1" smtClean="0"/>
+              <a:t>result</a:t>
+            </a:r>
+            <a:r>
+              <a:rPr lang="pt-BR" sz="1100" b="1" dirty="0" smtClean="0"/>
+              <a:t> </a:t>
+            </a:r>
+            <a:r>
+              <a:rPr lang="pt-BR" sz="1100" b="1" dirty="0" err="1" smtClean="0"/>
+              <a:t>to</a:t>
+            </a:r>
+            <a:r>
+              <a:rPr lang="pt-BR" sz="1100" b="1" dirty="0" smtClean="0"/>
+              <a:t> file</a:t>
+            </a:r>
+            <a:endParaRPr lang="pt-BR" sz="1100" b="1" dirty="0"/>
+          </a:p>
+        </p:txBody>
+      </p:sp>
+      <p:cxnSp>
+        <p:nvCxnSpPr>
+          <p:cNvPr id="66" name="Conector angulado 65"/>
+          <p:cNvCxnSpPr>
+            <a:stCxn id="68" idx="1"/>
+            <a:endCxn id="67" idx="2"/>
+          </p:cNvCxnSpPr>
+          <p:nvPr/>
+        </p:nvCxnSpPr>
+        <p:spPr>
+          <a:xfrm rot="10800000">
+            <a:off x="2242506" y="5055202"/>
+            <a:ext cx="333244" cy="851948"/>
+          </a:xfrm>
+          <a:prstGeom prst="bentConnector2">
+            <a:avLst/>
+          </a:prstGeom>
+          <a:ln>
+            <a:solidFill>
+              <a:srgbClr val="FF0000"/>
+            </a:solidFill>
+            <a:tailEnd type="triangle"/>
+          </a:ln>
+        </p:spPr>
+        <p:style>
+          <a:lnRef idx="1">
+            <a:schemeClr val="accent1"/>
+          </a:lnRef>
+          <a:fillRef idx="0">
+            <a:schemeClr val="accent1"/>
+          </a:fillRef>
+          <a:effectRef idx="0">
+            <a:schemeClr val="accent1"/>
+          </a:effectRef>
+          <a:fontRef idx="minor">
+            <a:schemeClr val="tx1"/>
+          </a:fontRef>
+        </p:style>
+      </p:cxnSp>
+      <p:sp>
+        <p:nvSpPr>
+          <p:cNvPr id="67" name="Retângulo 66"/>
+          <p:cNvSpPr/>
+          <p:nvPr/>
+        </p:nvSpPr>
+        <p:spPr>
+          <a:xfrm>
+            <a:off x="2144496" y="4914525"/>
+            <a:ext cx="196020" cy="140677"/>
+          </a:xfrm>
+          <a:prstGeom prst="rect">
+            <a:avLst/>
+          </a:prstGeom>
+          <a:noFill/>
+          <a:ln>
+            <a:noFill/>
+          </a:ln>
+        </p:spPr>
+        <p:style>
+          <a:lnRef idx="2">
+            <a:schemeClr val="accent1">
+              <a:shade val="50000"/>
+            </a:schemeClr>
+          </a:lnRef>
+          <a:fillRef idx="1">
+            <a:schemeClr val="accent1"/>
+          </a:fillRef>
+          <a:effectRef idx="0">
+            <a:schemeClr val="accent1"/>
+          </a:effectRef>
+          <a:fontRef idx="minor">
+            <a:schemeClr val="lt1"/>
+          </a:fontRef>
+        </p:style>
+        <p:txBody>
+          <a:bodyPr rtlCol="0" anchor="ctr"/>
+          <a:lstStyle/>
+          <a:p>
+            <a:pPr algn="ctr"/>
+            <a:endParaRPr lang="pt-BR"/>
+          </a:p>
+        </p:txBody>
+      </p:sp>
+      <p:sp>
+        <p:nvSpPr>
+          <p:cNvPr id="68" name="CaixaDeTexto 67"/>
+          <p:cNvSpPr txBox="1"/>
+          <p:nvPr/>
+        </p:nvSpPr>
+        <p:spPr>
+          <a:xfrm>
+            <a:off x="2575750" y="5776345"/>
+            <a:ext cx="2832496" cy="261610"/>
+          </a:xfrm>
+          <a:prstGeom prst="rect">
+            <a:avLst/>
+          </a:prstGeom>
+          <a:noFill/>
+        </p:spPr>
+        <p:txBody>
+          <a:bodyPr wrap="square" rtlCol="0">
+            <a:spAutoFit/>
+          </a:bodyPr>
+          <a:lstStyle/>
+          <a:p>
+            <a:pPr algn="ctr"/>
+            <a:r>
+              <a:rPr lang="pt-BR" sz="1100" b="1" dirty="0" smtClean="0"/>
+              <a:t>B5: computes </a:t>
+            </a:r>
+            <a:r>
+              <a:rPr lang="pt-BR" sz="1100" b="1" dirty="0" err="1" smtClean="0"/>
+              <a:t>and</a:t>
+            </a:r>
+            <a:r>
+              <a:rPr lang="pt-BR" sz="1100" b="1" dirty="0" smtClean="0"/>
+              <a:t> displays </a:t>
+            </a:r>
+            <a:r>
+              <a:rPr lang="pt-BR" sz="1100" b="1" dirty="0" err="1" smtClean="0"/>
+              <a:t>the</a:t>
+            </a:r>
+            <a:r>
+              <a:rPr lang="pt-BR" sz="1100" b="1" dirty="0" smtClean="0"/>
+              <a:t> </a:t>
+            </a:r>
+            <a:r>
+              <a:rPr lang="pt-BR" sz="1100" b="1" dirty="0" err="1" smtClean="0"/>
+              <a:t>filtered</a:t>
+            </a:r>
+            <a:r>
+              <a:rPr lang="pt-BR" sz="1100" b="1" dirty="0" smtClean="0"/>
+              <a:t> </a:t>
+            </a:r>
+            <a:r>
+              <a:rPr lang="pt-BR" sz="1100" b="1" dirty="0" err="1" smtClean="0"/>
+              <a:t>result</a:t>
+            </a:r>
+            <a:endParaRPr lang="pt-BR" sz="1100" b="1" dirty="0"/>
+          </a:p>
+        </p:txBody>
+      </p:sp>
+    </p:spTree>
+    <p:extLst>
+      <p:ext uri="{BB962C8B-B14F-4D97-AF65-F5344CB8AC3E}">
+        <p14:creationId xmlns:p14="http://schemas.microsoft.com/office/powerpoint/2010/main" val="2190953065"/>
+      </p:ext>
+    </p:extLst>
+  </p:cSld>
+  <p:clrMapOvr>
+    <a:masterClrMapping/>
+  </p:clrMapOvr>
+  <p:timing>
+    <p:tnLst>
+      <p:par>
+        <p:cTn id="1" dur="indefinite" restart="never" nodeType="tmRoot"/>
+      </p:par>
+    </p:tnLst>
+  </p:timing>
+</p:sld>
+</file>
+
+<file path=ppt/slides/slide17.xml><?xml version="1.0" encoding="utf-8"?>
+<p:sld xmlns:a="http://schemas.openxmlformats.org/drawingml/2006/main" xmlns:r="http://schemas.openxmlformats.org/officeDocument/2006/relationships" xmlns:p="http://schemas.openxmlformats.org/presentationml/2006/main">
+  <p:cSld>
+    <p:spTree>
+      <p:nvGrpSpPr>
+        <p:cNvPr id="1" name=""/>
+        <p:cNvGrpSpPr/>
+        <p:nvPr/>
+      </p:nvGrpSpPr>
+      <p:grpSpPr>
+        <a:xfrm>
+          <a:off x="0" y="0"/>
+          <a:ext cx="0" cy="0"/>
+          <a:chOff x="0" y="0"/>
+          <a:chExt cx="0" cy="0"/>
+        </a:xfrm>
+      </p:grpSpPr>
+      <p:pic>
+        <p:nvPicPr>
+          <p:cNvPr id="4" name="Imagem 3"/>
+          <p:cNvPicPr>
+            <a:picLocks noChangeAspect="1"/>
+          </p:cNvPicPr>
+          <p:nvPr/>
+        </p:nvPicPr>
+        <p:blipFill>
+          <a:blip r:embed="rId2"/>
+          <a:stretch>
+            <a:fillRect/>
+          </a:stretch>
+        </p:blipFill>
+        <p:spPr>
+          <a:xfrm>
+            <a:off x="1199418" y="875594"/>
+            <a:ext cx="4945810" cy="3678360"/>
+          </a:xfrm>
+          <a:prstGeom prst="rect">
+            <a:avLst/>
+          </a:prstGeom>
+        </p:spPr>
+      </p:pic>
+      <p:cxnSp>
+        <p:nvCxnSpPr>
+          <p:cNvPr id="5" name="Conector angulado 4"/>
+          <p:cNvCxnSpPr>
+            <a:stCxn id="7" idx="1"/>
+            <a:endCxn id="6" idx="3"/>
+          </p:cNvCxnSpPr>
+          <p:nvPr/>
+        </p:nvCxnSpPr>
+        <p:spPr>
+          <a:xfrm rot="10800000" flipV="1">
+            <a:off x="5408247" y="3470895"/>
+            <a:ext cx="857141" cy="1"/>
+          </a:xfrm>
+          <a:prstGeom prst="bentConnector3">
+            <a:avLst>
+              <a:gd name="adj1" fmla="val 50000"/>
+            </a:avLst>
+          </a:prstGeom>
+          <a:ln>
+            <a:solidFill>
+              <a:srgbClr val="FF0000"/>
+            </a:solidFill>
+            <a:tailEnd type="triangle"/>
+          </a:ln>
+        </p:spPr>
+        <p:style>
+          <a:lnRef idx="1">
+            <a:schemeClr val="accent1"/>
+          </a:lnRef>
+          <a:fillRef idx="0">
+            <a:schemeClr val="accent1"/>
+          </a:fillRef>
+          <a:effectRef idx="0">
+            <a:schemeClr val="accent1"/>
+          </a:effectRef>
+          <a:fontRef idx="minor">
+            <a:schemeClr val="tx1"/>
+          </a:fontRef>
+        </p:style>
+      </p:cxnSp>
+      <p:sp>
+        <p:nvSpPr>
+          <p:cNvPr id="6" name="Retângulo 5"/>
+          <p:cNvSpPr/>
+          <p:nvPr/>
+        </p:nvSpPr>
+        <p:spPr>
+          <a:xfrm>
+            <a:off x="5212226" y="3400558"/>
+            <a:ext cx="196020" cy="140677"/>
+          </a:xfrm>
+          <a:prstGeom prst="rect">
+            <a:avLst/>
+          </a:prstGeom>
+          <a:noFill/>
+          <a:ln>
+            <a:noFill/>
+          </a:ln>
+        </p:spPr>
+        <p:style>
+          <a:lnRef idx="2">
+            <a:schemeClr val="accent1">
+              <a:shade val="50000"/>
+            </a:schemeClr>
+          </a:lnRef>
+          <a:fillRef idx="1">
+            <a:schemeClr val="accent1"/>
+          </a:fillRef>
+          <a:effectRef idx="0">
+            <a:schemeClr val="accent1"/>
+          </a:effectRef>
+          <a:fontRef idx="minor">
+            <a:schemeClr val="lt1"/>
+          </a:fontRef>
+        </p:style>
+        <p:txBody>
+          <a:bodyPr rtlCol="0" anchor="ctr"/>
+          <a:lstStyle/>
+          <a:p>
+            <a:pPr algn="ctr"/>
+            <a:endParaRPr lang="pt-BR"/>
+          </a:p>
+        </p:txBody>
+      </p:sp>
+      <p:sp>
+        <p:nvSpPr>
+          <p:cNvPr id="7" name="CaixaDeTexto 6"/>
+          <p:cNvSpPr txBox="1"/>
+          <p:nvPr/>
+        </p:nvSpPr>
+        <p:spPr>
+          <a:xfrm>
+            <a:off x="6265387" y="3340091"/>
+            <a:ext cx="1198306" cy="261610"/>
+          </a:xfrm>
+          <a:prstGeom prst="rect">
+            <a:avLst/>
+          </a:prstGeom>
+          <a:noFill/>
+        </p:spPr>
+        <p:txBody>
+          <a:bodyPr wrap="square" rtlCol="0">
+            <a:spAutoFit/>
+          </a:bodyPr>
+          <a:lstStyle/>
+          <a:p>
+            <a:pPr algn="ctr"/>
+            <a:r>
+              <a:rPr lang="pt-BR" sz="1100" b="1" dirty="0" err="1" smtClean="0"/>
+              <a:t>frequency</a:t>
+            </a:r>
+            <a:r>
+              <a:rPr lang="pt-BR" sz="1100" b="1" dirty="0" smtClean="0"/>
+              <a:t> </a:t>
+            </a:r>
+            <a:r>
+              <a:rPr lang="pt-BR" sz="1100" b="1" dirty="0" err="1" smtClean="0"/>
+              <a:t>scale</a:t>
+            </a:r>
+            <a:endParaRPr lang="pt-BR" sz="1100" b="1" dirty="0"/>
+          </a:p>
+        </p:txBody>
+      </p:sp>
+      <p:cxnSp>
+        <p:nvCxnSpPr>
+          <p:cNvPr id="8" name="Conector angulado 7"/>
+          <p:cNvCxnSpPr>
+            <a:stCxn id="10" idx="2"/>
+            <a:endCxn id="9" idx="0"/>
+          </p:cNvCxnSpPr>
+          <p:nvPr/>
+        </p:nvCxnSpPr>
+        <p:spPr>
+          <a:xfrm rot="16200000" flipH="1">
+            <a:off x="3037911" y="1091036"/>
+            <a:ext cx="792883" cy="7815"/>
+          </a:xfrm>
+          <a:prstGeom prst="bentConnector3">
+            <a:avLst>
+              <a:gd name="adj1" fmla="val 50000"/>
+            </a:avLst>
+          </a:prstGeom>
+          <a:ln>
+            <a:solidFill>
+              <a:srgbClr val="FF0000"/>
+            </a:solidFill>
+            <a:tailEnd type="triangle"/>
+          </a:ln>
+        </p:spPr>
+        <p:style>
+          <a:lnRef idx="1">
+            <a:schemeClr val="accent1"/>
+          </a:lnRef>
+          <a:fillRef idx="0">
+            <a:schemeClr val="accent1"/>
+          </a:fillRef>
+          <a:effectRef idx="0">
+            <a:schemeClr val="accent1"/>
+          </a:effectRef>
+          <a:fontRef idx="minor">
+            <a:schemeClr val="tx1"/>
+          </a:fontRef>
+        </p:style>
+      </p:cxnSp>
+      <p:sp>
+        <p:nvSpPr>
+          <p:cNvPr id="9" name="Retângulo 8"/>
+          <p:cNvSpPr/>
+          <p:nvPr/>
+        </p:nvSpPr>
+        <p:spPr>
+          <a:xfrm>
+            <a:off x="3340250" y="1491386"/>
+            <a:ext cx="196020" cy="140677"/>
+          </a:xfrm>
+          <a:prstGeom prst="rect">
+            <a:avLst/>
+          </a:prstGeom>
+          <a:noFill/>
+          <a:ln>
+            <a:noFill/>
+          </a:ln>
+        </p:spPr>
+        <p:style>
+          <a:lnRef idx="2">
+            <a:schemeClr val="accent1">
+              <a:shade val="50000"/>
+            </a:schemeClr>
+          </a:lnRef>
+          <a:fillRef idx="1">
+            <a:schemeClr val="accent1"/>
+          </a:fillRef>
+          <a:effectRef idx="0">
+            <a:schemeClr val="accent1"/>
+          </a:effectRef>
+          <a:fontRef idx="minor">
+            <a:schemeClr val="lt1"/>
+          </a:fontRef>
+        </p:style>
+        <p:txBody>
+          <a:bodyPr rtlCol="0" anchor="ctr"/>
+          <a:lstStyle/>
+          <a:p>
+            <a:pPr algn="ctr"/>
+            <a:endParaRPr lang="pt-BR"/>
+          </a:p>
+        </p:txBody>
+      </p:sp>
+      <p:sp>
+        <p:nvSpPr>
+          <p:cNvPr id="10" name="CaixaDeTexto 9"/>
+          <p:cNvSpPr txBox="1"/>
+          <p:nvPr/>
+        </p:nvSpPr>
+        <p:spPr>
+          <a:xfrm>
+            <a:off x="2764474" y="436893"/>
+            <a:ext cx="1331942" cy="261610"/>
+          </a:xfrm>
+          <a:prstGeom prst="rect">
+            <a:avLst/>
+          </a:prstGeom>
+          <a:noFill/>
+        </p:spPr>
+        <p:txBody>
+          <a:bodyPr wrap="square" rtlCol="0">
+            <a:spAutoFit/>
+          </a:bodyPr>
+          <a:lstStyle/>
+          <a:p>
+            <a:pPr algn="ctr"/>
+            <a:r>
+              <a:rPr lang="pt-BR" sz="1100" b="1" dirty="0" err="1" smtClean="0"/>
+              <a:t>azimuth</a:t>
+            </a:r>
+            <a:r>
+              <a:rPr lang="pt-BR" sz="1100" b="1" dirty="0" smtClean="0"/>
+              <a:t> </a:t>
+            </a:r>
+            <a:r>
+              <a:rPr lang="pt-BR" sz="1100" b="1" dirty="0" err="1" smtClean="0"/>
+              <a:t>scale</a:t>
+            </a:r>
+            <a:endParaRPr lang="pt-BR" sz="1100" b="1" dirty="0"/>
+          </a:p>
+        </p:txBody>
+      </p:sp>
+      <p:cxnSp>
+        <p:nvCxnSpPr>
+          <p:cNvPr id="24" name="Conector angulado 23"/>
+          <p:cNvCxnSpPr>
+            <a:stCxn id="26" idx="1"/>
+            <a:endCxn id="25" idx="0"/>
+          </p:cNvCxnSpPr>
+          <p:nvPr/>
+        </p:nvCxnSpPr>
+        <p:spPr>
+          <a:xfrm rot="10800000" flipV="1">
+            <a:off x="5669287" y="1135264"/>
+            <a:ext cx="589408" cy="215443"/>
+          </a:xfrm>
+          <a:prstGeom prst="bentConnector2">
+            <a:avLst/>
+          </a:prstGeom>
+          <a:ln>
+            <a:solidFill>
+              <a:srgbClr val="FF0000"/>
+            </a:solidFill>
+            <a:tailEnd type="triangle"/>
+          </a:ln>
+        </p:spPr>
+        <p:style>
+          <a:lnRef idx="1">
+            <a:schemeClr val="accent1"/>
+          </a:lnRef>
+          <a:fillRef idx="0">
+            <a:schemeClr val="accent1"/>
+          </a:fillRef>
+          <a:effectRef idx="0">
+            <a:schemeClr val="accent1"/>
+          </a:effectRef>
+          <a:fontRef idx="minor">
+            <a:schemeClr val="tx1"/>
+          </a:fontRef>
+        </p:style>
+      </p:cxnSp>
+      <p:sp>
+        <p:nvSpPr>
+          <p:cNvPr id="25" name="Retângulo 24"/>
+          <p:cNvSpPr/>
+          <p:nvPr/>
+        </p:nvSpPr>
+        <p:spPr>
+          <a:xfrm>
+            <a:off x="5571277" y="1350708"/>
+            <a:ext cx="196020" cy="140677"/>
+          </a:xfrm>
+          <a:prstGeom prst="rect">
+            <a:avLst/>
+          </a:prstGeom>
+          <a:noFill/>
+          <a:ln>
+            <a:noFill/>
+          </a:ln>
+        </p:spPr>
+        <p:style>
+          <a:lnRef idx="2">
+            <a:schemeClr val="accent1">
+              <a:shade val="50000"/>
+            </a:schemeClr>
+          </a:lnRef>
+          <a:fillRef idx="1">
+            <a:schemeClr val="accent1"/>
+          </a:fillRef>
+          <a:effectRef idx="0">
+            <a:schemeClr val="accent1"/>
+          </a:effectRef>
+          <a:fontRef idx="minor">
+            <a:schemeClr val="lt1"/>
+          </a:fontRef>
+        </p:style>
+        <p:txBody>
+          <a:bodyPr rtlCol="0" anchor="ctr"/>
+          <a:lstStyle/>
+          <a:p>
+            <a:pPr algn="ctr"/>
+            <a:endParaRPr lang="pt-BR"/>
+          </a:p>
+        </p:txBody>
+      </p:sp>
+      <p:sp>
+        <p:nvSpPr>
+          <p:cNvPr id="26" name="CaixaDeTexto 25"/>
+          <p:cNvSpPr txBox="1"/>
+          <p:nvPr/>
+        </p:nvSpPr>
+        <p:spPr>
+          <a:xfrm>
+            <a:off x="6258695" y="919821"/>
+            <a:ext cx="1198306" cy="430887"/>
+          </a:xfrm>
+          <a:prstGeom prst="rect">
+            <a:avLst/>
+          </a:prstGeom>
+          <a:noFill/>
+        </p:spPr>
+        <p:txBody>
+          <a:bodyPr wrap="square" rtlCol="0">
+            <a:spAutoFit/>
+          </a:bodyPr>
+          <a:lstStyle/>
+          <a:p>
+            <a:pPr algn="ctr"/>
+            <a:r>
+              <a:rPr lang="pt-BR" sz="1100" b="1" dirty="0" err="1" smtClean="0"/>
+              <a:t>mean</a:t>
+            </a:r>
+            <a:r>
+              <a:rPr lang="pt-BR" sz="1100" b="1" dirty="0" smtClean="0"/>
+              <a:t> response amplitude</a:t>
+            </a:r>
+            <a:endParaRPr lang="pt-BR" sz="1100" b="1" dirty="0"/>
+          </a:p>
+        </p:txBody>
+      </p:sp>
+    </p:spTree>
+    <p:extLst>
+      <p:ext uri="{BB962C8B-B14F-4D97-AF65-F5344CB8AC3E}">
+        <p14:creationId xmlns:p14="http://schemas.microsoft.com/office/powerpoint/2010/main" val="1995761876"/>
+      </p:ext>
+    </p:extLst>
+  </p:cSld>
+  <p:clrMapOvr>
+    <a:masterClrMapping/>
+  </p:clrMapOvr>
+  <p:timing>
+    <p:tnLst>
+      <p:par>
+        <p:cTn id="1" dur="indefinite" restart="never" nodeType="tmRoot"/>
+      </p:par>
+    </p:tnLst>
+  </p:timing>
+</p:sld>
+</file>
+
+<file path=ppt/slides/slide18.xml><?xml version="1.0" encoding="utf-8"?>
+<p:sld xmlns:a="http://schemas.openxmlformats.org/drawingml/2006/main" xmlns:r="http://schemas.openxmlformats.org/officeDocument/2006/relationships" xmlns:p="http://schemas.openxmlformats.org/presentationml/2006/main">
+  <p:cSld>
+    <p:spTree>
+      <p:nvGrpSpPr>
+        <p:cNvPr id="1" name=""/>
+        <p:cNvGrpSpPr/>
+        <p:nvPr/>
+      </p:nvGrpSpPr>
+      <p:grpSpPr>
+        <a:xfrm>
+          <a:off x="0" y="0"/>
+          <a:ext cx="0" cy="0"/>
+          <a:chOff x="0" y="0"/>
+          <a:chExt cx="0" cy="0"/>
+        </a:xfrm>
+      </p:grpSpPr>
+      <p:pic>
+        <p:nvPicPr>
+          <p:cNvPr id="16" name="Imagem 15"/>
+          <p:cNvPicPr>
+            <a:picLocks noChangeAspect="1"/>
+          </p:cNvPicPr>
+          <p:nvPr/>
+        </p:nvPicPr>
+        <p:blipFill>
+          <a:blip r:embed="rId2"/>
+          <a:stretch>
+            <a:fillRect/>
+          </a:stretch>
+        </p:blipFill>
+        <p:spPr>
+          <a:xfrm>
+            <a:off x="360040" y="249593"/>
+            <a:ext cx="8244408" cy="4331535"/>
+          </a:xfrm>
+          <a:prstGeom prst="rect">
+            <a:avLst/>
+          </a:prstGeom>
+          <a:ln>
+            <a:solidFill>
+              <a:schemeClr val="tx1"/>
+            </a:solidFill>
+          </a:ln>
+        </p:spPr>
+      </p:pic>
+      <p:sp>
+        <p:nvSpPr>
+          <p:cNvPr id="17" name="CaixaDeTexto 16"/>
+          <p:cNvSpPr txBox="1"/>
+          <p:nvPr/>
+        </p:nvSpPr>
+        <p:spPr>
+          <a:xfrm>
+            <a:off x="3835971" y="4242574"/>
+            <a:ext cx="1043171" cy="338554"/>
+          </a:xfrm>
+          <a:prstGeom prst="rect">
+            <a:avLst/>
+          </a:prstGeom>
+          <a:noFill/>
+        </p:spPr>
+        <p:txBody>
+          <a:bodyPr wrap="none" rtlCol="0">
+            <a:spAutoFit/>
+          </a:bodyPr>
+          <a:lstStyle/>
+          <a:p>
+            <a:r>
+              <a:rPr lang="pt-BR" sz="1600" b="1" dirty="0" err="1" smtClean="0"/>
+              <a:t>frequency</a:t>
+            </a:r>
+            <a:endParaRPr lang="pt-BR" sz="1600" b="1" dirty="0"/>
+          </a:p>
+        </p:txBody>
+      </p:sp>
+      <p:sp>
+        <p:nvSpPr>
+          <p:cNvPr id="18" name="CaixaDeTexto 17"/>
+          <p:cNvSpPr txBox="1"/>
+          <p:nvPr/>
+        </p:nvSpPr>
+        <p:spPr>
+          <a:xfrm rot="16200000">
+            <a:off x="91537" y="1963104"/>
+            <a:ext cx="875561" cy="338554"/>
+          </a:xfrm>
+          <a:prstGeom prst="rect">
+            <a:avLst/>
+          </a:prstGeom>
+          <a:noFill/>
+        </p:spPr>
+        <p:txBody>
+          <a:bodyPr wrap="none" rtlCol="0">
+            <a:spAutoFit/>
+          </a:bodyPr>
+          <a:lstStyle/>
+          <a:p>
+            <a:r>
+              <a:rPr lang="pt-BR" sz="1600" b="1" dirty="0" err="1" smtClean="0"/>
+              <a:t>azimuth</a:t>
+            </a:r>
+            <a:endParaRPr lang="pt-BR" sz="1600" b="1" dirty="0"/>
+          </a:p>
+        </p:txBody>
+      </p:sp>
+      <p:sp>
+        <p:nvSpPr>
+          <p:cNvPr id="19" name="CaixaDeTexto 18"/>
+          <p:cNvSpPr txBox="1"/>
+          <p:nvPr/>
+        </p:nvSpPr>
+        <p:spPr>
+          <a:xfrm rot="5400000">
+            <a:off x="7421287" y="1808983"/>
+            <a:ext cx="1875129" cy="338554"/>
+          </a:xfrm>
+          <a:prstGeom prst="rect">
+            <a:avLst/>
+          </a:prstGeom>
+          <a:noFill/>
+        </p:spPr>
+        <p:txBody>
+          <a:bodyPr wrap="none" rtlCol="0">
+            <a:spAutoFit/>
+          </a:bodyPr>
+          <a:lstStyle/>
+          <a:p>
+            <a:r>
+              <a:rPr lang="pt-BR" sz="1600" b="1" dirty="0" smtClean="0"/>
+              <a:t>response amplitude</a:t>
+            </a:r>
+            <a:endParaRPr lang="pt-BR" sz="1600" b="1" dirty="0"/>
+          </a:p>
+        </p:txBody>
+      </p:sp>
+      <p:sp>
+        <p:nvSpPr>
+          <p:cNvPr id="20" name="Retângulo 19"/>
+          <p:cNvSpPr/>
+          <p:nvPr/>
+        </p:nvSpPr>
+        <p:spPr>
+          <a:xfrm>
+            <a:off x="890650" y="392790"/>
+            <a:ext cx="329132" cy="3600400"/>
+          </a:xfrm>
+          <a:prstGeom prst="rect">
+            <a:avLst/>
+          </a:prstGeom>
+          <a:noFill/>
+          <a:ln>
+            <a:solidFill>
+              <a:srgbClr val="FFFF00"/>
+            </a:solidFill>
+            <a:prstDash val="sysDot"/>
+          </a:ln>
+        </p:spPr>
+        <p:style>
+          <a:lnRef idx="2">
+            <a:schemeClr val="accent1">
+              <a:shade val="50000"/>
+            </a:schemeClr>
+          </a:lnRef>
+          <a:fillRef idx="1">
+            <a:schemeClr val="accent1"/>
+          </a:fillRef>
+          <a:effectRef idx="0">
+            <a:schemeClr val="accent1"/>
+          </a:effectRef>
+          <a:fontRef idx="minor">
+            <a:schemeClr val="lt1"/>
+          </a:fontRef>
+        </p:style>
+        <p:txBody>
+          <a:bodyPr rtlCol="0" anchor="ctr"/>
+          <a:lstStyle/>
+          <a:p>
+            <a:pPr algn="ctr"/>
+            <a:endParaRPr lang="pt-BR"/>
+          </a:p>
+        </p:txBody>
+      </p:sp>
+      <p:sp>
+        <p:nvSpPr>
+          <p:cNvPr id="21" name="Retângulo 20"/>
+          <p:cNvSpPr/>
+          <p:nvPr/>
+        </p:nvSpPr>
+        <p:spPr>
+          <a:xfrm>
+            <a:off x="1296105" y="392789"/>
+            <a:ext cx="306047" cy="3600400"/>
+          </a:xfrm>
+          <a:prstGeom prst="rect">
+            <a:avLst/>
+          </a:prstGeom>
+          <a:noFill/>
+          <a:ln>
+            <a:solidFill>
+              <a:srgbClr val="FFFF00"/>
+            </a:solidFill>
+            <a:prstDash val="sysDot"/>
+          </a:ln>
+        </p:spPr>
+        <p:style>
+          <a:lnRef idx="2">
+            <a:schemeClr val="accent1">
+              <a:shade val="50000"/>
+            </a:schemeClr>
+          </a:lnRef>
+          <a:fillRef idx="1">
+            <a:schemeClr val="accent1"/>
+          </a:fillRef>
+          <a:effectRef idx="0">
+            <a:schemeClr val="accent1"/>
+          </a:effectRef>
+          <a:fontRef idx="minor">
+            <a:schemeClr val="lt1"/>
+          </a:fontRef>
+        </p:style>
+        <p:txBody>
+          <a:bodyPr rtlCol="0" anchor="ctr"/>
+          <a:lstStyle/>
+          <a:p>
+            <a:pPr algn="ctr"/>
+            <a:endParaRPr lang="pt-BR"/>
+          </a:p>
+        </p:txBody>
+      </p:sp>
+      <p:sp>
+        <p:nvSpPr>
+          <p:cNvPr id="22" name="Retângulo 21"/>
+          <p:cNvSpPr/>
+          <p:nvPr/>
+        </p:nvSpPr>
+        <p:spPr>
+          <a:xfrm>
+            <a:off x="1496163" y="1149347"/>
+            <a:ext cx="4299973" cy="335437"/>
+          </a:xfrm>
+          <a:prstGeom prst="rect">
+            <a:avLst/>
+          </a:prstGeom>
+          <a:noFill/>
+          <a:ln>
+            <a:solidFill>
+              <a:srgbClr val="FFFF00"/>
+            </a:solidFill>
+            <a:prstDash val="sysDot"/>
+          </a:ln>
+        </p:spPr>
+        <p:style>
+          <a:lnRef idx="2">
+            <a:schemeClr val="accent1">
+              <a:shade val="50000"/>
+            </a:schemeClr>
+          </a:lnRef>
+          <a:fillRef idx="1">
+            <a:schemeClr val="accent1"/>
+          </a:fillRef>
+          <a:effectRef idx="0">
+            <a:schemeClr val="accent1"/>
+          </a:effectRef>
+          <a:fontRef idx="minor">
+            <a:schemeClr val="lt1"/>
+          </a:fontRef>
+        </p:style>
+        <p:txBody>
+          <a:bodyPr rtlCol="0" anchor="ctr"/>
+          <a:lstStyle/>
+          <a:p>
+            <a:pPr algn="ctr"/>
+            <a:endParaRPr lang="pt-BR"/>
+          </a:p>
+        </p:txBody>
+      </p:sp>
+      <p:sp>
+        <p:nvSpPr>
+          <p:cNvPr id="23" name="Retângulo 22"/>
+          <p:cNvSpPr/>
+          <p:nvPr/>
+        </p:nvSpPr>
+        <p:spPr>
+          <a:xfrm>
+            <a:off x="1602152" y="2996951"/>
+            <a:ext cx="6138200" cy="120267"/>
+          </a:xfrm>
+          <a:prstGeom prst="rect">
+            <a:avLst/>
+          </a:prstGeom>
+          <a:noFill/>
+          <a:ln>
+            <a:solidFill>
+              <a:srgbClr val="FFFF00"/>
+            </a:solidFill>
+            <a:prstDash val="sysDot"/>
+          </a:ln>
+        </p:spPr>
+        <p:style>
+          <a:lnRef idx="2">
+            <a:schemeClr val="accent1">
+              <a:shade val="50000"/>
+            </a:schemeClr>
+          </a:lnRef>
+          <a:fillRef idx="1">
+            <a:schemeClr val="accent1"/>
+          </a:fillRef>
+          <a:effectRef idx="0">
+            <a:schemeClr val="accent1"/>
+          </a:effectRef>
+          <a:fontRef idx="minor">
+            <a:schemeClr val="lt1"/>
+          </a:fontRef>
+        </p:style>
+        <p:txBody>
+          <a:bodyPr rtlCol="0" anchor="ctr"/>
+          <a:lstStyle/>
+          <a:p>
+            <a:pPr algn="ctr"/>
+            <a:endParaRPr lang="pt-BR"/>
+          </a:p>
+        </p:txBody>
+      </p:sp>
+      <p:pic>
+        <p:nvPicPr>
+          <p:cNvPr id="24" name="Imagem 23"/>
+          <p:cNvPicPr>
+            <a:picLocks noChangeAspect="1"/>
+          </p:cNvPicPr>
+          <p:nvPr/>
+        </p:nvPicPr>
+        <p:blipFill>
+          <a:blip r:embed="rId3"/>
+          <a:stretch>
+            <a:fillRect/>
+          </a:stretch>
+        </p:blipFill>
+        <p:spPr>
+          <a:xfrm>
+            <a:off x="386574" y="4932665"/>
+            <a:ext cx="2037577" cy="1664687"/>
+          </a:xfrm>
+          <a:prstGeom prst="rect">
+            <a:avLst/>
+          </a:prstGeom>
+          <a:ln>
+            <a:solidFill>
+              <a:schemeClr val="tx1"/>
+            </a:solidFill>
+          </a:ln>
+        </p:spPr>
+      </p:pic>
+      <p:pic>
+        <p:nvPicPr>
+          <p:cNvPr id="25" name="Imagem 24"/>
+          <p:cNvPicPr>
+            <a:picLocks noChangeAspect="1"/>
+          </p:cNvPicPr>
+          <p:nvPr/>
+        </p:nvPicPr>
+        <p:blipFill>
+          <a:blip r:embed="rId4"/>
+          <a:stretch>
+            <a:fillRect/>
+          </a:stretch>
+        </p:blipFill>
+        <p:spPr>
+          <a:xfrm>
+            <a:off x="2426548" y="4931854"/>
+            <a:ext cx="2060478" cy="1665498"/>
+          </a:xfrm>
+          <a:prstGeom prst="rect">
+            <a:avLst/>
+          </a:prstGeom>
+          <a:ln>
+            <a:solidFill>
+              <a:schemeClr val="tx1"/>
+            </a:solidFill>
+          </a:ln>
+        </p:spPr>
+      </p:pic>
+      <p:pic>
+        <p:nvPicPr>
+          <p:cNvPr id="26" name="Imagem 25"/>
+          <p:cNvPicPr>
+            <a:picLocks noChangeAspect="1"/>
+          </p:cNvPicPr>
+          <p:nvPr/>
+        </p:nvPicPr>
+        <p:blipFill>
+          <a:blip r:embed="rId5"/>
+          <a:stretch>
+            <a:fillRect/>
+          </a:stretch>
+        </p:blipFill>
+        <p:spPr>
+          <a:xfrm>
+            <a:off x="4491030" y="4932666"/>
+            <a:ext cx="2057672" cy="1663230"/>
+          </a:xfrm>
+          <a:prstGeom prst="rect">
+            <a:avLst/>
+          </a:prstGeom>
+          <a:ln>
+            <a:solidFill>
+              <a:schemeClr val="tx1"/>
+            </a:solidFill>
+          </a:ln>
+        </p:spPr>
+      </p:pic>
+      <p:pic>
+        <p:nvPicPr>
+          <p:cNvPr id="27" name="Imagem 26"/>
+          <p:cNvPicPr>
+            <a:picLocks noChangeAspect="1"/>
+          </p:cNvPicPr>
+          <p:nvPr/>
+        </p:nvPicPr>
+        <p:blipFill>
+          <a:blip r:embed="rId6"/>
+          <a:stretch>
+            <a:fillRect/>
+          </a:stretch>
+        </p:blipFill>
+        <p:spPr>
+          <a:xfrm>
+            <a:off x="6542879" y="4932665"/>
+            <a:ext cx="2014069" cy="1663231"/>
+          </a:xfrm>
+          <a:prstGeom prst="rect">
+            <a:avLst/>
+          </a:prstGeom>
+          <a:ln>
+            <a:solidFill>
+              <a:schemeClr val="tx1"/>
+            </a:solidFill>
+          </a:ln>
+        </p:spPr>
+      </p:pic>
+      <p:sp>
+        <p:nvSpPr>
+          <p:cNvPr id="28" name="CaixaDeTexto 27"/>
+          <p:cNvSpPr txBox="1"/>
+          <p:nvPr/>
+        </p:nvSpPr>
+        <p:spPr>
+          <a:xfrm>
+            <a:off x="755576" y="3971661"/>
+            <a:ext cx="471604" cy="400110"/>
+          </a:xfrm>
+          <a:prstGeom prst="rect">
+            <a:avLst/>
+          </a:prstGeom>
+          <a:noFill/>
+        </p:spPr>
+        <p:txBody>
+          <a:bodyPr wrap="none" rtlCol="0">
+            <a:spAutoFit/>
+          </a:bodyPr>
+          <a:lstStyle/>
+          <a:p>
+            <a:r>
+              <a:rPr lang="pt-BR" sz="2000" b="1" dirty="0" smtClean="0">
+                <a:solidFill>
+                  <a:srgbClr val="FF0000"/>
+                </a:solidFill>
+              </a:rPr>
+              <a:t>(a)</a:t>
+            </a:r>
+            <a:endParaRPr lang="pt-BR" sz="2000" b="1" dirty="0">
+              <a:solidFill>
+                <a:srgbClr val="FF0000"/>
+              </a:solidFill>
+            </a:endParaRPr>
+          </a:p>
+        </p:txBody>
+      </p:sp>
+      <p:sp>
+        <p:nvSpPr>
+          <p:cNvPr id="29" name="CaixaDeTexto 28"/>
+          <p:cNvSpPr txBox="1"/>
+          <p:nvPr/>
+        </p:nvSpPr>
+        <p:spPr>
+          <a:xfrm>
+            <a:off x="1220076" y="3964994"/>
+            <a:ext cx="482824" cy="400110"/>
+          </a:xfrm>
+          <a:prstGeom prst="rect">
+            <a:avLst/>
+          </a:prstGeom>
+          <a:noFill/>
+        </p:spPr>
+        <p:txBody>
+          <a:bodyPr wrap="none" rtlCol="0">
+            <a:spAutoFit/>
+          </a:bodyPr>
+          <a:lstStyle/>
+          <a:p>
+            <a:r>
+              <a:rPr lang="pt-BR" sz="2000" b="1" dirty="0" smtClean="0">
+                <a:solidFill>
+                  <a:srgbClr val="FF0000"/>
+                </a:solidFill>
+              </a:rPr>
+              <a:t>(b)</a:t>
+            </a:r>
+            <a:endParaRPr lang="pt-BR" sz="2000" b="1" dirty="0">
+              <a:solidFill>
+                <a:srgbClr val="FF0000"/>
+              </a:solidFill>
+            </a:endParaRPr>
+          </a:p>
+        </p:txBody>
+      </p:sp>
+      <p:sp>
+        <p:nvSpPr>
+          <p:cNvPr id="30" name="CaixaDeTexto 29"/>
+          <p:cNvSpPr txBox="1"/>
+          <p:nvPr/>
+        </p:nvSpPr>
+        <p:spPr>
+          <a:xfrm>
+            <a:off x="3050108" y="1423217"/>
+            <a:ext cx="452368" cy="400110"/>
+          </a:xfrm>
+          <a:prstGeom prst="rect">
+            <a:avLst/>
+          </a:prstGeom>
+          <a:noFill/>
+        </p:spPr>
+        <p:txBody>
+          <a:bodyPr wrap="none" rtlCol="0">
+            <a:spAutoFit/>
+          </a:bodyPr>
+          <a:lstStyle/>
+          <a:p>
+            <a:r>
+              <a:rPr lang="pt-BR" sz="2000" b="1" dirty="0" smtClean="0">
+                <a:solidFill>
+                  <a:srgbClr val="FFFF00"/>
+                </a:solidFill>
+              </a:rPr>
+              <a:t>(c)</a:t>
+            </a:r>
+            <a:endParaRPr lang="pt-BR" sz="2000" b="1" dirty="0">
+              <a:solidFill>
+                <a:srgbClr val="FFFF00"/>
+              </a:solidFill>
+            </a:endParaRPr>
+          </a:p>
+        </p:txBody>
+      </p:sp>
+      <p:sp>
+        <p:nvSpPr>
+          <p:cNvPr id="31" name="CaixaDeTexto 30"/>
+          <p:cNvSpPr txBox="1"/>
+          <p:nvPr/>
+        </p:nvSpPr>
+        <p:spPr>
+          <a:xfrm>
+            <a:off x="5440284" y="3027657"/>
+            <a:ext cx="482824" cy="400110"/>
+          </a:xfrm>
+          <a:prstGeom prst="rect">
+            <a:avLst/>
+          </a:prstGeom>
+          <a:noFill/>
+        </p:spPr>
+        <p:txBody>
+          <a:bodyPr wrap="none" rtlCol="0">
+            <a:spAutoFit/>
+          </a:bodyPr>
+          <a:lstStyle/>
+          <a:p>
+            <a:r>
+              <a:rPr lang="pt-BR" sz="2000" b="1" dirty="0" smtClean="0">
+                <a:solidFill>
+                  <a:srgbClr val="FFFF00"/>
+                </a:solidFill>
+              </a:rPr>
+              <a:t>(d)</a:t>
+            </a:r>
+            <a:endParaRPr lang="pt-BR" sz="2000" b="1" dirty="0">
+              <a:solidFill>
+                <a:srgbClr val="FFFF00"/>
+              </a:solidFill>
+            </a:endParaRPr>
+          </a:p>
+        </p:txBody>
+      </p:sp>
+      <p:sp>
+        <p:nvSpPr>
+          <p:cNvPr id="32" name="CaixaDeTexto 31"/>
+          <p:cNvSpPr txBox="1"/>
+          <p:nvPr/>
+        </p:nvSpPr>
+        <p:spPr>
+          <a:xfrm>
+            <a:off x="1130404" y="4581128"/>
+            <a:ext cx="471604" cy="400110"/>
+          </a:xfrm>
+          <a:prstGeom prst="rect">
+            <a:avLst/>
+          </a:prstGeom>
+          <a:noFill/>
+        </p:spPr>
+        <p:txBody>
+          <a:bodyPr wrap="none" rtlCol="0">
+            <a:spAutoFit/>
+          </a:bodyPr>
+          <a:lstStyle/>
+          <a:p>
+            <a:r>
+              <a:rPr lang="pt-BR" sz="2000" b="1" dirty="0" smtClean="0">
+                <a:solidFill>
+                  <a:srgbClr val="FF0000"/>
+                </a:solidFill>
+              </a:rPr>
+              <a:t>(a)</a:t>
+            </a:r>
+            <a:endParaRPr lang="pt-BR" sz="2000" b="1" dirty="0">
+              <a:solidFill>
+                <a:srgbClr val="FF0000"/>
+              </a:solidFill>
+            </a:endParaRPr>
+          </a:p>
+        </p:txBody>
+      </p:sp>
+      <p:sp>
+        <p:nvSpPr>
+          <p:cNvPr id="33" name="CaixaDeTexto 32"/>
+          <p:cNvSpPr txBox="1"/>
+          <p:nvPr/>
+        </p:nvSpPr>
+        <p:spPr>
+          <a:xfrm>
+            <a:off x="3218636" y="4581128"/>
+            <a:ext cx="482824" cy="400110"/>
+          </a:xfrm>
+          <a:prstGeom prst="rect">
+            <a:avLst/>
+          </a:prstGeom>
+          <a:noFill/>
+        </p:spPr>
+        <p:txBody>
+          <a:bodyPr wrap="none" rtlCol="0">
+            <a:spAutoFit/>
+          </a:bodyPr>
+          <a:lstStyle/>
+          <a:p>
+            <a:r>
+              <a:rPr lang="pt-BR" sz="2000" b="1" dirty="0" smtClean="0">
+                <a:solidFill>
+                  <a:srgbClr val="FF0000"/>
+                </a:solidFill>
+              </a:rPr>
+              <a:t>(b)</a:t>
+            </a:r>
+            <a:endParaRPr lang="pt-BR" sz="2000" b="1" dirty="0">
+              <a:solidFill>
+                <a:srgbClr val="FF0000"/>
+              </a:solidFill>
+            </a:endParaRPr>
+          </a:p>
+        </p:txBody>
+      </p:sp>
+      <p:sp>
+        <p:nvSpPr>
+          <p:cNvPr id="34" name="CaixaDeTexto 33"/>
+          <p:cNvSpPr txBox="1"/>
+          <p:nvPr/>
+        </p:nvSpPr>
+        <p:spPr>
+          <a:xfrm>
+            <a:off x="5328100" y="4613066"/>
+            <a:ext cx="452368" cy="400110"/>
+          </a:xfrm>
+          <a:prstGeom prst="rect">
+            <a:avLst/>
+          </a:prstGeom>
+          <a:noFill/>
+        </p:spPr>
+        <p:txBody>
+          <a:bodyPr wrap="none" rtlCol="0">
+            <a:spAutoFit/>
+          </a:bodyPr>
+          <a:lstStyle/>
+          <a:p>
+            <a:r>
+              <a:rPr lang="pt-BR" sz="2000" b="1" dirty="0" smtClean="0">
+                <a:solidFill>
+                  <a:srgbClr val="FF0000"/>
+                </a:solidFill>
+              </a:rPr>
+              <a:t>(c)</a:t>
+            </a:r>
+            <a:endParaRPr lang="pt-BR" sz="2000" b="1" dirty="0">
+              <a:solidFill>
+                <a:srgbClr val="FF0000"/>
+              </a:solidFill>
+            </a:endParaRPr>
+          </a:p>
+        </p:txBody>
+      </p:sp>
+      <p:sp>
+        <p:nvSpPr>
+          <p:cNvPr id="35" name="CaixaDeTexto 34"/>
+          <p:cNvSpPr txBox="1"/>
+          <p:nvPr/>
+        </p:nvSpPr>
+        <p:spPr>
+          <a:xfrm>
+            <a:off x="7413526" y="4581128"/>
+            <a:ext cx="482824" cy="400110"/>
+          </a:xfrm>
+          <a:prstGeom prst="rect">
+            <a:avLst/>
+          </a:prstGeom>
+          <a:noFill/>
+        </p:spPr>
+        <p:txBody>
+          <a:bodyPr wrap="none" rtlCol="0">
+            <a:spAutoFit/>
+          </a:bodyPr>
+          <a:lstStyle/>
+          <a:p>
+            <a:r>
+              <a:rPr lang="pt-BR" sz="2000" b="1" dirty="0" smtClean="0">
+                <a:solidFill>
+                  <a:srgbClr val="FF0000"/>
+                </a:solidFill>
+              </a:rPr>
+              <a:t>(d)</a:t>
+            </a:r>
+            <a:endParaRPr lang="pt-BR" sz="2000" b="1" dirty="0">
+              <a:solidFill>
+                <a:srgbClr val="FF0000"/>
+              </a:solidFill>
+            </a:endParaRPr>
+          </a:p>
+        </p:txBody>
+      </p:sp>
+      <p:pic>
+        <p:nvPicPr>
+          <p:cNvPr id="36" name="Picture 2"/>
+          <p:cNvPicPr>
+            <a:picLocks noChangeAspect="1" noChangeArrowheads="1"/>
+          </p:cNvPicPr>
+          <p:nvPr/>
+        </p:nvPicPr>
+        <p:blipFill rotWithShape="1">
+          <a:blip r:embed="rId7" cstate="print">
+            <a:extLst>
+              <a:ext uri="{28A0092B-C50C-407E-A947-70E740481C1C}">
+                <a14:useLocalDpi xmlns:a14="http://schemas.microsoft.com/office/drawing/2010/main" val="0"/>
+              </a:ext>
+            </a:extLst>
+          </a:blip>
+          <a:srcRect l="7187" t="4956" r="24310" b="5136"/>
+          <a:stretch/>
+        </p:blipFill>
+        <p:spPr bwMode="auto">
+          <a:xfrm>
+            <a:off x="7172876" y="3167667"/>
+            <a:ext cx="1337975" cy="1331752"/>
+          </a:xfrm>
+          <a:prstGeom prst="rect">
+            <a:avLst/>
+          </a:prstGeom>
+          <a:ln w="38100" cap="sq">
+            <a:solidFill>
+              <a:srgbClr val="000000"/>
+            </a:solidFill>
+            <a:prstDash val="solid"/>
+            <a:miter lim="800000"/>
+          </a:ln>
+          <a:effectLst>
+            <a:outerShdw blurRad="50800" dist="38100" dir="2700000" algn="tl" rotWithShape="0">
+              <a:srgbClr val="000000">
+                <a:alpha val="43000"/>
+              </a:srgbClr>
+            </a:outerShdw>
+          </a:effectLst>
+          <a:extLst>
+            <a:ext uri="{909E8E84-426E-40DD-AFC4-6F175D3DCCD1}">
+              <a14:hiddenFill xmlns:a14="http://schemas.microsoft.com/office/drawing/2010/main">
+                <a:solidFill>
+                  <a:schemeClr val="accent1"/>
+                </a:solidFill>
+              </a14:hiddenFill>
+            </a:ext>
+            <a:ext uri="{91240B29-F687-4F45-9708-019B960494DF}">
+              <a14:hiddenLine xmlns:a14="http://schemas.microsoft.com/office/drawing/2010/main" w="9525">
+                <a:solidFill>
+                  <a:schemeClr val="tx1"/>
+                </a:solidFill>
+                <a:miter lim="800000"/>
+                <a:headEnd/>
+                <a:tailEnd/>
+              </a14:hiddenLine>
+            </a:ext>
+          </a:extLst>
+        </p:spPr>
+      </p:pic>
+    </p:spTree>
+    <p:extLst>
+      <p:ext uri="{BB962C8B-B14F-4D97-AF65-F5344CB8AC3E}">
+        <p14:creationId xmlns:p14="http://schemas.microsoft.com/office/powerpoint/2010/main" val="3727609275"/>
+      </p:ext>
+    </p:extLst>
+  </p:cSld>
+  <p:clrMapOvr>
+    <a:masterClrMapping/>
+  </p:clrMapOvr>
+  <p:timing>
+    <p:tnLst>
+      <p:par>
+        <p:cTn id="1" dur="indefinite" restart="never" nodeType="tmRoot"/>
+      </p:par>
+    </p:tnLst>
+  </p:timing>
+</p:sld>
+</file>
+
+<file path=ppt/slides/slide19.xml><?xml version="1.0" encoding="utf-8"?>
+<p:sld xmlns:a="http://schemas.openxmlformats.org/drawingml/2006/main" xmlns:r="http://schemas.openxmlformats.org/officeDocument/2006/relationships" xmlns:p="http://schemas.openxmlformats.org/presentationml/2006/main">
+  <p:cSld>
+    <p:spTree>
+      <p:nvGrpSpPr>
+        <p:cNvPr id="1" name=""/>
+        <p:cNvGrpSpPr/>
+        <p:nvPr/>
+      </p:nvGrpSpPr>
+      <p:grpSpPr>
+        <a:xfrm>
+          <a:off x="0" y="0"/>
+          <a:ext cx="0" cy="0"/>
+          <a:chOff x="0" y="0"/>
+          <a:chExt cx="0" cy="0"/>
+        </a:xfrm>
+      </p:grpSpPr>
+      <p:pic>
+        <p:nvPicPr>
+          <p:cNvPr id="4" name="Imagem 3"/>
+          <p:cNvPicPr>
+            <a:picLocks noChangeAspect="1"/>
+          </p:cNvPicPr>
+          <p:nvPr/>
+        </p:nvPicPr>
+        <p:blipFill>
+          <a:blip r:embed="rId2"/>
+          <a:stretch>
+            <a:fillRect/>
+          </a:stretch>
+        </p:blipFill>
+        <p:spPr>
+          <a:xfrm>
+            <a:off x="4681537" y="2324100"/>
+            <a:ext cx="2828925" cy="2209800"/>
+          </a:xfrm>
+          <a:prstGeom prst="rect">
+            <a:avLst/>
+          </a:prstGeom>
+        </p:spPr>
+      </p:pic>
+      <p:sp>
+        <p:nvSpPr>
+          <p:cNvPr id="5" name="Retângulo 4"/>
+          <p:cNvSpPr/>
+          <p:nvPr/>
+        </p:nvSpPr>
+        <p:spPr>
+          <a:xfrm>
+            <a:off x="4720492" y="2368062"/>
+            <a:ext cx="1094154" cy="234461"/>
+          </a:xfrm>
+          <a:prstGeom prst="rect">
+            <a:avLst/>
+          </a:prstGeom>
+          <a:noFill/>
+          <a:ln>
+            <a:solidFill>
+              <a:srgbClr val="FF0000"/>
+            </a:solidFill>
+          </a:ln>
+        </p:spPr>
+        <p:style>
+          <a:lnRef idx="2">
+            <a:schemeClr val="accent1">
+              <a:shade val="50000"/>
+            </a:schemeClr>
+          </a:lnRef>
+          <a:fillRef idx="1">
+            <a:schemeClr val="accent1"/>
+          </a:fillRef>
+          <a:effectRef idx="0">
+            <a:schemeClr val="accent1"/>
+          </a:effectRef>
+          <a:fontRef idx="minor">
+            <a:schemeClr val="lt1"/>
+          </a:fontRef>
+        </p:style>
+        <p:txBody>
+          <a:bodyPr rtlCol="0" anchor="ctr"/>
+          <a:lstStyle/>
+          <a:p>
+            <a:pPr algn="ctr"/>
+            <a:endParaRPr lang="pt-BR"/>
+          </a:p>
+        </p:txBody>
+      </p:sp>
+      <p:sp>
+        <p:nvSpPr>
+          <p:cNvPr id="6" name="Retângulo 5"/>
+          <p:cNvSpPr/>
+          <p:nvPr/>
+        </p:nvSpPr>
+        <p:spPr>
+          <a:xfrm>
+            <a:off x="6119443" y="3288324"/>
+            <a:ext cx="1305171" cy="1174261"/>
+          </a:xfrm>
+          <a:prstGeom prst="rect">
+            <a:avLst/>
+          </a:prstGeom>
+          <a:noFill/>
+          <a:ln>
+            <a:solidFill>
+              <a:srgbClr val="FF0000"/>
+            </a:solidFill>
+          </a:ln>
+        </p:spPr>
+        <p:style>
+          <a:lnRef idx="2">
+            <a:schemeClr val="accent1">
+              <a:shade val="50000"/>
+            </a:schemeClr>
+          </a:lnRef>
+          <a:fillRef idx="1">
+            <a:schemeClr val="accent1"/>
+          </a:fillRef>
+          <a:effectRef idx="0">
+            <a:schemeClr val="accent1"/>
+          </a:effectRef>
+          <a:fontRef idx="minor">
+            <a:schemeClr val="lt1"/>
+          </a:fontRef>
+        </p:style>
+        <p:txBody>
+          <a:bodyPr rtlCol="0" anchor="ctr"/>
+          <a:lstStyle/>
+          <a:p>
+            <a:pPr algn="ctr"/>
+            <a:endParaRPr lang="pt-BR"/>
+          </a:p>
+        </p:txBody>
+      </p:sp>
+    </p:spTree>
+    <p:extLst>
+      <p:ext uri="{BB962C8B-B14F-4D97-AF65-F5344CB8AC3E}">
+        <p14:creationId xmlns:p14="http://schemas.microsoft.com/office/powerpoint/2010/main" val="3250476931"/>
       </p:ext>
     </p:extLst>
   </p:cSld>

--- a/docs/figures.pptx
+++ b/docs/figures.pptx
@@ -24,6 +24,10 @@
     <p:sldId id="274" r:id="rId18"/>
     <p:sldId id="275" r:id="rId19"/>
     <p:sldId id="273" r:id="rId20"/>
+    <p:sldId id="276" r:id="rId21"/>
+    <p:sldId id="277" r:id="rId22"/>
+    <p:sldId id="278" r:id="rId23"/>
+    <p:sldId id="279" r:id="rId24"/>
   </p:sldIdLst>
   <p:sldSz cx="12192000" cy="6858000"/>
   <p:notesSz cx="6858000" cy="9144000"/>
@@ -272,7 +276,7 @@
           <a:p>
             <a:fld id="{5827CF75-21ED-4285-9C22-184A8788EFA2}" type="datetimeFigureOut">
               <a:rPr lang="pt-BR" smtClean="0"/>
-              <a:t>14/01/2019</a:t>
+              <a:t>10/02/2019</a:t>
             </a:fld>
             <a:endParaRPr lang="pt-BR"/>
           </a:p>
@@ -442,7 +446,7 @@
           <a:p>
             <a:fld id="{5827CF75-21ED-4285-9C22-184A8788EFA2}" type="datetimeFigureOut">
               <a:rPr lang="pt-BR" smtClean="0"/>
-              <a:t>14/01/2019</a:t>
+              <a:t>10/02/2019</a:t>
             </a:fld>
             <a:endParaRPr lang="pt-BR"/>
           </a:p>
@@ -622,7 +626,7 @@
           <a:p>
             <a:fld id="{5827CF75-21ED-4285-9C22-184A8788EFA2}" type="datetimeFigureOut">
               <a:rPr lang="pt-BR" smtClean="0"/>
-              <a:t>14/01/2019</a:t>
+              <a:t>10/02/2019</a:t>
             </a:fld>
             <a:endParaRPr lang="pt-BR"/>
           </a:p>
@@ -792,7 +796,7 @@
           <a:p>
             <a:fld id="{5827CF75-21ED-4285-9C22-184A8788EFA2}" type="datetimeFigureOut">
               <a:rPr lang="pt-BR" smtClean="0"/>
-              <a:t>14/01/2019</a:t>
+              <a:t>10/02/2019</a:t>
             </a:fld>
             <a:endParaRPr lang="pt-BR"/>
           </a:p>
@@ -1038,7 +1042,7 @@
           <a:p>
             <a:fld id="{5827CF75-21ED-4285-9C22-184A8788EFA2}" type="datetimeFigureOut">
               <a:rPr lang="pt-BR" smtClean="0"/>
-              <a:t>14/01/2019</a:t>
+              <a:t>10/02/2019</a:t>
             </a:fld>
             <a:endParaRPr lang="pt-BR"/>
           </a:p>
@@ -1270,7 +1274,7 @@
           <a:p>
             <a:fld id="{5827CF75-21ED-4285-9C22-184A8788EFA2}" type="datetimeFigureOut">
               <a:rPr lang="pt-BR" smtClean="0"/>
-              <a:t>14/01/2019</a:t>
+              <a:t>10/02/2019</a:t>
             </a:fld>
             <a:endParaRPr lang="pt-BR"/>
           </a:p>
@@ -1637,7 +1641,7 @@
           <a:p>
             <a:fld id="{5827CF75-21ED-4285-9C22-184A8788EFA2}" type="datetimeFigureOut">
               <a:rPr lang="pt-BR" smtClean="0"/>
-              <a:t>14/01/2019</a:t>
+              <a:t>10/02/2019</a:t>
             </a:fld>
             <a:endParaRPr lang="pt-BR"/>
           </a:p>
@@ -1755,7 +1759,7 @@
           <a:p>
             <a:fld id="{5827CF75-21ED-4285-9C22-184A8788EFA2}" type="datetimeFigureOut">
               <a:rPr lang="pt-BR" smtClean="0"/>
-              <a:t>14/01/2019</a:t>
+              <a:t>10/02/2019</a:t>
             </a:fld>
             <a:endParaRPr lang="pt-BR"/>
           </a:p>
@@ -1850,7 +1854,7 @@
           <a:p>
             <a:fld id="{5827CF75-21ED-4285-9C22-184A8788EFA2}" type="datetimeFigureOut">
               <a:rPr lang="pt-BR" smtClean="0"/>
-              <a:t>14/01/2019</a:t>
+              <a:t>10/02/2019</a:t>
             </a:fld>
             <a:endParaRPr lang="pt-BR"/>
           </a:p>
@@ -2127,7 +2131,7 @@
           <a:p>
             <a:fld id="{5827CF75-21ED-4285-9C22-184A8788EFA2}" type="datetimeFigureOut">
               <a:rPr lang="pt-BR" smtClean="0"/>
-              <a:t>14/01/2019</a:t>
+              <a:t>10/02/2019</a:t>
             </a:fld>
             <a:endParaRPr lang="pt-BR"/>
           </a:p>
@@ -2380,7 +2384,7 @@
           <a:p>
             <a:fld id="{5827CF75-21ED-4285-9C22-184A8788EFA2}" type="datetimeFigureOut">
               <a:rPr lang="pt-BR" smtClean="0"/>
-              <a:t>14/01/2019</a:t>
+              <a:t>10/02/2019</a:t>
             </a:fld>
             <a:endParaRPr lang="pt-BR"/>
           </a:p>
@@ -2593,7 +2597,7 @@
           <a:p>
             <a:fld id="{5827CF75-21ED-4285-9C22-184A8788EFA2}" type="datetimeFigureOut">
               <a:rPr lang="pt-BR" smtClean="0"/>
-              <a:t>14/01/2019</a:t>
+              <a:t>10/02/2019</a:t>
             </a:fld>
             <a:endParaRPr lang="pt-BR"/>
           </a:p>
@@ -8220,16 +8224,6 @@
                 </a:solidFill>
               </a14:hiddenFill>
             </a:ext>
-            <a:ext uri="{91240B29-F687-4F45-9708-019B960494DF}">
-              <a14:hiddenLine xmlns:a14="http://schemas.microsoft.com/office/drawing/2010/main" w="9525">
-                <a:solidFill>
-                  <a:schemeClr val="tx1"/>
-                </a:solidFill>
-                <a:miter lim="800000"/>
-                <a:headEnd/>
-                <a:tailEnd/>
-              </a14:hiddenLine>
-            </a:ext>
           </a:extLst>
         </p:spPr>
       </p:pic>
@@ -14825,6 +14819,1840 @@
     <p:extLst>
       <p:ext uri="{BB962C8B-B14F-4D97-AF65-F5344CB8AC3E}">
         <p14:creationId xmlns:p14="http://schemas.microsoft.com/office/powerpoint/2010/main" val="2572700560"/>
+      </p:ext>
+    </p:extLst>
+  </p:cSld>
+  <p:clrMapOvr>
+    <a:masterClrMapping/>
+  </p:clrMapOvr>
+  <p:timing>
+    <p:tnLst>
+      <p:par>
+        <p:cTn id="1" dur="indefinite" restart="never" nodeType="tmRoot"/>
+      </p:par>
+    </p:tnLst>
+  </p:timing>
+</p:sld>
+</file>
+
+<file path=ppt/slides/slide20.xml><?xml version="1.0" encoding="utf-8"?>
+<p:sld xmlns:a="http://schemas.openxmlformats.org/drawingml/2006/main" xmlns:r="http://schemas.openxmlformats.org/officeDocument/2006/relationships" xmlns:p="http://schemas.openxmlformats.org/presentationml/2006/main">
+  <p:cSld>
+    <p:spTree>
+      <p:nvGrpSpPr>
+        <p:cNvPr id="1" name=""/>
+        <p:cNvGrpSpPr/>
+        <p:nvPr/>
+      </p:nvGrpSpPr>
+      <p:grpSpPr>
+        <a:xfrm>
+          <a:off x="0" y="0"/>
+          <a:ext cx="0" cy="0"/>
+          <a:chOff x="0" y="0"/>
+          <a:chExt cx="0" cy="0"/>
+        </a:xfrm>
+      </p:grpSpPr>
+      <p:pic>
+        <p:nvPicPr>
+          <p:cNvPr id="2" name="Imagem 1"/>
+          <p:cNvPicPr>
+            <a:picLocks noChangeAspect="1"/>
+          </p:cNvPicPr>
+          <p:nvPr/>
+        </p:nvPicPr>
+        <p:blipFill>
+          <a:blip r:embed="rId2"/>
+          <a:stretch>
+            <a:fillRect/>
+          </a:stretch>
+        </p:blipFill>
+        <p:spPr>
+          <a:xfrm>
+            <a:off x="5187911" y="1369002"/>
+            <a:ext cx="3694834" cy="3694834"/>
+          </a:xfrm>
+          <a:prstGeom prst="rect">
+            <a:avLst/>
+          </a:prstGeom>
+        </p:spPr>
+      </p:pic>
+      <p:pic>
+        <p:nvPicPr>
+          <p:cNvPr id="3" name="Imagem 2"/>
+          <p:cNvPicPr>
+            <a:picLocks noChangeAspect="1"/>
+          </p:cNvPicPr>
+          <p:nvPr/>
+        </p:nvPicPr>
+        <p:blipFill>
+          <a:blip r:embed="rId3"/>
+          <a:stretch>
+            <a:fillRect/>
+          </a:stretch>
+        </p:blipFill>
+        <p:spPr>
+          <a:xfrm>
+            <a:off x="1411557" y="1369002"/>
+            <a:ext cx="2835654" cy="2858615"/>
+          </a:xfrm>
+          <a:prstGeom prst="rect">
+            <a:avLst/>
+          </a:prstGeom>
+        </p:spPr>
+      </p:pic>
+      <p:sp>
+        <p:nvSpPr>
+          <p:cNvPr id="7" name="Retângulo 6"/>
+          <p:cNvSpPr/>
+          <p:nvPr/>
+        </p:nvSpPr>
+        <p:spPr>
+          <a:xfrm>
+            <a:off x="5187911" y="1369003"/>
+            <a:ext cx="2887312" cy="2858614"/>
+          </a:xfrm>
+          <a:prstGeom prst="rect">
+            <a:avLst/>
+          </a:prstGeom>
+          <a:noFill/>
+          <a:ln w="28575">
+            <a:solidFill>
+              <a:srgbClr val="FF0000"/>
+            </a:solidFill>
+          </a:ln>
+        </p:spPr>
+        <p:style>
+          <a:lnRef idx="2">
+            <a:schemeClr val="accent1">
+              <a:shade val="50000"/>
+            </a:schemeClr>
+          </a:lnRef>
+          <a:fillRef idx="1">
+            <a:schemeClr val="accent1"/>
+          </a:fillRef>
+          <a:effectRef idx="0">
+            <a:schemeClr val="accent1"/>
+          </a:effectRef>
+          <a:fontRef idx="minor">
+            <a:schemeClr val="lt1"/>
+          </a:fontRef>
+        </p:style>
+        <p:txBody>
+          <a:bodyPr rtlCol="0" anchor="ctr"/>
+          <a:lstStyle/>
+          <a:p>
+            <a:pPr algn="ctr"/>
+            <a:endParaRPr lang="pt-BR"/>
+          </a:p>
+        </p:txBody>
+      </p:sp>
+      <p:sp>
+        <p:nvSpPr>
+          <p:cNvPr id="8" name="Seta para a direita 7"/>
+          <p:cNvSpPr/>
+          <p:nvPr/>
+        </p:nvSpPr>
+        <p:spPr>
+          <a:xfrm>
+            <a:off x="4429495" y="2470068"/>
+            <a:ext cx="546265" cy="581890"/>
+          </a:xfrm>
+          <a:prstGeom prst="rightArrow">
+            <a:avLst/>
+          </a:prstGeom>
+        </p:spPr>
+        <p:style>
+          <a:lnRef idx="2">
+            <a:schemeClr val="accent1">
+              <a:shade val="50000"/>
+            </a:schemeClr>
+          </a:lnRef>
+          <a:fillRef idx="1">
+            <a:schemeClr val="accent1"/>
+          </a:fillRef>
+          <a:effectRef idx="0">
+            <a:schemeClr val="accent1"/>
+          </a:effectRef>
+          <a:fontRef idx="minor">
+            <a:schemeClr val="lt1"/>
+          </a:fontRef>
+        </p:style>
+        <p:txBody>
+          <a:bodyPr rtlCol="0" anchor="ctr"/>
+          <a:lstStyle/>
+          <a:p>
+            <a:pPr algn="ctr"/>
+            <a:endParaRPr lang="pt-BR"/>
+          </a:p>
+        </p:txBody>
+      </p:sp>
+      <p:sp>
+        <p:nvSpPr>
+          <p:cNvPr id="9" name="CaixaDeTexto 8"/>
+          <p:cNvSpPr txBox="1"/>
+          <p:nvPr/>
+        </p:nvSpPr>
+        <p:spPr>
+          <a:xfrm>
+            <a:off x="1762211" y="4227617"/>
+            <a:ext cx="2099293" cy="338554"/>
+          </a:xfrm>
+          <a:prstGeom prst="rect">
+            <a:avLst/>
+          </a:prstGeom>
+          <a:noFill/>
+        </p:spPr>
+        <p:txBody>
+          <a:bodyPr wrap="none" rtlCol="0">
+            <a:spAutoFit/>
+          </a:bodyPr>
+          <a:lstStyle/>
+          <a:p>
+            <a:r>
+              <a:rPr lang="pt-BR" sz="1600" b="1" dirty="0" smtClean="0"/>
+              <a:t>grid </a:t>
+            </a:r>
+            <a:r>
+              <a:rPr lang="pt-BR" sz="1600" b="1" dirty="0" err="1" smtClean="0"/>
+              <a:t>with</a:t>
+            </a:r>
+            <a:r>
+              <a:rPr lang="pt-BR" sz="1600" b="1" dirty="0" smtClean="0"/>
+              <a:t> </a:t>
+            </a:r>
+            <a:r>
+              <a:rPr lang="pt-BR" sz="1600" b="1" dirty="0" err="1" smtClean="0"/>
+              <a:t>arbitrary</a:t>
+            </a:r>
+            <a:r>
+              <a:rPr lang="pt-BR" sz="1600" b="1" dirty="0" smtClean="0"/>
+              <a:t> </a:t>
+            </a:r>
+            <a:r>
+              <a:rPr lang="pt-BR" sz="1600" b="1" dirty="0" err="1" smtClean="0"/>
+              <a:t>size</a:t>
+            </a:r>
+            <a:endParaRPr lang="pt-BR" sz="1600" b="1" dirty="0"/>
+          </a:p>
+        </p:txBody>
+      </p:sp>
+      <p:sp>
+        <p:nvSpPr>
+          <p:cNvPr id="10" name="CaixaDeTexto 9"/>
+          <p:cNvSpPr txBox="1"/>
+          <p:nvPr/>
+        </p:nvSpPr>
+        <p:spPr>
+          <a:xfrm>
+            <a:off x="5017975" y="5021614"/>
+            <a:ext cx="4018664" cy="584775"/>
+          </a:xfrm>
+          <a:prstGeom prst="rect">
+            <a:avLst/>
+          </a:prstGeom>
+          <a:noFill/>
+        </p:spPr>
+        <p:txBody>
+          <a:bodyPr wrap="none" rtlCol="0">
+            <a:spAutoFit/>
+          </a:bodyPr>
+          <a:lstStyle/>
+          <a:p>
+            <a:pPr algn="ctr"/>
+            <a:r>
+              <a:rPr lang="pt-BR" sz="1600" b="1" dirty="0" err="1" smtClean="0"/>
+              <a:t>mirror-padded</a:t>
+            </a:r>
+            <a:r>
+              <a:rPr lang="pt-BR" sz="1600" b="1" dirty="0" smtClean="0"/>
+              <a:t> </a:t>
+            </a:r>
+            <a:r>
+              <a:rPr lang="pt-BR" sz="1600" b="1" dirty="0" err="1" smtClean="0"/>
+              <a:t>square</a:t>
+            </a:r>
+            <a:r>
+              <a:rPr lang="pt-BR" sz="1600" b="1" dirty="0" smtClean="0"/>
+              <a:t> grid </a:t>
+            </a:r>
+            <a:r>
+              <a:rPr lang="pt-BR" sz="1600" b="1" dirty="0" err="1" smtClean="0"/>
+              <a:t>with</a:t>
+            </a:r>
+            <a:r>
+              <a:rPr lang="pt-BR" sz="1600" b="1" dirty="0" smtClean="0"/>
+              <a:t> a power-of-2</a:t>
+            </a:r>
+          </a:p>
+          <a:p>
+            <a:pPr algn="ctr"/>
+            <a:r>
+              <a:rPr lang="pt-BR" sz="1600" b="1" dirty="0" smtClean="0"/>
+              <a:t> </a:t>
+            </a:r>
+            <a:r>
+              <a:rPr lang="pt-BR" sz="1600" b="1" dirty="0" err="1" smtClean="0"/>
+              <a:t>size</a:t>
+            </a:r>
+            <a:r>
+              <a:rPr lang="pt-BR" sz="1600" b="1" dirty="0" smtClean="0"/>
+              <a:t> </a:t>
+            </a:r>
+            <a:r>
+              <a:rPr lang="pt-BR" sz="1600" b="1" dirty="0" err="1" smtClean="0"/>
+              <a:t>compatible</a:t>
+            </a:r>
+            <a:r>
+              <a:rPr lang="pt-BR" sz="1600" b="1" dirty="0" smtClean="0"/>
+              <a:t> </a:t>
+            </a:r>
+            <a:r>
+              <a:rPr lang="pt-BR" sz="1600" b="1" dirty="0" err="1" smtClean="0"/>
+              <a:t>with</a:t>
+            </a:r>
+            <a:r>
+              <a:rPr lang="pt-BR" sz="1600" b="1" dirty="0" smtClean="0"/>
+              <a:t> DWT </a:t>
+            </a:r>
+            <a:r>
+              <a:rPr lang="pt-BR" sz="1600" b="1" dirty="0" err="1" smtClean="0"/>
+              <a:t>algorithm</a:t>
+            </a:r>
+            <a:endParaRPr lang="pt-BR" sz="1600" b="1" dirty="0"/>
+          </a:p>
+        </p:txBody>
+      </p:sp>
+    </p:spTree>
+    <p:extLst>
+      <p:ext uri="{BB962C8B-B14F-4D97-AF65-F5344CB8AC3E}">
+        <p14:creationId xmlns:p14="http://schemas.microsoft.com/office/powerpoint/2010/main" val="4293684942"/>
+      </p:ext>
+    </p:extLst>
+  </p:cSld>
+  <p:clrMapOvr>
+    <a:masterClrMapping/>
+  </p:clrMapOvr>
+  <p:timing>
+    <p:tnLst>
+      <p:par>
+        <p:cTn id="1" dur="indefinite" restart="never" nodeType="tmRoot"/>
+      </p:par>
+    </p:tnLst>
+  </p:timing>
+</p:sld>
+</file>
+
+<file path=ppt/slides/slide21.xml><?xml version="1.0" encoding="utf-8"?>
+<p:sld xmlns:a="http://schemas.openxmlformats.org/drawingml/2006/main" xmlns:r="http://schemas.openxmlformats.org/officeDocument/2006/relationships" xmlns:p="http://schemas.openxmlformats.org/presentationml/2006/main">
+  <p:cSld>
+    <p:spTree>
+      <p:nvGrpSpPr>
+        <p:cNvPr id="1" name=""/>
+        <p:cNvGrpSpPr/>
+        <p:nvPr/>
+      </p:nvGrpSpPr>
+      <p:grpSpPr>
+        <a:xfrm>
+          <a:off x="0" y="0"/>
+          <a:ext cx="0" cy="0"/>
+          <a:chOff x="0" y="0"/>
+          <a:chExt cx="0" cy="0"/>
+        </a:xfrm>
+      </p:grpSpPr>
+      <p:sp>
+        <p:nvSpPr>
+          <p:cNvPr id="9" name="CaixaDeTexto 8"/>
+          <p:cNvSpPr txBox="1"/>
+          <p:nvPr/>
+        </p:nvSpPr>
+        <p:spPr>
+          <a:xfrm>
+            <a:off x="1236920" y="507932"/>
+            <a:ext cx="2714141" cy="338554"/>
+          </a:xfrm>
+          <a:prstGeom prst="rect">
+            <a:avLst/>
+          </a:prstGeom>
+          <a:noFill/>
+        </p:spPr>
+        <p:txBody>
+          <a:bodyPr wrap="none" rtlCol="0">
+            <a:spAutoFit/>
+          </a:bodyPr>
+          <a:lstStyle/>
+          <a:p>
+            <a:r>
+              <a:rPr lang="pt-BR" sz="1600" b="1" dirty="0" smtClean="0"/>
+              <a:t>a 128 × 128 DWT </a:t>
+            </a:r>
+            <a:r>
+              <a:rPr lang="pt-BR" sz="1600" b="1" dirty="0" err="1" smtClean="0"/>
+              <a:t>raw</a:t>
+            </a:r>
+            <a:r>
+              <a:rPr lang="pt-BR" sz="1600" b="1" dirty="0" smtClean="0"/>
+              <a:t> output</a:t>
+            </a:r>
+            <a:endParaRPr lang="pt-BR" sz="1600" b="1" dirty="0"/>
+          </a:p>
+        </p:txBody>
+      </p:sp>
+      <p:sp>
+        <p:nvSpPr>
+          <p:cNvPr id="10" name="CaixaDeTexto 9"/>
+          <p:cNvSpPr txBox="1"/>
+          <p:nvPr/>
+        </p:nvSpPr>
+        <p:spPr>
+          <a:xfrm>
+            <a:off x="3080572" y="4030488"/>
+            <a:ext cx="5702908" cy="584775"/>
+          </a:xfrm>
+          <a:prstGeom prst="rect">
+            <a:avLst/>
+          </a:prstGeom>
+          <a:noFill/>
+        </p:spPr>
+        <p:txBody>
+          <a:bodyPr wrap="none" rtlCol="0">
+            <a:spAutoFit/>
+          </a:bodyPr>
+          <a:lstStyle/>
+          <a:p>
+            <a:pPr algn="ctr"/>
+            <a:r>
+              <a:rPr lang="pt-BR" sz="1600" b="1" dirty="0" err="1" smtClean="0"/>
+              <a:t>first</a:t>
+            </a:r>
+            <a:r>
+              <a:rPr lang="pt-BR" sz="1600" b="1" dirty="0" smtClean="0"/>
+              <a:t> </a:t>
+            </a:r>
+            <a:r>
+              <a:rPr lang="pt-BR" sz="1600" b="1" dirty="0" err="1" smtClean="0"/>
+              <a:t>cell</a:t>
+            </a:r>
+            <a:r>
+              <a:rPr lang="pt-BR" sz="1600" b="1" dirty="0" smtClean="0"/>
+              <a:t> (</a:t>
+            </a:r>
+            <a:r>
+              <a:rPr lang="pt-BR" sz="1600" b="1" dirty="0" err="1" smtClean="0"/>
+              <a:t>bottom-left</a:t>
+            </a:r>
+            <a:r>
+              <a:rPr lang="pt-BR" sz="1600" b="1" dirty="0" smtClean="0"/>
+              <a:t>) </a:t>
+            </a:r>
+            <a:r>
+              <a:rPr lang="pt-BR" sz="1600" b="1" dirty="0" err="1" smtClean="0"/>
+              <a:t>stores</a:t>
+            </a:r>
+            <a:r>
+              <a:rPr lang="pt-BR" sz="1600" b="1" dirty="0" smtClean="0"/>
+              <a:t> </a:t>
+            </a:r>
+            <a:r>
+              <a:rPr lang="pt-BR" sz="1600" b="1" dirty="0" err="1" smtClean="0"/>
+              <a:t>the</a:t>
+            </a:r>
+            <a:r>
+              <a:rPr lang="pt-BR" sz="1600" b="1" dirty="0" smtClean="0"/>
+              <a:t> </a:t>
+            </a:r>
+            <a:r>
+              <a:rPr lang="pt-BR" sz="1600" b="1" dirty="0" err="1" smtClean="0"/>
+              <a:t>smoothing</a:t>
+            </a:r>
+            <a:r>
+              <a:rPr lang="pt-BR" sz="1600" b="1" dirty="0" smtClean="0"/>
+              <a:t> </a:t>
+            </a:r>
+            <a:r>
+              <a:rPr lang="pt-BR" sz="1600" b="1" dirty="0" err="1" smtClean="0"/>
+              <a:t>factor</a:t>
+            </a:r>
+            <a:r>
+              <a:rPr lang="pt-BR" sz="1600" b="1" dirty="0" smtClean="0"/>
+              <a:t> (global </a:t>
+            </a:r>
+            <a:r>
+              <a:rPr lang="pt-BR" sz="1600" b="1" dirty="0" err="1" smtClean="0"/>
+              <a:t>mean</a:t>
+            </a:r>
+            <a:r>
+              <a:rPr lang="pt-BR" sz="1600" b="1" dirty="0" smtClean="0"/>
+              <a:t>)</a:t>
+            </a:r>
+          </a:p>
+          <a:p>
+            <a:pPr algn="ctr"/>
+            <a:r>
+              <a:rPr lang="pt-BR" sz="1600" b="1" dirty="0" err="1" smtClean="0"/>
+              <a:t>direction</a:t>
+            </a:r>
+            <a:r>
+              <a:rPr lang="pt-BR" sz="1600" b="1" dirty="0" smtClean="0"/>
+              <a:t> 1 </a:t>
+            </a:r>
+            <a:r>
+              <a:rPr lang="pt-BR" sz="1600" b="1" dirty="0"/>
+              <a:t>= N–S</a:t>
+            </a:r>
+            <a:r>
+              <a:rPr lang="pt-BR" sz="1600" b="1" dirty="0" smtClean="0"/>
+              <a:t>; </a:t>
+            </a:r>
+            <a:r>
+              <a:rPr lang="pt-BR" sz="1600" b="1" dirty="0" err="1" smtClean="0"/>
+              <a:t>direction</a:t>
+            </a:r>
+            <a:r>
+              <a:rPr lang="pt-BR" sz="1600" b="1" dirty="0" smtClean="0"/>
+              <a:t> 2 = </a:t>
+            </a:r>
+            <a:r>
+              <a:rPr lang="pt-BR" sz="1600" b="1" dirty="0" err="1" smtClean="0"/>
+              <a:t>diagonals</a:t>
+            </a:r>
+            <a:r>
+              <a:rPr lang="pt-BR" sz="1600" b="1" dirty="0" smtClean="0"/>
+              <a:t>; </a:t>
+            </a:r>
+            <a:r>
+              <a:rPr lang="pt-BR" sz="1600" b="1" dirty="0" err="1" smtClean="0"/>
+              <a:t>direction</a:t>
+            </a:r>
+            <a:r>
+              <a:rPr lang="pt-BR" sz="1600" b="1" dirty="0" smtClean="0"/>
+              <a:t> 3 = E–W</a:t>
+            </a:r>
+            <a:endParaRPr lang="pt-BR" sz="1600" b="1" dirty="0"/>
+          </a:p>
+        </p:txBody>
+      </p:sp>
+      <p:pic>
+        <p:nvPicPr>
+          <p:cNvPr id="4" name="Imagem 3"/>
+          <p:cNvPicPr>
+            <a:picLocks noChangeAspect="1"/>
+          </p:cNvPicPr>
+          <p:nvPr/>
+        </p:nvPicPr>
+        <p:blipFill>
+          <a:blip r:embed="rId2"/>
+          <a:stretch>
+            <a:fillRect/>
+          </a:stretch>
+        </p:blipFill>
+        <p:spPr>
+          <a:xfrm>
+            <a:off x="901312" y="846486"/>
+            <a:ext cx="3313090" cy="3119625"/>
+          </a:xfrm>
+          <a:prstGeom prst="rect">
+            <a:avLst/>
+          </a:prstGeom>
+        </p:spPr>
+      </p:pic>
+      <p:pic>
+        <p:nvPicPr>
+          <p:cNvPr id="5" name="Imagem 4"/>
+          <p:cNvPicPr>
+            <a:picLocks noChangeAspect="1"/>
+          </p:cNvPicPr>
+          <p:nvPr/>
+        </p:nvPicPr>
+        <p:blipFill>
+          <a:blip r:embed="rId3"/>
+          <a:stretch>
+            <a:fillRect/>
+          </a:stretch>
+        </p:blipFill>
+        <p:spPr>
+          <a:xfrm>
+            <a:off x="4500427" y="846486"/>
+            <a:ext cx="3175532" cy="3119625"/>
+          </a:xfrm>
+          <a:prstGeom prst="rect">
+            <a:avLst/>
+          </a:prstGeom>
+        </p:spPr>
+      </p:pic>
+      <p:sp>
+        <p:nvSpPr>
+          <p:cNvPr id="11" name="CaixaDeTexto 10"/>
+          <p:cNvSpPr txBox="1"/>
+          <p:nvPr/>
+        </p:nvSpPr>
+        <p:spPr>
+          <a:xfrm>
+            <a:off x="4856905" y="529707"/>
+            <a:ext cx="2260812" cy="338554"/>
+          </a:xfrm>
+          <a:prstGeom prst="rect">
+            <a:avLst/>
+          </a:prstGeom>
+          <a:noFill/>
+        </p:spPr>
+        <p:txBody>
+          <a:bodyPr wrap="none" rtlCol="0">
+            <a:spAutoFit/>
+          </a:bodyPr>
+          <a:lstStyle/>
+          <a:p>
+            <a:r>
+              <a:rPr lang="pt-BR" sz="1600" b="1" dirty="0" err="1" smtClean="0"/>
+              <a:t>levels</a:t>
+            </a:r>
+            <a:r>
+              <a:rPr lang="pt-BR" sz="1600" b="1" dirty="0" smtClean="0"/>
+              <a:t> 0 – 6 (log</a:t>
+            </a:r>
+            <a:r>
+              <a:rPr lang="pt-BR" sz="1600" b="1" baseline="-25000" dirty="0" smtClean="0"/>
+              <a:t>2</a:t>
+            </a:r>
+            <a:r>
+              <a:rPr lang="pt-BR" sz="1600" b="1" dirty="0" smtClean="0"/>
+              <a:t>(128)-1)</a:t>
+            </a:r>
+            <a:endParaRPr lang="pt-BR" sz="1600" b="1" dirty="0"/>
+          </a:p>
+        </p:txBody>
+      </p:sp>
+      <p:pic>
+        <p:nvPicPr>
+          <p:cNvPr id="6" name="Imagem 5"/>
+          <p:cNvPicPr>
+            <a:picLocks noChangeAspect="1"/>
+          </p:cNvPicPr>
+          <p:nvPr/>
+        </p:nvPicPr>
+        <p:blipFill>
+          <a:blip r:embed="rId4"/>
+          <a:stretch>
+            <a:fillRect/>
+          </a:stretch>
+        </p:blipFill>
+        <p:spPr>
+          <a:xfrm>
+            <a:off x="7858578" y="868261"/>
+            <a:ext cx="3068717" cy="3097850"/>
+          </a:xfrm>
+          <a:prstGeom prst="rect">
+            <a:avLst/>
+          </a:prstGeom>
+        </p:spPr>
+      </p:pic>
+      <p:sp>
+        <p:nvSpPr>
+          <p:cNvPr id="12" name="CaixaDeTexto 11"/>
+          <p:cNvSpPr txBox="1"/>
+          <p:nvPr/>
+        </p:nvSpPr>
+        <p:spPr>
+          <a:xfrm>
+            <a:off x="8417516" y="527729"/>
+            <a:ext cx="1956882" cy="338554"/>
+          </a:xfrm>
+          <a:prstGeom prst="rect">
+            <a:avLst/>
+          </a:prstGeom>
+          <a:noFill/>
+        </p:spPr>
+        <p:txBody>
+          <a:bodyPr wrap="none" rtlCol="0">
+            <a:spAutoFit/>
+          </a:bodyPr>
+          <a:lstStyle/>
+          <a:p>
+            <a:r>
+              <a:rPr lang="pt-BR" sz="1600" b="1" dirty="0" err="1" smtClean="0"/>
+              <a:t>directions</a:t>
+            </a:r>
+            <a:r>
+              <a:rPr lang="pt-BR" sz="1600" b="1" dirty="0" smtClean="0"/>
+              <a:t> 1, 2 </a:t>
+            </a:r>
+            <a:r>
+              <a:rPr lang="pt-BR" sz="1600" b="1" dirty="0" err="1" smtClean="0"/>
+              <a:t>and</a:t>
+            </a:r>
+            <a:r>
+              <a:rPr lang="pt-BR" sz="1600" b="1" dirty="0" smtClean="0"/>
+              <a:t> 3</a:t>
+            </a:r>
+            <a:endParaRPr lang="pt-BR" sz="1600" b="1" dirty="0"/>
+          </a:p>
+        </p:txBody>
+      </p:sp>
+    </p:spTree>
+    <p:extLst>
+      <p:ext uri="{BB962C8B-B14F-4D97-AF65-F5344CB8AC3E}">
+        <p14:creationId xmlns:p14="http://schemas.microsoft.com/office/powerpoint/2010/main" val="4147874062"/>
+      </p:ext>
+    </p:extLst>
+  </p:cSld>
+  <p:clrMapOvr>
+    <a:masterClrMapping/>
+  </p:clrMapOvr>
+  <p:timing>
+    <p:tnLst>
+      <p:par>
+        <p:cTn id="1" dur="indefinite" restart="never" nodeType="tmRoot"/>
+      </p:par>
+    </p:tnLst>
+  </p:timing>
+</p:sld>
+</file>
+
+<file path=ppt/slides/slide22.xml><?xml version="1.0" encoding="utf-8"?>
+<p:sld xmlns:a="http://schemas.openxmlformats.org/drawingml/2006/main" xmlns:r="http://schemas.openxmlformats.org/officeDocument/2006/relationships" xmlns:p="http://schemas.openxmlformats.org/presentationml/2006/main">
+  <p:cSld>
+    <p:spTree>
+      <p:nvGrpSpPr>
+        <p:cNvPr id="1" name=""/>
+        <p:cNvGrpSpPr/>
+        <p:nvPr/>
+      </p:nvGrpSpPr>
+      <p:grpSpPr>
+        <a:xfrm>
+          <a:off x="0" y="0"/>
+          <a:ext cx="0" cy="0"/>
+          <a:chOff x="0" y="0"/>
+          <a:chExt cx="0" cy="0"/>
+        </a:xfrm>
+      </p:grpSpPr>
+      <p:pic>
+        <p:nvPicPr>
+          <p:cNvPr id="13" name="Imagem 12"/>
+          <p:cNvPicPr/>
+          <p:nvPr/>
+        </p:nvPicPr>
+        <p:blipFill rotWithShape="1">
+          <a:blip r:embed="rId2">
+            <a:clrChange>
+              <a:clrFrom>
+                <a:srgbClr val="DEDEDE"/>
+              </a:clrFrom>
+              <a:clrTo>
+                <a:srgbClr val="DEDEDE">
+                  <a:alpha val="0"/>
+                </a:srgbClr>
+              </a:clrTo>
+            </a:clrChange>
+          </a:blip>
+          <a:srcRect l="41546" t="24169" r="11869" b="17183"/>
+          <a:stretch/>
+        </p:blipFill>
+        <p:spPr>
+          <a:xfrm>
+            <a:off x="1128162" y="890650"/>
+            <a:ext cx="4880756" cy="4191990"/>
+          </a:xfrm>
+          <a:prstGeom prst="rect">
+            <a:avLst/>
+          </a:prstGeom>
+        </p:spPr>
+      </p:pic>
+      <p:pic>
+        <p:nvPicPr>
+          <p:cNvPr id="14" name="Imagem 13"/>
+          <p:cNvPicPr>
+            <a:picLocks noChangeAspect="1"/>
+          </p:cNvPicPr>
+          <p:nvPr/>
+        </p:nvPicPr>
+        <p:blipFill>
+          <a:blip r:embed="rId3"/>
+          <a:stretch>
+            <a:fillRect/>
+          </a:stretch>
+        </p:blipFill>
+        <p:spPr>
+          <a:xfrm>
+            <a:off x="7266901" y="1036739"/>
+            <a:ext cx="3313090" cy="3119625"/>
+          </a:xfrm>
+          <a:prstGeom prst="rect">
+            <a:avLst/>
+          </a:prstGeom>
+        </p:spPr>
+      </p:pic>
+      <p:sp>
+        <p:nvSpPr>
+          <p:cNvPr id="2" name="Retângulo 1"/>
+          <p:cNvSpPr/>
+          <p:nvPr/>
+        </p:nvSpPr>
+        <p:spPr>
+          <a:xfrm>
+            <a:off x="5997043" y="570016"/>
+            <a:ext cx="498766" cy="4940135"/>
+          </a:xfrm>
+          <a:prstGeom prst="rect">
+            <a:avLst/>
+          </a:prstGeom>
+          <a:solidFill>
+            <a:schemeClr val="bg1"/>
+          </a:solidFill>
+          <a:ln>
+            <a:noFill/>
+          </a:ln>
+        </p:spPr>
+        <p:style>
+          <a:lnRef idx="2">
+            <a:schemeClr val="accent1">
+              <a:shade val="50000"/>
+            </a:schemeClr>
+          </a:lnRef>
+          <a:fillRef idx="1">
+            <a:schemeClr val="accent1"/>
+          </a:fillRef>
+          <a:effectRef idx="0">
+            <a:schemeClr val="accent1"/>
+          </a:effectRef>
+          <a:fontRef idx="minor">
+            <a:schemeClr val="lt1"/>
+          </a:fontRef>
+        </p:style>
+        <p:txBody>
+          <a:bodyPr rtlCol="0" anchor="ctr"/>
+          <a:lstStyle/>
+          <a:p>
+            <a:pPr algn="ctr"/>
+            <a:endParaRPr lang="pt-BR"/>
+          </a:p>
+        </p:txBody>
+      </p:sp>
+      <p:sp>
+        <p:nvSpPr>
+          <p:cNvPr id="15" name="Retângulo 14"/>
+          <p:cNvSpPr/>
+          <p:nvPr/>
+        </p:nvSpPr>
+        <p:spPr>
+          <a:xfrm>
+            <a:off x="639302" y="532414"/>
+            <a:ext cx="498766" cy="4940135"/>
+          </a:xfrm>
+          <a:prstGeom prst="rect">
+            <a:avLst/>
+          </a:prstGeom>
+          <a:solidFill>
+            <a:schemeClr val="bg1"/>
+          </a:solidFill>
+          <a:ln>
+            <a:noFill/>
+          </a:ln>
+        </p:spPr>
+        <p:style>
+          <a:lnRef idx="2">
+            <a:schemeClr val="accent1">
+              <a:shade val="50000"/>
+            </a:schemeClr>
+          </a:lnRef>
+          <a:fillRef idx="1">
+            <a:schemeClr val="accent1"/>
+          </a:fillRef>
+          <a:effectRef idx="0">
+            <a:schemeClr val="accent1"/>
+          </a:effectRef>
+          <a:fontRef idx="minor">
+            <a:schemeClr val="lt1"/>
+          </a:fontRef>
+        </p:style>
+        <p:txBody>
+          <a:bodyPr rtlCol="0" anchor="ctr"/>
+          <a:lstStyle/>
+          <a:p>
+            <a:pPr algn="ctr"/>
+            <a:endParaRPr lang="pt-BR"/>
+          </a:p>
+        </p:txBody>
+      </p:sp>
+      <p:sp>
+        <p:nvSpPr>
+          <p:cNvPr id="16" name="Retângulo 15"/>
+          <p:cNvSpPr/>
+          <p:nvPr/>
+        </p:nvSpPr>
+        <p:spPr>
+          <a:xfrm>
+            <a:off x="8942119" y="2580531"/>
+            <a:ext cx="1637872" cy="1575833"/>
+          </a:xfrm>
+          <a:prstGeom prst="rect">
+            <a:avLst/>
+          </a:prstGeom>
+          <a:noFill/>
+          <a:ln w="28575">
+            <a:solidFill>
+              <a:srgbClr val="FF0000"/>
+            </a:solidFill>
+          </a:ln>
+        </p:spPr>
+        <p:style>
+          <a:lnRef idx="2">
+            <a:schemeClr val="accent1">
+              <a:shade val="50000"/>
+            </a:schemeClr>
+          </a:lnRef>
+          <a:fillRef idx="1">
+            <a:schemeClr val="accent1"/>
+          </a:fillRef>
+          <a:effectRef idx="0">
+            <a:schemeClr val="accent1"/>
+          </a:effectRef>
+          <a:fontRef idx="minor">
+            <a:schemeClr val="lt1"/>
+          </a:fontRef>
+        </p:style>
+        <p:txBody>
+          <a:bodyPr rtlCol="0" anchor="ctr"/>
+          <a:lstStyle/>
+          <a:p>
+            <a:pPr algn="ctr"/>
+            <a:endParaRPr lang="pt-BR"/>
+          </a:p>
+        </p:txBody>
+      </p:sp>
+      <p:cxnSp>
+        <p:nvCxnSpPr>
+          <p:cNvPr id="7" name="Conector reto 6"/>
+          <p:cNvCxnSpPr/>
+          <p:nvPr/>
+        </p:nvCxnSpPr>
+        <p:spPr>
+          <a:xfrm>
+            <a:off x="3663950" y="2232025"/>
+            <a:ext cx="1228684" cy="701180"/>
+          </a:xfrm>
+          <a:prstGeom prst="line">
+            <a:avLst/>
+          </a:prstGeom>
+          <a:ln w="38100">
+            <a:solidFill>
+              <a:srgbClr val="FF0000"/>
+            </a:solidFill>
+          </a:ln>
+        </p:spPr>
+        <p:style>
+          <a:lnRef idx="1">
+            <a:schemeClr val="accent1"/>
+          </a:lnRef>
+          <a:fillRef idx="0">
+            <a:schemeClr val="accent1"/>
+          </a:fillRef>
+          <a:effectRef idx="0">
+            <a:schemeClr val="accent1"/>
+          </a:effectRef>
+          <a:fontRef idx="minor">
+            <a:schemeClr val="tx1"/>
+          </a:fontRef>
+        </p:style>
+      </p:cxnSp>
+      <p:cxnSp>
+        <p:nvCxnSpPr>
+          <p:cNvPr id="17" name="Conector reto 16"/>
+          <p:cNvCxnSpPr/>
+          <p:nvPr/>
+        </p:nvCxnSpPr>
+        <p:spPr>
+          <a:xfrm flipH="1">
+            <a:off x="4892634" y="2200275"/>
+            <a:ext cx="1104410" cy="732930"/>
+          </a:xfrm>
+          <a:prstGeom prst="line">
+            <a:avLst/>
+          </a:prstGeom>
+          <a:ln w="38100">
+            <a:solidFill>
+              <a:srgbClr val="FF0000"/>
+            </a:solidFill>
+          </a:ln>
+        </p:spPr>
+        <p:style>
+          <a:lnRef idx="1">
+            <a:schemeClr val="accent1"/>
+          </a:lnRef>
+          <a:fillRef idx="0">
+            <a:schemeClr val="accent1"/>
+          </a:fillRef>
+          <a:effectRef idx="0">
+            <a:schemeClr val="accent1"/>
+          </a:effectRef>
+          <a:fontRef idx="minor">
+            <a:schemeClr val="tx1"/>
+          </a:fontRef>
+        </p:style>
+      </p:cxnSp>
+      <p:cxnSp>
+        <p:nvCxnSpPr>
+          <p:cNvPr id="23" name="Conector reto 22"/>
+          <p:cNvCxnSpPr/>
+          <p:nvPr/>
+        </p:nvCxnSpPr>
+        <p:spPr>
+          <a:xfrm>
+            <a:off x="4759325" y="1565275"/>
+            <a:ext cx="1237718" cy="635000"/>
+          </a:xfrm>
+          <a:prstGeom prst="line">
+            <a:avLst/>
+          </a:prstGeom>
+          <a:ln w="38100">
+            <a:solidFill>
+              <a:srgbClr val="FF0000"/>
+            </a:solidFill>
+          </a:ln>
+        </p:spPr>
+        <p:style>
+          <a:lnRef idx="1">
+            <a:schemeClr val="accent1"/>
+          </a:lnRef>
+          <a:fillRef idx="0">
+            <a:schemeClr val="accent1"/>
+          </a:fillRef>
+          <a:effectRef idx="0">
+            <a:schemeClr val="accent1"/>
+          </a:effectRef>
+          <a:fontRef idx="minor">
+            <a:schemeClr val="tx1"/>
+          </a:fontRef>
+        </p:style>
+      </p:cxnSp>
+      <p:cxnSp>
+        <p:nvCxnSpPr>
+          <p:cNvPr id="26" name="Conector reto 25"/>
+          <p:cNvCxnSpPr/>
+          <p:nvPr/>
+        </p:nvCxnSpPr>
+        <p:spPr>
+          <a:xfrm flipV="1">
+            <a:off x="3663949" y="1565275"/>
+            <a:ext cx="1095376" cy="666750"/>
+          </a:xfrm>
+          <a:prstGeom prst="line">
+            <a:avLst/>
+          </a:prstGeom>
+          <a:ln w="38100">
+            <a:solidFill>
+              <a:srgbClr val="FF0000"/>
+            </a:solidFill>
+          </a:ln>
+        </p:spPr>
+        <p:style>
+          <a:lnRef idx="1">
+            <a:schemeClr val="accent1"/>
+          </a:lnRef>
+          <a:fillRef idx="0">
+            <a:schemeClr val="accent1"/>
+          </a:fillRef>
+          <a:effectRef idx="0">
+            <a:schemeClr val="accent1"/>
+          </a:effectRef>
+          <a:fontRef idx="minor">
+            <a:schemeClr val="tx1"/>
+          </a:fontRef>
+        </p:style>
+      </p:cxnSp>
+      <p:cxnSp>
+        <p:nvCxnSpPr>
+          <p:cNvPr id="30" name="Conector reto 29"/>
+          <p:cNvCxnSpPr/>
+          <p:nvPr/>
+        </p:nvCxnSpPr>
+        <p:spPr>
+          <a:xfrm>
+            <a:off x="3663950" y="2426980"/>
+            <a:ext cx="1228684" cy="701180"/>
+          </a:xfrm>
+          <a:prstGeom prst="line">
+            <a:avLst/>
+          </a:prstGeom>
+          <a:ln w="38100">
+            <a:solidFill>
+              <a:srgbClr val="FF0000"/>
+            </a:solidFill>
+          </a:ln>
+        </p:spPr>
+        <p:style>
+          <a:lnRef idx="1">
+            <a:schemeClr val="accent1"/>
+          </a:lnRef>
+          <a:fillRef idx="0">
+            <a:schemeClr val="accent1"/>
+          </a:fillRef>
+          <a:effectRef idx="0">
+            <a:schemeClr val="accent1"/>
+          </a:effectRef>
+          <a:fontRef idx="minor">
+            <a:schemeClr val="tx1"/>
+          </a:fontRef>
+        </p:style>
+      </p:cxnSp>
+      <p:cxnSp>
+        <p:nvCxnSpPr>
+          <p:cNvPr id="31" name="Conector reto 30"/>
+          <p:cNvCxnSpPr/>
+          <p:nvPr/>
+        </p:nvCxnSpPr>
+        <p:spPr>
+          <a:xfrm flipH="1">
+            <a:off x="4904510" y="2409825"/>
+            <a:ext cx="1092532" cy="718335"/>
+          </a:xfrm>
+          <a:prstGeom prst="line">
+            <a:avLst/>
+          </a:prstGeom>
+          <a:ln w="38100">
+            <a:solidFill>
+              <a:srgbClr val="FF0000"/>
+            </a:solidFill>
+          </a:ln>
+        </p:spPr>
+        <p:style>
+          <a:lnRef idx="1">
+            <a:schemeClr val="accent1"/>
+          </a:lnRef>
+          <a:fillRef idx="0">
+            <a:schemeClr val="accent1"/>
+          </a:fillRef>
+          <a:effectRef idx="0">
+            <a:schemeClr val="accent1"/>
+          </a:effectRef>
+          <a:fontRef idx="minor">
+            <a:schemeClr val="tx1"/>
+          </a:fontRef>
+        </p:style>
+      </p:cxnSp>
+      <p:cxnSp>
+        <p:nvCxnSpPr>
+          <p:cNvPr id="32" name="Conector reto 31"/>
+          <p:cNvCxnSpPr/>
+          <p:nvPr/>
+        </p:nvCxnSpPr>
+        <p:spPr>
+          <a:xfrm flipH="1">
+            <a:off x="5981700" y="2200275"/>
+            <a:ext cx="3468" cy="209550"/>
+          </a:xfrm>
+          <a:prstGeom prst="line">
+            <a:avLst/>
+          </a:prstGeom>
+          <a:ln w="38100">
+            <a:solidFill>
+              <a:srgbClr val="FF0000"/>
+            </a:solidFill>
+          </a:ln>
+        </p:spPr>
+        <p:style>
+          <a:lnRef idx="1">
+            <a:schemeClr val="accent1"/>
+          </a:lnRef>
+          <a:fillRef idx="0">
+            <a:schemeClr val="accent1"/>
+          </a:fillRef>
+          <a:effectRef idx="0">
+            <a:schemeClr val="accent1"/>
+          </a:effectRef>
+          <a:fontRef idx="minor">
+            <a:schemeClr val="tx1"/>
+          </a:fontRef>
+        </p:style>
+      </p:cxnSp>
+      <p:cxnSp>
+        <p:nvCxnSpPr>
+          <p:cNvPr id="36" name="Conector reto 35"/>
+          <p:cNvCxnSpPr/>
+          <p:nvPr/>
+        </p:nvCxnSpPr>
+        <p:spPr>
+          <a:xfrm flipH="1">
+            <a:off x="4906285" y="2911313"/>
+            <a:ext cx="3468" cy="209550"/>
+          </a:xfrm>
+          <a:prstGeom prst="line">
+            <a:avLst/>
+          </a:prstGeom>
+          <a:ln w="38100">
+            <a:solidFill>
+              <a:srgbClr val="FF0000"/>
+            </a:solidFill>
+          </a:ln>
+        </p:spPr>
+        <p:style>
+          <a:lnRef idx="1">
+            <a:schemeClr val="accent1"/>
+          </a:lnRef>
+          <a:fillRef idx="0">
+            <a:schemeClr val="accent1"/>
+          </a:fillRef>
+          <a:effectRef idx="0">
+            <a:schemeClr val="accent1"/>
+          </a:effectRef>
+          <a:fontRef idx="minor">
+            <a:schemeClr val="tx1"/>
+          </a:fontRef>
+        </p:style>
+      </p:cxnSp>
+      <p:cxnSp>
+        <p:nvCxnSpPr>
+          <p:cNvPr id="37" name="Conector reto 36"/>
+          <p:cNvCxnSpPr/>
+          <p:nvPr/>
+        </p:nvCxnSpPr>
+        <p:spPr>
+          <a:xfrm flipH="1">
+            <a:off x="3663992" y="2236230"/>
+            <a:ext cx="3468" cy="209550"/>
+          </a:xfrm>
+          <a:prstGeom prst="line">
+            <a:avLst/>
+          </a:prstGeom>
+          <a:ln w="38100">
+            <a:solidFill>
+              <a:srgbClr val="FF0000"/>
+            </a:solidFill>
+          </a:ln>
+        </p:spPr>
+        <p:style>
+          <a:lnRef idx="1">
+            <a:schemeClr val="accent1"/>
+          </a:lnRef>
+          <a:fillRef idx="0">
+            <a:schemeClr val="accent1"/>
+          </a:fillRef>
+          <a:effectRef idx="0">
+            <a:schemeClr val="accent1"/>
+          </a:effectRef>
+          <a:fontRef idx="minor">
+            <a:schemeClr val="tx1"/>
+          </a:fontRef>
+        </p:style>
+      </p:cxnSp>
+      <p:sp>
+        <p:nvSpPr>
+          <p:cNvPr id="44" name="Forma livre 43"/>
+          <p:cNvSpPr/>
+          <p:nvPr/>
+        </p:nvSpPr>
+        <p:spPr>
+          <a:xfrm>
+            <a:off x="5943600" y="1924032"/>
+            <a:ext cx="3362325" cy="3077107"/>
+          </a:xfrm>
+          <a:custGeom>
+            <a:avLst/>
+            <a:gdLst>
+              <a:gd name="connsiteX0" fmla="*/ 3362325 w 3362325"/>
+              <a:gd name="connsiteY0" fmla="*/ 2247918 h 3077107"/>
+              <a:gd name="connsiteX1" fmla="*/ 2543175 w 3362325"/>
+              <a:gd name="connsiteY1" fmla="*/ 2886093 h 3077107"/>
+              <a:gd name="connsiteX2" fmla="*/ 1162050 w 3362325"/>
+              <a:gd name="connsiteY2" fmla="*/ 3057543 h 3077107"/>
+              <a:gd name="connsiteX3" fmla="*/ 123825 w 3362325"/>
+              <a:gd name="connsiteY3" fmla="*/ 2505093 h 3077107"/>
+              <a:gd name="connsiteX4" fmla="*/ 238125 w 3362325"/>
+              <a:gd name="connsiteY4" fmla="*/ 1695468 h 3077107"/>
+              <a:gd name="connsiteX5" fmla="*/ 838200 w 3362325"/>
+              <a:gd name="connsiteY5" fmla="*/ 933468 h 3077107"/>
+              <a:gd name="connsiteX6" fmla="*/ 838200 w 3362325"/>
+              <a:gd name="connsiteY6" fmla="*/ 209568 h 3077107"/>
+              <a:gd name="connsiteX7" fmla="*/ 342900 w 3362325"/>
+              <a:gd name="connsiteY7" fmla="*/ 18 h 3077107"/>
+              <a:gd name="connsiteX8" fmla="*/ 0 w 3362325"/>
+              <a:gd name="connsiteY8" fmla="*/ 200043 h 3077107"/>
+            </a:gdLst>
+            <a:ahLst/>
+            <a:cxnLst>
+              <a:cxn ang="0">
+                <a:pos x="connsiteX0" y="connsiteY0"/>
+              </a:cxn>
+              <a:cxn ang="0">
+                <a:pos x="connsiteX1" y="connsiteY1"/>
+              </a:cxn>
+              <a:cxn ang="0">
+                <a:pos x="connsiteX2" y="connsiteY2"/>
+              </a:cxn>
+              <a:cxn ang="0">
+                <a:pos x="connsiteX3" y="connsiteY3"/>
+              </a:cxn>
+              <a:cxn ang="0">
+                <a:pos x="connsiteX4" y="connsiteY4"/>
+              </a:cxn>
+              <a:cxn ang="0">
+                <a:pos x="connsiteX5" y="connsiteY5"/>
+              </a:cxn>
+              <a:cxn ang="0">
+                <a:pos x="connsiteX6" y="connsiteY6"/>
+              </a:cxn>
+              <a:cxn ang="0">
+                <a:pos x="connsiteX7" y="connsiteY7"/>
+              </a:cxn>
+              <a:cxn ang="0">
+                <a:pos x="connsiteX8" y="connsiteY8"/>
+              </a:cxn>
+            </a:cxnLst>
+            <a:rect l="l" t="t" r="r" b="b"/>
+            <a:pathLst>
+              <a:path w="3362325" h="3077107">
+                <a:moveTo>
+                  <a:pt x="3362325" y="2247918"/>
+                </a:moveTo>
+                <a:cubicBezTo>
+                  <a:pt x="3136106" y="2499537"/>
+                  <a:pt x="2909887" y="2751156"/>
+                  <a:pt x="2543175" y="2886093"/>
+                </a:cubicBezTo>
+                <a:cubicBezTo>
+                  <a:pt x="2176463" y="3021030"/>
+                  <a:pt x="1565275" y="3121043"/>
+                  <a:pt x="1162050" y="3057543"/>
+                </a:cubicBezTo>
+                <a:cubicBezTo>
+                  <a:pt x="758825" y="2994043"/>
+                  <a:pt x="277812" y="2732105"/>
+                  <a:pt x="123825" y="2505093"/>
+                </a:cubicBezTo>
+                <a:cubicBezTo>
+                  <a:pt x="-30162" y="2278081"/>
+                  <a:pt x="119062" y="1957405"/>
+                  <a:pt x="238125" y="1695468"/>
+                </a:cubicBezTo>
+                <a:cubicBezTo>
+                  <a:pt x="357187" y="1433530"/>
+                  <a:pt x="738188" y="1181118"/>
+                  <a:pt x="838200" y="933468"/>
+                </a:cubicBezTo>
+                <a:cubicBezTo>
+                  <a:pt x="938212" y="685818"/>
+                  <a:pt x="920750" y="365143"/>
+                  <a:pt x="838200" y="209568"/>
+                </a:cubicBezTo>
+                <a:cubicBezTo>
+                  <a:pt x="755650" y="53993"/>
+                  <a:pt x="482600" y="1605"/>
+                  <a:pt x="342900" y="18"/>
+                </a:cubicBezTo>
+                <a:cubicBezTo>
+                  <a:pt x="203200" y="-1570"/>
+                  <a:pt x="101600" y="99236"/>
+                  <a:pt x="0" y="200043"/>
+                </a:cubicBezTo>
+              </a:path>
+            </a:pathLst>
+          </a:custGeom>
+          <a:noFill/>
+          <a:ln>
+            <a:headEnd type="none" w="med" len="med"/>
+            <a:tailEnd type="triangle" w="med" len="med"/>
+          </a:ln>
+        </p:spPr>
+        <p:style>
+          <a:lnRef idx="2">
+            <a:schemeClr val="accent1">
+              <a:shade val="50000"/>
+            </a:schemeClr>
+          </a:lnRef>
+          <a:fillRef idx="1">
+            <a:schemeClr val="accent1"/>
+          </a:fillRef>
+          <a:effectRef idx="0">
+            <a:schemeClr val="accent1"/>
+          </a:effectRef>
+          <a:fontRef idx="minor">
+            <a:schemeClr val="lt1"/>
+          </a:fontRef>
+        </p:style>
+        <p:txBody>
+          <a:bodyPr rtlCol="0" anchor="ctr"/>
+          <a:lstStyle/>
+          <a:p>
+            <a:pPr algn="ctr"/>
+            <a:endParaRPr lang="pt-BR"/>
+          </a:p>
+        </p:txBody>
+      </p:sp>
+      <p:sp>
+        <p:nvSpPr>
+          <p:cNvPr id="45" name="CaixaDeTexto 44"/>
+          <p:cNvSpPr txBox="1"/>
+          <p:nvPr/>
+        </p:nvSpPr>
+        <p:spPr>
+          <a:xfrm>
+            <a:off x="8902700" y="4541526"/>
+            <a:ext cx="1747145" cy="338554"/>
+          </a:xfrm>
+          <a:prstGeom prst="rect">
+            <a:avLst/>
+          </a:prstGeom>
+          <a:noFill/>
+        </p:spPr>
+        <p:txBody>
+          <a:bodyPr wrap="none" rtlCol="0">
+            <a:spAutoFit/>
+          </a:bodyPr>
+          <a:lstStyle/>
+          <a:p>
+            <a:r>
+              <a:rPr lang="pt-BR" sz="1600" b="1" dirty="0" err="1" smtClean="0"/>
+              <a:t>level</a:t>
+            </a:r>
+            <a:r>
+              <a:rPr lang="pt-BR" sz="1600" b="1" dirty="0" smtClean="0"/>
+              <a:t> 6, </a:t>
+            </a:r>
+            <a:r>
+              <a:rPr lang="pt-BR" sz="1600" b="1" dirty="0" err="1" smtClean="0"/>
+              <a:t>direction</a:t>
+            </a:r>
+            <a:r>
+              <a:rPr lang="pt-BR" sz="1600" b="1" dirty="0" smtClean="0"/>
+              <a:t> 3</a:t>
+            </a:r>
+            <a:endParaRPr lang="pt-BR" sz="1600" b="1" dirty="0"/>
+          </a:p>
+        </p:txBody>
+      </p:sp>
+      <p:sp>
+        <p:nvSpPr>
+          <p:cNvPr id="46" name="CaixaDeTexto 45"/>
+          <p:cNvSpPr txBox="1"/>
+          <p:nvPr/>
+        </p:nvSpPr>
+        <p:spPr>
+          <a:xfrm>
+            <a:off x="319818" y="1150380"/>
+            <a:ext cx="1857496" cy="584775"/>
+          </a:xfrm>
+          <a:prstGeom prst="rect">
+            <a:avLst/>
+          </a:prstGeom>
+          <a:noFill/>
+        </p:spPr>
+        <p:txBody>
+          <a:bodyPr wrap="none" rtlCol="0">
+            <a:spAutoFit/>
+          </a:bodyPr>
+          <a:lstStyle/>
+          <a:p>
+            <a:pPr algn="ctr"/>
+            <a:r>
+              <a:rPr lang="pt-BR" sz="1600" b="1" dirty="0" err="1" smtClean="0"/>
+              <a:t>scalogram</a:t>
+            </a:r>
+            <a:r>
+              <a:rPr lang="pt-BR" sz="1600" b="1" dirty="0" smtClean="0"/>
+              <a:t> cube for </a:t>
+            </a:r>
+          </a:p>
+          <a:p>
+            <a:pPr algn="ctr"/>
+            <a:r>
+              <a:rPr lang="pt-BR" sz="1600" b="1" dirty="0" err="1" smtClean="0"/>
+              <a:t>direction</a:t>
+            </a:r>
+            <a:r>
+              <a:rPr lang="pt-BR" sz="1600" b="1" dirty="0" smtClean="0"/>
+              <a:t> 1 (N–S)</a:t>
+            </a:r>
+            <a:endParaRPr lang="pt-BR" sz="1600" b="1" dirty="0"/>
+          </a:p>
+        </p:txBody>
+      </p:sp>
+      <p:sp>
+        <p:nvSpPr>
+          <p:cNvPr id="47" name="CaixaDeTexto 46"/>
+          <p:cNvSpPr txBox="1"/>
+          <p:nvPr/>
+        </p:nvSpPr>
+        <p:spPr>
+          <a:xfrm>
+            <a:off x="2447694" y="383970"/>
+            <a:ext cx="2083135" cy="584775"/>
+          </a:xfrm>
+          <a:prstGeom prst="rect">
+            <a:avLst/>
+          </a:prstGeom>
+          <a:noFill/>
+        </p:spPr>
+        <p:txBody>
+          <a:bodyPr wrap="none" rtlCol="0">
+            <a:spAutoFit/>
+          </a:bodyPr>
+          <a:lstStyle/>
+          <a:p>
+            <a:pPr algn="ctr"/>
+            <a:r>
+              <a:rPr lang="pt-BR" sz="1600" b="1" dirty="0" err="1" smtClean="0"/>
+              <a:t>scalogram</a:t>
+            </a:r>
+            <a:r>
+              <a:rPr lang="pt-BR" sz="1600" b="1" dirty="0" smtClean="0"/>
+              <a:t> cube for </a:t>
+            </a:r>
+          </a:p>
+          <a:p>
+            <a:pPr algn="ctr"/>
+            <a:r>
+              <a:rPr lang="pt-BR" sz="1600" b="1" dirty="0" err="1" smtClean="0"/>
+              <a:t>direction</a:t>
+            </a:r>
+            <a:r>
+              <a:rPr lang="pt-BR" sz="1600" b="1" dirty="0" smtClean="0"/>
+              <a:t> 2 (</a:t>
+            </a:r>
+            <a:r>
+              <a:rPr lang="pt-BR" sz="1600" b="1" dirty="0" err="1" smtClean="0"/>
+              <a:t>diagonals</a:t>
+            </a:r>
+            <a:r>
+              <a:rPr lang="pt-BR" sz="1600" b="1" dirty="0" smtClean="0"/>
+              <a:t>)</a:t>
+            </a:r>
+            <a:endParaRPr lang="pt-BR" sz="1600" b="1" dirty="0"/>
+          </a:p>
+        </p:txBody>
+      </p:sp>
+      <p:sp>
+        <p:nvSpPr>
+          <p:cNvPr id="48" name="CaixaDeTexto 47"/>
+          <p:cNvSpPr txBox="1"/>
+          <p:nvPr/>
+        </p:nvSpPr>
+        <p:spPr>
+          <a:xfrm>
+            <a:off x="5086614" y="1063337"/>
+            <a:ext cx="1844608" cy="584775"/>
+          </a:xfrm>
+          <a:prstGeom prst="rect">
+            <a:avLst/>
+          </a:prstGeom>
+          <a:noFill/>
+        </p:spPr>
+        <p:txBody>
+          <a:bodyPr wrap="none" rtlCol="0">
+            <a:spAutoFit/>
+          </a:bodyPr>
+          <a:lstStyle/>
+          <a:p>
+            <a:pPr algn="ctr"/>
+            <a:r>
+              <a:rPr lang="pt-BR" sz="1600" b="1" dirty="0" err="1" smtClean="0"/>
+              <a:t>scalogram</a:t>
+            </a:r>
+            <a:r>
+              <a:rPr lang="pt-BR" sz="1600" b="1" dirty="0" smtClean="0"/>
+              <a:t> cube for </a:t>
+            </a:r>
+          </a:p>
+          <a:p>
+            <a:pPr algn="ctr"/>
+            <a:r>
+              <a:rPr lang="pt-BR" sz="1600" b="1" dirty="0" err="1" smtClean="0"/>
+              <a:t>direction</a:t>
+            </a:r>
+            <a:r>
+              <a:rPr lang="pt-BR" sz="1600" b="1" dirty="0" smtClean="0"/>
+              <a:t> </a:t>
+            </a:r>
+            <a:r>
+              <a:rPr lang="pt-BR" sz="1600" b="1" dirty="0"/>
+              <a:t>3 </a:t>
+            </a:r>
+            <a:r>
+              <a:rPr lang="pt-BR" sz="1600" b="1" dirty="0" smtClean="0"/>
+              <a:t>(E–W)</a:t>
+            </a:r>
+            <a:endParaRPr lang="pt-BR" sz="1600" b="1" dirty="0"/>
+          </a:p>
+        </p:txBody>
+      </p:sp>
+      <p:sp>
+        <p:nvSpPr>
+          <p:cNvPr id="49" name="Retângulo 48"/>
+          <p:cNvSpPr/>
+          <p:nvPr/>
+        </p:nvSpPr>
+        <p:spPr>
+          <a:xfrm rot="20999459">
+            <a:off x="962862" y="2170327"/>
+            <a:ext cx="263214" cy="1384995"/>
+          </a:xfrm>
+          <a:prstGeom prst="rect">
+            <a:avLst/>
+          </a:prstGeom>
+        </p:spPr>
+        <p:txBody>
+          <a:bodyPr wrap="none">
+            <a:spAutoFit/>
+          </a:bodyPr>
+          <a:lstStyle/>
+          <a:p>
+            <a:r>
+              <a:rPr lang="pt-BR" sz="1200" b="1" dirty="0" smtClean="0"/>
+              <a:t>6</a:t>
+            </a:r>
+          </a:p>
+          <a:p>
+            <a:r>
+              <a:rPr lang="pt-BR" sz="1200" b="1" dirty="0" smtClean="0"/>
+              <a:t>5</a:t>
+            </a:r>
+          </a:p>
+          <a:p>
+            <a:r>
+              <a:rPr lang="pt-BR" sz="1200" b="1" dirty="0" smtClean="0"/>
+              <a:t>4</a:t>
+            </a:r>
+          </a:p>
+          <a:p>
+            <a:r>
+              <a:rPr lang="pt-BR" sz="1200" b="1" dirty="0" smtClean="0"/>
+              <a:t>3</a:t>
+            </a:r>
+          </a:p>
+          <a:p>
+            <a:r>
+              <a:rPr lang="pt-BR" sz="1200" b="1" dirty="0" smtClean="0"/>
+              <a:t>2</a:t>
+            </a:r>
+          </a:p>
+          <a:p>
+            <a:r>
+              <a:rPr lang="pt-BR" sz="1200" b="1" dirty="0" smtClean="0"/>
+              <a:t>1</a:t>
+            </a:r>
+          </a:p>
+          <a:p>
+            <a:r>
+              <a:rPr lang="pt-BR" sz="1200" b="1" dirty="0"/>
+              <a:t>0</a:t>
+            </a:r>
+            <a:endParaRPr lang="pt-BR" sz="1200" dirty="0"/>
+          </a:p>
+        </p:txBody>
+      </p:sp>
+      <p:sp>
+        <p:nvSpPr>
+          <p:cNvPr id="50" name="CaixaDeTexto 49"/>
+          <p:cNvSpPr txBox="1"/>
+          <p:nvPr/>
+        </p:nvSpPr>
+        <p:spPr>
+          <a:xfrm rot="4757647">
+            <a:off x="214993" y="2715767"/>
+            <a:ext cx="1415837" cy="338554"/>
+          </a:xfrm>
+          <a:prstGeom prst="rect">
+            <a:avLst/>
+          </a:prstGeom>
+          <a:noFill/>
+        </p:spPr>
+        <p:txBody>
+          <a:bodyPr wrap="none" rtlCol="0">
+            <a:spAutoFit/>
+          </a:bodyPr>
+          <a:lstStyle/>
+          <a:p>
+            <a:pPr algn="ctr"/>
+            <a:r>
+              <a:rPr lang="pt-BR" sz="1600" b="1" dirty="0" err="1" smtClean="0"/>
+              <a:t>levels</a:t>
+            </a:r>
+            <a:r>
+              <a:rPr lang="pt-BR" sz="1600" b="1" dirty="0" smtClean="0"/>
+              <a:t> </a:t>
+            </a:r>
+            <a:r>
+              <a:rPr lang="pt-BR" sz="1600" b="1" dirty="0" err="1" smtClean="0"/>
+              <a:t>of</a:t>
+            </a:r>
+            <a:r>
+              <a:rPr lang="pt-BR" sz="1600" b="1" dirty="0" smtClean="0"/>
+              <a:t> </a:t>
+            </a:r>
+            <a:r>
+              <a:rPr lang="pt-BR" sz="1600" b="1" dirty="0" err="1" smtClean="0"/>
+              <a:t>detail</a:t>
+            </a:r>
+            <a:endParaRPr lang="pt-BR" sz="1600" b="1" dirty="0"/>
+          </a:p>
+        </p:txBody>
+      </p:sp>
+      <p:sp>
+        <p:nvSpPr>
+          <p:cNvPr id="51" name="CaixaDeTexto 50"/>
+          <p:cNvSpPr txBox="1"/>
+          <p:nvPr/>
+        </p:nvSpPr>
+        <p:spPr>
+          <a:xfrm>
+            <a:off x="7647229" y="719934"/>
+            <a:ext cx="2714141" cy="338554"/>
+          </a:xfrm>
+          <a:prstGeom prst="rect">
+            <a:avLst/>
+          </a:prstGeom>
+          <a:noFill/>
+        </p:spPr>
+        <p:txBody>
+          <a:bodyPr wrap="none" rtlCol="0">
+            <a:spAutoFit/>
+          </a:bodyPr>
+          <a:lstStyle/>
+          <a:p>
+            <a:r>
+              <a:rPr lang="pt-BR" sz="1600" b="1" dirty="0" smtClean="0"/>
+              <a:t>a 128 × 128 DWT </a:t>
+            </a:r>
+            <a:r>
+              <a:rPr lang="pt-BR" sz="1600" b="1" dirty="0" err="1" smtClean="0"/>
+              <a:t>raw</a:t>
+            </a:r>
+            <a:r>
+              <a:rPr lang="pt-BR" sz="1600" b="1" dirty="0" smtClean="0"/>
+              <a:t> output</a:t>
+            </a:r>
+            <a:endParaRPr lang="pt-BR" sz="1600" b="1" dirty="0"/>
+          </a:p>
+        </p:txBody>
+      </p:sp>
+      <p:sp>
+        <p:nvSpPr>
+          <p:cNvPr id="52" name="CaixaDeTexto 51"/>
+          <p:cNvSpPr txBox="1"/>
+          <p:nvPr/>
+        </p:nvSpPr>
+        <p:spPr>
+          <a:xfrm>
+            <a:off x="2002257" y="4993805"/>
+            <a:ext cx="3419526" cy="338554"/>
+          </a:xfrm>
+          <a:prstGeom prst="rect">
+            <a:avLst/>
+          </a:prstGeom>
+          <a:noFill/>
+        </p:spPr>
+        <p:txBody>
+          <a:bodyPr wrap="none" rtlCol="0">
+            <a:spAutoFit/>
+          </a:bodyPr>
+          <a:lstStyle/>
+          <a:p>
+            <a:pPr algn="ctr"/>
+            <a:r>
+              <a:rPr lang="pt-BR" sz="1600" b="1" dirty="0" err="1"/>
+              <a:t>s</a:t>
+            </a:r>
+            <a:r>
+              <a:rPr lang="pt-BR" sz="1600" b="1" dirty="0" err="1" smtClean="0"/>
+              <a:t>quared</a:t>
+            </a:r>
+            <a:r>
+              <a:rPr lang="pt-BR" sz="1600" b="1" dirty="0" smtClean="0"/>
+              <a:t> </a:t>
+            </a:r>
+            <a:r>
+              <a:rPr lang="pt-BR" sz="1600" b="1" dirty="0" err="1" smtClean="0"/>
+              <a:t>and</a:t>
+            </a:r>
+            <a:r>
+              <a:rPr lang="pt-BR" sz="1600" b="1" dirty="0" smtClean="0"/>
+              <a:t> </a:t>
+            </a:r>
+            <a:r>
+              <a:rPr lang="pt-BR" sz="1600" b="1" dirty="0" err="1" smtClean="0"/>
+              <a:t>mirror-padded</a:t>
+            </a:r>
+            <a:r>
+              <a:rPr lang="pt-BR" sz="1600" b="1" dirty="0" smtClean="0"/>
+              <a:t> input grid</a:t>
+            </a:r>
+            <a:endParaRPr lang="pt-BR" sz="1600" b="1" dirty="0"/>
+          </a:p>
+        </p:txBody>
+      </p:sp>
+    </p:spTree>
+    <p:extLst>
+      <p:ext uri="{BB962C8B-B14F-4D97-AF65-F5344CB8AC3E}">
+        <p14:creationId xmlns:p14="http://schemas.microsoft.com/office/powerpoint/2010/main" val="759014270"/>
+      </p:ext>
+    </p:extLst>
+  </p:cSld>
+  <p:clrMapOvr>
+    <a:masterClrMapping/>
+  </p:clrMapOvr>
+  <p:timing>
+    <p:tnLst>
+      <p:par>
+        <p:cTn id="1" dur="indefinite" restart="never" nodeType="tmRoot"/>
+      </p:par>
+    </p:tnLst>
+  </p:timing>
+</p:sld>
+</file>
+
+<file path=ppt/slides/slide23.xml><?xml version="1.0" encoding="utf-8"?>
+<p:sld xmlns:a="http://schemas.openxmlformats.org/drawingml/2006/main" xmlns:r="http://schemas.openxmlformats.org/officeDocument/2006/relationships" xmlns:p="http://schemas.openxmlformats.org/presentationml/2006/main">
+  <p:cSld>
+    <p:spTree>
+      <p:nvGrpSpPr>
+        <p:cNvPr id="1" name=""/>
+        <p:cNvGrpSpPr/>
+        <p:nvPr/>
+      </p:nvGrpSpPr>
+      <p:grpSpPr>
+        <a:xfrm>
+          <a:off x="0" y="0"/>
+          <a:ext cx="0" cy="0"/>
+          <a:chOff x="0" y="0"/>
+          <a:chExt cx="0" cy="0"/>
+        </a:xfrm>
+      </p:grpSpPr>
+      <p:pic>
+        <p:nvPicPr>
+          <p:cNvPr id="3" name="Imagem 2"/>
+          <p:cNvPicPr>
+            <a:picLocks noChangeAspect="1"/>
+          </p:cNvPicPr>
+          <p:nvPr/>
+        </p:nvPicPr>
+        <p:blipFill>
+          <a:blip r:embed="rId2">
+            <a:clrChange>
+              <a:clrFrom>
+                <a:srgbClr val="DEDEDE"/>
+              </a:clrFrom>
+              <a:clrTo>
+                <a:srgbClr val="DEDEDE">
+                  <a:alpha val="0"/>
+                </a:srgbClr>
+              </a:clrTo>
+            </a:clrChange>
+          </a:blip>
+          <a:stretch>
+            <a:fillRect/>
+          </a:stretch>
+        </p:blipFill>
+        <p:spPr>
+          <a:xfrm>
+            <a:off x="2239962" y="1108075"/>
+            <a:ext cx="3800475" cy="3524250"/>
+          </a:xfrm>
+          <a:prstGeom prst="rect">
+            <a:avLst/>
+          </a:prstGeom>
+        </p:spPr>
+      </p:pic>
+    </p:spTree>
+    <p:extLst>
+      <p:ext uri="{BB962C8B-B14F-4D97-AF65-F5344CB8AC3E}">
+        <p14:creationId xmlns:p14="http://schemas.microsoft.com/office/powerpoint/2010/main" val="1381449130"/>
       </p:ext>
     </p:extLst>
   </p:cSld>

--- a/docs/figures.pptx
+++ b/docs/figures.pptx
@@ -24,6 +24,8 @@
     <p:sldId id="274" r:id="rId18"/>
     <p:sldId id="275" r:id="rId19"/>
     <p:sldId id="273" r:id="rId20"/>
+    <p:sldId id="276" r:id="rId21"/>
+    <p:sldId id="277" r:id="rId22"/>
   </p:sldIdLst>
   <p:sldSz cx="12192000" cy="6858000"/>
   <p:notesSz cx="6858000" cy="9144000"/>
@@ -272,7 +274,7 @@
           <a:p>
             <a:fld id="{5827CF75-21ED-4285-9C22-184A8788EFA2}" type="datetimeFigureOut">
               <a:rPr lang="pt-BR" smtClean="0"/>
-              <a:t>14/01/2019</a:t>
+              <a:t>19/06/2019</a:t>
             </a:fld>
             <a:endParaRPr lang="pt-BR"/>
           </a:p>
@@ -442,7 +444,7 @@
           <a:p>
             <a:fld id="{5827CF75-21ED-4285-9C22-184A8788EFA2}" type="datetimeFigureOut">
               <a:rPr lang="pt-BR" smtClean="0"/>
-              <a:t>14/01/2019</a:t>
+              <a:t>19/06/2019</a:t>
             </a:fld>
             <a:endParaRPr lang="pt-BR"/>
           </a:p>
@@ -622,7 +624,7 @@
           <a:p>
             <a:fld id="{5827CF75-21ED-4285-9C22-184A8788EFA2}" type="datetimeFigureOut">
               <a:rPr lang="pt-BR" smtClean="0"/>
-              <a:t>14/01/2019</a:t>
+              <a:t>19/06/2019</a:t>
             </a:fld>
             <a:endParaRPr lang="pt-BR"/>
           </a:p>
@@ -792,7 +794,7 @@
           <a:p>
             <a:fld id="{5827CF75-21ED-4285-9C22-184A8788EFA2}" type="datetimeFigureOut">
               <a:rPr lang="pt-BR" smtClean="0"/>
-              <a:t>14/01/2019</a:t>
+              <a:t>19/06/2019</a:t>
             </a:fld>
             <a:endParaRPr lang="pt-BR"/>
           </a:p>
@@ -1038,7 +1040,7 @@
           <a:p>
             <a:fld id="{5827CF75-21ED-4285-9C22-184A8788EFA2}" type="datetimeFigureOut">
               <a:rPr lang="pt-BR" smtClean="0"/>
-              <a:t>14/01/2019</a:t>
+              <a:t>19/06/2019</a:t>
             </a:fld>
             <a:endParaRPr lang="pt-BR"/>
           </a:p>
@@ -1270,7 +1272,7 @@
           <a:p>
             <a:fld id="{5827CF75-21ED-4285-9C22-184A8788EFA2}" type="datetimeFigureOut">
               <a:rPr lang="pt-BR" smtClean="0"/>
-              <a:t>14/01/2019</a:t>
+              <a:t>19/06/2019</a:t>
             </a:fld>
             <a:endParaRPr lang="pt-BR"/>
           </a:p>
@@ -1637,7 +1639,7 @@
           <a:p>
             <a:fld id="{5827CF75-21ED-4285-9C22-184A8788EFA2}" type="datetimeFigureOut">
               <a:rPr lang="pt-BR" smtClean="0"/>
-              <a:t>14/01/2019</a:t>
+              <a:t>19/06/2019</a:t>
             </a:fld>
             <a:endParaRPr lang="pt-BR"/>
           </a:p>
@@ -1755,7 +1757,7 @@
           <a:p>
             <a:fld id="{5827CF75-21ED-4285-9C22-184A8788EFA2}" type="datetimeFigureOut">
               <a:rPr lang="pt-BR" smtClean="0"/>
-              <a:t>14/01/2019</a:t>
+              <a:t>19/06/2019</a:t>
             </a:fld>
             <a:endParaRPr lang="pt-BR"/>
           </a:p>
@@ -1850,7 +1852,7 @@
           <a:p>
             <a:fld id="{5827CF75-21ED-4285-9C22-184A8788EFA2}" type="datetimeFigureOut">
               <a:rPr lang="pt-BR" smtClean="0"/>
-              <a:t>14/01/2019</a:t>
+              <a:t>19/06/2019</a:t>
             </a:fld>
             <a:endParaRPr lang="pt-BR"/>
           </a:p>
@@ -2127,7 +2129,7 @@
           <a:p>
             <a:fld id="{5827CF75-21ED-4285-9C22-184A8788EFA2}" type="datetimeFigureOut">
               <a:rPr lang="pt-BR" smtClean="0"/>
-              <a:t>14/01/2019</a:t>
+              <a:t>19/06/2019</a:t>
             </a:fld>
             <a:endParaRPr lang="pt-BR"/>
           </a:p>
@@ -2380,7 +2382,7 @@
           <a:p>
             <a:fld id="{5827CF75-21ED-4285-9C22-184A8788EFA2}" type="datetimeFigureOut">
               <a:rPr lang="pt-BR" smtClean="0"/>
-              <a:t>14/01/2019</a:t>
+              <a:t>19/06/2019</a:t>
             </a:fld>
             <a:endParaRPr lang="pt-BR"/>
           </a:p>
@@ -2593,7 +2595,7 @@
           <a:p>
             <a:fld id="{5827CF75-21ED-4285-9C22-184A8788EFA2}" type="datetimeFigureOut">
               <a:rPr lang="pt-BR" smtClean="0"/>
-              <a:t>14/01/2019</a:t>
+              <a:t>19/06/2019</a:t>
             </a:fld>
             <a:endParaRPr lang="pt-BR"/>
           </a:p>
@@ -8220,16 +8222,6 @@
                 </a:solidFill>
               </a14:hiddenFill>
             </a:ext>
-            <a:ext uri="{91240B29-F687-4F45-9708-019B960494DF}">
-              <a14:hiddenLine xmlns:a14="http://schemas.microsoft.com/office/drawing/2010/main" w="9525">
-                <a:solidFill>
-                  <a:schemeClr val="tx1"/>
-                </a:solidFill>
-                <a:miter lim="800000"/>
-                <a:headEnd/>
-                <a:tailEnd/>
-              </a14:hiddenLine>
-            </a:ext>
           </a:extLst>
         </p:spPr>
       </p:pic>
@@ -14825,6 +14817,6285 @@
     <p:extLst>
       <p:ext uri="{BB962C8B-B14F-4D97-AF65-F5344CB8AC3E}">
         <p14:creationId xmlns:p14="http://schemas.microsoft.com/office/powerpoint/2010/main" val="2572700560"/>
+      </p:ext>
+    </p:extLst>
+  </p:cSld>
+  <p:clrMapOvr>
+    <a:masterClrMapping/>
+  </p:clrMapOvr>
+  <p:timing>
+    <p:tnLst>
+      <p:par>
+        <p:cTn id="1" dur="indefinite" restart="never" nodeType="tmRoot"/>
+      </p:par>
+    </p:tnLst>
+  </p:timing>
+</p:sld>
+</file>
+
+<file path=ppt/slides/slide20.xml><?xml version="1.0" encoding="utf-8"?>
+<p:sld xmlns:a="http://schemas.openxmlformats.org/drawingml/2006/main" xmlns:r="http://schemas.openxmlformats.org/officeDocument/2006/relationships" xmlns:p="http://schemas.openxmlformats.org/presentationml/2006/main">
+  <p:cSld>
+    <p:spTree>
+      <p:nvGrpSpPr>
+        <p:cNvPr id="1" name=""/>
+        <p:cNvGrpSpPr/>
+        <p:nvPr/>
+      </p:nvGrpSpPr>
+      <p:grpSpPr>
+        <a:xfrm>
+          <a:off x="0" y="0"/>
+          <a:ext cx="0" cy="0"/>
+          <a:chOff x="0" y="0"/>
+          <a:chExt cx="0" cy="0"/>
+        </a:xfrm>
+      </p:grpSpPr>
+      <p:grpSp>
+        <p:nvGrpSpPr>
+          <p:cNvPr id="2" name="Grupo 1"/>
+          <p:cNvGrpSpPr/>
+          <p:nvPr/>
+        </p:nvGrpSpPr>
+        <p:grpSpPr>
+          <a:xfrm>
+            <a:off x="646419" y="478907"/>
+            <a:ext cx="2234706" cy="2233441"/>
+            <a:chOff x="2424988" y="3508962"/>
+            <a:chExt cx="2428674" cy="2435286"/>
+          </a:xfrm>
+          <a:scene3d>
+            <a:camera prst="orthographicFront">
+              <a:rot lat="2076606" lon="18447212" rev="17876214"/>
+            </a:camera>
+            <a:lightRig rig="threePt" dir="t"/>
+          </a:scene3d>
+        </p:grpSpPr>
+        <p:sp>
+          <p:nvSpPr>
+            <p:cNvPr id="7" name="Retângulo 6"/>
+            <p:cNvSpPr/>
+            <p:nvPr/>
+          </p:nvSpPr>
+          <p:spPr>
+            <a:xfrm>
+              <a:off x="2424988" y="3508962"/>
+              <a:ext cx="303284" cy="404974"/>
+            </a:xfrm>
+            <a:prstGeom prst="rect">
+              <a:avLst/>
+            </a:prstGeom>
+            <a:noFill/>
+          </p:spPr>
+          <p:style>
+            <a:lnRef idx="2">
+              <a:schemeClr val="accent1">
+                <a:shade val="50000"/>
+              </a:schemeClr>
+            </a:lnRef>
+            <a:fillRef idx="1">
+              <a:schemeClr val="accent1"/>
+            </a:fillRef>
+            <a:effectRef idx="0">
+              <a:schemeClr val="accent1"/>
+            </a:effectRef>
+            <a:fontRef idx="minor">
+              <a:schemeClr val="lt1"/>
+            </a:fontRef>
+          </p:style>
+          <p:txBody>
+            <a:bodyPr rtlCol="0" anchor="ctr"/>
+            <a:lstStyle/>
+            <a:p>
+              <a:pPr algn="ctr"/>
+              <a:endParaRPr lang="pt-BR" sz="1100"/>
+            </a:p>
+          </p:txBody>
+        </p:sp>
+        <p:sp>
+          <p:nvSpPr>
+            <p:cNvPr id="8" name="Retângulo 7"/>
+            <p:cNvSpPr/>
+            <p:nvPr/>
+          </p:nvSpPr>
+          <p:spPr>
+            <a:xfrm>
+              <a:off x="2728273" y="3508962"/>
+              <a:ext cx="303284" cy="404974"/>
+            </a:xfrm>
+            <a:prstGeom prst="rect">
+              <a:avLst/>
+            </a:prstGeom>
+            <a:solidFill>
+              <a:srgbClr val="00B050"/>
+            </a:solidFill>
+          </p:spPr>
+          <p:style>
+            <a:lnRef idx="2">
+              <a:schemeClr val="accent1">
+                <a:shade val="50000"/>
+              </a:schemeClr>
+            </a:lnRef>
+            <a:fillRef idx="1">
+              <a:schemeClr val="accent1"/>
+            </a:fillRef>
+            <a:effectRef idx="0">
+              <a:schemeClr val="accent1"/>
+            </a:effectRef>
+            <a:fontRef idx="minor">
+              <a:schemeClr val="lt1"/>
+            </a:fontRef>
+          </p:style>
+          <p:txBody>
+            <a:bodyPr rtlCol="0" anchor="ctr"/>
+            <a:lstStyle/>
+            <a:p>
+              <a:pPr algn="ctr"/>
+              <a:endParaRPr lang="pt-BR" sz="1100"/>
+            </a:p>
+          </p:txBody>
+        </p:sp>
+        <p:sp>
+          <p:nvSpPr>
+            <p:cNvPr id="9" name="Retângulo 8"/>
+            <p:cNvSpPr/>
+            <p:nvPr/>
+          </p:nvSpPr>
+          <p:spPr>
+            <a:xfrm>
+              <a:off x="2424988" y="3913936"/>
+              <a:ext cx="303284" cy="404974"/>
+            </a:xfrm>
+            <a:prstGeom prst="rect">
+              <a:avLst/>
+            </a:prstGeom>
+            <a:noFill/>
+          </p:spPr>
+          <p:style>
+            <a:lnRef idx="2">
+              <a:schemeClr val="accent1">
+                <a:shade val="50000"/>
+              </a:schemeClr>
+            </a:lnRef>
+            <a:fillRef idx="1">
+              <a:schemeClr val="accent1"/>
+            </a:fillRef>
+            <a:effectRef idx="0">
+              <a:schemeClr val="accent1"/>
+            </a:effectRef>
+            <a:fontRef idx="minor">
+              <a:schemeClr val="lt1"/>
+            </a:fontRef>
+          </p:style>
+          <p:txBody>
+            <a:bodyPr rtlCol="0" anchor="ctr"/>
+            <a:lstStyle/>
+            <a:p>
+              <a:pPr algn="ctr"/>
+              <a:endParaRPr lang="pt-BR" sz="1100"/>
+            </a:p>
+          </p:txBody>
+        </p:sp>
+        <p:sp>
+          <p:nvSpPr>
+            <p:cNvPr id="10" name="Retângulo 9"/>
+            <p:cNvSpPr/>
+            <p:nvPr/>
+          </p:nvSpPr>
+          <p:spPr>
+            <a:xfrm>
+              <a:off x="2728272" y="3913936"/>
+              <a:ext cx="303284" cy="404974"/>
+            </a:xfrm>
+            <a:prstGeom prst="rect">
+              <a:avLst/>
+            </a:prstGeom>
+            <a:noFill/>
+          </p:spPr>
+          <p:style>
+            <a:lnRef idx="2">
+              <a:schemeClr val="accent1">
+                <a:shade val="50000"/>
+              </a:schemeClr>
+            </a:lnRef>
+            <a:fillRef idx="1">
+              <a:schemeClr val="accent1"/>
+            </a:fillRef>
+            <a:effectRef idx="0">
+              <a:schemeClr val="accent1"/>
+            </a:effectRef>
+            <a:fontRef idx="minor">
+              <a:schemeClr val="lt1"/>
+            </a:fontRef>
+          </p:style>
+          <p:txBody>
+            <a:bodyPr rtlCol="0" anchor="ctr"/>
+            <a:lstStyle/>
+            <a:p>
+              <a:pPr algn="ctr"/>
+              <a:endParaRPr lang="pt-BR" sz="1100"/>
+            </a:p>
+          </p:txBody>
+        </p:sp>
+        <p:sp>
+          <p:nvSpPr>
+            <p:cNvPr id="11" name="Retângulo 10"/>
+            <p:cNvSpPr/>
+            <p:nvPr/>
+          </p:nvSpPr>
+          <p:spPr>
+            <a:xfrm>
+              <a:off x="2424988" y="4318911"/>
+              <a:ext cx="303284" cy="404974"/>
+            </a:xfrm>
+            <a:prstGeom prst="rect">
+              <a:avLst/>
+            </a:prstGeom>
+            <a:noFill/>
+          </p:spPr>
+          <p:style>
+            <a:lnRef idx="2">
+              <a:schemeClr val="accent1">
+                <a:shade val="50000"/>
+              </a:schemeClr>
+            </a:lnRef>
+            <a:fillRef idx="1">
+              <a:schemeClr val="accent1"/>
+            </a:fillRef>
+            <a:effectRef idx="0">
+              <a:schemeClr val="accent1"/>
+            </a:effectRef>
+            <a:fontRef idx="minor">
+              <a:schemeClr val="lt1"/>
+            </a:fontRef>
+          </p:style>
+          <p:txBody>
+            <a:bodyPr rtlCol="0" anchor="ctr"/>
+            <a:lstStyle/>
+            <a:p>
+              <a:pPr algn="ctr"/>
+              <a:endParaRPr lang="pt-BR" sz="1100"/>
+            </a:p>
+          </p:txBody>
+        </p:sp>
+        <p:sp>
+          <p:nvSpPr>
+            <p:cNvPr id="12" name="Retângulo 11"/>
+            <p:cNvSpPr/>
+            <p:nvPr/>
+          </p:nvSpPr>
+          <p:spPr>
+            <a:xfrm>
+              <a:off x="2728272" y="4318911"/>
+              <a:ext cx="303284" cy="404974"/>
+            </a:xfrm>
+            <a:prstGeom prst="rect">
+              <a:avLst/>
+            </a:prstGeom>
+            <a:noFill/>
+          </p:spPr>
+          <p:style>
+            <a:lnRef idx="2">
+              <a:schemeClr val="accent1">
+                <a:shade val="50000"/>
+              </a:schemeClr>
+            </a:lnRef>
+            <a:fillRef idx="1">
+              <a:schemeClr val="accent1"/>
+            </a:fillRef>
+            <a:effectRef idx="0">
+              <a:schemeClr val="accent1"/>
+            </a:effectRef>
+            <a:fontRef idx="minor">
+              <a:schemeClr val="lt1"/>
+            </a:fontRef>
+          </p:style>
+          <p:txBody>
+            <a:bodyPr rtlCol="0" anchor="ctr"/>
+            <a:lstStyle/>
+            <a:p>
+              <a:pPr algn="ctr"/>
+              <a:endParaRPr lang="pt-BR" sz="1100"/>
+            </a:p>
+          </p:txBody>
+        </p:sp>
+        <p:sp>
+          <p:nvSpPr>
+            <p:cNvPr id="13" name="Retângulo 12"/>
+            <p:cNvSpPr/>
+            <p:nvPr/>
+          </p:nvSpPr>
+          <p:spPr>
+            <a:xfrm>
+              <a:off x="3031557" y="3508962"/>
+              <a:ext cx="303284" cy="404974"/>
+            </a:xfrm>
+            <a:prstGeom prst="rect">
+              <a:avLst/>
+            </a:prstGeom>
+            <a:noFill/>
+          </p:spPr>
+          <p:style>
+            <a:lnRef idx="2">
+              <a:schemeClr val="accent1">
+                <a:shade val="50000"/>
+              </a:schemeClr>
+            </a:lnRef>
+            <a:fillRef idx="1">
+              <a:schemeClr val="accent1"/>
+            </a:fillRef>
+            <a:effectRef idx="0">
+              <a:schemeClr val="accent1"/>
+            </a:effectRef>
+            <a:fontRef idx="minor">
+              <a:schemeClr val="lt1"/>
+            </a:fontRef>
+          </p:style>
+          <p:txBody>
+            <a:bodyPr rtlCol="0" anchor="ctr"/>
+            <a:lstStyle/>
+            <a:p>
+              <a:pPr algn="ctr"/>
+              <a:endParaRPr lang="pt-BR" sz="1100"/>
+            </a:p>
+          </p:txBody>
+        </p:sp>
+        <p:sp>
+          <p:nvSpPr>
+            <p:cNvPr id="14" name="Retângulo 13"/>
+            <p:cNvSpPr/>
+            <p:nvPr/>
+          </p:nvSpPr>
+          <p:spPr>
+            <a:xfrm>
+              <a:off x="3031556" y="3913936"/>
+              <a:ext cx="303284" cy="404974"/>
+            </a:xfrm>
+            <a:prstGeom prst="rect">
+              <a:avLst/>
+            </a:prstGeom>
+            <a:noFill/>
+          </p:spPr>
+          <p:style>
+            <a:lnRef idx="2">
+              <a:schemeClr val="accent1">
+                <a:shade val="50000"/>
+              </a:schemeClr>
+            </a:lnRef>
+            <a:fillRef idx="1">
+              <a:schemeClr val="accent1"/>
+            </a:fillRef>
+            <a:effectRef idx="0">
+              <a:schemeClr val="accent1"/>
+            </a:effectRef>
+            <a:fontRef idx="minor">
+              <a:schemeClr val="lt1"/>
+            </a:fontRef>
+          </p:style>
+          <p:txBody>
+            <a:bodyPr rtlCol="0" anchor="ctr"/>
+            <a:lstStyle/>
+            <a:p>
+              <a:pPr algn="ctr"/>
+              <a:endParaRPr lang="pt-BR" sz="1100"/>
+            </a:p>
+          </p:txBody>
+        </p:sp>
+        <p:sp>
+          <p:nvSpPr>
+            <p:cNvPr id="15" name="Retângulo 14"/>
+            <p:cNvSpPr/>
+            <p:nvPr/>
+          </p:nvSpPr>
+          <p:spPr>
+            <a:xfrm>
+              <a:off x="3031556" y="4318911"/>
+              <a:ext cx="303284" cy="404974"/>
+            </a:xfrm>
+            <a:prstGeom prst="rect">
+              <a:avLst/>
+            </a:prstGeom>
+            <a:noFill/>
+          </p:spPr>
+          <p:style>
+            <a:lnRef idx="2">
+              <a:schemeClr val="accent1">
+                <a:shade val="50000"/>
+              </a:schemeClr>
+            </a:lnRef>
+            <a:fillRef idx="1">
+              <a:schemeClr val="accent1"/>
+            </a:fillRef>
+            <a:effectRef idx="0">
+              <a:schemeClr val="accent1"/>
+            </a:effectRef>
+            <a:fontRef idx="minor">
+              <a:schemeClr val="lt1"/>
+            </a:fontRef>
+          </p:style>
+          <p:txBody>
+            <a:bodyPr rtlCol="0" anchor="ctr"/>
+            <a:lstStyle/>
+            <a:p>
+              <a:pPr algn="ctr"/>
+              <a:endParaRPr lang="pt-BR" sz="1100"/>
+            </a:p>
+          </p:txBody>
+        </p:sp>
+        <p:sp>
+          <p:nvSpPr>
+            <p:cNvPr id="16" name="Retângulo 15"/>
+            <p:cNvSpPr/>
+            <p:nvPr/>
+          </p:nvSpPr>
+          <p:spPr>
+            <a:xfrm>
+              <a:off x="3336877" y="3508962"/>
+              <a:ext cx="303284" cy="404974"/>
+            </a:xfrm>
+            <a:prstGeom prst="rect">
+              <a:avLst/>
+            </a:prstGeom>
+            <a:noFill/>
+          </p:spPr>
+          <p:style>
+            <a:lnRef idx="2">
+              <a:schemeClr val="accent1">
+                <a:shade val="50000"/>
+              </a:schemeClr>
+            </a:lnRef>
+            <a:fillRef idx="1">
+              <a:schemeClr val="accent1"/>
+            </a:fillRef>
+            <a:effectRef idx="0">
+              <a:schemeClr val="accent1"/>
+            </a:effectRef>
+            <a:fontRef idx="minor">
+              <a:schemeClr val="lt1"/>
+            </a:fontRef>
+          </p:style>
+          <p:txBody>
+            <a:bodyPr rtlCol="0" anchor="ctr"/>
+            <a:lstStyle/>
+            <a:p>
+              <a:pPr algn="ctr"/>
+              <a:endParaRPr lang="pt-BR" sz="1100"/>
+            </a:p>
+          </p:txBody>
+        </p:sp>
+        <p:sp>
+          <p:nvSpPr>
+            <p:cNvPr id="17" name="Retângulo 16"/>
+            <p:cNvSpPr/>
+            <p:nvPr/>
+          </p:nvSpPr>
+          <p:spPr>
+            <a:xfrm>
+              <a:off x="3640162" y="3508962"/>
+              <a:ext cx="303284" cy="404974"/>
+            </a:xfrm>
+            <a:prstGeom prst="rect">
+              <a:avLst/>
+            </a:prstGeom>
+            <a:noFill/>
+          </p:spPr>
+          <p:style>
+            <a:lnRef idx="2">
+              <a:schemeClr val="accent1">
+                <a:shade val="50000"/>
+              </a:schemeClr>
+            </a:lnRef>
+            <a:fillRef idx="1">
+              <a:schemeClr val="accent1"/>
+            </a:fillRef>
+            <a:effectRef idx="0">
+              <a:schemeClr val="accent1"/>
+            </a:effectRef>
+            <a:fontRef idx="minor">
+              <a:schemeClr val="lt1"/>
+            </a:fontRef>
+          </p:style>
+          <p:txBody>
+            <a:bodyPr rtlCol="0" anchor="ctr"/>
+            <a:lstStyle/>
+            <a:p>
+              <a:pPr algn="ctr"/>
+              <a:endParaRPr lang="pt-BR" sz="1100"/>
+            </a:p>
+          </p:txBody>
+        </p:sp>
+        <p:sp>
+          <p:nvSpPr>
+            <p:cNvPr id="18" name="Retângulo 17"/>
+            <p:cNvSpPr/>
+            <p:nvPr/>
+          </p:nvSpPr>
+          <p:spPr>
+            <a:xfrm>
+              <a:off x="3336877" y="3913936"/>
+              <a:ext cx="303284" cy="404974"/>
+            </a:xfrm>
+            <a:prstGeom prst="rect">
+              <a:avLst/>
+            </a:prstGeom>
+            <a:noFill/>
+          </p:spPr>
+          <p:style>
+            <a:lnRef idx="2">
+              <a:schemeClr val="accent1">
+                <a:shade val="50000"/>
+              </a:schemeClr>
+            </a:lnRef>
+            <a:fillRef idx="1">
+              <a:schemeClr val="accent1"/>
+            </a:fillRef>
+            <a:effectRef idx="0">
+              <a:schemeClr val="accent1"/>
+            </a:effectRef>
+            <a:fontRef idx="minor">
+              <a:schemeClr val="lt1"/>
+            </a:fontRef>
+          </p:style>
+          <p:txBody>
+            <a:bodyPr rtlCol="0" anchor="ctr"/>
+            <a:lstStyle/>
+            <a:p>
+              <a:pPr algn="ctr"/>
+              <a:endParaRPr lang="pt-BR" sz="1100"/>
+            </a:p>
+          </p:txBody>
+        </p:sp>
+        <p:sp>
+          <p:nvSpPr>
+            <p:cNvPr id="19" name="Retângulo 18"/>
+            <p:cNvSpPr/>
+            <p:nvPr/>
+          </p:nvSpPr>
+          <p:spPr>
+            <a:xfrm>
+              <a:off x="3640161" y="3913936"/>
+              <a:ext cx="303284" cy="404974"/>
+            </a:xfrm>
+            <a:prstGeom prst="rect">
+              <a:avLst/>
+            </a:prstGeom>
+            <a:solidFill>
+              <a:schemeClr val="accent2"/>
+            </a:solidFill>
+          </p:spPr>
+          <p:style>
+            <a:lnRef idx="2">
+              <a:schemeClr val="accent1">
+                <a:shade val="50000"/>
+              </a:schemeClr>
+            </a:lnRef>
+            <a:fillRef idx="1">
+              <a:schemeClr val="accent1"/>
+            </a:fillRef>
+            <a:effectRef idx="0">
+              <a:schemeClr val="accent1"/>
+            </a:effectRef>
+            <a:fontRef idx="minor">
+              <a:schemeClr val="lt1"/>
+            </a:fontRef>
+          </p:style>
+          <p:txBody>
+            <a:bodyPr rtlCol="0" anchor="ctr"/>
+            <a:lstStyle/>
+            <a:p>
+              <a:pPr algn="ctr"/>
+              <a:endParaRPr lang="pt-BR" sz="1100"/>
+            </a:p>
+          </p:txBody>
+        </p:sp>
+        <p:sp>
+          <p:nvSpPr>
+            <p:cNvPr id="20" name="Retângulo 19"/>
+            <p:cNvSpPr/>
+            <p:nvPr/>
+          </p:nvSpPr>
+          <p:spPr>
+            <a:xfrm>
+              <a:off x="3336877" y="4318910"/>
+              <a:ext cx="303284" cy="404974"/>
+            </a:xfrm>
+            <a:prstGeom prst="rect">
+              <a:avLst/>
+            </a:prstGeom>
+            <a:noFill/>
+          </p:spPr>
+          <p:style>
+            <a:lnRef idx="2">
+              <a:schemeClr val="accent1">
+                <a:shade val="50000"/>
+              </a:schemeClr>
+            </a:lnRef>
+            <a:fillRef idx="1">
+              <a:schemeClr val="accent1"/>
+            </a:fillRef>
+            <a:effectRef idx="0">
+              <a:schemeClr val="accent1"/>
+            </a:effectRef>
+            <a:fontRef idx="minor">
+              <a:schemeClr val="lt1"/>
+            </a:fontRef>
+          </p:style>
+          <p:txBody>
+            <a:bodyPr rtlCol="0" anchor="ctr"/>
+            <a:lstStyle/>
+            <a:p>
+              <a:pPr algn="ctr"/>
+              <a:endParaRPr lang="pt-BR" sz="1100"/>
+            </a:p>
+          </p:txBody>
+        </p:sp>
+        <p:sp>
+          <p:nvSpPr>
+            <p:cNvPr id="21" name="Retângulo 20"/>
+            <p:cNvSpPr/>
+            <p:nvPr/>
+          </p:nvSpPr>
+          <p:spPr>
+            <a:xfrm>
+              <a:off x="3640161" y="4318910"/>
+              <a:ext cx="303284" cy="404974"/>
+            </a:xfrm>
+            <a:prstGeom prst="rect">
+              <a:avLst/>
+            </a:prstGeom>
+            <a:noFill/>
+          </p:spPr>
+          <p:style>
+            <a:lnRef idx="2">
+              <a:schemeClr val="accent1">
+                <a:shade val="50000"/>
+              </a:schemeClr>
+            </a:lnRef>
+            <a:fillRef idx="1">
+              <a:schemeClr val="accent1"/>
+            </a:fillRef>
+            <a:effectRef idx="0">
+              <a:schemeClr val="accent1"/>
+            </a:effectRef>
+            <a:fontRef idx="minor">
+              <a:schemeClr val="lt1"/>
+            </a:fontRef>
+          </p:style>
+          <p:txBody>
+            <a:bodyPr rtlCol="0" anchor="ctr"/>
+            <a:lstStyle/>
+            <a:p>
+              <a:pPr algn="ctr"/>
+              <a:endParaRPr lang="pt-BR" sz="1100"/>
+            </a:p>
+          </p:txBody>
+        </p:sp>
+        <p:sp>
+          <p:nvSpPr>
+            <p:cNvPr id="22" name="Retângulo 21"/>
+            <p:cNvSpPr/>
+            <p:nvPr/>
+          </p:nvSpPr>
+          <p:spPr>
+            <a:xfrm>
+              <a:off x="3943446" y="3508962"/>
+              <a:ext cx="303284" cy="404974"/>
+            </a:xfrm>
+            <a:prstGeom prst="rect">
+              <a:avLst/>
+            </a:prstGeom>
+            <a:noFill/>
+          </p:spPr>
+          <p:style>
+            <a:lnRef idx="2">
+              <a:schemeClr val="accent1">
+                <a:shade val="50000"/>
+              </a:schemeClr>
+            </a:lnRef>
+            <a:fillRef idx="1">
+              <a:schemeClr val="accent1"/>
+            </a:fillRef>
+            <a:effectRef idx="0">
+              <a:schemeClr val="accent1"/>
+            </a:effectRef>
+            <a:fontRef idx="minor">
+              <a:schemeClr val="lt1"/>
+            </a:fontRef>
+          </p:style>
+          <p:txBody>
+            <a:bodyPr rtlCol="0" anchor="ctr"/>
+            <a:lstStyle/>
+            <a:p>
+              <a:pPr algn="ctr"/>
+              <a:endParaRPr lang="pt-BR" sz="1100"/>
+            </a:p>
+          </p:txBody>
+        </p:sp>
+        <p:sp>
+          <p:nvSpPr>
+            <p:cNvPr id="23" name="Retângulo 22"/>
+            <p:cNvSpPr/>
+            <p:nvPr/>
+          </p:nvSpPr>
+          <p:spPr>
+            <a:xfrm>
+              <a:off x="3943445" y="3913936"/>
+              <a:ext cx="303284" cy="404974"/>
+            </a:xfrm>
+            <a:prstGeom prst="rect">
+              <a:avLst/>
+            </a:prstGeom>
+            <a:noFill/>
+          </p:spPr>
+          <p:style>
+            <a:lnRef idx="2">
+              <a:schemeClr val="accent1">
+                <a:shade val="50000"/>
+              </a:schemeClr>
+            </a:lnRef>
+            <a:fillRef idx="1">
+              <a:schemeClr val="accent1"/>
+            </a:fillRef>
+            <a:effectRef idx="0">
+              <a:schemeClr val="accent1"/>
+            </a:effectRef>
+            <a:fontRef idx="minor">
+              <a:schemeClr val="lt1"/>
+            </a:fontRef>
+          </p:style>
+          <p:txBody>
+            <a:bodyPr rtlCol="0" anchor="ctr"/>
+            <a:lstStyle/>
+            <a:p>
+              <a:pPr algn="ctr"/>
+              <a:endParaRPr lang="pt-BR" sz="1100"/>
+            </a:p>
+          </p:txBody>
+        </p:sp>
+        <p:sp>
+          <p:nvSpPr>
+            <p:cNvPr id="24" name="Retângulo 23"/>
+            <p:cNvSpPr/>
+            <p:nvPr/>
+          </p:nvSpPr>
+          <p:spPr>
+            <a:xfrm>
+              <a:off x="3943445" y="4318910"/>
+              <a:ext cx="303284" cy="404974"/>
+            </a:xfrm>
+            <a:prstGeom prst="rect">
+              <a:avLst/>
+            </a:prstGeom>
+            <a:noFill/>
+          </p:spPr>
+          <p:style>
+            <a:lnRef idx="2">
+              <a:schemeClr val="accent1">
+                <a:shade val="50000"/>
+              </a:schemeClr>
+            </a:lnRef>
+            <a:fillRef idx="1">
+              <a:schemeClr val="accent1"/>
+            </a:fillRef>
+            <a:effectRef idx="0">
+              <a:schemeClr val="accent1"/>
+            </a:effectRef>
+            <a:fontRef idx="minor">
+              <a:schemeClr val="lt1"/>
+            </a:fontRef>
+          </p:style>
+          <p:txBody>
+            <a:bodyPr rtlCol="0" anchor="ctr"/>
+            <a:lstStyle/>
+            <a:p>
+              <a:pPr algn="ctr"/>
+              <a:endParaRPr lang="pt-BR" sz="1100"/>
+            </a:p>
+          </p:txBody>
+        </p:sp>
+        <p:sp>
+          <p:nvSpPr>
+            <p:cNvPr id="25" name="Retângulo 24"/>
+            <p:cNvSpPr/>
+            <p:nvPr/>
+          </p:nvSpPr>
+          <p:spPr>
+            <a:xfrm>
+              <a:off x="2425350" y="4729327"/>
+              <a:ext cx="303284" cy="404974"/>
+            </a:xfrm>
+            <a:prstGeom prst="rect">
+              <a:avLst/>
+            </a:prstGeom>
+            <a:noFill/>
+          </p:spPr>
+          <p:style>
+            <a:lnRef idx="2">
+              <a:schemeClr val="accent1">
+                <a:shade val="50000"/>
+              </a:schemeClr>
+            </a:lnRef>
+            <a:fillRef idx="1">
+              <a:schemeClr val="accent1"/>
+            </a:fillRef>
+            <a:effectRef idx="0">
+              <a:schemeClr val="accent1"/>
+            </a:effectRef>
+            <a:fontRef idx="minor">
+              <a:schemeClr val="lt1"/>
+            </a:fontRef>
+          </p:style>
+          <p:txBody>
+            <a:bodyPr rtlCol="0" anchor="ctr"/>
+            <a:lstStyle/>
+            <a:p>
+              <a:pPr algn="ctr"/>
+              <a:endParaRPr lang="pt-BR" sz="1100"/>
+            </a:p>
+          </p:txBody>
+        </p:sp>
+        <p:sp>
+          <p:nvSpPr>
+            <p:cNvPr id="26" name="Retângulo 25"/>
+            <p:cNvSpPr/>
+            <p:nvPr/>
+          </p:nvSpPr>
+          <p:spPr>
+            <a:xfrm>
+              <a:off x="2728635" y="4729327"/>
+              <a:ext cx="303284" cy="404974"/>
+            </a:xfrm>
+            <a:prstGeom prst="rect">
+              <a:avLst/>
+            </a:prstGeom>
+            <a:noFill/>
+          </p:spPr>
+          <p:style>
+            <a:lnRef idx="2">
+              <a:schemeClr val="accent1">
+                <a:shade val="50000"/>
+              </a:schemeClr>
+            </a:lnRef>
+            <a:fillRef idx="1">
+              <a:schemeClr val="accent1"/>
+            </a:fillRef>
+            <a:effectRef idx="0">
+              <a:schemeClr val="accent1"/>
+            </a:effectRef>
+            <a:fontRef idx="minor">
+              <a:schemeClr val="lt1"/>
+            </a:fontRef>
+          </p:style>
+          <p:txBody>
+            <a:bodyPr rtlCol="0" anchor="ctr"/>
+            <a:lstStyle/>
+            <a:p>
+              <a:pPr algn="ctr"/>
+              <a:endParaRPr lang="pt-BR" sz="1100"/>
+            </a:p>
+          </p:txBody>
+        </p:sp>
+        <p:sp>
+          <p:nvSpPr>
+            <p:cNvPr id="27" name="Retângulo 26"/>
+            <p:cNvSpPr/>
+            <p:nvPr/>
+          </p:nvSpPr>
+          <p:spPr>
+            <a:xfrm>
+              <a:off x="2425350" y="5134301"/>
+              <a:ext cx="303284" cy="404974"/>
+            </a:xfrm>
+            <a:prstGeom prst="rect">
+              <a:avLst/>
+            </a:prstGeom>
+            <a:noFill/>
+          </p:spPr>
+          <p:style>
+            <a:lnRef idx="2">
+              <a:schemeClr val="accent1">
+                <a:shade val="50000"/>
+              </a:schemeClr>
+            </a:lnRef>
+            <a:fillRef idx="1">
+              <a:schemeClr val="accent1"/>
+            </a:fillRef>
+            <a:effectRef idx="0">
+              <a:schemeClr val="accent1"/>
+            </a:effectRef>
+            <a:fontRef idx="minor">
+              <a:schemeClr val="lt1"/>
+            </a:fontRef>
+          </p:style>
+          <p:txBody>
+            <a:bodyPr rtlCol="0" anchor="ctr"/>
+            <a:lstStyle/>
+            <a:p>
+              <a:pPr algn="ctr"/>
+              <a:endParaRPr lang="pt-BR" sz="1100"/>
+            </a:p>
+          </p:txBody>
+        </p:sp>
+        <p:sp>
+          <p:nvSpPr>
+            <p:cNvPr id="28" name="Retângulo 27"/>
+            <p:cNvSpPr/>
+            <p:nvPr/>
+          </p:nvSpPr>
+          <p:spPr>
+            <a:xfrm>
+              <a:off x="2728634" y="5134300"/>
+              <a:ext cx="303284" cy="404974"/>
+            </a:xfrm>
+            <a:prstGeom prst="rect">
+              <a:avLst/>
+            </a:prstGeom>
+            <a:noFill/>
+          </p:spPr>
+          <p:style>
+            <a:lnRef idx="2">
+              <a:schemeClr val="accent1">
+                <a:shade val="50000"/>
+              </a:schemeClr>
+            </a:lnRef>
+            <a:fillRef idx="1">
+              <a:schemeClr val="accent1"/>
+            </a:fillRef>
+            <a:effectRef idx="0">
+              <a:schemeClr val="accent1"/>
+            </a:effectRef>
+            <a:fontRef idx="minor">
+              <a:schemeClr val="lt1"/>
+            </a:fontRef>
+          </p:style>
+          <p:txBody>
+            <a:bodyPr rtlCol="0" anchor="ctr"/>
+            <a:lstStyle/>
+            <a:p>
+              <a:pPr algn="ctr"/>
+              <a:endParaRPr lang="pt-BR" sz="1100"/>
+            </a:p>
+          </p:txBody>
+        </p:sp>
+        <p:sp>
+          <p:nvSpPr>
+            <p:cNvPr id="29" name="Retângulo 28"/>
+            <p:cNvSpPr/>
+            <p:nvPr/>
+          </p:nvSpPr>
+          <p:spPr>
+            <a:xfrm>
+              <a:off x="2425350" y="5539274"/>
+              <a:ext cx="303284" cy="404974"/>
+            </a:xfrm>
+            <a:prstGeom prst="rect">
+              <a:avLst/>
+            </a:prstGeom>
+            <a:noFill/>
+          </p:spPr>
+          <p:style>
+            <a:lnRef idx="2">
+              <a:schemeClr val="accent1">
+                <a:shade val="50000"/>
+              </a:schemeClr>
+            </a:lnRef>
+            <a:fillRef idx="1">
+              <a:schemeClr val="accent1"/>
+            </a:fillRef>
+            <a:effectRef idx="0">
+              <a:schemeClr val="accent1"/>
+            </a:effectRef>
+            <a:fontRef idx="minor">
+              <a:schemeClr val="lt1"/>
+            </a:fontRef>
+          </p:style>
+          <p:txBody>
+            <a:bodyPr rtlCol="0" anchor="ctr"/>
+            <a:lstStyle/>
+            <a:p>
+              <a:pPr algn="ctr"/>
+              <a:endParaRPr lang="pt-BR" sz="1100"/>
+            </a:p>
+          </p:txBody>
+        </p:sp>
+        <p:sp>
+          <p:nvSpPr>
+            <p:cNvPr id="30" name="Retângulo 29"/>
+            <p:cNvSpPr/>
+            <p:nvPr/>
+          </p:nvSpPr>
+          <p:spPr>
+            <a:xfrm>
+              <a:off x="2728634" y="5539274"/>
+              <a:ext cx="303284" cy="404974"/>
+            </a:xfrm>
+            <a:prstGeom prst="rect">
+              <a:avLst/>
+            </a:prstGeom>
+            <a:noFill/>
+          </p:spPr>
+          <p:style>
+            <a:lnRef idx="2">
+              <a:schemeClr val="accent1">
+                <a:shade val="50000"/>
+              </a:schemeClr>
+            </a:lnRef>
+            <a:fillRef idx="1">
+              <a:schemeClr val="accent1"/>
+            </a:fillRef>
+            <a:effectRef idx="0">
+              <a:schemeClr val="accent1"/>
+            </a:effectRef>
+            <a:fontRef idx="minor">
+              <a:schemeClr val="lt1"/>
+            </a:fontRef>
+          </p:style>
+          <p:txBody>
+            <a:bodyPr rtlCol="0" anchor="ctr"/>
+            <a:lstStyle/>
+            <a:p>
+              <a:pPr algn="ctr"/>
+              <a:endParaRPr lang="pt-BR" sz="1100"/>
+            </a:p>
+          </p:txBody>
+        </p:sp>
+        <p:sp>
+          <p:nvSpPr>
+            <p:cNvPr id="31" name="Retângulo 30"/>
+            <p:cNvSpPr/>
+            <p:nvPr/>
+          </p:nvSpPr>
+          <p:spPr>
+            <a:xfrm>
+              <a:off x="3031919" y="4729327"/>
+              <a:ext cx="303284" cy="404974"/>
+            </a:xfrm>
+            <a:prstGeom prst="rect">
+              <a:avLst/>
+            </a:prstGeom>
+            <a:noFill/>
+          </p:spPr>
+          <p:style>
+            <a:lnRef idx="2">
+              <a:schemeClr val="accent1">
+                <a:shade val="50000"/>
+              </a:schemeClr>
+            </a:lnRef>
+            <a:fillRef idx="1">
+              <a:schemeClr val="accent1"/>
+            </a:fillRef>
+            <a:effectRef idx="0">
+              <a:schemeClr val="accent1"/>
+            </a:effectRef>
+            <a:fontRef idx="minor">
+              <a:schemeClr val="lt1"/>
+            </a:fontRef>
+          </p:style>
+          <p:txBody>
+            <a:bodyPr rtlCol="0" anchor="ctr"/>
+            <a:lstStyle/>
+            <a:p>
+              <a:pPr algn="ctr"/>
+              <a:endParaRPr lang="pt-BR" sz="1100"/>
+            </a:p>
+          </p:txBody>
+        </p:sp>
+        <p:sp>
+          <p:nvSpPr>
+            <p:cNvPr id="32" name="Retângulo 31"/>
+            <p:cNvSpPr/>
+            <p:nvPr/>
+          </p:nvSpPr>
+          <p:spPr>
+            <a:xfrm>
+              <a:off x="3031918" y="5134300"/>
+              <a:ext cx="303284" cy="404974"/>
+            </a:xfrm>
+            <a:prstGeom prst="rect">
+              <a:avLst/>
+            </a:prstGeom>
+            <a:pattFill prst="dkHorz">
+              <a:fgClr>
+                <a:schemeClr val="accent1"/>
+              </a:fgClr>
+              <a:bgClr>
+                <a:schemeClr val="bg1"/>
+              </a:bgClr>
+            </a:pattFill>
+          </p:spPr>
+          <p:style>
+            <a:lnRef idx="2">
+              <a:schemeClr val="accent1">
+                <a:shade val="50000"/>
+              </a:schemeClr>
+            </a:lnRef>
+            <a:fillRef idx="1">
+              <a:schemeClr val="accent1"/>
+            </a:fillRef>
+            <a:effectRef idx="0">
+              <a:schemeClr val="accent1"/>
+            </a:effectRef>
+            <a:fontRef idx="minor">
+              <a:schemeClr val="lt1"/>
+            </a:fontRef>
+          </p:style>
+          <p:txBody>
+            <a:bodyPr rtlCol="0" anchor="ctr"/>
+            <a:lstStyle/>
+            <a:p>
+              <a:pPr algn="ctr"/>
+              <a:endParaRPr lang="pt-BR" sz="1100"/>
+            </a:p>
+          </p:txBody>
+        </p:sp>
+        <p:sp>
+          <p:nvSpPr>
+            <p:cNvPr id="33" name="Retângulo 32"/>
+            <p:cNvSpPr/>
+            <p:nvPr/>
+          </p:nvSpPr>
+          <p:spPr>
+            <a:xfrm>
+              <a:off x="3031918" y="5539274"/>
+              <a:ext cx="303284" cy="404974"/>
+            </a:xfrm>
+            <a:prstGeom prst="rect">
+              <a:avLst/>
+            </a:prstGeom>
+            <a:noFill/>
+          </p:spPr>
+          <p:style>
+            <a:lnRef idx="2">
+              <a:schemeClr val="accent1">
+                <a:shade val="50000"/>
+              </a:schemeClr>
+            </a:lnRef>
+            <a:fillRef idx="1">
+              <a:schemeClr val="accent1"/>
+            </a:fillRef>
+            <a:effectRef idx="0">
+              <a:schemeClr val="accent1"/>
+            </a:effectRef>
+            <a:fontRef idx="minor">
+              <a:schemeClr val="lt1"/>
+            </a:fontRef>
+          </p:style>
+          <p:txBody>
+            <a:bodyPr rtlCol="0" anchor="ctr"/>
+            <a:lstStyle/>
+            <a:p>
+              <a:pPr algn="ctr"/>
+              <a:endParaRPr lang="pt-BR" sz="1100"/>
+            </a:p>
+          </p:txBody>
+        </p:sp>
+        <p:sp>
+          <p:nvSpPr>
+            <p:cNvPr id="34" name="Retângulo 33"/>
+            <p:cNvSpPr/>
+            <p:nvPr/>
+          </p:nvSpPr>
+          <p:spPr>
+            <a:xfrm>
+              <a:off x="3337239" y="4729326"/>
+              <a:ext cx="303284" cy="404974"/>
+            </a:xfrm>
+            <a:prstGeom prst="rect">
+              <a:avLst/>
+            </a:prstGeom>
+            <a:noFill/>
+          </p:spPr>
+          <p:style>
+            <a:lnRef idx="2">
+              <a:schemeClr val="accent1">
+                <a:shade val="50000"/>
+              </a:schemeClr>
+            </a:lnRef>
+            <a:fillRef idx="1">
+              <a:schemeClr val="accent1"/>
+            </a:fillRef>
+            <a:effectRef idx="0">
+              <a:schemeClr val="accent1"/>
+            </a:effectRef>
+            <a:fontRef idx="minor">
+              <a:schemeClr val="lt1"/>
+            </a:fontRef>
+          </p:style>
+          <p:txBody>
+            <a:bodyPr rtlCol="0" anchor="ctr"/>
+            <a:lstStyle/>
+            <a:p>
+              <a:pPr algn="ctr"/>
+              <a:endParaRPr lang="pt-BR" sz="1100"/>
+            </a:p>
+          </p:txBody>
+        </p:sp>
+        <p:sp>
+          <p:nvSpPr>
+            <p:cNvPr id="35" name="Retângulo 34"/>
+            <p:cNvSpPr/>
+            <p:nvPr/>
+          </p:nvSpPr>
+          <p:spPr>
+            <a:xfrm>
+              <a:off x="3640524" y="4729326"/>
+              <a:ext cx="303284" cy="404974"/>
+            </a:xfrm>
+            <a:prstGeom prst="rect">
+              <a:avLst/>
+            </a:prstGeom>
+            <a:noFill/>
+          </p:spPr>
+          <p:style>
+            <a:lnRef idx="2">
+              <a:schemeClr val="accent1">
+                <a:shade val="50000"/>
+              </a:schemeClr>
+            </a:lnRef>
+            <a:fillRef idx="1">
+              <a:schemeClr val="accent1"/>
+            </a:fillRef>
+            <a:effectRef idx="0">
+              <a:schemeClr val="accent1"/>
+            </a:effectRef>
+            <a:fontRef idx="minor">
+              <a:schemeClr val="lt1"/>
+            </a:fontRef>
+          </p:style>
+          <p:txBody>
+            <a:bodyPr rtlCol="0" anchor="ctr"/>
+            <a:lstStyle/>
+            <a:p>
+              <a:pPr algn="ctr"/>
+              <a:endParaRPr lang="pt-BR" sz="1100"/>
+            </a:p>
+          </p:txBody>
+        </p:sp>
+        <p:sp>
+          <p:nvSpPr>
+            <p:cNvPr id="36" name="Retângulo 35"/>
+            <p:cNvSpPr/>
+            <p:nvPr/>
+          </p:nvSpPr>
+          <p:spPr>
+            <a:xfrm>
+              <a:off x="3337239" y="5134300"/>
+              <a:ext cx="303284" cy="404974"/>
+            </a:xfrm>
+            <a:prstGeom prst="rect">
+              <a:avLst/>
+            </a:prstGeom>
+            <a:noFill/>
+          </p:spPr>
+          <p:style>
+            <a:lnRef idx="2">
+              <a:schemeClr val="accent1">
+                <a:shade val="50000"/>
+              </a:schemeClr>
+            </a:lnRef>
+            <a:fillRef idx="1">
+              <a:schemeClr val="accent1"/>
+            </a:fillRef>
+            <a:effectRef idx="0">
+              <a:schemeClr val="accent1"/>
+            </a:effectRef>
+            <a:fontRef idx="minor">
+              <a:schemeClr val="lt1"/>
+            </a:fontRef>
+          </p:style>
+          <p:txBody>
+            <a:bodyPr rtlCol="0" anchor="ctr"/>
+            <a:lstStyle/>
+            <a:p>
+              <a:pPr algn="ctr"/>
+              <a:endParaRPr lang="pt-BR" sz="1100"/>
+            </a:p>
+          </p:txBody>
+        </p:sp>
+        <p:sp>
+          <p:nvSpPr>
+            <p:cNvPr id="37" name="Retângulo 36"/>
+            <p:cNvSpPr/>
+            <p:nvPr/>
+          </p:nvSpPr>
+          <p:spPr>
+            <a:xfrm>
+              <a:off x="3640523" y="5134299"/>
+              <a:ext cx="303284" cy="404974"/>
+            </a:xfrm>
+            <a:prstGeom prst="rect">
+              <a:avLst/>
+            </a:prstGeom>
+            <a:noFill/>
+          </p:spPr>
+          <p:style>
+            <a:lnRef idx="2">
+              <a:schemeClr val="accent1">
+                <a:shade val="50000"/>
+              </a:schemeClr>
+            </a:lnRef>
+            <a:fillRef idx="1">
+              <a:schemeClr val="accent1"/>
+            </a:fillRef>
+            <a:effectRef idx="0">
+              <a:schemeClr val="accent1"/>
+            </a:effectRef>
+            <a:fontRef idx="minor">
+              <a:schemeClr val="lt1"/>
+            </a:fontRef>
+          </p:style>
+          <p:txBody>
+            <a:bodyPr rtlCol="0" anchor="ctr"/>
+            <a:lstStyle/>
+            <a:p>
+              <a:pPr algn="ctr"/>
+              <a:endParaRPr lang="pt-BR" sz="1100"/>
+            </a:p>
+          </p:txBody>
+        </p:sp>
+        <p:sp>
+          <p:nvSpPr>
+            <p:cNvPr id="38" name="Retângulo 37"/>
+            <p:cNvSpPr/>
+            <p:nvPr/>
+          </p:nvSpPr>
+          <p:spPr>
+            <a:xfrm>
+              <a:off x="3337239" y="5539273"/>
+              <a:ext cx="303284" cy="404974"/>
+            </a:xfrm>
+            <a:prstGeom prst="rect">
+              <a:avLst/>
+            </a:prstGeom>
+            <a:noFill/>
+          </p:spPr>
+          <p:style>
+            <a:lnRef idx="2">
+              <a:schemeClr val="accent1">
+                <a:shade val="50000"/>
+              </a:schemeClr>
+            </a:lnRef>
+            <a:fillRef idx="1">
+              <a:schemeClr val="accent1"/>
+            </a:fillRef>
+            <a:effectRef idx="0">
+              <a:schemeClr val="accent1"/>
+            </a:effectRef>
+            <a:fontRef idx="minor">
+              <a:schemeClr val="lt1"/>
+            </a:fontRef>
+          </p:style>
+          <p:txBody>
+            <a:bodyPr rtlCol="0" anchor="ctr"/>
+            <a:lstStyle/>
+            <a:p>
+              <a:pPr algn="ctr"/>
+              <a:endParaRPr lang="pt-BR" sz="1100"/>
+            </a:p>
+          </p:txBody>
+        </p:sp>
+        <p:sp>
+          <p:nvSpPr>
+            <p:cNvPr id="39" name="Retângulo 38"/>
+            <p:cNvSpPr/>
+            <p:nvPr/>
+          </p:nvSpPr>
+          <p:spPr>
+            <a:xfrm>
+              <a:off x="3640523" y="5539273"/>
+              <a:ext cx="303284" cy="404974"/>
+            </a:xfrm>
+            <a:prstGeom prst="rect">
+              <a:avLst/>
+            </a:prstGeom>
+            <a:noFill/>
+          </p:spPr>
+          <p:style>
+            <a:lnRef idx="2">
+              <a:schemeClr val="accent1">
+                <a:shade val="50000"/>
+              </a:schemeClr>
+            </a:lnRef>
+            <a:fillRef idx="1">
+              <a:schemeClr val="accent1"/>
+            </a:fillRef>
+            <a:effectRef idx="0">
+              <a:schemeClr val="accent1"/>
+            </a:effectRef>
+            <a:fontRef idx="minor">
+              <a:schemeClr val="lt1"/>
+            </a:fontRef>
+          </p:style>
+          <p:txBody>
+            <a:bodyPr rtlCol="0" anchor="ctr"/>
+            <a:lstStyle/>
+            <a:p>
+              <a:pPr algn="ctr"/>
+              <a:endParaRPr lang="pt-BR" sz="1100"/>
+            </a:p>
+          </p:txBody>
+        </p:sp>
+        <p:sp>
+          <p:nvSpPr>
+            <p:cNvPr id="40" name="Retângulo 39"/>
+            <p:cNvSpPr/>
+            <p:nvPr/>
+          </p:nvSpPr>
+          <p:spPr>
+            <a:xfrm>
+              <a:off x="3943808" y="4729326"/>
+              <a:ext cx="303284" cy="404974"/>
+            </a:xfrm>
+            <a:prstGeom prst="rect">
+              <a:avLst/>
+            </a:prstGeom>
+            <a:noFill/>
+          </p:spPr>
+          <p:style>
+            <a:lnRef idx="2">
+              <a:schemeClr val="accent1">
+                <a:shade val="50000"/>
+              </a:schemeClr>
+            </a:lnRef>
+            <a:fillRef idx="1">
+              <a:schemeClr val="accent1"/>
+            </a:fillRef>
+            <a:effectRef idx="0">
+              <a:schemeClr val="accent1"/>
+            </a:effectRef>
+            <a:fontRef idx="minor">
+              <a:schemeClr val="lt1"/>
+            </a:fontRef>
+          </p:style>
+          <p:txBody>
+            <a:bodyPr rtlCol="0" anchor="ctr"/>
+            <a:lstStyle/>
+            <a:p>
+              <a:pPr algn="ctr"/>
+              <a:endParaRPr lang="pt-BR" sz="1100"/>
+            </a:p>
+          </p:txBody>
+        </p:sp>
+        <p:sp>
+          <p:nvSpPr>
+            <p:cNvPr id="41" name="Retângulo 40"/>
+            <p:cNvSpPr/>
+            <p:nvPr/>
+          </p:nvSpPr>
+          <p:spPr>
+            <a:xfrm>
+              <a:off x="3943807" y="5134299"/>
+              <a:ext cx="303284" cy="404974"/>
+            </a:xfrm>
+            <a:prstGeom prst="rect">
+              <a:avLst/>
+            </a:prstGeom>
+            <a:noFill/>
+          </p:spPr>
+          <p:style>
+            <a:lnRef idx="2">
+              <a:schemeClr val="accent1">
+                <a:shade val="50000"/>
+              </a:schemeClr>
+            </a:lnRef>
+            <a:fillRef idx="1">
+              <a:schemeClr val="accent1"/>
+            </a:fillRef>
+            <a:effectRef idx="0">
+              <a:schemeClr val="accent1"/>
+            </a:effectRef>
+            <a:fontRef idx="minor">
+              <a:schemeClr val="lt1"/>
+            </a:fontRef>
+          </p:style>
+          <p:txBody>
+            <a:bodyPr rtlCol="0" anchor="ctr"/>
+            <a:lstStyle/>
+            <a:p>
+              <a:pPr algn="ctr"/>
+              <a:endParaRPr lang="pt-BR" sz="1100"/>
+            </a:p>
+          </p:txBody>
+        </p:sp>
+        <p:sp>
+          <p:nvSpPr>
+            <p:cNvPr id="42" name="Retângulo 41"/>
+            <p:cNvSpPr/>
+            <p:nvPr/>
+          </p:nvSpPr>
+          <p:spPr>
+            <a:xfrm>
+              <a:off x="3943807" y="5539273"/>
+              <a:ext cx="303284" cy="404974"/>
+            </a:xfrm>
+            <a:prstGeom prst="rect">
+              <a:avLst/>
+            </a:prstGeom>
+            <a:noFill/>
+          </p:spPr>
+          <p:style>
+            <a:lnRef idx="2">
+              <a:schemeClr val="accent1">
+                <a:shade val="50000"/>
+              </a:schemeClr>
+            </a:lnRef>
+            <a:fillRef idx="1">
+              <a:schemeClr val="accent1"/>
+            </a:fillRef>
+            <a:effectRef idx="0">
+              <a:schemeClr val="accent1"/>
+            </a:effectRef>
+            <a:fontRef idx="minor">
+              <a:schemeClr val="lt1"/>
+            </a:fontRef>
+          </p:style>
+          <p:txBody>
+            <a:bodyPr rtlCol="0" anchor="ctr"/>
+            <a:lstStyle/>
+            <a:p>
+              <a:pPr algn="ctr"/>
+              <a:endParaRPr lang="pt-BR" sz="1100"/>
+            </a:p>
+          </p:txBody>
+        </p:sp>
+        <p:sp>
+          <p:nvSpPr>
+            <p:cNvPr id="43" name="Retângulo 42"/>
+            <p:cNvSpPr/>
+            <p:nvPr/>
+          </p:nvSpPr>
+          <p:spPr>
+            <a:xfrm>
+              <a:off x="4247092" y="3508962"/>
+              <a:ext cx="303285" cy="406789"/>
+            </a:xfrm>
+            <a:prstGeom prst="rect">
+              <a:avLst/>
+            </a:prstGeom>
+            <a:noFill/>
+          </p:spPr>
+          <p:style>
+            <a:lnRef idx="2">
+              <a:schemeClr val="accent1">
+                <a:shade val="50000"/>
+              </a:schemeClr>
+            </a:lnRef>
+            <a:fillRef idx="1">
+              <a:schemeClr val="accent1"/>
+            </a:fillRef>
+            <a:effectRef idx="0">
+              <a:schemeClr val="accent1"/>
+            </a:effectRef>
+            <a:fontRef idx="minor">
+              <a:schemeClr val="lt1"/>
+            </a:fontRef>
+          </p:style>
+          <p:txBody>
+            <a:bodyPr rtlCol="0" anchor="ctr"/>
+            <a:lstStyle/>
+            <a:p>
+              <a:pPr algn="ctr"/>
+              <a:endParaRPr lang="pt-BR" sz="1100"/>
+            </a:p>
+          </p:txBody>
+        </p:sp>
+        <p:sp>
+          <p:nvSpPr>
+            <p:cNvPr id="44" name="Retângulo 43"/>
+            <p:cNvSpPr/>
+            <p:nvPr/>
+          </p:nvSpPr>
+          <p:spPr>
+            <a:xfrm>
+              <a:off x="4550377" y="3508962"/>
+              <a:ext cx="303285" cy="406789"/>
+            </a:xfrm>
+            <a:prstGeom prst="rect">
+              <a:avLst/>
+            </a:prstGeom>
+            <a:noFill/>
+          </p:spPr>
+          <p:style>
+            <a:lnRef idx="2">
+              <a:schemeClr val="accent1">
+                <a:shade val="50000"/>
+              </a:schemeClr>
+            </a:lnRef>
+            <a:fillRef idx="1">
+              <a:schemeClr val="accent1"/>
+            </a:fillRef>
+            <a:effectRef idx="0">
+              <a:schemeClr val="accent1"/>
+            </a:effectRef>
+            <a:fontRef idx="minor">
+              <a:schemeClr val="lt1"/>
+            </a:fontRef>
+          </p:style>
+          <p:txBody>
+            <a:bodyPr rtlCol="0" anchor="ctr"/>
+            <a:lstStyle/>
+            <a:p>
+              <a:pPr algn="ctr"/>
+              <a:endParaRPr lang="pt-BR" sz="1100"/>
+            </a:p>
+          </p:txBody>
+        </p:sp>
+        <p:sp>
+          <p:nvSpPr>
+            <p:cNvPr id="45" name="Retângulo 44"/>
+            <p:cNvSpPr/>
+            <p:nvPr/>
+          </p:nvSpPr>
+          <p:spPr>
+            <a:xfrm>
+              <a:off x="4247092" y="3913936"/>
+              <a:ext cx="303285" cy="406789"/>
+            </a:xfrm>
+            <a:prstGeom prst="rect">
+              <a:avLst/>
+            </a:prstGeom>
+            <a:noFill/>
+          </p:spPr>
+          <p:style>
+            <a:lnRef idx="2">
+              <a:schemeClr val="accent1">
+                <a:shade val="50000"/>
+              </a:schemeClr>
+            </a:lnRef>
+            <a:fillRef idx="1">
+              <a:schemeClr val="accent1"/>
+            </a:fillRef>
+            <a:effectRef idx="0">
+              <a:schemeClr val="accent1"/>
+            </a:effectRef>
+            <a:fontRef idx="minor">
+              <a:schemeClr val="lt1"/>
+            </a:fontRef>
+          </p:style>
+          <p:txBody>
+            <a:bodyPr rtlCol="0" anchor="ctr"/>
+            <a:lstStyle/>
+            <a:p>
+              <a:pPr algn="ctr"/>
+              <a:endParaRPr lang="pt-BR" sz="1100"/>
+            </a:p>
+          </p:txBody>
+        </p:sp>
+        <p:sp>
+          <p:nvSpPr>
+            <p:cNvPr id="46" name="Retângulo 45"/>
+            <p:cNvSpPr/>
+            <p:nvPr/>
+          </p:nvSpPr>
+          <p:spPr>
+            <a:xfrm>
+              <a:off x="4550377" y="3913936"/>
+              <a:ext cx="303285" cy="406789"/>
+            </a:xfrm>
+            <a:prstGeom prst="rect">
+              <a:avLst/>
+            </a:prstGeom>
+            <a:noFill/>
+          </p:spPr>
+          <p:style>
+            <a:lnRef idx="2">
+              <a:schemeClr val="accent1">
+                <a:shade val="50000"/>
+              </a:schemeClr>
+            </a:lnRef>
+            <a:fillRef idx="1">
+              <a:schemeClr val="accent1"/>
+            </a:fillRef>
+            <a:effectRef idx="0">
+              <a:schemeClr val="accent1"/>
+            </a:effectRef>
+            <a:fontRef idx="minor">
+              <a:schemeClr val="lt1"/>
+            </a:fontRef>
+          </p:style>
+          <p:txBody>
+            <a:bodyPr rtlCol="0" anchor="ctr"/>
+            <a:lstStyle/>
+            <a:p>
+              <a:pPr algn="ctr"/>
+              <a:endParaRPr lang="pt-BR" sz="1100"/>
+            </a:p>
+          </p:txBody>
+        </p:sp>
+        <p:sp>
+          <p:nvSpPr>
+            <p:cNvPr id="47" name="Retângulo 46"/>
+            <p:cNvSpPr/>
+            <p:nvPr/>
+          </p:nvSpPr>
+          <p:spPr>
+            <a:xfrm>
+              <a:off x="4247092" y="4322538"/>
+              <a:ext cx="303285" cy="406789"/>
+            </a:xfrm>
+            <a:prstGeom prst="rect">
+              <a:avLst/>
+            </a:prstGeom>
+            <a:noFill/>
+          </p:spPr>
+          <p:style>
+            <a:lnRef idx="2">
+              <a:schemeClr val="accent1">
+                <a:shade val="50000"/>
+              </a:schemeClr>
+            </a:lnRef>
+            <a:fillRef idx="1">
+              <a:schemeClr val="accent1"/>
+            </a:fillRef>
+            <a:effectRef idx="0">
+              <a:schemeClr val="accent1"/>
+            </a:effectRef>
+            <a:fontRef idx="minor">
+              <a:schemeClr val="lt1"/>
+            </a:fontRef>
+          </p:style>
+          <p:txBody>
+            <a:bodyPr rtlCol="0" anchor="ctr"/>
+            <a:lstStyle/>
+            <a:p>
+              <a:pPr algn="ctr"/>
+              <a:endParaRPr lang="pt-BR" sz="1100"/>
+            </a:p>
+          </p:txBody>
+        </p:sp>
+        <p:sp>
+          <p:nvSpPr>
+            <p:cNvPr id="48" name="Retângulo 47"/>
+            <p:cNvSpPr/>
+            <p:nvPr/>
+          </p:nvSpPr>
+          <p:spPr>
+            <a:xfrm>
+              <a:off x="4550377" y="4322538"/>
+              <a:ext cx="303285" cy="406789"/>
+            </a:xfrm>
+            <a:prstGeom prst="rect">
+              <a:avLst/>
+            </a:prstGeom>
+            <a:noFill/>
+          </p:spPr>
+          <p:style>
+            <a:lnRef idx="2">
+              <a:schemeClr val="accent1">
+                <a:shade val="50000"/>
+              </a:schemeClr>
+            </a:lnRef>
+            <a:fillRef idx="1">
+              <a:schemeClr val="accent1"/>
+            </a:fillRef>
+            <a:effectRef idx="0">
+              <a:schemeClr val="accent1"/>
+            </a:effectRef>
+            <a:fontRef idx="minor">
+              <a:schemeClr val="lt1"/>
+            </a:fontRef>
+          </p:style>
+          <p:txBody>
+            <a:bodyPr rtlCol="0" anchor="ctr"/>
+            <a:lstStyle/>
+            <a:p>
+              <a:pPr algn="ctr"/>
+              <a:endParaRPr lang="pt-BR" sz="1100"/>
+            </a:p>
+          </p:txBody>
+        </p:sp>
+        <p:sp>
+          <p:nvSpPr>
+            <p:cNvPr id="49" name="Retângulo 48"/>
+            <p:cNvSpPr/>
+            <p:nvPr/>
+          </p:nvSpPr>
+          <p:spPr>
+            <a:xfrm>
+              <a:off x="4247092" y="4723882"/>
+              <a:ext cx="303285" cy="406789"/>
+            </a:xfrm>
+            <a:prstGeom prst="rect">
+              <a:avLst/>
+            </a:prstGeom>
+            <a:noFill/>
+          </p:spPr>
+          <p:style>
+            <a:lnRef idx="2">
+              <a:schemeClr val="accent1">
+                <a:shade val="50000"/>
+              </a:schemeClr>
+            </a:lnRef>
+            <a:fillRef idx="1">
+              <a:schemeClr val="accent1"/>
+            </a:fillRef>
+            <a:effectRef idx="0">
+              <a:schemeClr val="accent1"/>
+            </a:effectRef>
+            <a:fontRef idx="minor">
+              <a:schemeClr val="lt1"/>
+            </a:fontRef>
+          </p:style>
+          <p:txBody>
+            <a:bodyPr rtlCol="0" anchor="ctr"/>
+            <a:lstStyle/>
+            <a:p>
+              <a:pPr algn="ctr"/>
+              <a:endParaRPr lang="pt-BR" sz="1100"/>
+            </a:p>
+          </p:txBody>
+        </p:sp>
+        <p:sp>
+          <p:nvSpPr>
+            <p:cNvPr id="50" name="Retângulo 49"/>
+            <p:cNvSpPr/>
+            <p:nvPr/>
+          </p:nvSpPr>
+          <p:spPr>
+            <a:xfrm>
+              <a:off x="4550377" y="4723882"/>
+              <a:ext cx="303285" cy="406789"/>
+            </a:xfrm>
+            <a:prstGeom prst="rect">
+              <a:avLst/>
+            </a:prstGeom>
+            <a:noFill/>
+          </p:spPr>
+          <p:style>
+            <a:lnRef idx="2">
+              <a:schemeClr val="accent1">
+                <a:shade val="50000"/>
+              </a:schemeClr>
+            </a:lnRef>
+            <a:fillRef idx="1">
+              <a:schemeClr val="accent1"/>
+            </a:fillRef>
+            <a:effectRef idx="0">
+              <a:schemeClr val="accent1"/>
+            </a:effectRef>
+            <a:fontRef idx="minor">
+              <a:schemeClr val="lt1"/>
+            </a:fontRef>
+          </p:style>
+          <p:txBody>
+            <a:bodyPr rtlCol="0" anchor="ctr"/>
+            <a:lstStyle/>
+            <a:p>
+              <a:pPr algn="ctr"/>
+              <a:endParaRPr lang="pt-BR" sz="1100"/>
+            </a:p>
+          </p:txBody>
+        </p:sp>
+        <p:sp>
+          <p:nvSpPr>
+            <p:cNvPr id="51" name="Retângulo 50"/>
+            <p:cNvSpPr/>
+            <p:nvPr/>
+          </p:nvSpPr>
+          <p:spPr>
+            <a:xfrm>
+              <a:off x="4247092" y="5130671"/>
+              <a:ext cx="303285" cy="406789"/>
+            </a:xfrm>
+            <a:prstGeom prst="rect">
+              <a:avLst/>
+            </a:prstGeom>
+            <a:noFill/>
+          </p:spPr>
+          <p:style>
+            <a:lnRef idx="2">
+              <a:schemeClr val="accent1">
+                <a:shade val="50000"/>
+              </a:schemeClr>
+            </a:lnRef>
+            <a:fillRef idx="1">
+              <a:schemeClr val="accent1"/>
+            </a:fillRef>
+            <a:effectRef idx="0">
+              <a:schemeClr val="accent1"/>
+            </a:effectRef>
+            <a:fontRef idx="minor">
+              <a:schemeClr val="lt1"/>
+            </a:fontRef>
+          </p:style>
+          <p:txBody>
+            <a:bodyPr rtlCol="0" anchor="ctr"/>
+            <a:lstStyle/>
+            <a:p>
+              <a:pPr algn="ctr"/>
+              <a:endParaRPr lang="pt-BR" sz="1100"/>
+            </a:p>
+          </p:txBody>
+        </p:sp>
+        <p:sp>
+          <p:nvSpPr>
+            <p:cNvPr id="52" name="Retângulo 51"/>
+            <p:cNvSpPr/>
+            <p:nvPr/>
+          </p:nvSpPr>
+          <p:spPr>
+            <a:xfrm>
+              <a:off x="4550377" y="5130670"/>
+              <a:ext cx="303285" cy="406789"/>
+            </a:xfrm>
+            <a:prstGeom prst="rect">
+              <a:avLst/>
+            </a:prstGeom>
+            <a:noFill/>
+          </p:spPr>
+          <p:style>
+            <a:lnRef idx="2">
+              <a:schemeClr val="accent1">
+                <a:shade val="50000"/>
+              </a:schemeClr>
+            </a:lnRef>
+            <a:fillRef idx="1">
+              <a:schemeClr val="accent1"/>
+            </a:fillRef>
+            <a:effectRef idx="0">
+              <a:schemeClr val="accent1"/>
+            </a:effectRef>
+            <a:fontRef idx="minor">
+              <a:schemeClr val="lt1"/>
+            </a:fontRef>
+          </p:style>
+          <p:txBody>
+            <a:bodyPr rtlCol="0" anchor="ctr"/>
+            <a:lstStyle/>
+            <a:p>
+              <a:pPr algn="ctr"/>
+              <a:endParaRPr lang="pt-BR" sz="1100"/>
+            </a:p>
+          </p:txBody>
+        </p:sp>
+        <p:sp>
+          <p:nvSpPr>
+            <p:cNvPr id="53" name="Retângulo 52"/>
+            <p:cNvSpPr/>
+            <p:nvPr/>
+          </p:nvSpPr>
+          <p:spPr>
+            <a:xfrm>
+              <a:off x="4247092" y="5537458"/>
+              <a:ext cx="303285" cy="406789"/>
+            </a:xfrm>
+            <a:prstGeom prst="rect">
+              <a:avLst/>
+            </a:prstGeom>
+            <a:noFill/>
+          </p:spPr>
+          <p:style>
+            <a:lnRef idx="2">
+              <a:schemeClr val="accent1">
+                <a:shade val="50000"/>
+              </a:schemeClr>
+            </a:lnRef>
+            <a:fillRef idx="1">
+              <a:schemeClr val="accent1"/>
+            </a:fillRef>
+            <a:effectRef idx="0">
+              <a:schemeClr val="accent1"/>
+            </a:effectRef>
+            <a:fontRef idx="minor">
+              <a:schemeClr val="lt1"/>
+            </a:fontRef>
+          </p:style>
+          <p:txBody>
+            <a:bodyPr rtlCol="0" anchor="ctr"/>
+            <a:lstStyle/>
+            <a:p>
+              <a:pPr algn="ctr"/>
+              <a:endParaRPr lang="pt-BR" sz="1100"/>
+            </a:p>
+          </p:txBody>
+        </p:sp>
+        <p:sp>
+          <p:nvSpPr>
+            <p:cNvPr id="54" name="Retângulo 53"/>
+            <p:cNvSpPr/>
+            <p:nvPr/>
+          </p:nvSpPr>
+          <p:spPr>
+            <a:xfrm>
+              <a:off x="4550377" y="5537458"/>
+              <a:ext cx="303285" cy="406789"/>
+            </a:xfrm>
+            <a:prstGeom prst="rect">
+              <a:avLst/>
+            </a:prstGeom>
+            <a:noFill/>
+          </p:spPr>
+          <p:style>
+            <a:lnRef idx="2">
+              <a:schemeClr val="accent1">
+                <a:shade val="50000"/>
+              </a:schemeClr>
+            </a:lnRef>
+            <a:fillRef idx="1">
+              <a:schemeClr val="accent1"/>
+            </a:fillRef>
+            <a:effectRef idx="0">
+              <a:schemeClr val="accent1"/>
+            </a:effectRef>
+            <a:fontRef idx="minor">
+              <a:schemeClr val="lt1"/>
+            </a:fontRef>
+          </p:style>
+          <p:txBody>
+            <a:bodyPr rtlCol="0" anchor="ctr"/>
+            <a:lstStyle/>
+            <a:p>
+              <a:pPr algn="ctr"/>
+              <a:endParaRPr lang="pt-BR" sz="1100"/>
+            </a:p>
+          </p:txBody>
+        </p:sp>
+      </p:grpSp>
+      <p:cxnSp>
+        <p:nvCxnSpPr>
+          <p:cNvPr id="121" name="Conector em curva 120"/>
+          <p:cNvCxnSpPr/>
+          <p:nvPr/>
+        </p:nvCxnSpPr>
+        <p:spPr>
+          <a:xfrm>
+            <a:off x="1112669" y="1705778"/>
+            <a:ext cx="1749984" cy="863439"/>
+          </a:xfrm>
+          <a:prstGeom prst="curvedConnector3">
+            <a:avLst/>
+          </a:prstGeom>
+          <a:ln>
+            <a:tailEnd type="triangle"/>
+          </a:ln>
+        </p:spPr>
+        <p:style>
+          <a:lnRef idx="1">
+            <a:schemeClr val="accent1"/>
+          </a:lnRef>
+          <a:fillRef idx="0">
+            <a:schemeClr val="accent1"/>
+          </a:fillRef>
+          <a:effectRef idx="0">
+            <a:schemeClr val="accent1"/>
+          </a:effectRef>
+          <a:fontRef idx="minor">
+            <a:schemeClr val="tx1"/>
+          </a:fontRef>
+        </p:style>
+      </p:cxnSp>
+      <p:cxnSp>
+        <p:nvCxnSpPr>
+          <p:cNvPr id="122" name="Conector em curva 121"/>
+          <p:cNvCxnSpPr/>
+          <p:nvPr/>
+        </p:nvCxnSpPr>
+        <p:spPr>
+          <a:xfrm>
+            <a:off x="2286399" y="1464389"/>
+            <a:ext cx="1749984" cy="863439"/>
+          </a:xfrm>
+          <a:prstGeom prst="curvedConnector3">
+            <a:avLst/>
+          </a:prstGeom>
+          <a:ln>
+            <a:tailEnd type="triangle"/>
+          </a:ln>
+        </p:spPr>
+        <p:style>
+          <a:lnRef idx="1">
+            <a:schemeClr val="accent1"/>
+          </a:lnRef>
+          <a:fillRef idx="0">
+            <a:schemeClr val="accent1"/>
+          </a:fillRef>
+          <a:effectRef idx="0">
+            <a:schemeClr val="accent1"/>
+          </a:effectRef>
+          <a:fontRef idx="minor">
+            <a:schemeClr val="tx1"/>
+          </a:fontRef>
+        </p:style>
+      </p:cxnSp>
+      <p:sp>
+        <p:nvSpPr>
+          <p:cNvPr id="123" name="CaixaDeTexto 122"/>
+          <p:cNvSpPr txBox="1"/>
+          <p:nvPr/>
+        </p:nvSpPr>
+        <p:spPr>
+          <a:xfrm>
+            <a:off x="3962724" y="2137497"/>
+            <a:ext cx="1865704" cy="307777"/>
+          </a:xfrm>
+          <a:prstGeom prst="rect">
+            <a:avLst/>
+          </a:prstGeom>
+          <a:noFill/>
+        </p:spPr>
+        <p:txBody>
+          <a:bodyPr wrap="none" rtlCol="0">
+            <a:spAutoFit/>
+          </a:bodyPr>
+          <a:lstStyle/>
+          <a:p>
+            <a:r>
+              <a:rPr lang="pt-BR" sz="1400" dirty="0" err="1" smtClean="0"/>
+              <a:t>gradational</a:t>
+            </a:r>
+            <a:r>
+              <a:rPr lang="pt-BR" sz="1400" dirty="0" smtClean="0"/>
+              <a:t> </a:t>
+            </a:r>
+            <a:r>
+              <a:rPr lang="pt-BR" sz="1400" dirty="0" err="1" smtClean="0"/>
+              <a:t>field</a:t>
+            </a:r>
+            <a:r>
+              <a:rPr lang="pt-BR" sz="1400" dirty="0" smtClean="0"/>
+              <a:t> = 11.0</a:t>
+            </a:r>
+            <a:endParaRPr lang="pt-BR" sz="1400" dirty="0"/>
+          </a:p>
+        </p:txBody>
+      </p:sp>
+      <p:sp>
+        <p:nvSpPr>
+          <p:cNvPr id="124" name="CaixaDeTexto 123"/>
+          <p:cNvSpPr txBox="1"/>
+          <p:nvPr/>
+        </p:nvSpPr>
+        <p:spPr>
+          <a:xfrm>
+            <a:off x="2790993" y="2391405"/>
+            <a:ext cx="1865704" cy="307777"/>
+          </a:xfrm>
+          <a:prstGeom prst="rect">
+            <a:avLst/>
+          </a:prstGeom>
+          <a:noFill/>
+        </p:spPr>
+        <p:txBody>
+          <a:bodyPr wrap="none" rtlCol="0">
+            <a:spAutoFit/>
+          </a:bodyPr>
+          <a:lstStyle/>
+          <a:p>
+            <a:r>
+              <a:rPr lang="pt-BR" sz="1400" dirty="0" err="1" smtClean="0"/>
+              <a:t>gradational</a:t>
+            </a:r>
+            <a:r>
+              <a:rPr lang="pt-BR" sz="1400" dirty="0" smtClean="0"/>
+              <a:t> </a:t>
+            </a:r>
+            <a:r>
+              <a:rPr lang="pt-BR" sz="1400" dirty="0" err="1" smtClean="0"/>
+              <a:t>field</a:t>
+            </a:r>
+            <a:r>
+              <a:rPr lang="pt-BR" sz="1400" dirty="0" smtClean="0"/>
+              <a:t> = 12.0</a:t>
+            </a:r>
+            <a:endParaRPr lang="pt-BR" sz="1400" dirty="0"/>
+          </a:p>
+        </p:txBody>
+      </p:sp>
+      <p:pic>
+        <p:nvPicPr>
+          <p:cNvPr id="125" name="Imagem 124"/>
+          <p:cNvPicPr/>
+          <p:nvPr/>
+        </p:nvPicPr>
+        <p:blipFill rotWithShape="1">
+          <a:blip r:embed="rId2"/>
+          <a:srcRect l="5877" t="13255" r="17330" b="15286"/>
+          <a:stretch/>
+        </p:blipFill>
+        <p:spPr>
+          <a:xfrm>
+            <a:off x="6910616" y="820467"/>
+            <a:ext cx="5094026" cy="2659300"/>
+          </a:xfrm>
+          <a:prstGeom prst="rect">
+            <a:avLst/>
+          </a:prstGeom>
+          <a:ln>
+            <a:solidFill>
+              <a:schemeClr val="tx1"/>
+            </a:solidFill>
+          </a:ln>
+        </p:spPr>
+      </p:pic>
+      <p:sp>
+        <p:nvSpPr>
+          <p:cNvPr id="126" name="Retângulo 125"/>
+          <p:cNvSpPr/>
+          <p:nvPr/>
+        </p:nvSpPr>
+        <p:spPr>
+          <a:xfrm>
+            <a:off x="6554467" y="1952860"/>
+            <a:ext cx="279062" cy="371408"/>
+          </a:xfrm>
+          <a:prstGeom prst="rect">
+            <a:avLst/>
+          </a:prstGeom>
+          <a:solidFill>
+            <a:schemeClr val="accent2"/>
+          </a:solidFill>
+        </p:spPr>
+        <p:style>
+          <a:lnRef idx="2">
+            <a:schemeClr val="accent1">
+              <a:shade val="50000"/>
+            </a:schemeClr>
+          </a:lnRef>
+          <a:fillRef idx="1">
+            <a:schemeClr val="accent1"/>
+          </a:fillRef>
+          <a:effectRef idx="0">
+            <a:schemeClr val="accent1"/>
+          </a:effectRef>
+          <a:fontRef idx="minor">
+            <a:schemeClr val="lt1"/>
+          </a:fontRef>
+        </p:style>
+        <p:txBody>
+          <a:bodyPr rtlCol="0" anchor="ctr"/>
+          <a:lstStyle/>
+          <a:p>
+            <a:pPr algn="ctr"/>
+            <a:endParaRPr lang="pt-BR" sz="1200"/>
+          </a:p>
+        </p:txBody>
+      </p:sp>
+      <p:sp>
+        <p:nvSpPr>
+          <p:cNvPr id="127" name="Retângulo 126"/>
+          <p:cNvSpPr/>
+          <p:nvPr/>
+        </p:nvSpPr>
+        <p:spPr>
+          <a:xfrm>
+            <a:off x="9303976" y="392736"/>
+            <a:ext cx="279062" cy="371408"/>
+          </a:xfrm>
+          <a:prstGeom prst="rect">
+            <a:avLst/>
+          </a:prstGeom>
+          <a:solidFill>
+            <a:schemeClr val="accent2"/>
+          </a:solidFill>
+        </p:spPr>
+        <p:style>
+          <a:lnRef idx="2">
+            <a:schemeClr val="accent1">
+              <a:shade val="50000"/>
+            </a:schemeClr>
+          </a:lnRef>
+          <a:fillRef idx="1">
+            <a:schemeClr val="accent1"/>
+          </a:fillRef>
+          <a:effectRef idx="0">
+            <a:schemeClr val="accent1"/>
+          </a:effectRef>
+          <a:fontRef idx="minor">
+            <a:schemeClr val="lt1"/>
+          </a:fontRef>
+        </p:style>
+        <p:txBody>
+          <a:bodyPr rtlCol="0" anchor="ctr"/>
+          <a:lstStyle/>
+          <a:p>
+            <a:pPr algn="ctr"/>
+            <a:endParaRPr lang="pt-BR" sz="1200"/>
+          </a:p>
+        </p:txBody>
+      </p:sp>
+      <p:sp>
+        <p:nvSpPr>
+          <p:cNvPr id="128" name="Retângulo 127"/>
+          <p:cNvSpPr/>
+          <p:nvPr/>
+        </p:nvSpPr>
+        <p:spPr>
+          <a:xfrm>
+            <a:off x="11035800" y="397360"/>
+            <a:ext cx="279062" cy="371408"/>
+          </a:xfrm>
+          <a:prstGeom prst="rect">
+            <a:avLst/>
+          </a:prstGeom>
+          <a:solidFill>
+            <a:srgbClr val="00B050"/>
+          </a:solidFill>
+        </p:spPr>
+        <p:style>
+          <a:lnRef idx="2">
+            <a:schemeClr val="accent1">
+              <a:shade val="50000"/>
+            </a:schemeClr>
+          </a:lnRef>
+          <a:fillRef idx="1">
+            <a:schemeClr val="accent1"/>
+          </a:fillRef>
+          <a:effectRef idx="0">
+            <a:schemeClr val="accent1"/>
+          </a:effectRef>
+          <a:fontRef idx="minor">
+            <a:schemeClr val="lt1"/>
+          </a:fontRef>
+        </p:style>
+        <p:txBody>
+          <a:bodyPr rtlCol="0" anchor="ctr"/>
+          <a:lstStyle/>
+          <a:p>
+            <a:pPr algn="ctr"/>
+            <a:endParaRPr lang="pt-BR" sz="1200"/>
+          </a:p>
+        </p:txBody>
+      </p:sp>
+      <p:sp>
+        <p:nvSpPr>
+          <p:cNvPr id="129" name="Retângulo 128"/>
+          <p:cNvSpPr/>
+          <p:nvPr/>
+        </p:nvSpPr>
+        <p:spPr>
+          <a:xfrm>
+            <a:off x="7646040" y="389994"/>
+            <a:ext cx="279062" cy="371408"/>
+          </a:xfrm>
+          <a:prstGeom prst="rect">
+            <a:avLst/>
+          </a:prstGeom>
+          <a:solidFill>
+            <a:srgbClr val="00B0F0"/>
+          </a:solidFill>
+        </p:spPr>
+        <p:style>
+          <a:lnRef idx="2">
+            <a:schemeClr val="accent1">
+              <a:shade val="50000"/>
+            </a:schemeClr>
+          </a:lnRef>
+          <a:fillRef idx="1">
+            <a:schemeClr val="accent1"/>
+          </a:fillRef>
+          <a:effectRef idx="0">
+            <a:schemeClr val="accent1"/>
+          </a:effectRef>
+          <a:fontRef idx="minor">
+            <a:schemeClr val="lt1"/>
+          </a:fontRef>
+        </p:style>
+        <p:txBody>
+          <a:bodyPr rtlCol="0" anchor="ctr"/>
+          <a:lstStyle/>
+          <a:p>
+            <a:pPr algn="ctr"/>
+            <a:endParaRPr lang="pt-BR" sz="1200"/>
+          </a:p>
+        </p:txBody>
+      </p:sp>
+      <p:sp>
+        <p:nvSpPr>
+          <p:cNvPr id="130" name="Retângulo 129"/>
+          <p:cNvSpPr/>
+          <p:nvPr/>
+        </p:nvSpPr>
+        <p:spPr>
+          <a:xfrm>
+            <a:off x="6554467" y="1068867"/>
+            <a:ext cx="279062" cy="371408"/>
+          </a:xfrm>
+          <a:prstGeom prst="rect">
+            <a:avLst/>
+          </a:prstGeom>
+          <a:solidFill>
+            <a:srgbClr val="00B0F0"/>
+          </a:solidFill>
+        </p:spPr>
+        <p:style>
+          <a:lnRef idx="2">
+            <a:schemeClr val="accent1">
+              <a:shade val="50000"/>
+            </a:schemeClr>
+          </a:lnRef>
+          <a:fillRef idx="1">
+            <a:schemeClr val="accent1"/>
+          </a:fillRef>
+          <a:effectRef idx="0">
+            <a:schemeClr val="accent1"/>
+          </a:effectRef>
+          <a:fontRef idx="minor">
+            <a:schemeClr val="lt1"/>
+          </a:fontRef>
+        </p:style>
+        <p:txBody>
+          <a:bodyPr rtlCol="0" anchor="ctr"/>
+          <a:lstStyle/>
+          <a:p>
+            <a:pPr algn="ctr"/>
+            <a:endParaRPr lang="pt-BR" sz="1200"/>
+          </a:p>
+        </p:txBody>
+      </p:sp>
+      <p:sp>
+        <p:nvSpPr>
+          <p:cNvPr id="131" name="Retângulo 130"/>
+          <p:cNvSpPr/>
+          <p:nvPr/>
+        </p:nvSpPr>
+        <p:spPr>
+          <a:xfrm>
+            <a:off x="6564009" y="2738778"/>
+            <a:ext cx="279062" cy="371408"/>
+          </a:xfrm>
+          <a:prstGeom prst="rect">
+            <a:avLst/>
+          </a:prstGeom>
+          <a:solidFill>
+            <a:srgbClr val="00B050"/>
+          </a:solidFill>
+        </p:spPr>
+        <p:style>
+          <a:lnRef idx="2">
+            <a:schemeClr val="accent1">
+              <a:shade val="50000"/>
+            </a:schemeClr>
+          </a:lnRef>
+          <a:fillRef idx="1">
+            <a:schemeClr val="accent1"/>
+          </a:fillRef>
+          <a:effectRef idx="0">
+            <a:schemeClr val="accent1"/>
+          </a:effectRef>
+          <a:fontRef idx="minor">
+            <a:schemeClr val="lt1"/>
+          </a:fontRef>
+        </p:style>
+        <p:txBody>
+          <a:bodyPr rtlCol="0" anchor="ctr"/>
+          <a:lstStyle/>
+          <a:p>
+            <a:pPr algn="ctr"/>
+            <a:endParaRPr lang="pt-BR" sz="1200"/>
+          </a:p>
+        </p:txBody>
+      </p:sp>
+      <p:sp>
+        <p:nvSpPr>
+          <p:cNvPr id="132" name="Seta dobrada 131"/>
+          <p:cNvSpPr/>
+          <p:nvPr/>
+        </p:nvSpPr>
+        <p:spPr>
+          <a:xfrm rot="5400000" flipH="1">
+            <a:off x="6742816" y="900617"/>
+            <a:ext cx="1446088" cy="1223074"/>
+          </a:xfrm>
+          <a:prstGeom prst="bentArrow">
+            <a:avLst>
+              <a:gd name="adj1" fmla="val 15183"/>
+              <a:gd name="adj2" fmla="val 24622"/>
+              <a:gd name="adj3" fmla="val 36328"/>
+              <a:gd name="adj4" fmla="val 43750"/>
+            </a:avLst>
+          </a:prstGeom>
+          <a:solidFill>
+            <a:schemeClr val="accent1">
+              <a:alpha val="38000"/>
+            </a:schemeClr>
+          </a:solidFill>
+        </p:spPr>
+        <p:style>
+          <a:lnRef idx="2">
+            <a:schemeClr val="accent1">
+              <a:shade val="50000"/>
+            </a:schemeClr>
+          </a:lnRef>
+          <a:fillRef idx="1">
+            <a:schemeClr val="accent1"/>
+          </a:fillRef>
+          <a:effectRef idx="0">
+            <a:schemeClr val="accent1"/>
+          </a:effectRef>
+          <a:fontRef idx="minor">
+            <a:schemeClr val="lt1"/>
+          </a:fontRef>
+        </p:style>
+        <p:txBody>
+          <a:bodyPr rtlCol="0" anchor="ctr"/>
+          <a:lstStyle/>
+          <a:p>
+            <a:pPr algn="ctr"/>
+            <a:endParaRPr lang="pt-BR">
+              <a:solidFill>
+                <a:schemeClr val="tx1"/>
+              </a:solidFill>
+            </a:endParaRPr>
+          </a:p>
+        </p:txBody>
+      </p:sp>
+      <p:sp>
+        <p:nvSpPr>
+          <p:cNvPr id="133" name="Seta dobrada 132"/>
+          <p:cNvSpPr/>
+          <p:nvPr/>
+        </p:nvSpPr>
+        <p:spPr>
+          <a:xfrm rot="5400000" flipH="1">
+            <a:off x="7866334" y="261499"/>
+            <a:ext cx="1446088" cy="2476247"/>
+          </a:xfrm>
+          <a:prstGeom prst="bentArrow">
+            <a:avLst>
+              <a:gd name="adj1" fmla="val 12628"/>
+              <a:gd name="adj2" fmla="val 24622"/>
+              <a:gd name="adj3" fmla="val 36328"/>
+              <a:gd name="adj4" fmla="val 43750"/>
+            </a:avLst>
+          </a:prstGeom>
+          <a:solidFill>
+            <a:schemeClr val="accent1">
+              <a:alpha val="38000"/>
+            </a:schemeClr>
+          </a:solidFill>
+        </p:spPr>
+        <p:style>
+          <a:lnRef idx="2">
+            <a:schemeClr val="accent1">
+              <a:shade val="50000"/>
+            </a:schemeClr>
+          </a:lnRef>
+          <a:fillRef idx="1">
+            <a:schemeClr val="accent1"/>
+          </a:fillRef>
+          <a:effectRef idx="0">
+            <a:schemeClr val="accent1"/>
+          </a:effectRef>
+          <a:fontRef idx="minor">
+            <a:schemeClr val="lt1"/>
+          </a:fontRef>
+        </p:style>
+        <p:txBody>
+          <a:bodyPr rtlCol="0" anchor="ctr"/>
+          <a:lstStyle/>
+          <a:p>
+            <a:pPr algn="ctr"/>
+            <a:endParaRPr lang="pt-BR">
+              <a:solidFill>
+                <a:schemeClr val="tx1"/>
+              </a:solidFill>
+            </a:endParaRPr>
+          </a:p>
+        </p:txBody>
+      </p:sp>
+      <p:sp>
+        <p:nvSpPr>
+          <p:cNvPr id="134" name="Seta dobrada 133"/>
+          <p:cNvSpPr/>
+          <p:nvPr/>
+        </p:nvSpPr>
+        <p:spPr>
+          <a:xfrm rot="5400000" flipH="1">
+            <a:off x="9561352" y="257135"/>
+            <a:ext cx="1446088" cy="2476247"/>
+          </a:xfrm>
+          <a:prstGeom prst="bentArrow">
+            <a:avLst>
+              <a:gd name="adj1" fmla="val 12628"/>
+              <a:gd name="adj2" fmla="val 24622"/>
+              <a:gd name="adj3" fmla="val 36328"/>
+              <a:gd name="adj4" fmla="val 43750"/>
+            </a:avLst>
+          </a:prstGeom>
+          <a:solidFill>
+            <a:schemeClr val="accent1">
+              <a:alpha val="38000"/>
+            </a:schemeClr>
+          </a:solidFill>
+        </p:spPr>
+        <p:style>
+          <a:lnRef idx="2">
+            <a:schemeClr val="accent1">
+              <a:shade val="50000"/>
+            </a:schemeClr>
+          </a:lnRef>
+          <a:fillRef idx="1">
+            <a:schemeClr val="accent1"/>
+          </a:fillRef>
+          <a:effectRef idx="0">
+            <a:schemeClr val="accent1"/>
+          </a:effectRef>
+          <a:fontRef idx="minor">
+            <a:schemeClr val="lt1"/>
+          </a:fontRef>
+        </p:style>
+        <p:txBody>
+          <a:bodyPr rtlCol="0" anchor="ctr"/>
+          <a:lstStyle/>
+          <a:p>
+            <a:pPr algn="ctr"/>
+            <a:endParaRPr lang="pt-BR">
+              <a:solidFill>
+                <a:schemeClr val="tx1"/>
+              </a:solidFill>
+            </a:endParaRPr>
+          </a:p>
+        </p:txBody>
+      </p:sp>
+      <p:sp>
+        <p:nvSpPr>
+          <p:cNvPr id="135" name="Seta para cima 134"/>
+          <p:cNvSpPr/>
+          <p:nvPr/>
+        </p:nvSpPr>
+        <p:spPr>
+          <a:xfrm>
+            <a:off x="7035248" y="3357865"/>
+            <a:ext cx="279062" cy="491869"/>
+          </a:xfrm>
+          <a:prstGeom prst="upArrow">
+            <a:avLst/>
+          </a:prstGeom>
+        </p:spPr>
+        <p:style>
+          <a:lnRef idx="2">
+            <a:schemeClr val="accent1">
+              <a:shade val="50000"/>
+            </a:schemeClr>
+          </a:lnRef>
+          <a:fillRef idx="1">
+            <a:schemeClr val="accent1"/>
+          </a:fillRef>
+          <a:effectRef idx="0">
+            <a:schemeClr val="accent1"/>
+          </a:effectRef>
+          <a:fontRef idx="minor">
+            <a:schemeClr val="lt1"/>
+          </a:fontRef>
+        </p:style>
+        <p:txBody>
+          <a:bodyPr rtlCol="0" anchor="ctr"/>
+          <a:lstStyle/>
+          <a:p>
+            <a:pPr algn="ctr"/>
+            <a:endParaRPr lang="pt-BR"/>
+          </a:p>
+        </p:txBody>
+      </p:sp>
+      <p:sp>
+        <p:nvSpPr>
+          <p:cNvPr id="136" name="Seta para cima 135"/>
+          <p:cNvSpPr/>
+          <p:nvPr/>
+        </p:nvSpPr>
+        <p:spPr>
+          <a:xfrm>
+            <a:off x="8748592" y="3362489"/>
+            <a:ext cx="279062" cy="491869"/>
+          </a:xfrm>
+          <a:prstGeom prst="upArrow">
+            <a:avLst/>
+          </a:prstGeom>
+        </p:spPr>
+        <p:style>
+          <a:lnRef idx="2">
+            <a:schemeClr val="accent1">
+              <a:shade val="50000"/>
+            </a:schemeClr>
+          </a:lnRef>
+          <a:fillRef idx="1">
+            <a:schemeClr val="accent1"/>
+          </a:fillRef>
+          <a:effectRef idx="0">
+            <a:schemeClr val="accent1"/>
+          </a:effectRef>
+          <a:fontRef idx="minor">
+            <a:schemeClr val="lt1"/>
+          </a:fontRef>
+        </p:style>
+        <p:txBody>
+          <a:bodyPr rtlCol="0" anchor="ctr"/>
+          <a:lstStyle/>
+          <a:p>
+            <a:pPr algn="ctr"/>
+            <a:endParaRPr lang="pt-BR"/>
+          </a:p>
+        </p:txBody>
+      </p:sp>
+      <p:sp>
+        <p:nvSpPr>
+          <p:cNvPr id="137" name="Seta para cima 136"/>
+          <p:cNvSpPr/>
+          <p:nvPr/>
+        </p:nvSpPr>
+        <p:spPr>
+          <a:xfrm>
+            <a:off x="10443603" y="3363763"/>
+            <a:ext cx="279062" cy="491869"/>
+          </a:xfrm>
+          <a:prstGeom prst="upArrow">
+            <a:avLst/>
+          </a:prstGeom>
+        </p:spPr>
+        <p:style>
+          <a:lnRef idx="2">
+            <a:schemeClr val="accent1">
+              <a:shade val="50000"/>
+            </a:schemeClr>
+          </a:lnRef>
+          <a:fillRef idx="1">
+            <a:schemeClr val="accent1"/>
+          </a:fillRef>
+          <a:effectRef idx="0">
+            <a:schemeClr val="accent1"/>
+          </a:effectRef>
+          <a:fontRef idx="minor">
+            <a:schemeClr val="lt1"/>
+          </a:fontRef>
+        </p:style>
+        <p:txBody>
+          <a:bodyPr rtlCol="0" anchor="ctr"/>
+          <a:lstStyle/>
+          <a:p>
+            <a:pPr algn="ctr"/>
+            <a:endParaRPr lang="pt-BR"/>
+          </a:p>
+        </p:txBody>
+      </p:sp>
+      <p:cxnSp>
+        <p:nvCxnSpPr>
+          <p:cNvPr id="138" name="Conector em curva 137"/>
+          <p:cNvCxnSpPr/>
+          <p:nvPr/>
+        </p:nvCxnSpPr>
+        <p:spPr>
+          <a:xfrm>
+            <a:off x="2043269" y="957969"/>
+            <a:ext cx="1749984" cy="863439"/>
+          </a:xfrm>
+          <a:prstGeom prst="curvedConnector3">
+            <a:avLst/>
+          </a:prstGeom>
+          <a:ln>
+            <a:tailEnd type="triangle"/>
+          </a:ln>
+        </p:spPr>
+        <p:style>
+          <a:lnRef idx="1">
+            <a:schemeClr val="accent1"/>
+          </a:lnRef>
+          <a:fillRef idx="0">
+            <a:schemeClr val="accent1"/>
+          </a:fillRef>
+          <a:effectRef idx="0">
+            <a:schemeClr val="accent1"/>
+          </a:effectRef>
+          <a:fontRef idx="minor">
+            <a:schemeClr val="tx1"/>
+          </a:fontRef>
+        </p:style>
+      </p:cxnSp>
+      <p:sp>
+        <p:nvSpPr>
+          <p:cNvPr id="139" name="CaixaDeTexto 138"/>
+          <p:cNvSpPr txBox="1"/>
+          <p:nvPr/>
+        </p:nvSpPr>
+        <p:spPr>
+          <a:xfrm>
+            <a:off x="3751205" y="1619267"/>
+            <a:ext cx="1865704" cy="307777"/>
+          </a:xfrm>
+          <a:prstGeom prst="rect">
+            <a:avLst/>
+          </a:prstGeom>
+          <a:noFill/>
+        </p:spPr>
+        <p:txBody>
+          <a:bodyPr wrap="none" rtlCol="0">
+            <a:spAutoFit/>
+          </a:bodyPr>
+          <a:lstStyle/>
+          <a:p>
+            <a:r>
+              <a:rPr lang="pt-BR" sz="1400" dirty="0" err="1" smtClean="0"/>
+              <a:t>gradational</a:t>
+            </a:r>
+            <a:r>
+              <a:rPr lang="pt-BR" sz="1400" dirty="0" smtClean="0"/>
+              <a:t> </a:t>
+            </a:r>
+            <a:r>
+              <a:rPr lang="pt-BR" sz="1400" dirty="0" err="1" smtClean="0"/>
+              <a:t>field</a:t>
+            </a:r>
+            <a:r>
+              <a:rPr lang="pt-BR" sz="1400" dirty="0" smtClean="0"/>
+              <a:t> = 12.5</a:t>
+            </a:r>
+            <a:endParaRPr lang="pt-BR" sz="1400" dirty="0"/>
+          </a:p>
+        </p:txBody>
+      </p:sp>
+      <p:sp>
+        <p:nvSpPr>
+          <p:cNvPr id="140" name="Multiplicar 139"/>
+          <p:cNvSpPr/>
+          <p:nvPr/>
+        </p:nvSpPr>
+        <p:spPr>
+          <a:xfrm>
+            <a:off x="1656701" y="678597"/>
+            <a:ext cx="629698" cy="629698"/>
+          </a:xfrm>
+          <a:prstGeom prst="mathMultiply">
+            <a:avLst>
+              <a:gd name="adj1" fmla="val 7658"/>
+            </a:avLst>
+          </a:prstGeom>
+          <a:solidFill>
+            <a:srgbClr val="FF0000">
+              <a:alpha val="38000"/>
+            </a:srgbClr>
+          </a:solidFill>
+          <a:ln>
+            <a:noFill/>
+          </a:ln>
+        </p:spPr>
+        <p:style>
+          <a:lnRef idx="2">
+            <a:schemeClr val="accent1">
+              <a:shade val="50000"/>
+            </a:schemeClr>
+          </a:lnRef>
+          <a:fillRef idx="1">
+            <a:schemeClr val="accent1"/>
+          </a:fillRef>
+          <a:effectRef idx="0">
+            <a:schemeClr val="accent1"/>
+          </a:effectRef>
+          <a:fontRef idx="minor">
+            <a:schemeClr val="lt1"/>
+          </a:fontRef>
+        </p:style>
+        <p:txBody>
+          <a:bodyPr rtlCol="0" anchor="ctr"/>
+          <a:lstStyle/>
+          <a:p>
+            <a:pPr algn="ctr"/>
+            <a:endParaRPr lang="pt-BR" sz="1600"/>
+          </a:p>
+        </p:txBody>
+      </p:sp>
+      <p:cxnSp>
+        <p:nvCxnSpPr>
+          <p:cNvPr id="142" name="Conector reto 141"/>
+          <p:cNvCxnSpPr>
+            <a:stCxn id="135" idx="0"/>
+          </p:cNvCxnSpPr>
+          <p:nvPr/>
+        </p:nvCxnSpPr>
+        <p:spPr>
+          <a:xfrm flipV="1">
+            <a:off x="7174779" y="583064"/>
+            <a:ext cx="0" cy="2774801"/>
+          </a:xfrm>
+          <a:prstGeom prst="line">
+            <a:avLst/>
+          </a:prstGeom>
+          <a:ln w="15875">
+            <a:solidFill>
+              <a:schemeClr val="tx1"/>
+            </a:solidFill>
+            <a:prstDash val="dash"/>
+          </a:ln>
+        </p:spPr>
+        <p:style>
+          <a:lnRef idx="1">
+            <a:schemeClr val="accent1"/>
+          </a:lnRef>
+          <a:fillRef idx="0">
+            <a:schemeClr val="accent1"/>
+          </a:fillRef>
+          <a:effectRef idx="0">
+            <a:schemeClr val="accent1"/>
+          </a:effectRef>
+          <a:fontRef idx="minor">
+            <a:schemeClr val="tx1"/>
+          </a:fontRef>
+        </p:style>
+      </p:cxnSp>
+      <p:cxnSp>
+        <p:nvCxnSpPr>
+          <p:cNvPr id="143" name="Conector reto 142"/>
+          <p:cNvCxnSpPr/>
+          <p:nvPr/>
+        </p:nvCxnSpPr>
+        <p:spPr>
+          <a:xfrm flipV="1">
+            <a:off x="8897359" y="609031"/>
+            <a:ext cx="0" cy="2774801"/>
+          </a:xfrm>
+          <a:prstGeom prst="line">
+            <a:avLst/>
+          </a:prstGeom>
+          <a:ln w="15875">
+            <a:solidFill>
+              <a:schemeClr val="tx1"/>
+            </a:solidFill>
+            <a:prstDash val="dash"/>
+          </a:ln>
+        </p:spPr>
+        <p:style>
+          <a:lnRef idx="1">
+            <a:schemeClr val="accent1"/>
+          </a:lnRef>
+          <a:fillRef idx="0">
+            <a:schemeClr val="accent1"/>
+          </a:fillRef>
+          <a:effectRef idx="0">
+            <a:schemeClr val="accent1"/>
+          </a:effectRef>
+          <a:fontRef idx="minor">
+            <a:schemeClr val="tx1"/>
+          </a:fontRef>
+        </p:style>
+      </p:cxnSp>
+      <p:cxnSp>
+        <p:nvCxnSpPr>
+          <p:cNvPr id="144" name="Conector reto 143"/>
+          <p:cNvCxnSpPr/>
+          <p:nvPr/>
+        </p:nvCxnSpPr>
+        <p:spPr>
+          <a:xfrm flipV="1">
+            <a:off x="10583134" y="609030"/>
+            <a:ext cx="0" cy="2774801"/>
+          </a:xfrm>
+          <a:prstGeom prst="line">
+            <a:avLst/>
+          </a:prstGeom>
+          <a:ln w="15875">
+            <a:solidFill>
+              <a:schemeClr val="tx1"/>
+            </a:solidFill>
+            <a:prstDash val="dash"/>
+          </a:ln>
+        </p:spPr>
+        <p:style>
+          <a:lnRef idx="1">
+            <a:schemeClr val="accent1"/>
+          </a:lnRef>
+          <a:fillRef idx="0">
+            <a:schemeClr val="accent1"/>
+          </a:fillRef>
+          <a:effectRef idx="0">
+            <a:schemeClr val="accent1"/>
+          </a:effectRef>
+          <a:fontRef idx="minor">
+            <a:schemeClr val="tx1"/>
+          </a:fontRef>
+        </p:style>
+      </p:cxnSp>
+      <p:sp>
+        <p:nvSpPr>
+          <p:cNvPr id="145" name="Chave direita 144"/>
+          <p:cNvSpPr/>
+          <p:nvPr/>
+        </p:nvSpPr>
+        <p:spPr>
+          <a:xfrm rot="5400000">
+            <a:off x="4127530" y="1450061"/>
+            <a:ext cx="315663" cy="2845420"/>
+          </a:xfrm>
+          <a:prstGeom prst="rightBrace">
+            <a:avLst/>
+          </a:prstGeom>
+        </p:spPr>
+        <p:style>
+          <a:lnRef idx="1">
+            <a:schemeClr val="accent1"/>
+          </a:lnRef>
+          <a:fillRef idx="0">
+            <a:schemeClr val="accent1"/>
+          </a:fillRef>
+          <a:effectRef idx="0">
+            <a:schemeClr val="accent1"/>
+          </a:effectRef>
+          <a:fontRef idx="minor">
+            <a:schemeClr val="tx1"/>
+          </a:fontRef>
+        </p:style>
+        <p:txBody>
+          <a:bodyPr rtlCol="0" anchor="ctr"/>
+          <a:lstStyle/>
+          <a:p>
+            <a:pPr algn="ctr"/>
+            <a:endParaRPr lang="pt-BR"/>
+          </a:p>
+        </p:txBody>
+      </p:sp>
+      <p:sp>
+        <p:nvSpPr>
+          <p:cNvPr id="146" name="CaixaDeTexto 145"/>
+          <p:cNvSpPr txBox="1"/>
+          <p:nvPr/>
+        </p:nvSpPr>
+        <p:spPr>
+          <a:xfrm>
+            <a:off x="3375514" y="3050088"/>
+            <a:ext cx="2099293" cy="307777"/>
+          </a:xfrm>
+          <a:prstGeom prst="rect">
+            <a:avLst/>
+          </a:prstGeom>
+          <a:noFill/>
+        </p:spPr>
+        <p:txBody>
+          <a:bodyPr wrap="none" rtlCol="0">
+            <a:spAutoFit/>
+          </a:bodyPr>
+          <a:lstStyle/>
+          <a:p>
+            <a:r>
+              <a:rPr lang="pt-BR" sz="1400" dirty="0" err="1" smtClean="0"/>
+              <a:t>succession</a:t>
+            </a:r>
+            <a:r>
+              <a:rPr lang="pt-BR" sz="1400" dirty="0" smtClean="0"/>
+              <a:t> </a:t>
+            </a:r>
+            <a:r>
+              <a:rPr lang="pt-BR" sz="1400" dirty="0" err="1" smtClean="0"/>
+              <a:t>distance</a:t>
+            </a:r>
+            <a:r>
+              <a:rPr lang="pt-BR" sz="1400" dirty="0" smtClean="0"/>
+              <a:t> = +1.0</a:t>
+            </a:r>
+            <a:endParaRPr lang="pt-BR" sz="1400" dirty="0"/>
+          </a:p>
+        </p:txBody>
+      </p:sp>
+      <p:sp>
+        <p:nvSpPr>
+          <p:cNvPr id="147" name="Seta dobrada 146"/>
+          <p:cNvSpPr/>
+          <p:nvPr/>
+        </p:nvSpPr>
+        <p:spPr>
+          <a:xfrm flipV="1">
+            <a:off x="4257653" y="3320920"/>
+            <a:ext cx="2568962" cy="491869"/>
+          </a:xfrm>
+          <a:prstGeom prst="bentArrow">
+            <a:avLst/>
+          </a:prstGeom>
+        </p:spPr>
+        <p:style>
+          <a:lnRef idx="2">
+            <a:schemeClr val="accent1">
+              <a:shade val="50000"/>
+            </a:schemeClr>
+          </a:lnRef>
+          <a:fillRef idx="1">
+            <a:schemeClr val="accent1"/>
+          </a:fillRef>
+          <a:effectRef idx="0">
+            <a:schemeClr val="accent1"/>
+          </a:effectRef>
+          <a:fontRef idx="minor">
+            <a:schemeClr val="lt1"/>
+          </a:fontRef>
+        </p:style>
+        <p:txBody>
+          <a:bodyPr rtlCol="0" anchor="ctr"/>
+          <a:lstStyle/>
+          <a:p>
+            <a:pPr algn="ctr"/>
+            <a:endParaRPr lang="pt-BR">
+              <a:solidFill>
+                <a:schemeClr val="tx1"/>
+              </a:solidFill>
+            </a:endParaRPr>
+          </a:p>
+        </p:txBody>
+      </p:sp>
+      <p:sp>
+        <p:nvSpPr>
+          <p:cNvPr id="151" name="Retângulo 150"/>
+          <p:cNvSpPr/>
+          <p:nvPr/>
+        </p:nvSpPr>
+        <p:spPr>
+          <a:xfrm>
+            <a:off x="9479257" y="4141630"/>
+            <a:ext cx="279062" cy="371408"/>
+          </a:xfrm>
+          <a:prstGeom prst="rect">
+            <a:avLst/>
+          </a:prstGeom>
+          <a:solidFill>
+            <a:schemeClr val="accent2"/>
+          </a:solidFill>
+        </p:spPr>
+        <p:style>
+          <a:lnRef idx="2">
+            <a:schemeClr val="accent1">
+              <a:shade val="50000"/>
+            </a:schemeClr>
+          </a:lnRef>
+          <a:fillRef idx="1">
+            <a:schemeClr val="accent1"/>
+          </a:fillRef>
+          <a:effectRef idx="0">
+            <a:schemeClr val="accent1"/>
+          </a:effectRef>
+          <a:fontRef idx="minor">
+            <a:schemeClr val="lt1"/>
+          </a:fontRef>
+        </p:style>
+        <p:txBody>
+          <a:bodyPr rtlCol="0" anchor="ctr"/>
+          <a:lstStyle/>
+          <a:p>
+            <a:pPr algn="ctr"/>
+            <a:endParaRPr lang="pt-BR" sz="1200"/>
+          </a:p>
+        </p:txBody>
+      </p:sp>
+      <p:sp>
+        <p:nvSpPr>
+          <p:cNvPr id="152" name="Retângulo 151"/>
+          <p:cNvSpPr/>
+          <p:nvPr/>
+        </p:nvSpPr>
+        <p:spPr>
+          <a:xfrm>
+            <a:off x="10361339" y="4146254"/>
+            <a:ext cx="279062" cy="371408"/>
+          </a:xfrm>
+          <a:prstGeom prst="rect">
+            <a:avLst/>
+          </a:prstGeom>
+          <a:solidFill>
+            <a:srgbClr val="00B050"/>
+          </a:solidFill>
+        </p:spPr>
+        <p:style>
+          <a:lnRef idx="2">
+            <a:schemeClr val="accent1">
+              <a:shade val="50000"/>
+            </a:schemeClr>
+          </a:lnRef>
+          <a:fillRef idx="1">
+            <a:schemeClr val="accent1"/>
+          </a:fillRef>
+          <a:effectRef idx="0">
+            <a:schemeClr val="accent1"/>
+          </a:effectRef>
+          <a:fontRef idx="minor">
+            <a:schemeClr val="lt1"/>
+          </a:fontRef>
+        </p:style>
+        <p:txBody>
+          <a:bodyPr rtlCol="0" anchor="ctr"/>
+          <a:lstStyle/>
+          <a:p>
+            <a:pPr algn="ctr"/>
+            <a:endParaRPr lang="pt-BR" sz="1200"/>
+          </a:p>
+        </p:txBody>
+      </p:sp>
+      <p:sp>
+        <p:nvSpPr>
+          <p:cNvPr id="153" name="Retângulo 152"/>
+          <p:cNvSpPr/>
+          <p:nvPr/>
+        </p:nvSpPr>
+        <p:spPr>
+          <a:xfrm>
+            <a:off x="8550995" y="4138888"/>
+            <a:ext cx="279062" cy="371408"/>
+          </a:xfrm>
+          <a:prstGeom prst="rect">
+            <a:avLst/>
+          </a:prstGeom>
+          <a:solidFill>
+            <a:srgbClr val="00B0F0"/>
+          </a:solidFill>
+        </p:spPr>
+        <p:style>
+          <a:lnRef idx="2">
+            <a:schemeClr val="accent1">
+              <a:shade val="50000"/>
+            </a:schemeClr>
+          </a:lnRef>
+          <a:fillRef idx="1">
+            <a:schemeClr val="accent1"/>
+          </a:fillRef>
+          <a:effectRef idx="0">
+            <a:schemeClr val="accent1"/>
+          </a:effectRef>
+          <a:fontRef idx="minor">
+            <a:schemeClr val="lt1"/>
+          </a:fontRef>
+        </p:style>
+        <p:txBody>
+          <a:bodyPr rtlCol="0" anchor="ctr"/>
+          <a:lstStyle/>
+          <a:p>
+            <a:pPr algn="ctr"/>
+            <a:endParaRPr lang="pt-BR" sz="1200"/>
+          </a:p>
+        </p:txBody>
+      </p:sp>
+      <p:sp>
+        <p:nvSpPr>
+          <p:cNvPr id="154" name="CaixaDeTexto 153"/>
+          <p:cNvSpPr txBox="1"/>
+          <p:nvPr/>
+        </p:nvSpPr>
+        <p:spPr>
+          <a:xfrm>
+            <a:off x="7384970" y="4181798"/>
+            <a:ext cx="4022576" cy="307777"/>
+          </a:xfrm>
+          <a:prstGeom prst="rect">
+            <a:avLst/>
+          </a:prstGeom>
+          <a:noFill/>
+        </p:spPr>
+        <p:txBody>
+          <a:bodyPr wrap="none" rtlCol="0">
+            <a:spAutoFit/>
+          </a:bodyPr>
+          <a:lstStyle/>
+          <a:p>
+            <a:r>
+              <a:rPr lang="pt-BR" sz="1400" dirty="0" err="1" smtClean="0"/>
+              <a:t>probability</a:t>
+            </a:r>
+            <a:r>
+              <a:rPr lang="pt-BR" sz="1400" dirty="0" smtClean="0"/>
+              <a:t> </a:t>
+            </a:r>
+            <a:r>
+              <a:rPr lang="pt-BR" sz="1400" dirty="0" err="1" smtClean="0"/>
+              <a:t>of</a:t>
+            </a:r>
+            <a:r>
+              <a:rPr lang="pt-BR" sz="1400" dirty="0" smtClean="0"/>
+              <a:t>            = 10%;           = 50%           = 2% ...</a:t>
+            </a:r>
+            <a:endParaRPr lang="pt-BR" sz="1400" dirty="0"/>
+          </a:p>
+        </p:txBody>
+      </p:sp>
+      <p:sp>
+        <p:nvSpPr>
+          <p:cNvPr id="155" name="CaixaDeTexto 154"/>
+          <p:cNvSpPr txBox="1"/>
+          <p:nvPr/>
+        </p:nvSpPr>
+        <p:spPr>
+          <a:xfrm>
+            <a:off x="11693145" y="381029"/>
+            <a:ext cx="498855" cy="369332"/>
+          </a:xfrm>
+          <a:prstGeom prst="rect">
+            <a:avLst/>
+          </a:prstGeom>
+          <a:noFill/>
+        </p:spPr>
+        <p:txBody>
+          <a:bodyPr wrap="none" rtlCol="0">
+            <a:spAutoFit/>
+          </a:bodyPr>
+          <a:lstStyle/>
+          <a:p>
+            <a:r>
+              <a:rPr lang="pt-BR" dirty="0" smtClean="0"/>
+              <a:t>(...)</a:t>
+            </a:r>
+            <a:endParaRPr lang="pt-BR" dirty="0"/>
+          </a:p>
+        </p:txBody>
+      </p:sp>
+      <p:sp>
+        <p:nvSpPr>
+          <p:cNvPr id="156" name="CaixaDeTexto 155"/>
+          <p:cNvSpPr txBox="1"/>
+          <p:nvPr/>
+        </p:nvSpPr>
+        <p:spPr>
+          <a:xfrm>
+            <a:off x="6452351" y="3317690"/>
+            <a:ext cx="498855" cy="369332"/>
+          </a:xfrm>
+          <a:prstGeom prst="rect">
+            <a:avLst/>
+          </a:prstGeom>
+          <a:noFill/>
+        </p:spPr>
+        <p:txBody>
+          <a:bodyPr wrap="none" rtlCol="0">
+            <a:spAutoFit/>
+          </a:bodyPr>
+          <a:lstStyle/>
+          <a:p>
+            <a:r>
+              <a:rPr lang="pt-BR" dirty="0" smtClean="0"/>
+              <a:t>(...)</a:t>
+            </a:r>
+            <a:endParaRPr lang="pt-BR" dirty="0"/>
+          </a:p>
+        </p:txBody>
+      </p:sp>
+    </p:spTree>
+    <p:extLst>
+      <p:ext uri="{BB962C8B-B14F-4D97-AF65-F5344CB8AC3E}">
+        <p14:creationId xmlns:p14="http://schemas.microsoft.com/office/powerpoint/2010/main" val="2380519377"/>
+      </p:ext>
+    </p:extLst>
+  </p:cSld>
+  <p:clrMapOvr>
+    <a:masterClrMapping/>
+  </p:clrMapOvr>
+  <p:timing>
+    <p:tnLst>
+      <p:par>
+        <p:cTn id="1" dur="indefinite" restart="never" nodeType="tmRoot"/>
+      </p:par>
+    </p:tnLst>
+  </p:timing>
+</p:sld>
+</file>
+
+<file path=ppt/slides/slide21.xml><?xml version="1.0" encoding="utf-8"?>
+<p:sld xmlns:a="http://schemas.openxmlformats.org/drawingml/2006/main" xmlns:r="http://schemas.openxmlformats.org/officeDocument/2006/relationships" xmlns:p="http://schemas.openxmlformats.org/presentationml/2006/main">
+  <p:cSld>
+    <p:spTree>
+      <p:nvGrpSpPr>
+        <p:cNvPr id="1" name=""/>
+        <p:cNvGrpSpPr/>
+        <p:nvPr/>
+      </p:nvGrpSpPr>
+      <p:grpSpPr>
+        <a:xfrm>
+          <a:off x="0" y="0"/>
+          <a:ext cx="0" cy="0"/>
+          <a:chOff x="0" y="0"/>
+          <a:chExt cx="0" cy="0"/>
+        </a:xfrm>
+      </p:grpSpPr>
+      <p:grpSp>
+        <p:nvGrpSpPr>
+          <p:cNvPr id="2" name="Grupo 1"/>
+          <p:cNvGrpSpPr/>
+          <p:nvPr/>
+        </p:nvGrpSpPr>
+        <p:grpSpPr>
+          <a:xfrm>
+            <a:off x="3223364" y="1929021"/>
+            <a:ext cx="2234706" cy="2233441"/>
+            <a:chOff x="2424988" y="3508962"/>
+            <a:chExt cx="2428674" cy="2435286"/>
+          </a:xfrm>
+          <a:scene3d>
+            <a:camera prst="orthographicFront">
+              <a:rot lat="2076606" lon="18447212" rev="17876214"/>
+            </a:camera>
+            <a:lightRig rig="threePt" dir="t"/>
+          </a:scene3d>
+        </p:grpSpPr>
+        <p:sp>
+          <p:nvSpPr>
+            <p:cNvPr id="7" name="Retângulo 6"/>
+            <p:cNvSpPr/>
+            <p:nvPr/>
+          </p:nvSpPr>
+          <p:spPr>
+            <a:xfrm>
+              <a:off x="2424988" y="3508962"/>
+              <a:ext cx="303284" cy="404974"/>
+            </a:xfrm>
+            <a:prstGeom prst="rect">
+              <a:avLst/>
+            </a:prstGeom>
+            <a:noFill/>
+          </p:spPr>
+          <p:style>
+            <a:lnRef idx="2">
+              <a:schemeClr val="accent1">
+                <a:shade val="50000"/>
+              </a:schemeClr>
+            </a:lnRef>
+            <a:fillRef idx="1">
+              <a:schemeClr val="accent1"/>
+            </a:fillRef>
+            <a:effectRef idx="0">
+              <a:schemeClr val="accent1"/>
+            </a:effectRef>
+            <a:fontRef idx="minor">
+              <a:schemeClr val="lt1"/>
+            </a:fontRef>
+          </p:style>
+          <p:txBody>
+            <a:bodyPr rtlCol="0" anchor="ctr"/>
+            <a:lstStyle/>
+            <a:p>
+              <a:pPr algn="ctr"/>
+              <a:endParaRPr lang="pt-BR" sz="1100"/>
+            </a:p>
+          </p:txBody>
+        </p:sp>
+        <p:sp>
+          <p:nvSpPr>
+            <p:cNvPr id="8" name="Retângulo 7"/>
+            <p:cNvSpPr/>
+            <p:nvPr/>
+          </p:nvSpPr>
+          <p:spPr>
+            <a:xfrm>
+              <a:off x="2728273" y="3508962"/>
+              <a:ext cx="303284" cy="404974"/>
+            </a:xfrm>
+            <a:prstGeom prst="rect">
+              <a:avLst/>
+            </a:prstGeom>
+            <a:noFill/>
+          </p:spPr>
+          <p:style>
+            <a:lnRef idx="2">
+              <a:schemeClr val="accent1">
+                <a:shade val="50000"/>
+              </a:schemeClr>
+            </a:lnRef>
+            <a:fillRef idx="1">
+              <a:schemeClr val="accent1"/>
+            </a:fillRef>
+            <a:effectRef idx="0">
+              <a:schemeClr val="accent1"/>
+            </a:effectRef>
+            <a:fontRef idx="minor">
+              <a:schemeClr val="lt1"/>
+            </a:fontRef>
+          </p:style>
+          <p:txBody>
+            <a:bodyPr rtlCol="0" anchor="ctr"/>
+            <a:lstStyle/>
+            <a:p>
+              <a:pPr algn="ctr"/>
+              <a:endParaRPr lang="pt-BR" sz="1100"/>
+            </a:p>
+          </p:txBody>
+        </p:sp>
+        <p:sp>
+          <p:nvSpPr>
+            <p:cNvPr id="9" name="Retângulo 8"/>
+            <p:cNvSpPr/>
+            <p:nvPr/>
+          </p:nvSpPr>
+          <p:spPr>
+            <a:xfrm>
+              <a:off x="2424988" y="3913936"/>
+              <a:ext cx="303284" cy="404974"/>
+            </a:xfrm>
+            <a:prstGeom prst="rect">
+              <a:avLst/>
+            </a:prstGeom>
+            <a:noFill/>
+          </p:spPr>
+          <p:style>
+            <a:lnRef idx="2">
+              <a:schemeClr val="accent1">
+                <a:shade val="50000"/>
+              </a:schemeClr>
+            </a:lnRef>
+            <a:fillRef idx="1">
+              <a:schemeClr val="accent1"/>
+            </a:fillRef>
+            <a:effectRef idx="0">
+              <a:schemeClr val="accent1"/>
+            </a:effectRef>
+            <a:fontRef idx="minor">
+              <a:schemeClr val="lt1"/>
+            </a:fontRef>
+          </p:style>
+          <p:txBody>
+            <a:bodyPr rtlCol="0" anchor="ctr"/>
+            <a:lstStyle/>
+            <a:p>
+              <a:pPr algn="ctr"/>
+              <a:endParaRPr lang="pt-BR" sz="1100"/>
+            </a:p>
+          </p:txBody>
+        </p:sp>
+        <p:sp>
+          <p:nvSpPr>
+            <p:cNvPr id="10" name="Retângulo 9"/>
+            <p:cNvSpPr/>
+            <p:nvPr/>
+          </p:nvSpPr>
+          <p:spPr>
+            <a:xfrm>
+              <a:off x="2728272" y="3913936"/>
+              <a:ext cx="303284" cy="404974"/>
+            </a:xfrm>
+            <a:prstGeom prst="rect">
+              <a:avLst/>
+            </a:prstGeom>
+            <a:noFill/>
+          </p:spPr>
+          <p:style>
+            <a:lnRef idx="2">
+              <a:schemeClr val="accent1">
+                <a:shade val="50000"/>
+              </a:schemeClr>
+            </a:lnRef>
+            <a:fillRef idx="1">
+              <a:schemeClr val="accent1"/>
+            </a:fillRef>
+            <a:effectRef idx="0">
+              <a:schemeClr val="accent1"/>
+            </a:effectRef>
+            <a:fontRef idx="minor">
+              <a:schemeClr val="lt1"/>
+            </a:fontRef>
+          </p:style>
+          <p:txBody>
+            <a:bodyPr rtlCol="0" anchor="ctr"/>
+            <a:lstStyle/>
+            <a:p>
+              <a:pPr algn="ctr"/>
+              <a:endParaRPr lang="pt-BR" sz="1100"/>
+            </a:p>
+          </p:txBody>
+        </p:sp>
+        <p:sp>
+          <p:nvSpPr>
+            <p:cNvPr id="11" name="Retângulo 10"/>
+            <p:cNvSpPr/>
+            <p:nvPr/>
+          </p:nvSpPr>
+          <p:spPr>
+            <a:xfrm>
+              <a:off x="2424988" y="4318911"/>
+              <a:ext cx="303284" cy="404974"/>
+            </a:xfrm>
+            <a:prstGeom prst="rect">
+              <a:avLst/>
+            </a:prstGeom>
+            <a:noFill/>
+          </p:spPr>
+          <p:style>
+            <a:lnRef idx="2">
+              <a:schemeClr val="accent1">
+                <a:shade val="50000"/>
+              </a:schemeClr>
+            </a:lnRef>
+            <a:fillRef idx="1">
+              <a:schemeClr val="accent1"/>
+            </a:fillRef>
+            <a:effectRef idx="0">
+              <a:schemeClr val="accent1"/>
+            </a:effectRef>
+            <a:fontRef idx="minor">
+              <a:schemeClr val="lt1"/>
+            </a:fontRef>
+          </p:style>
+          <p:txBody>
+            <a:bodyPr rtlCol="0" anchor="ctr"/>
+            <a:lstStyle/>
+            <a:p>
+              <a:pPr algn="ctr"/>
+              <a:endParaRPr lang="pt-BR" sz="1100"/>
+            </a:p>
+          </p:txBody>
+        </p:sp>
+        <p:sp>
+          <p:nvSpPr>
+            <p:cNvPr id="12" name="Retângulo 11"/>
+            <p:cNvSpPr/>
+            <p:nvPr/>
+          </p:nvSpPr>
+          <p:spPr>
+            <a:xfrm>
+              <a:off x="2728272" y="4318911"/>
+              <a:ext cx="303284" cy="404974"/>
+            </a:xfrm>
+            <a:prstGeom prst="rect">
+              <a:avLst/>
+            </a:prstGeom>
+            <a:noFill/>
+          </p:spPr>
+          <p:style>
+            <a:lnRef idx="2">
+              <a:schemeClr val="accent1">
+                <a:shade val="50000"/>
+              </a:schemeClr>
+            </a:lnRef>
+            <a:fillRef idx="1">
+              <a:schemeClr val="accent1"/>
+            </a:fillRef>
+            <a:effectRef idx="0">
+              <a:schemeClr val="accent1"/>
+            </a:effectRef>
+            <a:fontRef idx="minor">
+              <a:schemeClr val="lt1"/>
+            </a:fontRef>
+          </p:style>
+          <p:txBody>
+            <a:bodyPr rtlCol="0" anchor="ctr"/>
+            <a:lstStyle/>
+            <a:p>
+              <a:pPr algn="ctr"/>
+              <a:endParaRPr lang="pt-BR" sz="1100"/>
+            </a:p>
+          </p:txBody>
+        </p:sp>
+        <p:sp>
+          <p:nvSpPr>
+            <p:cNvPr id="13" name="Retângulo 12"/>
+            <p:cNvSpPr/>
+            <p:nvPr/>
+          </p:nvSpPr>
+          <p:spPr>
+            <a:xfrm>
+              <a:off x="3031557" y="3508962"/>
+              <a:ext cx="303284" cy="404974"/>
+            </a:xfrm>
+            <a:prstGeom prst="rect">
+              <a:avLst/>
+            </a:prstGeom>
+            <a:noFill/>
+          </p:spPr>
+          <p:style>
+            <a:lnRef idx="2">
+              <a:schemeClr val="accent1">
+                <a:shade val="50000"/>
+              </a:schemeClr>
+            </a:lnRef>
+            <a:fillRef idx="1">
+              <a:schemeClr val="accent1"/>
+            </a:fillRef>
+            <a:effectRef idx="0">
+              <a:schemeClr val="accent1"/>
+            </a:effectRef>
+            <a:fontRef idx="minor">
+              <a:schemeClr val="lt1"/>
+            </a:fontRef>
+          </p:style>
+          <p:txBody>
+            <a:bodyPr rtlCol="0" anchor="ctr"/>
+            <a:lstStyle/>
+            <a:p>
+              <a:pPr algn="ctr"/>
+              <a:endParaRPr lang="pt-BR" sz="1100"/>
+            </a:p>
+          </p:txBody>
+        </p:sp>
+        <p:sp>
+          <p:nvSpPr>
+            <p:cNvPr id="14" name="Retângulo 13"/>
+            <p:cNvSpPr/>
+            <p:nvPr/>
+          </p:nvSpPr>
+          <p:spPr>
+            <a:xfrm>
+              <a:off x="3031556" y="3913936"/>
+              <a:ext cx="303284" cy="404974"/>
+            </a:xfrm>
+            <a:prstGeom prst="rect">
+              <a:avLst/>
+            </a:prstGeom>
+            <a:noFill/>
+          </p:spPr>
+          <p:style>
+            <a:lnRef idx="2">
+              <a:schemeClr val="accent1">
+                <a:shade val="50000"/>
+              </a:schemeClr>
+            </a:lnRef>
+            <a:fillRef idx="1">
+              <a:schemeClr val="accent1"/>
+            </a:fillRef>
+            <a:effectRef idx="0">
+              <a:schemeClr val="accent1"/>
+            </a:effectRef>
+            <a:fontRef idx="minor">
+              <a:schemeClr val="lt1"/>
+            </a:fontRef>
+          </p:style>
+          <p:txBody>
+            <a:bodyPr rtlCol="0" anchor="ctr"/>
+            <a:lstStyle/>
+            <a:p>
+              <a:pPr algn="ctr"/>
+              <a:endParaRPr lang="pt-BR" sz="1100"/>
+            </a:p>
+          </p:txBody>
+        </p:sp>
+        <p:sp>
+          <p:nvSpPr>
+            <p:cNvPr id="15" name="Retângulo 14"/>
+            <p:cNvSpPr/>
+            <p:nvPr/>
+          </p:nvSpPr>
+          <p:spPr>
+            <a:xfrm>
+              <a:off x="3031556" y="4318911"/>
+              <a:ext cx="303284" cy="404974"/>
+            </a:xfrm>
+            <a:prstGeom prst="rect">
+              <a:avLst/>
+            </a:prstGeom>
+            <a:noFill/>
+          </p:spPr>
+          <p:style>
+            <a:lnRef idx="2">
+              <a:schemeClr val="accent1">
+                <a:shade val="50000"/>
+              </a:schemeClr>
+            </a:lnRef>
+            <a:fillRef idx="1">
+              <a:schemeClr val="accent1"/>
+            </a:fillRef>
+            <a:effectRef idx="0">
+              <a:schemeClr val="accent1"/>
+            </a:effectRef>
+            <a:fontRef idx="minor">
+              <a:schemeClr val="lt1"/>
+            </a:fontRef>
+          </p:style>
+          <p:txBody>
+            <a:bodyPr rtlCol="0" anchor="ctr"/>
+            <a:lstStyle/>
+            <a:p>
+              <a:pPr algn="ctr"/>
+              <a:endParaRPr lang="pt-BR" sz="1100"/>
+            </a:p>
+          </p:txBody>
+        </p:sp>
+        <p:sp>
+          <p:nvSpPr>
+            <p:cNvPr id="16" name="Retângulo 15"/>
+            <p:cNvSpPr/>
+            <p:nvPr/>
+          </p:nvSpPr>
+          <p:spPr>
+            <a:xfrm>
+              <a:off x="3336877" y="3508962"/>
+              <a:ext cx="303284" cy="404974"/>
+            </a:xfrm>
+            <a:prstGeom prst="rect">
+              <a:avLst/>
+            </a:prstGeom>
+            <a:noFill/>
+          </p:spPr>
+          <p:style>
+            <a:lnRef idx="2">
+              <a:schemeClr val="accent1">
+                <a:shade val="50000"/>
+              </a:schemeClr>
+            </a:lnRef>
+            <a:fillRef idx="1">
+              <a:schemeClr val="accent1"/>
+            </a:fillRef>
+            <a:effectRef idx="0">
+              <a:schemeClr val="accent1"/>
+            </a:effectRef>
+            <a:fontRef idx="minor">
+              <a:schemeClr val="lt1"/>
+            </a:fontRef>
+          </p:style>
+          <p:txBody>
+            <a:bodyPr rtlCol="0" anchor="ctr"/>
+            <a:lstStyle/>
+            <a:p>
+              <a:pPr algn="ctr"/>
+              <a:endParaRPr lang="pt-BR" sz="1100"/>
+            </a:p>
+          </p:txBody>
+        </p:sp>
+        <p:sp>
+          <p:nvSpPr>
+            <p:cNvPr id="17" name="Retângulo 16"/>
+            <p:cNvSpPr/>
+            <p:nvPr/>
+          </p:nvSpPr>
+          <p:spPr>
+            <a:xfrm>
+              <a:off x="3640162" y="3508962"/>
+              <a:ext cx="303284" cy="404974"/>
+            </a:xfrm>
+            <a:prstGeom prst="rect">
+              <a:avLst/>
+            </a:prstGeom>
+            <a:noFill/>
+          </p:spPr>
+          <p:style>
+            <a:lnRef idx="2">
+              <a:schemeClr val="accent1">
+                <a:shade val="50000"/>
+              </a:schemeClr>
+            </a:lnRef>
+            <a:fillRef idx="1">
+              <a:schemeClr val="accent1"/>
+            </a:fillRef>
+            <a:effectRef idx="0">
+              <a:schemeClr val="accent1"/>
+            </a:effectRef>
+            <a:fontRef idx="minor">
+              <a:schemeClr val="lt1"/>
+            </a:fontRef>
+          </p:style>
+          <p:txBody>
+            <a:bodyPr rtlCol="0" anchor="ctr"/>
+            <a:lstStyle/>
+            <a:p>
+              <a:pPr algn="ctr"/>
+              <a:endParaRPr lang="pt-BR" sz="1100"/>
+            </a:p>
+          </p:txBody>
+        </p:sp>
+        <p:sp>
+          <p:nvSpPr>
+            <p:cNvPr id="18" name="Retângulo 17"/>
+            <p:cNvSpPr/>
+            <p:nvPr/>
+          </p:nvSpPr>
+          <p:spPr>
+            <a:xfrm>
+              <a:off x="3336877" y="3913936"/>
+              <a:ext cx="303284" cy="404974"/>
+            </a:xfrm>
+            <a:prstGeom prst="rect">
+              <a:avLst/>
+            </a:prstGeom>
+            <a:noFill/>
+          </p:spPr>
+          <p:style>
+            <a:lnRef idx="2">
+              <a:schemeClr val="accent1">
+                <a:shade val="50000"/>
+              </a:schemeClr>
+            </a:lnRef>
+            <a:fillRef idx="1">
+              <a:schemeClr val="accent1"/>
+            </a:fillRef>
+            <a:effectRef idx="0">
+              <a:schemeClr val="accent1"/>
+            </a:effectRef>
+            <a:fontRef idx="minor">
+              <a:schemeClr val="lt1"/>
+            </a:fontRef>
+          </p:style>
+          <p:txBody>
+            <a:bodyPr rtlCol="0" anchor="ctr"/>
+            <a:lstStyle/>
+            <a:p>
+              <a:pPr algn="ctr"/>
+              <a:endParaRPr lang="pt-BR" sz="1100"/>
+            </a:p>
+          </p:txBody>
+        </p:sp>
+        <p:sp>
+          <p:nvSpPr>
+            <p:cNvPr id="19" name="Retângulo 18"/>
+            <p:cNvSpPr/>
+            <p:nvPr/>
+          </p:nvSpPr>
+          <p:spPr>
+            <a:xfrm>
+              <a:off x="3640161" y="3913936"/>
+              <a:ext cx="303284" cy="404974"/>
+            </a:xfrm>
+            <a:prstGeom prst="rect">
+              <a:avLst/>
+            </a:prstGeom>
+            <a:noFill/>
+          </p:spPr>
+          <p:style>
+            <a:lnRef idx="2">
+              <a:schemeClr val="accent1">
+                <a:shade val="50000"/>
+              </a:schemeClr>
+            </a:lnRef>
+            <a:fillRef idx="1">
+              <a:schemeClr val="accent1"/>
+            </a:fillRef>
+            <a:effectRef idx="0">
+              <a:schemeClr val="accent1"/>
+            </a:effectRef>
+            <a:fontRef idx="minor">
+              <a:schemeClr val="lt1"/>
+            </a:fontRef>
+          </p:style>
+          <p:txBody>
+            <a:bodyPr rtlCol="0" anchor="ctr"/>
+            <a:lstStyle/>
+            <a:p>
+              <a:pPr algn="ctr"/>
+              <a:endParaRPr lang="pt-BR" sz="1100"/>
+            </a:p>
+          </p:txBody>
+        </p:sp>
+        <p:sp>
+          <p:nvSpPr>
+            <p:cNvPr id="20" name="Retângulo 19"/>
+            <p:cNvSpPr/>
+            <p:nvPr/>
+          </p:nvSpPr>
+          <p:spPr>
+            <a:xfrm>
+              <a:off x="3336877" y="4318910"/>
+              <a:ext cx="303284" cy="404974"/>
+            </a:xfrm>
+            <a:prstGeom prst="rect">
+              <a:avLst/>
+            </a:prstGeom>
+            <a:noFill/>
+          </p:spPr>
+          <p:style>
+            <a:lnRef idx="2">
+              <a:schemeClr val="accent1">
+                <a:shade val="50000"/>
+              </a:schemeClr>
+            </a:lnRef>
+            <a:fillRef idx="1">
+              <a:schemeClr val="accent1"/>
+            </a:fillRef>
+            <a:effectRef idx="0">
+              <a:schemeClr val="accent1"/>
+            </a:effectRef>
+            <a:fontRef idx="minor">
+              <a:schemeClr val="lt1"/>
+            </a:fontRef>
+          </p:style>
+          <p:txBody>
+            <a:bodyPr rtlCol="0" anchor="ctr"/>
+            <a:lstStyle/>
+            <a:p>
+              <a:pPr algn="ctr"/>
+              <a:endParaRPr lang="pt-BR" sz="1100"/>
+            </a:p>
+          </p:txBody>
+        </p:sp>
+        <p:sp>
+          <p:nvSpPr>
+            <p:cNvPr id="21" name="Retângulo 20"/>
+            <p:cNvSpPr/>
+            <p:nvPr/>
+          </p:nvSpPr>
+          <p:spPr>
+            <a:xfrm>
+              <a:off x="3640161" y="4318910"/>
+              <a:ext cx="303284" cy="404974"/>
+            </a:xfrm>
+            <a:prstGeom prst="rect">
+              <a:avLst/>
+            </a:prstGeom>
+            <a:noFill/>
+          </p:spPr>
+          <p:style>
+            <a:lnRef idx="2">
+              <a:schemeClr val="accent1">
+                <a:shade val="50000"/>
+              </a:schemeClr>
+            </a:lnRef>
+            <a:fillRef idx="1">
+              <a:schemeClr val="accent1"/>
+            </a:fillRef>
+            <a:effectRef idx="0">
+              <a:schemeClr val="accent1"/>
+            </a:effectRef>
+            <a:fontRef idx="minor">
+              <a:schemeClr val="lt1"/>
+            </a:fontRef>
+          </p:style>
+          <p:txBody>
+            <a:bodyPr rtlCol="0" anchor="ctr"/>
+            <a:lstStyle/>
+            <a:p>
+              <a:pPr algn="ctr"/>
+              <a:endParaRPr lang="pt-BR" sz="1100"/>
+            </a:p>
+          </p:txBody>
+        </p:sp>
+        <p:sp>
+          <p:nvSpPr>
+            <p:cNvPr id="22" name="Retângulo 21"/>
+            <p:cNvSpPr/>
+            <p:nvPr/>
+          </p:nvSpPr>
+          <p:spPr>
+            <a:xfrm>
+              <a:off x="3943446" y="3508962"/>
+              <a:ext cx="303284" cy="404974"/>
+            </a:xfrm>
+            <a:prstGeom prst="rect">
+              <a:avLst/>
+            </a:prstGeom>
+            <a:noFill/>
+          </p:spPr>
+          <p:style>
+            <a:lnRef idx="2">
+              <a:schemeClr val="accent1">
+                <a:shade val="50000"/>
+              </a:schemeClr>
+            </a:lnRef>
+            <a:fillRef idx="1">
+              <a:schemeClr val="accent1"/>
+            </a:fillRef>
+            <a:effectRef idx="0">
+              <a:schemeClr val="accent1"/>
+            </a:effectRef>
+            <a:fontRef idx="minor">
+              <a:schemeClr val="lt1"/>
+            </a:fontRef>
+          </p:style>
+          <p:txBody>
+            <a:bodyPr rtlCol="0" anchor="ctr"/>
+            <a:lstStyle/>
+            <a:p>
+              <a:pPr algn="ctr"/>
+              <a:endParaRPr lang="pt-BR" sz="1100"/>
+            </a:p>
+          </p:txBody>
+        </p:sp>
+        <p:sp>
+          <p:nvSpPr>
+            <p:cNvPr id="23" name="Retângulo 22"/>
+            <p:cNvSpPr/>
+            <p:nvPr/>
+          </p:nvSpPr>
+          <p:spPr>
+            <a:xfrm>
+              <a:off x="3943445" y="3913936"/>
+              <a:ext cx="303284" cy="404974"/>
+            </a:xfrm>
+            <a:prstGeom prst="rect">
+              <a:avLst/>
+            </a:prstGeom>
+            <a:noFill/>
+          </p:spPr>
+          <p:style>
+            <a:lnRef idx="2">
+              <a:schemeClr val="accent1">
+                <a:shade val="50000"/>
+              </a:schemeClr>
+            </a:lnRef>
+            <a:fillRef idx="1">
+              <a:schemeClr val="accent1"/>
+            </a:fillRef>
+            <a:effectRef idx="0">
+              <a:schemeClr val="accent1"/>
+            </a:effectRef>
+            <a:fontRef idx="minor">
+              <a:schemeClr val="lt1"/>
+            </a:fontRef>
+          </p:style>
+          <p:txBody>
+            <a:bodyPr rtlCol="0" anchor="ctr"/>
+            <a:lstStyle/>
+            <a:p>
+              <a:pPr algn="ctr"/>
+              <a:endParaRPr lang="pt-BR" sz="1100"/>
+            </a:p>
+          </p:txBody>
+        </p:sp>
+        <p:sp>
+          <p:nvSpPr>
+            <p:cNvPr id="24" name="Retângulo 23"/>
+            <p:cNvSpPr/>
+            <p:nvPr/>
+          </p:nvSpPr>
+          <p:spPr>
+            <a:xfrm>
+              <a:off x="3943445" y="4318910"/>
+              <a:ext cx="303284" cy="404974"/>
+            </a:xfrm>
+            <a:prstGeom prst="rect">
+              <a:avLst/>
+            </a:prstGeom>
+            <a:noFill/>
+          </p:spPr>
+          <p:style>
+            <a:lnRef idx="2">
+              <a:schemeClr val="accent1">
+                <a:shade val="50000"/>
+              </a:schemeClr>
+            </a:lnRef>
+            <a:fillRef idx="1">
+              <a:schemeClr val="accent1"/>
+            </a:fillRef>
+            <a:effectRef idx="0">
+              <a:schemeClr val="accent1"/>
+            </a:effectRef>
+            <a:fontRef idx="minor">
+              <a:schemeClr val="lt1"/>
+            </a:fontRef>
+          </p:style>
+          <p:txBody>
+            <a:bodyPr rtlCol="0" anchor="ctr"/>
+            <a:lstStyle/>
+            <a:p>
+              <a:pPr algn="ctr"/>
+              <a:endParaRPr lang="pt-BR" sz="1100"/>
+            </a:p>
+          </p:txBody>
+        </p:sp>
+        <p:sp>
+          <p:nvSpPr>
+            <p:cNvPr id="25" name="Retângulo 24"/>
+            <p:cNvSpPr/>
+            <p:nvPr/>
+          </p:nvSpPr>
+          <p:spPr>
+            <a:xfrm>
+              <a:off x="2425350" y="4729327"/>
+              <a:ext cx="303284" cy="404974"/>
+            </a:xfrm>
+            <a:prstGeom prst="rect">
+              <a:avLst/>
+            </a:prstGeom>
+            <a:noFill/>
+          </p:spPr>
+          <p:style>
+            <a:lnRef idx="2">
+              <a:schemeClr val="accent1">
+                <a:shade val="50000"/>
+              </a:schemeClr>
+            </a:lnRef>
+            <a:fillRef idx="1">
+              <a:schemeClr val="accent1"/>
+            </a:fillRef>
+            <a:effectRef idx="0">
+              <a:schemeClr val="accent1"/>
+            </a:effectRef>
+            <a:fontRef idx="minor">
+              <a:schemeClr val="lt1"/>
+            </a:fontRef>
+          </p:style>
+          <p:txBody>
+            <a:bodyPr rtlCol="0" anchor="ctr"/>
+            <a:lstStyle/>
+            <a:p>
+              <a:pPr algn="ctr"/>
+              <a:endParaRPr lang="pt-BR" sz="1100"/>
+            </a:p>
+          </p:txBody>
+        </p:sp>
+        <p:sp>
+          <p:nvSpPr>
+            <p:cNvPr id="26" name="Retângulo 25"/>
+            <p:cNvSpPr/>
+            <p:nvPr/>
+          </p:nvSpPr>
+          <p:spPr>
+            <a:xfrm>
+              <a:off x="2728635" y="4729327"/>
+              <a:ext cx="303284" cy="404974"/>
+            </a:xfrm>
+            <a:prstGeom prst="rect">
+              <a:avLst/>
+            </a:prstGeom>
+            <a:noFill/>
+          </p:spPr>
+          <p:style>
+            <a:lnRef idx="2">
+              <a:schemeClr val="accent1">
+                <a:shade val="50000"/>
+              </a:schemeClr>
+            </a:lnRef>
+            <a:fillRef idx="1">
+              <a:schemeClr val="accent1"/>
+            </a:fillRef>
+            <a:effectRef idx="0">
+              <a:schemeClr val="accent1"/>
+            </a:effectRef>
+            <a:fontRef idx="minor">
+              <a:schemeClr val="lt1"/>
+            </a:fontRef>
+          </p:style>
+          <p:txBody>
+            <a:bodyPr rtlCol="0" anchor="ctr"/>
+            <a:lstStyle/>
+            <a:p>
+              <a:pPr algn="ctr"/>
+              <a:endParaRPr lang="pt-BR" sz="1100"/>
+            </a:p>
+          </p:txBody>
+        </p:sp>
+        <p:sp>
+          <p:nvSpPr>
+            <p:cNvPr id="27" name="Retângulo 26"/>
+            <p:cNvSpPr/>
+            <p:nvPr/>
+          </p:nvSpPr>
+          <p:spPr>
+            <a:xfrm>
+              <a:off x="2425350" y="5134301"/>
+              <a:ext cx="303284" cy="404974"/>
+            </a:xfrm>
+            <a:prstGeom prst="rect">
+              <a:avLst/>
+            </a:prstGeom>
+            <a:noFill/>
+          </p:spPr>
+          <p:style>
+            <a:lnRef idx="2">
+              <a:schemeClr val="accent1">
+                <a:shade val="50000"/>
+              </a:schemeClr>
+            </a:lnRef>
+            <a:fillRef idx="1">
+              <a:schemeClr val="accent1"/>
+            </a:fillRef>
+            <a:effectRef idx="0">
+              <a:schemeClr val="accent1"/>
+            </a:effectRef>
+            <a:fontRef idx="minor">
+              <a:schemeClr val="lt1"/>
+            </a:fontRef>
+          </p:style>
+          <p:txBody>
+            <a:bodyPr rtlCol="0" anchor="ctr"/>
+            <a:lstStyle/>
+            <a:p>
+              <a:pPr algn="ctr"/>
+              <a:endParaRPr lang="pt-BR" sz="1100"/>
+            </a:p>
+          </p:txBody>
+        </p:sp>
+        <p:sp>
+          <p:nvSpPr>
+            <p:cNvPr id="28" name="Retângulo 27"/>
+            <p:cNvSpPr/>
+            <p:nvPr/>
+          </p:nvSpPr>
+          <p:spPr>
+            <a:xfrm>
+              <a:off x="2728634" y="5134300"/>
+              <a:ext cx="303284" cy="404974"/>
+            </a:xfrm>
+            <a:prstGeom prst="rect">
+              <a:avLst/>
+            </a:prstGeom>
+            <a:noFill/>
+          </p:spPr>
+          <p:style>
+            <a:lnRef idx="2">
+              <a:schemeClr val="accent1">
+                <a:shade val="50000"/>
+              </a:schemeClr>
+            </a:lnRef>
+            <a:fillRef idx="1">
+              <a:schemeClr val="accent1"/>
+            </a:fillRef>
+            <a:effectRef idx="0">
+              <a:schemeClr val="accent1"/>
+            </a:effectRef>
+            <a:fontRef idx="minor">
+              <a:schemeClr val="lt1"/>
+            </a:fontRef>
+          </p:style>
+          <p:txBody>
+            <a:bodyPr rtlCol="0" anchor="ctr"/>
+            <a:lstStyle/>
+            <a:p>
+              <a:pPr algn="ctr"/>
+              <a:endParaRPr lang="pt-BR" sz="1100"/>
+            </a:p>
+          </p:txBody>
+        </p:sp>
+        <p:sp>
+          <p:nvSpPr>
+            <p:cNvPr id="29" name="Retângulo 28"/>
+            <p:cNvSpPr/>
+            <p:nvPr/>
+          </p:nvSpPr>
+          <p:spPr>
+            <a:xfrm>
+              <a:off x="2425350" y="5539274"/>
+              <a:ext cx="303284" cy="404974"/>
+            </a:xfrm>
+            <a:prstGeom prst="rect">
+              <a:avLst/>
+            </a:prstGeom>
+            <a:noFill/>
+          </p:spPr>
+          <p:style>
+            <a:lnRef idx="2">
+              <a:schemeClr val="accent1">
+                <a:shade val="50000"/>
+              </a:schemeClr>
+            </a:lnRef>
+            <a:fillRef idx="1">
+              <a:schemeClr val="accent1"/>
+            </a:fillRef>
+            <a:effectRef idx="0">
+              <a:schemeClr val="accent1"/>
+            </a:effectRef>
+            <a:fontRef idx="minor">
+              <a:schemeClr val="lt1"/>
+            </a:fontRef>
+          </p:style>
+          <p:txBody>
+            <a:bodyPr rtlCol="0" anchor="ctr"/>
+            <a:lstStyle/>
+            <a:p>
+              <a:pPr algn="ctr"/>
+              <a:endParaRPr lang="pt-BR" sz="1100"/>
+            </a:p>
+          </p:txBody>
+        </p:sp>
+        <p:sp>
+          <p:nvSpPr>
+            <p:cNvPr id="30" name="Retângulo 29"/>
+            <p:cNvSpPr/>
+            <p:nvPr/>
+          </p:nvSpPr>
+          <p:spPr>
+            <a:xfrm>
+              <a:off x="2728634" y="5539274"/>
+              <a:ext cx="303284" cy="404974"/>
+            </a:xfrm>
+            <a:prstGeom prst="rect">
+              <a:avLst/>
+            </a:prstGeom>
+            <a:noFill/>
+          </p:spPr>
+          <p:style>
+            <a:lnRef idx="2">
+              <a:schemeClr val="accent1">
+                <a:shade val="50000"/>
+              </a:schemeClr>
+            </a:lnRef>
+            <a:fillRef idx="1">
+              <a:schemeClr val="accent1"/>
+            </a:fillRef>
+            <a:effectRef idx="0">
+              <a:schemeClr val="accent1"/>
+            </a:effectRef>
+            <a:fontRef idx="minor">
+              <a:schemeClr val="lt1"/>
+            </a:fontRef>
+          </p:style>
+          <p:txBody>
+            <a:bodyPr rtlCol="0" anchor="ctr"/>
+            <a:lstStyle/>
+            <a:p>
+              <a:pPr algn="ctr"/>
+              <a:endParaRPr lang="pt-BR" sz="1100"/>
+            </a:p>
+          </p:txBody>
+        </p:sp>
+        <p:sp>
+          <p:nvSpPr>
+            <p:cNvPr id="31" name="Retângulo 30"/>
+            <p:cNvSpPr/>
+            <p:nvPr/>
+          </p:nvSpPr>
+          <p:spPr>
+            <a:xfrm>
+              <a:off x="3031919" y="4729327"/>
+              <a:ext cx="303284" cy="404974"/>
+            </a:xfrm>
+            <a:prstGeom prst="rect">
+              <a:avLst/>
+            </a:prstGeom>
+            <a:noFill/>
+          </p:spPr>
+          <p:style>
+            <a:lnRef idx="2">
+              <a:schemeClr val="accent1">
+                <a:shade val="50000"/>
+              </a:schemeClr>
+            </a:lnRef>
+            <a:fillRef idx="1">
+              <a:schemeClr val="accent1"/>
+            </a:fillRef>
+            <a:effectRef idx="0">
+              <a:schemeClr val="accent1"/>
+            </a:effectRef>
+            <a:fontRef idx="minor">
+              <a:schemeClr val="lt1"/>
+            </a:fontRef>
+          </p:style>
+          <p:txBody>
+            <a:bodyPr rtlCol="0" anchor="ctr"/>
+            <a:lstStyle/>
+            <a:p>
+              <a:pPr algn="ctr"/>
+              <a:endParaRPr lang="pt-BR" sz="1100"/>
+            </a:p>
+          </p:txBody>
+        </p:sp>
+        <p:sp>
+          <p:nvSpPr>
+            <p:cNvPr id="32" name="Retângulo 31"/>
+            <p:cNvSpPr/>
+            <p:nvPr/>
+          </p:nvSpPr>
+          <p:spPr>
+            <a:xfrm>
+              <a:off x="3031918" y="5134300"/>
+              <a:ext cx="303284" cy="404974"/>
+            </a:xfrm>
+            <a:prstGeom prst="rect">
+              <a:avLst/>
+            </a:prstGeom>
+            <a:noFill/>
+          </p:spPr>
+          <p:style>
+            <a:lnRef idx="2">
+              <a:schemeClr val="accent1">
+                <a:shade val="50000"/>
+              </a:schemeClr>
+            </a:lnRef>
+            <a:fillRef idx="1">
+              <a:schemeClr val="accent1"/>
+            </a:fillRef>
+            <a:effectRef idx="0">
+              <a:schemeClr val="accent1"/>
+            </a:effectRef>
+            <a:fontRef idx="minor">
+              <a:schemeClr val="lt1"/>
+            </a:fontRef>
+          </p:style>
+          <p:txBody>
+            <a:bodyPr rtlCol="0" anchor="ctr"/>
+            <a:lstStyle/>
+            <a:p>
+              <a:pPr algn="ctr"/>
+              <a:endParaRPr lang="pt-BR" sz="1100"/>
+            </a:p>
+          </p:txBody>
+        </p:sp>
+        <p:sp>
+          <p:nvSpPr>
+            <p:cNvPr id="33" name="Retângulo 32"/>
+            <p:cNvSpPr/>
+            <p:nvPr/>
+          </p:nvSpPr>
+          <p:spPr>
+            <a:xfrm>
+              <a:off x="3031918" y="5539274"/>
+              <a:ext cx="303284" cy="404974"/>
+            </a:xfrm>
+            <a:prstGeom prst="rect">
+              <a:avLst/>
+            </a:prstGeom>
+            <a:noFill/>
+          </p:spPr>
+          <p:style>
+            <a:lnRef idx="2">
+              <a:schemeClr val="accent1">
+                <a:shade val="50000"/>
+              </a:schemeClr>
+            </a:lnRef>
+            <a:fillRef idx="1">
+              <a:schemeClr val="accent1"/>
+            </a:fillRef>
+            <a:effectRef idx="0">
+              <a:schemeClr val="accent1"/>
+            </a:effectRef>
+            <a:fontRef idx="minor">
+              <a:schemeClr val="lt1"/>
+            </a:fontRef>
+          </p:style>
+          <p:txBody>
+            <a:bodyPr rtlCol="0" anchor="ctr"/>
+            <a:lstStyle/>
+            <a:p>
+              <a:pPr algn="ctr"/>
+              <a:endParaRPr lang="pt-BR" sz="1100"/>
+            </a:p>
+          </p:txBody>
+        </p:sp>
+        <p:sp>
+          <p:nvSpPr>
+            <p:cNvPr id="34" name="Retângulo 33"/>
+            <p:cNvSpPr/>
+            <p:nvPr/>
+          </p:nvSpPr>
+          <p:spPr>
+            <a:xfrm>
+              <a:off x="3337239" y="4729326"/>
+              <a:ext cx="303284" cy="404974"/>
+            </a:xfrm>
+            <a:prstGeom prst="rect">
+              <a:avLst/>
+            </a:prstGeom>
+            <a:noFill/>
+          </p:spPr>
+          <p:style>
+            <a:lnRef idx="2">
+              <a:schemeClr val="accent1">
+                <a:shade val="50000"/>
+              </a:schemeClr>
+            </a:lnRef>
+            <a:fillRef idx="1">
+              <a:schemeClr val="accent1"/>
+            </a:fillRef>
+            <a:effectRef idx="0">
+              <a:schemeClr val="accent1"/>
+            </a:effectRef>
+            <a:fontRef idx="minor">
+              <a:schemeClr val="lt1"/>
+            </a:fontRef>
+          </p:style>
+          <p:txBody>
+            <a:bodyPr rtlCol="0" anchor="ctr"/>
+            <a:lstStyle/>
+            <a:p>
+              <a:pPr algn="ctr"/>
+              <a:endParaRPr lang="pt-BR" sz="1100"/>
+            </a:p>
+          </p:txBody>
+        </p:sp>
+        <p:sp>
+          <p:nvSpPr>
+            <p:cNvPr id="35" name="Retângulo 34"/>
+            <p:cNvSpPr/>
+            <p:nvPr/>
+          </p:nvSpPr>
+          <p:spPr>
+            <a:xfrm>
+              <a:off x="3640524" y="4729326"/>
+              <a:ext cx="303284" cy="404974"/>
+            </a:xfrm>
+            <a:prstGeom prst="rect">
+              <a:avLst/>
+            </a:prstGeom>
+            <a:noFill/>
+          </p:spPr>
+          <p:style>
+            <a:lnRef idx="2">
+              <a:schemeClr val="accent1">
+                <a:shade val="50000"/>
+              </a:schemeClr>
+            </a:lnRef>
+            <a:fillRef idx="1">
+              <a:schemeClr val="accent1"/>
+            </a:fillRef>
+            <a:effectRef idx="0">
+              <a:schemeClr val="accent1"/>
+            </a:effectRef>
+            <a:fontRef idx="minor">
+              <a:schemeClr val="lt1"/>
+            </a:fontRef>
+          </p:style>
+          <p:txBody>
+            <a:bodyPr rtlCol="0" anchor="ctr"/>
+            <a:lstStyle/>
+            <a:p>
+              <a:pPr algn="ctr"/>
+              <a:endParaRPr lang="pt-BR" sz="1100"/>
+            </a:p>
+          </p:txBody>
+        </p:sp>
+        <p:sp>
+          <p:nvSpPr>
+            <p:cNvPr id="36" name="Retângulo 35"/>
+            <p:cNvSpPr/>
+            <p:nvPr/>
+          </p:nvSpPr>
+          <p:spPr>
+            <a:xfrm>
+              <a:off x="3337239" y="5134300"/>
+              <a:ext cx="303284" cy="404974"/>
+            </a:xfrm>
+            <a:prstGeom prst="rect">
+              <a:avLst/>
+            </a:prstGeom>
+            <a:noFill/>
+          </p:spPr>
+          <p:style>
+            <a:lnRef idx="2">
+              <a:schemeClr val="accent1">
+                <a:shade val="50000"/>
+              </a:schemeClr>
+            </a:lnRef>
+            <a:fillRef idx="1">
+              <a:schemeClr val="accent1"/>
+            </a:fillRef>
+            <a:effectRef idx="0">
+              <a:schemeClr val="accent1"/>
+            </a:effectRef>
+            <a:fontRef idx="minor">
+              <a:schemeClr val="lt1"/>
+            </a:fontRef>
+          </p:style>
+          <p:txBody>
+            <a:bodyPr rtlCol="0" anchor="ctr"/>
+            <a:lstStyle/>
+            <a:p>
+              <a:pPr algn="ctr"/>
+              <a:endParaRPr lang="pt-BR" sz="1100"/>
+            </a:p>
+          </p:txBody>
+        </p:sp>
+        <p:sp>
+          <p:nvSpPr>
+            <p:cNvPr id="37" name="Retângulo 36"/>
+            <p:cNvSpPr/>
+            <p:nvPr/>
+          </p:nvSpPr>
+          <p:spPr>
+            <a:xfrm>
+              <a:off x="3640523" y="5134299"/>
+              <a:ext cx="303284" cy="404974"/>
+            </a:xfrm>
+            <a:prstGeom prst="rect">
+              <a:avLst/>
+            </a:prstGeom>
+            <a:noFill/>
+          </p:spPr>
+          <p:style>
+            <a:lnRef idx="2">
+              <a:schemeClr val="accent1">
+                <a:shade val="50000"/>
+              </a:schemeClr>
+            </a:lnRef>
+            <a:fillRef idx="1">
+              <a:schemeClr val="accent1"/>
+            </a:fillRef>
+            <a:effectRef idx="0">
+              <a:schemeClr val="accent1"/>
+            </a:effectRef>
+            <a:fontRef idx="minor">
+              <a:schemeClr val="lt1"/>
+            </a:fontRef>
+          </p:style>
+          <p:txBody>
+            <a:bodyPr rtlCol="0" anchor="ctr"/>
+            <a:lstStyle/>
+            <a:p>
+              <a:pPr algn="ctr"/>
+              <a:endParaRPr lang="pt-BR" sz="1100"/>
+            </a:p>
+          </p:txBody>
+        </p:sp>
+        <p:sp>
+          <p:nvSpPr>
+            <p:cNvPr id="38" name="Retângulo 37"/>
+            <p:cNvSpPr/>
+            <p:nvPr/>
+          </p:nvSpPr>
+          <p:spPr>
+            <a:xfrm>
+              <a:off x="3337239" y="5539273"/>
+              <a:ext cx="303284" cy="404974"/>
+            </a:xfrm>
+            <a:prstGeom prst="rect">
+              <a:avLst/>
+            </a:prstGeom>
+            <a:noFill/>
+          </p:spPr>
+          <p:style>
+            <a:lnRef idx="2">
+              <a:schemeClr val="accent1">
+                <a:shade val="50000"/>
+              </a:schemeClr>
+            </a:lnRef>
+            <a:fillRef idx="1">
+              <a:schemeClr val="accent1"/>
+            </a:fillRef>
+            <a:effectRef idx="0">
+              <a:schemeClr val="accent1"/>
+            </a:effectRef>
+            <a:fontRef idx="minor">
+              <a:schemeClr val="lt1"/>
+            </a:fontRef>
+          </p:style>
+          <p:txBody>
+            <a:bodyPr rtlCol="0" anchor="ctr"/>
+            <a:lstStyle/>
+            <a:p>
+              <a:pPr algn="ctr"/>
+              <a:endParaRPr lang="pt-BR" sz="1100"/>
+            </a:p>
+          </p:txBody>
+        </p:sp>
+        <p:sp>
+          <p:nvSpPr>
+            <p:cNvPr id="39" name="Retângulo 38"/>
+            <p:cNvSpPr/>
+            <p:nvPr/>
+          </p:nvSpPr>
+          <p:spPr>
+            <a:xfrm>
+              <a:off x="3640523" y="5539273"/>
+              <a:ext cx="303284" cy="404974"/>
+            </a:xfrm>
+            <a:prstGeom prst="rect">
+              <a:avLst/>
+            </a:prstGeom>
+            <a:noFill/>
+          </p:spPr>
+          <p:style>
+            <a:lnRef idx="2">
+              <a:schemeClr val="accent1">
+                <a:shade val="50000"/>
+              </a:schemeClr>
+            </a:lnRef>
+            <a:fillRef idx="1">
+              <a:schemeClr val="accent1"/>
+            </a:fillRef>
+            <a:effectRef idx="0">
+              <a:schemeClr val="accent1"/>
+            </a:effectRef>
+            <a:fontRef idx="minor">
+              <a:schemeClr val="lt1"/>
+            </a:fontRef>
+          </p:style>
+          <p:txBody>
+            <a:bodyPr rtlCol="0" anchor="ctr"/>
+            <a:lstStyle/>
+            <a:p>
+              <a:pPr algn="ctr"/>
+              <a:endParaRPr lang="pt-BR" sz="1100"/>
+            </a:p>
+          </p:txBody>
+        </p:sp>
+        <p:sp>
+          <p:nvSpPr>
+            <p:cNvPr id="40" name="Retângulo 39"/>
+            <p:cNvSpPr/>
+            <p:nvPr/>
+          </p:nvSpPr>
+          <p:spPr>
+            <a:xfrm>
+              <a:off x="3943808" y="4729326"/>
+              <a:ext cx="303284" cy="404974"/>
+            </a:xfrm>
+            <a:prstGeom prst="rect">
+              <a:avLst/>
+            </a:prstGeom>
+            <a:noFill/>
+          </p:spPr>
+          <p:style>
+            <a:lnRef idx="2">
+              <a:schemeClr val="accent1">
+                <a:shade val="50000"/>
+              </a:schemeClr>
+            </a:lnRef>
+            <a:fillRef idx="1">
+              <a:schemeClr val="accent1"/>
+            </a:fillRef>
+            <a:effectRef idx="0">
+              <a:schemeClr val="accent1"/>
+            </a:effectRef>
+            <a:fontRef idx="minor">
+              <a:schemeClr val="lt1"/>
+            </a:fontRef>
+          </p:style>
+          <p:txBody>
+            <a:bodyPr rtlCol="0" anchor="ctr"/>
+            <a:lstStyle/>
+            <a:p>
+              <a:pPr algn="ctr"/>
+              <a:endParaRPr lang="pt-BR" sz="1100"/>
+            </a:p>
+          </p:txBody>
+        </p:sp>
+        <p:sp>
+          <p:nvSpPr>
+            <p:cNvPr id="41" name="Retângulo 40"/>
+            <p:cNvSpPr/>
+            <p:nvPr/>
+          </p:nvSpPr>
+          <p:spPr>
+            <a:xfrm>
+              <a:off x="3943807" y="5134299"/>
+              <a:ext cx="303284" cy="404974"/>
+            </a:xfrm>
+            <a:prstGeom prst="rect">
+              <a:avLst/>
+            </a:prstGeom>
+            <a:noFill/>
+          </p:spPr>
+          <p:style>
+            <a:lnRef idx="2">
+              <a:schemeClr val="accent1">
+                <a:shade val="50000"/>
+              </a:schemeClr>
+            </a:lnRef>
+            <a:fillRef idx="1">
+              <a:schemeClr val="accent1"/>
+            </a:fillRef>
+            <a:effectRef idx="0">
+              <a:schemeClr val="accent1"/>
+            </a:effectRef>
+            <a:fontRef idx="minor">
+              <a:schemeClr val="lt1"/>
+            </a:fontRef>
+          </p:style>
+          <p:txBody>
+            <a:bodyPr rtlCol="0" anchor="ctr"/>
+            <a:lstStyle/>
+            <a:p>
+              <a:pPr algn="ctr"/>
+              <a:endParaRPr lang="pt-BR" sz="1100"/>
+            </a:p>
+          </p:txBody>
+        </p:sp>
+        <p:sp>
+          <p:nvSpPr>
+            <p:cNvPr id="42" name="Retângulo 41"/>
+            <p:cNvSpPr/>
+            <p:nvPr/>
+          </p:nvSpPr>
+          <p:spPr>
+            <a:xfrm>
+              <a:off x="3943807" y="5539273"/>
+              <a:ext cx="303284" cy="404974"/>
+            </a:xfrm>
+            <a:prstGeom prst="rect">
+              <a:avLst/>
+            </a:prstGeom>
+            <a:noFill/>
+          </p:spPr>
+          <p:style>
+            <a:lnRef idx="2">
+              <a:schemeClr val="accent1">
+                <a:shade val="50000"/>
+              </a:schemeClr>
+            </a:lnRef>
+            <a:fillRef idx="1">
+              <a:schemeClr val="accent1"/>
+            </a:fillRef>
+            <a:effectRef idx="0">
+              <a:schemeClr val="accent1"/>
+            </a:effectRef>
+            <a:fontRef idx="minor">
+              <a:schemeClr val="lt1"/>
+            </a:fontRef>
+          </p:style>
+          <p:txBody>
+            <a:bodyPr rtlCol="0" anchor="ctr"/>
+            <a:lstStyle/>
+            <a:p>
+              <a:pPr algn="ctr"/>
+              <a:endParaRPr lang="pt-BR" sz="1100"/>
+            </a:p>
+          </p:txBody>
+        </p:sp>
+        <p:sp>
+          <p:nvSpPr>
+            <p:cNvPr id="43" name="Retângulo 42"/>
+            <p:cNvSpPr/>
+            <p:nvPr/>
+          </p:nvSpPr>
+          <p:spPr>
+            <a:xfrm>
+              <a:off x="4247092" y="3508962"/>
+              <a:ext cx="303285" cy="406789"/>
+            </a:xfrm>
+            <a:prstGeom prst="rect">
+              <a:avLst/>
+            </a:prstGeom>
+            <a:noFill/>
+          </p:spPr>
+          <p:style>
+            <a:lnRef idx="2">
+              <a:schemeClr val="accent1">
+                <a:shade val="50000"/>
+              </a:schemeClr>
+            </a:lnRef>
+            <a:fillRef idx="1">
+              <a:schemeClr val="accent1"/>
+            </a:fillRef>
+            <a:effectRef idx="0">
+              <a:schemeClr val="accent1"/>
+            </a:effectRef>
+            <a:fontRef idx="minor">
+              <a:schemeClr val="lt1"/>
+            </a:fontRef>
+          </p:style>
+          <p:txBody>
+            <a:bodyPr rtlCol="0" anchor="ctr"/>
+            <a:lstStyle/>
+            <a:p>
+              <a:pPr algn="ctr"/>
+              <a:endParaRPr lang="pt-BR" sz="1100"/>
+            </a:p>
+          </p:txBody>
+        </p:sp>
+        <p:sp>
+          <p:nvSpPr>
+            <p:cNvPr id="44" name="Retângulo 43"/>
+            <p:cNvSpPr/>
+            <p:nvPr/>
+          </p:nvSpPr>
+          <p:spPr>
+            <a:xfrm>
+              <a:off x="4550377" y="3508962"/>
+              <a:ext cx="303285" cy="406789"/>
+            </a:xfrm>
+            <a:prstGeom prst="rect">
+              <a:avLst/>
+            </a:prstGeom>
+            <a:noFill/>
+          </p:spPr>
+          <p:style>
+            <a:lnRef idx="2">
+              <a:schemeClr val="accent1">
+                <a:shade val="50000"/>
+              </a:schemeClr>
+            </a:lnRef>
+            <a:fillRef idx="1">
+              <a:schemeClr val="accent1"/>
+            </a:fillRef>
+            <a:effectRef idx="0">
+              <a:schemeClr val="accent1"/>
+            </a:effectRef>
+            <a:fontRef idx="minor">
+              <a:schemeClr val="lt1"/>
+            </a:fontRef>
+          </p:style>
+          <p:txBody>
+            <a:bodyPr rtlCol="0" anchor="ctr"/>
+            <a:lstStyle/>
+            <a:p>
+              <a:pPr algn="ctr"/>
+              <a:endParaRPr lang="pt-BR" sz="1100"/>
+            </a:p>
+          </p:txBody>
+        </p:sp>
+        <p:sp>
+          <p:nvSpPr>
+            <p:cNvPr id="45" name="Retângulo 44"/>
+            <p:cNvSpPr/>
+            <p:nvPr/>
+          </p:nvSpPr>
+          <p:spPr>
+            <a:xfrm>
+              <a:off x="4247092" y="3913936"/>
+              <a:ext cx="303285" cy="406789"/>
+            </a:xfrm>
+            <a:prstGeom prst="rect">
+              <a:avLst/>
+            </a:prstGeom>
+            <a:noFill/>
+          </p:spPr>
+          <p:style>
+            <a:lnRef idx="2">
+              <a:schemeClr val="accent1">
+                <a:shade val="50000"/>
+              </a:schemeClr>
+            </a:lnRef>
+            <a:fillRef idx="1">
+              <a:schemeClr val="accent1"/>
+            </a:fillRef>
+            <a:effectRef idx="0">
+              <a:schemeClr val="accent1"/>
+            </a:effectRef>
+            <a:fontRef idx="minor">
+              <a:schemeClr val="lt1"/>
+            </a:fontRef>
+          </p:style>
+          <p:txBody>
+            <a:bodyPr rtlCol="0" anchor="ctr"/>
+            <a:lstStyle/>
+            <a:p>
+              <a:pPr algn="ctr"/>
+              <a:endParaRPr lang="pt-BR" sz="1100"/>
+            </a:p>
+          </p:txBody>
+        </p:sp>
+        <p:sp>
+          <p:nvSpPr>
+            <p:cNvPr id="46" name="Retângulo 45"/>
+            <p:cNvSpPr/>
+            <p:nvPr/>
+          </p:nvSpPr>
+          <p:spPr>
+            <a:xfrm>
+              <a:off x="4550377" y="3913936"/>
+              <a:ext cx="303285" cy="406789"/>
+            </a:xfrm>
+            <a:prstGeom prst="rect">
+              <a:avLst/>
+            </a:prstGeom>
+            <a:noFill/>
+          </p:spPr>
+          <p:style>
+            <a:lnRef idx="2">
+              <a:schemeClr val="accent1">
+                <a:shade val="50000"/>
+              </a:schemeClr>
+            </a:lnRef>
+            <a:fillRef idx="1">
+              <a:schemeClr val="accent1"/>
+            </a:fillRef>
+            <a:effectRef idx="0">
+              <a:schemeClr val="accent1"/>
+            </a:effectRef>
+            <a:fontRef idx="minor">
+              <a:schemeClr val="lt1"/>
+            </a:fontRef>
+          </p:style>
+          <p:txBody>
+            <a:bodyPr rtlCol="0" anchor="ctr"/>
+            <a:lstStyle/>
+            <a:p>
+              <a:pPr algn="ctr"/>
+              <a:endParaRPr lang="pt-BR" sz="1100"/>
+            </a:p>
+          </p:txBody>
+        </p:sp>
+        <p:sp>
+          <p:nvSpPr>
+            <p:cNvPr id="47" name="Retângulo 46"/>
+            <p:cNvSpPr/>
+            <p:nvPr/>
+          </p:nvSpPr>
+          <p:spPr>
+            <a:xfrm>
+              <a:off x="4247092" y="4322538"/>
+              <a:ext cx="303285" cy="406789"/>
+            </a:xfrm>
+            <a:prstGeom prst="rect">
+              <a:avLst/>
+            </a:prstGeom>
+            <a:noFill/>
+          </p:spPr>
+          <p:style>
+            <a:lnRef idx="2">
+              <a:schemeClr val="accent1">
+                <a:shade val="50000"/>
+              </a:schemeClr>
+            </a:lnRef>
+            <a:fillRef idx="1">
+              <a:schemeClr val="accent1"/>
+            </a:fillRef>
+            <a:effectRef idx="0">
+              <a:schemeClr val="accent1"/>
+            </a:effectRef>
+            <a:fontRef idx="minor">
+              <a:schemeClr val="lt1"/>
+            </a:fontRef>
+          </p:style>
+          <p:txBody>
+            <a:bodyPr rtlCol="0" anchor="ctr"/>
+            <a:lstStyle/>
+            <a:p>
+              <a:pPr algn="ctr"/>
+              <a:endParaRPr lang="pt-BR" sz="1100"/>
+            </a:p>
+          </p:txBody>
+        </p:sp>
+        <p:sp>
+          <p:nvSpPr>
+            <p:cNvPr id="48" name="Retângulo 47"/>
+            <p:cNvSpPr/>
+            <p:nvPr/>
+          </p:nvSpPr>
+          <p:spPr>
+            <a:xfrm>
+              <a:off x="4550377" y="4322538"/>
+              <a:ext cx="303285" cy="406789"/>
+            </a:xfrm>
+            <a:prstGeom prst="rect">
+              <a:avLst/>
+            </a:prstGeom>
+            <a:noFill/>
+          </p:spPr>
+          <p:style>
+            <a:lnRef idx="2">
+              <a:schemeClr val="accent1">
+                <a:shade val="50000"/>
+              </a:schemeClr>
+            </a:lnRef>
+            <a:fillRef idx="1">
+              <a:schemeClr val="accent1"/>
+            </a:fillRef>
+            <a:effectRef idx="0">
+              <a:schemeClr val="accent1"/>
+            </a:effectRef>
+            <a:fontRef idx="minor">
+              <a:schemeClr val="lt1"/>
+            </a:fontRef>
+          </p:style>
+          <p:txBody>
+            <a:bodyPr rtlCol="0" anchor="ctr"/>
+            <a:lstStyle/>
+            <a:p>
+              <a:pPr algn="ctr"/>
+              <a:endParaRPr lang="pt-BR" sz="1100"/>
+            </a:p>
+          </p:txBody>
+        </p:sp>
+        <p:sp>
+          <p:nvSpPr>
+            <p:cNvPr id="49" name="Retângulo 48"/>
+            <p:cNvSpPr/>
+            <p:nvPr/>
+          </p:nvSpPr>
+          <p:spPr>
+            <a:xfrm>
+              <a:off x="4247092" y="4723882"/>
+              <a:ext cx="303285" cy="406789"/>
+            </a:xfrm>
+            <a:prstGeom prst="rect">
+              <a:avLst/>
+            </a:prstGeom>
+            <a:noFill/>
+          </p:spPr>
+          <p:style>
+            <a:lnRef idx="2">
+              <a:schemeClr val="accent1">
+                <a:shade val="50000"/>
+              </a:schemeClr>
+            </a:lnRef>
+            <a:fillRef idx="1">
+              <a:schemeClr val="accent1"/>
+            </a:fillRef>
+            <a:effectRef idx="0">
+              <a:schemeClr val="accent1"/>
+            </a:effectRef>
+            <a:fontRef idx="minor">
+              <a:schemeClr val="lt1"/>
+            </a:fontRef>
+          </p:style>
+          <p:txBody>
+            <a:bodyPr rtlCol="0" anchor="ctr"/>
+            <a:lstStyle/>
+            <a:p>
+              <a:pPr algn="ctr"/>
+              <a:endParaRPr lang="pt-BR" sz="1100"/>
+            </a:p>
+          </p:txBody>
+        </p:sp>
+        <p:sp>
+          <p:nvSpPr>
+            <p:cNvPr id="50" name="Retângulo 49"/>
+            <p:cNvSpPr/>
+            <p:nvPr/>
+          </p:nvSpPr>
+          <p:spPr>
+            <a:xfrm>
+              <a:off x="4550377" y="4723882"/>
+              <a:ext cx="303285" cy="406789"/>
+            </a:xfrm>
+            <a:prstGeom prst="rect">
+              <a:avLst/>
+            </a:prstGeom>
+            <a:noFill/>
+          </p:spPr>
+          <p:style>
+            <a:lnRef idx="2">
+              <a:schemeClr val="accent1">
+                <a:shade val="50000"/>
+              </a:schemeClr>
+            </a:lnRef>
+            <a:fillRef idx="1">
+              <a:schemeClr val="accent1"/>
+            </a:fillRef>
+            <a:effectRef idx="0">
+              <a:schemeClr val="accent1"/>
+            </a:effectRef>
+            <a:fontRef idx="minor">
+              <a:schemeClr val="lt1"/>
+            </a:fontRef>
+          </p:style>
+          <p:txBody>
+            <a:bodyPr rtlCol="0" anchor="ctr"/>
+            <a:lstStyle/>
+            <a:p>
+              <a:pPr algn="ctr"/>
+              <a:endParaRPr lang="pt-BR" sz="1100"/>
+            </a:p>
+          </p:txBody>
+        </p:sp>
+        <p:sp>
+          <p:nvSpPr>
+            <p:cNvPr id="51" name="Retângulo 50"/>
+            <p:cNvSpPr/>
+            <p:nvPr/>
+          </p:nvSpPr>
+          <p:spPr>
+            <a:xfrm>
+              <a:off x="4247092" y="5130671"/>
+              <a:ext cx="303285" cy="406789"/>
+            </a:xfrm>
+            <a:prstGeom prst="rect">
+              <a:avLst/>
+            </a:prstGeom>
+            <a:noFill/>
+          </p:spPr>
+          <p:style>
+            <a:lnRef idx="2">
+              <a:schemeClr val="accent1">
+                <a:shade val="50000"/>
+              </a:schemeClr>
+            </a:lnRef>
+            <a:fillRef idx="1">
+              <a:schemeClr val="accent1"/>
+            </a:fillRef>
+            <a:effectRef idx="0">
+              <a:schemeClr val="accent1"/>
+            </a:effectRef>
+            <a:fontRef idx="minor">
+              <a:schemeClr val="lt1"/>
+            </a:fontRef>
+          </p:style>
+          <p:txBody>
+            <a:bodyPr rtlCol="0" anchor="ctr"/>
+            <a:lstStyle/>
+            <a:p>
+              <a:pPr algn="ctr"/>
+              <a:endParaRPr lang="pt-BR" sz="1100"/>
+            </a:p>
+          </p:txBody>
+        </p:sp>
+        <p:sp>
+          <p:nvSpPr>
+            <p:cNvPr id="52" name="Retângulo 51"/>
+            <p:cNvSpPr/>
+            <p:nvPr/>
+          </p:nvSpPr>
+          <p:spPr>
+            <a:xfrm>
+              <a:off x="4550377" y="5130670"/>
+              <a:ext cx="303285" cy="406789"/>
+            </a:xfrm>
+            <a:prstGeom prst="rect">
+              <a:avLst/>
+            </a:prstGeom>
+            <a:noFill/>
+          </p:spPr>
+          <p:style>
+            <a:lnRef idx="2">
+              <a:schemeClr val="accent1">
+                <a:shade val="50000"/>
+              </a:schemeClr>
+            </a:lnRef>
+            <a:fillRef idx="1">
+              <a:schemeClr val="accent1"/>
+            </a:fillRef>
+            <a:effectRef idx="0">
+              <a:schemeClr val="accent1"/>
+            </a:effectRef>
+            <a:fontRef idx="minor">
+              <a:schemeClr val="lt1"/>
+            </a:fontRef>
+          </p:style>
+          <p:txBody>
+            <a:bodyPr rtlCol="0" anchor="ctr"/>
+            <a:lstStyle/>
+            <a:p>
+              <a:pPr algn="ctr"/>
+              <a:endParaRPr lang="pt-BR" sz="1100"/>
+            </a:p>
+          </p:txBody>
+        </p:sp>
+        <p:sp>
+          <p:nvSpPr>
+            <p:cNvPr id="53" name="Retângulo 52"/>
+            <p:cNvSpPr/>
+            <p:nvPr/>
+          </p:nvSpPr>
+          <p:spPr>
+            <a:xfrm>
+              <a:off x="4247092" y="5537458"/>
+              <a:ext cx="303285" cy="406789"/>
+            </a:xfrm>
+            <a:prstGeom prst="rect">
+              <a:avLst/>
+            </a:prstGeom>
+            <a:noFill/>
+          </p:spPr>
+          <p:style>
+            <a:lnRef idx="2">
+              <a:schemeClr val="accent1">
+                <a:shade val="50000"/>
+              </a:schemeClr>
+            </a:lnRef>
+            <a:fillRef idx="1">
+              <a:schemeClr val="accent1"/>
+            </a:fillRef>
+            <a:effectRef idx="0">
+              <a:schemeClr val="accent1"/>
+            </a:effectRef>
+            <a:fontRef idx="minor">
+              <a:schemeClr val="lt1"/>
+            </a:fontRef>
+          </p:style>
+          <p:txBody>
+            <a:bodyPr rtlCol="0" anchor="ctr"/>
+            <a:lstStyle/>
+            <a:p>
+              <a:pPr algn="ctr"/>
+              <a:endParaRPr lang="pt-BR" sz="1100"/>
+            </a:p>
+          </p:txBody>
+        </p:sp>
+        <p:sp>
+          <p:nvSpPr>
+            <p:cNvPr id="54" name="Retângulo 53"/>
+            <p:cNvSpPr/>
+            <p:nvPr/>
+          </p:nvSpPr>
+          <p:spPr>
+            <a:xfrm>
+              <a:off x="4550377" y="5537458"/>
+              <a:ext cx="303285" cy="406789"/>
+            </a:xfrm>
+            <a:prstGeom prst="rect">
+              <a:avLst/>
+            </a:prstGeom>
+            <a:noFill/>
+          </p:spPr>
+          <p:style>
+            <a:lnRef idx="2">
+              <a:schemeClr val="accent1">
+                <a:shade val="50000"/>
+              </a:schemeClr>
+            </a:lnRef>
+            <a:fillRef idx="1">
+              <a:schemeClr val="accent1"/>
+            </a:fillRef>
+            <a:effectRef idx="0">
+              <a:schemeClr val="accent1"/>
+            </a:effectRef>
+            <a:fontRef idx="minor">
+              <a:schemeClr val="lt1"/>
+            </a:fontRef>
+          </p:style>
+          <p:txBody>
+            <a:bodyPr rtlCol="0" anchor="ctr"/>
+            <a:lstStyle/>
+            <a:p>
+              <a:pPr algn="ctr"/>
+              <a:endParaRPr lang="pt-BR" sz="1100"/>
+            </a:p>
+          </p:txBody>
+        </p:sp>
+      </p:grpSp>
+      <p:cxnSp>
+        <p:nvCxnSpPr>
+          <p:cNvPr id="86" name="Conector reto 85"/>
+          <p:cNvCxnSpPr/>
+          <p:nvPr/>
+        </p:nvCxnSpPr>
+        <p:spPr>
+          <a:xfrm flipV="1">
+            <a:off x="3637248" y="1929021"/>
+            <a:ext cx="0" cy="1179469"/>
+          </a:xfrm>
+          <a:prstGeom prst="line">
+            <a:avLst/>
+          </a:prstGeom>
+          <a:ln w="15875">
+            <a:solidFill>
+              <a:schemeClr val="tx1"/>
+            </a:solidFill>
+            <a:prstDash val="dash"/>
+          </a:ln>
+        </p:spPr>
+        <p:style>
+          <a:lnRef idx="1">
+            <a:schemeClr val="accent1"/>
+          </a:lnRef>
+          <a:fillRef idx="0">
+            <a:schemeClr val="accent1"/>
+          </a:fillRef>
+          <a:effectRef idx="0">
+            <a:schemeClr val="accent1"/>
+          </a:effectRef>
+          <a:fontRef idx="minor">
+            <a:schemeClr val="tx1"/>
+          </a:fontRef>
+        </p:style>
+      </p:cxnSp>
+      <p:sp>
+        <p:nvSpPr>
+          <p:cNvPr id="83" name="Retângulo 82"/>
+          <p:cNvSpPr/>
+          <p:nvPr/>
+        </p:nvSpPr>
+        <p:spPr>
+          <a:xfrm>
+            <a:off x="3506005" y="1768966"/>
+            <a:ext cx="279062" cy="371408"/>
+          </a:xfrm>
+          <a:prstGeom prst="rect">
+            <a:avLst/>
+          </a:prstGeom>
+          <a:pattFill prst="dkHorz">
+            <a:fgClr>
+              <a:schemeClr val="accent1"/>
+            </a:fgClr>
+            <a:bgClr>
+              <a:schemeClr val="bg1"/>
+            </a:bgClr>
+          </a:pattFill>
+          <a:scene3d>
+            <a:camera prst="orthographicFront">
+              <a:rot lat="2076606" lon="18447212" rev="17876214"/>
+            </a:camera>
+            <a:lightRig rig="threePt" dir="t"/>
+          </a:scene3d>
+        </p:spPr>
+        <p:style>
+          <a:lnRef idx="2">
+            <a:schemeClr val="accent1">
+              <a:shade val="50000"/>
+            </a:schemeClr>
+          </a:lnRef>
+          <a:fillRef idx="1">
+            <a:schemeClr val="accent1"/>
+          </a:fillRef>
+          <a:effectRef idx="0">
+            <a:schemeClr val="accent1"/>
+          </a:effectRef>
+          <a:fontRef idx="minor">
+            <a:schemeClr val="lt1"/>
+          </a:fontRef>
+        </p:style>
+        <p:txBody>
+          <a:bodyPr rtlCol="0" anchor="ctr"/>
+          <a:lstStyle/>
+          <a:p>
+            <a:pPr algn="ctr"/>
+            <a:endParaRPr lang="pt-BR" sz="1100"/>
+          </a:p>
+        </p:txBody>
+      </p:sp>
+      <p:cxnSp>
+        <p:nvCxnSpPr>
+          <p:cNvPr id="88" name="Conector reto 87"/>
+          <p:cNvCxnSpPr/>
+          <p:nvPr/>
+        </p:nvCxnSpPr>
+        <p:spPr>
+          <a:xfrm flipV="1">
+            <a:off x="4842592" y="2405986"/>
+            <a:ext cx="0" cy="469503"/>
+          </a:xfrm>
+          <a:prstGeom prst="line">
+            <a:avLst/>
+          </a:prstGeom>
+          <a:ln w="15875">
+            <a:solidFill>
+              <a:schemeClr val="tx1"/>
+            </a:solidFill>
+            <a:prstDash val="dash"/>
+          </a:ln>
+        </p:spPr>
+        <p:style>
+          <a:lnRef idx="1">
+            <a:schemeClr val="accent1"/>
+          </a:lnRef>
+          <a:fillRef idx="0">
+            <a:schemeClr val="accent1"/>
+          </a:fillRef>
+          <a:effectRef idx="0">
+            <a:schemeClr val="accent1"/>
+          </a:effectRef>
+          <a:fontRef idx="minor">
+            <a:schemeClr val="tx1"/>
+          </a:fontRef>
+        </p:style>
+      </p:cxnSp>
+      <p:sp>
+        <p:nvSpPr>
+          <p:cNvPr id="85" name="Retângulo 84"/>
+          <p:cNvSpPr/>
+          <p:nvPr/>
+        </p:nvSpPr>
+        <p:spPr>
+          <a:xfrm>
+            <a:off x="4707909" y="2214267"/>
+            <a:ext cx="279062" cy="371408"/>
+          </a:xfrm>
+          <a:prstGeom prst="rect">
+            <a:avLst/>
+          </a:prstGeom>
+          <a:solidFill>
+            <a:schemeClr val="accent2"/>
+          </a:solidFill>
+          <a:scene3d>
+            <a:camera prst="orthographicFront">
+              <a:rot lat="2076606" lon="18447212" rev="17876214"/>
+            </a:camera>
+            <a:lightRig rig="threePt" dir="t"/>
+          </a:scene3d>
+        </p:spPr>
+        <p:style>
+          <a:lnRef idx="2">
+            <a:schemeClr val="accent1">
+              <a:shade val="50000"/>
+            </a:schemeClr>
+          </a:lnRef>
+          <a:fillRef idx="1">
+            <a:schemeClr val="accent1"/>
+          </a:fillRef>
+          <a:effectRef idx="0">
+            <a:schemeClr val="accent1"/>
+          </a:effectRef>
+          <a:fontRef idx="minor">
+            <a:schemeClr val="lt1"/>
+          </a:fontRef>
+        </p:style>
+        <p:txBody>
+          <a:bodyPr rtlCol="0" anchor="ctr"/>
+          <a:lstStyle/>
+          <a:p>
+            <a:pPr algn="ctr"/>
+            <a:endParaRPr lang="pt-BR" sz="1100"/>
+          </a:p>
+        </p:txBody>
+      </p:sp>
+      <p:cxnSp>
+        <p:nvCxnSpPr>
+          <p:cNvPr id="90" name="Conector em curva 89"/>
+          <p:cNvCxnSpPr/>
+          <p:nvPr/>
+        </p:nvCxnSpPr>
+        <p:spPr>
+          <a:xfrm flipV="1">
+            <a:off x="3637248" y="1651520"/>
+            <a:ext cx="1820822" cy="329558"/>
+          </a:xfrm>
+          <a:prstGeom prst="curvedConnector3">
+            <a:avLst/>
+          </a:prstGeom>
+          <a:ln>
+            <a:tailEnd type="triangle"/>
+          </a:ln>
+        </p:spPr>
+        <p:style>
+          <a:lnRef idx="1">
+            <a:schemeClr val="accent1"/>
+          </a:lnRef>
+          <a:fillRef idx="0">
+            <a:schemeClr val="accent1"/>
+          </a:fillRef>
+          <a:effectRef idx="0">
+            <a:schemeClr val="accent1"/>
+          </a:effectRef>
+          <a:fontRef idx="minor">
+            <a:schemeClr val="tx1"/>
+          </a:fontRef>
+        </p:style>
+      </p:cxnSp>
+      <p:cxnSp>
+        <p:nvCxnSpPr>
+          <p:cNvPr id="91" name="Conector em curva 90"/>
+          <p:cNvCxnSpPr/>
+          <p:nvPr/>
+        </p:nvCxnSpPr>
+        <p:spPr>
+          <a:xfrm>
+            <a:off x="4839013" y="2405986"/>
+            <a:ext cx="1749984" cy="863439"/>
+          </a:xfrm>
+          <a:prstGeom prst="curvedConnector3">
+            <a:avLst/>
+          </a:prstGeom>
+          <a:ln>
+            <a:tailEnd type="triangle"/>
+          </a:ln>
+        </p:spPr>
+        <p:style>
+          <a:lnRef idx="1">
+            <a:schemeClr val="accent1"/>
+          </a:lnRef>
+          <a:fillRef idx="0">
+            <a:schemeClr val="accent1"/>
+          </a:fillRef>
+          <a:effectRef idx="0">
+            <a:schemeClr val="accent1"/>
+          </a:effectRef>
+          <a:fontRef idx="minor">
+            <a:schemeClr val="tx1"/>
+          </a:fontRef>
+        </p:style>
+      </p:cxnSp>
+      <p:sp>
+        <p:nvSpPr>
+          <p:cNvPr id="92" name="CaixaDeTexto 91"/>
+          <p:cNvSpPr txBox="1"/>
+          <p:nvPr/>
+        </p:nvSpPr>
+        <p:spPr>
+          <a:xfrm>
+            <a:off x="6515338" y="3079094"/>
+            <a:ext cx="1865704" cy="523220"/>
+          </a:xfrm>
+          <a:prstGeom prst="rect">
+            <a:avLst/>
+          </a:prstGeom>
+          <a:noFill/>
+        </p:spPr>
+        <p:txBody>
+          <a:bodyPr wrap="none" rtlCol="0">
+            <a:spAutoFit/>
+          </a:bodyPr>
+          <a:lstStyle/>
+          <a:p>
+            <a:r>
+              <a:rPr lang="pt-BR" sz="1400" dirty="0" err="1" smtClean="0"/>
+              <a:t>gradational</a:t>
+            </a:r>
+            <a:r>
+              <a:rPr lang="pt-BR" sz="1400" dirty="0" smtClean="0"/>
+              <a:t> </a:t>
+            </a:r>
+            <a:r>
+              <a:rPr lang="pt-BR" sz="1400" dirty="0" err="1" smtClean="0"/>
+              <a:t>field</a:t>
+            </a:r>
+            <a:r>
+              <a:rPr lang="pt-BR" sz="1400" dirty="0" smtClean="0"/>
+              <a:t> = 11.0</a:t>
+            </a:r>
+          </a:p>
+          <a:p>
+            <a:r>
+              <a:rPr lang="pt-BR" sz="1400" dirty="0" smtClean="0"/>
+              <a:t>Z = -7010.1</a:t>
+            </a:r>
+            <a:endParaRPr lang="pt-BR" sz="1400" dirty="0"/>
+          </a:p>
+        </p:txBody>
+      </p:sp>
+      <p:sp>
+        <p:nvSpPr>
+          <p:cNvPr id="93" name="CaixaDeTexto 92"/>
+          <p:cNvSpPr txBox="1"/>
+          <p:nvPr/>
+        </p:nvSpPr>
+        <p:spPr>
+          <a:xfrm>
+            <a:off x="5398948" y="1500965"/>
+            <a:ext cx="1865704" cy="523220"/>
+          </a:xfrm>
+          <a:prstGeom prst="rect">
+            <a:avLst/>
+          </a:prstGeom>
+          <a:noFill/>
+        </p:spPr>
+        <p:txBody>
+          <a:bodyPr wrap="none" rtlCol="0">
+            <a:spAutoFit/>
+          </a:bodyPr>
+          <a:lstStyle/>
+          <a:p>
+            <a:r>
+              <a:rPr lang="pt-BR" sz="1400" dirty="0" err="1" smtClean="0"/>
+              <a:t>gradational</a:t>
+            </a:r>
+            <a:r>
+              <a:rPr lang="pt-BR" sz="1400" dirty="0" smtClean="0"/>
+              <a:t> </a:t>
+            </a:r>
+            <a:r>
+              <a:rPr lang="pt-BR" sz="1400" dirty="0" err="1" smtClean="0"/>
+              <a:t>field</a:t>
+            </a:r>
+            <a:r>
+              <a:rPr lang="pt-BR" sz="1400" dirty="0" smtClean="0"/>
+              <a:t> = 14.0</a:t>
+            </a:r>
+          </a:p>
+          <a:p>
+            <a:r>
+              <a:rPr lang="pt-BR" sz="1400" dirty="0" smtClean="0"/>
+              <a:t>Z = -7008.7</a:t>
+            </a:r>
+            <a:endParaRPr lang="pt-BR" sz="1400" dirty="0"/>
+          </a:p>
+        </p:txBody>
+      </p:sp>
+      <p:sp>
+        <p:nvSpPr>
+          <p:cNvPr id="97" name="CaixaDeTexto 96"/>
+          <p:cNvSpPr txBox="1"/>
+          <p:nvPr/>
+        </p:nvSpPr>
+        <p:spPr>
+          <a:xfrm>
+            <a:off x="3030647" y="5322402"/>
+            <a:ext cx="1965090" cy="307777"/>
+          </a:xfrm>
+          <a:prstGeom prst="rect">
+            <a:avLst/>
+          </a:prstGeom>
+          <a:noFill/>
+        </p:spPr>
+        <p:txBody>
+          <a:bodyPr wrap="none" rtlCol="0">
+            <a:spAutoFit/>
+          </a:bodyPr>
+          <a:lstStyle/>
+          <a:p>
+            <a:r>
+              <a:rPr lang="pt-BR" sz="1400" dirty="0" smtClean="0"/>
+              <a:t>∆</a:t>
+            </a:r>
+            <a:r>
+              <a:rPr lang="pt-BR" sz="1400" dirty="0" err="1" smtClean="0"/>
+              <a:t>gradational</a:t>
+            </a:r>
+            <a:r>
+              <a:rPr lang="pt-BR" sz="1400" dirty="0" smtClean="0"/>
+              <a:t> </a:t>
+            </a:r>
+            <a:r>
+              <a:rPr lang="pt-BR" sz="1400" dirty="0" err="1" smtClean="0"/>
+              <a:t>field</a:t>
+            </a:r>
+            <a:r>
+              <a:rPr lang="pt-BR" sz="1400" dirty="0" smtClean="0"/>
+              <a:t> = +3.0</a:t>
+            </a:r>
+          </a:p>
+        </p:txBody>
+      </p:sp>
+      <p:cxnSp>
+        <p:nvCxnSpPr>
+          <p:cNvPr id="98" name="Conector de seta reta 97"/>
+          <p:cNvCxnSpPr/>
+          <p:nvPr/>
+        </p:nvCxnSpPr>
+        <p:spPr>
+          <a:xfrm flipV="1">
+            <a:off x="3080340" y="4321305"/>
+            <a:ext cx="0" cy="995218"/>
+          </a:xfrm>
+          <a:prstGeom prst="straightConnector1">
+            <a:avLst/>
+          </a:prstGeom>
+          <a:ln>
+            <a:solidFill>
+              <a:schemeClr val="tx1"/>
+            </a:solidFill>
+            <a:tailEnd type="triangle" w="med" len="lg"/>
+          </a:ln>
+        </p:spPr>
+        <p:style>
+          <a:lnRef idx="1">
+            <a:schemeClr val="accent1"/>
+          </a:lnRef>
+          <a:fillRef idx="0">
+            <a:schemeClr val="accent1"/>
+          </a:fillRef>
+          <a:effectRef idx="0">
+            <a:schemeClr val="accent1"/>
+          </a:effectRef>
+          <a:fontRef idx="minor">
+            <a:schemeClr val="tx1"/>
+          </a:fontRef>
+        </p:style>
+      </p:cxnSp>
+      <p:cxnSp>
+        <p:nvCxnSpPr>
+          <p:cNvPr id="100" name="Conector de seta reta 99"/>
+          <p:cNvCxnSpPr/>
+          <p:nvPr/>
+        </p:nvCxnSpPr>
+        <p:spPr>
+          <a:xfrm flipV="1">
+            <a:off x="3080340" y="5316523"/>
+            <a:ext cx="1819270" cy="1"/>
+          </a:xfrm>
+          <a:prstGeom prst="straightConnector1">
+            <a:avLst/>
+          </a:prstGeom>
+          <a:ln>
+            <a:solidFill>
+              <a:schemeClr val="tx1"/>
+            </a:solidFill>
+            <a:tailEnd type="triangle" w="med" len="lg"/>
+          </a:ln>
+        </p:spPr>
+        <p:style>
+          <a:lnRef idx="1">
+            <a:schemeClr val="accent1"/>
+          </a:lnRef>
+          <a:fillRef idx="0">
+            <a:schemeClr val="accent1"/>
+          </a:fillRef>
+          <a:effectRef idx="0">
+            <a:schemeClr val="accent1"/>
+          </a:effectRef>
+          <a:fontRef idx="minor">
+            <a:schemeClr val="tx1"/>
+          </a:fontRef>
+        </p:style>
+      </p:cxnSp>
+      <p:cxnSp>
+        <p:nvCxnSpPr>
+          <p:cNvPr id="103" name="Conector de seta reta 102"/>
+          <p:cNvCxnSpPr/>
+          <p:nvPr/>
+        </p:nvCxnSpPr>
+        <p:spPr>
+          <a:xfrm flipV="1">
+            <a:off x="3080339" y="4336584"/>
+            <a:ext cx="1819271" cy="980707"/>
+          </a:xfrm>
+          <a:prstGeom prst="straightConnector1">
+            <a:avLst/>
+          </a:prstGeom>
+          <a:ln>
+            <a:solidFill>
+              <a:schemeClr val="tx1"/>
+            </a:solidFill>
+            <a:tailEnd type="triangle" w="med" len="lg"/>
+          </a:ln>
+        </p:spPr>
+        <p:style>
+          <a:lnRef idx="1">
+            <a:schemeClr val="accent1"/>
+          </a:lnRef>
+          <a:fillRef idx="0">
+            <a:schemeClr val="accent1"/>
+          </a:fillRef>
+          <a:effectRef idx="0">
+            <a:schemeClr val="accent1"/>
+          </a:effectRef>
+          <a:fontRef idx="minor">
+            <a:schemeClr val="tx1"/>
+          </a:fontRef>
+        </p:style>
+      </p:cxnSp>
+      <p:cxnSp>
+        <p:nvCxnSpPr>
+          <p:cNvPr id="108" name="Conector de seta reta 107"/>
+          <p:cNvCxnSpPr/>
+          <p:nvPr/>
+        </p:nvCxnSpPr>
+        <p:spPr>
+          <a:xfrm flipV="1">
+            <a:off x="3088637" y="4336584"/>
+            <a:ext cx="1819270" cy="1"/>
+          </a:xfrm>
+          <a:prstGeom prst="straightConnector1">
+            <a:avLst/>
+          </a:prstGeom>
+          <a:ln>
+            <a:solidFill>
+              <a:schemeClr val="tx1"/>
+            </a:solidFill>
+            <a:prstDash val="lgDash"/>
+            <a:tailEnd type="none" w="med" len="lg"/>
+          </a:ln>
+        </p:spPr>
+        <p:style>
+          <a:lnRef idx="1">
+            <a:schemeClr val="accent1"/>
+          </a:lnRef>
+          <a:fillRef idx="0">
+            <a:schemeClr val="accent1"/>
+          </a:fillRef>
+          <a:effectRef idx="0">
+            <a:schemeClr val="accent1"/>
+          </a:effectRef>
+          <a:fontRef idx="minor">
+            <a:schemeClr val="tx1"/>
+          </a:fontRef>
+        </p:style>
+      </p:cxnSp>
+      <p:cxnSp>
+        <p:nvCxnSpPr>
+          <p:cNvPr id="109" name="Conector de seta reta 108"/>
+          <p:cNvCxnSpPr/>
+          <p:nvPr/>
+        </p:nvCxnSpPr>
+        <p:spPr>
+          <a:xfrm flipV="1">
+            <a:off x="4881138" y="4327184"/>
+            <a:ext cx="0" cy="995218"/>
+          </a:xfrm>
+          <a:prstGeom prst="straightConnector1">
+            <a:avLst/>
+          </a:prstGeom>
+          <a:ln>
+            <a:solidFill>
+              <a:schemeClr val="tx1"/>
+            </a:solidFill>
+            <a:prstDash val="lgDash"/>
+            <a:tailEnd type="none" w="med" len="lg"/>
+          </a:ln>
+        </p:spPr>
+        <p:style>
+          <a:lnRef idx="1">
+            <a:schemeClr val="accent1"/>
+          </a:lnRef>
+          <a:fillRef idx="0">
+            <a:schemeClr val="accent1"/>
+          </a:fillRef>
+          <a:effectRef idx="0">
+            <a:schemeClr val="accent1"/>
+          </a:effectRef>
+          <a:fontRef idx="minor">
+            <a:schemeClr val="tx1"/>
+          </a:fontRef>
+        </p:style>
+      </p:cxnSp>
+      <p:sp>
+        <p:nvSpPr>
+          <p:cNvPr id="111" name="CaixaDeTexto 110"/>
+          <p:cNvSpPr txBox="1"/>
+          <p:nvPr/>
+        </p:nvSpPr>
+        <p:spPr>
+          <a:xfrm>
+            <a:off x="2262757" y="4655360"/>
+            <a:ext cx="856325" cy="307777"/>
+          </a:xfrm>
+          <a:prstGeom prst="rect">
+            <a:avLst/>
+          </a:prstGeom>
+          <a:noFill/>
+        </p:spPr>
+        <p:txBody>
+          <a:bodyPr wrap="none" rtlCol="0">
+            <a:spAutoFit/>
+          </a:bodyPr>
+          <a:lstStyle/>
+          <a:p>
+            <a:r>
+              <a:rPr lang="pt-BR" sz="1400" dirty="0" smtClean="0"/>
+              <a:t>∆Z = +1.4</a:t>
+            </a:r>
+            <a:endParaRPr lang="pt-BR" sz="1400" dirty="0"/>
+          </a:p>
+        </p:txBody>
+      </p:sp>
+      <p:cxnSp>
+        <p:nvCxnSpPr>
+          <p:cNvPr id="112" name="Conector em curva 111"/>
+          <p:cNvCxnSpPr/>
+          <p:nvPr/>
+        </p:nvCxnSpPr>
+        <p:spPr>
+          <a:xfrm>
+            <a:off x="4233674" y="4695849"/>
+            <a:ext cx="1778917" cy="453285"/>
+          </a:xfrm>
+          <a:prstGeom prst="curvedConnector3">
+            <a:avLst/>
+          </a:prstGeom>
+          <a:ln>
+            <a:tailEnd type="triangle"/>
+          </a:ln>
+        </p:spPr>
+        <p:style>
+          <a:lnRef idx="1">
+            <a:schemeClr val="accent1"/>
+          </a:lnRef>
+          <a:fillRef idx="0">
+            <a:schemeClr val="accent1"/>
+          </a:fillRef>
+          <a:effectRef idx="0">
+            <a:schemeClr val="accent1"/>
+          </a:effectRef>
+          <a:fontRef idx="minor">
+            <a:schemeClr val="tx1"/>
+          </a:fontRef>
+        </p:style>
+      </p:cxnSp>
+      <p:sp>
+        <p:nvSpPr>
+          <p:cNvPr id="114" name="CaixaDeTexto 113"/>
+          <p:cNvSpPr txBox="1"/>
+          <p:nvPr/>
+        </p:nvSpPr>
+        <p:spPr>
+          <a:xfrm>
+            <a:off x="5997378" y="4985893"/>
+            <a:ext cx="2290884" cy="307777"/>
+          </a:xfrm>
+          <a:prstGeom prst="rect">
+            <a:avLst/>
+          </a:prstGeom>
+          <a:noFill/>
+        </p:spPr>
+        <p:txBody>
+          <a:bodyPr wrap="none" rtlCol="0">
+            <a:spAutoFit/>
+          </a:bodyPr>
+          <a:lstStyle/>
+          <a:p>
+            <a:r>
+              <a:rPr lang="pt-BR" sz="1400" dirty="0" err="1" smtClean="0"/>
+              <a:t>resulting</a:t>
+            </a:r>
+            <a:r>
+              <a:rPr lang="pt-BR" sz="1400" dirty="0" smtClean="0"/>
+              <a:t> </a:t>
+            </a:r>
+            <a:r>
+              <a:rPr lang="pt-BR" sz="1400" dirty="0" err="1" smtClean="0"/>
+              <a:t>succession</a:t>
+            </a:r>
+            <a:r>
+              <a:rPr lang="pt-BR" sz="1400" dirty="0" smtClean="0"/>
+              <a:t> </a:t>
+            </a:r>
+            <a:r>
+              <a:rPr lang="pt-BR" sz="1400" dirty="0" err="1" smtClean="0"/>
+              <a:t>distance</a:t>
+            </a:r>
+            <a:endParaRPr lang="pt-BR" sz="1400" dirty="0"/>
+          </a:p>
+        </p:txBody>
+      </p:sp>
+      <p:sp>
+        <p:nvSpPr>
+          <p:cNvPr id="64" name="Seta para baixo 63"/>
+          <p:cNvSpPr/>
+          <p:nvPr/>
+        </p:nvSpPr>
+        <p:spPr>
+          <a:xfrm>
+            <a:off x="4655059" y="3906949"/>
+            <a:ext cx="642283" cy="332509"/>
+          </a:xfrm>
+          <a:prstGeom prst="downArrow">
+            <a:avLst/>
+          </a:prstGeom>
+        </p:spPr>
+        <p:style>
+          <a:lnRef idx="2">
+            <a:schemeClr val="accent1">
+              <a:shade val="50000"/>
+            </a:schemeClr>
+          </a:lnRef>
+          <a:fillRef idx="1">
+            <a:schemeClr val="accent1"/>
+          </a:fillRef>
+          <a:effectRef idx="0">
+            <a:schemeClr val="accent1"/>
+          </a:effectRef>
+          <a:fontRef idx="minor">
+            <a:schemeClr val="lt1"/>
+          </a:fontRef>
+        </p:style>
+        <p:txBody>
+          <a:bodyPr rtlCol="0" anchor="ctr"/>
+          <a:lstStyle/>
+          <a:p>
+            <a:pPr algn="ctr"/>
+            <a:endParaRPr lang="pt-BR"/>
+          </a:p>
+        </p:txBody>
+      </p:sp>
+      <p:cxnSp>
+        <p:nvCxnSpPr>
+          <p:cNvPr id="116" name="Conector de seta reta 115"/>
+          <p:cNvCxnSpPr/>
+          <p:nvPr/>
+        </p:nvCxnSpPr>
+        <p:spPr>
+          <a:xfrm>
+            <a:off x="2423754" y="3052373"/>
+            <a:ext cx="1834608" cy="891557"/>
+          </a:xfrm>
+          <a:prstGeom prst="straightConnector1">
+            <a:avLst/>
+          </a:prstGeom>
+          <a:ln>
+            <a:solidFill>
+              <a:schemeClr val="tx1"/>
+            </a:solidFill>
+            <a:tailEnd type="triangle" w="med" len="lg"/>
+          </a:ln>
+        </p:spPr>
+        <p:style>
+          <a:lnRef idx="1">
+            <a:schemeClr val="accent1"/>
+          </a:lnRef>
+          <a:fillRef idx="0">
+            <a:schemeClr val="accent1"/>
+          </a:fillRef>
+          <a:effectRef idx="0">
+            <a:schemeClr val="accent1"/>
+          </a:effectRef>
+          <a:fontRef idx="minor">
+            <a:schemeClr val="tx1"/>
+          </a:fontRef>
+        </p:style>
+      </p:cxnSp>
+      <p:sp>
+        <p:nvSpPr>
+          <p:cNvPr id="117" name="CaixaDeTexto 116"/>
+          <p:cNvSpPr txBox="1"/>
+          <p:nvPr/>
+        </p:nvSpPr>
+        <p:spPr>
+          <a:xfrm>
+            <a:off x="3891988" y="3779655"/>
+            <a:ext cx="284052" cy="369332"/>
+          </a:xfrm>
+          <a:prstGeom prst="rect">
+            <a:avLst/>
+          </a:prstGeom>
+          <a:noFill/>
+        </p:spPr>
+        <p:txBody>
+          <a:bodyPr wrap="none" rtlCol="0">
+            <a:spAutoFit/>
+          </a:bodyPr>
+          <a:lstStyle/>
+          <a:p>
+            <a:r>
+              <a:rPr lang="pt-BR" dirty="0"/>
+              <a:t>x</a:t>
+            </a:r>
+          </a:p>
+        </p:txBody>
+      </p:sp>
+      <p:cxnSp>
+        <p:nvCxnSpPr>
+          <p:cNvPr id="118" name="Conector de seta reta 117"/>
+          <p:cNvCxnSpPr/>
+          <p:nvPr/>
+        </p:nvCxnSpPr>
+        <p:spPr>
+          <a:xfrm flipV="1">
+            <a:off x="2567770" y="1413164"/>
+            <a:ext cx="0" cy="1791609"/>
+          </a:xfrm>
+          <a:prstGeom prst="straightConnector1">
+            <a:avLst/>
+          </a:prstGeom>
+          <a:ln>
+            <a:solidFill>
+              <a:schemeClr val="tx1"/>
+            </a:solidFill>
+            <a:tailEnd type="triangle" w="med" len="lg"/>
+          </a:ln>
+        </p:spPr>
+        <p:style>
+          <a:lnRef idx="1">
+            <a:schemeClr val="accent1"/>
+          </a:lnRef>
+          <a:fillRef idx="0">
+            <a:schemeClr val="accent1"/>
+          </a:fillRef>
+          <a:effectRef idx="0">
+            <a:schemeClr val="accent1"/>
+          </a:effectRef>
+          <a:fontRef idx="minor">
+            <a:schemeClr val="tx1"/>
+          </a:fontRef>
+        </p:style>
+      </p:cxnSp>
+      <p:cxnSp>
+        <p:nvCxnSpPr>
+          <p:cNvPr id="120" name="Conector de seta reta 119"/>
+          <p:cNvCxnSpPr/>
+          <p:nvPr/>
+        </p:nvCxnSpPr>
+        <p:spPr>
+          <a:xfrm flipV="1">
+            <a:off x="2418059" y="2287835"/>
+            <a:ext cx="1660582" cy="904038"/>
+          </a:xfrm>
+          <a:prstGeom prst="straightConnector1">
+            <a:avLst/>
+          </a:prstGeom>
+          <a:ln>
+            <a:solidFill>
+              <a:schemeClr val="tx1"/>
+            </a:solidFill>
+            <a:tailEnd type="triangle" w="med" len="lg"/>
+          </a:ln>
+        </p:spPr>
+        <p:style>
+          <a:lnRef idx="1">
+            <a:schemeClr val="accent1"/>
+          </a:lnRef>
+          <a:fillRef idx="0">
+            <a:schemeClr val="accent1"/>
+          </a:fillRef>
+          <a:effectRef idx="0">
+            <a:schemeClr val="accent1"/>
+          </a:effectRef>
+          <a:fontRef idx="minor">
+            <a:schemeClr val="tx1"/>
+          </a:fontRef>
+        </p:style>
+      </p:cxnSp>
+      <p:sp>
+        <p:nvSpPr>
+          <p:cNvPr id="141" name="CaixaDeTexto 140"/>
+          <p:cNvSpPr txBox="1"/>
+          <p:nvPr/>
+        </p:nvSpPr>
+        <p:spPr>
+          <a:xfrm>
+            <a:off x="3838839" y="1984009"/>
+            <a:ext cx="288862" cy="369332"/>
+          </a:xfrm>
+          <a:prstGeom prst="rect">
+            <a:avLst/>
+          </a:prstGeom>
+          <a:noFill/>
+        </p:spPr>
+        <p:txBody>
+          <a:bodyPr wrap="none" rtlCol="0">
+            <a:spAutoFit/>
+          </a:bodyPr>
+          <a:lstStyle/>
+          <a:p>
+            <a:r>
+              <a:rPr lang="pt-BR" dirty="0" smtClean="0"/>
+              <a:t>y</a:t>
+            </a:r>
+            <a:endParaRPr lang="pt-BR" dirty="0"/>
+          </a:p>
+        </p:txBody>
+      </p:sp>
+      <p:sp>
+        <p:nvSpPr>
+          <p:cNvPr id="148" name="CaixaDeTexto 147"/>
+          <p:cNvSpPr txBox="1"/>
+          <p:nvPr/>
+        </p:nvSpPr>
+        <p:spPr>
+          <a:xfrm>
+            <a:off x="2262374" y="1282188"/>
+            <a:ext cx="284052" cy="369332"/>
+          </a:xfrm>
+          <a:prstGeom prst="rect">
+            <a:avLst/>
+          </a:prstGeom>
+          <a:noFill/>
+        </p:spPr>
+        <p:txBody>
+          <a:bodyPr wrap="none" rtlCol="0">
+            <a:spAutoFit/>
+          </a:bodyPr>
+          <a:lstStyle/>
+          <a:p>
+            <a:r>
+              <a:rPr lang="pt-BR" dirty="0" smtClean="0"/>
+              <a:t>z</a:t>
+            </a:r>
+            <a:endParaRPr lang="pt-BR" dirty="0"/>
+          </a:p>
+        </p:txBody>
+      </p:sp>
+    </p:spTree>
+    <p:extLst>
+      <p:ext uri="{BB962C8B-B14F-4D97-AF65-F5344CB8AC3E}">
+        <p14:creationId xmlns:p14="http://schemas.microsoft.com/office/powerpoint/2010/main" val="3923985478"/>
       </p:ext>
     </p:extLst>
   </p:cSld>

--- a/docs/figures.pptx
+++ b/docs/figures.pptx
@@ -30,6 +30,8 @@
     <p:sldId id="279" r:id="rId24"/>
     <p:sldId id="280" r:id="rId25"/>
     <p:sldId id="282" r:id="rId26"/>
+    <p:sldId id="283" r:id="rId27"/>
+    <p:sldId id="284" r:id="rId28"/>
   </p:sldIdLst>
   <p:sldSz cx="12192000" cy="6858000"/>
   <p:notesSz cx="6858000" cy="9144000"/>
@@ -284,7 +286,7 @@
           <a:p>
             <a:fld id="{5827CF75-21ED-4285-9C22-184A8788EFA2}" type="datetimeFigureOut">
               <a:rPr lang="pt-BR" smtClean="0"/>
-              <a:t>24/09/2019</a:t>
+              <a:t>25/02/2020</a:t>
             </a:fld>
             <a:endParaRPr lang="pt-BR"/>
           </a:p>
@@ -454,7 +456,7 @@
           <a:p>
             <a:fld id="{5827CF75-21ED-4285-9C22-184A8788EFA2}" type="datetimeFigureOut">
               <a:rPr lang="pt-BR" smtClean="0"/>
-              <a:t>24/09/2019</a:t>
+              <a:t>25/02/2020</a:t>
             </a:fld>
             <a:endParaRPr lang="pt-BR"/>
           </a:p>
@@ -634,7 +636,7 @@
           <a:p>
             <a:fld id="{5827CF75-21ED-4285-9C22-184A8788EFA2}" type="datetimeFigureOut">
               <a:rPr lang="pt-BR" smtClean="0"/>
-              <a:t>24/09/2019</a:t>
+              <a:t>25/02/2020</a:t>
             </a:fld>
             <a:endParaRPr lang="pt-BR"/>
           </a:p>
@@ -804,7 +806,7 @@
           <a:p>
             <a:fld id="{5827CF75-21ED-4285-9C22-184A8788EFA2}" type="datetimeFigureOut">
               <a:rPr lang="pt-BR" smtClean="0"/>
-              <a:t>24/09/2019</a:t>
+              <a:t>25/02/2020</a:t>
             </a:fld>
             <a:endParaRPr lang="pt-BR"/>
           </a:p>
@@ -1050,7 +1052,7 @@
           <a:p>
             <a:fld id="{5827CF75-21ED-4285-9C22-184A8788EFA2}" type="datetimeFigureOut">
               <a:rPr lang="pt-BR" smtClean="0"/>
-              <a:t>24/09/2019</a:t>
+              <a:t>25/02/2020</a:t>
             </a:fld>
             <a:endParaRPr lang="pt-BR"/>
           </a:p>
@@ -1282,7 +1284,7 @@
           <a:p>
             <a:fld id="{5827CF75-21ED-4285-9C22-184A8788EFA2}" type="datetimeFigureOut">
               <a:rPr lang="pt-BR" smtClean="0"/>
-              <a:t>24/09/2019</a:t>
+              <a:t>25/02/2020</a:t>
             </a:fld>
             <a:endParaRPr lang="pt-BR"/>
           </a:p>
@@ -1649,7 +1651,7 @@
           <a:p>
             <a:fld id="{5827CF75-21ED-4285-9C22-184A8788EFA2}" type="datetimeFigureOut">
               <a:rPr lang="pt-BR" smtClean="0"/>
-              <a:t>24/09/2019</a:t>
+              <a:t>25/02/2020</a:t>
             </a:fld>
             <a:endParaRPr lang="pt-BR"/>
           </a:p>
@@ -1767,7 +1769,7 @@
           <a:p>
             <a:fld id="{5827CF75-21ED-4285-9C22-184A8788EFA2}" type="datetimeFigureOut">
               <a:rPr lang="pt-BR" smtClean="0"/>
-              <a:t>24/09/2019</a:t>
+              <a:t>25/02/2020</a:t>
             </a:fld>
             <a:endParaRPr lang="pt-BR"/>
           </a:p>
@@ -1862,7 +1864,7 @@
           <a:p>
             <a:fld id="{5827CF75-21ED-4285-9C22-184A8788EFA2}" type="datetimeFigureOut">
               <a:rPr lang="pt-BR" smtClean="0"/>
-              <a:t>24/09/2019</a:t>
+              <a:t>25/02/2020</a:t>
             </a:fld>
             <a:endParaRPr lang="pt-BR"/>
           </a:p>
@@ -2139,7 +2141,7 @@
           <a:p>
             <a:fld id="{5827CF75-21ED-4285-9C22-184A8788EFA2}" type="datetimeFigureOut">
               <a:rPr lang="pt-BR" smtClean="0"/>
-              <a:t>24/09/2019</a:t>
+              <a:t>25/02/2020</a:t>
             </a:fld>
             <a:endParaRPr lang="pt-BR"/>
           </a:p>
@@ -2392,7 +2394,7 @@
           <a:p>
             <a:fld id="{5827CF75-21ED-4285-9C22-184A8788EFA2}" type="datetimeFigureOut">
               <a:rPr lang="pt-BR" smtClean="0"/>
-              <a:t>24/09/2019</a:t>
+              <a:t>25/02/2020</a:t>
             </a:fld>
             <a:endParaRPr lang="pt-BR"/>
           </a:p>
@@ -2605,7 +2607,7 @@
           <a:p>
             <a:fld id="{5827CF75-21ED-4285-9C22-184A8788EFA2}" type="datetimeFigureOut">
               <a:rPr lang="pt-BR" smtClean="0"/>
-              <a:t>24/09/2019</a:t>
+              <a:t>25/02/2020</a:t>
             </a:fld>
             <a:endParaRPr lang="pt-BR"/>
           </a:p>
@@ -22940,6 +22942,1602 @@
     <p:extLst>
       <p:ext uri="{BB962C8B-B14F-4D97-AF65-F5344CB8AC3E}">
         <p14:creationId xmlns:p14="http://schemas.microsoft.com/office/powerpoint/2010/main" val="3923985478"/>
+      </p:ext>
+    </p:extLst>
+  </p:cSld>
+  <p:clrMapOvr>
+    <a:masterClrMapping/>
+  </p:clrMapOvr>
+  <p:timing>
+    <p:tnLst>
+      <p:par>
+        <p:cTn id="1" dur="indefinite" restart="never" nodeType="tmRoot"/>
+      </p:par>
+    </p:tnLst>
+  </p:timing>
+</p:sld>
+</file>
+
+<file path=ppt/slides/slide26.xml><?xml version="1.0" encoding="utf-8"?>
+<p:sld xmlns:a="http://schemas.openxmlformats.org/drawingml/2006/main" xmlns:r="http://schemas.openxmlformats.org/officeDocument/2006/relationships" xmlns:p="http://schemas.openxmlformats.org/presentationml/2006/main">
+  <p:cSld>
+    <p:spTree>
+      <p:nvGrpSpPr>
+        <p:cNvPr id="1" name=""/>
+        <p:cNvGrpSpPr/>
+        <p:nvPr/>
+      </p:nvGrpSpPr>
+      <p:grpSpPr>
+        <a:xfrm>
+          <a:off x="0" y="0"/>
+          <a:ext cx="0" cy="0"/>
+          <a:chOff x="0" y="0"/>
+          <a:chExt cx="0" cy="0"/>
+        </a:xfrm>
+      </p:grpSpPr>
+    </p:spTree>
+    <p:extLst>
+      <p:ext uri="{BB962C8B-B14F-4D97-AF65-F5344CB8AC3E}">
+        <p14:creationId xmlns:p14="http://schemas.microsoft.com/office/powerpoint/2010/main" val="1185194394"/>
+      </p:ext>
+    </p:extLst>
+  </p:cSld>
+  <p:clrMapOvr>
+    <a:masterClrMapping/>
+  </p:clrMapOvr>
+  <p:timing>
+    <p:tnLst>
+      <p:par>
+        <p:cTn id="1" dur="indefinite" restart="never" nodeType="tmRoot"/>
+      </p:par>
+    </p:tnLst>
+  </p:timing>
+</p:sld>
+</file>
+
+<file path=ppt/slides/slide27.xml><?xml version="1.0" encoding="utf-8"?>
+<p:sld xmlns:a="http://schemas.openxmlformats.org/drawingml/2006/main" xmlns:r="http://schemas.openxmlformats.org/officeDocument/2006/relationships" xmlns:p="http://schemas.openxmlformats.org/presentationml/2006/main">
+  <p:cSld>
+    <p:spTree>
+      <p:nvGrpSpPr>
+        <p:cNvPr id="1" name=""/>
+        <p:cNvGrpSpPr/>
+        <p:nvPr/>
+      </p:nvGrpSpPr>
+      <p:grpSpPr>
+        <a:xfrm>
+          <a:off x="0" y="0"/>
+          <a:ext cx="0" cy="0"/>
+          <a:chOff x="0" y="0"/>
+          <a:chExt cx="0" cy="0"/>
+        </a:xfrm>
+      </p:grpSpPr>
+      <p:pic>
+        <p:nvPicPr>
+          <p:cNvPr id="4" name="Imagem 3"/>
+          <p:cNvPicPr>
+            <a:picLocks noChangeAspect="1"/>
+          </p:cNvPicPr>
+          <p:nvPr/>
+        </p:nvPicPr>
+        <p:blipFill>
+          <a:blip r:embed="rId2">
+            <a:extLst>
+              <a:ext uri="{28A0092B-C50C-407E-A947-70E740481C1C}">
+                <a14:useLocalDpi xmlns:a14="http://schemas.microsoft.com/office/drawing/2010/main" val="0"/>
+              </a:ext>
+            </a:extLst>
+          </a:blip>
+          <a:stretch>
+            <a:fillRect/>
+          </a:stretch>
+        </p:blipFill>
+        <p:spPr>
+          <a:xfrm>
+            <a:off x="8096616" y="2308119"/>
+            <a:ext cx="630362" cy="630362"/>
+          </a:xfrm>
+          <a:prstGeom prst="rect">
+            <a:avLst/>
+          </a:prstGeom>
+        </p:spPr>
+      </p:pic>
+      <p:sp>
+        <p:nvSpPr>
+          <p:cNvPr id="6" name="Fluxograma: Terminação 5"/>
+          <p:cNvSpPr/>
+          <p:nvPr/>
+        </p:nvSpPr>
+        <p:spPr>
+          <a:xfrm>
+            <a:off x="4330931" y="681643"/>
+            <a:ext cx="1088967" cy="274320"/>
+          </a:xfrm>
+          <a:prstGeom prst="flowChartTerminator">
+            <a:avLst/>
+          </a:prstGeom>
+          <a:solidFill>
+            <a:schemeClr val="accent4">
+              <a:lumMod val="20000"/>
+              <a:lumOff val="80000"/>
+            </a:schemeClr>
+          </a:solidFill>
+        </p:spPr>
+        <p:style>
+          <a:lnRef idx="2">
+            <a:schemeClr val="accent1">
+              <a:shade val="50000"/>
+            </a:schemeClr>
+          </a:lnRef>
+          <a:fillRef idx="1">
+            <a:schemeClr val="accent1"/>
+          </a:fillRef>
+          <a:effectRef idx="0">
+            <a:schemeClr val="accent1"/>
+          </a:effectRef>
+          <a:fontRef idx="minor">
+            <a:schemeClr val="lt1"/>
+          </a:fontRef>
+        </p:style>
+        <p:txBody>
+          <a:bodyPr rtlCol="0" anchor="ctr"/>
+          <a:lstStyle/>
+          <a:p>
+            <a:pPr algn="ctr"/>
+            <a:r>
+              <a:rPr lang="pt-BR" dirty="0" smtClean="0">
+                <a:solidFill>
+                  <a:sysClr val="windowText" lastClr="000000"/>
+                </a:solidFill>
+              </a:rPr>
+              <a:t>start</a:t>
+            </a:r>
+            <a:endParaRPr lang="pt-BR" dirty="0">
+              <a:solidFill>
+                <a:sysClr val="windowText" lastClr="000000"/>
+              </a:solidFill>
+            </a:endParaRPr>
+          </a:p>
+        </p:txBody>
+      </p:sp>
+      <p:sp>
+        <p:nvSpPr>
+          <p:cNvPr id="8" name="Fluxograma: Decisão 7"/>
+          <p:cNvSpPr/>
+          <p:nvPr/>
+        </p:nvSpPr>
+        <p:spPr>
+          <a:xfrm>
+            <a:off x="3902824" y="1197032"/>
+            <a:ext cx="1945179" cy="656705"/>
+          </a:xfrm>
+          <a:prstGeom prst="flowChartDecision">
+            <a:avLst/>
+          </a:prstGeom>
+          <a:solidFill>
+            <a:schemeClr val="accent4">
+              <a:lumMod val="20000"/>
+              <a:lumOff val="80000"/>
+            </a:schemeClr>
+          </a:solidFill>
+        </p:spPr>
+        <p:style>
+          <a:lnRef idx="2">
+            <a:schemeClr val="accent1">
+              <a:shade val="50000"/>
+            </a:schemeClr>
+          </a:lnRef>
+          <a:fillRef idx="1">
+            <a:schemeClr val="accent1"/>
+          </a:fillRef>
+          <a:effectRef idx="0">
+            <a:schemeClr val="accent1"/>
+          </a:effectRef>
+          <a:fontRef idx="minor">
+            <a:schemeClr val="lt1"/>
+          </a:fontRef>
+        </p:style>
+        <p:txBody>
+          <a:bodyPr rtlCol="0" anchor="ctr"/>
+          <a:lstStyle/>
+          <a:p>
+            <a:pPr algn="ctr"/>
+            <a:r>
+              <a:rPr lang="pt-BR" sz="1100" dirty="0" err="1" smtClean="0">
+                <a:solidFill>
+                  <a:sysClr val="windowText" lastClr="000000"/>
+                </a:solidFill>
+              </a:rPr>
+              <a:t>Is</a:t>
+            </a:r>
+            <a:r>
+              <a:rPr lang="pt-BR" sz="1100" dirty="0" smtClean="0">
+                <a:solidFill>
+                  <a:sysClr val="windowText" lastClr="000000"/>
+                </a:solidFill>
+              </a:rPr>
+              <a:t> </a:t>
+            </a:r>
+            <a:r>
+              <a:rPr lang="pt-BR" sz="1100" dirty="0" err="1" smtClean="0">
+                <a:solidFill>
+                  <a:sysClr val="windowText" lastClr="000000"/>
+                </a:solidFill>
+              </a:rPr>
+              <a:t>there</a:t>
+            </a:r>
+            <a:r>
+              <a:rPr lang="pt-BR" sz="1100" dirty="0" smtClean="0">
+                <a:solidFill>
+                  <a:sysClr val="windowText" lastClr="000000"/>
+                </a:solidFill>
+              </a:rPr>
+              <a:t> prior facies?</a:t>
+            </a:r>
+            <a:endParaRPr lang="pt-BR" sz="1100" dirty="0">
+              <a:solidFill>
+                <a:sysClr val="windowText" lastClr="000000"/>
+              </a:solidFill>
+            </a:endParaRPr>
+          </a:p>
+        </p:txBody>
+      </p:sp>
+      <p:pic>
+        <p:nvPicPr>
+          <p:cNvPr id="9" name="Imagem 8"/>
+          <p:cNvPicPr>
+            <a:picLocks noChangeAspect="1"/>
+          </p:cNvPicPr>
+          <p:nvPr/>
+        </p:nvPicPr>
+        <p:blipFill>
+          <a:blip r:embed="rId3">
+            <a:extLst>
+              <a:ext uri="{28A0092B-C50C-407E-A947-70E740481C1C}">
+                <a14:useLocalDpi xmlns:a14="http://schemas.microsoft.com/office/drawing/2010/main" val="0"/>
+              </a:ext>
+            </a:extLst>
+          </a:blip>
+          <a:stretch>
+            <a:fillRect/>
+          </a:stretch>
+        </p:blipFill>
+        <p:spPr>
+          <a:xfrm>
+            <a:off x="3093737" y="2333056"/>
+            <a:ext cx="580488" cy="580488"/>
+          </a:xfrm>
+          <a:prstGeom prst="rect">
+            <a:avLst/>
+          </a:prstGeom>
+        </p:spPr>
+      </p:pic>
+      <p:cxnSp>
+        <p:nvCxnSpPr>
+          <p:cNvPr id="12" name="Conector de Seta Reta 11"/>
+          <p:cNvCxnSpPr>
+            <a:stCxn id="8" idx="2"/>
+            <a:endCxn id="16" idx="0"/>
+          </p:cNvCxnSpPr>
+          <p:nvPr/>
+        </p:nvCxnSpPr>
+        <p:spPr>
+          <a:xfrm flipH="1">
+            <a:off x="4875413" y="1853737"/>
+            <a:ext cx="1" cy="353927"/>
+          </a:xfrm>
+          <a:prstGeom prst="straightConnector1">
+            <a:avLst/>
+          </a:prstGeom>
+          <a:ln>
+            <a:tailEnd type="triangle"/>
+          </a:ln>
+        </p:spPr>
+        <p:style>
+          <a:lnRef idx="1">
+            <a:schemeClr val="accent1"/>
+          </a:lnRef>
+          <a:fillRef idx="0">
+            <a:schemeClr val="accent1"/>
+          </a:fillRef>
+          <a:effectRef idx="0">
+            <a:schemeClr val="accent1"/>
+          </a:effectRef>
+          <a:fontRef idx="minor">
+            <a:schemeClr val="tx1"/>
+          </a:fontRef>
+        </p:style>
+      </p:cxnSp>
+      <p:sp>
+        <p:nvSpPr>
+          <p:cNvPr id="13" name="CaixaDeTexto 12"/>
+          <p:cNvSpPr txBox="1"/>
+          <p:nvPr/>
+        </p:nvSpPr>
+        <p:spPr>
+          <a:xfrm>
+            <a:off x="4875413" y="1774130"/>
+            <a:ext cx="389594" cy="276999"/>
+          </a:xfrm>
+          <a:prstGeom prst="rect">
+            <a:avLst/>
+          </a:prstGeom>
+          <a:noFill/>
+        </p:spPr>
+        <p:txBody>
+          <a:bodyPr wrap="none" rtlCol="0">
+            <a:spAutoFit/>
+          </a:bodyPr>
+          <a:lstStyle/>
+          <a:p>
+            <a:r>
+              <a:rPr lang="pt-BR" sz="1200" dirty="0" err="1" smtClean="0"/>
+              <a:t>yes</a:t>
+            </a:r>
+            <a:endParaRPr lang="pt-BR" sz="1200" dirty="0"/>
+          </a:p>
+        </p:txBody>
+      </p:sp>
+      <p:cxnSp>
+        <p:nvCxnSpPr>
+          <p:cNvPr id="15" name="Conector de Seta Reta 14"/>
+          <p:cNvCxnSpPr>
+            <a:stCxn id="6" idx="2"/>
+            <a:endCxn id="8" idx="0"/>
+          </p:cNvCxnSpPr>
+          <p:nvPr/>
+        </p:nvCxnSpPr>
+        <p:spPr>
+          <a:xfrm flipH="1">
+            <a:off x="4875414" y="955963"/>
+            <a:ext cx="1" cy="241069"/>
+          </a:xfrm>
+          <a:prstGeom prst="straightConnector1">
+            <a:avLst/>
+          </a:prstGeom>
+          <a:ln>
+            <a:tailEnd type="triangle"/>
+          </a:ln>
+        </p:spPr>
+        <p:style>
+          <a:lnRef idx="1">
+            <a:schemeClr val="accent1"/>
+          </a:lnRef>
+          <a:fillRef idx="0">
+            <a:schemeClr val="accent1"/>
+          </a:fillRef>
+          <a:effectRef idx="0">
+            <a:schemeClr val="accent1"/>
+          </a:effectRef>
+          <a:fontRef idx="minor">
+            <a:schemeClr val="tx1"/>
+          </a:fontRef>
+        </p:style>
+      </p:cxnSp>
+      <p:sp>
+        <p:nvSpPr>
+          <p:cNvPr id="16" name="Retângulo 15"/>
+          <p:cNvSpPr/>
+          <p:nvPr/>
+        </p:nvSpPr>
+        <p:spPr>
+          <a:xfrm>
+            <a:off x="4143893" y="2207664"/>
+            <a:ext cx="1463040" cy="831272"/>
+          </a:xfrm>
+          <a:prstGeom prst="rect">
+            <a:avLst/>
+          </a:prstGeom>
+          <a:solidFill>
+            <a:schemeClr val="accent4">
+              <a:lumMod val="20000"/>
+              <a:lumOff val="80000"/>
+            </a:schemeClr>
+          </a:solidFill>
+        </p:spPr>
+        <p:style>
+          <a:lnRef idx="2">
+            <a:schemeClr val="accent1">
+              <a:shade val="50000"/>
+            </a:schemeClr>
+          </a:lnRef>
+          <a:fillRef idx="1">
+            <a:schemeClr val="accent1"/>
+          </a:fillRef>
+          <a:effectRef idx="0">
+            <a:schemeClr val="accent1"/>
+          </a:effectRef>
+          <a:fontRef idx="minor">
+            <a:schemeClr val="lt1"/>
+          </a:fontRef>
+        </p:style>
+        <p:txBody>
+          <a:bodyPr rtlCol="0" anchor="ctr"/>
+          <a:lstStyle/>
+          <a:p>
+            <a:pPr algn="ctr"/>
+            <a:r>
+              <a:rPr lang="pt-BR" sz="1200" dirty="0" err="1" smtClean="0">
+                <a:solidFill>
+                  <a:sysClr val="windowText" lastClr="000000"/>
+                </a:solidFill>
+              </a:rPr>
+              <a:t>Get</a:t>
+            </a:r>
+            <a:r>
+              <a:rPr lang="pt-BR" sz="1200" dirty="0" smtClean="0">
+                <a:solidFill>
+                  <a:sysClr val="windowText" lastClr="000000"/>
+                </a:solidFill>
+              </a:rPr>
+              <a:t> </a:t>
+            </a:r>
+            <a:r>
+              <a:rPr lang="pt-BR" sz="1200" dirty="0" err="1" smtClean="0">
+                <a:solidFill>
+                  <a:sysClr val="windowText" lastClr="000000"/>
+                </a:solidFill>
+              </a:rPr>
+              <a:t>transition</a:t>
+            </a:r>
+            <a:r>
+              <a:rPr lang="pt-BR" sz="1200" dirty="0" smtClean="0">
+                <a:solidFill>
+                  <a:sysClr val="windowText" lastClr="000000"/>
+                </a:solidFill>
+              </a:rPr>
+              <a:t> </a:t>
+            </a:r>
+            <a:r>
+              <a:rPr lang="pt-BR" sz="1200" dirty="0" err="1" smtClean="0">
+                <a:solidFill>
+                  <a:sysClr val="windowText" lastClr="000000"/>
+                </a:solidFill>
+              </a:rPr>
+              <a:t>probabilities</a:t>
+            </a:r>
+            <a:r>
+              <a:rPr lang="pt-BR" sz="1200" dirty="0" smtClean="0">
+                <a:solidFill>
+                  <a:sysClr val="windowText" lastClr="000000"/>
+                </a:solidFill>
+              </a:rPr>
+              <a:t> </a:t>
+            </a:r>
+            <a:r>
+              <a:rPr lang="pt-BR" sz="1200" dirty="0" err="1" smtClean="0">
+                <a:solidFill>
+                  <a:sysClr val="windowText" lastClr="000000"/>
+                </a:solidFill>
+              </a:rPr>
+              <a:t>from</a:t>
+            </a:r>
+            <a:r>
+              <a:rPr lang="pt-BR" sz="1200" dirty="0" smtClean="0">
+                <a:solidFill>
+                  <a:sysClr val="windowText" lastClr="000000"/>
+                </a:solidFill>
+              </a:rPr>
+              <a:t> </a:t>
+            </a:r>
+            <a:r>
+              <a:rPr lang="pt-BR" sz="1200" dirty="0" smtClean="0">
+                <a:solidFill>
+                  <a:sysClr val="windowText" lastClr="000000"/>
+                </a:solidFill>
+              </a:rPr>
+              <a:t>FTM</a:t>
+            </a:r>
+            <a:endParaRPr lang="pt-BR" sz="1200" dirty="0">
+              <a:solidFill>
+                <a:sysClr val="windowText" lastClr="000000"/>
+              </a:solidFill>
+            </a:endParaRPr>
+          </a:p>
+        </p:txBody>
+      </p:sp>
+      <p:cxnSp>
+        <p:nvCxnSpPr>
+          <p:cNvPr id="19" name="Conector de Seta Reta 18"/>
+          <p:cNvCxnSpPr>
+            <a:stCxn id="9" idx="3"/>
+            <a:endCxn id="16" idx="1"/>
+          </p:cNvCxnSpPr>
+          <p:nvPr/>
+        </p:nvCxnSpPr>
+        <p:spPr>
+          <a:xfrm>
+            <a:off x="3674225" y="2623300"/>
+            <a:ext cx="469668" cy="0"/>
+          </a:xfrm>
+          <a:prstGeom prst="straightConnector1">
+            <a:avLst/>
+          </a:prstGeom>
+          <a:ln>
+            <a:tailEnd type="triangle"/>
+          </a:ln>
+        </p:spPr>
+        <p:style>
+          <a:lnRef idx="1">
+            <a:schemeClr val="accent1"/>
+          </a:lnRef>
+          <a:fillRef idx="0">
+            <a:schemeClr val="accent1"/>
+          </a:fillRef>
+          <a:effectRef idx="0">
+            <a:schemeClr val="accent1"/>
+          </a:effectRef>
+          <a:fontRef idx="minor">
+            <a:schemeClr val="tx1"/>
+          </a:fontRef>
+        </p:style>
+      </p:cxnSp>
+      <p:sp>
+        <p:nvSpPr>
+          <p:cNvPr id="20" name="Retângulo 19"/>
+          <p:cNvSpPr/>
+          <p:nvPr/>
+        </p:nvSpPr>
+        <p:spPr>
+          <a:xfrm>
+            <a:off x="6240788" y="2207664"/>
+            <a:ext cx="1463040" cy="831272"/>
+          </a:xfrm>
+          <a:prstGeom prst="rect">
+            <a:avLst/>
+          </a:prstGeom>
+          <a:solidFill>
+            <a:schemeClr val="accent4">
+              <a:lumMod val="20000"/>
+              <a:lumOff val="80000"/>
+            </a:schemeClr>
+          </a:solidFill>
+        </p:spPr>
+        <p:style>
+          <a:lnRef idx="2">
+            <a:schemeClr val="accent1">
+              <a:shade val="50000"/>
+            </a:schemeClr>
+          </a:lnRef>
+          <a:fillRef idx="1">
+            <a:schemeClr val="accent1"/>
+          </a:fillRef>
+          <a:effectRef idx="0">
+            <a:schemeClr val="accent1"/>
+          </a:effectRef>
+          <a:fontRef idx="minor">
+            <a:schemeClr val="lt1"/>
+          </a:fontRef>
+        </p:style>
+        <p:txBody>
+          <a:bodyPr rtlCol="0" anchor="ctr"/>
+          <a:lstStyle/>
+          <a:p>
+            <a:pPr algn="ctr"/>
+            <a:r>
+              <a:rPr lang="pt-BR" sz="1200" dirty="0" err="1" smtClean="0">
+                <a:solidFill>
+                  <a:sysClr val="windowText" lastClr="000000"/>
+                </a:solidFill>
+              </a:rPr>
+              <a:t>Get</a:t>
+            </a:r>
+            <a:r>
+              <a:rPr lang="pt-BR" sz="1200" dirty="0" smtClean="0">
+                <a:solidFill>
+                  <a:sysClr val="windowText" lastClr="000000"/>
+                </a:solidFill>
+              </a:rPr>
+              <a:t> facies </a:t>
+            </a:r>
+            <a:r>
+              <a:rPr lang="pt-BR" sz="1200" dirty="0" err="1" smtClean="0">
+                <a:solidFill>
+                  <a:sysClr val="windowText" lastClr="000000"/>
+                </a:solidFill>
+              </a:rPr>
+              <a:t>probabilities</a:t>
+            </a:r>
+            <a:r>
+              <a:rPr lang="pt-BR" sz="1200" dirty="0" smtClean="0">
+                <a:solidFill>
+                  <a:sysClr val="windowText" lastClr="000000"/>
+                </a:solidFill>
+              </a:rPr>
+              <a:t> </a:t>
+            </a:r>
+            <a:r>
+              <a:rPr lang="pt-BR" sz="1200" dirty="0" err="1" smtClean="0">
+                <a:solidFill>
+                  <a:sysClr val="windowText" lastClr="000000"/>
+                </a:solidFill>
+              </a:rPr>
+              <a:t>from</a:t>
+            </a:r>
+            <a:r>
+              <a:rPr lang="pt-BR" sz="1200" dirty="0" smtClean="0">
+                <a:solidFill>
+                  <a:sysClr val="windowText" lastClr="000000"/>
+                </a:solidFill>
+              </a:rPr>
+              <a:t> </a:t>
+            </a:r>
+            <a:r>
+              <a:rPr lang="pt-BR" sz="1200" dirty="0" smtClean="0">
+                <a:solidFill>
+                  <a:sysClr val="windowText" lastClr="000000"/>
+                </a:solidFill>
+              </a:rPr>
+              <a:t>PDF</a:t>
+            </a:r>
+            <a:endParaRPr lang="pt-BR" sz="1200" dirty="0">
+              <a:solidFill>
+                <a:sysClr val="windowText" lastClr="000000"/>
+              </a:solidFill>
+            </a:endParaRPr>
+          </a:p>
+        </p:txBody>
+      </p:sp>
+      <p:cxnSp>
+        <p:nvCxnSpPr>
+          <p:cNvPr id="22" name="Conector de Seta Reta 21"/>
+          <p:cNvCxnSpPr>
+            <a:stCxn id="4" idx="1"/>
+            <a:endCxn id="20" idx="3"/>
+          </p:cNvCxnSpPr>
+          <p:nvPr/>
+        </p:nvCxnSpPr>
+        <p:spPr>
+          <a:xfrm flipH="1">
+            <a:off x="7703828" y="2623300"/>
+            <a:ext cx="392788" cy="0"/>
+          </a:xfrm>
+          <a:prstGeom prst="straightConnector1">
+            <a:avLst/>
+          </a:prstGeom>
+          <a:ln>
+            <a:tailEnd type="triangle"/>
+          </a:ln>
+        </p:spPr>
+        <p:style>
+          <a:lnRef idx="1">
+            <a:schemeClr val="accent1"/>
+          </a:lnRef>
+          <a:fillRef idx="0">
+            <a:schemeClr val="accent1"/>
+          </a:fillRef>
+          <a:effectRef idx="0">
+            <a:schemeClr val="accent1"/>
+          </a:effectRef>
+          <a:fontRef idx="minor">
+            <a:schemeClr val="tx1"/>
+          </a:fontRef>
+        </p:style>
+      </p:cxnSp>
+      <p:cxnSp>
+        <p:nvCxnSpPr>
+          <p:cNvPr id="26" name="Conector Angulado 25"/>
+          <p:cNvCxnSpPr>
+            <a:stCxn id="8" idx="3"/>
+            <a:endCxn id="20" idx="0"/>
+          </p:cNvCxnSpPr>
+          <p:nvPr/>
+        </p:nvCxnSpPr>
+        <p:spPr>
+          <a:xfrm>
+            <a:off x="5848003" y="1525385"/>
+            <a:ext cx="1124305" cy="682279"/>
+          </a:xfrm>
+          <a:prstGeom prst="bentConnector2">
+            <a:avLst/>
+          </a:prstGeom>
+          <a:ln>
+            <a:tailEnd type="triangle"/>
+          </a:ln>
+        </p:spPr>
+        <p:style>
+          <a:lnRef idx="1">
+            <a:schemeClr val="accent1"/>
+          </a:lnRef>
+          <a:fillRef idx="0">
+            <a:schemeClr val="accent1"/>
+          </a:fillRef>
+          <a:effectRef idx="0">
+            <a:schemeClr val="accent1"/>
+          </a:effectRef>
+          <a:fontRef idx="minor">
+            <a:schemeClr val="tx1"/>
+          </a:fontRef>
+        </p:style>
+      </p:cxnSp>
+      <p:sp>
+        <p:nvSpPr>
+          <p:cNvPr id="27" name="CaixaDeTexto 26"/>
+          <p:cNvSpPr txBox="1"/>
+          <p:nvPr/>
+        </p:nvSpPr>
+        <p:spPr>
+          <a:xfrm>
+            <a:off x="5779693" y="1265430"/>
+            <a:ext cx="346570" cy="276999"/>
+          </a:xfrm>
+          <a:prstGeom prst="rect">
+            <a:avLst/>
+          </a:prstGeom>
+          <a:noFill/>
+        </p:spPr>
+        <p:txBody>
+          <a:bodyPr wrap="none" rtlCol="0">
+            <a:spAutoFit/>
+          </a:bodyPr>
+          <a:lstStyle/>
+          <a:p>
+            <a:r>
+              <a:rPr lang="pt-BR" sz="1200" dirty="0" smtClean="0"/>
+              <a:t>no</a:t>
+            </a:r>
+            <a:endParaRPr lang="pt-BR" sz="1200" dirty="0"/>
+          </a:p>
+        </p:txBody>
+      </p:sp>
+      <p:sp>
+        <p:nvSpPr>
+          <p:cNvPr id="28" name="Retângulo 27"/>
+          <p:cNvSpPr/>
+          <p:nvPr/>
+        </p:nvSpPr>
+        <p:spPr>
+          <a:xfrm>
+            <a:off x="5258327" y="3563276"/>
+            <a:ext cx="1463040" cy="412117"/>
+          </a:xfrm>
+          <a:prstGeom prst="rect">
+            <a:avLst/>
+          </a:prstGeom>
+          <a:solidFill>
+            <a:schemeClr val="accent4">
+              <a:lumMod val="20000"/>
+              <a:lumOff val="80000"/>
+            </a:schemeClr>
+          </a:solidFill>
+        </p:spPr>
+        <p:style>
+          <a:lnRef idx="2">
+            <a:schemeClr val="accent1">
+              <a:shade val="50000"/>
+            </a:schemeClr>
+          </a:lnRef>
+          <a:fillRef idx="1">
+            <a:schemeClr val="accent1"/>
+          </a:fillRef>
+          <a:effectRef idx="0">
+            <a:schemeClr val="accent1"/>
+          </a:effectRef>
+          <a:fontRef idx="minor">
+            <a:schemeClr val="lt1"/>
+          </a:fontRef>
+        </p:style>
+        <p:txBody>
+          <a:bodyPr rtlCol="0" anchor="ctr"/>
+          <a:lstStyle/>
+          <a:p>
+            <a:pPr algn="ctr"/>
+            <a:r>
+              <a:rPr lang="pt-BR" sz="1200" dirty="0" smtClean="0">
+                <a:solidFill>
+                  <a:sysClr val="windowText" lastClr="000000"/>
+                </a:solidFill>
+              </a:rPr>
+              <a:t>Draw facies</a:t>
+            </a:r>
+            <a:endParaRPr lang="pt-BR" sz="1200" dirty="0">
+              <a:solidFill>
+                <a:sysClr val="windowText" lastClr="000000"/>
+              </a:solidFill>
+            </a:endParaRPr>
+          </a:p>
+        </p:txBody>
+      </p:sp>
+      <p:cxnSp>
+        <p:nvCxnSpPr>
+          <p:cNvPr id="29" name="Conector Angulado 28"/>
+          <p:cNvCxnSpPr>
+            <a:stCxn id="16" idx="2"/>
+            <a:endCxn id="28" idx="0"/>
+          </p:cNvCxnSpPr>
+          <p:nvPr/>
+        </p:nvCxnSpPr>
+        <p:spPr>
+          <a:xfrm rot="16200000" flipH="1">
+            <a:off x="5170460" y="2743889"/>
+            <a:ext cx="524340" cy="1114434"/>
+          </a:xfrm>
+          <a:prstGeom prst="bentConnector3">
+            <a:avLst>
+              <a:gd name="adj1" fmla="val 50000"/>
+            </a:avLst>
+          </a:prstGeom>
+          <a:ln>
+            <a:tailEnd type="triangle"/>
+          </a:ln>
+        </p:spPr>
+        <p:style>
+          <a:lnRef idx="1">
+            <a:schemeClr val="accent1"/>
+          </a:lnRef>
+          <a:fillRef idx="0">
+            <a:schemeClr val="accent1"/>
+          </a:fillRef>
+          <a:effectRef idx="0">
+            <a:schemeClr val="accent1"/>
+          </a:effectRef>
+          <a:fontRef idx="minor">
+            <a:schemeClr val="tx1"/>
+          </a:fontRef>
+        </p:style>
+      </p:cxnSp>
+      <p:cxnSp>
+        <p:nvCxnSpPr>
+          <p:cNvPr id="32" name="Conector Angulado 31"/>
+          <p:cNvCxnSpPr>
+            <a:stCxn id="20" idx="2"/>
+            <a:endCxn id="28" idx="0"/>
+          </p:cNvCxnSpPr>
+          <p:nvPr/>
+        </p:nvCxnSpPr>
+        <p:spPr>
+          <a:xfrm rot="5400000">
+            <a:off x="6218908" y="2809876"/>
+            <a:ext cx="524340" cy="982461"/>
+          </a:xfrm>
+          <a:prstGeom prst="bentConnector3">
+            <a:avLst>
+              <a:gd name="adj1" fmla="val 50000"/>
+            </a:avLst>
+          </a:prstGeom>
+          <a:ln>
+            <a:tailEnd type="triangle"/>
+          </a:ln>
+        </p:spPr>
+        <p:style>
+          <a:lnRef idx="1">
+            <a:schemeClr val="accent1"/>
+          </a:lnRef>
+          <a:fillRef idx="0">
+            <a:schemeClr val="accent1"/>
+          </a:fillRef>
+          <a:effectRef idx="0">
+            <a:schemeClr val="accent1"/>
+          </a:effectRef>
+          <a:fontRef idx="minor">
+            <a:schemeClr val="tx1"/>
+          </a:fontRef>
+        </p:style>
+      </p:cxnSp>
+      <p:sp>
+        <p:nvSpPr>
+          <p:cNvPr id="35" name="Retângulo 34"/>
+          <p:cNvSpPr/>
+          <p:nvPr/>
+        </p:nvSpPr>
+        <p:spPr>
+          <a:xfrm>
+            <a:off x="5258327" y="4216464"/>
+            <a:ext cx="1463040" cy="388790"/>
+          </a:xfrm>
+          <a:prstGeom prst="rect">
+            <a:avLst/>
+          </a:prstGeom>
+          <a:solidFill>
+            <a:schemeClr val="accent4">
+              <a:lumMod val="20000"/>
+              <a:lumOff val="80000"/>
+            </a:schemeClr>
+          </a:solidFill>
+        </p:spPr>
+        <p:style>
+          <a:lnRef idx="2">
+            <a:schemeClr val="accent1">
+              <a:shade val="50000"/>
+            </a:schemeClr>
+          </a:lnRef>
+          <a:fillRef idx="1">
+            <a:schemeClr val="accent1"/>
+          </a:fillRef>
+          <a:effectRef idx="0">
+            <a:schemeClr val="accent1"/>
+          </a:effectRef>
+          <a:fontRef idx="minor">
+            <a:schemeClr val="lt1"/>
+          </a:fontRef>
+        </p:style>
+        <p:txBody>
+          <a:bodyPr rtlCol="0" anchor="ctr"/>
+          <a:lstStyle/>
+          <a:p>
+            <a:pPr algn="ctr"/>
+            <a:r>
+              <a:rPr lang="pt-BR" sz="1200" dirty="0" smtClean="0">
+                <a:solidFill>
+                  <a:sysClr val="windowText" lastClr="000000"/>
+                </a:solidFill>
+              </a:rPr>
+              <a:t>Draw </a:t>
+            </a:r>
+            <a:r>
+              <a:rPr lang="pt-BR" sz="1200" dirty="0" err="1" smtClean="0">
+                <a:solidFill>
+                  <a:sysClr val="windowText" lastClr="000000"/>
+                </a:solidFill>
+              </a:rPr>
+              <a:t>thickness</a:t>
+            </a:r>
+            <a:endParaRPr lang="pt-BR" sz="1200" dirty="0">
+              <a:solidFill>
+                <a:sysClr val="windowText" lastClr="000000"/>
+              </a:solidFill>
+            </a:endParaRPr>
+          </a:p>
+        </p:txBody>
+      </p:sp>
+      <p:pic>
+        <p:nvPicPr>
+          <p:cNvPr id="36" name="Imagem 35"/>
+          <p:cNvPicPr>
+            <a:picLocks noChangeAspect="1"/>
+          </p:cNvPicPr>
+          <p:nvPr/>
+        </p:nvPicPr>
+        <p:blipFill>
+          <a:blip r:embed="rId4">
+            <a:extLst>
+              <a:ext uri="{28A0092B-C50C-407E-A947-70E740481C1C}">
+                <a14:useLocalDpi xmlns:a14="http://schemas.microsoft.com/office/drawing/2010/main" val="0"/>
+              </a:ext>
+            </a:extLst>
+          </a:blip>
+          <a:stretch>
+            <a:fillRect/>
+          </a:stretch>
+        </p:blipFill>
+        <p:spPr>
+          <a:xfrm>
+            <a:off x="7219214" y="4105196"/>
+            <a:ext cx="604919" cy="604919"/>
+          </a:xfrm>
+          <a:prstGeom prst="rect">
+            <a:avLst/>
+          </a:prstGeom>
+        </p:spPr>
+      </p:pic>
+      <p:cxnSp>
+        <p:nvCxnSpPr>
+          <p:cNvPr id="37" name="Conector de Seta Reta 36"/>
+          <p:cNvCxnSpPr>
+            <a:stCxn id="36" idx="1"/>
+            <a:endCxn id="35" idx="3"/>
+          </p:cNvCxnSpPr>
+          <p:nvPr/>
+        </p:nvCxnSpPr>
+        <p:spPr>
+          <a:xfrm flipH="1">
+            <a:off x="6721367" y="4407656"/>
+            <a:ext cx="497847" cy="3203"/>
+          </a:xfrm>
+          <a:prstGeom prst="straightConnector1">
+            <a:avLst/>
+          </a:prstGeom>
+          <a:ln>
+            <a:tailEnd type="triangle"/>
+          </a:ln>
+        </p:spPr>
+        <p:style>
+          <a:lnRef idx="1">
+            <a:schemeClr val="accent1"/>
+          </a:lnRef>
+          <a:fillRef idx="0">
+            <a:schemeClr val="accent1"/>
+          </a:fillRef>
+          <a:effectRef idx="0">
+            <a:schemeClr val="accent1"/>
+          </a:effectRef>
+          <a:fontRef idx="minor">
+            <a:schemeClr val="tx1"/>
+          </a:fontRef>
+        </p:style>
+      </p:cxnSp>
+      <p:cxnSp>
+        <p:nvCxnSpPr>
+          <p:cNvPr id="41" name="Conector de Seta Reta 40"/>
+          <p:cNvCxnSpPr>
+            <a:stCxn id="28" idx="2"/>
+            <a:endCxn id="35" idx="0"/>
+          </p:cNvCxnSpPr>
+          <p:nvPr/>
+        </p:nvCxnSpPr>
+        <p:spPr>
+          <a:xfrm>
+            <a:off x="5989847" y="3975393"/>
+            <a:ext cx="0" cy="241071"/>
+          </a:xfrm>
+          <a:prstGeom prst="straightConnector1">
+            <a:avLst/>
+          </a:prstGeom>
+          <a:ln>
+            <a:tailEnd type="triangle"/>
+          </a:ln>
+        </p:spPr>
+        <p:style>
+          <a:lnRef idx="1">
+            <a:schemeClr val="accent1"/>
+          </a:lnRef>
+          <a:fillRef idx="0">
+            <a:schemeClr val="accent1"/>
+          </a:fillRef>
+          <a:effectRef idx="0">
+            <a:schemeClr val="accent1"/>
+          </a:effectRef>
+          <a:fontRef idx="minor">
+            <a:schemeClr val="tx1"/>
+          </a:fontRef>
+        </p:style>
+      </p:cxnSp>
+      <p:sp>
+        <p:nvSpPr>
+          <p:cNvPr id="44" name="CaixaDeTexto 43"/>
+          <p:cNvSpPr txBox="1"/>
+          <p:nvPr/>
+        </p:nvSpPr>
+        <p:spPr>
+          <a:xfrm>
+            <a:off x="7891909" y="4176822"/>
+            <a:ext cx="1712200" cy="461665"/>
+          </a:xfrm>
+          <a:prstGeom prst="rect">
+            <a:avLst/>
+          </a:prstGeom>
+          <a:noFill/>
+        </p:spPr>
+        <p:txBody>
+          <a:bodyPr wrap="none" rtlCol="0">
+            <a:spAutoFit/>
+          </a:bodyPr>
+          <a:lstStyle/>
+          <a:p>
+            <a:r>
+              <a:rPr lang="pt-BR" sz="1200" dirty="0" err="1" smtClean="0"/>
+              <a:t>Thickness</a:t>
+            </a:r>
+            <a:r>
+              <a:rPr lang="pt-BR" sz="1200" dirty="0" smtClean="0"/>
+              <a:t> </a:t>
+            </a:r>
+            <a:r>
+              <a:rPr lang="pt-BR" sz="1200" dirty="0" err="1" smtClean="0"/>
+              <a:t>distribution</a:t>
+            </a:r>
+            <a:r>
+              <a:rPr lang="pt-BR" sz="1200" dirty="0" smtClean="0"/>
+              <a:t> of</a:t>
+            </a:r>
+          </a:p>
+          <a:p>
+            <a:r>
+              <a:rPr lang="pt-BR" sz="1200" dirty="0" err="1" smtClean="0"/>
+              <a:t>the</a:t>
+            </a:r>
+            <a:r>
+              <a:rPr lang="pt-BR" sz="1200" dirty="0" smtClean="0"/>
+              <a:t> </a:t>
+            </a:r>
+            <a:r>
+              <a:rPr lang="pt-BR" sz="1200" dirty="0" err="1" smtClean="0"/>
+              <a:t>drawn</a:t>
+            </a:r>
+            <a:r>
+              <a:rPr lang="pt-BR" sz="1200" dirty="0" smtClean="0"/>
+              <a:t> facies</a:t>
+            </a:r>
+            <a:endParaRPr lang="pt-BR" sz="1200" dirty="0"/>
+          </a:p>
+        </p:txBody>
+      </p:sp>
+      <p:sp>
+        <p:nvSpPr>
+          <p:cNvPr id="54" name="Retângulo 53"/>
+          <p:cNvSpPr/>
+          <p:nvPr/>
+        </p:nvSpPr>
+        <p:spPr>
+          <a:xfrm>
+            <a:off x="5258327" y="4831586"/>
+            <a:ext cx="1463040" cy="589591"/>
+          </a:xfrm>
+          <a:prstGeom prst="rect">
+            <a:avLst/>
+          </a:prstGeom>
+          <a:solidFill>
+            <a:schemeClr val="accent4">
+              <a:lumMod val="20000"/>
+              <a:lumOff val="80000"/>
+            </a:schemeClr>
+          </a:solidFill>
+        </p:spPr>
+        <p:style>
+          <a:lnRef idx="2">
+            <a:schemeClr val="accent1">
+              <a:shade val="50000"/>
+            </a:schemeClr>
+          </a:lnRef>
+          <a:fillRef idx="1">
+            <a:schemeClr val="accent1"/>
+          </a:fillRef>
+          <a:effectRef idx="0">
+            <a:schemeClr val="accent1"/>
+          </a:effectRef>
+          <a:fontRef idx="minor">
+            <a:schemeClr val="lt1"/>
+          </a:fontRef>
+        </p:style>
+        <p:txBody>
+          <a:bodyPr rtlCol="0" anchor="ctr"/>
+          <a:lstStyle/>
+          <a:p>
+            <a:pPr algn="ctr"/>
+            <a:r>
+              <a:rPr lang="pt-BR" sz="1100" dirty="0" smtClean="0">
+                <a:solidFill>
+                  <a:sysClr val="windowText" lastClr="000000"/>
+                </a:solidFill>
+              </a:rPr>
+              <a:t>Impute </a:t>
+            </a:r>
+            <a:r>
+              <a:rPr lang="pt-BR" sz="1100" dirty="0" err="1" smtClean="0">
+                <a:solidFill>
+                  <a:sysClr val="windowText" lastClr="000000"/>
+                </a:solidFill>
+              </a:rPr>
+              <a:t>drawn</a:t>
+            </a:r>
+            <a:r>
+              <a:rPr lang="pt-BR" sz="1100" dirty="0" smtClean="0">
+                <a:solidFill>
+                  <a:sysClr val="windowText" lastClr="000000"/>
+                </a:solidFill>
+              </a:rPr>
+              <a:t> facies </a:t>
+            </a:r>
+            <a:r>
+              <a:rPr lang="pt-BR" sz="1100" dirty="0" err="1" smtClean="0">
+                <a:solidFill>
+                  <a:sysClr val="windowText" lastClr="000000"/>
+                </a:solidFill>
+              </a:rPr>
+              <a:t>along</a:t>
+            </a:r>
+            <a:r>
+              <a:rPr lang="pt-BR" sz="1100" dirty="0" smtClean="0">
+                <a:solidFill>
+                  <a:sysClr val="windowText" lastClr="000000"/>
+                </a:solidFill>
+              </a:rPr>
+              <a:t> </a:t>
+            </a:r>
+            <a:r>
+              <a:rPr lang="pt-BR" sz="1100" dirty="0" err="1" smtClean="0">
+                <a:solidFill>
+                  <a:sysClr val="windowText" lastClr="000000"/>
+                </a:solidFill>
+              </a:rPr>
+              <a:t>drawn</a:t>
+            </a:r>
+            <a:r>
+              <a:rPr lang="pt-BR" sz="1100" dirty="0" smtClean="0">
+                <a:solidFill>
+                  <a:sysClr val="windowText" lastClr="000000"/>
+                </a:solidFill>
+              </a:rPr>
+              <a:t> </a:t>
+            </a:r>
+            <a:r>
+              <a:rPr lang="pt-BR" sz="1100" dirty="0" err="1" smtClean="0">
+                <a:solidFill>
+                  <a:sysClr val="windowText" lastClr="000000"/>
+                </a:solidFill>
+              </a:rPr>
+              <a:t>thicness</a:t>
+            </a:r>
+            <a:endParaRPr lang="pt-BR" sz="1100" dirty="0">
+              <a:solidFill>
+                <a:sysClr val="windowText" lastClr="000000"/>
+              </a:solidFill>
+            </a:endParaRPr>
+          </a:p>
+        </p:txBody>
+      </p:sp>
+      <p:cxnSp>
+        <p:nvCxnSpPr>
+          <p:cNvPr id="55" name="Conector de Seta Reta 54"/>
+          <p:cNvCxnSpPr>
+            <a:stCxn id="35" idx="2"/>
+            <a:endCxn id="54" idx="0"/>
+          </p:cNvCxnSpPr>
+          <p:nvPr/>
+        </p:nvCxnSpPr>
+        <p:spPr>
+          <a:xfrm>
+            <a:off x="5989847" y="4605254"/>
+            <a:ext cx="0" cy="226332"/>
+          </a:xfrm>
+          <a:prstGeom prst="straightConnector1">
+            <a:avLst/>
+          </a:prstGeom>
+          <a:ln>
+            <a:tailEnd type="triangle"/>
+          </a:ln>
+        </p:spPr>
+        <p:style>
+          <a:lnRef idx="1">
+            <a:schemeClr val="accent1"/>
+          </a:lnRef>
+          <a:fillRef idx="0">
+            <a:schemeClr val="accent1"/>
+          </a:fillRef>
+          <a:effectRef idx="0">
+            <a:schemeClr val="accent1"/>
+          </a:effectRef>
+          <a:fontRef idx="minor">
+            <a:schemeClr val="tx1"/>
+          </a:fontRef>
+        </p:style>
+      </p:cxnSp>
+      <p:sp>
+        <p:nvSpPr>
+          <p:cNvPr id="59" name="Fluxograma: Decisão 58"/>
+          <p:cNvSpPr/>
+          <p:nvPr/>
+        </p:nvSpPr>
+        <p:spPr>
+          <a:xfrm>
+            <a:off x="5017257" y="5577506"/>
+            <a:ext cx="1945179" cy="656705"/>
+          </a:xfrm>
+          <a:prstGeom prst="flowChartDecision">
+            <a:avLst/>
+          </a:prstGeom>
+          <a:solidFill>
+            <a:schemeClr val="accent4">
+              <a:lumMod val="20000"/>
+              <a:lumOff val="80000"/>
+            </a:schemeClr>
+          </a:solidFill>
+        </p:spPr>
+        <p:style>
+          <a:lnRef idx="2">
+            <a:schemeClr val="accent1">
+              <a:shade val="50000"/>
+            </a:schemeClr>
+          </a:lnRef>
+          <a:fillRef idx="1">
+            <a:schemeClr val="accent1"/>
+          </a:fillRef>
+          <a:effectRef idx="0">
+            <a:schemeClr val="accent1"/>
+          </a:effectRef>
+          <a:fontRef idx="minor">
+            <a:schemeClr val="lt1"/>
+          </a:fontRef>
+        </p:style>
+        <p:txBody>
+          <a:bodyPr rtlCol="0" anchor="ctr"/>
+          <a:lstStyle/>
+          <a:p>
+            <a:pPr algn="ctr"/>
+            <a:r>
+              <a:rPr lang="pt-BR" sz="1050" dirty="0" err="1" smtClean="0">
+                <a:solidFill>
+                  <a:sysClr val="windowText" lastClr="000000"/>
+                </a:solidFill>
+              </a:rPr>
+              <a:t>Is</a:t>
+            </a:r>
+            <a:r>
+              <a:rPr lang="pt-BR" sz="1050" dirty="0" smtClean="0">
+                <a:solidFill>
+                  <a:sysClr val="windowText" lastClr="000000"/>
+                </a:solidFill>
+              </a:rPr>
+              <a:t> </a:t>
+            </a:r>
+            <a:r>
+              <a:rPr lang="pt-BR" sz="1050" dirty="0" err="1" smtClean="0">
+                <a:solidFill>
+                  <a:sysClr val="windowText" lastClr="000000"/>
+                </a:solidFill>
+              </a:rPr>
+              <a:t>there</a:t>
+            </a:r>
+            <a:r>
+              <a:rPr lang="pt-BR" sz="1050" dirty="0" smtClean="0">
+                <a:solidFill>
+                  <a:sysClr val="windowText" lastClr="000000"/>
+                </a:solidFill>
+              </a:rPr>
+              <a:t> still </a:t>
+            </a:r>
+            <a:r>
+              <a:rPr lang="pt-BR" sz="1050" dirty="0" err="1" smtClean="0">
+                <a:solidFill>
+                  <a:sysClr val="windowText" lastClr="000000"/>
+                </a:solidFill>
+              </a:rPr>
+              <a:t>uninformed</a:t>
+            </a:r>
+            <a:r>
+              <a:rPr lang="pt-BR" sz="1050" dirty="0" smtClean="0">
+                <a:solidFill>
+                  <a:sysClr val="windowText" lastClr="000000"/>
+                </a:solidFill>
+              </a:rPr>
+              <a:t> </a:t>
+            </a:r>
+            <a:r>
+              <a:rPr lang="pt-BR" sz="1050" dirty="0" err="1" smtClean="0">
+                <a:solidFill>
+                  <a:sysClr val="windowText" lastClr="000000"/>
+                </a:solidFill>
+              </a:rPr>
+              <a:t>thickness</a:t>
+            </a:r>
+            <a:r>
+              <a:rPr lang="pt-BR" sz="1050" dirty="0" smtClean="0">
+                <a:solidFill>
+                  <a:sysClr val="windowText" lastClr="000000"/>
+                </a:solidFill>
+              </a:rPr>
+              <a:t>?</a:t>
+            </a:r>
+            <a:endParaRPr lang="pt-BR" sz="1050" dirty="0">
+              <a:solidFill>
+                <a:sysClr val="windowText" lastClr="000000"/>
+              </a:solidFill>
+            </a:endParaRPr>
+          </a:p>
+        </p:txBody>
+      </p:sp>
+      <p:cxnSp>
+        <p:nvCxnSpPr>
+          <p:cNvPr id="60" name="Conector de Seta Reta 59"/>
+          <p:cNvCxnSpPr>
+            <a:stCxn id="54" idx="2"/>
+            <a:endCxn id="59" idx="0"/>
+          </p:cNvCxnSpPr>
+          <p:nvPr/>
+        </p:nvCxnSpPr>
+        <p:spPr>
+          <a:xfrm>
+            <a:off x="5989847" y="5421177"/>
+            <a:ext cx="0" cy="156329"/>
+          </a:xfrm>
+          <a:prstGeom prst="straightConnector1">
+            <a:avLst/>
+          </a:prstGeom>
+          <a:ln>
+            <a:tailEnd type="triangle"/>
+          </a:ln>
+        </p:spPr>
+        <p:style>
+          <a:lnRef idx="1">
+            <a:schemeClr val="accent1"/>
+          </a:lnRef>
+          <a:fillRef idx="0">
+            <a:schemeClr val="accent1"/>
+          </a:fillRef>
+          <a:effectRef idx="0">
+            <a:schemeClr val="accent1"/>
+          </a:effectRef>
+          <a:fontRef idx="minor">
+            <a:schemeClr val="tx1"/>
+          </a:fontRef>
+        </p:style>
+      </p:cxnSp>
+      <p:cxnSp>
+        <p:nvCxnSpPr>
+          <p:cNvPr id="64" name="Conector Angulado 63"/>
+          <p:cNvCxnSpPr>
+            <a:stCxn id="59" idx="1"/>
+            <a:endCxn id="8" idx="1"/>
+          </p:cNvCxnSpPr>
+          <p:nvPr/>
+        </p:nvCxnSpPr>
+        <p:spPr>
+          <a:xfrm rot="10800000">
+            <a:off x="3902825" y="1525385"/>
+            <a:ext cx="1114433" cy="4380474"/>
+          </a:xfrm>
+          <a:prstGeom prst="bentConnector3">
+            <a:avLst>
+              <a:gd name="adj1" fmla="val 210769"/>
+            </a:avLst>
+          </a:prstGeom>
+          <a:ln>
+            <a:tailEnd type="triangle"/>
+          </a:ln>
+        </p:spPr>
+        <p:style>
+          <a:lnRef idx="1">
+            <a:schemeClr val="accent1"/>
+          </a:lnRef>
+          <a:fillRef idx="0">
+            <a:schemeClr val="accent1"/>
+          </a:fillRef>
+          <a:effectRef idx="0">
+            <a:schemeClr val="accent1"/>
+          </a:effectRef>
+          <a:fontRef idx="minor">
+            <a:schemeClr val="tx1"/>
+          </a:fontRef>
+        </p:style>
+      </p:cxnSp>
+      <p:sp>
+        <p:nvSpPr>
+          <p:cNvPr id="68" name="CaixaDeTexto 67"/>
+          <p:cNvSpPr txBox="1"/>
+          <p:nvPr/>
+        </p:nvSpPr>
+        <p:spPr>
+          <a:xfrm>
+            <a:off x="4705678" y="5654537"/>
+            <a:ext cx="389594" cy="276999"/>
+          </a:xfrm>
+          <a:prstGeom prst="rect">
+            <a:avLst/>
+          </a:prstGeom>
+          <a:noFill/>
+        </p:spPr>
+        <p:txBody>
+          <a:bodyPr wrap="none" rtlCol="0">
+            <a:spAutoFit/>
+          </a:bodyPr>
+          <a:lstStyle/>
+          <a:p>
+            <a:r>
+              <a:rPr lang="pt-BR" sz="1200" dirty="0" err="1" smtClean="0"/>
+              <a:t>yes</a:t>
+            </a:r>
+            <a:endParaRPr lang="pt-BR" sz="1200" dirty="0"/>
+          </a:p>
+        </p:txBody>
+      </p:sp>
+      <p:sp>
+        <p:nvSpPr>
+          <p:cNvPr id="69" name="Fluxograma: Terminação 68"/>
+          <p:cNvSpPr/>
+          <p:nvPr/>
+        </p:nvSpPr>
+        <p:spPr>
+          <a:xfrm>
+            <a:off x="7785700" y="5777075"/>
+            <a:ext cx="1088967" cy="274320"/>
+          </a:xfrm>
+          <a:prstGeom prst="flowChartTerminator">
+            <a:avLst/>
+          </a:prstGeom>
+          <a:solidFill>
+            <a:schemeClr val="accent4">
+              <a:lumMod val="20000"/>
+              <a:lumOff val="80000"/>
+            </a:schemeClr>
+          </a:solidFill>
+        </p:spPr>
+        <p:style>
+          <a:lnRef idx="2">
+            <a:schemeClr val="accent1">
+              <a:shade val="50000"/>
+            </a:schemeClr>
+          </a:lnRef>
+          <a:fillRef idx="1">
+            <a:schemeClr val="accent1"/>
+          </a:fillRef>
+          <a:effectRef idx="0">
+            <a:schemeClr val="accent1"/>
+          </a:effectRef>
+          <a:fontRef idx="minor">
+            <a:schemeClr val="lt1"/>
+          </a:fontRef>
+        </p:style>
+        <p:txBody>
+          <a:bodyPr rtlCol="0" anchor="ctr"/>
+          <a:lstStyle/>
+          <a:p>
+            <a:pPr algn="ctr"/>
+            <a:r>
+              <a:rPr lang="pt-BR" dirty="0" err="1" smtClean="0">
+                <a:solidFill>
+                  <a:sysClr val="windowText" lastClr="000000"/>
+                </a:solidFill>
+              </a:rPr>
+              <a:t>end</a:t>
+            </a:r>
+            <a:endParaRPr lang="pt-BR" dirty="0">
+              <a:solidFill>
+                <a:sysClr val="windowText" lastClr="000000"/>
+              </a:solidFill>
+            </a:endParaRPr>
+          </a:p>
+        </p:txBody>
+      </p:sp>
+      <p:cxnSp>
+        <p:nvCxnSpPr>
+          <p:cNvPr id="70" name="Conector de Seta Reta 69"/>
+          <p:cNvCxnSpPr>
+            <a:stCxn id="59" idx="3"/>
+            <a:endCxn id="69" idx="1"/>
+          </p:cNvCxnSpPr>
+          <p:nvPr/>
+        </p:nvCxnSpPr>
+        <p:spPr>
+          <a:xfrm>
+            <a:off x="6962436" y="5905859"/>
+            <a:ext cx="823264" cy="8376"/>
+          </a:xfrm>
+          <a:prstGeom prst="straightConnector1">
+            <a:avLst/>
+          </a:prstGeom>
+          <a:ln>
+            <a:tailEnd type="triangle"/>
+          </a:ln>
+        </p:spPr>
+        <p:style>
+          <a:lnRef idx="1">
+            <a:schemeClr val="accent1"/>
+          </a:lnRef>
+          <a:fillRef idx="0">
+            <a:schemeClr val="accent1"/>
+          </a:fillRef>
+          <a:effectRef idx="0">
+            <a:schemeClr val="accent1"/>
+          </a:effectRef>
+          <a:fontRef idx="minor">
+            <a:schemeClr val="tx1"/>
+          </a:fontRef>
+        </p:style>
+      </p:cxnSp>
+      <p:sp>
+        <p:nvSpPr>
+          <p:cNvPr id="73" name="CaixaDeTexto 72"/>
+          <p:cNvSpPr txBox="1"/>
+          <p:nvPr/>
+        </p:nvSpPr>
+        <p:spPr>
+          <a:xfrm>
+            <a:off x="6853707" y="5654537"/>
+            <a:ext cx="346570" cy="276999"/>
+          </a:xfrm>
+          <a:prstGeom prst="rect">
+            <a:avLst/>
+          </a:prstGeom>
+          <a:noFill/>
+        </p:spPr>
+        <p:txBody>
+          <a:bodyPr wrap="none" rtlCol="0">
+            <a:spAutoFit/>
+          </a:bodyPr>
+          <a:lstStyle/>
+          <a:p>
+            <a:r>
+              <a:rPr lang="pt-BR" sz="1200" dirty="0" smtClean="0"/>
+              <a:t>no</a:t>
+            </a:r>
+            <a:endParaRPr lang="pt-BR" sz="1200" dirty="0"/>
+          </a:p>
+        </p:txBody>
+      </p:sp>
+    </p:spTree>
+    <p:extLst>
+      <p:ext uri="{BB962C8B-B14F-4D97-AF65-F5344CB8AC3E}">
+        <p14:creationId xmlns:p14="http://schemas.microsoft.com/office/powerpoint/2010/main" val="2208198324"/>
       </p:ext>
     </p:extLst>
   </p:cSld>

--- a/docs/figures.pptx
+++ b/docs/figures.pptx
@@ -30,8 +30,8 @@
     <p:sldId id="279" r:id="rId24"/>
     <p:sldId id="280" r:id="rId25"/>
     <p:sldId id="282" r:id="rId26"/>
-    <p:sldId id="283" r:id="rId27"/>
-    <p:sldId id="284" r:id="rId28"/>
+    <p:sldId id="284" r:id="rId27"/>
+    <p:sldId id="285" r:id="rId28"/>
   </p:sldIdLst>
   <p:sldSz cx="12192000" cy="6858000"/>
   <p:notesSz cx="6858000" cy="9144000"/>
@@ -286,7 +286,7 @@
           <a:p>
             <a:fld id="{5827CF75-21ED-4285-9C22-184A8788EFA2}" type="datetimeFigureOut">
               <a:rPr lang="pt-BR" smtClean="0"/>
-              <a:t>25/02/2020</a:t>
+              <a:t>28/10/2020</a:t>
             </a:fld>
             <a:endParaRPr lang="pt-BR"/>
           </a:p>
@@ -456,7 +456,7 @@
           <a:p>
             <a:fld id="{5827CF75-21ED-4285-9C22-184A8788EFA2}" type="datetimeFigureOut">
               <a:rPr lang="pt-BR" smtClean="0"/>
-              <a:t>25/02/2020</a:t>
+              <a:t>28/10/2020</a:t>
             </a:fld>
             <a:endParaRPr lang="pt-BR"/>
           </a:p>
@@ -636,7 +636,7 @@
           <a:p>
             <a:fld id="{5827CF75-21ED-4285-9C22-184A8788EFA2}" type="datetimeFigureOut">
               <a:rPr lang="pt-BR" smtClean="0"/>
-              <a:t>25/02/2020</a:t>
+              <a:t>28/10/2020</a:t>
             </a:fld>
             <a:endParaRPr lang="pt-BR"/>
           </a:p>
@@ -806,7 +806,7 @@
           <a:p>
             <a:fld id="{5827CF75-21ED-4285-9C22-184A8788EFA2}" type="datetimeFigureOut">
               <a:rPr lang="pt-BR" smtClean="0"/>
-              <a:t>25/02/2020</a:t>
+              <a:t>28/10/2020</a:t>
             </a:fld>
             <a:endParaRPr lang="pt-BR"/>
           </a:p>
@@ -1052,7 +1052,7 @@
           <a:p>
             <a:fld id="{5827CF75-21ED-4285-9C22-184A8788EFA2}" type="datetimeFigureOut">
               <a:rPr lang="pt-BR" smtClean="0"/>
-              <a:t>25/02/2020</a:t>
+              <a:t>28/10/2020</a:t>
             </a:fld>
             <a:endParaRPr lang="pt-BR"/>
           </a:p>
@@ -1284,7 +1284,7 @@
           <a:p>
             <a:fld id="{5827CF75-21ED-4285-9C22-184A8788EFA2}" type="datetimeFigureOut">
               <a:rPr lang="pt-BR" smtClean="0"/>
-              <a:t>25/02/2020</a:t>
+              <a:t>28/10/2020</a:t>
             </a:fld>
             <a:endParaRPr lang="pt-BR"/>
           </a:p>
@@ -1651,7 +1651,7 @@
           <a:p>
             <a:fld id="{5827CF75-21ED-4285-9C22-184A8788EFA2}" type="datetimeFigureOut">
               <a:rPr lang="pt-BR" smtClean="0"/>
-              <a:t>25/02/2020</a:t>
+              <a:t>28/10/2020</a:t>
             </a:fld>
             <a:endParaRPr lang="pt-BR"/>
           </a:p>
@@ -1769,7 +1769,7 @@
           <a:p>
             <a:fld id="{5827CF75-21ED-4285-9C22-184A8788EFA2}" type="datetimeFigureOut">
               <a:rPr lang="pt-BR" smtClean="0"/>
-              <a:t>25/02/2020</a:t>
+              <a:t>28/10/2020</a:t>
             </a:fld>
             <a:endParaRPr lang="pt-BR"/>
           </a:p>
@@ -1864,7 +1864,7 @@
           <a:p>
             <a:fld id="{5827CF75-21ED-4285-9C22-184A8788EFA2}" type="datetimeFigureOut">
               <a:rPr lang="pt-BR" smtClean="0"/>
-              <a:t>25/02/2020</a:t>
+              <a:t>28/10/2020</a:t>
             </a:fld>
             <a:endParaRPr lang="pt-BR"/>
           </a:p>
@@ -2141,7 +2141,7 @@
           <a:p>
             <a:fld id="{5827CF75-21ED-4285-9C22-184A8788EFA2}" type="datetimeFigureOut">
               <a:rPr lang="pt-BR" smtClean="0"/>
-              <a:t>25/02/2020</a:t>
+              <a:t>28/10/2020</a:t>
             </a:fld>
             <a:endParaRPr lang="pt-BR"/>
           </a:p>
@@ -2394,7 +2394,7 @@
           <a:p>
             <a:fld id="{5827CF75-21ED-4285-9C22-184A8788EFA2}" type="datetimeFigureOut">
               <a:rPr lang="pt-BR" smtClean="0"/>
-              <a:t>25/02/2020</a:t>
+              <a:t>28/10/2020</a:t>
             </a:fld>
             <a:endParaRPr lang="pt-BR"/>
           </a:p>
@@ -2607,7 +2607,7 @@
           <a:p>
             <a:fld id="{5827CF75-21ED-4285-9C22-184A8788EFA2}" type="datetimeFigureOut">
               <a:rPr lang="pt-BR" smtClean="0"/>
-              <a:t>25/02/2020</a:t>
+              <a:t>28/10/2020</a:t>
             </a:fld>
             <a:endParaRPr lang="pt-BR"/>
           </a:p>
@@ -22975,10 +22975,1516 @@
           <a:chExt cx="0" cy="0"/>
         </a:xfrm>
       </p:grpSpPr>
+      <p:pic>
+        <p:nvPicPr>
+          <p:cNvPr id="4" name="Imagem 3"/>
+          <p:cNvPicPr>
+            <a:picLocks noChangeAspect="1"/>
+          </p:cNvPicPr>
+          <p:nvPr/>
+        </p:nvPicPr>
+        <p:blipFill>
+          <a:blip r:embed="rId2">
+            <a:extLst>
+              <a:ext uri="{28A0092B-C50C-407E-A947-70E740481C1C}">
+                <a14:useLocalDpi xmlns:a14="http://schemas.microsoft.com/office/drawing/2010/main" val="0"/>
+              </a:ext>
+            </a:extLst>
+          </a:blip>
+          <a:stretch>
+            <a:fillRect/>
+          </a:stretch>
+        </p:blipFill>
+        <p:spPr>
+          <a:xfrm>
+            <a:off x="8096616" y="2308119"/>
+            <a:ext cx="630362" cy="630362"/>
+          </a:xfrm>
+          <a:prstGeom prst="rect">
+            <a:avLst/>
+          </a:prstGeom>
+        </p:spPr>
+      </p:pic>
+      <p:sp>
+        <p:nvSpPr>
+          <p:cNvPr id="6" name="Fluxograma: Terminação 5"/>
+          <p:cNvSpPr/>
+          <p:nvPr/>
+        </p:nvSpPr>
+        <p:spPr>
+          <a:xfrm>
+            <a:off x="4330931" y="681643"/>
+            <a:ext cx="1088967" cy="274320"/>
+          </a:xfrm>
+          <a:prstGeom prst="flowChartTerminator">
+            <a:avLst/>
+          </a:prstGeom>
+          <a:solidFill>
+            <a:schemeClr val="accent4">
+              <a:lumMod val="20000"/>
+              <a:lumOff val="80000"/>
+            </a:schemeClr>
+          </a:solidFill>
+        </p:spPr>
+        <p:style>
+          <a:lnRef idx="2">
+            <a:schemeClr val="accent1">
+              <a:shade val="50000"/>
+            </a:schemeClr>
+          </a:lnRef>
+          <a:fillRef idx="1">
+            <a:schemeClr val="accent1"/>
+          </a:fillRef>
+          <a:effectRef idx="0">
+            <a:schemeClr val="accent1"/>
+          </a:effectRef>
+          <a:fontRef idx="minor">
+            <a:schemeClr val="lt1"/>
+          </a:fontRef>
+        </p:style>
+        <p:txBody>
+          <a:bodyPr rtlCol="0" anchor="ctr"/>
+          <a:lstStyle/>
+          <a:p>
+            <a:pPr algn="ctr"/>
+            <a:r>
+              <a:rPr lang="pt-BR" dirty="0" smtClean="0">
+                <a:solidFill>
+                  <a:sysClr val="windowText" lastClr="000000"/>
+                </a:solidFill>
+              </a:rPr>
+              <a:t>start</a:t>
+            </a:r>
+            <a:endParaRPr lang="pt-BR" dirty="0">
+              <a:solidFill>
+                <a:sysClr val="windowText" lastClr="000000"/>
+              </a:solidFill>
+            </a:endParaRPr>
+          </a:p>
+        </p:txBody>
+      </p:sp>
+      <p:sp>
+        <p:nvSpPr>
+          <p:cNvPr id="8" name="Fluxograma: Decisão 7"/>
+          <p:cNvSpPr/>
+          <p:nvPr/>
+        </p:nvSpPr>
+        <p:spPr>
+          <a:xfrm>
+            <a:off x="3902824" y="1197032"/>
+            <a:ext cx="1945179" cy="656705"/>
+          </a:xfrm>
+          <a:prstGeom prst="flowChartDecision">
+            <a:avLst/>
+          </a:prstGeom>
+          <a:solidFill>
+            <a:schemeClr val="accent4">
+              <a:lumMod val="20000"/>
+              <a:lumOff val="80000"/>
+            </a:schemeClr>
+          </a:solidFill>
+        </p:spPr>
+        <p:style>
+          <a:lnRef idx="2">
+            <a:schemeClr val="accent1">
+              <a:shade val="50000"/>
+            </a:schemeClr>
+          </a:lnRef>
+          <a:fillRef idx="1">
+            <a:schemeClr val="accent1"/>
+          </a:fillRef>
+          <a:effectRef idx="0">
+            <a:schemeClr val="accent1"/>
+          </a:effectRef>
+          <a:fontRef idx="minor">
+            <a:schemeClr val="lt1"/>
+          </a:fontRef>
+        </p:style>
+        <p:txBody>
+          <a:bodyPr rtlCol="0" anchor="ctr"/>
+          <a:lstStyle/>
+          <a:p>
+            <a:pPr algn="ctr"/>
+            <a:r>
+              <a:rPr lang="pt-BR" sz="1100" dirty="0" err="1" smtClean="0">
+                <a:solidFill>
+                  <a:sysClr val="windowText" lastClr="000000"/>
+                </a:solidFill>
+              </a:rPr>
+              <a:t>Is</a:t>
+            </a:r>
+            <a:r>
+              <a:rPr lang="pt-BR" sz="1100" dirty="0" smtClean="0">
+                <a:solidFill>
+                  <a:sysClr val="windowText" lastClr="000000"/>
+                </a:solidFill>
+              </a:rPr>
+              <a:t> </a:t>
+            </a:r>
+            <a:r>
+              <a:rPr lang="pt-BR" sz="1100" dirty="0" err="1" smtClean="0">
+                <a:solidFill>
+                  <a:sysClr val="windowText" lastClr="000000"/>
+                </a:solidFill>
+              </a:rPr>
+              <a:t>there</a:t>
+            </a:r>
+            <a:r>
+              <a:rPr lang="pt-BR" sz="1100" dirty="0" smtClean="0">
+                <a:solidFill>
+                  <a:sysClr val="windowText" lastClr="000000"/>
+                </a:solidFill>
+              </a:rPr>
+              <a:t> prior facies?</a:t>
+            </a:r>
+            <a:endParaRPr lang="pt-BR" sz="1100" dirty="0">
+              <a:solidFill>
+                <a:sysClr val="windowText" lastClr="000000"/>
+              </a:solidFill>
+            </a:endParaRPr>
+          </a:p>
+        </p:txBody>
+      </p:sp>
+      <p:pic>
+        <p:nvPicPr>
+          <p:cNvPr id="9" name="Imagem 8"/>
+          <p:cNvPicPr>
+            <a:picLocks noChangeAspect="1"/>
+          </p:cNvPicPr>
+          <p:nvPr/>
+        </p:nvPicPr>
+        <p:blipFill>
+          <a:blip r:embed="rId3">
+            <a:extLst>
+              <a:ext uri="{28A0092B-C50C-407E-A947-70E740481C1C}">
+                <a14:useLocalDpi xmlns:a14="http://schemas.microsoft.com/office/drawing/2010/main" val="0"/>
+              </a:ext>
+            </a:extLst>
+          </a:blip>
+          <a:stretch>
+            <a:fillRect/>
+          </a:stretch>
+        </p:blipFill>
+        <p:spPr>
+          <a:xfrm>
+            <a:off x="3093737" y="2333056"/>
+            <a:ext cx="580488" cy="580488"/>
+          </a:xfrm>
+          <a:prstGeom prst="rect">
+            <a:avLst/>
+          </a:prstGeom>
+        </p:spPr>
+      </p:pic>
+      <p:cxnSp>
+        <p:nvCxnSpPr>
+          <p:cNvPr id="12" name="Conector de Seta Reta 11"/>
+          <p:cNvCxnSpPr>
+            <a:stCxn id="8" idx="2"/>
+            <a:endCxn id="16" idx="0"/>
+          </p:cNvCxnSpPr>
+          <p:nvPr/>
+        </p:nvCxnSpPr>
+        <p:spPr>
+          <a:xfrm flipH="1">
+            <a:off x="4875413" y="1853737"/>
+            <a:ext cx="1" cy="353927"/>
+          </a:xfrm>
+          <a:prstGeom prst="straightConnector1">
+            <a:avLst/>
+          </a:prstGeom>
+          <a:ln>
+            <a:tailEnd type="triangle"/>
+          </a:ln>
+        </p:spPr>
+        <p:style>
+          <a:lnRef idx="1">
+            <a:schemeClr val="accent1"/>
+          </a:lnRef>
+          <a:fillRef idx="0">
+            <a:schemeClr val="accent1"/>
+          </a:fillRef>
+          <a:effectRef idx="0">
+            <a:schemeClr val="accent1"/>
+          </a:effectRef>
+          <a:fontRef idx="minor">
+            <a:schemeClr val="tx1"/>
+          </a:fontRef>
+        </p:style>
+      </p:cxnSp>
+      <p:sp>
+        <p:nvSpPr>
+          <p:cNvPr id="13" name="CaixaDeTexto 12"/>
+          <p:cNvSpPr txBox="1"/>
+          <p:nvPr/>
+        </p:nvSpPr>
+        <p:spPr>
+          <a:xfrm>
+            <a:off x="4875413" y="1774130"/>
+            <a:ext cx="389594" cy="276999"/>
+          </a:xfrm>
+          <a:prstGeom prst="rect">
+            <a:avLst/>
+          </a:prstGeom>
+          <a:noFill/>
+        </p:spPr>
+        <p:txBody>
+          <a:bodyPr wrap="none" rtlCol="0">
+            <a:spAutoFit/>
+          </a:bodyPr>
+          <a:lstStyle/>
+          <a:p>
+            <a:r>
+              <a:rPr lang="pt-BR" sz="1200" dirty="0" err="1" smtClean="0"/>
+              <a:t>yes</a:t>
+            </a:r>
+            <a:endParaRPr lang="pt-BR" sz="1200" dirty="0"/>
+          </a:p>
+        </p:txBody>
+      </p:sp>
+      <p:cxnSp>
+        <p:nvCxnSpPr>
+          <p:cNvPr id="15" name="Conector de Seta Reta 14"/>
+          <p:cNvCxnSpPr>
+            <a:stCxn id="6" idx="2"/>
+            <a:endCxn id="8" idx="0"/>
+          </p:cNvCxnSpPr>
+          <p:nvPr/>
+        </p:nvCxnSpPr>
+        <p:spPr>
+          <a:xfrm flipH="1">
+            <a:off x="4875414" y="955963"/>
+            <a:ext cx="1" cy="241069"/>
+          </a:xfrm>
+          <a:prstGeom prst="straightConnector1">
+            <a:avLst/>
+          </a:prstGeom>
+          <a:ln>
+            <a:tailEnd type="triangle"/>
+          </a:ln>
+        </p:spPr>
+        <p:style>
+          <a:lnRef idx="1">
+            <a:schemeClr val="accent1"/>
+          </a:lnRef>
+          <a:fillRef idx="0">
+            <a:schemeClr val="accent1"/>
+          </a:fillRef>
+          <a:effectRef idx="0">
+            <a:schemeClr val="accent1"/>
+          </a:effectRef>
+          <a:fontRef idx="minor">
+            <a:schemeClr val="tx1"/>
+          </a:fontRef>
+        </p:style>
+      </p:cxnSp>
+      <p:sp>
+        <p:nvSpPr>
+          <p:cNvPr id="16" name="Retângulo 15"/>
+          <p:cNvSpPr/>
+          <p:nvPr/>
+        </p:nvSpPr>
+        <p:spPr>
+          <a:xfrm>
+            <a:off x="4143893" y="2207664"/>
+            <a:ext cx="1463040" cy="831272"/>
+          </a:xfrm>
+          <a:prstGeom prst="rect">
+            <a:avLst/>
+          </a:prstGeom>
+          <a:solidFill>
+            <a:schemeClr val="accent4">
+              <a:lumMod val="20000"/>
+              <a:lumOff val="80000"/>
+            </a:schemeClr>
+          </a:solidFill>
+        </p:spPr>
+        <p:style>
+          <a:lnRef idx="2">
+            <a:schemeClr val="accent1">
+              <a:shade val="50000"/>
+            </a:schemeClr>
+          </a:lnRef>
+          <a:fillRef idx="1">
+            <a:schemeClr val="accent1"/>
+          </a:fillRef>
+          <a:effectRef idx="0">
+            <a:schemeClr val="accent1"/>
+          </a:effectRef>
+          <a:fontRef idx="minor">
+            <a:schemeClr val="lt1"/>
+          </a:fontRef>
+        </p:style>
+        <p:txBody>
+          <a:bodyPr rtlCol="0" anchor="ctr"/>
+          <a:lstStyle/>
+          <a:p>
+            <a:pPr algn="ctr"/>
+            <a:r>
+              <a:rPr lang="pt-BR" sz="1200" dirty="0" err="1" smtClean="0">
+                <a:solidFill>
+                  <a:sysClr val="windowText" lastClr="000000"/>
+                </a:solidFill>
+              </a:rPr>
+              <a:t>Get</a:t>
+            </a:r>
+            <a:r>
+              <a:rPr lang="pt-BR" sz="1200" dirty="0" smtClean="0">
+                <a:solidFill>
+                  <a:sysClr val="windowText" lastClr="000000"/>
+                </a:solidFill>
+              </a:rPr>
+              <a:t> </a:t>
+            </a:r>
+            <a:r>
+              <a:rPr lang="pt-BR" sz="1200" dirty="0" err="1" smtClean="0">
+                <a:solidFill>
+                  <a:sysClr val="windowText" lastClr="000000"/>
+                </a:solidFill>
+              </a:rPr>
+              <a:t>transition</a:t>
+            </a:r>
+            <a:r>
+              <a:rPr lang="pt-BR" sz="1200" dirty="0" smtClean="0">
+                <a:solidFill>
+                  <a:sysClr val="windowText" lastClr="000000"/>
+                </a:solidFill>
+              </a:rPr>
+              <a:t> </a:t>
+            </a:r>
+            <a:r>
+              <a:rPr lang="pt-BR" sz="1200" dirty="0" err="1" smtClean="0">
+                <a:solidFill>
+                  <a:sysClr val="windowText" lastClr="000000"/>
+                </a:solidFill>
+              </a:rPr>
+              <a:t>probabilities</a:t>
+            </a:r>
+            <a:r>
+              <a:rPr lang="pt-BR" sz="1200" dirty="0" smtClean="0">
+                <a:solidFill>
+                  <a:sysClr val="windowText" lastClr="000000"/>
+                </a:solidFill>
+              </a:rPr>
+              <a:t> </a:t>
+            </a:r>
+            <a:r>
+              <a:rPr lang="pt-BR" sz="1200" dirty="0" err="1" smtClean="0">
+                <a:solidFill>
+                  <a:sysClr val="windowText" lastClr="000000"/>
+                </a:solidFill>
+              </a:rPr>
+              <a:t>from</a:t>
+            </a:r>
+            <a:r>
+              <a:rPr lang="pt-BR" sz="1200" dirty="0" smtClean="0">
+                <a:solidFill>
+                  <a:sysClr val="windowText" lastClr="000000"/>
+                </a:solidFill>
+              </a:rPr>
+              <a:t> FTM</a:t>
+            </a:r>
+            <a:endParaRPr lang="pt-BR" sz="1200" dirty="0">
+              <a:solidFill>
+                <a:sysClr val="windowText" lastClr="000000"/>
+              </a:solidFill>
+            </a:endParaRPr>
+          </a:p>
+        </p:txBody>
+      </p:sp>
+      <p:cxnSp>
+        <p:nvCxnSpPr>
+          <p:cNvPr id="19" name="Conector de Seta Reta 18"/>
+          <p:cNvCxnSpPr>
+            <a:stCxn id="9" idx="3"/>
+            <a:endCxn id="16" idx="1"/>
+          </p:cNvCxnSpPr>
+          <p:nvPr/>
+        </p:nvCxnSpPr>
+        <p:spPr>
+          <a:xfrm>
+            <a:off x="3674225" y="2623300"/>
+            <a:ext cx="469668" cy="0"/>
+          </a:xfrm>
+          <a:prstGeom prst="straightConnector1">
+            <a:avLst/>
+          </a:prstGeom>
+          <a:ln>
+            <a:tailEnd type="triangle"/>
+          </a:ln>
+        </p:spPr>
+        <p:style>
+          <a:lnRef idx="1">
+            <a:schemeClr val="accent1"/>
+          </a:lnRef>
+          <a:fillRef idx="0">
+            <a:schemeClr val="accent1"/>
+          </a:fillRef>
+          <a:effectRef idx="0">
+            <a:schemeClr val="accent1"/>
+          </a:effectRef>
+          <a:fontRef idx="minor">
+            <a:schemeClr val="tx1"/>
+          </a:fontRef>
+        </p:style>
+      </p:cxnSp>
+      <p:sp>
+        <p:nvSpPr>
+          <p:cNvPr id="20" name="Retângulo 19"/>
+          <p:cNvSpPr/>
+          <p:nvPr/>
+        </p:nvSpPr>
+        <p:spPr>
+          <a:xfrm>
+            <a:off x="6240788" y="2207664"/>
+            <a:ext cx="1463040" cy="831272"/>
+          </a:xfrm>
+          <a:prstGeom prst="rect">
+            <a:avLst/>
+          </a:prstGeom>
+          <a:solidFill>
+            <a:schemeClr val="accent4">
+              <a:lumMod val="20000"/>
+              <a:lumOff val="80000"/>
+            </a:schemeClr>
+          </a:solidFill>
+        </p:spPr>
+        <p:style>
+          <a:lnRef idx="2">
+            <a:schemeClr val="accent1">
+              <a:shade val="50000"/>
+            </a:schemeClr>
+          </a:lnRef>
+          <a:fillRef idx="1">
+            <a:schemeClr val="accent1"/>
+          </a:fillRef>
+          <a:effectRef idx="0">
+            <a:schemeClr val="accent1"/>
+          </a:effectRef>
+          <a:fontRef idx="minor">
+            <a:schemeClr val="lt1"/>
+          </a:fontRef>
+        </p:style>
+        <p:txBody>
+          <a:bodyPr rtlCol="0" anchor="ctr"/>
+          <a:lstStyle/>
+          <a:p>
+            <a:pPr algn="ctr"/>
+            <a:r>
+              <a:rPr lang="pt-BR" sz="1200" dirty="0" err="1" smtClean="0">
+                <a:solidFill>
+                  <a:sysClr val="windowText" lastClr="000000"/>
+                </a:solidFill>
+              </a:rPr>
+              <a:t>Get</a:t>
+            </a:r>
+            <a:r>
+              <a:rPr lang="pt-BR" sz="1200" dirty="0" smtClean="0">
+                <a:solidFill>
+                  <a:sysClr val="windowText" lastClr="000000"/>
+                </a:solidFill>
+              </a:rPr>
+              <a:t> facies </a:t>
+            </a:r>
+            <a:r>
+              <a:rPr lang="pt-BR" sz="1200" dirty="0" err="1" smtClean="0">
+                <a:solidFill>
+                  <a:sysClr val="windowText" lastClr="000000"/>
+                </a:solidFill>
+              </a:rPr>
+              <a:t>probabilities</a:t>
+            </a:r>
+            <a:r>
+              <a:rPr lang="pt-BR" sz="1200" dirty="0" smtClean="0">
+                <a:solidFill>
+                  <a:sysClr val="windowText" lastClr="000000"/>
+                </a:solidFill>
+              </a:rPr>
+              <a:t> </a:t>
+            </a:r>
+            <a:r>
+              <a:rPr lang="pt-BR" sz="1200" dirty="0" err="1" smtClean="0">
+                <a:solidFill>
+                  <a:sysClr val="windowText" lastClr="000000"/>
+                </a:solidFill>
+              </a:rPr>
+              <a:t>from</a:t>
+            </a:r>
+            <a:r>
+              <a:rPr lang="pt-BR" sz="1200" dirty="0" smtClean="0">
+                <a:solidFill>
+                  <a:sysClr val="windowText" lastClr="000000"/>
+                </a:solidFill>
+              </a:rPr>
+              <a:t> PDF</a:t>
+            </a:r>
+            <a:endParaRPr lang="pt-BR" sz="1200" dirty="0">
+              <a:solidFill>
+                <a:sysClr val="windowText" lastClr="000000"/>
+              </a:solidFill>
+            </a:endParaRPr>
+          </a:p>
+        </p:txBody>
+      </p:sp>
+      <p:cxnSp>
+        <p:nvCxnSpPr>
+          <p:cNvPr id="22" name="Conector de Seta Reta 21"/>
+          <p:cNvCxnSpPr>
+            <a:stCxn id="4" idx="1"/>
+            <a:endCxn id="20" idx="3"/>
+          </p:cNvCxnSpPr>
+          <p:nvPr/>
+        </p:nvCxnSpPr>
+        <p:spPr>
+          <a:xfrm flipH="1">
+            <a:off x="7703828" y="2623300"/>
+            <a:ext cx="392788" cy="0"/>
+          </a:xfrm>
+          <a:prstGeom prst="straightConnector1">
+            <a:avLst/>
+          </a:prstGeom>
+          <a:ln>
+            <a:tailEnd type="triangle"/>
+          </a:ln>
+        </p:spPr>
+        <p:style>
+          <a:lnRef idx="1">
+            <a:schemeClr val="accent1"/>
+          </a:lnRef>
+          <a:fillRef idx="0">
+            <a:schemeClr val="accent1"/>
+          </a:fillRef>
+          <a:effectRef idx="0">
+            <a:schemeClr val="accent1"/>
+          </a:effectRef>
+          <a:fontRef idx="minor">
+            <a:schemeClr val="tx1"/>
+          </a:fontRef>
+        </p:style>
+      </p:cxnSp>
+      <p:cxnSp>
+        <p:nvCxnSpPr>
+          <p:cNvPr id="26" name="Conector Angulado 25"/>
+          <p:cNvCxnSpPr>
+            <a:stCxn id="8" idx="3"/>
+            <a:endCxn id="20" idx="0"/>
+          </p:cNvCxnSpPr>
+          <p:nvPr/>
+        </p:nvCxnSpPr>
+        <p:spPr>
+          <a:xfrm>
+            <a:off x="5848003" y="1525385"/>
+            <a:ext cx="1124305" cy="682279"/>
+          </a:xfrm>
+          <a:prstGeom prst="bentConnector2">
+            <a:avLst/>
+          </a:prstGeom>
+          <a:ln>
+            <a:tailEnd type="triangle"/>
+          </a:ln>
+        </p:spPr>
+        <p:style>
+          <a:lnRef idx="1">
+            <a:schemeClr val="accent1"/>
+          </a:lnRef>
+          <a:fillRef idx="0">
+            <a:schemeClr val="accent1"/>
+          </a:fillRef>
+          <a:effectRef idx="0">
+            <a:schemeClr val="accent1"/>
+          </a:effectRef>
+          <a:fontRef idx="minor">
+            <a:schemeClr val="tx1"/>
+          </a:fontRef>
+        </p:style>
+      </p:cxnSp>
+      <p:sp>
+        <p:nvSpPr>
+          <p:cNvPr id="27" name="CaixaDeTexto 26"/>
+          <p:cNvSpPr txBox="1"/>
+          <p:nvPr/>
+        </p:nvSpPr>
+        <p:spPr>
+          <a:xfrm>
+            <a:off x="5779693" y="1265430"/>
+            <a:ext cx="346570" cy="276999"/>
+          </a:xfrm>
+          <a:prstGeom prst="rect">
+            <a:avLst/>
+          </a:prstGeom>
+          <a:noFill/>
+        </p:spPr>
+        <p:txBody>
+          <a:bodyPr wrap="none" rtlCol="0">
+            <a:spAutoFit/>
+          </a:bodyPr>
+          <a:lstStyle/>
+          <a:p>
+            <a:r>
+              <a:rPr lang="pt-BR" sz="1200" dirty="0" smtClean="0"/>
+              <a:t>no</a:t>
+            </a:r>
+            <a:endParaRPr lang="pt-BR" sz="1200" dirty="0"/>
+          </a:p>
+        </p:txBody>
+      </p:sp>
+      <p:sp>
+        <p:nvSpPr>
+          <p:cNvPr id="28" name="Retângulo 27"/>
+          <p:cNvSpPr/>
+          <p:nvPr/>
+        </p:nvSpPr>
+        <p:spPr>
+          <a:xfrm>
+            <a:off x="5258327" y="3563276"/>
+            <a:ext cx="1463040" cy="412117"/>
+          </a:xfrm>
+          <a:prstGeom prst="rect">
+            <a:avLst/>
+          </a:prstGeom>
+          <a:solidFill>
+            <a:schemeClr val="accent4">
+              <a:lumMod val="20000"/>
+              <a:lumOff val="80000"/>
+            </a:schemeClr>
+          </a:solidFill>
+        </p:spPr>
+        <p:style>
+          <a:lnRef idx="2">
+            <a:schemeClr val="accent1">
+              <a:shade val="50000"/>
+            </a:schemeClr>
+          </a:lnRef>
+          <a:fillRef idx="1">
+            <a:schemeClr val="accent1"/>
+          </a:fillRef>
+          <a:effectRef idx="0">
+            <a:schemeClr val="accent1"/>
+          </a:effectRef>
+          <a:fontRef idx="minor">
+            <a:schemeClr val="lt1"/>
+          </a:fontRef>
+        </p:style>
+        <p:txBody>
+          <a:bodyPr rtlCol="0" anchor="ctr"/>
+          <a:lstStyle/>
+          <a:p>
+            <a:pPr algn="ctr"/>
+            <a:r>
+              <a:rPr lang="pt-BR" sz="1200" dirty="0" smtClean="0">
+                <a:solidFill>
+                  <a:sysClr val="windowText" lastClr="000000"/>
+                </a:solidFill>
+              </a:rPr>
+              <a:t>Draw facies</a:t>
+            </a:r>
+            <a:endParaRPr lang="pt-BR" sz="1200" dirty="0">
+              <a:solidFill>
+                <a:sysClr val="windowText" lastClr="000000"/>
+              </a:solidFill>
+            </a:endParaRPr>
+          </a:p>
+        </p:txBody>
+      </p:sp>
+      <p:cxnSp>
+        <p:nvCxnSpPr>
+          <p:cNvPr id="29" name="Conector Angulado 28"/>
+          <p:cNvCxnSpPr>
+            <a:stCxn id="16" idx="2"/>
+            <a:endCxn id="28" idx="0"/>
+          </p:cNvCxnSpPr>
+          <p:nvPr/>
+        </p:nvCxnSpPr>
+        <p:spPr>
+          <a:xfrm rot="16200000" flipH="1">
+            <a:off x="5170460" y="2743889"/>
+            <a:ext cx="524340" cy="1114434"/>
+          </a:xfrm>
+          <a:prstGeom prst="bentConnector3">
+            <a:avLst>
+              <a:gd name="adj1" fmla="val 50000"/>
+            </a:avLst>
+          </a:prstGeom>
+          <a:ln>
+            <a:tailEnd type="triangle"/>
+          </a:ln>
+        </p:spPr>
+        <p:style>
+          <a:lnRef idx="1">
+            <a:schemeClr val="accent1"/>
+          </a:lnRef>
+          <a:fillRef idx="0">
+            <a:schemeClr val="accent1"/>
+          </a:fillRef>
+          <a:effectRef idx="0">
+            <a:schemeClr val="accent1"/>
+          </a:effectRef>
+          <a:fontRef idx="minor">
+            <a:schemeClr val="tx1"/>
+          </a:fontRef>
+        </p:style>
+      </p:cxnSp>
+      <p:cxnSp>
+        <p:nvCxnSpPr>
+          <p:cNvPr id="32" name="Conector Angulado 31"/>
+          <p:cNvCxnSpPr>
+            <a:stCxn id="20" idx="2"/>
+            <a:endCxn id="28" idx="0"/>
+          </p:cNvCxnSpPr>
+          <p:nvPr/>
+        </p:nvCxnSpPr>
+        <p:spPr>
+          <a:xfrm rot="5400000">
+            <a:off x="6218908" y="2809876"/>
+            <a:ext cx="524340" cy="982461"/>
+          </a:xfrm>
+          <a:prstGeom prst="bentConnector3">
+            <a:avLst>
+              <a:gd name="adj1" fmla="val 50000"/>
+            </a:avLst>
+          </a:prstGeom>
+          <a:ln>
+            <a:tailEnd type="triangle"/>
+          </a:ln>
+        </p:spPr>
+        <p:style>
+          <a:lnRef idx="1">
+            <a:schemeClr val="accent1"/>
+          </a:lnRef>
+          <a:fillRef idx="0">
+            <a:schemeClr val="accent1"/>
+          </a:fillRef>
+          <a:effectRef idx="0">
+            <a:schemeClr val="accent1"/>
+          </a:effectRef>
+          <a:fontRef idx="minor">
+            <a:schemeClr val="tx1"/>
+          </a:fontRef>
+        </p:style>
+      </p:cxnSp>
+      <p:sp>
+        <p:nvSpPr>
+          <p:cNvPr id="35" name="Retângulo 34"/>
+          <p:cNvSpPr/>
+          <p:nvPr/>
+        </p:nvSpPr>
+        <p:spPr>
+          <a:xfrm>
+            <a:off x="5258327" y="4216464"/>
+            <a:ext cx="1463040" cy="388790"/>
+          </a:xfrm>
+          <a:prstGeom prst="rect">
+            <a:avLst/>
+          </a:prstGeom>
+          <a:solidFill>
+            <a:schemeClr val="accent4">
+              <a:lumMod val="20000"/>
+              <a:lumOff val="80000"/>
+            </a:schemeClr>
+          </a:solidFill>
+        </p:spPr>
+        <p:style>
+          <a:lnRef idx="2">
+            <a:schemeClr val="accent1">
+              <a:shade val="50000"/>
+            </a:schemeClr>
+          </a:lnRef>
+          <a:fillRef idx="1">
+            <a:schemeClr val="accent1"/>
+          </a:fillRef>
+          <a:effectRef idx="0">
+            <a:schemeClr val="accent1"/>
+          </a:effectRef>
+          <a:fontRef idx="minor">
+            <a:schemeClr val="lt1"/>
+          </a:fontRef>
+        </p:style>
+        <p:txBody>
+          <a:bodyPr rtlCol="0" anchor="ctr"/>
+          <a:lstStyle/>
+          <a:p>
+            <a:pPr algn="ctr"/>
+            <a:r>
+              <a:rPr lang="pt-BR" sz="1200" dirty="0" smtClean="0">
+                <a:solidFill>
+                  <a:sysClr val="windowText" lastClr="000000"/>
+                </a:solidFill>
+              </a:rPr>
+              <a:t>Draw </a:t>
+            </a:r>
+            <a:r>
+              <a:rPr lang="pt-BR" sz="1200" dirty="0" err="1" smtClean="0">
+                <a:solidFill>
+                  <a:sysClr val="windowText" lastClr="000000"/>
+                </a:solidFill>
+              </a:rPr>
+              <a:t>thickness</a:t>
+            </a:r>
+            <a:endParaRPr lang="pt-BR" sz="1200" dirty="0">
+              <a:solidFill>
+                <a:sysClr val="windowText" lastClr="000000"/>
+              </a:solidFill>
+            </a:endParaRPr>
+          </a:p>
+        </p:txBody>
+      </p:sp>
+      <p:pic>
+        <p:nvPicPr>
+          <p:cNvPr id="36" name="Imagem 35"/>
+          <p:cNvPicPr>
+            <a:picLocks noChangeAspect="1"/>
+          </p:cNvPicPr>
+          <p:nvPr/>
+        </p:nvPicPr>
+        <p:blipFill>
+          <a:blip r:embed="rId4">
+            <a:extLst>
+              <a:ext uri="{28A0092B-C50C-407E-A947-70E740481C1C}">
+                <a14:useLocalDpi xmlns:a14="http://schemas.microsoft.com/office/drawing/2010/main" val="0"/>
+              </a:ext>
+            </a:extLst>
+          </a:blip>
+          <a:stretch>
+            <a:fillRect/>
+          </a:stretch>
+        </p:blipFill>
+        <p:spPr>
+          <a:xfrm>
+            <a:off x="7219214" y="4105196"/>
+            <a:ext cx="604919" cy="604919"/>
+          </a:xfrm>
+          <a:prstGeom prst="rect">
+            <a:avLst/>
+          </a:prstGeom>
+        </p:spPr>
+      </p:pic>
+      <p:cxnSp>
+        <p:nvCxnSpPr>
+          <p:cNvPr id="37" name="Conector de Seta Reta 36"/>
+          <p:cNvCxnSpPr>
+            <a:stCxn id="36" idx="1"/>
+            <a:endCxn id="35" idx="3"/>
+          </p:cNvCxnSpPr>
+          <p:nvPr/>
+        </p:nvCxnSpPr>
+        <p:spPr>
+          <a:xfrm flipH="1">
+            <a:off x="6721367" y="4407656"/>
+            <a:ext cx="497847" cy="3203"/>
+          </a:xfrm>
+          <a:prstGeom prst="straightConnector1">
+            <a:avLst/>
+          </a:prstGeom>
+          <a:ln>
+            <a:tailEnd type="triangle"/>
+          </a:ln>
+        </p:spPr>
+        <p:style>
+          <a:lnRef idx="1">
+            <a:schemeClr val="accent1"/>
+          </a:lnRef>
+          <a:fillRef idx="0">
+            <a:schemeClr val="accent1"/>
+          </a:fillRef>
+          <a:effectRef idx="0">
+            <a:schemeClr val="accent1"/>
+          </a:effectRef>
+          <a:fontRef idx="minor">
+            <a:schemeClr val="tx1"/>
+          </a:fontRef>
+        </p:style>
+      </p:cxnSp>
+      <p:cxnSp>
+        <p:nvCxnSpPr>
+          <p:cNvPr id="41" name="Conector de Seta Reta 40"/>
+          <p:cNvCxnSpPr>
+            <a:stCxn id="28" idx="2"/>
+            <a:endCxn id="35" idx="0"/>
+          </p:cNvCxnSpPr>
+          <p:nvPr/>
+        </p:nvCxnSpPr>
+        <p:spPr>
+          <a:xfrm>
+            <a:off x="5989847" y="3975393"/>
+            <a:ext cx="0" cy="241071"/>
+          </a:xfrm>
+          <a:prstGeom prst="straightConnector1">
+            <a:avLst/>
+          </a:prstGeom>
+          <a:ln>
+            <a:tailEnd type="triangle"/>
+          </a:ln>
+        </p:spPr>
+        <p:style>
+          <a:lnRef idx="1">
+            <a:schemeClr val="accent1"/>
+          </a:lnRef>
+          <a:fillRef idx="0">
+            <a:schemeClr val="accent1"/>
+          </a:fillRef>
+          <a:effectRef idx="0">
+            <a:schemeClr val="accent1"/>
+          </a:effectRef>
+          <a:fontRef idx="minor">
+            <a:schemeClr val="tx1"/>
+          </a:fontRef>
+        </p:style>
+      </p:cxnSp>
+      <p:sp>
+        <p:nvSpPr>
+          <p:cNvPr id="44" name="CaixaDeTexto 43"/>
+          <p:cNvSpPr txBox="1"/>
+          <p:nvPr/>
+        </p:nvSpPr>
+        <p:spPr>
+          <a:xfrm>
+            <a:off x="7891909" y="4176822"/>
+            <a:ext cx="1712200" cy="461665"/>
+          </a:xfrm>
+          <a:prstGeom prst="rect">
+            <a:avLst/>
+          </a:prstGeom>
+          <a:noFill/>
+        </p:spPr>
+        <p:txBody>
+          <a:bodyPr wrap="none" rtlCol="0">
+            <a:spAutoFit/>
+          </a:bodyPr>
+          <a:lstStyle/>
+          <a:p>
+            <a:r>
+              <a:rPr lang="pt-BR" sz="1200" dirty="0" err="1" smtClean="0"/>
+              <a:t>Thickness</a:t>
+            </a:r>
+            <a:r>
+              <a:rPr lang="pt-BR" sz="1200" dirty="0" smtClean="0"/>
+              <a:t> </a:t>
+            </a:r>
+            <a:r>
+              <a:rPr lang="pt-BR" sz="1200" dirty="0" err="1" smtClean="0"/>
+              <a:t>distribution</a:t>
+            </a:r>
+            <a:r>
+              <a:rPr lang="pt-BR" sz="1200" dirty="0" smtClean="0"/>
+              <a:t> of</a:t>
+            </a:r>
+          </a:p>
+          <a:p>
+            <a:r>
+              <a:rPr lang="pt-BR" sz="1200" dirty="0" err="1" smtClean="0"/>
+              <a:t>the</a:t>
+            </a:r>
+            <a:r>
+              <a:rPr lang="pt-BR" sz="1200" dirty="0" smtClean="0"/>
+              <a:t> </a:t>
+            </a:r>
+            <a:r>
+              <a:rPr lang="pt-BR" sz="1200" dirty="0" err="1" smtClean="0"/>
+              <a:t>drawn</a:t>
+            </a:r>
+            <a:r>
+              <a:rPr lang="pt-BR" sz="1200" dirty="0" smtClean="0"/>
+              <a:t> facies</a:t>
+            </a:r>
+            <a:endParaRPr lang="pt-BR" sz="1200" dirty="0"/>
+          </a:p>
+        </p:txBody>
+      </p:sp>
+      <p:sp>
+        <p:nvSpPr>
+          <p:cNvPr id="54" name="Retângulo 53"/>
+          <p:cNvSpPr/>
+          <p:nvPr/>
+        </p:nvSpPr>
+        <p:spPr>
+          <a:xfrm>
+            <a:off x="5258327" y="4831586"/>
+            <a:ext cx="1463040" cy="589591"/>
+          </a:xfrm>
+          <a:prstGeom prst="rect">
+            <a:avLst/>
+          </a:prstGeom>
+          <a:solidFill>
+            <a:schemeClr val="accent4">
+              <a:lumMod val="20000"/>
+              <a:lumOff val="80000"/>
+            </a:schemeClr>
+          </a:solidFill>
+        </p:spPr>
+        <p:style>
+          <a:lnRef idx="2">
+            <a:schemeClr val="accent1">
+              <a:shade val="50000"/>
+            </a:schemeClr>
+          </a:lnRef>
+          <a:fillRef idx="1">
+            <a:schemeClr val="accent1"/>
+          </a:fillRef>
+          <a:effectRef idx="0">
+            <a:schemeClr val="accent1"/>
+          </a:effectRef>
+          <a:fontRef idx="minor">
+            <a:schemeClr val="lt1"/>
+          </a:fontRef>
+        </p:style>
+        <p:txBody>
+          <a:bodyPr rtlCol="0" anchor="ctr"/>
+          <a:lstStyle/>
+          <a:p>
+            <a:pPr algn="ctr"/>
+            <a:r>
+              <a:rPr lang="pt-BR" sz="1100" dirty="0" smtClean="0">
+                <a:solidFill>
+                  <a:sysClr val="windowText" lastClr="000000"/>
+                </a:solidFill>
+              </a:rPr>
+              <a:t>Impute </a:t>
+            </a:r>
+            <a:r>
+              <a:rPr lang="pt-BR" sz="1100" dirty="0" err="1" smtClean="0">
+                <a:solidFill>
+                  <a:sysClr val="windowText" lastClr="000000"/>
+                </a:solidFill>
+              </a:rPr>
+              <a:t>drawn</a:t>
+            </a:r>
+            <a:r>
+              <a:rPr lang="pt-BR" sz="1100" dirty="0" smtClean="0">
+                <a:solidFill>
+                  <a:sysClr val="windowText" lastClr="000000"/>
+                </a:solidFill>
+              </a:rPr>
+              <a:t> facies </a:t>
+            </a:r>
+            <a:r>
+              <a:rPr lang="pt-BR" sz="1100" dirty="0" err="1" smtClean="0">
+                <a:solidFill>
+                  <a:sysClr val="windowText" lastClr="000000"/>
+                </a:solidFill>
+              </a:rPr>
+              <a:t>along</a:t>
+            </a:r>
+            <a:r>
+              <a:rPr lang="pt-BR" sz="1100" dirty="0" smtClean="0">
+                <a:solidFill>
+                  <a:sysClr val="windowText" lastClr="000000"/>
+                </a:solidFill>
+              </a:rPr>
+              <a:t> </a:t>
+            </a:r>
+            <a:r>
+              <a:rPr lang="pt-BR" sz="1100" dirty="0" err="1" smtClean="0">
+                <a:solidFill>
+                  <a:sysClr val="windowText" lastClr="000000"/>
+                </a:solidFill>
+              </a:rPr>
+              <a:t>drawn</a:t>
+            </a:r>
+            <a:r>
+              <a:rPr lang="pt-BR" sz="1100" dirty="0" smtClean="0">
+                <a:solidFill>
+                  <a:sysClr val="windowText" lastClr="000000"/>
+                </a:solidFill>
+              </a:rPr>
+              <a:t> </a:t>
+            </a:r>
+            <a:r>
+              <a:rPr lang="pt-BR" sz="1100" dirty="0" err="1" smtClean="0">
+                <a:solidFill>
+                  <a:sysClr val="windowText" lastClr="000000"/>
+                </a:solidFill>
+              </a:rPr>
+              <a:t>thicness</a:t>
+            </a:r>
+            <a:endParaRPr lang="pt-BR" sz="1100" dirty="0">
+              <a:solidFill>
+                <a:sysClr val="windowText" lastClr="000000"/>
+              </a:solidFill>
+            </a:endParaRPr>
+          </a:p>
+        </p:txBody>
+      </p:sp>
+      <p:cxnSp>
+        <p:nvCxnSpPr>
+          <p:cNvPr id="55" name="Conector de Seta Reta 54"/>
+          <p:cNvCxnSpPr>
+            <a:stCxn id="35" idx="2"/>
+            <a:endCxn id="54" idx="0"/>
+          </p:cNvCxnSpPr>
+          <p:nvPr/>
+        </p:nvCxnSpPr>
+        <p:spPr>
+          <a:xfrm>
+            <a:off x="5989847" y="4605254"/>
+            <a:ext cx="0" cy="226332"/>
+          </a:xfrm>
+          <a:prstGeom prst="straightConnector1">
+            <a:avLst/>
+          </a:prstGeom>
+          <a:ln>
+            <a:tailEnd type="triangle"/>
+          </a:ln>
+        </p:spPr>
+        <p:style>
+          <a:lnRef idx="1">
+            <a:schemeClr val="accent1"/>
+          </a:lnRef>
+          <a:fillRef idx="0">
+            <a:schemeClr val="accent1"/>
+          </a:fillRef>
+          <a:effectRef idx="0">
+            <a:schemeClr val="accent1"/>
+          </a:effectRef>
+          <a:fontRef idx="minor">
+            <a:schemeClr val="tx1"/>
+          </a:fontRef>
+        </p:style>
+      </p:cxnSp>
+      <p:sp>
+        <p:nvSpPr>
+          <p:cNvPr id="59" name="Fluxograma: Decisão 58"/>
+          <p:cNvSpPr/>
+          <p:nvPr/>
+        </p:nvSpPr>
+        <p:spPr>
+          <a:xfrm>
+            <a:off x="5017257" y="5577506"/>
+            <a:ext cx="1945179" cy="656705"/>
+          </a:xfrm>
+          <a:prstGeom prst="flowChartDecision">
+            <a:avLst/>
+          </a:prstGeom>
+          <a:solidFill>
+            <a:schemeClr val="accent4">
+              <a:lumMod val="20000"/>
+              <a:lumOff val="80000"/>
+            </a:schemeClr>
+          </a:solidFill>
+        </p:spPr>
+        <p:style>
+          <a:lnRef idx="2">
+            <a:schemeClr val="accent1">
+              <a:shade val="50000"/>
+            </a:schemeClr>
+          </a:lnRef>
+          <a:fillRef idx="1">
+            <a:schemeClr val="accent1"/>
+          </a:fillRef>
+          <a:effectRef idx="0">
+            <a:schemeClr val="accent1"/>
+          </a:effectRef>
+          <a:fontRef idx="minor">
+            <a:schemeClr val="lt1"/>
+          </a:fontRef>
+        </p:style>
+        <p:txBody>
+          <a:bodyPr rtlCol="0" anchor="ctr"/>
+          <a:lstStyle/>
+          <a:p>
+            <a:pPr algn="ctr"/>
+            <a:r>
+              <a:rPr lang="pt-BR" sz="1050" dirty="0" err="1" smtClean="0">
+                <a:solidFill>
+                  <a:sysClr val="windowText" lastClr="000000"/>
+                </a:solidFill>
+              </a:rPr>
+              <a:t>Is</a:t>
+            </a:r>
+            <a:r>
+              <a:rPr lang="pt-BR" sz="1050" dirty="0" smtClean="0">
+                <a:solidFill>
+                  <a:sysClr val="windowText" lastClr="000000"/>
+                </a:solidFill>
+              </a:rPr>
+              <a:t> </a:t>
+            </a:r>
+            <a:r>
+              <a:rPr lang="pt-BR" sz="1050" dirty="0" err="1" smtClean="0">
+                <a:solidFill>
+                  <a:sysClr val="windowText" lastClr="000000"/>
+                </a:solidFill>
+              </a:rPr>
+              <a:t>there</a:t>
+            </a:r>
+            <a:r>
+              <a:rPr lang="pt-BR" sz="1050" dirty="0" smtClean="0">
+                <a:solidFill>
+                  <a:sysClr val="windowText" lastClr="000000"/>
+                </a:solidFill>
+              </a:rPr>
+              <a:t> still </a:t>
+            </a:r>
+            <a:r>
+              <a:rPr lang="pt-BR" sz="1050" dirty="0" err="1" smtClean="0">
+                <a:solidFill>
+                  <a:sysClr val="windowText" lastClr="000000"/>
+                </a:solidFill>
+              </a:rPr>
+              <a:t>uninformed</a:t>
+            </a:r>
+            <a:r>
+              <a:rPr lang="pt-BR" sz="1050" dirty="0" smtClean="0">
+                <a:solidFill>
+                  <a:sysClr val="windowText" lastClr="000000"/>
+                </a:solidFill>
+              </a:rPr>
+              <a:t> </a:t>
+            </a:r>
+            <a:r>
+              <a:rPr lang="pt-BR" sz="1050" dirty="0" err="1" smtClean="0">
+                <a:solidFill>
+                  <a:sysClr val="windowText" lastClr="000000"/>
+                </a:solidFill>
+              </a:rPr>
+              <a:t>thickness</a:t>
+            </a:r>
+            <a:r>
+              <a:rPr lang="pt-BR" sz="1050" dirty="0" smtClean="0">
+                <a:solidFill>
+                  <a:sysClr val="windowText" lastClr="000000"/>
+                </a:solidFill>
+              </a:rPr>
+              <a:t>?</a:t>
+            </a:r>
+            <a:endParaRPr lang="pt-BR" sz="1050" dirty="0">
+              <a:solidFill>
+                <a:sysClr val="windowText" lastClr="000000"/>
+              </a:solidFill>
+            </a:endParaRPr>
+          </a:p>
+        </p:txBody>
+      </p:sp>
+      <p:cxnSp>
+        <p:nvCxnSpPr>
+          <p:cNvPr id="60" name="Conector de Seta Reta 59"/>
+          <p:cNvCxnSpPr>
+            <a:stCxn id="54" idx="2"/>
+            <a:endCxn id="59" idx="0"/>
+          </p:cNvCxnSpPr>
+          <p:nvPr/>
+        </p:nvCxnSpPr>
+        <p:spPr>
+          <a:xfrm>
+            <a:off x="5989847" y="5421177"/>
+            <a:ext cx="0" cy="156329"/>
+          </a:xfrm>
+          <a:prstGeom prst="straightConnector1">
+            <a:avLst/>
+          </a:prstGeom>
+          <a:ln>
+            <a:tailEnd type="triangle"/>
+          </a:ln>
+        </p:spPr>
+        <p:style>
+          <a:lnRef idx="1">
+            <a:schemeClr val="accent1"/>
+          </a:lnRef>
+          <a:fillRef idx="0">
+            <a:schemeClr val="accent1"/>
+          </a:fillRef>
+          <a:effectRef idx="0">
+            <a:schemeClr val="accent1"/>
+          </a:effectRef>
+          <a:fontRef idx="minor">
+            <a:schemeClr val="tx1"/>
+          </a:fontRef>
+        </p:style>
+      </p:cxnSp>
+      <p:cxnSp>
+        <p:nvCxnSpPr>
+          <p:cNvPr id="64" name="Conector Angulado 63"/>
+          <p:cNvCxnSpPr>
+            <a:stCxn id="59" idx="1"/>
+            <a:endCxn id="8" idx="1"/>
+          </p:cNvCxnSpPr>
+          <p:nvPr/>
+        </p:nvCxnSpPr>
+        <p:spPr>
+          <a:xfrm rot="10800000">
+            <a:off x="3902825" y="1525385"/>
+            <a:ext cx="1114433" cy="4380474"/>
+          </a:xfrm>
+          <a:prstGeom prst="bentConnector3">
+            <a:avLst>
+              <a:gd name="adj1" fmla="val 210769"/>
+            </a:avLst>
+          </a:prstGeom>
+          <a:ln>
+            <a:tailEnd type="triangle"/>
+          </a:ln>
+        </p:spPr>
+        <p:style>
+          <a:lnRef idx="1">
+            <a:schemeClr val="accent1"/>
+          </a:lnRef>
+          <a:fillRef idx="0">
+            <a:schemeClr val="accent1"/>
+          </a:fillRef>
+          <a:effectRef idx="0">
+            <a:schemeClr val="accent1"/>
+          </a:effectRef>
+          <a:fontRef idx="minor">
+            <a:schemeClr val="tx1"/>
+          </a:fontRef>
+        </p:style>
+      </p:cxnSp>
+      <p:sp>
+        <p:nvSpPr>
+          <p:cNvPr id="68" name="CaixaDeTexto 67"/>
+          <p:cNvSpPr txBox="1"/>
+          <p:nvPr/>
+        </p:nvSpPr>
+        <p:spPr>
+          <a:xfrm>
+            <a:off x="4705678" y="5654537"/>
+            <a:ext cx="389594" cy="276999"/>
+          </a:xfrm>
+          <a:prstGeom prst="rect">
+            <a:avLst/>
+          </a:prstGeom>
+          <a:noFill/>
+        </p:spPr>
+        <p:txBody>
+          <a:bodyPr wrap="none" rtlCol="0">
+            <a:spAutoFit/>
+          </a:bodyPr>
+          <a:lstStyle/>
+          <a:p>
+            <a:r>
+              <a:rPr lang="pt-BR" sz="1200" dirty="0" err="1" smtClean="0"/>
+              <a:t>yes</a:t>
+            </a:r>
+            <a:endParaRPr lang="pt-BR" sz="1200" dirty="0"/>
+          </a:p>
+        </p:txBody>
+      </p:sp>
+      <p:sp>
+        <p:nvSpPr>
+          <p:cNvPr id="69" name="Fluxograma: Terminação 68"/>
+          <p:cNvSpPr/>
+          <p:nvPr/>
+        </p:nvSpPr>
+        <p:spPr>
+          <a:xfrm>
+            <a:off x="7785700" y="5777075"/>
+            <a:ext cx="1088967" cy="274320"/>
+          </a:xfrm>
+          <a:prstGeom prst="flowChartTerminator">
+            <a:avLst/>
+          </a:prstGeom>
+          <a:solidFill>
+            <a:schemeClr val="accent4">
+              <a:lumMod val="20000"/>
+              <a:lumOff val="80000"/>
+            </a:schemeClr>
+          </a:solidFill>
+        </p:spPr>
+        <p:style>
+          <a:lnRef idx="2">
+            <a:schemeClr val="accent1">
+              <a:shade val="50000"/>
+            </a:schemeClr>
+          </a:lnRef>
+          <a:fillRef idx="1">
+            <a:schemeClr val="accent1"/>
+          </a:fillRef>
+          <a:effectRef idx="0">
+            <a:schemeClr val="accent1"/>
+          </a:effectRef>
+          <a:fontRef idx="minor">
+            <a:schemeClr val="lt1"/>
+          </a:fontRef>
+        </p:style>
+        <p:txBody>
+          <a:bodyPr rtlCol="0" anchor="ctr"/>
+          <a:lstStyle/>
+          <a:p>
+            <a:pPr algn="ctr"/>
+            <a:r>
+              <a:rPr lang="pt-BR" dirty="0" err="1" smtClean="0">
+                <a:solidFill>
+                  <a:sysClr val="windowText" lastClr="000000"/>
+                </a:solidFill>
+              </a:rPr>
+              <a:t>end</a:t>
+            </a:r>
+            <a:endParaRPr lang="pt-BR" dirty="0">
+              <a:solidFill>
+                <a:sysClr val="windowText" lastClr="000000"/>
+              </a:solidFill>
+            </a:endParaRPr>
+          </a:p>
+        </p:txBody>
+      </p:sp>
+      <p:cxnSp>
+        <p:nvCxnSpPr>
+          <p:cNvPr id="70" name="Conector de Seta Reta 69"/>
+          <p:cNvCxnSpPr>
+            <a:stCxn id="59" idx="3"/>
+            <a:endCxn id="69" idx="1"/>
+          </p:cNvCxnSpPr>
+          <p:nvPr/>
+        </p:nvCxnSpPr>
+        <p:spPr>
+          <a:xfrm>
+            <a:off x="6962436" y="5905859"/>
+            <a:ext cx="823264" cy="8376"/>
+          </a:xfrm>
+          <a:prstGeom prst="straightConnector1">
+            <a:avLst/>
+          </a:prstGeom>
+          <a:ln>
+            <a:tailEnd type="triangle"/>
+          </a:ln>
+        </p:spPr>
+        <p:style>
+          <a:lnRef idx="1">
+            <a:schemeClr val="accent1"/>
+          </a:lnRef>
+          <a:fillRef idx="0">
+            <a:schemeClr val="accent1"/>
+          </a:fillRef>
+          <a:effectRef idx="0">
+            <a:schemeClr val="accent1"/>
+          </a:effectRef>
+          <a:fontRef idx="minor">
+            <a:schemeClr val="tx1"/>
+          </a:fontRef>
+        </p:style>
+      </p:cxnSp>
+      <p:sp>
+        <p:nvSpPr>
+          <p:cNvPr id="73" name="CaixaDeTexto 72"/>
+          <p:cNvSpPr txBox="1"/>
+          <p:nvPr/>
+        </p:nvSpPr>
+        <p:spPr>
+          <a:xfrm>
+            <a:off x="6853707" y="5654537"/>
+            <a:ext cx="346570" cy="276999"/>
+          </a:xfrm>
+          <a:prstGeom prst="rect">
+            <a:avLst/>
+          </a:prstGeom>
+          <a:noFill/>
+        </p:spPr>
+        <p:txBody>
+          <a:bodyPr wrap="none" rtlCol="0">
+            <a:spAutoFit/>
+          </a:bodyPr>
+          <a:lstStyle/>
+          <a:p>
+            <a:r>
+              <a:rPr lang="pt-BR" sz="1200" dirty="0" smtClean="0"/>
+              <a:t>no</a:t>
+            </a:r>
+            <a:endParaRPr lang="pt-BR" sz="1200" dirty="0"/>
+          </a:p>
+        </p:txBody>
+      </p:sp>
     </p:spTree>
     <p:extLst>
       <p:ext uri="{BB962C8B-B14F-4D97-AF65-F5344CB8AC3E}">
-        <p14:creationId xmlns:p14="http://schemas.microsoft.com/office/powerpoint/2010/main" val="1185194394"/>
+        <p14:creationId xmlns:p14="http://schemas.microsoft.com/office/powerpoint/2010/main" val="2208198324"/>
       </p:ext>
     </p:extLst>
   </p:cSld>
@@ -23014,28 +24520,22 @@
       </p:grpSpPr>
       <p:pic>
         <p:nvPicPr>
-          <p:cNvPr id="4" name="Imagem 3"/>
+          <p:cNvPr id="2" name="Imagem 1"/>
           <p:cNvPicPr>
             <a:picLocks noChangeAspect="1"/>
           </p:cNvPicPr>
           <p:nvPr/>
         </p:nvPicPr>
         <p:blipFill>
-          <a:blip r:embed="rId2">
-            <a:extLst>
-              <a:ext uri="{28A0092B-C50C-407E-A947-70E740481C1C}">
-                <a14:useLocalDpi xmlns:a14="http://schemas.microsoft.com/office/drawing/2010/main" val="0"/>
-              </a:ext>
-            </a:extLst>
-          </a:blip>
+          <a:blip r:embed="rId2"/>
           <a:stretch>
             <a:fillRect/>
           </a:stretch>
         </p:blipFill>
         <p:spPr>
           <a:xfrm>
-            <a:off x="8096616" y="2308119"/>
-            <a:ext cx="630362" cy="630362"/>
+            <a:off x="2446985" y="603438"/>
+            <a:ext cx="6656096" cy="5465529"/>
           </a:xfrm>
           <a:prstGeom prst="rect">
             <a:avLst/>
@@ -23044,24 +24544,174 @@
       </p:pic>
       <p:sp>
         <p:nvSpPr>
-          <p:cNvPr id="6" name="Fluxograma: Terminação 5"/>
+          <p:cNvPr id="33" name="CaixaDeTexto 32"/>
+          <p:cNvSpPr txBox="1"/>
+          <p:nvPr/>
+        </p:nvSpPr>
+        <p:spPr>
+          <a:xfrm rot="15716607">
+            <a:off x="2926463" y="3052867"/>
+            <a:ext cx="1181862" cy="307777"/>
+          </a:xfrm>
+          <a:prstGeom prst="rect">
+            <a:avLst/>
+          </a:prstGeom>
+          <a:noFill/>
+        </p:spPr>
+        <p:txBody>
+          <a:bodyPr wrap="none" rtlCol="0">
+            <a:spAutoFit/>
+          </a:bodyPr>
+          <a:lstStyle/>
+          <a:p>
+            <a:r>
+              <a:rPr lang="pt-BR" sz="1400" dirty="0" smtClean="0"/>
+              <a:t>grid </a:t>
+            </a:r>
+            <a:r>
+              <a:rPr lang="pt-BR" sz="1400" dirty="0" err="1" smtClean="0"/>
+              <a:t>column</a:t>
+            </a:r>
+            <a:r>
+              <a:rPr lang="pt-BR" sz="1400" dirty="0" smtClean="0"/>
+              <a:t> 0</a:t>
+            </a:r>
+            <a:endParaRPr lang="pt-BR" sz="1400" dirty="0"/>
+          </a:p>
+        </p:txBody>
+      </p:sp>
+      <p:sp>
+        <p:nvSpPr>
+          <p:cNvPr id="34" name="CaixaDeTexto 33"/>
+          <p:cNvSpPr txBox="1"/>
+          <p:nvPr/>
+        </p:nvSpPr>
+        <p:spPr>
+          <a:xfrm rot="16200000">
+            <a:off x="6320046" y="1973188"/>
+            <a:ext cx="1181862" cy="307777"/>
+          </a:xfrm>
+          <a:prstGeom prst="rect">
+            <a:avLst/>
+          </a:prstGeom>
+          <a:noFill/>
+        </p:spPr>
+        <p:txBody>
+          <a:bodyPr wrap="none" rtlCol="0">
+            <a:spAutoFit/>
+          </a:bodyPr>
+          <a:lstStyle/>
+          <a:p>
+            <a:r>
+              <a:rPr lang="pt-BR" sz="1400" dirty="0" smtClean="0"/>
+              <a:t>grid </a:t>
+            </a:r>
+            <a:r>
+              <a:rPr lang="pt-BR" sz="1400" dirty="0" err="1" smtClean="0"/>
+              <a:t>column</a:t>
+            </a:r>
+            <a:r>
+              <a:rPr lang="pt-BR" sz="1400" dirty="0" smtClean="0"/>
+              <a:t> 3</a:t>
+            </a:r>
+            <a:endParaRPr lang="pt-BR" sz="1400" dirty="0"/>
+          </a:p>
+        </p:txBody>
+      </p:sp>
+      <p:sp>
+        <p:nvSpPr>
+          <p:cNvPr id="38" name="CaixaDeTexto 37"/>
+          <p:cNvSpPr txBox="1"/>
+          <p:nvPr/>
+        </p:nvSpPr>
+        <p:spPr>
+          <a:xfrm rot="16200000">
+            <a:off x="7786091" y="2966525"/>
+            <a:ext cx="1181862" cy="307777"/>
+          </a:xfrm>
+          <a:prstGeom prst="rect">
+            <a:avLst/>
+          </a:prstGeom>
+          <a:noFill/>
+        </p:spPr>
+        <p:txBody>
+          <a:bodyPr wrap="none" rtlCol="0">
+            <a:spAutoFit/>
+          </a:bodyPr>
+          <a:lstStyle/>
+          <a:p>
+            <a:r>
+              <a:rPr lang="pt-BR" sz="1400" dirty="0" smtClean="0"/>
+              <a:t>grid </a:t>
+            </a:r>
+            <a:r>
+              <a:rPr lang="pt-BR" sz="1400" dirty="0" err="1" smtClean="0"/>
+              <a:t>column</a:t>
+            </a:r>
+            <a:r>
+              <a:rPr lang="pt-BR" sz="1400" dirty="0" smtClean="0"/>
+              <a:t> 5</a:t>
+            </a:r>
+            <a:endParaRPr lang="pt-BR" sz="1400" dirty="0"/>
+          </a:p>
+        </p:txBody>
+      </p:sp>
+      <p:cxnSp>
+        <p:nvCxnSpPr>
+          <p:cNvPr id="39" name="Conector de seta reta 119"/>
+          <p:cNvCxnSpPr/>
+          <p:nvPr/>
+        </p:nvCxnSpPr>
+        <p:spPr>
+          <a:xfrm flipH="1" flipV="1">
+            <a:off x="3138154" y="4546243"/>
+            <a:ext cx="420708" cy="528033"/>
+          </a:xfrm>
+          <a:prstGeom prst="straightConnector1">
+            <a:avLst/>
+          </a:prstGeom>
+          <a:ln>
+            <a:solidFill>
+              <a:schemeClr val="tx1"/>
+            </a:solidFill>
+            <a:tailEnd type="triangle" w="med" len="lg"/>
+          </a:ln>
+        </p:spPr>
+        <p:style>
+          <a:lnRef idx="1">
+            <a:schemeClr val="accent1"/>
+          </a:lnRef>
+          <a:fillRef idx="0">
+            <a:schemeClr val="accent1"/>
+          </a:fillRef>
+          <a:effectRef idx="0">
+            <a:schemeClr val="accent1"/>
+          </a:effectRef>
+          <a:fontRef idx="minor">
+            <a:schemeClr val="tx1"/>
+          </a:fontRef>
+        </p:style>
+      </p:cxnSp>
+      <p:sp>
+        <p:nvSpPr>
+          <p:cNvPr id="10" name="Elipse 9"/>
           <p:cNvSpPr/>
           <p:nvPr/>
         </p:nvSpPr>
         <p:spPr>
-          <a:xfrm>
-            <a:off x="4330931" y="681643"/>
-            <a:ext cx="1088967" cy="274320"/>
-          </a:xfrm>
-          <a:prstGeom prst="flowChartTerminator">
-            <a:avLst/>
-          </a:prstGeom>
-          <a:solidFill>
-            <a:schemeClr val="accent4">
-              <a:lumMod val="20000"/>
-              <a:lumOff val="80000"/>
-            </a:schemeClr>
-          </a:solidFill>
+          <a:xfrm rot="21171759">
+            <a:off x="2862258" y="2365615"/>
+            <a:ext cx="201699" cy="2176530"/>
+          </a:xfrm>
+          <a:prstGeom prst="ellipse">
+            <a:avLst/>
+          </a:prstGeom>
+          <a:noFill/>
+          <a:ln w="6350">
+            <a:solidFill>
+              <a:schemeClr val="tx1"/>
+            </a:solidFill>
+          </a:ln>
         </p:spPr>
         <p:style>
           <a:lnRef idx="2">
@@ -23084,42 +24734,30 @@
           <a:lstStyle/>
           <a:p>
             <a:pPr algn="ctr"/>
-            <a:r>
-              <a:rPr lang="pt-BR" dirty="0" smtClean="0">
-                <a:solidFill>
-                  <a:sysClr val="windowText" lastClr="000000"/>
-                </a:solidFill>
-              </a:rPr>
-              <a:t>start</a:t>
-            </a:r>
-            <a:endParaRPr lang="pt-BR" dirty="0">
-              <a:solidFill>
-                <a:sysClr val="windowText" lastClr="000000"/>
-              </a:solidFill>
-            </a:endParaRPr>
-          </a:p>
-        </p:txBody>
-      </p:sp>
-      <p:sp>
-        <p:nvSpPr>
-          <p:cNvPr id="8" name="Fluxograma: Decisão 7"/>
+            <a:endParaRPr lang="pt-BR"/>
+          </a:p>
+        </p:txBody>
+      </p:sp>
+      <p:sp>
+        <p:nvSpPr>
+          <p:cNvPr id="42" name="Elipse 41"/>
           <p:cNvSpPr/>
           <p:nvPr/>
         </p:nvSpPr>
         <p:spPr>
           <a:xfrm>
-            <a:off x="3902824" y="1197032"/>
-            <a:ext cx="1945179" cy="656705"/>
-          </a:xfrm>
-          <a:prstGeom prst="flowChartDecision">
-            <a:avLst/>
-          </a:prstGeom>
-          <a:solidFill>
-            <a:schemeClr val="accent4">
-              <a:lumMod val="20000"/>
-              <a:lumOff val="80000"/>
-            </a:schemeClr>
-          </a:solidFill>
+            <a:off x="6487581" y="1411224"/>
+            <a:ext cx="93052" cy="1018032"/>
+          </a:xfrm>
+          <a:prstGeom prst="ellipse">
+            <a:avLst/>
+          </a:prstGeom>
+          <a:noFill/>
+          <a:ln w="6350">
+            <a:solidFill>
+              <a:schemeClr val="tx1"/>
+            </a:solidFill>
+          </a:ln>
         </p:spPr>
         <p:style>
           <a:lnRef idx="2">
@@ -23142,198 +24780,30 @@
           <a:lstStyle/>
           <a:p>
             <a:pPr algn="ctr"/>
-            <a:r>
-              <a:rPr lang="pt-BR" sz="1100" dirty="0" err="1" smtClean="0">
-                <a:solidFill>
-                  <a:sysClr val="windowText" lastClr="000000"/>
-                </a:solidFill>
-              </a:rPr>
-              <a:t>Is</a:t>
-            </a:r>
-            <a:r>
-              <a:rPr lang="pt-BR" sz="1100" dirty="0" smtClean="0">
-                <a:solidFill>
-                  <a:sysClr val="windowText" lastClr="000000"/>
-                </a:solidFill>
-              </a:rPr>
-              <a:t> </a:t>
-            </a:r>
-            <a:r>
-              <a:rPr lang="pt-BR" sz="1100" dirty="0" err="1" smtClean="0">
-                <a:solidFill>
-                  <a:sysClr val="windowText" lastClr="000000"/>
-                </a:solidFill>
-              </a:rPr>
-              <a:t>there</a:t>
-            </a:r>
-            <a:r>
-              <a:rPr lang="pt-BR" sz="1100" dirty="0" smtClean="0">
-                <a:solidFill>
-                  <a:sysClr val="windowText" lastClr="000000"/>
-                </a:solidFill>
-              </a:rPr>
-              <a:t> prior facies?</a:t>
-            </a:r>
-            <a:endParaRPr lang="pt-BR" sz="1100" dirty="0">
-              <a:solidFill>
-                <a:sysClr val="windowText" lastClr="000000"/>
-              </a:solidFill>
-            </a:endParaRPr>
-          </a:p>
-        </p:txBody>
-      </p:sp>
-      <p:pic>
-        <p:nvPicPr>
-          <p:cNvPr id="9" name="Imagem 8"/>
-          <p:cNvPicPr>
-            <a:picLocks noChangeAspect="1"/>
-          </p:cNvPicPr>
-          <p:nvPr/>
-        </p:nvPicPr>
-        <p:blipFill>
-          <a:blip r:embed="rId3">
-            <a:extLst>
-              <a:ext uri="{28A0092B-C50C-407E-A947-70E740481C1C}">
-                <a14:useLocalDpi xmlns:a14="http://schemas.microsoft.com/office/drawing/2010/main" val="0"/>
-              </a:ext>
-            </a:extLst>
-          </a:blip>
-          <a:stretch>
-            <a:fillRect/>
-          </a:stretch>
-        </p:blipFill>
-        <p:spPr>
-          <a:xfrm>
-            <a:off x="3093737" y="2333056"/>
-            <a:ext cx="580488" cy="580488"/>
-          </a:xfrm>
-          <a:prstGeom prst="rect">
-            <a:avLst/>
-          </a:prstGeom>
-        </p:spPr>
-      </p:pic>
-      <p:cxnSp>
-        <p:nvCxnSpPr>
-          <p:cNvPr id="12" name="Conector de Seta Reta 11"/>
-          <p:cNvCxnSpPr>
-            <a:stCxn id="8" idx="2"/>
-            <a:endCxn id="16" idx="0"/>
-          </p:cNvCxnSpPr>
-          <p:nvPr/>
-        </p:nvCxnSpPr>
-        <p:spPr>
-          <a:xfrm flipH="1">
-            <a:off x="4875413" y="1853737"/>
-            <a:ext cx="1" cy="353927"/>
-          </a:xfrm>
-          <a:prstGeom prst="straightConnector1">
-            <a:avLst/>
-          </a:prstGeom>
-          <a:ln>
-            <a:tailEnd type="triangle"/>
+            <a:endParaRPr lang="pt-BR"/>
+          </a:p>
+        </p:txBody>
+      </p:sp>
+      <p:sp>
+        <p:nvSpPr>
+          <p:cNvPr id="43" name="Elipse 42"/>
+          <p:cNvSpPr/>
+          <p:nvPr/>
+        </p:nvSpPr>
+        <p:spPr>
+          <a:xfrm rot="294768">
+            <a:off x="8694947" y="2845966"/>
+            <a:ext cx="138253" cy="975039"/>
+          </a:xfrm>
+          <a:prstGeom prst="ellipse">
+            <a:avLst/>
+          </a:prstGeom>
+          <a:noFill/>
+          <a:ln w="6350">
+            <a:solidFill>
+              <a:schemeClr val="tx1"/>
+            </a:solidFill>
           </a:ln>
-        </p:spPr>
-        <p:style>
-          <a:lnRef idx="1">
-            <a:schemeClr val="accent1"/>
-          </a:lnRef>
-          <a:fillRef idx="0">
-            <a:schemeClr val="accent1"/>
-          </a:fillRef>
-          <a:effectRef idx="0">
-            <a:schemeClr val="accent1"/>
-          </a:effectRef>
-          <a:fontRef idx="minor">
-            <a:schemeClr val="tx1"/>
-          </a:fontRef>
-        </p:style>
-      </p:cxnSp>
-      <p:sp>
-        <p:nvSpPr>
-          <p:cNvPr id="13" name="CaixaDeTexto 12"/>
-          <p:cNvSpPr txBox="1"/>
-          <p:nvPr/>
-        </p:nvSpPr>
-        <p:spPr>
-          <a:xfrm>
-            <a:off x="4875413" y="1774130"/>
-            <a:ext cx="389594" cy="276999"/>
-          </a:xfrm>
-          <a:prstGeom prst="rect">
-            <a:avLst/>
-          </a:prstGeom>
-          <a:noFill/>
-        </p:spPr>
-        <p:txBody>
-          <a:bodyPr wrap="none" rtlCol="0">
-            <a:spAutoFit/>
-          </a:bodyPr>
-          <a:lstStyle/>
-          <a:p>
-            <a:r>
-              <a:rPr lang="pt-BR" sz="1200" dirty="0" err="1" smtClean="0"/>
-              <a:t>yes</a:t>
-            </a:r>
-            <a:endParaRPr lang="pt-BR" sz="1200" dirty="0"/>
-          </a:p>
-        </p:txBody>
-      </p:sp>
-      <p:cxnSp>
-        <p:nvCxnSpPr>
-          <p:cNvPr id="15" name="Conector de Seta Reta 14"/>
-          <p:cNvCxnSpPr>
-            <a:stCxn id="6" idx="2"/>
-            <a:endCxn id="8" idx="0"/>
-          </p:cNvCxnSpPr>
-          <p:nvPr/>
-        </p:nvCxnSpPr>
-        <p:spPr>
-          <a:xfrm flipH="1">
-            <a:off x="4875414" y="955963"/>
-            <a:ext cx="1" cy="241069"/>
-          </a:xfrm>
-          <a:prstGeom prst="straightConnector1">
-            <a:avLst/>
-          </a:prstGeom>
-          <a:ln>
-            <a:tailEnd type="triangle"/>
-          </a:ln>
-        </p:spPr>
-        <p:style>
-          <a:lnRef idx="1">
-            <a:schemeClr val="accent1"/>
-          </a:lnRef>
-          <a:fillRef idx="0">
-            <a:schemeClr val="accent1"/>
-          </a:fillRef>
-          <a:effectRef idx="0">
-            <a:schemeClr val="accent1"/>
-          </a:effectRef>
-          <a:fontRef idx="minor">
-            <a:schemeClr val="tx1"/>
-          </a:fontRef>
-        </p:style>
-      </p:cxnSp>
-      <p:sp>
-        <p:nvSpPr>
-          <p:cNvPr id="16" name="Retângulo 15"/>
-          <p:cNvSpPr/>
-          <p:nvPr/>
-        </p:nvSpPr>
-        <p:spPr>
-          <a:xfrm>
-            <a:off x="4143893" y="2207664"/>
-            <a:ext cx="1463040" cy="831272"/>
-          </a:xfrm>
-          <a:prstGeom prst="rect">
-            <a:avLst/>
-          </a:prstGeom>
-          <a:solidFill>
-            <a:schemeClr val="accent4">
-              <a:lumMod val="20000"/>
-              <a:lumOff val="80000"/>
-            </a:schemeClr>
-          </a:solidFill>
         </p:spPr>
         <p:style>
           <a:lnRef idx="2">
@@ -23356,247 +24826,29 @@
           <a:lstStyle/>
           <a:p>
             <a:pPr algn="ctr"/>
-            <a:r>
-              <a:rPr lang="pt-BR" sz="1200" dirty="0" err="1" smtClean="0">
-                <a:solidFill>
-                  <a:sysClr val="windowText" lastClr="000000"/>
-                </a:solidFill>
-              </a:rPr>
-              <a:t>Get</a:t>
-            </a:r>
-            <a:r>
-              <a:rPr lang="pt-BR" sz="1200" dirty="0" smtClean="0">
-                <a:solidFill>
-                  <a:sysClr val="windowText" lastClr="000000"/>
-                </a:solidFill>
-              </a:rPr>
-              <a:t> </a:t>
-            </a:r>
-            <a:r>
-              <a:rPr lang="pt-BR" sz="1200" dirty="0" err="1" smtClean="0">
-                <a:solidFill>
-                  <a:sysClr val="windowText" lastClr="000000"/>
-                </a:solidFill>
-              </a:rPr>
-              <a:t>transition</a:t>
-            </a:r>
-            <a:r>
-              <a:rPr lang="pt-BR" sz="1200" dirty="0" smtClean="0">
-                <a:solidFill>
-                  <a:sysClr val="windowText" lastClr="000000"/>
-                </a:solidFill>
-              </a:rPr>
-              <a:t> </a:t>
-            </a:r>
-            <a:r>
-              <a:rPr lang="pt-BR" sz="1200" dirty="0" err="1" smtClean="0">
-                <a:solidFill>
-                  <a:sysClr val="windowText" lastClr="000000"/>
-                </a:solidFill>
-              </a:rPr>
-              <a:t>probabilities</a:t>
-            </a:r>
-            <a:r>
-              <a:rPr lang="pt-BR" sz="1200" dirty="0" smtClean="0">
-                <a:solidFill>
-                  <a:sysClr val="windowText" lastClr="000000"/>
-                </a:solidFill>
-              </a:rPr>
-              <a:t> </a:t>
-            </a:r>
-            <a:r>
-              <a:rPr lang="pt-BR" sz="1200" dirty="0" err="1" smtClean="0">
-                <a:solidFill>
-                  <a:sysClr val="windowText" lastClr="000000"/>
-                </a:solidFill>
-              </a:rPr>
-              <a:t>from</a:t>
-            </a:r>
-            <a:r>
-              <a:rPr lang="pt-BR" sz="1200" dirty="0" smtClean="0">
-                <a:solidFill>
-                  <a:sysClr val="windowText" lastClr="000000"/>
-                </a:solidFill>
-              </a:rPr>
-              <a:t> </a:t>
-            </a:r>
-            <a:r>
-              <a:rPr lang="pt-BR" sz="1200" dirty="0" smtClean="0">
-                <a:solidFill>
-                  <a:sysClr val="windowText" lastClr="000000"/>
-                </a:solidFill>
-              </a:rPr>
-              <a:t>FTM</a:t>
-            </a:r>
-            <a:endParaRPr lang="pt-BR" sz="1200" dirty="0">
-              <a:solidFill>
-                <a:sysClr val="windowText" lastClr="000000"/>
-              </a:solidFill>
-            </a:endParaRPr>
+            <a:endParaRPr lang="pt-BR"/>
           </a:p>
         </p:txBody>
       </p:sp>
       <p:cxnSp>
         <p:nvCxnSpPr>
-          <p:cNvPr id="19" name="Conector de Seta Reta 18"/>
-          <p:cNvCxnSpPr>
-            <a:stCxn id="9" idx="3"/>
-            <a:endCxn id="16" idx="1"/>
-          </p:cNvCxnSpPr>
+          <p:cNvPr id="45" name="Conector de seta reta 119"/>
+          <p:cNvCxnSpPr/>
           <p:nvPr/>
         </p:nvCxnSpPr>
         <p:spPr>
-          <a:xfrm>
-            <a:off x="3674225" y="2623300"/>
-            <a:ext cx="469668" cy="0"/>
+          <a:xfrm flipV="1">
+            <a:off x="6518582" y="2475562"/>
+            <a:ext cx="20702" cy="582016"/>
           </a:xfrm>
           <a:prstGeom prst="straightConnector1">
             <a:avLst/>
           </a:prstGeom>
           <a:ln>
-            <a:tailEnd type="triangle"/>
-          </a:ln>
-        </p:spPr>
-        <p:style>
-          <a:lnRef idx="1">
-            <a:schemeClr val="accent1"/>
-          </a:lnRef>
-          <a:fillRef idx="0">
-            <a:schemeClr val="accent1"/>
-          </a:fillRef>
-          <a:effectRef idx="0">
-            <a:schemeClr val="accent1"/>
-          </a:effectRef>
-          <a:fontRef idx="minor">
-            <a:schemeClr val="tx1"/>
-          </a:fontRef>
-        </p:style>
-      </p:cxnSp>
-      <p:sp>
-        <p:nvSpPr>
-          <p:cNvPr id="20" name="Retângulo 19"/>
-          <p:cNvSpPr/>
-          <p:nvPr/>
-        </p:nvSpPr>
-        <p:spPr>
-          <a:xfrm>
-            <a:off x="6240788" y="2207664"/>
-            <a:ext cx="1463040" cy="831272"/>
-          </a:xfrm>
-          <a:prstGeom prst="rect">
-            <a:avLst/>
-          </a:prstGeom>
-          <a:solidFill>
-            <a:schemeClr val="accent4">
-              <a:lumMod val="20000"/>
-              <a:lumOff val="80000"/>
-            </a:schemeClr>
-          </a:solidFill>
-        </p:spPr>
-        <p:style>
-          <a:lnRef idx="2">
-            <a:schemeClr val="accent1">
-              <a:shade val="50000"/>
-            </a:schemeClr>
-          </a:lnRef>
-          <a:fillRef idx="1">
-            <a:schemeClr val="accent1"/>
-          </a:fillRef>
-          <a:effectRef idx="0">
-            <a:schemeClr val="accent1"/>
-          </a:effectRef>
-          <a:fontRef idx="minor">
-            <a:schemeClr val="lt1"/>
-          </a:fontRef>
-        </p:style>
-        <p:txBody>
-          <a:bodyPr rtlCol="0" anchor="ctr"/>
-          <a:lstStyle/>
-          <a:p>
-            <a:pPr algn="ctr"/>
-            <a:r>
-              <a:rPr lang="pt-BR" sz="1200" dirty="0" err="1" smtClean="0">
-                <a:solidFill>
-                  <a:sysClr val="windowText" lastClr="000000"/>
-                </a:solidFill>
-              </a:rPr>
-              <a:t>Get</a:t>
-            </a:r>
-            <a:r>
-              <a:rPr lang="pt-BR" sz="1200" dirty="0" smtClean="0">
-                <a:solidFill>
-                  <a:sysClr val="windowText" lastClr="000000"/>
-                </a:solidFill>
-              </a:rPr>
-              <a:t> facies </a:t>
-            </a:r>
-            <a:r>
-              <a:rPr lang="pt-BR" sz="1200" dirty="0" err="1" smtClean="0">
-                <a:solidFill>
-                  <a:sysClr val="windowText" lastClr="000000"/>
-                </a:solidFill>
-              </a:rPr>
-              <a:t>probabilities</a:t>
-            </a:r>
-            <a:r>
-              <a:rPr lang="pt-BR" sz="1200" dirty="0" smtClean="0">
-                <a:solidFill>
-                  <a:sysClr val="windowText" lastClr="000000"/>
-                </a:solidFill>
-              </a:rPr>
-              <a:t> </a:t>
-            </a:r>
-            <a:r>
-              <a:rPr lang="pt-BR" sz="1200" dirty="0" err="1" smtClean="0">
-                <a:solidFill>
-                  <a:sysClr val="windowText" lastClr="000000"/>
-                </a:solidFill>
-              </a:rPr>
-              <a:t>from</a:t>
-            </a:r>
-            <a:r>
-              <a:rPr lang="pt-BR" sz="1200" dirty="0" smtClean="0">
-                <a:solidFill>
-                  <a:sysClr val="windowText" lastClr="000000"/>
-                </a:solidFill>
-              </a:rPr>
-              <a:t> </a:t>
-            </a:r>
-            <a:r>
-              <a:rPr lang="pt-BR" sz="1200" dirty="0" smtClean="0">
-                <a:solidFill>
-                  <a:sysClr val="windowText" lastClr="000000"/>
-                </a:solidFill>
-              </a:rPr>
-              <a:t>PDF</a:t>
-            </a:r>
-            <a:endParaRPr lang="pt-BR" sz="1200" dirty="0">
-              <a:solidFill>
-                <a:sysClr val="windowText" lastClr="000000"/>
-              </a:solidFill>
-            </a:endParaRPr>
-          </a:p>
-        </p:txBody>
-      </p:sp>
-      <p:cxnSp>
-        <p:nvCxnSpPr>
-          <p:cNvPr id="22" name="Conector de Seta Reta 21"/>
-          <p:cNvCxnSpPr>
-            <a:stCxn id="4" idx="1"/>
-            <a:endCxn id="20" idx="3"/>
-          </p:cNvCxnSpPr>
-          <p:nvPr/>
-        </p:nvCxnSpPr>
-        <p:spPr>
-          <a:xfrm flipH="1">
-            <a:off x="7703828" y="2623300"/>
-            <a:ext cx="392788" cy="0"/>
-          </a:xfrm>
-          <a:prstGeom prst="straightConnector1">
-            <a:avLst/>
-          </a:prstGeom>
-          <a:ln>
-            <a:tailEnd type="triangle"/>
+            <a:solidFill>
+              <a:schemeClr val="tx1"/>
+            </a:solidFill>
+            <a:tailEnd type="triangle" w="med" len="lg"/>
           </a:ln>
         </p:spPr>
         <p:style>
@@ -23616,23 +24868,23 @@
       </p:cxnSp>
       <p:cxnSp>
         <p:nvCxnSpPr>
-          <p:cNvPr id="26" name="Conector Angulado 25"/>
-          <p:cNvCxnSpPr>
-            <a:stCxn id="8" idx="3"/>
-            <a:endCxn id="20" idx="0"/>
-          </p:cNvCxnSpPr>
+          <p:cNvPr id="46" name="Conector de seta reta 119"/>
+          <p:cNvCxnSpPr/>
           <p:nvPr/>
         </p:nvCxnSpPr>
         <p:spPr>
-          <a:xfrm>
-            <a:off x="5848003" y="1525385"/>
-            <a:ext cx="1124305" cy="682279"/>
-          </a:xfrm>
-          <a:prstGeom prst="bentConnector2">
+          <a:xfrm flipV="1">
+            <a:off x="8342475" y="3825134"/>
+            <a:ext cx="376868" cy="487037"/>
+          </a:xfrm>
+          <a:prstGeom prst="straightConnector1">
             <a:avLst/>
           </a:prstGeom>
           <a:ln>
-            <a:tailEnd type="triangle"/>
+            <a:solidFill>
+              <a:schemeClr val="tx1"/>
+            </a:solidFill>
+            <a:tailEnd type="triangle" w="med" len="lg"/>
           </a:ln>
         </p:spPr>
         <p:style>
@@ -23652,14 +24904,14 @@
       </p:cxnSp>
       <p:sp>
         <p:nvSpPr>
-          <p:cNvPr id="27" name="CaixaDeTexto 26"/>
+          <p:cNvPr id="47" name="CaixaDeTexto 46"/>
           <p:cNvSpPr txBox="1"/>
           <p:nvPr/>
         </p:nvSpPr>
         <p:spPr>
           <a:xfrm>
-            <a:off x="5779693" y="1265430"/>
-            <a:ext cx="346570" cy="276999"/>
+            <a:off x="3475146" y="5002381"/>
+            <a:ext cx="1209305" cy="307777"/>
           </a:xfrm>
           <a:prstGeom prst="rect">
             <a:avLst/>
@@ -23673,92 +24925,124 @@
           <a:lstStyle/>
           <a:p>
             <a:r>
-              <a:rPr lang="pt-BR" sz="1200" dirty="0" smtClean="0"/>
-              <a:t>no</a:t>
-            </a:r>
-            <a:endParaRPr lang="pt-BR" sz="1200" dirty="0"/>
-          </a:p>
-        </p:txBody>
-      </p:sp>
-      <p:sp>
-        <p:nvSpPr>
-          <p:cNvPr id="28" name="Retângulo 27"/>
-          <p:cNvSpPr/>
-          <p:nvPr/>
-        </p:nvSpPr>
-        <p:spPr>
-          <a:xfrm>
-            <a:off x="5258327" y="3563276"/>
-            <a:ext cx="1463040" cy="412117"/>
+              <a:rPr lang="pt-BR" sz="1400" dirty="0" smtClean="0"/>
+              <a:t>1</a:t>
+            </a:r>
+            <a:r>
+              <a:rPr lang="pt-BR" sz="1400" baseline="30000" dirty="0" smtClean="0"/>
+              <a:t>st</a:t>
+            </a:r>
+            <a:r>
+              <a:rPr lang="pt-BR" sz="1400" dirty="0" smtClean="0"/>
+              <a:t> XY </a:t>
+            </a:r>
+            <a:r>
+              <a:rPr lang="pt-BR" sz="1400" dirty="0" err="1" smtClean="0"/>
+              <a:t>location</a:t>
+            </a:r>
+            <a:endParaRPr lang="pt-BR" sz="1400" dirty="0"/>
+          </a:p>
+        </p:txBody>
+      </p:sp>
+      <p:sp>
+        <p:nvSpPr>
+          <p:cNvPr id="48" name="CaixaDeTexto 47"/>
+          <p:cNvSpPr txBox="1"/>
+          <p:nvPr/>
+        </p:nvSpPr>
+        <p:spPr>
+          <a:xfrm>
+            <a:off x="5886876" y="3025708"/>
+            <a:ext cx="1249125" cy="307777"/>
           </a:xfrm>
           <a:prstGeom prst="rect">
             <a:avLst/>
           </a:prstGeom>
-          <a:solidFill>
-            <a:schemeClr val="accent4">
-              <a:lumMod val="20000"/>
-              <a:lumOff val="80000"/>
-            </a:schemeClr>
-          </a:solidFill>
-        </p:spPr>
-        <p:style>
-          <a:lnRef idx="2">
-            <a:schemeClr val="accent1">
-              <a:shade val="50000"/>
-            </a:schemeClr>
-          </a:lnRef>
-          <a:fillRef idx="1">
-            <a:schemeClr val="accent1"/>
-          </a:fillRef>
-          <a:effectRef idx="0">
-            <a:schemeClr val="accent1"/>
-          </a:effectRef>
-          <a:fontRef idx="minor">
-            <a:schemeClr val="lt1"/>
-          </a:fontRef>
-        </p:style>
-        <p:txBody>
-          <a:bodyPr rtlCol="0" anchor="ctr"/>
-          <a:lstStyle/>
-          <a:p>
-            <a:pPr algn="ctr"/>
-            <a:r>
-              <a:rPr lang="pt-BR" sz="1200" dirty="0" smtClean="0">
-                <a:solidFill>
-                  <a:sysClr val="windowText" lastClr="000000"/>
-                </a:solidFill>
-              </a:rPr>
-              <a:t>Draw facies</a:t>
-            </a:r>
-            <a:endParaRPr lang="pt-BR" sz="1200" dirty="0">
-              <a:solidFill>
-                <a:sysClr val="windowText" lastClr="000000"/>
-              </a:solidFill>
-            </a:endParaRPr>
+          <a:noFill/>
+        </p:spPr>
+        <p:txBody>
+          <a:bodyPr wrap="none" rtlCol="0">
+            <a:spAutoFit/>
+          </a:bodyPr>
+          <a:lstStyle/>
+          <a:p>
+            <a:r>
+              <a:rPr lang="pt-BR" sz="1400" dirty="0" smtClean="0"/>
+              <a:t>2</a:t>
+            </a:r>
+            <a:r>
+              <a:rPr lang="pt-BR" sz="1400" baseline="30000" dirty="0" smtClean="0"/>
+              <a:t>nd</a:t>
+            </a:r>
+            <a:r>
+              <a:rPr lang="pt-BR" sz="1400" dirty="0" smtClean="0"/>
+              <a:t> XY </a:t>
+            </a:r>
+            <a:r>
+              <a:rPr lang="pt-BR" sz="1400" dirty="0" err="1" smtClean="0"/>
+              <a:t>location</a:t>
+            </a:r>
+            <a:endParaRPr lang="pt-BR" sz="1400" dirty="0"/>
+          </a:p>
+        </p:txBody>
+      </p:sp>
+      <p:sp>
+        <p:nvSpPr>
+          <p:cNvPr id="49" name="CaixaDeTexto 48"/>
+          <p:cNvSpPr txBox="1"/>
+          <p:nvPr/>
+        </p:nvSpPr>
+        <p:spPr>
+          <a:xfrm>
+            <a:off x="7498234" y="4238466"/>
+            <a:ext cx="1324080" cy="307777"/>
+          </a:xfrm>
+          <a:prstGeom prst="rect">
+            <a:avLst/>
+          </a:prstGeom>
+          <a:noFill/>
+        </p:spPr>
+        <p:txBody>
+          <a:bodyPr wrap="none" rtlCol="0">
+            <a:spAutoFit/>
+          </a:bodyPr>
+          <a:lstStyle/>
+          <a:p>
+            <a:r>
+              <a:rPr lang="pt-BR" sz="1400" dirty="0" err="1" smtClean="0"/>
+              <a:t>Last</a:t>
+            </a:r>
+            <a:r>
+              <a:rPr lang="pt-BR" sz="1400" dirty="0" smtClean="0"/>
+              <a:t> XY </a:t>
+            </a:r>
+            <a:r>
+              <a:rPr lang="pt-BR" sz="1400" dirty="0" err="1" smtClean="0"/>
+              <a:t>location</a:t>
+            </a:r>
+            <a:endParaRPr lang="pt-BR" sz="1400" dirty="0"/>
           </a:p>
         </p:txBody>
       </p:sp>
       <p:cxnSp>
         <p:nvCxnSpPr>
-          <p:cNvPr id="29" name="Conector Angulado 28"/>
-          <p:cNvCxnSpPr>
-            <a:stCxn id="16" idx="2"/>
-            <a:endCxn id="28" idx="0"/>
-          </p:cNvCxnSpPr>
+          <p:cNvPr id="50" name="Conector de seta reta 119"/>
+          <p:cNvCxnSpPr/>
           <p:nvPr/>
         </p:nvCxnSpPr>
         <p:spPr>
-          <a:xfrm rot="16200000" flipH="1">
-            <a:off x="5170460" y="2743889"/>
-            <a:ext cx="524340" cy="1114434"/>
-          </a:xfrm>
-          <a:prstGeom prst="bentConnector3">
-            <a:avLst>
-              <a:gd name="adj1" fmla="val 50000"/>
-            </a:avLst>
+          <a:xfrm flipH="1">
+            <a:off x="2837903" y="2266950"/>
+            <a:ext cx="220934" cy="262596"/>
+          </a:xfrm>
+          <a:prstGeom prst="straightConnector1">
+            <a:avLst/>
           </a:prstGeom>
           <a:ln>
-            <a:tailEnd type="triangle"/>
+            <a:solidFill>
+              <a:schemeClr val="tx1"/>
+            </a:solidFill>
+            <a:tailEnd type="triangle" w="med" len="lg"/>
           </a:ln>
         </p:spPr>
         <p:style>
@@ -23778,25 +25062,23 @@
       </p:cxnSp>
       <p:cxnSp>
         <p:nvCxnSpPr>
-          <p:cNvPr id="32" name="Conector Angulado 31"/>
-          <p:cNvCxnSpPr>
-            <a:stCxn id="20" idx="2"/>
-            <a:endCxn id="28" idx="0"/>
-          </p:cNvCxnSpPr>
+          <p:cNvPr id="52" name="Conector de seta reta 119"/>
+          <p:cNvCxnSpPr/>
           <p:nvPr/>
         </p:nvCxnSpPr>
         <p:spPr>
-          <a:xfrm rot="5400000">
-            <a:off x="6218908" y="2809876"/>
-            <a:ext cx="524340" cy="982461"/>
-          </a:xfrm>
-          <a:prstGeom prst="bentConnector3">
-            <a:avLst>
-              <a:gd name="adj1" fmla="val 50000"/>
-            </a:avLst>
+          <a:xfrm flipH="1">
+            <a:off x="3055134" y="4367662"/>
+            <a:ext cx="335766" cy="33901"/>
+          </a:xfrm>
+          <a:prstGeom prst="straightConnector1">
+            <a:avLst/>
           </a:prstGeom>
           <a:ln>
-            <a:tailEnd type="triangle"/>
+            <a:solidFill>
+              <a:schemeClr val="tx1"/>
+            </a:solidFill>
+            <a:tailEnd type="triangle" w="med" len="lg"/>
           </a:ln>
         </p:spPr>
         <p:style>
@@ -23816,182 +25098,14 @@
       </p:cxnSp>
       <p:sp>
         <p:nvSpPr>
-          <p:cNvPr id="35" name="Retângulo 34"/>
-          <p:cNvSpPr/>
-          <p:nvPr/>
-        </p:nvSpPr>
-        <p:spPr>
-          <a:xfrm>
-            <a:off x="5258327" y="4216464"/>
-            <a:ext cx="1463040" cy="388790"/>
-          </a:xfrm>
-          <a:prstGeom prst="rect">
-            <a:avLst/>
-          </a:prstGeom>
-          <a:solidFill>
-            <a:schemeClr val="accent4">
-              <a:lumMod val="20000"/>
-              <a:lumOff val="80000"/>
-            </a:schemeClr>
-          </a:solidFill>
-        </p:spPr>
-        <p:style>
-          <a:lnRef idx="2">
-            <a:schemeClr val="accent1">
-              <a:shade val="50000"/>
-            </a:schemeClr>
-          </a:lnRef>
-          <a:fillRef idx="1">
-            <a:schemeClr val="accent1"/>
-          </a:fillRef>
-          <a:effectRef idx="0">
-            <a:schemeClr val="accent1"/>
-          </a:effectRef>
-          <a:fontRef idx="minor">
-            <a:schemeClr val="lt1"/>
-          </a:fontRef>
-        </p:style>
-        <p:txBody>
-          <a:bodyPr rtlCol="0" anchor="ctr"/>
-          <a:lstStyle/>
-          <a:p>
-            <a:pPr algn="ctr"/>
-            <a:r>
-              <a:rPr lang="pt-BR" sz="1200" dirty="0" smtClean="0">
-                <a:solidFill>
-                  <a:sysClr val="windowText" lastClr="000000"/>
-                </a:solidFill>
-              </a:rPr>
-              <a:t>Draw </a:t>
-            </a:r>
-            <a:r>
-              <a:rPr lang="pt-BR" sz="1200" dirty="0" err="1" smtClean="0">
-                <a:solidFill>
-                  <a:sysClr val="windowText" lastClr="000000"/>
-                </a:solidFill>
-              </a:rPr>
-              <a:t>thickness</a:t>
-            </a:r>
-            <a:endParaRPr lang="pt-BR" sz="1200" dirty="0">
-              <a:solidFill>
-                <a:sysClr val="windowText" lastClr="000000"/>
-              </a:solidFill>
-            </a:endParaRPr>
-          </a:p>
-        </p:txBody>
-      </p:sp>
-      <p:pic>
-        <p:nvPicPr>
-          <p:cNvPr id="36" name="Imagem 35"/>
-          <p:cNvPicPr>
-            <a:picLocks noChangeAspect="1"/>
-          </p:cNvPicPr>
-          <p:nvPr/>
-        </p:nvPicPr>
-        <p:blipFill>
-          <a:blip r:embed="rId4">
-            <a:extLst>
-              <a:ext uri="{28A0092B-C50C-407E-A947-70E740481C1C}">
-                <a14:useLocalDpi xmlns:a14="http://schemas.microsoft.com/office/drawing/2010/main" val="0"/>
-              </a:ext>
-            </a:extLst>
-          </a:blip>
-          <a:stretch>
-            <a:fillRect/>
-          </a:stretch>
-        </p:blipFill>
-        <p:spPr>
-          <a:xfrm>
-            <a:off x="7219214" y="4105196"/>
-            <a:ext cx="604919" cy="604919"/>
-          </a:xfrm>
-          <a:prstGeom prst="rect">
-            <a:avLst/>
-          </a:prstGeom>
-        </p:spPr>
-      </p:pic>
-      <p:cxnSp>
-        <p:nvCxnSpPr>
-          <p:cNvPr id="37" name="Conector de Seta Reta 36"/>
-          <p:cNvCxnSpPr>
-            <a:stCxn id="36" idx="1"/>
-            <a:endCxn id="35" idx="3"/>
-          </p:cNvCxnSpPr>
-          <p:nvPr/>
-        </p:nvCxnSpPr>
-        <p:spPr>
-          <a:xfrm flipH="1">
-            <a:off x="6721367" y="4407656"/>
-            <a:ext cx="497847" cy="3203"/>
-          </a:xfrm>
-          <a:prstGeom prst="straightConnector1">
-            <a:avLst/>
-          </a:prstGeom>
-          <a:ln>
-            <a:tailEnd type="triangle"/>
-          </a:ln>
-        </p:spPr>
-        <p:style>
-          <a:lnRef idx="1">
-            <a:schemeClr val="accent1"/>
-          </a:lnRef>
-          <a:fillRef idx="0">
-            <a:schemeClr val="accent1"/>
-          </a:fillRef>
-          <a:effectRef idx="0">
-            <a:schemeClr val="accent1"/>
-          </a:effectRef>
-          <a:fontRef idx="minor">
-            <a:schemeClr val="tx1"/>
-          </a:fontRef>
-        </p:style>
-      </p:cxnSp>
-      <p:cxnSp>
-        <p:nvCxnSpPr>
-          <p:cNvPr id="41" name="Conector de Seta Reta 40"/>
-          <p:cNvCxnSpPr>
-            <a:stCxn id="28" idx="2"/>
-            <a:endCxn id="35" idx="0"/>
-          </p:cNvCxnSpPr>
-          <p:nvPr/>
-        </p:nvCxnSpPr>
-        <p:spPr>
-          <a:xfrm>
-            <a:off x="5989847" y="3975393"/>
-            <a:ext cx="0" cy="241071"/>
-          </a:xfrm>
-          <a:prstGeom prst="straightConnector1">
-            <a:avLst/>
-          </a:prstGeom>
-          <a:ln>
-            <a:tailEnd type="triangle"/>
-          </a:ln>
-        </p:spPr>
-        <p:style>
-          <a:lnRef idx="1">
-            <a:schemeClr val="accent1"/>
-          </a:lnRef>
-          <a:fillRef idx="0">
-            <a:schemeClr val="accent1"/>
-          </a:fillRef>
-          <a:effectRef idx="0">
-            <a:schemeClr val="accent1"/>
-          </a:effectRef>
-          <a:fontRef idx="minor">
-            <a:schemeClr val="tx1"/>
-          </a:fontRef>
-        </p:style>
-      </p:cxnSp>
-      <p:sp>
-        <p:nvSpPr>
-          <p:cNvPr id="44" name="CaixaDeTexto 43"/>
+          <p:cNvPr id="56" name="CaixaDeTexto 55"/>
           <p:cNvSpPr txBox="1"/>
           <p:nvPr/>
         </p:nvSpPr>
         <p:spPr>
           <a:xfrm>
-            <a:off x="7891909" y="4176822"/>
-            <a:ext cx="1712200" cy="461665"/>
+            <a:off x="3005604" y="2003228"/>
+            <a:ext cx="1392048" cy="307777"/>
           </a:xfrm>
           <a:prstGeom prst="rect">
             <a:avLst/>
@@ -24005,391 +25119,35 @@
           <a:lstStyle/>
           <a:p>
             <a:r>
-              <a:rPr lang="pt-BR" sz="1200" dirty="0" err="1" smtClean="0"/>
-              <a:t>Thickness</a:t>
-            </a:r>
-            <a:r>
-              <a:rPr lang="pt-BR" sz="1200" dirty="0" smtClean="0"/>
+              <a:rPr lang="pt-BR" sz="1400" dirty="0" smtClean="0"/>
+              <a:t>Z1 of 1</a:t>
+            </a:r>
+            <a:r>
+              <a:rPr lang="pt-BR" sz="1400" baseline="30000" dirty="0" smtClean="0"/>
+              <a:t>st</a:t>
+            </a:r>
+            <a:r>
+              <a:rPr lang="pt-BR" sz="1400" dirty="0" smtClean="0"/>
               <a:t> </a:t>
             </a:r>
             <a:r>
-              <a:rPr lang="pt-BR" sz="1200" dirty="0" err="1" smtClean="0"/>
-              <a:t>distribution</a:t>
-            </a:r>
-            <a:r>
-              <a:rPr lang="pt-BR" sz="1200" dirty="0" smtClean="0"/>
-              <a:t> of</a:t>
-            </a:r>
-          </a:p>
-          <a:p>
-            <a:r>
-              <a:rPr lang="pt-BR" sz="1200" dirty="0" err="1" smtClean="0"/>
-              <a:t>the</a:t>
-            </a:r>
-            <a:r>
-              <a:rPr lang="pt-BR" sz="1200" dirty="0" smtClean="0"/>
-              <a:t> </a:t>
-            </a:r>
-            <a:r>
-              <a:rPr lang="pt-BR" sz="1200" dirty="0" err="1" smtClean="0"/>
-              <a:t>drawn</a:t>
-            </a:r>
-            <a:r>
-              <a:rPr lang="pt-BR" sz="1200" dirty="0" smtClean="0"/>
-              <a:t> facies</a:t>
-            </a:r>
-            <a:endParaRPr lang="pt-BR" sz="1200" dirty="0"/>
-          </a:p>
-        </p:txBody>
-      </p:sp>
-      <p:sp>
-        <p:nvSpPr>
-          <p:cNvPr id="54" name="Retângulo 53"/>
-          <p:cNvSpPr/>
-          <p:nvPr/>
-        </p:nvSpPr>
-        <p:spPr>
-          <a:xfrm>
-            <a:off x="5258327" y="4831586"/>
-            <a:ext cx="1463040" cy="589591"/>
-          </a:xfrm>
-          <a:prstGeom prst="rect">
-            <a:avLst/>
-          </a:prstGeom>
-          <a:solidFill>
-            <a:schemeClr val="accent4">
-              <a:lumMod val="20000"/>
-              <a:lumOff val="80000"/>
-            </a:schemeClr>
-          </a:solidFill>
-        </p:spPr>
-        <p:style>
-          <a:lnRef idx="2">
-            <a:schemeClr val="accent1">
-              <a:shade val="50000"/>
-            </a:schemeClr>
-          </a:lnRef>
-          <a:fillRef idx="1">
-            <a:schemeClr val="accent1"/>
-          </a:fillRef>
-          <a:effectRef idx="0">
-            <a:schemeClr val="accent1"/>
-          </a:effectRef>
-          <a:fontRef idx="minor">
-            <a:schemeClr val="lt1"/>
-          </a:fontRef>
-        </p:style>
-        <p:txBody>
-          <a:bodyPr rtlCol="0" anchor="ctr"/>
-          <a:lstStyle/>
-          <a:p>
-            <a:pPr algn="ctr"/>
-            <a:r>
-              <a:rPr lang="pt-BR" sz="1100" dirty="0" smtClean="0">
-                <a:solidFill>
-                  <a:sysClr val="windowText" lastClr="000000"/>
-                </a:solidFill>
-              </a:rPr>
-              <a:t>Impute </a:t>
-            </a:r>
-            <a:r>
-              <a:rPr lang="pt-BR" sz="1100" dirty="0" err="1" smtClean="0">
-                <a:solidFill>
-                  <a:sysClr val="windowText" lastClr="000000"/>
-                </a:solidFill>
-              </a:rPr>
-              <a:t>drawn</a:t>
-            </a:r>
-            <a:r>
-              <a:rPr lang="pt-BR" sz="1100" dirty="0" smtClean="0">
-                <a:solidFill>
-                  <a:sysClr val="windowText" lastClr="000000"/>
-                </a:solidFill>
-              </a:rPr>
-              <a:t> facies </a:t>
-            </a:r>
-            <a:r>
-              <a:rPr lang="pt-BR" sz="1100" dirty="0" err="1" smtClean="0">
-                <a:solidFill>
-                  <a:sysClr val="windowText" lastClr="000000"/>
-                </a:solidFill>
-              </a:rPr>
-              <a:t>along</a:t>
-            </a:r>
-            <a:r>
-              <a:rPr lang="pt-BR" sz="1100" dirty="0" smtClean="0">
-                <a:solidFill>
-                  <a:sysClr val="windowText" lastClr="000000"/>
-                </a:solidFill>
-              </a:rPr>
-              <a:t> </a:t>
-            </a:r>
-            <a:r>
-              <a:rPr lang="pt-BR" sz="1100" dirty="0" err="1" smtClean="0">
-                <a:solidFill>
-                  <a:sysClr val="windowText" lastClr="000000"/>
-                </a:solidFill>
-              </a:rPr>
-              <a:t>drawn</a:t>
-            </a:r>
-            <a:r>
-              <a:rPr lang="pt-BR" sz="1100" dirty="0" smtClean="0">
-                <a:solidFill>
-                  <a:sysClr val="windowText" lastClr="000000"/>
-                </a:solidFill>
-              </a:rPr>
-              <a:t> </a:t>
-            </a:r>
-            <a:r>
-              <a:rPr lang="pt-BR" sz="1100" dirty="0" err="1" smtClean="0">
-                <a:solidFill>
-                  <a:sysClr val="windowText" lastClr="000000"/>
-                </a:solidFill>
-              </a:rPr>
-              <a:t>thicness</a:t>
-            </a:r>
-            <a:endParaRPr lang="pt-BR" sz="1100" dirty="0">
-              <a:solidFill>
-                <a:sysClr val="windowText" lastClr="000000"/>
-              </a:solidFill>
-            </a:endParaRPr>
-          </a:p>
-        </p:txBody>
-      </p:sp>
-      <p:cxnSp>
-        <p:nvCxnSpPr>
-          <p:cNvPr id="55" name="Conector de Seta Reta 54"/>
-          <p:cNvCxnSpPr>
-            <a:stCxn id="35" idx="2"/>
-            <a:endCxn id="54" idx="0"/>
-          </p:cNvCxnSpPr>
-          <p:nvPr/>
-        </p:nvCxnSpPr>
-        <p:spPr>
-          <a:xfrm>
-            <a:off x="5989847" y="4605254"/>
-            <a:ext cx="0" cy="226332"/>
-          </a:xfrm>
-          <a:prstGeom prst="straightConnector1">
-            <a:avLst/>
-          </a:prstGeom>
-          <a:ln>
-            <a:tailEnd type="triangle"/>
-          </a:ln>
-        </p:spPr>
-        <p:style>
-          <a:lnRef idx="1">
-            <a:schemeClr val="accent1"/>
-          </a:lnRef>
-          <a:fillRef idx="0">
-            <a:schemeClr val="accent1"/>
-          </a:fillRef>
-          <a:effectRef idx="0">
-            <a:schemeClr val="accent1"/>
-          </a:effectRef>
-          <a:fontRef idx="minor">
-            <a:schemeClr val="tx1"/>
-          </a:fontRef>
-        </p:style>
-      </p:cxnSp>
-      <p:sp>
-        <p:nvSpPr>
-          <p:cNvPr id="59" name="Fluxograma: Decisão 58"/>
-          <p:cNvSpPr/>
-          <p:nvPr/>
-        </p:nvSpPr>
-        <p:spPr>
-          <a:xfrm>
-            <a:off x="5017257" y="5577506"/>
-            <a:ext cx="1945179" cy="656705"/>
-          </a:xfrm>
-          <a:prstGeom prst="flowChartDecision">
-            <a:avLst/>
-          </a:prstGeom>
-          <a:solidFill>
-            <a:schemeClr val="accent4">
-              <a:lumMod val="20000"/>
-              <a:lumOff val="80000"/>
-            </a:schemeClr>
-          </a:solidFill>
-        </p:spPr>
-        <p:style>
-          <a:lnRef idx="2">
-            <a:schemeClr val="accent1">
-              <a:shade val="50000"/>
-            </a:schemeClr>
-          </a:lnRef>
-          <a:fillRef idx="1">
-            <a:schemeClr val="accent1"/>
-          </a:fillRef>
-          <a:effectRef idx="0">
-            <a:schemeClr val="accent1"/>
-          </a:effectRef>
-          <a:fontRef idx="minor">
-            <a:schemeClr val="lt1"/>
-          </a:fontRef>
-        </p:style>
-        <p:txBody>
-          <a:bodyPr rtlCol="0" anchor="ctr"/>
-          <a:lstStyle/>
-          <a:p>
-            <a:pPr algn="ctr"/>
-            <a:r>
-              <a:rPr lang="pt-BR" sz="1050" dirty="0" err="1" smtClean="0">
-                <a:solidFill>
-                  <a:sysClr val="windowText" lastClr="000000"/>
-                </a:solidFill>
-              </a:rPr>
-              <a:t>Is</a:t>
-            </a:r>
-            <a:r>
-              <a:rPr lang="pt-BR" sz="1050" dirty="0" smtClean="0">
-                <a:solidFill>
-                  <a:sysClr val="windowText" lastClr="000000"/>
-                </a:solidFill>
-              </a:rPr>
-              <a:t> </a:t>
-            </a:r>
-            <a:r>
-              <a:rPr lang="pt-BR" sz="1050" dirty="0" err="1" smtClean="0">
-                <a:solidFill>
-                  <a:sysClr val="windowText" lastClr="000000"/>
-                </a:solidFill>
-              </a:rPr>
-              <a:t>there</a:t>
-            </a:r>
-            <a:r>
-              <a:rPr lang="pt-BR" sz="1050" dirty="0" smtClean="0">
-                <a:solidFill>
-                  <a:sysClr val="windowText" lastClr="000000"/>
-                </a:solidFill>
-              </a:rPr>
-              <a:t> still </a:t>
-            </a:r>
-            <a:r>
-              <a:rPr lang="pt-BR" sz="1050" dirty="0" err="1" smtClean="0">
-                <a:solidFill>
-                  <a:sysClr val="windowText" lastClr="000000"/>
-                </a:solidFill>
-              </a:rPr>
-              <a:t>uninformed</a:t>
-            </a:r>
-            <a:r>
-              <a:rPr lang="pt-BR" sz="1050" dirty="0" smtClean="0">
-                <a:solidFill>
-                  <a:sysClr val="windowText" lastClr="000000"/>
-                </a:solidFill>
-              </a:rPr>
-              <a:t> </a:t>
-            </a:r>
-            <a:r>
-              <a:rPr lang="pt-BR" sz="1050" dirty="0" err="1" smtClean="0">
-                <a:solidFill>
-                  <a:sysClr val="windowText" lastClr="000000"/>
-                </a:solidFill>
-              </a:rPr>
-              <a:t>thickness</a:t>
-            </a:r>
-            <a:r>
-              <a:rPr lang="pt-BR" sz="1050" dirty="0" smtClean="0">
-                <a:solidFill>
-                  <a:sysClr val="windowText" lastClr="000000"/>
-                </a:solidFill>
-              </a:rPr>
-              <a:t>?</a:t>
-            </a:r>
-            <a:endParaRPr lang="pt-BR" sz="1050" dirty="0">
-              <a:solidFill>
-                <a:sysClr val="windowText" lastClr="000000"/>
-              </a:solidFill>
-            </a:endParaRPr>
-          </a:p>
-        </p:txBody>
-      </p:sp>
-      <p:cxnSp>
-        <p:nvCxnSpPr>
-          <p:cNvPr id="60" name="Conector de Seta Reta 59"/>
-          <p:cNvCxnSpPr>
-            <a:stCxn id="54" idx="2"/>
-            <a:endCxn id="59" idx="0"/>
-          </p:cNvCxnSpPr>
-          <p:nvPr/>
-        </p:nvCxnSpPr>
-        <p:spPr>
-          <a:xfrm>
-            <a:off x="5989847" y="5421177"/>
-            <a:ext cx="0" cy="156329"/>
-          </a:xfrm>
-          <a:prstGeom prst="straightConnector1">
-            <a:avLst/>
-          </a:prstGeom>
-          <a:ln>
-            <a:tailEnd type="triangle"/>
-          </a:ln>
-        </p:spPr>
-        <p:style>
-          <a:lnRef idx="1">
-            <a:schemeClr val="accent1"/>
-          </a:lnRef>
-          <a:fillRef idx="0">
-            <a:schemeClr val="accent1"/>
-          </a:fillRef>
-          <a:effectRef idx="0">
-            <a:schemeClr val="accent1"/>
-          </a:effectRef>
-          <a:fontRef idx="minor">
-            <a:schemeClr val="tx1"/>
-          </a:fontRef>
-        </p:style>
-      </p:cxnSp>
-      <p:cxnSp>
-        <p:nvCxnSpPr>
-          <p:cNvPr id="64" name="Conector Angulado 63"/>
-          <p:cNvCxnSpPr>
-            <a:stCxn id="59" idx="1"/>
-            <a:endCxn id="8" idx="1"/>
-          </p:cNvCxnSpPr>
-          <p:nvPr/>
-        </p:nvCxnSpPr>
-        <p:spPr>
-          <a:xfrm rot="10800000">
-            <a:off x="3902825" y="1525385"/>
-            <a:ext cx="1114433" cy="4380474"/>
-          </a:xfrm>
-          <a:prstGeom prst="bentConnector3">
-            <a:avLst>
-              <a:gd name="adj1" fmla="val 210769"/>
-            </a:avLst>
-          </a:prstGeom>
-          <a:ln>
-            <a:tailEnd type="triangle"/>
-          </a:ln>
-        </p:spPr>
-        <p:style>
-          <a:lnRef idx="1">
-            <a:schemeClr val="accent1"/>
-          </a:lnRef>
-          <a:fillRef idx="0">
-            <a:schemeClr val="accent1"/>
-          </a:fillRef>
-          <a:effectRef idx="0">
-            <a:schemeClr val="accent1"/>
-          </a:effectRef>
-          <a:fontRef idx="minor">
-            <a:schemeClr val="tx1"/>
-          </a:fontRef>
-        </p:style>
-      </p:cxnSp>
-      <p:sp>
-        <p:nvSpPr>
-          <p:cNvPr id="68" name="CaixaDeTexto 67"/>
+              <a:rPr lang="pt-BR" sz="1400" dirty="0" err="1" smtClean="0"/>
+              <a:t>location</a:t>
+            </a:r>
+            <a:endParaRPr lang="pt-BR" sz="1400" dirty="0"/>
+          </a:p>
+        </p:txBody>
+      </p:sp>
+      <p:sp>
+        <p:nvSpPr>
+          <p:cNvPr id="57" name="CaixaDeTexto 56"/>
           <p:cNvSpPr txBox="1"/>
           <p:nvPr/>
         </p:nvSpPr>
         <p:spPr>
           <a:xfrm>
-            <a:off x="4705678" y="5654537"/>
-            <a:ext cx="389594" cy="276999"/>
+            <a:off x="3348797" y="4190603"/>
+            <a:ext cx="1392048" cy="307777"/>
           </a:xfrm>
           <a:prstGeom prst="rect">
             <a:avLst/>
@@ -24403,117 +25161,35 @@
           <a:lstStyle/>
           <a:p>
             <a:r>
-              <a:rPr lang="pt-BR" sz="1200" dirty="0" err="1" smtClean="0"/>
-              <a:t>yes</a:t>
-            </a:r>
-            <a:endParaRPr lang="pt-BR" sz="1200" dirty="0"/>
-          </a:p>
-        </p:txBody>
-      </p:sp>
-      <p:sp>
-        <p:nvSpPr>
-          <p:cNvPr id="69" name="Fluxograma: Terminação 68"/>
-          <p:cNvSpPr/>
-          <p:nvPr/>
-        </p:nvSpPr>
-        <p:spPr>
-          <a:xfrm>
-            <a:off x="7785700" y="5777075"/>
-            <a:ext cx="1088967" cy="274320"/>
-          </a:xfrm>
-          <a:prstGeom prst="flowChartTerminator">
-            <a:avLst/>
-          </a:prstGeom>
-          <a:solidFill>
-            <a:schemeClr val="accent4">
-              <a:lumMod val="20000"/>
-              <a:lumOff val="80000"/>
-            </a:schemeClr>
-          </a:solidFill>
-        </p:spPr>
-        <p:style>
-          <a:lnRef idx="2">
-            <a:schemeClr val="accent1">
-              <a:shade val="50000"/>
-            </a:schemeClr>
-          </a:lnRef>
-          <a:fillRef idx="1">
-            <a:schemeClr val="accent1"/>
-          </a:fillRef>
-          <a:effectRef idx="0">
-            <a:schemeClr val="accent1"/>
-          </a:effectRef>
-          <a:fontRef idx="minor">
-            <a:schemeClr val="lt1"/>
-          </a:fontRef>
-        </p:style>
-        <p:txBody>
-          <a:bodyPr rtlCol="0" anchor="ctr"/>
-          <a:lstStyle/>
-          <a:p>
-            <a:pPr algn="ctr"/>
-            <a:r>
-              <a:rPr lang="pt-BR" dirty="0" err="1" smtClean="0">
-                <a:solidFill>
-                  <a:sysClr val="windowText" lastClr="000000"/>
-                </a:solidFill>
-              </a:rPr>
-              <a:t>end</a:t>
-            </a:r>
-            <a:endParaRPr lang="pt-BR" dirty="0">
-              <a:solidFill>
-                <a:sysClr val="windowText" lastClr="000000"/>
-              </a:solidFill>
-            </a:endParaRPr>
-          </a:p>
-        </p:txBody>
-      </p:sp>
-      <p:cxnSp>
-        <p:nvCxnSpPr>
-          <p:cNvPr id="70" name="Conector de Seta Reta 69"/>
-          <p:cNvCxnSpPr>
-            <a:stCxn id="59" idx="3"/>
-            <a:endCxn id="69" idx="1"/>
-          </p:cNvCxnSpPr>
-          <p:nvPr/>
-        </p:nvCxnSpPr>
-        <p:spPr>
-          <a:xfrm>
-            <a:off x="6962436" y="5905859"/>
-            <a:ext cx="823264" cy="8376"/>
-          </a:xfrm>
-          <a:prstGeom prst="straightConnector1">
-            <a:avLst/>
-          </a:prstGeom>
-          <a:ln>
-            <a:tailEnd type="triangle"/>
-          </a:ln>
-        </p:spPr>
-        <p:style>
-          <a:lnRef idx="1">
-            <a:schemeClr val="accent1"/>
-          </a:lnRef>
-          <a:fillRef idx="0">
-            <a:schemeClr val="accent1"/>
-          </a:fillRef>
-          <a:effectRef idx="0">
-            <a:schemeClr val="accent1"/>
-          </a:effectRef>
-          <a:fontRef idx="minor">
-            <a:schemeClr val="tx1"/>
-          </a:fontRef>
-        </p:style>
-      </p:cxnSp>
-      <p:sp>
-        <p:nvSpPr>
-          <p:cNvPr id="73" name="CaixaDeTexto 72"/>
+              <a:rPr lang="pt-BR" sz="1400" dirty="0" smtClean="0"/>
+              <a:t>Z2 of 1</a:t>
+            </a:r>
+            <a:r>
+              <a:rPr lang="pt-BR" sz="1400" baseline="30000" dirty="0" smtClean="0"/>
+              <a:t>st</a:t>
+            </a:r>
+            <a:r>
+              <a:rPr lang="pt-BR" sz="1400" dirty="0" smtClean="0"/>
+              <a:t> </a:t>
+            </a:r>
+            <a:r>
+              <a:rPr lang="pt-BR" sz="1400" dirty="0" err="1" smtClean="0"/>
+              <a:t>location</a:t>
+            </a:r>
+            <a:endParaRPr lang="pt-BR" sz="1400" dirty="0"/>
+          </a:p>
+        </p:txBody>
+      </p:sp>
+      <p:sp>
+        <p:nvSpPr>
+          <p:cNvPr id="58" name="CaixaDeTexto 57"/>
           <p:cNvSpPr txBox="1"/>
           <p:nvPr/>
         </p:nvSpPr>
         <p:spPr>
-          <a:xfrm>
-            <a:off x="6853707" y="5654537"/>
-            <a:ext cx="346570" cy="276999"/>
+          <a:xfrm rot="19985465">
+            <a:off x="3921588" y="2822124"/>
+            <a:ext cx="1829347" cy="307777"/>
           </a:xfrm>
           <a:prstGeom prst="rect">
             <a:avLst/>
@@ -24527,17 +25203,79 @@
           <a:lstStyle/>
           <a:p>
             <a:r>
-              <a:rPr lang="pt-BR" sz="1200" dirty="0" smtClean="0"/>
-              <a:t>no</a:t>
-            </a:r>
-            <a:endParaRPr lang="pt-BR" sz="1200" dirty="0"/>
+              <a:rPr lang="pt-BR" sz="1400" dirty="0" smtClean="0">
+                <a:latin typeface="Wide Latin" panose="020A0A07050505020404" pitchFamily="18" charset="0"/>
+              </a:rPr>
+              <a:t>grid </a:t>
+            </a:r>
+            <a:r>
+              <a:rPr lang="pt-BR" sz="1400" dirty="0" err="1" smtClean="0">
+                <a:latin typeface="Wide Latin" panose="020A0A07050505020404" pitchFamily="18" charset="0"/>
+              </a:rPr>
+              <a:t>slice</a:t>
+            </a:r>
+            <a:r>
+              <a:rPr lang="pt-BR" sz="1400" dirty="0" smtClean="0">
+                <a:latin typeface="Wide Latin" panose="020A0A07050505020404" pitchFamily="18" charset="0"/>
+              </a:rPr>
+              <a:t> 0</a:t>
+            </a:r>
+            <a:endParaRPr lang="pt-BR" sz="1400" dirty="0">
+              <a:latin typeface="Wide Latin" panose="020A0A07050505020404" pitchFamily="18" charset="0"/>
+            </a:endParaRPr>
+          </a:p>
+        </p:txBody>
+      </p:sp>
+      <p:sp>
+        <p:nvSpPr>
+          <p:cNvPr id="61" name="CaixaDeTexto 60"/>
+          <p:cNvSpPr txBox="1"/>
+          <p:nvPr/>
+        </p:nvSpPr>
+        <p:spPr>
+          <a:xfrm rot="20383774">
+            <a:off x="3852860" y="2220100"/>
+            <a:ext cx="1768433" cy="307777"/>
+          </a:xfrm>
+          <a:prstGeom prst="rect">
+            <a:avLst/>
+          </a:prstGeom>
+          <a:noFill/>
+        </p:spPr>
+        <p:txBody>
+          <a:bodyPr wrap="none" rtlCol="0">
+            <a:spAutoFit/>
+          </a:bodyPr>
+          <a:lstStyle/>
+          <a:p>
+            <a:r>
+              <a:rPr lang="pt-BR" sz="1400" dirty="0" smtClean="0">
+                <a:latin typeface="Wide Latin" panose="020A0A07050505020404" pitchFamily="18" charset="0"/>
+              </a:rPr>
+              <a:t>grid </a:t>
+            </a:r>
+            <a:r>
+              <a:rPr lang="pt-BR" sz="1400" dirty="0" err="1" smtClean="0">
+                <a:latin typeface="Wide Latin" panose="020A0A07050505020404" pitchFamily="18" charset="0"/>
+              </a:rPr>
+              <a:t>slice</a:t>
+            </a:r>
+            <a:r>
+              <a:rPr lang="pt-BR" sz="1400" dirty="0" smtClean="0">
+                <a:latin typeface="Wide Latin" panose="020A0A07050505020404" pitchFamily="18" charset="0"/>
+              </a:rPr>
+              <a:t> 1</a:t>
+            </a:r>
+            <a:endParaRPr lang="pt-BR" sz="1400" dirty="0">
+              <a:latin typeface="Wide Latin" panose="020A0A07050505020404" pitchFamily="18" charset="0"/>
+            </a:endParaRPr>
           </a:p>
         </p:txBody>
       </p:sp>
     </p:spTree>
     <p:extLst>
       <p:ext uri="{BB962C8B-B14F-4D97-AF65-F5344CB8AC3E}">
-        <p14:creationId xmlns:p14="http://schemas.microsoft.com/office/powerpoint/2010/main" val="2208198324"/>
+        <p14:creationId xmlns:p14="http://schemas.microsoft.com/office/powerpoint/2010/main" val="3592591357"/>
       </p:ext>
     </p:extLst>
   </p:cSld>

--- a/docs/figures.pptx
+++ b/docs/figures.pptx
@@ -18,22 +18,23 @@
     <p:sldId id="261" r:id="rId12"/>
     <p:sldId id="262" r:id="rId13"/>
     <p:sldId id="263" r:id="rId14"/>
-    <p:sldId id="268" r:id="rId15"/>
-    <p:sldId id="269" r:id="rId16"/>
-    <p:sldId id="270" r:id="rId17"/>
-    <p:sldId id="271" r:id="rId18"/>
-    <p:sldId id="272" r:id="rId19"/>
-    <p:sldId id="274" r:id="rId20"/>
-    <p:sldId id="275" r:id="rId21"/>
-    <p:sldId id="273" r:id="rId22"/>
-    <p:sldId id="276" r:id="rId23"/>
-    <p:sldId id="277" r:id="rId24"/>
-    <p:sldId id="278" r:id="rId25"/>
-    <p:sldId id="279" r:id="rId26"/>
-    <p:sldId id="280" r:id="rId27"/>
-    <p:sldId id="282" r:id="rId28"/>
-    <p:sldId id="284" r:id="rId29"/>
-    <p:sldId id="285" r:id="rId30"/>
+    <p:sldId id="288" r:id="rId15"/>
+    <p:sldId id="268" r:id="rId16"/>
+    <p:sldId id="269" r:id="rId17"/>
+    <p:sldId id="270" r:id="rId18"/>
+    <p:sldId id="271" r:id="rId19"/>
+    <p:sldId id="272" r:id="rId20"/>
+    <p:sldId id="274" r:id="rId21"/>
+    <p:sldId id="275" r:id="rId22"/>
+    <p:sldId id="273" r:id="rId23"/>
+    <p:sldId id="276" r:id="rId24"/>
+    <p:sldId id="277" r:id="rId25"/>
+    <p:sldId id="278" r:id="rId26"/>
+    <p:sldId id="279" r:id="rId27"/>
+    <p:sldId id="280" r:id="rId28"/>
+    <p:sldId id="282" r:id="rId29"/>
+    <p:sldId id="284" r:id="rId30"/>
+    <p:sldId id="285" r:id="rId31"/>
   </p:sldIdLst>
   <p:sldSz cx="12192000" cy="6858000"/>
   <p:notesSz cx="6858000" cy="9144000"/>
@@ -288,7 +289,7 @@
           <a:p>
             <a:fld id="{5827CF75-21ED-4285-9C22-184A8788EFA2}" type="datetimeFigureOut">
               <a:rPr lang="pt-BR" smtClean="0"/>
-              <a:t>13/07/2021</a:t>
+              <a:t>15/07/2021</a:t>
             </a:fld>
             <a:endParaRPr lang="pt-BR"/>
           </a:p>
@@ -458,7 +459,7 @@
           <a:p>
             <a:fld id="{5827CF75-21ED-4285-9C22-184A8788EFA2}" type="datetimeFigureOut">
               <a:rPr lang="pt-BR" smtClean="0"/>
-              <a:t>13/07/2021</a:t>
+              <a:t>15/07/2021</a:t>
             </a:fld>
             <a:endParaRPr lang="pt-BR"/>
           </a:p>
@@ -638,7 +639,7 @@
           <a:p>
             <a:fld id="{5827CF75-21ED-4285-9C22-184A8788EFA2}" type="datetimeFigureOut">
               <a:rPr lang="pt-BR" smtClean="0"/>
-              <a:t>13/07/2021</a:t>
+              <a:t>15/07/2021</a:t>
             </a:fld>
             <a:endParaRPr lang="pt-BR"/>
           </a:p>
@@ -808,7 +809,7 @@
           <a:p>
             <a:fld id="{5827CF75-21ED-4285-9C22-184A8788EFA2}" type="datetimeFigureOut">
               <a:rPr lang="pt-BR" smtClean="0"/>
-              <a:t>13/07/2021</a:t>
+              <a:t>15/07/2021</a:t>
             </a:fld>
             <a:endParaRPr lang="pt-BR"/>
           </a:p>
@@ -1054,7 +1055,7 @@
           <a:p>
             <a:fld id="{5827CF75-21ED-4285-9C22-184A8788EFA2}" type="datetimeFigureOut">
               <a:rPr lang="pt-BR" smtClean="0"/>
-              <a:t>13/07/2021</a:t>
+              <a:t>15/07/2021</a:t>
             </a:fld>
             <a:endParaRPr lang="pt-BR"/>
           </a:p>
@@ -1286,7 +1287,7 @@
           <a:p>
             <a:fld id="{5827CF75-21ED-4285-9C22-184A8788EFA2}" type="datetimeFigureOut">
               <a:rPr lang="pt-BR" smtClean="0"/>
-              <a:t>13/07/2021</a:t>
+              <a:t>15/07/2021</a:t>
             </a:fld>
             <a:endParaRPr lang="pt-BR"/>
           </a:p>
@@ -1653,7 +1654,7 @@
           <a:p>
             <a:fld id="{5827CF75-21ED-4285-9C22-184A8788EFA2}" type="datetimeFigureOut">
               <a:rPr lang="pt-BR" smtClean="0"/>
-              <a:t>13/07/2021</a:t>
+              <a:t>15/07/2021</a:t>
             </a:fld>
             <a:endParaRPr lang="pt-BR"/>
           </a:p>
@@ -1771,7 +1772,7 @@
           <a:p>
             <a:fld id="{5827CF75-21ED-4285-9C22-184A8788EFA2}" type="datetimeFigureOut">
               <a:rPr lang="pt-BR" smtClean="0"/>
-              <a:t>13/07/2021</a:t>
+              <a:t>15/07/2021</a:t>
             </a:fld>
             <a:endParaRPr lang="pt-BR"/>
           </a:p>
@@ -1866,7 +1867,7 @@
           <a:p>
             <a:fld id="{5827CF75-21ED-4285-9C22-184A8788EFA2}" type="datetimeFigureOut">
               <a:rPr lang="pt-BR" smtClean="0"/>
-              <a:t>13/07/2021</a:t>
+              <a:t>15/07/2021</a:t>
             </a:fld>
             <a:endParaRPr lang="pt-BR"/>
           </a:p>
@@ -2143,7 +2144,7 @@
           <a:p>
             <a:fld id="{5827CF75-21ED-4285-9C22-184A8788EFA2}" type="datetimeFigureOut">
               <a:rPr lang="pt-BR" smtClean="0"/>
-              <a:t>13/07/2021</a:t>
+              <a:t>15/07/2021</a:t>
             </a:fld>
             <a:endParaRPr lang="pt-BR"/>
           </a:p>
@@ -2396,7 +2397,7 @@
           <a:p>
             <a:fld id="{5827CF75-21ED-4285-9C22-184A8788EFA2}" type="datetimeFigureOut">
               <a:rPr lang="pt-BR" smtClean="0"/>
-              <a:t>13/07/2021</a:t>
+              <a:t>15/07/2021</a:t>
             </a:fld>
             <a:endParaRPr lang="pt-BR"/>
           </a:p>
@@ -2609,7 +2610,7 @@
           <a:p>
             <a:fld id="{5827CF75-21ED-4285-9C22-184A8788EFA2}" type="datetimeFigureOut">
               <a:rPr lang="pt-BR" smtClean="0"/>
-              <a:t>13/07/2021</a:t>
+              <a:t>15/07/2021</a:t>
             </a:fld>
             <a:endParaRPr lang="pt-BR"/>
           </a:p>
@@ -15384,174 +15385,56 @@
       </p:grpSpPr>
       <p:pic>
         <p:nvPicPr>
-          <p:cNvPr id="80" name="Imagem 79"/>
+          <p:cNvPr id="2" name="Imagem 1"/>
           <p:cNvPicPr>
             <a:picLocks noChangeAspect="1"/>
           </p:cNvPicPr>
           <p:nvPr/>
         </p:nvPicPr>
         <p:blipFill>
-          <a:blip r:embed="rId2">
-            <a:clrChange>
-              <a:clrFrom>
-                <a:srgbClr val="FEFFFC"/>
-              </a:clrFrom>
-              <a:clrTo>
-                <a:srgbClr val="FEFFFC">
-                  <a:alpha val="0"/>
-                </a:srgbClr>
-              </a:clrTo>
-            </a:clrChange>
-          </a:blip>
+          <a:blip r:embed="rId2"/>
           <a:stretch>
             <a:fillRect/>
           </a:stretch>
         </p:blipFill>
         <p:spPr>
           <a:xfrm>
-            <a:off x="2567608" y="942976"/>
-            <a:ext cx="3352800" cy="2486025"/>
+            <a:off x="592429" y="315284"/>
+            <a:ext cx="4576292" cy="4998829"/>
           </a:xfrm>
           <a:prstGeom prst="rect">
             <a:avLst/>
           </a:prstGeom>
         </p:spPr>
       </p:pic>
-      <p:cxnSp>
-        <p:nvCxnSpPr>
-          <p:cNvPr id="81" name="Conector de seta reta 80"/>
-          <p:cNvCxnSpPr/>
-          <p:nvPr/>
-        </p:nvCxnSpPr>
-        <p:spPr>
-          <a:xfrm>
-            <a:off x="2423592" y="3429000"/>
-            <a:ext cx="3672408" cy="0"/>
-          </a:xfrm>
-          <a:prstGeom prst="straightConnector1">
-            <a:avLst/>
-          </a:prstGeom>
-          <a:ln>
-            <a:solidFill>
-              <a:schemeClr val="tx1"/>
-            </a:solidFill>
-            <a:tailEnd type="triangle" w="med" len="lg"/>
-          </a:ln>
-        </p:spPr>
-        <p:style>
-          <a:lnRef idx="1">
-            <a:schemeClr val="accent1"/>
-          </a:lnRef>
-          <a:fillRef idx="0">
-            <a:schemeClr val="accent1"/>
-          </a:fillRef>
-          <a:effectRef idx="0">
-            <a:schemeClr val="accent1"/>
-          </a:effectRef>
-          <a:fontRef idx="minor">
-            <a:schemeClr val="tx1"/>
-          </a:fontRef>
-        </p:style>
-      </p:cxnSp>
-      <p:sp>
-        <p:nvSpPr>
-          <p:cNvPr id="83" name="CaixaDeTexto 82"/>
-          <p:cNvSpPr txBox="1"/>
-          <p:nvPr/>
-        </p:nvSpPr>
-        <p:spPr>
-          <a:xfrm>
-            <a:off x="5852853" y="3417936"/>
-            <a:ext cx="284052" cy="369332"/>
+      <p:pic>
+        <p:nvPicPr>
+          <p:cNvPr id="3" name="Imagem 2"/>
+          <p:cNvPicPr>
+            <a:picLocks noChangeAspect="1"/>
+          </p:cNvPicPr>
+          <p:nvPr/>
+        </p:nvPicPr>
+        <p:blipFill>
+          <a:blip r:embed="rId3"/>
+          <a:stretch>
+            <a:fillRect/>
+          </a:stretch>
+        </p:blipFill>
+        <p:spPr>
+          <a:xfrm>
+            <a:off x="5769734" y="315284"/>
+            <a:ext cx="5000187" cy="5050914"/>
           </a:xfrm>
           <a:prstGeom prst="rect">
             <a:avLst/>
           </a:prstGeom>
-          <a:noFill/>
-        </p:spPr>
-        <p:txBody>
-          <a:bodyPr wrap="none" rtlCol="0">
-            <a:spAutoFit/>
-          </a:bodyPr>
-          <a:lstStyle/>
-          <a:p>
-            <a:r>
-              <a:rPr lang="pt-BR" dirty="0"/>
-              <a:t>x</a:t>
-            </a:r>
-          </a:p>
-        </p:txBody>
-      </p:sp>
-      <p:sp>
-        <p:nvSpPr>
-          <p:cNvPr id="84" name="CaixaDeTexto 83"/>
-          <p:cNvSpPr txBox="1"/>
-          <p:nvPr/>
-        </p:nvSpPr>
-        <p:spPr>
-          <a:xfrm rot="16200000">
-            <a:off x="1972602" y="1697600"/>
-            <a:ext cx="686213" cy="369332"/>
-          </a:xfrm>
-          <a:prstGeom prst="rect">
-            <a:avLst/>
-          </a:prstGeom>
-          <a:noFill/>
-        </p:spPr>
-        <p:txBody>
-          <a:bodyPr wrap="none" rtlCol="0">
-            <a:spAutoFit/>
-          </a:bodyPr>
-          <a:lstStyle/>
-          <a:p>
-            <a:r>
-              <a:rPr lang="pt-BR" dirty="0" err="1" smtClean="0"/>
-              <a:t>value</a:t>
-            </a:r>
-            <a:endParaRPr lang="pt-BR" dirty="0"/>
-          </a:p>
-        </p:txBody>
-      </p:sp>
-      <p:cxnSp>
-        <p:nvCxnSpPr>
-          <p:cNvPr id="88" name="Conector de seta reta 87"/>
-          <p:cNvCxnSpPr/>
-          <p:nvPr/>
-        </p:nvCxnSpPr>
-        <p:spPr>
-          <a:xfrm flipV="1">
-            <a:off x="2567608" y="548680"/>
-            <a:ext cx="0" cy="3032720"/>
-          </a:xfrm>
-          <a:prstGeom prst="straightConnector1">
-            <a:avLst/>
-          </a:prstGeom>
-          <a:ln>
-            <a:solidFill>
-              <a:schemeClr val="tx1"/>
-            </a:solidFill>
-            <a:tailEnd type="triangle" w="med" len="lg"/>
-          </a:ln>
-        </p:spPr>
-        <p:style>
-          <a:lnRef idx="1">
-            <a:schemeClr val="accent1"/>
-          </a:lnRef>
-          <a:fillRef idx="0">
-            <a:schemeClr val="accent1"/>
-          </a:fillRef>
-          <a:effectRef idx="0">
-            <a:schemeClr val="accent1"/>
-          </a:effectRef>
-          <a:fontRef idx="minor">
-            <a:schemeClr val="tx1"/>
-          </a:fontRef>
-        </p:style>
-      </p:cxnSp>
+        </p:spPr>
+      </p:pic>
     </p:spTree>
     <p:extLst>
       <p:ext uri="{BB962C8B-B14F-4D97-AF65-F5344CB8AC3E}">
-        <p14:creationId xmlns:p14="http://schemas.microsoft.com/office/powerpoint/2010/main" val="1485089528"/>
+        <p14:creationId xmlns:p14="http://schemas.microsoft.com/office/powerpoint/2010/main" val="2106900535"/>
       </p:ext>
     </p:extLst>
   </p:cSld>
@@ -15587,7 +15470,7 @@
       </p:grpSpPr>
       <p:pic>
         <p:nvPicPr>
-          <p:cNvPr id="3" name="Imagem 2"/>
+          <p:cNvPr id="80" name="Imagem 79"/>
           <p:cNvPicPr>
             <a:picLocks noChangeAspect="1"/>
           </p:cNvPicPr>
@@ -15612,8 +15495,8 @@
         </p:blipFill>
         <p:spPr>
           <a:xfrm>
-            <a:off x="2567609" y="793351"/>
-            <a:ext cx="3457575" cy="2628900"/>
+            <a:off x="2567608" y="942976"/>
+            <a:ext cx="3352800" cy="2486025"/>
           </a:xfrm>
           <a:prstGeom prst="rect">
             <a:avLst/>
@@ -15754,7 +15637,7 @@
     </p:spTree>
     <p:extLst>
       <p:ext uri="{BB962C8B-B14F-4D97-AF65-F5344CB8AC3E}">
-        <p14:creationId xmlns:p14="http://schemas.microsoft.com/office/powerpoint/2010/main" val="3848290507"/>
+        <p14:creationId xmlns:p14="http://schemas.microsoft.com/office/powerpoint/2010/main" val="1485089528"/>
       </p:ext>
     </p:extLst>
   </p:cSld>
@@ -15790,7 +15673,7 @@
       </p:grpSpPr>
       <p:pic>
         <p:nvPicPr>
-          <p:cNvPr id="2" name="Imagem 1"/>
+          <p:cNvPr id="3" name="Imagem 2"/>
           <p:cNvPicPr>
             <a:picLocks noChangeAspect="1"/>
           </p:cNvPicPr>
@@ -15815,8 +15698,8 @@
         </p:blipFill>
         <p:spPr>
           <a:xfrm>
-            <a:off x="2567609" y="760462"/>
-            <a:ext cx="3381375" cy="2657475"/>
+            <a:off x="2567609" y="793351"/>
+            <a:ext cx="3457575" cy="2628900"/>
           </a:xfrm>
           <a:prstGeom prst="rect">
             <a:avLst/>
@@ -15957,7 +15840,7 @@
     </p:spTree>
     <p:extLst>
       <p:ext uri="{BB962C8B-B14F-4D97-AF65-F5344CB8AC3E}">
-        <p14:creationId xmlns:p14="http://schemas.microsoft.com/office/powerpoint/2010/main" val="2110769789"/>
+        <p14:creationId xmlns:p14="http://schemas.microsoft.com/office/powerpoint/2010/main" val="3848290507"/>
       </p:ext>
     </p:extLst>
   </p:cSld>
@@ -15991,140 +15874,9 @@
           <a:chExt cx="0" cy="0"/>
         </a:xfrm>
       </p:grpSpPr>
-      <p:cxnSp>
-        <p:nvCxnSpPr>
-          <p:cNvPr id="81" name="Conector de seta reta 80"/>
-          <p:cNvCxnSpPr/>
-          <p:nvPr/>
-        </p:nvCxnSpPr>
-        <p:spPr>
-          <a:xfrm>
-            <a:off x="2423592" y="3429000"/>
-            <a:ext cx="3672408" cy="0"/>
-          </a:xfrm>
-          <a:prstGeom prst="straightConnector1">
-            <a:avLst/>
-          </a:prstGeom>
-          <a:ln>
-            <a:solidFill>
-              <a:schemeClr val="tx1"/>
-            </a:solidFill>
-            <a:tailEnd type="triangle" w="med" len="lg"/>
-          </a:ln>
-        </p:spPr>
-        <p:style>
-          <a:lnRef idx="1">
-            <a:schemeClr val="accent1"/>
-          </a:lnRef>
-          <a:fillRef idx="0">
-            <a:schemeClr val="accent1"/>
-          </a:fillRef>
-          <a:effectRef idx="0">
-            <a:schemeClr val="accent1"/>
-          </a:effectRef>
-          <a:fontRef idx="minor">
-            <a:schemeClr val="tx1"/>
-          </a:fontRef>
-        </p:style>
-      </p:cxnSp>
-      <p:sp>
-        <p:nvSpPr>
-          <p:cNvPr id="83" name="CaixaDeTexto 82"/>
-          <p:cNvSpPr txBox="1"/>
-          <p:nvPr/>
-        </p:nvSpPr>
-        <p:spPr>
-          <a:xfrm>
-            <a:off x="5852853" y="3417936"/>
-            <a:ext cx="284052" cy="369332"/>
-          </a:xfrm>
-          <a:prstGeom prst="rect">
-            <a:avLst/>
-          </a:prstGeom>
-          <a:noFill/>
-        </p:spPr>
-        <p:txBody>
-          <a:bodyPr wrap="none" rtlCol="0">
-            <a:spAutoFit/>
-          </a:bodyPr>
-          <a:lstStyle/>
-          <a:p>
-            <a:r>
-              <a:rPr lang="pt-BR" dirty="0"/>
-              <a:t>x</a:t>
-            </a:r>
-          </a:p>
-        </p:txBody>
-      </p:sp>
-      <p:sp>
-        <p:nvSpPr>
-          <p:cNvPr id="84" name="CaixaDeTexto 83"/>
-          <p:cNvSpPr txBox="1"/>
-          <p:nvPr/>
-        </p:nvSpPr>
-        <p:spPr>
-          <a:xfrm rot="16200000">
-            <a:off x="1972602" y="1697600"/>
-            <a:ext cx="686213" cy="369332"/>
-          </a:xfrm>
-          <a:prstGeom prst="rect">
-            <a:avLst/>
-          </a:prstGeom>
-          <a:noFill/>
-        </p:spPr>
-        <p:txBody>
-          <a:bodyPr wrap="none" rtlCol="0">
-            <a:spAutoFit/>
-          </a:bodyPr>
-          <a:lstStyle/>
-          <a:p>
-            <a:r>
-              <a:rPr lang="pt-BR" dirty="0" err="1" smtClean="0"/>
-              <a:t>value</a:t>
-            </a:r>
-            <a:endParaRPr lang="pt-BR" dirty="0"/>
-          </a:p>
-        </p:txBody>
-      </p:sp>
-      <p:cxnSp>
-        <p:nvCxnSpPr>
-          <p:cNvPr id="88" name="Conector de seta reta 87"/>
-          <p:cNvCxnSpPr/>
-          <p:nvPr/>
-        </p:nvCxnSpPr>
-        <p:spPr>
-          <a:xfrm flipV="1">
-            <a:off x="2567608" y="548680"/>
-            <a:ext cx="0" cy="3032720"/>
-          </a:xfrm>
-          <a:prstGeom prst="straightConnector1">
-            <a:avLst/>
-          </a:prstGeom>
-          <a:ln>
-            <a:solidFill>
-              <a:schemeClr val="tx1"/>
-            </a:solidFill>
-            <a:tailEnd type="triangle" w="med" len="lg"/>
-          </a:ln>
-        </p:spPr>
-        <p:style>
-          <a:lnRef idx="1">
-            <a:schemeClr val="accent1"/>
-          </a:lnRef>
-          <a:fillRef idx="0">
-            <a:schemeClr val="accent1"/>
-          </a:fillRef>
-          <a:effectRef idx="0">
-            <a:schemeClr val="accent1"/>
-          </a:effectRef>
-          <a:fontRef idx="minor">
-            <a:schemeClr val="tx1"/>
-          </a:fontRef>
-        </p:style>
-      </p:cxnSp>
       <p:pic>
         <p:nvPicPr>
-          <p:cNvPr id="3" name="Imagem 2"/>
+          <p:cNvPr id="2" name="Imagem 1"/>
           <p:cNvPicPr>
             <a:picLocks noChangeAspect="1"/>
           </p:cNvPicPr>
@@ -16149,18 +15901,149 @@
         </p:blipFill>
         <p:spPr>
           <a:xfrm>
-            <a:off x="2613505" y="1096144"/>
-            <a:ext cx="3381375" cy="1828800"/>
+            <a:off x="2567609" y="760462"/>
+            <a:ext cx="3381375" cy="2657475"/>
           </a:xfrm>
           <a:prstGeom prst="rect">
             <a:avLst/>
           </a:prstGeom>
         </p:spPr>
       </p:pic>
+      <p:cxnSp>
+        <p:nvCxnSpPr>
+          <p:cNvPr id="81" name="Conector de seta reta 80"/>
+          <p:cNvCxnSpPr/>
+          <p:nvPr/>
+        </p:nvCxnSpPr>
+        <p:spPr>
+          <a:xfrm>
+            <a:off x="2423592" y="3429000"/>
+            <a:ext cx="3672408" cy="0"/>
+          </a:xfrm>
+          <a:prstGeom prst="straightConnector1">
+            <a:avLst/>
+          </a:prstGeom>
+          <a:ln>
+            <a:solidFill>
+              <a:schemeClr val="tx1"/>
+            </a:solidFill>
+            <a:tailEnd type="triangle" w="med" len="lg"/>
+          </a:ln>
+        </p:spPr>
+        <p:style>
+          <a:lnRef idx="1">
+            <a:schemeClr val="accent1"/>
+          </a:lnRef>
+          <a:fillRef idx="0">
+            <a:schemeClr val="accent1"/>
+          </a:fillRef>
+          <a:effectRef idx="0">
+            <a:schemeClr val="accent1"/>
+          </a:effectRef>
+          <a:fontRef idx="minor">
+            <a:schemeClr val="tx1"/>
+          </a:fontRef>
+        </p:style>
+      </p:cxnSp>
+      <p:sp>
+        <p:nvSpPr>
+          <p:cNvPr id="83" name="CaixaDeTexto 82"/>
+          <p:cNvSpPr txBox="1"/>
+          <p:nvPr/>
+        </p:nvSpPr>
+        <p:spPr>
+          <a:xfrm>
+            <a:off x="5852853" y="3417936"/>
+            <a:ext cx="284052" cy="369332"/>
+          </a:xfrm>
+          <a:prstGeom prst="rect">
+            <a:avLst/>
+          </a:prstGeom>
+          <a:noFill/>
+        </p:spPr>
+        <p:txBody>
+          <a:bodyPr wrap="none" rtlCol="0">
+            <a:spAutoFit/>
+          </a:bodyPr>
+          <a:lstStyle/>
+          <a:p>
+            <a:r>
+              <a:rPr lang="pt-BR" dirty="0"/>
+              <a:t>x</a:t>
+            </a:r>
+          </a:p>
+        </p:txBody>
+      </p:sp>
+      <p:sp>
+        <p:nvSpPr>
+          <p:cNvPr id="84" name="CaixaDeTexto 83"/>
+          <p:cNvSpPr txBox="1"/>
+          <p:nvPr/>
+        </p:nvSpPr>
+        <p:spPr>
+          <a:xfrm rot="16200000">
+            <a:off x="1972602" y="1697600"/>
+            <a:ext cx="686213" cy="369332"/>
+          </a:xfrm>
+          <a:prstGeom prst="rect">
+            <a:avLst/>
+          </a:prstGeom>
+          <a:noFill/>
+        </p:spPr>
+        <p:txBody>
+          <a:bodyPr wrap="none" rtlCol="0">
+            <a:spAutoFit/>
+          </a:bodyPr>
+          <a:lstStyle/>
+          <a:p>
+            <a:r>
+              <a:rPr lang="pt-BR" dirty="0" err="1" smtClean="0"/>
+              <a:t>value</a:t>
+            </a:r>
+            <a:endParaRPr lang="pt-BR" dirty="0"/>
+          </a:p>
+        </p:txBody>
+      </p:sp>
+      <p:cxnSp>
+        <p:nvCxnSpPr>
+          <p:cNvPr id="88" name="Conector de seta reta 87"/>
+          <p:cNvCxnSpPr/>
+          <p:nvPr/>
+        </p:nvCxnSpPr>
+        <p:spPr>
+          <a:xfrm flipV="1">
+            <a:off x="2567608" y="548680"/>
+            <a:ext cx="0" cy="3032720"/>
+          </a:xfrm>
+          <a:prstGeom prst="straightConnector1">
+            <a:avLst/>
+          </a:prstGeom>
+          <a:ln>
+            <a:solidFill>
+              <a:schemeClr val="tx1"/>
+            </a:solidFill>
+            <a:tailEnd type="triangle" w="med" len="lg"/>
+          </a:ln>
+        </p:spPr>
+        <p:style>
+          <a:lnRef idx="1">
+            <a:schemeClr val="accent1"/>
+          </a:lnRef>
+          <a:fillRef idx="0">
+            <a:schemeClr val="accent1"/>
+          </a:fillRef>
+          <a:effectRef idx="0">
+            <a:schemeClr val="accent1"/>
+          </a:effectRef>
+          <a:fontRef idx="minor">
+            <a:schemeClr val="tx1"/>
+          </a:fontRef>
+        </p:style>
+      </p:cxnSp>
     </p:spTree>
     <p:extLst>
       <p:ext uri="{BB962C8B-B14F-4D97-AF65-F5344CB8AC3E}">
-        <p14:creationId xmlns:p14="http://schemas.microsoft.com/office/powerpoint/2010/main" val="1648656838"/>
+        <p14:creationId xmlns:p14="http://schemas.microsoft.com/office/powerpoint/2010/main" val="2110769789"/>
       </p:ext>
     </p:extLst>
   </p:cSld>
@@ -16194,95 +16077,25 @@
           <a:chExt cx="0" cy="0"/>
         </a:xfrm>
       </p:grpSpPr>
-      <p:pic>
-        <p:nvPicPr>
-          <p:cNvPr id="4" name="Imagem 3"/>
-          <p:cNvPicPr>
-            <a:picLocks noChangeAspect="1"/>
-          </p:cNvPicPr>
-          <p:nvPr/>
-        </p:nvPicPr>
-        <p:blipFill>
-          <a:blip r:embed="rId2"/>
-          <a:stretch>
-            <a:fillRect/>
-          </a:stretch>
-        </p:blipFill>
-        <p:spPr>
-          <a:xfrm>
-            <a:off x="1758462" y="1572320"/>
-            <a:ext cx="5790223" cy="3644510"/>
-          </a:xfrm>
-          <a:prstGeom prst="rect">
-            <a:avLst/>
-          </a:prstGeom>
-        </p:spPr>
-      </p:pic>
-      <p:sp>
-        <p:nvSpPr>
-          <p:cNvPr id="7" name="CaixaDeTexto 6"/>
-          <p:cNvSpPr txBox="1"/>
-          <p:nvPr/>
-        </p:nvSpPr>
-        <p:spPr>
-          <a:xfrm>
-            <a:off x="3813273" y="884979"/>
-            <a:ext cx="2525004" cy="261610"/>
-          </a:xfrm>
-          <a:prstGeom prst="rect">
-            <a:avLst/>
-          </a:prstGeom>
-          <a:noFill/>
-        </p:spPr>
-        <p:txBody>
-          <a:bodyPr wrap="square" rtlCol="0">
-            <a:spAutoFit/>
-          </a:bodyPr>
-          <a:lstStyle/>
-          <a:p>
-            <a:pPr algn="ctr"/>
-            <a:r>
-              <a:rPr lang="pt-BR" sz="1100" b="1" dirty="0" smtClean="0"/>
-              <a:t>B2: computes </a:t>
-            </a:r>
-            <a:r>
-              <a:rPr lang="pt-BR" sz="1100" b="1" dirty="0" err="1" smtClean="0"/>
-              <a:t>and</a:t>
-            </a:r>
-            <a:r>
-              <a:rPr lang="pt-BR" sz="1100" b="1" dirty="0" smtClean="0"/>
-              <a:t> displays Gabor </a:t>
-            </a:r>
-            <a:r>
-              <a:rPr lang="pt-BR" sz="1100" b="1" dirty="0" err="1" smtClean="0"/>
-              <a:t>space</a:t>
-            </a:r>
-            <a:endParaRPr lang="pt-BR" sz="1100" b="1" dirty="0"/>
-          </a:p>
-        </p:txBody>
-      </p:sp>
       <p:cxnSp>
         <p:nvCxnSpPr>
-          <p:cNvPr id="9" name="Conector angulado 8"/>
-          <p:cNvCxnSpPr>
-            <a:stCxn id="7" idx="1"/>
-            <a:endCxn id="10" idx="0"/>
-          </p:cNvCxnSpPr>
+          <p:cNvPr id="81" name="Conector de seta reta 80"/>
+          <p:cNvCxnSpPr/>
           <p:nvPr/>
         </p:nvCxnSpPr>
         <p:spPr>
-          <a:xfrm rot="10800000" flipV="1">
-            <a:off x="3614299" y="1015783"/>
-            <a:ext cx="198975" cy="812593"/>
-          </a:xfrm>
-          <a:prstGeom prst="bentConnector2">
+          <a:xfrm>
+            <a:off x="2423592" y="3429000"/>
+            <a:ext cx="3672408" cy="0"/>
+          </a:xfrm>
+          <a:prstGeom prst="straightConnector1">
             <a:avLst/>
           </a:prstGeom>
           <a:ln>
             <a:solidFill>
-              <a:srgbClr val="FF0000"/>
+              <a:schemeClr val="tx1"/>
             </a:solidFill>
-            <a:tailEnd type="triangle"/>
+            <a:tailEnd type="triangle" w="med" len="lg"/>
           </a:ln>
         </p:spPr>
         <p:style>
@@ -16302,73 +16115,82 @@
       </p:cxnSp>
       <p:sp>
         <p:nvSpPr>
-          <p:cNvPr id="10" name="Retângulo 9"/>
-          <p:cNvSpPr/>
-          <p:nvPr/>
-        </p:nvSpPr>
-        <p:spPr>
-          <a:xfrm>
-            <a:off x="3516288" y="1828377"/>
-            <a:ext cx="196020" cy="140677"/>
+          <p:cNvPr id="83" name="CaixaDeTexto 82"/>
+          <p:cNvSpPr txBox="1"/>
+          <p:nvPr/>
+        </p:nvSpPr>
+        <p:spPr>
+          <a:xfrm>
+            <a:off x="5852853" y="3417936"/>
+            <a:ext cx="284052" cy="369332"/>
           </a:xfrm>
           <a:prstGeom prst="rect">
             <a:avLst/>
           </a:prstGeom>
           <a:noFill/>
-          <a:ln>
-            <a:noFill/>
-          </a:ln>
-        </p:spPr>
-        <p:style>
-          <a:lnRef idx="2">
-            <a:schemeClr val="accent1">
-              <a:shade val="50000"/>
-            </a:schemeClr>
-          </a:lnRef>
-          <a:fillRef idx="1">
-            <a:schemeClr val="accent1"/>
-          </a:fillRef>
-          <a:effectRef idx="0">
-            <a:schemeClr val="accent1"/>
-          </a:effectRef>
-          <a:fontRef idx="minor">
-            <a:schemeClr val="lt1"/>
-          </a:fontRef>
-        </p:style>
-        <p:txBody>
-          <a:bodyPr rtlCol="0" anchor="ctr"/>
-          <a:lstStyle/>
-          <a:p>
-            <a:pPr algn="ctr"/>
-            <a:endParaRPr lang="pt-BR"/>
+        </p:spPr>
+        <p:txBody>
+          <a:bodyPr wrap="none" rtlCol="0">
+            <a:spAutoFit/>
+          </a:bodyPr>
+          <a:lstStyle/>
+          <a:p>
+            <a:r>
+              <a:rPr lang="pt-BR" dirty="0"/>
+              <a:t>x</a:t>
+            </a:r>
+          </a:p>
+        </p:txBody>
+      </p:sp>
+      <p:sp>
+        <p:nvSpPr>
+          <p:cNvPr id="84" name="CaixaDeTexto 83"/>
+          <p:cNvSpPr txBox="1"/>
+          <p:nvPr/>
+        </p:nvSpPr>
+        <p:spPr>
+          <a:xfrm rot="16200000">
+            <a:off x="1972602" y="1697600"/>
+            <a:ext cx="686213" cy="369332"/>
+          </a:xfrm>
+          <a:prstGeom prst="rect">
+            <a:avLst/>
+          </a:prstGeom>
+          <a:noFill/>
+        </p:spPr>
+        <p:txBody>
+          <a:bodyPr wrap="none" rtlCol="0">
+            <a:spAutoFit/>
+          </a:bodyPr>
+          <a:lstStyle/>
+          <a:p>
+            <a:r>
+              <a:rPr lang="pt-BR" dirty="0" err="1" smtClean="0"/>
+              <a:t>value</a:t>
+            </a:r>
+            <a:endParaRPr lang="pt-BR" dirty="0"/>
           </a:p>
         </p:txBody>
       </p:sp>
       <p:cxnSp>
         <p:nvCxnSpPr>
-          <p:cNvPr id="15" name="Conector angulado 14"/>
-          <p:cNvCxnSpPr>
-            <a:stCxn id="27" idx="1"/>
-            <a:endCxn id="16" idx="0"/>
-          </p:cNvCxnSpPr>
+          <p:cNvPr id="88" name="Conector de seta reta 87"/>
+          <p:cNvCxnSpPr/>
           <p:nvPr/>
         </p:nvCxnSpPr>
         <p:spPr>
-          <a:xfrm rot="10800000" flipH="1" flipV="1">
-            <a:off x="3040185" y="691085"/>
-            <a:ext cx="216398" cy="1143976"/>
-          </a:xfrm>
-          <a:prstGeom prst="bentConnector4">
-            <a:avLst>
-              <a:gd name="adj1" fmla="val -105639"/>
-              <a:gd name="adj2" fmla="val 55717"/>
-            </a:avLst>
+          <a:xfrm flipV="1">
+            <a:off x="2567608" y="548680"/>
+            <a:ext cx="0" cy="3032720"/>
+          </a:xfrm>
+          <a:prstGeom prst="straightConnector1">
+            <a:avLst/>
           </a:prstGeom>
           <a:ln>
             <a:solidFill>
-              <a:srgbClr val="FF0000"/>
+              <a:schemeClr val="tx1"/>
             </a:solidFill>
-            <a:tailEnd type="triangle"/>
+            <a:tailEnd type="triangle" w="med" len="lg"/>
           </a:ln>
         </p:spPr>
         <p:style>
@@ -16386,1088 +16208,45 @@
           </a:fontRef>
         </p:style>
       </p:cxnSp>
-      <p:sp>
-        <p:nvSpPr>
-          <p:cNvPr id="16" name="Retângulo 15"/>
-          <p:cNvSpPr/>
-          <p:nvPr/>
-        </p:nvSpPr>
-        <p:spPr>
-          <a:xfrm>
-            <a:off x="3158573" y="1835061"/>
-            <a:ext cx="196020" cy="140677"/>
+      <p:pic>
+        <p:nvPicPr>
+          <p:cNvPr id="3" name="Imagem 2"/>
+          <p:cNvPicPr>
+            <a:picLocks noChangeAspect="1"/>
+          </p:cNvPicPr>
+          <p:nvPr/>
+        </p:nvPicPr>
+        <p:blipFill>
+          <a:blip r:embed="rId2">
+            <a:clrChange>
+              <a:clrFrom>
+                <a:srgbClr val="FEFFFC"/>
+              </a:clrFrom>
+              <a:clrTo>
+                <a:srgbClr val="FEFFFC">
+                  <a:alpha val="0"/>
+                </a:srgbClr>
+              </a:clrTo>
+            </a:clrChange>
+          </a:blip>
+          <a:stretch>
+            <a:fillRect/>
+          </a:stretch>
+        </p:blipFill>
+        <p:spPr>
+          <a:xfrm>
+            <a:off x="2613505" y="1096144"/>
+            <a:ext cx="3381375" cy="1828800"/>
           </a:xfrm>
           <a:prstGeom prst="rect">
             <a:avLst/>
           </a:prstGeom>
-          <a:noFill/>
-          <a:ln>
-            <a:noFill/>
-          </a:ln>
-        </p:spPr>
-        <p:style>
-          <a:lnRef idx="2">
-            <a:schemeClr val="accent1">
-              <a:shade val="50000"/>
-            </a:schemeClr>
-          </a:lnRef>
-          <a:fillRef idx="1">
-            <a:schemeClr val="accent1"/>
-          </a:fillRef>
-          <a:effectRef idx="0">
-            <a:schemeClr val="accent1"/>
-          </a:effectRef>
-          <a:fontRef idx="minor">
-            <a:schemeClr val="lt1"/>
-          </a:fontRef>
-        </p:style>
-        <p:txBody>
-          <a:bodyPr rtlCol="0" anchor="ctr"/>
-          <a:lstStyle/>
-          <a:p>
-            <a:pPr algn="ctr"/>
-            <a:endParaRPr lang="pt-BR"/>
-          </a:p>
-        </p:txBody>
-      </p:sp>
-      <p:sp>
-        <p:nvSpPr>
-          <p:cNvPr id="20" name="CaixaDeTexto 19"/>
-          <p:cNvSpPr txBox="1"/>
-          <p:nvPr/>
-        </p:nvSpPr>
-        <p:spPr>
-          <a:xfrm>
-            <a:off x="4817549" y="1163247"/>
-            <a:ext cx="1692666" cy="261610"/>
-          </a:xfrm>
-          <a:prstGeom prst="rect">
-            <a:avLst/>
-          </a:prstGeom>
-          <a:noFill/>
-        </p:spPr>
-        <p:txBody>
-          <a:bodyPr wrap="square" rtlCol="0">
-            <a:spAutoFit/>
-          </a:bodyPr>
-          <a:lstStyle/>
-          <a:p>
-            <a:pPr algn="ctr"/>
-            <a:r>
-              <a:rPr lang="pt-BR" sz="1100" b="1" dirty="0" smtClean="0"/>
-              <a:t>D2: Gabor </a:t>
-            </a:r>
-            <a:r>
-              <a:rPr lang="pt-BR" sz="1100" b="1" dirty="0" err="1" smtClean="0"/>
-              <a:t>space</a:t>
-            </a:r>
-            <a:r>
-              <a:rPr lang="pt-BR" sz="1100" b="1" dirty="0" smtClean="0"/>
-              <a:t> display</a:t>
-            </a:r>
-            <a:endParaRPr lang="pt-BR" sz="1100" b="1" dirty="0"/>
-          </a:p>
-        </p:txBody>
-      </p:sp>
-      <p:cxnSp>
-        <p:nvCxnSpPr>
-          <p:cNvPr id="21" name="Conector angulado 20"/>
-          <p:cNvCxnSpPr>
-            <a:stCxn id="20" idx="2"/>
-            <a:endCxn id="22" idx="0"/>
-          </p:cNvCxnSpPr>
-          <p:nvPr/>
-        </p:nvCxnSpPr>
-        <p:spPr>
-          <a:xfrm rot="5400000">
-            <a:off x="5490224" y="1598515"/>
-            <a:ext cx="347317" cy="12700"/>
-          </a:xfrm>
-          <a:prstGeom prst="bentConnector3">
-            <a:avLst>
-              <a:gd name="adj1" fmla="val 50000"/>
-            </a:avLst>
-          </a:prstGeom>
-          <a:ln>
-            <a:solidFill>
-              <a:srgbClr val="FF0000"/>
-            </a:solidFill>
-            <a:tailEnd type="triangle"/>
-          </a:ln>
-        </p:spPr>
-        <p:style>
-          <a:lnRef idx="1">
-            <a:schemeClr val="accent1"/>
-          </a:lnRef>
-          <a:fillRef idx="0">
-            <a:schemeClr val="accent1"/>
-          </a:fillRef>
-          <a:effectRef idx="0">
-            <a:schemeClr val="accent1"/>
-          </a:effectRef>
-          <a:fontRef idx="minor">
-            <a:schemeClr val="tx1"/>
-          </a:fontRef>
-        </p:style>
-      </p:cxnSp>
-      <p:sp>
-        <p:nvSpPr>
-          <p:cNvPr id="22" name="Retângulo 21"/>
-          <p:cNvSpPr/>
-          <p:nvPr/>
-        </p:nvSpPr>
-        <p:spPr>
-          <a:xfrm>
-            <a:off x="5565872" y="1772174"/>
-            <a:ext cx="196020" cy="140677"/>
-          </a:xfrm>
-          <a:prstGeom prst="rect">
-            <a:avLst/>
-          </a:prstGeom>
-          <a:noFill/>
-          <a:ln>
-            <a:noFill/>
-          </a:ln>
-        </p:spPr>
-        <p:style>
-          <a:lnRef idx="2">
-            <a:schemeClr val="accent1">
-              <a:shade val="50000"/>
-            </a:schemeClr>
-          </a:lnRef>
-          <a:fillRef idx="1">
-            <a:schemeClr val="accent1"/>
-          </a:fillRef>
-          <a:effectRef idx="0">
-            <a:schemeClr val="accent1"/>
-          </a:effectRef>
-          <a:fontRef idx="minor">
-            <a:schemeClr val="lt1"/>
-          </a:fontRef>
-        </p:style>
-        <p:txBody>
-          <a:bodyPr rtlCol="0" anchor="ctr"/>
-          <a:lstStyle/>
-          <a:p>
-            <a:pPr algn="ctr"/>
-            <a:endParaRPr lang="pt-BR"/>
-          </a:p>
-        </p:txBody>
-      </p:sp>
-      <p:sp>
-        <p:nvSpPr>
-          <p:cNvPr id="27" name="CaixaDeTexto 26"/>
-          <p:cNvSpPr txBox="1"/>
-          <p:nvPr/>
-        </p:nvSpPr>
-        <p:spPr>
-          <a:xfrm>
-            <a:off x="3040185" y="560280"/>
-            <a:ext cx="1914769" cy="261610"/>
-          </a:xfrm>
-          <a:prstGeom prst="rect">
-            <a:avLst/>
-          </a:prstGeom>
-          <a:noFill/>
-        </p:spPr>
-        <p:txBody>
-          <a:bodyPr wrap="square" rtlCol="0">
-            <a:spAutoFit/>
-          </a:bodyPr>
-          <a:lstStyle/>
-          <a:p>
-            <a:pPr algn="ctr"/>
-            <a:r>
-              <a:rPr lang="pt-BR" sz="1100" b="1" dirty="0" smtClean="0"/>
-              <a:t>B1: opens </a:t>
-            </a:r>
-            <a:r>
-              <a:rPr lang="pt-BR" sz="1100" b="1" dirty="0" err="1" smtClean="0"/>
-              <a:t>the</a:t>
-            </a:r>
-            <a:r>
-              <a:rPr lang="pt-BR" sz="1100" b="1" dirty="0" smtClean="0"/>
-              <a:t> scanner </a:t>
-            </a:r>
-            <a:r>
-              <a:rPr lang="pt-BR" sz="1100" b="1" dirty="0" err="1" smtClean="0"/>
-              <a:t>dialog</a:t>
-            </a:r>
-            <a:endParaRPr lang="pt-BR" sz="1100" b="1" dirty="0"/>
-          </a:p>
-        </p:txBody>
-      </p:sp>
-      <p:sp>
-        <p:nvSpPr>
-          <p:cNvPr id="31" name="CaixaDeTexto 30"/>
-          <p:cNvSpPr txBox="1"/>
-          <p:nvPr/>
-        </p:nvSpPr>
-        <p:spPr>
-          <a:xfrm>
-            <a:off x="250094" y="2897443"/>
-            <a:ext cx="1086338" cy="430887"/>
-          </a:xfrm>
-          <a:prstGeom prst="rect">
-            <a:avLst/>
-          </a:prstGeom>
-          <a:noFill/>
-        </p:spPr>
-        <p:txBody>
-          <a:bodyPr wrap="square" rtlCol="0">
-            <a:spAutoFit/>
-          </a:bodyPr>
-          <a:lstStyle/>
-          <a:p>
-            <a:pPr algn="ctr"/>
-            <a:r>
-              <a:rPr lang="pt-BR" sz="1100" b="1" dirty="0" smtClean="0"/>
-              <a:t>B3: </a:t>
-            </a:r>
-            <a:r>
-              <a:rPr lang="pt-BR" sz="1100" b="1" dirty="0" err="1" smtClean="0"/>
-              <a:t>refresh</a:t>
-            </a:r>
-            <a:r>
-              <a:rPr lang="pt-BR" sz="1100" b="1" dirty="0" smtClean="0"/>
-              <a:t> </a:t>
-            </a:r>
-          </a:p>
-          <a:p>
-            <a:pPr algn="ctr"/>
-            <a:r>
-              <a:rPr lang="pt-BR" sz="1100" b="1" dirty="0" err="1" smtClean="0"/>
-              <a:t>kernel</a:t>
-            </a:r>
-            <a:r>
-              <a:rPr lang="pt-BR" sz="1100" b="1" dirty="0" smtClean="0"/>
-              <a:t> displays</a:t>
-            </a:r>
-            <a:endParaRPr lang="pt-BR" sz="1100" b="1" dirty="0"/>
-          </a:p>
-        </p:txBody>
-      </p:sp>
-      <p:cxnSp>
-        <p:nvCxnSpPr>
-          <p:cNvPr id="32" name="Conector angulado 31"/>
-          <p:cNvCxnSpPr>
-            <a:stCxn id="58" idx="1"/>
-            <a:endCxn id="33" idx="2"/>
-          </p:cNvCxnSpPr>
-          <p:nvPr/>
-        </p:nvCxnSpPr>
-        <p:spPr>
-          <a:xfrm rot="10800000">
-            <a:off x="3605415" y="4682226"/>
-            <a:ext cx="333244" cy="812873"/>
-          </a:xfrm>
-          <a:prstGeom prst="bentConnector2">
-            <a:avLst/>
-          </a:prstGeom>
-          <a:ln>
-            <a:solidFill>
-              <a:srgbClr val="FF0000"/>
-            </a:solidFill>
-            <a:tailEnd type="triangle"/>
-          </a:ln>
-        </p:spPr>
-        <p:style>
-          <a:lnRef idx="1">
-            <a:schemeClr val="accent1"/>
-          </a:lnRef>
-          <a:fillRef idx="0">
-            <a:schemeClr val="accent1"/>
-          </a:fillRef>
-          <a:effectRef idx="0">
-            <a:schemeClr val="accent1"/>
-          </a:effectRef>
-          <a:fontRef idx="minor">
-            <a:schemeClr val="tx1"/>
-          </a:fontRef>
-        </p:style>
-      </p:cxnSp>
-      <p:sp>
-        <p:nvSpPr>
-          <p:cNvPr id="33" name="Retângulo 32"/>
-          <p:cNvSpPr/>
-          <p:nvPr/>
-        </p:nvSpPr>
-        <p:spPr>
-          <a:xfrm>
-            <a:off x="3507405" y="4541548"/>
-            <a:ext cx="196020" cy="140677"/>
-          </a:xfrm>
-          <a:prstGeom prst="rect">
-            <a:avLst/>
-          </a:prstGeom>
-          <a:noFill/>
-          <a:ln>
-            <a:noFill/>
-          </a:ln>
-        </p:spPr>
-        <p:style>
-          <a:lnRef idx="2">
-            <a:schemeClr val="accent1">
-              <a:shade val="50000"/>
-            </a:schemeClr>
-          </a:lnRef>
-          <a:fillRef idx="1">
-            <a:schemeClr val="accent1"/>
-          </a:fillRef>
-          <a:effectRef idx="0">
-            <a:schemeClr val="accent1"/>
-          </a:effectRef>
-          <a:fontRef idx="minor">
-            <a:schemeClr val="lt1"/>
-          </a:fontRef>
-        </p:style>
-        <p:txBody>
-          <a:bodyPr rtlCol="0" anchor="ctr"/>
-          <a:lstStyle/>
-          <a:p>
-            <a:pPr algn="ctr"/>
-            <a:endParaRPr lang="pt-BR"/>
-          </a:p>
-        </p:txBody>
-      </p:sp>
-      <p:cxnSp>
-        <p:nvCxnSpPr>
-          <p:cNvPr id="34" name="Conector angulado 33"/>
-          <p:cNvCxnSpPr>
-            <a:stCxn id="31" idx="3"/>
-            <a:endCxn id="35" idx="1"/>
-          </p:cNvCxnSpPr>
-          <p:nvPr/>
-        </p:nvCxnSpPr>
-        <p:spPr>
-          <a:xfrm flipV="1">
-            <a:off x="1336432" y="2876336"/>
-            <a:ext cx="2179856" cy="236551"/>
-          </a:xfrm>
-          <a:prstGeom prst="bentConnector3">
-            <a:avLst>
-              <a:gd name="adj1" fmla="val 50000"/>
-            </a:avLst>
-          </a:prstGeom>
-          <a:ln>
-            <a:solidFill>
-              <a:srgbClr val="FF0000"/>
-            </a:solidFill>
-            <a:tailEnd type="triangle"/>
-          </a:ln>
-        </p:spPr>
-        <p:style>
-          <a:lnRef idx="1">
-            <a:schemeClr val="accent1"/>
-          </a:lnRef>
-          <a:fillRef idx="0">
-            <a:schemeClr val="accent1"/>
-          </a:fillRef>
-          <a:effectRef idx="0">
-            <a:schemeClr val="accent1"/>
-          </a:effectRef>
-          <a:fontRef idx="minor">
-            <a:schemeClr val="tx1"/>
-          </a:fontRef>
-        </p:style>
-      </p:cxnSp>
-      <p:sp>
-        <p:nvSpPr>
-          <p:cNvPr id="35" name="Retângulo 34"/>
-          <p:cNvSpPr/>
-          <p:nvPr/>
-        </p:nvSpPr>
-        <p:spPr>
-          <a:xfrm>
-            <a:off x="3516288" y="2773634"/>
-            <a:ext cx="196020" cy="205403"/>
-          </a:xfrm>
-          <a:prstGeom prst="rect">
-            <a:avLst/>
-          </a:prstGeom>
-          <a:noFill/>
-          <a:ln>
-            <a:noFill/>
-          </a:ln>
-        </p:spPr>
-        <p:style>
-          <a:lnRef idx="2">
-            <a:schemeClr val="accent1">
-              <a:shade val="50000"/>
-            </a:schemeClr>
-          </a:lnRef>
-          <a:fillRef idx="1">
-            <a:schemeClr val="accent1"/>
-          </a:fillRef>
-          <a:effectRef idx="0">
-            <a:schemeClr val="accent1"/>
-          </a:effectRef>
-          <a:fontRef idx="minor">
-            <a:schemeClr val="lt1"/>
-          </a:fontRef>
-        </p:style>
-        <p:txBody>
-          <a:bodyPr rtlCol="0" anchor="ctr"/>
-          <a:lstStyle/>
-          <a:p>
-            <a:pPr algn="ctr"/>
-            <a:endParaRPr lang="pt-BR"/>
-          </a:p>
-        </p:txBody>
-      </p:sp>
-      <p:sp>
-        <p:nvSpPr>
-          <p:cNvPr id="42" name="Retângulo 41"/>
-          <p:cNvSpPr/>
-          <p:nvPr/>
-        </p:nvSpPr>
-        <p:spPr>
-          <a:xfrm>
-            <a:off x="1844431" y="3390850"/>
-            <a:ext cx="1867877" cy="884165"/>
-          </a:xfrm>
-          <a:prstGeom prst="rect">
-            <a:avLst/>
-          </a:prstGeom>
-          <a:noFill/>
-          <a:ln>
-            <a:solidFill>
-              <a:srgbClr val="FF0000"/>
-            </a:solidFill>
-          </a:ln>
-        </p:spPr>
-        <p:style>
-          <a:lnRef idx="2">
-            <a:schemeClr val="accent1">
-              <a:shade val="50000"/>
-            </a:schemeClr>
-          </a:lnRef>
-          <a:fillRef idx="1">
-            <a:schemeClr val="accent1"/>
-          </a:fillRef>
-          <a:effectRef idx="0">
-            <a:schemeClr val="accent1"/>
-          </a:effectRef>
-          <a:fontRef idx="minor">
-            <a:schemeClr val="lt1"/>
-          </a:fontRef>
-        </p:style>
-        <p:txBody>
-          <a:bodyPr rtlCol="0" anchor="ctr"/>
-          <a:lstStyle/>
-          <a:p>
-            <a:pPr algn="ctr"/>
-            <a:endParaRPr lang="pt-BR"/>
-          </a:p>
-        </p:txBody>
-      </p:sp>
-      <p:cxnSp>
-        <p:nvCxnSpPr>
-          <p:cNvPr id="43" name="Conector angulado 42"/>
-          <p:cNvCxnSpPr>
-            <a:stCxn id="46" idx="3"/>
-            <a:endCxn id="42" idx="1"/>
-          </p:cNvCxnSpPr>
-          <p:nvPr/>
-        </p:nvCxnSpPr>
-        <p:spPr>
-          <a:xfrm>
-            <a:off x="1367692" y="3831606"/>
-            <a:ext cx="476739" cy="1327"/>
-          </a:xfrm>
-          <a:prstGeom prst="bentConnector3">
-            <a:avLst>
-              <a:gd name="adj1" fmla="val 50000"/>
-            </a:avLst>
-          </a:prstGeom>
-          <a:ln>
-            <a:solidFill>
-              <a:srgbClr val="FF0000"/>
-            </a:solidFill>
-            <a:tailEnd type="triangle"/>
-          </a:ln>
-        </p:spPr>
-        <p:style>
-          <a:lnRef idx="1">
-            <a:schemeClr val="accent1"/>
-          </a:lnRef>
-          <a:fillRef idx="0">
-            <a:schemeClr val="accent1"/>
-          </a:fillRef>
-          <a:effectRef idx="0">
-            <a:schemeClr val="accent1"/>
-          </a:effectRef>
-          <a:fontRef idx="minor">
-            <a:schemeClr val="tx1"/>
-          </a:fontRef>
-        </p:style>
-      </p:cxnSp>
-      <p:sp>
-        <p:nvSpPr>
-          <p:cNvPr id="46" name="CaixaDeTexto 45"/>
-          <p:cNvSpPr txBox="1"/>
-          <p:nvPr/>
-        </p:nvSpPr>
-        <p:spPr>
-          <a:xfrm>
-            <a:off x="281354" y="3446885"/>
-            <a:ext cx="1086338" cy="769441"/>
-          </a:xfrm>
-          <a:prstGeom prst="rect">
-            <a:avLst/>
-          </a:prstGeom>
-          <a:noFill/>
-        </p:spPr>
-        <p:txBody>
-          <a:bodyPr wrap="square" rtlCol="0">
-            <a:spAutoFit/>
-          </a:bodyPr>
-          <a:lstStyle/>
-          <a:p>
-            <a:pPr algn="ctr"/>
-            <a:r>
-              <a:rPr lang="pt-BR" sz="1100" b="1" dirty="0" smtClean="0"/>
-              <a:t>D3: </a:t>
-            </a:r>
-            <a:r>
-              <a:rPr lang="pt-BR" sz="1100" b="1" dirty="0" err="1" smtClean="0"/>
-              <a:t>kernel</a:t>
-            </a:r>
-            <a:r>
-              <a:rPr lang="pt-BR" sz="1100" b="1" dirty="0" smtClean="0"/>
-              <a:t> displays (min. </a:t>
-            </a:r>
-            <a:r>
-              <a:rPr lang="pt-BR" sz="1100" b="1" dirty="0" err="1" smtClean="0"/>
-              <a:t>and</a:t>
-            </a:r>
-            <a:r>
-              <a:rPr lang="pt-BR" sz="1100" b="1" dirty="0" smtClean="0"/>
-              <a:t> </a:t>
-            </a:r>
-            <a:r>
-              <a:rPr lang="pt-BR" sz="1100" b="1" dirty="0" err="1" smtClean="0"/>
-              <a:t>max</a:t>
-            </a:r>
-            <a:r>
-              <a:rPr lang="pt-BR" sz="1100" b="1" dirty="0" smtClean="0"/>
-              <a:t>. </a:t>
-            </a:r>
-            <a:r>
-              <a:rPr lang="pt-BR" sz="1100" b="1" dirty="0" err="1" smtClean="0"/>
-              <a:t>frequencies</a:t>
-            </a:r>
-            <a:r>
-              <a:rPr lang="pt-BR" sz="1100" b="1" dirty="0" smtClean="0"/>
-              <a:t>)</a:t>
-            </a:r>
-            <a:endParaRPr lang="pt-BR" sz="1100" b="1" dirty="0"/>
-          </a:p>
-        </p:txBody>
-      </p:sp>
-      <p:sp>
-        <p:nvSpPr>
-          <p:cNvPr id="49" name="Retângulo 48"/>
-          <p:cNvSpPr/>
-          <p:nvPr/>
-        </p:nvSpPr>
-        <p:spPr>
-          <a:xfrm>
-            <a:off x="1844433" y="2135144"/>
-            <a:ext cx="1867876" cy="574468"/>
-          </a:xfrm>
-          <a:prstGeom prst="rect">
-            <a:avLst/>
-          </a:prstGeom>
-          <a:noFill/>
-          <a:ln>
-            <a:solidFill>
-              <a:srgbClr val="FF0000"/>
-            </a:solidFill>
-          </a:ln>
-        </p:spPr>
-        <p:style>
-          <a:lnRef idx="2">
-            <a:schemeClr val="accent1">
-              <a:shade val="50000"/>
-            </a:schemeClr>
-          </a:lnRef>
-          <a:fillRef idx="1">
-            <a:schemeClr val="accent1"/>
-          </a:fillRef>
-          <a:effectRef idx="0">
-            <a:schemeClr val="accent1"/>
-          </a:effectRef>
-          <a:fontRef idx="minor">
-            <a:schemeClr val="lt1"/>
-          </a:fontRef>
-        </p:style>
-        <p:txBody>
-          <a:bodyPr rtlCol="0" anchor="ctr"/>
-          <a:lstStyle/>
-          <a:p>
-            <a:pPr algn="ctr"/>
-            <a:endParaRPr lang="pt-BR"/>
-          </a:p>
-        </p:txBody>
-      </p:sp>
-      <p:cxnSp>
-        <p:nvCxnSpPr>
-          <p:cNvPr id="51" name="Conector angulado 50"/>
-          <p:cNvCxnSpPr>
-            <a:stCxn id="54" idx="2"/>
-            <a:endCxn id="49" idx="1"/>
-          </p:cNvCxnSpPr>
-          <p:nvPr/>
-        </p:nvCxnSpPr>
-        <p:spPr>
-          <a:xfrm rot="16200000" flipH="1">
-            <a:off x="1016203" y="1594148"/>
-            <a:ext cx="1300406" cy="356053"/>
-          </a:xfrm>
-          <a:prstGeom prst="bentConnector2">
-            <a:avLst/>
-          </a:prstGeom>
-          <a:ln>
-            <a:solidFill>
-              <a:srgbClr val="FF0000"/>
-            </a:solidFill>
-            <a:tailEnd type="triangle"/>
-          </a:ln>
-        </p:spPr>
-        <p:style>
-          <a:lnRef idx="1">
-            <a:schemeClr val="accent1"/>
-          </a:lnRef>
-          <a:fillRef idx="0">
-            <a:schemeClr val="accent1"/>
-          </a:fillRef>
-          <a:effectRef idx="0">
-            <a:schemeClr val="accent1"/>
-          </a:effectRef>
-          <a:fontRef idx="minor">
-            <a:schemeClr val="tx1"/>
-          </a:fontRef>
-        </p:style>
-      </p:cxnSp>
-      <p:sp>
-        <p:nvSpPr>
-          <p:cNvPr id="54" name="CaixaDeTexto 53"/>
-          <p:cNvSpPr txBox="1"/>
-          <p:nvPr/>
-        </p:nvSpPr>
-        <p:spPr>
-          <a:xfrm>
-            <a:off x="493265" y="691085"/>
-            <a:ext cx="1990229" cy="430887"/>
-          </a:xfrm>
-          <a:prstGeom prst="rect">
-            <a:avLst/>
-          </a:prstGeom>
-          <a:noFill/>
-        </p:spPr>
-        <p:txBody>
-          <a:bodyPr wrap="square" rtlCol="0">
-            <a:spAutoFit/>
-          </a:bodyPr>
-          <a:lstStyle/>
-          <a:p>
-            <a:pPr algn="ctr"/>
-            <a:r>
-              <a:rPr lang="pt-BR" sz="1100" b="1" dirty="0" smtClean="0"/>
-              <a:t>D1: </a:t>
-            </a:r>
-            <a:r>
-              <a:rPr lang="pt-BR" sz="1100" b="1" dirty="0" err="1" smtClean="0"/>
-              <a:t>kernel</a:t>
-            </a:r>
-            <a:r>
-              <a:rPr lang="pt-BR" sz="1100" b="1" dirty="0" smtClean="0"/>
-              <a:t> </a:t>
-            </a:r>
-            <a:r>
-              <a:rPr lang="pt-BR" sz="1100" b="1" dirty="0" err="1" smtClean="0"/>
-              <a:t>frequency</a:t>
-            </a:r>
-            <a:r>
-              <a:rPr lang="pt-BR" sz="1100" b="1" dirty="0" smtClean="0"/>
-              <a:t> </a:t>
-            </a:r>
-            <a:r>
-              <a:rPr lang="pt-BR" sz="1100" b="1" dirty="0" err="1" smtClean="0"/>
-              <a:t>to</a:t>
-            </a:r>
-            <a:r>
-              <a:rPr lang="pt-BR" sz="1100" b="1" dirty="0" smtClean="0"/>
-              <a:t> </a:t>
-            </a:r>
-            <a:r>
-              <a:rPr lang="pt-BR" sz="1100" b="1" dirty="0" err="1" smtClean="0"/>
-              <a:t>spatial</a:t>
-            </a:r>
-            <a:r>
-              <a:rPr lang="pt-BR" sz="1100" b="1" dirty="0" smtClean="0"/>
-              <a:t> </a:t>
-            </a:r>
-            <a:r>
-              <a:rPr lang="pt-BR" sz="1100" b="1" dirty="0" err="1" smtClean="0"/>
-              <a:t>size</a:t>
-            </a:r>
-            <a:r>
-              <a:rPr lang="pt-BR" sz="1100" b="1" dirty="0" smtClean="0"/>
-              <a:t> </a:t>
-            </a:r>
-            <a:r>
-              <a:rPr lang="pt-BR" sz="1100" b="1" dirty="0" err="1" smtClean="0"/>
-              <a:t>conversion</a:t>
-            </a:r>
-            <a:r>
-              <a:rPr lang="pt-BR" sz="1100" b="1" dirty="0" smtClean="0"/>
-              <a:t> display</a:t>
-            </a:r>
-            <a:endParaRPr lang="pt-BR" sz="1100" b="1" dirty="0"/>
-          </a:p>
-        </p:txBody>
-      </p:sp>
-      <p:sp>
-        <p:nvSpPr>
-          <p:cNvPr id="58" name="CaixaDeTexto 57"/>
-          <p:cNvSpPr txBox="1"/>
-          <p:nvPr/>
-        </p:nvSpPr>
-        <p:spPr>
-          <a:xfrm>
-            <a:off x="3938659" y="5364293"/>
-            <a:ext cx="2071371" cy="261610"/>
-          </a:xfrm>
-          <a:prstGeom prst="rect">
-            <a:avLst/>
-          </a:prstGeom>
-          <a:noFill/>
-        </p:spPr>
-        <p:txBody>
-          <a:bodyPr wrap="square" rtlCol="0">
-            <a:spAutoFit/>
-          </a:bodyPr>
-          <a:lstStyle/>
-          <a:p>
-            <a:pPr algn="ctr"/>
-            <a:r>
-              <a:rPr lang="pt-BR" sz="1100" b="1" dirty="0" smtClean="0"/>
-              <a:t>B4: </a:t>
-            </a:r>
-            <a:r>
-              <a:rPr lang="pt-BR" sz="1100" b="1" dirty="0" err="1" smtClean="0"/>
-              <a:t>updates</a:t>
-            </a:r>
-            <a:r>
-              <a:rPr lang="pt-BR" sz="1100" b="1" dirty="0" smtClean="0"/>
-              <a:t> Gabor </a:t>
-            </a:r>
-            <a:r>
-              <a:rPr lang="pt-BR" sz="1100" b="1" dirty="0" err="1" smtClean="0"/>
-              <a:t>space</a:t>
-            </a:r>
-            <a:r>
-              <a:rPr lang="pt-BR" sz="1100" b="1" dirty="0" smtClean="0"/>
-              <a:t> display</a:t>
-            </a:r>
-            <a:endParaRPr lang="pt-BR" sz="1100" b="1" dirty="0"/>
-          </a:p>
-        </p:txBody>
-      </p:sp>
-      <p:cxnSp>
-        <p:nvCxnSpPr>
-          <p:cNvPr id="62" name="Conector angulado 61"/>
-          <p:cNvCxnSpPr>
-            <a:stCxn id="64" idx="1"/>
-            <a:endCxn id="63" idx="2"/>
-          </p:cNvCxnSpPr>
-          <p:nvPr/>
-        </p:nvCxnSpPr>
-        <p:spPr>
-          <a:xfrm rot="10800000">
-            <a:off x="2454296" y="5065235"/>
-            <a:ext cx="333245" cy="633120"/>
-          </a:xfrm>
-          <a:prstGeom prst="bentConnector2">
-            <a:avLst/>
-          </a:prstGeom>
-          <a:ln>
-            <a:solidFill>
-              <a:srgbClr val="FF0000"/>
-            </a:solidFill>
-            <a:tailEnd type="triangle"/>
-          </a:ln>
-        </p:spPr>
-        <p:style>
-          <a:lnRef idx="1">
-            <a:schemeClr val="accent1"/>
-          </a:lnRef>
-          <a:fillRef idx="0">
-            <a:schemeClr val="accent1"/>
-          </a:fillRef>
-          <a:effectRef idx="0">
-            <a:schemeClr val="accent1"/>
-          </a:effectRef>
-          <a:fontRef idx="minor">
-            <a:schemeClr val="tx1"/>
-          </a:fontRef>
-        </p:style>
-      </p:cxnSp>
-      <p:sp>
-        <p:nvSpPr>
-          <p:cNvPr id="63" name="Retângulo 62"/>
-          <p:cNvSpPr/>
-          <p:nvPr/>
-        </p:nvSpPr>
-        <p:spPr>
-          <a:xfrm>
-            <a:off x="2356285" y="4924558"/>
-            <a:ext cx="196020" cy="140677"/>
-          </a:xfrm>
-          <a:prstGeom prst="rect">
-            <a:avLst/>
-          </a:prstGeom>
-          <a:noFill/>
-          <a:ln>
-            <a:noFill/>
-          </a:ln>
-        </p:spPr>
-        <p:style>
-          <a:lnRef idx="2">
-            <a:schemeClr val="accent1">
-              <a:shade val="50000"/>
-            </a:schemeClr>
-          </a:lnRef>
-          <a:fillRef idx="1">
-            <a:schemeClr val="accent1"/>
-          </a:fillRef>
-          <a:effectRef idx="0">
-            <a:schemeClr val="accent1"/>
-          </a:effectRef>
-          <a:fontRef idx="minor">
-            <a:schemeClr val="lt1"/>
-          </a:fontRef>
-        </p:style>
-        <p:txBody>
-          <a:bodyPr rtlCol="0" anchor="ctr"/>
-          <a:lstStyle/>
-          <a:p>
-            <a:pPr algn="ctr"/>
-            <a:endParaRPr lang="pt-BR"/>
-          </a:p>
-        </p:txBody>
-      </p:sp>
-      <p:sp>
-        <p:nvSpPr>
-          <p:cNvPr id="64" name="CaixaDeTexto 63"/>
-          <p:cNvSpPr txBox="1"/>
-          <p:nvPr/>
-        </p:nvSpPr>
-        <p:spPr>
-          <a:xfrm>
-            <a:off x="2787540" y="5567550"/>
-            <a:ext cx="1948584" cy="261610"/>
-          </a:xfrm>
-          <a:prstGeom prst="rect">
-            <a:avLst/>
-          </a:prstGeom>
-          <a:noFill/>
-        </p:spPr>
-        <p:txBody>
-          <a:bodyPr wrap="square" rtlCol="0">
-            <a:spAutoFit/>
-          </a:bodyPr>
-          <a:lstStyle/>
-          <a:p>
-            <a:pPr algn="ctr"/>
-            <a:r>
-              <a:rPr lang="pt-BR" sz="1100" b="1" dirty="0" smtClean="0"/>
-              <a:t>B6: </a:t>
-            </a:r>
-            <a:r>
-              <a:rPr lang="pt-BR" sz="1100" b="1" dirty="0" err="1" smtClean="0"/>
-              <a:t>saves</a:t>
-            </a:r>
-            <a:r>
-              <a:rPr lang="pt-BR" sz="1100" b="1" dirty="0" smtClean="0"/>
-              <a:t> </a:t>
-            </a:r>
-            <a:r>
-              <a:rPr lang="pt-BR" sz="1100" b="1" dirty="0" err="1" smtClean="0"/>
-              <a:t>filtered</a:t>
-            </a:r>
-            <a:r>
-              <a:rPr lang="pt-BR" sz="1100" b="1" dirty="0" smtClean="0"/>
-              <a:t> </a:t>
-            </a:r>
-            <a:r>
-              <a:rPr lang="pt-BR" sz="1100" b="1" dirty="0" err="1" smtClean="0"/>
-              <a:t>result</a:t>
-            </a:r>
-            <a:r>
-              <a:rPr lang="pt-BR" sz="1100" b="1" dirty="0" smtClean="0"/>
-              <a:t> </a:t>
-            </a:r>
-            <a:r>
-              <a:rPr lang="pt-BR" sz="1100" b="1" dirty="0" err="1" smtClean="0"/>
-              <a:t>to</a:t>
-            </a:r>
-            <a:r>
-              <a:rPr lang="pt-BR" sz="1100" b="1" dirty="0" smtClean="0"/>
-              <a:t> file</a:t>
-            </a:r>
-            <a:endParaRPr lang="pt-BR" sz="1100" b="1" dirty="0"/>
-          </a:p>
-        </p:txBody>
-      </p:sp>
-      <p:cxnSp>
-        <p:nvCxnSpPr>
-          <p:cNvPr id="66" name="Conector angulado 65"/>
-          <p:cNvCxnSpPr>
-            <a:stCxn id="68" idx="1"/>
-            <a:endCxn id="67" idx="2"/>
-          </p:cNvCxnSpPr>
-          <p:nvPr/>
-        </p:nvCxnSpPr>
-        <p:spPr>
-          <a:xfrm rot="10800000">
-            <a:off x="2242506" y="5055202"/>
-            <a:ext cx="333244" cy="851948"/>
-          </a:xfrm>
-          <a:prstGeom prst="bentConnector2">
-            <a:avLst/>
-          </a:prstGeom>
-          <a:ln>
-            <a:solidFill>
-              <a:srgbClr val="FF0000"/>
-            </a:solidFill>
-            <a:tailEnd type="triangle"/>
-          </a:ln>
-        </p:spPr>
-        <p:style>
-          <a:lnRef idx="1">
-            <a:schemeClr val="accent1"/>
-          </a:lnRef>
-          <a:fillRef idx="0">
-            <a:schemeClr val="accent1"/>
-          </a:fillRef>
-          <a:effectRef idx="0">
-            <a:schemeClr val="accent1"/>
-          </a:effectRef>
-          <a:fontRef idx="minor">
-            <a:schemeClr val="tx1"/>
-          </a:fontRef>
-        </p:style>
-      </p:cxnSp>
-      <p:sp>
-        <p:nvSpPr>
-          <p:cNvPr id="67" name="Retângulo 66"/>
-          <p:cNvSpPr/>
-          <p:nvPr/>
-        </p:nvSpPr>
-        <p:spPr>
-          <a:xfrm>
-            <a:off x="2144496" y="4914525"/>
-            <a:ext cx="196020" cy="140677"/>
-          </a:xfrm>
-          <a:prstGeom prst="rect">
-            <a:avLst/>
-          </a:prstGeom>
-          <a:noFill/>
-          <a:ln>
-            <a:noFill/>
-          </a:ln>
-        </p:spPr>
-        <p:style>
-          <a:lnRef idx="2">
-            <a:schemeClr val="accent1">
-              <a:shade val="50000"/>
-            </a:schemeClr>
-          </a:lnRef>
-          <a:fillRef idx="1">
-            <a:schemeClr val="accent1"/>
-          </a:fillRef>
-          <a:effectRef idx="0">
-            <a:schemeClr val="accent1"/>
-          </a:effectRef>
-          <a:fontRef idx="minor">
-            <a:schemeClr val="lt1"/>
-          </a:fontRef>
-        </p:style>
-        <p:txBody>
-          <a:bodyPr rtlCol="0" anchor="ctr"/>
-          <a:lstStyle/>
-          <a:p>
-            <a:pPr algn="ctr"/>
-            <a:endParaRPr lang="pt-BR"/>
-          </a:p>
-        </p:txBody>
-      </p:sp>
-      <p:sp>
-        <p:nvSpPr>
-          <p:cNvPr id="68" name="CaixaDeTexto 67"/>
-          <p:cNvSpPr txBox="1"/>
-          <p:nvPr/>
-        </p:nvSpPr>
-        <p:spPr>
-          <a:xfrm>
-            <a:off x="2575750" y="5776345"/>
-            <a:ext cx="2832496" cy="261610"/>
-          </a:xfrm>
-          <a:prstGeom prst="rect">
-            <a:avLst/>
-          </a:prstGeom>
-          <a:noFill/>
-        </p:spPr>
-        <p:txBody>
-          <a:bodyPr wrap="square" rtlCol="0">
-            <a:spAutoFit/>
-          </a:bodyPr>
-          <a:lstStyle/>
-          <a:p>
-            <a:pPr algn="ctr"/>
-            <a:r>
-              <a:rPr lang="pt-BR" sz="1100" b="1" dirty="0" smtClean="0"/>
-              <a:t>B5: computes </a:t>
-            </a:r>
-            <a:r>
-              <a:rPr lang="pt-BR" sz="1100" b="1" dirty="0" err="1" smtClean="0"/>
-              <a:t>and</a:t>
-            </a:r>
-            <a:r>
-              <a:rPr lang="pt-BR" sz="1100" b="1" dirty="0" smtClean="0"/>
-              <a:t> displays </a:t>
-            </a:r>
-            <a:r>
-              <a:rPr lang="pt-BR" sz="1100" b="1" dirty="0" err="1" smtClean="0"/>
-              <a:t>the</a:t>
-            </a:r>
-            <a:r>
-              <a:rPr lang="pt-BR" sz="1100" b="1" dirty="0" smtClean="0"/>
-              <a:t> </a:t>
-            </a:r>
-            <a:r>
-              <a:rPr lang="pt-BR" sz="1100" b="1" dirty="0" err="1" smtClean="0"/>
-              <a:t>filtered</a:t>
-            </a:r>
-            <a:r>
-              <a:rPr lang="pt-BR" sz="1100" b="1" dirty="0" smtClean="0"/>
-              <a:t> </a:t>
-            </a:r>
-            <a:r>
-              <a:rPr lang="pt-BR" sz="1100" b="1" dirty="0" err="1" smtClean="0"/>
-              <a:t>result</a:t>
-            </a:r>
-            <a:endParaRPr lang="pt-BR" sz="1100" b="1" dirty="0"/>
-          </a:p>
-        </p:txBody>
-      </p:sp>
+        </p:spPr>
+      </p:pic>
     </p:spTree>
     <p:extLst>
       <p:ext uri="{BB962C8B-B14F-4D97-AF65-F5344CB8AC3E}">
-        <p14:creationId xmlns:p14="http://schemas.microsoft.com/office/powerpoint/2010/main" val="2190953065"/>
+        <p14:creationId xmlns:p14="http://schemas.microsoft.com/office/powerpoint/2010/main" val="1648656838"/>
       </p:ext>
     </p:extLst>
   </p:cSld>
@@ -17517,32 +16296,73 @@
         </p:blipFill>
         <p:spPr>
           <a:xfrm>
-            <a:off x="1199418" y="875594"/>
-            <a:ext cx="4945810" cy="3678360"/>
+            <a:off x="1758462" y="1572320"/>
+            <a:ext cx="5790223" cy="3644510"/>
           </a:xfrm>
           <a:prstGeom prst="rect">
             <a:avLst/>
           </a:prstGeom>
         </p:spPr>
       </p:pic>
+      <p:sp>
+        <p:nvSpPr>
+          <p:cNvPr id="7" name="CaixaDeTexto 6"/>
+          <p:cNvSpPr txBox="1"/>
+          <p:nvPr/>
+        </p:nvSpPr>
+        <p:spPr>
+          <a:xfrm>
+            <a:off x="3813273" y="884979"/>
+            <a:ext cx="2525004" cy="261610"/>
+          </a:xfrm>
+          <a:prstGeom prst="rect">
+            <a:avLst/>
+          </a:prstGeom>
+          <a:noFill/>
+        </p:spPr>
+        <p:txBody>
+          <a:bodyPr wrap="square" rtlCol="0">
+            <a:spAutoFit/>
+          </a:bodyPr>
+          <a:lstStyle/>
+          <a:p>
+            <a:pPr algn="ctr"/>
+            <a:r>
+              <a:rPr lang="pt-BR" sz="1100" b="1" dirty="0" smtClean="0"/>
+              <a:t>B2: computes </a:t>
+            </a:r>
+            <a:r>
+              <a:rPr lang="pt-BR" sz="1100" b="1" dirty="0" err="1" smtClean="0"/>
+              <a:t>and</a:t>
+            </a:r>
+            <a:r>
+              <a:rPr lang="pt-BR" sz="1100" b="1" dirty="0" smtClean="0"/>
+              <a:t> displays Gabor </a:t>
+            </a:r>
+            <a:r>
+              <a:rPr lang="pt-BR" sz="1100" b="1" dirty="0" err="1" smtClean="0"/>
+              <a:t>space</a:t>
+            </a:r>
+            <a:endParaRPr lang="pt-BR" sz="1100" b="1" dirty="0"/>
+          </a:p>
+        </p:txBody>
+      </p:sp>
       <p:cxnSp>
         <p:nvCxnSpPr>
-          <p:cNvPr id="5" name="Conector angulado 4"/>
+          <p:cNvPr id="9" name="Conector angulado 8"/>
           <p:cNvCxnSpPr>
             <a:stCxn id="7" idx="1"/>
-            <a:endCxn id="6" idx="3"/>
+            <a:endCxn id="10" idx="0"/>
           </p:cNvCxnSpPr>
           <p:nvPr/>
         </p:nvCxnSpPr>
         <p:spPr>
           <a:xfrm rot="10800000" flipV="1">
-            <a:off x="5408247" y="3470895"/>
-            <a:ext cx="857141" cy="1"/>
-          </a:xfrm>
-          <a:prstGeom prst="bentConnector3">
-            <a:avLst>
-              <a:gd name="adj1" fmla="val 50000"/>
-            </a:avLst>
+            <a:off x="3614299" y="1015783"/>
+            <a:ext cx="198975" cy="812593"/>
+          </a:xfrm>
+          <a:prstGeom prst="bentConnector2">
+            <a:avLst/>
           </a:prstGeom>
           <a:ln>
             <a:solidFill>
@@ -17568,13 +16388,13 @@
       </p:cxnSp>
       <p:sp>
         <p:nvSpPr>
-          <p:cNvPr id="6" name="Retângulo 5"/>
+          <p:cNvPr id="10" name="Retângulo 9"/>
           <p:cNvSpPr/>
           <p:nvPr/>
         </p:nvSpPr>
         <p:spPr>
           <a:xfrm>
-            <a:off x="5212226" y="3400558"/>
+            <a:off x="3516288" y="1828377"/>
             <a:ext cx="196020" cy="140677"/>
           </a:xfrm>
           <a:prstGeom prst="rect">
@@ -17610,62 +16430,24 @@
           </a:p>
         </p:txBody>
       </p:sp>
-      <p:sp>
-        <p:nvSpPr>
-          <p:cNvPr id="7" name="CaixaDeTexto 6"/>
-          <p:cNvSpPr txBox="1"/>
-          <p:nvPr/>
-        </p:nvSpPr>
-        <p:spPr>
-          <a:xfrm>
-            <a:off x="6265387" y="3340091"/>
-            <a:ext cx="1198306" cy="261610"/>
-          </a:xfrm>
-          <a:prstGeom prst="rect">
-            <a:avLst/>
-          </a:prstGeom>
-          <a:noFill/>
-        </p:spPr>
-        <p:txBody>
-          <a:bodyPr wrap="square" rtlCol="0">
-            <a:spAutoFit/>
-          </a:bodyPr>
-          <a:lstStyle/>
-          <a:p>
-            <a:pPr algn="ctr"/>
-            <a:r>
-              <a:rPr lang="pt-BR" sz="1100" b="1" dirty="0" err="1" smtClean="0"/>
-              <a:t>frequency</a:t>
-            </a:r>
-            <a:r>
-              <a:rPr lang="pt-BR" sz="1100" b="1" dirty="0" smtClean="0"/>
-              <a:t> </a:t>
-            </a:r>
-            <a:r>
-              <a:rPr lang="pt-BR" sz="1100" b="1" dirty="0" err="1" smtClean="0"/>
-              <a:t>scale</a:t>
-            </a:r>
-            <a:endParaRPr lang="pt-BR" sz="1100" b="1" dirty="0"/>
-          </a:p>
-        </p:txBody>
-      </p:sp>
       <p:cxnSp>
         <p:nvCxnSpPr>
-          <p:cNvPr id="8" name="Conector angulado 7"/>
+          <p:cNvPr id="15" name="Conector angulado 14"/>
           <p:cNvCxnSpPr>
-            <a:stCxn id="10" idx="2"/>
-            <a:endCxn id="9" idx="0"/>
+            <a:stCxn id="27" idx="1"/>
+            <a:endCxn id="16" idx="0"/>
           </p:cNvCxnSpPr>
           <p:nvPr/>
         </p:nvCxnSpPr>
         <p:spPr>
-          <a:xfrm rot="16200000" flipH="1">
-            <a:off x="3037911" y="1091036"/>
-            <a:ext cx="792883" cy="7815"/>
-          </a:xfrm>
-          <a:prstGeom prst="bentConnector3">
+          <a:xfrm rot="10800000" flipH="1" flipV="1">
+            <a:off x="3040185" y="691085"/>
+            <a:ext cx="216398" cy="1143976"/>
+          </a:xfrm>
+          <a:prstGeom prst="bentConnector4">
             <a:avLst>
-              <a:gd name="adj1" fmla="val 50000"/>
+              <a:gd name="adj1" fmla="val -105639"/>
+              <a:gd name="adj2" fmla="val 55717"/>
             </a:avLst>
           </a:prstGeom>
           <a:ln>
@@ -17692,13 +16474,13 @@
       </p:cxnSp>
       <p:sp>
         <p:nvSpPr>
-          <p:cNvPr id="9" name="Retângulo 8"/>
+          <p:cNvPr id="16" name="Retângulo 15"/>
           <p:cNvSpPr/>
           <p:nvPr/>
         </p:nvSpPr>
         <p:spPr>
           <a:xfrm>
-            <a:off x="3340250" y="1491386"/>
+            <a:off x="3158573" y="1835061"/>
             <a:ext cx="196020" cy="140677"/>
           </a:xfrm>
           <a:prstGeom prst="rect">
@@ -17736,14 +16518,14 @@
       </p:sp>
       <p:sp>
         <p:nvSpPr>
-          <p:cNvPr id="10" name="CaixaDeTexto 9"/>
+          <p:cNvPr id="20" name="CaixaDeTexto 19"/>
           <p:cNvSpPr txBox="1"/>
           <p:nvPr/>
         </p:nvSpPr>
         <p:spPr>
           <a:xfrm>
-            <a:off x="2764474" y="436893"/>
-            <a:ext cx="1331942" cy="261610"/>
+            <a:off x="4817549" y="1163247"/>
+            <a:ext cx="1692666" cy="261610"/>
           </a:xfrm>
           <a:prstGeom prst="rect">
             <a:avLst/>
@@ -17758,16 +16540,16 @@
           <a:p>
             <a:pPr algn="ctr"/>
             <a:r>
+              <a:rPr lang="pt-BR" sz="1100" b="1" dirty="0" smtClean="0"/>
+              <a:t>D2: Gabor </a:t>
+            </a:r>
+            <a:r>
               <a:rPr lang="pt-BR" sz="1100" b="1" dirty="0" err="1" smtClean="0"/>
-              <a:t>azimuth</a:t>
+              <a:t>space</a:t>
             </a:r>
             <a:r>
               <a:rPr lang="pt-BR" sz="1100" b="1" dirty="0" smtClean="0"/>
-              <a:t> </a:t>
-            </a:r>
-            <a:r>
-              <a:rPr lang="pt-BR" sz="1100" b="1" dirty="0" err="1" smtClean="0"/>
-              <a:t>scale</a:t>
+              <a:t> display</a:t>
             </a:r>
             <a:endParaRPr lang="pt-BR" sz="1100" b="1" dirty="0"/>
           </a:p>
@@ -17775,20 +16557,22 @@
       </p:sp>
       <p:cxnSp>
         <p:nvCxnSpPr>
-          <p:cNvPr id="24" name="Conector angulado 23"/>
+          <p:cNvPr id="21" name="Conector angulado 20"/>
           <p:cNvCxnSpPr>
-            <a:stCxn id="26" idx="1"/>
-            <a:endCxn id="25" idx="0"/>
+            <a:stCxn id="20" idx="2"/>
+            <a:endCxn id="22" idx="0"/>
           </p:cNvCxnSpPr>
           <p:nvPr/>
         </p:nvCxnSpPr>
         <p:spPr>
-          <a:xfrm rot="10800000" flipV="1">
-            <a:off x="5669287" y="1135264"/>
-            <a:ext cx="589408" cy="215443"/>
-          </a:xfrm>
-          <a:prstGeom prst="bentConnector2">
-            <a:avLst/>
+          <a:xfrm rot="5400000">
+            <a:off x="5490224" y="1598515"/>
+            <a:ext cx="347317" cy="12700"/>
+          </a:xfrm>
+          <a:prstGeom prst="bentConnector3">
+            <a:avLst>
+              <a:gd name="adj1" fmla="val 50000"/>
+            </a:avLst>
           </a:prstGeom>
           <a:ln>
             <a:solidFill>
@@ -17814,13 +16598,13 @@
       </p:cxnSp>
       <p:sp>
         <p:nvSpPr>
-          <p:cNvPr id="25" name="Retângulo 24"/>
+          <p:cNvPr id="22" name="Retângulo 21"/>
           <p:cNvSpPr/>
           <p:nvPr/>
         </p:nvSpPr>
         <p:spPr>
           <a:xfrm>
-            <a:off x="5571277" y="1350708"/>
+            <a:off x="5565872" y="1772174"/>
             <a:ext cx="196020" cy="140677"/>
           </a:xfrm>
           <a:prstGeom prst="rect">
@@ -17858,14 +16642,14 @@
       </p:sp>
       <p:sp>
         <p:nvSpPr>
-          <p:cNvPr id="26" name="CaixaDeTexto 25"/>
+          <p:cNvPr id="27" name="CaixaDeTexto 26"/>
           <p:cNvSpPr txBox="1"/>
           <p:nvPr/>
         </p:nvSpPr>
         <p:spPr>
           <a:xfrm>
-            <a:off x="6258695" y="919821"/>
-            <a:ext cx="1198306" cy="430887"/>
+            <a:off x="3040185" y="560280"/>
+            <a:ext cx="1914769" cy="261610"/>
           </a:xfrm>
           <a:prstGeom prst="rect">
             <a:avLst/>
@@ -17880,12 +16664,887 @@
           <a:p>
             <a:pPr algn="ctr"/>
             <a:r>
+              <a:rPr lang="pt-BR" sz="1100" b="1" dirty="0" smtClean="0"/>
+              <a:t>B1: opens </a:t>
+            </a:r>
+            <a:r>
               <a:rPr lang="pt-BR" sz="1100" b="1" dirty="0" err="1" smtClean="0"/>
-              <a:t>mean</a:t>
+              <a:t>the</a:t>
             </a:r>
             <a:r>
               <a:rPr lang="pt-BR" sz="1100" b="1" dirty="0" smtClean="0"/>
-              <a:t> response amplitude</a:t>
+              <a:t> scanner </a:t>
+            </a:r>
+            <a:r>
+              <a:rPr lang="pt-BR" sz="1100" b="1" dirty="0" err="1" smtClean="0"/>
+              <a:t>dialog</a:t>
+            </a:r>
+            <a:endParaRPr lang="pt-BR" sz="1100" b="1" dirty="0"/>
+          </a:p>
+        </p:txBody>
+      </p:sp>
+      <p:sp>
+        <p:nvSpPr>
+          <p:cNvPr id="31" name="CaixaDeTexto 30"/>
+          <p:cNvSpPr txBox="1"/>
+          <p:nvPr/>
+        </p:nvSpPr>
+        <p:spPr>
+          <a:xfrm>
+            <a:off x="250094" y="2897443"/>
+            <a:ext cx="1086338" cy="430887"/>
+          </a:xfrm>
+          <a:prstGeom prst="rect">
+            <a:avLst/>
+          </a:prstGeom>
+          <a:noFill/>
+        </p:spPr>
+        <p:txBody>
+          <a:bodyPr wrap="square" rtlCol="0">
+            <a:spAutoFit/>
+          </a:bodyPr>
+          <a:lstStyle/>
+          <a:p>
+            <a:pPr algn="ctr"/>
+            <a:r>
+              <a:rPr lang="pt-BR" sz="1100" b="1" dirty="0" smtClean="0"/>
+              <a:t>B3: </a:t>
+            </a:r>
+            <a:r>
+              <a:rPr lang="pt-BR" sz="1100" b="1" dirty="0" err="1" smtClean="0"/>
+              <a:t>refresh</a:t>
+            </a:r>
+            <a:r>
+              <a:rPr lang="pt-BR" sz="1100" b="1" dirty="0" smtClean="0"/>
+              <a:t> </a:t>
+            </a:r>
+          </a:p>
+          <a:p>
+            <a:pPr algn="ctr"/>
+            <a:r>
+              <a:rPr lang="pt-BR" sz="1100" b="1" dirty="0" err="1" smtClean="0"/>
+              <a:t>kernel</a:t>
+            </a:r>
+            <a:r>
+              <a:rPr lang="pt-BR" sz="1100" b="1" dirty="0" smtClean="0"/>
+              <a:t> displays</a:t>
+            </a:r>
+            <a:endParaRPr lang="pt-BR" sz="1100" b="1" dirty="0"/>
+          </a:p>
+        </p:txBody>
+      </p:sp>
+      <p:cxnSp>
+        <p:nvCxnSpPr>
+          <p:cNvPr id="32" name="Conector angulado 31"/>
+          <p:cNvCxnSpPr>
+            <a:stCxn id="58" idx="1"/>
+            <a:endCxn id="33" idx="2"/>
+          </p:cNvCxnSpPr>
+          <p:nvPr/>
+        </p:nvCxnSpPr>
+        <p:spPr>
+          <a:xfrm rot="10800000">
+            <a:off x="3605415" y="4682226"/>
+            <a:ext cx="333244" cy="812873"/>
+          </a:xfrm>
+          <a:prstGeom prst="bentConnector2">
+            <a:avLst/>
+          </a:prstGeom>
+          <a:ln>
+            <a:solidFill>
+              <a:srgbClr val="FF0000"/>
+            </a:solidFill>
+            <a:tailEnd type="triangle"/>
+          </a:ln>
+        </p:spPr>
+        <p:style>
+          <a:lnRef idx="1">
+            <a:schemeClr val="accent1"/>
+          </a:lnRef>
+          <a:fillRef idx="0">
+            <a:schemeClr val="accent1"/>
+          </a:fillRef>
+          <a:effectRef idx="0">
+            <a:schemeClr val="accent1"/>
+          </a:effectRef>
+          <a:fontRef idx="minor">
+            <a:schemeClr val="tx1"/>
+          </a:fontRef>
+        </p:style>
+      </p:cxnSp>
+      <p:sp>
+        <p:nvSpPr>
+          <p:cNvPr id="33" name="Retângulo 32"/>
+          <p:cNvSpPr/>
+          <p:nvPr/>
+        </p:nvSpPr>
+        <p:spPr>
+          <a:xfrm>
+            <a:off x="3507405" y="4541548"/>
+            <a:ext cx="196020" cy="140677"/>
+          </a:xfrm>
+          <a:prstGeom prst="rect">
+            <a:avLst/>
+          </a:prstGeom>
+          <a:noFill/>
+          <a:ln>
+            <a:noFill/>
+          </a:ln>
+        </p:spPr>
+        <p:style>
+          <a:lnRef idx="2">
+            <a:schemeClr val="accent1">
+              <a:shade val="50000"/>
+            </a:schemeClr>
+          </a:lnRef>
+          <a:fillRef idx="1">
+            <a:schemeClr val="accent1"/>
+          </a:fillRef>
+          <a:effectRef idx="0">
+            <a:schemeClr val="accent1"/>
+          </a:effectRef>
+          <a:fontRef idx="minor">
+            <a:schemeClr val="lt1"/>
+          </a:fontRef>
+        </p:style>
+        <p:txBody>
+          <a:bodyPr rtlCol="0" anchor="ctr"/>
+          <a:lstStyle/>
+          <a:p>
+            <a:pPr algn="ctr"/>
+            <a:endParaRPr lang="pt-BR"/>
+          </a:p>
+        </p:txBody>
+      </p:sp>
+      <p:cxnSp>
+        <p:nvCxnSpPr>
+          <p:cNvPr id="34" name="Conector angulado 33"/>
+          <p:cNvCxnSpPr>
+            <a:stCxn id="31" idx="3"/>
+            <a:endCxn id="35" idx="1"/>
+          </p:cNvCxnSpPr>
+          <p:nvPr/>
+        </p:nvCxnSpPr>
+        <p:spPr>
+          <a:xfrm flipV="1">
+            <a:off x="1336432" y="2876336"/>
+            <a:ext cx="2179856" cy="236551"/>
+          </a:xfrm>
+          <a:prstGeom prst="bentConnector3">
+            <a:avLst>
+              <a:gd name="adj1" fmla="val 50000"/>
+            </a:avLst>
+          </a:prstGeom>
+          <a:ln>
+            <a:solidFill>
+              <a:srgbClr val="FF0000"/>
+            </a:solidFill>
+            <a:tailEnd type="triangle"/>
+          </a:ln>
+        </p:spPr>
+        <p:style>
+          <a:lnRef idx="1">
+            <a:schemeClr val="accent1"/>
+          </a:lnRef>
+          <a:fillRef idx="0">
+            <a:schemeClr val="accent1"/>
+          </a:fillRef>
+          <a:effectRef idx="0">
+            <a:schemeClr val="accent1"/>
+          </a:effectRef>
+          <a:fontRef idx="minor">
+            <a:schemeClr val="tx1"/>
+          </a:fontRef>
+        </p:style>
+      </p:cxnSp>
+      <p:sp>
+        <p:nvSpPr>
+          <p:cNvPr id="35" name="Retângulo 34"/>
+          <p:cNvSpPr/>
+          <p:nvPr/>
+        </p:nvSpPr>
+        <p:spPr>
+          <a:xfrm>
+            <a:off x="3516288" y="2773634"/>
+            <a:ext cx="196020" cy="205403"/>
+          </a:xfrm>
+          <a:prstGeom prst="rect">
+            <a:avLst/>
+          </a:prstGeom>
+          <a:noFill/>
+          <a:ln>
+            <a:noFill/>
+          </a:ln>
+        </p:spPr>
+        <p:style>
+          <a:lnRef idx="2">
+            <a:schemeClr val="accent1">
+              <a:shade val="50000"/>
+            </a:schemeClr>
+          </a:lnRef>
+          <a:fillRef idx="1">
+            <a:schemeClr val="accent1"/>
+          </a:fillRef>
+          <a:effectRef idx="0">
+            <a:schemeClr val="accent1"/>
+          </a:effectRef>
+          <a:fontRef idx="minor">
+            <a:schemeClr val="lt1"/>
+          </a:fontRef>
+        </p:style>
+        <p:txBody>
+          <a:bodyPr rtlCol="0" anchor="ctr"/>
+          <a:lstStyle/>
+          <a:p>
+            <a:pPr algn="ctr"/>
+            <a:endParaRPr lang="pt-BR"/>
+          </a:p>
+        </p:txBody>
+      </p:sp>
+      <p:sp>
+        <p:nvSpPr>
+          <p:cNvPr id="42" name="Retângulo 41"/>
+          <p:cNvSpPr/>
+          <p:nvPr/>
+        </p:nvSpPr>
+        <p:spPr>
+          <a:xfrm>
+            <a:off x="1844431" y="3390850"/>
+            <a:ext cx="1867877" cy="884165"/>
+          </a:xfrm>
+          <a:prstGeom prst="rect">
+            <a:avLst/>
+          </a:prstGeom>
+          <a:noFill/>
+          <a:ln>
+            <a:solidFill>
+              <a:srgbClr val="FF0000"/>
+            </a:solidFill>
+          </a:ln>
+        </p:spPr>
+        <p:style>
+          <a:lnRef idx="2">
+            <a:schemeClr val="accent1">
+              <a:shade val="50000"/>
+            </a:schemeClr>
+          </a:lnRef>
+          <a:fillRef idx="1">
+            <a:schemeClr val="accent1"/>
+          </a:fillRef>
+          <a:effectRef idx="0">
+            <a:schemeClr val="accent1"/>
+          </a:effectRef>
+          <a:fontRef idx="minor">
+            <a:schemeClr val="lt1"/>
+          </a:fontRef>
+        </p:style>
+        <p:txBody>
+          <a:bodyPr rtlCol="0" anchor="ctr"/>
+          <a:lstStyle/>
+          <a:p>
+            <a:pPr algn="ctr"/>
+            <a:endParaRPr lang="pt-BR"/>
+          </a:p>
+        </p:txBody>
+      </p:sp>
+      <p:cxnSp>
+        <p:nvCxnSpPr>
+          <p:cNvPr id="43" name="Conector angulado 42"/>
+          <p:cNvCxnSpPr>
+            <a:stCxn id="46" idx="3"/>
+            <a:endCxn id="42" idx="1"/>
+          </p:cNvCxnSpPr>
+          <p:nvPr/>
+        </p:nvCxnSpPr>
+        <p:spPr>
+          <a:xfrm>
+            <a:off x="1367692" y="3831606"/>
+            <a:ext cx="476739" cy="1327"/>
+          </a:xfrm>
+          <a:prstGeom prst="bentConnector3">
+            <a:avLst>
+              <a:gd name="adj1" fmla="val 50000"/>
+            </a:avLst>
+          </a:prstGeom>
+          <a:ln>
+            <a:solidFill>
+              <a:srgbClr val="FF0000"/>
+            </a:solidFill>
+            <a:tailEnd type="triangle"/>
+          </a:ln>
+        </p:spPr>
+        <p:style>
+          <a:lnRef idx="1">
+            <a:schemeClr val="accent1"/>
+          </a:lnRef>
+          <a:fillRef idx="0">
+            <a:schemeClr val="accent1"/>
+          </a:fillRef>
+          <a:effectRef idx="0">
+            <a:schemeClr val="accent1"/>
+          </a:effectRef>
+          <a:fontRef idx="minor">
+            <a:schemeClr val="tx1"/>
+          </a:fontRef>
+        </p:style>
+      </p:cxnSp>
+      <p:sp>
+        <p:nvSpPr>
+          <p:cNvPr id="46" name="CaixaDeTexto 45"/>
+          <p:cNvSpPr txBox="1"/>
+          <p:nvPr/>
+        </p:nvSpPr>
+        <p:spPr>
+          <a:xfrm>
+            <a:off x="281354" y="3446885"/>
+            <a:ext cx="1086338" cy="769441"/>
+          </a:xfrm>
+          <a:prstGeom prst="rect">
+            <a:avLst/>
+          </a:prstGeom>
+          <a:noFill/>
+        </p:spPr>
+        <p:txBody>
+          <a:bodyPr wrap="square" rtlCol="0">
+            <a:spAutoFit/>
+          </a:bodyPr>
+          <a:lstStyle/>
+          <a:p>
+            <a:pPr algn="ctr"/>
+            <a:r>
+              <a:rPr lang="pt-BR" sz="1100" b="1" dirty="0" smtClean="0"/>
+              <a:t>D3: </a:t>
+            </a:r>
+            <a:r>
+              <a:rPr lang="pt-BR" sz="1100" b="1" dirty="0" err="1" smtClean="0"/>
+              <a:t>kernel</a:t>
+            </a:r>
+            <a:r>
+              <a:rPr lang="pt-BR" sz="1100" b="1" dirty="0" smtClean="0"/>
+              <a:t> displays (min. </a:t>
+            </a:r>
+            <a:r>
+              <a:rPr lang="pt-BR" sz="1100" b="1" dirty="0" err="1" smtClean="0"/>
+              <a:t>and</a:t>
+            </a:r>
+            <a:r>
+              <a:rPr lang="pt-BR" sz="1100" b="1" dirty="0" smtClean="0"/>
+              <a:t> </a:t>
+            </a:r>
+            <a:r>
+              <a:rPr lang="pt-BR" sz="1100" b="1" dirty="0" err="1" smtClean="0"/>
+              <a:t>max</a:t>
+            </a:r>
+            <a:r>
+              <a:rPr lang="pt-BR" sz="1100" b="1" dirty="0" smtClean="0"/>
+              <a:t>. </a:t>
+            </a:r>
+            <a:r>
+              <a:rPr lang="pt-BR" sz="1100" b="1" dirty="0" err="1" smtClean="0"/>
+              <a:t>frequencies</a:t>
+            </a:r>
+            <a:r>
+              <a:rPr lang="pt-BR" sz="1100" b="1" dirty="0" smtClean="0"/>
+              <a:t>)</a:t>
+            </a:r>
+            <a:endParaRPr lang="pt-BR" sz="1100" b="1" dirty="0"/>
+          </a:p>
+        </p:txBody>
+      </p:sp>
+      <p:sp>
+        <p:nvSpPr>
+          <p:cNvPr id="49" name="Retângulo 48"/>
+          <p:cNvSpPr/>
+          <p:nvPr/>
+        </p:nvSpPr>
+        <p:spPr>
+          <a:xfrm>
+            <a:off x="1844433" y="2135144"/>
+            <a:ext cx="1867876" cy="574468"/>
+          </a:xfrm>
+          <a:prstGeom prst="rect">
+            <a:avLst/>
+          </a:prstGeom>
+          <a:noFill/>
+          <a:ln>
+            <a:solidFill>
+              <a:srgbClr val="FF0000"/>
+            </a:solidFill>
+          </a:ln>
+        </p:spPr>
+        <p:style>
+          <a:lnRef idx="2">
+            <a:schemeClr val="accent1">
+              <a:shade val="50000"/>
+            </a:schemeClr>
+          </a:lnRef>
+          <a:fillRef idx="1">
+            <a:schemeClr val="accent1"/>
+          </a:fillRef>
+          <a:effectRef idx="0">
+            <a:schemeClr val="accent1"/>
+          </a:effectRef>
+          <a:fontRef idx="minor">
+            <a:schemeClr val="lt1"/>
+          </a:fontRef>
+        </p:style>
+        <p:txBody>
+          <a:bodyPr rtlCol="0" anchor="ctr"/>
+          <a:lstStyle/>
+          <a:p>
+            <a:pPr algn="ctr"/>
+            <a:endParaRPr lang="pt-BR"/>
+          </a:p>
+        </p:txBody>
+      </p:sp>
+      <p:cxnSp>
+        <p:nvCxnSpPr>
+          <p:cNvPr id="51" name="Conector angulado 50"/>
+          <p:cNvCxnSpPr>
+            <a:stCxn id="54" idx="2"/>
+            <a:endCxn id="49" idx="1"/>
+          </p:cNvCxnSpPr>
+          <p:nvPr/>
+        </p:nvCxnSpPr>
+        <p:spPr>
+          <a:xfrm rot="16200000" flipH="1">
+            <a:off x="1016203" y="1594148"/>
+            <a:ext cx="1300406" cy="356053"/>
+          </a:xfrm>
+          <a:prstGeom prst="bentConnector2">
+            <a:avLst/>
+          </a:prstGeom>
+          <a:ln>
+            <a:solidFill>
+              <a:srgbClr val="FF0000"/>
+            </a:solidFill>
+            <a:tailEnd type="triangle"/>
+          </a:ln>
+        </p:spPr>
+        <p:style>
+          <a:lnRef idx="1">
+            <a:schemeClr val="accent1"/>
+          </a:lnRef>
+          <a:fillRef idx="0">
+            <a:schemeClr val="accent1"/>
+          </a:fillRef>
+          <a:effectRef idx="0">
+            <a:schemeClr val="accent1"/>
+          </a:effectRef>
+          <a:fontRef idx="minor">
+            <a:schemeClr val="tx1"/>
+          </a:fontRef>
+        </p:style>
+      </p:cxnSp>
+      <p:sp>
+        <p:nvSpPr>
+          <p:cNvPr id="54" name="CaixaDeTexto 53"/>
+          <p:cNvSpPr txBox="1"/>
+          <p:nvPr/>
+        </p:nvSpPr>
+        <p:spPr>
+          <a:xfrm>
+            <a:off x="493265" y="691085"/>
+            <a:ext cx="1990229" cy="430887"/>
+          </a:xfrm>
+          <a:prstGeom prst="rect">
+            <a:avLst/>
+          </a:prstGeom>
+          <a:noFill/>
+        </p:spPr>
+        <p:txBody>
+          <a:bodyPr wrap="square" rtlCol="0">
+            <a:spAutoFit/>
+          </a:bodyPr>
+          <a:lstStyle/>
+          <a:p>
+            <a:pPr algn="ctr"/>
+            <a:r>
+              <a:rPr lang="pt-BR" sz="1100" b="1" dirty="0" smtClean="0"/>
+              <a:t>D1: </a:t>
+            </a:r>
+            <a:r>
+              <a:rPr lang="pt-BR" sz="1100" b="1" dirty="0" err="1" smtClean="0"/>
+              <a:t>kernel</a:t>
+            </a:r>
+            <a:r>
+              <a:rPr lang="pt-BR" sz="1100" b="1" dirty="0" smtClean="0"/>
+              <a:t> </a:t>
+            </a:r>
+            <a:r>
+              <a:rPr lang="pt-BR" sz="1100" b="1" dirty="0" err="1" smtClean="0"/>
+              <a:t>frequency</a:t>
+            </a:r>
+            <a:r>
+              <a:rPr lang="pt-BR" sz="1100" b="1" dirty="0" smtClean="0"/>
+              <a:t> </a:t>
+            </a:r>
+            <a:r>
+              <a:rPr lang="pt-BR" sz="1100" b="1" dirty="0" err="1" smtClean="0"/>
+              <a:t>to</a:t>
+            </a:r>
+            <a:r>
+              <a:rPr lang="pt-BR" sz="1100" b="1" dirty="0" smtClean="0"/>
+              <a:t> </a:t>
+            </a:r>
+            <a:r>
+              <a:rPr lang="pt-BR" sz="1100" b="1" dirty="0" err="1" smtClean="0"/>
+              <a:t>spatial</a:t>
+            </a:r>
+            <a:r>
+              <a:rPr lang="pt-BR" sz="1100" b="1" dirty="0" smtClean="0"/>
+              <a:t> </a:t>
+            </a:r>
+            <a:r>
+              <a:rPr lang="pt-BR" sz="1100" b="1" dirty="0" err="1" smtClean="0"/>
+              <a:t>size</a:t>
+            </a:r>
+            <a:r>
+              <a:rPr lang="pt-BR" sz="1100" b="1" dirty="0" smtClean="0"/>
+              <a:t> </a:t>
+            </a:r>
+            <a:r>
+              <a:rPr lang="pt-BR" sz="1100" b="1" dirty="0" err="1" smtClean="0"/>
+              <a:t>conversion</a:t>
+            </a:r>
+            <a:r>
+              <a:rPr lang="pt-BR" sz="1100" b="1" dirty="0" smtClean="0"/>
+              <a:t> display</a:t>
+            </a:r>
+            <a:endParaRPr lang="pt-BR" sz="1100" b="1" dirty="0"/>
+          </a:p>
+        </p:txBody>
+      </p:sp>
+      <p:sp>
+        <p:nvSpPr>
+          <p:cNvPr id="58" name="CaixaDeTexto 57"/>
+          <p:cNvSpPr txBox="1"/>
+          <p:nvPr/>
+        </p:nvSpPr>
+        <p:spPr>
+          <a:xfrm>
+            <a:off x="3938659" y="5364293"/>
+            <a:ext cx="2071371" cy="261610"/>
+          </a:xfrm>
+          <a:prstGeom prst="rect">
+            <a:avLst/>
+          </a:prstGeom>
+          <a:noFill/>
+        </p:spPr>
+        <p:txBody>
+          <a:bodyPr wrap="square" rtlCol="0">
+            <a:spAutoFit/>
+          </a:bodyPr>
+          <a:lstStyle/>
+          <a:p>
+            <a:pPr algn="ctr"/>
+            <a:r>
+              <a:rPr lang="pt-BR" sz="1100" b="1" dirty="0" smtClean="0"/>
+              <a:t>B4: </a:t>
+            </a:r>
+            <a:r>
+              <a:rPr lang="pt-BR" sz="1100" b="1" dirty="0" err="1" smtClean="0"/>
+              <a:t>updates</a:t>
+            </a:r>
+            <a:r>
+              <a:rPr lang="pt-BR" sz="1100" b="1" dirty="0" smtClean="0"/>
+              <a:t> Gabor </a:t>
+            </a:r>
+            <a:r>
+              <a:rPr lang="pt-BR" sz="1100" b="1" dirty="0" err="1" smtClean="0"/>
+              <a:t>space</a:t>
+            </a:r>
+            <a:r>
+              <a:rPr lang="pt-BR" sz="1100" b="1" dirty="0" smtClean="0"/>
+              <a:t> display</a:t>
+            </a:r>
+            <a:endParaRPr lang="pt-BR" sz="1100" b="1" dirty="0"/>
+          </a:p>
+        </p:txBody>
+      </p:sp>
+      <p:cxnSp>
+        <p:nvCxnSpPr>
+          <p:cNvPr id="62" name="Conector angulado 61"/>
+          <p:cNvCxnSpPr>
+            <a:stCxn id="64" idx="1"/>
+            <a:endCxn id="63" idx="2"/>
+          </p:cNvCxnSpPr>
+          <p:nvPr/>
+        </p:nvCxnSpPr>
+        <p:spPr>
+          <a:xfrm rot="10800000">
+            <a:off x="2454296" y="5065235"/>
+            <a:ext cx="333245" cy="633120"/>
+          </a:xfrm>
+          <a:prstGeom prst="bentConnector2">
+            <a:avLst/>
+          </a:prstGeom>
+          <a:ln>
+            <a:solidFill>
+              <a:srgbClr val="FF0000"/>
+            </a:solidFill>
+            <a:tailEnd type="triangle"/>
+          </a:ln>
+        </p:spPr>
+        <p:style>
+          <a:lnRef idx="1">
+            <a:schemeClr val="accent1"/>
+          </a:lnRef>
+          <a:fillRef idx="0">
+            <a:schemeClr val="accent1"/>
+          </a:fillRef>
+          <a:effectRef idx="0">
+            <a:schemeClr val="accent1"/>
+          </a:effectRef>
+          <a:fontRef idx="minor">
+            <a:schemeClr val="tx1"/>
+          </a:fontRef>
+        </p:style>
+      </p:cxnSp>
+      <p:sp>
+        <p:nvSpPr>
+          <p:cNvPr id="63" name="Retângulo 62"/>
+          <p:cNvSpPr/>
+          <p:nvPr/>
+        </p:nvSpPr>
+        <p:spPr>
+          <a:xfrm>
+            <a:off x="2356285" y="4924558"/>
+            <a:ext cx="196020" cy="140677"/>
+          </a:xfrm>
+          <a:prstGeom prst="rect">
+            <a:avLst/>
+          </a:prstGeom>
+          <a:noFill/>
+          <a:ln>
+            <a:noFill/>
+          </a:ln>
+        </p:spPr>
+        <p:style>
+          <a:lnRef idx="2">
+            <a:schemeClr val="accent1">
+              <a:shade val="50000"/>
+            </a:schemeClr>
+          </a:lnRef>
+          <a:fillRef idx="1">
+            <a:schemeClr val="accent1"/>
+          </a:fillRef>
+          <a:effectRef idx="0">
+            <a:schemeClr val="accent1"/>
+          </a:effectRef>
+          <a:fontRef idx="minor">
+            <a:schemeClr val="lt1"/>
+          </a:fontRef>
+        </p:style>
+        <p:txBody>
+          <a:bodyPr rtlCol="0" anchor="ctr"/>
+          <a:lstStyle/>
+          <a:p>
+            <a:pPr algn="ctr"/>
+            <a:endParaRPr lang="pt-BR"/>
+          </a:p>
+        </p:txBody>
+      </p:sp>
+      <p:sp>
+        <p:nvSpPr>
+          <p:cNvPr id="64" name="CaixaDeTexto 63"/>
+          <p:cNvSpPr txBox="1"/>
+          <p:nvPr/>
+        </p:nvSpPr>
+        <p:spPr>
+          <a:xfrm>
+            <a:off x="2787540" y="5567550"/>
+            <a:ext cx="1948584" cy="261610"/>
+          </a:xfrm>
+          <a:prstGeom prst="rect">
+            <a:avLst/>
+          </a:prstGeom>
+          <a:noFill/>
+        </p:spPr>
+        <p:txBody>
+          <a:bodyPr wrap="square" rtlCol="0">
+            <a:spAutoFit/>
+          </a:bodyPr>
+          <a:lstStyle/>
+          <a:p>
+            <a:pPr algn="ctr"/>
+            <a:r>
+              <a:rPr lang="pt-BR" sz="1100" b="1" dirty="0" smtClean="0"/>
+              <a:t>B6: </a:t>
+            </a:r>
+            <a:r>
+              <a:rPr lang="pt-BR" sz="1100" b="1" dirty="0" err="1" smtClean="0"/>
+              <a:t>saves</a:t>
+            </a:r>
+            <a:r>
+              <a:rPr lang="pt-BR" sz="1100" b="1" dirty="0" smtClean="0"/>
+              <a:t> </a:t>
+            </a:r>
+            <a:r>
+              <a:rPr lang="pt-BR" sz="1100" b="1" dirty="0" err="1" smtClean="0"/>
+              <a:t>filtered</a:t>
+            </a:r>
+            <a:r>
+              <a:rPr lang="pt-BR" sz="1100" b="1" dirty="0" smtClean="0"/>
+              <a:t> </a:t>
+            </a:r>
+            <a:r>
+              <a:rPr lang="pt-BR" sz="1100" b="1" dirty="0" err="1" smtClean="0"/>
+              <a:t>result</a:t>
+            </a:r>
+            <a:r>
+              <a:rPr lang="pt-BR" sz="1100" b="1" dirty="0" smtClean="0"/>
+              <a:t> </a:t>
+            </a:r>
+            <a:r>
+              <a:rPr lang="pt-BR" sz="1100" b="1" dirty="0" err="1" smtClean="0"/>
+              <a:t>to</a:t>
+            </a:r>
+            <a:r>
+              <a:rPr lang="pt-BR" sz="1100" b="1" dirty="0" smtClean="0"/>
+              <a:t> file</a:t>
+            </a:r>
+            <a:endParaRPr lang="pt-BR" sz="1100" b="1" dirty="0"/>
+          </a:p>
+        </p:txBody>
+      </p:sp>
+      <p:cxnSp>
+        <p:nvCxnSpPr>
+          <p:cNvPr id="66" name="Conector angulado 65"/>
+          <p:cNvCxnSpPr>
+            <a:stCxn id="68" idx="1"/>
+            <a:endCxn id="67" idx="2"/>
+          </p:cNvCxnSpPr>
+          <p:nvPr/>
+        </p:nvCxnSpPr>
+        <p:spPr>
+          <a:xfrm rot="10800000">
+            <a:off x="2242506" y="5055202"/>
+            <a:ext cx="333244" cy="851948"/>
+          </a:xfrm>
+          <a:prstGeom prst="bentConnector2">
+            <a:avLst/>
+          </a:prstGeom>
+          <a:ln>
+            <a:solidFill>
+              <a:srgbClr val="FF0000"/>
+            </a:solidFill>
+            <a:tailEnd type="triangle"/>
+          </a:ln>
+        </p:spPr>
+        <p:style>
+          <a:lnRef idx="1">
+            <a:schemeClr val="accent1"/>
+          </a:lnRef>
+          <a:fillRef idx="0">
+            <a:schemeClr val="accent1"/>
+          </a:fillRef>
+          <a:effectRef idx="0">
+            <a:schemeClr val="accent1"/>
+          </a:effectRef>
+          <a:fontRef idx="minor">
+            <a:schemeClr val="tx1"/>
+          </a:fontRef>
+        </p:style>
+      </p:cxnSp>
+      <p:sp>
+        <p:nvSpPr>
+          <p:cNvPr id="67" name="Retângulo 66"/>
+          <p:cNvSpPr/>
+          <p:nvPr/>
+        </p:nvSpPr>
+        <p:spPr>
+          <a:xfrm>
+            <a:off x="2144496" y="4914525"/>
+            <a:ext cx="196020" cy="140677"/>
+          </a:xfrm>
+          <a:prstGeom prst="rect">
+            <a:avLst/>
+          </a:prstGeom>
+          <a:noFill/>
+          <a:ln>
+            <a:noFill/>
+          </a:ln>
+        </p:spPr>
+        <p:style>
+          <a:lnRef idx="2">
+            <a:schemeClr val="accent1">
+              <a:shade val="50000"/>
+            </a:schemeClr>
+          </a:lnRef>
+          <a:fillRef idx="1">
+            <a:schemeClr val="accent1"/>
+          </a:fillRef>
+          <a:effectRef idx="0">
+            <a:schemeClr val="accent1"/>
+          </a:effectRef>
+          <a:fontRef idx="minor">
+            <a:schemeClr val="lt1"/>
+          </a:fontRef>
+        </p:style>
+        <p:txBody>
+          <a:bodyPr rtlCol="0" anchor="ctr"/>
+          <a:lstStyle/>
+          <a:p>
+            <a:pPr algn="ctr"/>
+            <a:endParaRPr lang="pt-BR"/>
+          </a:p>
+        </p:txBody>
+      </p:sp>
+      <p:sp>
+        <p:nvSpPr>
+          <p:cNvPr id="68" name="CaixaDeTexto 67"/>
+          <p:cNvSpPr txBox="1"/>
+          <p:nvPr/>
+        </p:nvSpPr>
+        <p:spPr>
+          <a:xfrm>
+            <a:off x="2575750" y="5776345"/>
+            <a:ext cx="2832496" cy="261610"/>
+          </a:xfrm>
+          <a:prstGeom prst="rect">
+            <a:avLst/>
+          </a:prstGeom>
+          <a:noFill/>
+        </p:spPr>
+        <p:txBody>
+          <a:bodyPr wrap="square" rtlCol="0">
+            <a:spAutoFit/>
+          </a:bodyPr>
+          <a:lstStyle/>
+          <a:p>
+            <a:pPr algn="ctr"/>
+            <a:r>
+              <a:rPr lang="pt-BR" sz="1100" b="1" dirty="0" smtClean="0"/>
+              <a:t>B5: computes </a:t>
+            </a:r>
+            <a:r>
+              <a:rPr lang="pt-BR" sz="1100" b="1" dirty="0" err="1" smtClean="0"/>
+              <a:t>and</a:t>
+            </a:r>
+            <a:r>
+              <a:rPr lang="pt-BR" sz="1100" b="1" dirty="0" smtClean="0"/>
+              <a:t> displays </a:t>
+            </a:r>
+            <a:r>
+              <a:rPr lang="pt-BR" sz="1100" b="1" dirty="0" err="1" smtClean="0"/>
+              <a:t>the</a:t>
+            </a:r>
+            <a:r>
+              <a:rPr lang="pt-BR" sz="1100" b="1" dirty="0" smtClean="0"/>
+              <a:t> </a:t>
+            </a:r>
+            <a:r>
+              <a:rPr lang="pt-BR" sz="1100" b="1" dirty="0" err="1" smtClean="0"/>
+              <a:t>filtered</a:t>
+            </a:r>
+            <a:r>
+              <a:rPr lang="pt-BR" sz="1100" b="1" dirty="0" smtClean="0"/>
+              <a:t> </a:t>
+            </a:r>
+            <a:r>
+              <a:rPr lang="pt-BR" sz="1100" b="1" dirty="0" err="1" smtClean="0"/>
+              <a:t>result</a:t>
             </a:r>
             <a:endParaRPr lang="pt-BR" sz="1100" b="1" dirty="0"/>
           </a:p>
@@ -17894,7 +17553,7 @@
     </p:spTree>
     <p:extLst>
       <p:ext uri="{BB962C8B-B14F-4D97-AF65-F5344CB8AC3E}">
-        <p14:creationId xmlns:p14="http://schemas.microsoft.com/office/powerpoint/2010/main" val="1995761876"/>
+        <p14:creationId xmlns:p14="http://schemas.microsoft.com/office/powerpoint/2010/main" val="2190953065"/>
       </p:ext>
     </p:extLst>
   </p:cSld>
@@ -19036,7 +18695,7 @@
       </p:grpSpPr>
       <p:pic>
         <p:nvPicPr>
-          <p:cNvPr id="16" name="Imagem 15"/>
+          <p:cNvPr id="4" name="Imagem 3"/>
           <p:cNvPicPr>
             <a:picLocks noChangeAspect="1"/>
           </p:cNvPicPr>
@@ -19050,129 +18709,72 @@
         </p:blipFill>
         <p:spPr>
           <a:xfrm>
-            <a:off x="360040" y="249593"/>
-            <a:ext cx="8244408" cy="4331535"/>
+            <a:off x="1199418" y="875594"/>
+            <a:ext cx="4945810" cy="3678360"/>
           </a:xfrm>
           <a:prstGeom prst="rect">
             <a:avLst/>
+          </a:prstGeom>
+        </p:spPr>
+      </p:pic>
+      <p:cxnSp>
+        <p:nvCxnSpPr>
+          <p:cNvPr id="5" name="Conector angulado 4"/>
+          <p:cNvCxnSpPr>
+            <a:stCxn id="7" idx="1"/>
+            <a:endCxn id="6" idx="3"/>
+          </p:cNvCxnSpPr>
+          <p:nvPr/>
+        </p:nvCxnSpPr>
+        <p:spPr>
+          <a:xfrm rot="10800000" flipV="1">
+            <a:off x="5408247" y="3470895"/>
+            <a:ext cx="857141" cy="1"/>
+          </a:xfrm>
+          <a:prstGeom prst="bentConnector3">
+            <a:avLst>
+              <a:gd name="adj1" fmla="val 50000"/>
+            </a:avLst>
           </a:prstGeom>
           <a:ln>
             <a:solidFill>
-              <a:schemeClr val="tx1"/>
+              <a:srgbClr val="FF0000"/>
             </a:solidFill>
+            <a:tailEnd type="triangle"/>
           </a:ln>
         </p:spPr>
-      </p:pic>
-      <p:sp>
-        <p:nvSpPr>
-          <p:cNvPr id="17" name="CaixaDeTexto 16"/>
-          <p:cNvSpPr txBox="1"/>
-          <p:nvPr/>
-        </p:nvSpPr>
-        <p:spPr>
-          <a:xfrm>
-            <a:off x="3835971" y="4242574"/>
-            <a:ext cx="1043171" cy="338554"/>
-          </a:xfrm>
-          <a:prstGeom prst="rect">
-            <a:avLst/>
-          </a:prstGeom>
-          <a:noFill/>
-        </p:spPr>
-        <p:txBody>
-          <a:bodyPr wrap="none" rtlCol="0">
-            <a:spAutoFit/>
-          </a:bodyPr>
-          <a:lstStyle/>
-          <a:p>
-            <a:r>
-              <a:rPr lang="pt-BR" sz="1600" b="1" dirty="0" err="1" smtClean="0"/>
-              <a:t>frequency</a:t>
-            </a:r>
-            <a:endParaRPr lang="pt-BR" sz="1600" b="1" dirty="0"/>
-          </a:p>
-        </p:txBody>
-      </p:sp>
-      <p:sp>
-        <p:nvSpPr>
-          <p:cNvPr id="18" name="CaixaDeTexto 17"/>
-          <p:cNvSpPr txBox="1"/>
-          <p:nvPr/>
-        </p:nvSpPr>
-        <p:spPr>
-          <a:xfrm rot="16200000">
-            <a:off x="91537" y="1963104"/>
-            <a:ext cx="875561" cy="338554"/>
-          </a:xfrm>
-          <a:prstGeom prst="rect">
-            <a:avLst/>
-          </a:prstGeom>
-          <a:noFill/>
-        </p:spPr>
-        <p:txBody>
-          <a:bodyPr wrap="none" rtlCol="0">
-            <a:spAutoFit/>
-          </a:bodyPr>
-          <a:lstStyle/>
-          <a:p>
-            <a:r>
-              <a:rPr lang="pt-BR" sz="1600" b="1" dirty="0" err="1" smtClean="0"/>
-              <a:t>azimuth</a:t>
-            </a:r>
-            <a:endParaRPr lang="pt-BR" sz="1600" b="1" dirty="0"/>
-          </a:p>
-        </p:txBody>
-      </p:sp>
-      <p:sp>
-        <p:nvSpPr>
-          <p:cNvPr id="19" name="CaixaDeTexto 18"/>
-          <p:cNvSpPr txBox="1"/>
-          <p:nvPr/>
-        </p:nvSpPr>
-        <p:spPr>
-          <a:xfrm rot="5400000">
-            <a:off x="7421287" y="1808983"/>
-            <a:ext cx="1875129" cy="338554"/>
-          </a:xfrm>
-          <a:prstGeom prst="rect">
-            <a:avLst/>
-          </a:prstGeom>
-          <a:noFill/>
-        </p:spPr>
-        <p:txBody>
-          <a:bodyPr wrap="none" rtlCol="0">
-            <a:spAutoFit/>
-          </a:bodyPr>
-          <a:lstStyle/>
-          <a:p>
-            <a:r>
-              <a:rPr lang="pt-BR" sz="1600" b="1" dirty="0" smtClean="0"/>
-              <a:t>response amplitude</a:t>
-            </a:r>
-            <a:endParaRPr lang="pt-BR" sz="1600" b="1" dirty="0"/>
-          </a:p>
-        </p:txBody>
-      </p:sp>
-      <p:sp>
-        <p:nvSpPr>
-          <p:cNvPr id="20" name="Retângulo 19"/>
+        <p:style>
+          <a:lnRef idx="1">
+            <a:schemeClr val="accent1"/>
+          </a:lnRef>
+          <a:fillRef idx="0">
+            <a:schemeClr val="accent1"/>
+          </a:fillRef>
+          <a:effectRef idx="0">
+            <a:schemeClr val="accent1"/>
+          </a:effectRef>
+          <a:fontRef idx="minor">
+            <a:schemeClr val="tx1"/>
+          </a:fontRef>
+        </p:style>
+      </p:cxnSp>
+      <p:sp>
+        <p:nvSpPr>
+          <p:cNvPr id="6" name="Retângulo 5"/>
           <p:cNvSpPr/>
           <p:nvPr/>
         </p:nvSpPr>
         <p:spPr>
           <a:xfrm>
-            <a:off x="890650" y="392790"/>
-            <a:ext cx="329132" cy="3600400"/>
+            <a:off x="5212226" y="3400558"/>
+            <a:ext cx="196020" cy="140677"/>
           </a:xfrm>
           <a:prstGeom prst="rect">
             <a:avLst/>
           </a:prstGeom>
           <a:noFill/>
           <a:ln>
-            <a:solidFill>
-              <a:srgbClr val="FFFF00"/>
-            </a:solidFill>
-            <a:prstDash val="sysDot"/>
+            <a:noFill/>
           </a:ln>
         </p:spPr>
         <p:style>
@@ -19202,24 +18804,101 @@
       </p:sp>
       <p:sp>
         <p:nvSpPr>
-          <p:cNvPr id="21" name="Retângulo 20"/>
+          <p:cNvPr id="7" name="CaixaDeTexto 6"/>
+          <p:cNvSpPr txBox="1"/>
+          <p:nvPr/>
+        </p:nvSpPr>
+        <p:spPr>
+          <a:xfrm>
+            <a:off x="6265387" y="3340091"/>
+            <a:ext cx="1198306" cy="261610"/>
+          </a:xfrm>
+          <a:prstGeom prst="rect">
+            <a:avLst/>
+          </a:prstGeom>
+          <a:noFill/>
+        </p:spPr>
+        <p:txBody>
+          <a:bodyPr wrap="square" rtlCol="0">
+            <a:spAutoFit/>
+          </a:bodyPr>
+          <a:lstStyle/>
+          <a:p>
+            <a:pPr algn="ctr"/>
+            <a:r>
+              <a:rPr lang="pt-BR" sz="1100" b="1" dirty="0" err="1" smtClean="0"/>
+              <a:t>frequency</a:t>
+            </a:r>
+            <a:r>
+              <a:rPr lang="pt-BR" sz="1100" b="1" dirty="0" smtClean="0"/>
+              <a:t> </a:t>
+            </a:r>
+            <a:r>
+              <a:rPr lang="pt-BR" sz="1100" b="1" dirty="0" err="1" smtClean="0"/>
+              <a:t>scale</a:t>
+            </a:r>
+            <a:endParaRPr lang="pt-BR" sz="1100" b="1" dirty="0"/>
+          </a:p>
+        </p:txBody>
+      </p:sp>
+      <p:cxnSp>
+        <p:nvCxnSpPr>
+          <p:cNvPr id="8" name="Conector angulado 7"/>
+          <p:cNvCxnSpPr>
+            <a:stCxn id="10" idx="2"/>
+            <a:endCxn id="9" idx="0"/>
+          </p:cNvCxnSpPr>
+          <p:nvPr/>
+        </p:nvCxnSpPr>
+        <p:spPr>
+          <a:xfrm rot="16200000" flipH="1">
+            <a:off x="3037911" y="1091036"/>
+            <a:ext cx="792883" cy="7815"/>
+          </a:xfrm>
+          <a:prstGeom prst="bentConnector3">
+            <a:avLst>
+              <a:gd name="adj1" fmla="val 50000"/>
+            </a:avLst>
+          </a:prstGeom>
+          <a:ln>
+            <a:solidFill>
+              <a:srgbClr val="FF0000"/>
+            </a:solidFill>
+            <a:tailEnd type="triangle"/>
+          </a:ln>
+        </p:spPr>
+        <p:style>
+          <a:lnRef idx="1">
+            <a:schemeClr val="accent1"/>
+          </a:lnRef>
+          <a:fillRef idx="0">
+            <a:schemeClr val="accent1"/>
+          </a:fillRef>
+          <a:effectRef idx="0">
+            <a:schemeClr val="accent1"/>
+          </a:effectRef>
+          <a:fontRef idx="minor">
+            <a:schemeClr val="tx1"/>
+          </a:fontRef>
+        </p:style>
+      </p:cxnSp>
+      <p:sp>
+        <p:nvSpPr>
+          <p:cNvPr id="9" name="Retângulo 8"/>
           <p:cNvSpPr/>
           <p:nvPr/>
         </p:nvSpPr>
         <p:spPr>
           <a:xfrm>
-            <a:off x="1296105" y="392789"/>
-            <a:ext cx="306047" cy="3600400"/>
+            <a:off x="3340250" y="1491386"/>
+            <a:ext cx="196020" cy="140677"/>
           </a:xfrm>
           <a:prstGeom prst="rect">
             <a:avLst/>
           </a:prstGeom>
           <a:noFill/>
           <a:ln>
-            <a:solidFill>
-              <a:srgbClr val="FFFF00"/>
-            </a:solidFill>
-            <a:prstDash val="sysDot"/>
+            <a:noFill/>
           </a:ln>
         </p:spPr>
         <p:style>
@@ -19249,24 +18928,99 @@
       </p:sp>
       <p:sp>
         <p:nvSpPr>
-          <p:cNvPr id="22" name="Retângulo 21"/>
+          <p:cNvPr id="10" name="CaixaDeTexto 9"/>
+          <p:cNvSpPr txBox="1"/>
+          <p:nvPr/>
+        </p:nvSpPr>
+        <p:spPr>
+          <a:xfrm>
+            <a:off x="2764474" y="436893"/>
+            <a:ext cx="1331942" cy="261610"/>
+          </a:xfrm>
+          <a:prstGeom prst="rect">
+            <a:avLst/>
+          </a:prstGeom>
+          <a:noFill/>
+        </p:spPr>
+        <p:txBody>
+          <a:bodyPr wrap="square" rtlCol="0">
+            <a:spAutoFit/>
+          </a:bodyPr>
+          <a:lstStyle/>
+          <a:p>
+            <a:pPr algn="ctr"/>
+            <a:r>
+              <a:rPr lang="pt-BR" sz="1100" b="1" dirty="0" err="1" smtClean="0"/>
+              <a:t>azimuth</a:t>
+            </a:r>
+            <a:r>
+              <a:rPr lang="pt-BR" sz="1100" b="1" dirty="0" smtClean="0"/>
+              <a:t> </a:t>
+            </a:r>
+            <a:r>
+              <a:rPr lang="pt-BR" sz="1100" b="1" dirty="0" err="1" smtClean="0"/>
+              <a:t>scale</a:t>
+            </a:r>
+            <a:endParaRPr lang="pt-BR" sz="1100" b="1" dirty="0"/>
+          </a:p>
+        </p:txBody>
+      </p:sp>
+      <p:cxnSp>
+        <p:nvCxnSpPr>
+          <p:cNvPr id="24" name="Conector angulado 23"/>
+          <p:cNvCxnSpPr>
+            <a:stCxn id="26" idx="1"/>
+            <a:endCxn id="25" idx="0"/>
+          </p:cNvCxnSpPr>
+          <p:nvPr/>
+        </p:nvCxnSpPr>
+        <p:spPr>
+          <a:xfrm rot="10800000" flipV="1">
+            <a:off x="5669287" y="1135264"/>
+            <a:ext cx="589408" cy="215443"/>
+          </a:xfrm>
+          <a:prstGeom prst="bentConnector2">
+            <a:avLst/>
+          </a:prstGeom>
+          <a:ln>
+            <a:solidFill>
+              <a:srgbClr val="FF0000"/>
+            </a:solidFill>
+            <a:tailEnd type="triangle"/>
+          </a:ln>
+        </p:spPr>
+        <p:style>
+          <a:lnRef idx="1">
+            <a:schemeClr val="accent1"/>
+          </a:lnRef>
+          <a:fillRef idx="0">
+            <a:schemeClr val="accent1"/>
+          </a:fillRef>
+          <a:effectRef idx="0">
+            <a:schemeClr val="accent1"/>
+          </a:effectRef>
+          <a:fontRef idx="minor">
+            <a:schemeClr val="tx1"/>
+          </a:fontRef>
+        </p:style>
+      </p:cxnSp>
+      <p:sp>
+        <p:nvSpPr>
+          <p:cNvPr id="25" name="Retângulo 24"/>
           <p:cNvSpPr/>
           <p:nvPr/>
         </p:nvSpPr>
         <p:spPr>
           <a:xfrm>
-            <a:off x="1496163" y="1149347"/>
-            <a:ext cx="4299973" cy="335437"/>
+            <a:off x="5571277" y="1350708"/>
+            <a:ext cx="196020" cy="140677"/>
           </a:xfrm>
           <a:prstGeom prst="rect">
             <a:avLst/>
           </a:prstGeom>
           <a:noFill/>
           <a:ln>
-            <a:solidFill>
-              <a:srgbClr val="FFFF00"/>
-            </a:solidFill>
-            <a:prstDash val="sysDot"/>
+            <a:noFill/>
           </a:ln>
         </p:spPr>
         <p:style>
@@ -19296,527 +19050,43 @@
       </p:sp>
       <p:sp>
         <p:nvSpPr>
-          <p:cNvPr id="23" name="Retângulo 22"/>
-          <p:cNvSpPr/>
-          <p:nvPr/>
-        </p:nvSpPr>
-        <p:spPr>
-          <a:xfrm>
-            <a:off x="1602152" y="2996951"/>
-            <a:ext cx="6138200" cy="120267"/>
+          <p:cNvPr id="26" name="CaixaDeTexto 25"/>
+          <p:cNvSpPr txBox="1"/>
+          <p:nvPr/>
+        </p:nvSpPr>
+        <p:spPr>
+          <a:xfrm>
+            <a:off x="6258695" y="919821"/>
+            <a:ext cx="1198306" cy="430887"/>
           </a:xfrm>
           <a:prstGeom prst="rect">
             <a:avLst/>
           </a:prstGeom>
           <a:noFill/>
-          <a:ln>
-            <a:solidFill>
-              <a:srgbClr val="FFFF00"/>
-            </a:solidFill>
-            <a:prstDash val="sysDot"/>
-          </a:ln>
-        </p:spPr>
-        <p:style>
-          <a:lnRef idx="2">
-            <a:schemeClr val="accent1">
-              <a:shade val="50000"/>
-            </a:schemeClr>
-          </a:lnRef>
-          <a:fillRef idx="1">
-            <a:schemeClr val="accent1"/>
-          </a:fillRef>
-          <a:effectRef idx="0">
-            <a:schemeClr val="accent1"/>
-          </a:effectRef>
-          <a:fontRef idx="minor">
-            <a:schemeClr val="lt1"/>
-          </a:fontRef>
-        </p:style>
-        <p:txBody>
-          <a:bodyPr rtlCol="0" anchor="ctr"/>
-          <a:lstStyle/>
-          <a:p>
-            <a:pPr algn="ctr"/>
-            <a:endParaRPr lang="pt-BR"/>
-          </a:p>
-        </p:txBody>
-      </p:sp>
-      <p:pic>
-        <p:nvPicPr>
-          <p:cNvPr id="24" name="Imagem 23"/>
-          <p:cNvPicPr>
-            <a:picLocks noChangeAspect="1"/>
-          </p:cNvPicPr>
-          <p:nvPr/>
-        </p:nvPicPr>
-        <p:blipFill>
-          <a:blip r:embed="rId3"/>
-          <a:stretch>
-            <a:fillRect/>
-          </a:stretch>
-        </p:blipFill>
-        <p:spPr>
-          <a:xfrm>
-            <a:off x="386574" y="4932665"/>
-            <a:ext cx="2037577" cy="1664687"/>
-          </a:xfrm>
-          <a:prstGeom prst="rect">
-            <a:avLst/>
-          </a:prstGeom>
-          <a:ln>
-            <a:solidFill>
-              <a:schemeClr val="tx1"/>
-            </a:solidFill>
-          </a:ln>
-        </p:spPr>
-      </p:pic>
-      <p:pic>
-        <p:nvPicPr>
-          <p:cNvPr id="25" name="Imagem 24"/>
-          <p:cNvPicPr>
-            <a:picLocks noChangeAspect="1"/>
-          </p:cNvPicPr>
-          <p:nvPr/>
-        </p:nvPicPr>
-        <p:blipFill>
-          <a:blip r:embed="rId4"/>
-          <a:stretch>
-            <a:fillRect/>
-          </a:stretch>
-        </p:blipFill>
-        <p:spPr>
-          <a:xfrm>
-            <a:off x="2426548" y="4931854"/>
-            <a:ext cx="2060478" cy="1665498"/>
-          </a:xfrm>
-          <a:prstGeom prst="rect">
-            <a:avLst/>
-          </a:prstGeom>
-          <a:ln>
-            <a:solidFill>
-              <a:schemeClr val="tx1"/>
-            </a:solidFill>
-          </a:ln>
-        </p:spPr>
-      </p:pic>
-      <p:pic>
-        <p:nvPicPr>
-          <p:cNvPr id="26" name="Imagem 25"/>
-          <p:cNvPicPr>
-            <a:picLocks noChangeAspect="1"/>
-          </p:cNvPicPr>
-          <p:nvPr/>
-        </p:nvPicPr>
-        <p:blipFill>
-          <a:blip r:embed="rId5"/>
-          <a:stretch>
-            <a:fillRect/>
-          </a:stretch>
-        </p:blipFill>
-        <p:spPr>
-          <a:xfrm>
-            <a:off x="4491030" y="4932666"/>
-            <a:ext cx="2057672" cy="1663230"/>
-          </a:xfrm>
-          <a:prstGeom prst="rect">
-            <a:avLst/>
-          </a:prstGeom>
-          <a:ln>
-            <a:solidFill>
-              <a:schemeClr val="tx1"/>
-            </a:solidFill>
-          </a:ln>
-        </p:spPr>
-      </p:pic>
-      <p:pic>
-        <p:nvPicPr>
-          <p:cNvPr id="27" name="Imagem 26"/>
-          <p:cNvPicPr>
-            <a:picLocks noChangeAspect="1"/>
-          </p:cNvPicPr>
-          <p:nvPr/>
-        </p:nvPicPr>
-        <p:blipFill>
-          <a:blip r:embed="rId6"/>
-          <a:stretch>
-            <a:fillRect/>
-          </a:stretch>
-        </p:blipFill>
-        <p:spPr>
-          <a:xfrm>
-            <a:off x="6542879" y="4932665"/>
-            <a:ext cx="2014069" cy="1663231"/>
-          </a:xfrm>
-          <a:prstGeom prst="rect">
-            <a:avLst/>
-          </a:prstGeom>
-          <a:ln>
-            <a:solidFill>
-              <a:schemeClr val="tx1"/>
-            </a:solidFill>
-          </a:ln>
-        </p:spPr>
-      </p:pic>
-      <p:sp>
-        <p:nvSpPr>
-          <p:cNvPr id="28" name="CaixaDeTexto 27"/>
-          <p:cNvSpPr txBox="1"/>
-          <p:nvPr/>
-        </p:nvSpPr>
-        <p:spPr>
-          <a:xfrm>
-            <a:off x="755576" y="3971661"/>
-            <a:ext cx="471604" cy="400110"/>
-          </a:xfrm>
-          <a:prstGeom prst="rect">
-            <a:avLst/>
-          </a:prstGeom>
-          <a:noFill/>
-        </p:spPr>
-        <p:txBody>
-          <a:bodyPr wrap="none" rtlCol="0">
+        </p:spPr>
+        <p:txBody>
+          <a:bodyPr wrap="square" rtlCol="0">
             <a:spAutoFit/>
           </a:bodyPr>
           <a:lstStyle/>
           <a:p>
-            <a:r>
-              <a:rPr lang="pt-BR" sz="2000" b="1" dirty="0" smtClean="0">
-                <a:solidFill>
-                  <a:srgbClr val="FF0000"/>
-                </a:solidFill>
-              </a:rPr>
-              <a:t>(a)</a:t>
-            </a:r>
-            <a:endParaRPr lang="pt-BR" sz="2000" b="1" dirty="0">
-              <a:solidFill>
-                <a:srgbClr val="FF0000"/>
-              </a:solidFill>
-            </a:endParaRPr>
-          </a:p>
-        </p:txBody>
-      </p:sp>
-      <p:sp>
-        <p:nvSpPr>
-          <p:cNvPr id="29" name="CaixaDeTexto 28"/>
-          <p:cNvSpPr txBox="1"/>
-          <p:nvPr/>
-        </p:nvSpPr>
-        <p:spPr>
-          <a:xfrm>
-            <a:off x="1220076" y="3964994"/>
-            <a:ext cx="482824" cy="400110"/>
-          </a:xfrm>
-          <a:prstGeom prst="rect">
-            <a:avLst/>
-          </a:prstGeom>
-          <a:noFill/>
-        </p:spPr>
-        <p:txBody>
-          <a:bodyPr wrap="none" rtlCol="0">
-            <a:spAutoFit/>
-          </a:bodyPr>
-          <a:lstStyle/>
-          <a:p>
-            <a:r>
-              <a:rPr lang="pt-BR" sz="2000" b="1" dirty="0" smtClean="0">
-                <a:solidFill>
-                  <a:srgbClr val="FF0000"/>
-                </a:solidFill>
-              </a:rPr>
-              <a:t>(b)</a:t>
-            </a:r>
-            <a:endParaRPr lang="pt-BR" sz="2000" b="1" dirty="0">
-              <a:solidFill>
-                <a:srgbClr val="FF0000"/>
-              </a:solidFill>
-            </a:endParaRPr>
-          </a:p>
-        </p:txBody>
-      </p:sp>
-      <p:sp>
-        <p:nvSpPr>
-          <p:cNvPr id="30" name="CaixaDeTexto 29"/>
-          <p:cNvSpPr txBox="1"/>
-          <p:nvPr/>
-        </p:nvSpPr>
-        <p:spPr>
-          <a:xfrm>
-            <a:off x="3050108" y="1423217"/>
-            <a:ext cx="452368" cy="400110"/>
-          </a:xfrm>
-          <a:prstGeom prst="rect">
-            <a:avLst/>
-          </a:prstGeom>
-          <a:noFill/>
-        </p:spPr>
-        <p:txBody>
-          <a:bodyPr wrap="none" rtlCol="0">
-            <a:spAutoFit/>
-          </a:bodyPr>
-          <a:lstStyle/>
-          <a:p>
-            <a:r>
-              <a:rPr lang="pt-BR" sz="2000" b="1" dirty="0" smtClean="0">
-                <a:solidFill>
-                  <a:srgbClr val="FFFF00"/>
-                </a:solidFill>
-              </a:rPr>
-              <a:t>(c)</a:t>
-            </a:r>
-            <a:endParaRPr lang="pt-BR" sz="2000" b="1" dirty="0">
-              <a:solidFill>
-                <a:srgbClr val="FFFF00"/>
-              </a:solidFill>
-            </a:endParaRPr>
-          </a:p>
-        </p:txBody>
-      </p:sp>
-      <p:sp>
-        <p:nvSpPr>
-          <p:cNvPr id="31" name="CaixaDeTexto 30"/>
-          <p:cNvSpPr txBox="1"/>
-          <p:nvPr/>
-        </p:nvSpPr>
-        <p:spPr>
-          <a:xfrm>
-            <a:off x="5440284" y="3027657"/>
-            <a:ext cx="482824" cy="400110"/>
-          </a:xfrm>
-          <a:prstGeom prst="rect">
-            <a:avLst/>
-          </a:prstGeom>
-          <a:noFill/>
-        </p:spPr>
-        <p:txBody>
-          <a:bodyPr wrap="none" rtlCol="0">
-            <a:spAutoFit/>
-          </a:bodyPr>
-          <a:lstStyle/>
-          <a:p>
-            <a:r>
-              <a:rPr lang="pt-BR" sz="2000" b="1" dirty="0" smtClean="0">
-                <a:solidFill>
-                  <a:srgbClr val="FFFF00"/>
-                </a:solidFill>
-              </a:rPr>
-              <a:t>(d)</a:t>
-            </a:r>
-            <a:endParaRPr lang="pt-BR" sz="2000" b="1" dirty="0">
-              <a:solidFill>
-                <a:srgbClr val="FFFF00"/>
-              </a:solidFill>
-            </a:endParaRPr>
-          </a:p>
-        </p:txBody>
-      </p:sp>
-      <p:sp>
-        <p:nvSpPr>
-          <p:cNvPr id="32" name="CaixaDeTexto 31"/>
-          <p:cNvSpPr txBox="1"/>
-          <p:nvPr/>
-        </p:nvSpPr>
-        <p:spPr>
-          <a:xfrm>
-            <a:off x="1130404" y="4581128"/>
-            <a:ext cx="471604" cy="400110"/>
-          </a:xfrm>
-          <a:prstGeom prst="rect">
-            <a:avLst/>
-          </a:prstGeom>
-          <a:noFill/>
-        </p:spPr>
-        <p:txBody>
-          <a:bodyPr wrap="none" rtlCol="0">
-            <a:spAutoFit/>
-          </a:bodyPr>
-          <a:lstStyle/>
-          <a:p>
-            <a:r>
-              <a:rPr lang="pt-BR" sz="2000" b="1" dirty="0" smtClean="0">
-                <a:solidFill>
-                  <a:srgbClr val="FF0000"/>
-                </a:solidFill>
-              </a:rPr>
-              <a:t>(a)</a:t>
-            </a:r>
-            <a:endParaRPr lang="pt-BR" sz="2000" b="1" dirty="0">
-              <a:solidFill>
-                <a:srgbClr val="FF0000"/>
-              </a:solidFill>
-            </a:endParaRPr>
-          </a:p>
-        </p:txBody>
-      </p:sp>
-      <p:sp>
-        <p:nvSpPr>
-          <p:cNvPr id="33" name="CaixaDeTexto 32"/>
-          <p:cNvSpPr txBox="1"/>
-          <p:nvPr/>
-        </p:nvSpPr>
-        <p:spPr>
-          <a:xfrm>
-            <a:off x="3218636" y="4581128"/>
-            <a:ext cx="482824" cy="400110"/>
-          </a:xfrm>
-          <a:prstGeom prst="rect">
-            <a:avLst/>
-          </a:prstGeom>
-          <a:noFill/>
-        </p:spPr>
-        <p:txBody>
-          <a:bodyPr wrap="none" rtlCol="0">
-            <a:spAutoFit/>
-          </a:bodyPr>
-          <a:lstStyle/>
-          <a:p>
-            <a:r>
-              <a:rPr lang="pt-BR" sz="2000" b="1" dirty="0" smtClean="0">
-                <a:solidFill>
-                  <a:srgbClr val="FF0000"/>
-                </a:solidFill>
-              </a:rPr>
-              <a:t>(b)</a:t>
-            </a:r>
-            <a:endParaRPr lang="pt-BR" sz="2000" b="1" dirty="0">
-              <a:solidFill>
-                <a:srgbClr val="FF0000"/>
-              </a:solidFill>
-            </a:endParaRPr>
-          </a:p>
-        </p:txBody>
-      </p:sp>
-      <p:sp>
-        <p:nvSpPr>
-          <p:cNvPr id="34" name="CaixaDeTexto 33"/>
-          <p:cNvSpPr txBox="1"/>
-          <p:nvPr/>
-        </p:nvSpPr>
-        <p:spPr>
-          <a:xfrm>
-            <a:off x="5328100" y="4613066"/>
-            <a:ext cx="452368" cy="400110"/>
-          </a:xfrm>
-          <a:prstGeom prst="rect">
-            <a:avLst/>
-          </a:prstGeom>
-          <a:noFill/>
-        </p:spPr>
-        <p:txBody>
-          <a:bodyPr wrap="none" rtlCol="0">
-            <a:spAutoFit/>
-          </a:bodyPr>
-          <a:lstStyle/>
-          <a:p>
-            <a:r>
-              <a:rPr lang="pt-BR" sz="2000" b="1" dirty="0" smtClean="0">
-                <a:solidFill>
-                  <a:srgbClr val="FF0000"/>
-                </a:solidFill>
-              </a:rPr>
-              <a:t>(c)</a:t>
-            </a:r>
-            <a:endParaRPr lang="pt-BR" sz="2000" b="1" dirty="0">
-              <a:solidFill>
-                <a:srgbClr val="FF0000"/>
-              </a:solidFill>
-            </a:endParaRPr>
-          </a:p>
-        </p:txBody>
-      </p:sp>
-      <p:sp>
-        <p:nvSpPr>
-          <p:cNvPr id="35" name="CaixaDeTexto 34"/>
-          <p:cNvSpPr txBox="1"/>
-          <p:nvPr/>
-        </p:nvSpPr>
-        <p:spPr>
-          <a:xfrm>
-            <a:off x="7413526" y="4581128"/>
-            <a:ext cx="482824" cy="400110"/>
-          </a:xfrm>
-          <a:prstGeom prst="rect">
-            <a:avLst/>
-          </a:prstGeom>
-          <a:noFill/>
-        </p:spPr>
-        <p:txBody>
-          <a:bodyPr wrap="none" rtlCol="0">
-            <a:spAutoFit/>
-          </a:bodyPr>
-          <a:lstStyle/>
-          <a:p>
-            <a:r>
-              <a:rPr lang="pt-BR" sz="2000" b="1" dirty="0" smtClean="0">
-                <a:solidFill>
-                  <a:srgbClr val="FF0000"/>
-                </a:solidFill>
-              </a:rPr>
-              <a:t>(d)</a:t>
-            </a:r>
-            <a:endParaRPr lang="pt-BR" sz="2000" b="1" dirty="0">
-              <a:solidFill>
-                <a:srgbClr val="FF0000"/>
-              </a:solidFill>
-            </a:endParaRPr>
-          </a:p>
-        </p:txBody>
-      </p:sp>
-      <p:pic>
-        <p:nvPicPr>
-          <p:cNvPr id="36" name="Picture 2"/>
-          <p:cNvPicPr>
-            <a:picLocks noChangeAspect="1" noChangeArrowheads="1"/>
-          </p:cNvPicPr>
-          <p:nvPr/>
-        </p:nvPicPr>
-        <p:blipFill rotWithShape="1">
-          <a:blip r:embed="rId7" cstate="print">
-            <a:extLst>
-              <a:ext uri="{28A0092B-C50C-407E-A947-70E740481C1C}">
-                <a14:useLocalDpi xmlns:a14="http://schemas.microsoft.com/office/drawing/2010/main" val="0"/>
-              </a:ext>
-            </a:extLst>
-          </a:blip>
-          <a:srcRect l="7187" t="4956" r="24310" b="5136"/>
-          <a:stretch/>
-        </p:blipFill>
-        <p:spPr bwMode="auto">
-          <a:xfrm>
-            <a:off x="7172876" y="3167667"/>
-            <a:ext cx="1337975" cy="1331752"/>
-          </a:xfrm>
-          <a:prstGeom prst="rect">
-            <a:avLst/>
-          </a:prstGeom>
-          <a:ln w="38100" cap="sq">
-            <a:solidFill>
-              <a:srgbClr val="000000"/>
-            </a:solidFill>
-            <a:prstDash val="solid"/>
-            <a:miter lim="800000"/>
-          </a:ln>
-          <a:effectLst>
-            <a:outerShdw blurRad="50800" dist="38100" dir="2700000" algn="tl" rotWithShape="0">
-              <a:srgbClr val="000000">
-                <a:alpha val="43000"/>
-              </a:srgbClr>
-            </a:outerShdw>
-          </a:effectLst>
-          <a:extLst>
-            <a:ext uri="{909E8E84-426E-40DD-AFC4-6F175D3DCCD1}">
-              <a14:hiddenFill xmlns:a14="http://schemas.microsoft.com/office/drawing/2010/main">
-                <a:solidFill>
-                  <a:schemeClr val="accent1"/>
-                </a:solidFill>
-              </a14:hiddenFill>
-            </a:ext>
-          </a:extLst>
-        </p:spPr>
-      </p:pic>
+            <a:pPr algn="ctr"/>
+            <a:r>
+              <a:rPr lang="pt-BR" sz="1100" b="1" dirty="0" err="1" smtClean="0"/>
+              <a:t>mean</a:t>
+            </a:r>
+            <a:r>
+              <a:rPr lang="pt-BR" sz="1100" b="1" dirty="0" smtClean="0"/>
+              <a:t> response amplitude</a:t>
+            </a:r>
+            <a:endParaRPr lang="pt-BR" sz="1100" b="1" dirty="0"/>
+          </a:p>
+        </p:txBody>
+      </p:sp>
     </p:spTree>
     <p:extLst>
       <p:ext uri="{BB962C8B-B14F-4D97-AF65-F5344CB8AC3E}">
-        <p14:creationId xmlns:p14="http://schemas.microsoft.com/office/powerpoint/2010/main" val="3727609275"/>
+        <p14:creationId xmlns:p14="http://schemas.microsoft.com/office/powerpoint/2010/main" val="1995761876"/>
       </p:ext>
     </p:extLst>
   </p:cSld>
@@ -19852,7 +19122,7 @@
       </p:grpSpPr>
       <p:pic>
         <p:nvPicPr>
-          <p:cNvPr id="4" name="Imagem 3"/>
+          <p:cNvPr id="16" name="Imagem 15"/>
           <p:cNvPicPr>
             <a:picLocks noChangeAspect="1"/>
           </p:cNvPicPr>
@@ -19866,24 +19136,119 @@
         </p:blipFill>
         <p:spPr>
           <a:xfrm>
-            <a:off x="4681537" y="2324100"/>
-            <a:ext cx="2828925" cy="2209800"/>
+            <a:off x="360040" y="249593"/>
+            <a:ext cx="8244408" cy="4331535"/>
           </a:xfrm>
           <a:prstGeom prst="rect">
             <a:avLst/>
           </a:prstGeom>
+          <a:ln>
+            <a:solidFill>
+              <a:schemeClr val="tx1"/>
+            </a:solidFill>
+          </a:ln>
         </p:spPr>
       </p:pic>
       <p:sp>
         <p:nvSpPr>
-          <p:cNvPr id="5" name="Retângulo 4"/>
+          <p:cNvPr id="17" name="CaixaDeTexto 16"/>
+          <p:cNvSpPr txBox="1"/>
+          <p:nvPr/>
+        </p:nvSpPr>
+        <p:spPr>
+          <a:xfrm>
+            <a:off x="3835971" y="4242574"/>
+            <a:ext cx="1043171" cy="338554"/>
+          </a:xfrm>
+          <a:prstGeom prst="rect">
+            <a:avLst/>
+          </a:prstGeom>
+          <a:noFill/>
+        </p:spPr>
+        <p:txBody>
+          <a:bodyPr wrap="none" rtlCol="0">
+            <a:spAutoFit/>
+          </a:bodyPr>
+          <a:lstStyle/>
+          <a:p>
+            <a:r>
+              <a:rPr lang="pt-BR" sz="1600" b="1" dirty="0" err="1" smtClean="0"/>
+              <a:t>frequency</a:t>
+            </a:r>
+            <a:endParaRPr lang="pt-BR" sz="1600" b="1" dirty="0"/>
+          </a:p>
+        </p:txBody>
+      </p:sp>
+      <p:sp>
+        <p:nvSpPr>
+          <p:cNvPr id="18" name="CaixaDeTexto 17"/>
+          <p:cNvSpPr txBox="1"/>
+          <p:nvPr/>
+        </p:nvSpPr>
+        <p:spPr>
+          <a:xfrm rot="16200000">
+            <a:off x="91537" y="1963104"/>
+            <a:ext cx="875561" cy="338554"/>
+          </a:xfrm>
+          <a:prstGeom prst="rect">
+            <a:avLst/>
+          </a:prstGeom>
+          <a:noFill/>
+        </p:spPr>
+        <p:txBody>
+          <a:bodyPr wrap="none" rtlCol="0">
+            <a:spAutoFit/>
+          </a:bodyPr>
+          <a:lstStyle/>
+          <a:p>
+            <a:r>
+              <a:rPr lang="pt-BR" sz="1600" b="1" dirty="0" err="1" smtClean="0"/>
+              <a:t>azimuth</a:t>
+            </a:r>
+            <a:endParaRPr lang="pt-BR" sz="1600" b="1" dirty="0"/>
+          </a:p>
+        </p:txBody>
+      </p:sp>
+      <p:sp>
+        <p:nvSpPr>
+          <p:cNvPr id="19" name="CaixaDeTexto 18"/>
+          <p:cNvSpPr txBox="1"/>
+          <p:nvPr/>
+        </p:nvSpPr>
+        <p:spPr>
+          <a:xfrm rot="5400000">
+            <a:off x="7421287" y="1808983"/>
+            <a:ext cx="1875129" cy="338554"/>
+          </a:xfrm>
+          <a:prstGeom prst="rect">
+            <a:avLst/>
+          </a:prstGeom>
+          <a:noFill/>
+        </p:spPr>
+        <p:txBody>
+          <a:bodyPr wrap="none" rtlCol="0">
+            <a:spAutoFit/>
+          </a:bodyPr>
+          <a:lstStyle/>
+          <a:p>
+            <a:r>
+              <a:rPr lang="pt-BR" sz="1600" b="1" dirty="0" smtClean="0"/>
+              <a:t>response amplitude</a:t>
+            </a:r>
+            <a:endParaRPr lang="pt-BR" sz="1600" b="1" dirty="0"/>
+          </a:p>
+        </p:txBody>
+      </p:sp>
+      <p:sp>
+        <p:nvSpPr>
+          <p:cNvPr id="20" name="Retângulo 19"/>
           <p:cNvSpPr/>
           <p:nvPr/>
         </p:nvSpPr>
         <p:spPr>
           <a:xfrm>
-            <a:off x="4720492" y="2368062"/>
-            <a:ext cx="1094154" cy="234461"/>
+            <a:off x="890650" y="392790"/>
+            <a:ext cx="329132" cy="3600400"/>
           </a:xfrm>
           <a:prstGeom prst="rect">
             <a:avLst/>
@@ -19891,8 +19256,9 @@
           <a:noFill/>
           <a:ln>
             <a:solidFill>
-              <a:srgbClr val="FF0000"/>
+              <a:srgbClr val="FFFF00"/>
             </a:solidFill>
+            <a:prstDash val="sysDot"/>
           </a:ln>
         </p:spPr>
         <p:style>
@@ -19922,14 +19288,14 @@
       </p:sp>
       <p:sp>
         <p:nvSpPr>
-          <p:cNvPr id="6" name="Retângulo 5"/>
+          <p:cNvPr id="21" name="Retângulo 20"/>
           <p:cNvSpPr/>
           <p:nvPr/>
         </p:nvSpPr>
         <p:spPr>
           <a:xfrm>
-            <a:off x="6119443" y="3288324"/>
-            <a:ext cx="1305171" cy="1174261"/>
+            <a:off x="1296105" y="392789"/>
+            <a:ext cx="306047" cy="3600400"/>
           </a:xfrm>
           <a:prstGeom prst="rect">
             <a:avLst/>
@@ -19937,8 +19303,9 @@
           <a:noFill/>
           <a:ln>
             <a:solidFill>
-              <a:srgbClr val="FF0000"/>
+              <a:srgbClr val="FFFF00"/>
             </a:solidFill>
+            <a:prstDash val="sysDot"/>
           </a:ln>
         </p:spPr>
         <p:style>
@@ -19966,10 +19333,576 @@
           </a:p>
         </p:txBody>
       </p:sp>
+      <p:sp>
+        <p:nvSpPr>
+          <p:cNvPr id="22" name="Retângulo 21"/>
+          <p:cNvSpPr/>
+          <p:nvPr/>
+        </p:nvSpPr>
+        <p:spPr>
+          <a:xfrm>
+            <a:off x="1496163" y="1149347"/>
+            <a:ext cx="4299973" cy="335437"/>
+          </a:xfrm>
+          <a:prstGeom prst="rect">
+            <a:avLst/>
+          </a:prstGeom>
+          <a:noFill/>
+          <a:ln>
+            <a:solidFill>
+              <a:srgbClr val="FFFF00"/>
+            </a:solidFill>
+            <a:prstDash val="sysDot"/>
+          </a:ln>
+        </p:spPr>
+        <p:style>
+          <a:lnRef idx="2">
+            <a:schemeClr val="accent1">
+              <a:shade val="50000"/>
+            </a:schemeClr>
+          </a:lnRef>
+          <a:fillRef idx="1">
+            <a:schemeClr val="accent1"/>
+          </a:fillRef>
+          <a:effectRef idx="0">
+            <a:schemeClr val="accent1"/>
+          </a:effectRef>
+          <a:fontRef idx="minor">
+            <a:schemeClr val="lt1"/>
+          </a:fontRef>
+        </p:style>
+        <p:txBody>
+          <a:bodyPr rtlCol="0" anchor="ctr"/>
+          <a:lstStyle/>
+          <a:p>
+            <a:pPr algn="ctr"/>
+            <a:endParaRPr lang="pt-BR"/>
+          </a:p>
+        </p:txBody>
+      </p:sp>
+      <p:sp>
+        <p:nvSpPr>
+          <p:cNvPr id="23" name="Retângulo 22"/>
+          <p:cNvSpPr/>
+          <p:nvPr/>
+        </p:nvSpPr>
+        <p:spPr>
+          <a:xfrm>
+            <a:off x="1602152" y="2996951"/>
+            <a:ext cx="6138200" cy="120267"/>
+          </a:xfrm>
+          <a:prstGeom prst="rect">
+            <a:avLst/>
+          </a:prstGeom>
+          <a:noFill/>
+          <a:ln>
+            <a:solidFill>
+              <a:srgbClr val="FFFF00"/>
+            </a:solidFill>
+            <a:prstDash val="sysDot"/>
+          </a:ln>
+        </p:spPr>
+        <p:style>
+          <a:lnRef idx="2">
+            <a:schemeClr val="accent1">
+              <a:shade val="50000"/>
+            </a:schemeClr>
+          </a:lnRef>
+          <a:fillRef idx="1">
+            <a:schemeClr val="accent1"/>
+          </a:fillRef>
+          <a:effectRef idx="0">
+            <a:schemeClr val="accent1"/>
+          </a:effectRef>
+          <a:fontRef idx="minor">
+            <a:schemeClr val="lt1"/>
+          </a:fontRef>
+        </p:style>
+        <p:txBody>
+          <a:bodyPr rtlCol="0" anchor="ctr"/>
+          <a:lstStyle/>
+          <a:p>
+            <a:pPr algn="ctr"/>
+            <a:endParaRPr lang="pt-BR"/>
+          </a:p>
+        </p:txBody>
+      </p:sp>
+      <p:pic>
+        <p:nvPicPr>
+          <p:cNvPr id="24" name="Imagem 23"/>
+          <p:cNvPicPr>
+            <a:picLocks noChangeAspect="1"/>
+          </p:cNvPicPr>
+          <p:nvPr/>
+        </p:nvPicPr>
+        <p:blipFill>
+          <a:blip r:embed="rId3"/>
+          <a:stretch>
+            <a:fillRect/>
+          </a:stretch>
+        </p:blipFill>
+        <p:spPr>
+          <a:xfrm>
+            <a:off x="386574" y="4932665"/>
+            <a:ext cx="2037577" cy="1664687"/>
+          </a:xfrm>
+          <a:prstGeom prst="rect">
+            <a:avLst/>
+          </a:prstGeom>
+          <a:ln>
+            <a:solidFill>
+              <a:schemeClr val="tx1"/>
+            </a:solidFill>
+          </a:ln>
+        </p:spPr>
+      </p:pic>
+      <p:pic>
+        <p:nvPicPr>
+          <p:cNvPr id="25" name="Imagem 24"/>
+          <p:cNvPicPr>
+            <a:picLocks noChangeAspect="1"/>
+          </p:cNvPicPr>
+          <p:nvPr/>
+        </p:nvPicPr>
+        <p:blipFill>
+          <a:blip r:embed="rId4"/>
+          <a:stretch>
+            <a:fillRect/>
+          </a:stretch>
+        </p:blipFill>
+        <p:spPr>
+          <a:xfrm>
+            <a:off x="2426548" y="4931854"/>
+            <a:ext cx="2060478" cy="1665498"/>
+          </a:xfrm>
+          <a:prstGeom prst="rect">
+            <a:avLst/>
+          </a:prstGeom>
+          <a:ln>
+            <a:solidFill>
+              <a:schemeClr val="tx1"/>
+            </a:solidFill>
+          </a:ln>
+        </p:spPr>
+      </p:pic>
+      <p:pic>
+        <p:nvPicPr>
+          <p:cNvPr id="26" name="Imagem 25"/>
+          <p:cNvPicPr>
+            <a:picLocks noChangeAspect="1"/>
+          </p:cNvPicPr>
+          <p:nvPr/>
+        </p:nvPicPr>
+        <p:blipFill>
+          <a:blip r:embed="rId5"/>
+          <a:stretch>
+            <a:fillRect/>
+          </a:stretch>
+        </p:blipFill>
+        <p:spPr>
+          <a:xfrm>
+            <a:off x="4491030" y="4932666"/>
+            <a:ext cx="2057672" cy="1663230"/>
+          </a:xfrm>
+          <a:prstGeom prst="rect">
+            <a:avLst/>
+          </a:prstGeom>
+          <a:ln>
+            <a:solidFill>
+              <a:schemeClr val="tx1"/>
+            </a:solidFill>
+          </a:ln>
+        </p:spPr>
+      </p:pic>
+      <p:pic>
+        <p:nvPicPr>
+          <p:cNvPr id="27" name="Imagem 26"/>
+          <p:cNvPicPr>
+            <a:picLocks noChangeAspect="1"/>
+          </p:cNvPicPr>
+          <p:nvPr/>
+        </p:nvPicPr>
+        <p:blipFill>
+          <a:blip r:embed="rId6"/>
+          <a:stretch>
+            <a:fillRect/>
+          </a:stretch>
+        </p:blipFill>
+        <p:spPr>
+          <a:xfrm>
+            <a:off x="6542879" y="4932665"/>
+            <a:ext cx="2014069" cy="1663231"/>
+          </a:xfrm>
+          <a:prstGeom prst="rect">
+            <a:avLst/>
+          </a:prstGeom>
+          <a:ln>
+            <a:solidFill>
+              <a:schemeClr val="tx1"/>
+            </a:solidFill>
+          </a:ln>
+        </p:spPr>
+      </p:pic>
+      <p:sp>
+        <p:nvSpPr>
+          <p:cNvPr id="28" name="CaixaDeTexto 27"/>
+          <p:cNvSpPr txBox="1"/>
+          <p:nvPr/>
+        </p:nvSpPr>
+        <p:spPr>
+          <a:xfrm>
+            <a:off x="755576" y="3971661"/>
+            <a:ext cx="471604" cy="400110"/>
+          </a:xfrm>
+          <a:prstGeom prst="rect">
+            <a:avLst/>
+          </a:prstGeom>
+          <a:noFill/>
+        </p:spPr>
+        <p:txBody>
+          <a:bodyPr wrap="none" rtlCol="0">
+            <a:spAutoFit/>
+          </a:bodyPr>
+          <a:lstStyle/>
+          <a:p>
+            <a:r>
+              <a:rPr lang="pt-BR" sz="2000" b="1" dirty="0" smtClean="0">
+                <a:solidFill>
+                  <a:srgbClr val="FF0000"/>
+                </a:solidFill>
+              </a:rPr>
+              <a:t>(a)</a:t>
+            </a:r>
+            <a:endParaRPr lang="pt-BR" sz="2000" b="1" dirty="0">
+              <a:solidFill>
+                <a:srgbClr val="FF0000"/>
+              </a:solidFill>
+            </a:endParaRPr>
+          </a:p>
+        </p:txBody>
+      </p:sp>
+      <p:sp>
+        <p:nvSpPr>
+          <p:cNvPr id="29" name="CaixaDeTexto 28"/>
+          <p:cNvSpPr txBox="1"/>
+          <p:nvPr/>
+        </p:nvSpPr>
+        <p:spPr>
+          <a:xfrm>
+            <a:off x="1220076" y="3964994"/>
+            <a:ext cx="482824" cy="400110"/>
+          </a:xfrm>
+          <a:prstGeom prst="rect">
+            <a:avLst/>
+          </a:prstGeom>
+          <a:noFill/>
+        </p:spPr>
+        <p:txBody>
+          <a:bodyPr wrap="none" rtlCol="0">
+            <a:spAutoFit/>
+          </a:bodyPr>
+          <a:lstStyle/>
+          <a:p>
+            <a:r>
+              <a:rPr lang="pt-BR" sz="2000" b="1" dirty="0" smtClean="0">
+                <a:solidFill>
+                  <a:srgbClr val="FF0000"/>
+                </a:solidFill>
+              </a:rPr>
+              <a:t>(b)</a:t>
+            </a:r>
+            <a:endParaRPr lang="pt-BR" sz="2000" b="1" dirty="0">
+              <a:solidFill>
+                <a:srgbClr val="FF0000"/>
+              </a:solidFill>
+            </a:endParaRPr>
+          </a:p>
+        </p:txBody>
+      </p:sp>
+      <p:sp>
+        <p:nvSpPr>
+          <p:cNvPr id="30" name="CaixaDeTexto 29"/>
+          <p:cNvSpPr txBox="1"/>
+          <p:nvPr/>
+        </p:nvSpPr>
+        <p:spPr>
+          <a:xfrm>
+            <a:off x="3050108" y="1423217"/>
+            <a:ext cx="452368" cy="400110"/>
+          </a:xfrm>
+          <a:prstGeom prst="rect">
+            <a:avLst/>
+          </a:prstGeom>
+          <a:noFill/>
+        </p:spPr>
+        <p:txBody>
+          <a:bodyPr wrap="none" rtlCol="0">
+            <a:spAutoFit/>
+          </a:bodyPr>
+          <a:lstStyle/>
+          <a:p>
+            <a:r>
+              <a:rPr lang="pt-BR" sz="2000" b="1" dirty="0" smtClean="0">
+                <a:solidFill>
+                  <a:srgbClr val="FFFF00"/>
+                </a:solidFill>
+              </a:rPr>
+              <a:t>(c)</a:t>
+            </a:r>
+            <a:endParaRPr lang="pt-BR" sz="2000" b="1" dirty="0">
+              <a:solidFill>
+                <a:srgbClr val="FFFF00"/>
+              </a:solidFill>
+            </a:endParaRPr>
+          </a:p>
+        </p:txBody>
+      </p:sp>
+      <p:sp>
+        <p:nvSpPr>
+          <p:cNvPr id="31" name="CaixaDeTexto 30"/>
+          <p:cNvSpPr txBox="1"/>
+          <p:nvPr/>
+        </p:nvSpPr>
+        <p:spPr>
+          <a:xfrm>
+            <a:off x="5440284" y="3027657"/>
+            <a:ext cx="482824" cy="400110"/>
+          </a:xfrm>
+          <a:prstGeom prst="rect">
+            <a:avLst/>
+          </a:prstGeom>
+          <a:noFill/>
+        </p:spPr>
+        <p:txBody>
+          <a:bodyPr wrap="none" rtlCol="0">
+            <a:spAutoFit/>
+          </a:bodyPr>
+          <a:lstStyle/>
+          <a:p>
+            <a:r>
+              <a:rPr lang="pt-BR" sz="2000" b="1" dirty="0" smtClean="0">
+                <a:solidFill>
+                  <a:srgbClr val="FFFF00"/>
+                </a:solidFill>
+              </a:rPr>
+              <a:t>(d)</a:t>
+            </a:r>
+            <a:endParaRPr lang="pt-BR" sz="2000" b="1" dirty="0">
+              <a:solidFill>
+                <a:srgbClr val="FFFF00"/>
+              </a:solidFill>
+            </a:endParaRPr>
+          </a:p>
+        </p:txBody>
+      </p:sp>
+      <p:sp>
+        <p:nvSpPr>
+          <p:cNvPr id="32" name="CaixaDeTexto 31"/>
+          <p:cNvSpPr txBox="1"/>
+          <p:nvPr/>
+        </p:nvSpPr>
+        <p:spPr>
+          <a:xfrm>
+            <a:off x="1130404" y="4581128"/>
+            <a:ext cx="471604" cy="400110"/>
+          </a:xfrm>
+          <a:prstGeom prst="rect">
+            <a:avLst/>
+          </a:prstGeom>
+          <a:noFill/>
+        </p:spPr>
+        <p:txBody>
+          <a:bodyPr wrap="none" rtlCol="0">
+            <a:spAutoFit/>
+          </a:bodyPr>
+          <a:lstStyle/>
+          <a:p>
+            <a:r>
+              <a:rPr lang="pt-BR" sz="2000" b="1" dirty="0" smtClean="0">
+                <a:solidFill>
+                  <a:srgbClr val="FF0000"/>
+                </a:solidFill>
+              </a:rPr>
+              <a:t>(a)</a:t>
+            </a:r>
+            <a:endParaRPr lang="pt-BR" sz="2000" b="1" dirty="0">
+              <a:solidFill>
+                <a:srgbClr val="FF0000"/>
+              </a:solidFill>
+            </a:endParaRPr>
+          </a:p>
+        </p:txBody>
+      </p:sp>
+      <p:sp>
+        <p:nvSpPr>
+          <p:cNvPr id="33" name="CaixaDeTexto 32"/>
+          <p:cNvSpPr txBox="1"/>
+          <p:nvPr/>
+        </p:nvSpPr>
+        <p:spPr>
+          <a:xfrm>
+            <a:off x="3218636" y="4581128"/>
+            <a:ext cx="482824" cy="400110"/>
+          </a:xfrm>
+          <a:prstGeom prst="rect">
+            <a:avLst/>
+          </a:prstGeom>
+          <a:noFill/>
+        </p:spPr>
+        <p:txBody>
+          <a:bodyPr wrap="none" rtlCol="0">
+            <a:spAutoFit/>
+          </a:bodyPr>
+          <a:lstStyle/>
+          <a:p>
+            <a:r>
+              <a:rPr lang="pt-BR" sz="2000" b="1" dirty="0" smtClean="0">
+                <a:solidFill>
+                  <a:srgbClr val="FF0000"/>
+                </a:solidFill>
+              </a:rPr>
+              <a:t>(b)</a:t>
+            </a:r>
+            <a:endParaRPr lang="pt-BR" sz="2000" b="1" dirty="0">
+              <a:solidFill>
+                <a:srgbClr val="FF0000"/>
+              </a:solidFill>
+            </a:endParaRPr>
+          </a:p>
+        </p:txBody>
+      </p:sp>
+      <p:sp>
+        <p:nvSpPr>
+          <p:cNvPr id="34" name="CaixaDeTexto 33"/>
+          <p:cNvSpPr txBox="1"/>
+          <p:nvPr/>
+        </p:nvSpPr>
+        <p:spPr>
+          <a:xfrm>
+            <a:off x="5328100" y="4613066"/>
+            <a:ext cx="452368" cy="400110"/>
+          </a:xfrm>
+          <a:prstGeom prst="rect">
+            <a:avLst/>
+          </a:prstGeom>
+          <a:noFill/>
+        </p:spPr>
+        <p:txBody>
+          <a:bodyPr wrap="none" rtlCol="0">
+            <a:spAutoFit/>
+          </a:bodyPr>
+          <a:lstStyle/>
+          <a:p>
+            <a:r>
+              <a:rPr lang="pt-BR" sz="2000" b="1" dirty="0" smtClean="0">
+                <a:solidFill>
+                  <a:srgbClr val="FF0000"/>
+                </a:solidFill>
+              </a:rPr>
+              <a:t>(c)</a:t>
+            </a:r>
+            <a:endParaRPr lang="pt-BR" sz="2000" b="1" dirty="0">
+              <a:solidFill>
+                <a:srgbClr val="FF0000"/>
+              </a:solidFill>
+            </a:endParaRPr>
+          </a:p>
+        </p:txBody>
+      </p:sp>
+      <p:sp>
+        <p:nvSpPr>
+          <p:cNvPr id="35" name="CaixaDeTexto 34"/>
+          <p:cNvSpPr txBox="1"/>
+          <p:nvPr/>
+        </p:nvSpPr>
+        <p:spPr>
+          <a:xfrm>
+            <a:off x="7413526" y="4581128"/>
+            <a:ext cx="482824" cy="400110"/>
+          </a:xfrm>
+          <a:prstGeom prst="rect">
+            <a:avLst/>
+          </a:prstGeom>
+          <a:noFill/>
+        </p:spPr>
+        <p:txBody>
+          <a:bodyPr wrap="none" rtlCol="0">
+            <a:spAutoFit/>
+          </a:bodyPr>
+          <a:lstStyle/>
+          <a:p>
+            <a:r>
+              <a:rPr lang="pt-BR" sz="2000" b="1" dirty="0" smtClean="0">
+                <a:solidFill>
+                  <a:srgbClr val="FF0000"/>
+                </a:solidFill>
+              </a:rPr>
+              <a:t>(d)</a:t>
+            </a:r>
+            <a:endParaRPr lang="pt-BR" sz="2000" b="1" dirty="0">
+              <a:solidFill>
+                <a:srgbClr val="FF0000"/>
+              </a:solidFill>
+            </a:endParaRPr>
+          </a:p>
+        </p:txBody>
+      </p:sp>
+      <p:pic>
+        <p:nvPicPr>
+          <p:cNvPr id="36" name="Picture 2"/>
+          <p:cNvPicPr>
+            <a:picLocks noChangeAspect="1" noChangeArrowheads="1"/>
+          </p:cNvPicPr>
+          <p:nvPr/>
+        </p:nvPicPr>
+        <p:blipFill rotWithShape="1">
+          <a:blip r:embed="rId7" cstate="print">
+            <a:extLst>
+              <a:ext uri="{28A0092B-C50C-407E-A947-70E740481C1C}">
+                <a14:useLocalDpi xmlns:a14="http://schemas.microsoft.com/office/drawing/2010/main" val="0"/>
+              </a:ext>
+            </a:extLst>
+          </a:blip>
+          <a:srcRect l="7187" t="4956" r="24310" b="5136"/>
+          <a:stretch/>
+        </p:blipFill>
+        <p:spPr bwMode="auto">
+          <a:xfrm>
+            <a:off x="7172876" y="3167667"/>
+            <a:ext cx="1337975" cy="1331752"/>
+          </a:xfrm>
+          <a:prstGeom prst="rect">
+            <a:avLst/>
+          </a:prstGeom>
+          <a:ln w="38100" cap="sq">
+            <a:solidFill>
+              <a:srgbClr val="000000"/>
+            </a:solidFill>
+            <a:prstDash val="solid"/>
+            <a:miter lim="800000"/>
+          </a:ln>
+          <a:effectLst>
+            <a:outerShdw blurRad="50800" dist="38100" dir="2700000" algn="tl" rotWithShape="0">
+              <a:srgbClr val="000000">
+                <a:alpha val="43000"/>
+              </a:srgbClr>
+            </a:outerShdw>
+          </a:effectLst>
+          <a:extLst>
+            <a:ext uri="{909E8E84-426E-40DD-AFC4-6F175D3DCCD1}">
+              <a14:hiddenFill xmlns:a14="http://schemas.microsoft.com/office/drawing/2010/main">
+                <a:solidFill>
+                  <a:schemeClr val="accent1"/>
+                </a:solidFill>
+              </a14:hiddenFill>
+            </a:ext>
+          </a:extLst>
+        </p:spPr>
+      </p:pic>
     </p:spTree>
     <p:extLst>
       <p:ext uri="{BB962C8B-B14F-4D97-AF65-F5344CB8AC3E}">
-        <p14:creationId xmlns:p14="http://schemas.microsoft.com/office/powerpoint/2010/main" val="3250476931"/>
+        <p14:creationId xmlns:p14="http://schemas.microsoft.com/office/powerpoint/2010/main" val="3727609275"/>
       </p:ext>
     </p:extLst>
   </p:cSld>
@@ -20005,7 +19938,7 @@
       </p:grpSpPr>
       <p:pic>
         <p:nvPicPr>
-          <p:cNvPr id="2" name="Imagem 1"/>
+          <p:cNvPr id="4" name="Imagem 3"/>
           <p:cNvPicPr>
             <a:picLocks noChangeAspect="1"/>
           </p:cNvPicPr>
@@ -20019,54 +19952,30 @@
         </p:blipFill>
         <p:spPr>
           <a:xfrm>
-            <a:off x="5187911" y="1369002"/>
-            <a:ext cx="3694834" cy="3694834"/>
+            <a:off x="4681537" y="2324100"/>
+            <a:ext cx="2828925" cy="2209800"/>
           </a:xfrm>
           <a:prstGeom prst="rect">
             <a:avLst/>
           </a:prstGeom>
         </p:spPr>
       </p:pic>
-      <p:pic>
-        <p:nvPicPr>
-          <p:cNvPr id="3" name="Imagem 2"/>
-          <p:cNvPicPr>
-            <a:picLocks noChangeAspect="1"/>
-          </p:cNvPicPr>
-          <p:nvPr/>
-        </p:nvPicPr>
-        <p:blipFill>
-          <a:blip r:embed="rId3"/>
-          <a:stretch>
-            <a:fillRect/>
-          </a:stretch>
-        </p:blipFill>
-        <p:spPr>
-          <a:xfrm>
-            <a:off x="1411557" y="1369002"/>
-            <a:ext cx="2835654" cy="2858615"/>
+      <p:sp>
+        <p:nvSpPr>
+          <p:cNvPr id="5" name="Retângulo 4"/>
+          <p:cNvSpPr/>
+          <p:nvPr/>
+        </p:nvSpPr>
+        <p:spPr>
+          <a:xfrm>
+            <a:off x="4720492" y="2368062"/>
+            <a:ext cx="1094154" cy="234461"/>
           </a:xfrm>
           <a:prstGeom prst="rect">
             <a:avLst/>
           </a:prstGeom>
-        </p:spPr>
-      </p:pic>
-      <p:sp>
-        <p:nvSpPr>
-          <p:cNvPr id="7" name="Retângulo 6"/>
-          <p:cNvSpPr/>
-          <p:nvPr/>
-        </p:nvSpPr>
-        <p:spPr>
-          <a:xfrm>
-            <a:off x="5187911" y="1369003"/>
-            <a:ext cx="2887312" cy="2858614"/>
-          </a:xfrm>
-          <a:prstGeom prst="rect">
-            <a:avLst/>
-          </a:prstGeom>
           <a:noFill/>
-          <a:ln w="28575">
+          <a:ln>
             <a:solidFill>
               <a:srgbClr val="FF0000"/>
             </a:solidFill>
@@ -20099,18 +20008,24 @@
       </p:sp>
       <p:sp>
         <p:nvSpPr>
-          <p:cNvPr id="8" name="Seta para a direita 7"/>
+          <p:cNvPr id="6" name="Retângulo 5"/>
           <p:cNvSpPr/>
           <p:nvPr/>
         </p:nvSpPr>
         <p:spPr>
           <a:xfrm>
-            <a:off x="4429495" y="2470068"/>
-            <a:ext cx="546265" cy="581890"/>
-          </a:xfrm>
-          <a:prstGeom prst="rightArrow">
-            <a:avLst/>
-          </a:prstGeom>
+            <a:off x="6119443" y="3288324"/>
+            <a:ext cx="1305171" cy="1174261"/>
+          </a:xfrm>
+          <a:prstGeom prst="rect">
+            <a:avLst/>
+          </a:prstGeom>
+          <a:noFill/>
+          <a:ln>
+            <a:solidFill>
+              <a:srgbClr val="FF0000"/>
+            </a:solidFill>
+          </a:ln>
         </p:spPr>
         <p:style>
           <a:lnRef idx="2">
@@ -20137,146 +20052,10 @@
           </a:p>
         </p:txBody>
       </p:sp>
-      <p:sp>
-        <p:nvSpPr>
-          <p:cNvPr id="9" name="CaixaDeTexto 8"/>
-          <p:cNvSpPr txBox="1"/>
-          <p:nvPr/>
-        </p:nvSpPr>
-        <p:spPr>
-          <a:xfrm>
-            <a:off x="1762211" y="4227617"/>
-            <a:ext cx="2099293" cy="338554"/>
-          </a:xfrm>
-          <a:prstGeom prst="rect">
-            <a:avLst/>
-          </a:prstGeom>
-          <a:noFill/>
-        </p:spPr>
-        <p:txBody>
-          <a:bodyPr wrap="none" rtlCol="0">
-            <a:spAutoFit/>
-          </a:bodyPr>
-          <a:lstStyle/>
-          <a:p>
-            <a:r>
-              <a:rPr lang="pt-BR" sz="1600" b="1" dirty="0" smtClean="0"/>
-              <a:t>grid </a:t>
-            </a:r>
-            <a:r>
-              <a:rPr lang="pt-BR" sz="1600" b="1" dirty="0" err="1" smtClean="0"/>
-              <a:t>with</a:t>
-            </a:r>
-            <a:r>
-              <a:rPr lang="pt-BR" sz="1600" b="1" dirty="0" smtClean="0"/>
-              <a:t> </a:t>
-            </a:r>
-            <a:r>
-              <a:rPr lang="pt-BR" sz="1600" b="1" dirty="0" err="1" smtClean="0"/>
-              <a:t>arbitrary</a:t>
-            </a:r>
-            <a:r>
-              <a:rPr lang="pt-BR" sz="1600" b="1" dirty="0" smtClean="0"/>
-              <a:t> </a:t>
-            </a:r>
-            <a:r>
-              <a:rPr lang="pt-BR" sz="1600" b="1" dirty="0" err="1" smtClean="0"/>
-              <a:t>size</a:t>
-            </a:r>
-            <a:endParaRPr lang="pt-BR" sz="1600" b="1" dirty="0"/>
-          </a:p>
-        </p:txBody>
-      </p:sp>
-      <p:sp>
-        <p:nvSpPr>
-          <p:cNvPr id="10" name="CaixaDeTexto 9"/>
-          <p:cNvSpPr txBox="1"/>
-          <p:nvPr/>
-        </p:nvSpPr>
-        <p:spPr>
-          <a:xfrm>
-            <a:off x="5017975" y="5021614"/>
-            <a:ext cx="4018664" cy="584775"/>
-          </a:xfrm>
-          <a:prstGeom prst="rect">
-            <a:avLst/>
-          </a:prstGeom>
-          <a:noFill/>
-        </p:spPr>
-        <p:txBody>
-          <a:bodyPr wrap="none" rtlCol="0">
-            <a:spAutoFit/>
-          </a:bodyPr>
-          <a:lstStyle/>
-          <a:p>
-            <a:pPr algn="ctr"/>
-            <a:r>
-              <a:rPr lang="pt-BR" sz="1600" b="1" dirty="0" err="1" smtClean="0"/>
-              <a:t>mirror-padded</a:t>
-            </a:r>
-            <a:r>
-              <a:rPr lang="pt-BR" sz="1600" b="1" dirty="0" smtClean="0"/>
-              <a:t> </a:t>
-            </a:r>
-            <a:r>
-              <a:rPr lang="pt-BR" sz="1600" b="1" dirty="0" err="1" smtClean="0"/>
-              <a:t>square</a:t>
-            </a:r>
-            <a:r>
-              <a:rPr lang="pt-BR" sz="1600" b="1" dirty="0" smtClean="0"/>
-              <a:t> grid </a:t>
-            </a:r>
-            <a:r>
-              <a:rPr lang="pt-BR" sz="1600" b="1" dirty="0" err="1" smtClean="0"/>
-              <a:t>with</a:t>
-            </a:r>
-            <a:r>
-              <a:rPr lang="pt-BR" sz="1600" b="1" dirty="0" smtClean="0"/>
-              <a:t> a power-of-2</a:t>
-            </a:r>
-          </a:p>
-          <a:p>
-            <a:pPr algn="ctr"/>
-            <a:r>
-              <a:rPr lang="pt-BR" sz="1600" b="1" dirty="0" smtClean="0"/>
-              <a:t> </a:t>
-            </a:r>
-            <a:r>
-              <a:rPr lang="pt-BR" sz="1600" b="1" dirty="0" err="1" smtClean="0"/>
-              <a:t>size</a:t>
-            </a:r>
-            <a:r>
-              <a:rPr lang="pt-BR" sz="1600" b="1" dirty="0" smtClean="0"/>
-              <a:t> </a:t>
-            </a:r>
-            <a:r>
-              <a:rPr lang="pt-BR" sz="1600" b="1" dirty="0" err="1" smtClean="0"/>
-              <a:t>compatible</a:t>
-            </a:r>
-            <a:r>
-              <a:rPr lang="pt-BR" sz="1600" b="1" dirty="0" smtClean="0"/>
-              <a:t> </a:t>
-            </a:r>
-            <a:r>
-              <a:rPr lang="pt-BR" sz="1600" b="1" dirty="0" err="1" smtClean="0"/>
-              <a:t>with</a:t>
-            </a:r>
-            <a:r>
-              <a:rPr lang="pt-BR" sz="1600" b="1" dirty="0" smtClean="0"/>
-              <a:t> DWT </a:t>
-            </a:r>
-            <a:r>
-              <a:rPr lang="pt-BR" sz="1600" b="1" dirty="0" err="1" smtClean="0"/>
-              <a:t>algorithm</a:t>
-            </a:r>
-            <a:endParaRPr lang="pt-BR" sz="1600" b="1" dirty="0"/>
-          </a:p>
-        </p:txBody>
-      </p:sp>
     </p:spTree>
     <p:extLst>
       <p:ext uri="{BB962C8B-B14F-4D97-AF65-F5344CB8AC3E}">
-        <p14:creationId xmlns:p14="http://schemas.microsoft.com/office/powerpoint/2010/main" val="4293684942"/>
+        <p14:creationId xmlns:p14="http://schemas.microsoft.com/office/powerpoint/2010/main" val="3250476931"/>
       </p:ext>
     </p:extLst>
   </p:cSld>
@@ -20310,6 +20089,313 @@
           <a:chExt cx="0" cy="0"/>
         </a:xfrm>
       </p:grpSpPr>
+      <p:pic>
+        <p:nvPicPr>
+          <p:cNvPr id="2" name="Imagem 1"/>
+          <p:cNvPicPr>
+            <a:picLocks noChangeAspect="1"/>
+          </p:cNvPicPr>
+          <p:nvPr/>
+        </p:nvPicPr>
+        <p:blipFill>
+          <a:blip r:embed="rId2"/>
+          <a:stretch>
+            <a:fillRect/>
+          </a:stretch>
+        </p:blipFill>
+        <p:spPr>
+          <a:xfrm>
+            <a:off x="5187911" y="1369002"/>
+            <a:ext cx="3694834" cy="3694834"/>
+          </a:xfrm>
+          <a:prstGeom prst="rect">
+            <a:avLst/>
+          </a:prstGeom>
+        </p:spPr>
+      </p:pic>
+      <p:pic>
+        <p:nvPicPr>
+          <p:cNvPr id="3" name="Imagem 2"/>
+          <p:cNvPicPr>
+            <a:picLocks noChangeAspect="1"/>
+          </p:cNvPicPr>
+          <p:nvPr/>
+        </p:nvPicPr>
+        <p:blipFill>
+          <a:blip r:embed="rId3"/>
+          <a:stretch>
+            <a:fillRect/>
+          </a:stretch>
+        </p:blipFill>
+        <p:spPr>
+          <a:xfrm>
+            <a:off x="1411557" y="1369002"/>
+            <a:ext cx="2835654" cy="2858615"/>
+          </a:xfrm>
+          <a:prstGeom prst="rect">
+            <a:avLst/>
+          </a:prstGeom>
+        </p:spPr>
+      </p:pic>
+      <p:sp>
+        <p:nvSpPr>
+          <p:cNvPr id="7" name="Retângulo 6"/>
+          <p:cNvSpPr/>
+          <p:nvPr/>
+        </p:nvSpPr>
+        <p:spPr>
+          <a:xfrm>
+            <a:off x="5187911" y="1369003"/>
+            <a:ext cx="2887312" cy="2858614"/>
+          </a:xfrm>
+          <a:prstGeom prst="rect">
+            <a:avLst/>
+          </a:prstGeom>
+          <a:noFill/>
+          <a:ln w="28575">
+            <a:solidFill>
+              <a:srgbClr val="FF0000"/>
+            </a:solidFill>
+          </a:ln>
+        </p:spPr>
+        <p:style>
+          <a:lnRef idx="2">
+            <a:schemeClr val="accent1">
+              <a:shade val="50000"/>
+            </a:schemeClr>
+          </a:lnRef>
+          <a:fillRef idx="1">
+            <a:schemeClr val="accent1"/>
+          </a:fillRef>
+          <a:effectRef idx="0">
+            <a:schemeClr val="accent1"/>
+          </a:effectRef>
+          <a:fontRef idx="minor">
+            <a:schemeClr val="lt1"/>
+          </a:fontRef>
+        </p:style>
+        <p:txBody>
+          <a:bodyPr rtlCol="0" anchor="ctr"/>
+          <a:lstStyle/>
+          <a:p>
+            <a:pPr algn="ctr"/>
+            <a:endParaRPr lang="pt-BR"/>
+          </a:p>
+        </p:txBody>
+      </p:sp>
+      <p:sp>
+        <p:nvSpPr>
+          <p:cNvPr id="8" name="Seta para a direita 7"/>
+          <p:cNvSpPr/>
+          <p:nvPr/>
+        </p:nvSpPr>
+        <p:spPr>
+          <a:xfrm>
+            <a:off x="4429495" y="2470068"/>
+            <a:ext cx="546265" cy="581890"/>
+          </a:xfrm>
+          <a:prstGeom prst="rightArrow">
+            <a:avLst/>
+          </a:prstGeom>
+        </p:spPr>
+        <p:style>
+          <a:lnRef idx="2">
+            <a:schemeClr val="accent1">
+              <a:shade val="50000"/>
+            </a:schemeClr>
+          </a:lnRef>
+          <a:fillRef idx="1">
+            <a:schemeClr val="accent1"/>
+          </a:fillRef>
+          <a:effectRef idx="0">
+            <a:schemeClr val="accent1"/>
+          </a:effectRef>
+          <a:fontRef idx="minor">
+            <a:schemeClr val="lt1"/>
+          </a:fontRef>
+        </p:style>
+        <p:txBody>
+          <a:bodyPr rtlCol="0" anchor="ctr"/>
+          <a:lstStyle/>
+          <a:p>
+            <a:pPr algn="ctr"/>
+            <a:endParaRPr lang="pt-BR"/>
+          </a:p>
+        </p:txBody>
+      </p:sp>
+      <p:sp>
+        <p:nvSpPr>
+          <p:cNvPr id="9" name="CaixaDeTexto 8"/>
+          <p:cNvSpPr txBox="1"/>
+          <p:nvPr/>
+        </p:nvSpPr>
+        <p:spPr>
+          <a:xfrm>
+            <a:off x="1762211" y="4227617"/>
+            <a:ext cx="2099293" cy="338554"/>
+          </a:xfrm>
+          <a:prstGeom prst="rect">
+            <a:avLst/>
+          </a:prstGeom>
+          <a:noFill/>
+        </p:spPr>
+        <p:txBody>
+          <a:bodyPr wrap="none" rtlCol="0">
+            <a:spAutoFit/>
+          </a:bodyPr>
+          <a:lstStyle/>
+          <a:p>
+            <a:r>
+              <a:rPr lang="pt-BR" sz="1600" b="1" dirty="0" smtClean="0"/>
+              <a:t>grid </a:t>
+            </a:r>
+            <a:r>
+              <a:rPr lang="pt-BR" sz="1600" b="1" dirty="0" err="1" smtClean="0"/>
+              <a:t>with</a:t>
+            </a:r>
+            <a:r>
+              <a:rPr lang="pt-BR" sz="1600" b="1" dirty="0" smtClean="0"/>
+              <a:t> </a:t>
+            </a:r>
+            <a:r>
+              <a:rPr lang="pt-BR" sz="1600" b="1" dirty="0" err="1" smtClean="0"/>
+              <a:t>arbitrary</a:t>
+            </a:r>
+            <a:r>
+              <a:rPr lang="pt-BR" sz="1600" b="1" dirty="0" smtClean="0"/>
+              <a:t> </a:t>
+            </a:r>
+            <a:r>
+              <a:rPr lang="pt-BR" sz="1600" b="1" dirty="0" err="1" smtClean="0"/>
+              <a:t>size</a:t>
+            </a:r>
+            <a:endParaRPr lang="pt-BR" sz="1600" b="1" dirty="0"/>
+          </a:p>
+        </p:txBody>
+      </p:sp>
+      <p:sp>
+        <p:nvSpPr>
+          <p:cNvPr id="10" name="CaixaDeTexto 9"/>
+          <p:cNvSpPr txBox="1"/>
+          <p:nvPr/>
+        </p:nvSpPr>
+        <p:spPr>
+          <a:xfrm>
+            <a:off x="5017975" y="5021614"/>
+            <a:ext cx="4018664" cy="584775"/>
+          </a:xfrm>
+          <a:prstGeom prst="rect">
+            <a:avLst/>
+          </a:prstGeom>
+          <a:noFill/>
+        </p:spPr>
+        <p:txBody>
+          <a:bodyPr wrap="none" rtlCol="0">
+            <a:spAutoFit/>
+          </a:bodyPr>
+          <a:lstStyle/>
+          <a:p>
+            <a:pPr algn="ctr"/>
+            <a:r>
+              <a:rPr lang="pt-BR" sz="1600" b="1" dirty="0" err="1" smtClean="0"/>
+              <a:t>mirror-padded</a:t>
+            </a:r>
+            <a:r>
+              <a:rPr lang="pt-BR" sz="1600" b="1" dirty="0" smtClean="0"/>
+              <a:t> </a:t>
+            </a:r>
+            <a:r>
+              <a:rPr lang="pt-BR" sz="1600" b="1" dirty="0" err="1" smtClean="0"/>
+              <a:t>square</a:t>
+            </a:r>
+            <a:r>
+              <a:rPr lang="pt-BR" sz="1600" b="1" dirty="0" smtClean="0"/>
+              <a:t> grid </a:t>
+            </a:r>
+            <a:r>
+              <a:rPr lang="pt-BR" sz="1600" b="1" dirty="0" err="1" smtClean="0"/>
+              <a:t>with</a:t>
+            </a:r>
+            <a:r>
+              <a:rPr lang="pt-BR" sz="1600" b="1" dirty="0" smtClean="0"/>
+              <a:t> a power-of-2</a:t>
+            </a:r>
+          </a:p>
+          <a:p>
+            <a:pPr algn="ctr"/>
+            <a:r>
+              <a:rPr lang="pt-BR" sz="1600" b="1" dirty="0" smtClean="0"/>
+              <a:t> </a:t>
+            </a:r>
+            <a:r>
+              <a:rPr lang="pt-BR" sz="1600" b="1" dirty="0" err="1" smtClean="0"/>
+              <a:t>size</a:t>
+            </a:r>
+            <a:r>
+              <a:rPr lang="pt-BR" sz="1600" b="1" dirty="0" smtClean="0"/>
+              <a:t> </a:t>
+            </a:r>
+            <a:r>
+              <a:rPr lang="pt-BR" sz="1600" b="1" dirty="0" err="1" smtClean="0"/>
+              <a:t>compatible</a:t>
+            </a:r>
+            <a:r>
+              <a:rPr lang="pt-BR" sz="1600" b="1" dirty="0" smtClean="0"/>
+              <a:t> </a:t>
+            </a:r>
+            <a:r>
+              <a:rPr lang="pt-BR" sz="1600" b="1" dirty="0" err="1" smtClean="0"/>
+              <a:t>with</a:t>
+            </a:r>
+            <a:r>
+              <a:rPr lang="pt-BR" sz="1600" b="1" dirty="0" smtClean="0"/>
+              <a:t> DWT </a:t>
+            </a:r>
+            <a:r>
+              <a:rPr lang="pt-BR" sz="1600" b="1" dirty="0" err="1" smtClean="0"/>
+              <a:t>algorithm</a:t>
+            </a:r>
+            <a:endParaRPr lang="pt-BR" sz="1600" b="1" dirty="0"/>
+          </a:p>
+        </p:txBody>
+      </p:sp>
+    </p:spTree>
+    <p:extLst>
+      <p:ext uri="{BB962C8B-B14F-4D97-AF65-F5344CB8AC3E}">
+        <p14:creationId xmlns:p14="http://schemas.microsoft.com/office/powerpoint/2010/main" val="4293684942"/>
+      </p:ext>
+    </p:extLst>
+  </p:cSld>
+  <p:clrMapOvr>
+    <a:masterClrMapping/>
+  </p:clrMapOvr>
+  <p:timing>
+    <p:tnLst>
+      <p:par>
+        <p:cTn id="1" dur="indefinite" restart="never" nodeType="tmRoot"/>
+      </p:par>
+    </p:tnLst>
+  </p:timing>
+</p:sld>
+</file>
+
+<file path=ppt/slides/slide24.xml><?xml version="1.0" encoding="utf-8"?>
+<p:sld xmlns:a="http://schemas.openxmlformats.org/drawingml/2006/main" xmlns:r="http://schemas.openxmlformats.org/officeDocument/2006/relationships" xmlns:p="http://schemas.openxmlformats.org/presentationml/2006/main">
+  <p:cSld>
+    <p:spTree>
+      <p:nvGrpSpPr>
+        <p:cNvPr id="1" name=""/>
+        <p:cNvGrpSpPr/>
+        <p:nvPr/>
+      </p:nvGrpSpPr>
+      <p:grpSpPr>
+        <a:xfrm>
+          <a:off x="0" y="0"/>
+          <a:ext cx="0" cy="0"/>
+          <a:chOff x="0" y="0"/>
+          <a:chExt cx="0" cy="0"/>
+        </a:xfrm>
+      </p:grpSpPr>
       <p:sp>
         <p:nvSpPr>
           <p:cNvPr id="9" name="CaixaDeTexto 8"/>
@@ -20658,7 +20744,7 @@
 </p:sld>
 </file>
 
-<file path=ppt/slides/slide24.xml><?xml version="1.0" encoding="utf-8"?>
+<file path=ppt/slides/slide25.xml><?xml version="1.0" encoding="utf-8"?>
 <p:sld xmlns:a="http://schemas.openxmlformats.org/drawingml/2006/main" xmlns:r="http://schemas.openxmlformats.org/officeDocument/2006/relationships" xmlns:p="http://schemas.openxmlformats.org/presentationml/2006/main">
   <p:cSld>
     <p:spTree>
@@ -21748,7 +21834,7 @@
 </p:sld>
 </file>
 
-<file path=ppt/slides/slide25.xml><?xml version="1.0" encoding="utf-8"?>
+<file path=ppt/slides/slide26.xml><?xml version="1.0" encoding="utf-8"?>
 <p:sld xmlns:a="http://schemas.openxmlformats.org/drawingml/2006/main" xmlns:r="http://schemas.openxmlformats.org/officeDocument/2006/relationships" xmlns:p="http://schemas.openxmlformats.org/presentationml/2006/main">
   <p:cSld>
     <p:spTree>
@@ -21820,7 +21906,7 @@
 </p:sld>
 </file>
 
-<file path=ppt/slides/slide26.xml><?xml version="1.0" encoding="utf-8"?>
+<file path=ppt/slides/slide27.xml><?xml version="1.0" encoding="utf-8"?>
 <p:sld xmlns:a="http://schemas.openxmlformats.org/drawingml/2006/main" xmlns:r="http://schemas.openxmlformats.org/officeDocument/2006/relationships" xmlns:p="http://schemas.openxmlformats.org/presentationml/2006/main">
   <p:cSld>
     <p:spTree>
@@ -25163,7 +25249,7 @@
 </p:sld>
 </file>
 
-<file path=ppt/slides/slide27.xml><?xml version="1.0" encoding="utf-8"?>
+<file path=ppt/slides/slide28.xml><?xml version="1.0" encoding="utf-8"?>
 <p:sld xmlns:a="http://schemas.openxmlformats.org/drawingml/2006/main" xmlns:r="http://schemas.openxmlformats.org/officeDocument/2006/relationships" xmlns:p="http://schemas.openxmlformats.org/presentationml/2006/main">
   <p:cSld>
     <p:spTree>
@@ -28099,7 +28185,7 @@
 </p:sld>
 </file>
 
-<file path=ppt/slides/slide28.xml><?xml version="1.0" encoding="utf-8"?>
+<file path=ppt/slides/slide29.xml><?xml version="1.0" encoding="utf-8"?>
 <p:sld xmlns:a="http://schemas.openxmlformats.org/drawingml/2006/main" xmlns:r="http://schemas.openxmlformats.org/officeDocument/2006/relationships" xmlns:p="http://schemas.openxmlformats.org/presentationml/2006/main">
   <p:cSld>
     <p:spTree>
@@ -29626,797 +29712,6 @@
     <p:extLst>
       <p:ext uri="{BB962C8B-B14F-4D97-AF65-F5344CB8AC3E}">
         <p14:creationId xmlns:p14="http://schemas.microsoft.com/office/powerpoint/2010/main" val="2208198324"/>
-      </p:ext>
-    </p:extLst>
-  </p:cSld>
-  <p:clrMapOvr>
-    <a:masterClrMapping/>
-  </p:clrMapOvr>
-  <p:timing>
-    <p:tnLst>
-      <p:par>
-        <p:cTn id="1" dur="indefinite" restart="never" nodeType="tmRoot"/>
-      </p:par>
-    </p:tnLst>
-  </p:timing>
-</p:sld>
-</file>
-
-<file path=ppt/slides/slide29.xml><?xml version="1.0" encoding="utf-8"?>
-<p:sld xmlns:a="http://schemas.openxmlformats.org/drawingml/2006/main" xmlns:r="http://schemas.openxmlformats.org/officeDocument/2006/relationships" xmlns:p="http://schemas.openxmlformats.org/presentationml/2006/main">
-  <p:cSld>
-    <p:spTree>
-      <p:nvGrpSpPr>
-        <p:cNvPr id="1" name=""/>
-        <p:cNvGrpSpPr/>
-        <p:nvPr/>
-      </p:nvGrpSpPr>
-      <p:grpSpPr>
-        <a:xfrm>
-          <a:off x="0" y="0"/>
-          <a:ext cx="0" cy="0"/>
-          <a:chOff x="0" y="0"/>
-          <a:chExt cx="0" cy="0"/>
-        </a:xfrm>
-      </p:grpSpPr>
-      <p:pic>
-        <p:nvPicPr>
-          <p:cNvPr id="2" name="Imagem 1"/>
-          <p:cNvPicPr>
-            <a:picLocks noChangeAspect="1"/>
-          </p:cNvPicPr>
-          <p:nvPr/>
-        </p:nvPicPr>
-        <p:blipFill>
-          <a:blip r:embed="rId2"/>
-          <a:stretch>
-            <a:fillRect/>
-          </a:stretch>
-        </p:blipFill>
-        <p:spPr>
-          <a:xfrm>
-            <a:off x="2446985" y="603438"/>
-            <a:ext cx="6656096" cy="5465529"/>
-          </a:xfrm>
-          <a:prstGeom prst="rect">
-            <a:avLst/>
-          </a:prstGeom>
-        </p:spPr>
-      </p:pic>
-      <p:sp>
-        <p:nvSpPr>
-          <p:cNvPr id="33" name="CaixaDeTexto 32"/>
-          <p:cNvSpPr txBox="1"/>
-          <p:nvPr/>
-        </p:nvSpPr>
-        <p:spPr>
-          <a:xfrm rot="15716607">
-            <a:off x="2926463" y="3052867"/>
-            <a:ext cx="1181862" cy="307777"/>
-          </a:xfrm>
-          <a:prstGeom prst="rect">
-            <a:avLst/>
-          </a:prstGeom>
-          <a:noFill/>
-        </p:spPr>
-        <p:txBody>
-          <a:bodyPr wrap="none" rtlCol="0">
-            <a:spAutoFit/>
-          </a:bodyPr>
-          <a:lstStyle/>
-          <a:p>
-            <a:r>
-              <a:rPr lang="pt-BR" sz="1400" dirty="0" smtClean="0"/>
-              <a:t>grid </a:t>
-            </a:r>
-            <a:r>
-              <a:rPr lang="pt-BR" sz="1400" dirty="0" err="1" smtClean="0"/>
-              <a:t>column</a:t>
-            </a:r>
-            <a:r>
-              <a:rPr lang="pt-BR" sz="1400" dirty="0" smtClean="0"/>
-              <a:t> 0</a:t>
-            </a:r>
-            <a:endParaRPr lang="pt-BR" sz="1400" dirty="0"/>
-          </a:p>
-        </p:txBody>
-      </p:sp>
-      <p:sp>
-        <p:nvSpPr>
-          <p:cNvPr id="34" name="CaixaDeTexto 33"/>
-          <p:cNvSpPr txBox="1"/>
-          <p:nvPr/>
-        </p:nvSpPr>
-        <p:spPr>
-          <a:xfrm rot="16200000">
-            <a:off x="6320046" y="1973188"/>
-            <a:ext cx="1181862" cy="307777"/>
-          </a:xfrm>
-          <a:prstGeom prst="rect">
-            <a:avLst/>
-          </a:prstGeom>
-          <a:noFill/>
-        </p:spPr>
-        <p:txBody>
-          <a:bodyPr wrap="none" rtlCol="0">
-            <a:spAutoFit/>
-          </a:bodyPr>
-          <a:lstStyle/>
-          <a:p>
-            <a:r>
-              <a:rPr lang="pt-BR" sz="1400" dirty="0" smtClean="0"/>
-              <a:t>grid </a:t>
-            </a:r>
-            <a:r>
-              <a:rPr lang="pt-BR" sz="1400" dirty="0" err="1" smtClean="0"/>
-              <a:t>column</a:t>
-            </a:r>
-            <a:r>
-              <a:rPr lang="pt-BR" sz="1400" dirty="0" smtClean="0"/>
-              <a:t> 3</a:t>
-            </a:r>
-            <a:endParaRPr lang="pt-BR" sz="1400" dirty="0"/>
-          </a:p>
-        </p:txBody>
-      </p:sp>
-      <p:sp>
-        <p:nvSpPr>
-          <p:cNvPr id="38" name="CaixaDeTexto 37"/>
-          <p:cNvSpPr txBox="1"/>
-          <p:nvPr/>
-        </p:nvSpPr>
-        <p:spPr>
-          <a:xfrm rot="16200000">
-            <a:off x="7786091" y="2966525"/>
-            <a:ext cx="1181862" cy="307777"/>
-          </a:xfrm>
-          <a:prstGeom prst="rect">
-            <a:avLst/>
-          </a:prstGeom>
-          <a:noFill/>
-        </p:spPr>
-        <p:txBody>
-          <a:bodyPr wrap="none" rtlCol="0">
-            <a:spAutoFit/>
-          </a:bodyPr>
-          <a:lstStyle/>
-          <a:p>
-            <a:r>
-              <a:rPr lang="pt-BR" sz="1400" dirty="0" smtClean="0"/>
-              <a:t>grid </a:t>
-            </a:r>
-            <a:r>
-              <a:rPr lang="pt-BR" sz="1400" dirty="0" err="1" smtClean="0"/>
-              <a:t>column</a:t>
-            </a:r>
-            <a:r>
-              <a:rPr lang="pt-BR" sz="1400" dirty="0" smtClean="0"/>
-              <a:t> 5</a:t>
-            </a:r>
-            <a:endParaRPr lang="pt-BR" sz="1400" dirty="0"/>
-          </a:p>
-        </p:txBody>
-      </p:sp>
-      <p:cxnSp>
-        <p:nvCxnSpPr>
-          <p:cNvPr id="39" name="Conector de seta reta 119"/>
-          <p:cNvCxnSpPr/>
-          <p:nvPr/>
-        </p:nvCxnSpPr>
-        <p:spPr>
-          <a:xfrm flipH="1" flipV="1">
-            <a:off x="3138154" y="4546243"/>
-            <a:ext cx="420708" cy="528033"/>
-          </a:xfrm>
-          <a:prstGeom prst="straightConnector1">
-            <a:avLst/>
-          </a:prstGeom>
-          <a:ln>
-            <a:solidFill>
-              <a:schemeClr val="tx1"/>
-            </a:solidFill>
-            <a:tailEnd type="triangle" w="med" len="lg"/>
-          </a:ln>
-        </p:spPr>
-        <p:style>
-          <a:lnRef idx="1">
-            <a:schemeClr val="accent1"/>
-          </a:lnRef>
-          <a:fillRef idx="0">
-            <a:schemeClr val="accent1"/>
-          </a:fillRef>
-          <a:effectRef idx="0">
-            <a:schemeClr val="accent1"/>
-          </a:effectRef>
-          <a:fontRef idx="minor">
-            <a:schemeClr val="tx1"/>
-          </a:fontRef>
-        </p:style>
-      </p:cxnSp>
-      <p:sp>
-        <p:nvSpPr>
-          <p:cNvPr id="10" name="Elipse 9"/>
-          <p:cNvSpPr/>
-          <p:nvPr/>
-        </p:nvSpPr>
-        <p:spPr>
-          <a:xfrm rot="21171759">
-            <a:off x="2862258" y="2365615"/>
-            <a:ext cx="201699" cy="2176530"/>
-          </a:xfrm>
-          <a:prstGeom prst="ellipse">
-            <a:avLst/>
-          </a:prstGeom>
-          <a:noFill/>
-          <a:ln w="6350">
-            <a:solidFill>
-              <a:schemeClr val="tx1"/>
-            </a:solidFill>
-          </a:ln>
-        </p:spPr>
-        <p:style>
-          <a:lnRef idx="2">
-            <a:schemeClr val="accent1">
-              <a:shade val="50000"/>
-            </a:schemeClr>
-          </a:lnRef>
-          <a:fillRef idx="1">
-            <a:schemeClr val="accent1"/>
-          </a:fillRef>
-          <a:effectRef idx="0">
-            <a:schemeClr val="accent1"/>
-          </a:effectRef>
-          <a:fontRef idx="minor">
-            <a:schemeClr val="lt1"/>
-          </a:fontRef>
-        </p:style>
-        <p:txBody>
-          <a:bodyPr rtlCol="0" anchor="ctr"/>
-          <a:lstStyle/>
-          <a:p>
-            <a:pPr algn="ctr"/>
-            <a:endParaRPr lang="pt-BR"/>
-          </a:p>
-        </p:txBody>
-      </p:sp>
-      <p:sp>
-        <p:nvSpPr>
-          <p:cNvPr id="42" name="Elipse 41"/>
-          <p:cNvSpPr/>
-          <p:nvPr/>
-        </p:nvSpPr>
-        <p:spPr>
-          <a:xfrm>
-            <a:off x="6487581" y="1411224"/>
-            <a:ext cx="93052" cy="1018032"/>
-          </a:xfrm>
-          <a:prstGeom prst="ellipse">
-            <a:avLst/>
-          </a:prstGeom>
-          <a:noFill/>
-          <a:ln w="6350">
-            <a:solidFill>
-              <a:schemeClr val="tx1"/>
-            </a:solidFill>
-          </a:ln>
-        </p:spPr>
-        <p:style>
-          <a:lnRef idx="2">
-            <a:schemeClr val="accent1">
-              <a:shade val="50000"/>
-            </a:schemeClr>
-          </a:lnRef>
-          <a:fillRef idx="1">
-            <a:schemeClr val="accent1"/>
-          </a:fillRef>
-          <a:effectRef idx="0">
-            <a:schemeClr val="accent1"/>
-          </a:effectRef>
-          <a:fontRef idx="minor">
-            <a:schemeClr val="lt1"/>
-          </a:fontRef>
-        </p:style>
-        <p:txBody>
-          <a:bodyPr rtlCol="0" anchor="ctr"/>
-          <a:lstStyle/>
-          <a:p>
-            <a:pPr algn="ctr"/>
-            <a:endParaRPr lang="pt-BR"/>
-          </a:p>
-        </p:txBody>
-      </p:sp>
-      <p:sp>
-        <p:nvSpPr>
-          <p:cNvPr id="43" name="Elipse 42"/>
-          <p:cNvSpPr/>
-          <p:nvPr/>
-        </p:nvSpPr>
-        <p:spPr>
-          <a:xfrm rot="294768">
-            <a:off x="8694947" y="2845966"/>
-            <a:ext cx="138253" cy="975039"/>
-          </a:xfrm>
-          <a:prstGeom prst="ellipse">
-            <a:avLst/>
-          </a:prstGeom>
-          <a:noFill/>
-          <a:ln w="6350">
-            <a:solidFill>
-              <a:schemeClr val="tx1"/>
-            </a:solidFill>
-          </a:ln>
-        </p:spPr>
-        <p:style>
-          <a:lnRef idx="2">
-            <a:schemeClr val="accent1">
-              <a:shade val="50000"/>
-            </a:schemeClr>
-          </a:lnRef>
-          <a:fillRef idx="1">
-            <a:schemeClr val="accent1"/>
-          </a:fillRef>
-          <a:effectRef idx="0">
-            <a:schemeClr val="accent1"/>
-          </a:effectRef>
-          <a:fontRef idx="minor">
-            <a:schemeClr val="lt1"/>
-          </a:fontRef>
-        </p:style>
-        <p:txBody>
-          <a:bodyPr rtlCol="0" anchor="ctr"/>
-          <a:lstStyle/>
-          <a:p>
-            <a:pPr algn="ctr"/>
-            <a:endParaRPr lang="pt-BR"/>
-          </a:p>
-        </p:txBody>
-      </p:sp>
-      <p:cxnSp>
-        <p:nvCxnSpPr>
-          <p:cNvPr id="45" name="Conector de seta reta 119"/>
-          <p:cNvCxnSpPr/>
-          <p:nvPr/>
-        </p:nvCxnSpPr>
-        <p:spPr>
-          <a:xfrm flipV="1">
-            <a:off x="6518582" y="2475562"/>
-            <a:ext cx="20702" cy="582016"/>
-          </a:xfrm>
-          <a:prstGeom prst="straightConnector1">
-            <a:avLst/>
-          </a:prstGeom>
-          <a:ln>
-            <a:solidFill>
-              <a:schemeClr val="tx1"/>
-            </a:solidFill>
-            <a:tailEnd type="triangle" w="med" len="lg"/>
-          </a:ln>
-        </p:spPr>
-        <p:style>
-          <a:lnRef idx="1">
-            <a:schemeClr val="accent1"/>
-          </a:lnRef>
-          <a:fillRef idx="0">
-            <a:schemeClr val="accent1"/>
-          </a:fillRef>
-          <a:effectRef idx="0">
-            <a:schemeClr val="accent1"/>
-          </a:effectRef>
-          <a:fontRef idx="minor">
-            <a:schemeClr val="tx1"/>
-          </a:fontRef>
-        </p:style>
-      </p:cxnSp>
-      <p:cxnSp>
-        <p:nvCxnSpPr>
-          <p:cNvPr id="46" name="Conector de seta reta 119"/>
-          <p:cNvCxnSpPr/>
-          <p:nvPr/>
-        </p:nvCxnSpPr>
-        <p:spPr>
-          <a:xfrm flipV="1">
-            <a:off x="8342475" y="3825134"/>
-            <a:ext cx="376868" cy="487037"/>
-          </a:xfrm>
-          <a:prstGeom prst="straightConnector1">
-            <a:avLst/>
-          </a:prstGeom>
-          <a:ln>
-            <a:solidFill>
-              <a:schemeClr val="tx1"/>
-            </a:solidFill>
-            <a:tailEnd type="triangle" w="med" len="lg"/>
-          </a:ln>
-        </p:spPr>
-        <p:style>
-          <a:lnRef idx="1">
-            <a:schemeClr val="accent1"/>
-          </a:lnRef>
-          <a:fillRef idx="0">
-            <a:schemeClr val="accent1"/>
-          </a:fillRef>
-          <a:effectRef idx="0">
-            <a:schemeClr val="accent1"/>
-          </a:effectRef>
-          <a:fontRef idx="minor">
-            <a:schemeClr val="tx1"/>
-          </a:fontRef>
-        </p:style>
-      </p:cxnSp>
-      <p:sp>
-        <p:nvSpPr>
-          <p:cNvPr id="47" name="CaixaDeTexto 46"/>
-          <p:cNvSpPr txBox="1"/>
-          <p:nvPr/>
-        </p:nvSpPr>
-        <p:spPr>
-          <a:xfrm>
-            <a:off x="3475146" y="5002381"/>
-            <a:ext cx="1209305" cy="307777"/>
-          </a:xfrm>
-          <a:prstGeom prst="rect">
-            <a:avLst/>
-          </a:prstGeom>
-          <a:noFill/>
-        </p:spPr>
-        <p:txBody>
-          <a:bodyPr wrap="none" rtlCol="0">
-            <a:spAutoFit/>
-          </a:bodyPr>
-          <a:lstStyle/>
-          <a:p>
-            <a:r>
-              <a:rPr lang="pt-BR" sz="1400" dirty="0" smtClean="0"/>
-              <a:t>1</a:t>
-            </a:r>
-            <a:r>
-              <a:rPr lang="pt-BR" sz="1400" baseline="30000" dirty="0" smtClean="0"/>
-              <a:t>st</a:t>
-            </a:r>
-            <a:r>
-              <a:rPr lang="pt-BR" sz="1400" dirty="0" smtClean="0"/>
-              <a:t> XY </a:t>
-            </a:r>
-            <a:r>
-              <a:rPr lang="pt-BR" sz="1400" dirty="0" err="1" smtClean="0"/>
-              <a:t>location</a:t>
-            </a:r>
-            <a:endParaRPr lang="pt-BR" sz="1400" dirty="0"/>
-          </a:p>
-        </p:txBody>
-      </p:sp>
-      <p:sp>
-        <p:nvSpPr>
-          <p:cNvPr id="48" name="CaixaDeTexto 47"/>
-          <p:cNvSpPr txBox="1"/>
-          <p:nvPr/>
-        </p:nvSpPr>
-        <p:spPr>
-          <a:xfrm>
-            <a:off x="5886876" y="3025708"/>
-            <a:ext cx="1249125" cy="307777"/>
-          </a:xfrm>
-          <a:prstGeom prst="rect">
-            <a:avLst/>
-          </a:prstGeom>
-          <a:noFill/>
-        </p:spPr>
-        <p:txBody>
-          <a:bodyPr wrap="none" rtlCol="0">
-            <a:spAutoFit/>
-          </a:bodyPr>
-          <a:lstStyle/>
-          <a:p>
-            <a:r>
-              <a:rPr lang="pt-BR" sz="1400" dirty="0" smtClean="0"/>
-              <a:t>2</a:t>
-            </a:r>
-            <a:r>
-              <a:rPr lang="pt-BR" sz="1400" baseline="30000" dirty="0" smtClean="0"/>
-              <a:t>nd</a:t>
-            </a:r>
-            <a:r>
-              <a:rPr lang="pt-BR" sz="1400" dirty="0" smtClean="0"/>
-              <a:t> XY </a:t>
-            </a:r>
-            <a:r>
-              <a:rPr lang="pt-BR" sz="1400" dirty="0" err="1" smtClean="0"/>
-              <a:t>location</a:t>
-            </a:r>
-            <a:endParaRPr lang="pt-BR" sz="1400" dirty="0"/>
-          </a:p>
-        </p:txBody>
-      </p:sp>
-      <p:sp>
-        <p:nvSpPr>
-          <p:cNvPr id="49" name="CaixaDeTexto 48"/>
-          <p:cNvSpPr txBox="1"/>
-          <p:nvPr/>
-        </p:nvSpPr>
-        <p:spPr>
-          <a:xfrm>
-            <a:off x="7498234" y="4238466"/>
-            <a:ext cx="1324080" cy="307777"/>
-          </a:xfrm>
-          <a:prstGeom prst="rect">
-            <a:avLst/>
-          </a:prstGeom>
-          <a:noFill/>
-        </p:spPr>
-        <p:txBody>
-          <a:bodyPr wrap="none" rtlCol="0">
-            <a:spAutoFit/>
-          </a:bodyPr>
-          <a:lstStyle/>
-          <a:p>
-            <a:r>
-              <a:rPr lang="pt-BR" sz="1400" dirty="0" err="1" smtClean="0"/>
-              <a:t>Last</a:t>
-            </a:r>
-            <a:r>
-              <a:rPr lang="pt-BR" sz="1400" dirty="0" smtClean="0"/>
-              <a:t> XY </a:t>
-            </a:r>
-            <a:r>
-              <a:rPr lang="pt-BR" sz="1400" dirty="0" err="1" smtClean="0"/>
-              <a:t>location</a:t>
-            </a:r>
-            <a:endParaRPr lang="pt-BR" sz="1400" dirty="0"/>
-          </a:p>
-        </p:txBody>
-      </p:sp>
-      <p:cxnSp>
-        <p:nvCxnSpPr>
-          <p:cNvPr id="50" name="Conector de seta reta 119"/>
-          <p:cNvCxnSpPr/>
-          <p:nvPr/>
-        </p:nvCxnSpPr>
-        <p:spPr>
-          <a:xfrm flipH="1">
-            <a:off x="2837903" y="2266950"/>
-            <a:ext cx="220934" cy="262596"/>
-          </a:xfrm>
-          <a:prstGeom prst="straightConnector1">
-            <a:avLst/>
-          </a:prstGeom>
-          <a:ln>
-            <a:solidFill>
-              <a:schemeClr val="tx1"/>
-            </a:solidFill>
-            <a:tailEnd type="triangle" w="med" len="lg"/>
-          </a:ln>
-        </p:spPr>
-        <p:style>
-          <a:lnRef idx="1">
-            <a:schemeClr val="accent1"/>
-          </a:lnRef>
-          <a:fillRef idx="0">
-            <a:schemeClr val="accent1"/>
-          </a:fillRef>
-          <a:effectRef idx="0">
-            <a:schemeClr val="accent1"/>
-          </a:effectRef>
-          <a:fontRef idx="minor">
-            <a:schemeClr val="tx1"/>
-          </a:fontRef>
-        </p:style>
-      </p:cxnSp>
-      <p:cxnSp>
-        <p:nvCxnSpPr>
-          <p:cNvPr id="52" name="Conector de seta reta 119"/>
-          <p:cNvCxnSpPr/>
-          <p:nvPr/>
-        </p:nvCxnSpPr>
-        <p:spPr>
-          <a:xfrm flipH="1">
-            <a:off x="3055134" y="4367662"/>
-            <a:ext cx="335766" cy="33901"/>
-          </a:xfrm>
-          <a:prstGeom prst="straightConnector1">
-            <a:avLst/>
-          </a:prstGeom>
-          <a:ln>
-            <a:solidFill>
-              <a:schemeClr val="tx1"/>
-            </a:solidFill>
-            <a:tailEnd type="triangle" w="med" len="lg"/>
-          </a:ln>
-        </p:spPr>
-        <p:style>
-          <a:lnRef idx="1">
-            <a:schemeClr val="accent1"/>
-          </a:lnRef>
-          <a:fillRef idx="0">
-            <a:schemeClr val="accent1"/>
-          </a:fillRef>
-          <a:effectRef idx="0">
-            <a:schemeClr val="accent1"/>
-          </a:effectRef>
-          <a:fontRef idx="minor">
-            <a:schemeClr val="tx1"/>
-          </a:fontRef>
-        </p:style>
-      </p:cxnSp>
-      <p:sp>
-        <p:nvSpPr>
-          <p:cNvPr id="56" name="CaixaDeTexto 55"/>
-          <p:cNvSpPr txBox="1"/>
-          <p:nvPr/>
-        </p:nvSpPr>
-        <p:spPr>
-          <a:xfrm>
-            <a:off x="3005604" y="2003228"/>
-            <a:ext cx="1392048" cy="307777"/>
-          </a:xfrm>
-          <a:prstGeom prst="rect">
-            <a:avLst/>
-          </a:prstGeom>
-          <a:noFill/>
-        </p:spPr>
-        <p:txBody>
-          <a:bodyPr wrap="none" rtlCol="0">
-            <a:spAutoFit/>
-          </a:bodyPr>
-          <a:lstStyle/>
-          <a:p>
-            <a:r>
-              <a:rPr lang="pt-BR" sz="1400" dirty="0" smtClean="0"/>
-              <a:t>Z1 of 1</a:t>
-            </a:r>
-            <a:r>
-              <a:rPr lang="pt-BR" sz="1400" baseline="30000" dirty="0" smtClean="0"/>
-              <a:t>st</a:t>
-            </a:r>
-            <a:r>
-              <a:rPr lang="pt-BR" sz="1400" dirty="0" smtClean="0"/>
-              <a:t> </a:t>
-            </a:r>
-            <a:r>
-              <a:rPr lang="pt-BR" sz="1400" dirty="0" err="1" smtClean="0"/>
-              <a:t>location</a:t>
-            </a:r>
-            <a:endParaRPr lang="pt-BR" sz="1400" dirty="0"/>
-          </a:p>
-        </p:txBody>
-      </p:sp>
-      <p:sp>
-        <p:nvSpPr>
-          <p:cNvPr id="57" name="CaixaDeTexto 56"/>
-          <p:cNvSpPr txBox="1"/>
-          <p:nvPr/>
-        </p:nvSpPr>
-        <p:spPr>
-          <a:xfrm>
-            <a:off x="3348797" y="4190603"/>
-            <a:ext cx="1392048" cy="307777"/>
-          </a:xfrm>
-          <a:prstGeom prst="rect">
-            <a:avLst/>
-          </a:prstGeom>
-          <a:noFill/>
-        </p:spPr>
-        <p:txBody>
-          <a:bodyPr wrap="none" rtlCol="0">
-            <a:spAutoFit/>
-          </a:bodyPr>
-          <a:lstStyle/>
-          <a:p>
-            <a:r>
-              <a:rPr lang="pt-BR" sz="1400" dirty="0" smtClean="0"/>
-              <a:t>Z2 of 1</a:t>
-            </a:r>
-            <a:r>
-              <a:rPr lang="pt-BR" sz="1400" baseline="30000" dirty="0" smtClean="0"/>
-              <a:t>st</a:t>
-            </a:r>
-            <a:r>
-              <a:rPr lang="pt-BR" sz="1400" dirty="0" smtClean="0"/>
-              <a:t> </a:t>
-            </a:r>
-            <a:r>
-              <a:rPr lang="pt-BR" sz="1400" dirty="0" err="1" smtClean="0"/>
-              <a:t>location</a:t>
-            </a:r>
-            <a:endParaRPr lang="pt-BR" sz="1400" dirty="0"/>
-          </a:p>
-        </p:txBody>
-      </p:sp>
-      <p:sp>
-        <p:nvSpPr>
-          <p:cNvPr id="58" name="CaixaDeTexto 57"/>
-          <p:cNvSpPr txBox="1"/>
-          <p:nvPr/>
-        </p:nvSpPr>
-        <p:spPr>
-          <a:xfrm rot="19985465">
-            <a:off x="3921588" y="2822124"/>
-            <a:ext cx="1829347" cy="307777"/>
-          </a:xfrm>
-          <a:prstGeom prst="rect">
-            <a:avLst/>
-          </a:prstGeom>
-          <a:noFill/>
-        </p:spPr>
-        <p:txBody>
-          <a:bodyPr wrap="none" rtlCol="0">
-            <a:spAutoFit/>
-          </a:bodyPr>
-          <a:lstStyle/>
-          <a:p>
-            <a:r>
-              <a:rPr lang="pt-BR" sz="1400" dirty="0" smtClean="0">
-                <a:latin typeface="Wide Latin" panose="020A0A07050505020404" pitchFamily="18" charset="0"/>
-              </a:rPr>
-              <a:t>grid </a:t>
-            </a:r>
-            <a:r>
-              <a:rPr lang="pt-BR" sz="1400" dirty="0" err="1" smtClean="0">
-                <a:latin typeface="Wide Latin" panose="020A0A07050505020404" pitchFamily="18" charset="0"/>
-              </a:rPr>
-              <a:t>slice</a:t>
-            </a:r>
-            <a:r>
-              <a:rPr lang="pt-BR" sz="1400" dirty="0" smtClean="0">
-                <a:latin typeface="Wide Latin" panose="020A0A07050505020404" pitchFamily="18" charset="0"/>
-              </a:rPr>
-              <a:t> 0</a:t>
-            </a:r>
-            <a:endParaRPr lang="pt-BR" sz="1400" dirty="0">
-              <a:latin typeface="Wide Latin" panose="020A0A07050505020404" pitchFamily="18" charset="0"/>
-            </a:endParaRPr>
-          </a:p>
-        </p:txBody>
-      </p:sp>
-      <p:sp>
-        <p:nvSpPr>
-          <p:cNvPr id="61" name="CaixaDeTexto 60"/>
-          <p:cNvSpPr txBox="1"/>
-          <p:nvPr/>
-        </p:nvSpPr>
-        <p:spPr>
-          <a:xfrm rot="20383774">
-            <a:off x="3852860" y="2220100"/>
-            <a:ext cx="1768433" cy="307777"/>
-          </a:xfrm>
-          <a:prstGeom prst="rect">
-            <a:avLst/>
-          </a:prstGeom>
-          <a:noFill/>
-        </p:spPr>
-        <p:txBody>
-          <a:bodyPr wrap="none" rtlCol="0">
-            <a:spAutoFit/>
-          </a:bodyPr>
-          <a:lstStyle/>
-          <a:p>
-            <a:r>
-              <a:rPr lang="pt-BR" sz="1400" dirty="0" smtClean="0">
-                <a:latin typeface="Wide Latin" panose="020A0A07050505020404" pitchFamily="18" charset="0"/>
-              </a:rPr>
-              <a:t>grid </a:t>
-            </a:r>
-            <a:r>
-              <a:rPr lang="pt-BR" sz="1400" dirty="0" err="1" smtClean="0">
-                <a:latin typeface="Wide Latin" panose="020A0A07050505020404" pitchFamily="18" charset="0"/>
-              </a:rPr>
-              <a:t>slice</a:t>
-            </a:r>
-            <a:r>
-              <a:rPr lang="pt-BR" sz="1400" dirty="0" smtClean="0">
-                <a:latin typeface="Wide Latin" panose="020A0A07050505020404" pitchFamily="18" charset="0"/>
-              </a:rPr>
-              <a:t> 1</a:t>
-            </a:r>
-            <a:endParaRPr lang="pt-BR" sz="1400" dirty="0">
-              <a:latin typeface="Wide Latin" panose="020A0A07050505020404" pitchFamily="18" charset="0"/>
-            </a:endParaRPr>
-          </a:p>
-        </p:txBody>
-      </p:sp>
-    </p:spTree>
-    <p:extLst>
-      <p:ext uri="{BB962C8B-B14F-4D97-AF65-F5344CB8AC3E}">
-        <p14:creationId xmlns:p14="http://schemas.microsoft.com/office/powerpoint/2010/main" val="3592591357"/>
       </p:ext>
     </p:extLst>
   </p:cSld>
@@ -31805,6 +31100,797 @@
     <p:extLst>
       <p:ext uri="{BB962C8B-B14F-4D97-AF65-F5344CB8AC3E}">
         <p14:creationId xmlns:p14="http://schemas.microsoft.com/office/powerpoint/2010/main" val="1501181051"/>
+      </p:ext>
+    </p:extLst>
+  </p:cSld>
+  <p:clrMapOvr>
+    <a:masterClrMapping/>
+  </p:clrMapOvr>
+  <p:timing>
+    <p:tnLst>
+      <p:par>
+        <p:cTn id="1" dur="indefinite" restart="never" nodeType="tmRoot"/>
+      </p:par>
+    </p:tnLst>
+  </p:timing>
+</p:sld>
+</file>
+
+<file path=ppt/slides/slide30.xml><?xml version="1.0" encoding="utf-8"?>
+<p:sld xmlns:a="http://schemas.openxmlformats.org/drawingml/2006/main" xmlns:r="http://schemas.openxmlformats.org/officeDocument/2006/relationships" xmlns:p="http://schemas.openxmlformats.org/presentationml/2006/main">
+  <p:cSld>
+    <p:spTree>
+      <p:nvGrpSpPr>
+        <p:cNvPr id="1" name=""/>
+        <p:cNvGrpSpPr/>
+        <p:nvPr/>
+      </p:nvGrpSpPr>
+      <p:grpSpPr>
+        <a:xfrm>
+          <a:off x="0" y="0"/>
+          <a:ext cx="0" cy="0"/>
+          <a:chOff x="0" y="0"/>
+          <a:chExt cx="0" cy="0"/>
+        </a:xfrm>
+      </p:grpSpPr>
+      <p:pic>
+        <p:nvPicPr>
+          <p:cNvPr id="2" name="Imagem 1"/>
+          <p:cNvPicPr>
+            <a:picLocks noChangeAspect="1"/>
+          </p:cNvPicPr>
+          <p:nvPr/>
+        </p:nvPicPr>
+        <p:blipFill>
+          <a:blip r:embed="rId2"/>
+          <a:stretch>
+            <a:fillRect/>
+          </a:stretch>
+        </p:blipFill>
+        <p:spPr>
+          <a:xfrm>
+            <a:off x="2446985" y="603438"/>
+            <a:ext cx="6656096" cy="5465529"/>
+          </a:xfrm>
+          <a:prstGeom prst="rect">
+            <a:avLst/>
+          </a:prstGeom>
+        </p:spPr>
+      </p:pic>
+      <p:sp>
+        <p:nvSpPr>
+          <p:cNvPr id="33" name="CaixaDeTexto 32"/>
+          <p:cNvSpPr txBox="1"/>
+          <p:nvPr/>
+        </p:nvSpPr>
+        <p:spPr>
+          <a:xfrm rot="15716607">
+            <a:off x="2926463" y="3052867"/>
+            <a:ext cx="1181862" cy="307777"/>
+          </a:xfrm>
+          <a:prstGeom prst="rect">
+            <a:avLst/>
+          </a:prstGeom>
+          <a:noFill/>
+        </p:spPr>
+        <p:txBody>
+          <a:bodyPr wrap="none" rtlCol="0">
+            <a:spAutoFit/>
+          </a:bodyPr>
+          <a:lstStyle/>
+          <a:p>
+            <a:r>
+              <a:rPr lang="pt-BR" sz="1400" dirty="0" smtClean="0"/>
+              <a:t>grid </a:t>
+            </a:r>
+            <a:r>
+              <a:rPr lang="pt-BR" sz="1400" dirty="0" err="1" smtClean="0"/>
+              <a:t>column</a:t>
+            </a:r>
+            <a:r>
+              <a:rPr lang="pt-BR" sz="1400" dirty="0" smtClean="0"/>
+              <a:t> 0</a:t>
+            </a:r>
+            <a:endParaRPr lang="pt-BR" sz="1400" dirty="0"/>
+          </a:p>
+        </p:txBody>
+      </p:sp>
+      <p:sp>
+        <p:nvSpPr>
+          <p:cNvPr id="34" name="CaixaDeTexto 33"/>
+          <p:cNvSpPr txBox="1"/>
+          <p:nvPr/>
+        </p:nvSpPr>
+        <p:spPr>
+          <a:xfrm rot="16200000">
+            <a:off x="6320046" y="1973188"/>
+            <a:ext cx="1181862" cy="307777"/>
+          </a:xfrm>
+          <a:prstGeom prst="rect">
+            <a:avLst/>
+          </a:prstGeom>
+          <a:noFill/>
+        </p:spPr>
+        <p:txBody>
+          <a:bodyPr wrap="none" rtlCol="0">
+            <a:spAutoFit/>
+          </a:bodyPr>
+          <a:lstStyle/>
+          <a:p>
+            <a:r>
+              <a:rPr lang="pt-BR" sz="1400" dirty="0" smtClean="0"/>
+              <a:t>grid </a:t>
+            </a:r>
+            <a:r>
+              <a:rPr lang="pt-BR" sz="1400" dirty="0" err="1" smtClean="0"/>
+              <a:t>column</a:t>
+            </a:r>
+            <a:r>
+              <a:rPr lang="pt-BR" sz="1400" dirty="0" smtClean="0"/>
+              <a:t> 3</a:t>
+            </a:r>
+            <a:endParaRPr lang="pt-BR" sz="1400" dirty="0"/>
+          </a:p>
+        </p:txBody>
+      </p:sp>
+      <p:sp>
+        <p:nvSpPr>
+          <p:cNvPr id="38" name="CaixaDeTexto 37"/>
+          <p:cNvSpPr txBox="1"/>
+          <p:nvPr/>
+        </p:nvSpPr>
+        <p:spPr>
+          <a:xfrm rot="16200000">
+            <a:off x="7786091" y="2966525"/>
+            <a:ext cx="1181862" cy="307777"/>
+          </a:xfrm>
+          <a:prstGeom prst="rect">
+            <a:avLst/>
+          </a:prstGeom>
+          <a:noFill/>
+        </p:spPr>
+        <p:txBody>
+          <a:bodyPr wrap="none" rtlCol="0">
+            <a:spAutoFit/>
+          </a:bodyPr>
+          <a:lstStyle/>
+          <a:p>
+            <a:r>
+              <a:rPr lang="pt-BR" sz="1400" dirty="0" smtClean="0"/>
+              <a:t>grid </a:t>
+            </a:r>
+            <a:r>
+              <a:rPr lang="pt-BR" sz="1400" dirty="0" err="1" smtClean="0"/>
+              <a:t>column</a:t>
+            </a:r>
+            <a:r>
+              <a:rPr lang="pt-BR" sz="1400" dirty="0" smtClean="0"/>
+              <a:t> 5</a:t>
+            </a:r>
+            <a:endParaRPr lang="pt-BR" sz="1400" dirty="0"/>
+          </a:p>
+        </p:txBody>
+      </p:sp>
+      <p:cxnSp>
+        <p:nvCxnSpPr>
+          <p:cNvPr id="39" name="Conector de seta reta 119"/>
+          <p:cNvCxnSpPr/>
+          <p:nvPr/>
+        </p:nvCxnSpPr>
+        <p:spPr>
+          <a:xfrm flipH="1" flipV="1">
+            <a:off x="3138154" y="4546243"/>
+            <a:ext cx="420708" cy="528033"/>
+          </a:xfrm>
+          <a:prstGeom prst="straightConnector1">
+            <a:avLst/>
+          </a:prstGeom>
+          <a:ln>
+            <a:solidFill>
+              <a:schemeClr val="tx1"/>
+            </a:solidFill>
+            <a:tailEnd type="triangle" w="med" len="lg"/>
+          </a:ln>
+        </p:spPr>
+        <p:style>
+          <a:lnRef idx="1">
+            <a:schemeClr val="accent1"/>
+          </a:lnRef>
+          <a:fillRef idx="0">
+            <a:schemeClr val="accent1"/>
+          </a:fillRef>
+          <a:effectRef idx="0">
+            <a:schemeClr val="accent1"/>
+          </a:effectRef>
+          <a:fontRef idx="minor">
+            <a:schemeClr val="tx1"/>
+          </a:fontRef>
+        </p:style>
+      </p:cxnSp>
+      <p:sp>
+        <p:nvSpPr>
+          <p:cNvPr id="10" name="Elipse 9"/>
+          <p:cNvSpPr/>
+          <p:nvPr/>
+        </p:nvSpPr>
+        <p:spPr>
+          <a:xfrm rot="21171759">
+            <a:off x="2862258" y="2365615"/>
+            <a:ext cx="201699" cy="2176530"/>
+          </a:xfrm>
+          <a:prstGeom prst="ellipse">
+            <a:avLst/>
+          </a:prstGeom>
+          <a:noFill/>
+          <a:ln w="6350">
+            <a:solidFill>
+              <a:schemeClr val="tx1"/>
+            </a:solidFill>
+          </a:ln>
+        </p:spPr>
+        <p:style>
+          <a:lnRef idx="2">
+            <a:schemeClr val="accent1">
+              <a:shade val="50000"/>
+            </a:schemeClr>
+          </a:lnRef>
+          <a:fillRef idx="1">
+            <a:schemeClr val="accent1"/>
+          </a:fillRef>
+          <a:effectRef idx="0">
+            <a:schemeClr val="accent1"/>
+          </a:effectRef>
+          <a:fontRef idx="minor">
+            <a:schemeClr val="lt1"/>
+          </a:fontRef>
+        </p:style>
+        <p:txBody>
+          <a:bodyPr rtlCol="0" anchor="ctr"/>
+          <a:lstStyle/>
+          <a:p>
+            <a:pPr algn="ctr"/>
+            <a:endParaRPr lang="pt-BR"/>
+          </a:p>
+        </p:txBody>
+      </p:sp>
+      <p:sp>
+        <p:nvSpPr>
+          <p:cNvPr id="42" name="Elipse 41"/>
+          <p:cNvSpPr/>
+          <p:nvPr/>
+        </p:nvSpPr>
+        <p:spPr>
+          <a:xfrm>
+            <a:off x="6487581" y="1411224"/>
+            <a:ext cx="93052" cy="1018032"/>
+          </a:xfrm>
+          <a:prstGeom prst="ellipse">
+            <a:avLst/>
+          </a:prstGeom>
+          <a:noFill/>
+          <a:ln w="6350">
+            <a:solidFill>
+              <a:schemeClr val="tx1"/>
+            </a:solidFill>
+          </a:ln>
+        </p:spPr>
+        <p:style>
+          <a:lnRef idx="2">
+            <a:schemeClr val="accent1">
+              <a:shade val="50000"/>
+            </a:schemeClr>
+          </a:lnRef>
+          <a:fillRef idx="1">
+            <a:schemeClr val="accent1"/>
+          </a:fillRef>
+          <a:effectRef idx="0">
+            <a:schemeClr val="accent1"/>
+          </a:effectRef>
+          <a:fontRef idx="minor">
+            <a:schemeClr val="lt1"/>
+          </a:fontRef>
+        </p:style>
+        <p:txBody>
+          <a:bodyPr rtlCol="0" anchor="ctr"/>
+          <a:lstStyle/>
+          <a:p>
+            <a:pPr algn="ctr"/>
+            <a:endParaRPr lang="pt-BR"/>
+          </a:p>
+        </p:txBody>
+      </p:sp>
+      <p:sp>
+        <p:nvSpPr>
+          <p:cNvPr id="43" name="Elipse 42"/>
+          <p:cNvSpPr/>
+          <p:nvPr/>
+        </p:nvSpPr>
+        <p:spPr>
+          <a:xfrm rot="294768">
+            <a:off x="8694947" y="2845966"/>
+            <a:ext cx="138253" cy="975039"/>
+          </a:xfrm>
+          <a:prstGeom prst="ellipse">
+            <a:avLst/>
+          </a:prstGeom>
+          <a:noFill/>
+          <a:ln w="6350">
+            <a:solidFill>
+              <a:schemeClr val="tx1"/>
+            </a:solidFill>
+          </a:ln>
+        </p:spPr>
+        <p:style>
+          <a:lnRef idx="2">
+            <a:schemeClr val="accent1">
+              <a:shade val="50000"/>
+            </a:schemeClr>
+          </a:lnRef>
+          <a:fillRef idx="1">
+            <a:schemeClr val="accent1"/>
+          </a:fillRef>
+          <a:effectRef idx="0">
+            <a:schemeClr val="accent1"/>
+          </a:effectRef>
+          <a:fontRef idx="minor">
+            <a:schemeClr val="lt1"/>
+          </a:fontRef>
+        </p:style>
+        <p:txBody>
+          <a:bodyPr rtlCol="0" anchor="ctr"/>
+          <a:lstStyle/>
+          <a:p>
+            <a:pPr algn="ctr"/>
+            <a:endParaRPr lang="pt-BR"/>
+          </a:p>
+        </p:txBody>
+      </p:sp>
+      <p:cxnSp>
+        <p:nvCxnSpPr>
+          <p:cNvPr id="45" name="Conector de seta reta 119"/>
+          <p:cNvCxnSpPr/>
+          <p:nvPr/>
+        </p:nvCxnSpPr>
+        <p:spPr>
+          <a:xfrm flipV="1">
+            <a:off x="6518582" y="2475562"/>
+            <a:ext cx="20702" cy="582016"/>
+          </a:xfrm>
+          <a:prstGeom prst="straightConnector1">
+            <a:avLst/>
+          </a:prstGeom>
+          <a:ln>
+            <a:solidFill>
+              <a:schemeClr val="tx1"/>
+            </a:solidFill>
+            <a:tailEnd type="triangle" w="med" len="lg"/>
+          </a:ln>
+        </p:spPr>
+        <p:style>
+          <a:lnRef idx="1">
+            <a:schemeClr val="accent1"/>
+          </a:lnRef>
+          <a:fillRef idx="0">
+            <a:schemeClr val="accent1"/>
+          </a:fillRef>
+          <a:effectRef idx="0">
+            <a:schemeClr val="accent1"/>
+          </a:effectRef>
+          <a:fontRef idx="minor">
+            <a:schemeClr val="tx1"/>
+          </a:fontRef>
+        </p:style>
+      </p:cxnSp>
+      <p:cxnSp>
+        <p:nvCxnSpPr>
+          <p:cNvPr id="46" name="Conector de seta reta 119"/>
+          <p:cNvCxnSpPr/>
+          <p:nvPr/>
+        </p:nvCxnSpPr>
+        <p:spPr>
+          <a:xfrm flipV="1">
+            <a:off x="8342475" y="3825134"/>
+            <a:ext cx="376868" cy="487037"/>
+          </a:xfrm>
+          <a:prstGeom prst="straightConnector1">
+            <a:avLst/>
+          </a:prstGeom>
+          <a:ln>
+            <a:solidFill>
+              <a:schemeClr val="tx1"/>
+            </a:solidFill>
+            <a:tailEnd type="triangle" w="med" len="lg"/>
+          </a:ln>
+        </p:spPr>
+        <p:style>
+          <a:lnRef idx="1">
+            <a:schemeClr val="accent1"/>
+          </a:lnRef>
+          <a:fillRef idx="0">
+            <a:schemeClr val="accent1"/>
+          </a:fillRef>
+          <a:effectRef idx="0">
+            <a:schemeClr val="accent1"/>
+          </a:effectRef>
+          <a:fontRef idx="minor">
+            <a:schemeClr val="tx1"/>
+          </a:fontRef>
+        </p:style>
+      </p:cxnSp>
+      <p:sp>
+        <p:nvSpPr>
+          <p:cNvPr id="47" name="CaixaDeTexto 46"/>
+          <p:cNvSpPr txBox="1"/>
+          <p:nvPr/>
+        </p:nvSpPr>
+        <p:spPr>
+          <a:xfrm>
+            <a:off x="3475146" y="5002381"/>
+            <a:ext cx="1209305" cy="307777"/>
+          </a:xfrm>
+          <a:prstGeom prst="rect">
+            <a:avLst/>
+          </a:prstGeom>
+          <a:noFill/>
+        </p:spPr>
+        <p:txBody>
+          <a:bodyPr wrap="none" rtlCol="0">
+            <a:spAutoFit/>
+          </a:bodyPr>
+          <a:lstStyle/>
+          <a:p>
+            <a:r>
+              <a:rPr lang="pt-BR" sz="1400" dirty="0" smtClean="0"/>
+              <a:t>1</a:t>
+            </a:r>
+            <a:r>
+              <a:rPr lang="pt-BR" sz="1400" baseline="30000" dirty="0" smtClean="0"/>
+              <a:t>st</a:t>
+            </a:r>
+            <a:r>
+              <a:rPr lang="pt-BR" sz="1400" dirty="0" smtClean="0"/>
+              <a:t> XY </a:t>
+            </a:r>
+            <a:r>
+              <a:rPr lang="pt-BR" sz="1400" dirty="0" err="1" smtClean="0"/>
+              <a:t>location</a:t>
+            </a:r>
+            <a:endParaRPr lang="pt-BR" sz="1400" dirty="0"/>
+          </a:p>
+        </p:txBody>
+      </p:sp>
+      <p:sp>
+        <p:nvSpPr>
+          <p:cNvPr id="48" name="CaixaDeTexto 47"/>
+          <p:cNvSpPr txBox="1"/>
+          <p:nvPr/>
+        </p:nvSpPr>
+        <p:spPr>
+          <a:xfrm>
+            <a:off x="5886876" y="3025708"/>
+            <a:ext cx="1249125" cy="307777"/>
+          </a:xfrm>
+          <a:prstGeom prst="rect">
+            <a:avLst/>
+          </a:prstGeom>
+          <a:noFill/>
+        </p:spPr>
+        <p:txBody>
+          <a:bodyPr wrap="none" rtlCol="0">
+            <a:spAutoFit/>
+          </a:bodyPr>
+          <a:lstStyle/>
+          <a:p>
+            <a:r>
+              <a:rPr lang="pt-BR" sz="1400" dirty="0" smtClean="0"/>
+              <a:t>2</a:t>
+            </a:r>
+            <a:r>
+              <a:rPr lang="pt-BR" sz="1400" baseline="30000" dirty="0" smtClean="0"/>
+              <a:t>nd</a:t>
+            </a:r>
+            <a:r>
+              <a:rPr lang="pt-BR" sz="1400" dirty="0" smtClean="0"/>
+              <a:t> XY </a:t>
+            </a:r>
+            <a:r>
+              <a:rPr lang="pt-BR" sz="1400" dirty="0" err="1" smtClean="0"/>
+              <a:t>location</a:t>
+            </a:r>
+            <a:endParaRPr lang="pt-BR" sz="1400" dirty="0"/>
+          </a:p>
+        </p:txBody>
+      </p:sp>
+      <p:sp>
+        <p:nvSpPr>
+          <p:cNvPr id="49" name="CaixaDeTexto 48"/>
+          <p:cNvSpPr txBox="1"/>
+          <p:nvPr/>
+        </p:nvSpPr>
+        <p:spPr>
+          <a:xfrm>
+            <a:off x="7498234" y="4238466"/>
+            <a:ext cx="1324080" cy="307777"/>
+          </a:xfrm>
+          <a:prstGeom prst="rect">
+            <a:avLst/>
+          </a:prstGeom>
+          <a:noFill/>
+        </p:spPr>
+        <p:txBody>
+          <a:bodyPr wrap="none" rtlCol="0">
+            <a:spAutoFit/>
+          </a:bodyPr>
+          <a:lstStyle/>
+          <a:p>
+            <a:r>
+              <a:rPr lang="pt-BR" sz="1400" dirty="0" err="1" smtClean="0"/>
+              <a:t>Last</a:t>
+            </a:r>
+            <a:r>
+              <a:rPr lang="pt-BR" sz="1400" dirty="0" smtClean="0"/>
+              <a:t> XY </a:t>
+            </a:r>
+            <a:r>
+              <a:rPr lang="pt-BR" sz="1400" dirty="0" err="1" smtClean="0"/>
+              <a:t>location</a:t>
+            </a:r>
+            <a:endParaRPr lang="pt-BR" sz="1400" dirty="0"/>
+          </a:p>
+        </p:txBody>
+      </p:sp>
+      <p:cxnSp>
+        <p:nvCxnSpPr>
+          <p:cNvPr id="50" name="Conector de seta reta 119"/>
+          <p:cNvCxnSpPr/>
+          <p:nvPr/>
+        </p:nvCxnSpPr>
+        <p:spPr>
+          <a:xfrm flipH="1">
+            <a:off x="2837903" y="2266950"/>
+            <a:ext cx="220934" cy="262596"/>
+          </a:xfrm>
+          <a:prstGeom prst="straightConnector1">
+            <a:avLst/>
+          </a:prstGeom>
+          <a:ln>
+            <a:solidFill>
+              <a:schemeClr val="tx1"/>
+            </a:solidFill>
+            <a:tailEnd type="triangle" w="med" len="lg"/>
+          </a:ln>
+        </p:spPr>
+        <p:style>
+          <a:lnRef idx="1">
+            <a:schemeClr val="accent1"/>
+          </a:lnRef>
+          <a:fillRef idx="0">
+            <a:schemeClr val="accent1"/>
+          </a:fillRef>
+          <a:effectRef idx="0">
+            <a:schemeClr val="accent1"/>
+          </a:effectRef>
+          <a:fontRef idx="minor">
+            <a:schemeClr val="tx1"/>
+          </a:fontRef>
+        </p:style>
+      </p:cxnSp>
+      <p:cxnSp>
+        <p:nvCxnSpPr>
+          <p:cNvPr id="52" name="Conector de seta reta 119"/>
+          <p:cNvCxnSpPr/>
+          <p:nvPr/>
+        </p:nvCxnSpPr>
+        <p:spPr>
+          <a:xfrm flipH="1">
+            <a:off x="3055134" y="4367662"/>
+            <a:ext cx="335766" cy="33901"/>
+          </a:xfrm>
+          <a:prstGeom prst="straightConnector1">
+            <a:avLst/>
+          </a:prstGeom>
+          <a:ln>
+            <a:solidFill>
+              <a:schemeClr val="tx1"/>
+            </a:solidFill>
+            <a:tailEnd type="triangle" w="med" len="lg"/>
+          </a:ln>
+        </p:spPr>
+        <p:style>
+          <a:lnRef idx="1">
+            <a:schemeClr val="accent1"/>
+          </a:lnRef>
+          <a:fillRef idx="0">
+            <a:schemeClr val="accent1"/>
+          </a:fillRef>
+          <a:effectRef idx="0">
+            <a:schemeClr val="accent1"/>
+          </a:effectRef>
+          <a:fontRef idx="minor">
+            <a:schemeClr val="tx1"/>
+          </a:fontRef>
+        </p:style>
+      </p:cxnSp>
+      <p:sp>
+        <p:nvSpPr>
+          <p:cNvPr id="56" name="CaixaDeTexto 55"/>
+          <p:cNvSpPr txBox="1"/>
+          <p:nvPr/>
+        </p:nvSpPr>
+        <p:spPr>
+          <a:xfrm>
+            <a:off x="3005604" y="2003228"/>
+            <a:ext cx="1392048" cy="307777"/>
+          </a:xfrm>
+          <a:prstGeom prst="rect">
+            <a:avLst/>
+          </a:prstGeom>
+          <a:noFill/>
+        </p:spPr>
+        <p:txBody>
+          <a:bodyPr wrap="none" rtlCol="0">
+            <a:spAutoFit/>
+          </a:bodyPr>
+          <a:lstStyle/>
+          <a:p>
+            <a:r>
+              <a:rPr lang="pt-BR" sz="1400" dirty="0" smtClean="0"/>
+              <a:t>Z1 of 1</a:t>
+            </a:r>
+            <a:r>
+              <a:rPr lang="pt-BR" sz="1400" baseline="30000" dirty="0" smtClean="0"/>
+              <a:t>st</a:t>
+            </a:r>
+            <a:r>
+              <a:rPr lang="pt-BR" sz="1400" dirty="0" smtClean="0"/>
+              <a:t> </a:t>
+            </a:r>
+            <a:r>
+              <a:rPr lang="pt-BR" sz="1400" dirty="0" err="1" smtClean="0"/>
+              <a:t>location</a:t>
+            </a:r>
+            <a:endParaRPr lang="pt-BR" sz="1400" dirty="0"/>
+          </a:p>
+        </p:txBody>
+      </p:sp>
+      <p:sp>
+        <p:nvSpPr>
+          <p:cNvPr id="57" name="CaixaDeTexto 56"/>
+          <p:cNvSpPr txBox="1"/>
+          <p:nvPr/>
+        </p:nvSpPr>
+        <p:spPr>
+          <a:xfrm>
+            <a:off x="3348797" y="4190603"/>
+            <a:ext cx="1392048" cy="307777"/>
+          </a:xfrm>
+          <a:prstGeom prst="rect">
+            <a:avLst/>
+          </a:prstGeom>
+          <a:noFill/>
+        </p:spPr>
+        <p:txBody>
+          <a:bodyPr wrap="none" rtlCol="0">
+            <a:spAutoFit/>
+          </a:bodyPr>
+          <a:lstStyle/>
+          <a:p>
+            <a:r>
+              <a:rPr lang="pt-BR" sz="1400" dirty="0" smtClean="0"/>
+              <a:t>Z2 of 1</a:t>
+            </a:r>
+            <a:r>
+              <a:rPr lang="pt-BR" sz="1400" baseline="30000" dirty="0" smtClean="0"/>
+              <a:t>st</a:t>
+            </a:r>
+            <a:r>
+              <a:rPr lang="pt-BR" sz="1400" dirty="0" smtClean="0"/>
+              <a:t> </a:t>
+            </a:r>
+            <a:r>
+              <a:rPr lang="pt-BR" sz="1400" dirty="0" err="1" smtClean="0"/>
+              <a:t>location</a:t>
+            </a:r>
+            <a:endParaRPr lang="pt-BR" sz="1400" dirty="0"/>
+          </a:p>
+        </p:txBody>
+      </p:sp>
+      <p:sp>
+        <p:nvSpPr>
+          <p:cNvPr id="58" name="CaixaDeTexto 57"/>
+          <p:cNvSpPr txBox="1"/>
+          <p:nvPr/>
+        </p:nvSpPr>
+        <p:spPr>
+          <a:xfrm rot="19985465">
+            <a:off x="3921588" y="2822124"/>
+            <a:ext cx="1829347" cy="307777"/>
+          </a:xfrm>
+          <a:prstGeom prst="rect">
+            <a:avLst/>
+          </a:prstGeom>
+          <a:noFill/>
+        </p:spPr>
+        <p:txBody>
+          <a:bodyPr wrap="none" rtlCol="0">
+            <a:spAutoFit/>
+          </a:bodyPr>
+          <a:lstStyle/>
+          <a:p>
+            <a:r>
+              <a:rPr lang="pt-BR" sz="1400" dirty="0" smtClean="0">
+                <a:latin typeface="Wide Latin" panose="020A0A07050505020404" pitchFamily="18" charset="0"/>
+              </a:rPr>
+              <a:t>grid </a:t>
+            </a:r>
+            <a:r>
+              <a:rPr lang="pt-BR" sz="1400" dirty="0" err="1" smtClean="0">
+                <a:latin typeface="Wide Latin" panose="020A0A07050505020404" pitchFamily="18" charset="0"/>
+              </a:rPr>
+              <a:t>slice</a:t>
+            </a:r>
+            <a:r>
+              <a:rPr lang="pt-BR" sz="1400" dirty="0" smtClean="0">
+                <a:latin typeface="Wide Latin" panose="020A0A07050505020404" pitchFamily="18" charset="0"/>
+              </a:rPr>
+              <a:t> 0</a:t>
+            </a:r>
+            <a:endParaRPr lang="pt-BR" sz="1400" dirty="0">
+              <a:latin typeface="Wide Latin" panose="020A0A07050505020404" pitchFamily="18" charset="0"/>
+            </a:endParaRPr>
+          </a:p>
+        </p:txBody>
+      </p:sp>
+      <p:sp>
+        <p:nvSpPr>
+          <p:cNvPr id="61" name="CaixaDeTexto 60"/>
+          <p:cNvSpPr txBox="1"/>
+          <p:nvPr/>
+        </p:nvSpPr>
+        <p:spPr>
+          <a:xfrm rot="20383774">
+            <a:off x="3852860" y="2220100"/>
+            <a:ext cx="1768433" cy="307777"/>
+          </a:xfrm>
+          <a:prstGeom prst="rect">
+            <a:avLst/>
+          </a:prstGeom>
+          <a:noFill/>
+        </p:spPr>
+        <p:txBody>
+          <a:bodyPr wrap="none" rtlCol="0">
+            <a:spAutoFit/>
+          </a:bodyPr>
+          <a:lstStyle/>
+          <a:p>
+            <a:r>
+              <a:rPr lang="pt-BR" sz="1400" dirty="0" smtClean="0">
+                <a:latin typeface="Wide Latin" panose="020A0A07050505020404" pitchFamily="18" charset="0"/>
+              </a:rPr>
+              <a:t>grid </a:t>
+            </a:r>
+            <a:r>
+              <a:rPr lang="pt-BR" sz="1400" dirty="0" err="1" smtClean="0">
+                <a:latin typeface="Wide Latin" panose="020A0A07050505020404" pitchFamily="18" charset="0"/>
+              </a:rPr>
+              <a:t>slice</a:t>
+            </a:r>
+            <a:r>
+              <a:rPr lang="pt-BR" sz="1400" dirty="0" smtClean="0">
+                <a:latin typeface="Wide Latin" panose="020A0A07050505020404" pitchFamily="18" charset="0"/>
+              </a:rPr>
+              <a:t> 1</a:t>
+            </a:r>
+            <a:endParaRPr lang="pt-BR" sz="1400" dirty="0">
+              <a:latin typeface="Wide Latin" panose="020A0A07050505020404" pitchFamily="18" charset="0"/>
+            </a:endParaRPr>
+          </a:p>
+        </p:txBody>
+      </p:sp>
+    </p:spTree>
+    <p:extLst>
+      <p:ext uri="{BB962C8B-B14F-4D97-AF65-F5344CB8AC3E}">
+        <p14:creationId xmlns:p14="http://schemas.microsoft.com/office/powerpoint/2010/main" val="3592591357"/>
       </p:ext>
     </p:extLst>
   </p:cSld>

--- a/docs/figures.pptx
+++ b/docs/figures.pptx
@@ -19,22 +19,23 @@
     <p:sldId id="262" r:id="rId13"/>
     <p:sldId id="263" r:id="rId14"/>
     <p:sldId id="288" r:id="rId15"/>
-    <p:sldId id="268" r:id="rId16"/>
-    <p:sldId id="269" r:id="rId17"/>
-    <p:sldId id="270" r:id="rId18"/>
-    <p:sldId id="271" r:id="rId19"/>
-    <p:sldId id="272" r:id="rId20"/>
-    <p:sldId id="274" r:id="rId21"/>
-    <p:sldId id="275" r:id="rId22"/>
-    <p:sldId id="273" r:id="rId23"/>
-    <p:sldId id="276" r:id="rId24"/>
-    <p:sldId id="277" r:id="rId25"/>
-    <p:sldId id="278" r:id="rId26"/>
-    <p:sldId id="279" r:id="rId27"/>
-    <p:sldId id="280" r:id="rId28"/>
-    <p:sldId id="282" r:id="rId29"/>
-    <p:sldId id="284" r:id="rId30"/>
-    <p:sldId id="285" r:id="rId31"/>
+    <p:sldId id="289" r:id="rId16"/>
+    <p:sldId id="268" r:id="rId17"/>
+    <p:sldId id="269" r:id="rId18"/>
+    <p:sldId id="270" r:id="rId19"/>
+    <p:sldId id="271" r:id="rId20"/>
+    <p:sldId id="272" r:id="rId21"/>
+    <p:sldId id="274" r:id="rId22"/>
+    <p:sldId id="275" r:id="rId23"/>
+    <p:sldId id="273" r:id="rId24"/>
+    <p:sldId id="276" r:id="rId25"/>
+    <p:sldId id="277" r:id="rId26"/>
+    <p:sldId id="278" r:id="rId27"/>
+    <p:sldId id="279" r:id="rId28"/>
+    <p:sldId id="280" r:id="rId29"/>
+    <p:sldId id="282" r:id="rId30"/>
+    <p:sldId id="284" r:id="rId31"/>
+    <p:sldId id="285" r:id="rId32"/>
   </p:sldIdLst>
   <p:sldSz cx="12192000" cy="6858000"/>
   <p:notesSz cx="6858000" cy="9144000"/>
@@ -289,7 +290,7 @@
           <a:p>
             <a:fld id="{5827CF75-21ED-4285-9C22-184A8788EFA2}" type="datetimeFigureOut">
               <a:rPr lang="pt-BR" smtClean="0"/>
-              <a:t>15/07/2021</a:t>
+              <a:t>16/07/2021</a:t>
             </a:fld>
             <a:endParaRPr lang="pt-BR"/>
           </a:p>
@@ -459,7 +460,7 @@
           <a:p>
             <a:fld id="{5827CF75-21ED-4285-9C22-184A8788EFA2}" type="datetimeFigureOut">
               <a:rPr lang="pt-BR" smtClean="0"/>
-              <a:t>15/07/2021</a:t>
+              <a:t>16/07/2021</a:t>
             </a:fld>
             <a:endParaRPr lang="pt-BR"/>
           </a:p>
@@ -639,7 +640,7 @@
           <a:p>
             <a:fld id="{5827CF75-21ED-4285-9C22-184A8788EFA2}" type="datetimeFigureOut">
               <a:rPr lang="pt-BR" smtClean="0"/>
-              <a:t>15/07/2021</a:t>
+              <a:t>16/07/2021</a:t>
             </a:fld>
             <a:endParaRPr lang="pt-BR"/>
           </a:p>
@@ -809,7 +810,7 @@
           <a:p>
             <a:fld id="{5827CF75-21ED-4285-9C22-184A8788EFA2}" type="datetimeFigureOut">
               <a:rPr lang="pt-BR" smtClean="0"/>
-              <a:t>15/07/2021</a:t>
+              <a:t>16/07/2021</a:t>
             </a:fld>
             <a:endParaRPr lang="pt-BR"/>
           </a:p>
@@ -1055,7 +1056,7 @@
           <a:p>
             <a:fld id="{5827CF75-21ED-4285-9C22-184A8788EFA2}" type="datetimeFigureOut">
               <a:rPr lang="pt-BR" smtClean="0"/>
-              <a:t>15/07/2021</a:t>
+              <a:t>16/07/2021</a:t>
             </a:fld>
             <a:endParaRPr lang="pt-BR"/>
           </a:p>
@@ -1287,7 +1288,7 @@
           <a:p>
             <a:fld id="{5827CF75-21ED-4285-9C22-184A8788EFA2}" type="datetimeFigureOut">
               <a:rPr lang="pt-BR" smtClean="0"/>
-              <a:t>15/07/2021</a:t>
+              <a:t>16/07/2021</a:t>
             </a:fld>
             <a:endParaRPr lang="pt-BR"/>
           </a:p>
@@ -1654,7 +1655,7 @@
           <a:p>
             <a:fld id="{5827CF75-21ED-4285-9C22-184A8788EFA2}" type="datetimeFigureOut">
               <a:rPr lang="pt-BR" smtClean="0"/>
-              <a:t>15/07/2021</a:t>
+              <a:t>16/07/2021</a:t>
             </a:fld>
             <a:endParaRPr lang="pt-BR"/>
           </a:p>
@@ -1772,7 +1773,7 @@
           <a:p>
             <a:fld id="{5827CF75-21ED-4285-9C22-184A8788EFA2}" type="datetimeFigureOut">
               <a:rPr lang="pt-BR" smtClean="0"/>
-              <a:t>15/07/2021</a:t>
+              <a:t>16/07/2021</a:t>
             </a:fld>
             <a:endParaRPr lang="pt-BR"/>
           </a:p>
@@ -1867,7 +1868,7 @@
           <a:p>
             <a:fld id="{5827CF75-21ED-4285-9C22-184A8788EFA2}" type="datetimeFigureOut">
               <a:rPr lang="pt-BR" smtClean="0"/>
-              <a:t>15/07/2021</a:t>
+              <a:t>16/07/2021</a:t>
             </a:fld>
             <a:endParaRPr lang="pt-BR"/>
           </a:p>
@@ -2144,7 +2145,7 @@
           <a:p>
             <a:fld id="{5827CF75-21ED-4285-9C22-184A8788EFA2}" type="datetimeFigureOut">
               <a:rPr lang="pt-BR" smtClean="0"/>
-              <a:t>15/07/2021</a:t>
+              <a:t>16/07/2021</a:t>
             </a:fld>
             <a:endParaRPr lang="pt-BR"/>
           </a:p>
@@ -2397,7 +2398,7 @@
           <a:p>
             <a:fld id="{5827CF75-21ED-4285-9C22-184A8788EFA2}" type="datetimeFigureOut">
               <a:rPr lang="pt-BR" smtClean="0"/>
-              <a:t>15/07/2021</a:t>
+              <a:t>16/07/2021</a:t>
             </a:fld>
             <a:endParaRPr lang="pt-BR"/>
           </a:p>
@@ -2610,7 +2611,7 @@
           <a:p>
             <a:fld id="{5827CF75-21ED-4285-9C22-184A8788EFA2}" type="datetimeFigureOut">
               <a:rPr lang="pt-BR" smtClean="0"/>
-              <a:t>15/07/2021</a:t>
+              <a:t>16/07/2021</a:t>
             </a:fld>
             <a:endParaRPr lang="pt-BR"/>
           </a:p>
@@ -15470,174 +15471,56 @@
       </p:grpSpPr>
       <p:pic>
         <p:nvPicPr>
-          <p:cNvPr id="80" name="Imagem 79"/>
+          <p:cNvPr id="3" name="Imagem 2"/>
           <p:cNvPicPr>
             <a:picLocks noChangeAspect="1"/>
           </p:cNvPicPr>
           <p:nvPr/>
         </p:nvPicPr>
         <p:blipFill>
-          <a:blip r:embed="rId2">
-            <a:clrChange>
-              <a:clrFrom>
-                <a:srgbClr val="FEFFFC"/>
-              </a:clrFrom>
-              <a:clrTo>
-                <a:srgbClr val="FEFFFC">
-                  <a:alpha val="0"/>
-                </a:srgbClr>
-              </a:clrTo>
-            </a:clrChange>
-          </a:blip>
+          <a:blip r:embed="rId2"/>
           <a:stretch>
             <a:fillRect/>
           </a:stretch>
         </p:blipFill>
         <p:spPr>
           <a:xfrm>
-            <a:off x="2567608" y="942976"/>
-            <a:ext cx="3352800" cy="2486025"/>
+            <a:off x="892934" y="388264"/>
+            <a:ext cx="5000187" cy="5050914"/>
           </a:xfrm>
           <a:prstGeom prst="rect">
             <a:avLst/>
           </a:prstGeom>
         </p:spPr>
       </p:pic>
-      <p:cxnSp>
-        <p:nvCxnSpPr>
-          <p:cNvPr id="81" name="Conector de seta reta 80"/>
-          <p:cNvCxnSpPr/>
-          <p:nvPr/>
-        </p:nvCxnSpPr>
-        <p:spPr>
-          <a:xfrm>
-            <a:off x="2423592" y="3429000"/>
-            <a:ext cx="3672408" cy="0"/>
-          </a:xfrm>
-          <a:prstGeom prst="straightConnector1">
-            <a:avLst/>
-          </a:prstGeom>
-          <a:ln>
-            <a:solidFill>
-              <a:schemeClr val="tx1"/>
-            </a:solidFill>
-            <a:tailEnd type="triangle" w="med" len="lg"/>
-          </a:ln>
-        </p:spPr>
-        <p:style>
-          <a:lnRef idx="1">
-            <a:schemeClr val="accent1"/>
-          </a:lnRef>
-          <a:fillRef idx="0">
-            <a:schemeClr val="accent1"/>
-          </a:fillRef>
-          <a:effectRef idx="0">
-            <a:schemeClr val="accent1"/>
-          </a:effectRef>
-          <a:fontRef idx="minor">
-            <a:schemeClr val="tx1"/>
-          </a:fontRef>
-        </p:style>
-      </p:cxnSp>
-      <p:sp>
-        <p:nvSpPr>
-          <p:cNvPr id="83" name="CaixaDeTexto 82"/>
-          <p:cNvSpPr txBox="1"/>
-          <p:nvPr/>
-        </p:nvSpPr>
-        <p:spPr>
-          <a:xfrm>
-            <a:off x="5852853" y="3417936"/>
-            <a:ext cx="284052" cy="369332"/>
+      <p:pic>
+        <p:nvPicPr>
+          <p:cNvPr id="4" name="Imagem 3"/>
+          <p:cNvPicPr>
+            <a:picLocks noChangeAspect="1"/>
+          </p:cNvPicPr>
+          <p:nvPr/>
+        </p:nvPicPr>
+        <p:blipFill>
+          <a:blip r:embed="rId3"/>
+          <a:stretch>
+            <a:fillRect/>
+          </a:stretch>
+        </p:blipFill>
+        <p:spPr>
+          <a:xfrm>
+            <a:off x="5847229" y="388264"/>
+            <a:ext cx="5197619" cy="5123894"/>
           </a:xfrm>
           <a:prstGeom prst="rect">
             <a:avLst/>
           </a:prstGeom>
-          <a:noFill/>
-        </p:spPr>
-        <p:txBody>
-          <a:bodyPr wrap="none" rtlCol="0">
-            <a:spAutoFit/>
-          </a:bodyPr>
-          <a:lstStyle/>
-          <a:p>
-            <a:r>
-              <a:rPr lang="pt-BR" dirty="0"/>
-              <a:t>x</a:t>
-            </a:r>
-          </a:p>
-        </p:txBody>
-      </p:sp>
-      <p:sp>
-        <p:nvSpPr>
-          <p:cNvPr id="84" name="CaixaDeTexto 83"/>
-          <p:cNvSpPr txBox="1"/>
-          <p:nvPr/>
-        </p:nvSpPr>
-        <p:spPr>
-          <a:xfrm rot="16200000">
-            <a:off x="1972602" y="1697600"/>
-            <a:ext cx="686213" cy="369332"/>
-          </a:xfrm>
-          <a:prstGeom prst="rect">
-            <a:avLst/>
-          </a:prstGeom>
-          <a:noFill/>
-        </p:spPr>
-        <p:txBody>
-          <a:bodyPr wrap="none" rtlCol="0">
-            <a:spAutoFit/>
-          </a:bodyPr>
-          <a:lstStyle/>
-          <a:p>
-            <a:r>
-              <a:rPr lang="pt-BR" dirty="0" err="1" smtClean="0"/>
-              <a:t>value</a:t>
-            </a:r>
-            <a:endParaRPr lang="pt-BR" dirty="0"/>
-          </a:p>
-        </p:txBody>
-      </p:sp>
-      <p:cxnSp>
-        <p:nvCxnSpPr>
-          <p:cNvPr id="88" name="Conector de seta reta 87"/>
-          <p:cNvCxnSpPr/>
-          <p:nvPr/>
-        </p:nvCxnSpPr>
-        <p:spPr>
-          <a:xfrm flipV="1">
-            <a:off x="2567608" y="548680"/>
-            <a:ext cx="0" cy="3032720"/>
-          </a:xfrm>
-          <a:prstGeom prst="straightConnector1">
-            <a:avLst/>
-          </a:prstGeom>
-          <a:ln>
-            <a:solidFill>
-              <a:schemeClr val="tx1"/>
-            </a:solidFill>
-            <a:tailEnd type="triangle" w="med" len="lg"/>
-          </a:ln>
-        </p:spPr>
-        <p:style>
-          <a:lnRef idx="1">
-            <a:schemeClr val="accent1"/>
-          </a:lnRef>
-          <a:fillRef idx="0">
-            <a:schemeClr val="accent1"/>
-          </a:fillRef>
-          <a:effectRef idx="0">
-            <a:schemeClr val="accent1"/>
-          </a:effectRef>
-          <a:fontRef idx="minor">
-            <a:schemeClr val="tx1"/>
-          </a:fontRef>
-        </p:style>
-      </p:cxnSp>
+        </p:spPr>
+      </p:pic>
     </p:spTree>
     <p:extLst>
       <p:ext uri="{BB962C8B-B14F-4D97-AF65-F5344CB8AC3E}">
-        <p14:creationId xmlns:p14="http://schemas.microsoft.com/office/powerpoint/2010/main" val="1485089528"/>
+        <p14:creationId xmlns:p14="http://schemas.microsoft.com/office/powerpoint/2010/main" val="2598163445"/>
       </p:ext>
     </p:extLst>
   </p:cSld>
@@ -15673,7 +15556,7 @@
       </p:grpSpPr>
       <p:pic>
         <p:nvPicPr>
-          <p:cNvPr id="3" name="Imagem 2"/>
+          <p:cNvPr id="80" name="Imagem 79"/>
           <p:cNvPicPr>
             <a:picLocks noChangeAspect="1"/>
           </p:cNvPicPr>
@@ -15698,8 +15581,8 @@
         </p:blipFill>
         <p:spPr>
           <a:xfrm>
-            <a:off x="2567609" y="793351"/>
-            <a:ext cx="3457575" cy="2628900"/>
+            <a:off x="2567608" y="942976"/>
+            <a:ext cx="3352800" cy="2486025"/>
           </a:xfrm>
           <a:prstGeom prst="rect">
             <a:avLst/>
@@ -15840,7 +15723,7 @@
     </p:spTree>
     <p:extLst>
       <p:ext uri="{BB962C8B-B14F-4D97-AF65-F5344CB8AC3E}">
-        <p14:creationId xmlns:p14="http://schemas.microsoft.com/office/powerpoint/2010/main" val="3848290507"/>
+        <p14:creationId xmlns:p14="http://schemas.microsoft.com/office/powerpoint/2010/main" val="1485089528"/>
       </p:ext>
     </p:extLst>
   </p:cSld>
@@ -15876,7 +15759,7 @@
       </p:grpSpPr>
       <p:pic>
         <p:nvPicPr>
-          <p:cNvPr id="2" name="Imagem 1"/>
+          <p:cNvPr id="3" name="Imagem 2"/>
           <p:cNvPicPr>
             <a:picLocks noChangeAspect="1"/>
           </p:cNvPicPr>
@@ -15901,8 +15784,8 @@
         </p:blipFill>
         <p:spPr>
           <a:xfrm>
-            <a:off x="2567609" y="760462"/>
-            <a:ext cx="3381375" cy="2657475"/>
+            <a:off x="2567609" y="793351"/>
+            <a:ext cx="3457575" cy="2628900"/>
           </a:xfrm>
           <a:prstGeom prst="rect">
             <a:avLst/>
@@ -16043,7 +15926,7 @@
     </p:spTree>
     <p:extLst>
       <p:ext uri="{BB962C8B-B14F-4D97-AF65-F5344CB8AC3E}">
-        <p14:creationId xmlns:p14="http://schemas.microsoft.com/office/powerpoint/2010/main" val="2110769789"/>
+        <p14:creationId xmlns:p14="http://schemas.microsoft.com/office/powerpoint/2010/main" val="3848290507"/>
       </p:ext>
     </p:extLst>
   </p:cSld>
@@ -16077,140 +15960,9 @@
           <a:chExt cx="0" cy="0"/>
         </a:xfrm>
       </p:grpSpPr>
-      <p:cxnSp>
-        <p:nvCxnSpPr>
-          <p:cNvPr id="81" name="Conector de seta reta 80"/>
-          <p:cNvCxnSpPr/>
-          <p:nvPr/>
-        </p:nvCxnSpPr>
-        <p:spPr>
-          <a:xfrm>
-            <a:off x="2423592" y="3429000"/>
-            <a:ext cx="3672408" cy="0"/>
-          </a:xfrm>
-          <a:prstGeom prst="straightConnector1">
-            <a:avLst/>
-          </a:prstGeom>
-          <a:ln>
-            <a:solidFill>
-              <a:schemeClr val="tx1"/>
-            </a:solidFill>
-            <a:tailEnd type="triangle" w="med" len="lg"/>
-          </a:ln>
-        </p:spPr>
-        <p:style>
-          <a:lnRef idx="1">
-            <a:schemeClr val="accent1"/>
-          </a:lnRef>
-          <a:fillRef idx="0">
-            <a:schemeClr val="accent1"/>
-          </a:fillRef>
-          <a:effectRef idx="0">
-            <a:schemeClr val="accent1"/>
-          </a:effectRef>
-          <a:fontRef idx="minor">
-            <a:schemeClr val="tx1"/>
-          </a:fontRef>
-        </p:style>
-      </p:cxnSp>
-      <p:sp>
-        <p:nvSpPr>
-          <p:cNvPr id="83" name="CaixaDeTexto 82"/>
-          <p:cNvSpPr txBox="1"/>
-          <p:nvPr/>
-        </p:nvSpPr>
-        <p:spPr>
-          <a:xfrm>
-            <a:off x="5852853" y="3417936"/>
-            <a:ext cx="284052" cy="369332"/>
-          </a:xfrm>
-          <a:prstGeom prst="rect">
-            <a:avLst/>
-          </a:prstGeom>
-          <a:noFill/>
-        </p:spPr>
-        <p:txBody>
-          <a:bodyPr wrap="none" rtlCol="0">
-            <a:spAutoFit/>
-          </a:bodyPr>
-          <a:lstStyle/>
-          <a:p>
-            <a:r>
-              <a:rPr lang="pt-BR" dirty="0"/>
-              <a:t>x</a:t>
-            </a:r>
-          </a:p>
-        </p:txBody>
-      </p:sp>
-      <p:sp>
-        <p:nvSpPr>
-          <p:cNvPr id="84" name="CaixaDeTexto 83"/>
-          <p:cNvSpPr txBox="1"/>
-          <p:nvPr/>
-        </p:nvSpPr>
-        <p:spPr>
-          <a:xfrm rot="16200000">
-            <a:off x="1972602" y="1697600"/>
-            <a:ext cx="686213" cy="369332"/>
-          </a:xfrm>
-          <a:prstGeom prst="rect">
-            <a:avLst/>
-          </a:prstGeom>
-          <a:noFill/>
-        </p:spPr>
-        <p:txBody>
-          <a:bodyPr wrap="none" rtlCol="0">
-            <a:spAutoFit/>
-          </a:bodyPr>
-          <a:lstStyle/>
-          <a:p>
-            <a:r>
-              <a:rPr lang="pt-BR" dirty="0" err="1" smtClean="0"/>
-              <a:t>value</a:t>
-            </a:r>
-            <a:endParaRPr lang="pt-BR" dirty="0"/>
-          </a:p>
-        </p:txBody>
-      </p:sp>
-      <p:cxnSp>
-        <p:nvCxnSpPr>
-          <p:cNvPr id="88" name="Conector de seta reta 87"/>
-          <p:cNvCxnSpPr/>
-          <p:nvPr/>
-        </p:nvCxnSpPr>
-        <p:spPr>
-          <a:xfrm flipV="1">
-            <a:off x="2567608" y="548680"/>
-            <a:ext cx="0" cy="3032720"/>
-          </a:xfrm>
-          <a:prstGeom prst="straightConnector1">
-            <a:avLst/>
-          </a:prstGeom>
-          <a:ln>
-            <a:solidFill>
-              <a:schemeClr val="tx1"/>
-            </a:solidFill>
-            <a:tailEnd type="triangle" w="med" len="lg"/>
-          </a:ln>
-        </p:spPr>
-        <p:style>
-          <a:lnRef idx="1">
-            <a:schemeClr val="accent1"/>
-          </a:lnRef>
-          <a:fillRef idx="0">
-            <a:schemeClr val="accent1"/>
-          </a:fillRef>
-          <a:effectRef idx="0">
-            <a:schemeClr val="accent1"/>
-          </a:effectRef>
-          <a:fontRef idx="minor">
-            <a:schemeClr val="tx1"/>
-          </a:fontRef>
-        </p:style>
-      </p:cxnSp>
       <p:pic>
         <p:nvPicPr>
-          <p:cNvPr id="3" name="Imagem 2"/>
+          <p:cNvPr id="2" name="Imagem 1"/>
           <p:cNvPicPr>
             <a:picLocks noChangeAspect="1"/>
           </p:cNvPicPr>
@@ -16235,18 +15987,149 @@
         </p:blipFill>
         <p:spPr>
           <a:xfrm>
-            <a:off x="2613505" y="1096144"/>
-            <a:ext cx="3381375" cy="1828800"/>
+            <a:off x="2567609" y="760462"/>
+            <a:ext cx="3381375" cy="2657475"/>
           </a:xfrm>
           <a:prstGeom prst="rect">
             <a:avLst/>
           </a:prstGeom>
         </p:spPr>
       </p:pic>
+      <p:cxnSp>
+        <p:nvCxnSpPr>
+          <p:cNvPr id="81" name="Conector de seta reta 80"/>
+          <p:cNvCxnSpPr/>
+          <p:nvPr/>
+        </p:nvCxnSpPr>
+        <p:spPr>
+          <a:xfrm>
+            <a:off x="2423592" y="3429000"/>
+            <a:ext cx="3672408" cy="0"/>
+          </a:xfrm>
+          <a:prstGeom prst="straightConnector1">
+            <a:avLst/>
+          </a:prstGeom>
+          <a:ln>
+            <a:solidFill>
+              <a:schemeClr val="tx1"/>
+            </a:solidFill>
+            <a:tailEnd type="triangle" w="med" len="lg"/>
+          </a:ln>
+        </p:spPr>
+        <p:style>
+          <a:lnRef idx="1">
+            <a:schemeClr val="accent1"/>
+          </a:lnRef>
+          <a:fillRef idx="0">
+            <a:schemeClr val="accent1"/>
+          </a:fillRef>
+          <a:effectRef idx="0">
+            <a:schemeClr val="accent1"/>
+          </a:effectRef>
+          <a:fontRef idx="minor">
+            <a:schemeClr val="tx1"/>
+          </a:fontRef>
+        </p:style>
+      </p:cxnSp>
+      <p:sp>
+        <p:nvSpPr>
+          <p:cNvPr id="83" name="CaixaDeTexto 82"/>
+          <p:cNvSpPr txBox="1"/>
+          <p:nvPr/>
+        </p:nvSpPr>
+        <p:spPr>
+          <a:xfrm>
+            <a:off x="5852853" y="3417936"/>
+            <a:ext cx="284052" cy="369332"/>
+          </a:xfrm>
+          <a:prstGeom prst="rect">
+            <a:avLst/>
+          </a:prstGeom>
+          <a:noFill/>
+        </p:spPr>
+        <p:txBody>
+          <a:bodyPr wrap="none" rtlCol="0">
+            <a:spAutoFit/>
+          </a:bodyPr>
+          <a:lstStyle/>
+          <a:p>
+            <a:r>
+              <a:rPr lang="pt-BR" dirty="0"/>
+              <a:t>x</a:t>
+            </a:r>
+          </a:p>
+        </p:txBody>
+      </p:sp>
+      <p:sp>
+        <p:nvSpPr>
+          <p:cNvPr id="84" name="CaixaDeTexto 83"/>
+          <p:cNvSpPr txBox="1"/>
+          <p:nvPr/>
+        </p:nvSpPr>
+        <p:spPr>
+          <a:xfrm rot="16200000">
+            <a:off x="1972602" y="1697600"/>
+            <a:ext cx="686213" cy="369332"/>
+          </a:xfrm>
+          <a:prstGeom prst="rect">
+            <a:avLst/>
+          </a:prstGeom>
+          <a:noFill/>
+        </p:spPr>
+        <p:txBody>
+          <a:bodyPr wrap="none" rtlCol="0">
+            <a:spAutoFit/>
+          </a:bodyPr>
+          <a:lstStyle/>
+          <a:p>
+            <a:r>
+              <a:rPr lang="pt-BR" dirty="0" err="1" smtClean="0"/>
+              <a:t>value</a:t>
+            </a:r>
+            <a:endParaRPr lang="pt-BR" dirty="0"/>
+          </a:p>
+        </p:txBody>
+      </p:sp>
+      <p:cxnSp>
+        <p:nvCxnSpPr>
+          <p:cNvPr id="88" name="Conector de seta reta 87"/>
+          <p:cNvCxnSpPr/>
+          <p:nvPr/>
+        </p:nvCxnSpPr>
+        <p:spPr>
+          <a:xfrm flipV="1">
+            <a:off x="2567608" y="548680"/>
+            <a:ext cx="0" cy="3032720"/>
+          </a:xfrm>
+          <a:prstGeom prst="straightConnector1">
+            <a:avLst/>
+          </a:prstGeom>
+          <a:ln>
+            <a:solidFill>
+              <a:schemeClr val="tx1"/>
+            </a:solidFill>
+            <a:tailEnd type="triangle" w="med" len="lg"/>
+          </a:ln>
+        </p:spPr>
+        <p:style>
+          <a:lnRef idx="1">
+            <a:schemeClr val="accent1"/>
+          </a:lnRef>
+          <a:fillRef idx="0">
+            <a:schemeClr val="accent1"/>
+          </a:fillRef>
+          <a:effectRef idx="0">
+            <a:schemeClr val="accent1"/>
+          </a:effectRef>
+          <a:fontRef idx="minor">
+            <a:schemeClr val="tx1"/>
+          </a:fontRef>
+        </p:style>
+      </p:cxnSp>
     </p:spTree>
     <p:extLst>
       <p:ext uri="{BB962C8B-B14F-4D97-AF65-F5344CB8AC3E}">
-        <p14:creationId xmlns:p14="http://schemas.microsoft.com/office/powerpoint/2010/main" val="1648656838"/>
+        <p14:creationId xmlns:p14="http://schemas.microsoft.com/office/powerpoint/2010/main" val="2110769789"/>
       </p:ext>
     </p:extLst>
   </p:cSld>
@@ -16280,95 +16163,25 @@
           <a:chExt cx="0" cy="0"/>
         </a:xfrm>
       </p:grpSpPr>
-      <p:pic>
-        <p:nvPicPr>
-          <p:cNvPr id="4" name="Imagem 3"/>
-          <p:cNvPicPr>
-            <a:picLocks noChangeAspect="1"/>
-          </p:cNvPicPr>
-          <p:nvPr/>
-        </p:nvPicPr>
-        <p:blipFill>
-          <a:blip r:embed="rId2"/>
-          <a:stretch>
-            <a:fillRect/>
-          </a:stretch>
-        </p:blipFill>
-        <p:spPr>
-          <a:xfrm>
-            <a:off x="1758462" y="1572320"/>
-            <a:ext cx="5790223" cy="3644510"/>
-          </a:xfrm>
-          <a:prstGeom prst="rect">
-            <a:avLst/>
-          </a:prstGeom>
-        </p:spPr>
-      </p:pic>
-      <p:sp>
-        <p:nvSpPr>
-          <p:cNvPr id="7" name="CaixaDeTexto 6"/>
-          <p:cNvSpPr txBox="1"/>
-          <p:nvPr/>
-        </p:nvSpPr>
-        <p:spPr>
-          <a:xfrm>
-            <a:off x="3813273" y="884979"/>
-            <a:ext cx="2525004" cy="261610"/>
-          </a:xfrm>
-          <a:prstGeom prst="rect">
-            <a:avLst/>
-          </a:prstGeom>
-          <a:noFill/>
-        </p:spPr>
-        <p:txBody>
-          <a:bodyPr wrap="square" rtlCol="0">
-            <a:spAutoFit/>
-          </a:bodyPr>
-          <a:lstStyle/>
-          <a:p>
-            <a:pPr algn="ctr"/>
-            <a:r>
-              <a:rPr lang="pt-BR" sz="1100" b="1" dirty="0" smtClean="0"/>
-              <a:t>B2: computes </a:t>
-            </a:r>
-            <a:r>
-              <a:rPr lang="pt-BR" sz="1100" b="1" dirty="0" err="1" smtClean="0"/>
-              <a:t>and</a:t>
-            </a:r>
-            <a:r>
-              <a:rPr lang="pt-BR" sz="1100" b="1" dirty="0" smtClean="0"/>
-              <a:t> displays Gabor </a:t>
-            </a:r>
-            <a:r>
-              <a:rPr lang="pt-BR" sz="1100" b="1" dirty="0" err="1" smtClean="0"/>
-              <a:t>space</a:t>
-            </a:r>
-            <a:endParaRPr lang="pt-BR" sz="1100" b="1" dirty="0"/>
-          </a:p>
-        </p:txBody>
-      </p:sp>
       <p:cxnSp>
         <p:nvCxnSpPr>
-          <p:cNvPr id="9" name="Conector angulado 8"/>
-          <p:cNvCxnSpPr>
-            <a:stCxn id="7" idx="1"/>
-            <a:endCxn id="10" idx="0"/>
-          </p:cNvCxnSpPr>
+          <p:cNvPr id="81" name="Conector de seta reta 80"/>
+          <p:cNvCxnSpPr/>
           <p:nvPr/>
         </p:nvCxnSpPr>
         <p:spPr>
-          <a:xfrm rot="10800000" flipV="1">
-            <a:off x="3614299" y="1015783"/>
-            <a:ext cx="198975" cy="812593"/>
-          </a:xfrm>
-          <a:prstGeom prst="bentConnector2">
+          <a:xfrm>
+            <a:off x="2423592" y="3429000"/>
+            <a:ext cx="3672408" cy="0"/>
+          </a:xfrm>
+          <a:prstGeom prst="straightConnector1">
             <a:avLst/>
           </a:prstGeom>
           <a:ln>
             <a:solidFill>
-              <a:srgbClr val="FF0000"/>
+              <a:schemeClr val="tx1"/>
             </a:solidFill>
-            <a:tailEnd type="triangle"/>
+            <a:tailEnd type="triangle" w="med" len="lg"/>
           </a:ln>
         </p:spPr>
         <p:style>
@@ -16388,73 +16201,82 @@
       </p:cxnSp>
       <p:sp>
         <p:nvSpPr>
-          <p:cNvPr id="10" name="Retângulo 9"/>
-          <p:cNvSpPr/>
-          <p:nvPr/>
-        </p:nvSpPr>
-        <p:spPr>
-          <a:xfrm>
-            <a:off x="3516288" y="1828377"/>
-            <a:ext cx="196020" cy="140677"/>
+          <p:cNvPr id="83" name="CaixaDeTexto 82"/>
+          <p:cNvSpPr txBox="1"/>
+          <p:nvPr/>
+        </p:nvSpPr>
+        <p:spPr>
+          <a:xfrm>
+            <a:off x="5852853" y="3417936"/>
+            <a:ext cx="284052" cy="369332"/>
           </a:xfrm>
           <a:prstGeom prst="rect">
             <a:avLst/>
           </a:prstGeom>
           <a:noFill/>
-          <a:ln>
-            <a:noFill/>
-          </a:ln>
-        </p:spPr>
-        <p:style>
-          <a:lnRef idx="2">
-            <a:schemeClr val="accent1">
-              <a:shade val="50000"/>
-            </a:schemeClr>
-          </a:lnRef>
-          <a:fillRef idx="1">
-            <a:schemeClr val="accent1"/>
-          </a:fillRef>
-          <a:effectRef idx="0">
-            <a:schemeClr val="accent1"/>
-          </a:effectRef>
-          <a:fontRef idx="minor">
-            <a:schemeClr val="lt1"/>
-          </a:fontRef>
-        </p:style>
-        <p:txBody>
-          <a:bodyPr rtlCol="0" anchor="ctr"/>
-          <a:lstStyle/>
-          <a:p>
-            <a:pPr algn="ctr"/>
-            <a:endParaRPr lang="pt-BR"/>
+        </p:spPr>
+        <p:txBody>
+          <a:bodyPr wrap="none" rtlCol="0">
+            <a:spAutoFit/>
+          </a:bodyPr>
+          <a:lstStyle/>
+          <a:p>
+            <a:r>
+              <a:rPr lang="pt-BR" dirty="0"/>
+              <a:t>x</a:t>
+            </a:r>
+          </a:p>
+        </p:txBody>
+      </p:sp>
+      <p:sp>
+        <p:nvSpPr>
+          <p:cNvPr id="84" name="CaixaDeTexto 83"/>
+          <p:cNvSpPr txBox="1"/>
+          <p:nvPr/>
+        </p:nvSpPr>
+        <p:spPr>
+          <a:xfrm rot="16200000">
+            <a:off x="1972602" y="1697600"/>
+            <a:ext cx="686213" cy="369332"/>
+          </a:xfrm>
+          <a:prstGeom prst="rect">
+            <a:avLst/>
+          </a:prstGeom>
+          <a:noFill/>
+        </p:spPr>
+        <p:txBody>
+          <a:bodyPr wrap="none" rtlCol="0">
+            <a:spAutoFit/>
+          </a:bodyPr>
+          <a:lstStyle/>
+          <a:p>
+            <a:r>
+              <a:rPr lang="pt-BR" dirty="0" err="1" smtClean="0"/>
+              <a:t>value</a:t>
+            </a:r>
+            <a:endParaRPr lang="pt-BR" dirty="0"/>
           </a:p>
         </p:txBody>
       </p:sp>
       <p:cxnSp>
         <p:nvCxnSpPr>
-          <p:cNvPr id="15" name="Conector angulado 14"/>
-          <p:cNvCxnSpPr>
-            <a:stCxn id="27" idx="1"/>
-            <a:endCxn id="16" idx="0"/>
-          </p:cNvCxnSpPr>
+          <p:cNvPr id="88" name="Conector de seta reta 87"/>
+          <p:cNvCxnSpPr/>
           <p:nvPr/>
         </p:nvCxnSpPr>
         <p:spPr>
-          <a:xfrm rot="10800000" flipH="1" flipV="1">
-            <a:off x="3040185" y="691085"/>
-            <a:ext cx="216398" cy="1143976"/>
-          </a:xfrm>
-          <a:prstGeom prst="bentConnector4">
-            <a:avLst>
-              <a:gd name="adj1" fmla="val -105639"/>
-              <a:gd name="adj2" fmla="val 55717"/>
-            </a:avLst>
+          <a:xfrm flipV="1">
+            <a:off x="2567608" y="548680"/>
+            <a:ext cx="0" cy="3032720"/>
+          </a:xfrm>
+          <a:prstGeom prst="straightConnector1">
+            <a:avLst/>
           </a:prstGeom>
           <a:ln>
             <a:solidFill>
-              <a:srgbClr val="FF0000"/>
+              <a:schemeClr val="tx1"/>
             </a:solidFill>
-            <a:tailEnd type="triangle"/>
+            <a:tailEnd type="triangle" w="med" len="lg"/>
           </a:ln>
         </p:spPr>
         <p:style>
@@ -16472,1088 +16294,45 @@
           </a:fontRef>
         </p:style>
       </p:cxnSp>
-      <p:sp>
-        <p:nvSpPr>
-          <p:cNvPr id="16" name="Retângulo 15"/>
-          <p:cNvSpPr/>
-          <p:nvPr/>
-        </p:nvSpPr>
-        <p:spPr>
-          <a:xfrm>
-            <a:off x="3158573" y="1835061"/>
-            <a:ext cx="196020" cy="140677"/>
+      <p:pic>
+        <p:nvPicPr>
+          <p:cNvPr id="3" name="Imagem 2"/>
+          <p:cNvPicPr>
+            <a:picLocks noChangeAspect="1"/>
+          </p:cNvPicPr>
+          <p:nvPr/>
+        </p:nvPicPr>
+        <p:blipFill>
+          <a:blip r:embed="rId2">
+            <a:clrChange>
+              <a:clrFrom>
+                <a:srgbClr val="FEFFFC"/>
+              </a:clrFrom>
+              <a:clrTo>
+                <a:srgbClr val="FEFFFC">
+                  <a:alpha val="0"/>
+                </a:srgbClr>
+              </a:clrTo>
+            </a:clrChange>
+          </a:blip>
+          <a:stretch>
+            <a:fillRect/>
+          </a:stretch>
+        </p:blipFill>
+        <p:spPr>
+          <a:xfrm>
+            <a:off x="2613505" y="1096144"/>
+            <a:ext cx="3381375" cy="1828800"/>
           </a:xfrm>
           <a:prstGeom prst="rect">
             <a:avLst/>
           </a:prstGeom>
-          <a:noFill/>
-          <a:ln>
-            <a:noFill/>
-          </a:ln>
-        </p:spPr>
-        <p:style>
-          <a:lnRef idx="2">
-            <a:schemeClr val="accent1">
-              <a:shade val="50000"/>
-            </a:schemeClr>
-          </a:lnRef>
-          <a:fillRef idx="1">
-            <a:schemeClr val="accent1"/>
-          </a:fillRef>
-          <a:effectRef idx="0">
-            <a:schemeClr val="accent1"/>
-          </a:effectRef>
-          <a:fontRef idx="minor">
-            <a:schemeClr val="lt1"/>
-          </a:fontRef>
-        </p:style>
-        <p:txBody>
-          <a:bodyPr rtlCol="0" anchor="ctr"/>
-          <a:lstStyle/>
-          <a:p>
-            <a:pPr algn="ctr"/>
-            <a:endParaRPr lang="pt-BR"/>
-          </a:p>
-        </p:txBody>
-      </p:sp>
-      <p:sp>
-        <p:nvSpPr>
-          <p:cNvPr id="20" name="CaixaDeTexto 19"/>
-          <p:cNvSpPr txBox="1"/>
-          <p:nvPr/>
-        </p:nvSpPr>
-        <p:spPr>
-          <a:xfrm>
-            <a:off x="4817549" y="1163247"/>
-            <a:ext cx="1692666" cy="261610"/>
-          </a:xfrm>
-          <a:prstGeom prst="rect">
-            <a:avLst/>
-          </a:prstGeom>
-          <a:noFill/>
-        </p:spPr>
-        <p:txBody>
-          <a:bodyPr wrap="square" rtlCol="0">
-            <a:spAutoFit/>
-          </a:bodyPr>
-          <a:lstStyle/>
-          <a:p>
-            <a:pPr algn="ctr"/>
-            <a:r>
-              <a:rPr lang="pt-BR" sz="1100" b="1" dirty="0" smtClean="0"/>
-              <a:t>D2: Gabor </a:t>
-            </a:r>
-            <a:r>
-              <a:rPr lang="pt-BR" sz="1100" b="1" dirty="0" err="1" smtClean="0"/>
-              <a:t>space</a:t>
-            </a:r>
-            <a:r>
-              <a:rPr lang="pt-BR" sz="1100" b="1" dirty="0" smtClean="0"/>
-              <a:t> display</a:t>
-            </a:r>
-            <a:endParaRPr lang="pt-BR" sz="1100" b="1" dirty="0"/>
-          </a:p>
-        </p:txBody>
-      </p:sp>
-      <p:cxnSp>
-        <p:nvCxnSpPr>
-          <p:cNvPr id="21" name="Conector angulado 20"/>
-          <p:cNvCxnSpPr>
-            <a:stCxn id="20" idx="2"/>
-            <a:endCxn id="22" idx="0"/>
-          </p:cNvCxnSpPr>
-          <p:nvPr/>
-        </p:nvCxnSpPr>
-        <p:spPr>
-          <a:xfrm rot="5400000">
-            <a:off x="5490224" y="1598515"/>
-            <a:ext cx="347317" cy="12700"/>
-          </a:xfrm>
-          <a:prstGeom prst="bentConnector3">
-            <a:avLst>
-              <a:gd name="adj1" fmla="val 50000"/>
-            </a:avLst>
-          </a:prstGeom>
-          <a:ln>
-            <a:solidFill>
-              <a:srgbClr val="FF0000"/>
-            </a:solidFill>
-            <a:tailEnd type="triangle"/>
-          </a:ln>
-        </p:spPr>
-        <p:style>
-          <a:lnRef idx="1">
-            <a:schemeClr val="accent1"/>
-          </a:lnRef>
-          <a:fillRef idx="0">
-            <a:schemeClr val="accent1"/>
-          </a:fillRef>
-          <a:effectRef idx="0">
-            <a:schemeClr val="accent1"/>
-          </a:effectRef>
-          <a:fontRef idx="minor">
-            <a:schemeClr val="tx1"/>
-          </a:fontRef>
-        </p:style>
-      </p:cxnSp>
-      <p:sp>
-        <p:nvSpPr>
-          <p:cNvPr id="22" name="Retângulo 21"/>
-          <p:cNvSpPr/>
-          <p:nvPr/>
-        </p:nvSpPr>
-        <p:spPr>
-          <a:xfrm>
-            <a:off x="5565872" y="1772174"/>
-            <a:ext cx="196020" cy="140677"/>
-          </a:xfrm>
-          <a:prstGeom prst="rect">
-            <a:avLst/>
-          </a:prstGeom>
-          <a:noFill/>
-          <a:ln>
-            <a:noFill/>
-          </a:ln>
-        </p:spPr>
-        <p:style>
-          <a:lnRef idx="2">
-            <a:schemeClr val="accent1">
-              <a:shade val="50000"/>
-            </a:schemeClr>
-          </a:lnRef>
-          <a:fillRef idx="1">
-            <a:schemeClr val="accent1"/>
-          </a:fillRef>
-          <a:effectRef idx="0">
-            <a:schemeClr val="accent1"/>
-          </a:effectRef>
-          <a:fontRef idx="minor">
-            <a:schemeClr val="lt1"/>
-          </a:fontRef>
-        </p:style>
-        <p:txBody>
-          <a:bodyPr rtlCol="0" anchor="ctr"/>
-          <a:lstStyle/>
-          <a:p>
-            <a:pPr algn="ctr"/>
-            <a:endParaRPr lang="pt-BR"/>
-          </a:p>
-        </p:txBody>
-      </p:sp>
-      <p:sp>
-        <p:nvSpPr>
-          <p:cNvPr id="27" name="CaixaDeTexto 26"/>
-          <p:cNvSpPr txBox="1"/>
-          <p:nvPr/>
-        </p:nvSpPr>
-        <p:spPr>
-          <a:xfrm>
-            <a:off x="3040185" y="560280"/>
-            <a:ext cx="1914769" cy="261610"/>
-          </a:xfrm>
-          <a:prstGeom prst="rect">
-            <a:avLst/>
-          </a:prstGeom>
-          <a:noFill/>
-        </p:spPr>
-        <p:txBody>
-          <a:bodyPr wrap="square" rtlCol="0">
-            <a:spAutoFit/>
-          </a:bodyPr>
-          <a:lstStyle/>
-          <a:p>
-            <a:pPr algn="ctr"/>
-            <a:r>
-              <a:rPr lang="pt-BR" sz="1100" b="1" dirty="0" smtClean="0"/>
-              <a:t>B1: opens </a:t>
-            </a:r>
-            <a:r>
-              <a:rPr lang="pt-BR" sz="1100" b="1" dirty="0" err="1" smtClean="0"/>
-              <a:t>the</a:t>
-            </a:r>
-            <a:r>
-              <a:rPr lang="pt-BR" sz="1100" b="1" dirty="0" smtClean="0"/>
-              <a:t> scanner </a:t>
-            </a:r>
-            <a:r>
-              <a:rPr lang="pt-BR" sz="1100" b="1" dirty="0" err="1" smtClean="0"/>
-              <a:t>dialog</a:t>
-            </a:r>
-            <a:endParaRPr lang="pt-BR" sz="1100" b="1" dirty="0"/>
-          </a:p>
-        </p:txBody>
-      </p:sp>
-      <p:sp>
-        <p:nvSpPr>
-          <p:cNvPr id="31" name="CaixaDeTexto 30"/>
-          <p:cNvSpPr txBox="1"/>
-          <p:nvPr/>
-        </p:nvSpPr>
-        <p:spPr>
-          <a:xfrm>
-            <a:off x="250094" y="2897443"/>
-            <a:ext cx="1086338" cy="430887"/>
-          </a:xfrm>
-          <a:prstGeom prst="rect">
-            <a:avLst/>
-          </a:prstGeom>
-          <a:noFill/>
-        </p:spPr>
-        <p:txBody>
-          <a:bodyPr wrap="square" rtlCol="0">
-            <a:spAutoFit/>
-          </a:bodyPr>
-          <a:lstStyle/>
-          <a:p>
-            <a:pPr algn="ctr"/>
-            <a:r>
-              <a:rPr lang="pt-BR" sz="1100" b="1" dirty="0" smtClean="0"/>
-              <a:t>B3: </a:t>
-            </a:r>
-            <a:r>
-              <a:rPr lang="pt-BR" sz="1100" b="1" dirty="0" err="1" smtClean="0"/>
-              <a:t>refresh</a:t>
-            </a:r>
-            <a:r>
-              <a:rPr lang="pt-BR" sz="1100" b="1" dirty="0" smtClean="0"/>
-              <a:t> </a:t>
-            </a:r>
-          </a:p>
-          <a:p>
-            <a:pPr algn="ctr"/>
-            <a:r>
-              <a:rPr lang="pt-BR" sz="1100" b="1" dirty="0" err="1" smtClean="0"/>
-              <a:t>kernel</a:t>
-            </a:r>
-            <a:r>
-              <a:rPr lang="pt-BR" sz="1100" b="1" dirty="0" smtClean="0"/>
-              <a:t> displays</a:t>
-            </a:r>
-            <a:endParaRPr lang="pt-BR" sz="1100" b="1" dirty="0"/>
-          </a:p>
-        </p:txBody>
-      </p:sp>
-      <p:cxnSp>
-        <p:nvCxnSpPr>
-          <p:cNvPr id="32" name="Conector angulado 31"/>
-          <p:cNvCxnSpPr>
-            <a:stCxn id="58" idx="1"/>
-            <a:endCxn id="33" idx="2"/>
-          </p:cNvCxnSpPr>
-          <p:nvPr/>
-        </p:nvCxnSpPr>
-        <p:spPr>
-          <a:xfrm rot="10800000">
-            <a:off x="3605415" y="4682226"/>
-            <a:ext cx="333244" cy="812873"/>
-          </a:xfrm>
-          <a:prstGeom prst="bentConnector2">
-            <a:avLst/>
-          </a:prstGeom>
-          <a:ln>
-            <a:solidFill>
-              <a:srgbClr val="FF0000"/>
-            </a:solidFill>
-            <a:tailEnd type="triangle"/>
-          </a:ln>
-        </p:spPr>
-        <p:style>
-          <a:lnRef idx="1">
-            <a:schemeClr val="accent1"/>
-          </a:lnRef>
-          <a:fillRef idx="0">
-            <a:schemeClr val="accent1"/>
-          </a:fillRef>
-          <a:effectRef idx="0">
-            <a:schemeClr val="accent1"/>
-          </a:effectRef>
-          <a:fontRef idx="minor">
-            <a:schemeClr val="tx1"/>
-          </a:fontRef>
-        </p:style>
-      </p:cxnSp>
-      <p:sp>
-        <p:nvSpPr>
-          <p:cNvPr id="33" name="Retângulo 32"/>
-          <p:cNvSpPr/>
-          <p:nvPr/>
-        </p:nvSpPr>
-        <p:spPr>
-          <a:xfrm>
-            <a:off x="3507405" y="4541548"/>
-            <a:ext cx="196020" cy="140677"/>
-          </a:xfrm>
-          <a:prstGeom prst="rect">
-            <a:avLst/>
-          </a:prstGeom>
-          <a:noFill/>
-          <a:ln>
-            <a:noFill/>
-          </a:ln>
-        </p:spPr>
-        <p:style>
-          <a:lnRef idx="2">
-            <a:schemeClr val="accent1">
-              <a:shade val="50000"/>
-            </a:schemeClr>
-          </a:lnRef>
-          <a:fillRef idx="1">
-            <a:schemeClr val="accent1"/>
-          </a:fillRef>
-          <a:effectRef idx="0">
-            <a:schemeClr val="accent1"/>
-          </a:effectRef>
-          <a:fontRef idx="minor">
-            <a:schemeClr val="lt1"/>
-          </a:fontRef>
-        </p:style>
-        <p:txBody>
-          <a:bodyPr rtlCol="0" anchor="ctr"/>
-          <a:lstStyle/>
-          <a:p>
-            <a:pPr algn="ctr"/>
-            <a:endParaRPr lang="pt-BR"/>
-          </a:p>
-        </p:txBody>
-      </p:sp>
-      <p:cxnSp>
-        <p:nvCxnSpPr>
-          <p:cNvPr id="34" name="Conector angulado 33"/>
-          <p:cNvCxnSpPr>
-            <a:stCxn id="31" idx="3"/>
-            <a:endCxn id="35" idx="1"/>
-          </p:cNvCxnSpPr>
-          <p:nvPr/>
-        </p:nvCxnSpPr>
-        <p:spPr>
-          <a:xfrm flipV="1">
-            <a:off x="1336432" y="2876336"/>
-            <a:ext cx="2179856" cy="236551"/>
-          </a:xfrm>
-          <a:prstGeom prst="bentConnector3">
-            <a:avLst>
-              <a:gd name="adj1" fmla="val 50000"/>
-            </a:avLst>
-          </a:prstGeom>
-          <a:ln>
-            <a:solidFill>
-              <a:srgbClr val="FF0000"/>
-            </a:solidFill>
-            <a:tailEnd type="triangle"/>
-          </a:ln>
-        </p:spPr>
-        <p:style>
-          <a:lnRef idx="1">
-            <a:schemeClr val="accent1"/>
-          </a:lnRef>
-          <a:fillRef idx="0">
-            <a:schemeClr val="accent1"/>
-          </a:fillRef>
-          <a:effectRef idx="0">
-            <a:schemeClr val="accent1"/>
-          </a:effectRef>
-          <a:fontRef idx="minor">
-            <a:schemeClr val="tx1"/>
-          </a:fontRef>
-        </p:style>
-      </p:cxnSp>
-      <p:sp>
-        <p:nvSpPr>
-          <p:cNvPr id="35" name="Retângulo 34"/>
-          <p:cNvSpPr/>
-          <p:nvPr/>
-        </p:nvSpPr>
-        <p:spPr>
-          <a:xfrm>
-            <a:off x="3516288" y="2773634"/>
-            <a:ext cx="196020" cy="205403"/>
-          </a:xfrm>
-          <a:prstGeom prst="rect">
-            <a:avLst/>
-          </a:prstGeom>
-          <a:noFill/>
-          <a:ln>
-            <a:noFill/>
-          </a:ln>
-        </p:spPr>
-        <p:style>
-          <a:lnRef idx="2">
-            <a:schemeClr val="accent1">
-              <a:shade val="50000"/>
-            </a:schemeClr>
-          </a:lnRef>
-          <a:fillRef idx="1">
-            <a:schemeClr val="accent1"/>
-          </a:fillRef>
-          <a:effectRef idx="0">
-            <a:schemeClr val="accent1"/>
-          </a:effectRef>
-          <a:fontRef idx="minor">
-            <a:schemeClr val="lt1"/>
-          </a:fontRef>
-        </p:style>
-        <p:txBody>
-          <a:bodyPr rtlCol="0" anchor="ctr"/>
-          <a:lstStyle/>
-          <a:p>
-            <a:pPr algn="ctr"/>
-            <a:endParaRPr lang="pt-BR"/>
-          </a:p>
-        </p:txBody>
-      </p:sp>
-      <p:sp>
-        <p:nvSpPr>
-          <p:cNvPr id="42" name="Retângulo 41"/>
-          <p:cNvSpPr/>
-          <p:nvPr/>
-        </p:nvSpPr>
-        <p:spPr>
-          <a:xfrm>
-            <a:off x="1844431" y="3390850"/>
-            <a:ext cx="1867877" cy="884165"/>
-          </a:xfrm>
-          <a:prstGeom prst="rect">
-            <a:avLst/>
-          </a:prstGeom>
-          <a:noFill/>
-          <a:ln>
-            <a:solidFill>
-              <a:srgbClr val="FF0000"/>
-            </a:solidFill>
-          </a:ln>
-        </p:spPr>
-        <p:style>
-          <a:lnRef idx="2">
-            <a:schemeClr val="accent1">
-              <a:shade val="50000"/>
-            </a:schemeClr>
-          </a:lnRef>
-          <a:fillRef idx="1">
-            <a:schemeClr val="accent1"/>
-          </a:fillRef>
-          <a:effectRef idx="0">
-            <a:schemeClr val="accent1"/>
-          </a:effectRef>
-          <a:fontRef idx="minor">
-            <a:schemeClr val="lt1"/>
-          </a:fontRef>
-        </p:style>
-        <p:txBody>
-          <a:bodyPr rtlCol="0" anchor="ctr"/>
-          <a:lstStyle/>
-          <a:p>
-            <a:pPr algn="ctr"/>
-            <a:endParaRPr lang="pt-BR"/>
-          </a:p>
-        </p:txBody>
-      </p:sp>
-      <p:cxnSp>
-        <p:nvCxnSpPr>
-          <p:cNvPr id="43" name="Conector angulado 42"/>
-          <p:cNvCxnSpPr>
-            <a:stCxn id="46" idx="3"/>
-            <a:endCxn id="42" idx="1"/>
-          </p:cNvCxnSpPr>
-          <p:nvPr/>
-        </p:nvCxnSpPr>
-        <p:spPr>
-          <a:xfrm>
-            <a:off x="1367692" y="3831606"/>
-            <a:ext cx="476739" cy="1327"/>
-          </a:xfrm>
-          <a:prstGeom prst="bentConnector3">
-            <a:avLst>
-              <a:gd name="adj1" fmla="val 50000"/>
-            </a:avLst>
-          </a:prstGeom>
-          <a:ln>
-            <a:solidFill>
-              <a:srgbClr val="FF0000"/>
-            </a:solidFill>
-            <a:tailEnd type="triangle"/>
-          </a:ln>
-        </p:spPr>
-        <p:style>
-          <a:lnRef idx="1">
-            <a:schemeClr val="accent1"/>
-          </a:lnRef>
-          <a:fillRef idx="0">
-            <a:schemeClr val="accent1"/>
-          </a:fillRef>
-          <a:effectRef idx="0">
-            <a:schemeClr val="accent1"/>
-          </a:effectRef>
-          <a:fontRef idx="minor">
-            <a:schemeClr val="tx1"/>
-          </a:fontRef>
-        </p:style>
-      </p:cxnSp>
-      <p:sp>
-        <p:nvSpPr>
-          <p:cNvPr id="46" name="CaixaDeTexto 45"/>
-          <p:cNvSpPr txBox="1"/>
-          <p:nvPr/>
-        </p:nvSpPr>
-        <p:spPr>
-          <a:xfrm>
-            <a:off x="281354" y="3446885"/>
-            <a:ext cx="1086338" cy="769441"/>
-          </a:xfrm>
-          <a:prstGeom prst="rect">
-            <a:avLst/>
-          </a:prstGeom>
-          <a:noFill/>
-        </p:spPr>
-        <p:txBody>
-          <a:bodyPr wrap="square" rtlCol="0">
-            <a:spAutoFit/>
-          </a:bodyPr>
-          <a:lstStyle/>
-          <a:p>
-            <a:pPr algn="ctr"/>
-            <a:r>
-              <a:rPr lang="pt-BR" sz="1100" b="1" dirty="0" smtClean="0"/>
-              <a:t>D3: </a:t>
-            </a:r>
-            <a:r>
-              <a:rPr lang="pt-BR" sz="1100" b="1" dirty="0" err="1" smtClean="0"/>
-              <a:t>kernel</a:t>
-            </a:r>
-            <a:r>
-              <a:rPr lang="pt-BR" sz="1100" b="1" dirty="0" smtClean="0"/>
-              <a:t> displays (min. </a:t>
-            </a:r>
-            <a:r>
-              <a:rPr lang="pt-BR" sz="1100" b="1" dirty="0" err="1" smtClean="0"/>
-              <a:t>and</a:t>
-            </a:r>
-            <a:r>
-              <a:rPr lang="pt-BR" sz="1100" b="1" dirty="0" smtClean="0"/>
-              <a:t> </a:t>
-            </a:r>
-            <a:r>
-              <a:rPr lang="pt-BR" sz="1100" b="1" dirty="0" err="1" smtClean="0"/>
-              <a:t>max</a:t>
-            </a:r>
-            <a:r>
-              <a:rPr lang="pt-BR" sz="1100" b="1" dirty="0" smtClean="0"/>
-              <a:t>. </a:t>
-            </a:r>
-            <a:r>
-              <a:rPr lang="pt-BR" sz="1100" b="1" dirty="0" err="1" smtClean="0"/>
-              <a:t>frequencies</a:t>
-            </a:r>
-            <a:r>
-              <a:rPr lang="pt-BR" sz="1100" b="1" dirty="0" smtClean="0"/>
-              <a:t>)</a:t>
-            </a:r>
-            <a:endParaRPr lang="pt-BR" sz="1100" b="1" dirty="0"/>
-          </a:p>
-        </p:txBody>
-      </p:sp>
-      <p:sp>
-        <p:nvSpPr>
-          <p:cNvPr id="49" name="Retângulo 48"/>
-          <p:cNvSpPr/>
-          <p:nvPr/>
-        </p:nvSpPr>
-        <p:spPr>
-          <a:xfrm>
-            <a:off x="1844433" y="2135144"/>
-            <a:ext cx="1867876" cy="574468"/>
-          </a:xfrm>
-          <a:prstGeom prst="rect">
-            <a:avLst/>
-          </a:prstGeom>
-          <a:noFill/>
-          <a:ln>
-            <a:solidFill>
-              <a:srgbClr val="FF0000"/>
-            </a:solidFill>
-          </a:ln>
-        </p:spPr>
-        <p:style>
-          <a:lnRef idx="2">
-            <a:schemeClr val="accent1">
-              <a:shade val="50000"/>
-            </a:schemeClr>
-          </a:lnRef>
-          <a:fillRef idx="1">
-            <a:schemeClr val="accent1"/>
-          </a:fillRef>
-          <a:effectRef idx="0">
-            <a:schemeClr val="accent1"/>
-          </a:effectRef>
-          <a:fontRef idx="minor">
-            <a:schemeClr val="lt1"/>
-          </a:fontRef>
-        </p:style>
-        <p:txBody>
-          <a:bodyPr rtlCol="0" anchor="ctr"/>
-          <a:lstStyle/>
-          <a:p>
-            <a:pPr algn="ctr"/>
-            <a:endParaRPr lang="pt-BR"/>
-          </a:p>
-        </p:txBody>
-      </p:sp>
-      <p:cxnSp>
-        <p:nvCxnSpPr>
-          <p:cNvPr id="51" name="Conector angulado 50"/>
-          <p:cNvCxnSpPr>
-            <a:stCxn id="54" idx="2"/>
-            <a:endCxn id="49" idx="1"/>
-          </p:cNvCxnSpPr>
-          <p:nvPr/>
-        </p:nvCxnSpPr>
-        <p:spPr>
-          <a:xfrm rot="16200000" flipH="1">
-            <a:off x="1016203" y="1594148"/>
-            <a:ext cx="1300406" cy="356053"/>
-          </a:xfrm>
-          <a:prstGeom prst="bentConnector2">
-            <a:avLst/>
-          </a:prstGeom>
-          <a:ln>
-            <a:solidFill>
-              <a:srgbClr val="FF0000"/>
-            </a:solidFill>
-            <a:tailEnd type="triangle"/>
-          </a:ln>
-        </p:spPr>
-        <p:style>
-          <a:lnRef idx="1">
-            <a:schemeClr val="accent1"/>
-          </a:lnRef>
-          <a:fillRef idx="0">
-            <a:schemeClr val="accent1"/>
-          </a:fillRef>
-          <a:effectRef idx="0">
-            <a:schemeClr val="accent1"/>
-          </a:effectRef>
-          <a:fontRef idx="minor">
-            <a:schemeClr val="tx1"/>
-          </a:fontRef>
-        </p:style>
-      </p:cxnSp>
-      <p:sp>
-        <p:nvSpPr>
-          <p:cNvPr id="54" name="CaixaDeTexto 53"/>
-          <p:cNvSpPr txBox="1"/>
-          <p:nvPr/>
-        </p:nvSpPr>
-        <p:spPr>
-          <a:xfrm>
-            <a:off x="493265" y="691085"/>
-            <a:ext cx="1990229" cy="430887"/>
-          </a:xfrm>
-          <a:prstGeom prst="rect">
-            <a:avLst/>
-          </a:prstGeom>
-          <a:noFill/>
-        </p:spPr>
-        <p:txBody>
-          <a:bodyPr wrap="square" rtlCol="0">
-            <a:spAutoFit/>
-          </a:bodyPr>
-          <a:lstStyle/>
-          <a:p>
-            <a:pPr algn="ctr"/>
-            <a:r>
-              <a:rPr lang="pt-BR" sz="1100" b="1" dirty="0" smtClean="0"/>
-              <a:t>D1: </a:t>
-            </a:r>
-            <a:r>
-              <a:rPr lang="pt-BR" sz="1100" b="1" dirty="0" err="1" smtClean="0"/>
-              <a:t>kernel</a:t>
-            </a:r>
-            <a:r>
-              <a:rPr lang="pt-BR" sz="1100" b="1" dirty="0" smtClean="0"/>
-              <a:t> </a:t>
-            </a:r>
-            <a:r>
-              <a:rPr lang="pt-BR" sz="1100" b="1" dirty="0" err="1" smtClean="0"/>
-              <a:t>frequency</a:t>
-            </a:r>
-            <a:r>
-              <a:rPr lang="pt-BR" sz="1100" b="1" dirty="0" smtClean="0"/>
-              <a:t> </a:t>
-            </a:r>
-            <a:r>
-              <a:rPr lang="pt-BR" sz="1100" b="1" dirty="0" err="1" smtClean="0"/>
-              <a:t>to</a:t>
-            </a:r>
-            <a:r>
-              <a:rPr lang="pt-BR" sz="1100" b="1" dirty="0" smtClean="0"/>
-              <a:t> </a:t>
-            </a:r>
-            <a:r>
-              <a:rPr lang="pt-BR" sz="1100" b="1" dirty="0" err="1" smtClean="0"/>
-              <a:t>spatial</a:t>
-            </a:r>
-            <a:r>
-              <a:rPr lang="pt-BR" sz="1100" b="1" dirty="0" smtClean="0"/>
-              <a:t> </a:t>
-            </a:r>
-            <a:r>
-              <a:rPr lang="pt-BR" sz="1100" b="1" dirty="0" err="1" smtClean="0"/>
-              <a:t>size</a:t>
-            </a:r>
-            <a:r>
-              <a:rPr lang="pt-BR" sz="1100" b="1" dirty="0" smtClean="0"/>
-              <a:t> </a:t>
-            </a:r>
-            <a:r>
-              <a:rPr lang="pt-BR" sz="1100" b="1" dirty="0" err="1" smtClean="0"/>
-              <a:t>conversion</a:t>
-            </a:r>
-            <a:r>
-              <a:rPr lang="pt-BR" sz="1100" b="1" dirty="0" smtClean="0"/>
-              <a:t> display</a:t>
-            </a:r>
-            <a:endParaRPr lang="pt-BR" sz="1100" b="1" dirty="0"/>
-          </a:p>
-        </p:txBody>
-      </p:sp>
-      <p:sp>
-        <p:nvSpPr>
-          <p:cNvPr id="58" name="CaixaDeTexto 57"/>
-          <p:cNvSpPr txBox="1"/>
-          <p:nvPr/>
-        </p:nvSpPr>
-        <p:spPr>
-          <a:xfrm>
-            <a:off x="3938659" y="5364293"/>
-            <a:ext cx="2071371" cy="261610"/>
-          </a:xfrm>
-          <a:prstGeom prst="rect">
-            <a:avLst/>
-          </a:prstGeom>
-          <a:noFill/>
-        </p:spPr>
-        <p:txBody>
-          <a:bodyPr wrap="square" rtlCol="0">
-            <a:spAutoFit/>
-          </a:bodyPr>
-          <a:lstStyle/>
-          <a:p>
-            <a:pPr algn="ctr"/>
-            <a:r>
-              <a:rPr lang="pt-BR" sz="1100" b="1" dirty="0" smtClean="0"/>
-              <a:t>B4: </a:t>
-            </a:r>
-            <a:r>
-              <a:rPr lang="pt-BR" sz="1100" b="1" dirty="0" err="1" smtClean="0"/>
-              <a:t>updates</a:t>
-            </a:r>
-            <a:r>
-              <a:rPr lang="pt-BR" sz="1100" b="1" dirty="0" smtClean="0"/>
-              <a:t> Gabor </a:t>
-            </a:r>
-            <a:r>
-              <a:rPr lang="pt-BR" sz="1100" b="1" dirty="0" err="1" smtClean="0"/>
-              <a:t>space</a:t>
-            </a:r>
-            <a:r>
-              <a:rPr lang="pt-BR" sz="1100" b="1" dirty="0" smtClean="0"/>
-              <a:t> display</a:t>
-            </a:r>
-            <a:endParaRPr lang="pt-BR" sz="1100" b="1" dirty="0"/>
-          </a:p>
-        </p:txBody>
-      </p:sp>
-      <p:cxnSp>
-        <p:nvCxnSpPr>
-          <p:cNvPr id="62" name="Conector angulado 61"/>
-          <p:cNvCxnSpPr>
-            <a:stCxn id="64" idx="1"/>
-            <a:endCxn id="63" idx="2"/>
-          </p:cNvCxnSpPr>
-          <p:nvPr/>
-        </p:nvCxnSpPr>
-        <p:spPr>
-          <a:xfrm rot="10800000">
-            <a:off x="2454296" y="5065235"/>
-            <a:ext cx="333245" cy="633120"/>
-          </a:xfrm>
-          <a:prstGeom prst="bentConnector2">
-            <a:avLst/>
-          </a:prstGeom>
-          <a:ln>
-            <a:solidFill>
-              <a:srgbClr val="FF0000"/>
-            </a:solidFill>
-            <a:tailEnd type="triangle"/>
-          </a:ln>
-        </p:spPr>
-        <p:style>
-          <a:lnRef idx="1">
-            <a:schemeClr val="accent1"/>
-          </a:lnRef>
-          <a:fillRef idx="0">
-            <a:schemeClr val="accent1"/>
-          </a:fillRef>
-          <a:effectRef idx="0">
-            <a:schemeClr val="accent1"/>
-          </a:effectRef>
-          <a:fontRef idx="minor">
-            <a:schemeClr val="tx1"/>
-          </a:fontRef>
-        </p:style>
-      </p:cxnSp>
-      <p:sp>
-        <p:nvSpPr>
-          <p:cNvPr id="63" name="Retângulo 62"/>
-          <p:cNvSpPr/>
-          <p:nvPr/>
-        </p:nvSpPr>
-        <p:spPr>
-          <a:xfrm>
-            <a:off x="2356285" y="4924558"/>
-            <a:ext cx="196020" cy="140677"/>
-          </a:xfrm>
-          <a:prstGeom prst="rect">
-            <a:avLst/>
-          </a:prstGeom>
-          <a:noFill/>
-          <a:ln>
-            <a:noFill/>
-          </a:ln>
-        </p:spPr>
-        <p:style>
-          <a:lnRef idx="2">
-            <a:schemeClr val="accent1">
-              <a:shade val="50000"/>
-            </a:schemeClr>
-          </a:lnRef>
-          <a:fillRef idx="1">
-            <a:schemeClr val="accent1"/>
-          </a:fillRef>
-          <a:effectRef idx="0">
-            <a:schemeClr val="accent1"/>
-          </a:effectRef>
-          <a:fontRef idx="minor">
-            <a:schemeClr val="lt1"/>
-          </a:fontRef>
-        </p:style>
-        <p:txBody>
-          <a:bodyPr rtlCol="0" anchor="ctr"/>
-          <a:lstStyle/>
-          <a:p>
-            <a:pPr algn="ctr"/>
-            <a:endParaRPr lang="pt-BR"/>
-          </a:p>
-        </p:txBody>
-      </p:sp>
-      <p:sp>
-        <p:nvSpPr>
-          <p:cNvPr id="64" name="CaixaDeTexto 63"/>
-          <p:cNvSpPr txBox="1"/>
-          <p:nvPr/>
-        </p:nvSpPr>
-        <p:spPr>
-          <a:xfrm>
-            <a:off x="2787540" y="5567550"/>
-            <a:ext cx="1948584" cy="261610"/>
-          </a:xfrm>
-          <a:prstGeom prst="rect">
-            <a:avLst/>
-          </a:prstGeom>
-          <a:noFill/>
-        </p:spPr>
-        <p:txBody>
-          <a:bodyPr wrap="square" rtlCol="0">
-            <a:spAutoFit/>
-          </a:bodyPr>
-          <a:lstStyle/>
-          <a:p>
-            <a:pPr algn="ctr"/>
-            <a:r>
-              <a:rPr lang="pt-BR" sz="1100" b="1" dirty="0" smtClean="0"/>
-              <a:t>B6: </a:t>
-            </a:r>
-            <a:r>
-              <a:rPr lang="pt-BR" sz="1100" b="1" dirty="0" err="1" smtClean="0"/>
-              <a:t>saves</a:t>
-            </a:r>
-            <a:r>
-              <a:rPr lang="pt-BR" sz="1100" b="1" dirty="0" smtClean="0"/>
-              <a:t> </a:t>
-            </a:r>
-            <a:r>
-              <a:rPr lang="pt-BR" sz="1100" b="1" dirty="0" err="1" smtClean="0"/>
-              <a:t>filtered</a:t>
-            </a:r>
-            <a:r>
-              <a:rPr lang="pt-BR" sz="1100" b="1" dirty="0" smtClean="0"/>
-              <a:t> </a:t>
-            </a:r>
-            <a:r>
-              <a:rPr lang="pt-BR" sz="1100" b="1" dirty="0" err="1" smtClean="0"/>
-              <a:t>result</a:t>
-            </a:r>
-            <a:r>
-              <a:rPr lang="pt-BR" sz="1100" b="1" dirty="0" smtClean="0"/>
-              <a:t> </a:t>
-            </a:r>
-            <a:r>
-              <a:rPr lang="pt-BR" sz="1100" b="1" dirty="0" err="1" smtClean="0"/>
-              <a:t>to</a:t>
-            </a:r>
-            <a:r>
-              <a:rPr lang="pt-BR" sz="1100" b="1" dirty="0" smtClean="0"/>
-              <a:t> file</a:t>
-            </a:r>
-            <a:endParaRPr lang="pt-BR" sz="1100" b="1" dirty="0"/>
-          </a:p>
-        </p:txBody>
-      </p:sp>
-      <p:cxnSp>
-        <p:nvCxnSpPr>
-          <p:cNvPr id="66" name="Conector angulado 65"/>
-          <p:cNvCxnSpPr>
-            <a:stCxn id="68" idx="1"/>
-            <a:endCxn id="67" idx="2"/>
-          </p:cNvCxnSpPr>
-          <p:nvPr/>
-        </p:nvCxnSpPr>
-        <p:spPr>
-          <a:xfrm rot="10800000">
-            <a:off x="2242506" y="5055202"/>
-            <a:ext cx="333244" cy="851948"/>
-          </a:xfrm>
-          <a:prstGeom prst="bentConnector2">
-            <a:avLst/>
-          </a:prstGeom>
-          <a:ln>
-            <a:solidFill>
-              <a:srgbClr val="FF0000"/>
-            </a:solidFill>
-            <a:tailEnd type="triangle"/>
-          </a:ln>
-        </p:spPr>
-        <p:style>
-          <a:lnRef idx="1">
-            <a:schemeClr val="accent1"/>
-          </a:lnRef>
-          <a:fillRef idx="0">
-            <a:schemeClr val="accent1"/>
-          </a:fillRef>
-          <a:effectRef idx="0">
-            <a:schemeClr val="accent1"/>
-          </a:effectRef>
-          <a:fontRef idx="minor">
-            <a:schemeClr val="tx1"/>
-          </a:fontRef>
-        </p:style>
-      </p:cxnSp>
-      <p:sp>
-        <p:nvSpPr>
-          <p:cNvPr id="67" name="Retângulo 66"/>
-          <p:cNvSpPr/>
-          <p:nvPr/>
-        </p:nvSpPr>
-        <p:spPr>
-          <a:xfrm>
-            <a:off x="2144496" y="4914525"/>
-            <a:ext cx="196020" cy="140677"/>
-          </a:xfrm>
-          <a:prstGeom prst="rect">
-            <a:avLst/>
-          </a:prstGeom>
-          <a:noFill/>
-          <a:ln>
-            <a:noFill/>
-          </a:ln>
-        </p:spPr>
-        <p:style>
-          <a:lnRef idx="2">
-            <a:schemeClr val="accent1">
-              <a:shade val="50000"/>
-            </a:schemeClr>
-          </a:lnRef>
-          <a:fillRef idx="1">
-            <a:schemeClr val="accent1"/>
-          </a:fillRef>
-          <a:effectRef idx="0">
-            <a:schemeClr val="accent1"/>
-          </a:effectRef>
-          <a:fontRef idx="minor">
-            <a:schemeClr val="lt1"/>
-          </a:fontRef>
-        </p:style>
-        <p:txBody>
-          <a:bodyPr rtlCol="0" anchor="ctr"/>
-          <a:lstStyle/>
-          <a:p>
-            <a:pPr algn="ctr"/>
-            <a:endParaRPr lang="pt-BR"/>
-          </a:p>
-        </p:txBody>
-      </p:sp>
-      <p:sp>
-        <p:nvSpPr>
-          <p:cNvPr id="68" name="CaixaDeTexto 67"/>
-          <p:cNvSpPr txBox="1"/>
-          <p:nvPr/>
-        </p:nvSpPr>
-        <p:spPr>
-          <a:xfrm>
-            <a:off x="2575750" y="5776345"/>
-            <a:ext cx="2832496" cy="261610"/>
-          </a:xfrm>
-          <a:prstGeom prst="rect">
-            <a:avLst/>
-          </a:prstGeom>
-          <a:noFill/>
-        </p:spPr>
-        <p:txBody>
-          <a:bodyPr wrap="square" rtlCol="0">
-            <a:spAutoFit/>
-          </a:bodyPr>
-          <a:lstStyle/>
-          <a:p>
-            <a:pPr algn="ctr"/>
-            <a:r>
-              <a:rPr lang="pt-BR" sz="1100" b="1" dirty="0" smtClean="0"/>
-              <a:t>B5: computes </a:t>
-            </a:r>
-            <a:r>
-              <a:rPr lang="pt-BR" sz="1100" b="1" dirty="0" err="1" smtClean="0"/>
-              <a:t>and</a:t>
-            </a:r>
-            <a:r>
-              <a:rPr lang="pt-BR" sz="1100" b="1" dirty="0" smtClean="0"/>
-              <a:t> displays </a:t>
-            </a:r>
-            <a:r>
-              <a:rPr lang="pt-BR" sz="1100" b="1" dirty="0" err="1" smtClean="0"/>
-              <a:t>the</a:t>
-            </a:r>
-            <a:r>
-              <a:rPr lang="pt-BR" sz="1100" b="1" dirty="0" smtClean="0"/>
-              <a:t> </a:t>
-            </a:r>
-            <a:r>
-              <a:rPr lang="pt-BR" sz="1100" b="1" dirty="0" err="1" smtClean="0"/>
-              <a:t>filtered</a:t>
-            </a:r>
-            <a:r>
-              <a:rPr lang="pt-BR" sz="1100" b="1" dirty="0" smtClean="0"/>
-              <a:t> </a:t>
-            </a:r>
-            <a:r>
-              <a:rPr lang="pt-BR" sz="1100" b="1" dirty="0" err="1" smtClean="0"/>
-              <a:t>result</a:t>
-            </a:r>
-            <a:endParaRPr lang="pt-BR" sz="1100" b="1" dirty="0"/>
-          </a:p>
-        </p:txBody>
-      </p:sp>
+        </p:spPr>
+      </p:pic>
     </p:spTree>
     <p:extLst>
       <p:ext uri="{BB962C8B-B14F-4D97-AF65-F5344CB8AC3E}">
-        <p14:creationId xmlns:p14="http://schemas.microsoft.com/office/powerpoint/2010/main" val="2190953065"/>
+        <p14:creationId xmlns:p14="http://schemas.microsoft.com/office/powerpoint/2010/main" val="1648656838"/>
       </p:ext>
     </p:extLst>
   </p:cSld>
@@ -18709,32 +17488,73 @@
         </p:blipFill>
         <p:spPr>
           <a:xfrm>
-            <a:off x="1199418" y="875594"/>
-            <a:ext cx="4945810" cy="3678360"/>
+            <a:off x="1758462" y="1572320"/>
+            <a:ext cx="5790223" cy="3644510"/>
           </a:xfrm>
           <a:prstGeom prst="rect">
             <a:avLst/>
           </a:prstGeom>
         </p:spPr>
       </p:pic>
+      <p:sp>
+        <p:nvSpPr>
+          <p:cNvPr id="7" name="CaixaDeTexto 6"/>
+          <p:cNvSpPr txBox="1"/>
+          <p:nvPr/>
+        </p:nvSpPr>
+        <p:spPr>
+          <a:xfrm>
+            <a:off x="3813273" y="884979"/>
+            <a:ext cx="2525004" cy="261610"/>
+          </a:xfrm>
+          <a:prstGeom prst="rect">
+            <a:avLst/>
+          </a:prstGeom>
+          <a:noFill/>
+        </p:spPr>
+        <p:txBody>
+          <a:bodyPr wrap="square" rtlCol="0">
+            <a:spAutoFit/>
+          </a:bodyPr>
+          <a:lstStyle/>
+          <a:p>
+            <a:pPr algn="ctr"/>
+            <a:r>
+              <a:rPr lang="pt-BR" sz="1100" b="1" dirty="0" smtClean="0"/>
+              <a:t>B2: computes </a:t>
+            </a:r>
+            <a:r>
+              <a:rPr lang="pt-BR" sz="1100" b="1" dirty="0" err="1" smtClean="0"/>
+              <a:t>and</a:t>
+            </a:r>
+            <a:r>
+              <a:rPr lang="pt-BR" sz="1100" b="1" dirty="0" smtClean="0"/>
+              <a:t> displays Gabor </a:t>
+            </a:r>
+            <a:r>
+              <a:rPr lang="pt-BR" sz="1100" b="1" dirty="0" err="1" smtClean="0"/>
+              <a:t>space</a:t>
+            </a:r>
+            <a:endParaRPr lang="pt-BR" sz="1100" b="1" dirty="0"/>
+          </a:p>
+        </p:txBody>
+      </p:sp>
       <p:cxnSp>
         <p:nvCxnSpPr>
-          <p:cNvPr id="5" name="Conector angulado 4"/>
+          <p:cNvPr id="9" name="Conector angulado 8"/>
           <p:cNvCxnSpPr>
             <a:stCxn id="7" idx="1"/>
-            <a:endCxn id="6" idx="3"/>
+            <a:endCxn id="10" idx="0"/>
           </p:cNvCxnSpPr>
           <p:nvPr/>
         </p:nvCxnSpPr>
         <p:spPr>
           <a:xfrm rot="10800000" flipV="1">
-            <a:off x="5408247" y="3470895"/>
-            <a:ext cx="857141" cy="1"/>
-          </a:xfrm>
-          <a:prstGeom prst="bentConnector3">
-            <a:avLst>
-              <a:gd name="adj1" fmla="val 50000"/>
-            </a:avLst>
+            <a:off x="3614299" y="1015783"/>
+            <a:ext cx="198975" cy="812593"/>
+          </a:xfrm>
+          <a:prstGeom prst="bentConnector2">
+            <a:avLst/>
           </a:prstGeom>
           <a:ln>
             <a:solidFill>
@@ -18760,13 +17580,13 @@
       </p:cxnSp>
       <p:sp>
         <p:nvSpPr>
-          <p:cNvPr id="6" name="Retângulo 5"/>
+          <p:cNvPr id="10" name="Retângulo 9"/>
           <p:cNvSpPr/>
           <p:nvPr/>
         </p:nvSpPr>
         <p:spPr>
           <a:xfrm>
-            <a:off x="5212226" y="3400558"/>
+            <a:off x="3516288" y="1828377"/>
             <a:ext cx="196020" cy="140677"/>
           </a:xfrm>
           <a:prstGeom prst="rect">
@@ -18802,62 +17622,24 @@
           </a:p>
         </p:txBody>
       </p:sp>
-      <p:sp>
-        <p:nvSpPr>
-          <p:cNvPr id="7" name="CaixaDeTexto 6"/>
-          <p:cNvSpPr txBox="1"/>
-          <p:nvPr/>
-        </p:nvSpPr>
-        <p:spPr>
-          <a:xfrm>
-            <a:off x="6265387" y="3340091"/>
-            <a:ext cx="1198306" cy="261610"/>
-          </a:xfrm>
-          <a:prstGeom prst="rect">
-            <a:avLst/>
-          </a:prstGeom>
-          <a:noFill/>
-        </p:spPr>
-        <p:txBody>
-          <a:bodyPr wrap="square" rtlCol="0">
-            <a:spAutoFit/>
-          </a:bodyPr>
-          <a:lstStyle/>
-          <a:p>
-            <a:pPr algn="ctr"/>
-            <a:r>
-              <a:rPr lang="pt-BR" sz="1100" b="1" dirty="0" err="1" smtClean="0"/>
-              <a:t>frequency</a:t>
-            </a:r>
-            <a:r>
-              <a:rPr lang="pt-BR" sz="1100" b="1" dirty="0" smtClean="0"/>
-              <a:t> </a:t>
-            </a:r>
-            <a:r>
-              <a:rPr lang="pt-BR" sz="1100" b="1" dirty="0" err="1" smtClean="0"/>
-              <a:t>scale</a:t>
-            </a:r>
-            <a:endParaRPr lang="pt-BR" sz="1100" b="1" dirty="0"/>
-          </a:p>
-        </p:txBody>
-      </p:sp>
       <p:cxnSp>
         <p:nvCxnSpPr>
-          <p:cNvPr id="8" name="Conector angulado 7"/>
+          <p:cNvPr id="15" name="Conector angulado 14"/>
           <p:cNvCxnSpPr>
-            <a:stCxn id="10" idx="2"/>
-            <a:endCxn id="9" idx="0"/>
+            <a:stCxn id="27" idx="1"/>
+            <a:endCxn id="16" idx="0"/>
           </p:cNvCxnSpPr>
           <p:nvPr/>
         </p:nvCxnSpPr>
         <p:spPr>
-          <a:xfrm rot="16200000" flipH="1">
-            <a:off x="3037911" y="1091036"/>
-            <a:ext cx="792883" cy="7815"/>
-          </a:xfrm>
-          <a:prstGeom prst="bentConnector3">
+          <a:xfrm rot="10800000" flipH="1" flipV="1">
+            <a:off x="3040185" y="691085"/>
+            <a:ext cx="216398" cy="1143976"/>
+          </a:xfrm>
+          <a:prstGeom prst="bentConnector4">
             <a:avLst>
-              <a:gd name="adj1" fmla="val 50000"/>
+              <a:gd name="adj1" fmla="val -105639"/>
+              <a:gd name="adj2" fmla="val 55717"/>
             </a:avLst>
           </a:prstGeom>
           <a:ln>
@@ -18884,13 +17666,13 @@
       </p:cxnSp>
       <p:sp>
         <p:nvSpPr>
-          <p:cNvPr id="9" name="Retângulo 8"/>
+          <p:cNvPr id="16" name="Retângulo 15"/>
           <p:cNvSpPr/>
           <p:nvPr/>
         </p:nvSpPr>
         <p:spPr>
           <a:xfrm>
-            <a:off x="3340250" y="1491386"/>
+            <a:off x="3158573" y="1835061"/>
             <a:ext cx="196020" cy="140677"/>
           </a:xfrm>
           <a:prstGeom prst="rect">
@@ -18928,14 +17710,14 @@
       </p:sp>
       <p:sp>
         <p:nvSpPr>
-          <p:cNvPr id="10" name="CaixaDeTexto 9"/>
+          <p:cNvPr id="20" name="CaixaDeTexto 19"/>
           <p:cNvSpPr txBox="1"/>
           <p:nvPr/>
         </p:nvSpPr>
         <p:spPr>
           <a:xfrm>
-            <a:off x="2764474" y="436893"/>
-            <a:ext cx="1331942" cy="261610"/>
+            <a:off x="4817549" y="1163247"/>
+            <a:ext cx="1692666" cy="261610"/>
           </a:xfrm>
           <a:prstGeom prst="rect">
             <a:avLst/>
@@ -18950,16 +17732,16 @@
           <a:p>
             <a:pPr algn="ctr"/>
             <a:r>
+              <a:rPr lang="pt-BR" sz="1100" b="1" dirty="0" smtClean="0"/>
+              <a:t>D2: Gabor </a:t>
+            </a:r>
+            <a:r>
               <a:rPr lang="pt-BR" sz="1100" b="1" dirty="0" err="1" smtClean="0"/>
-              <a:t>azimuth</a:t>
+              <a:t>space</a:t>
             </a:r>
             <a:r>
               <a:rPr lang="pt-BR" sz="1100" b="1" dirty="0" smtClean="0"/>
-              <a:t> </a:t>
-            </a:r>
-            <a:r>
-              <a:rPr lang="pt-BR" sz="1100" b="1" dirty="0" err="1" smtClean="0"/>
-              <a:t>scale</a:t>
+              <a:t> display</a:t>
             </a:r>
             <a:endParaRPr lang="pt-BR" sz="1100" b="1" dirty="0"/>
           </a:p>
@@ -18967,20 +17749,22 @@
       </p:sp>
       <p:cxnSp>
         <p:nvCxnSpPr>
-          <p:cNvPr id="24" name="Conector angulado 23"/>
+          <p:cNvPr id="21" name="Conector angulado 20"/>
           <p:cNvCxnSpPr>
-            <a:stCxn id="26" idx="1"/>
-            <a:endCxn id="25" idx="0"/>
+            <a:stCxn id="20" idx="2"/>
+            <a:endCxn id="22" idx="0"/>
           </p:cNvCxnSpPr>
           <p:nvPr/>
         </p:nvCxnSpPr>
         <p:spPr>
-          <a:xfrm rot="10800000" flipV="1">
-            <a:off x="5669287" y="1135264"/>
-            <a:ext cx="589408" cy="215443"/>
-          </a:xfrm>
-          <a:prstGeom prst="bentConnector2">
-            <a:avLst/>
+          <a:xfrm rot="5400000">
+            <a:off x="5490224" y="1598515"/>
+            <a:ext cx="347317" cy="12700"/>
+          </a:xfrm>
+          <a:prstGeom prst="bentConnector3">
+            <a:avLst>
+              <a:gd name="adj1" fmla="val 50000"/>
+            </a:avLst>
           </a:prstGeom>
           <a:ln>
             <a:solidFill>
@@ -19006,13 +17790,13 @@
       </p:cxnSp>
       <p:sp>
         <p:nvSpPr>
-          <p:cNvPr id="25" name="Retângulo 24"/>
+          <p:cNvPr id="22" name="Retângulo 21"/>
           <p:cNvSpPr/>
           <p:nvPr/>
         </p:nvSpPr>
         <p:spPr>
           <a:xfrm>
-            <a:off x="5571277" y="1350708"/>
+            <a:off x="5565872" y="1772174"/>
             <a:ext cx="196020" cy="140677"/>
           </a:xfrm>
           <a:prstGeom prst="rect">
@@ -19050,14 +17834,14 @@
       </p:sp>
       <p:sp>
         <p:nvSpPr>
-          <p:cNvPr id="26" name="CaixaDeTexto 25"/>
+          <p:cNvPr id="27" name="CaixaDeTexto 26"/>
           <p:cNvSpPr txBox="1"/>
           <p:nvPr/>
         </p:nvSpPr>
         <p:spPr>
           <a:xfrm>
-            <a:off x="6258695" y="919821"/>
-            <a:ext cx="1198306" cy="430887"/>
+            <a:off x="3040185" y="560280"/>
+            <a:ext cx="1914769" cy="261610"/>
           </a:xfrm>
           <a:prstGeom prst="rect">
             <a:avLst/>
@@ -19072,12 +17856,887 @@
           <a:p>
             <a:pPr algn="ctr"/>
             <a:r>
+              <a:rPr lang="pt-BR" sz="1100" b="1" dirty="0" smtClean="0"/>
+              <a:t>B1: opens </a:t>
+            </a:r>
+            <a:r>
               <a:rPr lang="pt-BR" sz="1100" b="1" dirty="0" err="1" smtClean="0"/>
-              <a:t>mean</a:t>
+              <a:t>the</a:t>
             </a:r>
             <a:r>
               <a:rPr lang="pt-BR" sz="1100" b="1" dirty="0" smtClean="0"/>
-              <a:t> response amplitude</a:t>
+              <a:t> scanner </a:t>
+            </a:r>
+            <a:r>
+              <a:rPr lang="pt-BR" sz="1100" b="1" dirty="0" err="1" smtClean="0"/>
+              <a:t>dialog</a:t>
+            </a:r>
+            <a:endParaRPr lang="pt-BR" sz="1100" b="1" dirty="0"/>
+          </a:p>
+        </p:txBody>
+      </p:sp>
+      <p:sp>
+        <p:nvSpPr>
+          <p:cNvPr id="31" name="CaixaDeTexto 30"/>
+          <p:cNvSpPr txBox="1"/>
+          <p:nvPr/>
+        </p:nvSpPr>
+        <p:spPr>
+          <a:xfrm>
+            <a:off x="250094" y="2897443"/>
+            <a:ext cx="1086338" cy="430887"/>
+          </a:xfrm>
+          <a:prstGeom prst="rect">
+            <a:avLst/>
+          </a:prstGeom>
+          <a:noFill/>
+        </p:spPr>
+        <p:txBody>
+          <a:bodyPr wrap="square" rtlCol="0">
+            <a:spAutoFit/>
+          </a:bodyPr>
+          <a:lstStyle/>
+          <a:p>
+            <a:pPr algn="ctr"/>
+            <a:r>
+              <a:rPr lang="pt-BR" sz="1100" b="1" dirty="0" smtClean="0"/>
+              <a:t>B3: </a:t>
+            </a:r>
+            <a:r>
+              <a:rPr lang="pt-BR" sz="1100" b="1" dirty="0" err="1" smtClean="0"/>
+              <a:t>refresh</a:t>
+            </a:r>
+            <a:r>
+              <a:rPr lang="pt-BR" sz="1100" b="1" dirty="0" smtClean="0"/>
+              <a:t> </a:t>
+            </a:r>
+          </a:p>
+          <a:p>
+            <a:pPr algn="ctr"/>
+            <a:r>
+              <a:rPr lang="pt-BR" sz="1100" b="1" dirty="0" err="1" smtClean="0"/>
+              <a:t>kernel</a:t>
+            </a:r>
+            <a:r>
+              <a:rPr lang="pt-BR" sz="1100" b="1" dirty="0" smtClean="0"/>
+              <a:t> displays</a:t>
+            </a:r>
+            <a:endParaRPr lang="pt-BR" sz="1100" b="1" dirty="0"/>
+          </a:p>
+        </p:txBody>
+      </p:sp>
+      <p:cxnSp>
+        <p:nvCxnSpPr>
+          <p:cNvPr id="32" name="Conector angulado 31"/>
+          <p:cNvCxnSpPr>
+            <a:stCxn id="58" idx="1"/>
+            <a:endCxn id="33" idx="2"/>
+          </p:cNvCxnSpPr>
+          <p:nvPr/>
+        </p:nvCxnSpPr>
+        <p:spPr>
+          <a:xfrm rot="10800000">
+            <a:off x="3605415" y="4682226"/>
+            <a:ext cx="333244" cy="812873"/>
+          </a:xfrm>
+          <a:prstGeom prst="bentConnector2">
+            <a:avLst/>
+          </a:prstGeom>
+          <a:ln>
+            <a:solidFill>
+              <a:srgbClr val="FF0000"/>
+            </a:solidFill>
+            <a:tailEnd type="triangle"/>
+          </a:ln>
+        </p:spPr>
+        <p:style>
+          <a:lnRef idx="1">
+            <a:schemeClr val="accent1"/>
+          </a:lnRef>
+          <a:fillRef idx="0">
+            <a:schemeClr val="accent1"/>
+          </a:fillRef>
+          <a:effectRef idx="0">
+            <a:schemeClr val="accent1"/>
+          </a:effectRef>
+          <a:fontRef idx="minor">
+            <a:schemeClr val="tx1"/>
+          </a:fontRef>
+        </p:style>
+      </p:cxnSp>
+      <p:sp>
+        <p:nvSpPr>
+          <p:cNvPr id="33" name="Retângulo 32"/>
+          <p:cNvSpPr/>
+          <p:nvPr/>
+        </p:nvSpPr>
+        <p:spPr>
+          <a:xfrm>
+            <a:off x="3507405" y="4541548"/>
+            <a:ext cx="196020" cy="140677"/>
+          </a:xfrm>
+          <a:prstGeom prst="rect">
+            <a:avLst/>
+          </a:prstGeom>
+          <a:noFill/>
+          <a:ln>
+            <a:noFill/>
+          </a:ln>
+        </p:spPr>
+        <p:style>
+          <a:lnRef idx="2">
+            <a:schemeClr val="accent1">
+              <a:shade val="50000"/>
+            </a:schemeClr>
+          </a:lnRef>
+          <a:fillRef idx="1">
+            <a:schemeClr val="accent1"/>
+          </a:fillRef>
+          <a:effectRef idx="0">
+            <a:schemeClr val="accent1"/>
+          </a:effectRef>
+          <a:fontRef idx="minor">
+            <a:schemeClr val="lt1"/>
+          </a:fontRef>
+        </p:style>
+        <p:txBody>
+          <a:bodyPr rtlCol="0" anchor="ctr"/>
+          <a:lstStyle/>
+          <a:p>
+            <a:pPr algn="ctr"/>
+            <a:endParaRPr lang="pt-BR"/>
+          </a:p>
+        </p:txBody>
+      </p:sp>
+      <p:cxnSp>
+        <p:nvCxnSpPr>
+          <p:cNvPr id="34" name="Conector angulado 33"/>
+          <p:cNvCxnSpPr>
+            <a:stCxn id="31" idx="3"/>
+            <a:endCxn id="35" idx="1"/>
+          </p:cNvCxnSpPr>
+          <p:nvPr/>
+        </p:nvCxnSpPr>
+        <p:spPr>
+          <a:xfrm flipV="1">
+            <a:off x="1336432" y="2876336"/>
+            <a:ext cx="2179856" cy="236551"/>
+          </a:xfrm>
+          <a:prstGeom prst="bentConnector3">
+            <a:avLst>
+              <a:gd name="adj1" fmla="val 50000"/>
+            </a:avLst>
+          </a:prstGeom>
+          <a:ln>
+            <a:solidFill>
+              <a:srgbClr val="FF0000"/>
+            </a:solidFill>
+            <a:tailEnd type="triangle"/>
+          </a:ln>
+        </p:spPr>
+        <p:style>
+          <a:lnRef idx="1">
+            <a:schemeClr val="accent1"/>
+          </a:lnRef>
+          <a:fillRef idx="0">
+            <a:schemeClr val="accent1"/>
+          </a:fillRef>
+          <a:effectRef idx="0">
+            <a:schemeClr val="accent1"/>
+          </a:effectRef>
+          <a:fontRef idx="minor">
+            <a:schemeClr val="tx1"/>
+          </a:fontRef>
+        </p:style>
+      </p:cxnSp>
+      <p:sp>
+        <p:nvSpPr>
+          <p:cNvPr id="35" name="Retângulo 34"/>
+          <p:cNvSpPr/>
+          <p:nvPr/>
+        </p:nvSpPr>
+        <p:spPr>
+          <a:xfrm>
+            <a:off x="3516288" y="2773634"/>
+            <a:ext cx="196020" cy="205403"/>
+          </a:xfrm>
+          <a:prstGeom prst="rect">
+            <a:avLst/>
+          </a:prstGeom>
+          <a:noFill/>
+          <a:ln>
+            <a:noFill/>
+          </a:ln>
+        </p:spPr>
+        <p:style>
+          <a:lnRef idx="2">
+            <a:schemeClr val="accent1">
+              <a:shade val="50000"/>
+            </a:schemeClr>
+          </a:lnRef>
+          <a:fillRef idx="1">
+            <a:schemeClr val="accent1"/>
+          </a:fillRef>
+          <a:effectRef idx="0">
+            <a:schemeClr val="accent1"/>
+          </a:effectRef>
+          <a:fontRef idx="minor">
+            <a:schemeClr val="lt1"/>
+          </a:fontRef>
+        </p:style>
+        <p:txBody>
+          <a:bodyPr rtlCol="0" anchor="ctr"/>
+          <a:lstStyle/>
+          <a:p>
+            <a:pPr algn="ctr"/>
+            <a:endParaRPr lang="pt-BR"/>
+          </a:p>
+        </p:txBody>
+      </p:sp>
+      <p:sp>
+        <p:nvSpPr>
+          <p:cNvPr id="42" name="Retângulo 41"/>
+          <p:cNvSpPr/>
+          <p:nvPr/>
+        </p:nvSpPr>
+        <p:spPr>
+          <a:xfrm>
+            <a:off x="1844431" y="3390850"/>
+            <a:ext cx="1867877" cy="884165"/>
+          </a:xfrm>
+          <a:prstGeom prst="rect">
+            <a:avLst/>
+          </a:prstGeom>
+          <a:noFill/>
+          <a:ln>
+            <a:solidFill>
+              <a:srgbClr val="FF0000"/>
+            </a:solidFill>
+          </a:ln>
+        </p:spPr>
+        <p:style>
+          <a:lnRef idx="2">
+            <a:schemeClr val="accent1">
+              <a:shade val="50000"/>
+            </a:schemeClr>
+          </a:lnRef>
+          <a:fillRef idx="1">
+            <a:schemeClr val="accent1"/>
+          </a:fillRef>
+          <a:effectRef idx="0">
+            <a:schemeClr val="accent1"/>
+          </a:effectRef>
+          <a:fontRef idx="minor">
+            <a:schemeClr val="lt1"/>
+          </a:fontRef>
+        </p:style>
+        <p:txBody>
+          <a:bodyPr rtlCol="0" anchor="ctr"/>
+          <a:lstStyle/>
+          <a:p>
+            <a:pPr algn="ctr"/>
+            <a:endParaRPr lang="pt-BR"/>
+          </a:p>
+        </p:txBody>
+      </p:sp>
+      <p:cxnSp>
+        <p:nvCxnSpPr>
+          <p:cNvPr id="43" name="Conector angulado 42"/>
+          <p:cNvCxnSpPr>
+            <a:stCxn id="46" idx="3"/>
+            <a:endCxn id="42" idx="1"/>
+          </p:cNvCxnSpPr>
+          <p:nvPr/>
+        </p:nvCxnSpPr>
+        <p:spPr>
+          <a:xfrm>
+            <a:off x="1367692" y="3831606"/>
+            <a:ext cx="476739" cy="1327"/>
+          </a:xfrm>
+          <a:prstGeom prst="bentConnector3">
+            <a:avLst>
+              <a:gd name="adj1" fmla="val 50000"/>
+            </a:avLst>
+          </a:prstGeom>
+          <a:ln>
+            <a:solidFill>
+              <a:srgbClr val="FF0000"/>
+            </a:solidFill>
+            <a:tailEnd type="triangle"/>
+          </a:ln>
+        </p:spPr>
+        <p:style>
+          <a:lnRef idx="1">
+            <a:schemeClr val="accent1"/>
+          </a:lnRef>
+          <a:fillRef idx="0">
+            <a:schemeClr val="accent1"/>
+          </a:fillRef>
+          <a:effectRef idx="0">
+            <a:schemeClr val="accent1"/>
+          </a:effectRef>
+          <a:fontRef idx="minor">
+            <a:schemeClr val="tx1"/>
+          </a:fontRef>
+        </p:style>
+      </p:cxnSp>
+      <p:sp>
+        <p:nvSpPr>
+          <p:cNvPr id="46" name="CaixaDeTexto 45"/>
+          <p:cNvSpPr txBox="1"/>
+          <p:nvPr/>
+        </p:nvSpPr>
+        <p:spPr>
+          <a:xfrm>
+            <a:off x="281354" y="3446885"/>
+            <a:ext cx="1086338" cy="769441"/>
+          </a:xfrm>
+          <a:prstGeom prst="rect">
+            <a:avLst/>
+          </a:prstGeom>
+          <a:noFill/>
+        </p:spPr>
+        <p:txBody>
+          <a:bodyPr wrap="square" rtlCol="0">
+            <a:spAutoFit/>
+          </a:bodyPr>
+          <a:lstStyle/>
+          <a:p>
+            <a:pPr algn="ctr"/>
+            <a:r>
+              <a:rPr lang="pt-BR" sz="1100" b="1" dirty="0" smtClean="0"/>
+              <a:t>D3: </a:t>
+            </a:r>
+            <a:r>
+              <a:rPr lang="pt-BR" sz="1100" b="1" dirty="0" err="1" smtClean="0"/>
+              <a:t>kernel</a:t>
+            </a:r>
+            <a:r>
+              <a:rPr lang="pt-BR" sz="1100" b="1" dirty="0" smtClean="0"/>
+              <a:t> displays (min. </a:t>
+            </a:r>
+            <a:r>
+              <a:rPr lang="pt-BR" sz="1100" b="1" dirty="0" err="1" smtClean="0"/>
+              <a:t>and</a:t>
+            </a:r>
+            <a:r>
+              <a:rPr lang="pt-BR" sz="1100" b="1" dirty="0" smtClean="0"/>
+              <a:t> </a:t>
+            </a:r>
+            <a:r>
+              <a:rPr lang="pt-BR" sz="1100" b="1" dirty="0" err="1" smtClean="0"/>
+              <a:t>max</a:t>
+            </a:r>
+            <a:r>
+              <a:rPr lang="pt-BR" sz="1100" b="1" dirty="0" smtClean="0"/>
+              <a:t>. </a:t>
+            </a:r>
+            <a:r>
+              <a:rPr lang="pt-BR" sz="1100" b="1" dirty="0" err="1" smtClean="0"/>
+              <a:t>frequencies</a:t>
+            </a:r>
+            <a:r>
+              <a:rPr lang="pt-BR" sz="1100" b="1" dirty="0" smtClean="0"/>
+              <a:t>)</a:t>
+            </a:r>
+            <a:endParaRPr lang="pt-BR" sz="1100" b="1" dirty="0"/>
+          </a:p>
+        </p:txBody>
+      </p:sp>
+      <p:sp>
+        <p:nvSpPr>
+          <p:cNvPr id="49" name="Retângulo 48"/>
+          <p:cNvSpPr/>
+          <p:nvPr/>
+        </p:nvSpPr>
+        <p:spPr>
+          <a:xfrm>
+            <a:off x="1844433" y="2135144"/>
+            <a:ext cx="1867876" cy="574468"/>
+          </a:xfrm>
+          <a:prstGeom prst="rect">
+            <a:avLst/>
+          </a:prstGeom>
+          <a:noFill/>
+          <a:ln>
+            <a:solidFill>
+              <a:srgbClr val="FF0000"/>
+            </a:solidFill>
+          </a:ln>
+        </p:spPr>
+        <p:style>
+          <a:lnRef idx="2">
+            <a:schemeClr val="accent1">
+              <a:shade val="50000"/>
+            </a:schemeClr>
+          </a:lnRef>
+          <a:fillRef idx="1">
+            <a:schemeClr val="accent1"/>
+          </a:fillRef>
+          <a:effectRef idx="0">
+            <a:schemeClr val="accent1"/>
+          </a:effectRef>
+          <a:fontRef idx="minor">
+            <a:schemeClr val="lt1"/>
+          </a:fontRef>
+        </p:style>
+        <p:txBody>
+          <a:bodyPr rtlCol="0" anchor="ctr"/>
+          <a:lstStyle/>
+          <a:p>
+            <a:pPr algn="ctr"/>
+            <a:endParaRPr lang="pt-BR"/>
+          </a:p>
+        </p:txBody>
+      </p:sp>
+      <p:cxnSp>
+        <p:nvCxnSpPr>
+          <p:cNvPr id="51" name="Conector angulado 50"/>
+          <p:cNvCxnSpPr>
+            <a:stCxn id="54" idx="2"/>
+            <a:endCxn id="49" idx="1"/>
+          </p:cNvCxnSpPr>
+          <p:nvPr/>
+        </p:nvCxnSpPr>
+        <p:spPr>
+          <a:xfrm rot="16200000" flipH="1">
+            <a:off x="1016203" y="1594148"/>
+            <a:ext cx="1300406" cy="356053"/>
+          </a:xfrm>
+          <a:prstGeom prst="bentConnector2">
+            <a:avLst/>
+          </a:prstGeom>
+          <a:ln>
+            <a:solidFill>
+              <a:srgbClr val="FF0000"/>
+            </a:solidFill>
+            <a:tailEnd type="triangle"/>
+          </a:ln>
+        </p:spPr>
+        <p:style>
+          <a:lnRef idx="1">
+            <a:schemeClr val="accent1"/>
+          </a:lnRef>
+          <a:fillRef idx="0">
+            <a:schemeClr val="accent1"/>
+          </a:fillRef>
+          <a:effectRef idx="0">
+            <a:schemeClr val="accent1"/>
+          </a:effectRef>
+          <a:fontRef idx="minor">
+            <a:schemeClr val="tx1"/>
+          </a:fontRef>
+        </p:style>
+      </p:cxnSp>
+      <p:sp>
+        <p:nvSpPr>
+          <p:cNvPr id="54" name="CaixaDeTexto 53"/>
+          <p:cNvSpPr txBox="1"/>
+          <p:nvPr/>
+        </p:nvSpPr>
+        <p:spPr>
+          <a:xfrm>
+            <a:off x="493265" y="691085"/>
+            <a:ext cx="1990229" cy="430887"/>
+          </a:xfrm>
+          <a:prstGeom prst="rect">
+            <a:avLst/>
+          </a:prstGeom>
+          <a:noFill/>
+        </p:spPr>
+        <p:txBody>
+          <a:bodyPr wrap="square" rtlCol="0">
+            <a:spAutoFit/>
+          </a:bodyPr>
+          <a:lstStyle/>
+          <a:p>
+            <a:pPr algn="ctr"/>
+            <a:r>
+              <a:rPr lang="pt-BR" sz="1100" b="1" dirty="0" smtClean="0"/>
+              <a:t>D1: </a:t>
+            </a:r>
+            <a:r>
+              <a:rPr lang="pt-BR" sz="1100" b="1" dirty="0" err="1" smtClean="0"/>
+              <a:t>kernel</a:t>
+            </a:r>
+            <a:r>
+              <a:rPr lang="pt-BR" sz="1100" b="1" dirty="0" smtClean="0"/>
+              <a:t> </a:t>
+            </a:r>
+            <a:r>
+              <a:rPr lang="pt-BR" sz="1100" b="1" dirty="0" err="1" smtClean="0"/>
+              <a:t>frequency</a:t>
+            </a:r>
+            <a:r>
+              <a:rPr lang="pt-BR" sz="1100" b="1" dirty="0" smtClean="0"/>
+              <a:t> </a:t>
+            </a:r>
+            <a:r>
+              <a:rPr lang="pt-BR" sz="1100" b="1" dirty="0" err="1" smtClean="0"/>
+              <a:t>to</a:t>
+            </a:r>
+            <a:r>
+              <a:rPr lang="pt-BR" sz="1100" b="1" dirty="0" smtClean="0"/>
+              <a:t> </a:t>
+            </a:r>
+            <a:r>
+              <a:rPr lang="pt-BR" sz="1100" b="1" dirty="0" err="1" smtClean="0"/>
+              <a:t>spatial</a:t>
+            </a:r>
+            <a:r>
+              <a:rPr lang="pt-BR" sz="1100" b="1" dirty="0" smtClean="0"/>
+              <a:t> </a:t>
+            </a:r>
+            <a:r>
+              <a:rPr lang="pt-BR" sz="1100" b="1" dirty="0" err="1" smtClean="0"/>
+              <a:t>size</a:t>
+            </a:r>
+            <a:r>
+              <a:rPr lang="pt-BR" sz="1100" b="1" dirty="0" smtClean="0"/>
+              <a:t> </a:t>
+            </a:r>
+            <a:r>
+              <a:rPr lang="pt-BR" sz="1100" b="1" dirty="0" err="1" smtClean="0"/>
+              <a:t>conversion</a:t>
+            </a:r>
+            <a:r>
+              <a:rPr lang="pt-BR" sz="1100" b="1" dirty="0" smtClean="0"/>
+              <a:t> display</a:t>
+            </a:r>
+            <a:endParaRPr lang="pt-BR" sz="1100" b="1" dirty="0"/>
+          </a:p>
+        </p:txBody>
+      </p:sp>
+      <p:sp>
+        <p:nvSpPr>
+          <p:cNvPr id="58" name="CaixaDeTexto 57"/>
+          <p:cNvSpPr txBox="1"/>
+          <p:nvPr/>
+        </p:nvSpPr>
+        <p:spPr>
+          <a:xfrm>
+            <a:off x="3938659" y="5364293"/>
+            <a:ext cx="2071371" cy="261610"/>
+          </a:xfrm>
+          <a:prstGeom prst="rect">
+            <a:avLst/>
+          </a:prstGeom>
+          <a:noFill/>
+        </p:spPr>
+        <p:txBody>
+          <a:bodyPr wrap="square" rtlCol="0">
+            <a:spAutoFit/>
+          </a:bodyPr>
+          <a:lstStyle/>
+          <a:p>
+            <a:pPr algn="ctr"/>
+            <a:r>
+              <a:rPr lang="pt-BR" sz="1100" b="1" dirty="0" smtClean="0"/>
+              <a:t>B4: </a:t>
+            </a:r>
+            <a:r>
+              <a:rPr lang="pt-BR" sz="1100" b="1" dirty="0" err="1" smtClean="0"/>
+              <a:t>updates</a:t>
+            </a:r>
+            <a:r>
+              <a:rPr lang="pt-BR" sz="1100" b="1" dirty="0" smtClean="0"/>
+              <a:t> Gabor </a:t>
+            </a:r>
+            <a:r>
+              <a:rPr lang="pt-BR" sz="1100" b="1" dirty="0" err="1" smtClean="0"/>
+              <a:t>space</a:t>
+            </a:r>
+            <a:r>
+              <a:rPr lang="pt-BR" sz="1100" b="1" dirty="0" smtClean="0"/>
+              <a:t> display</a:t>
+            </a:r>
+            <a:endParaRPr lang="pt-BR" sz="1100" b="1" dirty="0"/>
+          </a:p>
+        </p:txBody>
+      </p:sp>
+      <p:cxnSp>
+        <p:nvCxnSpPr>
+          <p:cNvPr id="62" name="Conector angulado 61"/>
+          <p:cNvCxnSpPr>
+            <a:stCxn id="64" idx="1"/>
+            <a:endCxn id="63" idx="2"/>
+          </p:cNvCxnSpPr>
+          <p:nvPr/>
+        </p:nvCxnSpPr>
+        <p:spPr>
+          <a:xfrm rot="10800000">
+            <a:off x="2454296" y="5065235"/>
+            <a:ext cx="333245" cy="633120"/>
+          </a:xfrm>
+          <a:prstGeom prst="bentConnector2">
+            <a:avLst/>
+          </a:prstGeom>
+          <a:ln>
+            <a:solidFill>
+              <a:srgbClr val="FF0000"/>
+            </a:solidFill>
+            <a:tailEnd type="triangle"/>
+          </a:ln>
+        </p:spPr>
+        <p:style>
+          <a:lnRef idx="1">
+            <a:schemeClr val="accent1"/>
+          </a:lnRef>
+          <a:fillRef idx="0">
+            <a:schemeClr val="accent1"/>
+          </a:fillRef>
+          <a:effectRef idx="0">
+            <a:schemeClr val="accent1"/>
+          </a:effectRef>
+          <a:fontRef idx="minor">
+            <a:schemeClr val="tx1"/>
+          </a:fontRef>
+        </p:style>
+      </p:cxnSp>
+      <p:sp>
+        <p:nvSpPr>
+          <p:cNvPr id="63" name="Retângulo 62"/>
+          <p:cNvSpPr/>
+          <p:nvPr/>
+        </p:nvSpPr>
+        <p:spPr>
+          <a:xfrm>
+            <a:off x="2356285" y="4924558"/>
+            <a:ext cx="196020" cy="140677"/>
+          </a:xfrm>
+          <a:prstGeom prst="rect">
+            <a:avLst/>
+          </a:prstGeom>
+          <a:noFill/>
+          <a:ln>
+            <a:noFill/>
+          </a:ln>
+        </p:spPr>
+        <p:style>
+          <a:lnRef idx="2">
+            <a:schemeClr val="accent1">
+              <a:shade val="50000"/>
+            </a:schemeClr>
+          </a:lnRef>
+          <a:fillRef idx="1">
+            <a:schemeClr val="accent1"/>
+          </a:fillRef>
+          <a:effectRef idx="0">
+            <a:schemeClr val="accent1"/>
+          </a:effectRef>
+          <a:fontRef idx="minor">
+            <a:schemeClr val="lt1"/>
+          </a:fontRef>
+        </p:style>
+        <p:txBody>
+          <a:bodyPr rtlCol="0" anchor="ctr"/>
+          <a:lstStyle/>
+          <a:p>
+            <a:pPr algn="ctr"/>
+            <a:endParaRPr lang="pt-BR"/>
+          </a:p>
+        </p:txBody>
+      </p:sp>
+      <p:sp>
+        <p:nvSpPr>
+          <p:cNvPr id="64" name="CaixaDeTexto 63"/>
+          <p:cNvSpPr txBox="1"/>
+          <p:nvPr/>
+        </p:nvSpPr>
+        <p:spPr>
+          <a:xfrm>
+            <a:off x="2787540" y="5567550"/>
+            <a:ext cx="1948584" cy="261610"/>
+          </a:xfrm>
+          <a:prstGeom prst="rect">
+            <a:avLst/>
+          </a:prstGeom>
+          <a:noFill/>
+        </p:spPr>
+        <p:txBody>
+          <a:bodyPr wrap="square" rtlCol="0">
+            <a:spAutoFit/>
+          </a:bodyPr>
+          <a:lstStyle/>
+          <a:p>
+            <a:pPr algn="ctr"/>
+            <a:r>
+              <a:rPr lang="pt-BR" sz="1100" b="1" dirty="0" smtClean="0"/>
+              <a:t>B6: </a:t>
+            </a:r>
+            <a:r>
+              <a:rPr lang="pt-BR" sz="1100" b="1" dirty="0" err="1" smtClean="0"/>
+              <a:t>saves</a:t>
+            </a:r>
+            <a:r>
+              <a:rPr lang="pt-BR" sz="1100" b="1" dirty="0" smtClean="0"/>
+              <a:t> </a:t>
+            </a:r>
+            <a:r>
+              <a:rPr lang="pt-BR" sz="1100" b="1" dirty="0" err="1" smtClean="0"/>
+              <a:t>filtered</a:t>
+            </a:r>
+            <a:r>
+              <a:rPr lang="pt-BR" sz="1100" b="1" dirty="0" smtClean="0"/>
+              <a:t> </a:t>
+            </a:r>
+            <a:r>
+              <a:rPr lang="pt-BR" sz="1100" b="1" dirty="0" err="1" smtClean="0"/>
+              <a:t>result</a:t>
+            </a:r>
+            <a:r>
+              <a:rPr lang="pt-BR" sz="1100" b="1" dirty="0" smtClean="0"/>
+              <a:t> </a:t>
+            </a:r>
+            <a:r>
+              <a:rPr lang="pt-BR" sz="1100" b="1" dirty="0" err="1" smtClean="0"/>
+              <a:t>to</a:t>
+            </a:r>
+            <a:r>
+              <a:rPr lang="pt-BR" sz="1100" b="1" dirty="0" smtClean="0"/>
+              <a:t> file</a:t>
+            </a:r>
+            <a:endParaRPr lang="pt-BR" sz="1100" b="1" dirty="0"/>
+          </a:p>
+        </p:txBody>
+      </p:sp>
+      <p:cxnSp>
+        <p:nvCxnSpPr>
+          <p:cNvPr id="66" name="Conector angulado 65"/>
+          <p:cNvCxnSpPr>
+            <a:stCxn id="68" idx="1"/>
+            <a:endCxn id="67" idx="2"/>
+          </p:cNvCxnSpPr>
+          <p:nvPr/>
+        </p:nvCxnSpPr>
+        <p:spPr>
+          <a:xfrm rot="10800000">
+            <a:off x="2242506" y="5055202"/>
+            <a:ext cx="333244" cy="851948"/>
+          </a:xfrm>
+          <a:prstGeom prst="bentConnector2">
+            <a:avLst/>
+          </a:prstGeom>
+          <a:ln>
+            <a:solidFill>
+              <a:srgbClr val="FF0000"/>
+            </a:solidFill>
+            <a:tailEnd type="triangle"/>
+          </a:ln>
+        </p:spPr>
+        <p:style>
+          <a:lnRef idx="1">
+            <a:schemeClr val="accent1"/>
+          </a:lnRef>
+          <a:fillRef idx="0">
+            <a:schemeClr val="accent1"/>
+          </a:fillRef>
+          <a:effectRef idx="0">
+            <a:schemeClr val="accent1"/>
+          </a:effectRef>
+          <a:fontRef idx="minor">
+            <a:schemeClr val="tx1"/>
+          </a:fontRef>
+        </p:style>
+      </p:cxnSp>
+      <p:sp>
+        <p:nvSpPr>
+          <p:cNvPr id="67" name="Retângulo 66"/>
+          <p:cNvSpPr/>
+          <p:nvPr/>
+        </p:nvSpPr>
+        <p:spPr>
+          <a:xfrm>
+            <a:off x="2144496" y="4914525"/>
+            <a:ext cx="196020" cy="140677"/>
+          </a:xfrm>
+          <a:prstGeom prst="rect">
+            <a:avLst/>
+          </a:prstGeom>
+          <a:noFill/>
+          <a:ln>
+            <a:noFill/>
+          </a:ln>
+        </p:spPr>
+        <p:style>
+          <a:lnRef idx="2">
+            <a:schemeClr val="accent1">
+              <a:shade val="50000"/>
+            </a:schemeClr>
+          </a:lnRef>
+          <a:fillRef idx="1">
+            <a:schemeClr val="accent1"/>
+          </a:fillRef>
+          <a:effectRef idx="0">
+            <a:schemeClr val="accent1"/>
+          </a:effectRef>
+          <a:fontRef idx="minor">
+            <a:schemeClr val="lt1"/>
+          </a:fontRef>
+        </p:style>
+        <p:txBody>
+          <a:bodyPr rtlCol="0" anchor="ctr"/>
+          <a:lstStyle/>
+          <a:p>
+            <a:pPr algn="ctr"/>
+            <a:endParaRPr lang="pt-BR"/>
+          </a:p>
+        </p:txBody>
+      </p:sp>
+      <p:sp>
+        <p:nvSpPr>
+          <p:cNvPr id="68" name="CaixaDeTexto 67"/>
+          <p:cNvSpPr txBox="1"/>
+          <p:nvPr/>
+        </p:nvSpPr>
+        <p:spPr>
+          <a:xfrm>
+            <a:off x="2575750" y="5776345"/>
+            <a:ext cx="2832496" cy="261610"/>
+          </a:xfrm>
+          <a:prstGeom prst="rect">
+            <a:avLst/>
+          </a:prstGeom>
+          <a:noFill/>
+        </p:spPr>
+        <p:txBody>
+          <a:bodyPr wrap="square" rtlCol="0">
+            <a:spAutoFit/>
+          </a:bodyPr>
+          <a:lstStyle/>
+          <a:p>
+            <a:pPr algn="ctr"/>
+            <a:r>
+              <a:rPr lang="pt-BR" sz="1100" b="1" dirty="0" smtClean="0"/>
+              <a:t>B5: computes </a:t>
+            </a:r>
+            <a:r>
+              <a:rPr lang="pt-BR" sz="1100" b="1" dirty="0" err="1" smtClean="0"/>
+              <a:t>and</a:t>
+            </a:r>
+            <a:r>
+              <a:rPr lang="pt-BR" sz="1100" b="1" dirty="0" smtClean="0"/>
+              <a:t> displays </a:t>
+            </a:r>
+            <a:r>
+              <a:rPr lang="pt-BR" sz="1100" b="1" dirty="0" err="1" smtClean="0"/>
+              <a:t>the</a:t>
+            </a:r>
+            <a:r>
+              <a:rPr lang="pt-BR" sz="1100" b="1" dirty="0" smtClean="0"/>
+              <a:t> </a:t>
+            </a:r>
+            <a:r>
+              <a:rPr lang="pt-BR" sz="1100" b="1" dirty="0" err="1" smtClean="0"/>
+              <a:t>filtered</a:t>
+            </a:r>
+            <a:r>
+              <a:rPr lang="pt-BR" sz="1100" b="1" dirty="0" smtClean="0"/>
+              <a:t> </a:t>
+            </a:r>
+            <a:r>
+              <a:rPr lang="pt-BR" sz="1100" b="1" dirty="0" err="1" smtClean="0"/>
+              <a:t>result</a:t>
             </a:r>
             <a:endParaRPr lang="pt-BR" sz="1100" b="1" dirty="0"/>
           </a:p>
@@ -19086,7 +18745,7 @@
     </p:spTree>
     <p:extLst>
       <p:ext uri="{BB962C8B-B14F-4D97-AF65-F5344CB8AC3E}">
-        <p14:creationId xmlns:p14="http://schemas.microsoft.com/office/powerpoint/2010/main" val="1995761876"/>
+        <p14:creationId xmlns:p14="http://schemas.microsoft.com/office/powerpoint/2010/main" val="2190953065"/>
       </p:ext>
     </p:extLst>
   </p:cSld>
@@ -19122,7 +18781,7 @@
       </p:grpSpPr>
       <p:pic>
         <p:nvPicPr>
-          <p:cNvPr id="16" name="Imagem 15"/>
+          <p:cNvPr id="4" name="Imagem 3"/>
           <p:cNvPicPr>
             <a:picLocks noChangeAspect="1"/>
           </p:cNvPicPr>
@@ -19136,129 +18795,72 @@
         </p:blipFill>
         <p:spPr>
           <a:xfrm>
-            <a:off x="360040" y="249593"/>
-            <a:ext cx="8244408" cy="4331535"/>
+            <a:off x="1199418" y="875594"/>
+            <a:ext cx="4945810" cy="3678360"/>
           </a:xfrm>
           <a:prstGeom prst="rect">
             <a:avLst/>
+          </a:prstGeom>
+        </p:spPr>
+      </p:pic>
+      <p:cxnSp>
+        <p:nvCxnSpPr>
+          <p:cNvPr id="5" name="Conector angulado 4"/>
+          <p:cNvCxnSpPr>
+            <a:stCxn id="7" idx="1"/>
+            <a:endCxn id="6" idx="3"/>
+          </p:cNvCxnSpPr>
+          <p:nvPr/>
+        </p:nvCxnSpPr>
+        <p:spPr>
+          <a:xfrm rot="10800000" flipV="1">
+            <a:off x="5408247" y="3470895"/>
+            <a:ext cx="857141" cy="1"/>
+          </a:xfrm>
+          <a:prstGeom prst="bentConnector3">
+            <a:avLst>
+              <a:gd name="adj1" fmla="val 50000"/>
+            </a:avLst>
           </a:prstGeom>
           <a:ln>
             <a:solidFill>
-              <a:schemeClr val="tx1"/>
+              <a:srgbClr val="FF0000"/>
             </a:solidFill>
+            <a:tailEnd type="triangle"/>
           </a:ln>
         </p:spPr>
-      </p:pic>
-      <p:sp>
-        <p:nvSpPr>
-          <p:cNvPr id="17" name="CaixaDeTexto 16"/>
-          <p:cNvSpPr txBox="1"/>
-          <p:nvPr/>
-        </p:nvSpPr>
-        <p:spPr>
-          <a:xfrm>
-            <a:off x="3835971" y="4242574"/>
-            <a:ext cx="1043171" cy="338554"/>
-          </a:xfrm>
-          <a:prstGeom prst="rect">
-            <a:avLst/>
-          </a:prstGeom>
-          <a:noFill/>
-        </p:spPr>
-        <p:txBody>
-          <a:bodyPr wrap="none" rtlCol="0">
-            <a:spAutoFit/>
-          </a:bodyPr>
-          <a:lstStyle/>
-          <a:p>
-            <a:r>
-              <a:rPr lang="pt-BR" sz="1600" b="1" dirty="0" err="1" smtClean="0"/>
-              <a:t>frequency</a:t>
-            </a:r>
-            <a:endParaRPr lang="pt-BR" sz="1600" b="1" dirty="0"/>
-          </a:p>
-        </p:txBody>
-      </p:sp>
-      <p:sp>
-        <p:nvSpPr>
-          <p:cNvPr id="18" name="CaixaDeTexto 17"/>
-          <p:cNvSpPr txBox="1"/>
-          <p:nvPr/>
-        </p:nvSpPr>
-        <p:spPr>
-          <a:xfrm rot="16200000">
-            <a:off x="91537" y="1963104"/>
-            <a:ext cx="875561" cy="338554"/>
-          </a:xfrm>
-          <a:prstGeom prst="rect">
-            <a:avLst/>
-          </a:prstGeom>
-          <a:noFill/>
-        </p:spPr>
-        <p:txBody>
-          <a:bodyPr wrap="none" rtlCol="0">
-            <a:spAutoFit/>
-          </a:bodyPr>
-          <a:lstStyle/>
-          <a:p>
-            <a:r>
-              <a:rPr lang="pt-BR" sz="1600" b="1" dirty="0" err="1" smtClean="0"/>
-              <a:t>azimuth</a:t>
-            </a:r>
-            <a:endParaRPr lang="pt-BR" sz="1600" b="1" dirty="0"/>
-          </a:p>
-        </p:txBody>
-      </p:sp>
-      <p:sp>
-        <p:nvSpPr>
-          <p:cNvPr id="19" name="CaixaDeTexto 18"/>
-          <p:cNvSpPr txBox="1"/>
-          <p:nvPr/>
-        </p:nvSpPr>
-        <p:spPr>
-          <a:xfrm rot="5400000">
-            <a:off x="7421287" y="1808983"/>
-            <a:ext cx="1875129" cy="338554"/>
-          </a:xfrm>
-          <a:prstGeom prst="rect">
-            <a:avLst/>
-          </a:prstGeom>
-          <a:noFill/>
-        </p:spPr>
-        <p:txBody>
-          <a:bodyPr wrap="none" rtlCol="0">
-            <a:spAutoFit/>
-          </a:bodyPr>
-          <a:lstStyle/>
-          <a:p>
-            <a:r>
-              <a:rPr lang="pt-BR" sz="1600" b="1" dirty="0" smtClean="0"/>
-              <a:t>response amplitude</a:t>
-            </a:r>
-            <a:endParaRPr lang="pt-BR" sz="1600" b="1" dirty="0"/>
-          </a:p>
-        </p:txBody>
-      </p:sp>
-      <p:sp>
-        <p:nvSpPr>
-          <p:cNvPr id="20" name="Retângulo 19"/>
+        <p:style>
+          <a:lnRef idx="1">
+            <a:schemeClr val="accent1"/>
+          </a:lnRef>
+          <a:fillRef idx="0">
+            <a:schemeClr val="accent1"/>
+          </a:fillRef>
+          <a:effectRef idx="0">
+            <a:schemeClr val="accent1"/>
+          </a:effectRef>
+          <a:fontRef idx="minor">
+            <a:schemeClr val="tx1"/>
+          </a:fontRef>
+        </p:style>
+      </p:cxnSp>
+      <p:sp>
+        <p:nvSpPr>
+          <p:cNvPr id="6" name="Retângulo 5"/>
           <p:cNvSpPr/>
           <p:nvPr/>
         </p:nvSpPr>
         <p:spPr>
           <a:xfrm>
-            <a:off x="890650" y="392790"/>
-            <a:ext cx="329132" cy="3600400"/>
+            <a:off x="5212226" y="3400558"/>
+            <a:ext cx="196020" cy="140677"/>
           </a:xfrm>
           <a:prstGeom prst="rect">
             <a:avLst/>
           </a:prstGeom>
           <a:noFill/>
           <a:ln>
-            <a:solidFill>
-              <a:srgbClr val="FFFF00"/>
-            </a:solidFill>
-            <a:prstDash val="sysDot"/>
+            <a:noFill/>
           </a:ln>
         </p:spPr>
         <p:style>
@@ -19288,24 +18890,101 @@
       </p:sp>
       <p:sp>
         <p:nvSpPr>
-          <p:cNvPr id="21" name="Retângulo 20"/>
+          <p:cNvPr id="7" name="CaixaDeTexto 6"/>
+          <p:cNvSpPr txBox="1"/>
+          <p:nvPr/>
+        </p:nvSpPr>
+        <p:spPr>
+          <a:xfrm>
+            <a:off x="6265387" y="3340091"/>
+            <a:ext cx="1198306" cy="261610"/>
+          </a:xfrm>
+          <a:prstGeom prst="rect">
+            <a:avLst/>
+          </a:prstGeom>
+          <a:noFill/>
+        </p:spPr>
+        <p:txBody>
+          <a:bodyPr wrap="square" rtlCol="0">
+            <a:spAutoFit/>
+          </a:bodyPr>
+          <a:lstStyle/>
+          <a:p>
+            <a:pPr algn="ctr"/>
+            <a:r>
+              <a:rPr lang="pt-BR" sz="1100" b="1" dirty="0" err="1" smtClean="0"/>
+              <a:t>frequency</a:t>
+            </a:r>
+            <a:r>
+              <a:rPr lang="pt-BR" sz="1100" b="1" dirty="0" smtClean="0"/>
+              <a:t> </a:t>
+            </a:r>
+            <a:r>
+              <a:rPr lang="pt-BR" sz="1100" b="1" dirty="0" err="1" smtClean="0"/>
+              <a:t>scale</a:t>
+            </a:r>
+            <a:endParaRPr lang="pt-BR" sz="1100" b="1" dirty="0"/>
+          </a:p>
+        </p:txBody>
+      </p:sp>
+      <p:cxnSp>
+        <p:nvCxnSpPr>
+          <p:cNvPr id="8" name="Conector angulado 7"/>
+          <p:cNvCxnSpPr>
+            <a:stCxn id="10" idx="2"/>
+            <a:endCxn id="9" idx="0"/>
+          </p:cNvCxnSpPr>
+          <p:nvPr/>
+        </p:nvCxnSpPr>
+        <p:spPr>
+          <a:xfrm rot="16200000" flipH="1">
+            <a:off x="3037911" y="1091036"/>
+            <a:ext cx="792883" cy="7815"/>
+          </a:xfrm>
+          <a:prstGeom prst="bentConnector3">
+            <a:avLst>
+              <a:gd name="adj1" fmla="val 50000"/>
+            </a:avLst>
+          </a:prstGeom>
+          <a:ln>
+            <a:solidFill>
+              <a:srgbClr val="FF0000"/>
+            </a:solidFill>
+            <a:tailEnd type="triangle"/>
+          </a:ln>
+        </p:spPr>
+        <p:style>
+          <a:lnRef idx="1">
+            <a:schemeClr val="accent1"/>
+          </a:lnRef>
+          <a:fillRef idx="0">
+            <a:schemeClr val="accent1"/>
+          </a:fillRef>
+          <a:effectRef idx="0">
+            <a:schemeClr val="accent1"/>
+          </a:effectRef>
+          <a:fontRef idx="minor">
+            <a:schemeClr val="tx1"/>
+          </a:fontRef>
+        </p:style>
+      </p:cxnSp>
+      <p:sp>
+        <p:nvSpPr>
+          <p:cNvPr id="9" name="Retângulo 8"/>
           <p:cNvSpPr/>
           <p:nvPr/>
         </p:nvSpPr>
         <p:spPr>
           <a:xfrm>
-            <a:off x="1296105" y="392789"/>
-            <a:ext cx="306047" cy="3600400"/>
+            <a:off x="3340250" y="1491386"/>
+            <a:ext cx="196020" cy="140677"/>
           </a:xfrm>
           <a:prstGeom prst="rect">
             <a:avLst/>
           </a:prstGeom>
           <a:noFill/>
           <a:ln>
-            <a:solidFill>
-              <a:srgbClr val="FFFF00"/>
-            </a:solidFill>
-            <a:prstDash val="sysDot"/>
+            <a:noFill/>
           </a:ln>
         </p:spPr>
         <p:style>
@@ -19335,24 +19014,99 @@
       </p:sp>
       <p:sp>
         <p:nvSpPr>
-          <p:cNvPr id="22" name="Retângulo 21"/>
+          <p:cNvPr id="10" name="CaixaDeTexto 9"/>
+          <p:cNvSpPr txBox="1"/>
+          <p:nvPr/>
+        </p:nvSpPr>
+        <p:spPr>
+          <a:xfrm>
+            <a:off x="2764474" y="436893"/>
+            <a:ext cx="1331942" cy="261610"/>
+          </a:xfrm>
+          <a:prstGeom prst="rect">
+            <a:avLst/>
+          </a:prstGeom>
+          <a:noFill/>
+        </p:spPr>
+        <p:txBody>
+          <a:bodyPr wrap="square" rtlCol="0">
+            <a:spAutoFit/>
+          </a:bodyPr>
+          <a:lstStyle/>
+          <a:p>
+            <a:pPr algn="ctr"/>
+            <a:r>
+              <a:rPr lang="pt-BR" sz="1100" b="1" dirty="0" err="1" smtClean="0"/>
+              <a:t>azimuth</a:t>
+            </a:r>
+            <a:r>
+              <a:rPr lang="pt-BR" sz="1100" b="1" dirty="0" smtClean="0"/>
+              <a:t> </a:t>
+            </a:r>
+            <a:r>
+              <a:rPr lang="pt-BR" sz="1100" b="1" dirty="0" err="1" smtClean="0"/>
+              <a:t>scale</a:t>
+            </a:r>
+            <a:endParaRPr lang="pt-BR" sz="1100" b="1" dirty="0"/>
+          </a:p>
+        </p:txBody>
+      </p:sp>
+      <p:cxnSp>
+        <p:nvCxnSpPr>
+          <p:cNvPr id="24" name="Conector angulado 23"/>
+          <p:cNvCxnSpPr>
+            <a:stCxn id="26" idx="1"/>
+            <a:endCxn id="25" idx="0"/>
+          </p:cNvCxnSpPr>
+          <p:nvPr/>
+        </p:nvCxnSpPr>
+        <p:spPr>
+          <a:xfrm rot="10800000" flipV="1">
+            <a:off x="5669287" y="1135264"/>
+            <a:ext cx="589408" cy="215443"/>
+          </a:xfrm>
+          <a:prstGeom prst="bentConnector2">
+            <a:avLst/>
+          </a:prstGeom>
+          <a:ln>
+            <a:solidFill>
+              <a:srgbClr val="FF0000"/>
+            </a:solidFill>
+            <a:tailEnd type="triangle"/>
+          </a:ln>
+        </p:spPr>
+        <p:style>
+          <a:lnRef idx="1">
+            <a:schemeClr val="accent1"/>
+          </a:lnRef>
+          <a:fillRef idx="0">
+            <a:schemeClr val="accent1"/>
+          </a:fillRef>
+          <a:effectRef idx="0">
+            <a:schemeClr val="accent1"/>
+          </a:effectRef>
+          <a:fontRef idx="minor">
+            <a:schemeClr val="tx1"/>
+          </a:fontRef>
+        </p:style>
+      </p:cxnSp>
+      <p:sp>
+        <p:nvSpPr>
+          <p:cNvPr id="25" name="Retângulo 24"/>
           <p:cNvSpPr/>
           <p:nvPr/>
         </p:nvSpPr>
         <p:spPr>
           <a:xfrm>
-            <a:off x="1496163" y="1149347"/>
-            <a:ext cx="4299973" cy="335437"/>
+            <a:off x="5571277" y="1350708"/>
+            <a:ext cx="196020" cy="140677"/>
           </a:xfrm>
           <a:prstGeom prst="rect">
             <a:avLst/>
           </a:prstGeom>
           <a:noFill/>
           <a:ln>
-            <a:solidFill>
-              <a:srgbClr val="FFFF00"/>
-            </a:solidFill>
-            <a:prstDash val="sysDot"/>
+            <a:noFill/>
           </a:ln>
         </p:spPr>
         <p:style>
@@ -19382,527 +19136,43 @@
       </p:sp>
       <p:sp>
         <p:nvSpPr>
-          <p:cNvPr id="23" name="Retângulo 22"/>
-          <p:cNvSpPr/>
-          <p:nvPr/>
-        </p:nvSpPr>
-        <p:spPr>
-          <a:xfrm>
-            <a:off x="1602152" y="2996951"/>
-            <a:ext cx="6138200" cy="120267"/>
+          <p:cNvPr id="26" name="CaixaDeTexto 25"/>
+          <p:cNvSpPr txBox="1"/>
+          <p:nvPr/>
+        </p:nvSpPr>
+        <p:spPr>
+          <a:xfrm>
+            <a:off x="6258695" y="919821"/>
+            <a:ext cx="1198306" cy="430887"/>
           </a:xfrm>
           <a:prstGeom prst="rect">
             <a:avLst/>
           </a:prstGeom>
           <a:noFill/>
-          <a:ln>
-            <a:solidFill>
-              <a:srgbClr val="FFFF00"/>
-            </a:solidFill>
-            <a:prstDash val="sysDot"/>
-          </a:ln>
-        </p:spPr>
-        <p:style>
-          <a:lnRef idx="2">
-            <a:schemeClr val="accent1">
-              <a:shade val="50000"/>
-            </a:schemeClr>
-          </a:lnRef>
-          <a:fillRef idx="1">
-            <a:schemeClr val="accent1"/>
-          </a:fillRef>
-          <a:effectRef idx="0">
-            <a:schemeClr val="accent1"/>
-          </a:effectRef>
-          <a:fontRef idx="minor">
-            <a:schemeClr val="lt1"/>
-          </a:fontRef>
-        </p:style>
-        <p:txBody>
-          <a:bodyPr rtlCol="0" anchor="ctr"/>
-          <a:lstStyle/>
-          <a:p>
-            <a:pPr algn="ctr"/>
-            <a:endParaRPr lang="pt-BR"/>
-          </a:p>
-        </p:txBody>
-      </p:sp>
-      <p:pic>
-        <p:nvPicPr>
-          <p:cNvPr id="24" name="Imagem 23"/>
-          <p:cNvPicPr>
-            <a:picLocks noChangeAspect="1"/>
-          </p:cNvPicPr>
-          <p:nvPr/>
-        </p:nvPicPr>
-        <p:blipFill>
-          <a:blip r:embed="rId3"/>
-          <a:stretch>
-            <a:fillRect/>
-          </a:stretch>
-        </p:blipFill>
-        <p:spPr>
-          <a:xfrm>
-            <a:off x="386574" y="4932665"/>
-            <a:ext cx="2037577" cy="1664687"/>
-          </a:xfrm>
-          <a:prstGeom prst="rect">
-            <a:avLst/>
-          </a:prstGeom>
-          <a:ln>
-            <a:solidFill>
-              <a:schemeClr val="tx1"/>
-            </a:solidFill>
-          </a:ln>
-        </p:spPr>
-      </p:pic>
-      <p:pic>
-        <p:nvPicPr>
-          <p:cNvPr id="25" name="Imagem 24"/>
-          <p:cNvPicPr>
-            <a:picLocks noChangeAspect="1"/>
-          </p:cNvPicPr>
-          <p:nvPr/>
-        </p:nvPicPr>
-        <p:blipFill>
-          <a:blip r:embed="rId4"/>
-          <a:stretch>
-            <a:fillRect/>
-          </a:stretch>
-        </p:blipFill>
-        <p:spPr>
-          <a:xfrm>
-            <a:off x="2426548" y="4931854"/>
-            <a:ext cx="2060478" cy="1665498"/>
-          </a:xfrm>
-          <a:prstGeom prst="rect">
-            <a:avLst/>
-          </a:prstGeom>
-          <a:ln>
-            <a:solidFill>
-              <a:schemeClr val="tx1"/>
-            </a:solidFill>
-          </a:ln>
-        </p:spPr>
-      </p:pic>
-      <p:pic>
-        <p:nvPicPr>
-          <p:cNvPr id="26" name="Imagem 25"/>
-          <p:cNvPicPr>
-            <a:picLocks noChangeAspect="1"/>
-          </p:cNvPicPr>
-          <p:nvPr/>
-        </p:nvPicPr>
-        <p:blipFill>
-          <a:blip r:embed="rId5"/>
-          <a:stretch>
-            <a:fillRect/>
-          </a:stretch>
-        </p:blipFill>
-        <p:spPr>
-          <a:xfrm>
-            <a:off x="4491030" y="4932666"/>
-            <a:ext cx="2057672" cy="1663230"/>
-          </a:xfrm>
-          <a:prstGeom prst="rect">
-            <a:avLst/>
-          </a:prstGeom>
-          <a:ln>
-            <a:solidFill>
-              <a:schemeClr val="tx1"/>
-            </a:solidFill>
-          </a:ln>
-        </p:spPr>
-      </p:pic>
-      <p:pic>
-        <p:nvPicPr>
-          <p:cNvPr id="27" name="Imagem 26"/>
-          <p:cNvPicPr>
-            <a:picLocks noChangeAspect="1"/>
-          </p:cNvPicPr>
-          <p:nvPr/>
-        </p:nvPicPr>
-        <p:blipFill>
-          <a:blip r:embed="rId6"/>
-          <a:stretch>
-            <a:fillRect/>
-          </a:stretch>
-        </p:blipFill>
-        <p:spPr>
-          <a:xfrm>
-            <a:off x="6542879" y="4932665"/>
-            <a:ext cx="2014069" cy="1663231"/>
-          </a:xfrm>
-          <a:prstGeom prst="rect">
-            <a:avLst/>
-          </a:prstGeom>
-          <a:ln>
-            <a:solidFill>
-              <a:schemeClr val="tx1"/>
-            </a:solidFill>
-          </a:ln>
-        </p:spPr>
-      </p:pic>
-      <p:sp>
-        <p:nvSpPr>
-          <p:cNvPr id="28" name="CaixaDeTexto 27"/>
-          <p:cNvSpPr txBox="1"/>
-          <p:nvPr/>
-        </p:nvSpPr>
-        <p:spPr>
-          <a:xfrm>
-            <a:off x="755576" y="3971661"/>
-            <a:ext cx="471604" cy="400110"/>
-          </a:xfrm>
-          <a:prstGeom prst="rect">
-            <a:avLst/>
-          </a:prstGeom>
-          <a:noFill/>
-        </p:spPr>
-        <p:txBody>
-          <a:bodyPr wrap="none" rtlCol="0">
+        </p:spPr>
+        <p:txBody>
+          <a:bodyPr wrap="square" rtlCol="0">
             <a:spAutoFit/>
           </a:bodyPr>
           <a:lstStyle/>
           <a:p>
-            <a:r>
-              <a:rPr lang="pt-BR" sz="2000" b="1" dirty="0" smtClean="0">
-                <a:solidFill>
-                  <a:srgbClr val="FF0000"/>
-                </a:solidFill>
-              </a:rPr>
-              <a:t>(a)</a:t>
-            </a:r>
-            <a:endParaRPr lang="pt-BR" sz="2000" b="1" dirty="0">
-              <a:solidFill>
-                <a:srgbClr val="FF0000"/>
-              </a:solidFill>
-            </a:endParaRPr>
-          </a:p>
-        </p:txBody>
-      </p:sp>
-      <p:sp>
-        <p:nvSpPr>
-          <p:cNvPr id="29" name="CaixaDeTexto 28"/>
-          <p:cNvSpPr txBox="1"/>
-          <p:nvPr/>
-        </p:nvSpPr>
-        <p:spPr>
-          <a:xfrm>
-            <a:off x="1220076" y="3964994"/>
-            <a:ext cx="482824" cy="400110"/>
-          </a:xfrm>
-          <a:prstGeom prst="rect">
-            <a:avLst/>
-          </a:prstGeom>
-          <a:noFill/>
-        </p:spPr>
-        <p:txBody>
-          <a:bodyPr wrap="none" rtlCol="0">
-            <a:spAutoFit/>
-          </a:bodyPr>
-          <a:lstStyle/>
-          <a:p>
-            <a:r>
-              <a:rPr lang="pt-BR" sz="2000" b="1" dirty="0" smtClean="0">
-                <a:solidFill>
-                  <a:srgbClr val="FF0000"/>
-                </a:solidFill>
-              </a:rPr>
-              <a:t>(b)</a:t>
-            </a:r>
-            <a:endParaRPr lang="pt-BR" sz="2000" b="1" dirty="0">
-              <a:solidFill>
-                <a:srgbClr val="FF0000"/>
-              </a:solidFill>
-            </a:endParaRPr>
-          </a:p>
-        </p:txBody>
-      </p:sp>
-      <p:sp>
-        <p:nvSpPr>
-          <p:cNvPr id="30" name="CaixaDeTexto 29"/>
-          <p:cNvSpPr txBox="1"/>
-          <p:nvPr/>
-        </p:nvSpPr>
-        <p:spPr>
-          <a:xfrm>
-            <a:off x="3050108" y="1423217"/>
-            <a:ext cx="452368" cy="400110"/>
-          </a:xfrm>
-          <a:prstGeom prst="rect">
-            <a:avLst/>
-          </a:prstGeom>
-          <a:noFill/>
-        </p:spPr>
-        <p:txBody>
-          <a:bodyPr wrap="none" rtlCol="0">
-            <a:spAutoFit/>
-          </a:bodyPr>
-          <a:lstStyle/>
-          <a:p>
-            <a:r>
-              <a:rPr lang="pt-BR" sz="2000" b="1" dirty="0" smtClean="0">
-                <a:solidFill>
-                  <a:srgbClr val="FFFF00"/>
-                </a:solidFill>
-              </a:rPr>
-              <a:t>(c)</a:t>
-            </a:r>
-            <a:endParaRPr lang="pt-BR" sz="2000" b="1" dirty="0">
-              <a:solidFill>
-                <a:srgbClr val="FFFF00"/>
-              </a:solidFill>
-            </a:endParaRPr>
-          </a:p>
-        </p:txBody>
-      </p:sp>
-      <p:sp>
-        <p:nvSpPr>
-          <p:cNvPr id="31" name="CaixaDeTexto 30"/>
-          <p:cNvSpPr txBox="1"/>
-          <p:nvPr/>
-        </p:nvSpPr>
-        <p:spPr>
-          <a:xfrm>
-            <a:off x="5440284" y="3027657"/>
-            <a:ext cx="482824" cy="400110"/>
-          </a:xfrm>
-          <a:prstGeom prst="rect">
-            <a:avLst/>
-          </a:prstGeom>
-          <a:noFill/>
-        </p:spPr>
-        <p:txBody>
-          <a:bodyPr wrap="none" rtlCol="0">
-            <a:spAutoFit/>
-          </a:bodyPr>
-          <a:lstStyle/>
-          <a:p>
-            <a:r>
-              <a:rPr lang="pt-BR" sz="2000" b="1" dirty="0" smtClean="0">
-                <a:solidFill>
-                  <a:srgbClr val="FFFF00"/>
-                </a:solidFill>
-              </a:rPr>
-              <a:t>(d)</a:t>
-            </a:r>
-            <a:endParaRPr lang="pt-BR" sz="2000" b="1" dirty="0">
-              <a:solidFill>
-                <a:srgbClr val="FFFF00"/>
-              </a:solidFill>
-            </a:endParaRPr>
-          </a:p>
-        </p:txBody>
-      </p:sp>
-      <p:sp>
-        <p:nvSpPr>
-          <p:cNvPr id="32" name="CaixaDeTexto 31"/>
-          <p:cNvSpPr txBox="1"/>
-          <p:nvPr/>
-        </p:nvSpPr>
-        <p:spPr>
-          <a:xfrm>
-            <a:off x="1130404" y="4581128"/>
-            <a:ext cx="471604" cy="400110"/>
-          </a:xfrm>
-          <a:prstGeom prst="rect">
-            <a:avLst/>
-          </a:prstGeom>
-          <a:noFill/>
-        </p:spPr>
-        <p:txBody>
-          <a:bodyPr wrap="none" rtlCol="0">
-            <a:spAutoFit/>
-          </a:bodyPr>
-          <a:lstStyle/>
-          <a:p>
-            <a:r>
-              <a:rPr lang="pt-BR" sz="2000" b="1" dirty="0" smtClean="0">
-                <a:solidFill>
-                  <a:srgbClr val="FF0000"/>
-                </a:solidFill>
-              </a:rPr>
-              <a:t>(a)</a:t>
-            </a:r>
-            <a:endParaRPr lang="pt-BR" sz="2000" b="1" dirty="0">
-              <a:solidFill>
-                <a:srgbClr val="FF0000"/>
-              </a:solidFill>
-            </a:endParaRPr>
-          </a:p>
-        </p:txBody>
-      </p:sp>
-      <p:sp>
-        <p:nvSpPr>
-          <p:cNvPr id="33" name="CaixaDeTexto 32"/>
-          <p:cNvSpPr txBox="1"/>
-          <p:nvPr/>
-        </p:nvSpPr>
-        <p:spPr>
-          <a:xfrm>
-            <a:off x="3218636" y="4581128"/>
-            <a:ext cx="482824" cy="400110"/>
-          </a:xfrm>
-          <a:prstGeom prst="rect">
-            <a:avLst/>
-          </a:prstGeom>
-          <a:noFill/>
-        </p:spPr>
-        <p:txBody>
-          <a:bodyPr wrap="none" rtlCol="0">
-            <a:spAutoFit/>
-          </a:bodyPr>
-          <a:lstStyle/>
-          <a:p>
-            <a:r>
-              <a:rPr lang="pt-BR" sz="2000" b="1" dirty="0" smtClean="0">
-                <a:solidFill>
-                  <a:srgbClr val="FF0000"/>
-                </a:solidFill>
-              </a:rPr>
-              <a:t>(b)</a:t>
-            </a:r>
-            <a:endParaRPr lang="pt-BR" sz="2000" b="1" dirty="0">
-              <a:solidFill>
-                <a:srgbClr val="FF0000"/>
-              </a:solidFill>
-            </a:endParaRPr>
-          </a:p>
-        </p:txBody>
-      </p:sp>
-      <p:sp>
-        <p:nvSpPr>
-          <p:cNvPr id="34" name="CaixaDeTexto 33"/>
-          <p:cNvSpPr txBox="1"/>
-          <p:nvPr/>
-        </p:nvSpPr>
-        <p:spPr>
-          <a:xfrm>
-            <a:off x="5328100" y="4613066"/>
-            <a:ext cx="452368" cy="400110"/>
-          </a:xfrm>
-          <a:prstGeom prst="rect">
-            <a:avLst/>
-          </a:prstGeom>
-          <a:noFill/>
-        </p:spPr>
-        <p:txBody>
-          <a:bodyPr wrap="none" rtlCol="0">
-            <a:spAutoFit/>
-          </a:bodyPr>
-          <a:lstStyle/>
-          <a:p>
-            <a:r>
-              <a:rPr lang="pt-BR" sz="2000" b="1" dirty="0" smtClean="0">
-                <a:solidFill>
-                  <a:srgbClr val="FF0000"/>
-                </a:solidFill>
-              </a:rPr>
-              <a:t>(c)</a:t>
-            </a:r>
-            <a:endParaRPr lang="pt-BR" sz="2000" b="1" dirty="0">
-              <a:solidFill>
-                <a:srgbClr val="FF0000"/>
-              </a:solidFill>
-            </a:endParaRPr>
-          </a:p>
-        </p:txBody>
-      </p:sp>
-      <p:sp>
-        <p:nvSpPr>
-          <p:cNvPr id="35" name="CaixaDeTexto 34"/>
-          <p:cNvSpPr txBox="1"/>
-          <p:nvPr/>
-        </p:nvSpPr>
-        <p:spPr>
-          <a:xfrm>
-            <a:off x="7413526" y="4581128"/>
-            <a:ext cx="482824" cy="400110"/>
-          </a:xfrm>
-          <a:prstGeom prst="rect">
-            <a:avLst/>
-          </a:prstGeom>
-          <a:noFill/>
-        </p:spPr>
-        <p:txBody>
-          <a:bodyPr wrap="none" rtlCol="0">
-            <a:spAutoFit/>
-          </a:bodyPr>
-          <a:lstStyle/>
-          <a:p>
-            <a:r>
-              <a:rPr lang="pt-BR" sz="2000" b="1" dirty="0" smtClean="0">
-                <a:solidFill>
-                  <a:srgbClr val="FF0000"/>
-                </a:solidFill>
-              </a:rPr>
-              <a:t>(d)</a:t>
-            </a:r>
-            <a:endParaRPr lang="pt-BR" sz="2000" b="1" dirty="0">
-              <a:solidFill>
-                <a:srgbClr val="FF0000"/>
-              </a:solidFill>
-            </a:endParaRPr>
-          </a:p>
-        </p:txBody>
-      </p:sp>
-      <p:pic>
-        <p:nvPicPr>
-          <p:cNvPr id="36" name="Picture 2"/>
-          <p:cNvPicPr>
-            <a:picLocks noChangeAspect="1" noChangeArrowheads="1"/>
-          </p:cNvPicPr>
-          <p:nvPr/>
-        </p:nvPicPr>
-        <p:blipFill rotWithShape="1">
-          <a:blip r:embed="rId7" cstate="print">
-            <a:extLst>
-              <a:ext uri="{28A0092B-C50C-407E-A947-70E740481C1C}">
-                <a14:useLocalDpi xmlns:a14="http://schemas.microsoft.com/office/drawing/2010/main" val="0"/>
-              </a:ext>
-            </a:extLst>
-          </a:blip>
-          <a:srcRect l="7187" t="4956" r="24310" b="5136"/>
-          <a:stretch/>
-        </p:blipFill>
-        <p:spPr bwMode="auto">
-          <a:xfrm>
-            <a:off x="7172876" y="3167667"/>
-            <a:ext cx="1337975" cy="1331752"/>
-          </a:xfrm>
-          <a:prstGeom prst="rect">
-            <a:avLst/>
-          </a:prstGeom>
-          <a:ln w="38100" cap="sq">
-            <a:solidFill>
-              <a:srgbClr val="000000"/>
-            </a:solidFill>
-            <a:prstDash val="solid"/>
-            <a:miter lim="800000"/>
-          </a:ln>
-          <a:effectLst>
-            <a:outerShdw blurRad="50800" dist="38100" dir="2700000" algn="tl" rotWithShape="0">
-              <a:srgbClr val="000000">
-                <a:alpha val="43000"/>
-              </a:srgbClr>
-            </a:outerShdw>
-          </a:effectLst>
-          <a:extLst>
-            <a:ext uri="{909E8E84-426E-40DD-AFC4-6F175D3DCCD1}">
-              <a14:hiddenFill xmlns:a14="http://schemas.microsoft.com/office/drawing/2010/main">
-                <a:solidFill>
-                  <a:schemeClr val="accent1"/>
-                </a:solidFill>
-              </a14:hiddenFill>
-            </a:ext>
-          </a:extLst>
-        </p:spPr>
-      </p:pic>
+            <a:pPr algn="ctr"/>
+            <a:r>
+              <a:rPr lang="pt-BR" sz="1100" b="1" dirty="0" err="1" smtClean="0"/>
+              <a:t>mean</a:t>
+            </a:r>
+            <a:r>
+              <a:rPr lang="pt-BR" sz="1100" b="1" dirty="0" smtClean="0"/>
+              <a:t> response amplitude</a:t>
+            </a:r>
+            <a:endParaRPr lang="pt-BR" sz="1100" b="1" dirty="0"/>
+          </a:p>
+        </p:txBody>
+      </p:sp>
     </p:spTree>
     <p:extLst>
       <p:ext uri="{BB962C8B-B14F-4D97-AF65-F5344CB8AC3E}">
-        <p14:creationId xmlns:p14="http://schemas.microsoft.com/office/powerpoint/2010/main" val="3727609275"/>
+        <p14:creationId xmlns:p14="http://schemas.microsoft.com/office/powerpoint/2010/main" val="1995761876"/>
       </p:ext>
     </p:extLst>
   </p:cSld>
@@ -19938,7 +19208,7 @@
       </p:grpSpPr>
       <p:pic>
         <p:nvPicPr>
-          <p:cNvPr id="4" name="Imagem 3"/>
+          <p:cNvPr id="16" name="Imagem 15"/>
           <p:cNvPicPr>
             <a:picLocks noChangeAspect="1"/>
           </p:cNvPicPr>
@@ -19952,24 +19222,119 @@
         </p:blipFill>
         <p:spPr>
           <a:xfrm>
-            <a:off x="4681537" y="2324100"/>
-            <a:ext cx="2828925" cy="2209800"/>
+            <a:off x="360040" y="249593"/>
+            <a:ext cx="8244408" cy="4331535"/>
           </a:xfrm>
           <a:prstGeom prst="rect">
             <a:avLst/>
           </a:prstGeom>
+          <a:ln>
+            <a:solidFill>
+              <a:schemeClr val="tx1"/>
+            </a:solidFill>
+          </a:ln>
         </p:spPr>
       </p:pic>
       <p:sp>
         <p:nvSpPr>
-          <p:cNvPr id="5" name="Retângulo 4"/>
+          <p:cNvPr id="17" name="CaixaDeTexto 16"/>
+          <p:cNvSpPr txBox="1"/>
+          <p:nvPr/>
+        </p:nvSpPr>
+        <p:spPr>
+          <a:xfrm>
+            <a:off x="3835971" y="4242574"/>
+            <a:ext cx="1043171" cy="338554"/>
+          </a:xfrm>
+          <a:prstGeom prst="rect">
+            <a:avLst/>
+          </a:prstGeom>
+          <a:noFill/>
+        </p:spPr>
+        <p:txBody>
+          <a:bodyPr wrap="none" rtlCol="0">
+            <a:spAutoFit/>
+          </a:bodyPr>
+          <a:lstStyle/>
+          <a:p>
+            <a:r>
+              <a:rPr lang="pt-BR" sz="1600" b="1" dirty="0" err="1" smtClean="0"/>
+              <a:t>frequency</a:t>
+            </a:r>
+            <a:endParaRPr lang="pt-BR" sz="1600" b="1" dirty="0"/>
+          </a:p>
+        </p:txBody>
+      </p:sp>
+      <p:sp>
+        <p:nvSpPr>
+          <p:cNvPr id="18" name="CaixaDeTexto 17"/>
+          <p:cNvSpPr txBox="1"/>
+          <p:nvPr/>
+        </p:nvSpPr>
+        <p:spPr>
+          <a:xfrm rot="16200000">
+            <a:off x="91537" y="1963104"/>
+            <a:ext cx="875561" cy="338554"/>
+          </a:xfrm>
+          <a:prstGeom prst="rect">
+            <a:avLst/>
+          </a:prstGeom>
+          <a:noFill/>
+        </p:spPr>
+        <p:txBody>
+          <a:bodyPr wrap="none" rtlCol="0">
+            <a:spAutoFit/>
+          </a:bodyPr>
+          <a:lstStyle/>
+          <a:p>
+            <a:r>
+              <a:rPr lang="pt-BR" sz="1600" b="1" dirty="0" err="1" smtClean="0"/>
+              <a:t>azimuth</a:t>
+            </a:r>
+            <a:endParaRPr lang="pt-BR" sz="1600" b="1" dirty="0"/>
+          </a:p>
+        </p:txBody>
+      </p:sp>
+      <p:sp>
+        <p:nvSpPr>
+          <p:cNvPr id="19" name="CaixaDeTexto 18"/>
+          <p:cNvSpPr txBox="1"/>
+          <p:nvPr/>
+        </p:nvSpPr>
+        <p:spPr>
+          <a:xfrm rot="5400000">
+            <a:off x="7421287" y="1808983"/>
+            <a:ext cx="1875129" cy="338554"/>
+          </a:xfrm>
+          <a:prstGeom prst="rect">
+            <a:avLst/>
+          </a:prstGeom>
+          <a:noFill/>
+        </p:spPr>
+        <p:txBody>
+          <a:bodyPr wrap="none" rtlCol="0">
+            <a:spAutoFit/>
+          </a:bodyPr>
+          <a:lstStyle/>
+          <a:p>
+            <a:r>
+              <a:rPr lang="pt-BR" sz="1600" b="1" dirty="0" smtClean="0"/>
+              <a:t>response amplitude</a:t>
+            </a:r>
+            <a:endParaRPr lang="pt-BR" sz="1600" b="1" dirty="0"/>
+          </a:p>
+        </p:txBody>
+      </p:sp>
+      <p:sp>
+        <p:nvSpPr>
+          <p:cNvPr id="20" name="Retângulo 19"/>
           <p:cNvSpPr/>
           <p:nvPr/>
         </p:nvSpPr>
         <p:spPr>
           <a:xfrm>
-            <a:off x="4720492" y="2368062"/>
-            <a:ext cx="1094154" cy="234461"/>
+            <a:off x="890650" y="392790"/>
+            <a:ext cx="329132" cy="3600400"/>
           </a:xfrm>
           <a:prstGeom prst="rect">
             <a:avLst/>
@@ -19977,8 +19342,9 @@
           <a:noFill/>
           <a:ln>
             <a:solidFill>
-              <a:srgbClr val="FF0000"/>
+              <a:srgbClr val="FFFF00"/>
             </a:solidFill>
+            <a:prstDash val="sysDot"/>
           </a:ln>
         </p:spPr>
         <p:style>
@@ -20008,14 +19374,14 @@
       </p:sp>
       <p:sp>
         <p:nvSpPr>
-          <p:cNvPr id="6" name="Retângulo 5"/>
+          <p:cNvPr id="21" name="Retângulo 20"/>
           <p:cNvSpPr/>
           <p:nvPr/>
         </p:nvSpPr>
         <p:spPr>
           <a:xfrm>
-            <a:off x="6119443" y="3288324"/>
-            <a:ext cx="1305171" cy="1174261"/>
+            <a:off x="1296105" y="392789"/>
+            <a:ext cx="306047" cy="3600400"/>
           </a:xfrm>
           <a:prstGeom prst="rect">
             <a:avLst/>
@@ -20023,8 +19389,9 @@
           <a:noFill/>
           <a:ln>
             <a:solidFill>
-              <a:srgbClr val="FF0000"/>
+              <a:srgbClr val="FFFF00"/>
             </a:solidFill>
+            <a:prstDash val="sysDot"/>
           </a:ln>
         </p:spPr>
         <p:style>
@@ -20052,10 +19419,576 @@
           </a:p>
         </p:txBody>
       </p:sp>
+      <p:sp>
+        <p:nvSpPr>
+          <p:cNvPr id="22" name="Retângulo 21"/>
+          <p:cNvSpPr/>
+          <p:nvPr/>
+        </p:nvSpPr>
+        <p:spPr>
+          <a:xfrm>
+            <a:off x="1496163" y="1149347"/>
+            <a:ext cx="4299973" cy="335437"/>
+          </a:xfrm>
+          <a:prstGeom prst="rect">
+            <a:avLst/>
+          </a:prstGeom>
+          <a:noFill/>
+          <a:ln>
+            <a:solidFill>
+              <a:srgbClr val="FFFF00"/>
+            </a:solidFill>
+            <a:prstDash val="sysDot"/>
+          </a:ln>
+        </p:spPr>
+        <p:style>
+          <a:lnRef idx="2">
+            <a:schemeClr val="accent1">
+              <a:shade val="50000"/>
+            </a:schemeClr>
+          </a:lnRef>
+          <a:fillRef idx="1">
+            <a:schemeClr val="accent1"/>
+          </a:fillRef>
+          <a:effectRef idx="0">
+            <a:schemeClr val="accent1"/>
+          </a:effectRef>
+          <a:fontRef idx="minor">
+            <a:schemeClr val="lt1"/>
+          </a:fontRef>
+        </p:style>
+        <p:txBody>
+          <a:bodyPr rtlCol="0" anchor="ctr"/>
+          <a:lstStyle/>
+          <a:p>
+            <a:pPr algn="ctr"/>
+            <a:endParaRPr lang="pt-BR"/>
+          </a:p>
+        </p:txBody>
+      </p:sp>
+      <p:sp>
+        <p:nvSpPr>
+          <p:cNvPr id="23" name="Retângulo 22"/>
+          <p:cNvSpPr/>
+          <p:nvPr/>
+        </p:nvSpPr>
+        <p:spPr>
+          <a:xfrm>
+            <a:off x="1602152" y="2996951"/>
+            <a:ext cx="6138200" cy="120267"/>
+          </a:xfrm>
+          <a:prstGeom prst="rect">
+            <a:avLst/>
+          </a:prstGeom>
+          <a:noFill/>
+          <a:ln>
+            <a:solidFill>
+              <a:srgbClr val="FFFF00"/>
+            </a:solidFill>
+            <a:prstDash val="sysDot"/>
+          </a:ln>
+        </p:spPr>
+        <p:style>
+          <a:lnRef idx="2">
+            <a:schemeClr val="accent1">
+              <a:shade val="50000"/>
+            </a:schemeClr>
+          </a:lnRef>
+          <a:fillRef idx="1">
+            <a:schemeClr val="accent1"/>
+          </a:fillRef>
+          <a:effectRef idx="0">
+            <a:schemeClr val="accent1"/>
+          </a:effectRef>
+          <a:fontRef idx="minor">
+            <a:schemeClr val="lt1"/>
+          </a:fontRef>
+        </p:style>
+        <p:txBody>
+          <a:bodyPr rtlCol="0" anchor="ctr"/>
+          <a:lstStyle/>
+          <a:p>
+            <a:pPr algn="ctr"/>
+            <a:endParaRPr lang="pt-BR"/>
+          </a:p>
+        </p:txBody>
+      </p:sp>
+      <p:pic>
+        <p:nvPicPr>
+          <p:cNvPr id="24" name="Imagem 23"/>
+          <p:cNvPicPr>
+            <a:picLocks noChangeAspect="1"/>
+          </p:cNvPicPr>
+          <p:nvPr/>
+        </p:nvPicPr>
+        <p:blipFill>
+          <a:blip r:embed="rId3"/>
+          <a:stretch>
+            <a:fillRect/>
+          </a:stretch>
+        </p:blipFill>
+        <p:spPr>
+          <a:xfrm>
+            <a:off x="386574" y="4932665"/>
+            <a:ext cx="2037577" cy="1664687"/>
+          </a:xfrm>
+          <a:prstGeom prst="rect">
+            <a:avLst/>
+          </a:prstGeom>
+          <a:ln>
+            <a:solidFill>
+              <a:schemeClr val="tx1"/>
+            </a:solidFill>
+          </a:ln>
+        </p:spPr>
+      </p:pic>
+      <p:pic>
+        <p:nvPicPr>
+          <p:cNvPr id="25" name="Imagem 24"/>
+          <p:cNvPicPr>
+            <a:picLocks noChangeAspect="1"/>
+          </p:cNvPicPr>
+          <p:nvPr/>
+        </p:nvPicPr>
+        <p:blipFill>
+          <a:blip r:embed="rId4"/>
+          <a:stretch>
+            <a:fillRect/>
+          </a:stretch>
+        </p:blipFill>
+        <p:spPr>
+          <a:xfrm>
+            <a:off x="2426548" y="4931854"/>
+            <a:ext cx="2060478" cy="1665498"/>
+          </a:xfrm>
+          <a:prstGeom prst="rect">
+            <a:avLst/>
+          </a:prstGeom>
+          <a:ln>
+            <a:solidFill>
+              <a:schemeClr val="tx1"/>
+            </a:solidFill>
+          </a:ln>
+        </p:spPr>
+      </p:pic>
+      <p:pic>
+        <p:nvPicPr>
+          <p:cNvPr id="26" name="Imagem 25"/>
+          <p:cNvPicPr>
+            <a:picLocks noChangeAspect="1"/>
+          </p:cNvPicPr>
+          <p:nvPr/>
+        </p:nvPicPr>
+        <p:blipFill>
+          <a:blip r:embed="rId5"/>
+          <a:stretch>
+            <a:fillRect/>
+          </a:stretch>
+        </p:blipFill>
+        <p:spPr>
+          <a:xfrm>
+            <a:off x="4491030" y="4932666"/>
+            <a:ext cx="2057672" cy="1663230"/>
+          </a:xfrm>
+          <a:prstGeom prst="rect">
+            <a:avLst/>
+          </a:prstGeom>
+          <a:ln>
+            <a:solidFill>
+              <a:schemeClr val="tx1"/>
+            </a:solidFill>
+          </a:ln>
+        </p:spPr>
+      </p:pic>
+      <p:pic>
+        <p:nvPicPr>
+          <p:cNvPr id="27" name="Imagem 26"/>
+          <p:cNvPicPr>
+            <a:picLocks noChangeAspect="1"/>
+          </p:cNvPicPr>
+          <p:nvPr/>
+        </p:nvPicPr>
+        <p:blipFill>
+          <a:blip r:embed="rId6"/>
+          <a:stretch>
+            <a:fillRect/>
+          </a:stretch>
+        </p:blipFill>
+        <p:spPr>
+          <a:xfrm>
+            <a:off x="6542879" y="4932665"/>
+            <a:ext cx="2014069" cy="1663231"/>
+          </a:xfrm>
+          <a:prstGeom prst="rect">
+            <a:avLst/>
+          </a:prstGeom>
+          <a:ln>
+            <a:solidFill>
+              <a:schemeClr val="tx1"/>
+            </a:solidFill>
+          </a:ln>
+        </p:spPr>
+      </p:pic>
+      <p:sp>
+        <p:nvSpPr>
+          <p:cNvPr id="28" name="CaixaDeTexto 27"/>
+          <p:cNvSpPr txBox="1"/>
+          <p:nvPr/>
+        </p:nvSpPr>
+        <p:spPr>
+          <a:xfrm>
+            <a:off x="755576" y="3971661"/>
+            <a:ext cx="471604" cy="400110"/>
+          </a:xfrm>
+          <a:prstGeom prst="rect">
+            <a:avLst/>
+          </a:prstGeom>
+          <a:noFill/>
+        </p:spPr>
+        <p:txBody>
+          <a:bodyPr wrap="none" rtlCol="0">
+            <a:spAutoFit/>
+          </a:bodyPr>
+          <a:lstStyle/>
+          <a:p>
+            <a:r>
+              <a:rPr lang="pt-BR" sz="2000" b="1" dirty="0" smtClean="0">
+                <a:solidFill>
+                  <a:srgbClr val="FF0000"/>
+                </a:solidFill>
+              </a:rPr>
+              <a:t>(a)</a:t>
+            </a:r>
+            <a:endParaRPr lang="pt-BR" sz="2000" b="1" dirty="0">
+              <a:solidFill>
+                <a:srgbClr val="FF0000"/>
+              </a:solidFill>
+            </a:endParaRPr>
+          </a:p>
+        </p:txBody>
+      </p:sp>
+      <p:sp>
+        <p:nvSpPr>
+          <p:cNvPr id="29" name="CaixaDeTexto 28"/>
+          <p:cNvSpPr txBox="1"/>
+          <p:nvPr/>
+        </p:nvSpPr>
+        <p:spPr>
+          <a:xfrm>
+            <a:off x="1220076" y="3964994"/>
+            <a:ext cx="482824" cy="400110"/>
+          </a:xfrm>
+          <a:prstGeom prst="rect">
+            <a:avLst/>
+          </a:prstGeom>
+          <a:noFill/>
+        </p:spPr>
+        <p:txBody>
+          <a:bodyPr wrap="none" rtlCol="0">
+            <a:spAutoFit/>
+          </a:bodyPr>
+          <a:lstStyle/>
+          <a:p>
+            <a:r>
+              <a:rPr lang="pt-BR" sz="2000" b="1" dirty="0" smtClean="0">
+                <a:solidFill>
+                  <a:srgbClr val="FF0000"/>
+                </a:solidFill>
+              </a:rPr>
+              <a:t>(b)</a:t>
+            </a:r>
+            <a:endParaRPr lang="pt-BR" sz="2000" b="1" dirty="0">
+              <a:solidFill>
+                <a:srgbClr val="FF0000"/>
+              </a:solidFill>
+            </a:endParaRPr>
+          </a:p>
+        </p:txBody>
+      </p:sp>
+      <p:sp>
+        <p:nvSpPr>
+          <p:cNvPr id="30" name="CaixaDeTexto 29"/>
+          <p:cNvSpPr txBox="1"/>
+          <p:nvPr/>
+        </p:nvSpPr>
+        <p:spPr>
+          <a:xfrm>
+            <a:off x="3050108" y="1423217"/>
+            <a:ext cx="452368" cy="400110"/>
+          </a:xfrm>
+          <a:prstGeom prst="rect">
+            <a:avLst/>
+          </a:prstGeom>
+          <a:noFill/>
+        </p:spPr>
+        <p:txBody>
+          <a:bodyPr wrap="none" rtlCol="0">
+            <a:spAutoFit/>
+          </a:bodyPr>
+          <a:lstStyle/>
+          <a:p>
+            <a:r>
+              <a:rPr lang="pt-BR" sz="2000" b="1" dirty="0" smtClean="0">
+                <a:solidFill>
+                  <a:srgbClr val="FFFF00"/>
+                </a:solidFill>
+              </a:rPr>
+              <a:t>(c)</a:t>
+            </a:r>
+            <a:endParaRPr lang="pt-BR" sz="2000" b="1" dirty="0">
+              <a:solidFill>
+                <a:srgbClr val="FFFF00"/>
+              </a:solidFill>
+            </a:endParaRPr>
+          </a:p>
+        </p:txBody>
+      </p:sp>
+      <p:sp>
+        <p:nvSpPr>
+          <p:cNvPr id="31" name="CaixaDeTexto 30"/>
+          <p:cNvSpPr txBox="1"/>
+          <p:nvPr/>
+        </p:nvSpPr>
+        <p:spPr>
+          <a:xfrm>
+            <a:off x="5440284" y="3027657"/>
+            <a:ext cx="482824" cy="400110"/>
+          </a:xfrm>
+          <a:prstGeom prst="rect">
+            <a:avLst/>
+          </a:prstGeom>
+          <a:noFill/>
+        </p:spPr>
+        <p:txBody>
+          <a:bodyPr wrap="none" rtlCol="0">
+            <a:spAutoFit/>
+          </a:bodyPr>
+          <a:lstStyle/>
+          <a:p>
+            <a:r>
+              <a:rPr lang="pt-BR" sz="2000" b="1" dirty="0" smtClean="0">
+                <a:solidFill>
+                  <a:srgbClr val="FFFF00"/>
+                </a:solidFill>
+              </a:rPr>
+              <a:t>(d)</a:t>
+            </a:r>
+            <a:endParaRPr lang="pt-BR" sz="2000" b="1" dirty="0">
+              <a:solidFill>
+                <a:srgbClr val="FFFF00"/>
+              </a:solidFill>
+            </a:endParaRPr>
+          </a:p>
+        </p:txBody>
+      </p:sp>
+      <p:sp>
+        <p:nvSpPr>
+          <p:cNvPr id="32" name="CaixaDeTexto 31"/>
+          <p:cNvSpPr txBox="1"/>
+          <p:nvPr/>
+        </p:nvSpPr>
+        <p:spPr>
+          <a:xfrm>
+            <a:off x="1130404" y="4581128"/>
+            <a:ext cx="471604" cy="400110"/>
+          </a:xfrm>
+          <a:prstGeom prst="rect">
+            <a:avLst/>
+          </a:prstGeom>
+          <a:noFill/>
+        </p:spPr>
+        <p:txBody>
+          <a:bodyPr wrap="none" rtlCol="0">
+            <a:spAutoFit/>
+          </a:bodyPr>
+          <a:lstStyle/>
+          <a:p>
+            <a:r>
+              <a:rPr lang="pt-BR" sz="2000" b="1" dirty="0" smtClean="0">
+                <a:solidFill>
+                  <a:srgbClr val="FF0000"/>
+                </a:solidFill>
+              </a:rPr>
+              <a:t>(a)</a:t>
+            </a:r>
+            <a:endParaRPr lang="pt-BR" sz="2000" b="1" dirty="0">
+              <a:solidFill>
+                <a:srgbClr val="FF0000"/>
+              </a:solidFill>
+            </a:endParaRPr>
+          </a:p>
+        </p:txBody>
+      </p:sp>
+      <p:sp>
+        <p:nvSpPr>
+          <p:cNvPr id="33" name="CaixaDeTexto 32"/>
+          <p:cNvSpPr txBox="1"/>
+          <p:nvPr/>
+        </p:nvSpPr>
+        <p:spPr>
+          <a:xfrm>
+            <a:off x="3218636" y="4581128"/>
+            <a:ext cx="482824" cy="400110"/>
+          </a:xfrm>
+          <a:prstGeom prst="rect">
+            <a:avLst/>
+          </a:prstGeom>
+          <a:noFill/>
+        </p:spPr>
+        <p:txBody>
+          <a:bodyPr wrap="none" rtlCol="0">
+            <a:spAutoFit/>
+          </a:bodyPr>
+          <a:lstStyle/>
+          <a:p>
+            <a:r>
+              <a:rPr lang="pt-BR" sz="2000" b="1" dirty="0" smtClean="0">
+                <a:solidFill>
+                  <a:srgbClr val="FF0000"/>
+                </a:solidFill>
+              </a:rPr>
+              <a:t>(b)</a:t>
+            </a:r>
+            <a:endParaRPr lang="pt-BR" sz="2000" b="1" dirty="0">
+              <a:solidFill>
+                <a:srgbClr val="FF0000"/>
+              </a:solidFill>
+            </a:endParaRPr>
+          </a:p>
+        </p:txBody>
+      </p:sp>
+      <p:sp>
+        <p:nvSpPr>
+          <p:cNvPr id="34" name="CaixaDeTexto 33"/>
+          <p:cNvSpPr txBox="1"/>
+          <p:nvPr/>
+        </p:nvSpPr>
+        <p:spPr>
+          <a:xfrm>
+            <a:off x="5328100" y="4613066"/>
+            <a:ext cx="452368" cy="400110"/>
+          </a:xfrm>
+          <a:prstGeom prst="rect">
+            <a:avLst/>
+          </a:prstGeom>
+          <a:noFill/>
+        </p:spPr>
+        <p:txBody>
+          <a:bodyPr wrap="none" rtlCol="0">
+            <a:spAutoFit/>
+          </a:bodyPr>
+          <a:lstStyle/>
+          <a:p>
+            <a:r>
+              <a:rPr lang="pt-BR" sz="2000" b="1" dirty="0" smtClean="0">
+                <a:solidFill>
+                  <a:srgbClr val="FF0000"/>
+                </a:solidFill>
+              </a:rPr>
+              <a:t>(c)</a:t>
+            </a:r>
+            <a:endParaRPr lang="pt-BR" sz="2000" b="1" dirty="0">
+              <a:solidFill>
+                <a:srgbClr val="FF0000"/>
+              </a:solidFill>
+            </a:endParaRPr>
+          </a:p>
+        </p:txBody>
+      </p:sp>
+      <p:sp>
+        <p:nvSpPr>
+          <p:cNvPr id="35" name="CaixaDeTexto 34"/>
+          <p:cNvSpPr txBox="1"/>
+          <p:nvPr/>
+        </p:nvSpPr>
+        <p:spPr>
+          <a:xfrm>
+            <a:off x="7413526" y="4581128"/>
+            <a:ext cx="482824" cy="400110"/>
+          </a:xfrm>
+          <a:prstGeom prst="rect">
+            <a:avLst/>
+          </a:prstGeom>
+          <a:noFill/>
+        </p:spPr>
+        <p:txBody>
+          <a:bodyPr wrap="none" rtlCol="0">
+            <a:spAutoFit/>
+          </a:bodyPr>
+          <a:lstStyle/>
+          <a:p>
+            <a:r>
+              <a:rPr lang="pt-BR" sz="2000" b="1" dirty="0" smtClean="0">
+                <a:solidFill>
+                  <a:srgbClr val="FF0000"/>
+                </a:solidFill>
+              </a:rPr>
+              <a:t>(d)</a:t>
+            </a:r>
+            <a:endParaRPr lang="pt-BR" sz="2000" b="1" dirty="0">
+              <a:solidFill>
+                <a:srgbClr val="FF0000"/>
+              </a:solidFill>
+            </a:endParaRPr>
+          </a:p>
+        </p:txBody>
+      </p:sp>
+      <p:pic>
+        <p:nvPicPr>
+          <p:cNvPr id="36" name="Picture 2"/>
+          <p:cNvPicPr>
+            <a:picLocks noChangeAspect="1" noChangeArrowheads="1"/>
+          </p:cNvPicPr>
+          <p:nvPr/>
+        </p:nvPicPr>
+        <p:blipFill rotWithShape="1">
+          <a:blip r:embed="rId7" cstate="print">
+            <a:extLst>
+              <a:ext uri="{28A0092B-C50C-407E-A947-70E740481C1C}">
+                <a14:useLocalDpi xmlns:a14="http://schemas.microsoft.com/office/drawing/2010/main" val="0"/>
+              </a:ext>
+            </a:extLst>
+          </a:blip>
+          <a:srcRect l="7187" t="4956" r="24310" b="5136"/>
+          <a:stretch/>
+        </p:blipFill>
+        <p:spPr bwMode="auto">
+          <a:xfrm>
+            <a:off x="7172876" y="3167667"/>
+            <a:ext cx="1337975" cy="1331752"/>
+          </a:xfrm>
+          <a:prstGeom prst="rect">
+            <a:avLst/>
+          </a:prstGeom>
+          <a:ln w="38100" cap="sq">
+            <a:solidFill>
+              <a:srgbClr val="000000"/>
+            </a:solidFill>
+            <a:prstDash val="solid"/>
+            <a:miter lim="800000"/>
+          </a:ln>
+          <a:effectLst>
+            <a:outerShdw blurRad="50800" dist="38100" dir="2700000" algn="tl" rotWithShape="0">
+              <a:srgbClr val="000000">
+                <a:alpha val="43000"/>
+              </a:srgbClr>
+            </a:outerShdw>
+          </a:effectLst>
+          <a:extLst>
+            <a:ext uri="{909E8E84-426E-40DD-AFC4-6F175D3DCCD1}">
+              <a14:hiddenFill xmlns:a14="http://schemas.microsoft.com/office/drawing/2010/main">
+                <a:solidFill>
+                  <a:schemeClr val="accent1"/>
+                </a:solidFill>
+              </a14:hiddenFill>
+            </a:ext>
+          </a:extLst>
+        </p:spPr>
+      </p:pic>
     </p:spTree>
     <p:extLst>
       <p:ext uri="{BB962C8B-B14F-4D97-AF65-F5344CB8AC3E}">
-        <p14:creationId xmlns:p14="http://schemas.microsoft.com/office/powerpoint/2010/main" val="3250476931"/>
+        <p14:creationId xmlns:p14="http://schemas.microsoft.com/office/powerpoint/2010/main" val="3727609275"/>
       </p:ext>
     </p:extLst>
   </p:cSld>
@@ -20091,7 +20024,7 @@
       </p:grpSpPr>
       <p:pic>
         <p:nvPicPr>
-          <p:cNvPr id="2" name="Imagem 1"/>
+          <p:cNvPr id="4" name="Imagem 3"/>
           <p:cNvPicPr>
             <a:picLocks noChangeAspect="1"/>
           </p:cNvPicPr>
@@ -20105,54 +20038,30 @@
         </p:blipFill>
         <p:spPr>
           <a:xfrm>
-            <a:off x="5187911" y="1369002"/>
-            <a:ext cx="3694834" cy="3694834"/>
+            <a:off x="4681537" y="2324100"/>
+            <a:ext cx="2828925" cy="2209800"/>
           </a:xfrm>
           <a:prstGeom prst="rect">
             <a:avLst/>
           </a:prstGeom>
         </p:spPr>
       </p:pic>
-      <p:pic>
-        <p:nvPicPr>
-          <p:cNvPr id="3" name="Imagem 2"/>
-          <p:cNvPicPr>
-            <a:picLocks noChangeAspect="1"/>
-          </p:cNvPicPr>
-          <p:nvPr/>
-        </p:nvPicPr>
-        <p:blipFill>
-          <a:blip r:embed="rId3"/>
-          <a:stretch>
-            <a:fillRect/>
-          </a:stretch>
-        </p:blipFill>
-        <p:spPr>
-          <a:xfrm>
-            <a:off x="1411557" y="1369002"/>
-            <a:ext cx="2835654" cy="2858615"/>
+      <p:sp>
+        <p:nvSpPr>
+          <p:cNvPr id="5" name="Retângulo 4"/>
+          <p:cNvSpPr/>
+          <p:nvPr/>
+        </p:nvSpPr>
+        <p:spPr>
+          <a:xfrm>
+            <a:off x="4720492" y="2368062"/>
+            <a:ext cx="1094154" cy="234461"/>
           </a:xfrm>
           <a:prstGeom prst="rect">
             <a:avLst/>
           </a:prstGeom>
-        </p:spPr>
-      </p:pic>
-      <p:sp>
-        <p:nvSpPr>
-          <p:cNvPr id="7" name="Retângulo 6"/>
-          <p:cNvSpPr/>
-          <p:nvPr/>
-        </p:nvSpPr>
-        <p:spPr>
-          <a:xfrm>
-            <a:off x="5187911" y="1369003"/>
-            <a:ext cx="2887312" cy="2858614"/>
-          </a:xfrm>
-          <a:prstGeom prst="rect">
-            <a:avLst/>
-          </a:prstGeom>
           <a:noFill/>
-          <a:ln w="28575">
+          <a:ln>
             <a:solidFill>
               <a:srgbClr val="FF0000"/>
             </a:solidFill>
@@ -20185,18 +20094,24 @@
       </p:sp>
       <p:sp>
         <p:nvSpPr>
-          <p:cNvPr id="8" name="Seta para a direita 7"/>
+          <p:cNvPr id="6" name="Retângulo 5"/>
           <p:cNvSpPr/>
           <p:nvPr/>
         </p:nvSpPr>
         <p:spPr>
           <a:xfrm>
-            <a:off x="4429495" y="2470068"/>
-            <a:ext cx="546265" cy="581890"/>
-          </a:xfrm>
-          <a:prstGeom prst="rightArrow">
-            <a:avLst/>
-          </a:prstGeom>
+            <a:off x="6119443" y="3288324"/>
+            <a:ext cx="1305171" cy="1174261"/>
+          </a:xfrm>
+          <a:prstGeom prst="rect">
+            <a:avLst/>
+          </a:prstGeom>
+          <a:noFill/>
+          <a:ln>
+            <a:solidFill>
+              <a:srgbClr val="FF0000"/>
+            </a:solidFill>
+          </a:ln>
         </p:spPr>
         <p:style>
           <a:lnRef idx="2">
@@ -20223,146 +20138,10 @@
           </a:p>
         </p:txBody>
       </p:sp>
-      <p:sp>
-        <p:nvSpPr>
-          <p:cNvPr id="9" name="CaixaDeTexto 8"/>
-          <p:cNvSpPr txBox="1"/>
-          <p:nvPr/>
-        </p:nvSpPr>
-        <p:spPr>
-          <a:xfrm>
-            <a:off x="1762211" y="4227617"/>
-            <a:ext cx="2099293" cy="338554"/>
-          </a:xfrm>
-          <a:prstGeom prst="rect">
-            <a:avLst/>
-          </a:prstGeom>
-          <a:noFill/>
-        </p:spPr>
-        <p:txBody>
-          <a:bodyPr wrap="none" rtlCol="0">
-            <a:spAutoFit/>
-          </a:bodyPr>
-          <a:lstStyle/>
-          <a:p>
-            <a:r>
-              <a:rPr lang="pt-BR" sz="1600" b="1" dirty="0" smtClean="0"/>
-              <a:t>grid </a:t>
-            </a:r>
-            <a:r>
-              <a:rPr lang="pt-BR" sz="1600" b="1" dirty="0" err="1" smtClean="0"/>
-              <a:t>with</a:t>
-            </a:r>
-            <a:r>
-              <a:rPr lang="pt-BR" sz="1600" b="1" dirty="0" smtClean="0"/>
-              <a:t> </a:t>
-            </a:r>
-            <a:r>
-              <a:rPr lang="pt-BR" sz="1600" b="1" dirty="0" err="1" smtClean="0"/>
-              <a:t>arbitrary</a:t>
-            </a:r>
-            <a:r>
-              <a:rPr lang="pt-BR" sz="1600" b="1" dirty="0" smtClean="0"/>
-              <a:t> </a:t>
-            </a:r>
-            <a:r>
-              <a:rPr lang="pt-BR" sz="1600" b="1" dirty="0" err="1" smtClean="0"/>
-              <a:t>size</a:t>
-            </a:r>
-            <a:endParaRPr lang="pt-BR" sz="1600" b="1" dirty="0"/>
-          </a:p>
-        </p:txBody>
-      </p:sp>
-      <p:sp>
-        <p:nvSpPr>
-          <p:cNvPr id="10" name="CaixaDeTexto 9"/>
-          <p:cNvSpPr txBox="1"/>
-          <p:nvPr/>
-        </p:nvSpPr>
-        <p:spPr>
-          <a:xfrm>
-            <a:off x="5017975" y="5021614"/>
-            <a:ext cx="4018664" cy="584775"/>
-          </a:xfrm>
-          <a:prstGeom prst="rect">
-            <a:avLst/>
-          </a:prstGeom>
-          <a:noFill/>
-        </p:spPr>
-        <p:txBody>
-          <a:bodyPr wrap="none" rtlCol="0">
-            <a:spAutoFit/>
-          </a:bodyPr>
-          <a:lstStyle/>
-          <a:p>
-            <a:pPr algn="ctr"/>
-            <a:r>
-              <a:rPr lang="pt-BR" sz="1600" b="1" dirty="0" err="1" smtClean="0"/>
-              <a:t>mirror-padded</a:t>
-            </a:r>
-            <a:r>
-              <a:rPr lang="pt-BR" sz="1600" b="1" dirty="0" smtClean="0"/>
-              <a:t> </a:t>
-            </a:r>
-            <a:r>
-              <a:rPr lang="pt-BR" sz="1600" b="1" dirty="0" err="1" smtClean="0"/>
-              <a:t>square</a:t>
-            </a:r>
-            <a:r>
-              <a:rPr lang="pt-BR" sz="1600" b="1" dirty="0" smtClean="0"/>
-              <a:t> grid </a:t>
-            </a:r>
-            <a:r>
-              <a:rPr lang="pt-BR" sz="1600" b="1" dirty="0" err="1" smtClean="0"/>
-              <a:t>with</a:t>
-            </a:r>
-            <a:r>
-              <a:rPr lang="pt-BR" sz="1600" b="1" dirty="0" smtClean="0"/>
-              <a:t> a power-of-2</a:t>
-            </a:r>
-          </a:p>
-          <a:p>
-            <a:pPr algn="ctr"/>
-            <a:r>
-              <a:rPr lang="pt-BR" sz="1600" b="1" dirty="0" smtClean="0"/>
-              <a:t> </a:t>
-            </a:r>
-            <a:r>
-              <a:rPr lang="pt-BR" sz="1600" b="1" dirty="0" err="1" smtClean="0"/>
-              <a:t>size</a:t>
-            </a:r>
-            <a:r>
-              <a:rPr lang="pt-BR" sz="1600" b="1" dirty="0" smtClean="0"/>
-              <a:t> </a:t>
-            </a:r>
-            <a:r>
-              <a:rPr lang="pt-BR" sz="1600" b="1" dirty="0" err="1" smtClean="0"/>
-              <a:t>compatible</a:t>
-            </a:r>
-            <a:r>
-              <a:rPr lang="pt-BR" sz="1600" b="1" dirty="0" smtClean="0"/>
-              <a:t> </a:t>
-            </a:r>
-            <a:r>
-              <a:rPr lang="pt-BR" sz="1600" b="1" dirty="0" err="1" smtClean="0"/>
-              <a:t>with</a:t>
-            </a:r>
-            <a:r>
-              <a:rPr lang="pt-BR" sz="1600" b="1" dirty="0" smtClean="0"/>
-              <a:t> DWT </a:t>
-            </a:r>
-            <a:r>
-              <a:rPr lang="pt-BR" sz="1600" b="1" dirty="0" err="1" smtClean="0"/>
-              <a:t>algorithm</a:t>
-            </a:r>
-            <a:endParaRPr lang="pt-BR" sz="1600" b="1" dirty="0"/>
-          </a:p>
-        </p:txBody>
-      </p:sp>
     </p:spTree>
     <p:extLst>
       <p:ext uri="{BB962C8B-B14F-4D97-AF65-F5344CB8AC3E}">
-        <p14:creationId xmlns:p14="http://schemas.microsoft.com/office/powerpoint/2010/main" val="4293684942"/>
+        <p14:creationId xmlns:p14="http://schemas.microsoft.com/office/powerpoint/2010/main" val="3250476931"/>
       </p:ext>
     </p:extLst>
   </p:cSld>
@@ -20396,6 +20175,313 @@
           <a:chExt cx="0" cy="0"/>
         </a:xfrm>
       </p:grpSpPr>
+      <p:pic>
+        <p:nvPicPr>
+          <p:cNvPr id="2" name="Imagem 1"/>
+          <p:cNvPicPr>
+            <a:picLocks noChangeAspect="1"/>
+          </p:cNvPicPr>
+          <p:nvPr/>
+        </p:nvPicPr>
+        <p:blipFill>
+          <a:blip r:embed="rId2"/>
+          <a:stretch>
+            <a:fillRect/>
+          </a:stretch>
+        </p:blipFill>
+        <p:spPr>
+          <a:xfrm>
+            <a:off x="5187911" y="1369002"/>
+            <a:ext cx="3694834" cy="3694834"/>
+          </a:xfrm>
+          <a:prstGeom prst="rect">
+            <a:avLst/>
+          </a:prstGeom>
+        </p:spPr>
+      </p:pic>
+      <p:pic>
+        <p:nvPicPr>
+          <p:cNvPr id="3" name="Imagem 2"/>
+          <p:cNvPicPr>
+            <a:picLocks noChangeAspect="1"/>
+          </p:cNvPicPr>
+          <p:nvPr/>
+        </p:nvPicPr>
+        <p:blipFill>
+          <a:blip r:embed="rId3"/>
+          <a:stretch>
+            <a:fillRect/>
+          </a:stretch>
+        </p:blipFill>
+        <p:spPr>
+          <a:xfrm>
+            <a:off x="1411557" y="1369002"/>
+            <a:ext cx="2835654" cy="2858615"/>
+          </a:xfrm>
+          <a:prstGeom prst="rect">
+            <a:avLst/>
+          </a:prstGeom>
+        </p:spPr>
+      </p:pic>
+      <p:sp>
+        <p:nvSpPr>
+          <p:cNvPr id="7" name="Retângulo 6"/>
+          <p:cNvSpPr/>
+          <p:nvPr/>
+        </p:nvSpPr>
+        <p:spPr>
+          <a:xfrm>
+            <a:off x="5187911" y="1369003"/>
+            <a:ext cx="2887312" cy="2858614"/>
+          </a:xfrm>
+          <a:prstGeom prst="rect">
+            <a:avLst/>
+          </a:prstGeom>
+          <a:noFill/>
+          <a:ln w="28575">
+            <a:solidFill>
+              <a:srgbClr val="FF0000"/>
+            </a:solidFill>
+          </a:ln>
+        </p:spPr>
+        <p:style>
+          <a:lnRef idx="2">
+            <a:schemeClr val="accent1">
+              <a:shade val="50000"/>
+            </a:schemeClr>
+          </a:lnRef>
+          <a:fillRef idx="1">
+            <a:schemeClr val="accent1"/>
+          </a:fillRef>
+          <a:effectRef idx="0">
+            <a:schemeClr val="accent1"/>
+          </a:effectRef>
+          <a:fontRef idx="minor">
+            <a:schemeClr val="lt1"/>
+          </a:fontRef>
+        </p:style>
+        <p:txBody>
+          <a:bodyPr rtlCol="0" anchor="ctr"/>
+          <a:lstStyle/>
+          <a:p>
+            <a:pPr algn="ctr"/>
+            <a:endParaRPr lang="pt-BR"/>
+          </a:p>
+        </p:txBody>
+      </p:sp>
+      <p:sp>
+        <p:nvSpPr>
+          <p:cNvPr id="8" name="Seta para a direita 7"/>
+          <p:cNvSpPr/>
+          <p:nvPr/>
+        </p:nvSpPr>
+        <p:spPr>
+          <a:xfrm>
+            <a:off x="4429495" y="2470068"/>
+            <a:ext cx="546265" cy="581890"/>
+          </a:xfrm>
+          <a:prstGeom prst="rightArrow">
+            <a:avLst/>
+          </a:prstGeom>
+        </p:spPr>
+        <p:style>
+          <a:lnRef idx="2">
+            <a:schemeClr val="accent1">
+              <a:shade val="50000"/>
+            </a:schemeClr>
+          </a:lnRef>
+          <a:fillRef idx="1">
+            <a:schemeClr val="accent1"/>
+          </a:fillRef>
+          <a:effectRef idx="0">
+            <a:schemeClr val="accent1"/>
+          </a:effectRef>
+          <a:fontRef idx="minor">
+            <a:schemeClr val="lt1"/>
+          </a:fontRef>
+        </p:style>
+        <p:txBody>
+          <a:bodyPr rtlCol="0" anchor="ctr"/>
+          <a:lstStyle/>
+          <a:p>
+            <a:pPr algn="ctr"/>
+            <a:endParaRPr lang="pt-BR"/>
+          </a:p>
+        </p:txBody>
+      </p:sp>
+      <p:sp>
+        <p:nvSpPr>
+          <p:cNvPr id="9" name="CaixaDeTexto 8"/>
+          <p:cNvSpPr txBox="1"/>
+          <p:nvPr/>
+        </p:nvSpPr>
+        <p:spPr>
+          <a:xfrm>
+            <a:off x="1762211" y="4227617"/>
+            <a:ext cx="2099293" cy="338554"/>
+          </a:xfrm>
+          <a:prstGeom prst="rect">
+            <a:avLst/>
+          </a:prstGeom>
+          <a:noFill/>
+        </p:spPr>
+        <p:txBody>
+          <a:bodyPr wrap="none" rtlCol="0">
+            <a:spAutoFit/>
+          </a:bodyPr>
+          <a:lstStyle/>
+          <a:p>
+            <a:r>
+              <a:rPr lang="pt-BR" sz="1600" b="1" dirty="0" smtClean="0"/>
+              <a:t>grid </a:t>
+            </a:r>
+            <a:r>
+              <a:rPr lang="pt-BR" sz="1600" b="1" dirty="0" err="1" smtClean="0"/>
+              <a:t>with</a:t>
+            </a:r>
+            <a:r>
+              <a:rPr lang="pt-BR" sz="1600" b="1" dirty="0" smtClean="0"/>
+              <a:t> </a:t>
+            </a:r>
+            <a:r>
+              <a:rPr lang="pt-BR" sz="1600" b="1" dirty="0" err="1" smtClean="0"/>
+              <a:t>arbitrary</a:t>
+            </a:r>
+            <a:r>
+              <a:rPr lang="pt-BR" sz="1600" b="1" dirty="0" smtClean="0"/>
+              <a:t> </a:t>
+            </a:r>
+            <a:r>
+              <a:rPr lang="pt-BR" sz="1600" b="1" dirty="0" err="1" smtClean="0"/>
+              <a:t>size</a:t>
+            </a:r>
+            <a:endParaRPr lang="pt-BR" sz="1600" b="1" dirty="0"/>
+          </a:p>
+        </p:txBody>
+      </p:sp>
+      <p:sp>
+        <p:nvSpPr>
+          <p:cNvPr id="10" name="CaixaDeTexto 9"/>
+          <p:cNvSpPr txBox="1"/>
+          <p:nvPr/>
+        </p:nvSpPr>
+        <p:spPr>
+          <a:xfrm>
+            <a:off x="5017975" y="5021614"/>
+            <a:ext cx="4018664" cy="584775"/>
+          </a:xfrm>
+          <a:prstGeom prst="rect">
+            <a:avLst/>
+          </a:prstGeom>
+          <a:noFill/>
+        </p:spPr>
+        <p:txBody>
+          <a:bodyPr wrap="none" rtlCol="0">
+            <a:spAutoFit/>
+          </a:bodyPr>
+          <a:lstStyle/>
+          <a:p>
+            <a:pPr algn="ctr"/>
+            <a:r>
+              <a:rPr lang="pt-BR" sz="1600" b="1" dirty="0" err="1" smtClean="0"/>
+              <a:t>mirror-padded</a:t>
+            </a:r>
+            <a:r>
+              <a:rPr lang="pt-BR" sz="1600" b="1" dirty="0" smtClean="0"/>
+              <a:t> </a:t>
+            </a:r>
+            <a:r>
+              <a:rPr lang="pt-BR" sz="1600" b="1" dirty="0" err="1" smtClean="0"/>
+              <a:t>square</a:t>
+            </a:r>
+            <a:r>
+              <a:rPr lang="pt-BR" sz="1600" b="1" dirty="0" smtClean="0"/>
+              <a:t> grid </a:t>
+            </a:r>
+            <a:r>
+              <a:rPr lang="pt-BR" sz="1600" b="1" dirty="0" err="1" smtClean="0"/>
+              <a:t>with</a:t>
+            </a:r>
+            <a:r>
+              <a:rPr lang="pt-BR" sz="1600" b="1" dirty="0" smtClean="0"/>
+              <a:t> a power-of-2</a:t>
+            </a:r>
+          </a:p>
+          <a:p>
+            <a:pPr algn="ctr"/>
+            <a:r>
+              <a:rPr lang="pt-BR" sz="1600" b="1" dirty="0" smtClean="0"/>
+              <a:t> </a:t>
+            </a:r>
+            <a:r>
+              <a:rPr lang="pt-BR" sz="1600" b="1" dirty="0" err="1" smtClean="0"/>
+              <a:t>size</a:t>
+            </a:r>
+            <a:r>
+              <a:rPr lang="pt-BR" sz="1600" b="1" dirty="0" smtClean="0"/>
+              <a:t> </a:t>
+            </a:r>
+            <a:r>
+              <a:rPr lang="pt-BR" sz="1600" b="1" dirty="0" err="1" smtClean="0"/>
+              <a:t>compatible</a:t>
+            </a:r>
+            <a:r>
+              <a:rPr lang="pt-BR" sz="1600" b="1" dirty="0" smtClean="0"/>
+              <a:t> </a:t>
+            </a:r>
+            <a:r>
+              <a:rPr lang="pt-BR" sz="1600" b="1" dirty="0" err="1" smtClean="0"/>
+              <a:t>with</a:t>
+            </a:r>
+            <a:r>
+              <a:rPr lang="pt-BR" sz="1600" b="1" dirty="0" smtClean="0"/>
+              <a:t> DWT </a:t>
+            </a:r>
+            <a:r>
+              <a:rPr lang="pt-BR" sz="1600" b="1" dirty="0" err="1" smtClean="0"/>
+              <a:t>algorithm</a:t>
+            </a:r>
+            <a:endParaRPr lang="pt-BR" sz="1600" b="1" dirty="0"/>
+          </a:p>
+        </p:txBody>
+      </p:sp>
+    </p:spTree>
+    <p:extLst>
+      <p:ext uri="{BB962C8B-B14F-4D97-AF65-F5344CB8AC3E}">
+        <p14:creationId xmlns:p14="http://schemas.microsoft.com/office/powerpoint/2010/main" val="4293684942"/>
+      </p:ext>
+    </p:extLst>
+  </p:cSld>
+  <p:clrMapOvr>
+    <a:masterClrMapping/>
+  </p:clrMapOvr>
+  <p:timing>
+    <p:tnLst>
+      <p:par>
+        <p:cTn id="1" dur="indefinite" restart="never" nodeType="tmRoot"/>
+      </p:par>
+    </p:tnLst>
+  </p:timing>
+</p:sld>
+</file>
+
+<file path=ppt/slides/slide25.xml><?xml version="1.0" encoding="utf-8"?>
+<p:sld xmlns:a="http://schemas.openxmlformats.org/drawingml/2006/main" xmlns:r="http://schemas.openxmlformats.org/officeDocument/2006/relationships" xmlns:p="http://schemas.openxmlformats.org/presentationml/2006/main">
+  <p:cSld>
+    <p:spTree>
+      <p:nvGrpSpPr>
+        <p:cNvPr id="1" name=""/>
+        <p:cNvGrpSpPr/>
+        <p:nvPr/>
+      </p:nvGrpSpPr>
+      <p:grpSpPr>
+        <a:xfrm>
+          <a:off x="0" y="0"/>
+          <a:ext cx="0" cy="0"/>
+          <a:chOff x="0" y="0"/>
+          <a:chExt cx="0" cy="0"/>
+        </a:xfrm>
+      </p:grpSpPr>
       <p:sp>
         <p:nvSpPr>
           <p:cNvPr id="9" name="CaixaDeTexto 8"/>
@@ -20744,7 +20830,7 @@
 </p:sld>
 </file>
 
-<file path=ppt/slides/slide25.xml><?xml version="1.0" encoding="utf-8"?>
+<file path=ppt/slides/slide26.xml><?xml version="1.0" encoding="utf-8"?>
 <p:sld xmlns:a="http://schemas.openxmlformats.org/drawingml/2006/main" xmlns:r="http://schemas.openxmlformats.org/officeDocument/2006/relationships" xmlns:p="http://schemas.openxmlformats.org/presentationml/2006/main">
   <p:cSld>
     <p:spTree>
@@ -21834,7 +21920,7 @@
 </p:sld>
 </file>
 
-<file path=ppt/slides/slide26.xml><?xml version="1.0" encoding="utf-8"?>
+<file path=ppt/slides/slide27.xml><?xml version="1.0" encoding="utf-8"?>
 <p:sld xmlns:a="http://schemas.openxmlformats.org/drawingml/2006/main" xmlns:r="http://schemas.openxmlformats.org/officeDocument/2006/relationships" xmlns:p="http://schemas.openxmlformats.org/presentationml/2006/main">
   <p:cSld>
     <p:spTree>
@@ -21906,7 +21992,7 @@
 </p:sld>
 </file>
 
-<file path=ppt/slides/slide27.xml><?xml version="1.0" encoding="utf-8"?>
+<file path=ppt/slides/slide28.xml><?xml version="1.0" encoding="utf-8"?>
 <p:sld xmlns:a="http://schemas.openxmlformats.org/drawingml/2006/main" xmlns:r="http://schemas.openxmlformats.org/officeDocument/2006/relationships" xmlns:p="http://schemas.openxmlformats.org/presentationml/2006/main">
   <p:cSld>
     <p:spTree>
@@ -25249,7 +25335,7 @@
 </p:sld>
 </file>
 
-<file path=ppt/slides/slide28.xml><?xml version="1.0" encoding="utf-8"?>
+<file path=ppt/slides/slide29.xml><?xml version="1.0" encoding="utf-8"?>
 <p:sld xmlns:a="http://schemas.openxmlformats.org/drawingml/2006/main" xmlns:r="http://schemas.openxmlformats.org/officeDocument/2006/relationships" xmlns:p="http://schemas.openxmlformats.org/presentationml/2006/main">
   <p:cSld>
     <p:spTree>
@@ -28185,7 +28271,1395 @@
 </p:sld>
 </file>
 
-<file path=ppt/slides/slide29.xml><?xml version="1.0" encoding="utf-8"?>
+<file path=ppt/slides/slide3.xml><?xml version="1.0" encoding="utf-8"?>
+<p:sld xmlns:a="http://schemas.openxmlformats.org/drawingml/2006/main" xmlns:r="http://schemas.openxmlformats.org/officeDocument/2006/relationships" xmlns:p="http://schemas.openxmlformats.org/presentationml/2006/main">
+  <p:cSld>
+    <p:spTree>
+      <p:nvGrpSpPr>
+        <p:cNvPr id="1" name=""/>
+        <p:cNvGrpSpPr/>
+        <p:nvPr/>
+      </p:nvGrpSpPr>
+      <p:grpSpPr>
+        <a:xfrm>
+          <a:off x="0" y="0"/>
+          <a:ext cx="0" cy="0"/>
+          <a:chOff x="0" y="0"/>
+          <a:chExt cx="0" cy="0"/>
+        </a:xfrm>
+      </p:grpSpPr>
+      <p:sp>
+        <p:nvSpPr>
+          <p:cNvPr id="4" name="Retângulo 3"/>
+          <p:cNvSpPr/>
+          <p:nvPr/>
+        </p:nvSpPr>
+        <p:spPr>
+          <a:xfrm>
+            <a:off x="4144489" y="1472540"/>
+            <a:ext cx="1246909" cy="1246909"/>
+          </a:xfrm>
+          <a:prstGeom prst="rect">
+            <a:avLst/>
+          </a:prstGeom>
+          <a:noFill/>
+        </p:spPr>
+        <p:style>
+          <a:lnRef idx="2">
+            <a:schemeClr val="accent1">
+              <a:shade val="50000"/>
+            </a:schemeClr>
+          </a:lnRef>
+          <a:fillRef idx="1">
+            <a:schemeClr val="accent1"/>
+          </a:fillRef>
+          <a:effectRef idx="0">
+            <a:schemeClr val="accent1"/>
+          </a:effectRef>
+          <a:fontRef idx="minor">
+            <a:schemeClr val="lt1"/>
+          </a:fontRef>
+        </p:style>
+        <p:txBody>
+          <a:bodyPr rtlCol="0" anchor="ctr"/>
+          <a:lstStyle/>
+          <a:p>
+            <a:pPr algn="ctr"/>
+            <a:endParaRPr lang="pt-BR"/>
+          </a:p>
+        </p:txBody>
+      </p:sp>
+      <p:sp>
+        <p:nvSpPr>
+          <p:cNvPr id="5" name="Retângulo 4"/>
+          <p:cNvSpPr/>
+          <p:nvPr/>
+        </p:nvSpPr>
+        <p:spPr>
+          <a:xfrm>
+            <a:off x="5391398" y="1472540"/>
+            <a:ext cx="1246909" cy="1246909"/>
+          </a:xfrm>
+          <a:prstGeom prst="rect">
+            <a:avLst/>
+          </a:prstGeom>
+          <a:noFill/>
+        </p:spPr>
+        <p:style>
+          <a:lnRef idx="2">
+            <a:schemeClr val="accent1">
+              <a:shade val="50000"/>
+            </a:schemeClr>
+          </a:lnRef>
+          <a:fillRef idx="1">
+            <a:schemeClr val="accent1"/>
+          </a:fillRef>
+          <a:effectRef idx="0">
+            <a:schemeClr val="accent1"/>
+          </a:effectRef>
+          <a:fontRef idx="minor">
+            <a:schemeClr val="lt1"/>
+          </a:fontRef>
+        </p:style>
+        <p:txBody>
+          <a:bodyPr rtlCol="0" anchor="ctr"/>
+          <a:lstStyle/>
+          <a:p>
+            <a:pPr algn="ctr"/>
+            <a:endParaRPr lang="pt-BR"/>
+          </a:p>
+        </p:txBody>
+      </p:sp>
+      <p:sp>
+        <p:nvSpPr>
+          <p:cNvPr id="6" name="Retângulo 5"/>
+          <p:cNvSpPr/>
+          <p:nvPr/>
+        </p:nvSpPr>
+        <p:spPr>
+          <a:xfrm>
+            <a:off x="4144488" y="2719449"/>
+            <a:ext cx="1246909" cy="1246909"/>
+          </a:xfrm>
+          <a:prstGeom prst="rect">
+            <a:avLst/>
+          </a:prstGeom>
+          <a:noFill/>
+        </p:spPr>
+        <p:style>
+          <a:lnRef idx="2">
+            <a:schemeClr val="accent1">
+              <a:shade val="50000"/>
+            </a:schemeClr>
+          </a:lnRef>
+          <a:fillRef idx="1">
+            <a:schemeClr val="accent1"/>
+          </a:fillRef>
+          <a:effectRef idx="0">
+            <a:schemeClr val="accent1"/>
+          </a:effectRef>
+          <a:fontRef idx="minor">
+            <a:schemeClr val="lt1"/>
+          </a:fontRef>
+        </p:style>
+        <p:txBody>
+          <a:bodyPr rtlCol="0" anchor="ctr"/>
+          <a:lstStyle/>
+          <a:p>
+            <a:pPr algn="ctr"/>
+            <a:endParaRPr lang="pt-BR"/>
+          </a:p>
+        </p:txBody>
+      </p:sp>
+      <p:sp>
+        <p:nvSpPr>
+          <p:cNvPr id="7" name="Retângulo 6"/>
+          <p:cNvSpPr/>
+          <p:nvPr/>
+        </p:nvSpPr>
+        <p:spPr>
+          <a:xfrm>
+            <a:off x="5391397" y="2719448"/>
+            <a:ext cx="1246909" cy="1246909"/>
+          </a:xfrm>
+          <a:prstGeom prst="rect">
+            <a:avLst/>
+          </a:prstGeom>
+          <a:noFill/>
+        </p:spPr>
+        <p:style>
+          <a:lnRef idx="2">
+            <a:schemeClr val="accent1">
+              <a:shade val="50000"/>
+            </a:schemeClr>
+          </a:lnRef>
+          <a:fillRef idx="1">
+            <a:schemeClr val="accent1"/>
+          </a:fillRef>
+          <a:effectRef idx="0">
+            <a:schemeClr val="accent1"/>
+          </a:effectRef>
+          <a:fontRef idx="minor">
+            <a:schemeClr val="lt1"/>
+          </a:fontRef>
+        </p:style>
+        <p:txBody>
+          <a:bodyPr rtlCol="0" anchor="ctr"/>
+          <a:lstStyle/>
+          <a:p>
+            <a:pPr algn="ctr"/>
+            <a:endParaRPr lang="pt-BR"/>
+          </a:p>
+        </p:txBody>
+      </p:sp>
+      <p:sp>
+        <p:nvSpPr>
+          <p:cNvPr id="8" name="Retângulo 7"/>
+          <p:cNvSpPr/>
+          <p:nvPr/>
+        </p:nvSpPr>
+        <p:spPr>
+          <a:xfrm>
+            <a:off x="4144488" y="3966357"/>
+            <a:ext cx="1246909" cy="1246909"/>
+          </a:xfrm>
+          <a:prstGeom prst="rect">
+            <a:avLst/>
+          </a:prstGeom>
+          <a:noFill/>
+        </p:spPr>
+        <p:style>
+          <a:lnRef idx="2">
+            <a:schemeClr val="accent1">
+              <a:shade val="50000"/>
+            </a:schemeClr>
+          </a:lnRef>
+          <a:fillRef idx="1">
+            <a:schemeClr val="accent1"/>
+          </a:fillRef>
+          <a:effectRef idx="0">
+            <a:schemeClr val="accent1"/>
+          </a:effectRef>
+          <a:fontRef idx="minor">
+            <a:schemeClr val="lt1"/>
+          </a:fontRef>
+        </p:style>
+        <p:txBody>
+          <a:bodyPr rtlCol="0" anchor="ctr"/>
+          <a:lstStyle/>
+          <a:p>
+            <a:pPr algn="ctr"/>
+            <a:endParaRPr lang="pt-BR"/>
+          </a:p>
+        </p:txBody>
+      </p:sp>
+      <p:sp>
+        <p:nvSpPr>
+          <p:cNvPr id="9" name="Retângulo 8"/>
+          <p:cNvSpPr/>
+          <p:nvPr/>
+        </p:nvSpPr>
+        <p:spPr>
+          <a:xfrm>
+            <a:off x="5391397" y="3966356"/>
+            <a:ext cx="1246909" cy="1246909"/>
+          </a:xfrm>
+          <a:prstGeom prst="rect">
+            <a:avLst/>
+          </a:prstGeom>
+          <a:noFill/>
+        </p:spPr>
+        <p:style>
+          <a:lnRef idx="2">
+            <a:schemeClr val="accent1">
+              <a:shade val="50000"/>
+            </a:schemeClr>
+          </a:lnRef>
+          <a:fillRef idx="1">
+            <a:schemeClr val="accent1"/>
+          </a:fillRef>
+          <a:effectRef idx="0">
+            <a:schemeClr val="accent1"/>
+          </a:effectRef>
+          <a:fontRef idx="minor">
+            <a:schemeClr val="lt1"/>
+          </a:fontRef>
+        </p:style>
+        <p:txBody>
+          <a:bodyPr rtlCol="0" anchor="ctr"/>
+          <a:lstStyle/>
+          <a:p>
+            <a:pPr algn="ctr"/>
+            <a:endParaRPr lang="pt-BR"/>
+          </a:p>
+        </p:txBody>
+      </p:sp>
+      <p:sp>
+        <p:nvSpPr>
+          <p:cNvPr id="12" name="Retângulo 11"/>
+          <p:cNvSpPr/>
+          <p:nvPr/>
+        </p:nvSpPr>
+        <p:spPr>
+          <a:xfrm>
+            <a:off x="6638306" y="1472540"/>
+            <a:ext cx="1246909" cy="1246909"/>
+          </a:xfrm>
+          <a:prstGeom prst="rect">
+            <a:avLst/>
+          </a:prstGeom>
+          <a:noFill/>
+        </p:spPr>
+        <p:style>
+          <a:lnRef idx="2">
+            <a:schemeClr val="accent1">
+              <a:shade val="50000"/>
+            </a:schemeClr>
+          </a:lnRef>
+          <a:fillRef idx="1">
+            <a:schemeClr val="accent1"/>
+          </a:fillRef>
+          <a:effectRef idx="0">
+            <a:schemeClr val="accent1"/>
+          </a:effectRef>
+          <a:fontRef idx="minor">
+            <a:schemeClr val="lt1"/>
+          </a:fontRef>
+        </p:style>
+        <p:txBody>
+          <a:bodyPr rtlCol="0" anchor="ctr"/>
+          <a:lstStyle/>
+          <a:p>
+            <a:pPr algn="ctr"/>
+            <a:endParaRPr lang="pt-BR"/>
+          </a:p>
+        </p:txBody>
+      </p:sp>
+      <p:sp>
+        <p:nvSpPr>
+          <p:cNvPr id="13" name="Retângulo 12"/>
+          <p:cNvSpPr/>
+          <p:nvPr/>
+        </p:nvSpPr>
+        <p:spPr>
+          <a:xfrm>
+            <a:off x="6638305" y="2719448"/>
+            <a:ext cx="1246909" cy="1246909"/>
+          </a:xfrm>
+          <a:prstGeom prst="rect">
+            <a:avLst/>
+          </a:prstGeom>
+          <a:noFill/>
+        </p:spPr>
+        <p:style>
+          <a:lnRef idx="2">
+            <a:schemeClr val="accent1">
+              <a:shade val="50000"/>
+            </a:schemeClr>
+          </a:lnRef>
+          <a:fillRef idx="1">
+            <a:schemeClr val="accent1"/>
+          </a:fillRef>
+          <a:effectRef idx="0">
+            <a:schemeClr val="accent1"/>
+          </a:effectRef>
+          <a:fontRef idx="minor">
+            <a:schemeClr val="lt1"/>
+          </a:fontRef>
+        </p:style>
+        <p:txBody>
+          <a:bodyPr rtlCol="0" anchor="ctr"/>
+          <a:lstStyle/>
+          <a:p>
+            <a:pPr algn="ctr"/>
+            <a:endParaRPr lang="pt-BR"/>
+          </a:p>
+        </p:txBody>
+      </p:sp>
+      <p:sp>
+        <p:nvSpPr>
+          <p:cNvPr id="14" name="Retângulo 13"/>
+          <p:cNvSpPr/>
+          <p:nvPr/>
+        </p:nvSpPr>
+        <p:spPr>
+          <a:xfrm>
+            <a:off x="6638305" y="3966356"/>
+            <a:ext cx="1246909" cy="1246909"/>
+          </a:xfrm>
+          <a:prstGeom prst="rect">
+            <a:avLst/>
+          </a:prstGeom>
+          <a:noFill/>
+        </p:spPr>
+        <p:style>
+          <a:lnRef idx="2">
+            <a:schemeClr val="accent1">
+              <a:shade val="50000"/>
+            </a:schemeClr>
+          </a:lnRef>
+          <a:fillRef idx="1">
+            <a:schemeClr val="accent1"/>
+          </a:fillRef>
+          <a:effectRef idx="0">
+            <a:schemeClr val="accent1"/>
+          </a:effectRef>
+          <a:fontRef idx="minor">
+            <a:schemeClr val="lt1"/>
+          </a:fontRef>
+        </p:style>
+        <p:txBody>
+          <a:bodyPr rtlCol="0" anchor="ctr"/>
+          <a:lstStyle/>
+          <a:p>
+            <a:pPr algn="ctr"/>
+            <a:endParaRPr lang="pt-BR"/>
+          </a:p>
+        </p:txBody>
+      </p:sp>
+      <p:sp>
+        <p:nvSpPr>
+          <p:cNvPr id="15" name="Elipse 14"/>
+          <p:cNvSpPr/>
+          <p:nvPr/>
+        </p:nvSpPr>
+        <p:spPr>
+          <a:xfrm>
+            <a:off x="4661066" y="1989117"/>
+            <a:ext cx="213756" cy="213756"/>
+          </a:xfrm>
+          <a:prstGeom prst="ellipse">
+            <a:avLst/>
+          </a:prstGeom>
+        </p:spPr>
+        <p:style>
+          <a:lnRef idx="2">
+            <a:schemeClr val="accent1">
+              <a:shade val="50000"/>
+            </a:schemeClr>
+          </a:lnRef>
+          <a:fillRef idx="1">
+            <a:schemeClr val="accent1"/>
+          </a:fillRef>
+          <a:effectRef idx="0">
+            <a:schemeClr val="accent1"/>
+          </a:effectRef>
+          <a:fontRef idx="minor">
+            <a:schemeClr val="lt1"/>
+          </a:fontRef>
+        </p:style>
+        <p:txBody>
+          <a:bodyPr rtlCol="0" anchor="ctr"/>
+          <a:lstStyle/>
+          <a:p>
+            <a:pPr algn="ctr"/>
+            <a:endParaRPr lang="pt-BR"/>
+          </a:p>
+        </p:txBody>
+      </p:sp>
+      <p:sp>
+        <p:nvSpPr>
+          <p:cNvPr id="16" name="Elipse 15"/>
+          <p:cNvSpPr/>
+          <p:nvPr/>
+        </p:nvSpPr>
+        <p:spPr>
+          <a:xfrm>
+            <a:off x="5907973" y="1989116"/>
+            <a:ext cx="213756" cy="213756"/>
+          </a:xfrm>
+          <a:prstGeom prst="ellipse">
+            <a:avLst/>
+          </a:prstGeom>
+        </p:spPr>
+        <p:style>
+          <a:lnRef idx="2">
+            <a:schemeClr val="accent1">
+              <a:shade val="50000"/>
+            </a:schemeClr>
+          </a:lnRef>
+          <a:fillRef idx="1">
+            <a:schemeClr val="accent1"/>
+          </a:fillRef>
+          <a:effectRef idx="0">
+            <a:schemeClr val="accent1"/>
+          </a:effectRef>
+          <a:fontRef idx="minor">
+            <a:schemeClr val="lt1"/>
+          </a:fontRef>
+        </p:style>
+        <p:txBody>
+          <a:bodyPr rtlCol="0" anchor="ctr"/>
+          <a:lstStyle/>
+          <a:p>
+            <a:pPr algn="ctr"/>
+            <a:endParaRPr lang="pt-BR"/>
+          </a:p>
+        </p:txBody>
+      </p:sp>
+      <p:sp>
+        <p:nvSpPr>
+          <p:cNvPr id="17" name="Elipse 16"/>
+          <p:cNvSpPr/>
+          <p:nvPr/>
+        </p:nvSpPr>
+        <p:spPr>
+          <a:xfrm>
+            <a:off x="7154882" y="1992084"/>
+            <a:ext cx="213756" cy="213756"/>
+          </a:xfrm>
+          <a:prstGeom prst="ellipse">
+            <a:avLst/>
+          </a:prstGeom>
+        </p:spPr>
+        <p:style>
+          <a:lnRef idx="2">
+            <a:schemeClr val="accent1">
+              <a:shade val="50000"/>
+            </a:schemeClr>
+          </a:lnRef>
+          <a:fillRef idx="1">
+            <a:schemeClr val="accent1"/>
+          </a:fillRef>
+          <a:effectRef idx="0">
+            <a:schemeClr val="accent1"/>
+          </a:effectRef>
+          <a:fontRef idx="minor">
+            <a:schemeClr val="lt1"/>
+          </a:fontRef>
+        </p:style>
+        <p:txBody>
+          <a:bodyPr rtlCol="0" anchor="ctr"/>
+          <a:lstStyle/>
+          <a:p>
+            <a:pPr algn="ctr"/>
+            <a:endParaRPr lang="pt-BR"/>
+          </a:p>
+        </p:txBody>
+      </p:sp>
+      <p:sp>
+        <p:nvSpPr>
+          <p:cNvPr id="19" name="Elipse 18"/>
+          <p:cNvSpPr/>
+          <p:nvPr/>
+        </p:nvSpPr>
+        <p:spPr>
+          <a:xfrm>
+            <a:off x="4661066" y="3236026"/>
+            <a:ext cx="213756" cy="213756"/>
+          </a:xfrm>
+          <a:prstGeom prst="ellipse">
+            <a:avLst/>
+          </a:prstGeom>
+        </p:spPr>
+        <p:style>
+          <a:lnRef idx="2">
+            <a:schemeClr val="accent1">
+              <a:shade val="50000"/>
+            </a:schemeClr>
+          </a:lnRef>
+          <a:fillRef idx="1">
+            <a:schemeClr val="accent1"/>
+          </a:fillRef>
+          <a:effectRef idx="0">
+            <a:schemeClr val="accent1"/>
+          </a:effectRef>
+          <a:fontRef idx="minor">
+            <a:schemeClr val="lt1"/>
+          </a:fontRef>
+        </p:style>
+        <p:txBody>
+          <a:bodyPr rtlCol="0" anchor="ctr"/>
+          <a:lstStyle/>
+          <a:p>
+            <a:pPr algn="ctr"/>
+            <a:endParaRPr lang="pt-BR"/>
+          </a:p>
+        </p:txBody>
+      </p:sp>
+      <p:sp>
+        <p:nvSpPr>
+          <p:cNvPr id="20" name="Elipse 19"/>
+          <p:cNvSpPr/>
+          <p:nvPr/>
+        </p:nvSpPr>
+        <p:spPr>
+          <a:xfrm>
+            <a:off x="5907973" y="3236025"/>
+            <a:ext cx="213756" cy="213756"/>
+          </a:xfrm>
+          <a:prstGeom prst="ellipse">
+            <a:avLst/>
+          </a:prstGeom>
+        </p:spPr>
+        <p:style>
+          <a:lnRef idx="2">
+            <a:schemeClr val="accent1">
+              <a:shade val="50000"/>
+            </a:schemeClr>
+          </a:lnRef>
+          <a:fillRef idx="1">
+            <a:schemeClr val="accent1"/>
+          </a:fillRef>
+          <a:effectRef idx="0">
+            <a:schemeClr val="accent1"/>
+          </a:effectRef>
+          <a:fontRef idx="minor">
+            <a:schemeClr val="lt1"/>
+          </a:fontRef>
+        </p:style>
+        <p:txBody>
+          <a:bodyPr rtlCol="0" anchor="ctr"/>
+          <a:lstStyle/>
+          <a:p>
+            <a:pPr algn="ctr"/>
+            <a:endParaRPr lang="pt-BR"/>
+          </a:p>
+        </p:txBody>
+      </p:sp>
+      <p:sp>
+        <p:nvSpPr>
+          <p:cNvPr id="21" name="Elipse 20"/>
+          <p:cNvSpPr/>
+          <p:nvPr/>
+        </p:nvSpPr>
+        <p:spPr>
+          <a:xfrm>
+            <a:off x="7154882" y="3238993"/>
+            <a:ext cx="213756" cy="213756"/>
+          </a:xfrm>
+          <a:prstGeom prst="ellipse">
+            <a:avLst/>
+          </a:prstGeom>
+        </p:spPr>
+        <p:style>
+          <a:lnRef idx="2">
+            <a:schemeClr val="accent1">
+              <a:shade val="50000"/>
+            </a:schemeClr>
+          </a:lnRef>
+          <a:fillRef idx="1">
+            <a:schemeClr val="accent1"/>
+          </a:fillRef>
+          <a:effectRef idx="0">
+            <a:schemeClr val="accent1"/>
+          </a:effectRef>
+          <a:fontRef idx="minor">
+            <a:schemeClr val="lt1"/>
+          </a:fontRef>
+        </p:style>
+        <p:txBody>
+          <a:bodyPr rtlCol="0" anchor="ctr"/>
+          <a:lstStyle/>
+          <a:p>
+            <a:pPr algn="ctr"/>
+            <a:endParaRPr lang="pt-BR"/>
+          </a:p>
+        </p:txBody>
+      </p:sp>
+      <p:sp>
+        <p:nvSpPr>
+          <p:cNvPr id="22" name="Elipse 21"/>
+          <p:cNvSpPr/>
+          <p:nvPr/>
+        </p:nvSpPr>
+        <p:spPr>
+          <a:xfrm>
+            <a:off x="4661066" y="4481448"/>
+            <a:ext cx="213756" cy="213756"/>
+          </a:xfrm>
+          <a:prstGeom prst="ellipse">
+            <a:avLst/>
+          </a:prstGeom>
+        </p:spPr>
+        <p:style>
+          <a:lnRef idx="2">
+            <a:schemeClr val="accent1">
+              <a:shade val="50000"/>
+            </a:schemeClr>
+          </a:lnRef>
+          <a:fillRef idx="1">
+            <a:schemeClr val="accent1"/>
+          </a:fillRef>
+          <a:effectRef idx="0">
+            <a:schemeClr val="accent1"/>
+          </a:effectRef>
+          <a:fontRef idx="minor">
+            <a:schemeClr val="lt1"/>
+          </a:fontRef>
+        </p:style>
+        <p:txBody>
+          <a:bodyPr rtlCol="0" anchor="ctr"/>
+          <a:lstStyle/>
+          <a:p>
+            <a:pPr algn="ctr"/>
+            <a:endParaRPr lang="pt-BR"/>
+          </a:p>
+        </p:txBody>
+      </p:sp>
+      <p:sp>
+        <p:nvSpPr>
+          <p:cNvPr id="23" name="Elipse 22"/>
+          <p:cNvSpPr/>
+          <p:nvPr/>
+        </p:nvSpPr>
+        <p:spPr>
+          <a:xfrm>
+            <a:off x="5907973" y="4481447"/>
+            <a:ext cx="213756" cy="213756"/>
+          </a:xfrm>
+          <a:prstGeom prst="ellipse">
+            <a:avLst/>
+          </a:prstGeom>
+        </p:spPr>
+        <p:style>
+          <a:lnRef idx="2">
+            <a:schemeClr val="accent1">
+              <a:shade val="50000"/>
+            </a:schemeClr>
+          </a:lnRef>
+          <a:fillRef idx="1">
+            <a:schemeClr val="accent1"/>
+          </a:fillRef>
+          <a:effectRef idx="0">
+            <a:schemeClr val="accent1"/>
+          </a:effectRef>
+          <a:fontRef idx="minor">
+            <a:schemeClr val="lt1"/>
+          </a:fontRef>
+        </p:style>
+        <p:txBody>
+          <a:bodyPr rtlCol="0" anchor="ctr"/>
+          <a:lstStyle/>
+          <a:p>
+            <a:pPr algn="ctr"/>
+            <a:endParaRPr lang="pt-BR"/>
+          </a:p>
+        </p:txBody>
+      </p:sp>
+      <p:sp>
+        <p:nvSpPr>
+          <p:cNvPr id="24" name="Elipse 23"/>
+          <p:cNvSpPr/>
+          <p:nvPr/>
+        </p:nvSpPr>
+        <p:spPr>
+          <a:xfrm>
+            <a:off x="7154882" y="4484415"/>
+            <a:ext cx="213756" cy="213756"/>
+          </a:xfrm>
+          <a:prstGeom prst="ellipse">
+            <a:avLst/>
+          </a:prstGeom>
+        </p:spPr>
+        <p:style>
+          <a:lnRef idx="2">
+            <a:schemeClr val="accent1">
+              <a:shade val="50000"/>
+            </a:schemeClr>
+          </a:lnRef>
+          <a:fillRef idx="1">
+            <a:schemeClr val="accent1"/>
+          </a:fillRef>
+          <a:effectRef idx="0">
+            <a:schemeClr val="accent1"/>
+          </a:effectRef>
+          <a:fontRef idx="minor">
+            <a:schemeClr val="lt1"/>
+          </a:fontRef>
+        </p:style>
+        <p:txBody>
+          <a:bodyPr rtlCol="0" anchor="ctr"/>
+          <a:lstStyle/>
+          <a:p>
+            <a:pPr algn="ctr"/>
+            <a:endParaRPr lang="pt-BR"/>
+          </a:p>
+        </p:txBody>
+      </p:sp>
+      <p:sp>
+        <p:nvSpPr>
+          <p:cNvPr id="25" name="Retângulo 24"/>
+          <p:cNvSpPr/>
+          <p:nvPr/>
+        </p:nvSpPr>
+        <p:spPr>
+          <a:xfrm>
+            <a:off x="4767942" y="2095994"/>
+            <a:ext cx="2499757" cy="2487882"/>
+          </a:xfrm>
+          <a:prstGeom prst="rect">
+            <a:avLst/>
+          </a:prstGeom>
+          <a:noFill/>
+          <a:ln w="28575">
+            <a:solidFill>
+              <a:srgbClr val="FF0000"/>
+            </a:solidFill>
+          </a:ln>
+        </p:spPr>
+        <p:style>
+          <a:lnRef idx="2">
+            <a:schemeClr val="accent1">
+              <a:shade val="50000"/>
+            </a:schemeClr>
+          </a:lnRef>
+          <a:fillRef idx="1">
+            <a:schemeClr val="accent1"/>
+          </a:fillRef>
+          <a:effectRef idx="0">
+            <a:schemeClr val="accent1"/>
+          </a:effectRef>
+          <a:fontRef idx="minor">
+            <a:schemeClr val="lt1"/>
+          </a:fontRef>
+        </p:style>
+        <p:txBody>
+          <a:bodyPr rtlCol="0" anchor="ctr"/>
+          <a:lstStyle/>
+          <a:p>
+            <a:pPr algn="ctr"/>
+            <a:endParaRPr lang="pt-BR"/>
+          </a:p>
+        </p:txBody>
+      </p:sp>
+      <p:sp>
+        <p:nvSpPr>
+          <p:cNvPr id="29" name="CaixaDeTexto 28"/>
+          <p:cNvSpPr txBox="1"/>
+          <p:nvPr/>
+        </p:nvSpPr>
+        <p:spPr>
+          <a:xfrm>
+            <a:off x="2445383" y="1515303"/>
+            <a:ext cx="1405193" cy="369332"/>
+          </a:xfrm>
+          <a:prstGeom prst="rect">
+            <a:avLst/>
+          </a:prstGeom>
+          <a:noFill/>
+        </p:spPr>
+        <p:txBody>
+          <a:bodyPr wrap="none" rtlCol="0">
+            <a:spAutoFit/>
+          </a:bodyPr>
+          <a:lstStyle/>
+          <a:p>
+            <a:r>
+              <a:rPr lang="pt-BR" dirty="0" smtClean="0"/>
+              <a:t>data </a:t>
+            </a:r>
+            <a:r>
+              <a:rPr lang="pt-BR" dirty="0" err="1" smtClean="0"/>
+              <a:t>location</a:t>
+            </a:r>
+            <a:endParaRPr lang="pt-BR" dirty="0"/>
+          </a:p>
+        </p:txBody>
+      </p:sp>
+      <p:sp>
+        <p:nvSpPr>
+          <p:cNvPr id="30" name="CaixaDeTexto 29"/>
+          <p:cNvSpPr txBox="1"/>
+          <p:nvPr/>
+        </p:nvSpPr>
+        <p:spPr>
+          <a:xfrm>
+            <a:off x="2071089" y="2202872"/>
+            <a:ext cx="1936941" cy="369332"/>
+          </a:xfrm>
+          <a:prstGeom prst="rect">
+            <a:avLst/>
+          </a:prstGeom>
+          <a:noFill/>
+        </p:spPr>
+        <p:txBody>
+          <a:bodyPr wrap="none" rtlCol="0">
+            <a:spAutoFit/>
+          </a:bodyPr>
+          <a:lstStyle/>
+          <a:p>
+            <a:r>
+              <a:rPr lang="pt-BR" dirty="0" smtClean="0"/>
+              <a:t>data </a:t>
+            </a:r>
+            <a:r>
+              <a:rPr lang="pt-BR" dirty="0" err="1" smtClean="0"/>
+              <a:t>bounding</a:t>
+            </a:r>
+            <a:r>
+              <a:rPr lang="pt-BR" dirty="0" smtClean="0"/>
+              <a:t> box</a:t>
+            </a:r>
+            <a:endParaRPr lang="pt-BR" dirty="0"/>
+          </a:p>
+        </p:txBody>
+      </p:sp>
+      <p:sp>
+        <p:nvSpPr>
+          <p:cNvPr id="31" name="CaixaDeTexto 30"/>
+          <p:cNvSpPr txBox="1"/>
+          <p:nvPr/>
+        </p:nvSpPr>
+        <p:spPr>
+          <a:xfrm>
+            <a:off x="1303246" y="3155269"/>
+            <a:ext cx="2421240" cy="369332"/>
+          </a:xfrm>
+          <a:prstGeom prst="rect">
+            <a:avLst/>
+          </a:prstGeom>
+          <a:noFill/>
+        </p:spPr>
+        <p:txBody>
+          <a:bodyPr wrap="none" rtlCol="0">
+            <a:spAutoFit/>
+          </a:bodyPr>
+          <a:lstStyle/>
+          <a:p>
+            <a:r>
+              <a:rPr lang="pt-BR" dirty="0" err="1" smtClean="0"/>
+              <a:t>resulting</a:t>
+            </a:r>
+            <a:r>
+              <a:rPr lang="pt-BR" dirty="0" smtClean="0"/>
+              <a:t> grid </a:t>
+            </a:r>
+            <a:r>
+              <a:rPr lang="pt-BR" dirty="0" err="1" smtClean="0"/>
+              <a:t>geometry</a:t>
+            </a:r>
+            <a:endParaRPr lang="pt-BR" dirty="0"/>
+          </a:p>
+        </p:txBody>
+      </p:sp>
+      <p:sp>
+        <p:nvSpPr>
+          <p:cNvPr id="32" name="CaixaDeTexto 31"/>
+          <p:cNvSpPr txBox="1"/>
+          <p:nvPr/>
+        </p:nvSpPr>
+        <p:spPr>
+          <a:xfrm>
+            <a:off x="1720656" y="4481447"/>
+            <a:ext cx="2008050" cy="646331"/>
+          </a:xfrm>
+          <a:prstGeom prst="rect">
+            <a:avLst/>
+          </a:prstGeom>
+          <a:noFill/>
+        </p:spPr>
+        <p:txBody>
+          <a:bodyPr wrap="none" rtlCol="0">
+            <a:spAutoFit/>
+          </a:bodyPr>
+          <a:lstStyle/>
+          <a:p>
+            <a:r>
+              <a:rPr lang="pt-BR" dirty="0" smtClean="0"/>
+              <a:t>grid </a:t>
+            </a:r>
+            <a:r>
+              <a:rPr lang="pt-BR" dirty="0" err="1" smtClean="0"/>
+              <a:t>origin</a:t>
+            </a:r>
+            <a:r>
+              <a:rPr lang="pt-BR" dirty="0" smtClean="0"/>
+              <a:t> </a:t>
+            </a:r>
+            <a:r>
+              <a:rPr lang="pt-BR" dirty="0" err="1" smtClean="0"/>
+              <a:t>location</a:t>
+            </a:r>
+            <a:r>
+              <a:rPr lang="pt-BR" dirty="0" smtClean="0"/>
+              <a:t>:</a:t>
+            </a:r>
+          </a:p>
+          <a:p>
+            <a:r>
+              <a:rPr lang="pt-BR" dirty="0" err="1" smtClean="0"/>
+              <a:t>Xmin</a:t>
+            </a:r>
+            <a:r>
+              <a:rPr lang="pt-BR" dirty="0" smtClean="0"/>
+              <a:t>, </a:t>
+            </a:r>
+            <a:r>
+              <a:rPr lang="pt-BR" dirty="0" err="1" smtClean="0"/>
+              <a:t>Ymin</a:t>
+            </a:r>
+            <a:r>
+              <a:rPr lang="pt-BR" dirty="0" smtClean="0"/>
+              <a:t>, </a:t>
+            </a:r>
+            <a:r>
+              <a:rPr lang="pt-BR" dirty="0" err="1" smtClean="0"/>
+              <a:t>Zmin</a:t>
+            </a:r>
+            <a:endParaRPr lang="pt-BR" dirty="0"/>
+          </a:p>
+        </p:txBody>
+      </p:sp>
+      <p:cxnSp>
+        <p:nvCxnSpPr>
+          <p:cNvPr id="34" name="Conector de seta reta 33"/>
+          <p:cNvCxnSpPr>
+            <a:stCxn id="32" idx="3"/>
+            <a:endCxn id="22" idx="2"/>
+          </p:cNvCxnSpPr>
+          <p:nvPr/>
+        </p:nvCxnSpPr>
+        <p:spPr>
+          <a:xfrm flipV="1">
+            <a:off x="3666189" y="4588326"/>
+            <a:ext cx="994877" cy="77787"/>
+          </a:xfrm>
+          <a:prstGeom prst="straightConnector1">
+            <a:avLst/>
+          </a:prstGeom>
+          <a:ln>
+            <a:tailEnd type="triangle"/>
+          </a:ln>
+        </p:spPr>
+        <p:style>
+          <a:lnRef idx="1">
+            <a:schemeClr val="accent1"/>
+          </a:lnRef>
+          <a:fillRef idx="0">
+            <a:schemeClr val="accent1"/>
+          </a:fillRef>
+          <a:effectRef idx="0">
+            <a:schemeClr val="accent1"/>
+          </a:effectRef>
+          <a:fontRef idx="minor">
+            <a:schemeClr val="tx1"/>
+          </a:fontRef>
+        </p:style>
+      </p:cxnSp>
+      <p:cxnSp>
+        <p:nvCxnSpPr>
+          <p:cNvPr id="35" name="Conector de seta reta 34"/>
+          <p:cNvCxnSpPr>
+            <a:stCxn id="31" idx="3"/>
+            <a:endCxn id="6" idx="1"/>
+          </p:cNvCxnSpPr>
+          <p:nvPr/>
+        </p:nvCxnSpPr>
+        <p:spPr>
+          <a:xfrm>
+            <a:off x="3724486" y="3339935"/>
+            <a:ext cx="420002" cy="2969"/>
+          </a:xfrm>
+          <a:prstGeom prst="straightConnector1">
+            <a:avLst/>
+          </a:prstGeom>
+          <a:ln>
+            <a:tailEnd type="triangle"/>
+          </a:ln>
+        </p:spPr>
+        <p:style>
+          <a:lnRef idx="1">
+            <a:schemeClr val="accent1"/>
+          </a:lnRef>
+          <a:fillRef idx="0">
+            <a:schemeClr val="accent1"/>
+          </a:fillRef>
+          <a:effectRef idx="0">
+            <a:schemeClr val="accent1"/>
+          </a:effectRef>
+          <a:fontRef idx="minor">
+            <a:schemeClr val="tx1"/>
+          </a:fontRef>
+        </p:style>
+      </p:cxnSp>
+      <p:cxnSp>
+        <p:nvCxnSpPr>
+          <p:cNvPr id="38" name="Conector de seta reta 37"/>
+          <p:cNvCxnSpPr>
+            <a:stCxn id="30" idx="3"/>
+          </p:cNvCxnSpPr>
+          <p:nvPr/>
+        </p:nvCxnSpPr>
+        <p:spPr>
+          <a:xfrm>
+            <a:off x="4008030" y="2387538"/>
+            <a:ext cx="753974" cy="120551"/>
+          </a:xfrm>
+          <a:prstGeom prst="straightConnector1">
+            <a:avLst/>
+          </a:prstGeom>
+          <a:ln>
+            <a:tailEnd type="triangle"/>
+          </a:ln>
+        </p:spPr>
+        <p:style>
+          <a:lnRef idx="1">
+            <a:schemeClr val="accent1"/>
+          </a:lnRef>
+          <a:fillRef idx="0">
+            <a:schemeClr val="accent1"/>
+          </a:fillRef>
+          <a:effectRef idx="0">
+            <a:schemeClr val="accent1"/>
+          </a:effectRef>
+          <a:fontRef idx="minor">
+            <a:schemeClr val="tx1"/>
+          </a:fontRef>
+        </p:style>
+      </p:cxnSp>
+      <p:cxnSp>
+        <p:nvCxnSpPr>
+          <p:cNvPr id="41" name="Conector de seta reta 40"/>
+          <p:cNvCxnSpPr>
+            <a:endCxn id="15" idx="2"/>
+          </p:cNvCxnSpPr>
+          <p:nvPr/>
+        </p:nvCxnSpPr>
+        <p:spPr>
+          <a:xfrm>
+            <a:off x="3934487" y="1807420"/>
+            <a:ext cx="726579" cy="288575"/>
+          </a:xfrm>
+          <a:prstGeom prst="straightConnector1">
+            <a:avLst/>
+          </a:prstGeom>
+          <a:ln>
+            <a:tailEnd type="triangle"/>
+          </a:ln>
+        </p:spPr>
+        <p:style>
+          <a:lnRef idx="1">
+            <a:schemeClr val="accent1"/>
+          </a:lnRef>
+          <a:fillRef idx="0">
+            <a:schemeClr val="accent1"/>
+          </a:fillRef>
+          <a:effectRef idx="0">
+            <a:schemeClr val="accent1"/>
+          </a:effectRef>
+          <a:fontRef idx="minor">
+            <a:schemeClr val="tx1"/>
+          </a:fontRef>
+        </p:style>
+      </p:cxnSp>
+      <p:sp>
+        <p:nvSpPr>
+          <p:cNvPr id="33" name="CaixaDeTexto 32"/>
+          <p:cNvSpPr txBox="1"/>
+          <p:nvPr/>
+        </p:nvSpPr>
+        <p:spPr>
+          <a:xfrm>
+            <a:off x="4437428" y="5661412"/>
+            <a:ext cx="649152" cy="369332"/>
+          </a:xfrm>
+          <a:prstGeom prst="rect">
+            <a:avLst/>
+          </a:prstGeom>
+          <a:noFill/>
+        </p:spPr>
+        <p:txBody>
+          <a:bodyPr wrap="none" rtlCol="0">
+            <a:spAutoFit/>
+          </a:bodyPr>
+          <a:lstStyle/>
+          <a:p>
+            <a:r>
+              <a:rPr lang="pt-BR" dirty="0" err="1" smtClean="0"/>
+              <a:t>Xsize</a:t>
+            </a:r>
+            <a:endParaRPr lang="pt-BR" dirty="0"/>
+          </a:p>
+        </p:txBody>
+      </p:sp>
+      <p:sp>
+        <p:nvSpPr>
+          <p:cNvPr id="2" name="Chave Esquerda 1"/>
+          <p:cNvSpPr/>
+          <p:nvPr/>
+        </p:nvSpPr>
+        <p:spPr>
+          <a:xfrm rot="16200000">
+            <a:off x="4592629" y="4862642"/>
+            <a:ext cx="350630" cy="1246910"/>
+          </a:xfrm>
+          <a:prstGeom prst="leftBrace">
+            <a:avLst/>
+          </a:prstGeom>
+        </p:spPr>
+        <p:style>
+          <a:lnRef idx="1">
+            <a:schemeClr val="accent1"/>
+          </a:lnRef>
+          <a:fillRef idx="0">
+            <a:schemeClr val="accent1"/>
+          </a:fillRef>
+          <a:effectRef idx="0">
+            <a:schemeClr val="accent1"/>
+          </a:effectRef>
+          <a:fontRef idx="minor">
+            <a:schemeClr val="tx1"/>
+          </a:fontRef>
+        </p:style>
+        <p:txBody>
+          <a:bodyPr rtlCol="0" anchor="ctr"/>
+          <a:lstStyle/>
+          <a:p>
+            <a:pPr algn="ctr"/>
+            <a:endParaRPr lang="pt-BR"/>
+          </a:p>
+        </p:txBody>
+      </p:sp>
+      <p:sp>
+        <p:nvSpPr>
+          <p:cNvPr id="36" name="Chave Esquerda 35"/>
+          <p:cNvSpPr/>
+          <p:nvPr/>
+        </p:nvSpPr>
+        <p:spPr>
+          <a:xfrm rot="10800000">
+            <a:off x="7968187" y="3967838"/>
+            <a:ext cx="350630" cy="1246910"/>
+          </a:xfrm>
+          <a:prstGeom prst="leftBrace">
+            <a:avLst/>
+          </a:prstGeom>
+        </p:spPr>
+        <p:style>
+          <a:lnRef idx="1">
+            <a:schemeClr val="accent1"/>
+          </a:lnRef>
+          <a:fillRef idx="0">
+            <a:schemeClr val="accent1"/>
+          </a:fillRef>
+          <a:effectRef idx="0">
+            <a:schemeClr val="accent1"/>
+          </a:effectRef>
+          <a:fontRef idx="minor">
+            <a:schemeClr val="tx1"/>
+          </a:fontRef>
+        </p:style>
+        <p:txBody>
+          <a:bodyPr rtlCol="0" anchor="ctr"/>
+          <a:lstStyle/>
+          <a:p>
+            <a:pPr algn="ctr"/>
+            <a:endParaRPr lang="pt-BR"/>
+          </a:p>
+        </p:txBody>
+      </p:sp>
+      <p:sp>
+        <p:nvSpPr>
+          <p:cNvPr id="37" name="CaixaDeTexto 36"/>
+          <p:cNvSpPr txBox="1"/>
+          <p:nvPr/>
+        </p:nvSpPr>
+        <p:spPr>
+          <a:xfrm>
+            <a:off x="8318817" y="4406627"/>
+            <a:ext cx="649152" cy="369332"/>
+          </a:xfrm>
+          <a:prstGeom prst="rect">
+            <a:avLst/>
+          </a:prstGeom>
+          <a:noFill/>
+        </p:spPr>
+        <p:txBody>
+          <a:bodyPr wrap="none" rtlCol="0">
+            <a:spAutoFit/>
+          </a:bodyPr>
+          <a:lstStyle/>
+          <a:p>
+            <a:r>
+              <a:rPr lang="pt-BR" dirty="0" err="1" smtClean="0"/>
+              <a:t>Ysize</a:t>
+            </a:r>
+            <a:endParaRPr lang="pt-BR" dirty="0"/>
+          </a:p>
+        </p:txBody>
+      </p:sp>
+      <p:sp>
+        <p:nvSpPr>
+          <p:cNvPr id="39" name="CaixaDeTexto 38"/>
+          <p:cNvSpPr txBox="1"/>
+          <p:nvPr/>
+        </p:nvSpPr>
+        <p:spPr>
+          <a:xfrm>
+            <a:off x="6087121" y="5728355"/>
+            <a:ext cx="2135521" cy="369332"/>
+          </a:xfrm>
+          <a:prstGeom prst="rect">
+            <a:avLst/>
+          </a:prstGeom>
+          <a:noFill/>
+        </p:spPr>
+        <p:txBody>
+          <a:bodyPr wrap="none" rtlCol="0">
+            <a:spAutoFit/>
+          </a:bodyPr>
+          <a:lstStyle/>
+          <a:p>
+            <a:r>
+              <a:rPr lang="pt-BR" dirty="0" err="1" smtClean="0"/>
+              <a:t>nX</a:t>
+            </a:r>
+            <a:r>
+              <a:rPr lang="pt-BR" dirty="0" smtClean="0"/>
+              <a:t> = 3; </a:t>
+            </a:r>
+            <a:r>
+              <a:rPr lang="pt-BR" dirty="0" err="1" smtClean="0"/>
+              <a:t>nY</a:t>
+            </a:r>
+            <a:r>
+              <a:rPr lang="pt-BR" dirty="0" smtClean="0"/>
+              <a:t> = 3; </a:t>
+            </a:r>
+            <a:r>
+              <a:rPr lang="pt-BR" dirty="0" err="1" smtClean="0"/>
+              <a:t>nZ</a:t>
+            </a:r>
+            <a:r>
+              <a:rPr lang="pt-BR" dirty="0" smtClean="0"/>
+              <a:t> = 1</a:t>
+            </a:r>
+            <a:endParaRPr lang="pt-BR" dirty="0"/>
+          </a:p>
+        </p:txBody>
+      </p:sp>
+      <p:sp>
+        <p:nvSpPr>
+          <p:cNvPr id="3" name="Triângulo isósceles 2"/>
+          <p:cNvSpPr/>
+          <p:nvPr/>
+        </p:nvSpPr>
+        <p:spPr>
+          <a:xfrm>
+            <a:off x="8371268" y="2508089"/>
+            <a:ext cx="272125" cy="1089410"/>
+          </a:xfrm>
+          <a:prstGeom prst="triangle">
+            <a:avLst/>
+          </a:prstGeom>
+        </p:spPr>
+        <p:style>
+          <a:lnRef idx="2">
+            <a:schemeClr val="accent1">
+              <a:shade val="50000"/>
+            </a:schemeClr>
+          </a:lnRef>
+          <a:fillRef idx="1">
+            <a:schemeClr val="accent1"/>
+          </a:fillRef>
+          <a:effectRef idx="0">
+            <a:schemeClr val="accent1"/>
+          </a:effectRef>
+          <a:fontRef idx="minor">
+            <a:schemeClr val="lt1"/>
+          </a:fontRef>
+        </p:style>
+        <p:txBody>
+          <a:bodyPr rtlCol="0" anchor="ctr"/>
+          <a:lstStyle/>
+          <a:p>
+            <a:pPr algn="ctr"/>
+            <a:endParaRPr lang="pt-BR"/>
+          </a:p>
+        </p:txBody>
+      </p:sp>
+      <p:sp>
+        <p:nvSpPr>
+          <p:cNvPr id="40" name="CaixaDeTexto 39"/>
+          <p:cNvSpPr txBox="1"/>
+          <p:nvPr/>
+        </p:nvSpPr>
+        <p:spPr>
+          <a:xfrm>
+            <a:off x="8282749" y="1972666"/>
+            <a:ext cx="449162" cy="584775"/>
+          </a:xfrm>
+          <a:prstGeom prst="rect">
+            <a:avLst/>
+          </a:prstGeom>
+          <a:noFill/>
+        </p:spPr>
+        <p:txBody>
+          <a:bodyPr wrap="none" rtlCol="0">
+            <a:spAutoFit/>
+          </a:bodyPr>
+          <a:lstStyle/>
+          <a:p>
+            <a:r>
+              <a:rPr lang="pt-BR" sz="3200" dirty="0" smtClean="0"/>
+              <a:t>N</a:t>
+            </a:r>
+            <a:endParaRPr lang="pt-BR" sz="3200" dirty="0"/>
+          </a:p>
+        </p:txBody>
+      </p:sp>
+    </p:spTree>
+    <p:extLst>
+      <p:ext uri="{BB962C8B-B14F-4D97-AF65-F5344CB8AC3E}">
+        <p14:creationId xmlns:p14="http://schemas.microsoft.com/office/powerpoint/2010/main" val="1501181051"/>
+      </p:ext>
+    </p:extLst>
+  </p:cSld>
+  <p:clrMapOvr>
+    <a:masterClrMapping/>
+  </p:clrMapOvr>
+  <p:timing>
+    <p:tnLst>
+      <p:par>
+        <p:cTn id="1" dur="indefinite" restart="never" nodeType="tmRoot"/>
+      </p:par>
+    </p:tnLst>
+  </p:timing>
+</p:sld>
+</file>
+
+<file path=ppt/slides/slide30.xml><?xml version="1.0" encoding="utf-8"?>
 <p:sld xmlns:a="http://schemas.openxmlformats.org/drawingml/2006/main" xmlns:r="http://schemas.openxmlformats.org/officeDocument/2006/relationships" xmlns:p="http://schemas.openxmlformats.org/presentationml/2006/main">
   <p:cSld>
     <p:spTree>
@@ -29728,1395 +31202,7 @@
 </p:sld>
 </file>
 
-<file path=ppt/slides/slide3.xml><?xml version="1.0" encoding="utf-8"?>
-<p:sld xmlns:a="http://schemas.openxmlformats.org/drawingml/2006/main" xmlns:r="http://schemas.openxmlformats.org/officeDocument/2006/relationships" xmlns:p="http://schemas.openxmlformats.org/presentationml/2006/main">
-  <p:cSld>
-    <p:spTree>
-      <p:nvGrpSpPr>
-        <p:cNvPr id="1" name=""/>
-        <p:cNvGrpSpPr/>
-        <p:nvPr/>
-      </p:nvGrpSpPr>
-      <p:grpSpPr>
-        <a:xfrm>
-          <a:off x="0" y="0"/>
-          <a:ext cx="0" cy="0"/>
-          <a:chOff x="0" y="0"/>
-          <a:chExt cx="0" cy="0"/>
-        </a:xfrm>
-      </p:grpSpPr>
-      <p:sp>
-        <p:nvSpPr>
-          <p:cNvPr id="4" name="Retângulo 3"/>
-          <p:cNvSpPr/>
-          <p:nvPr/>
-        </p:nvSpPr>
-        <p:spPr>
-          <a:xfrm>
-            <a:off x="4144489" y="1472540"/>
-            <a:ext cx="1246909" cy="1246909"/>
-          </a:xfrm>
-          <a:prstGeom prst="rect">
-            <a:avLst/>
-          </a:prstGeom>
-          <a:noFill/>
-        </p:spPr>
-        <p:style>
-          <a:lnRef idx="2">
-            <a:schemeClr val="accent1">
-              <a:shade val="50000"/>
-            </a:schemeClr>
-          </a:lnRef>
-          <a:fillRef idx="1">
-            <a:schemeClr val="accent1"/>
-          </a:fillRef>
-          <a:effectRef idx="0">
-            <a:schemeClr val="accent1"/>
-          </a:effectRef>
-          <a:fontRef idx="minor">
-            <a:schemeClr val="lt1"/>
-          </a:fontRef>
-        </p:style>
-        <p:txBody>
-          <a:bodyPr rtlCol="0" anchor="ctr"/>
-          <a:lstStyle/>
-          <a:p>
-            <a:pPr algn="ctr"/>
-            <a:endParaRPr lang="pt-BR"/>
-          </a:p>
-        </p:txBody>
-      </p:sp>
-      <p:sp>
-        <p:nvSpPr>
-          <p:cNvPr id="5" name="Retângulo 4"/>
-          <p:cNvSpPr/>
-          <p:nvPr/>
-        </p:nvSpPr>
-        <p:spPr>
-          <a:xfrm>
-            <a:off x="5391398" y="1472540"/>
-            <a:ext cx="1246909" cy="1246909"/>
-          </a:xfrm>
-          <a:prstGeom prst="rect">
-            <a:avLst/>
-          </a:prstGeom>
-          <a:noFill/>
-        </p:spPr>
-        <p:style>
-          <a:lnRef idx="2">
-            <a:schemeClr val="accent1">
-              <a:shade val="50000"/>
-            </a:schemeClr>
-          </a:lnRef>
-          <a:fillRef idx="1">
-            <a:schemeClr val="accent1"/>
-          </a:fillRef>
-          <a:effectRef idx="0">
-            <a:schemeClr val="accent1"/>
-          </a:effectRef>
-          <a:fontRef idx="minor">
-            <a:schemeClr val="lt1"/>
-          </a:fontRef>
-        </p:style>
-        <p:txBody>
-          <a:bodyPr rtlCol="0" anchor="ctr"/>
-          <a:lstStyle/>
-          <a:p>
-            <a:pPr algn="ctr"/>
-            <a:endParaRPr lang="pt-BR"/>
-          </a:p>
-        </p:txBody>
-      </p:sp>
-      <p:sp>
-        <p:nvSpPr>
-          <p:cNvPr id="6" name="Retângulo 5"/>
-          <p:cNvSpPr/>
-          <p:nvPr/>
-        </p:nvSpPr>
-        <p:spPr>
-          <a:xfrm>
-            <a:off x="4144488" y="2719449"/>
-            <a:ext cx="1246909" cy="1246909"/>
-          </a:xfrm>
-          <a:prstGeom prst="rect">
-            <a:avLst/>
-          </a:prstGeom>
-          <a:noFill/>
-        </p:spPr>
-        <p:style>
-          <a:lnRef idx="2">
-            <a:schemeClr val="accent1">
-              <a:shade val="50000"/>
-            </a:schemeClr>
-          </a:lnRef>
-          <a:fillRef idx="1">
-            <a:schemeClr val="accent1"/>
-          </a:fillRef>
-          <a:effectRef idx="0">
-            <a:schemeClr val="accent1"/>
-          </a:effectRef>
-          <a:fontRef idx="minor">
-            <a:schemeClr val="lt1"/>
-          </a:fontRef>
-        </p:style>
-        <p:txBody>
-          <a:bodyPr rtlCol="0" anchor="ctr"/>
-          <a:lstStyle/>
-          <a:p>
-            <a:pPr algn="ctr"/>
-            <a:endParaRPr lang="pt-BR"/>
-          </a:p>
-        </p:txBody>
-      </p:sp>
-      <p:sp>
-        <p:nvSpPr>
-          <p:cNvPr id="7" name="Retângulo 6"/>
-          <p:cNvSpPr/>
-          <p:nvPr/>
-        </p:nvSpPr>
-        <p:spPr>
-          <a:xfrm>
-            <a:off x="5391397" y="2719448"/>
-            <a:ext cx="1246909" cy="1246909"/>
-          </a:xfrm>
-          <a:prstGeom prst="rect">
-            <a:avLst/>
-          </a:prstGeom>
-          <a:noFill/>
-        </p:spPr>
-        <p:style>
-          <a:lnRef idx="2">
-            <a:schemeClr val="accent1">
-              <a:shade val="50000"/>
-            </a:schemeClr>
-          </a:lnRef>
-          <a:fillRef idx="1">
-            <a:schemeClr val="accent1"/>
-          </a:fillRef>
-          <a:effectRef idx="0">
-            <a:schemeClr val="accent1"/>
-          </a:effectRef>
-          <a:fontRef idx="minor">
-            <a:schemeClr val="lt1"/>
-          </a:fontRef>
-        </p:style>
-        <p:txBody>
-          <a:bodyPr rtlCol="0" anchor="ctr"/>
-          <a:lstStyle/>
-          <a:p>
-            <a:pPr algn="ctr"/>
-            <a:endParaRPr lang="pt-BR"/>
-          </a:p>
-        </p:txBody>
-      </p:sp>
-      <p:sp>
-        <p:nvSpPr>
-          <p:cNvPr id="8" name="Retângulo 7"/>
-          <p:cNvSpPr/>
-          <p:nvPr/>
-        </p:nvSpPr>
-        <p:spPr>
-          <a:xfrm>
-            <a:off x="4144488" y="3966357"/>
-            <a:ext cx="1246909" cy="1246909"/>
-          </a:xfrm>
-          <a:prstGeom prst="rect">
-            <a:avLst/>
-          </a:prstGeom>
-          <a:noFill/>
-        </p:spPr>
-        <p:style>
-          <a:lnRef idx="2">
-            <a:schemeClr val="accent1">
-              <a:shade val="50000"/>
-            </a:schemeClr>
-          </a:lnRef>
-          <a:fillRef idx="1">
-            <a:schemeClr val="accent1"/>
-          </a:fillRef>
-          <a:effectRef idx="0">
-            <a:schemeClr val="accent1"/>
-          </a:effectRef>
-          <a:fontRef idx="minor">
-            <a:schemeClr val="lt1"/>
-          </a:fontRef>
-        </p:style>
-        <p:txBody>
-          <a:bodyPr rtlCol="0" anchor="ctr"/>
-          <a:lstStyle/>
-          <a:p>
-            <a:pPr algn="ctr"/>
-            <a:endParaRPr lang="pt-BR"/>
-          </a:p>
-        </p:txBody>
-      </p:sp>
-      <p:sp>
-        <p:nvSpPr>
-          <p:cNvPr id="9" name="Retângulo 8"/>
-          <p:cNvSpPr/>
-          <p:nvPr/>
-        </p:nvSpPr>
-        <p:spPr>
-          <a:xfrm>
-            <a:off x="5391397" y="3966356"/>
-            <a:ext cx="1246909" cy="1246909"/>
-          </a:xfrm>
-          <a:prstGeom prst="rect">
-            <a:avLst/>
-          </a:prstGeom>
-          <a:noFill/>
-        </p:spPr>
-        <p:style>
-          <a:lnRef idx="2">
-            <a:schemeClr val="accent1">
-              <a:shade val="50000"/>
-            </a:schemeClr>
-          </a:lnRef>
-          <a:fillRef idx="1">
-            <a:schemeClr val="accent1"/>
-          </a:fillRef>
-          <a:effectRef idx="0">
-            <a:schemeClr val="accent1"/>
-          </a:effectRef>
-          <a:fontRef idx="minor">
-            <a:schemeClr val="lt1"/>
-          </a:fontRef>
-        </p:style>
-        <p:txBody>
-          <a:bodyPr rtlCol="0" anchor="ctr"/>
-          <a:lstStyle/>
-          <a:p>
-            <a:pPr algn="ctr"/>
-            <a:endParaRPr lang="pt-BR"/>
-          </a:p>
-        </p:txBody>
-      </p:sp>
-      <p:sp>
-        <p:nvSpPr>
-          <p:cNvPr id="12" name="Retângulo 11"/>
-          <p:cNvSpPr/>
-          <p:nvPr/>
-        </p:nvSpPr>
-        <p:spPr>
-          <a:xfrm>
-            <a:off x="6638306" y="1472540"/>
-            <a:ext cx="1246909" cy="1246909"/>
-          </a:xfrm>
-          <a:prstGeom prst="rect">
-            <a:avLst/>
-          </a:prstGeom>
-          <a:noFill/>
-        </p:spPr>
-        <p:style>
-          <a:lnRef idx="2">
-            <a:schemeClr val="accent1">
-              <a:shade val="50000"/>
-            </a:schemeClr>
-          </a:lnRef>
-          <a:fillRef idx="1">
-            <a:schemeClr val="accent1"/>
-          </a:fillRef>
-          <a:effectRef idx="0">
-            <a:schemeClr val="accent1"/>
-          </a:effectRef>
-          <a:fontRef idx="minor">
-            <a:schemeClr val="lt1"/>
-          </a:fontRef>
-        </p:style>
-        <p:txBody>
-          <a:bodyPr rtlCol="0" anchor="ctr"/>
-          <a:lstStyle/>
-          <a:p>
-            <a:pPr algn="ctr"/>
-            <a:endParaRPr lang="pt-BR"/>
-          </a:p>
-        </p:txBody>
-      </p:sp>
-      <p:sp>
-        <p:nvSpPr>
-          <p:cNvPr id="13" name="Retângulo 12"/>
-          <p:cNvSpPr/>
-          <p:nvPr/>
-        </p:nvSpPr>
-        <p:spPr>
-          <a:xfrm>
-            <a:off x="6638305" y="2719448"/>
-            <a:ext cx="1246909" cy="1246909"/>
-          </a:xfrm>
-          <a:prstGeom prst="rect">
-            <a:avLst/>
-          </a:prstGeom>
-          <a:noFill/>
-        </p:spPr>
-        <p:style>
-          <a:lnRef idx="2">
-            <a:schemeClr val="accent1">
-              <a:shade val="50000"/>
-            </a:schemeClr>
-          </a:lnRef>
-          <a:fillRef idx="1">
-            <a:schemeClr val="accent1"/>
-          </a:fillRef>
-          <a:effectRef idx="0">
-            <a:schemeClr val="accent1"/>
-          </a:effectRef>
-          <a:fontRef idx="minor">
-            <a:schemeClr val="lt1"/>
-          </a:fontRef>
-        </p:style>
-        <p:txBody>
-          <a:bodyPr rtlCol="0" anchor="ctr"/>
-          <a:lstStyle/>
-          <a:p>
-            <a:pPr algn="ctr"/>
-            <a:endParaRPr lang="pt-BR"/>
-          </a:p>
-        </p:txBody>
-      </p:sp>
-      <p:sp>
-        <p:nvSpPr>
-          <p:cNvPr id="14" name="Retângulo 13"/>
-          <p:cNvSpPr/>
-          <p:nvPr/>
-        </p:nvSpPr>
-        <p:spPr>
-          <a:xfrm>
-            <a:off x="6638305" y="3966356"/>
-            <a:ext cx="1246909" cy="1246909"/>
-          </a:xfrm>
-          <a:prstGeom prst="rect">
-            <a:avLst/>
-          </a:prstGeom>
-          <a:noFill/>
-        </p:spPr>
-        <p:style>
-          <a:lnRef idx="2">
-            <a:schemeClr val="accent1">
-              <a:shade val="50000"/>
-            </a:schemeClr>
-          </a:lnRef>
-          <a:fillRef idx="1">
-            <a:schemeClr val="accent1"/>
-          </a:fillRef>
-          <a:effectRef idx="0">
-            <a:schemeClr val="accent1"/>
-          </a:effectRef>
-          <a:fontRef idx="minor">
-            <a:schemeClr val="lt1"/>
-          </a:fontRef>
-        </p:style>
-        <p:txBody>
-          <a:bodyPr rtlCol="0" anchor="ctr"/>
-          <a:lstStyle/>
-          <a:p>
-            <a:pPr algn="ctr"/>
-            <a:endParaRPr lang="pt-BR"/>
-          </a:p>
-        </p:txBody>
-      </p:sp>
-      <p:sp>
-        <p:nvSpPr>
-          <p:cNvPr id="15" name="Elipse 14"/>
-          <p:cNvSpPr/>
-          <p:nvPr/>
-        </p:nvSpPr>
-        <p:spPr>
-          <a:xfrm>
-            <a:off x="4661066" y="1989117"/>
-            <a:ext cx="213756" cy="213756"/>
-          </a:xfrm>
-          <a:prstGeom prst="ellipse">
-            <a:avLst/>
-          </a:prstGeom>
-        </p:spPr>
-        <p:style>
-          <a:lnRef idx="2">
-            <a:schemeClr val="accent1">
-              <a:shade val="50000"/>
-            </a:schemeClr>
-          </a:lnRef>
-          <a:fillRef idx="1">
-            <a:schemeClr val="accent1"/>
-          </a:fillRef>
-          <a:effectRef idx="0">
-            <a:schemeClr val="accent1"/>
-          </a:effectRef>
-          <a:fontRef idx="minor">
-            <a:schemeClr val="lt1"/>
-          </a:fontRef>
-        </p:style>
-        <p:txBody>
-          <a:bodyPr rtlCol="0" anchor="ctr"/>
-          <a:lstStyle/>
-          <a:p>
-            <a:pPr algn="ctr"/>
-            <a:endParaRPr lang="pt-BR"/>
-          </a:p>
-        </p:txBody>
-      </p:sp>
-      <p:sp>
-        <p:nvSpPr>
-          <p:cNvPr id="16" name="Elipse 15"/>
-          <p:cNvSpPr/>
-          <p:nvPr/>
-        </p:nvSpPr>
-        <p:spPr>
-          <a:xfrm>
-            <a:off x="5907973" y="1989116"/>
-            <a:ext cx="213756" cy="213756"/>
-          </a:xfrm>
-          <a:prstGeom prst="ellipse">
-            <a:avLst/>
-          </a:prstGeom>
-        </p:spPr>
-        <p:style>
-          <a:lnRef idx="2">
-            <a:schemeClr val="accent1">
-              <a:shade val="50000"/>
-            </a:schemeClr>
-          </a:lnRef>
-          <a:fillRef idx="1">
-            <a:schemeClr val="accent1"/>
-          </a:fillRef>
-          <a:effectRef idx="0">
-            <a:schemeClr val="accent1"/>
-          </a:effectRef>
-          <a:fontRef idx="minor">
-            <a:schemeClr val="lt1"/>
-          </a:fontRef>
-        </p:style>
-        <p:txBody>
-          <a:bodyPr rtlCol="0" anchor="ctr"/>
-          <a:lstStyle/>
-          <a:p>
-            <a:pPr algn="ctr"/>
-            <a:endParaRPr lang="pt-BR"/>
-          </a:p>
-        </p:txBody>
-      </p:sp>
-      <p:sp>
-        <p:nvSpPr>
-          <p:cNvPr id="17" name="Elipse 16"/>
-          <p:cNvSpPr/>
-          <p:nvPr/>
-        </p:nvSpPr>
-        <p:spPr>
-          <a:xfrm>
-            <a:off x="7154882" y="1992084"/>
-            <a:ext cx="213756" cy="213756"/>
-          </a:xfrm>
-          <a:prstGeom prst="ellipse">
-            <a:avLst/>
-          </a:prstGeom>
-        </p:spPr>
-        <p:style>
-          <a:lnRef idx="2">
-            <a:schemeClr val="accent1">
-              <a:shade val="50000"/>
-            </a:schemeClr>
-          </a:lnRef>
-          <a:fillRef idx="1">
-            <a:schemeClr val="accent1"/>
-          </a:fillRef>
-          <a:effectRef idx="0">
-            <a:schemeClr val="accent1"/>
-          </a:effectRef>
-          <a:fontRef idx="minor">
-            <a:schemeClr val="lt1"/>
-          </a:fontRef>
-        </p:style>
-        <p:txBody>
-          <a:bodyPr rtlCol="0" anchor="ctr"/>
-          <a:lstStyle/>
-          <a:p>
-            <a:pPr algn="ctr"/>
-            <a:endParaRPr lang="pt-BR"/>
-          </a:p>
-        </p:txBody>
-      </p:sp>
-      <p:sp>
-        <p:nvSpPr>
-          <p:cNvPr id="19" name="Elipse 18"/>
-          <p:cNvSpPr/>
-          <p:nvPr/>
-        </p:nvSpPr>
-        <p:spPr>
-          <a:xfrm>
-            <a:off x="4661066" y="3236026"/>
-            <a:ext cx="213756" cy="213756"/>
-          </a:xfrm>
-          <a:prstGeom prst="ellipse">
-            <a:avLst/>
-          </a:prstGeom>
-        </p:spPr>
-        <p:style>
-          <a:lnRef idx="2">
-            <a:schemeClr val="accent1">
-              <a:shade val="50000"/>
-            </a:schemeClr>
-          </a:lnRef>
-          <a:fillRef idx="1">
-            <a:schemeClr val="accent1"/>
-          </a:fillRef>
-          <a:effectRef idx="0">
-            <a:schemeClr val="accent1"/>
-          </a:effectRef>
-          <a:fontRef idx="minor">
-            <a:schemeClr val="lt1"/>
-          </a:fontRef>
-        </p:style>
-        <p:txBody>
-          <a:bodyPr rtlCol="0" anchor="ctr"/>
-          <a:lstStyle/>
-          <a:p>
-            <a:pPr algn="ctr"/>
-            <a:endParaRPr lang="pt-BR"/>
-          </a:p>
-        </p:txBody>
-      </p:sp>
-      <p:sp>
-        <p:nvSpPr>
-          <p:cNvPr id="20" name="Elipse 19"/>
-          <p:cNvSpPr/>
-          <p:nvPr/>
-        </p:nvSpPr>
-        <p:spPr>
-          <a:xfrm>
-            <a:off x="5907973" y="3236025"/>
-            <a:ext cx="213756" cy="213756"/>
-          </a:xfrm>
-          <a:prstGeom prst="ellipse">
-            <a:avLst/>
-          </a:prstGeom>
-        </p:spPr>
-        <p:style>
-          <a:lnRef idx="2">
-            <a:schemeClr val="accent1">
-              <a:shade val="50000"/>
-            </a:schemeClr>
-          </a:lnRef>
-          <a:fillRef idx="1">
-            <a:schemeClr val="accent1"/>
-          </a:fillRef>
-          <a:effectRef idx="0">
-            <a:schemeClr val="accent1"/>
-          </a:effectRef>
-          <a:fontRef idx="minor">
-            <a:schemeClr val="lt1"/>
-          </a:fontRef>
-        </p:style>
-        <p:txBody>
-          <a:bodyPr rtlCol="0" anchor="ctr"/>
-          <a:lstStyle/>
-          <a:p>
-            <a:pPr algn="ctr"/>
-            <a:endParaRPr lang="pt-BR"/>
-          </a:p>
-        </p:txBody>
-      </p:sp>
-      <p:sp>
-        <p:nvSpPr>
-          <p:cNvPr id="21" name="Elipse 20"/>
-          <p:cNvSpPr/>
-          <p:nvPr/>
-        </p:nvSpPr>
-        <p:spPr>
-          <a:xfrm>
-            <a:off x="7154882" y="3238993"/>
-            <a:ext cx="213756" cy="213756"/>
-          </a:xfrm>
-          <a:prstGeom prst="ellipse">
-            <a:avLst/>
-          </a:prstGeom>
-        </p:spPr>
-        <p:style>
-          <a:lnRef idx="2">
-            <a:schemeClr val="accent1">
-              <a:shade val="50000"/>
-            </a:schemeClr>
-          </a:lnRef>
-          <a:fillRef idx="1">
-            <a:schemeClr val="accent1"/>
-          </a:fillRef>
-          <a:effectRef idx="0">
-            <a:schemeClr val="accent1"/>
-          </a:effectRef>
-          <a:fontRef idx="minor">
-            <a:schemeClr val="lt1"/>
-          </a:fontRef>
-        </p:style>
-        <p:txBody>
-          <a:bodyPr rtlCol="0" anchor="ctr"/>
-          <a:lstStyle/>
-          <a:p>
-            <a:pPr algn="ctr"/>
-            <a:endParaRPr lang="pt-BR"/>
-          </a:p>
-        </p:txBody>
-      </p:sp>
-      <p:sp>
-        <p:nvSpPr>
-          <p:cNvPr id="22" name="Elipse 21"/>
-          <p:cNvSpPr/>
-          <p:nvPr/>
-        </p:nvSpPr>
-        <p:spPr>
-          <a:xfrm>
-            <a:off x="4661066" y="4481448"/>
-            <a:ext cx="213756" cy="213756"/>
-          </a:xfrm>
-          <a:prstGeom prst="ellipse">
-            <a:avLst/>
-          </a:prstGeom>
-        </p:spPr>
-        <p:style>
-          <a:lnRef idx="2">
-            <a:schemeClr val="accent1">
-              <a:shade val="50000"/>
-            </a:schemeClr>
-          </a:lnRef>
-          <a:fillRef idx="1">
-            <a:schemeClr val="accent1"/>
-          </a:fillRef>
-          <a:effectRef idx="0">
-            <a:schemeClr val="accent1"/>
-          </a:effectRef>
-          <a:fontRef idx="minor">
-            <a:schemeClr val="lt1"/>
-          </a:fontRef>
-        </p:style>
-        <p:txBody>
-          <a:bodyPr rtlCol="0" anchor="ctr"/>
-          <a:lstStyle/>
-          <a:p>
-            <a:pPr algn="ctr"/>
-            <a:endParaRPr lang="pt-BR"/>
-          </a:p>
-        </p:txBody>
-      </p:sp>
-      <p:sp>
-        <p:nvSpPr>
-          <p:cNvPr id="23" name="Elipse 22"/>
-          <p:cNvSpPr/>
-          <p:nvPr/>
-        </p:nvSpPr>
-        <p:spPr>
-          <a:xfrm>
-            <a:off x="5907973" y="4481447"/>
-            <a:ext cx="213756" cy="213756"/>
-          </a:xfrm>
-          <a:prstGeom prst="ellipse">
-            <a:avLst/>
-          </a:prstGeom>
-        </p:spPr>
-        <p:style>
-          <a:lnRef idx="2">
-            <a:schemeClr val="accent1">
-              <a:shade val="50000"/>
-            </a:schemeClr>
-          </a:lnRef>
-          <a:fillRef idx="1">
-            <a:schemeClr val="accent1"/>
-          </a:fillRef>
-          <a:effectRef idx="0">
-            <a:schemeClr val="accent1"/>
-          </a:effectRef>
-          <a:fontRef idx="minor">
-            <a:schemeClr val="lt1"/>
-          </a:fontRef>
-        </p:style>
-        <p:txBody>
-          <a:bodyPr rtlCol="0" anchor="ctr"/>
-          <a:lstStyle/>
-          <a:p>
-            <a:pPr algn="ctr"/>
-            <a:endParaRPr lang="pt-BR"/>
-          </a:p>
-        </p:txBody>
-      </p:sp>
-      <p:sp>
-        <p:nvSpPr>
-          <p:cNvPr id="24" name="Elipse 23"/>
-          <p:cNvSpPr/>
-          <p:nvPr/>
-        </p:nvSpPr>
-        <p:spPr>
-          <a:xfrm>
-            <a:off x="7154882" y="4484415"/>
-            <a:ext cx="213756" cy="213756"/>
-          </a:xfrm>
-          <a:prstGeom prst="ellipse">
-            <a:avLst/>
-          </a:prstGeom>
-        </p:spPr>
-        <p:style>
-          <a:lnRef idx="2">
-            <a:schemeClr val="accent1">
-              <a:shade val="50000"/>
-            </a:schemeClr>
-          </a:lnRef>
-          <a:fillRef idx="1">
-            <a:schemeClr val="accent1"/>
-          </a:fillRef>
-          <a:effectRef idx="0">
-            <a:schemeClr val="accent1"/>
-          </a:effectRef>
-          <a:fontRef idx="minor">
-            <a:schemeClr val="lt1"/>
-          </a:fontRef>
-        </p:style>
-        <p:txBody>
-          <a:bodyPr rtlCol="0" anchor="ctr"/>
-          <a:lstStyle/>
-          <a:p>
-            <a:pPr algn="ctr"/>
-            <a:endParaRPr lang="pt-BR"/>
-          </a:p>
-        </p:txBody>
-      </p:sp>
-      <p:sp>
-        <p:nvSpPr>
-          <p:cNvPr id="25" name="Retângulo 24"/>
-          <p:cNvSpPr/>
-          <p:nvPr/>
-        </p:nvSpPr>
-        <p:spPr>
-          <a:xfrm>
-            <a:off x="4767942" y="2095994"/>
-            <a:ext cx="2499757" cy="2487882"/>
-          </a:xfrm>
-          <a:prstGeom prst="rect">
-            <a:avLst/>
-          </a:prstGeom>
-          <a:noFill/>
-          <a:ln w="28575">
-            <a:solidFill>
-              <a:srgbClr val="FF0000"/>
-            </a:solidFill>
-          </a:ln>
-        </p:spPr>
-        <p:style>
-          <a:lnRef idx="2">
-            <a:schemeClr val="accent1">
-              <a:shade val="50000"/>
-            </a:schemeClr>
-          </a:lnRef>
-          <a:fillRef idx="1">
-            <a:schemeClr val="accent1"/>
-          </a:fillRef>
-          <a:effectRef idx="0">
-            <a:schemeClr val="accent1"/>
-          </a:effectRef>
-          <a:fontRef idx="minor">
-            <a:schemeClr val="lt1"/>
-          </a:fontRef>
-        </p:style>
-        <p:txBody>
-          <a:bodyPr rtlCol="0" anchor="ctr"/>
-          <a:lstStyle/>
-          <a:p>
-            <a:pPr algn="ctr"/>
-            <a:endParaRPr lang="pt-BR"/>
-          </a:p>
-        </p:txBody>
-      </p:sp>
-      <p:sp>
-        <p:nvSpPr>
-          <p:cNvPr id="29" name="CaixaDeTexto 28"/>
-          <p:cNvSpPr txBox="1"/>
-          <p:nvPr/>
-        </p:nvSpPr>
-        <p:spPr>
-          <a:xfrm>
-            <a:off x="2445383" y="1515303"/>
-            <a:ext cx="1405193" cy="369332"/>
-          </a:xfrm>
-          <a:prstGeom prst="rect">
-            <a:avLst/>
-          </a:prstGeom>
-          <a:noFill/>
-        </p:spPr>
-        <p:txBody>
-          <a:bodyPr wrap="none" rtlCol="0">
-            <a:spAutoFit/>
-          </a:bodyPr>
-          <a:lstStyle/>
-          <a:p>
-            <a:r>
-              <a:rPr lang="pt-BR" dirty="0" smtClean="0"/>
-              <a:t>data </a:t>
-            </a:r>
-            <a:r>
-              <a:rPr lang="pt-BR" dirty="0" err="1" smtClean="0"/>
-              <a:t>location</a:t>
-            </a:r>
-            <a:endParaRPr lang="pt-BR" dirty="0"/>
-          </a:p>
-        </p:txBody>
-      </p:sp>
-      <p:sp>
-        <p:nvSpPr>
-          <p:cNvPr id="30" name="CaixaDeTexto 29"/>
-          <p:cNvSpPr txBox="1"/>
-          <p:nvPr/>
-        </p:nvSpPr>
-        <p:spPr>
-          <a:xfrm>
-            <a:off x="2071089" y="2202872"/>
-            <a:ext cx="1936941" cy="369332"/>
-          </a:xfrm>
-          <a:prstGeom prst="rect">
-            <a:avLst/>
-          </a:prstGeom>
-          <a:noFill/>
-        </p:spPr>
-        <p:txBody>
-          <a:bodyPr wrap="none" rtlCol="0">
-            <a:spAutoFit/>
-          </a:bodyPr>
-          <a:lstStyle/>
-          <a:p>
-            <a:r>
-              <a:rPr lang="pt-BR" dirty="0" smtClean="0"/>
-              <a:t>data </a:t>
-            </a:r>
-            <a:r>
-              <a:rPr lang="pt-BR" dirty="0" err="1" smtClean="0"/>
-              <a:t>bounding</a:t>
-            </a:r>
-            <a:r>
-              <a:rPr lang="pt-BR" dirty="0" smtClean="0"/>
-              <a:t> box</a:t>
-            </a:r>
-            <a:endParaRPr lang="pt-BR" dirty="0"/>
-          </a:p>
-        </p:txBody>
-      </p:sp>
-      <p:sp>
-        <p:nvSpPr>
-          <p:cNvPr id="31" name="CaixaDeTexto 30"/>
-          <p:cNvSpPr txBox="1"/>
-          <p:nvPr/>
-        </p:nvSpPr>
-        <p:spPr>
-          <a:xfrm>
-            <a:off x="1303246" y="3155269"/>
-            <a:ext cx="2421240" cy="369332"/>
-          </a:xfrm>
-          <a:prstGeom prst="rect">
-            <a:avLst/>
-          </a:prstGeom>
-          <a:noFill/>
-        </p:spPr>
-        <p:txBody>
-          <a:bodyPr wrap="none" rtlCol="0">
-            <a:spAutoFit/>
-          </a:bodyPr>
-          <a:lstStyle/>
-          <a:p>
-            <a:r>
-              <a:rPr lang="pt-BR" dirty="0" err="1" smtClean="0"/>
-              <a:t>resulting</a:t>
-            </a:r>
-            <a:r>
-              <a:rPr lang="pt-BR" dirty="0" smtClean="0"/>
-              <a:t> grid </a:t>
-            </a:r>
-            <a:r>
-              <a:rPr lang="pt-BR" dirty="0" err="1" smtClean="0"/>
-              <a:t>geometry</a:t>
-            </a:r>
-            <a:endParaRPr lang="pt-BR" dirty="0"/>
-          </a:p>
-        </p:txBody>
-      </p:sp>
-      <p:sp>
-        <p:nvSpPr>
-          <p:cNvPr id="32" name="CaixaDeTexto 31"/>
-          <p:cNvSpPr txBox="1"/>
-          <p:nvPr/>
-        </p:nvSpPr>
-        <p:spPr>
-          <a:xfrm>
-            <a:off x="1720656" y="4481447"/>
-            <a:ext cx="2008050" cy="646331"/>
-          </a:xfrm>
-          <a:prstGeom prst="rect">
-            <a:avLst/>
-          </a:prstGeom>
-          <a:noFill/>
-        </p:spPr>
-        <p:txBody>
-          <a:bodyPr wrap="none" rtlCol="0">
-            <a:spAutoFit/>
-          </a:bodyPr>
-          <a:lstStyle/>
-          <a:p>
-            <a:r>
-              <a:rPr lang="pt-BR" dirty="0" smtClean="0"/>
-              <a:t>grid </a:t>
-            </a:r>
-            <a:r>
-              <a:rPr lang="pt-BR" dirty="0" err="1" smtClean="0"/>
-              <a:t>origin</a:t>
-            </a:r>
-            <a:r>
-              <a:rPr lang="pt-BR" dirty="0" smtClean="0"/>
-              <a:t> </a:t>
-            </a:r>
-            <a:r>
-              <a:rPr lang="pt-BR" dirty="0" err="1" smtClean="0"/>
-              <a:t>location</a:t>
-            </a:r>
-            <a:r>
-              <a:rPr lang="pt-BR" dirty="0" smtClean="0"/>
-              <a:t>:</a:t>
-            </a:r>
-          </a:p>
-          <a:p>
-            <a:r>
-              <a:rPr lang="pt-BR" dirty="0" err="1" smtClean="0"/>
-              <a:t>Xmin</a:t>
-            </a:r>
-            <a:r>
-              <a:rPr lang="pt-BR" dirty="0" smtClean="0"/>
-              <a:t>, </a:t>
-            </a:r>
-            <a:r>
-              <a:rPr lang="pt-BR" dirty="0" err="1" smtClean="0"/>
-              <a:t>Ymin</a:t>
-            </a:r>
-            <a:r>
-              <a:rPr lang="pt-BR" dirty="0" smtClean="0"/>
-              <a:t>, </a:t>
-            </a:r>
-            <a:r>
-              <a:rPr lang="pt-BR" dirty="0" err="1" smtClean="0"/>
-              <a:t>Zmin</a:t>
-            </a:r>
-            <a:endParaRPr lang="pt-BR" dirty="0"/>
-          </a:p>
-        </p:txBody>
-      </p:sp>
-      <p:cxnSp>
-        <p:nvCxnSpPr>
-          <p:cNvPr id="34" name="Conector de seta reta 33"/>
-          <p:cNvCxnSpPr>
-            <a:stCxn id="32" idx="3"/>
-            <a:endCxn id="22" idx="2"/>
-          </p:cNvCxnSpPr>
-          <p:nvPr/>
-        </p:nvCxnSpPr>
-        <p:spPr>
-          <a:xfrm flipV="1">
-            <a:off x="3666189" y="4588326"/>
-            <a:ext cx="994877" cy="77787"/>
-          </a:xfrm>
-          <a:prstGeom prst="straightConnector1">
-            <a:avLst/>
-          </a:prstGeom>
-          <a:ln>
-            <a:tailEnd type="triangle"/>
-          </a:ln>
-        </p:spPr>
-        <p:style>
-          <a:lnRef idx="1">
-            <a:schemeClr val="accent1"/>
-          </a:lnRef>
-          <a:fillRef idx="0">
-            <a:schemeClr val="accent1"/>
-          </a:fillRef>
-          <a:effectRef idx="0">
-            <a:schemeClr val="accent1"/>
-          </a:effectRef>
-          <a:fontRef idx="minor">
-            <a:schemeClr val="tx1"/>
-          </a:fontRef>
-        </p:style>
-      </p:cxnSp>
-      <p:cxnSp>
-        <p:nvCxnSpPr>
-          <p:cNvPr id="35" name="Conector de seta reta 34"/>
-          <p:cNvCxnSpPr>
-            <a:stCxn id="31" idx="3"/>
-            <a:endCxn id="6" idx="1"/>
-          </p:cNvCxnSpPr>
-          <p:nvPr/>
-        </p:nvCxnSpPr>
-        <p:spPr>
-          <a:xfrm>
-            <a:off x="3724486" y="3339935"/>
-            <a:ext cx="420002" cy="2969"/>
-          </a:xfrm>
-          <a:prstGeom prst="straightConnector1">
-            <a:avLst/>
-          </a:prstGeom>
-          <a:ln>
-            <a:tailEnd type="triangle"/>
-          </a:ln>
-        </p:spPr>
-        <p:style>
-          <a:lnRef idx="1">
-            <a:schemeClr val="accent1"/>
-          </a:lnRef>
-          <a:fillRef idx="0">
-            <a:schemeClr val="accent1"/>
-          </a:fillRef>
-          <a:effectRef idx="0">
-            <a:schemeClr val="accent1"/>
-          </a:effectRef>
-          <a:fontRef idx="minor">
-            <a:schemeClr val="tx1"/>
-          </a:fontRef>
-        </p:style>
-      </p:cxnSp>
-      <p:cxnSp>
-        <p:nvCxnSpPr>
-          <p:cNvPr id="38" name="Conector de seta reta 37"/>
-          <p:cNvCxnSpPr>
-            <a:stCxn id="30" idx="3"/>
-          </p:cNvCxnSpPr>
-          <p:nvPr/>
-        </p:nvCxnSpPr>
-        <p:spPr>
-          <a:xfrm>
-            <a:off x="4008030" y="2387538"/>
-            <a:ext cx="753974" cy="120551"/>
-          </a:xfrm>
-          <a:prstGeom prst="straightConnector1">
-            <a:avLst/>
-          </a:prstGeom>
-          <a:ln>
-            <a:tailEnd type="triangle"/>
-          </a:ln>
-        </p:spPr>
-        <p:style>
-          <a:lnRef idx="1">
-            <a:schemeClr val="accent1"/>
-          </a:lnRef>
-          <a:fillRef idx="0">
-            <a:schemeClr val="accent1"/>
-          </a:fillRef>
-          <a:effectRef idx="0">
-            <a:schemeClr val="accent1"/>
-          </a:effectRef>
-          <a:fontRef idx="minor">
-            <a:schemeClr val="tx1"/>
-          </a:fontRef>
-        </p:style>
-      </p:cxnSp>
-      <p:cxnSp>
-        <p:nvCxnSpPr>
-          <p:cNvPr id="41" name="Conector de seta reta 40"/>
-          <p:cNvCxnSpPr>
-            <a:endCxn id="15" idx="2"/>
-          </p:cNvCxnSpPr>
-          <p:nvPr/>
-        </p:nvCxnSpPr>
-        <p:spPr>
-          <a:xfrm>
-            <a:off x="3934487" y="1807420"/>
-            <a:ext cx="726579" cy="288575"/>
-          </a:xfrm>
-          <a:prstGeom prst="straightConnector1">
-            <a:avLst/>
-          </a:prstGeom>
-          <a:ln>
-            <a:tailEnd type="triangle"/>
-          </a:ln>
-        </p:spPr>
-        <p:style>
-          <a:lnRef idx="1">
-            <a:schemeClr val="accent1"/>
-          </a:lnRef>
-          <a:fillRef idx="0">
-            <a:schemeClr val="accent1"/>
-          </a:fillRef>
-          <a:effectRef idx="0">
-            <a:schemeClr val="accent1"/>
-          </a:effectRef>
-          <a:fontRef idx="minor">
-            <a:schemeClr val="tx1"/>
-          </a:fontRef>
-        </p:style>
-      </p:cxnSp>
-      <p:sp>
-        <p:nvSpPr>
-          <p:cNvPr id="33" name="CaixaDeTexto 32"/>
-          <p:cNvSpPr txBox="1"/>
-          <p:nvPr/>
-        </p:nvSpPr>
-        <p:spPr>
-          <a:xfrm>
-            <a:off x="4437428" y="5661412"/>
-            <a:ext cx="649152" cy="369332"/>
-          </a:xfrm>
-          <a:prstGeom prst="rect">
-            <a:avLst/>
-          </a:prstGeom>
-          <a:noFill/>
-        </p:spPr>
-        <p:txBody>
-          <a:bodyPr wrap="none" rtlCol="0">
-            <a:spAutoFit/>
-          </a:bodyPr>
-          <a:lstStyle/>
-          <a:p>
-            <a:r>
-              <a:rPr lang="pt-BR" dirty="0" err="1" smtClean="0"/>
-              <a:t>Xsize</a:t>
-            </a:r>
-            <a:endParaRPr lang="pt-BR" dirty="0"/>
-          </a:p>
-        </p:txBody>
-      </p:sp>
-      <p:sp>
-        <p:nvSpPr>
-          <p:cNvPr id="2" name="Chave Esquerda 1"/>
-          <p:cNvSpPr/>
-          <p:nvPr/>
-        </p:nvSpPr>
-        <p:spPr>
-          <a:xfrm rot="16200000">
-            <a:off x="4592629" y="4862642"/>
-            <a:ext cx="350630" cy="1246910"/>
-          </a:xfrm>
-          <a:prstGeom prst="leftBrace">
-            <a:avLst/>
-          </a:prstGeom>
-        </p:spPr>
-        <p:style>
-          <a:lnRef idx="1">
-            <a:schemeClr val="accent1"/>
-          </a:lnRef>
-          <a:fillRef idx="0">
-            <a:schemeClr val="accent1"/>
-          </a:fillRef>
-          <a:effectRef idx="0">
-            <a:schemeClr val="accent1"/>
-          </a:effectRef>
-          <a:fontRef idx="minor">
-            <a:schemeClr val="tx1"/>
-          </a:fontRef>
-        </p:style>
-        <p:txBody>
-          <a:bodyPr rtlCol="0" anchor="ctr"/>
-          <a:lstStyle/>
-          <a:p>
-            <a:pPr algn="ctr"/>
-            <a:endParaRPr lang="pt-BR"/>
-          </a:p>
-        </p:txBody>
-      </p:sp>
-      <p:sp>
-        <p:nvSpPr>
-          <p:cNvPr id="36" name="Chave Esquerda 35"/>
-          <p:cNvSpPr/>
-          <p:nvPr/>
-        </p:nvSpPr>
-        <p:spPr>
-          <a:xfrm rot="10800000">
-            <a:off x="7968187" y="3967838"/>
-            <a:ext cx="350630" cy="1246910"/>
-          </a:xfrm>
-          <a:prstGeom prst="leftBrace">
-            <a:avLst/>
-          </a:prstGeom>
-        </p:spPr>
-        <p:style>
-          <a:lnRef idx="1">
-            <a:schemeClr val="accent1"/>
-          </a:lnRef>
-          <a:fillRef idx="0">
-            <a:schemeClr val="accent1"/>
-          </a:fillRef>
-          <a:effectRef idx="0">
-            <a:schemeClr val="accent1"/>
-          </a:effectRef>
-          <a:fontRef idx="minor">
-            <a:schemeClr val="tx1"/>
-          </a:fontRef>
-        </p:style>
-        <p:txBody>
-          <a:bodyPr rtlCol="0" anchor="ctr"/>
-          <a:lstStyle/>
-          <a:p>
-            <a:pPr algn="ctr"/>
-            <a:endParaRPr lang="pt-BR"/>
-          </a:p>
-        </p:txBody>
-      </p:sp>
-      <p:sp>
-        <p:nvSpPr>
-          <p:cNvPr id="37" name="CaixaDeTexto 36"/>
-          <p:cNvSpPr txBox="1"/>
-          <p:nvPr/>
-        </p:nvSpPr>
-        <p:spPr>
-          <a:xfrm>
-            <a:off x="8318817" y="4406627"/>
-            <a:ext cx="649152" cy="369332"/>
-          </a:xfrm>
-          <a:prstGeom prst="rect">
-            <a:avLst/>
-          </a:prstGeom>
-          <a:noFill/>
-        </p:spPr>
-        <p:txBody>
-          <a:bodyPr wrap="none" rtlCol="0">
-            <a:spAutoFit/>
-          </a:bodyPr>
-          <a:lstStyle/>
-          <a:p>
-            <a:r>
-              <a:rPr lang="pt-BR" dirty="0" err="1" smtClean="0"/>
-              <a:t>Ysize</a:t>
-            </a:r>
-            <a:endParaRPr lang="pt-BR" dirty="0"/>
-          </a:p>
-        </p:txBody>
-      </p:sp>
-      <p:sp>
-        <p:nvSpPr>
-          <p:cNvPr id="39" name="CaixaDeTexto 38"/>
-          <p:cNvSpPr txBox="1"/>
-          <p:nvPr/>
-        </p:nvSpPr>
-        <p:spPr>
-          <a:xfrm>
-            <a:off x="6087121" y="5728355"/>
-            <a:ext cx="2135521" cy="369332"/>
-          </a:xfrm>
-          <a:prstGeom prst="rect">
-            <a:avLst/>
-          </a:prstGeom>
-          <a:noFill/>
-        </p:spPr>
-        <p:txBody>
-          <a:bodyPr wrap="none" rtlCol="0">
-            <a:spAutoFit/>
-          </a:bodyPr>
-          <a:lstStyle/>
-          <a:p>
-            <a:r>
-              <a:rPr lang="pt-BR" dirty="0" err="1" smtClean="0"/>
-              <a:t>nX</a:t>
-            </a:r>
-            <a:r>
-              <a:rPr lang="pt-BR" dirty="0" smtClean="0"/>
-              <a:t> = 3; </a:t>
-            </a:r>
-            <a:r>
-              <a:rPr lang="pt-BR" dirty="0" err="1" smtClean="0"/>
-              <a:t>nY</a:t>
-            </a:r>
-            <a:r>
-              <a:rPr lang="pt-BR" dirty="0" smtClean="0"/>
-              <a:t> = 3; </a:t>
-            </a:r>
-            <a:r>
-              <a:rPr lang="pt-BR" dirty="0" err="1" smtClean="0"/>
-              <a:t>nZ</a:t>
-            </a:r>
-            <a:r>
-              <a:rPr lang="pt-BR" dirty="0" smtClean="0"/>
-              <a:t> = 1</a:t>
-            </a:r>
-            <a:endParaRPr lang="pt-BR" dirty="0"/>
-          </a:p>
-        </p:txBody>
-      </p:sp>
-      <p:sp>
-        <p:nvSpPr>
-          <p:cNvPr id="3" name="Triângulo isósceles 2"/>
-          <p:cNvSpPr/>
-          <p:nvPr/>
-        </p:nvSpPr>
-        <p:spPr>
-          <a:xfrm>
-            <a:off x="8371268" y="2508089"/>
-            <a:ext cx="272125" cy="1089410"/>
-          </a:xfrm>
-          <a:prstGeom prst="triangle">
-            <a:avLst/>
-          </a:prstGeom>
-        </p:spPr>
-        <p:style>
-          <a:lnRef idx="2">
-            <a:schemeClr val="accent1">
-              <a:shade val="50000"/>
-            </a:schemeClr>
-          </a:lnRef>
-          <a:fillRef idx="1">
-            <a:schemeClr val="accent1"/>
-          </a:fillRef>
-          <a:effectRef idx="0">
-            <a:schemeClr val="accent1"/>
-          </a:effectRef>
-          <a:fontRef idx="minor">
-            <a:schemeClr val="lt1"/>
-          </a:fontRef>
-        </p:style>
-        <p:txBody>
-          <a:bodyPr rtlCol="0" anchor="ctr"/>
-          <a:lstStyle/>
-          <a:p>
-            <a:pPr algn="ctr"/>
-            <a:endParaRPr lang="pt-BR"/>
-          </a:p>
-        </p:txBody>
-      </p:sp>
-      <p:sp>
-        <p:nvSpPr>
-          <p:cNvPr id="40" name="CaixaDeTexto 39"/>
-          <p:cNvSpPr txBox="1"/>
-          <p:nvPr/>
-        </p:nvSpPr>
-        <p:spPr>
-          <a:xfrm>
-            <a:off x="8282749" y="1972666"/>
-            <a:ext cx="449162" cy="584775"/>
-          </a:xfrm>
-          <a:prstGeom prst="rect">
-            <a:avLst/>
-          </a:prstGeom>
-          <a:noFill/>
-        </p:spPr>
-        <p:txBody>
-          <a:bodyPr wrap="none" rtlCol="0">
-            <a:spAutoFit/>
-          </a:bodyPr>
-          <a:lstStyle/>
-          <a:p>
-            <a:r>
-              <a:rPr lang="pt-BR" sz="3200" dirty="0" smtClean="0"/>
-              <a:t>N</a:t>
-            </a:r>
-            <a:endParaRPr lang="pt-BR" sz="3200" dirty="0"/>
-          </a:p>
-        </p:txBody>
-      </p:sp>
-    </p:spTree>
-    <p:extLst>
-      <p:ext uri="{BB962C8B-B14F-4D97-AF65-F5344CB8AC3E}">
-        <p14:creationId xmlns:p14="http://schemas.microsoft.com/office/powerpoint/2010/main" val="1501181051"/>
-      </p:ext>
-    </p:extLst>
-  </p:cSld>
-  <p:clrMapOvr>
-    <a:masterClrMapping/>
-  </p:clrMapOvr>
-  <p:timing>
-    <p:tnLst>
-      <p:par>
-        <p:cTn id="1" dur="indefinite" restart="never" nodeType="tmRoot"/>
-      </p:par>
-    </p:tnLst>
-  </p:timing>
-</p:sld>
-</file>
-
-<file path=ppt/slides/slide30.xml><?xml version="1.0" encoding="utf-8"?>
+<file path=ppt/slides/slide31.xml><?xml version="1.0" encoding="utf-8"?>
 <p:sld xmlns:a="http://schemas.openxmlformats.org/drawingml/2006/main" xmlns:r="http://schemas.openxmlformats.org/officeDocument/2006/relationships" xmlns:p="http://schemas.openxmlformats.org/presentationml/2006/main">
   <p:cSld>
     <p:spTree>

--- a/docs/figures.pptx
+++ b/docs/figures.pptx
@@ -201,10 +201,9 @@
           </a:lstStyle>
           <a:p>
             <a:r>
-              <a:rPr lang="pt-BR" smtClean="0"/>
+              <a:rPr lang="pt-BR"/>
               <a:t>Clique para editar o título mestre</a:t>
             </a:r>
-            <a:endParaRPr lang="pt-BR"/>
           </a:p>
         </p:txBody>
       </p:sp>
@@ -266,10 +265,9 @@
           </a:lstStyle>
           <a:p>
             <a:r>
-              <a:rPr lang="pt-BR" smtClean="0"/>
+              <a:rPr lang="pt-BR"/>
               <a:t>Clique para editar o estilo do subtítulo mestre</a:t>
             </a:r>
-            <a:endParaRPr lang="pt-BR"/>
           </a:p>
         </p:txBody>
       </p:sp>
@@ -290,7 +288,7 @@
           <a:p>
             <a:fld id="{5827CF75-21ED-4285-9C22-184A8788EFA2}" type="datetimeFigureOut">
               <a:rPr lang="pt-BR" smtClean="0"/>
-              <a:t>16/07/2021</a:t>
+              <a:t>03/04/2022</a:t>
             </a:fld>
             <a:endParaRPr lang="pt-BR"/>
           </a:p>
@@ -384,10 +382,9 @@
           <a:lstStyle/>
           <a:p>
             <a:r>
-              <a:rPr lang="pt-BR" smtClean="0"/>
+              <a:rPr lang="pt-BR"/>
               <a:t>Clique para editar o título mestre</a:t>
             </a:r>
-            <a:endParaRPr lang="pt-BR"/>
           </a:p>
         </p:txBody>
       </p:sp>
@@ -408,38 +405,37 @@
           <a:p>
             <a:pPr lvl="0"/>
             <a:r>
-              <a:rPr lang="pt-BR" smtClean="0"/>
+              <a:rPr lang="pt-BR"/>
               <a:t>Clique para editar o texto mestre</a:t>
             </a:r>
           </a:p>
           <a:p>
             <a:pPr lvl="1"/>
             <a:r>
-              <a:rPr lang="pt-BR" smtClean="0"/>
+              <a:rPr lang="pt-BR"/>
               <a:t>Segundo nível</a:t>
             </a:r>
           </a:p>
           <a:p>
             <a:pPr lvl="2"/>
             <a:r>
-              <a:rPr lang="pt-BR" smtClean="0"/>
+              <a:rPr lang="pt-BR"/>
               <a:t>Terceiro nível</a:t>
             </a:r>
           </a:p>
           <a:p>
             <a:pPr lvl="3"/>
             <a:r>
-              <a:rPr lang="pt-BR" smtClean="0"/>
+              <a:rPr lang="pt-BR"/>
               <a:t>Quarto nível</a:t>
             </a:r>
           </a:p>
           <a:p>
             <a:pPr lvl="4"/>
             <a:r>
-              <a:rPr lang="pt-BR" smtClean="0"/>
+              <a:rPr lang="pt-BR"/>
               <a:t>Quinto nível</a:t>
             </a:r>
-            <a:endParaRPr lang="pt-BR"/>
           </a:p>
         </p:txBody>
       </p:sp>
@@ -460,7 +456,7 @@
           <a:p>
             <a:fld id="{5827CF75-21ED-4285-9C22-184A8788EFA2}" type="datetimeFigureOut">
               <a:rPr lang="pt-BR" smtClean="0"/>
-              <a:t>16/07/2021</a:t>
+              <a:t>03/04/2022</a:t>
             </a:fld>
             <a:endParaRPr lang="pt-BR"/>
           </a:p>
@@ -559,10 +555,9 @@
           <a:lstStyle/>
           <a:p>
             <a:r>
-              <a:rPr lang="pt-BR" smtClean="0"/>
+              <a:rPr lang="pt-BR"/>
               <a:t>Clique para editar o título mestre</a:t>
             </a:r>
-            <a:endParaRPr lang="pt-BR"/>
           </a:p>
         </p:txBody>
       </p:sp>
@@ -588,38 +583,37 @@
           <a:p>
             <a:pPr lvl="0"/>
             <a:r>
-              <a:rPr lang="pt-BR" smtClean="0"/>
+              <a:rPr lang="pt-BR"/>
               <a:t>Clique para editar o texto mestre</a:t>
             </a:r>
           </a:p>
           <a:p>
             <a:pPr lvl="1"/>
             <a:r>
-              <a:rPr lang="pt-BR" smtClean="0"/>
+              <a:rPr lang="pt-BR"/>
               <a:t>Segundo nível</a:t>
             </a:r>
           </a:p>
           <a:p>
             <a:pPr lvl="2"/>
             <a:r>
-              <a:rPr lang="pt-BR" smtClean="0"/>
+              <a:rPr lang="pt-BR"/>
               <a:t>Terceiro nível</a:t>
             </a:r>
           </a:p>
           <a:p>
             <a:pPr lvl="3"/>
             <a:r>
-              <a:rPr lang="pt-BR" smtClean="0"/>
+              <a:rPr lang="pt-BR"/>
               <a:t>Quarto nível</a:t>
             </a:r>
           </a:p>
           <a:p>
             <a:pPr lvl="4"/>
             <a:r>
-              <a:rPr lang="pt-BR" smtClean="0"/>
+              <a:rPr lang="pt-BR"/>
               <a:t>Quinto nível</a:t>
             </a:r>
-            <a:endParaRPr lang="pt-BR"/>
           </a:p>
         </p:txBody>
       </p:sp>
@@ -640,7 +634,7 @@
           <a:p>
             <a:fld id="{5827CF75-21ED-4285-9C22-184A8788EFA2}" type="datetimeFigureOut">
               <a:rPr lang="pt-BR" smtClean="0"/>
-              <a:t>16/07/2021</a:t>
+              <a:t>03/04/2022</a:t>
             </a:fld>
             <a:endParaRPr lang="pt-BR"/>
           </a:p>
@@ -734,10 +728,9 @@
           <a:lstStyle/>
           <a:p>
             <a:r>
-              <a:rPr lang="pt-BR" smtClean="0"/>
+              <a:rPr lang="pt-BR"/>
               <a:t>Clique para editar o título mestre</a:t>
             </a:r>
-            <a:endParaRPr lang="pt-BR"/>
           </a:p>
         </p:txBody>
       </p:sp>
@@ -758,38 +751,37 @@
           <a:p>
             <a:pPr lvl="0"/>
             <a:r>
-              <a:rPr lang="pt-BR" smtClean="0"/>
+              <a:rPr lang="pt-BR"/>
               <a:t>Clique para editar o texto mestre</a:t>
             </a:r>
           </a:p>
           <a:p>
             <a:pPr lvl="1"/>
             <a:r>
-              <a:rPr lang="pt-BR" smtClean="0"/>
+              <a:rPr lang="pt-BR"/>
               <a:t>Segundo nível</a:t>
             </a:r>
           </a:p>
           <a:p>
             <a:pPr lvl="2"/>
             <a:r>
-              <a:rPr lang="pt-BR" smtClean="0"/>
+              <a:rPr lang="pt-BR"/>
               <a:t>Terceiro nível</a:t>
             </a:r>
           </a:p>
           <a:p>
             <a:pPr lvl="3"/>
             <a:r>
-              <a:rPr lang="pt-BR" smtClean="0"/>
+              <a:rPr lang="pt-BR"/>
               <a:t>Quarto nível</a:t>
             </a:r>
           </a:p>
           <a:p>
             <a:pPr lvl="4"/>
             <a:r>
-              <a:rPr lang="pt-BR" smtClean="0"/>
+              <a:rPr lang="pt-BR"/>
               <a:t>Quinto nível</a:t>
             </a:r>
-            <a:endParaRPr lang="pt-BR"/>
           </a:p>
         </p:txBody>
       </p:sp>
@@ -810,7 +802,7 @@
           <a:p>
             <a:fld id="{5827CF75-21ED-4285-9C22-184A8788EFA2}" type="datetimeFigureOut">
               <a:rPr lang="pt-BR" smtClean="0"/>
-              <a:t>16/07/2021</a:t>
+              <a:t>03/04/2022</a:t>
             </a:fld>
             <a:endParaRPr lang="pt-BR"/>
           </a:p>
@@ -913,10 +905,9 @@
           </a:lstStyle>
           <a:p>
             <a:r>
-              <a:rPr lang="pt-BR" smtClean="0"/>
+              <a:rPr lang="pt-BR"/>
               <a:t>Clique para editar o título mestre</a:t>
             </a:r>
-            <a:endParaRPr lang="pt-BR"/>
           </a:p>
         </p:txBody>
       </p:sp>
@@ -1033,7 +1024,7 @@
           <a:p>
             <a:pPr lvl="0"/>
             <a:r>
-              <a:rPr lang="pt-BR" smtClean="0"/>
+              <a:rPr lang="pt-BR"/>
               <a:t>Clique para editar o texto mestre</a:t>
             </a:r>
           </a:p>
@@ -1056,7 +1047,7 @@
           <a:p>
             <a:fld id="{5827CF75-21ED-4285-9C22-184A8788EFA2}" type="datetimeFigureOut">
               <a:rPr lang="pt-BR" smtClean="0"/>
-              <a:t>16/07/2021</a:t>
+              <a:t>03/04/2022</a:t>
             </a:fld>
             <a:endParaRPr lang="pt-BR"/>
           </a:p>
@@ -1150,10 +1141,9 @@
           <a:lstStyle/>
           <a:p>
             <a:r>
-              <a:rPr lang="pt-BR" smtClean="0"/>
+              <a:rPr lang="pt-BR"/>
               <a:t>Clique para editar o título mestre</a:t>
             </a:r>
-            <a:endParaRPr lang="pt-BR"/>
           </a:p>
         </p:txBody>
       </p:sp>
@@ -1179,38 +1169,37 @@
           <a:p>
             <a:pPr lvl="0"/>
             <a:r>
-              <a:rPr lang="pt-BR" smtClean="0"/>
+              <a:rPr lang="pt-BR"/>
               <a:t>Clique para editar o texto mestre</a:t>
             </a:r>
           </a:p>
           <a:p>
             <a:pPr lvl="1"/>
             <a:r>
-              <a:rPr lang="pt-BR" smtClean="0"/>
+              <a:rPr lang="pt-BR"/>
               <a:t>Segundo nível</a:t>
             </a:r>
           </a:p>
           <a:p>
             <a:pPr lvl="2"/>
             <a:r>
-              <a:rPr lang="pt-BR" smtClean="0"/>
+              <a:rPr lang="pt-BR"/>
               <a:t>Terceiro nível</a:t>
             </a:r>
           </a:p>
           <a:p>
             <a:pPr lvl="3"/>
             <a:r>
-              <a:rPr lang="pt-BR" smtClean="0"/>
+              <a:rPr lang="pt-BR"/>
               <a:t>Quarto nível</a:t>
             </a:r>
           </a:p>
           <a:p>
             <a:pPr lvl="4"/>
             <a:r>
-              <a:rPr lang="pt-BR" smtClean="0"/>
+              <a:rPr lang="pt-BR"/>
               <a:t>Quinto nível</a:t>
             </a:r>
-            <a:endParaRPr lang="pt-BR"/>
           </a:p>
         </p:txBody>
       </p:sp>
@@ -1236,38 +1225,37 @@
           <a:p>
             <a:pPr lvl="0"/>
             <a:r>
-              <a:rPr lang="pt-BR" smtClean="0"/>
+              <a:rPr lang="pt-BR"/>
               <a:t>Clique para editar o texto mestre</a:t>
             </a:r>
           </a:p>
           <a:p>
             <a:pPr lvl="1"/>
             <a:r>
-              <a:rPr lang="pt-BR" smtClean="0"/>
+              <a:rPr lang="pt-BR"/>
               <a:t>Segundo nível</a:t>
             </a:r>
           </a:p>
           <a:p>
             <a:pPr lvl="2"/>
             <a:r>
-              <a:rPr lang="pt-BR" smtClean="0"/>
+              <a:rPr lang="pt-BR"/>
               <a:t>Terceiro nível</a:t>
             </a:r>
           </a:p>
           <a:p>
             <a:pPr lvl="3"/>
             <a:r>
-              <a:rPr lang="pt-BR" smtClean="0"/>
+              <a:rPr lang="pt-BR"/>
               <a:t>Quarto nível</a:t>
             </a:r>
           </a:p>
           <a:p>
             <a:pPr lvl="4"/>
             <a:r>
-              <a:rPr lang="pt-BR" smtClean="0"/>
+              <a:rPr lang="pt-BR"/>
               <a:t>Quinto nível</a:t>
             </a:r>
-            <a:endParaRPr lang="pt-BR"/>
           </a:p>
         </p:txBody>
       </p:sp>
@@ -1288,7 +1276,7 @@
           <a:p>
             <a:fld id="{5827CF75-21ED-4285-9C22-184A8788EFA2}" type="datetimeFigureOut">
               <a:rPr lang="pt-BR" smtClean="0"/>
-              <a:t>16/07/2021</a:t>
+              <a:t>03/04/2022</a:t>
             </a:fld>
             <a:endParaRPr lang="pt-BR"/>
           </a:p>
@@ -1387,10 +1375,9 @@
           <a:lstStyle/>
           <a:p>
             <a:r>
-              <a:rPr lang="pt-BR" smtClean="0"/>
+              <a:rPr lang="pt-BR"/>
               <a:t>Clique para editar o título mestre</a:t>
             </a:r>
-            <a:endParaRPr lang="pt-BR"/>
           </a:p>
         </p:txBody>
       </p:sp>
@@ -1453,7 +1440,7 @@
           <a:p>
             <a:pPr lvl="0"/>
             <a:r>
-              <a:rPr lang="pt-BR" smtClean="0"/>
+              <a:rPr lang="pt-BR"/>
               <a:t>Clique para editar o texto mestre</a:t>
             </a:r>
           </a:p>
@@ -1481,38 +1468,37 @@
           <a:p>
             <a:pPr lvl="0"/>
             <a:r>
-              <a:rPr lang="pt-BR" smtClean="0"/>
+              <a:rPr lang="pt-BR"/>
               <a:t>Clique para editar o texto mestre</a:t>
             </a:r>
           </a:p>
           <a:p>
             <a:pPr lvl="1"/>
             <a:r>
-              <a:rPr lang="pt-BR" smtClean="0"/>
+              <a:rPr lang="pt-BR"/>
               <a:t>Segundo nível</a:t>
             </a:r>
           </a:p>
           <a:p>
             <a:pPr lvl="2"/>
             <a:r>
-              <a:rPr lang="pt-BR" smtClean="0"/>
+              <a:rPr lang="pt-BR"/>
               <a:t>Terceiro nível</a:t>
             </a:r>
           </a:p>
           <a:p>
             <a:pPr lvl="3"/>
             <a:r>
-              <a:rPr lang="pt-BR" smtClean="0"/>
+              <a:rPr lang="pt-BR"/>
               <a:t>Quarto nível</a:t>
             </a:r>
           </a:p>
           <a:p>
             <a:pPr lvl="4"/>
             <a:r>
-              <a:rPr lang="pt-BR" smtClean="0"/>
+              <a:rPr lang="pt-BR"/>
               <a:t>Quinto nível</a:t>
             </a:r>
-            <a:endParaRPr lang="pt-BR"/>
           </a:p>
         </p:txBody>
       </p:sp>
@@ -1575,7 +1561,7 @@
           <a:p>
             <a:pPr lvl="0"/>
             <a:r>
-              <a:rPr lang="pt-BR" smtClean="0"/>
+              <a:rPr lang="pt-BR"/>
               <a:t>Clique para editar o texto mestre</a:t>
             </a:r>
           </a:p>
@@ -1603,38 +1589,37 @@
           <a:p>
             <a:pPr lvl="0"/>
             <a:r>
-              <a:rPr lang="pt-BR" smtClean="0"/>
+              <a:rPr lang="pt-BR"/>
               <a:t>Clique para editar o texto mestre</a:t>
             </a:r>
           </a:p>
           <a:p>
             <a:pPr lvl="1"/>
             <a:r>
-              <a:rPr lang="pt-BR" smtClean="0"/>
+              <a:rPr lang="pt-BR"/>
               <a:t>Segundo nível</a:t>
             </a:r>
           </a:p>
           <a:p>
             <a:pPr lvl="2"/>
             <a:r>
-              <a:rPr lang="pt-BR" smtClean="0"/>
+              <a:rPr lang="pt-BR"/>
               <a:t>Terceiro nível</a:t>
             </a:r>
           </a:p>
           <a:p>
             <a:pPr lvl="3"/>
             <a:r>
-              <a:rPr lang="pt-BR" smtClean="0"/>
+              <a:rPr lang="pt-BR"/>
               <a:t>Quarto nível</a:t>
             </a:r>
           </a:p>
           <a:p>
             <a:pPr lvl="4"/>
             <a:r>
-              <a:rPr lang="pt-BR" smtClean="0"/>
+              <a:rPr lang="pt-BR"/>
               <a:t>Quinto nível</a:t>
             </a:r>
-            <a:endParaRPr lang="pt-BR"/>
           </a:p>
         </p:txBody>
       </p:sp>
@@ -1655,7 +1640,7 @@
           <a:p>
             <a:fld id="{5827CF75-21ED-4285-9C22-184A8788EFA2}" type="datetimeFigureOut">
               <a:rPr lang="pt-BR" smtClean="0"/>
-              <a:t>16/07/2021</a:t>
+              <a:t>03/04/2022</a:t>
             </a:fld>
             <a:endParaRPr lang="pt-BR"/>
           </a:p>
@@ -1749,10 +1734,9 @@
           <a:lstStyle/>
           <a:p>
             <a:r>
-              <a:rPr lang="pt-BR" smtClean="0"/>
+              <a:rPr lang="pt-BR"/>
               <a:t>Clique para editar o título mestre</a:t>
             </a:r>
-            <a:endParaRPr lang="pt-BR"/>
           </a:p>
         </p:txBody>
       </p:sp>
@@ -1773,7 +1757,7 @@
           <a:p>
             <a:fld id="{5827CF75-21ED-4285-9C22-184A8788EFA2}" type="datetimeFigureOut">
               <a:rPr lang="pt-BR" smtClean="0"/>
-              <a:t>16/07/2021</a:t>
+              <a:t>03/04/2022</a:t>
             </a:fld>
             <a:endParaRPr lang="pt-BR"/>
           </a:p>
@@ -1868,7 +1852,7 @@
           <a:p>
             <a:fld id="{5827CF75-21ED-4285-9C22-184A8788EFA2}" type="datetimeFigureOut">
               <a:rPr lang="pt-BR" smtClean="0"/>
-              <a:t>16/07/2021</a:t>
+              <a:t>03/04/2022</a:t>
             </a:fld>
             <a:endParaRPr lang="pt-BR"/>
           </a:p>
@@ -1971,10 +1955,9 @@
           </a:lstStyle>
           <a:p>
             <a:r>
-              <a:rPr lang="pt-BR" smtClean="0"/>
+              <a:rPr lang="pt-BR"/>
               <a:t>Clique para editar o título mestre</a:t>
             </a:r>
-            <a:endParaRPr lang="pt-BR"/>
           </a:p>
         </p:txBody>
       </p:sp>
@@ -2028,38 +2011,37 @@
           <a:p>
             <a:pPr lvl="0"/>
             <a:r>
-              <a:rPr lang="pt-BR" smtClean="0"/>
+              <a:rPr lang="pt-BR"/>
               <a:t>Clique para editar o texto mestre</a:t>
             </a:r>
           </a:p>
           <a:p>
             <a:pPr lvl="1"/>
             <a:r>
-              <a:rPr lang="pt-BR" smtClean="0"/>
+              <a:rPr lang="pt-BR"/>
               <a:t>Segundo nível</a:t>
             </a:r>
           </a:p>
           <a:p>
             <a:pPr lvl="2"/>
             <a:r>
-              <a:rPr lang="pt-BR" smtClean="0"/>
+              <a:rPr lang="pt-BR"/>
               <a:t>Terceiro nível</a:t>
             </a:r>
           </a:p>
           <a:p>
             <a:pPr lvl="3"/>
             <a:r>
-              <a:rPr lang="pt-BR" smtClean="0"/>
+              <a:rPr lang="pt-BR"/>
               <a:t>Quarto nível</a:t>
             </a:r>
           </a:p>
           <a:p>
             <a:pPr lvl="4"/>
             <a:r>
-              <a:rPr lang="pt-BR" smtClean="0"/>
+              <a:rPr lang="pt-BR"/>
               <a:t>Quinto nível</a:t>
             </a:r>
-            <a:endParaRPr lang="pt-BR"/>
           </a:p>
         </p:txBody>
       </p:sp>
@@ -2122,7 +2104,7 @@
           <a:p>
             <a:pPr lvl="0"/>
             <a:r>
-              <a:rPr lang="pt-BR" smtClean="0"/>
+              <a:rPr lang="pt-BR"/>
               <a:t>Clique para editar o texto mestre</a:t>
             </a:r>
           </a:p>
@@ -2145,7 +2127,7 @@
           <a:p>
             <a:fld id="{5827CF75-21ED-4285-9C22-184A8788EFA2}" type="datetimeFigureOut">
               <a:rPr lang="pt-BR" smtClean="0"/>
-              <a:t>16/07/2021</a:t>
+              <a:t>03/04/2022</a:t>
             </a:fld>
             <a:endParaRPr lang="pt-BR"/>
           </a:p>
@@ -2248,10 +2230,9 @@
           </a:lstStyle>
           <a:p>
             <a:r>
-              <a:rPr lang="pt-BR" smtClean="0"/>
+              <a:rPr lang="pt-BR"/>
               <a:t>Clique para editar o título mestre</a:t>
             </a:r>
-            <a:endParaRPr lang="pt-BR"/>
           </a:p>
         </p:txBody>
       </p:sp>
@@ -2375,7 +2356,7 @@
           <a:p>
             <a:pPr lvl="0"/>
             <a:r>
-              <a:rPr lang="pt-BR" smtClean="0"/>
+              <a:rPr lang="pt-BR"/>
               <a:t>Clique para editar o texto mestre</a:t>
             </a:r>
           </a:p>
@@ -2398,7 +2379,7 @@
           <a:p>
             <a:fld id="{5827CF75-21ED-4285-9C22-184A8788EFA2}" type="datetimeFigureOut">
               <a:rPr lang="pt-BR" smtClean="0"/>
-              <a:t>16/07/2021</a:t>
+              <a:t>03/04/2022</a:t>
             </a:fld>
             <a:endParaRPr lang="pt-BR"/>
           </a:p>
@@ -2507,10 +2488,9 @@
           <a:lstStyle/>
           <a:p>
             <a:r>
-              <a:rPr lang="pt-BR" smtClean="0"/>
+              <a:rPr lang="pt-BR"/>
               <a:t>Clique para editar o título mestre</a:t>
             </a:r>
-            <a:endParaRPr lang="pt-BR"/>
           </a:p>
         </p:txBody>
       </p:sp>
@@ -2541,38 +2521,37 @@
           <a:p>
             <a:pPr lvl="0"/>
             <a:r>
-              <a:rPr lang="pt-BR" smtClean="0"/>
+              <a:rPr lang="pt-BR"/>
               <a:t>Clique para editar o texto mestre</a:t>
             </a:r>
           </a:p>
           <a:p>
             <a:pPr lvl="1"/>
             <a:r>
-              <a:rPr lang="pt-BR" smtClean="0"/>
+              <a:rPr lang="pt-BR"/>
               <a:t>Segundo nível</a:t>
             </a:r>
           </a:p>
           <a:p>
             <a:pPr lvl="2"/>
             <a:r>
-              <a:rPr lang="pt-BR" smtClean="0"/>
+              <a:rPr lang="pt-BR"/>
               <a:t>Terceiro nível</a:t>
             </a:r>
           </a:p>
           <a:p>
             <a:pPr lvl="3"/>
             <a:r>
-              <a:rPr lang="pt-BR" smtClean="0"/>
+              <a:rPr lang="pt-BR"/>
               <a:t>Quarto nível</a:t>
             </a:r>
           </a:p>
           <a:p>
             <a:pPr lvl="4"/>
             <a:r>
-              <a:rPr lang="pt-BR" smtClean="0"/>
+              <a:rPr lang="pt-BR"/>
               <a:t>Quinto nível</a:t>
             </a:r>
-            <a:endParaRPr lang="pt-BR"/>
           </a:p>
         </p:txBody>
       </p:sp>
@@ -2611,7 +2590,7 @@
           <a:p>
             <a:fld id="{5827CF75-21ED-4285-9C22-184A8788EFA2}" type="datetimeFigureOut">
               <a:rPr lang="pt-BR" smtClean="0"/>
-              <a:t>16/07/2021</a:t>
+              <a:t>03/04/2022</a:t>
             </a:fld>
             <a:endParaRPr lang="pt-BR"/>
           </a:p>
@@ -3246,14 +3225,13 @@
           <a:lstStyle/>
           <a:p>
             <a:r>
-              <a:rPr lang="pt-BR" dirty="0" err="1" smtClean="0"/>
+              <a:rPr lang="pt-BR" dirty="0" err="1"/>
               <a:t>Proportion</a:t>
             </a:r>
             <a:r>
-              <a:rPr lang="pt-BR" dirty="0" smtClean="0"/>
+              <a:rPr lang="pt-BR" dirty="0"/>
               <a:t> of</a:t>
             </a:r>
-            <a:endParaRPr lang="pt-BR" dirty="0"/>
           </a:p>
         </p:txBody>
       </p:sp>
@@ -3267,13 +3245,6 @@
   <p:clrMapOvr>
     <a:masterClrMapping/>
   </p:clrMapOvr>
-  <p:timing>
-    <p:tnLst>
-      <p:par>
-        <p:cTn id="1" dur="indefinite" restart="never" nodeType="tmRoot"/>
-      </p:par>
-    </p:tnLst>
-  </p:timing>
 </p:sld>
 </file>
 
@@ -3717,10 +3688,9 @@
           <a:lstStyle/>
           <a:p>
             <a:r>
-              <a:rPr lang="pt-BR" sz="1200" dirty="0" smtClean="0"/>
+              <a:rPr lang="pt-BR" sz="1200" dirty="0"/>
               <a:t>FFT</a:t>
             </a:r>
-            <a:endParaRPr lang="pt-BR" sz="1200" dirty="0"/>
           </a:p>
         </p:txBody>
       </p:sp>
@@ -3819,22 +3789,21 @@
           <a:lstStyle/>
           <a:p>
             <a:r>
-              <a:rPr lang="pt-BR" sz="1200" dirty="0" err="1" smtClean="0"/>
+              <a:rPr lang="pt-BR" sz="1200" dirty="0" err="1"/>
               <a:t>phase</a:t>
             </a:r>
             <a:r>
-              <a:rPr lang="pt-BR" sz="1200" dirty="0" smtClean="0"/>
+              <a:rPr lang="pt-BR" sz="1200" dirty="0"/>
               <a:t> (</a:t>
             </a:r>
             <a:r>
-              <a:rPr lang="el-GR" sz="1200" dirty="0" smtClean="0"/>
+              <a:rPr lang="el-GR" sz="1200" dirty="0"/>
               <a:t>φ</a:t>
             </a:r>
             <a:r>
-              <a:rPr lang="pt-BR" sz="1200" dirty="0" smtClean="0"/>
+              <a:rPr lang="pt-BR" sz="1200" dirty="0"/>
               <a:t>)</a:t>
             </a:r>
-            <a:endParaRPr lang="pt-BR" sz="1200" dirty="0"/>
           </a:p>
         </p:txBody>
       </p:sp>
@@ -3861,18 +3830,17 @@
           <a:lstStyle/>
           <a:p>
             <a:r>
-              <a:rPr lang="pt-BR" sz="1200" dirty="0" smtClean="0"/>
+              <a:rPr lang="pt-BR" sz="1200" dirty="0"/>
               <a:t>real </a:t>
             </a:r>
             <a:r>
-              <a:rPr lang="pt-BR" sz="1200" dirty="0" err="1" smtClean="0"/>
+              <a:rPr lang="pt-BR" sz="1200" dirty="0" err="1"/>
               <a:t>part</a:t>
             </a:r>
             <a:r>
-              <a:rPr lang="pt-BR" sz="1200" dirty="0" smtClean="0"/>
+              <a:rPr lang="pt-BR" sz="1200" dirty="0"/>
               <a:t> (a)</a:t>
             </a:r>
-            <a:endParaRPr lang="pt-BR" sz="1200" dirty="0"/>
           </a:p>
         </p:txBody>
       </p:sp>
@@ -3899,22 +3867,21 @@
           <a:lstStyle/>
           <a:p>
             <a:r>
-              <a:rPr lang="pt-BR" sz="1200" dirty="0" err="1" smtClean="0"/>
+              <a:rPr lang="pt-BR" sz="1200" dirty="0" err="1"/>
               <a:t>imaginary</a:t>
             </a:r>
             <a:r>
-              <a:rPr lang="pt-BR" sz="1200" dirty="0" smtClean="0"/>
+              <a:rPr lang="pt-BR" sz="1200" dirty="0"/>
               <a:t> </a:t>
             </a:r>
             <a:r>
-              <a:rPr lang="pt-BR" sz="1200" dirty="0" err="1" smtClean="0"/>
+              <a:rPr lang="pt-BR" sz="1200" dirty="0" err="1"/>
               <a:t>part</a:t>
             </a:r>
             <a:r>
-              <a:rPr lang="pt-BR" sz="1200" dirty="0" smtClean="0"/>
+              <a:rPr lang="pt-BR" sz="1200" dirty="0"/>
               <a:t> (b)</a:t>
             </a:r>
-            <a:endParaRPr lang="pt-BR" sz="1200" dirty="0"/>
           </a:p>
         </p:txBody>
       </p:sp>
@@ -3946,47 +3913,47 @@
           <a:lstStyle/>
           <a:p>
             <a:r>
-              <a:rPr lang="pt-BR" sz="1200" dirty="0" smtClean="0"/>
+              <a:rPr lang="pt-BR" sz="1200" dirty="0"/>
               <a:t>||z|| = z ∙ z* = </a:t>
             </a:r>
           </a:p>
           <a:p>
             <a:r>
-              <a:rPr lang="pt-BR" sz="1200" dirty="0" smtClean="0"/>
+              <a:rPr lang="pt-BR" sz="1200" dirty="0"/>
               <a:t>(</a:t>
             </a:r>
             <a:r>
-              <a:rPr lang="pt-BR" sz="1200" dirty="0" err="1" smtClean="0"/>
+              <a:rPr lang="pt-BR" sz="1200" dirty="0" err="1"/>
               <a:t>a+bi</a:t>
             </a:r>
             <a:r>
-              <a:rPr lang="pt-BR" sz="1200" dirty="0" smtClean="0"/>
+              <a:rPr lang="pt-BR" sz="1200" dirty="0"/>
               <a:t>)(</a:t>
             </a:r>
             <a:r>
-              <a:rPr lang="pt-BR" sz="1200" dirty="0" err="1" smtClean="0"/>
+              <a:rPr lang="pt-BR" sz="1200" dirty="0" err="1"/>
               <a:t>a-bi</a:t>
             </a:r>
             <a:r>
-              <a:rPr lang="pt-BR" sz="1200" dirty="0" smtClean="0"/>
+              <a:rPr lang="pt-BR" sz="1200" dirty="0"/>
               <a:t>)=</a:t>
             </a:r>
           </a:p>
           <a:p>
             <a:r>
-              <a:rPr lang="pt-BR" sz="1200" dirty="0" smtClean="0"/>
+              <a:rPr lang="pt-BR" sz="1200" dirty="0"/>
               <a:t>a</a:t>
             </a:r>
             <a:r>
-              <a:rPr lang="pt-BR" sz="1200" baseline="30000" dirty="0" smtClean="0"/>
+              <a:rPr lang="pt-BR" sz="1200" baseline="30000" dirty="0"/>
               <a:t>2</a:t>
             </a:r>
             <a:r>
-              <a:rPr lang="pt-BR" sz="1200" dirty="0" smtClean="0"/>
+              <a:rPr lang="pt-BR" sz="1200" dirty="0"/>
               <a:t>+b</a:t>
             </a:r>
             <a:r>
-              <a:rPr lang="pt-BR" sz="1200" baseline="30000" dirty="0" smtClean="0"/>
+              <a:rPr lang="pt-BR" sz="1200" baseline="30000" dirty="0"/>
               <a:t>2</a:t>
             </a:r>
             <a:endParaRPr lang="pt-BR" sz="1200" dirty="0"/>
@@ -4137,10 +4104,9 @@
           <a:lstStyle/>
           <a:p>
             <a:r>
-              <a:rPr lang="pt-BR" sz="1200" dirty="0" smtClean="0"/>
+              <a:rPr lang="pt-BR" sz="1200" dirty="0"/>
               <a:t>M</a:t>
             </a:r>
-            <a:endParaRPr lang="pt-BR" sz="1200" dirty="0"/>
           </a:p>
         </p:txBody>
       </p:sp>
@@ -4169,17 +4135,13 @@
             <a:pPr algn="ctr"/>
             <a:r>
               <a:rPr lang="pt-BR" sz="1200" dirty="0"/>
-              <a:t>v</a:t>
-            </a:r>
-            <a:r>
-              <a:rPr lang="pt-BR" sz="1200" dirty="0" smtClean="0"/>
-              <a:t>ariographic</a:t>
+              <a:t>variographic</a:t>
             </a:r>
           </a:p>
           <a:p>
             <a:pPr algn="ctr"/>
             <a:r>
-              <a:rPr lang="pt-BR" sz="1200" dirty="0" err="1" smtClean="0"/>
+              <a:rPr lang="pt-BR" sz="1200" dirty="0" err="1"/>
               <a:t>map</a:t>
             </a:r>
             <a:endParaRPr lang="pt-BR" sz="1200" dirty="0"/>
@@ -4209,10 +4171,9 @@
           <a:lstStyle/>
           <a:p>
             <a:r>
-              <a:rPr lang="pt-BR" sz="1200" dirty="0" smtClean="0"/>
+              <a:rPr lang="pt-BR" sz="1200" dirty="0"/>
               <a:t>RFFT</a:t>
             </a:r>
-            <a:endParaRPr lang="pt-BR" sz="1200" dirty="0"/>
           </a:p>
         </p:txBody>
       </p:sp>
@@ -4243,10 +4204,9 @@
               <a:t>φ </a:t>
             </a:r>
             <a:r>
-              <a:rPr lang="pt-BR" sz="1200" dirty="0" smtClean="0"/>
+              <a:rPr lang="pt-BR" sz="1200" dirty="0"/>
               <a:t>zero</a:t>
             </a:r>
-            <a:endParaRPr lang="pt-BR" sz="1200" dirty="0"/>
           </a:p>
         </p:txBody>
       </p:sp>
@@ -4345,10 +4305,9 @@
           <a:lstStyle/>
           <a:p>
             <a:r>
-              <a:rPr lang="pt-BR" sz="1200" dirty="0" smtClean="0"/>
+              <a:rPr lang="pt-BR" sz="1200" dirty="0"/>
               <a:t>SVD</a:t>
             </a:r>
-            <a:endParaRPr lang="pt-BR" sz="1200" dirty="0"/>
           </a:p>
         </p:txBody>
       </p:sp>
@@ -4412,11 +4371,11 @@
           <a:p>
             <a:pPr algn="ctr"/>
             <a:r>
-              <a:rPr lang="el-GR" sz="1200" dirty="0" smtClean="0"/>
+              <a:rPr lang="el-GR" sz="1200" dirty="0"/>
               <a:t>φ</a:t>
             </a:r>
             <a:r>
-              <a:rPr lang="pt-BR" sz="1200" dirty="0" smtClean="0"/>
+              <a:rPr lang="pt-BR" sz="1200" dirty="0"/>
               <a:t> zero</a:t>
             </a:r>
             <a:endParaRPr lang="pt-BR" sz="900" dirty="0"/>
@@ -4446,10 +4405,9 @@
           <a:lstStyle/>
           <a:p>
             <a:r>
-              <a:rPr lang="pt-BR" sz="1200" dirty="0" smtClean="0"/>
+              <a:rPr lang="pt-BR" sz="1200" dirty="0"/>
               <a:t>magnitude (|z|)</a:t>
             </a:r>
-            <a:endParaRPr lang="pt-BR" sz="1200" dirty="0"/>
           </a:p>
         </p:txBody>
       </p:sp>
@@ -4476,10 +4434,9 @@
           <a:lstStyle/>
           <a:p>
             <a:r>
-              <a:rPr lang="pt-BR" sz="1200" dirty="0" smtClean="0"/>
+              <a:rPr lang="pt-BR" sz="1200" dirty="0"/>
               <a:t>RFFT</a:t>
             </a:r>
-            <a:endParaRPr lang="pt-BR" sz="1200" dirty="0"/>
           </a:p>
         </p:txBody>
       </p:sp>
@@ -4735,18 +4692,18 @@
           <a:p>
             <a:pPr algn="ctr"/>
             <a:r>
-              <a:rPr lang="pt-BR" sz="1200" i="1" dirty="0" smtClean="0"/>
+              <a:rPr lang="pt-BR" sz="1200" i="1" dirty="0"/>
               <a:t>n</a:t>
             </a:r>
             <a:r>
-              <a:rPr lang="pt-BR" sz="1200" dirty="0" smtClean="0"/>
+              <a:rPr lang="pt-BR" sz="1200" dirty="0"/>
               <a:t> fundamental</a:t>
             </a:r>
           </a:p>
           <a:p>
             <a:pPr algn="ctr"/>
             <a:r>
-              <a:rPr lang="pt-BR" sz="1200" dirty="0" err="1" smtClean="0"/>
+              <a:rPr lang="pt-BR" sz="1200" dirty="0" err="1"/>
               <a:t>factors</a:t>
             </a:r>
             <a:endParaRPr lang="pt-BR" sz="1200" dirty="0"/>
@@ -4776,14 +4733,13 @@
           <a:lstStyle/>
           <a:p>
             <a:r>
-              <a:rPr lang="pt-BR" sz="1200" dirty="0" smtClean="0"/>
+              <a:rPr lang="pt-BR" sz="1200" dirty="0"/>
               <a:t>[a]</a:t>
             </a:r>
             <a:r>
-              <a:rPr lang="pt-BR" sz="1200" baseline="-25000" dirty="0" smtClean="0"/>
+              <a:rPr lang="pt-BR" sz="1200" baseline="-25000" dirty="0"/>
               <a:t>mn</a:t>
             </a:r>
-            <a:endParaRPr lang="pt-BR" sz="1200" baseline="-25000" dirty="0"/>
           </a:p>
         </p:txBody>
       </p:sp>
@@ -5142,42 +5098,41 @@
           <a:p>
             <a:pPr algn="ctr"/>
             <a:r>
-              <a:rPr lang="pt-BR" sz="1200" i="1" dirty="0" smtClean="0"/>
+              <a:rPr lang="pt-BR" sz="1200" i="1" dirty="0"/>
               <a:t>m</a:t>
             </a:r>
             <a:r>
-              <a:rPr lang="pt-BR" sz="1200" dirty="0" smtClean="0"/>
+              <a:rPr lang="pt-BR" sz="1200" dirty="0"/>
               <a:t> </a:t>
             </a:r>
             <a:r>
-              <a:rPr lang="pt-BR" sz="1200" dirty="0" err="1" smtClean="0"/>
+              <a:rPr lang="pt-BR" sz="1200" dirty="0" err="1"/>
               <a:t>geological</a:t>
             </a:r>
-            <a:endParaRPr lang="pt-BR" sz="1200" dirty="0" smtClean="0"/>
+            <a:endParaRPr lang="pt-BR" sz="1200" dirty="0"/>
           </a:p>
           <a:p>
             <a:pPr algn="ctr"/>
             <a:r>
-              <a:rPr lang="pt-BR" sz="1200" dirty="0" err="1" smtClean="0"/>
+              <a:rPr lang="pt-BR" sz="1200" dirty="0" err="1"/>
               <a:t>factors</a:t>
             </a:r>
-            <a:endParaRPr lang="pt-BR" sz="1200" dirty="0" smtClean="0"/>
+            <a:endParaRPr lang="pt-BR" sz="1200" dirty="0"/>
           </a:p>
           <a:p>
             <a:pPr algn="ctr"/>
             <a:r>
-              <a:rPr lang="pt-BR" sz="1200" dirty="0" smtClean="0"/>
+              <a:rPr lang="pt-BR" sz="1200" dirty="0"/>
               <a:t>(variographic </a:t>
             </a:r>
             <a:r>
-              <a:rPr lang="pt-BR" sz="1200" dirty="0" err="1" smtClean="0"/>
+              <a:rPr lang="pt-BR" sz="1200" dirty="0" err="1"/>
               <a:t>structures</a:t>
             </a:r>
             <a:r>
-              <a:rPr lang="pt-BR" sz="1200" dirty="0" smtClean="0"/>
+              <a:rPr lang="pt-BR" sz="1200" dirty="0"/>
               <a:t>)</a:t>
             </a:r>
-            <a:endParaRPr lang="pt-BR" sz="1200" dirty="0"/>
           </a:p>
         </p:txBody>
       </p:sp>
@@ -5211,7 +5166,7 @@
           <a:lstStyle/>
           <a:p>
             <a:r>
-              <a:rPr lang="el-GR" sz="2400" dirty="0" smtClean="0">
+              <a:rPr lang="el-GR" sz="2400" dirty="0">
                 <a:latin typeface="Times New Roman" panose="02020603050405020304" pitchFamily="18" charset="0"/>
                 <a:cs typeface="Times New Roman" panose="02020603050405020304" pitchFamily="18" charset="0"/>
               </a:rPr>
@@ -5358,7 +5313,7 @@
           <a:p>
             <a:pPr algn="ctr"/>
             <a:r>
-              <a:rPr lang="pt-BR" sz="1000" dirty="0" err="1" smtClean="0">
+              <a:rPr lang="pt-BR" sz="1000" dirty="0" err="1">
                 <a:solidFill>
                   <a:sysClr val="windowText" lastClr="000000"/>
                 </a:solidFill>
@@ -5367,7 +5322,7 @@
               <a:t>Objective</a:t>
             </a:r>
             <a:r>
-              <a:rPr lang="pt-BR" sz="1000" dirty="0" smtClean="0">
+              <a:rPr lang="pt-BR" sz="1000" dirty="0">
                 <a:solidFill>
                   <a:sysClr val="windowText" lastClr="000000"/>
                 </a:solidFill>
@@ -5376,7 +5331,7 @@
               <a:t> </a:t>
             </a:r>
             <a:r>
-              <a:rPr lang="pt-BR" sz="1000" dirty="0" err="1" smtClean="0">
+              <a:rPr lang="pt-BR" sz="1000" dirty="0" err="1">
                 <a:solidFill>
                   <a:sysClr val="windowText" lastClr="000000"/>
                 </a:solidFill>
@@ -5491,14 +5446,13 @@
           <a:p>
             <a:pPr algn="ctr"/>
             <a:r>
-              <a:rPr lang="pt-BR" sz="1200" dirty="0" smtClean="0"/>
+              <a:rPr lang="pt-BR" sz="1200" dirty="0"/>
               <a:t>M</a:t>
             </a:r>
             <a:r>
-              <a:rPr lang="pt-BR" sz="1200" baseline="-25000" dirty="0" smtClean="0"/>
+              <a:rPr lang="pt-BR" sz="1200" baseline="-25000" dirty="0"/>
               <a:t>g</a:t>
             </a:r>
-            <a:endParaRPr lang="pt-BR" sz="1200" baseline="-25000" dirty="0"/>
           </a:p>
         </p:txBody>
       </p:sp>
@@ -5524,12 +5478,8 @@
           <a:lstStyle/>
           <a:p>
             <a:r>
-              <a:rPr lang="en-US" sz="1200" dirty="0" smtClean="0"/>
-              <a:t>[a] </a:t>
-            </a:r>
-            <a:r>
               <a:rPr lang="en-US" sz="1200" dirty="0"/>
-              <a:t>= A</a:t>
+              <a:t>[a] = A</a:t>
             </a:r>
             <a:r>
               <a:rPr lang="en-US" sz="1200" baseline="30000" dirty="0"/>
@@ -5545,11 +5495,7 @@
             </a:r>
             <a:r>
               <a:rPr lang="en-US" sz="1200" dirty="0"/>
-              <a:t>A</a:t>
-            </a:r>
-            <a:r>
-              <a:rPr lang="en-US" sz="1200" dirty="0" smtClean="0"/>
-              <a:t>)[w]</a:t>
+              <a:t>A)[w]</a:t>
             </a:r>
             <a:endParaRPr lang="pt-BR" sz="1200" dirty="0"/>
           </a:p>
@@ -6194,7 +6140,7 @@
           <a:p>
             <a:pPr algn="ctr"/>
             <a:r>
-              <a:rPr lang="pt-BR" sz="1200" dirty="0" err="1" smtClean="0"/>
+              <a:rPr lang="pt-BR" sz="1200" dirty="0" err="1"/>
               <a:t>value</a:t>
             </a:r>
             <a:endParaRPr lang="pt-BR" sz="1200" dirty="0"/>
@@ -6225,15 +6171,15 @@
           <a:p>
             <a:pPr algn="ctr"/>
             <a:r>
-              <a:rPr lang="pt-BR" sz="1200" dirty="0" err="1" smtClean="0"/>
+              <a:rPr lang="pt-BR" sz="1200" dirty="0" err="1"/>
               <a:t>optimization</a:t>
             </a:r>
             <a:r>
-              <a:rPr lang="pt-BR" sz="1200" dirty="0" smtClean="0"/>
+              <a:rPr lang="pt-BR" sz="1200" dirty="0"/>
               <a:t> </a:t>
             </a:r>
             <a:r>
-              <a:rPr lang="pt-BR" sz="1200" dirty="0" err="1" smtClean="0"/>
+              <a:rPr lang="pt-BR" sz="1200" dirty="0" err="1"/>
               <a:t>step</a:t>
             </a:r>
             <a:endParaRPr lang="pt-BR" sz="1200" dirty="0"/>
@@ -6300,22 +6246,21 @@
           <a:p>
             <a:pPr algn="ctr"/>
             <a:r>
-              <a:rPr lang="pt-BR" sz="1200" dirty="0" err="1" smtClean="0"/>
+              <a:rPr lang="pt-BR" sz="1200" dirty="0" err="1"/>
               <a:t>update</a:t>
             </a:r>
             <a:r>
-              <a:rPr lang="pt-BR" sz="1200" dirty="0" smtClean="0"/>
+              <a:rPr lang="pt-BR" sz="1200" dirty="0"/>
               <a:t> </a:t>
             </a:r>
             <a:r>
-              <a:rPr lang="pt-BR" sz="1200" dirty="0" err="1" smtClean="0"/>
+              <a:rPr lang="pt-BR" sz="1200" dirty="0" err="1"/>
               <a:t>paramaters</a:t>
             </a:r>
             <a:r>
-              <a:rPr lang="pt-BR" sz="1200" dirty="0" smtClean="0"/>
+              <a:rPr lang="pt-BR" sz="1200" dirty="0"/>
               <a:t> [w]</a:t>
             </a:r>
-            <a:endParaRPr lang="pt-BR" sz="1200" dirty="0"/>
           </a:p>
         </p:txBody>
       </p:sp>
@@ -6414,22 +6359,21 @@
           <a:lstStyle/>
           <a:p>
             <a:r>
-              <a:rPr lang="pt-BR" sz="1200" dirty="0" smtClean="0"/>
+              <a:rPr lang="pt-BR" sz="1200" dirty="0"/>
               <a:t>[w]</a:t>
             </a:r>
             <a:r>
-              <a:rPr lang="pt-BR" sz="1200" baseline="-25000" dirty="0" smtClean="0"/>
+              <a:rPr lang="pt-BR" sz="1200" baseline="-25000" dirty="0"/>
               <a:t>mn</a:t>
             </a:r>
             <a:r>
-              <a:rPr lang="pt-BR" sz="1200" dirty="0" smtClean="0"/>
+              <a:rPr lang="pt-BR" sz="1200" dirty="0"/>
               <a:t>=[0]</a:t>
             </a:r>
             <a:r>
-              <a:rPr lang="pt-BR" sz="1200" baseline="-25000" dirty="0" smtClean="0"/>
+              <a:rPr lang="pt-BR" sz="1200" baseline="-25000" dirty="0"/>
               <a:t>mn</a:t>
             </a:r>
-            <a:endParaRPr lang="pt-BR" sz="1200" baseline="-25000" dirty="0"/>
           </a:p>
         </p:txBody>
       </p:sp>
@@ -6578,14 +6522,13 @@
           <a:lstStyle/>
           <a:p>
             <a:r>
-              <a:rPr lang="pt-BR" sz="1200" dirty="0" err="1" smtClean="0"/>
+              <a:rPr lang="pt-BR" sz="1200" dirty="0" err="1"/>
               <a:t>otimization</a:t>
             </a:r>
             <a:r>
-              <a:rPr lang="pt-BR" sz="1200" dirty="0" smtClean="0"/>
+              <a:rPr lang="pt-BR" sz="1200" dirty="0"/>
               <a:t> loop</a:t>
             </a:r>
-            <a:endParaRPr lang="pt-BR" sz="1200" dirty="0"/>
           </a:p>
         </p:txBody>
       </p:sp>
@@ -7011,10 +6954,9 @@
           <a:lstStyle/>
           <a:p>
             <a:r>
-              <a:rPr lang="pt-BR" sz="1200" dirty="0" smtClean="0"/>
+              <a:rPr lang="pt-BR" sz="1200" dirty="0"/>
               <a:t>FFT</a:t>
             </a:r>
-            <a:endParaRPr lang="pt-BR" sz="1200" dirty="0"/>
           </a:p>
         </p:txBody>
       </p:sp>
@@ -7040,7 +6982,7 @@
           <a:lstStyle/>
           <a:p>
             <a:r>
-              <a:rPr lang="pt-BR" sz="1050" i="1" dirty="0" smtClean="0"/>
+              <a:rPr lang="pt-BR" sz="1050" i="1" dirty="0"/>
               <a:t>m</a:t>
             </a:r>
             <a:endParaRPr lang="pt-BR" sz="1050" dirty="0"/>
@@ -7069,7 +7011,7 @@
           <a:lstStyle/>
           <a:p>
             <a:r>
-              <a:rPr lang="pt-BR" sz="1050" i="1" dirty="0" smtClean="0"/>
+              <a:rPr lang="pt-BR" sz="1050" i="1" dirty="0"/>
               <a:t>m</a:t>
             </a:r>
             <a:endParaRPr lang="pt-BR" sz="1050" dirty="0"/>
@@ -7144,16 +7086,12 @@
           <a:lstStyle/>
           <a:p>
             <a:r>
-              <a:rPr lang="pt-BR" sz="2400" dirty="0" smtClean="0">
+              <a:rPr lang="pt-BR" sz="2400" dirty="0">
                 <a:latin typeface="Times New Roman" panose="02020603050405020304" pitchFamily="18" charset="0"/>
                 <a:cs typeface="Times New Roman" panose="02020603050405020304" pitchFamily="18" charset="0"/>
               </a:rPr>
               <a:t>√</a:t>
             </a:r>
-            <a:endParaRPr lang="pt-BR" sz="2400" dirty="0">
-              <a:latin typeface="Times New Roman" panose="02020603050405020304" pitchFamily="18" charset="0"/>
-              <a:cs typeface="Times New Roman" panose="02020603050405020304" pitchFamily="18" charset="0"/>
-            </a:endParaRPr>
           </a:p>
         </p:txBody>
       </p:sp>
@@ -7715,10 +7653,9 @@
           <a:lstStyle/>
           <a:p>
             <a:r>
-              <a:rPr lang="pt-BR" sz="1200" dirty="0" smtClean="0"/>
+              <a:rPr lang="pt-BR" sz="1200" dirty="0"/>
               <a:t>M</a:t>
             </a:r>
-            <a:endParaRPr lang="pt-BR" sz="1200" dirty="0"/>
           </a:p>
         </p:txBody>
       </p:sp>
@@ -7780,10 +7717,9 @@
           <a:lstStyle/>
           <a:p>
             <a:r>
-              <a:rPr lang="pt-BR" sz="2000" dirty="0" smtClean="0"/>
+              <a:rPr lang="pt-BR" sz="2000" dirty="0"/>
               <a:t>*</a:t>
             </a:r>
-            <a:endParaRPr lang="pt-BR" sz="2000" dirty="0"/>
           </a:p>
         </p:txBody>
       </p:sp>
@@ -7907,15 +7843,15 @@
           <a:p>
             <a:pPr algn="ctr"/>
             <a:r>
-              <a:rPr lang="pt-BR" sz="1100" i="1" dirty="0" smtClean="0"/>
+              <a:rPr lang="pt-BR" sz="1100" i="1" dirty="0"/>
               <a:t>n </a:t>
             </a:r>
             <a:r>
-              <a:rPr lang="pt-BR" sz="1100" dirty="0" smtClean="0"/>
+              <a:rPr lang="pt-BR" sz="1100" dirty="0"/>
               <a:t>fundamental </a:t>
             </a:r>
             <a:r>
-              <a:rPr lang="pt-BR" sz="1100" dirty="0" err="1" smtClean="0"/>
+              <a:rPr lang="pt-BR" sz="1100" dirty="0" err="1"/>
               <a:t>factors</a:t>
             </a:r>
             <a:endParaRPr lang="pt-BR" sz="1100" dirty="0"/>
@@ -8270,7 +8206,7 @@
             <a:p>
               <a:pPr algn="ctr"/>
               <a:r>
-                <a:rPr lang="pt-BR" sz="1050" i="1" dirty="0" smtClean="0"/>
+                <a:rPr lang="pt-BR" sz="1050" i="1" dirty="0"/>
                 <a:t>m</a:t>
               </a:r>
               <a:endParaRPr lang="pt-BR" sz="1050" dirty="0"/>
@@ -10329,10 +10265,9 @@
           <a:lstStyle/>
           <a:p>
             <a:r>
-              <a:rPr lang="pt-BR" sz="1200" dirty="0" smtClean="0"/>
+              <a:rPr lang="pt-BR" sz="1200" dirty="0"/>
               <a:t>FFT</a:t>
             </a:r>
-            <a:endParaRPr lang="pt-BR" sz="1200" dirty="0"/>
           </a:p>
         </p:txBody>
       </p:sp>
@@ -10470,7 +10405,7 @@
             <a:p>
               <a:pPr algn="ctr"/>
               <a:r>
-                <a:rPr lang="pt-BR" sz="1050" i="1" dirty="0" smtClean="0"/>
+                <a:rPr lang="pt-BR" sz="1050" i="1" dirty="0"/>
                 <a:t>m</a:t>
               </a:r>
               <a:endParaRPr lang="pt-BR" sz="1050" dirty="0"/>
@@ -10504,27 +10439,27 @@
               <a:p>
                 <a:pPr algn="ctr"/>
                 <a:r>
-                  <a:rPr lang="pt-BR" sz="1050" dirty="0" smtClean="0"/>
+                  <a:rPr lang="pt-BR" sz="1050" dirty="0"/>
                   <a:t>real </a:t>
                 </a:r>
                 <a:r>
-                  <a:rPr lang="pt-BR" sz="1050" dirty="0" err="1" smtClean="0"/>
+                  <a:rPr lang="pt-BR" sz="1050" dirty="0" err="1"/>
                   <a:t>parts</a:t>
                 </a:r>
-                <a:endParaRPr lang="pt-BR" sz="1050" dirty="0" smtClean="0"/>
+                <a:endParaRPr lang="pt-BR" sz="1050" dirty="0"/>
               </a:p>
               <a:p>
                 <a:pPr algn="ctr"/>
                 <a:r>
-                  <a:rPr lang="pt-BR" sz="1050" dirty="0" smtClean="0"/>
+                  <a:rPr lang="pt-BR" sz="1050" dirty="0"/>
                   <a:t>(a</a:t>
                 </a:r>
                 <a:r>
-                  <a:rPr lang="pt-BR" sz="1050" baseline="-25000" dirty="0" smtClean="0"/>
+                  <a:rPr lang="pt-BR" sz="1050" baseline="-25000" dirty="0"/>
                   <a:t>k</a:t>
                 </a:r>
                 <a:r>
-                  <a:rPr lang="pt-BR" sz="1050" dirty="0" smtClean="0"/>
+                  <a:rPr lang="pt-BR" sz="1050" dirty="0"/>
                   <a:t>, k</a:t>
                 </a:r>
                 <a14:m>
@@ -10539,10 +10474,9 @@
                   </m:oMath>
                 </a14:m>
                 <a:r>
-                  <a:rPr lang="pt-BR" sz="1050" dirty="0" smtClean="0"/>
+                  <a:rPr lang="pt-BR" sz="1050" dirty="0"/>
                   <a:t>[1,m])</a:t>
                 </a:r>
-                <a:endParaRPr lang="pt-BR" sz="1050" dirty="0"/>
               </a:p>
             </p:txBody>
           </p:sp>
@@ -10612,31 +10546,27 @@
               <a:p>
                 <a:pPr algn="ctr"/>
                 <a:r>
-                  <a:rPr lang="pt-BR" sz="1050" dirty="0" err="1" smtClean="0"/>
+                  <a:rPr lang="pt-BR" sz="1050" dirty="0" err="1"/>
                   <a:t>imaginary</a:t>
                 </a:r>
-                <a:endParaRPr lang="pt-BR" sz="1050" dirty="0" smtClean="0"/>
+                <a:endParaRPr lang="pt-BR" sz="1050" dirty="0"/>
               </a:p>
               <a:p>
                 <a:pPr algn="ctr"/>
                 <a:r>
-                  <a:rPr lang="pt-BR" sz="1050" dirty="0" err="1" smtClean="0"/>
+                  <a:rPr lang="pt-BR" sz="1050" dirty="0" err="1"/>
                   <a:t>parts</a:t>
                 </a:r>
-                <a:endParaRPr lang="pt-BR" sz="1050" dirty="0" smtClean="0"/>
+                <a:endParaRPr lang="pt-BR" sz="1050" dirty="0"/>
               </a:p>
               <a:p>
                 <a:pPr algn="ctr"/>
                 <a:r>
                   <a:rPr lang="pt-BR" sz="1050" dirty="0"/>
-                  <a:t> </a:t>
+                  <a:t> (b</a:t>
                 </a:r>
                 <a:r>
-                  <a:rPr lang="pt-BR" sz="1050" dirty="0" smtClean="0"/>
-                  <a:t>(b</a:t>
-                </a:r>
-                <a:r>
-                  <a:rPr lang="pt-BR" sz="1050" baseline="-25000" dirty="0" smtClean="0"/>
+                  <a:rPr lang="pt-BR" sz="1050" baseline="-25000" dirty="0"/>
                   <a:t>k</a:t>
                 </a:r>
                 <a:r>
@@ -10730,7 +10660,7 @@
           <a:p>
             <a:pPr algn="ctr"/>
             <a:r>
-              <a:rPr lang="pt-BR" sz="1100" dirty="0" smtClean="0"/>
+              <a:rPr lang="pt-BR" sz="1100" dirty="0"/>
               <a:t>Cov</a:t>
             </a:r>
             <a:r>
@@ -10738,7 +10668,7 @@
               <a:t>k </a:t>
             </a:r>
             <a:r>
-              <a:rPr lang="pt-BR" sz="1100" dirty="0" smtClean="0"/>
+              <a:rPr lang="pt-BR" sz="1100" dirty="0"/>
               <a:t>(z</a:t>
             </a:r>
             <a:r>
@@ -10746,61 +10676,53 @@
               <a:t>k</a:t>
             </a:r>
             <a:r>
-              <a:rPr lang="pt-BR" sz="1100" dirty="0" smtClean="0"/>
-              <a:t>) =</a:t>
+              <a:rPr lang="pt-BR" sz="1100" dirty="0"/>
+              <a:t>) =‖z</a:t>
+            </a:r>
+            <a:r>
+              <a:rPr lang="pt-BR" sz="1100" baseline="-25000" dirty="0"/>
+              <a:t>k</a:t>
             </a:r>
             <a:r>
               <a:rPr lang="pt-BR" sz="1100" dirty="0"/>
               <a:t>‖</a:t>
             </a:r>
-            <a:r>
-              <a:rPr lang="pt-BR" sz="1100" dirty="0" smtClean="0"/>
-              <a:t>z</a:t>
+          </a:p>
+          <a:p>
+            <a:pPr algn="ctr"/>
+            <a:r>
+              <a:rPr lang="pt-BR" sz="1100" dirty="0"/>
+              <a:t> = z</a:t>
             </a:r>
             <a:r>
               <a:rPr lang="pt-BR" sz="1100" baseline="-25000" dirty="0"/>
               <a:t>k</a:t>
             </a:r>
             <a:r>
-              <a:rPr lang="pt-BR" sz="1100" dirty="0" smtClean="0"/>
-              <a:t>‖</a:t>
-            </a:r>
-          </a:p>
-          <a:p>
-            <a:pPr algn="ctr"/>
-            <a:r>
-              <a:rPr lang="pt-BR" sz="1100" dirty="0" smtClean="0"/>
-              <a:t> = z</a:t>
+              <a:rPr lang="pt-BR" sz="1100" dirty="0"/>
+              <a:t> ∙ z</a:t>
             </a:r>
             <a:r>
               <a:rPr lang="pt-BR" sz="1100" baseline="-25000" dirty="0"/>
               <a:t>k</a:t>
             </a:r>
             <a:r>
-              <a:rPr lang="pt-BR" sz="1100" dirty="0" smtClean="0"/>
-              <a:t> ∙ z</a:t>
+              <a:rPr lang="pt-BR" sz="1100" dirty="0"/>
+              <a:t>* = </a:t>
+            </a:r>
+          </a:p>
+          <a:p>
+            <a:pPr algn="ctr"/>
+            <a:r>
+              <a:rPr lang="pt-BR" sz="1100" dirty="0"/>
+              <a:t>(a</a:t>
             </a:r>
             <a:r>
               <a:rPr lang="pt-BR" sz="1100" baseline="-25000" dirty="0"/>
               <a:t>k</a:t>
             </a:r>
             <a:r>
-              <a:rPr lang="pt-BR" sz="1100" dirty="0" smtClean="0"/>
-              <a:t>* = </a:t>
-            </a:r>
-          </a:p>
-          <a:p>
-            <a:pPr algn="ctr"/>
-            <a:r>
-              <a:rPr lang="pt-BR" sz="1100" dirty="0" smtClean="0"/>
-              <a:t>(a</a:t>
-            </a:r>
-            <a:r>
-              <a:rPr lang="pt-BR" sz="1100" baseline="-25000" dirty="0" smtClean="0"/>
-              <a:t>k</a:t>
-            </a:r>
-            <a:r>
-              <a:rPr lang="pt-BR" sz="1100" dirty="0" smtClean="0"/>
+              <a:rPr lang="pt-BR" sz="1100" dirty="0"/>
               <a:t>+b</a:t>
             </a:r>
             <a:r>
@@ -10808,50 +10730,50 @@
               <a:t>k</a:t>
             </a:r>
             <a:r>
-              <a:rPr lang="pt-BR" sz="1100" dirty="0" smtClean="0"/>
+              <a:rPr lang="pt-BR" sz="1100" dirty="0"/>
               <a:t>i)(a</a:t>
-            </a:r>
-            <a:r>
-              <a:rPr lang="pt-BR" sz="1100" baseline="-25000" dirty="0" smtClean="0"/>
-              <a:t>k</a:t>
-            </a:r>
-            <a:r>
-              <a:rPr lang="pt-BR" sz="1100" dirty="0" smtClean="0"/>
-              <a:t>-b</a:t>
             </a:r>
             <a:r>
               <a:rPr lang="pt-BR" sz="1100" baseline="-25000" dirty="0"/>
               <a:t>k</a:t>
             </a:r>
             <a:r>
-              <a:rPr lang="pt-BR" sz="1100" dirty="0" smtClean="0"/>
+              <a:rPr lang="pt-BR" sz="1100" dirty="0"/>
+              <a:t>-b</a:t>
+            </a:r>
+            <a:r>
+              <a:rPr lang="pt-BR" sz="1100" baseline="-25000" dirty="0"/>
+              <a:t>k</a:t>
+            </a:r>
+            <a:r>
+              <a:rPr lang="pt-BR" sz="1100" dirty="0"/>
               <a:t>i) </a:t>
             </a:r>
           </a:p>
           <a:p>
             <a:pPr algn="ctr"/>
             <a:r>
-              <a:rPr lang="pt-BR" sz="1100" dirty="0" smtClean="0"/>
+              <a:rPr lang="pt-BR" sz="1100" dirty="0"/>
               <a:t>= a</a:t>
             </a:r>
             <a:r>
-              <a:rPr lang="pt-BR" sz="1100" baseline="-25000" dirty="0" smtClean="0"/>
+              <a:rPr lang="pt-BR" sz="1100" baseline="-25000" dirty="0"/>
               <a:t>k</a:t>
             </a:r>
             <a:r>
-              <a:rPr lang="pt-BR" sz="1100" baseline="30000" dirty="0" smtClean="0"/>
+              <a:rPr lang="pt-BR" sz="1100" baseline="30000" dirty="0"/>
               <a:t>2</a:t>
             </a:r>
             <a:r>
-              <a:rPr lang="pt-BR" sz="1100" dirty="0" smtClean="0"/>
+              <a:rPr lang="pt-BR" sz="1100" dirty="0"/>
               <a:t>+b</a:t>
             </a:r>
             <a:r>
-              <a:rPr lang="pt-BR" sz="1100" baseline="-25000" dirty="0" smtClean="0"/>
+              <a:rPr lang="pt-BR" sz="1100" baseline="-25000" dirty="0"/>
               <a:t>k</a:t>
             </a:r>
             <a:r>
-              <a:rPr lang="pt-BR" sz="1100" baseline="30000" dirty="0" smtClean="0"/>
+              <a:rPr lang="pt-BR" sz="1100" baseline="30000" dirty="0"/>
               <a:t>2</a:t>
             </a:r>
             <a:endParaRPr lang="pt-BR" sz="1100" dirty="0"/>
@@ -10881,10 +10803,9 @@
           <a:lstStyle/>
           <a:p>
             <a:r>
-              <a:rPr lang="pt-BR" sz="1200" dirty="0" smtClean="0"/>
+              <a:rPr lang="pt-BR" sz="1200" dirty="0"/>
               <a:t>RFFT</a:t>
             </a:r>
-            <a:endParaRPr lang="pt-BR" sz="1200" dirty="0"/>
           </a:p>
         </p:txBody>
       </p:sp>
@@ -10911,11 +10832,11 @@
           <a:lstStyle/>
           <a:p>
             <a:r>
-              <a:rPr lang="pt-BR" sz="1050" dirty="0" smtClean="0"/>
+              <a:rPr lang="pt-BR" sz="1050" dirty="0"/>
               <a:t>zero </a:t>
             </a:r>
             <a:r>
-              <a:rPr lang="el-GR" sz="1050" dirty="0" smtClean="0"/>
+              <a:rPr lang="el-GR" sz="1050" dirty="0"/>
               <a:t>φ</a:t>
             </a:r>
             <a:endParaRPr lang="pt-BR" sz="1050" dirty="0"/>
@@ -11400,7 +11321,7 @@
             <a:p>
               <a:pPr algn="ctr"/>
               <a:r>
-                <a:rPr lang="pt-BR" sz="1050" i="1" dirty="0" smtClean="0"/>
+                <a:rPr lang="pt-BR" sz="1050" i="1" dirty="0"/>
                 <a:t>m</a:t>
               </a:r>
               <a:endParaRPr lang="pt-BR" sz="1050" dirty="0"/>
@@ -11542,7 +11463,7 @@
             <a:p>
               <a:pPr algn="ctr"/>
               <a:r>
-                <a:rPr lang="pt-BR" sz="1050" i="1" dirty="0" smtClean="0"/>
+                <a:rPr lang="pt-BR" sz="1050" i="1" dirty="0"/>
                 <a:t>m</a:t>
               </a:r>
               <a:endParaRPr lang="pt-BR" sz="1050" dirty="0"/>
@@ -11684,7 +11605,7 @@
             <a:p>
               <a:pPr algn="ctr"/>
               <a:r>
-                <a:rPr lang="pt-BR" sz="1050" i="1" dirty="0" smtClean="0"/>
+                <a:rPr lang="pt-BR" sz="1050" i="1" dirty="0"/>
                 <a:t>m</a:t>
               </a:r>
               <a:endParaRPr lang="pt-BR" sz="1050" dirty="0"/>
@@ -11826,7 +11747,7 @@
             <a:p>
               <a:pPr algn="ctr"/>
               <a:r>
-                <a:rPr lang="pt-BR" sz="1050" i="1" dirty="0" smtClean="0"/>
+                <a:rPr lang="pt-BR" sz="1050" i="1" dirty="0"/>
                 <a:t>m</a:t>
               </a:r>
               <a:endParaRPr lang="pt-BR" sz="1050" dirty="0"/>
@@ -11968,7 +11889,7 @@
             <a:p>
               <a:pPr algn="ctr"/>
               <a:r>
-                <a:rPr lang="pt-BR" sz="1050" i="1" dirty="0" smtClean="0"/>
+                <a:rPr lang="pt-BR" sz="1050" i="1" dirty="0"/>
                 <a:t>m</a:t>
               </a:r>
               <a:endParaRPr lang="pt-BR" sz="1050" dirty="0"/>
@@ -12146,7 +12067,7 @@
             <a:p>
               <a:pPr algn="ctr"/>
               <a:r>
-                <a:rPr lang="pt-BR" sz="1050" i="1" dirty="0" smtClean="0"/>
+                <a:rPr lang="pt-BR" sz="1050" i="1" dirty="0"/>
                 <a:t>m</a:t>
               </a:r>
               <a:endParaRPr lang="pt-BR" sz="1050" dirty="0"/>
@@ -12178,15 +12099,15 @@
           <a:p>
             <a:pPr algn="ctr"/>
             <a:r>
-              <a:rPr lang="pt-BR" sz="1050" dirty="0" err="1" smtClean="0"/>
+              <a:rPr lang="pt-BR" sz="1050" dirty="0" err="1"/>
               <a:t>Marching</a:t>
             </a:r>
-            <a:endParaRPr lang="pt-BR" sz="1050" dirty="0" smtClean="0"/>
+            <a:endParaRPr lang="pt-BR" sz="1050" dirty="0"/>
           </a:p>
           <a:p>
             <a:pPr algn="ctr"/>
             <a:r>
-              <a:rPr lang="pt-BR" sz="1050" dirty="0" err="1" smtClean="0"/>
+              <a:rPr lang="pt-BR" sz="1050" dirty="0" err="1"/>
               <a:t>Squares</a:t>
             </a:r>
             <a:endParaRPr lang="pt-BR" sz="1050" dirty="0"/>
@@ -12660,7 +12581,7 @@
             <a:p>
               <a:pPr algn="ctr"/>
               <a:r>
-                <a:rPr lang="pt-BR" sz="1050" i="1" dirty="0" smtClean="0"/>
+                <a:rPr lang="pt-BR" sz="1050" i="1" dirty="0"/>
                 <a:t>m</a:t>
               </a:r>
               <a:endParaRPr lang="pt-BR" sz="1050" dirty="0"/>
@@ -12692,11 +12613,11 @@
           <a:p>
             <a:pPr algn="ctr"/>
             <a:r>
-              <a:rPr lang="pt-BR" sz="1100" i="1" dirty="0" smtClean="0"/>
+              <a:rPr lang="pt-BR" sz="1100" i="1" dirty="0"/>
               <a:t>m </a:t>
             </a:r>
             <a:r>
-              <a:rPr lang="pt-BR" sz="1100" dirty="0" err="1" smtClean="0"/>
+              <a:rPr lang="pt-BR" sz="1100" dirty="0" err="1"/>
               <a:t>varmaps</a:t>
             </a:r>
             <a:endParaRPr lang="pt-BR" sz="1100" dirty="0"/>
@@ -12727,15 +12648,15 @@
           <a:p>
             <a:pPr algn="ctr"/>
             <a:r>
-              <a:rPr lang="pt-BR" sz="1050" i="1" dirty="0" smtClean="0"/>
+              <a:rPr lang="pt-BR" sz="1050" i="1" dirty="0"/>
               <a:t>m</a:t>
             </a:r>
             <a:r>
-              <a:rPr lang="pt-BR" sz="1050" dirty="0" smtClean="0"/>
+              <a:rPr lang="pt-BR" sz="1050" dirty="0"/>
               <a:t> sets </a:t>
             </a:r>
             <a:r>
-              <a:rPr lang="pt-BR" sz="1050" dirty="0" err="1" smtClean="0"/>
+              <a:rPr lang="pt-BR" sz="1050" dirty="0" err="1"/>
               <a:t>of</a:t>
             </a:r>
             <a:endParaRPr lang="pt-BR" sz="1050" dirty="0"/>
@@ -12743,7 +12664,7 @@
           <a:p>
             <a:pPr algn="ctr"/>
             <a:r>
-              <a:rPr lang="pt-BR" sz="1050" dirty="0" err="1" smtClean="0"/>
+              <a:rPr lang="pt-BR" sz="1050" dirty="0" err="1"/>
               <a:t>isocontours</a:t>
             </a:r>
             <a:endParaRPr lang="pt-BR" sz="1050" dirty="0"/>
@@ -12774,39 +12695,39 @@
           <a:p>
             <a:pPr algn="ctr"/>
             <a:r>
-              <a:rPr lang="pt-BR" sz="1050" i="1" dirty="0" smtClean="0"/>
+              <a:rPr lang="pt-BR" sz="1050" i="1" dirty="0"/>
               <a:t>m </a:t>
             </a:r>
             <a:r>
-              <a:rPr lang="pt-BR" sz="1050" dirty="0" smtClean="0"/>
+              <a:rPr lang="pt-BR" sz="1050" dirty="0"/>
               <a:t>sets </a:t>
             </a:r>
             <a:r>
-              <a:rPr lang="pt-BR" sz="1050" dirty="0" err="1" smtClean="0"/>
+              <a:rPr lang="pt-BR" sz="1050" dirty="0" err="1"/>
               <a:t>of</a:t>
             </a:r>
             <a:r>
-              <a:rPr lang="pt-BR" sz="1050" dirty="0" smtClean="0"/>
+              <a:rPr lang="pt-BR" sz="1050" dirty="0"/>
               <a:t> elipses </a:t>
             </a:r>
             <a:r>
-              <a:rPr lang="pt-BR" sz="1050" dirty="0" err="1" smtClean="0"/>
+              <a:rPr lang="pt-BR" sz="1050" dirty="0" err="1"/>
               <a:t>with</a:t>
             </a:r>
-            <a:endParaRPr lang="pt-BR" sz="1050" dirty="0" smtClean="0"/>
+            <a:endParaRPr lang="pt-BR" sz="1050" dirty="0"/>
           </a:p>
           <a:p>
             <a:pPr algn="ctr"/>
             <a:r>
-              <a:rPr lang="pt-BR" sz="1050" dirty="0" err="1" smtClean="0"/>
+              <a:rPr lang="pt-BR" sz="1050" dirty="0" err="1"/>
               <a:t>geometric</a:t>
             </a:r>
             <a:r>
-              <a:rPr lang="pt-BR" sz="1050" dirty="0" smtClean="0"/>
+              <a:rPr lang="pt-BR" sz="1050" dirty="0"/>
               <a:t> </a:t>
             </a:r>
             <a:r>
-              <a:rPr lang="pt-BR" sz="1050" dirty="0" err="1" smtClean="0"/>
+              <a:rPr lang="pt-BR" sz="1050" dirty="0" err="1"/>
               <a:t>parameters</a:t>
             </a:r>
             <a:endParaRPr lang="pt-BR" sz="1050" dirty="0"/>
@@ -12871,14 +12792,13 @@
           <a:lstStyle/>
           <a:p>
             <a:r>
-              <a:rPr lang="pt-BR" sz="1200" dirty="0" smtClean="0"/>
+              <a:rPr lang="pt-BR" sz="1200" dirty="0"/>
               <a:t>[a]</a:t>
             </a:r>
             <a:r>
-              <a:rPr lang="pt-BR" sz="1200" baseline="-25000" dirty="0" smtClean="0"/>
+              <a:rPr lang="pt-BR" sz="1200" baseline="-25000" dirty="0"/>
               <a:t>mn</a:t>
             </a:r>
-            <a:endParaRPr lang="pt-BR" sz="1200" baseline="-25000" dirty="0"/>
           </a:p>
         </p:txBody>
       </p:sp>
@@ -12904,12 +12824,8 @@
           <a:lstStyle/>
           <a:p>
             <a:r>
-              <a:rPr lang="en-US" sz="1050" dirty="0" smtClean="0"/>
-              <a:t>[a] </a:t>
-            </a:r>
-            <a:r>
               <a:rPr lang="en-US" sz="1050" dirty="0"/>
-              <a:t>= A</a:t>
+              <a:t>[a] = A</a:t>
             </a:r>
             <a:r>
               <a:rPr lang="en-US" sz="1050" baseline="30000" dirty="0"/>
@@ -12925,11 +12841,7 @@
             </a:r>
             <a:r>
               <a:rPr lang="en-US" sz="1050" dirty="0"/>
-              <a:t>A</a:t>
-            </a:r>
-            <a:r>
-              <a:rPr lang="en-US" sz="1050" dirty="0" smtClean="0"/>
-              <a:t>)[w]</a:t>
+              <a:t>A)[w]</a:t>
             </a:r>
             <a:endParaRPr lang="pt-BR" sz="1050" dirty="0"/>
           </a:p>
@@ -12959,15 +12871,15 @@
           <a:p>
             <a:pPr algn="ctr"/>
             <a:r>
-              <a:rPr lang="pt-BR" sz="1200" dirty="0" err="1" smtClean="0"/>
+              <a:rPr lang="pt-BR" sz="1200" dirty="0" err="1"/>
               <a:t>optimization</a:t>
             </a:r>
             <a:r>
-              <a:rPr lang="pt-BR" sz="1200" dirty="0" smtClean="0"/>
+              <a:rPr lang="pt-BR" sz="1200" dirty="0"/>
               <a:t> </a:t>
             </a:r>
             <a:r>
-              <a:rPr lang="pt-BR" sz="1200" dirty="0" err="1" smtClean="0"/>
+              <a:rPr lang="pt-BR" sz="1200" dirty="0" err="1"/>
               <a:t>step</a:t>
             </a:r>
             <a:endParaRPr lang="pt-BR" sz="1200" dirty="0"/>
@@ -12998,22 +12910,21 @@
           <a:p>
             <a:pPr algn="ctr"/>
             <a:r>
-              <a:rPr lang="pt-BR" sz="1200" dirty="0" err="1" smtClean="0"/>
+              <a:rPr lang="pt-BR" sz="1200" dirty="0" err="1"/>
               <a:t>update</a:t>
             </a:r>
             <a:r>
-              <a:rPr lang="pt-BR" sz="1200" dirty="0" smtClean="0"/>
+              <a:rPr lang="pt-BR" sz="1200" dirty="0"/>
               <a:t> </a:t>
             </a:r>
             <a:r>
-              <a:rPr lang="pt-BR" sz="1200" dirty="0" err="1" smtClean="0"/>
+              <a:rPr lang="pt-BR" sz="1200" dirty="0" err="1"/>
               <a:t>parameters</a:t>
             </a:r>
             <a:r>
-              <a:rPr lang="pt-BR" sz="1200" dirty="0" smtClean="0"/>
+              <a:rPr lang="pt-BR" sz="1200" dirty="0"/>
               <a:t> [w]</a:t>
             </a:r>
-            <a:endParaRPr lang="pt-BR" sz="1200" dirty="0"/>
           </a:p>
         </p:txBody>
       </p:sp>
@@ -13040,22 +12951,21 @@
           <a:lstStyle/>
           <a:p>
             <a:r>
-              <a:rPr lang="pt-BR" sz="1200" dirty="0" smtClean="0"/>
+              <a:rPr lang="pt-BR" sz="1200" dirty="0"/>
               <a:t>[w]</a:t>
             </a:r>
             <a:r>
-              <a:rPr lang="pt-BR" sz="1200" baseline="-25000" dirty="0" smtClean="0"/>
+              <a:rPr lang="pt-BR" sz="1200" baseline="-25000" dirty="0"/>
               <a:t>mn</a:t>
             </a:r>
             <a:r>
-              <a:rPr lang="pt-BR" sz="1200" dirty="0" smtClean="0"/>
+              <a:rPr lang="pt-BR" sz="1200" dirty="0"/>
               <a:t>=[0]</a:t>
             </a:r>
             <a:r>
-              <a:rPr lang="pt-BR" sz="1200" baseline="-25000" dirty="0" smtClean="0"/>
+              <a:rPr lang="pt-BR" sz="1200" baseline="-25000" dirty="0"/>
               <a:t>mn</a:t>
             </a:r>
-            <a:endParaRPr lang="pt-BR" sz="1200" baseline="-25000" dirty="0"/>
           </a:p>
         </p:txBody>
       </p:sp>
@@ -13268,14 +13178,13 @@
           <a:lstStyle/>
           <a:p>
             <a:r>
-              <a:rPr lang="pt-BR" sz="1200" dirty="0" err="1" smtClean="0"/>
+              <a:rPr lang="pt-BR" sz="1200" dirty="0" err="1"/>
               <a:t>optimization</a:t>
             </a:r>
             <a:r>
-              <a:rPr lang="pt-BR" sz="1200" dirty="0" smtClean="0"/>
+              <a:rPr lang="pt-BR" sz="1200" dirty="0"/>
               <a:t> loop</a:t>
             </a:r>
-            <a:endParaRPr lang="pt-BR" sz="1200" dirty="0"/>
           </a:p>
         </p:txBody>
       </p:sp>
@@ -13413,7 +13322,7 @@
             <a:p>
               <a:pPr algn="ctr"/>
               <a:r>
-                <a:rPr lang="pt-BR" sz="1050" i="1" dirty="0" smtClean="0"/>
+                <a:rPr lang="pt-BR" sz="1050" i="1" dirty="0"/>
                 <a:t>m</a:t>
               </a:r>
               <a:endParaRPr lang="pt-BR" sz="1050" dirty="0"/>
@@ -13555,7 +13464,7 @@
             <a:p>
               <a:pPr algn="ctr"/>
               <a:r>
-                <a:rPr lang="pt-BR" sz="1050" i="1" dirty="0" smtClean="0"/>
+                <a:rPr lang="pt-BR" sz="1050" i="1" dirty="0"/>
                 <a:t>m</a:t>
               </a:r>
               <a:endParaRPr lang="pt-BR" sz="1050" dirty="0"/>
@@ -13587,15 +13496,15 @@
           <a:p>
             <a:pPr algn="ctr"/>
             <a:r>
-              <a:rPr lang="pt-BR" sz="1050" dirty="0" err="1" smtClean="0"/>
+              <a:rPr lang="pt-BR" sz="1050" dirty="0" err="1"/>
               <a:t>ellipse</a:t>
             </a:r>
-            <a:endParaRPr lang="pt-BR" sz="1050" dirty="0" smtClean="0"/>
+            <a:endParaRPr lang="pt-BR" sz="1050" dirty="0"/>
           </a:p>
           <a:p>
             <a:pPr algn="ctr"/>
             <a:r>
-              <a:rPr lang="pt-BR" sz="1050" dirty="0" err="1" smtClean="0"/>
+              <a:rPr lang="pt-BR" sz="1050" dirty="0" err="1"/>
               <a:t>fit</a:t>
             </a:r>
             <a:endParaRPr lang="pt-BR" sz="1050" dirty="0"/>
@@ -13865,7 +13774,7 @@
             <a:p>
               <a:pPr algn="ctr"/>
               <a:r>
-                <a:rPr lang="pt-BR" sz="1050" i="1" dirty="0" smtClean="0"/>
+                <a:rPr lang="pt-BR" sz="1050" i="1" dirty="0"/>
                 <a:t>m</a:t>
               </a:r>
               <a:endParaRPr lang="pt-BR" sz="1050" dirty="0"/>
@@ -14007,7 +13916,7 @@
             <a:p>
               <a:pPr algn="ctr"/>
               <a:r>
-                <a:rPr lang="pt-BR" sz="1050" i="1" dirty="0" smtClean="0"/>
+                <a:rPr lang="pt-BR" sz="1050" i="1" dirty="0"/>
                 <a:t>m</a:t>
               </a:r>
               <a:endParaRPr lang="pt-BR" sz="1050" dirty="0"/>
@@ -14087,19 +13996,19 @@
           <a:p>
             <a:pPr algn="ctr"/>
             <a:r>
-              <a:rPr lang="pt-BR" sz="1100" i="1" dirty="0" smtClean="0"/>
+              <a:rPr lang="pt-BR" sz="1100" i="1" dirty="0"/>
               <a:t>m </a:t>
             </a:r>
             <a:r>
-              <a:rPr lang="pt-BR" sz="1100" dirty="0" err="1" smtClean="0"/>
+              <a:rPr lang="pt-BR" sz="1100" dirty="0" err="1"/>
               <a:t>geological</a:t>
             </a:r>
             <a:r>
-              <a:rPr lang="pt-BR" sz="1100" dirty="0" smtClean="0"/>
+              <a:rPr lang="pt-BR" sz="1100" dirty="0"/>
               <a:t> </a:t>
             </a:r>
             <a:r>
-              <a:rPr lang="pt-BR" sz="1100" dirty="0" err="1" smtClean="0"/>
+              <a:rPr lang="pt-BR" sz="1100" dirty="0" err="1"/>
               <a:t>factors</a:t>
             </a:r>
             <a:endParaRPr lang="pt-BR" sz="1100" dirty="0"/>
@@ -14252,10 +14161,9 @@
           <a:p>
             <a:pPr algn="ctr"/>
             <a:r>
-              <a:rPr lang="pt-BR" sz="900" dirty="0" smtClean="0"/>
+              <a:rPr lang="pt-BR" sz="900" dirty="0"/>
               <a:t>N045E</a:t>
             </a:r>
-            <a:endParaRPr lang="pt-BR" sz="900" dirty="0"/>
           </a:p>
         </p:txBody>
       </p:sp>
@@ -14283,10 +14191,9 @@
           <a:p>
             <a:pPr algn="ctr"/>
             <a:r>
-              <a:rPr lang="pt-BR" sz="900" dirty="0" smtClean="0"/>
+              <a:rPr lang="pt-BR" sz="900" dirty="0"/>
               <a:t>a</a:t>
             </a:r>
-            <a:endParaRPr lang="pt-BR" sz="900" dirty="0"/>
           </a:p>
         </p:txBody>
       </p:sp>
@@ -14314,10 +14221,9 @@
           <a:p>
             <a:pPr algn="ctr"/>
             <a:r>
-              <a:rPr lang="pt-BR" sz="900" dirty="0" smtClean="0"/>
+              <a:rPr lang="pt-BR" sz="900" dirty="0"/>
               <a:t>b</a:t>
             </a:r>
-            <a:endParaRPr lang="pt-BR" sz="900" dirty="0"/>
           </a:p>
         </p:txBody>
       </p:sp>
@@ -14366,7 +14272,7 @@
           <a:p>
             <a:pPr algn="ctr"/>
             <a:r>
-              <a:rPr lang="pt-BR" sz="1000" dirty="0" err="1" smtClean="0">
+              <a:rPr lang="pt-BR" sz="1000" dirty="0" err="1">
                 <a:solidFill>
                   <a:sysClr val="windowText" lastClr="000000"/>
                 </a:solidFill>
@@ -14375,7 +14281,7 @@
               <a:t>objective</a:t>
             </a:r>
             <a:r>
-              <a:rPr lang="pt-BR" sz="1000" dirty="0" smtClean="0">
+              <a:rPr lang="pt-BR" sz="1000" dirty="0">
                 <a:solidFill>
                   <a:sysClr val="windowText" lastClr="000000"/>
                 </a:solidFill>
@@ -14384,7 +14290,7 @@
               <a:t> </a:t>
             </a:r>
             <a:r>
-              <a:rPr lang="pt-BR" sz="1000" dirty="0" err="1" smtClean="0">
+              <a:rPr lang="pt-BR" sz="1000" dirty="0" err="1">
                 <a:solidFill>
                   <a:sysClr val="windowText" lastClr="000000"/>
                 </a:solidFill>
@@ -14476,23 +14382,23 @@
           <a:p>
             <a:pPr algn="ctr"/>
             <a:r>
-              <a:rPr lang="pt-BR" sz="1050" dirty="0" err="1" smtClean="0"/>
+              <a:rPr lang="pt-BR" sz="1050" dirty="0" err="1"/>
               <a:t>discard</a:t>
             </a:r>
             <a:r>
-              <a:rPr lang="pt-BR" sz="1050" dirty="0" smtClean="0"/>
+              <a:rPr lang="pt-BR" sz="1050" dirty="0"/>
               <a:t> </a:t>
             </a:r>
             <a:r>
-              <a:rPr lang="pt-BR" sz="1050" dirty="0" err="1" smtClean="0"/>
+              <a:rPr lang="pt-BR" sz="1050" dirty="0" err="1"/>
               <a:t>malformed</a:t>
             </a:r>
-            <a:endParaRPr lang="pt-BR" sz="1050" dirty="0" smtClean="0"/>
+            <a:endParaRPr lang="pt-BR" sz="1050" dirty="0"/>
           </a:p>
           <a:p>
             <a:pPr algn="ctr"/>
             <a:r>
-              <a:rPr lang="pt-BR" sz="1050" dirty="0" err="1" smtClean="0"/>
+              <a:rPr lang="pt-BR" sz="1050" dirty="0" err="1"/>
               <a:t>isocontours</a:t>
             </a:r>
             <a:endParaRPr lang="pt-BR" sz="1050" dirty="0"/>
@@ -14522,31 +14428,31 @@
           <a:lstStyle/>
           <a:p>
             <a:r>
-              <a:rPr lang="pt-BR" dirty="0" smtClean="0"/>
+              <a:rPr lang="pt-BR" dirty="0"/>
               <a:t>*</a:t>
             </a:r>
             <a:r>
-              <a:rPr lang="pt-BR" sz="1200" dirty="0" smtClean="0"/>
+              <a:rPr lang="pt-BR" sz="1200" dirty="0"/>
               <a:t> SVD </a:t>
             </a:r>
             <a:r>
-              <a:rPr lang="pt-BR" sz="1200" dirty="0" err="1" smtClean="0"/>
+              <a:rPr lang="pt-BR" sz="1200" dirty="0" err="1"/>
               <a:t>or</a:t>
             </a:r>
             <a:r>
-              <a:rPr lang="pt-BR" sz="1200" dirty="0" smtClean="0"/>
+              <a:rPr lang="pt-BR" sz="1200" dirty="0"/>
               <a:t> </a:t>
             </a:r>
             <a:r>
-              <a:rPr lang="pt-BR" sz="1200" dirty="0" err="1" smtClean="0"/>
+              <a:rPr lang="pt-BR" sz="1200" dirty="0" err="1"/>
               <a:t>spectrum</a:t>
             </a:r>
             <a:r>
-              <a:rPr lang="pt-BR" sz="1200" dirty="0" smtClean="0"/>
+              <a:rPr lang="pt-BR" sz="1200" dirty="0"/>
               <a:t> </a:t>
             </a:r>
             <a:r>
-              <a:rPr lang="pt-BR" sz="1200" dirty="0" err="1" smtClean="0"/>
+              <a:rPr lang="pt-BR" sz="1200" dirty="0" err="1"/>
               <a:t>partitioning</a:t>
             </a:r>
             <a:endParaRPr lang="pt-BR" sz="1200" dirty="0"/>
@@ -14563,13 +14469,6 @@
   <p:clrMapOvr>
     <a:masterClrMapping/>
   </p:clrMapOvr>
-  <p:timing>
-    <p:tnLst>
-      <p:par>
-        <p:cTn id="1" dur="indefinite" restart="never" nodeType="tmRoot"/>
-      </p:par>
-    </p:tnLst>
-  </p:timing>
 </p:sld>
 </file>
 
@@ -15046,24 +14945,23 @@
           <a:p>
             <a:pPr algn="ctr"/>
             <a:r>
-              <a:rPr lang="pt-BR" sz="1400" dirty="0" smtClean="0"/>
+              <a:rPr lang="pt-BR" sz="1400" dirty="0"/>
               <a:t>sample</a:t>
             </a:r>
           </a:p>
           <a:p>
             <a:pPr algn="ctr"/>
             <a:r>
-              <a:rPr lang="pt-BR" sz="1400" dirty="0" smtClean="0"/>
+              <a:rPr lang="pt-BR" sz="1400" dirty="0"/>
               <a:t>spacing:</a:t>
             </a:r>
           </a:p>
           <a:p>
             <a:pPr algn="ctr"/>
             <a:r>
-              <a:rPr lang="pt-BR" sz="1400" dirty="0" smtClean="0"/>
+              <a:rPr lang="pt-BR" sz="1400" dirty="0"/>
               <a:t>0.0</a:t>
             </a:r>
-            <a:endParaRPr lang="pt-BR" sz="1400" dirty="0"/>
           </a:p>
         </p:txBody>
       </p:sp>
@@ -15091,24 +14989,23 @@
           <a:p>
             <a:pPr algn="ctr"/>
             <a:r>
-              <a:rPr lang="pt-BR" sz="1400" dirty="0" smtClean="0"/>
+              <a:rPr lang="pt-BR" sz="1400" dirty="0"/>
               <a:t>sample</a:t>
             </a:r>
           </a:p>
           <a:p>
             <a:pPr algn="ctr"/>
             <a:r>
-              <a:rPr lang="pt-BR" sz="1400" dirty="0" smtClean="0"/>
+              <a:rPr lang="pt-BR" sz="1400" dirty="0"/>
               <a:t>spacing:</a:t>
             </a:r>
           </a:p>
           <a:p>
             <a:pPr algn="ctr"/>
             <a:r>
-              <a:rPr lang="pt-BR" sz="1400" dirty="0" smtClean="0"/>
+              <a:rPr lang="pt-BR" sz="1400" dirty="0"/>
               <a:t>2.0</a:t>
             </a:r>
-            <a:endParaRPr lang="pt-BR" sz="1400" dirty="0"/>
           </a:p>
         </p:txBody>
       </p:sp>
@@ -15136,24 +15033,23 @@
           <a:p>
             <a:pPr algn="ctr"/>
             <a:r>
-              <a:rPr lang="pt-BR" sz="1400" dirty="0" smtClean="0"/>
+              <a:rPr lang="pt-BR" sz="1400" dirty="0"/>
               <a:t>sample</a:t>
             </a:r>
           </a:p>
           <a:p>
             <a:pPr algn="ctr"/>
             <a:r>
-              <a:rPr lang="pt-BR" sz="1400" dirty="0" smtClean="0"/>
+              <a:rPr lang="pt-BR" sz="1400" dirty="0"/>
               <a:t>spacing:</a:t>
             </a:r>
           </a:p>
           <a:p>
             <a:pPr algn="ctr"/>
             <a:r>
-              <a:rPr lang="pt-BR" sz="1400" dirty="0" smtClean="0"/>
+              <a:rPr lang="pt-BR" sz="1400" dirty="0"/>
               <a:t>3.0</a:t>
             </a:r>
-            <a:endParaRPr lang="pt-BR" sz="1400" dirty="0"/>
           </a:p>
         </p:txBody>
       </p:sp>
@@ -15181,24 +15077,23 @@
           <a:p>
             <a:pPr algn="ctr"/>
             <a:r>
-              <a:rPr lang="pt-BR" sz="1400" dirty="0" smtClean="0"/>
+              <a:rPr lang="pt-BR" sz="1400" dirty="0"/>
               <a:t>sample</a:t>
             </a:r>
           </a:p>
           <a:p>
             <a:pPr algn="ctr"/>
             <a:r>
-              <a:rPr lang="pt-BR" sz="1400" dirty="0" smtClean="0"/>
+              <a:rPr lang="pt-BR" sz="1400" dirty="0"/>
               <a:t>spacing:</a:t>
             </a:r>
           </a:p>
           <a:p>
             <a:pPr algn="ctr"/>
             <a:r>
-              <a:rPr lang="pt-BR" sz="1400" dirty="0" smtClean="0"/>
+              <a:rPr lang="pt-BR" sz="1400" dirty="0"/>
               <a:t>4.0</a:t>
             </a:r>
-            <a:endParaRPr lang="pt-BR" sz="1400" dirty="0"/>
           </a:p>
         </p:txBody>
       </p:sp>
@@ -15212,13 +15107,6 @@
   <p:clrMapOvr>
     <a:masterClrMapping/>
   </p:clrMapOvr>
-  <p:timing>
-    <p:tnLst>
-      <p:par>
-        <p:cTn id="1" dur="indefinite" restart="never" nodeType="tmRoot"/>
-      </p:par>
-    </p:tnLst>
-  </p:timing>
 </p:sld>
 </file>
 
@@ -15357,13 +15245,6 @@
   <p:clrMapOvr>
     <a:masterClrMapping/>
   </p:clrMapOvr>
-  <p:timing>
-    <p:tnLst>
-      <p:par>
-        <p:cTn id="1" dur="indefinite" restart="never" nodeType="tmRoot"/>
-      </p:par>
-    </p:tnLst>
-  </p:timing>
 </p:sld>
 </file>
 
@@ -15442,13 +15323,6 @@
   <p:clrMapOvr>
     <a:masterClrMapping/>
   </p:clrMapOvr>
-  <p:timing>
-    <p:tnLst>
-      <p:par>
-        <p:cTn id="1" dur="indefinite" restart="never" nodeType="tmRoot"/>
-      </p:par>
-    </p:tnLst>
-  </p:timing>
 </p:sld>
 </file>
 
@@ -15527,13 +15401,6 @@
   <p:clrMapOvr>
     <a:masterClrMapping/>
   </p:clrMapOvr>
-  <p:timing>
-    <p:tnLst>
-      <p:par>
-        <p:cTn id="1" dur="indefinite" restart="never" nodeType="tmRoot"/>
-      </p:par>
-    </p:tnLst>
-  </p:timing>
 </p:sld>
 </file>
 
@@ -15677,7 +15544,7 @@
           <a:lstStyle/>
           <a:p>
             <a:r>
-              <a:rPr lang="pt-BR" dirty="0" err="1" smtClean="0"/>
+              <a:rPr lang="pt-BR" dirty="0" err="1"/>
               <a:t>value</a:t>
             </a:r>
             <a:endParaRPr lang="pt-BR" dirty="0"/>
@@ -15730,13 +15597,6 @@
   <p:clrMapOvr>
     <a:masterClrMapping/>
   </p:clrMapOvr>
-  <p:timing>
-    <p:tnLst>
-      <p:par>
-        <p:cTn id="1" dur="indefinite" restart="never" nodeType="tmRoot"/>
-      </p:par>
-    </p:tnLst>
-  </p:timing>
 </p:sld>
 </file>
 
@@ -15880,7 +15740,7 @@
           <a:lstStyle/>
           <a:p>
             <a:r>
-              <a:rPr lang="pt-BR" dirty="0" err="1" smtClean="0"/>
+              <a:rPr lang="pt-BR" dirty="0" err="1"/>
               <a:t>value</a:t>
             </a:r>
             <a:endParaRPr lang="pt-BR" dirty="0"/>
@@ -15933,13 +15793,6 @@
   <p:clrMapOvr>
     <a:masterClrMapping/>
   </p:clrMapOvr>
-  <p:timing>
-    <p:tnLst>
-      <p:par>
-        <p:cTn id="1" dur="indefinite" restart="never" nodeType="tmRoot"/>
-      </p:par>
-    </p:tnLst>
-  </p:timing>
 </p:sld>
 </file>
 
@@ -16083,7 +15936,7 @@
           <a:lstStyle/>
           <a:p>
             <a:r>
-              <a:rPr lang="pt-BR" dirty="0" err="1" smtClean="0"/>
+              <a:rPr lang="pt-BR" dirty="0" err="1"/>
               <a:t>value</a:t>
             </a:r>
             <a:endParaRPr lang="pt-BR" dirty="0"/>
@@ -16136,13 +15989,6 @@
   <p:clrMapOvr>
     <a:masterClrMapping/>
   </p:clrMapOvr>
-  <p:timing>
-    <p:tnLst>
-      <p:par>
-        <p:cTn id="1" dur="indefinite" restart="never" nodeType="tmRoot"/>
-      </p:par>
-    </p:tnLst>
-  </p:timing>
 </p:sld>
 </file>
 
@@ -16251,7 +16097,7 @@
           <a:lstStyle/>
           <a:p>
             <a:r>
-              <a:rPr lang="pt-BR" dirty="0" err="1" smtClean="0"/>
+              <a:rPr lang="pt-BR" dirty="0" err="1"/>
               <a:t>value</a:t>
             </a:r>
             <a:endParaRPr lang="pt-BR" dirty="0"/>
@@ -16339,13 +16185,6 @@
   <p:clrMapOvr>
     <a:masterClrMapping/>
   </p:clrMapOvr>
-  <p:timing>
-    <p:tnLst>
-      <p:par>
-        <p:cTn id="1" dur="indefinite" restart="never" nodeType="tmRoot"/>
-      </p:par>
-    </p:tnLst>
-  </p:timing>
 </p:sld>
 </file>
 
@@ -17164,11 +17003,11 @@
           <a:lstStyle/>
           <a:p>
             <a:r>
-              <a:rPr lang="pt-BR" dirty="0" smtClean="0"/>
+              <a:rPr lang="pt-BR" dirty="0"/>
               <a:t>data </a:t>
             </a:r>
             <a:r>
-              <a:rPr lang="pt-BR" dirty="0" err="1" smtClean="0"/>
+              <a:rPr lang="pt-BR" dirty="0" err="1"/>
               <a:t>location</a:t>
             </a:r>
             <a:endParaRPr lang="pt-BR" dirty="0"/>
@@ -17198,18 +17037,17 @@
           <a:lstStyle/>
           <a:p>
             <a:r>
-              <a:rPr lang="pt-BR" dirty="0" smtClean="0"/>
+              <a:rPr lang="pt-BR" dirty="0"/>
               <a:t>data </a:t>
             </a:r>
             <a:r>
-              <a:rPr lang="pt-BR" dirty="0" err="1" smtClean="0"/>
+              <a:rPr lang="pt-BR" dirty="0" err="1"/>
               <a:t>bounding</a:t>
             </a:r>
             <a:r>
-              <a:rPr lang="pt-BR" dirty="0" smtClean="0"/>
+              <a:rPr lang="pt-BR" dirty="0"/>
               <a:t> box</a:t>
             </a:r>
-            <a:endParaRPr lang="pt-BR" dirty="0"/>
           </a:p>
         </p:txBody>
       </p:sp>
@@ -17236,15 +17074,15 @@
           <a:lstStyle/>
           <a:p>
             <a:r>
-              <a:rPr lang="pt-BR" dirty="0" err="1" smtClean="0"/>
+              <a:rPr lang="pt-BR" dirty="0" err="1"/>
               <a:t>resulting</a:t>
             </a:r>
             <a:r>
-              <a:rPr lang="pt-BR" dirty="0" smtClean="0"/>
+              <a:rPr lang="pt-BR" dirty="0"/>
               <a:t> grid </a:t>
             </a:r>
             <a:r>
-              <a:rPr lang="pt-BR" dirty="0" err="1" smtClean="0"/>
+              <a:rPr lang="pt-BR" dirty="0" err="1"/>
               <a:t>geometry</a:t>
             </a:r>
             <a:endParaRPr lang="pt-BR" dirty="0"/>
@@ -17274,19 +17112,19 @@
           <a:lstStyle/>
           <a:p>
             <a:r>
-              <a:rPr lang="pt-BR" dirty="0" smtClean="0"/>
+              <a:rPr lang="pt-BR" dirty="0"/>
               <a:t>grid </a:t>
             </a:r>
             <a:r>
-              <a:rPr lang="pt-BR" dirty="0" err="1" smtClean="0"/>
+              <a:rPr lang="pt-BR" dirty="0" err="1"/>
               <a:t>origin</a:t>
             </a:r>
             <a:r>
-              <a:rPr lang="pt-BR" dirty="0" smtClean="0"/>
+              <a:rPr lang="pt-BR" dirty="0"/>
               <a:t> </a:t>
             </a:r>
             <a:r>
-              <a:rPr lang="pt-BR" dirty="0" err="1" smtClean="0"/>
+              <a:rPr lang="pt-BR" dirty="0" err="1"/>
               <a:t>location</a:t>
             </a:r>
             <a:endParaRPr lang="pt-BR" dirty="0"/>
@@ -17445,13 +17283,6 @@
   <p:clrMapOvr>
     <a:masterClrMapping/>
   </p:clrMapOvr>
-  <p:timing>
-    <p:tnLst>
-      <p:par>
-        <p:cTn id="1" dur="indefinite" restart="never" nodeType="tmRoot"/>
-      </p:par>
-    </p:tnLst>
-  </p:timing>
 </p:sld>
 </file>
 
@@ -17520,19 +17351,19 @@
           <a:p>
             <a:pPr algn="ctr"/>
             <a:r>
-              <a:rPr lang="pt-BR" sz="1100" b="1" dirty="0" smtClean="0"/>
+              <a:rPr lang="pt-BR" sz="1100" b="1" dirty="0"/>
               <a:t>B2: computes </a:t>
             </a:r>
             <a:r>
-              <a:rPr lang="pt-BR" sz="1100" b="1" dirty="0" err="1" smtClean="0"/>
+              <a:rPr lang="pt-BR" sz="1100" b="1" dirty="0" err="1"/>
               <a:t>and</a:t>
             </a:r>
             <a:r>
-              <a:rPr lang="pt-BR" sz="1100" b="1" dirty="0" smtClean="0"/>
+              <a:rPr lang="pt-BR" sz="1100" b="1" dirty="0"/>
               <a:t> displays Gabor </a:t>
             </a:r>
             <a:r>
-              <a:rPr lang="pt-BR" sz="1100" b="1" dirty="0" err="1" smtClean="0"/>
+              <a:rPr lang="pt-BR" sz="1100" b="1" dirty="0" err="1"/>
               <a:t>space</a:t>
             </a:r>
             <a:endParaRPr lang="pt-BR" sz="1100" b="1" dirty="0"/>
@@ -17732,18 +17563,17 @@
           <a:p>
             <a:pPr algn="ctr"/>
             <a:r>
-              <a:rPr lang="pt-BR" sz="1100" b="1" dirty="0" smtClean="0"/>
+              <a:rPr lang="pt-BR" sz="1100" b="1" dirty="0"/>
               <a:t>D2: Gabor </a:t>
             </a:r>
             <a:r>
-              <a:rPr lang="pt-BR" sz="1100" b="1" dirty="0" err="1" smtClean="0"/>
+              <a:rPr lang="pt-BR" sz="1100" b="1" dirty="0" err="1"/>
               <a:t>space</a:t>
             </a:r>
             <a:r>
-              <a:rPr lang="pt-BR" sz="1100" b="1" dirty="0" smtClean="0"/>
+              <a:rPr lang="pt-BR" sz="1100" b="1" dirty="0"/>
               <a:t> display</a:t>
             </a:r>
-            <a:endParaRPr lang="pt-BR" sz="1100" b="1" dirty="0"/>
           </a:p>
         </p:txBody>
       </p:sp>
@@ -17856,19 +17686,19 @@
           <a:p>
             <a:pPr algn="ctr"/>
             <a:r>
-              <a:rPr lang="pt-BR" sz="1100" b="1" dirty="0" smtClean="0"/>
+              <a:rPr lang="pt-BR" sz="1100" b="1" dirty="0"/>
               <a:t>B1: opens </a:t>
             </a:r>
             <a:r>
-              <a:rPr lang="pt-BR" sz="1100" b="1" dirty="0" err="1" smtClean="0"/>
+              <a:rPr lang="pt-BR" sz="1100" b="1" dirty="0" err="1"/>
               <a:t>the</a:t>
             </a:r>
             <a:r>
-              <a:rPr lang="pt-BR" sz="1100" b="1" dirty="0" smtClean="0"/>
+              <a:rPr lang="pt-BR" sz="1100" b="1" dirty="0"/>
               <a:t> scanner </a:t>
             </a:r>
             <a:r>
-              <a:rPr lang="pt-BR" sz="1100" b="1" dirty="0" err="1" smtClean="0"/>
+              <a:rPr lang="pt-BR" sz="1100" b="1" dirty="0" err="1"/>
               <a:t>dialog</a:t>
             </a:r>
             <a:endParaRPr lang="pt-BR" sz="1100" b="1" dirty="0"/>
@@ -17899,29 +17729,28 @@
           <a:p>
             <a:pPr algn="ctr"/>
             <a:r>
-              <a:rPr lang="pt-BR" sz="1100" b="1" dirty="0" smtClean="0"/>
+              <a:rPr lang="pt-BR" sz="1100" b="1" dirty="0"/>
               <a:t>B3: </a:t>
             </a:r>
             <a:r>
-              <a:rPr lang="pt-BR" sz="1100" b="1" dirty="0" err="1" smtClean="0"/>
+              <a:rPr lang="pt-BR" sz="1100" b="1" dirty="0" err="1"/>
               <a:t>refresh</a:t>
             </a:r>
             <a:r>
-              <a:rPr lang="pt-BR" sz="1100" b="1" dirty="0" smtClean="0"/>
+              <a:rPr lang="pt-BR" sz="1100" b="1" dirty="0"/>
               <a:t> </a:t>
             </a:r>
           </a:p>
           <a:p>
             <a:pPr algn="ctr"/>
             <a:r>
-              <a:rPr lang="pt-BR" sz="1100" b="1" dirty="0" err="1" smtClean="0"/>
+              <a:rPr lang="pt-BR" sz="1100" b="1" dirty="0" err="1"/>
               <a:t>kernel</a:t>
             </a:r>
             <a:r>
-              <a:rPr lang="pt-BR" sz="1100" b="1" dirty="0" smtClean="0"/>
+              <a:rPr lang="pt-BR" sz="1100" b="1" dirty="0"/>
               <a:t> displays</a:t>
             </a:r>
-            <a:endParaRPr lang="pt-BR" sz="1100" b="1" dirty="0"/>
           </a:p>
         </p:txBody>
       </p:sp>
@@ -18204,42 +18033,41 @@
           <a:p>
             <a:pPr algn="ctr"/>
             <a:r>
-              <a:rPr lang="pt-BR" sz="1100" b="1" dirty="0" smtClean="0"/>
+              <a:rPr lang="pt-BR" sz="1100" b="1" dirty="0"/>
               <a:t>D3: </a:t>
             </a:r>
             <a:r>
-              <a:rPr lang="pt-BR" sz="1100" b="1" dirty="0" err="1" smtClean="0"/>
+              <a:rPr lang="pt-BR" sz="1100" b="1" dirty="0" err="1"/>
               <a:t>kernel</a:t>
             </a:r>
             <a:r>
-              <a:rPr lang="pt-BR" sz="1100" b="1" dirty="0" smtClean="0"/>
+              <a:rPr lang="pt-BR" sz="1100" b="1" dirty="0"/>
               <a:t> displays (min. </a:t>
             </a:r>
             <a:r>
-              <a:rPr lang="pt-BR" sz="1100" b="1" dirty="0" err="1" smtClean="0"/>
+              <a:rPr lang="pt-BR" sz="1100" b="1" dirty="0" err="1"/>
               <a:t>and</a:t>
             </a:r>
             <a:r>
-              <a:rPr lang="pt-BR" sz="1100" b="1" dirty="0" smtClean="0"/>
+              <a:rPr lang="pt-BR" sz="1100" b="1" dirty="0"/>
               <a:t> </a:t>
             </a:r>
             <a:r>
-              <a:rPr lang="pt-BR" sz="1100" b="1" dirty="0" err="1" smtClean="0"/>
+              <a:rPr lang="pt-BR" sz="1100" b="1" dirty="0" err="1"/>
               <a:t>max</a:t>
             </a:r>
             <a:r>
-              <a:rPr lang="pt-BR" sz="1100" b="1" dirty="0" smtClean="0"/>
+              <a:rPr lang="pt-BR" sz="1100" b="1" dirty="0"/>
               <a:t>. </a:t>
             </a:r>
             <a:r>
-              <a:rPr lang="pt-BR" sz="1100" b="1" dirty="0" err="1" smtClean="0"/>
+              <a:rPr lang="pt-BR" sz="1100" b="1" dirty="0" err="1"/>
               <a:t>frequencies</a:t>
             </a:r>
             <a:r>
-              <a:rPr lang="pt-BR" sz="1100" b="1" dirty="0" smtClean="0"/>
+              <a:rPr lang="pt-BR" sz="1100" b="1" dirty="0"/>
               <a:t>)</a:t>
             </a:r>
-            <a:endParaRPr lang="pt-BR" sz="1100" b="1" dirty="0"/>
           </a:p>
         </p:txBody>
       </p:sp>
@@ -18352,58 +18180,57 @@
           <a:p>
             <a:pPr algn="ctr"/>
             <a:r>
-              <a:rPr lang="pt-BR" sz="1100" b="1" dirty="0" smtClean="0"/>
+              <a:rPr lang="pt-BR" sz="1100" b="1" dirty="0"/>
               <a:t>D1: </a:t>
             </a:r>
             <a:r>
-              <a:rPr lang="pt-BR" sz="1100" b="1" dirty="0" err="1" smtClean="0"/>
+              <a:rPr lang="pt-BR" sz="1100" b="1" dirty="0" err="1"/>
               <a:t>kernel</a:t>
             </a:r>
             <a:r>
-              <a:rPr lang="pt-BR" sz="1100" b="1" dirty="0" smtClean="0"/>
+              <a:rPr lang="pt-BR" sz="1100" b="1" dirty="0"/>
               <a:t> </a:t>
             </a:r>
             <a:r>
-              <a:rPr lang="pt-BR" sz="1100" b="1" dirty="0" err="1" smtClean="0"/>
+              <a:rPr lang="pt-BR" sz="1100" b="1" dirty="0" err="1"/>
               <a:t>frequency</a:t>
             </a:r>
             <a:r>
-              <a:rPr lang="pt-BR" sz="1100" b="1" dirty="0" smtClean="0"/>
+              <a:rPr lang="pt-BR" sz="1100" b="1" dirty="0"/>
               <a:t> </a:t>
             </a:r>
             <a:r>
-              <a:rPr lang="pt-BR" sz="1100" b="1" dirty="0" err="1" smtClean="0"/>
+              <a:rPr lang="pt-BR" sz="1100" b="1" dirty="0" err="1"/>
               <a:t>to</a:t>
             </a:r>
             <a:r>
-              <a:rPr lang="pt-BR" sz="1100" b="1" dirty="0" smtClean="0"/>
+              <a:rPr lang="pt-BR" sz="1100" b="1" dirty="0"/>
               <a:t> </a:t>
             </a:r>
             <a:r>
-              <a:rPr lang="pt-BR" sz="1100" b="1" dirty="0" err="1" smtClean="0"/>
+              <a:rPr lang="pt-BR" sz="1100" b="1" dirty="0" err="1"/>
               <a:t>spatial</a:t>
             </a:r>
             <a:r>
-              <a:rPr lang="pt-BR" sz="1100" b="1" dirty="0" smtClean="0"/>
+              <a:rPr lang="pt-BR" sz="1100" b="1" dirty="0"/>
               <a:t> </a:t>
             </a:r>
             <a:r>
-              <a:rPr lang="pt-BR" sz="1100" b="1" dirty="0" err="1" smtClean="0"/>
+              <a:rPr lang="pt-BR" sz="1100" b="1" dirty="0" err="1"/>
               <a:t>size</a:t>
             </a:r>
             <a:r>
-              <a:rPr lang="pt-BR" sz="1100" b="1" dirty="0" smtClean="0"/>
+              <a:rPr lang="pt-BR" sz="1100" b="1" dirty="0"/>
               <a:t> </a:t>
             </a:r>
             <a:r>
-              <a:rPr lang="pt-BR" sz="1100" b="1" dirty="0" err="1" smtClean="0"/>
+              <a:rPr lang="pt-BR" sz="1100" b="1" dirty="0" err="1"/>
               <a:t>conversion</a:t>
             </a:r>
             <a:r>
-              <a:rPr lang="pt-BR" sz="1100" b="1" dirty="0" smtClean="0"/>
+              <a:rPr lang="pt-BR" sz="1100" b="1" dirty="0"/>
               <a:t> display</a:t>
             </a:r>
-            <a:endParaRPr lang="pt-BR" sz="1100" b="1" dirty="0"/>
           </a:p>
         </p:txBody>
       </p:sp>
@@ -18431,26 +18258,25 @@
           <a:p>
             <a:pPr algn="ctr"/>
             <a:r>
-              <a:rPr lang="pt-BR" sz="1100" b="1" dirty="0" smtClean="0"/>
+              <a:rPr lang="pt-BR" sz="1100" b="1" dirty="0"/>
               <a:t>B4: </a:t>
             </a:r>
             <a:r>
-              <a:rPr lang="pt-BR" sz="1100" b="1" dirty="0" err="1" smtClean="0"/>
+              <a:rPr lang="pt-BR" sz="1100" b="1" dirty="0" err="1"/>
               <a:t>updates</a:t>
             </a:r>
             <a:r>
-              <a:rPr lang="pt-BR" sz="1100" b="1" dirty="0" smtClean="0"/>
+              <a:rPr lang="pt-BR" sz="1100" b="1" dirty="0"/>
               <a:t> Gabor </a:t>
             </a:r>
             <a:r>
-              <a:rPr lang="pt-BR" sz="1100" b="1" dirty="0" err="1" smtClean="0"/>
+              <a:rPr lang="pt-BR" sz="1100" b="1" dirty="0" err="1"/>
               <a:t>space</a:t>
             </a:r>
             <a:r>
-              <a:rPr lang="pt-BR" sz="1100" b="1" dirty="0" smtClean="0"/>
+              <a:rPr lang="pt-BR" sz="1100" b="1" dirty="0"/>
               <a:t> display</a:t>
             </a:r>
-            <a:endParaRPr lang="pt-BR" sz="1100" b="1" dirty="0"/>
           </a:p>
         </p:txBody>
       </p:sp>
@@ -18561,42 +18387,41 @@
           <a:p>
             <a:pPr algn="ctr"/>
             <a:r>
-              <a:rPr lang="pt-BR" sz="1100" b="1" dirty="0" smtClean="0"/>
+              <a:rPr lang="pt-BR" sz="1100" b="1" dirty="0"/>
               <a:t>B6: </a:t>
             </a:r>
             <a:r>
-              <a:rPr lang="pt-BR" sz="1100" b="1" dirty="0" err="1" smtClean="0"/>
+              <a:rPr lang="pt-BR" sz="1100" b="1" dirty="0" err="1"/>
               <a:t>saves</a:t>
             </a:r>
             <a:r>
-              <a:rPr lang="pt-BR" sz="1100" b="1" dirty="0" smtClean="0"/>
+              <a:rPr lang="pt-BR" sz="1100" b="1" dirty="0"/>
               <a:t> </a:t>
             </a:r>
             <a:r>
-              <a:rPr lang="pt-BR" sz="1100" b="1" dirty="0" err="1" smtClean="0"/>
+              <a:rPr lang="pt-BR" sz="1100" b="1" dirty="0" err="1"/>
               <a:t>filtered</a:t>
             </a:r>
             <a:r>
-              <a:rPr lang="pt-BR" sz="1100" b="1" dirty="0" smtClean="0"/>
+              <a:rPr lang="pt-BR" sz="1100" b="1" dirty="0"/>
               <a:t> </a:t>
             </a:r>
             <a:r>
-              <a:rPr lang="pt-BR" sz="1100" b="1" dirty="0" err="1" smtClean="0"/>
+              <a:rPr lang="pt-BR" sz="1100" b="1" dirty="0" err="1"/>
               <a:t>result</a:t>
             </a:r>
             <a:r>
-              <a:rPr lang="pt-BR" sz="1100" b="1" dirty="0" smtClean="0"/>
+              <a:rPr lang="pt-BR" sz="1100" b="1" dirty="0"/>
               <a:t> </a:t>
             </a:r>
             <a:r>
-              <a:rPr lang="pt-BR" sz="1100" b="1" dirty="0" err="1" smtClean="0"/>
+              <a:rPr lang="pt-BR" sz="1100" b="1" dirty="0" err="1"/>
               <a:t>to</a:t>
             </a:r>
             <a:r>
-              <a:rPr lang="pt-BR" sz="1100" b="1" dirty="0" smtClean="0"/>
+              <a:rPr lang="pt-BR" sz="1100" b="1" dirty="0"/>
               <a:t> file</a:t>
             </a:r>
-            <a:endParaRPr lang="pt-BR" sz="1100" b="1" dirty="0"/>
           </a:p>
         </p:txBody>
       </p:sp>
@@ -18707,35 +18532,35 @@
           <a:p>
             <a:pPr algn="ctr"/>
             <a:r>
-              <a:rPr lang="pt-BR" sz="1100" b="1" dirty="0" smtClean="0"/>
+              <a:rPr lang="pt-BR" sz="1100" b="1" dirty="0"/>
               <a:t>B5: computes </a:t>
             </a:r>
             <a:r>
-              <a:rPr lang="pt-BR" sz="1100" b="1" dirty="0" err="1" smtClean="0"/>
+              <a:rPr lang="pt-BR" sz="1100" b="1" dirty="0" err="1"/>
               <a:t>and</a:t>
             </a:r>
             <a:r>
-              <a:rPr lang="pt-BR" sz="1100" b="1" dirty="0" smtClean="0"/>
+              <a:rPr lang="pt-BR" sz="1100" b="1" dirty="0"/>
               <a:t> displays </a:t>
             </a:r>
             <a:r>
-              <a:rPr lang="pt-BR" sz="1100" b="1" dirty="0" err="1" smtClean="0"/>
+              <a:rPr lang="pt-BR" sz="1100" b="1" dirty="0" err="1"/>
               <a:t>the</a:t>
             </a:r>
             <a:r>
-              <a:rPr lang="pt-BR" sz="1100" b="1" dirty="0" smtClean="0"/>
+              <a:rPr lang="pt-BR" sz="1100" b="1" dirty="0"/>
               <a:t> </a:t>
             </a:r>
             <a:r>
-              <a:rPr lang="pt-BR" sz="1100" b="1" dirty="0" err="1" smtClean="0"/>
+              <a:rPr lang="pt-BR" sz="1100" b="1" dirty="0" err="1"/>
               <a:t>filtered</a:t>
             </a:r>
             <a:r>
-              <a:rPr lang="pt-BR" sz="1100" b="1" dirty="0" smtClean="0"/>
+              <a:rPr lang="pt-BR" sz="1100" b="1" dirty="0"/>
               <a:t> </a:t>
             </a:r>
             <a:r>
-              <a:rPr lang="pt-BR" sz="1100" b="1" dirty="0" err="1" smtClean="0"/>
+              <a:rPr lang="pt-BR" sz="1100" b="1" dirty="0" err="1"/>
               <a:t>result</a:t>
             </a:r>
             <a:endParaRPr lang="pt-BR" sz="1100" b="1" dirty="0"/>
@@ -18752,13 +18577,6 @@
   <p:clrMapOvr>
     <a:masterClrMapping/>
   </p:clrMapOvr>
-  <p:timing>
-    <p:tnLst>
-      <p:par>
-        <p:cTn id="1" dur="indefinite" restart="never" nodeType="tmRoot"/>
-      </p:par>
-    </p:tnLst>
-  </p:timing>
 </p:sld>
 </file>
 
@@ -18912,15 +18730,15 @@
           <a:p>
             <a:pPr algn="ctr"/>
             <a:r>
-              <a:rPr lang="pt-BR" sz="1100" b="1" dirty="0" err="1" smtClean="0"/>
+              <a:rPr lang="pt-BR" sz="1100" b="1" dirty="0" err="1"/>
               <a:t>frequency</a:t>
             </a:r>
             <a:r>
-              <a:rPr lang="pt-BR" sz="1100" b="1" dirty="0" smtClean="0"/>
+              <a:rPr lang="pt-BR" sz="1100" b="1" dirty="0"/>
               <a:t> </a:t>
             </a:r>
             <a:r>
-              <a:rPr lang="pt-BR" sz="1100" b="1" dirty="0" err="1" smtClean="0"/>
+              <a:rPr lang="pt-BR" sz="1100" b="1" dirty="0" err="1"/>
               <a:t>scale</a:t>
             </a:r>
             <a:endParaRPr lang="pt-BR" sz="1100" b="1" dirty="0"/>
@@ -19036,15 +18854,15 @@
           <a:p>
             <a:pPr algn="ctr"/>
             <a:r>
-              <a:rPr lang="pt-BR" sz="1100" b="1" dirty="0" err="1" smtClean="0"/>
+              <a:rPr lang="pt-BR" sz="1100" b="1" dirty="0" err="1"/>
               <a:t>azimuth</a:t>
             </a:r>
             <a:r>
-              <a:rPr lang="pt-BR" sz="1100" b="1" dirty="0" smtClean="0"/>
+              <a:rPr lang="pt-BR" sz="1100" b="1" dirty="0"/>
               <a:t> </a:t>
             </a:r>
             <a:r>
-              <a:rPr lang="pt-BR" sz="1100" b="1" dirty="0" err="1" smtClean="0"/>
+              <a:rPr lang="pt-BR" sz="1100" b="1" dirty="0" err="1"/>
               <a:t>scale</a:t>
             </a:r>
             <a:endParaRPr lang="pt-BR" sz="1100" b="1" dirty="0"/>
@@ -19158,14 +18976,13 @@
           <a:p>
             <a:pPr algn="ctr"/>
             <a:r>
-              <a:rPr lang="pt-BR" sz="1100" b="1" dirty="0" err="1" smtClean="0"/>
+              <a:rPr lang="pt-BR" sz="1100" b="1" dirty="0" err="1"/>
               <a:t>mean</a:t>
             </a:r>
             <a:r>
-              <a:rPr lang="pt-BR" sz="1100" b="1" dirty="0" smtClean="0"/>
+              <a:rPr lang="pt-BR" sz="1100" b="1" dirty="0"/>
               <a:t> response amplitude</a:t>
             </a:r>
-            <a:endParaRPr lang="pt-BR" sz="1100" b="1" dirty="0"/>
           </a:p>
         </p:txBody>
       </p:sp>
@@ -19179,13 +18996,6 @@
   <p:clrMapOvr>
     <a:masterClrMapping/>
   </p:clrMapOvr>
-  <p:timing>
-    <p:tnLst>
-      <p:par>
-        <p:cTn id="1" dur="indefinite" restart="never" nodeType="tmRoot"/>
-      </p:par>
-    </p:tnLst>
-  </p:timing>
 </p:sld>
 </file>
 
@@ -19258,7 +19068,7 @@
           <a:lstStyle/>
           <a:p>
             <a:r>
-              <a:rPr lang="pt-BR" sz="1600" b="1" dirty="0" err="1" smtClean="0"/>
+              <a:rPr lang="pt-BR" sz="1600" b="1" dirty="0" err="1"/>
               <a:t>frequency</a:t>
             </a:r>
             <a:endParaRPr lang="pt-BR" sz="1600" b="1" dirty="0"/>
@@ -19288,7 +19098,7 @@
           <a:lstStyle/>
           <a:p>
             <a:r>
-              <a:rPr lang="pt-BR" sz="1600" b="1" dirty="0" err="1" smtClean="0"/>
+              <a:rPr lang="pt-BR" sz="1600" b="1" dirty="0" err="1"/>
               <a:t>azimuth</a:t>
             </a:r>
             <a:endParaRPr lang="pt-BR" sz="1600" b="1" dirty="0"/>
@@ -19318,10 +19128,9 @@
           <a:lstStyle/>
           <a:p>
             <a:r>
-              <a:rPr lang="pt-BR" sz="1600" b="1" dirty="0" smtClean="0"/>
+              <a:rPr lang="pt-BR" sz="1600" b="1" dirty="0"/>
               <a:t>response amplitude</a:t>
             </a:r>
-            <a:endParaRPr lang="pt-BR" sz="1600" b="1" dirty="0"/>
           </a:p>
         </p:txBody>
       </p:sp>
@@ -19652,18 +19461,13 @@
           <a:lstStyle/>
           <a:p>
             <a:r>
-              <a:rPr lang="pt-BR" sz="2000" b="1" dirty="0" smtClean="0">
+              <a:rPr lang="pt-BR" sz="2000" b="1" dirty="0">
                 <a:solidFill>
                   <a:srgbClr val="FF0000"/>
                 </a:solidFill>
               </a:rPr>
               <a:t>(a)</a:t>
             </a:r>
-            <a:endParaRPr lang="pt-BR" sz="2000" b="1" dirty="0">
-              <a:solidFill>
-                <a:srgbClr val="FF0000"/>
-              </a:solidFill>
-            </a:endParaRPr>
           </a:p>
         </p:txBody>
       </p:sp>
@@ -19690,18 +19494,13 @@
           <a:lstStyle/>
           <a:p>
             <a:r>
-              <a:rPr lang="pt-BR" sz="2000" b="1" dirty="0" smtClean="0">
+              <a:rPr lang="pt-BR" sz="2000" b="1" dirty="0">
                 <a:solidFill>
                   <a:srgbClr val="FF0000"/>
                 </a:solidFill>
               </a:rPr>
               <a:t>(b)</a:t>
             </a:r>
-            <a:endParaRPr lang="pt-BR" sz="2000" b="1" dirty="0">
-              <a:solidFill>
-                <a:srgbClr val="FF0000"/>
-              </a:solidFill>
-            </a:endParaRPr>
           </a:p>
         </p:txBody>
       </p:sp>
@@ -19728,18 +19527,13 @@
           <a:lstStyle/>
           <a:p>
             <a:r>
-              <a:rPr lang="pt-BR" sz="2000" b="1" dirty="0" smtClean="0">
+              <a:rPr lang="pt-BR" sz="2000" b="1" dirty="0">
                 <a:solidFill>
                   <a:srgbClr val="FFFF00"/>
                 </a:solidFill>
               </a:rPr>
               <a:t>(c)</a:t>
             </a:r>
-            <a:endParaRPr lang="pt-BR" sz="2000" b="1" dirty="0">
-              <a:solidFill>
-                <a:srgbClr val="FFFF00"/>
-              </a:solidFill>
-            </a:endParaRPr>
           </a:p>
         </p:txBody>
       </p:sp>
@@ -19766,18 +19560,13 @@
           <a:lstStyle/>
           <a:p>
             <a:r>
-              <a:rPr lang="pt-BR" sz="2000" b="1" dirty="0" smtClean="0">
+              <a:rPr lang="pt-BR" sz="2000" b="1" dirty="0">
                 <a:solidFill>
                   <a:srgbClr val="FFFF00"/>
                 </a:solidFill>
               </a:rPr>
               <a:t>(d)</a:t>
             </a:r>
-            <a:endParaRPr lang="pt-BR" sz="2000" b="1" dirty="0">
-              <a:solidFill>
-                <a:srgbClr val="FFFF00"/>
-              </a:solidFill>
-            </a:endParaRPr>
           </a:p>
         </p:txBody>
       </p:sp>
@@ -19804,18 +19593,13 @@
           <a:lstStyle/>
           <a:p>
             <a:r>
-              <a:rPr lang="pt-BR" sz="2000" b="1" dirty="0" smtClean="0">
+              <a:rPr lang="pt-BR" sz="2000" b="1" dirty="0">
                 <a:solidFill>
                   <a:srgbClr val="FF0000"/>
                 </a:solidFill>
               </a:rPr>
               <a:t>(a)</a:t>
             </a:r>
-            <a:endParaRPr lang="pt-BR" sz="2000" b="1" dirty="0">
-              <a:solidFill>
-                <a:srgbClr val="FF0000"/>
-              </a:solidFill>
-            </a:endParaRPr>
           </a:p>
         </p:txBody>
       </p:sp>
@@ -19842,18 +19626,13 @@
           <a:lstStyle/>
           <a:p>
             <a:r>
-              <a:rPr lang="pt-BR" sz="2000" b="1" dirty="0" smtClean="0">
+              <a:rPr lang="pt-BR" sz="2000" b="1" dirty="0">
                 <a:solidFill>
                   <a:srgbClr val="FF0000"/>
                 </a:solidFill>
               </a:rPr>
               <a:t>(b)</a:t>
             </a:r>
-            <a:endParaRPr lang="pt-BR" sz="2000" b="1" dirty="0">
-              <a:solidFill>
-                <a:srgbClr val="FF0000"/>
-              </a:solidFill>
-            </a:endParaRPr>
           </a:p>
         </p:txBody>
       </p:sp>
@@ -19880,18 +19659,13 @@
           <a:lstStyle/>
           <a:p>
             <a:r>
-              <a:rPr lang="pt-BR" sz="2000" b="1" dirty="0" smtClean="0">
+              <a:rPr lang="pt-BR" sz="2000" b="1" dirty="0">
                 <a:solidFill>
                   <a:srgbClr val="FF0000"/>
                 </a:solidFill>
               </a:rPr>
               <a:t>(c)</a:t>
             </a:r>
-            <a:endParaRPr lang="pt-BR" sz="2000" b="1" dirty="0">
-              <a:solidFill>
-                <a:srgbClr val="FF0000"/>
-              </a:solidFill>
-            </a:endParaRPr>
           </a:p>
         </p:txBody>
       </p:sp>
@@ -19918,18 +19692,13 @@
           <a:lstStyle/>
           <a:p>
             <a:r>
-              <a:rPr lang="pt-BR" sz="2000" b="1" dirty="0" smtClean="0">
+              <a:rPr lang="pt-BR" sz="2000" b="1" dirty="0">
                 <a:solidFill>
                   <a:srgbClr val="FF0000"/>
                 </a:solidFill>
               </a:rPr>
               <a:t>(d)</a:t>
             </a:r>
-            <a:endParaRPr lang="pt-BR" sz="2000" b="1" dirty="0">
-              <a:solidFill>
-                <a:srgbClr val="FF0000"/>
-              </a:solidFill>
-            </a:endParaRPr>
           </a:p>
         </p:txBody>
       </p:sp>
@@ -19995,13 +19764,6 @@
   <p:clrMapOvr>
     <a:masterClrMapping/>
   </p:clrMapOvr>
-  <p:timing>
-    <p:tnLst>
-      <p:par>
-        <p:cTn id="1" dur="indefinite" restart="never" nodeType="tmRoot"/>
-      </p:par>
-    </p:tnLst>
-  </p:timing>
 </p:sld>
 </file>
 
@@ -20148,13 +19910,6 @@
   <p:clrMapOvr>
     <a:masterClrMapping/>
   </p:clrMapOvr>
-  <p:timing>
-    <p:tnLst>
-      <p:par>
-        <p:cTn id="1" dur="indefinite" restart="never" nodeType="tmRoot"/>
-      </p:par>
-    </p:tnLst>
-  </p:timing>
 </p:sld>
 </file>
 
@@ -20332,27 +20087,27 @@
           <a:lstStyle/>
           <a:p>
             <a:r>
-              <a:rPr lang="pt-BR" sz="1600" b="1" dirty="0" smtClean="0"/>
+              <a:rPr lang="pt-BR" sz="1600" b="1" dirty="0"/>
               <a:t>grid </a:t>
             </a:r>
             <a:r>
-              <a:rPr lang="pt-BR" sz="1600" b="1" dirty="0" err="1" smtClean="0"/>
+              <a:rPr lang="pt-BR" sz="1600" b="1" dirty="0" err="1"/>
               <a:t>with</a:t>
             </a:r>
             <a:r>
-              <a:rPr lang="pt-BR" sz="1600" b="1" dirty="0" smtClean="0"/>
+              <a:rPr lang="pt-BR" sz="1600" b="1" dirty="0"/>
               <a:t> </a:t>
             </a:r>
             <a:r>
-              <a:rPr lang="pt-BR" sz="1600" b="1" dirty="0" err="1" smtClean="0"/>
+              <a:rPr lang="pt-BR" sz="1600" b="1" dirty="0" err="1"/>
               <a:t>arbitrary</a:t>
             </a:r>
             <a:r>
-              <a:rPr lang="pt-BR" sz="1600" b="1" dirty="0" smtClean="0"/>
+              <a:rPr lang="pt-BR" sz="1600" b="1" dirty="0"/>
               <a:t> </a:t>
             </a:r>
             <a:r>
-              <a:rPr lang="pt-BR" sz="1600" b="1" dirty="0" err="1" smtClean="0"/>
+              <a:rPr lang="pt-BR" sz="1600" b="1" dirty="0" err="1"/>
               <a:t>size</a:t>
             </a:r>
             <a:endParaRPr lang="pt-BR" sz="1600" b="1" dirty="0"/>
@@ -20383,62 +20138,62 @@
           <a:p>
             <a:pPr algn="ctr"/>
             <a:r>
-              <a:rPr lang="pt-BR" sz="1600" b="1" dirty="0" err="1" smtClean="0"/>
+              <a:rPr lang="pt-BR" sz="1600" b="1" dirty="0" err="1"/>
               <a:t>mirror-padded</a:t>
             </a:r>
             <a:r>
-              <a:rPr lang="pt-BR" sz="1600" b="1" dirty="0" smtClean="0"/>
+              <a:rPr lang="pt-BR" sz="1600" b="1" dirty="0"/>
               <a:t> </a:t>
             </a:r>
             <a:r>
-              <a:rPr lang="pt-BR" sz="1600" b="1" dirty="0" err="1" smtClean="0"/>
+              <a:rPr lang="pt-BR" sz="1600" b="1" dirty="0" err="1"/>
               <a:t>square</a:t>
             </a:r>
             <a:r>
-              <a:rPr lang="pt-BR" sz="1600" b="1" dirty="0" smtClean="0"/>
+              <a:rPr lang="pt-BR" sz="1600" b="1" dirty="0"/>
               <a:t> grid </a:t>
             </a:r>
             <a:r>
-              <a:rPr lang="pt-BR" sz="1600" b="1" dirty="0" err="1" smtClean="0"/>
+              <a:rPr lang="pt-BR" sz="1600" b="1" dirty="0" err="1"/>
               <a:t>with</a:t>
             </a:r>
             <a:r>
-              <a:rPr lang="pt-BR" sz="1600" b="1" dirty="0" smtClean="0"/>
+              <a:rPr lang="pt-BR" sz="1600" b="1" dirty="0"/>
               <a:t> a power-of-2</a:t>
             </a:r>
           </a:p>
           <a:p>
             <a:pPr algn="ctr"/>
             <a:r>
-              <a:rPr lang="pt-BR" sz="1600" b="1" dirty="0" smtClean="0"/>
+              <a:rPr lang="pt-BR" sz="1600" b="1" dirty="0"/>
               <a:t> </a:t>
             </a:r>
             <a:r>
-              <a:rPr lang="pt-BR" sz="1600" b="1" dirty="0" err="1" smtClean="0"/>
+              <a:rPr lang="pt-BR" sz="1600" b="1" dirty="0" err="1"/>
               <a:t>size</a:t>
             </a:r>
             <a:r>
-              <a:rPr lang="pt-BR" sz="1600" b="1" dirty="0" smtClean="0"/>
+              <a:rPr lang="pt-BR" sz="1600" b="1" dirty="0"/>
               <a:t> </a:t>
             </a:r>
             <a:r>
-              <a:rPr lang="pt-BR" sz="1600" b="1" dirty="0" err="1" smtClean="0"/>
+              <a:rPr lang="pt-BR" sz="1600" b="1" dirty="0" err="1"/>
               <a:t>compatible</a:t>
             </a:r>
             <a:r>
-              <a:rPr lang="pt-BR" sz="1600" b="1" dirty="0" smtClean="0"/>
+              <a:rPr lang="pt-BR" sz="1600" b="1" dirty="0"/>
               <a:t> </a:t>
             </a:r>
             <a:r>
-              <a:rPr lang="pt-BR" sz="1600" b="1" dirty="0" err="1" smtClean="0"/>
+              <a:rPr lang="pt-BR" sz="1600" b="1" dirty="0" err="1"/>
               <a:t>with</a:t>
             </a:r>
             <a:r>
-              <a:rPr lang="pt-BR" sz="1600" b="1" dirty="0" smtClean="0"/>
+              <a:rPr lang="pt-BR" sz="1600" b="1" dirty="0"/>
               <a:t> DWT </a:t>
             </a:r>
             <a:r>
-              <a:rPr lang="pt-BR" sz="1600" b="1" dirty="0" err="1" smtClean="0"/>
+              <a:rPr lang="pt-BR" sz="1600" b="1" dirty="0" err="1"/>
               <a:t>algorithm</a:t>
             </a:r>
             <a:endParaRPr lang="pt-BR" sz="1600" b="1" dirty="0"/>
@@ -20455,13 +20210,6 @@
   <p:clrMapOvr>
     <a:masterClrMapping/>
   </p:clrMapOvr>
-  <p:timing>
-    <p:tnLst>
-      <p:par>
-        <p:cTn id="1" dur="indefinite" restart="never" nodeType="tmRoot"/>
-      </p:par>
-    </p:tnLst>
-  </p:timing>
 </p:sld>
 </file>
 
@@ -20505,18 +20253,17 @@
           <a:lstStyle/>
           <a:p>
             <a:r>
-              <a:rPr lang="pt-BR" sz="1600" b="1" dirty="0" smtClean="0"/>
+              <a:rPr lang="pt-BR" sz="1600" b="1" dirty="0"/>
               <a:t>a 128 × 128 DWT </a:t>
             </a:r>
             <a:r>
-              <a:rPr lang="pt-BR" sz="1600" b="1" dirty="0" err="1" smtClean="0"/>
+              <a:rPr lang="pt-BR" sz="1600" b="1" dirty="0" err="1"/>
               <a:t>raw</a:t>
             </a:r>
             <a:r>
-              <a:rPr lang="pt-BR" sz="1600" b="1" dirty="0" smtClean="0"/>
+              <a:rPr lang="pt-BR" sz="1600" b="1" dirty="0"/>
               <a:t> output</a:t>
             </a:r>
-            <a:endParaRPr lang="pt-BR" sz="1600" b="1" dirty="0"/>
           </a:p>
         </p:txBody>
       </p:sp>
@@ -20544,113 +20291,104 @@
           <a:p>
             <a:pPr algn="ctr"/>
             <a:r>
-              <a:rPr lang="pt-BR" sz="1600" b="1" dirty="0" err="1" smtClean="0"/>
+              <a:rPr lang="pt-BR" sz="1600" b="1" dirty="0" err="1"/>
               <a:t>first</a:t>
             </a:r>
             <a:r>
-              <a:rPr lang="pt-BR" sz="1600" b="1" dirty="0" smtClean="0"/>
+              <a:rPr lang="pt-BR" sz="1600" b="1" dirty="0"/>
               <a:t> </a:t>
             </a:r>
             <a:r>
-              <a:rPr lang="pt-BR" sz="1600" b="1" dirty="0" err="1" smtClean="0"/>
+              <a:rPr lang="pt-BR" sz="1600" b="1" dirty="0" err="1"/>
               <a:t>cell</a:t>
             </a:r>
             <a:r>
-              <a:rPr lang="pt-BR" sz="1600" b="1" dirty="0" smtClean="0"/>
+              <a:rPr lang="pt-BR" sz="1600" b="1" dirty="0"/>
               <a:t> (</a:t>
             </a:r>
             <a:r>
-              <a:rPr lang="pt-BR" sz="1600" b="1" dirty="0" err="1" smtClean="0"/>
+              <a:rPr lang="pt-BR" sz="1600" b="1" dirty="0" err="1"/>
               <a:t>bottom-left</a:t>
             </a:r>
             <a:r>
-              <a:rPr lang="pt-BR" sz="1600" b="1" dirty="0" smtClean="0"/>
+              <a:rPr lang="pt-BR" sz="1600" b="1" dirty="0"/>
               <a:t>) </a:t>
             </a:r>
             <a:r>
-              <a:rPr lang="pt-BR" sz="1600" b="1" dirty="0" err="1" smtClean="0"/>
+              <a:rPr lang="pt-BR" sz="1600" b="1" dirty="0" err="1"/>
               <a:t>stores</a:t>
             </a:r>
             <a:r>
-              <a:rPr lang="pt-BR" sz="1600" b="1" dirty="0" smtClean="0"/>
+              <a:rPr lang="pt-BR" sz="1600" b="1" dirty="0"/>
               <a:t> </a:t>
             </a:r>
             <a:r>
-              <a:rPr lang="pt-BR" sz="1600" b="1" dirty="0" err="1" smtClean="0"/>
+              <a:rPr lang="pt-BR" sz="1600" b="1" dirty="0" err="1"/>
               <a:t>the</a:t>
             </a:r>
             <a:r>
-              <a:rPr lang="pt-BR" sz="1600" b="1" dirty="0" smtClean="0"/>
+              <a:rPr lang="pt-BR" sz="1600" b="1" dirty="0"/>
               <a:t> </a:t>
             </a:r>
             <a:r>
-              <a:rPr lang="pt-BR" sz="1600" b="1" dirty="0" err="1" smtClean="0"/>
+              <a:rPr lang="pt-BR" sz="1600" b="1" dirty="0" err="1"/>
               <a:t>smoothing</a:t>
             </a:r>
             <a:r>
-              <a:rPr lang="pt-BR" sz="1600" b="1" dirty="0" smtClean="0"/>
+              <a:rPr lang="pt-BR" sz="1600" b="1" dirty="0"/>
               <a:t> </a:t>
             </a:r>
             <a:r>
-              <a:rPr lang="pt-BR" sz="1600" b="1" dirty="0" err="1" smtClean="0"/>
+              <a:rPr lang="pt-BR" sz="1600" b="1" dirty="0" err="1"/>
               <a:t>factor</a:t>
             </a:r>
             <a:r>
-              <a:rPr lang="pt-BR" sz="1600" b="1" dirty="0" smtClean="0"/>
+              <a:rPr lang="pt-BR" sz="1600" b="1" dirty="0"/>
               <a:t> (global </a:t>
             </a:r>
             <a:r>
-              <a:rPr lang="pt-BR" sz="1600" b="1" dirty="0" err="1" smtClean="0"/>
+              <a:rPr lang="pt-BR" sz="1600" b="1" dirty="0" err="1"/>
               <a:t>mean</a:t>
             </a:r>
             <a:r>
-              <a:rPr lang="pt-BR" sz="1600" b="1" dirty="0" smtClean="0"/>
+              <a:rPr lang="pt-BR" sz="1600" b="1" dirty="0"/>
               <a:t>)</a:t>
             </a:r>
           </a:p>
           <a:p>
             <a:pPr algn="ctr"/>
             <a:r>
-              <a:rPr lang="pt-BR" sz="1600" b="1" dirty="0" err="1" smtClean="0"/>
+              <a:rPr lang="pt-BR" sz="1600" b="1" dirty="0" err="1"/>
               <a:t>direction</a:t>
             </a:r>
             <a:r>
-              <a:rPr lang="pt-BR" sz="1600" b="1" dirty="0" smtClean="0"/>
-              <a:t> 1 </a:t>
-            </a:r>
-            <a:r>
               <a:rPr lang="pt-BR" sz="1600" b="1" dirty="0"/>
-              <a:t>= N–S</a:t>
-            </a:r>
-            <a:r>
-              <a:rPr lang="pt-BR" sz="1600" b="1" dirty="0" smtClean="0"/>
+              <a:t> 1 = N–S; </a:t>
+            </a:r>
+            <a:r>
+              <a:rPr lang="pt-BR" sz="1600" b="1" dirty="0" err="1"/>
+              <a:t>direction</a:t>
+            </a:r>
+            <a:r>
+              <a:rPr lang="pt-BR" sz="1600" b="1" dirty="0"/>
+              <a:t> 2 = </a:t>
+            </a:r>
+            <a:r>
+              <a:rPr lang="pt-BR" sz="1600" b="1" dirty="0" err="1"/>
+              <a:t>diagonals</a:t>
+            </a:r>
+            <a:r>
+              <a:rPr lang="pt-BR" sz="1600" b="1" dirty="0"/>
               <a:t>; </a:t>
             </a:r>
             <a:r>
-              <a:rPr lang="pt-BR" sz="1600" b="1" dirty="0" err="1" smtClean="0"/>
+              <a:rPr lang="pt-BR" sz="1600" b="1" dirty="0" err="1"/>
               <a:t>direction</a:t>
             </a:r>
             <a:r>
-              <a:rPr lang="pt-BR" sz="1600" b="1" dirty="0" smtClean="0"/>
-              <a:t> 2 = </a:t>
-            </a:r>
-            <a:r>
-              <a:rPr lang="pt-BR" sz="1600" b="1" dirty="0" err="1" smtClean="0"/>
-              <a:t>diagonals</a:t>
-            </a:r>
-            <a:r>
-              <a:rPr lang="pt-BR" sz="1600" b="1" dirty="0" smtClean="0"/>
-              <a:t>; </a:t>
-            </a:r>
-            <a:r>
-              <a:rPr lang="pt-BR" sz="1600" b="1" dirty="0" err="1" smtClean="0"/>
-              <a:t>direction</a:t>
-            </a:r>
-            <a:r>
-              <a:rPr lang="pt-BR" sz="1600" b="1" dirty="0" smtClean="0"/>
+              <a:rPr lang="pt-BR" sz="1600" b="1" dirty="0"/>
               <a:t> 3 = E–W</a:t>
             </a:r>
-            <a:endParaRPr lang="pt-BR" sz="1600" b="1" dirty="0"/>
           </a:p>
         </p:txBody>
       </p:sp>
@@ -20725,22 +20463,21 @@
           <a:lstStyle/>
           <a:p>
             <a:r>
-              <a:rPr lang="pt-BR" sz="1600" b="1" dirty="0" err="1" smtClean="0"/>
+              <a:rPr lang="pt-BR" sz="1600" b="1" dirty="0" err="1"/>
               <a:t>levels</a:t>
             </a:r>
             <a:r>
-              <a:rPr lang="pt-BR" sz="1600" b="1" dirty="0" smtClean="0"/>
+              <a:rPr lang="pt-BR" sz="1600" b="1" dirty="0"/>
               <a:t> 0 – 6 (log</a:t>
             </a:r>
             <a:r>
-              <a:rPr lang="pt-BR" sz="1600" b="1" baseline="-25000" dirty="0" smtClean="0"/>
+              <a:rPr lang="pt-BR" sz="1600" b="1" baseline="-25000" dirty="0"/>
               <a:t>2</a:t>
             </a:r>
             <a:r>
-              <a:rPr lang="pt-BR" sz="1600" b="1" dirty="0" smtClean="0"/>
+              <a:rPr lang="pt-BR" sz="1600" b="1" dirty="0"/>
               <a:t>(128)-1)</a:t>
             </a:r>
-            <a:endParaRPr lang="pt-BR" sz="1600" b="1" dirty="0"/>
           </a:p>
         </p:txBody>
       </p:sp>
@@ -20791,22 +20528,21 @@
           <a:lstStyle/>
           <a:p>
             <a:r>
-              <a:rPr lang="pt-BR" sz="1600" b="1" dirty="0" err="1" smtClean="0"/>
+              <a:rPr lang="pt-BR" sz="1600" b="1" dirty="0" err="1"/>
               <a:t>directions</a:t>
             </a:r>
             <a:r>
-              <a:rPr lang="pt-BR" sz="1600" b="1" dirty="0" smtClean="0"/>
+              <a:rPr lang="pt-BR" sz="1600" b="1" dirty="0"/>
               <a:t> 1, 2 </a:t>
             </a:r>
             <a:r>
-              <a:rPr lang="pt-BR" sz="1600" b="1" dirty="0" err="1" smtClean="0"/>
+              <a:rPr lang="pt-BR" sz="1600" b="1" dirty="0" err="1"/>
               <a:t>and</a:t>
             </a:r>
             <a:r>
-              <a:rPr lang="pt-BR" sz="1600" b="1" dirty="0" smtClean="0"/>
+              <a:rPr lang="pt-BR" sz="1600" b="1" dirty="0"/>
               <a:t> 3</a:t>
             </a:r>
-            <a:endParaRPr lang="pt-BR" sz="1600" b="1" dirty="0"/>
           </a:p>
         </p:txBody>
       </p:sp>
@@ -20820,13 +20556,6 @@
   <p:clrMapOvr>
     <a:masterClrMapping/>
   </p:clrMapOvr>
-  <p:timing>
-    <p:tnLst>
-      <p:par>
-        <p:cTn id="1" dur="indefinite" restart="never" nodeType="tmRoot"/>
-      </p:par>
-    </p:tnLst>
-  </p:timing>
 </p:sld>
 </file>
 
@@ -21522,22 +21251,21 @@
           <a:lstStyle/>
           <a:p>
             <a:r>
-              <a:rPr lang="pt-BR" sz="1600" b="1" dirty="0" err="1" smtClean="0"/>
+              <a:rPr lang="pt-BR" sz="1600" b="1" dirty="0" err="1"/>
               <a:t>level</a:t>
             </a:r>
             <a:r>
-              <a:rPr lang="pt-BR" sz="1600" b="1" dirty="0" smtClean="0"/>
+              <a:rPr lang="pt-BR" sz="1600" b="1" dirty="0"/>
               <a:t> 6, </a:t>
             </a:r>
             <a:r>
-              <a:rPr lang="pt-BR" sz="1600" b="1" dirty="0" err="1" smtClean="0"/>
+              <a:rPr lang="pt-BR" sz="1600" b="1" dirty="0" err="1"/>
               <a:t>direction</a:t>
             </a:r>
             <a:r>
-              <a:rPr lang="pt-BR" sz="1600" b="1" dirty="0" smtClean="0"/>
+              <a:rPr lang="pt-BR" sz="1600" b="1" dirty="0"/>
               <a:t> 3</a:t>
             </a:r>
-            <a:endParaRPr lang="pt-BR" sz="1600" b="1" dirty="0"/>
           </a:p>
         </p:txBody>
       </p:sp>
@@ -21565,25 +21293,24 @@
           <a:p>
             <a:pPr algn="ctr"/>
             <a:r>
-              <a:rPr lang="pt-BR" sz="1600" b="1" dirty="0" err="1" smtClean="0"/>
+              <a:rPr lang="pt-BR" sz="1600" b="1" dirty="0" err="1"/>
               <a:t>scalogram</a:t>
             </a:r>
             <a:r>
-              <a:rPr lang="pt-BR" sz="1600" b="1" dirty="0" smtClean="0"/>
+              <a:rPr lang="pt-BR" sz="1600" b="1" dirty="0"/>
               <a:t> cube for </a:t>
             </a:r>
           </a:p>
           <a:p>
             <a:pPr algn="ctr"/>
             <a:r>
-              <a:rPr lang="pt-BR" sz="1600" b="1" dirty="0" err="1" smtClean="0"/>
+              <a:rPr lang="pt-BR" sz="1600" b="1" dirty="0" err="1"/>
               <a:t>direction</a:t>
             </a:r>
             <a:r>
-              <a:rPr lang="pt-BR" sz="1600" b="1" dirty="0" smtClean="0"/>
+              <a:rPr lang="pt-BR" sz="1600" b="1" dirty="0"/>
               <a:t> 1 (N–S)</a:t>
             </a:r>
-            <a:endParaRPr lang="pt-BR" sz="1600" b="1" dirty="0"/>
           </a:p>
         </p:txBody>
       </p:sp>
@@ -21611,33 +21338,32 @@
           <a:p>
             <a:pPr algn="ctr"/>
             <a:r>
-              <a:rPr lang="pt-BR" sz="1600" b="1" dirty="0" err="1" smtClean="0"/>
+              <a:rPr lang="pt-BR" sz="1600" b="1" dirty="0" err="1"/>
               <a:t>scalogram</a:t>
             </a:r>
             <a:r>
-              <a:rPr lang="pt-BR" sz="1600" b="1" dirty="0" smtClean="0"/>
+              <a:rPr lang="pt-BR" sz="1600" b="1" dirty="0"/>
               <a:t> cube for </a:t>
             </a:r>
           </a:p>
           <a:p>
             <a:pPr algn="ctr"/>
             <a:r>
-              <a:rPr lang="pt-BR" sz="1600" b="1" dirty="0" err="1" smtClean="0"/>
+              <a:rPr lang="pt-BR" sz="1600" b="1" dirty="0" err="1"/>
               <a:t>direction</a:t>
             </a:r>
             <a:r>
-              <a:rPr lang="pt-BR" sz="1600" b="1" dirty="0" smtClean="0"/>
+              <a:rPr lang="pt-BR" sz="1600" b="1" dirty="0"/>
               <a:t> 2 (</a:t>
             </a:r>
             <a:r>
-              <a:rPr lang="pt-BR" sz="1600" b="1" dirty="0" err="1" smtClean="0"/>
+              <a:rPr lang="pt-BR" sz="1600" b="1" dirty="0" err="1"/>
               <a:t>diagonals</a:t>
             </a:r>
             <a:r>
-              <a:rPr lang="pt-BR" sz="1600" b="1" dirty="0" smtClean="0"/>
+              <a:rPr lang="pt-BR" sz="1600" b="1" dirty="0"/>
               <a:t>)</a:t>
             </a:r>
-            <a:endParaRPr lang="pt-BR" sz="1600" b="1" dirty="0"/>
           </a:p>
         </p:txBody>
       </p:sp>
@@ -21665,33 +21391,24 @@
           <a:p>
             <a:pPr algn="ctr"/>
             <a:r>
-              <a:rPr lang="pt-BR" sz="1600" b="1" dirty="0" err="1" smtClean="0"/>
+              <a:rPr lang="pt-BR" sz="1600" b="1" dirty="0" err="1"/>
               <a:t>scalogram</a:t>
             </a:r>
             <a:r>
-              <a:rPr lang="pt-BR" sz="1600" b="1" dirty="0" smtClean="0"/>
+              <a:rPr lang="pt-BR" sz="1600" b="1" dirty="0"/>
               <a:t> cube for </a:t>
             </a:r>
           </a:p>
           <a:p>
             <a:pPr algn="ctr"/>
             <a:r>
-              <a:rPr lang="pt-BR" sz="1600" b="1" dirty="0" err="1" smtClean="0"/>
+              <a:rPr lang="pt-BR" sz="1600" b="1" dirty="0" err="1"/>
               <a:t>direction</a:t>
             </a:r>
             <a:r>
-              <a:rPr lang="pt-BR" sz="1600" b="1" dirty="0" smtClean="0"/>
-              <a:t> </a:t>
-            </a:r>
-            <a:r>
               <a:rPr lang="pt-BR" sz="1600" b="1" dirty="0"/>
-              <a:t>3 </a:t>
-            </a:r>
-            <a:r>
-              <a:rPr lang="pt-BR" sz="1600" b="1" dirty="0" smtClean="0"/>
-              <a:t>(E–W)</a:t>
-            </a:r>
-            <a:endParaRPr lang="pt-BR" sz="1600" b="1" dirty="0"/>
+              <a:t> 3 (E–W)</a:t>
+            </a:r>
           </a:p>
         </p:txBody>
       </p:sp>
@@ -21717,37 +21434,37 @@
           <a:lstStyle/>
           <a:p>
             <a:r>
-              <a:rPr lang="pt-BR" sz="1200" b="1" dirty="0" smtClean="0"/>
+              <a:rPr lang="pt-BR" sz="1200" b="1" dirty="0"/>
               <a:t>6</a:t>
             </a:r>
           </a:p>
           <a:p>
             <a:r>
-              <a:rPr lang="pt-BR" sz="1200" b="1" dirty="0" smtClean="0"/>
+              <a:rPr lang="pt-BR" sz="1200" b="1" dirty="0"/>
               <a:t>5</a:t>
             </a:r>
           </a:p>
           <a:p>
             <a:r>
-              <a:rPr lang="pt-BR" sz="1200" b="1" dirty="0" smtClean="0"/>
+              <a:rPr lang="pt-BR" sz="1200" b="1" dirty="0"/>
               <a:t>4</a:t>
             </a:r>
           </a:p>
           <a:p>
             <a:r>
-              <a:rPr lang="pt-BR" sz="1200" b="1" dirty="0" smtClean="0"/>
+              <a:rPr lang="pt-BR" sz="1200" b="1" dirty="0"/>
               <a:t>3</a:t>
             </a:r>
           </a:p>
           <a:p>
             <a:r>
-              <a:rPr lang="pt-BR" sz="1200" b="1" dirty="0" smtClean="0"/>
+              <a:rPr lang="pt-BR" sz="1200" b="1" dirty="0"/>
               <a:t>2</a:t>
             </a:r>
           </a:p>
           <a:p>
             <a:r>
-              <a:rPr lang="pt-BR" sz="1200" b="1" dirty="0" smtClean="0"/>
+              <a:rPr lang="pt-BR" sz="1200" b="1" dirty="0"/>
               <a:t>1</a:t>
             </a:r>
           </a:p>
@@ -21784,23 +21501,23 @@
           <a:p>
             <a:pPr algn="ctr"/>
             <a:r>
-              <a:rPr lang="pt-BR" sz="1600" b="1" dirty="0" err="1" smtClean="0"/>
+              <a:rPr lang="pt-BR" sz="1600" b="1" dirty="0" err="1"/>
               <a:t>levels</a:t>
             </a:r>
             <a:r>
-              <a:rPr lang="pt-BR" sz="1600" b="1" dirty="0" smtClean="0"/>
+              <a:rPr lang="pt-BR" sz="1600" b="1" dirty="0"/>
               <a:t> </a:t>
             </a:r>
             <a:r>
-              <a:rPr lang="pt-BR" sz="1600" b="1" dirty="0" err="1" smtClean="0"/>
+              <a:rPr lang="pt-BR" sz="1600" b="1" dirty="0" err="1"/>
               <a:t>of</a:t>
             </a:r>
             <a:r>
-              <a:rPr lang="pt-BR" sz="1600" b="1" dirty="0" smtClean="0"/>
+              <a:rPr lang="pt-BR" sz="1600" b="1" dirty="0"/>
               <a:t> </a:t>
             </a:r>
             <a:r>
-              <a:rPr lang="pt-BR" sz="1600" b="1" dirty="0" err="1" smtClean="0"/>
+              <a:rPr lang="pt-BR" sz="1600" b="1" dirty="0" err="1"/>
               <a:t>detail</a:t>
             </a:r>
             <a:endParaRPr lang="pt-BR" sz="1600" b="1" dirty="0"/>
@@ -21830,18 +21547,17 @@
           <a:lstStyle/>
           <a:p>
             <a:r>
-              <a:rPr lang="pt-BR" sz="1600" b="1" dirty="0" smtClean="0"/>
+              <a:rPr lang="pt-BR" sz="1600" b="1" dirty="0"/>
               <a:t>a 128 × 128 DWT </a:t>
             </a:r>
             <a:r>
-              <a:rPr lang="pt-BR" sz="1600" b="1" dirty="0" err="1" smtClean="0"/>
+              <a:rPr lang="pt-BR" sz="1600" b="1" dirty="0" err="1"/>
               <a:t>raw</a:t>
             </a:r>
             <a:r>
-              <a:rPr lang="pt-BR" sz="1600" b="1" dirty="0" smtClean="0"/>
+              <a:rPr lang="pt-BR" sz="1600" b="1" dirty="0"/>
               <a:t> output</a:t>
             </a:r>
-            <a:endParaRPr lang="pt-BR" sz="1600" b="1" dirty="0"/>
           </a:p>
         </p:txBody>
       </p:sp>
@@ -21870,33 +21586,28 @@
             <a:pPr algn="ctr"/>
             <a:r>
               <a:rPr lang="pt-BR" sz="1600" b="1" dirty="0" err="1"/>
-              <a:t>s</a:t>
-            </a:r>
-            <a:r>
-              <a:rPr lang="pt-BR" sz="1600" b="1" dirty="0" err="1" smtClean="0"/>
-              <a:t>quared</a:t>
-            </a:r>
-            <a:r>
-              <a:rPr lang="pt-BR" sz="1600" b="1" dirty="0" smtClean="0"/>
+              <a:t>squared</a:t>
+            </a:r>
+            <a:r>
+              <a:rPr lang="pt-BR" sz="1600" b="1" dirty="0"/>
               <a:t> </a:t>
             </a:r>
             <a:r>
-              <a:rPr lang="pt-BR" sz="1600" b="1" dirty="0" err="1" smtClean="0"/>
+              <a:rPr lang="pt-BR" sz="1600" b="1" dirty="0" err="1"/>
               <a:t>and</a:t>
             </a:r>
             <a:r>
-              <a:rPr lang="pt-BR" sz="1600" b="1" dirty="0" smtClean="0"/>
+              <a:rPr lang="pt-BR" sz="1600" b="1" dirty="0"/>
               <a:t> </a:t>
             </a:r>
             <a:r>
-              <a:rPr lang="pt-BR" sz="1600" b="1" dirty="0" err="1" smtClean="0"/>
+              <a:rPr lang="pt-BR" sz="1600" b="1" dirty="0" err="1"/>
               <a:t>mirror-padded</a:t>
             </a:r>
             <a:r>
-              <a:rPr lang="pt-BR" sz="1600" b="1" dirty="0" smtClean="0"/>
+              <a:rPr lang="pt-BR" sz="1600" b="1" dirty="0"/>
               <a:t> input grid</a:t>
             </a:r>
-            <a:endParaRPr lang="pt-BR" sz="1600" b="1" dirty="0"/>
           </a:p>
         </p:txBody>
       </p:sp>
@@ -21910,13 +21621,6 @@
   <p:clrMapOvr>
     <a:masterClrMapping/>
   </p:clrMapOvr>
-  <p:timing>
-    <p:tnLst>
-      <p:par>
-        <p:cTn id="1" dur="indefinite" restart="never" nodeType="tmRoot"/>
-      </p:par>
-    </p:tnLst>
-  </p:timing>
 </p:sld>
 </file>
 
@@ -21982,13 +21686,6 @@
   <p:clrMapOvr>
     <a:masterClrMapping/>
   </p:clrMapOvr>
-  <p:timing>
-    <p:tnLst>
-      <p:par>
-        <p:cTn id="1" dur="indefinite" restart="never" nodeType="tmRoot"/>
-      </p:par>
-    </p:tnLst>
-  </p:timing>
 </p:sld>
 </file>
 
@@ -24098,22 +23795,21 @@
           <a:lstStyle/>
           <a:p>
             <a:r>
-              <a:rPr lang="pt-BR" sz="1400" dirty="0" err="1" smtClean="0"/>
+              <a:rPr lang="pt-BR" sz="1400" dirty="0" err="1"/>
               <a:t>gradational</a:t>
             </a:r>
             <a:r>
-              <a:rPr lang="pt-BR" sz="1400" dirty="0" smtClean="0"/>
+              <a:rPr lang="pt-BR" sz="1400" dirty="0"/>
               <a:t> </a:t>
             </a:r>
             <a:r>
-              <a:rPr lang="pt-BR" sz="1400" dirty="0" err="1" smtClean="0"/>
+              <a:rPr lang="pt-BR" sz="1400" dirty="0" err="1"/>
               <a:t>field</a:t>
             </a:r>
             <a:r>
-              <a:rPr lang="pt-BR" sz="1400" dirty="0" smtClean="0"/>
+              <a:rPr lang="pt-BR" sz="1400" dirty="0"/>
               <a:t> = 11.0</a:t>
             </a:r>
-            <a:endParaRPr lang="pt-BR" sz="1400" dirty="0"/>
           </a:p>
         </p:txBody>
       </p:sp>
@@ -24140,22 +23836,21 @@
           <a:lstStyle/>
           <a:p>
             <a:r>
-              <a:rPr lang="pt-BR" sz="1400" dirty="0" err="1" smtClean="0"/>
+              <a:rPr lang="pt-BR" sz="1400" dirty="0" err="1"/>
               <a:t>gradational</a:t>
             </a:r>
             <a:r>
-              <a:rPr lang="pt-BR" sz="1400" dirty="0" smtClean="0"/>
+              <a:rPr lang="pt-BR" sz="1400" dirty="0"/>
               <a:t> </a:t>
             </a:r>
             <a:r>
-              <a:rPr lang="pt-BR" sz="1400" dirty="0" err="1" smtClean="0"/>
+              <a:rPr lang="pt-BR" sz="1400" dirty="0" err="1"/>
               <a:t>field</a:t>
             </a:r>
             <a:r>
-              <a:rPr lang="pt-BR" sz="1400" dirty="0" smtClean="0"/>
+              <a:rPr lang="pt-BR" sz="1400" dirty="0"/>
               <a:t> = 12.0</a:t>
             </a:r>
-            <a:endParaRPr lang="pt-BR" sz="1400" dirty="0"/>
           </a:p>
         </p:txBody>
       </p:sp>
@@ -24781,22 +24476,21 @@
           <a:lstStyle/>
           <a:p>
             <a:r>
-              <a:rPr lang="pt-BR" sz="1400" dirty="0" err="1" smtClean="0"/>
+              <a:rPr lang="pt-BR" sz="1400" dirty="0" err="1"/>
               <a:t>gradational</a:t>
             </a:r>
             <a:r>
-              <a:rPr lang="pt-BR" sz="1400" dirty="0" smtClean="0"/>
+              <a:rPr lang="pt-BR" sz="1400" dirty="0"/>
               <a:t> </a:t>
             </a:r>
             <a:r>
-              <a:rPr lang="pt-BR" sz="1400" dirty="0" err="1" smtClean="0"/>
+              <a:rPr lang="pt-BR" sz="1400" dirty="0" err="1"/>
               <a:t>field</a:t>
             </a:r>
             <a:r>
-              <a:rPr lang="pt-BR" sz="1400" dirty="0" smtClean="0"/>
+              <a:rPr lang="pt-BR" sz="1400" dirty="0"/>
               <a:t> = 12.5</a:t>
             </a:r>
-            <a:endParaRPr lang="pt-BR" sz="1400" dirty="0"/>
           </a:p>
         </p:txBody>
       </p:sp>
@@ -25021,22 +24715,21 @@
           <a:lstStyle/>
           <a:p>
             <a:r>
-              <a:rPr lang="pt-BR" sz="1400" dirty="0" err="1" smtClean="0"/>
+              <a:rPr lang="pt-BR" sz="1400" dirty="0" err="1"/>
               <a:t>succession</a:t>
             </a:r>
             <a:r>
-              <a:rPr lang="pt-BR" sz="1400" dirty="0" smtClean="0"/>
+              <a:rPr lang="pt-BR" sz="1400" dirty="0"/>
               <a:t> </a:t>
             </a:r>
             <a:r>
-              <a:rPr lang="pt-BR" sz="1400" dirty="0" err="1" smtClean="0"/>
+              <a:rPr lang="pt-BR" sz="1400" dirty="0" err="1"/>
               <a:t>distance</a:t>
             </a:r>
             <a:r>
-              <a:rPr lang="pt-BR" sz="1400" dirty="0" smtClean="0"/>
+              <a:rPr lang="pt-BR" sz="1400" dirty="0"/>
               <a:t> = +1.0</a:t>
             </a:r>
-            <a:endParaRPr lang="pt-BR" sz="1400" dirty="0"/>
           </a:p>
         </p:txBody>
       </p:sp>
@@ -25236,22 +24929,21 @@
           <a:lstStyle/>
           <a:p>
             <a:r>
-              <a:rPr lang="pt-BR" sz="1400" dirty="0" err="1" smtClean="0"/>
+              <a:rPr lang="pt-BR" sz="1400" dirty="0" err="1"/>
               <a:t>probability</a:t>
             </a:r>
             <a:r>
-              <a:rPr lang="pt-BR" sz="1400" dirty="0" smtClean="0"/>
+              <a:rPr lang="pt-BR" sz="1400" dirty="0"/>
               <a:t> </a:t>
             </a:r>
             <a:r>
-              <a:rPr lang="pt-BR" sz="1400" dirty="0" err="1" smtClean="0"/>
+              <a:rPr lang="pt-BR" sz="1400" dirty="0" err="1"/>
               <a:t>of</a:t>
             </a:r>
             <a:r>
-              <a:rPr lang="pt-BR" sz="1400" dirty="0" smtClean="0"/>
+              <a:rPr lang="pt-BR" sz="1400" dirty="0"/>
               <a:t>            = 10%;           = 50%           = 2% ...</a:t>
             </a:r>
-            <a:endParaRPr lang="pt-BR" sz="1400" dirty="0"/>
           </a:p>
         </p:txBody>
       </p:sp>
@@ -25278,10 +24970,9 @@
           <a:lstStyle/>
           <a:p>
             <a:r>
-              <a:rPr lang="pt-BR" dirty="0" smtClean="0"/>
+              <a:rPr lang="pt-BR" dirty="0"/>
               <a:t>(...)</a:t>
             </a:r>
-            <a:endParaRPr lang="pt-BR" dirty="0"/>
           </a:p>
         </p:txBody>
       </p:sp>
@@ -25308,10 +24999,9 @@
           <a:lstStyle/>
           <a:p>
             <a:r>
-              <a:rPr lang="pt-BR" dirty="0" smtClean="0"/>
+              <a:rPr lang="pt-BR" dirty="0"/>
               <a:t>(...)</a:t>
             </a:r>
-            <a:endParaRPr lang="pt-BR" dirty="0"/>
           </a:p>
         </p:txBody>
       </p:sp>
@@ -25325,13 +25015,6 @@
   <p:clrMapOvr>
     <a:masterClrMapping/>
   </p:clrMapOvr>
-  <p:timing>
-    <p:tnLst>
-      <p:par>
-        <p:cTn id="1" dur="indefinite" restart="never" nodeType="tmRoot"/>
-      </p:par>
-    </p:tnLst>
-  </p:timing>
 </p:sld>
 </file>
 
@@ -27605,28 +27288,27 @@
           <a:lstStyle/>
           <a:p>
             <a:r>
-              <a:rPr lang="pt-BR" sz="1400" dirty="0" err="1" smtClean="0"/>
+              <a:rPr lang="pt-BR" sz="1400" dirty="0" err="1"/>
               <a:t>gradational</a:t>
             </a:r>
             <a:r>
-              <a:rPr lang="pt-BR" sz="1400" dirty="0" smtClean="0"/>
+              <a:rPr lang="pt-BR" sz="1400" dirty="0"/>
               <a:t> </a:t>
             </a:r>
             <a:r>
-              <a:rPr lang="pt-BR" sz="1400" dirty="0" err="1" smtClean="0"/>
+              <a:rPr lang="pt-BR" sz="1400" dirty="0" err="1"/>
               <a:t>field</a:t>
             </a:r>
             <a:r>
-              <a:rPr lang="pt-BR" sz="1400" dirty="0" smtClean="0"/>
+              <a:rPr lang="pt-BR" sz="1400" dirty="0"/>
               <a:t> = 11.0</a:t>
             </a:r>
           </a:p>
           <a:p>
             <a:r>
-              <a:rPr lang="pt-BR" sz="1400" dirty="0" smtClean="0"/>
+              <a:rPr lang="pt-BR" sz="1400" dirty="0"/>
               <a:t>Z = -7010.1</a:t>
             </a:r>
-            <a:endParaRPr lang="pt-BR" sz="1400" dirty="0"/>
           </a:p>
         </p:txBody>
       </p:sp>
@@ -27653,28 +27335,27 @@
           <a:lstStyle/>
           <a:p>
             <a:r>
-              <a:rPr lang="pt-BR" sz="1400" dirty="0" err="1" smtClean="0"/>
+              <a:rPr lang="pt-BR" sz="1400" dirty="0" err="1"/>
               <a:t>gradational</a:t>
             </a:r>
             <a:r>
-              <a:rPr lang="pt-BR" sz="1400" dirty="0" smtClean="0"/>
+              <a:rPr lang="pt-BR" sz="1400" dirty="0"/>
               <a:t> </a:t>
             </a:r>
             <a:r>
-              <a:rPr lang="pt-BR" sz="1400" dirty="0" err="1" smtClean="0"/>
+              <a:rPr lang="pt-BR" sz="1400" dirty="0" err="1"/>
               <a:t>field</a:t>
             </a:r>
             <a:r>
-              <a:rPr lang="pt-BR" sz="1400" dirty="0" smtClean="0"/>
+              <a:rPr lang="pt-BR" sz="1400" dirty="0"/>
               <a:t> = 14.0</a:t>
             </a:r>
           </a:p>
           <a:p>
             <a:r>
-              <a:rPr lang="pt-BR" sz="1400" dirty="0" smtClean="0"/>
+              <a:rPr lang="pt-BR" sz="1400" dirty="0"/>
               <a:t>Z = -7008.7</a:t>
             </a:r>
-            <a:endParaRPr lang="pt-BR" sz="1400" dirty="0"/>
           </a:p>
         </p:txBody>
       </p:sp>
@@ -27701,23 +27382,23 @@
           <a:lstStyle/>
           <a:p>
             <a:r>
-              <a:rPr lang="pt-BR" sz="1400" dirty="0" smtClean="0"/>
+              <a:rPr lang="pt-BR" sz="1400" dirty="0"/>
               <a:t>∆</a:t>
             </a:r>
             <a:r>
-              <a:rPr lang="pt-BR" sz="1400" dirty="0" err="1" smtClean="0"/>
+              <a:rPr lang="pt-BR" sz="1400" dirty="0" err="1"/>
               <a:t>gradational</a:t>
             </a:r>
             <a:r>
-              <a:rPr lang="pt-BR" sz="1400" dirty="0" smtClean="0"/>
+              <a:rPr lang="pt-BR" sz="1400" dirty="0"/>
               <a:t> </a:t>
             </a:r>
             <a:r>
-              <a:rPr lang="pt-BR" sz="1400" dirty="0" err="1" smtClean="0"/>
+              <a:rPr lang="pt-BR" sz="1400" dirty="0" err="1"/>
               <a:t>field</a:t>
             </a:r>
             <a:r>
-              <a:rPr lang="pt-BR" sz="1400" dirty="0" smtClean="0"/>
+              <a:rPr lang="pt-BR" sz="1400" dirty="0"/>
               <a:t> = +3.0</a:t>
             </a:r>
           </a:p>
@@ -27928,10 +27609,9 @@
           <a:lstStyle/>
           <a:p>
             <a:r>
-              <a:rPr lang="pt-BR" sz="1400" dirty="0" smtClean="0"/>
+              <a:rPr lang="pt-BR" sz="1400" dirty="0"/>
               <a:t>∆Z = +1.4</a:t>
             </a:r>
-            <a:endParaRPr lang="pt-BR" sz="1400" dirty="0"/>
           </a:p>
         </p:txBody>
       </p:sp>
@@ -27991,23 +27671,23 @@
           <a:lstStyle/>
           <a:p>
             <a:r>
-              <a:rPr lang="pt-BR" sz="1400" dirty="0" err="1" smtClean="0"/>
+              <a:rPr lang="pt-BR" sz="1400" dirty="0" err="1"/>
               <a:t>resulting</a:t>
             </a:r>
             <a:r>
-              <a:rPr lang="pt-BR" sz="1400" dirty="0" smtClean="0"/>
+              <a:rPr lang="pt-BR" sz="1400" dirty="0"/>
               <a:t> </a:t>
             </a:r>
             <a:r>
-              <a:rPr lang="pt-BR" sz="1400" dirty="0" err="1" smtClean="0"/>
+              <a:rPr lang="pt-BR" sz="1400" dirty="0" err="1"/>
               <a:t>succession</a:t>
             </a:r>
             <a:r>
-              <a:rPr lang="pt-BR" sz="1400" dirty="0" smtClean="0"/>
+              <a:rPr lang="pt-BR" sz="1400" dirty="0"/>
               <a:t> </a:t>
             </a:r>
             <a:r>
-              <a:rPr lang="pt-BR" sz="1400" dirty="0" err="1" smtClean="0"/>
+              <a:rPr lang="pt-BR" sz="1400" dirty="0" err="1"/>
               <a:t>distance</a:t>
             </a:r>
             <a:endParaRPr lang="pt-BR" sz="1400" dirty="0"/>
@@ -28214,10 +27894,9 @@
           <a:lstStyle/>
           <a:p>
             <a:r>
-              <a:rPr lang="pt-BR" dirty="0" smtClean="0"/>
+              <a:rPr lang="pt-BR" dirty="0"/>
               <a:t>y</a:t>
             </a:r>
-            <a:endParaRPr lang="pt-BR" dirty="0"/>
           </a:p>
         </p:txBody>
       </p:sp>
@@ -28244,10 +27923,9 @@
           <a:lstStyle/>
           <a:p>
             <a:r>
-              <a:rPr lang="pt-BR" dirty="0" smtClean="0"/>
+              <a:rPr lang="pt-BR" dirty="0"/>
               <a:t>z</a:t>
             </a:r>
-            <a:endParaRPr lang="pt-BR" dirty="0"/>
           </a:p>
         </p:txBody>
       </p:sp>
@@ -28261,13 +27939,6 @@
   <p:clrMapOvr>
     <a:masterClrMapping/>
   </p:clrMapOvr>
-  <p:timing>
-    <p:tnLst>
-      <p:par>
-        <p:cTn id="1" dur="indefinite" restart="never" nodeType="tmRoot"/>
-      </p:par>
-    </p:tnLst>
-  </p:timing>
 </p:sld>
 </file>
 
@@ -29086,11 +28757,11 @@
           <a:lstStyle/>
           <a:p>
             <a:r>
-              <a:rPr lang="pt-BR" dirty="0" smtClean="0"/>
+              <a:rPr lang="pt-BR" dirty="0"/>
               <a:t>data </a:t>
             </a:r>
             <a:r>
-              <a:rPr lang="pt-BR" dirty="0" err="1" smtClean="0"/>
+              <a:rPr lang="pt-BR" dirty="0" err="1"/>
               <a:t>location</a:t>
             </a:r>
             <a:endParaRPr lang="pt-BR" dirty="0"/>
@@ -29120,18 +28791,17 @@
           <a:lstStyle/>
           <a:p>
             <a:r>
-              <a:rPr lang="pt-BR" dirty="0" smtClean="0"/>
+              <a:rPr lang="pt-BR" dirty="0"/>
               <a:t>data </a:t>
             </a:r>
             <a:r>
-              <a:rPr lang="pt-BR" dirty="0" err="1" smtClean="0"/>
+              <a:rPr lang="pt-BR" dirty="0" err="1"/>
               <a:t>bounding</a:t>
             </a:r>
             <a:r>
-              <a:rPr lang="pt-BR" dirty="0" smtClean="0"/>
+              <a:rPr lang="pt-BR" dirty="0"/>
               <a:t> box</a:t>
             </a:r>
-            <a:endParaRPr lang="pt-BR" dirty="0"/>
           </a:p>
         </p:txBody>
       </p:sp>
@@ -29158,15 +28828,15 @@
           <a:lstStyle/>
           <a:p>
             <a:r>
-              <a:rPr lang="pt-BR" dirty="0" err="1" smtClean="0"/>
+              <a:rPr lang="pt-BR" dirty="0" err="1"/>
               <a:t>resulting</a:t>
             </a:r>
             <a:r>
-              <a:rPr lang="pt-BR" dirty="0" smtClean="0"/>
+              <a:rPr lang="pt-BR" dirty="0"/>
               <a:t> grid </a:t>
             </a:r>
             <a:r>
-              <a:rPr lang="pt-BR" dirty="0" err="1" smtClean="0"/>
+              <a:rPr lang="pt-BR" dirty="0" err="1"/>
               <a:t>geometry</a:t>
             </a:r>
             <a:endParaRPr lang="pt-BR" dirty="0"/>
@@ -29196,45 +28866,45 @@
           <a:lstStyle/>
           <a:p>
             <a:r>
-              <a:rPr lang="pt-BR" dirty="0" smtClean="0"/>
+              <a:rPr lang="pt-BR" dirty="0"/>
               <a:t>grid </a:t>
             </a:r>
             <a:r>
-              <a:rPr lang="pt-BR" dirty="0" err="1" smtClean="0"/>
+              <a:rPr lang="pt-BR" dirty="0" err="1"/>
               <a:t>origin</a:t>
             </a:r>
             <a:r>
-              <a:rPr lang="pt-BR" dirty="0" smtClean="0"/>
+              <a:rPr lang="pt-BR" dirty="0"/>
               <a:t> </a:t>
             </a:r>
             <a:r>
-              <a:rPr lang="pt-BR" dirty="0" err="1" smtClean="0"/>
+              <a:rPr lang="pt-BR" dirty="0" err="1"/>
               <a:t>location</a:t>
             </a:r>
             <a:r>
-              <a:rPr lang="pt-BR" dirty="0" smtClean="0"/>
+              <a:rPr lang="pt-BR" dirty="0"/>
               <a:t>:</a:t>
             </a:r>
           </a:p>
           <a:p>
             <a:r>
-              <a:rPr lang="pt-BR" dirty="0" err="1" smtClean="0"/>
+              <a:rPr lang="pt-BR" dirty="0" err="1"/>
               <a:t>Xmin</a:t>
             </a:r>
             <a:r>
-              <a:rPr lang="pt-BR" dirty="0" smtClean="0"/>
+              <a:rPr lang="pt-BR" dirty="0"/>
               <a:t>, </a:t>
             </a:r>
             <a:r>
-              <a:rPr lang="pt-BR" dirty="0" err="1" smtClean="0"/>
+              <a:rPr lang="pt-BR" dirty="0" err="1"/>
               <a:t>Ymin</a:t>
             </a:r>
             <a:r>
-              <a:rPr lang="pt-BR" dirty="0" smtClean="0"/>
+              <a:rPr lang="pt-BR" dirty="0"/>
               <a:t>, </a:t>
             </a:r>
             <a:r>
-              <a:rPr lang="pt-BR" dirty="0" err="1" smtClean="0"/>
+              <a:rPr lang="pt-BR" dirty="0" err="1"/>
               <a:t>Zmin</a:t>
             </a:r>
             <a:endParaRPr lang="pt-BR" dirty="0"/>
@@ -29406,7 +29076,7 @@
           <a:lstStyle/>
           <a:p>
             <a:r>
-              <a:rPr lang="pt-BR" dirty="0" err="1" smtClean="0"/>
+              <a:rPr lang="pt-BR" dirty="0" err="1"/>
               <a:t>Xsize</a:t>
             </a:r>
             <a:endParaRPr lang="pt-BR" dirty="0"/>
@@ -29512,7 +29182,7 @@
           <a:lstStyle/>
           <a:p>
             <a:r>
-              <a:rPr lang="pt-BR" dirty="0" err="1" smtClean="0"/>
+              <a:rPr lang="pt-BR" dirty="0" err="1"/>
               <a:t>Ysize</a:t>
             </a:r>
             <a:endParaRPr lang="pt-BR" dirty="0"/>
@@ -29542,30 +29212,29 @@
           <a:lstStyle/>
           <a:p>
             <a:r>
-              <a:rPr lang="pt-BR" dirty="0" err="1" smtClean="0"/>
+              <a:rPr lang="pt-BR" dirty="0" err="1"/>
               <a:t>nX</a:t>
             </a:r>
             <a:r>
-              <a:rPr lang="pt-BR" dirty="0" smtClean="0"/>
+              <a:rPr lang="pt-BR" dirty="0"/>
               <a:t> = 3; </a:t>
             </a:r>
             <a:r>
-              <a:rPr lang="pt-BR" dirty="0" err="1" smtClean="0"/>
+              <a:rPr lang="pt-BR" dirty="0" err="1"/>
               <a:t>nY</a:t>
             </a:r>
             <a:r>
-              <a:rPr lang="pt-BR" dirty="0" smtClean="0"/>
+              <a:rPr lang="pt-BR" dirty="0"/>
               <a:t> = 3; </a:t>
             </a:r>
             <a:r>
-              <a:rPr lang="pt-BR" dirty="0" err="1" smtClean="0"/>
+              <a:rPr lang="pt-BR" dirty="0" err="1"/>
               <a:t>nZ</a:t>
             </a:r>
             <a:r>
-              <a:rPr lang="pt-BR" dirty="0" smtClean="0"/>
+              <a:rPr lang="pt-BR" dirty="0"/>
               <a:t> = 1</a:t>
             </a:r>
-            <a:endParaRPr lang="pt-BR" dirty="0"/>
           </a:p>
         </p:txBody>
       </p:sp>
@@ -29632,10 +29301,9 @@
           <a:lstStyle/>
           <a:p>
             <a:r>
-              <a:rPr lang="pt-BR" sz="3200" dirty="0" smtClean="0"/>
+              <a:rPr lang="pt-BR" sz="3200" dirty="0"/>
               <a:t>N</a:t>
             </a:r>
-            <a:endParaRPr lang="pt-BR" sz="3200" dirty="0"/>
           </a:p>
         </p:txBody>
       </p:sp>
@@ -29649,13 +29317,6 @@
   <p:clrMapOvr>
     <a:masterClrMapping/>
   </p:clrMapOvr>
-  <p:timing>
-    <p:tnLst>
-      <p:par>
-        <p:cTn id="1" dur="indefinite" restart="never" nodeType="tmRoot"/>
-      </p:par>
-    </p:tnLst>
-  </p:timing>
 </p:sld>
 </file>
 
@@ -29749,18 +29410,13 @@
           <a:p>
             <a:pPr algn="ctr"/>
             <a:r>
-              <a:rPr lang="pt-BR" dirty="0" smtClean="0">
+              <a:rPr lang="pt-BR" dirty="0">
                 <a:solidFill>
                   <a:sysClr val="windowText" lastClr="000000"/>
                 </a:solidFill>
               </a:rPr>
               <a:t>start</a:t>
             </a:r>
-            <a:endParaRPr lang="pt-BR" dirty="0">
-              <a:solidFill>
-                <a:sysClr val="windowText" lastClr="000000"/>
-              </a:solidFill>
-            </a:endParaRPr>
           </a:p>
         </p:txBody>
       </p:sp>
@@ -29807,7 +29463,7 @@
           <a:p>
             <a:pPr algn="ctr"/>
             <a:r>
-              <a:rPr lang="pt-BR" sz="1100" dirty="0" err="1" smtClean="0">
+              <a:rPr lang="pt-BR" sz="1100" dirty="0" err="1">
                 <a:solidFill>
                   <a:sysClr val="windowText" lastClr="000000"/>
                 </a:solidFill>
@@ -29815,7 +29471,7 @@
               <a:t>Is</a:t>
             </a:r>
             <a:r>
-              <a:rPr lang="pt-BR" sz="1100" dirty="0" smtClean="0">
+              <a:rPr lang="pt-BR" sz="1100" dirty="0">
                 <a:solidFill>
                   <a:sysClr val="windowText" lastClr="000000"/>
                 </a:solidFill>
@@ -29823,7 +29479,7 @@
               <a:t> </a:t>
             </a:r>
             <a:r>
-              <a:rPr lang="pt-BR" sz="1100" dirty="0" err="1" smtClean="0">
+              <a:rPr lang="pt-BR" sz="1100" dirty="0" err="1">
                 <a:solidFill>
                   <a:sysClr val="windowText" lastClr="000000"/>
                 </a:solidFill>
@@ -29831,18 +29487,13 @@
               <a:t>there</a:t>
             </a:r>
             <a:r>
-              <a:rPr lang="pt-BR" sz="1100" dirty="0" smtClean="0">
+              <a:rPr lang="pt-BR" sz="1100" dirty="0">
                 <a:solidFill>
                   <a:sysClr val="windowText" lastClr="000000"/>
                 </a:solidFill>
               </a:rPr>
               <a:t> prior facies?</a:t>
             </a:r>
-            <a:endParaRPr lang="pt-BR" sz="1100" dirty="0">
-              <a:solidFill>
-                <a:sysClr val="windowText" lastClr="000000"/>
-              </a:solidFill>
-            </a:endParaRPr>
           </a:p>
         </p:txBody>
       </p:sp>
@@ -29935,7 +29586,7 @@
           <a:lstStyle/>
           <a:p>
             <a:r>
-              <a:rPr lang="pt-BR" sz="1200" dirty="0" err="1" smtClean="0"/>
+              <a:rPr lang="pt-BR" sz="1200" dirty="0" err="1"/>
               <a:t>yes</a:t>
             </a:r>
             <a:endParaRPr lang="pt-BR" sz="1200" dirty="0"/>
@@ -30021,7 +29672,7 @@
           <a:p>
             <a:pPr algn="ctr"/>
             <a:r>
-              <a:rPr lang="pt-BR" sz="1200" dirty="0" err="1" smtClean="0">
+              <a:rPr lang="pt-BR" sz="1200" dirty="0" err="1">
                 <a:solidFill>
                   <a:sysClr val="windowText" lastClr="000000"/>
                 </a:solidFill>
@@ -30029,7 +29680,7 @@
               <a:t>Get</a:t>
             </a:r>
             <a:r>
-              <a:rPr lang="pt-BR" sz="1200" dirty="0" smtClean="0">
+              <a:rPr lang="pt-BR" sz="1200" dirty="0">
                 <a:solidFill>
                   <a:sysClr val="windowText" lastClr="000000"/>
                 </a:solidFill>
@@ -30037,7 +29688,7 @@
               <a:t> </a:t>
             </a:r>
             <a:r>
-              <a:rPr lang="pt-BR" sz="1200" dirty="0" err="1" smtClean="0">
+              <a:rPr lang="pt-BR" sz="1200" dirty="0" err="1">
                 <a:solidFill>
                   <a:sysClr val="windowText" lastClr="000000"/>
                 </a:solidFill>
@@ -30045,7 +29696,7 @@
               <a:t>transition</a:t>
             </a:r>
             <a:r>
-              <a:rPr lang="pt-BR" sz="1200" dirty="0" smtClean="0">
+              <a:rPr lang="pt-BR" sz="1200" dirty="0">
                 <a:solidFill>
                   <a:sysClr val="windowText" lastClr="000000"/>
                 </a:solidFill>
@@ -30053,7 +29704,7 @@
               <a:t> </a:t>
             </a:r>
             <a:r>
-              <a:rPr lang="pt-BR" sz="1200" dirty="0" err="1" smtClean="0">
+              <a:rPr lang="pt-BR" sz="1200" dirty="0" err="1">
                 <a:solidFill>
                   <a:sysClr val="windowText" lastClr="000000"/>
                 </a:solidFill>
@@ -30061,7 +29712,7 @@
               <a:t>probabilities</a:t>
             </a:r>
             <a:r>
-              <a:rPr lang="pt-BR" sz="1200" dirty="0" smtClean="0">
+              <a:rPr lang="pt-BR" sz="1200" dirty="0">
                 <a:solidFill>
                   <a:sysClr val="windowText" lastClr="000000"/>
                 </a:solidFill>
@@ -30069,7 +29720,7 @@
               <a:t> </a:t>
             </a:r>
             <a:r>
-              <a:rPr lang="pt-BR" sz="1200" dirty="0" err="1" smtClean="0">
+              <a:rPr lang="pt-BR" sz="1200" dirty="0" err="1">
                 <a:solidFill>
                   <a:sysClr val="windowText" lastClr="000000"/>
                 </a:solidFill>
@@ -30077,18 +29728,13 @@
               <a:t>from</a:t>
             </a:r>
             <a:r>
-              <a:rPr lang="pt-BR" sz="1200" dirty="0" smtClean="0">
+              <a:rPr lang="pt-BR" sz="1200" dirty="0">
                 <a:solidFill>
                   <a:sysClr val="windowText" lastClr="000000"/>
                 </a:solidFill>
               </a:rPr>
               <a:t> FTM</a:t>
             </a:r>
-            <a:endParaRPr lang="pt-BR" sz="1200" dirty="0">
-              <a:solidFill>
-                <a:sysClr val="windowText" lastClr="000000"/>
-              </a:solidFill>
-            </a:endParaRPr>
           </a:p>
         </p:txBody>
       </p:sp>
@@ -30171,7 +29817,7 @@
           <a:p>
             <a:pPr algn="ctr"/>
             <a:r>
-              <a:rPr lang="pt-BR" sz="1200" dirty="0" err="1" smtClean="0">
+              <a:rPr lang="pt-BR" sz="1200" dirty="0" err="1">
                 <a:solidFill>
                   <a:sysClr val="windowText" lastClr="000000"/>
                 </a:solidFill>
@@ -30179,7 +29825,7 @@
               <a:t>Get</a:t>
             </a:r>
             <a:r>
-              <a:rPr lang="pt-BR" sz="1200" dirty="0" smtClean="0">
+              <a:rPr lang="pt-BR" sz="1200" dirty="0">
                 <a:solidFill>
                   <a:sysClr val="windowText" lastClr="000000"/>
                 </a:solidFill>
@@ -30187,7 +29833,7 @@
               <a:t> facies </a:t>
             </a:r>
             <a:r>
-              <a:rPr lang="pt-BR" sz="1200" dirty="0" err="1" smtClean="0">
+              <a:rPr lang="pt-BR" sz="1200" dirty="0" err="1">
                 <a:solidFill>
                   <a:sysClr val="windowText" lastClr="000000"/>
                 </a:solidFill>
@@ -30195,7 +29841,7 @@
               <a:t>probabilities</a:t>
             </a:r>
             <a:r>
-              <a:rPr lang="pt-BR" sz="1200" dirty="0" smtClean="0">
+              <a:rPr lang="pt-BR" sz="1200" dirty="0">
                 <a:solidFill>
                   <a:sysClr val="windowText" lastClr="000000"/>
                 </a:solidFill>
@@ -30203,7 +29849,7 @@
               <a:t> </a:t>
             </a:r>
             <a:r>
-              <a:rPr lang="pt-BR" sz="1200" dirty="0" err="1" smtClean="0">
+              <a:rPr lang="pt-BR" sz="1200" dirty="0" err="1">
                 <a:solidFill>
                   <a:sysClr val="windowText" lastClr="000000"/>
                 </a:solidFill>
@@ -30211,18 +29857,13 @@
               <a:t>from</a:t>
             </a:r>
             <a:r>
-              <a:rPr lang="pt-BR" sz="1200" dirty="0" smtClean="0">
+              <a:rPr lang="pt-BR" sz="1200" dirty="0">
                 <a:solidFill>
                   <a:sysClr val="windowText" lastClr="000000"/>
                 </a:solidFill>
               </a:rPr>
               <a:t> PDF</a:t>
             </a:r>
-            <a:endParaRPr lang="pt-BR" sz="1200" dirty="0">
-              <a:solidFill>
-                <a:sysClr val="windowText" lastClr="000000"/>
-              </a:solidFill>
-            </a:endParaRPr>
           </a:p>
         </p:txBody>
       </p:sp>
@@ -30321,10 +29962,9 @@
           <a:lstStyle/>
           <a:p>
             <a:r>
-              <a:rPr lang="pt-BR" sz="1200" dirty="0" smtClean="0"/>
+              <a:rPr lang="pt-BR" sz="1200" dirty="0"/>
               <a:t>no</a:t>
             </a:r>
-            <a:endParaRPr lang="pt-BR" sz="1200" dirty="0"/>
           </a:p>
         </p:txBody>
       </p:sp>
@@ -30371,18 +30011,13 @@
           <a:p>
             <a:pPr algn="ctr"/>
             <a:r>
-              <a:rPr lang="pt-BR" sz="1200" dirty="0" smtClean="0">
+              <a:rPr lang="pt-BR" sz="1200" dirty="0">
                 <a:solidFill>
                   <a:sysClr val="windowText" lastClr="000000"/>
                 </a:solidFill>
               </a:rPr>
               <a:t>Draw facies</a:t>
             </a:r>
-            <a:endParaRPr lang="pt-BR" sz="1200" dirty="0">
-              <a:solidFill>
-                <a:sysClr val="windowText" lastClr="000000"/>
-              </a:solidFill>
-            </a:endParaRPr>
           </a:p>
         </p:txBody>
       </p:sp>
@@ -30505,7 +30140,7 @@
           <a:p>
             <a:pPr algn="ctr"/>
             <a:r>
-              <a:rPr lang="pt-BR" sz="1200" dirty="0" smtClean="0">
+              <a:rPr lang="pt-BR" sz="1200" dirty="0">
                 <a:solidFill>
                   <a:sysClr val="windowText" lastClr="000000"/>
                 </a:solidFill>
@@ -30513,7 +30148,7 @@
               <a:t>Draw </a:t>
             </a:r>
             <a:r>
-              <a:rPr lang="pt-BR" sz="1200" dirty="0" err="1" smtClean="0">
+              <a:rPr lang="pt-BR" sz="1200" dirty="0" err="1">
                 <a:solidFill>
                   <a:sysClr val="windowText" lastClr="000000"/>
                 </a:solidFill>
@@ -30653,40 +30288,39 @@
           <a:lstStyle/>
           <a:p>
             <a:r>
-              <a:rPr lang="pt-BR" sz="1200" dirty="0" err="1" smtClean="0"/>
+              <a:rPr lang="pt-BR" sz="1200" dirty="0" err="1"/>
               <a:t>Thickness</a:t>
             </a:r>
             <a:r>
-              <a:rPr lang="pt-BR" sz="1200" dirty="0" smtClean="0"/>
+              <a:rPr lang="pt-BR" sz="1200" dirty="0"/>
               <a:t> </a:t>
             </a:r>
             <a:r>
-              <a:rPr lang="pt-BR" sz="1200" dirty="0" err="1" smtClean="0"/>
+              <a:rPr lang="pt-BR" sz="1200" dirty="0" err="1"/>
               <a:t>distribution</a:t>
             </a:r>
             <a:r>
-              <a:rPr lang="pt-BR" sz="1200" dirty="0" smtClean="0"/>
+              <a:rPr lang="pt-BR" sz="1200" dirty="0"/>
               <a:t> of</a:t>
             </a:r>
           </a:p>
           <a:p>
             <a:r>
-              <a:rPr lang="pt-BR" sz="1200" dirty="0" err="1" smtClean="0"/>
+              <a:rPr lang="pt-BR" sz="1200" dirty="0" err="1"/>
               <a:t>the</a:t>
             </a:r>
             <a:r>
-              <a:rPr lang="pt-BR" sz="1200" dirty="0" smtClean="0"/>
+              <a:rPr lang="pt-BR" sz="1200" dirty="0"/>
               <a:t> </a:t>
             </a:r>
             <a:r>
-              <a:rPr lang="pt-BR" sz="1200" dirty="0" err="1" smtClean="0"/>
+              <a:rPr lang="pt-BR" sz="1200" dirty="0" err="1"/>
               <a:t>drawn</a:t>
             </a:r>
             <a:r>
-              <a:rPr lang="pt-BR" sz="1200" dirty="0" smtClean="0"/>
+              <a:rPr lang="pt-BR" sz="1200" dirty="0"/>
               <a:t> facies</a:t>
             </a:r>
-            <a:endParaRPr lang="pt-BR" sz="1200" dirty="0"/>
           </a:p>
         </p:txBody>
       </p:sp>
@@ -30733,7 +30367,7 @@
           <a:p>
             <a:pPr algn="ctr"/>
             <a:r>
-              <a:rPr lang="pt-BR" sz="1100" dirty="0" smtClean="0">
+              <a:rPr lang="pt-BR" sz="1100" dirty="0">
                 <a:solidFill>
                   <a:sysClr val="windowText" lastClr="000000"/>
                 </a:solidFill>
@@ -30741,7 +30375,7 @@
               <a:t>Impute </a:t>
             </a:r>
             <a:r>
-              <a:rPr lang="pt-BR" sz="1100" dirty="0" err="1" smtClean="0">
+              <a:rPr lang="pt-BR" sz="1100" dirty="0" err="1">
                 <a:solidFill>
                   <a:sysClr val="windowText" lastClr="000000"/>
                 </a:solidFill>
@@ -30749,7 +30383,7 @@
               <a:t>drawn</a:t>
             </a:r>
             <a:r>
-              <a:rPr lang="pt-BR" sz="1100" dirty="0" smtClean="0">
+              <a:rPr lang="pt-BR" sz="1100" dirty="0">
                 <a:solidFill>
                   <a:sysClr val="windowText" lastClr="000000"/>
                 </a:solidFill>
@@ -30757,7 +30391,7 @@
               <a:t> facies </a:t>
             </a:r>
             <a:r>
-              <a:rPr lang="pt-BR" sz="1100" dirty="0" err="1" smtClean="0">
+              <a:rPr lang="pt-BR" sz="1100" dirty="0" err="1">
                 <a:solidFill>
                   <a:sysClr val="windowText" lastClr="000000"/>
                 </a:solidFill>
@@ -30765,7 +30399,7 @@
               <a:t>along</a:t>
             </a:r>
             <a:r>
-              <a:rPr lang="pt-BR" sz="1100" dirty="0" smtClean="0">
+              <a:rPr lang="pt-BR" sz="1100" dirty="0">
                 <a:solidFill>
                   <a:sysClr val="windowText" lastClr="000000"/>
                 </a:solidFill>
@@ -30773,7 +30407,7 @@
               <a:t> </a:t>
             </a:r>
             <a:r>
-              <a:rPr lang="pt-BR" sz="1100" dirty="0" err="1" smtClean="0">
+              <a:rPr lang="pt-BR" sz="1100" dirty="0" err="1">
                 <a:solidFill>
                   <a:sysClr val="windowText" lastClr="000000"/>
                 </a:solidFill>
@@ -30781,7 +30415,7 @@
               <a:t>drawn</a:t>
             </a:r>
             <a:r>
-              <a:rPr lang="pt-BR" sz="1100" dirty="0" smtClean="0">
+              <a:rPr lang="pt-BR" sz="1100" dirty="0">
                 <a:solidFill>
                   <a:sysClr val="windowText" lastClr="000000"/>
                 </a:solidFill>
@@ -30789,12 +30423,12 @@
               <a:t> </a:t>
             </a:r>
             <a:r>
-              <a:rPr lang="pt-BR" sz="1100" dirty="0" err="1" smtClean="0">
+              <a:rPr lang="pt-BR" sz="1100" dirty="0" err="1">
                 <a:solidFill>
                   <a:sysClr val="windowText" lastClr="000000"/>
                 </a:solidFill>
               </a:rPr>
-              <a:t>thicness</a:t>
+              <a:t>thickness</a:t>
             </a:r>
             <a:endParaRPr lang="pt-BR" sz="1100" dirty="0">
               <a:solidFill>
@@ -30883,7 +30517,7 @@
           <a:p>
             <a:pPr algn="ctr"/>
             <a:r>
-              <a:rPr lang="pt-BR" sz="1050" dirty="0" err="1" smtClean="0">
+              <a:rPr lang="pt-BR" sz="1050" dirty="0" err="1">
                 <a:solidFill>
                   <a:sysClr val="windowText" lastClr="000000"/>
                 </a:solidFill>
@@ -30891,7 +30525,7 @@
               <a:t>Is</a:t>
             </a:r>
             <a:r>
-              <a:rPr lang="pt-BR" sz="1050" dirty="0" smtClean="0">
+              <a:rPr lang="pt-BR" sz="1050" dirty="0">
                 <a:solidFill>
                   <a:sysClr val="windowText" lastClr="000000"/>
                 </a:solidFill>
@@ -30899,7 +30533,7 @@
               <a:t> </a:t>
             </a:r>
             <a:r>
-              <a:rPr lang="pt-BR" sz="1050" dirty="0" err="1" smtClean="0">
+              <a:rPr lang="pt-BR" sz="1050" dirty="0" err="1">
                 <a:solidFill>
                   <a:sysClr val="windowText" lastClr="000000"/>
                 </a:solidFill>
@@ -30907,15 +30541,15 @@
               <a:t>there</a:t>
             </a:r>
             <a:r>
-              <a:rPr lang="pt-BR" sz="1050" dirty="0" smtClean="0">
+              <a:rPr lang="pt-BR" sz="1050" dirty="0">
                 <a:solidFill>
                   <a:sysClr val="windowText" lastClr="000000"/>
                 </a:solidFill>
               </a:rPr>
-              <a:t> still </a:t>
-            </a:r>
-            <a:r>
-              <a:rPr lang="pt-BR" sz="1050" dirty="0" err="1" smtClean="0">
+              <a:t> </a:t>
+            </a:r>
+            <a:r>
+              <a:rPr lang="pt-BR" sz="1050" dirty="0" err="1">
                 <a:solidFill>
                   <a:sysClr val="windowText" lastClr="000000"/>
                 </a:solidFill>
@@ -30923,7 +30557,7 @@
               <a:t>uninformed</a:t>
             </a:r>
             <a:r>
-              <a:rPr lang="pt-BR" sz="1050" dirty="0" smtClean="0">
+              <a:rPr lang="pt-BR" sz="1050" dirty="0">
                 <a:solidFill>
                   <a:sysClr val="windowText" lastClr="000000"/>
                 </a:solidFill>
@@ -30931,7 +30565,7 @@
               <a:t> </a:t>
             </a:r>
             <a:r>
-              <a:rPr lang="pt-BR" sz="1050" dirty="0" err="1" smtClean="0">
+              <a:rPr lang="pt-BR" sz="1050" dirty="0" err="1">
                 <a:solidFill>
                   <a:sysClr val="windowText" lastClr="000000"/>
                 </a:solidFill>
@@ -30939,18 +30573,13 @@
               <a:t>thickness</a:t>
             </a:r>
             <a:r>
-              <a:rPr lang="pt-BR" sz="1050" dirty="0" smtClean="0">
+              <a:rPr lang="pt-BR" sz="1050" dirty="0">
                 <a:solidFill>
                   <a:sysClr val="windowText" lastClr="000000"/>
                 </a:solidFill>
               </a:rPr>
-              <a:t>?</a:t>
-            </a:r>
-            <a:endParaRPr lang="pt-BR" sz="1050" dirty="0">
-              <a:solidFill>
-                <a:sysClr val="windowText" lastClr="000000"/>
-              </a:solidFill>
-            </a:endParaRPr>
+              <a:t> still?</a:t>
+            </a:r>
           </a:p>
         </p:txBody>
       </p:sp>
@@ -31051,7 +30680,7 @@
           <a:lstStyle/>
           <a:p>
             <a:r>
-              <a:rPr lang="pt-BR" sz="1200" dirty="0" err="1" smtClean="0"/>
+              <a:rPr lang="pt-BR" sz="1200" dirty="0" err="1"/>
               <a:t>yes</a:t>
             </a:r>
             <a:endParaRPr lang="pt-BR" sz="1200" dirty="0"/>
@@ -31101,7 +30730,7 @@
           <a:p>
             <a:pPr algn="ctr"/>
             <a:r>
-              <a:rPr lang="pt-BR" dirty="0" err="1" smtClean="0">
+              <a:rPr lang="pt-BR" dirty="0" err="1">
                 <a:solidFill>
                   <a:sysClr val="windowText" lastClr="000000"/>
                 </a:solidFill>
@@ -31175,10 +30804,9 @@
           <a:lstStyle/>
           <a:p>
             <a:r>
-              <a:rPr lang="pt-BR" sz="1200" dirty="0" smtClean="0"/>
+              <a:rPr lang="pt-BR" sz="1200" dirty="0"/>
               <a:t>no</a:t>
             </a:r>
-            <a:endParaRPr lang="pt-BR" sz="1200" dirty="0"/>
           </a:p>
         </p:txBody>
       </p:sp>
@@ -31192,13 +30820,6 @@
   <p:clrMapOvr>
     <a:masterClrMapping/>
   </p:clrMapOvr>
-  <p:timing>
-    <p:tnLst>
-      <p:par>
-        <p:cTn id="1" dur="indefinite" restart="never" nodeType="tmRoot"/>
-      </p:par>
-    </p:tnLst>
-  </p:timing>
 </p:sld>
 </file>
 
@@ -31266,18 +30887,17 @@
           <a:lstStyle/>
           <a:p>
             <a:r>
-              <a:rPr lang="pt-BR" sz="1400" dirty="0" smtClean="0"/>
+              <a:rPr lang="pt-BR" sz="1400" dirty="0"/>
               <a:t>grid </a:t>
             </a:r>
             <a:r>
-              <a:rPr lang="pt-BR" sz="1400" dirty="0" err="1" smtClean="0"/>
+              <a:rPr lang="pt-BR" sz="1400" dirty="0" err="1"/>
               <a:t>column</a:t>
             </a:r>
             <a:r>
-              <a:rPr lang="pt-BR" sz="1400" dirty="0" smtClean="0"/>
+              <a:rPr lang="pt-BR" sz="1400" dirty="0"/>
               <a:t> 0</a:t>
             </a:r>
-            <a:endParaRPr lang="pt-BR" sz="1400" dirty="0"/>
           </a:p>
         </p:txBody>
       </p:sp>
@@ -31304,18 +30924,17 @@
           <a:lstStyle/>
           <a:p>
             <a:r>
-              <a:rPr lang="pt-BR" sz="1400" dirty="0" smtClean="0"/>
+              <a:rPr lang="pt-BR" sz="1400" dirty="0"/>
               <a:t>grid </a:t>
             </a:r>
             <a:r>
-              <a:rPr lang="pt-BR" sz="1400" dirty="0" err="1" smtClean="0"/>
+              <a:rPr lang="pt-BR" sz="1400" dirty="0" err="1"/>
               <a:t>column</a:t>
             </a:r>
             <a:r>
-              <a:rPr lang="pt-BR" sz="1400" dirty="0" smtClean="0"/>
+              <a:rPr lang="pt-BR" sz="1400" dirty="0"/>
               <a:t> 3</a:t>
             </a:r>
-            <a:endParaRPr lang="pt-BR" sz="1400" dirty="0"/>
           </a:p>
         </p:txBody>
       </p:sp>
@@ -31342,18 +30961,17 @@
           <a:lstStyle/>
           <a:p>
             <a:r>
-              <a:rPr lang="pt-BR" sz="1400" dirty="0" smtClean="0"/>
+              <a:rPr lang="pt-BR" sz="1400" dirty="0"/>
               <a:t>grid </a:t>
             </a:r>
             <a:r>
-              <a:rPr lang="pt-BR" sz="1400" dirty="0" err="1" smtClean="0"/>
+              <a:rPr lang="pt-BR" sz="1400" dirty="0" err="1"/>
               <a:t>column</a:t>
             </a:r>
             <a:r>
-              <a:rPr lang="pt-BR" sz="1400" dirty="0" smtClean="0"/>
+              <a:rPr lang="pt-BR" sz="1400" dirty="0"/>
               <a:t> 5</a:t>
             </a:r>
-            <a:endParaRPr lang="pt-BR" sz="1400" dirty="0"/>
           </a:p>
         </p:txBody>
       </p:sp>
@@ -31626,19 +31244,19 @@
           <a:lstStyle/>
           <a:p>
             <a:r>
-              <a:rPr lang="pt-BR" sz="1400" dirty="0" smtClean="0"/>
+              <a:rPr lang="pt-BR" sz="1400" dirty="0"/>
               <a:t>1</a:t>
             </a:r>
             <a:r>
-              <a:rPr lang="pt-BR" sz="1400" baseline="30000" dirty="0" smtClean="0"/>
+              <a:rPr lang="pt-BR" sz="1400" baseline="30000" dirty="0"/>
               <a:t>st</a:t>
             </a:r>
             <a:r>
-              <a:rPr lang="pt-BR" sz="1400" dirty="0" smtClean="0"/>
+              <a:rPr lang="pt-BR" sz="1400" dirty="0"/>
               <a:t> XY </a:t>
             </a:r>
             <a:r>
-              <a:rPr lang="pt-BR" sz="1400" dirty="0" err="1" smtClean="0"/>
+              <a:rPr lang="pt-BR" sz="1400" dirty="0" err="1"/>
               <a:t>location</a:t>
             </a:r>
             <a:endParaRPr lang="pt-BR" sz="1400" dirty="0"/>
@@ -31668,19 +31286,19 @@
           <a:lstStyle/>
           <a:p>
             <a:r>
-              <a:rPr lang="pt-BR" sz="1400" dirty="0" smtClean="0"/>
+              <a:rPr lang="pt-BR" sz="1400" dirty="0"/>
               <a:t>2</a:t>
             </a:r>
             <a:r>
-              <a:rPr lang="pt-BR" sz="1400" baseline="30000" dirty="0" smtClean="0"/>
+              <a:rPr lang="pt-BR" sz="1400" baseline="30000" dirty="0"/>
               <a:t>nd</a:t>
             </a:r>
             <a:r>
-              <a:rPr lang="pt-BR" sz="1400" dirty="0" smtClean="0"/>
+              <a:rPr lang="pt-BR" sz="1400" dirty="0"/>
               <a:t> XY </a:t>
             </a:r>
             <a:r>
-              <a:rPr lang="pt-BR" sz="1400" dirty="0" err="1" smtClean="0"/>
+              <a:rPr lang="pt-BR" sz="1400" dirty="0" err="1"/>
               <a:t>location</a:t>
             </a:r>
             <a:endParaRPr lang="pt-BR" sz="1400" dirty="0"/>
@@ -31710,15 +31328,15 @@
           <a:lstStyle/>
           <a:p>
             <a:r>
-              <a:rPr lang="pt-BR" sz="1400" dirty="0" err="1" smtClean="0"/>
+              <a:rPr lang="pt-BR" sz="1400" dirty="0" err="1"/>
               <a:t>Last</a:t>
             </a:r>
             <a:r>
-              <a:rPr lang="pt-BR" sz="1400" dirty="0" smtClean="0"/>
+              <a:rPr lang="pt-BR" sz="1400" dirty="0"/>
               <a:t> XY </a:t>
             </a:r>
             <a:r>
-              <a:rPr lang="pt-BR" sz="1400" dirty="0" err="1" smtClean="0"/>
+              <a:rPr lang="pt-BR" sz="1400" dirty="0" err="1"/>
               <a:t>location</a:t>
             </a:r>
             <a:endParaRPr lang="pt-BR" sz="1400" dirty="0"/>
@@ -31820,19 +31438,19 @@
           <a:lstStyle/>
           <a:p>
             <a:r>
-              <a:rPr lang="pt-BR" sz="1400" dirty="0" smtClean="0"/>
+              <a:rPr lang="pt-BR" sz="1400" dirty="0"/>
               <a:t>Z1 of 1</a:t>
             </a:r>
             <a:r>
-              <a:rPr lang="pt-BR" sz="1400" baseline="30000" dirty="0" smtClean="0"/>
+              <a:rPr lang="pt-BR" sz="1400" baseline="30000" dirty="0"/>
               <a:t>st</a:t>
             </a:r>
             <a:r>
-              <a:rPr lang="pt-BR" sz="1400" dirty="0" smtClean="0"/>
+              <a:rPr lang="pt-BR" sz="1400" dirty="0"/>
               <a:t> </a:t>
             </a:r>
             <a:r>
-              <a:rPr lang="pt-BR" sz="1400" dirty="0" err="1" smtClean="0"/>
+              <a:rPr lang="pt-BR" sz="1400" dirty="0" err="1"/>
               <a:t>location</a:t>
             </a:r>
             <a:endParaRPr lang="pt-BR" sz="1400" dirty="0"/>
@@ -31862,19 +31480,19 @@
           <a:lstStyle/>
           <a:p>
             <a:r>
-              <a:rPr lang="pt-BR" sz="1400" dirty="0" smtClean="0"/>
+              <a:rPr lang="pt-BR" sz="1400" dirty="0"/>
               <a:t>Z2 of 1</a:t>
             </a:r>
             <a:r>
-              <a:rPr lang="pt-BR" sz="1400" baseline="30000" dirty="0" smtClean="0"/>
+              <a:rPr lang="pt-BR" sz="1400" baseline="30000" dirty="0"/>
               <a:t>st</a:t>
             </a:r>
             <a:r>
-              <a:rPr lang="pt-BR" sz="1400" dirty="0" smtClean="0"/>
+              <a:rPr lang="pt-BR" sz="1400" dirty="0"/>
               <a:t> </a:t>
             </a:r>
             <a:r>
-              <a:rPr lang="pt-BR" sz="1400" dirty="0" err="1" smtClean="0"/>
+              <a:rPr lang="pt-BR" sz="1400" dirty="0" err="1"/>
               <a:t>location</a:t>
             </a:r>
             <a:endParaRPr lang="pt-BR" sz="1400" dirty="0"/>
@@ -31904,26 +31522,23 @@
           <a:lstStyle/>
           <a:p>
             <a:r>
-              <a:rPr lang="pt-BR" sz="1400" dirty="0" smtClean="0">
+              <a:rPr lang="pt-BR" sz="1400" dirty="0">
                 <a:latin typeface="Wide Latin" panose="020A0A07050505020404" pitchFamily="18" charset="0"/>
               </a:rPr>
               <a:t>grid </a:t>
             </a:r>
             <a:r>
-              <a:rPr lang="pt-BR" sz="1400" dirty="0" err="1" smtClean="0">
+              <a:rPr lang="pt-BR" sz="1400" dirty="0" err="1">
                 <a:latin typeface="Wide Latin" panose="020A0A07050505020404" pitchFamily="18" charset="0"/>
               </a:rPr>
               <a:t>slice</a:t>
             </a:r>
             <a:r>
-              <a:rPr lang="pt-BR" sz="1400" dirty="0" smtClean="0">
+              <a:rPr lang="pt-BR" sz="1400" dirty="0">
                 <a:latin typeface="Wide Latin" panose="020A0A07050505020404" pitchFamily="18" charset="0"/>
               </a:rPr>
               <a:t> 0</a:t>
             </a:r>
-            <a:endParaRPr lang="pt-BR" sz="1400" dirty="0">
-              <a:latin typeface="Wide Latin" panose="020A0A07050505020404" pitchFamily="18" charset="0"/>
-            </a:endParaRPr>
           </a:p>
         </p:txBody>
       </p:sp>
@@ -31950,26 +31565,23 @@
           <a:lstStyle/>
           <a:p>
             <a:r>
-              <a:rPr lang="pt-BR" sz="1400" dirty="0" smtClean="0">
+              <a:rPr lang="pt-BR" sz="1400" dirty="0">
                 <a:latin typeface="Wide Latin" panose="020A0A07050505020404" pitchFamily="18" charset="0"/>
               </a:rPr>
               <a:t>grid </a:t>
             </a:r>
             <a:r>
-              <a:rPr lang="pt-BR" sz="1400" dirty="0" err="1" smtClean="0">
+              <a:rPr lang="pt-BR" sz="1400" dirty="0" err="1">
                 <a:latin typeface="Wide Latin" panose="020A0A07050505020404" pitchFamily="18" charset="0"/>
               </a:rPr>
               <a:t>slice</a:t>
             </a:r>
             <a:r>
-              <a:rPr lang="pt-BR" sz="1400" dirty="0" smtClean="0">
+              <a:rPr lang="pt-BR" sz="1400" dirty="0">
                 <a:latin typeface="Wide Latin" panose="020A0A07050505020404" pitchFamily="18" charset="0"/>
               </a:rPr>
               <a:t> 1</a:t>
             </a:r>
-            <a:endParaRPr lang="pt-BR" sz="1400" dirty="0">
-              <a:latin typeface="Wide Latin" panose="020A0A07050505020404" pitchFamily="18" charset="0"/>
-            </a:endParaRPr>
           </a:p>
         </p:txBody>
       </p:sp>
@@ -31983,13 +31595,6 @@
   <p:clrMapOvr>
     <a:masterClrMapping/>
   </p:clrMapOvr>
-  <p:timing>
-    <p:tnLst>
-      <p:par>
-        <p:cTn id="1" dur="indefinite" restart="never" nodeType="tmRoot"/>
-      </p:par>
-    </p:tnLst>
-  </p:timing>
 </p:sld>
 </file>
 
@@ -33346,10 +32951,9 @@
           <a:lstStyle/>
           <a:p>
             <a:r>
-              <a:rPr lang="pt-BR" sz="1200" dirty="0" smtClean="0"/>
+              <a:rPr lang="pt-BR" sz="1200" dirty="0"/>
               <a:t>X,Y</a:t>
             </a:r>
-            <a:endParaRPr lang="pt-BR" sz="1200" dirty="0"/>
           </a:p>
         </p:txBody>
       </p:sp>
@@ -33376,10 +32980,9 @@
           <a:lstStyle/>
           <a:p>
             <a:r>
-              <a:rPr lang="pt-BR" sz="1200" dirty="0" smtClean="0"/>
+              <a:rPr lang="pt-BR" sz="1200" dirty="0"/>
               <a:t>Z</a:t>
             </a:r>
-            <a:endParaRPr lang="pt-BR" sz="1200" dirty="0"/>
           </a:p>
         </p:txBody>
       </p:sp>
@@ -36140,10 +35743,9 @@
           <a:lstStyle/>
           <a:p>
             <a:r>
-              <a:rPr lang="pt-BR" sz="1200" dirty="0" smtClean="0"/>
+              <a:rPr lang="pt-BR" sz="1200" dirty="0"/>
               <a:t>U,V</a:t>
             </a:r>
-            <a:endParaRPr lang="pt-BR" sz="1200" dirty="0"/>
           </a:p>
         </p:txBody>
       </p:sp>
@@ -36170,10 +35772,9 @@
           <a:lstStyle/>
           <a:p>
             <a:r>
-              <a:rPr lang="pt-BR" sz="1200" dirty="0" smtClean="0"/>
+              <a:rPr lang="pt-BR" sz="1200" dirty="0"/>
               <a:t>W</a:t>
             </a:r>
-            <a:endParaRPr lang="pt-BR" sz="1200" dirty="0"/>
           </a:p>
         </p:txBody>
       </p:sp>
@@ -36200,10 +35801,9 @@
           <a:lstStyle/>
           <a:p>
             <a:r>
-              <a:rPr lang="pt-BR" sz="1200" dirty="0" smtClean="0"/>
+              <a:rPr lang="pt-BR" sz="1200" dirty="0"/>
               <a:t>0.0</a:t>
             </a:r>
-            <a:endParaRPr lang="pt-BR" sz="1200" dirty="0"/>
           </a:p>
         </p:txBody>
       </p:sp>
@@ -36230,10 +35830,9 @@
           <a:lstStyle/>
           <a:p>
             <a:r>
-              <a:rPr lang="pt-BR" sz="1200" dirty="0" smtClean="0"/>
+              <a:rPr lang="pt-BR" sz="1200" dirty="0"/>
               <a:t>1.0</a:t>
             </a:r>
-            <a:endParaRPr lang="pt-BR" sz="1200" dirty="0"/>
           </a:p>
         </p:txBody>
       </p:sp>
@@ -36260,10 +35859,9 @@
           <a:lstStyle/>
           <a:p>
             <a:r>
-              <a:rPr lang="pt-BR" sz="1200" dirty="0" smtClean="0"/>
+              <a:rPr lang="pt-BR" sz="1200" dirty="0"/>
               <a:t>0.0</a:t>
             </a:r>
-            <a:endParaRPr lang="pt-BR" sz="1200" dirty="0"/>
           </a:p>
         </p:txBody>
       </p:sp>
@@ -36290,10 +35888,9 @@
           <a:lstStyle/>
           <a:p>
             <a:r>
-              <a:rPr lang="pt-BR" sz="1200" dirty="0" smtClean="0"/>
+              <a:rPr lang="pt-BR" sz="1200" dirty="0"/>
               <a:t>1.0</a:t>
             </a:r>
-            <a:endParaRPr lang="pt-BR" sz="1200" dirty="0"/>
           </a:p>
         </p:txBody>
       </p:sp>
@@ -36358,10 +35955,9 @@
           <a:lstStyle/>
           <a:p>
             <a:r>
-              <a:rPr lang="pt-BR" sz="1200" dirty="0" smtClean="0"/>
+              <a:rPr lang="pt-BR" sz="1200" dirty="0"/>
               <a:t>actual model</a:t>
             </a:r>
-            <a:endParaRPr lang="pt-BR" sz="1200" dirty="0"/>
           </a:p>
         </p:txBody>
       </p:sp>
@@ -36426,10 +36022,9 @@
           <a:lstStyle/>
           <a:p>
             <a:r>
-              <a:rPr lang="pt-BR" sz="1200" dirty="0" smtClean="0"/>
+              <a:rPr lang="pt-BR" sz="1200" dirty="0"/>
               <a:t>what GSLib works with</a:t>
             </a:r>
-            <a:endParaRPr lang="pt-BR" sz="1200" dirty="0"/>
           </a:p>
         </p:txBody>
       </p:sp>
@@ -38401,10 +37996,9 @@
           <a:lstStyle/>
           <a:p>
             <a:r>
-              <a:rPr lang="pt-BR" sz="1200" dirty="0" smtClean="0"/>
+              <a:rPr lang="pt-BR" sz="1200" dirty="0"/>
               <a:t>eroded cells</a:t>
             </a:r>
-            <a:endParaRPr lang="pt-BR" sz="1200" dirty="0"/>
           </a:p>
         </p:txBody>
       </p:sp>
@@ -38418,13 +38012,6 @@
   <p:clrMapOvr>
     <a:masterClrMapping/>
   </p:clrMapOvr>
-  <p:timing>
-    <p:tnLst>
-      <p:par>
-        <p:cTn id="1" dur="indefinite" restart="never" nodeType="tmRoot"/>
-      </p:par>
-    </p:tnLst>
-  </p:timing>
 </p:sld>
 </file>
 
@@ -38838,17 +38425,16 @@
           <a:p>
             <a:pPr algn="ctr"/>
             <a:r>
-              <a:rPr lang="pt-BR" sz="1200" b="1" dirty="0" smtClean="0"/>
+              <a:rPr lang="pt-BR" sz="1200" b="1" dirty="0"/>
               <a:t>2D Cartesian grid with</a:t>
             </a:r>
           </a:p>
           <a:p>
             <a:pPr algn="ctr"/>
             <a:r>
-              <a:rPr lang="pt-BR" sz="1200" b="1" dirty="0" smtClean="0"/>
+              <a:rPr lang="pt-BR" sz="1200" b="1" dirty="0"/>
               <a:t>top and base variables</a:t>
             </a:r>
-            <a:endParaRPr lang="pt-BR" sz="1200" b="1" dirty="0"/>
           </a:p>
         </p:txBody>
       </p:sp>
@@ -39139,10 +38725,9 @@
           <a:lstStyle/>
           <a:p>
             <a:r>
-              <a:rPr lang="pt-BR" sz="1200" b="1" dirty="0" smtClean="0"/>
+              <a:rPr lang="pt-BR" sz="1200" b="1" dirty="0"/>
               <a:t>cell 0</a:t>
             </a:r>
-            <a:endParaRPr lang="pt-BR" sz="1200" b="1" dirty="0"/>
           </a:p>
         </p:txBody>
       </p:sp>
@@ -39169,10 +38754,9 @@
           <a:lstStyle/>
           <a:p>
             <a:r>
-              <a:rPr lang="pt-BR" sz="1200" b="1" dirty="0" smtClean="0"/>
+              <a:rPr lang="pt-BR" sz="1200" b="1" dirty="0"/>
               <a:t>0</a:t>
             </a:r>
-            <a:endParaRPr lang="pt-BR" sz="1200" b="1" dirty="0"/>
           </a:p>
         </p:txBody>
       </p:sp>
@@ -39199,10 +38783,9 @@
           <a:lstStyle/>
           <a:p>
             <a:r>
-              <a:rPr lang="pt-BR" sz="1200" b="1" dirty="0" smtClean="0"/>
+              <a:rPr lang="pt-BR" sz="1200" b="1" dirty="0"/>
               <a:t>1</a:t>
             </a:r>
-            <a:endParaRPr lang="pt-BR" sz="1200" b="1" dirty="0"/>
           </a:p>
         </p:txBody>
       </p:sp>
@@ -39229,10 +38812,9 @@
           <a:lstStyle/>
           <a:p>
             <a:r>
-              <a:rPr lang="pt-BR" sz="1200" b="1" dirty="0" smtClean="0"/>
+              <a:rPr lang="pt-BR" sz="1200" b="1" dirty="0"/>
               <a:t>2</a:t>
             </a:r>
-            <a:endParaRPr lang="pt-BR" sz="1200" b="1" dirty="0"/>
           </a:p>
         </p:txBody>
       </p:sp>
@@ -39259,10 +38841,9 @@
           <a:lstStyle/>
           <a:p>
             <a:r>
-              <a:rPr lang="pt-BR" sz="1200" b="1" dirty="0" smtClean="0"/>
+              <a:rPr lang="pt-BR" sz="1200" b="1" dirty="0"/>
               <a:t>1</a:t>
             </a:r>
-            <a:endParaRPr lang="pt-BR" sz="1200" b="1" dirty="0"/>
           </a:p>
         </p:txBody>
       </p:sp>
@@ -39289,10 +38870,9 @@
           <a:lstStyle/>
           <a:p>
             <a:r>
-              <a:rPr lang="pt-BR" sz="1200" b="1" dirty="0" smtClean="0"/>
+              <a:rPr lang="pt-BR" sz="1200" b="1" dirty="0"/>
               <a:t>2</a:t>
             </a:r>
-            <a:endParaRPr lang="pt-BR" sz="1200" b="1" dirty="0"/>
           </a:p>
         </p:txBody>
       </p:sp>
@@ -39319,10 +38899,9 @@
           <a:lstStyle/>
           <a:p>
             <a:r>
-              <a:rPr lang="pt-BR" sz="1200" b="1" dirty="0" smtClean="0"/>
+              <a:rPr lang="pt-BR" sz="1200" b="1" dirty="0"/>
               <a:t>0</a:t>
             </a:r>
-            <a:endParaRPr lang="pt-BR" sz="1200" b="1" dirty="0"/>
           </a:p>
         </p:txBody>
       </p:sp>
@@ -39382,10 +38961,9 @@
           <a:lstStyle/>
           <a:p>
             <a:r>
-              <a:rPr lang="pt-BR" sz="1200" b="1" dirty="0" smtClean="0"/>
+              <a:rPr lang="pt-BR" sz="1200" b="1" dirty="0"/>
               <a:t>I indexes</a:t>
             </a:r>
-            <a:endParaRPr lang="pt-BR" sz="1200" b="1" dirty="0"/>
           </a:p>
         </p:txBody>
       </p:sp>
@@ -39412,10 +38990,9 @@
           <a:lstStyle/>
           <a:p>
             <a:r>
-              <a:rPr lang="pt-BR" sz="1200" b="1" dirty="0" smtClean="0"/>
+              <a:rPr lang="pt-BR" sz="1200" b="1" dirty="0"/>
               <a:t>J indexes</a:t>
             </a:r>
-            <a:endParaRPr lang="pt-BR" sz="1200" b="1" dirty="0"/>
           </a:p>
         </p:txBody>
       </p:sp>
@@ -40135,10 +39712,9 @@
           <a:lstStyle/>
           <a:p>
             <a:r>
-              <a:rPr lang="pt-BR" sz="1200" b="1" dirty="0" smtClean="0"/>
+              <a:rPr lang="pt-BR" sz="1200" b="1" dirty="0"/>
               <a:t>cell 1</a:t>
             </a:r>
-            <a:endParaRPr lang="pt-BR" sz="1200" b="1" dirty="0"/>
           </a:p>
         </p:txBody>
       </p:sp>
@@ -40165,10 +39741,9 @@
           <a:lstStyle/>
           <a:p>
             <a:r>
-              <a:rPr lang="pt-BR" sz="1200" b="1" dirty="0" smtClean="0"/>
+              <a:rPr lang="pt-BR" sz="1200" b="1" dirty="0"/>
               <a:t>cell 2</a:t>
             </a:r>
-            <a:endParaRPr lang="pt-BR" sz="1200" b="1" dirty="0"/>
           </a:p>
         </p:txBody>
       </p:sp>
@@ -40195,10 +39770,9 @@
           <a:lstStyle/>
           <a:p>
             <a:r>
-              <a:rPr lang="pt-BR" sz="1200" b="1" dirty="0" smtClean="0"/>
+              <a:rPr lang="pt-BR" sz="1200" b="1" dirty="0"/>
               <a:t>cell 3</a:t>
             </a:r>
-            <a:endParaRPr lang="pt-BR" sz="1200" b="1" dirty="0"/>
           </a:p>
         </p:txBody>
       </p:sp>
@@ -40744,10 +40318,9 @@
           <a:lstStyle/>
           <a:p>
             <a:r>
-              <a:rPr lang="pt-BR" sz="1200" b="1" dirty="0" smtClean="0"/>
+              <a:rPr lang="pt-BR" sz="1200" b="1" dirty="0"/>
               <a:t>cell 0</a:t>
             </a:r>
-            <a:endParaRPr lang="pt-BR" sz="1200" b="1" dirty="0"/>
           </a:p>
         </p:txBody>
       </p:sp>
@@ -40774,10 +40347,9 @@
           <a:lstStyle/>
           <a:p>
             <a:r>
-              <a:rPr lang="pt-BR" sz="1200" b="1" dirty="0" smtClean="0"/>
+              <a:rPr lang="pt-BR" sz="1200" b="1" dirty="0"/>
               <a:t>cell 1</a:t>
             </a:r>
-            <a:endParaRPr lang="pt-BR" sz="1200" b="1" dirty="0"/>
           </a:p>
         </p:txBody>
       </p:sp>
@@ -40804,10 +40376,9 @@
           <a:lstStyle/>
           <a:p>
             <a:r>
-              <a:rPr lang="pt-BR" sz="1200" b="1" dirty="0" smtClean="0"/>
+              <a:rPr lang="pt-BR" sz="1200" b="1" dirty="0"/>
               <a:t>cell 4</a:t>
             </a:r>
-            <a:endParaRPr lang="pt-BR" sz="1200" b="1" dirty="0"/>
           </a:p>
         </p:txBody>
       </p:sp>
@@ -40834,10 +40405,9 @@
           <a:lstStyle/>
           <a:p>
             <a:r>
-              <a:rPr lang="pt-BR" sz="1200" b="1" dirty="0" smtClean="0"/>
+              <a:rPr lang="pt-BR" sz="1200" b="1" dirty="0"/>
               <a:t>cell 5</a:t>
             </a:r>
-            <a:endParaRPr lang="pt-BR" sz="1200" b="1" dirty="0"/>
           </a:p>
         </p:txBody>
       </p:sp>
@@ -40864,10 +40434,9 @@
           <a:lstStyle/>
           <a:p>
             <a:r>
-              <a:rPr lang="pt-BR" sz="1200" b="1" dirty="0" smtClean="0"/>
+              <a:rPr lang="pt-BR" sz="1200" b="1" dirty="0"/>
               <a:t>cell 8</a:t>
             </a:r>
-            <a:endParaRPr lang="pt-BR" sz="1200" b="1" dirty="0"/>
           </a:p>
         </p:txBody>
       </p:sp>
@@ -40894,10 +40463,9 @@
           <a:lstStyle/>
           <a:p>
             <a:r>
-              <a:rPr lang="pt-BR" sz="1200" b="1" dirty="0" smtClean="0"/>
+              <a:rPr lang="pt-BR" sz="1200" b="1" dirty="0"/>
               <a:t>cell 9</a:t>
             </a:r>
-            <a:endParaRPr lang="pt-BR" sz="1200" b="1" dirty="0"/>
           </a:p>
         </p:txBody>
       </p:sp>
@@ -40924,10 +40492,9 @@
           <a:lstStyle/>
           <a:p>
             <a:r>
-              <a:rPr lang="pt-BR" sz="1200" b="1" dirty="0" smtClean="0"/>
+              <a:rPr lang="pt-BR" sz="1200" b="1" dirty="0"/>
               <a:t>cell 12</a:t>
             </a:r>
-            <a:endParaRPr lang="pt-BR" sz="1200" b="1" dirty="0"/>
           </a:p>
         </p:txBody>
       </p:sp>
@@ -40954,10 +40521,9 @@
           <a:lstStyle/>
           <a:p>
             <a:r>
-              <a:rPr lang="pt-BR" sz="1200" b="1" dirty="0" smtClean="0"/>
+              <a:rPr lang="pt-BR" sz="1200" b="1" dirty="0"/>
               <a:t>cell 13</a:t>
             </a:r>
-            <a:endParaRPr lang="pt-BR" sz="1200" b="1" dirty="0"/>
           </a:p>
         </p:txBody>
       </p:sp>
@@ -41190,10 +40756,9 @@
           <a:lstStyle/>
           <a:p>
             <a:r>
-              <a:rPr lang="pt-BR" sz="1200" b="1" dirty="0" smtClean="0"/>
+              <a:rPr lang="pt-BR" sz="1200" b="1" dirty="0"/>
               <a:t>Z = base values</a:t>
             </a:r>
-            <a:endParaRPr lang="pt-BR" sz="1200" b="1" dirty="0"/>
           </a:p>
         </p:txBody>
       </p:sp>
@@ -41220,10 +40785,9 @@
           <a:lstStyle/>
           <a:p>
             <a:r>
-              <a:rPr lang="pt-BR" sz="1200" b="1" dirty="0" smtClean="0"/>
+              <a:rPr lang="pt-BR" sz="1200" b="1" dirty="0"/>
               <a:t>Z = top values</a:t>
             </a:r>
-            <a:endParaRPr lang="pt-BR" sz="1200" b="1" dirty="0"/>
           </a:p>
         </p:txBody>
       </p:sp>
@@ -41250,10 +40814,9 @@
           <a:lstStyle/>
           <a:p>
             <a:r>
-              <a:rPr lang="pt-BR" sz="1200" b="1" dirty="0" smtClean="0"/>
+              <a:rPr lang="pt-BR" sz="1200" b="1" dirty="0"/>
               <a:t>X, Y = cell centers of the Cartesian grid with top and base values</a:t>
             </a:r>
-            <a:endParaRPr lang="pt-BR" sz="1200" b="1" dirty="0"/>
           </a:p>
         </p:txBody>
       </p:sp>
@@ -41281,17 +40844,16 @@
           <a:p>
             <a:pPr algn="ctr"/>
             <a:r>
-              <a:rPr lang="pt-BR" sz="1200" b="1" dirty="0" smtClean="0"/>
+              <a:rPr lang="pt-BR" sz="1200" b="1" dirty="0"/>
               <a:t>number of horizon slices = 4</a:t>
             </a:r>
           </a:p>
           <a:p>
             <a:pPr algn="ctr"/>
             <a:r>
-              <a:rPr lang="pt-BR" sz="1200" b="1" dirty="0" smtClean="0"/>
+              <a:rPr lang="pt-BR" sz="1200" b="1" dirty="0"/>
               <a:t>proportional depths between top and base</a:t>
             </a:r>
-            <a:endParaRPr lang="pt-BR" sz="1200" b="1" dirty="0"/>
           </a:p>
         </p:txBody>
       </p:sp>
@@ -41439,10 +41001,9 @@
           <a:lstStyle/>
           <a:p>
             <a:r>
-              <a:rPr lang="pt-BR" sz="1200" dirty="0" smtClean="0"/>
+              <a:rPr lang="pt-BR" sz="1200" dirty="0"/>
               <a:t>X</a:t>
             </a:r>
-            <a:endParaRPr lang="pt-BR" sz="1200" dirty="0"/>
           </a:p>
         </p:txBody>
       </p:sp>
@@ -41579,10 +41140,9 @@
           <a:lstStyle/>
           <a:p>
             <a:r>
-              <a:rPr lang="pt-BR" sz="1200" dirty="0" smtClean="0"/>
+              <a:rPr lang="pt-BR" sz="1200" dirty="0"/>
               <a:t>X</a:t>
             </a:r>
-            <a:endParaRPr lang="pt-BR" sz="1200" dirty="0"/>
           </a:p>
         </p:txBody>
       </p:sp>
@@ -41609,10 +41169,9 @@
           <a:lstStyle/>
           <a:p>
             <a:r>
-              <a:rPr lang="pt-BR" sz="1200" dirty="0" smtClean="0"/>
+              <a:rPr lang="pt-BR" sz="1200" dirty="0"/>
               <a:t>Z</a:t>
             </a:r>
-            <a:endParaRPr lang="pt-BR" sz="1200" dirty="0"/>
           </a:p>
         </p:txBody>
       </p:sp>
@@ -41673,25 +41232,24 @@
           <a:p>
             <a:pPr algn="ctr"/>
             <a:r>
-              <a:rPr lang="pt-BR" sz="1200" b="1" dirty="0" smtClean="0"/>
+              <a:rPr lang="pt-BR" sz="1200" b="1" dirty="0"/>
               <a:t>cells of the </a:t>
             </a:r>
           </a:p>
           <a:p>
             <a:pPr algn="ctr"/>
             <a:r>
-              <a:rPr lang="pt-BR" sz="1200" b="1" dirty="0" smtClean="0"/>
+              <a:rPr lang="pt-BR" sz="1200" b="1" dirty="0"/>
               <a:t>1</a:t>
             </a:r>
             <a:r>
-              <a:rPr lang="pt-BR" sz="1200" b="1" baseline="30000" dirty="0" smtClean="0"/>
+              <a:rPr lang="pt-BR" sz="1200" b="1" baseline="30000" dirty="0"/>
               <a:t>st</a:t>
             </a:r>
             <a:r>
-              <a:rPr lang="pt-BR" sz="1200" b="1" dirty="0" smtClean="0"/>
+              <a:rPr lang="pt-BR" sz="1200" b="1" dirty="0"/>
               <a:t> horizon slice</a:t>
             </a:r>
-            <a:endParaRPr lang="pt-BR" sz="1200" b="1" dirty="0"/>
           </a:p>
         </p:txBody>
       </p:sp>
@@ -41705,13 +41263,6 @@
   <p:clrMapOvr>
     <a:masterClrMapping/>
   </p:clrMapOvr>
-  <p:timing>
-    <p:tnLst>
-      <p:par>
-        <p:cTn id="1" dur="indefinite" restart="never" nodeType="tmRoot"/>
-      </p:par>
-    </p:tnLst>
-  </p:timing>
 </p:sld>
 </file>
 
@@ -42029,10 +41580,9 @@
           <a:lstStyle/>
           <a:p>
             <a:r>
-              <a:rPr lang="pt-BR" sz="1200" dirty="0" smtClean="0"/>
+              <a:rPr lang="pt-BR" sz="1200" dirty="0"/>
               <a:t>I direction</a:t>
             </a:r>
-            <a:endParaRPr lang="pt-BR" sz="1200" dirty="0"/>
           </a:p>
         </p:txBody>
       </p:sp>
@@ -42059,10 +41609,9 @@
           <a:lstStyle/>
           <a:p>
             <a:r>
-              <a:rPr lang="pt-BR" sz="1200" dirty="0" smtClean="0"/>
+              <a:rPr lang="pt-BR" sz="1200" dirty="0"/>
               <a:t>J direction</a:t>
             </a:r>
-            <a:endParaRPr lang="pt-BR" sz="1200" dirty="0"/>
           </a:p>
         </p:txBody>
       </p:sp>
@@ -42089,10 +41638,9 @@
           <a:lstStyle/>
           <a:p>
             <a:r>
-              <a:rPr lang="pt-BR" sz="1200" dirty="0" smtClean="0"/>
+              <a:rPr lang="pt-BR" sz="1200" dirty="0"/>
               <a:t>K direction</a:t>
             </a:r>
-            <a:endParaRPr lang="pt-BR" sz="1200" dirty="0"/>
           </a:p>
         </p:txBody>
       </p:sp>
@@ -42119,10 +41667,9 @@
           <a:lstStyle/>
           <a:p>
             <a:r>
-              <a:rPr lang="pt-BR" sz="1200" dirty="0" smtClean="0"/>
+              <a:rPr lang="pt-BR" sz="1200" dirty="0"/>
               <a:t>[0]</a:t>
             </a:r>
-            <a:endParaRPr lang="pt-BR" sz="1200" dirty="0"/>
           </a:p>
         </p:txBody>
       </p:sp>
@@ -42149,10 +41696,9 @@
           <a:lstStyle/>
           <a:p>
             <a:r>
-              <a:rPr lang="pt-BR" sz="1200" dirty="0" smtClean="0"/>
+              <a:rPr lang="pt-BR" sz="1200" dirty="0"/>
               <a:t>[1]</a:t>
             </a:r>
-            <a:endParaRPr lang="pt-BR" sz="1200" dirty="0"/>
           </a:p>
         </p:txBody>
       </p:sp>
@@ -42179,10 +41725,9 @@
           <a:lstStyle/>
           <a:p>
             <a:r>
-              <a:rPr lang="pt-BR" sz="1200" dirty="0" smtClean="0"/>
+              <a:rPr lang="pt-BR" sz="1200" dirty="0"/>
               <a:t>[2]</a:t>
             </a:r>
-            <a:endParaRPr lang="pt-BR" sz="1200" dirty="0"/>
           </a:p>
         </p:txBody>
       </p:sp>
@@ -42209,10 +41754,9 @@
           <a:lstStyle/>
           <a:p>
             <a:r>
-              <a:rPr lang="pt-BR" sz="1200" dirty="0" smtClean="0"/>
+              <a:rPr lang="pt-BR" sz="1200" dirty="0"/>
               <a:t>[3]</a:t>
             </a:r>
-            <a:endParaRPr lang="pt-BR" sz="1200" dirty="0"/>
           </a:p>
         </p:txBody>
       </p:sp>
@@ -42239,10 +41783,9 @@
           <a:lstStyle/>
           <a:p>
             <a:r>
-              <a:rPr lang="pt-BR" sz="1200" dirty="0" smtClean="0"/>
+              <a:rPr lang="pt-BR" sz="1200" dirty="0"/>
               <a:t>[4]</a:t>
             </a:r>
-            <a:endParaRPr lang="pt-BR" sz="1200" dirty="0"/>
           </a:p>
         </p:txBody>
       </p:sp>
@@ -42269,10 +41812,9 @@
           <a:lstStyle/>
           <a:p>
             <a:r>
-              <a:rPr lang="pt-BR" sz="1200" dirty="0" smtClean="0"/>
+              <a:rPr lang="pt-BR" sz="1200" dirty="0"/>
               <a:t>[5]</a:t>
             </a:r>
-            <a:endParaRPr lang="pt-BR" sz="1200" dirty="0"/>
           </a:p>
         </p:txBody>
       </p:sp>
@@ -42299,10 +41841,9 @@
           <a:lstStyle/>
           <a:p>
             <a:r>
-              <a:rPr lang="pt-BR" sz="1200" dirty="0" smtClean="0"/>
+              <a:rPr lang="pt-BR" sz="1200" dirty="0"/>
               <a:t>[6]</a:t>
             </a:r>
-            <a:endParaRPr lang="pt-BR" sz="1200" dirty="0"/>
           </a:p>
         </p:txBody>
       </p:sp>
@@ -42329,10 +41870,9 @@
           <a:lstStyle/>
           <a:p>
             <a:r>
-              <a:rPr lang="pt-BR" sz="1200" dirty="0" smtClean="0"/>
+              <a:rPr lang="pt-BR" sz="1200" dirty="0"/>
               <a:t>[7]</a:t>
             </a:r>
-            <a:endParaRPr lang="pt-BR" sz="1200" dirty="0"/>
           </a:p>
         </p:txBody>
       </p:sp>
@@ -44536,10 +44076,9 @@
           <a:lstStyle/>
           <a:p>
             <a:r>
-              <a:rPr lang="pt-BR" dirty="0" smtClean="0"/>
+              <a:rPr lang="pt-BR" dirty="0"/>
               <a:t>vertical</a:t>
             </a:r>
-            <a:endParaRPr lang="pt-BR" dirty="0"/>
           </a:p>
         </p:txBody>
       </p:sp>
@@ -44566,10 +44105,9 @@
           <a:lstStyle/>
           <a:p>
             <a:r>
-              <a:rPr lang="pt-BR" dirty="0" smtClean="0"/>
+              <a:rPr lang="pt-BR" dirty="0"/>
               <a:t>horizontal</a:t>
             </a:r>
-            <a:endParaRPr lang="pt-BR" dirty="0"/>
           </a:p>
         </p:txBody>
       </p:sp>
@@ -44728,14 +44266,13 @@
           <a:lstStyle/>
           <a:p>
             <a:r>
-              <a:rPr lang="pt-BR" dirty="0" err="1" smtClean="0"/>
+              <a:rPr lang="pt-BR" dirty="0" err="1"/>
               <a:t>primary</a:t>
             </a:r>
             <a:r>
-              <a:rPr lang="pt-BR" dirty="0" smtClean="0"/>
+              <a:rPr lang="pt-BR" dirty="0"/>
               <a:t> data in point set</a:t>
             </a:r>
-            <a:endParaRPr lang="pt-BR" dirty="0"/>
           </a:p>
         </p:txBody>
       </p:sp>
@@ -44762,14 +44299,13 @@
           <a:lstStyle/>
           <a:p>
             <a:r>
-              <a:rPr lang="pt-BR" dirty="0" err="1" smtClean="0"/>
+              <a:rPr lang="pt-BR" dirty="0" err="1"/>
               <a:t>primary</a:t>
             </a:r>
             <a:r>
-              <a:rPr lang="pt-BR" dirty="0" smtClean="0"/>
+              <a:rPr lang="pt-BR" dirty="0"/>
               <a:t> data in point set</a:t>
             </a:r>
-            <a:endParaRPr lang="pt-BR" dirty="0"/>
           </a:p>
         </p:txBody>
       </p:sp>
@@ -44796,14 +44332,13 @@
           <a:lstStyle/>
           <a:p>
             <a:r>
-              <a:rPr lang="pt-BR" dirty="0" err="1" smtClean="0"/>
+              <a:rPr lang="pt-BR" dirty="0" err="1"/>
               <a:t>secondary</a:t>
             </a:r>
             <a:r>
-              <a:rPr lang="pt-BR" dirty="0" smtClean="0"/>
+              <a:rPr lang="pt-BR" dirty="0"/>
               <a:t> data grid</a:t>
             </a:r>
-            <a:endParaRPr lang="pt-BR" dirty="0"/>
           </a:p>
         </p:txBody>
       </p:sp>
@@ -44830,10 +44365,9 @@
           <a:lstStyle/>
           <a:p>
             <a:r>
-              <a:rPr lang="pt-BR" dirty="0" smtClean="0"/>
+              <a:rPr lang="pt-BR" dirty="0"/>
               <a:t>case for MM1</a:t>
             </a:r>
-            <a:endParaRPr lang="pt-BR" dirty="0"/>
           </a:p>
         </p:txBody>
       </p:sp>
@@ -44860,10 +44394,9 @@
           <a:lstStyle/>
           <a:p>
             <a:r>
-              <a:rPr lang="pt-BR" dirty="0" smtClean="0"/>
+              <a:rPr lang="pt-BR" dirty="0"/>
               <a:t>case for MM2</a:t>
             </a:r>
-            <a:endParaRPr lang="pt-BR" dirty="0"/>
           </a:p>
         </p:txBody>
       </p:sp>
@@ -44877,13 +44410,6 @@
   <p:clrMapOvr>
     <a:masterClrMapping/>
   </p:clrMapOvr>
-  <p:timing>
-    <p:tnLst>
-      <p:par>
-        <p:cTn id="1" dur="indefinite" restart="never" nodeType="tmRoot"/>
-      </p:par>
-    </p:tnLst>
-  </p:timing>
 </p:sld>
 </file>
 
@@ -45028,23 +44554,23 @@
           <a:p>
             <a:pPr algn="just"/>
             <a:r>
-              <a:rPr lang="pt-BR" dirty="0" err="1" smtClean="0"/>
+              <a:rPr lang="pt-BR" dirty="0" err="1"/>
               <a:t>Part</a:t>
             </a:r>
             <a:r>
-              <a:rPr lang="pt-BR" dirty="0" smtClean="0"/>
+              <a:rPr lang="pt-BR" dirty="0"/>
               <a:t> in </a:t>
             </a:r>
             <a:r>
-              <a:rPr lang="pt-BR" dirty="0" err="1" smtClean="0"/>
+              <a:rPr lang="pt-BR" dirty="0" err="1"/>
               <a:t>your</a:t>
             </a:r>
             <a:r>
-              <a:rPr lang="pt-BR" dirty="0" smtClean="0"/>
+              <a:rPr lang="pt-BR" dirty="0"/>
               <a:t> local </a:t>
             </a:r>
             <a:r>
-              <a:rPr lang="pt-BR" dirty="0" err="1" smtClean="0"/>
+              <a:rPr lang="pt-BR" dirty="0" err="1"/>
               <a:t>branch</a:t>
             </a:r>
             <a:endParaRPr lang="pt-BR" dirty="0"/>
@@ -45075,63 +44601,63 @@
           <a:p>
             <a:pPr algn="just"/>
             <a:r>
-              <a:rPr lang="pt-BR" dirty="0" err="1" smtClean="0"/>
+              <a:rPr lang="pt-BR" dirty="0" err="1"/>
               <a:t>Part</a:t>
             </a:r>
             <a:r>
-              <a:rPr lang="pt-BR" dirty="0" smtClean="0"/>
+              <a:rPr lang="pt-BR" dirty="0"/>
               <a:t> </a:t>
             </a:r>
             <a:r>
-              <a:rPr lang="pt-BR" dirty="0" err="1" smtClean="0"/>
+              <a:rPr lang="pt-BR" dirty="0" err="1"/>
               <a:t>coming</a:t>
             </a:r>
             <a:r>
-              <a:rPr lang="pt-BR" dirty="0" smtClean="0"/>
+              <a:rPr lang="pt-BR" dirty="0"/>
               <a:t> </a:t>
             </a:r>
             <a:r>
-              <a:rPr lang="pt-BR" dirty="0" err="1" smtClean="0"/>
+              <a:rPr lang="pt-BR" dirty="0" err="1"/>
               <a:t>from</a:t>
             </a:r>
             <a:r>
-              <a:rPr lang="pt-BR" dirty="0" smtClean="0"/>
+              <a:rPr lang="pt-BR" dirty="0"/>
               <a:t> </a:t>
             </a:r>
             <a:r>
-              <a:rPr lang="pt-BR" dirty="0" err="1" smtClean="0"/>
+              <a:rPr lang="pt-BR" dirty="0" err="1"/>
               <a:t>remote</a:t>
             </a:r>
             <a:r>
-              <a:rPr lang="pt-BR" dirty="0" smtClean="0"/>
+              <a:rPr lang="pt-BR" dirty="0"/>
               <a:t> </a:t>
             </a:r>
             <a:r>
-              <a:rPr lang="pt-BR" dirty="0" err="1" smtClean="0"/>
+              <a:rPr lang="pt-BR" dirty="0" err="1"/>
               <a:t>or</a:t>
             </a:r>
             <a:r>
-              <a:rPr lang="pt-BR" dirty="0" smtClean="0"/>
+              <a:rPr lang="pt-BR" dirty="0"/>
               <a:t> </a:t>
             </a:r>
             <a:r>
-              <a:rPr lang="pt-BR" dirty="0" err="1" smtClean="0"/>
+              <a:rPr lang="pt-BR" dirty="0" err="1"/>
               <a:t>the</a:t>
             </a:r>
             <a:r>
-              <a:rPr lang="pt-BR" dirty="0" smtClean="0"/>
+              <a:rPr lang="pt-BR" dirty="0"/>
               <a:t> </a:t>
             </a:r>
             <a:r>
-              <a:rPr lang="pt-BR" dirty="0" err="1" smtClean="0"/>
+              <a:rPr lang="pt-BR" dirty="0" err="1"/>
               <a:t>other</a:t>
             </a:r>
             <a:r>
-              <a:rPr lang="pt-BR" dirty="0" smtClean="0"/>
+              <a:rPr lang="pt-BR" dirty="0"/>
               <a:t> </a:t>
             </a:r>
             <a:r>
-              <a:rPr lang="pt-BR" dirty="0" err="1" smtClean="0"/>
+              <a:rPr lang="pt-BR" dirty="0" err="1"/>
               <a:t>branch</a:t>
             </a:r>
             <a:endParaRPr lang="pt-BR" dirty="0"/>
@@ -45148,13 +44674,6 @@
   <p:clrMapOvr>
     <a:masterClrMapping/>
   </p:clrMapOvr>
-  <p:timing>
-    <p:tnLst>
-      <p:par>
-        <p:cTn id="1" dur="indefinite" restart="never" nodeType="tmRoot"/>
-      </p:par>
-    </p:tnLst>
-  </p:timing>
 </p:sld>
 </file>
 
@@ -45244,10 +44763,9 @@
           <a:lstStyle/>
           <a:p>
             <a:r>
-              <a:rPr lang="pt-BR" dirty="0" smtClean="0"/>
+              <a:rPr lang="pt-BR" dirty="0"/>
               <a:t>FFT</a:t>
             </a:r>
-            <a:endParaRPr lang="pt-BR" dirty="0"/>
           </a:p>
         </p:txBody>
       </p:sp>
@@ -45418,22 +44936,21 @@
           <a:lstStyle/>
           <a:p>
             <a:r>
-              <a:rPr lang="pt-BR" dirty="0" err="1" smtClean="0"/>
+              <a:rPr lang="pt-BR" dirty="0" err="1"/>
               <a:t>phase</a:t>
             </a:r>
             <a:r>
-              <a:rPr lang="pt-BR" dirty="0" smtClean="0"/>
+              <a:rPr lang="pt-BR" dirty="0"/>
               <a:t> grid (</a:t>
             </a:r>
             <a:r>
-              <a:rPr lang="el-GR" dirty="0" smtClean="0"/>
+              <a:rPr lang="el-GR" dirty="0"/>
               <a:t>φ</a:t>
             </a:r>
             <a:r>
-              <a:rPr lang="pt-BR" dirty="0" smtClean="0"/>
+              <a:rPr lang="pt-BR" dirty="0"/>
               <a:t>)</a:t>
             </a:r>
-            <a:endParaRPr lang="pt-BR" dirty="0"/>
           </a:p>
         </p:txBody>
       </p:sp>
@@ -45461,21 +44978,16 @@
           <a:p>
             <a:r>
               <a:rPr lang="pt-BR" dirty="0"/>
-              <a:t>r</a:t>
-            </a:r>
-            <a:r>
-              <a:rPr lang="pt-BR" dirty="0" smtClean="0"/>
-              <a:t>eal </a:t>
-            </a:r>
-            <a:r>
-              <a:rPr lang="pt-BR" dirty="0" err="1" smtClean="0"/>
+              <a:t>real </a:t>
+            </a:r>
+            <a:r>
+              <a:rPr lang="pt-BR" dirty="0" err="1"/>
               <a:t>part</a:t>
             </a:r>
             <a:r>
-              <a:rPr lang="pt-BR" dirty="0" smtClean="0"/>
+              <a:rPr lang="pt-BR" dirty="0"/>
               <a:t> grid (a)</a:t>
             </a:r>
-            <a:endParaRPr lang="pt-BR" dirty="0"/>
           </a:p>
         </p:txBody>
       </p:sp>
@@ -45503,25 +45015,20 @@
           <a:p>
             <a:r>
               <a:rPr lang="pt-BR" dirty="0" err="1"/>
-              <a:t>i</a:t>
-            </a:r>
-            <a:r>
-              <a:rPr lang="pt-BR" dirty="0" err="1" smtClean="0"/>
-              <a:t>maginary</a:t>
-            </a:r>
-            <a:r>
-              <a:rPr lang="pt-BR" dirty="0" smtClean="0"/>
+              <a:t>imaginary</a:t>
+            </a:r>
+            <a:r>
+              <a:rPr lang="pt-BR" dirty="0"/>
               <a:t> </a:t>
             </a:r>
             <a:r>
-              <a:rPr lang="pt-BR" dirty="0" err="1" smtClean="0"/>
+              <a:rPr lang="pt-BR" dirty="0" err="1"/>
               <a:t>part</a:t>
             </a:r>
             <a:r>
-              <a:rPr lang="pt-BR" dirty="0" smtClean="0"/>
+              <a:rPr lang="pt-BR" dirty="0"/>
               <a:t> grid (b)</a:t>
             </a:r>
-            <a:endParaRPr lang="pt-BR" dirty="0"/>
           </a:p>
         </p:txBody>
       </p:sp>
@@ -45553,47 +45060,47 @@
           <a:lstStyle/>
           <a:p>
             <a:r>
-              <a:rPr lang="pt-BR" dirty="0" smtClean="0"/>
+              <a:rPr lang="pt-BR" dirty="0"/>
               <a:t>||z|| = z ∙ z* = </a:t>
             </a:r>
           </a:p>
           <a:p>
             <a:r>
-              <a:rPr lang="pt-BR" dirty="0" smtClean="0"/>
+              <a:rPr lang="pt-BR" dirty="0"/>
               <a:t>(</a:t>
             </a:r>
             <a:r>
-              <a:rPr lang="pt-BR" dirty="0" err="1" smtClean="0"/>
+              <a:rPr lang="pt-BR" dirty="0" err="1"/>
               <a:t>a+bi</a:t>
             </a:r>
             <a:r>
-              <a:rPr lang="pt-BR" dirty="0" smtClean="0"/>
+              <a:rPr lang="pt-BR" dirty="0"/>
               <a:t>)(</a:t>
             </a:r>
             <a:r>
-              <a:rPr lang="pt-BR" dirty="0" err="1" smtClean="0"/>
+              <a:rPr lang="pt-BR" dirty="0" err="1"/>
               <a:t>a-bi</a:t>
             </a:r>
             <a:r>
-              <a:rPr lang="pt-BR" dirty="0" smtClean="0"/>
+              <a:rPr lang="pt-BR" dirty="0"/>
               <a:t>)=</a:t>
             </a:r>
           </a:p>
           <a:p>
             <a:r>
-              <a:rPr lang="pt-BR" dirty="0" smtClean="0"/>
+              <a:rPr lang="pt-BR" dirty="0"/>
               <a:t>a</a:t>
             </a:r>
             <a:r>
-              <a:rPr lang="pt-BR" baseline="30000" dirty="0" smtClean="0"/>
+              <a:rPr lang="pt-BR" baseline="30000" dirty="0"/>
               <a:t>2</a:t>
             </a:r>
             <a:r>
-              <a:rPr lang="pt-BR" dirty="0" smtClean="0"/>
+              <a:rPr lang="pt-BR" dirty="0"/>
               <a:t>+b</a:t>
             </a:r>
             <a:r>
-              <a:rPr lang="pt-BR" baseline="30000" dirty="0" smtClean="0"/>
+              <a:rPr lang="pt-BR" baseline="30000" dirty="0"/>
               <a:t>2</a:t>
             </a:r>
             <a:endParaRPr lang="pt-BR" dirty="0"/>
@@ -45638,23 +45145,23 @@
           <a:p>
             <a:pPr algn="ctr"/>
             <a:r>
-              <a:rPr lang="pt-BR" dirty="0" err="1" smtClean="0"/>
+              <a:rPr lang="pt-BR" dirty="0" err="1"/>
               <a:t>Theorem</a:t>
             </a:r>
             <a:r>
-              <a:rPr lang="pt-BR" dirty="0" smtClean="0"/>
+              <a:rPr lang="pt-BR" dirty="0"/>
               <a:t> </a:t>
             </a:r>
             <a:r>
-              <a:rPr lang="pt-BR" dirty="0" err="1" smtClean="0"/>
+              <a:rPr lang="pt-BR" dirty="0" err="1"/>
               <a:t>of</a:t>
             </a:r>
-            <a:endParaRPr lang="pt-BR" dirty="0" smtClean="0"/>
+            <a:endParaRPr lang="pt-BR" dirty="0"/>
           </a:p>
           <a:p>
             <a:pPr algn="ctr"/>
             <a:r>
-              <a:rPr lang="pt-BR" dirty="0" err="1" smtClean="0"/>
+              <a:rPr lang="pt-BR" dirty="0" err="1"/>
               <a:t>Convolution</a:t>
             </a:r>
             <a:endParaRPr lang="pt-BR" dirty="0"/>
@@ -45973,10 +45480,9 @@
           <a:lstStyle/>
           <a:p>
             <a:r>
-              <a:rPr lang="pt-BR" dirty="0" smtClean="0"/>
+              <a:rPr lang="pt-BR" dirty="0"/>
               <a:t>Data grid</a:t>
             </a:r>
-            <a:endParaRPr lang="pt-BR" dirty="0"/>
           </a:p>
         </p:txBody>
       </p:sp>
@@ -46004,7 +45510,7 @@
           <a:p>
             <a:pPr algn="ctr"/>
             <a:r>
-              <a:rPr lang="pt-BR" dirty="0" err="1" smtClean="0"/>
+              <a:rPr lang="pt-BR" dirty="0" err="1"/>
               <a:t>Covariance</a:t>
             </a:r>
             <a:endParaRPr lang="pt-BR" dirty="0"/>
@@ -46012,10 +45518,9 @@
           <a:p>
             <a:pPr algn="ctr"/>
             <a:r>
-              <a:rPr lang="pt-BR" dirty="0" smtClean="0"/>
+              <a:rPr lang="pt-BR" dirty="0"/>
               <a:t>grid</a:t>
             </a:r>
-            <a:endParaRPr lang="pt-BR" dirty="0"/>
           </a:p>
         </p:txBody>
       </p:sp>
@@ -46081,10 +45586,9 @@
           <a:lstStyle/>
           <a:p>
             <a:r>
-              <a:rPr lang="pt-BR" dirty="0" smtClean="0"/>
+              <a:rPr lang="pt-BR" dirty="0"/>
               <a:t>RFFT</a:t>
             </a:r>
-            <a:endParaRPr lang="pt-BR" dirty="0"/>
           </a:p>
         </p:txBody>
       </p:sp>
@@ -46111,22 +45615,21 @@
           <a:lstStyle/>
           <a:p>
             <a:r>
-              <a:rPr lang="pt-BR" dirty="0" err="1" smtClean="0"/>
+              <a:rPr lang="pt-BR" dirty="0" err="1"/>
               <a:t>zeroes</a:t>
             </a:r>
             <a:r>
-              <a:rPr lang="pt-BR" dirty="0" smtClean="0"/>
+              <a:rPr lang="pt-BR" dirty="0"/>
               <a:t> grid (zero </a:t>
             </a:r>
             <a:r>
-              <a:rPr lang="pt-BR" dirty="0" err="1" smtClean="0"/>
+              <a:rPr lang="pt-BR" dirty="0" err="1"/>
               <a:t>phase</a:t>
             </a:r>
             <a:r>
-              <a:rPr lang="pt-BR" dirty="0" smtClean="0"/>
+              <a:rPr lang="pt-BR" dirty="0"/>
               <a:t>)</a:t>
             </a:r>
-            <a:endParaRPr lang="pt-BR" dirty="0"/>
           </a:p>
         </p:txBody>
       </p:sp>
@@ -46225,11 +45728,11 @@
           <a:lstStyle/>
           <a:p>
             <a:r>
-              <a:rPr lang="pt-BR" dirty="0" smtClean="0"/>
+              <a:rPr lang="pt-BR" dirty="0"/>
               <a:t>SVD </a:t>
             </a:r>
             <a:r>
-              <a:rPr lang="pt-BR" dirty="0" err="1" smtClean="0"/>
+              <a:rPr lang="pt-BR" dirty="0" err="1"/>
               <a:t>Analysis</a:t>
             </a:r>
             <a:endParaRPr lang="pt-BR" dirty="0"/>
@@ -46399,14 +45902,14 @@
           <a:lstStyle/>
           <a:p>
             <a:r>
-              <a:rPr lang="pt-BR" dirty="0" err="1" smtClean="0"/>
+              <a:rPr lang="pt-BR" dirty="0" err="1"/>
               <a:t>Desired</a:t>
             </a:r>
             <a:endParaRPr lang="pt-BR" dirty="0"/>
           </a:p>
           <a:p>
             <a:r>
-              <a:rPr lang="pt-BR" dirty="0" err="1" smtClean="0"/>
+              <a:rPr lang="pt-BR" dirty="0" err="1"/>
               <a:t>structure</a:t>
             </a:r>
             <a:endParaRPr lang="pt-BR" dirty="0"/>
@@ -46472,10 +45975,9 @@
           <a:lstStyle/>
           <a:p>
             <a:r>
-              <a:rPr lang="pt-BR" dirty="0" smtClean="0"/>
+              <a:rPr lang="pt-BR" dirty="0"/>
               <a:t>FFT</a:t>
             </a:r>
-            <a:endParaRPr lang="pt-BR" dirty="0"/>
           </a:p>
         </p:txBody>
       </p:sp>
@@ -46574,38 +46076,37 @@
           <a:lstStyle/>
           <a:p>
             <a:r>
-              <a:rPr lang="el-GR" dirty="0" smtClean="0"/>
+              <a:rPr lang="el-GR" dirty="0"/>
               <a:t>φ</a:t>
             </a:r>
             <a:r>
-              <a:rPr lang="pt-BR" dirty="0" smtClean="0"/>
+              <a:rPr lang="pt-BR" dirty="0"/>
               <a:t> (must </a:t>
             </a:r>
             <a:r>
-              <a:rPr lang="pt-BR" dirty="0" err="1" smtClean="0"/>
+              <a:rPr lang="pt-BR" dirty="0" err="1"/>
               <a:t>be</a:t>
             </a:r>
             <a:r>
-              <a:rPr lang="pt-BR" dirty="0" smtClean="0"/>
+              <a:rPr lang="pt-BR" dirty="0"/>
               <a:t> </a:t>
             </a:r>
             <a:r>
-              <a:rPr lang="pt-BR" dirty="0" err="1" smtClean="0"/>
+              <a:rPr lang="pt-BR" dirty="0" err="1"/>
               <a:t>entirely</a:t>
             </a:r>
             <a:r>
-              <a:rPr lang="pt-BR" dirty="0" smtClean="0"/>
+              <a:rPr lang="pt-BR" dirty="0"/>
               <a:t> </a:t>
             </a:r>
             <a:r>
-              <a:rPr lang="pt-BR" dirty="0" err="1" smtClean="0"/>
+              <a:rPr lang="pt-BR" dirty="0" err="1"/>
               <a:t>zeroed</a:t>
             </a:r>
             <a:r>
-              <a:rPr lang="pt-BR" dirty="0" smtClean="0"/>
+              <a:rPr lang="pt-BR" dirty="0"/>
               <a:t>)</a:t>
             </a:r>
-            <a:endParaRPr lang="pt-BR" dirty="0"/>
           </a:p>
         </p:txBody>
       </p:sp>
@@ -46632,10 +46133,9 @@
           <a:lstStyle/>
           <a:p>
             <a:r>
-              <a:rPr lang="pt-BR" dirty="0" smtClean="0"/>
+              <a:rPr lang="pt-BR" dirty="0"/>
               <a:t>magnitude grid (|z|)</a:t>
             </a:r>
-            <a:endParaRPr lang="pt-BR" dirty="0"/>
           </a:p>
         </p:txBody>
       </p:sp>
@@ -46698,10 +46198,9 @@
           <a:lstStyle/>
           <a:p>
             <a:r>
-              <a:rPr lang="pt-BR" dirty="0" smtClean="0"/>
+              <a:rPr lang="pt-BR" dirty="0"/>
               <a:t>RFFT</a:t>
             </a:r>
-            <a:endParaRPr lang="pt-BR" dirty="0"/>
           </a:p>
         </p:txBody>
       </p:sp>
@@ -46877,15 +46376,15 @@
           <a:lstStyle/>
           <a:p>
             <a:r>
-              <a:rPr lang="pt-BR" dirty="0" err="1" smtClean="0"/>
+              <a:rPr lang="pt-BR" dirty="0" err="1"/>
               <a:t>Filtered</a:t>
             </a:r>
             <a:r>
-              <a:rPr lang="pt-BR" dirty="0" smtClean="0"/>
+              <a:rPr lang="pt-BR" dirty="0"/>
               <a:t> </a:t>
             </a:r>
             <a:r>
-              <a:rPr lang="pt-BR" dirty="0" err="1" smtClean="0"/>
+              <a:rPr lang="pt-BR" dirty="0" err="1"/>
               <a:t>structure</a:t>
             </a:r>
             <a:endParaRPr lang="pt-BR" dirty="0"/>
@@ -46930,14 +46429,14 @@
           <a:p>
             <a:pPr algn="ctr"/>
             <a:r>
-              <a:rPr lang="pt-BR" dirty="0" smtClean="0"/>
+              <a:rPr lang="pt-BR" dirty="0"/>
               <a:t>Fourier Integral</a:t>
             </a:r>
           </a:p>
           <a:p>
             <a:pPr algn="ctr"/>
             <a:r>
-              <a:rPr lang="pt-BR" dirty="0" err="1" smtClean="0"/>
+              <a:rPr lang="pt-BR" dirty="0" err="1"/>
               <a:t>Method</a:t>
             </a:r>
             <a:endParaRPr lang="pt-BR" dirty="0"/>

--- a/docs/figures.pptx
+++ b/docs/figures.pptx
@@ -34,8 +34,9 @@
     <p:sldId id="279" r:id="rId28"/>
     <p:sldId id="280" r:id="rId29"/>
     <p:sldId id="282" r:id="rId30"/>
-    <p:sldId id="284" r:id="rId31"/>
-    <p:sldId id="285" r:id="rId32"/>
+    <p:sldId id="290" r:id="rId31"/>
+    <p:sldId id="284" r:id="rId32"/>
+    <p:sldId id="285" r:id="rId33"/>
   </p:sldIdLst>
   <p:sldSz cx="12192000" cy="6858000"/>
   <p:notesSz cx="6858000" cy="9144000"/>
@@ -288,7 +289,7 @@
           <a:p>
             <a:fld id="{5827CF75-21ED-4285-9C22-184A8788EFA2}" type="datetimeFigureOut">
               <a:rPr lang="pt-BR" smtClean="0"/>
-              <a:t>03/04/2022</a:t>
+              <a:t>17/04/2023</a:t>
             </a:fld>
             <a:endParaRPr lang="pt-BR"/>
           </a:p>
@@ -456,7 +457,7 @@
           <a:p>
             <a:fld id="{5827CF75-21ED-4285-9C22-184A8788EFA2}" type="datetimeFigureOut">
               <a:rPr lang="pt-BR" smtClean="0"/>
-              <a:t>03/04/2022</a:t>
+              <a:t>17/04/2023</a:t>
             </a:fld>
             <a:endParaRPr lang="pt-BR"/>
           </a:p>
@@ -634,7 +635,7 @@
           <a:p>
             <a:fld id="{5827CF75-21ED-4285-9C22-184A8788EFA2}" type="datetimeFigureOut">
               <a:rPr lang="pt-BR" smtClean="0"/>
-              <a:t>03/04/2022</a:t>
+              <a:t>17/04/2023</a:t>
             </a:fld>
             <a:endParaRPr lang="pt-BR"/>
           </a:p>
@@ -802,7 +803,7 @@
           <a:p>
             <a:fld id="{5827CF75-21ED-4285-9C22-184A8788EFA2}" type="datetimeFigureOut">
               <a:rPr lang="pt-BR" smtClean="0"/>
-              <a:t>03/04/2022</a:t>
+              <a:t>17/04/2023</a:t>
             </a:fld>
             <a:endParaRPr lang="pt-BR"/>
           </a:p>
@@ -1047,7 +1048,7 @@
           <a:p>
             <a:fld id="{5827CF75-21ED-4285-9C22-184A8788EFA2}" type="datetimeFigureOut">
               <a:rPr lang="pt-BR" smtClean="0"/>
-              <a:t>03/04/2022</a:t>
+              <a:t>17/04/2023</a:t>
             </a:fld>
             <a:endParaRPr lang="pt-BR"/>
           </a:p>
@@ -1276,7 +1277,7 @@
           <a:p>
             <a:fld id="{5827CF75-21ED-4285-9C22-184A8788EFA2}" type="datetimeFigureOut">
               <a:rPr lang="pt-BR" smtClean="0"/>
-              <a:t>03/04/2022</a:t>
+              <a:t>17/04/2023</a:t>
             </a:fld>
             <a:endParaRPr lang="pt-BR"/>
           </a:p>
@@ -1640,7 +1641,7 @@
           <a:p>
             <a:fld id="{5827CF75-21ED-4285-9C22-184A8788EFA2}" type="datetimeFigureOut">
               <a:rPr lang="pt-BR" smtClean="0"/>
-              <a:t>03/04/2022</a:t>
+              <a:t>17/04/2023</a:t>
             </a:fld>
             <a:endParaRPr lang="pt-BR"/>
           </a:p>
@@ -1757,7 +1758,7 @@
           <a:p>
             <a:fld id="{5827CF75-21ED-4285-9C22-184A8788EFA2}" type="datetimeFigureOut">
               <a:rPr lang="pt-BR" smtClean="0"/>
-              <a:t>03/04/2022</a:t>
+              <a:t>17/04/2023</a:t>
             </a:fld>
             <a:endParaRPr lang="pt-BR"/>
           </a:p>
@@ -1852,7 +1853,7 @@
           <a:p>
             <a:fld id="{5827CF75-21ED-4285-9C22-184A8788EFA2}" type="datetimeFigureOut">
               <a:rPr lang="pt-BR" smtClean="0"/>
-              <a:t>03/04/2022</a:t>
+              <a:t>17/04/2023</a:t>
             </a:fld>
             <a:endParaRPr lang="pt-BR"/>
           </a:p>
@@ -2127,7 +2128,7 @@
           <a:p>
             <a:fld id="{5827CF75-21ED-4285-9C22-184A8788EFA2}" type="datetimeFigureOut">
               <a:rPr lang="pt-BR" smtClean="0"/>
-              <a:t>03/04/2022</a:t>
+              <a:t>17/04/2023</a:t>
             </a:fld>
             <a:endParaRPr lang="pt-BR"/>
           </a:p>
@@ -2379,7 +2380,7 @@
           <a:p>
             <a:fld id="{5827CF75-21ED-4285-9C22-184A8788EFA2}" type="datetimeFigureOut">
               <a:rPr lang="pt-BR" smtClean="0"/>
-              <a:t>03/04/2022</a:t>
+              <a:t>17/04/2023</a:t>
             </a:fld>
             <a:endParaRPr lang="pt-BR"/>
           </a:p>
@@ -2590,7 +2591,7 @@
           <a:p>
             <a:fld id="{5827CF75-21ED-4285-9C22-184A8788EFA2}" type="datetimeFigureOut">
               <a:rPr lang="pt-BR" smtClean="0"/>
-              <a:t>03/04/2022</a:t>
+              <a:t>17/04/2023</a:t>
             </a:fld>
             <a:endParaRPr lang="pt-BR"/>
           </a:p>
@@ -29337,6 +29338,4015 @@
           <a:chExt cx="0" cy="0"/>
         </a:xfrm>
       </p:grpSpPr>
+      <p:grpSp>
+        <p:nvGrpSpPr>
+          <p:cNvPr id="3" name="Agrupar 2">
+            <a:extLst>
+              <a:ext uri="{FF2B5EF4-FFF2-40B4-BE49-F238E27FC236}">
+                <a16:creationId xmlns:a16="http://schemas.microsoft.com/office/drawing/2014/main" id="{FF66252C-5C68-900A-9D50-1B238F952A27}"/>
+              </a:ext>
+            </a:extLst>
+          </p:cNvPr>
+          <p:cNvGrpSpPr/>
+          <p:nvPr/>
+        </p:nvGrpSpPr>
+        <p:grpSpPr>
+          <a:xfrm>
+            <a:off x="1633671" y="1891056"/>
+            <a:ext cx="3446912" cy="3184849"/>
+            <a:chOff x="1244631" y="981545"/>
+            <a:chExt cx="2064298" cy="1108190"/>
+          </a:xfrm>
+        </p:grpSpPr>
+        <p:sp>
+          <p:nvSpPr>
+            <p:cNvPr id="97" name="CaixaDeTexto 96"/>
+            <p:cNvSpPr txBox="1"/>
+            <p:nvPr/>
+          </p:nvSpPr>
+          <p:spPr>
+            <a:xfrm>
+              <a:off x="1777222" y="1982642"/>
+              <a:ext cx="1146369" cy="107093"/>
+            </a:xfrm>
+            <a:prstGeom prst="rect">
+              <a:avLst/>
+            </a:prstGeom>
+            <a:noFill/>
+          </p:spPr>
+          <p:txBody>
+            <a:bodyPr wrap="none" rtlCol="0">
+              <a:spAutoFit/>
+            </a:bodyPr>
+            <a:lstStyle/>
+            <a:p>
+              <a:r>
+                <a:rPr lang="pt-BR" sz="1400" dirty="0"/>
+                <a:t>model </a:t>
+              </a:r>
+              <a:r>
+                <a:rPr lang="pt-BR" sz="1400" dirty="0" err="1"/>
+                <a:t>parameter</a:t>
+              </a:r>
+              <a:r>
+                <a:rPr lang="pt-BR" sz="1400" dirty="0"/>
+                <a:t> </a:t>
+              </a:r>
+              <a:r>
+                <a:rPr lang="pt-BR" sz="1400" dirty="0" err="1"/>
+                <a:t>space</a:t>
+              </a:r>
+              <a:endParaRPr lang="pt-BR" sz="1400" dirty="0"/>
+            </a:p>
+          </p:txBody>
+        </p:sp>
+        <p:cxnSp>
+          <p:nvCxnSpPr>
+            <p:cNvPr id="98" name="Conector de seta reta 97"/>
+            <p:cNvCxnSpPr/>
+            <p:nvPr/>
+          </p:nvCxnSpPr>
+          <p:spPr>
+            <a:xfrm flipV="1">
+              <a:off x="1481362" y="981545"/>
+              <a:ext cx="0" cy="995218"/>
+            </a:xfrm>
+            <a:prstGeom prst="straightConnector1">
+              <a:avLst/>
+            </a:prstGeom>
+            <a:ln>
+              <a:solidFill>
+                <a:schemeClr val="tx1"/>
+              </a:solidFill>
+              <a:tailEnd type="triangle" w="med" len="lg"/>
+            </a:ln>
+          </p:spPr>
+          <p:style>
+            <a:lnRef idx="1">
+              <a:schemeClr val="accent1"/>
+            </a:lnRef>
+            <a:fillRef idx="0">
+              <a:schemeClr val="accent1"/>
+            </a:fillRef>
+            <a:effectRef idx="0">
+              <a:schemeClr val="accent1"/>
+            </a:effectRef>
+            <a:fontRef idx="minor">
+              <a:schemeClr val="tx1"/>
+            </a:fontRef>
+          </p:style>
+        </p:cxnSp>
+        <p:cxnSp>
+          <p:nvCxnSpPr>
+            <p:cNvPr id="100" name="Conector de seta reta 99"/>
+            <p:cNvCxnSpPr/>
+            <p:nvPr/>
+          </p:nvCxnSpPr>
+          <p:spPr>
+            <a:xfrm flipV="1">
+              <a:off x="1481362" y="1976763"/>
+              <a:ext cx="1819270" cy="1"/>
+            </a:xfrm>
+            <a:prstGeom prst="straightConnector1">
+              <a:avLst/>
+            </a:prstGeom>
+            <a:ln>
+              <a:solidFill>
+                <a:schemeClr val="tx1"/>
+              </a:solidFill>
+              <a:tailEnd type="triangle" w="med" len="lg"/>
+            </a:ln>
+          </p:spPr>
+          <p:style>
+            <a:lnRef idx="1">
+              <a:schemeClr val="accent1"/>
+            </a:lnRef>
+            <a:fillRef idx="0">
+              <a:schemeClr val="accent1"/>
+            </a:fillRef>
+            <a:effectRef idx="0">
+              <a:schemeClr val="accent1"/>
+            </a:effectRef>
+            <a:fontRef idx="minor">
+              <a:schemeClr val="tx1"/>
+            </a:fontRef>
+          </p:style>
+        </p:cxnSp>
+        <p:cxnSp>
+          <p:nvCxnSpPr>
+            <p:cNvPr id="108" name="Conector de seta reta 107"/>
+            <p:cNvCxnSpPr/>
+            <p:nvPr/>
+          </p:nvCxnSpPr>
+          <p:spPr>
+            <a:xfrm flipV="1">
+              <a:off x="1489659" y="996824"/>
+              <a:ext cx="1819270" cy="1"/>
+            </a:xfrm>
+            <a:prstGeom prst="straightConnector1">
+              <a:avLst/>
+            </a:prstGeom>
+            <a:ln>
+              <a:solidFill>
+                <a:schemeClr val="tx1"/>
+              </a:solidFill>
+              <a:prstDash val="lgDash"/>
+              <a:tailEnd type="none" w="med" len="lg"/>
+            </a:ln>
+          </p:spPr>
+          <p:style>
+            <a:lnRef idx="1">
+              <a:schemeClr val="accent1"/>
+            </a:lnRef>
+            <a:fillRef idx="0">
+              <a:schemeClr val="accent1"/>
+            </a:fillRef>
+            <a:effectRef idx="0">
+              <a:schemeClr val="accent1"/>
+            </a:effectRef>
+            <a:fontRef idx="minor">
+              <a:schemeClr val="tx1"/>
+            </a:fontRef>
+          </p:style>
+        </p:cxnSp>
+        <p:cxnSp>
+          <p:nvCxnSpPr>
+            <p:cNvPr id="109" name="Conector de seta reta 108"/>
+            <p:cNvCxnSpPr/>
+            <p:nvPr/>
+          </p:nvCxnSpPr>
+          <p:spPr>
+            <a:xfrm flipV="1">
+              <a:off x="3282160" y="987424"/>
+              <a:ext cx="0" cy="995218"/>
+            </a:xfrm>
+            <a:prstGeom prst="straightConnector1">
+              <a:avLst/>
+            </a:prstGeom>
+            <a:ln>
+              <a:solidFill>
+                <a:schemeClr val="tx1"/>
+              </a:solidFill>
+              <a:prstDash val="lgDash"/>
+              <a:tailEnd type="none" w="med" len="lg"/>
+            </a:ln>
+          </p:spPr>
+          <p:style>
+            <a:lnRef idx="1">
+              <a:schemeClr val="accent1"/>
+            </a:lnRef>
+            <a:fillRef idx="0">
+              <a:schemeClr val="accent1"/>
+            </a:fillRef>
+            <a:effectRef idx="0">
+              <a:schemeClr val="accent1"/>
+            </a:effectRef>
+            <a:fontRef idx="minor">
+              <a:schemeClr val="tx1"/>
+            </a:fontRef>
+          </p:style>
+        </p:cxnSp>
+        <p:sp>
+          <p:nvSpPr>
+            <p:cNvPr id="111" name="CaixaDeTexto 110"/>
+            <p:cNvSpPr txBox="1"/>
+            <p:nvPr/>
+          </p:nvSpPr>
+          <p:spPr>
+            <a:xfrm rot="16200000">
+              <a:off x="930452" y="1392872"/>
+              <a:ext cx="812680" cy="184322"/>
+            </a:xfrm>
+            <a:prstGeom prst="rect">
+              <a:avLst/>
+            </a:prstGeom>
+            <a:noFill/>
+          </p:spPr>
+          <p:txBody>
+            <a:bodyPr wrap="none" rtlCol="0">
+              <a:spAutoFit/>
+            </a:bodyPr>
+            <a:lstStyle/>
+            <a:p>
+              <a:r>
+                <a:rPr lang="pt-BR" sz="1400" dirty="0"/>
+                <a:t>time/</a:t>
+              </a:r>
+              <a:r>
+                <a:rPr lang="pt-BR" sz="1400" dirty="0" err="1"/>
+                <a:t>number</a:t>
+              </a:r>
+              <a:r>
+                <a:rPr lang="pt-BR" sz="1400" dirty="0"/>
+                <a:t> of </a:t>
+              </a:r>
+              <a:r>
+                <a:rPr lang="pt-BR" sz="1400" dirty="0" err="1"/>
+                <a:t>observations</a:t>
+              </a:r>
+              <a:endParaRPr lang="pt-BR" sz="1400" dirty="0"/>
+            </a:p>
+          </p:txBody>
+        </p:sp>
+      </p:grpSp>
+      <p:grpSp>
+        <p:nvGrpSpPr>
+          <p:cNvPr id="72" name="Agrupar 71">
+            <a:extLst>
+              <a:ext uri="{FF2B5EF4-FFF2-40B4-BE49-F238E27FC236}">
+                <a16:creationId xmlns:a16="http://schemas.microsoft.com/office/drawing/2014/main" id="{F9D8327A-AA78-FF63-6111-1D979668DA80}"/>
+              </a:ext>
+            </a:extLst>
+          </p:cNvPr>
+          <p:cNvGrpSpPr/>
+          <p:nvPr/>
+        </p:nvGrpSpPr>
+        <p:grpSpPr>
+          <a:xfrm rot="10800000">
+            <a:off x="2327561" y="1852954"/>
+            <a:ext cx="2263994" cy="2985542"/>
+            <a:chOff x="2508485" y="1852954"/>
+            <a:chExt cx="2263994" cy="2985542"/>
+          </a:xfrm>
+        </p:grpSpPr>
+        <p:sp>
+          <p:nvSpPr>
+            <p:cNvPr id="4" name="Forma Livre: Forma 3">
+              <a:extLst>
+                <a:ext uri="{FF2B5EF4-FFF2-40B4-BE49-F238E27FC236}">
+                  <a16:creationId xmlns:a16="http://schemas.microsoft.com/office/drawing/2014/main" id="{D67CEEE2-335A-3060-1F94-624D79B00B7D}"/>
+                </a:ext>
+              </a:extLst>
+            </p:cNvPr>
+            <p:cNvSpPr/>
+            <p:nvPr/>
+          </p:nvSpPr>
+          <p:spPr>
+            <a:xfrm>
+              <a:off x="2508485" y="1941268"/>
+              <a:ext cx="1462062" cy="2801878"/>
+            </a:xfrm>
+            <a:custGeom>
+              <a:avLst/>
+              <a:gdLst>
+                <a:gd name="connsiteX0" fmla="*/ 772595 w 1462062"/>
+                <a:gd name="connsiteY0" fmla="*/ 2801878 h 2801878"/>
+                <a:gd name="connsiteX1" fmla="*/ 977968 w 1462062"/>
+                <a:gd name="connsiteY1" fmla="*/ 2493818 h 2801878"/>
+                <a:gd name="connsiteX2" fmla="*/ 493874 w 1462062"/>
+                <a:gd name="connsiteY2" fmla="*/ 2195538 h 2801878"/>
+                <a:gd name="connsiteX3" fmla="*/ 709027 w 1462062"/>
+                <a:gd name="connsiteY3" fmla="*/ 1877699 h 2801878"/>
+                <a:gd name="connsiteX4" fmla="*/ 205373 w 1462062"/>
+                <a:gd name="connsiteY4" fmla="*/ 1574528 h 2801878"/>
+                <a:gd name="connsiteX5" fmla="*/ 0 w 1462062"/>
+                <a:gd name="connsiteY5" fmla="*/ 1134443 h 2801878"/>
+                <a:gd name="connsiteX6" fmla="*/ 264051 w 1462062"/>
+                <a:gd name="connsiteY6" fmla="*/ 630789 h 2801878"/>
+                <a:gd name="connsiteX7" fmla="*/ 738366 w 1462062"/>
+                <a:gd name="connsiteY7" fmla="*/ 396077 h 2801878"/>
+                <a:gd name="connsiteX8" fmla="*/ 1462062 w 1462062"/>
+                <a:gd name="connsiteY8" fmla="*/ 264051 h 2801878"/>
+                <a:gd name="connsiteX9" fmla="*/ 1109994 w 1462062"/>
+                <a:gd name="connsiteY9" fmla="*/ 0 h 2801878"/>
+              </a:gdLst>
+              <a:ahLst/>
+              <a:cxnLst>
+                <a:cxn ang="0">
+                  <a:pos x="connsiteX0" y="connsiteY0"/>
+                </a:cxn>
+                <a:cxn ang="0">
+                  <a:pos x="connsiteX1" y="connsiteY1"/>
+                </a:cxn>
+                <a:cxn ang="0">
+                  <a:pos x="connsiteX2" y="connsiteY2"/>
+                </a:cxn>
+                <a:cxn ang="0">
+                  <a:pos x="connsiteX3" y="connsiteY3"/>
+                </a:cxn>
+                <a:cxn ang="0">
+                  <a:pos x="connsiteX4" y="connsiteY4"/>
+                </a:cxn>
+                <a:cxn ang="0">
+                  <a:pos x="connsiteX5" y="connsiteY5"/>
+                </a:cxn>
+                <a:cxn ang="0">
+                  <a:pos x="connsiteX6" y="connsiteY6"/>
+                </a:cxn>
+                <a:cxn ang="0">
+                  <a:pos x="connsiteX7" y="connsiteY7"/>
+                </a:cxn>
+                <a:cxn ang="0">
+                  <a:pos x="connsiteX8" y="connsiteY8"/>
+                </a:cxn>
+                <a:cxn ang="0">
+                  <a:pos x="connsiteX9" y="connsiteY9"/>
+                </a:cxn>
+              </a:cxnLst>
+              <a:rect l="l" t="t" r="r" b="b"/>
+              <a:pathLst>
+                <a:path w="1462062" h="2801878">
+                  <a:moveTo>
+                    <a:pt x="772595" y="2801878"/>
+                  </a:moveTo>
+                  <a:lnTo>
+                    <a:pt x="977968" y="2493818"/>
+                  </a:lnTo>
+                  <a:lnTo>
+                    <a:pt x="493874" y="2195538"/>
+                  </a:lnTo>
+                  <a:lnTo>
+                    <a:pt x="709027" y="1877699"/>
+                  </a:lnTo>
+                  <a:lnTo>
+                    <a:pt x="205373" y="1574528"/>
+                  </a:lnTo>
+                  <a:lnTo>
+                    <a:pt x="0" y="1134443"/>
+                  </a:lnTo>
+                  <a:lnTo>
+                    <a:pt x="264051" y="630789"/>
+                  </a:lnTo>
+                  <a:lnTo>
+                    <a:pt x="738366" y="396077"/>
+                  </a:lnTo>
+                  <a:lnTo>
+                    <a:pt x="1462062" y="264051"/>
+                  </a:lnTo>
+                  <a:lnTo>
+                    <a:pt x="1109994" y="0"/>
+                  </a:lnTo>
+                </a:path>
+              </a:pathLst>
+            </a:custGeom>
+            <a:noFill/>
+          </p:spPr>
+          <p:style>
+            <a:lnRef idx="2">
+              <a:schemeClr val="accent1">
+                <a:shade val="50000"/>
+              </a:schemeClr>
+            </a:lnRef>
+            <a:fillRef idx="1">
+              <a:schemeClr val="accent1"/>
+            </a:fillRef>
+            <a:effectRef idx="0">
+              <a:schemeClr val="accent1"/>
+            </a:effectRef>
+            <a:fontRef idx="minor">
+              <a:schemeClr val="lt1"/>
+            </a:fontRef>
+          </p:style>
+          <p:txBody>
+            <a:bodyPr rtlCol="0" anchor="ctr"/>
+            <a:lstStyle/>
+            <a:p>
+              <a:pPr algn="ctr"/>
+              <a:endParaRPr lang="pt-BR"/>
+            </a:p>
+          </p:txBody>
+        </p:sp>
+        <p:sp>
+          <p:nvSpPr>
+            <p:cNvPr id="5" name="Forma Livre: Forma 4">
+              <a:extLst>
+                <a:ext uri="{FF2B5EF4-FFF2-40B4-BE49-F238E27FC236}">
+                  <a16:creationId xmlns:a16="http://schemas.microsoft.com/office/drawing/2014/main" id="{914644D2-82CB-F452-B3DB-7D079D79C68D}"/>
+                </a:ext>
+              </a:extLst>
+            </p:cNvPr>
+            <p:cNvSpPr/>
+            <p:nvPr/>
+          </p:nvSpPr>
+          <p:spPr>
+            <a:xfrm>
+              <a:off x="2758682" y="1961639"/>
+              <a:ext cx="2013797" cy="2801878"/>
+            </a:xfrm>
+            <a:custGeom>
+              <a:avLst/>
+              <a:gdLst>
+                <a:gd name="connsiteX0" fmla="*/ 772595 w 1462062"/>
+                <a:gd name="connsiteY0" fmla="*/ 2801878 h 2801878"/>
+                <a:gd name="connsiteX1" fmla="*/ 977968 w 1462062"/>
+                <a:gd name="connsiteY1" fmla="*/ 2493818 h 2801878"/>
+                <a:gd name="connsiteX2" fmla="*/ 493874 w 1462062"/>
+                <a:gd name="connsiteY2" fmla="*/ 2195538 h 2801878"/>
+                <a:gd name="connsiteX3" fmla="*/ 709027 w 1462062"/>
+                <a:gd name="connsiteY3" fmla="*/ 1877699 h 2801878"/>
+                <a:gd name="connsiteX4" fmla="*/ 205373 w 1462062"/>
+                <a:gd name="connsiteY4" fmla="*/ 1574528 h 2801878"/>
+                <a:gd name="connsiteX5" fmla="*/ 0 w 1462062"/>
+                <a:gd name="connsiteY5" fmla="*/ 1134443 h 2801878"/>
+                <a:gd name="connsiteX6" fmla="*/ 264051 w 1462062"/>
+                <a:gd name="connsiteY6" fmla="*/ 630789 h 2801878"/>
+                <a:gd name="connsiteX7" fmla="*/ 738366 w 1462062"/>
+                <a:gd name="connsiteY7" fmla="*/ 396077 h 2801878"/>
+                <a:gd name="connsiteX8" fmla="*/ 1462062 w 1462062"/>
+                <a:gd name="connsiteY8" fmla="*/ 264051 h 2801878"/>
+                <a:gd name="connsiteX9" fmla="*/ 1109994 w 1462062"/>
+                <a:gd name="connsiteY9" fmla="*/ 0 h 2801878"/>
+              </a:gdLst>
+              <a:ahLst/>
+              <a:cxnLst>
+                <a:cxn ang="0">
+                  <a:pos x="connsiteX0" y="connsiteY0"/>
+                </a:cxn>
+                <a:cxn ang="0">
+                  <a:pos x="connsiteX1" y="connsiteY1"/>
+                </a:cxn>
+                <a:cxn ang="0">
+                  <a:pos x="connsiteX2" y="connsiteY2"/>
+                </a:cxn>
+                <a:cxn ang="0">
+                  <a:pos x="connsiteX3" y="connsiteY3"/>
+                </a:cxn>
+                <a:cxn ang="0">
+                  <a:pos x="connsiteX4" y="connsiteY4"/>
+                </a:cxn>
+                <a:cxn ang="0">
+                  <a:pos x="connsiteX5" y="connsiteY5"/>
+                </a:cxn>
+                <a:cxn ang="0">
+                  <a:pos x="connsiteX6" y="connsiteY6"/>
+                </a:cxn>
+                <a:cxn ang="0">
+                  <a:pos x="connsiteX7" y="connsiteY7"/>
+                </a:cxn>
+                <a:cxn ang="0">
+                  <a:pos x="connsiteX8" y="connsiteY8"/>
+                </a:cxn>
+                <a:cxn ang="0">
+                  <a:pos x="connsiteX9" y="connsiteY9"/>
+                </a:cxn>
+              </a:cxnLst>
+              <a:rect l="l" t="t" r="r" b="b"/>
+              <a:pathLst>
+                <a:path w="1462062" h="2801878">
+                  <a:moveTo>
+                    <a:pt x="772595" y="2801878"/>
+                  </a:moveTo>
+                  <a:lnTo>
+                    <a:pt x="977968" y="2493818"/>
+                  </a:lnTo>
+                  <a:lnTo>
+                    <a:pt x="493874" y="2195538"/>
+                  </a:lnTo>
+                  <a:lnTo>
+                    <a:pt x="709027" y="1877699"/>
+                  </a:lnTo>
+                  <a:lnTo>
+                    <a:pt x="205373" y="1574528"/>
+                  </a:lnTo>
+                  <a:lnTo>
+                    <a:pt x="0" y="1134443"/>
+                  </a:lnTo>
+                  <a:lnTo>
+                    <a:pt x="264051" y="630789"/>
+                  </a:lnTo>
+                  <a:lnTo>
+                    <a:pt x="738366" y="396077"/>
+                  </a:lnTo>
+                  <a:lnTo>
+                    <a:pt x="1462062" y="264051"/>
+                  </a:lnTo>
+                  <a:lnTo>
+                    <a:pt x="1109994" y="0"/>
+                  </a:lnTo>
+                </a:path>
+              </a:pathLst>
+            </a:custGeom>
+            <a:noFill/>
+          </p:spPr>
+          <p:style>
+            <a:lnRef idx="2">
+              <a:schemeClr val="accent1">
+                <a:shade val="50000"/>
+              </a:schemeClr>
+            </a:lnRef>
+            <a:fillRef idx="1">
+              <a:schemeClr val="accent1"/>
+            </a:fillRef>
+            <a:effectRef idx="0">
+              <a:schemeClr val="accent1"/>
+            </a:effectRef>
+            <a:fontRef idx="minor">
+              <a:schemeClr val="lt1"/>
+            </a:fontRef>
+          </p:style>
+          <p:txBody>
+            <a:bodyPr rtlCol="0" anchor="ctr"/>
+            <a:lstStyle/>
+            <a:p>
+              <a:pPr algn="ctr"/>
+              <a:endParaRPr lang="pt-BR"/>
+            </a:p>
+          </p:txBody>
+        </p:sp>
+        <p:sp>
+          <p:nvSpPr>
+            <p:cNvPr id="6" name="Elipse 5">
+              <a:extLst>
+                <a:ext uri="{FF2B5EF4-FFF2-40B4-BE49-F238E27FC236}">
+                  <a16:creationId xmlns:a16="http://schemas.microsoft.com/office/drawing/2014/main" id="{E95E2682-282A-807F-A39A-156B21B604BB}"/>
+                </a:ext>
+              </a:extLst>
+            </p:cNvPr>
+            <p:cNvSpPr/>
+            <p:nvPr/>
+          </p:nvSpPr>
+          <p:spPr>
+            <a:xfrm>
+              <a:off x="3466346" y="4647795"/>
+              <a:ext cx="190701" cy="190701"/>
+            </a:xfrm>
+            <a:prstGeom prst="ellipse">
+              <a:avLst/>
+            </a:prstGeom>
+          </p:spPr>
+          <p:style>
+            <a:lnRef idx="2">
+              <a:schemeClr val="accent1">
+                <a:shade val="50000"/>
+              </a:schemeClr>
+            </a:lnRef>
+            <a:fillRef idx="1">
+              <a:schemeClr val="accent1"/>
+            </a:fillRef>
+            <a:effectRef idx="0">
+              <a:schemeClr val="accent1"/>
+            </a:effectRef>
+            <a:fontRef idx="minor">
+              <a:schemeClr val="lt1"/>
+            </a:fontRef>
+          </p:style>
+          <p:txBody>
+            <a:bodyPr rtlCol="0" anchor="ctr"/>
+            <a:lstStyle/>
+            <a:p>
+              <a:pPr algn="ctr"/>
+              <a:endParaRPr lang="pt-BR"/>
+            </a:p>
+          </p:txBody>
+        </p:sp>
+        <p:sp>
+          <p:nvSpPr>
+            <p:cNvPr id="55" name="Elipse 54">
+              <a:extLst>
+                <a:ext uri="{FF2B5EF4-FFF2-40B4-BE49-F238E27FC236}">
+                  <a16:creationId xmlns:a16="http://schemas.microsoft.com/office/drawing/2014/main" id="{1D5D4044-CE70-FE9C-26EA-3F2AB78F1881}"/>
+                </a:ext>
+              </a:extLst>
+            </p:cNvPr>
+            <p:cNvSpPr/>
+            <p:nvPr/>
+          </p:nvSpPr>
+          <p:spPr>
+            <a:xfrm>
+              <a:off x="3657047" y="4365425"/>
+              <a:ext cx="190701" cy="190701"/>
+            </a:xfrm>
+            <a:prstGeom prst="ellipse">
+              <a:avLst/>
+            </a:prstGeom>
+          </p:spPr>
+          <p:style>
+            <a:lnRef idx="2">
+              <a:schemeClr val="accent1">
+                <a:shade val="50000"/>
+              </a:schemeClr>
+            </a:lnRef>
+            <a:fillRef idx="1">
+              <a:schemeClr val="accent1"/>
+            </a:fillRef>
+            <a:effectRef idx="0">
+              <a:schemeClr val="accent1"/>
+            </a:effectRef>
+            <a:fontRef idx="minor">
+              <a:schemeClr val="lt1"/>
+            </a:fontRef>
+          </p:style>
+          <p:txBody>
+            <a:bodyPr rtlCol="0" anchor="ctr"/>
+            <a:lstStyle/>
+            <a:p>
+              <a:pPr algn="ctr"/>
+              <a:endParaRPr lang="pt-BR"/>
+            </a:p>
+          </p:txBody>
+        </p:sp>
+        <p:sp>
+          <p:nvSpPr>
+            <p:cNvPr id="56" name="Elipse 55">
+              <a:extLst>
+                <a:ext uri="{FF2B5EF4-FFF2-40B4-BE49-F238E27FC236}">
+                  <a16:creationId xmlns:a16="http://schemas.microsoft.com/office/drawing/2014/main" id="{2227930E-E1D3-AB6C-3109-91060267B9B9}"/>
+                </a:ext>
+              </a:extLst>
+            </p:cNvPr>
+            <p:cNvSpPr/>
+            <p:nvPr/>
+          </p:nvSpPr>
+          <p:spPr>
+            <a:xfrm>
+              <a:off x="3144165" y="4047160"/>
+              <a:ext cx="190701" cy="190701"/>
+            </a:xfrm>
+            <a:prstGeom prst="ellipse">
+              <a:avLst/>
+            </a:prstGeom>
+          </p:spPr>
+          <p:style>
+            <a:lnRef idx="2">
+              <a:schemeClr val="accent1">
+                <a:shade val="50000"/>
+              </a:schemeClr>
+            </a:lnRef>
+            <a:fillRef idx="1">
+              <a:schemeClr val="accent1"/>
+            </a:fillRef>
+            <a:effectRef idx="0">
+              <a:schemeClr val="accent1"/>
+            </a:effectRef>
+            <a:fontRef idx="minor">
+              <a:schemeClr val="lt1"/>
+            </a:fontRef>
+          </p:style>
+          <p:txBody>
+            <a:bodyPr rtlCol="0" anchor="ctr"/>
+            <a:lstStyle/>
+            <a:p>
+              <a:pPr algn="ctr"/>
+              <a:endParaRPr lang="pt-BR"/>
+            </a:p>
+          </p:txBody>
+        </p:sp>
+        <p:sp>
+          <p:nvSpPr>
+            <p:cNvPr id="57" name="Elipse 56">
+              <a:extLst>
+                <a:ext uri="{FF2B5EF4-FFF2-40B4-BE49-F238E27FC236}">
+                  <a16:creationId xmlns:a16="http://schemas.microsoft.com/office/drawing/2014/main" id="{D4ECE6FA-ABED-FF0C-1011-A0574DB49486}"/>
+                </a:ext>
+              </a:extLst>
+            </p:cNvPr>
+            <p:cNvSpPr/>
+            <p:nvPr/>
+          </p:nvSpPr>
+          <p:spPr>
+            <a:xfrm>
+              <a:off x="3320286" y="3747774"/>
+              <a:ext cx="190701" cy="190701"/>
+            </a:xfrm>
+            <a:prstGeom prst="ellipse">
+              <a:avLst/>
+            </a:prstGeom>
+          </p:spPr>
+          <p:style>
+            <a:lnRef idx="2">
+              <a:schemeClr val="accent1">
+                <a:shade val="50000"/>
+              </a:schemeClr>
+            </a:lnRef>
+            <a:fillRef idx="1">
+              <a:schemeClr val="accent1"/>
+            </a:fillRef>
+            <a:effectRef idx="0">
+              <a:schemeClr val="accent1"/>
+            </a:effectRef>
+            <a:fontRef idx="minor">
+              <a:schemeClr val="lt1"/>
+            </a:fontRef>
+          </p:style>
+          <p:txBody>
+            <a:bodyPr rtlCol="0" anchor="ctr"/>
+            <a:lstStyle/>
+            <a:p>
+              <a:pPr algn="ctr"/>
+              <a:endParaRPr lang="pt-BR"/>
+            </a:p>
+          </p:txBody>
+        </p:sp>
+        <p:sp>
+          <p:nvSpPr>
+            <p:cNvPr id="58" name="Elipse 57">
+              <a:extLst>
+                <a:ext uri="{FF2B5EF4-FFF2-40B4-BE49-F238E27FC236}">
+                  <a16:creationId xmlns:a16="http://schemas.microsoft.com/office/drawing/2014/main" id="{F2046DF5-11DD-28DA-F563-377AE333CC7C}"/>
+                </a:ext>
+              </a:extLst>
+            </p:cNvPr>
+            <p:cNvSpPr/>
+            <p:nvPr/>
+          </p:nvSpPr>
+          <p:spPr>
+            <a:xfrm>
+              <a:off x="2816085" y="3455489"/>
+              <a:ext cx="190701" cy="190701"/>
+            </a:xfrm>
+            <a:prstGeom prst="ellipse">
+              <a:avLst/>
+            </a:prstGeom>
+          </p:spPr>
+          <p:style>
+            <a:lnRef idx="2">
+              <a:schemeClr val="accent1">
+                <a:shade val="50000"/>
+              </a:schemeClr>
+            </a:lnRef>
+            <a:fillRef idx="1">
+              <a:schemeClr val="accent1"/>
+            </a:fillRef>
+            <a:effectRef idx="0">
+              <a:schemeClr val="accent1"/>
+            </a:effectRef>
+            <a:fontRef idx="minor">
+              <a:schemeClr val="lt1"/>
+            </a:fontRef>
+          </p:style>
+          <p:txBody>
+            <a:bodyPr rtlCol="0" anchor="ctr"/>
+            <a:lstStyle/>
+            <a:p>
+              <a:pPr algn="ctr"/>
+              <a:endParaRPr lang="pt-BR"/>
+            </a:p>
+          </p:txBody>
+        </p:sp>
+        <p:sp>
+          <p:nvSpPr>
+            <p:cNvPr id="59" name="Elipse 58">
+              <a:extLst>
+                <a:ext uri="{FF2B5EF4-FFF2-40B4-BE49-F238E27FC236}">
+                  <a16:creationId xmlns:a16="http://schemas.microsoft.com/office/drawing/2014/main" id="{DBF74410-2B92-80E6-8361-EBD306C669A6}"/>
+                </a:ext>
+              </a:extLst>
+            </p:cNvPr>
+            <p:cNvSpPr/>
+            <p:nvPr/>
+          </p:nvSpPr>
+          <p:spPr>
+            <a:xfrm>
+              <a:off x="2570149" y="3056623"/>
+              <a:ext cx="190701" cy="190701"/>
+            </a:xfrm>
+            <a:prstGeom prst="ellipse">
+              <a:avLst/>
+            </a:prstGeom>
+          </p:spPr>
+          <p:style>
+            <a:lnRef idx="2">
+              <a:schemeClr val="accent1">
+                <a:shade val="50000"/>
+              </a:schemeClr>
+            </a:lnRef>
+            <a:fillRef idx="1">
+              <a:schemeClr val="accent1"/>
+            </a:fillRef>
+            <a:effectRef idx="0">
+              <a:schemeClr val="accent1"/>
+            </a:effectRef>
+            <a:fontRef idx="minor">
+              <a:schemeClr val="lt1"/>
+            </a:fontRef>
+          </p:style>
+          <p:txBody>
+            <a:bodyPr rtlCol="0" anchor="ctr"/>
+            <a:lstStyle/>
+            <a:p>
+              <a:pPr algn="ctr"/>
+              <a:endParaRPr lang="pt-BR"/>
+            </a:p>
+          </p:txBody>
+        </p:sp>
+        <p:sp>
+          <p:nvSpPr>
+            <p:cNvPr id="60" name="Elipse 59">
+              <a:extLst>
+                <a:ext uri="{FF2B5EF4-FFF2-40B4-BE49-F238E27FC236}">
+                  <a16:creationId xmlns:a16="http://schemas.microsoft.com/office/drawing/2014/main" id="{A1ED8BD0-9A61-F488-9649-E3F35345C7EF}"/>
+                </a:ext>
+              </a:extLst>
+            </p:cNvPr>
+            <p:cNvSpPr/>
+            <p:nvPr/>
+          </p:nvSpPr>
+          <p:spPr>
+            <a:xfrm>
+              <a:off x="2837812" y="2517863"/>
+              <a:ext cx="190701" cy="190701"/>
+            </a:xfrm>
+            <a:prstGeom prst="ellipse">
+              <a:avLst/>
+            </a:prstGeom>
+          </p:spPr>
+          <p:style>
+            <a:lnRef idx="2">
+              <a:schemeClr val="accent1">
+                <a:shade val="50000"/>
+              </a:schemeClr>
+            </a:lnRef>
+            <a:fillRef idx="1">
+              <a:schemeClr val="accent1"/>
+            </a:fillRef>
+            <a:effectRef idx="0">
+              <a:schemeClr val="accent1"/>
+            </a:effectRef>
+            <a:fontRef idx="minor">
+              <a:schemeClr val="lt1"/>
+            </a:fontRef>
+          </p:style>
+          <p:txBody>
+            <a:bodyPr rtlCol="0" anchor="ctr"/>
+            <a:lstStyle/>
+            <a:p>
+              <a:pPr algn="ctr"/>
+              <a:endParaRPr lang="pt-BR"/>
+            </a:p>
+          </p:txBody>
+        </p:sp>
+        <p:sp>
+          <p:nvSpPr>
+            <p:cNvPr id="61" name="Elipse 60">
+              <a:extLst>
+                <a:ext uri="{FF2B5EF4-FFF2-40B4-BE49-F238E27FC236}">
+                  <a16:creationId xmlns:a16="http://schemas.microsoft.com/office/drawing/2014/main" id="{59C9F570-6B06-9AAA-EEA2-B863A2C00A72}"/>
+                </a:ext>
+              </a:extLst>
+            </p:cNvPr>
+            <p:cNvSpPr/>
+            <p:nvPr/>
+          </p:nvSpPr>
+          <p:spPr>
+            <a:xfrm>
+              <a:off x="3466346" y="2259830"/>
+              <a:ext cx="190701" cy="190701"/>
+            </a:xfrm>
+            <a:prstGeom prst="ellipse">
+              <a:avLst/>
+            </a:prstGeom>
+          </p:spPr>
+          <p:style>
+            <a:lnRef idx="2">
+              <a:schemeClr val="accent1">
+                <a:shade val="50000"/>
+              </a:schemeClr>
+            </a:lnRef>
+            <a:fillRef idx="1">
+              <a:schemeClr val="accent1"/>
+            </a:fillRef>
+            <a:effectRef idx="0">
+              <a:schemeClr val="accent1"/>
+            </a:effectRef>
+            <a:fontRef idx="minor">
+              <a:schemeClr val="lt1"/>
+            </a:fontRef>
+          </p:style>
+          <p:txBody>
+            <a:bodyPr rtlCol="0" anchor="ctr"/>
+            <a:lstStyle/>
+            <a:p>
+              <a:pPr algn="ctr"/>
+              <a:endParaRPr lang="pt-BR"/>
+            </a:p>
+          </p:txBody>
+        </p:sp>
+        <p:sp>
+          <p:nvSpPr>
+            <p:cNvPr id="62" name="Elipse 61">
+              <a:extLst>
+                <a:ext uri="{FF2B5EF4-FFF2-40B4-BE49-F238E27FC236}">
+                  <a16:creationId xmlns:a16="http://schemas.microsoft.com/office/drawing/2014/main" id="{3489DCEA-E7C3-CABE-5252-2E0E4F9A5D2A}"/>
+                </a:ext>
+              </a:extLst>
+            </p:cNvPr>
+            <p:cNvSpPr/>
+            <p:nvPr/>
+          </p:nvSpPr>
+          <p:spPr>
+            <a:xfrm>
+              <a:off x="4206251" y="2074900"/>
+              <a:ext cx="190701" cy="190701"/>
+            </a:xfrm>
+            <a:prstGeom prst="ellipse">
+              <a:avLst/>
+            </a:prstGeom>
+          </p:spPr>
+          <p:style>
+            <a:lnRef idx="2">
+              <a:schemeClr val="accent1">
+                <a:shade val="50000"/>
+              </a:schemeClr>
+            </a:lnRef>
+            <a:fillRef idx="1">
+              <a:schemeClr val="accent1"/>
+            </a:fillRef>
+            <a:effectRef idx="0">
+              <a:schemeClr val="accent1"/>
+            </a:effectRef>
+            <a:fontRef idx="minor">
+              <a:schemeClr val="lt1"/>
+            </a:fontRef>
+          </p:style>
+          <p:txBody>
+            <a:bodyPr rtlCol="0" anchor="ctr"/>
+            <a:lstStyle/>
+            <a:p>
+              <a:pPr algn="ctr"/>
+              <a:endParaRPr lang="pt-BR"/>
+            </a:p>
+          </p:txBody>
+        </p:sp>
+        <p:sp>
+          <p:nvSpPr>
+            <p:cNvPr id="63" name="Elipse 62">
+              <a:extLst>
+                <a:ext uri="{FF2B5EF4-FFF2-40B4-BE49-F238E27FC236}">
+                  <a16:creationId xmlns:a16="http://schemas.microsoft.com/office/drawing/2014/main" id="{E6D63C16-DAF6-E615-072A-9D89EDA71D72}"/>
+                </a:ext>
+              </a:extLst>
+            </p:cNvPr>
+            <p:cNvSpPr/>
+            <p:nvPr/>
+          </p:nvSpPr>
+          <p:spPr>
+            <a:xfrm>
+              <a:off x="3890618" y="1852954"/>
+              <a:ext cx="190701" cy="190701"/>
+            </a:xfrm>
+            <a:prstGeom prst="ellipse">
+              <a:avLst/>
+            </a:prstGeom>
+          </p:spPr>
+          <p:style>
+            <a:lnRef idx="2">
+              <a:schemeClr val="accent1">
+                <a:shade val="50000"/>
+              </a:schemeClr>
+            </a:lnRef>
+            <a:fillRef idx="1">
+              <a:schemeClr val="accent1"/>
+            </a:fillRef>
+            <a:effectRef idx="0">
+              <a:schemeClr val="accent1"/>
+            </a:effectRef>
+            <a:fontRef idx="minor">
+              <a:schemeClr val="lt1"/>
+            </a:fontRef>
+          </p:style>
+          <p:txBody>
+            <a:bodyPr rtlCol="0" anchor="ctr"/>
+            <a:lstStyle/>
+            <a:p>
+              <a:pPr algn="ctr"/>
+              <a:endParaRPr lang="pt-BR"/>
+            </a:p>
+          </p:txBody>
+        </p:sp>
+      </p:grpSp>
+      <p:sp>
+        <p:nvSpPr>
+          <p:cNvPr id="65" name="Elipse 64">
+            <a:extLst>
+              <a:ext uri="{FF2B5EF4-FFF2-40B4-BE49-F238E27FC236}">
+                <a16:creationId xmlns:a16="http://schemas.microsoft.com/office/drawing/2014/main" id="{6BB60630-C90D-191E-AB0A-ED7605F812FF}"/>
+              </a:ext>
+            </a:extLst>
+          </p:cNvPr>
+          <p:cNvSpPr/>
+          <p:nvPr/>
+        </p:nvSpPr>
+        <p:spPr>
+          <a:xfrm>
+            <a:off x="2177505" y="5211937"/>
+            <a:ext cx="190701" cy="190701"/>
+          </a:xfrm>
+          <a:prstGeom prst="ellipse">
+            <a:avLst/>
+          </a:prstGeom>
+        </p:spPr>
+        <p:style>
+          <a:lnRef idx="2">
+            <a:schemeClr val="accent1">
+              <a:shade val="50000"/>
+            </a:schemeClr>
+          </a:lnRef>
+          <a:fillRef idx="1">
+            <a:schemeClr val="accent1"/>
+          </a:fillRef>
+          <a:effectRef idx="0">
+            <a:schemeClr val="accent1"/>
+          </a:effectRef>
+          <a:fontRef idx="minor">
+            <a:schemeClr val="lt1"/>
+          </a:fontRef>
+        </p:style>
+        <p:txBody>
+          <a:bodyPr rtlCol="0" anchor="ctr"/>
+          <a:lstStyle/>
+          <a:p>
+            <a:pPr algn="ctr"/>
+            <a:endParaRPr lang="pt-BR"/>
+          </a:p>
+        </p:txBody>
+      </p:sp>
+      <p:sp>
+        <p:nvSpPr>
+          <p:cNvPr id="66" name="CaixaDeTexto 65">
+            <a:extLst>
+              <a:ext uri="{FF2B5EF4-FFF2-40B4-BE49-F238E27FC236}">
+                <a16:creationId xmlns:a16="http://schemas.microsoft.com/office/drawing/2014/main" id="{2D9251F6-485C-D9E9-A4BA-B85DFDFD5AE0}"/>
+              </a:ext>
+            </a:extLst>
+          </p:cNvPr>
+          <p:cNvSpPr txBox="1"/>
+          <p:nvPr/>
+        </p:nvSpPr>
+        <p:spPr>
+          <a:xfrm>
+            <a:off x="2365975" y="5141436"/>
+            <a:ext cx="2535438" cy="307777"/>
+          </a:xfrm>
+          <a:prstGeom prst="rect">
+            <a:avLst/>
+          </a:prstGeom>
+          <a:noFill/>
+        </p:spPr>
+        <p:txBody>
+          <a:bodyPr wrap="none" rtlCol="0">
+            <a:spAutoFit/>
+          </a:bodyPr>
+          <a:lstStyle/>
+          <a:p>
+            <a:r>
+              <a:rPr lang="pt-BR" sz="1400" dirty="0"/>
+              <a:t>= </a:t>
+            </a:r>
+            <a:r>
+              <a:rPr lang="pt-BR" sz="1400" dirty="0" err="1"/>
+              <a:t>deterministic</a:t>
+            </a:r>
+            <a:r>
+              <a:rPr lang="pt-BR" sz="1400" dirty="0"/>
+              <a:t> model </a:t>
+            </a:r>
+            <a:r>
+              <a:rPr lang="pt-BR" sz="1400" dirty="0" err="1"/>
+              <a:t>fit</a:t>
+            </a:r>
+            <a:r>
+              <a:rPr lang="pt-BR" sz="1400" dirty="0"/>
+              <a:t> </a:t>
+            </a:r>
+            <a:r>
+              <a:rPr lang="pt-BR" sz="1400" dirty="0" err="1"/>
+              <a:t>to</a:t>
+            </a:r>
+            <a:r>
+              <a:rPr lang="pt-BR" sz="1400" dirty="0"/>
+              <a:t> data</a:t>
+            </a:r>
+          </a:p>
+        </p:txBody>
+      </p:sp>
+      <p:sp>
+        <p:nvSpPr>
+          <p:cNvPr id="70" name="Chave Direita 69">
+            <a:extLst>
+              <a:ext uri="{FF2B5EF4-FFF2-40B4-BE49-F238E27FC236}">
+                <a16:creationId xmlns:a16="http://schemas.microsoft.com/office/drawing/2014/main" id="{88AA7E8C-5474-E939-E3A7-2A8195B77A54}"/>
+              </a:ext>
+            </a:extLst>
+          </p:cNvPr>
+          <p:cNvSpPr/>
+          <p:nvPr/>
+        </p:nvSpPr>
+        <p:spPr>
+          <a:xfrm rot="16200000">
+            <a:off x="3420165" y="1399888"/>
+            <a:ext cx="308060" cy="636235"/>
+          </a:xfrm>
+          <a:prstGeom prst="rightBrace">
+            <a:avLst/>
+          </a:prstGeom>
+          <a:ln w="28575"/>
+        </p:spPr>
+        <p:style>
+          <a:lnRef idx="1">
+            <a:schemeClr val="accent1"/>
+          </a:lnRef>
+          <a:fillRef idx="0">
+            <a:schemeClr val="accent1"/>
+          </a:fillRef>
+          <a:effectRef idx="0">
+            <a:schemeClr val="accent1"/>
+          </a:effectRef>
+          <a:fontRef idx="minor">
+            <a:schemeClr val="tx1"/>
+          </a:fontRef>
+        </p:style>
+        <p:txBody>
+          <a:bodyPr rtlCol="0" anchor="ctr"/>
+          <a:lstStyle/>
+          <a:p>
+            <a:pPr algn="ctr"/>
+            <a:endParaRPr lang="pt-BR"/>
+          </a:p>
+        </p:txBody>
+      </p:sp>
+      <p:sp>
+        <p:nvSpPr>
+          <p:cNvPr id="71" name="CaixaDeTexto 70">
+            <a:extLst>
+              <a:ext uri="{FF2B5EF4-FFF2-40B4-BE49-F238E27FC236}">
+                <a16:creationId xmlns:a16="http://schemas.microsoft.com/office/drawing/2014/main" id="{B18431C8-F7E8-A68D-BDA9-5A91AD1DA61D}"/>
+              </a:ext>
+            </a:extLst>
+          </p:cNvPr>
+          <p:cNvSpPr txBox="1"/>
+          <p:nvPr/>
+        </p:nvSpPr>
+        <p:spPr>
+          <a:xfrm>
+            <a:off x="1943715" y="1029334"/>
+            <a:ext cx="3235566" cy="523220"/>
+          </a:xfrm>
+          <a:prstGeom prst="rect">
+            <a:avLst/>
+          </a:prstGeom>
+          <a:noFill/>
+        </p:spPr>
+        <p:txBody>
+          <a:bodyPr wrap="none" rtlCol="0">
+            <a:spAutoFit/>
+          </a:bodyPr>
+          <a:lstStyle/>
+          <a:p>
+            <a:pPr algn="ctr"/>
+            <a:r>
+              <a:rPr lang="pt-BR" sz="1400" dirty="0" err="1"/>
+              <a:t>realizations</a:t>
+            </a:r>
+            <a:r>
+              <a:rPr lang="pt-BR" sz="1400" dirty="0"/>
+              <a:t> define </a:t>
+            </a:r>
+            <a:r>
+              <a:rPr lang="pt-BR" sz="1400" dirty="0" err="1"/>
+              <a:t>small</a:t>
+            </a:r>
+            <a:r>
+              <a:rPr lang="pt-BR" sz="1400" dirty="0"/>
+              <a:t> </a:t>
+            </a:r>
+            <a:r>
+              <a:rPr lang="pt-BR" sz="1400" dirty="0" err="1"/>
+              <a:t>uncertainty</a:t>
+            </a:r>
+            <a:r>
+              <a:rPr lang="pt-BR" sz="1400" dirty="0"/>
+              <a:t> band</a:t>
+            </a:r>
+          </a:p>
+          <a:p>
+            <a:pPr algn="ctr"/>
+            <a:r>
+              <a:rPr lang="pt-BR" sz="1400" dirty="0" err="1"/>
+              <a:t>around</a:t>
+            </a:r>
+            <a:r>
+              <a:rPr lang="pt-BR" sz="1400" dirty="0"/>
+              <a:t> </a:t>
+            </a:r>
+            <a:r>
+              <a:rPr lang="pt-BR" sz="1400" dirty="0" err="1"/>
+              <a:t>the</a:t>
+            </a:r>
+            <a:r>
+              <a:rPr lang="pt-BR" sz="1400" dirty="0"/>
+              <a:t> </a:t>
+            </a:r>
+            <a:r>
+              <a:rPr lang="pt-BR" sz="1400" dirty="0" err="1"/>
+              <a:t>current</a:t>
+            </a:r>
+            <a:r>
+              <a:rPr lang="pt-BR" sz="1400" dirty="0"/>
+              <a:t> model</a:t>
+            </a:r>
+          </a:p>
+        </p:txBody>
+      </p:sp>
+      <p:grpSp>
+        <p:nvGrpSpPr>
+          <p:cNvPr id="73" name="Agrupar 72">
+            <a:extLst>
+              <a:ext uri="{FF2B5EF4-FFF2-40B4-BE49-F238E27FC236}">
+                <a16:creationId xmlns:a16="http://schemas.microsoft.com/office/drawing/2014/main" id="{934FCB1D-8B9B-4AEC-EBAC-9D71A944A16E}"/>
+              </a:ext>
+            </a:extLst>
+          </p:cNvPr>
+          <p:cNvGrpSpPr/>
+          <p:nvPr/>
+        </p:nvGrpSpPr>
+        <p:grpSpPr>
+          <a:xfrm>
+            <a:off x="5309044" y="1891056"/>
+            <a:ext cx="3051625" cy="3184849"/>
+            <a:chOff x="1481362" y="981545"/>
+            <a:chExt cx="1827567" cy="1108190"/>
+          </a:xfrm>
+        </p:grpSpPr>
+        <p:sp>
+          <p:nvSpPr>
+            <p:cNvPr id="74" name="CaixaDeTexto 73">
+              <a:extLst>
+                <a:ext uri="{FF2B5EF4-FFF2-40B4-BE49-F238E27FC236}">
+                  <a16:creationId xmlns:a16="http://schemas.microsoft.com/office/drawing/2014/main" id="{649DA3F5-B9CB-6AEF-DE0C-9A3C8F232A4F}"/>
+                </a:ext>
+              </a:extLst>
+            </p:cNvPr>
+            <p:cNvSpPr txBox="1"/>
+            <p:nvPr/>
+          </p:nvSpPr>
+          <p:spPr>
+            <a:xfrm>
+              <a:off x="1777222" y="1982642"/>
+              <a:ext cx="1146369" cy="107093"/>
+            </a:xfrm>
+            <a:prstGeom prst="rect">
+              <a:avLst/>
+            </a:prstGeom>
+            <a:noFill/>
+          </p:spPr>
+          <p:txBody>
+            <a:bodyPr wrap="none" rtlCol="0">
+              <a:spAutoFit/>
+            </a:bodyPr>
+            <a:lstStyle/>
+            <a:p>
+              <a:r>
+                <a:rPr lang="pt-BR" sz="1400" dirty="0"/>
+                <a:t>model </a:t>
+              </a:r>
+              <a:r>
+                <a:rPr lang="pt-BR" sz="1400" dirty="0" err="1"/>
+                <a:t>parameter</a:t>
+              </a:r>
+              <a:r>
+                <a:rPr lang="pt-BR" sz="1400" dirty="0"/>
+                <a:t> </a:t>
+              </a:r>
+              <a:r>
+                <a:rPr lang="pt-BR" sz="1400" dirty="0" err="1"/>
+                <a:t>space</a:t>
+              </a:r>
+              <a:endParaRPr lang="pt-BR" sz="1400" dirty="0"/>
+            </a:p>
+          </p:txBody>
+        </p:sp>
+        <p:cxnSp>
+          <p:nvCxnSpPr>
+            <p:cNvPr id="75" name="Conector de seta reta 97">
+              <a:extLst>
+                <a:ext uri="{FF2B5EF4-FFF2-40B4-BE49-F238E27FC236}">
+                  <a16:creationId xmlns:a16="http://schemas.microsoft.com/office/drawing/2014/main" id="{1B9932DF-3F21-980F-AC13-22D73300A2BC}"/>
+                </a:ext>
+              </a:extLst>
+            </p:cNvPr>
+            <p:cNvCxnSpPr/>
+            <p:nvPr/>
+          </p:nvCxnSpPr>
+          <p:spPr>
+            <a:xfrm flipV="1">
+              <a:off x="1481362" y="981545"/>
+              <a:ext cx="0" cy="995218"/>
+            </a:xfrm>
+            <a:prstGeom prst="straightConnector1">
+              <a:avLst/>
+            </a:prstGeom>
+            <a:ln>
+              <a:solidFill>
+                <a:schemeClr val="tx1"/>
+              </a:solidFill>
+              <a:tailEnd type="triangle" w="med" len="lg"/>
+            </a:ln>
+          </p:spPr>
+          <p:style>
+            <a:lnRef idx="1">
+              <a:schemeClr val="accent1"/>
+            </a:lnRef>
+            <a:fillRef idx="0">
+              <a:schemeClr val="accent1"/>
+            </a:fillRef>
+            <a:effectRef idx="0">
+              <a:schemeClr val="accent1"/>
+            </a:effectRef>
+            <a:fontRef idx="minor">
+              <a:schemeClr val="tx1"/>
+            </a:fontRef>
+          </p:style>
+        </p:cxnSp>
+        <p:cxnSp>
+          <p:nvCxnSpPr>
+            <p:cNvPr id="76" name="Conector de seta reta 99">
+              <a:extLst>
+                <a:ext uri="{FF2B5EF4-FFF2-40B4-BE49-F238E27FC236}">
+                  <a16:creationId xmlns:a16="http://schemas.microsoft.com/office/drawing/2014/main" id="{A78A3E91-8B7C-8C06-95F0-FE95B0C49B6D}"/>
+                </a:ext>
+              </a:extLst>
+            </p:cNvPr>
+            <p:cNvCxnSpPr/>
+            <p:nvPr/>
+          </p:nvCxnSpPr>
+          <p:spPr>
+            <a:xfrm flipV="1">
+              <a:off x="1481362" y="1976763"/>
+              <a:ext cx="1819270" cy="1"/>
+            </a:xfrm>
+            <a:prstGeom prst="straightConnector1">
+              <a:avLst/>
+            </a:prstGeom>
+            <a:ln>
+              <a:solidFill>
+                <a:schemeClr val="tx1"/>
+              </a:solidFill>
+              <a:tailEnd type="triangle" w="med" len="lg"/>
+            </a:ln>
+          </p:spPr>
+          <p:style>
+            <a:lnRef idx="1">
+              <a:schemeClr val="accent1"/>
+            </a:lnRef>
+            <a:fillRef idx="0">
+              <a:schemeClr val="accent1"/>
+            </a:fillRef>
+            <a:effectRef idx="0">
+              <a:schemeClr val="accent1"/>
+            </a:effectRef>
+            <a:fontRef idx="minor">
+              <a:schemeClr val="tx1"/>
+            </a:fontRef>
+          </p:style>
+        </p:cxnSp>
+        <p:cxnSp>
+          <p:nvCxnSpPr>
+            <p:cNvPr id="77" name="Conector de seta reta 107">
+              <a:extLst>
+                <a:ext uri="{FF2B5EF4-FFF2-40B4-BE49-F238E27FC236}">
+                  <a16:creationId xmlns:a16="http://schemas.microsoft.com/office/drawing/2014/main" id="{80F36FA6-7C94-82B0-D791-9BAC91FEF670}"/>
+                </a:ext>
+              </a:extLst>
+            </p:cNvPr>
+            <p:cNvCxnSpPr/>
+            <p:nvPr/>
+          </p:nvCxnSpPr>
+          <p:spPr>
+            <a:xfrm flipV="1">
+              <a:off x="1489659" y="996824"/>
+              <a:ext cx="1819270" cy="1"/>
+            </a:xfrm>
+            <a:prstGeom prst="straightConnector1">
+              <a:avLst/>
+            </a:prstGeom>
+            <a:ln>
+              <a:solidFill>
+                <a:schemeClr val="tx1"/>
+              </a:solidFill>
+              <a:prstDash val="lgDash"/>
+              <a:tailEnd type="none" w="med" len="lg"/>
+            </a:ln>
+          </p:spPr>
+          <p:style>
+            <a:lnRef idx="1">
+              <a:schemeClr val="accent1"/>
+            </a:lnRef>
+            <a:fillRef idx="0">
+              <a:schemeClr val="accent1"/>
+            </a:fillRef>
+            <a:effectRef idx="0">
+              <a:schemeClr val="accent1"/>
+            </a:effectRef>
+            <a:fontRef idx="minor">
+              <a:schemeClr val="tx1"/>
+            </a:fontRef>
+          </p:style>
+        </p:cxnSp>
+        <p:cxnSp>
+          <p:nvCxnSpPr>
+            <p:cNvPr id="78" name="Conector de seta reta 108">
+              <a:extLst>
+                <a:ext uri="{FF2B5EF4-FFF2-40B4-BE49-F238E27FC236}">
+                  <a16:creationId xmlns:a16="http://schemas.microsoft.com/office/drawing/2014/main" id="{8FE26AEB-7944-C8F6-97B1-199443815923}"/>
+                </a:ext>
+              </a:extLst>
+            </p:cNvPr>
+            <p:cNvCxnSpPr/>
+            <p:nvPr/>
+          </p:nvCxnSpPr>
+          <p:spPr>
+            <a:xfrm flipV="1">
+              <a:off x="3282160" y="987424"/>
+              <a:ext cx="0" cy="995218"/>
+            </a:xfrm>
+            <a:prstGeom prst="straightConnector1">
+              <a:avLst/>
+            </a:prstGeom>
+            <a:ln>
+              <a:solidFill>
+                <a:schemeClr val="tx1"/>
+              </a:solidFill>
+              <a:prstDash val="lgDash"/>
+              <a:tailEnd type="none" w="med" len="lg"/>
+            </a:ln>
+          </p:spPr>
+          <p:style>
+            <a:lnRef idx="1">
+              <a:schemeClr val="accent1"/>
+            </a:lnRef>
+            <a:fillRef idx="0">
+              <a:schemeClr val="accent1"/>
+            </a:fillRef>
+            <a:effectRef idx="0">
+              <a:schemeClr val="accent1"/>
+            </a:effectRef>
+            <a:fontRef idx="minor">
+              <a:schemeClr val="tx1"/>
+            </a:fontRef>
+          </p:style>
+        </p:cxnSp>
+      </p:grpSp>
+      <p:sp>
+        <p:nvSpPr>
+          <p:cNvPr id="84" name="Elipse 83">
+            <a:extLst>
+              <a:ext uri="{FF2B5EF4-FFF2-40B4-BE49-F238E27FC236}">
+                <a16:creationId xmlns:a16="http://schemas.microsoft.com/office/drawing/2014/main" id="{2D20B6D2-236B-910C-9B30-E64F76506ED3}"/>
+              </a:ext>
+            </a:extLst>
+          </p:cNvPr>
+          <p:cNvSpPr/>
+          <p:nvPr/>
+        </p:nvSpPr>
+        <p:spPr>
+          <a:xfrm rot="10800000">
+            <a:off x="6723078" y="1852954"/>
+            <a:ext cx="190701" cy="190701"/>
+          </a:xfrm>
+          <a:prstGeom prst="ellipse">
+            <a:avLst/>
+          </a:prstGeom>
+        </p:spPr>
+        <p:style>
+          <a:lnRef idx="2">
+            <a:schemeClr val="accent1">
+              <a:shade val="50000"/>
+            </a:schemeClr>
+          </a:lnRef>
+          <a:fillRef idx="1">
+            <a:schemeClr val="accent1"/>
+          </a:fillRef>
+          <a:effectRef idx="0">
+            <a:schemeClr val="accent1"/>
+          </a:effectRef>
+          <a:fontRef idx="minor">
+            <a:schemeClr val="lt1"/>
+          </a:fontRef>
+        </p:style>
+        <p:txBody>
+          <a:bodyPr rtlCol="0" anchor="ctr"/>
+          <a:lstStyle/>
+          <a:p>
+            <a:pPr algn="ctr"/>
+            <a:endParaRPr lang="pt-BR"/>
+          </a:p>
+        </p:txBody>
+      </p:sp>
+      <p:sp>
+        <p:nvSpPr>
+          <p:cNvPr id="87" name="Elipse 86">
+            <a:extLst>
+              <a:ext uri="{FF2B5EF4-FFF2-40B4-BE49-F238E27FC236}">
+                <a16:creationId xmlns:a16="http://schemas.microsoft.com/office/drawing/2014/main" id="{65B4EBD4-DDF5-B7E3-5B39-7A5B174F4ED5}"/>
+              </a:ext>
+            </a:extLst>
+          </p:cNvPr>
+          <p:cNvSpPr/>
+          <p:nvPr/>
+        </p:nvSpPr>
+        <p:spPr>
+          <a:xfrm rot="10800000">
+            <a:off x="6532377" y="2135324"/>
+            <a:ext cx="190701" cy="190701"/>
+          </a:xfrm>
+          <a:prstGeom prst="ellipse">
+            <a:avLst/>
+          </a:prstGeom>
+        </p:spPr>
+        <p:style>
+          <a:lnRef idx="2">
+            <a:schemeClr val="accent1">
+              <a:shade val="50000"/>
+            </a:schemeClr>
+          </a:lnRef>
+          <a:fillRef idx="1">
+            <a:schemeClr val="accent1"/>
+          </a:fillRef>
+          <a:effectRef idx="0">
+            <a:schemeClr val="accent1"/>
+          </a:effectRef>
+          <a:fontRef idx="minor">
+            <a:schemeClr val="lt1"/>
+          </a:fontRef>
+        </p:style>
+        <p:txBody>
+          <a:bodyPr rtlCol="0" anchor="ctr"/>
+          <a:lstStyle/>
+          <a:p>
+            <a:pPr algn="ctr"/>
+            <a:endParaRPr lang="pt-BR"/>
+          </a:p>
+        </p:txBody>
+      </p:sp>
+      <p:sp>
+        <p:nvSpPr>
+          <p:cNvPr id="89" name="Elipse 88">
+            <a:extLst>
+              <a:ext uri="{FF2B5EF4-FFF2-40B4-BE49-F238E27FC236}">
+                <a16:creationId xmlns:a16="http://schemas.microsoft.com/office/drawing/2014/main" id="{CB79B08A-6AB8-CF12-CBFD-E1412927DC11}"/>
+              </a:ext>
+            </a:extLst>
+          </p:cNvPr>
+          <p:cNvSpPr/>
+          <p:nvPr/>
+        </p:nvSpPr>
+        <p:spPr>
+          <a:xfrm rot="10800000">
+            <a:off x="7045259" y="2453589"/>
+            <a:ext cx="190701" cy="190701"/>
+          </a:xfrm>
+          <a:prstGeom prst="ellipse">
+            <a:avLst/>
+          </a:prstGeom>
+        </p:spPr>
+        <p:style>
+          <a:lnRef idx="2">
+            <a:schemeClr val="accent1">
+              <a:shade val="50000"/>
+            </a:schemeClr>
+          </a:lnRef>
+          <a:fillRef idx="1">
+            <a:schemeClr val="accent1"/>
+          </a:fillRef>
+          <a:effectRef idx="0">
+            <a:schemeClr val="accent1"/>
+          </a:effectRef>
+          <a:fontRef idx="minor">
+            <a:schemeClr val="lt1"/>
+          </a:fontRef>
+        </p:style>
+        <p:txBody>
+          <a:bodyPr rtlCol="0" anchor="ctr"/>
+          <a:lstStyle/>
+          <a:p>
+            <a:pPr algn="ctr"/>
+            <a:endParaRPr lang="pt-BR"/>
+          </a:p>
+        </p:txBody>
+      </p:sp>
+      <p:sp>
+        <p:nvSpPr>
+          <p:cNvPr id="94" name="Elipse 93">
+            <a:extLst>
+              <a:ext uri="{FF2B5EF4-FFF2-40B4-BE49-F238E27FC236}">
+                <a16:creationId xmlns:a16="http://schemas.microsoft.com/office/drawing/2014/main" id="{7E5A9559-1C56-21F6-1A4D-4A6B13A06DB8}"/>
+              </a:ext>
+            </a:extLst>
+          </p:cNvPr>
+          <p:cNvSpPr/>
+          <p:nvPr/>
+        </p:nvSpPr>
+        <p:spPr>
+          <a:xfrm rot="10800000">
+            <a:off x="6869138" y="2752975"/>
+            <a:ext cx="190701" cy="190701"/>
+          </a:xfrm>
+          <a:prstGeom prst="ellipse">
+            <a:avLst/>
+          </a:prstGeom>
+        </p:spPr>
+        <p:style>
+          <a:lnRef idx="2">
+            <a:schemeClr val="accent1">
+              <a:shade val="50000"/>
+            </a:schemeClr>
+          </a:lnRef>
+          <a:fillRef idx="1">
+            <a:schemeClr val="accent1"/>
+          </a:fillRef>
+          <a:effectRef idx="0">
+            <a:schemeClr val="accent1"/>
+          </a:effectRef>
+          <a:fontRef idx="minor">
+            <a:schemeClr val="lt1"/>
+          </a:fontRef>
+        </p:style>
+        <p:txBody>
+          <a:bodyPr rtlCol="0" anchor="ctr"/>
+          <a:lstStyle/>
+          <a:p>
+            <a:pPr algn="ctr"/>
+            <a:endParaRPr lang="pt-BR"/>
+          </a:p>
+        </p:txBody>
+      </p:sp>
+      <p:sp>
+        <p:nvSpPr>
+          <p:cNvPr id="95" name="Elipse 94">
+            <a:extLst>
+              <a:ext uri="{FF2B5EF4-FFF2-40B4-BE49-F238E27FC236}">
+                <a16:creationId xmlns:a16="http://schemas.microsoft.com/office/drawing/2014/main" id="{539D2F29-2705-36F6-2CFF-48C0131CC5D8}"/>
+              </a:ext>
+            </a:extLst>
+          </p:cNvPr>
+          <p:cNvSpPr/>
+          <p:nvPr/>
+        </p:nvSpPr>
+        <p:spPr>
+          <a:xfrm rot="10800000">
+            <a:off x="7373339" y="3045260"/>
+            <a:ext cx="190701" cy="190701"/>
+          </a:xfrm>
+          <a:prstGeom prst="ellipse">
+            <a:avLst/>
+          </a:prstGeom>
+        </p:spPr>
+        <p:style>
+          <a:lnRef idx="2">
+            <a:schemeClr val="accent1">
+              <a:shade val="50000"/>
+            </a:schemeClr>
+          </a:lnRef>
+          <a:fillRef idx="1">
+            <a:schemeClr val="accent1"/>
+          </a:fillRef>
+          <a:effectRef idx="0">
+            <a:schemeClr val="accent1"/>
+          </a:effectRef>
+          <a:fontRef idx="minor">
+            <a:schemeClr val="lt1"/>
+          </a:fontRef>
+        </p:style>
+        <p:txBody>
+          <a:bodyPr rtlCol="0" anchor="ctr"/>
+          <a:lstStyle/>
+          <a:p>
+            <a:pPr algn="ctr"/>
+            <a:endParaRPr lang="pt-BR"/>
+          </a:p>
+        </p:txBody>
+      </p:sp>
+      <p:sp>
+        <p:nvSpPr>
+          <p:cNvPr id="96" name="Elipse 95">
+            <a:extLst>
+              <a:ext uri="{FF2B5EF4-FFF2-40B4-BE49-F238E27FC236}">
+                <a16:creationId xmlns:a16="http://schemas.microsoft.com/office/drawing/2014/main" id="{47F3EE8E-DAF5-C1B6-A0D7-90F63F5A7C1B}"/>
+              </a:ext>
+            </a:extLst>
+          </p:cNvPr>
+          <p:cNvSpPr/>
+          <p:nvPr/>
+        </p:nvSpPr>
+        <p:spPr>
+          <a:xfrm rot="10800000">
+            <a:off x="7619275" y="3444126"/>
+            <a:ext cx="190701" cy="190701"/>
+          </a:xfrm>
+          <a:prstGeom prst="ellipse">
+            <a:avLst/>
+          </a:prstGeom>
+        </p:spPr>
+        <p:style>
+          <a:lnRef idx="2">
+            <a:schemeClr val="accent1">
+              <a:shade val="50000"/>
+            </a:schemeClr>
+          </a:lnRef>
+          <a:fillRef idx="1">
+            <a:schemeClr val="accent1"/>
+          </a:fillRef>
+          <a:effectRef idx="0">
+            <a:schemeClr val="accent1"/>
+          </a:effectRef>
+          <a:fontRef idx="minor">
+            <a:schemeClr val="lt1"/>
+          </a:fontRef>
+        </p:style>
+        <p:txBody>
+          <a:bodyPr rtlCol="0" anchor="ctr"/>
+          <a:lstStyle/>
+          <a:p>
+            <a:pPr algn="ctr"/>
+            <a:endParaRPr lang="pt-BR"/>
+          </a:p>
+        </p:txBody>
+      </p:sp>
+      <p:sp>
+        <p:nvSpPr>
+          <p:cNvPr id="99" name="Elipse 98">
+            <a:extLst>
+              <a:ext uri="{FF2B5EF4-FFF2-40B4-BE49-F238E27FC236}">
+                <a16:creationId xmlns:a16="http://schemas.microsoft.com/office/drawing/2014/main" id="{EAE91ADB-155B-2775-9ECF-8206E4851A34}"/>
+              </a:ext>
+            </a:extLst>
+          </p:cNvPr>
+          <p:cNvSpPr/>
+          <p:nvPr/>
+        </p:nvSpPr>
+        <p:spPr>
+          <a:xfrm rot="10800000">
+            <a:off x="7351612" y="3982886"/>
+            <a:ext cx="190701" cy="190701"/>
+          </a:xfrm>
+          <a:prstGeom prst="ellipse">
+            <a:avLst/>
+          </a:prstGeom>
+        </p:spPr>
+        <p:style>
+          <a:lnRef idx="2">
+            <a:schemeClr val="accent1">
+              <a:shade val="50000"/>
+            </a:schemeClr>
+          </a:lnRef>
+          <a:fillRef idx="1">
+            <a:schemeClr val="accent1"/>
+          </a:fillRef>
+          <a:effectRef idx="0">
+            <a:schemeClr val="accent1"/>
+          </a:effectRef>
+          <a:fontRef idx="minor">
+            <a:schemeClr val="lt1"/>
+          </a:fontRef>
+        </p:style>
+        <p:txBody>
+          <a:bodyPr rtlCol="0" anchor="ctr"/>
+          <a:lstStyle/>
+          <a:p>
+            <a:pPr algn="ctr"/>
+            <a:endParaRPr lang="pt-BR"/>
+          </a:p>
+        </p:txBody>
+      </p:sp>
+      <p:sp>
+        <p:nvSpPr>
+          <p:cNvPr id="101" name="Elipse 100">
+            <a:extLst>
+              <a:ext uri="{FF2B5EF4-FFF2-40B4-BE49-F238E27FC236}">
+                <a16:creationId xmlns:a16="http://schemas.microsoft.com/office/drawing/2014/main" id="{516DA28B-1C2C-1BF0-4D10-92F9972DDCEB}"/>
+              </a:ext>
+            </a:extLst>
+          </p:cNvPr>
+          <p:cNvSpPr/>
+          <p:nvPr/>
+        </p:nvSpPr>
+        <p:spPr>
+          <a:xfrm rot="10800000">
+            <a:off x="6723078" y="4240919"/>
+            <a:ext cx="190701" cy="190701"/>
+          </a:xfrm>
+          <a:prstGeom prst="ellipse">
+            <a:avLst/>
+          </a:prstGeom>
+        </p:spPr>
+        <p:style>
+          <a:lnRef idx="2">
+            <a:schemeClr val="accent1">
+              <a:shade val="50000"/>
+            </a:schemeClr>
+          </a:lnRef>
+          <a:fillRef idx="1">
+            <a:schemeClr val="accent1"/>
+          </a:fillRef>
+          <a:effectRef idx="0">
+            <a:schemeClr val="accent1"/>
+          </a:effectRef>
+          <a:fontRef idx="minor">
+            <a:schemeClr val="lt1"/>
+          </a:fontRef>
+        </p:style>
+        <p:txBody>
+          <a:bodyPr rtlCol="0" anchor="ctr"/>
+          <a:lstStyle/>
+          <a:p>
+            <a:pPr algn="ctr"/>
+            <a:endParaRPr lang="pt-BR"/>
+          </a:p>
+        </p:txBody>
+      </p:sp>
+      <p:sp>
+        <p:nvSpPr>
+          <p:cNvPr id="102" name="Elipse 101">
+            <a:extLst>
+              <a:ext uri="{FF2B5EF4-FFF2-40B4-BE49-F238E27FC236}">
+                <a16:creationId xmlns:a16="http://schemas.microsoft.com/office/drawing/2014/main" id="{66F25A08-4AEE-8326-6D2F-462554E54F7F}"/>
+              </a:ext>
+            </a:extLst>
+          </p:cNvPr>
+          <p:cNvSpPr/>
+          <p:nvPr/>
+        </p:nvSpPr>
+        <p:spPr>
+          <a:xfrm rot="10800000">
+            <a:off x="5983173" y="4425849"/>
+            <a:ext cx="190701" cy="190701"/>
+          </a:xfrm>
+          <a:prstGeom prst="ellipse">
+            <a:avLst/>
+          </a:prstGeom>
+        </p:spPr>
+        <p:style>
+          <a:lnRef idx="2">
+            <a:schemeClr val="accent1">
+              <a:shade val="50000"/>
+            </a:schemeClr>
+          </a:lnRef>
+          <a:fillRef idx="1">
+            <a:schemeClr val="accent1"/>
+          </a:fillRef>
+          <a:effectRef idx="0">
+            <a:schemeClr val="accent1"/>
+          </a:effectRef>
+          <a:fontRef idx="minor">
+            <a:schemeClr val="lt1"/>
+          </a:fontRef>
+        </p:style>
+        <p:txBody>
+          <a:bodyPr rtlCol="0" anchor="ctr"/>
+          <a:lstStyle/>
+          <a:p>
+            <a:pPr algn="ctr"/>
+            <a:endParaRPr lang="pt-BR"/>
+          </a:p>
+        </p:txBody>
+      </p:sp>
+      <p:sp>
+        <p:nvSpPr>
+          <p:cNvPr id="104" name="Elipse 103">
+            <a:extLst>
+              <a:ext uri="{FF2B5EF4-FFF2-40B4-BE49-F238E27FC236}">
+                <a16:creationId xmlns:a16="http://schemas.microsoft.com/office/drawing/2014/main" id="{9CC2B00F-0019-1B79-8BF7-01677739FA1B}"/>
+              </a:ext>
+            </a:extLst>
+          </p:cNvPr>
+          <p:cNvSpPr/>
+          <p:nvPr/>
+        </p:nvSpPr>
+        <p:spPr>
+          <a:xfrm rot="10800000">
+            <a:off x="6298806" y="4647795"/>
+            <a:ext cx="190701" cy="190701"/>
+          </a:xfrm>
+          <a:prstGeom prst="ellipse">
+            <a:avLst/>
+          </a:prstGeom>
+        </p:spPr>
+        <p:style>
+          <a:lnRef idx="2">
+            <a:schemeClr val="accent1">
+              <a:shade val="50000"/>
+            </a:schemeClr>
+          </a:lnRef>
+          <a:fillRef idx="1">
+            <a:schemeClr val="accent1"/>
+          </a:fillRef>
+          <a:effectRef idx="0">
+            <a:schemeClr val="accent1"/>
+          </a:effectRef>
+          <a:fontRef idx="minor">
+            <a:schemeClr val="lt1"/>
+          </a:fontRef>
+        </p:style>
+        <p:txBody>
+          <a:bodyPr rtlCol="0" anchor="ctr"/>
+          <a:lstStyle/>
+          <a:p>
+            <a:pPr algn="ctr"/>
+            <a:endParaRPr lang="pt-BR"/>
+          </a:p>
+        </p:txBody>
+      </p:sp>
+      <p:sp>
+        <p:nvSpPr>
+          <p:cNvPr id="107" name="Chave Direita 106">
+            <a:extLst>
+              <a:ext uri="{FF2B5EF4-FFF2-40B4-BE49-F238E27FC236}">
+                <a16:creationId xmlns:a16="http://schemas.microsoft.com/office/drawing/2014/main" id="{3E1D02A9-BB5C-9A62-9C52-6C853BF9F65A}"/>
+              </a:ext>
+            </a:extLst>
+          </p:cNvPr>
+          <p:cNvSpPr/>
+          <p:nvPr/>
+        </p:nvSpPr>
+        <p:spPr>
+          <a:xfrm rot="16200000">
+            <a:off x="6573612" y="1458068"/>
+            <a:ext cx="308060" cy="519876"/>
+          </a:xfrm>
+          <a:prstGeom prst="rightBrace">
+            <a:avLst/>
+          </a:prstGeom>
+          <a:ln w="28575"/>
+        </p:spPr>
+        <p:style>
+          <a:lnRef idx="1">
+            <a:schemeClr val="accent1"/>
+          </a:lnRef>
+          <a:fillRef idx="0">
+            <a:schemeClr val="accent1"/>
+          </a:fillRef>
+          <a:effectRef idx="0">
+            <a:schemeClr val="accent1"/>
+          </a:effectRef>
+          <a:fontRef idx="minor">
+            <a:schemeClr val="tx1"/>
+          </a:fontRef>
+        </p:style>
+        <p:txBody>
+          <a:bodyPr rtlCol="0" anchor="ctr"/>
+          <a:lstStyle/>
+          <a:p>
+            <a:pPr algn="ctr"/>
+            <a:endParaRPr lang="pt-BR"/>
+          </a:p>
+        </p:txBody>
+      </p:sp>
+      <p:sp>
+        <p:nvSpPr>
+          <p:cNvPr id="110" name="CaixaDeTexto 109">
+            <a:extLst>
+              <a:ext uri="{FF2B5EF4-FFF2-40B4-BE49-F238E27FC236}">
+                <a16:creationId xmlns:a16="http://schemas.microsoft.com/office/drawing/2014/main" id="{6F74ADED-4DBC-64D7-0E6B-0B655111CE36}"/>
+              </a:ext>
+            </a:extLst>
+          </p:cNvPr>
+          <p:cNvSpPr txBox="1"/>
+          <p:nvPr/>
+        </p:nvSpPr>
+        <p:spPr>
+          <a:xfrm>
+            <a:off x="5225318" y="1019174"/>
+            <a:ext cx="3136243" cy="523220"/>
+          </a:xfrm>
+          <a:prstGeom prst="rect">
+            <a:avLst/>
+          </a:prstGeom>
+          <a:noFill/>
+        </p:spPr>
+        <p:txBody>
+          <a:bodyPr wrap="none" rtlCol="0">
+            <a:spAutoFit/>
+          </a:bodyPr>
+          <a:lstStyle/>
+          <a:p>
+            <a:pPr algn="ctr"/>
+            <a:r>
+              <a:rPr lang="pt-BR" sz="1400" dirty="0" err="1"/>
+              <a:t>realizations</a:t>
+            </a:r>
+            <a:r>
+              <a:rPr lang="pt-BR" sz="1400" dirty="0"/>
+              <a:t> </a:t>
+            </a:r>
+            <a:r>
+              <a:rPr lang="pt-BR" sz="1400" dirty="0" err="1"/>
+              <a:t>reflect</a:t>
+            </a:r>
+            <a:r>
+              <a:rPr lang="pt-BR" sz="1400" dirty="0"/>
+              <a:t> </a:t>
+            </a:r>
+            <a:r>
+              <a:rPr lang="pt-BR" sz="1400" dirty="0" err="1"/>
+              <a:t>uncertainty</a:t>
+            </a:r>
+            <a:r>
+              <a:rPr lang="pt-BR" sz="1400" dirty="0"/>
+              <a:t> of model</a:t>
+            </a:r>
+          </a:p>
+          <a:p>
+            <a:pPr algn="ctr"/>
+            <a:r>
+              <a:rPr lang="pt-BR" sz="1400" dirty="0" err="1"/>
+              <a:t>decreasing</a:t>
+            </a:r>
+            <a:r>
+              <a:rPr lang="pt-BR" sz="1400" dirty="0"/>
+              <a:t> as more data </a:t>
+            </a:r>
+            <a:r>
+              <a:rPr lang="pt-BR" sz="1400" dirty="0" err="1"/>
+              <a:t>arrive</a:t>
+            </a:r>
+            <a:endParaRPr lang="pt-BR" sz="1400" dirty="0"/>
+          </a:p>
+        </p:txBody>
+      </p:sp>
+      <p:sp>
+        <p:nvSpPr>
+          <p:cNvPr id="113" name="Forma Livre: Forma 112">
+            <a:extLst>
+              <a:ext uri="{FF2B5EF4-FFF2-40B4-BE49-F238E27FC236}">
+                <a16:creationId xmlns:a16="http://schemas.microsoft.com/office/drawing/2014/main" id="{66BE3B02-2D73-CA25-F528-0CA703C099E4}"/>
+              </a:ext>
+            </a:extLst>
+          </p:cNvPr>
+          <p:cNvSpPr/>
+          <p:nvPr/>
+        </p:nvSpPr>
+        <p:spPr>
+          <a:xfrm>
+            <a:off x="5569524" y="1921707"/>
+            <a:ext cx="880171" cy="2826327"/>
+          </a:xfrm>
+          <a:custGeom>
+            <a:avLst/>
+            <a:gdLst>
+              <a:gd name="connsiteX0" fmla="*/ 0 w 880171"/>
+              <a:gd name="connsiteY0" fmla="*/ 2826327 h 2826327"/>
+              <a:gd name="connsiteX1" fmla="*/ 136915 w 880171"/>
+              <a:gd name="connsiteY1" fmla="*/ 2660073 h 2826327"/>
+              <a:gd name="connsiteX2" fmla="*/ 327619 w 880171"/>
+              <a:gd name="connsiteY2" fmla="*/ 2347123 h 2826327"/>
+              <a:gd name="connsiteX3" fmla="*/ 508543 w 880171"/>
+              <a:gd name="connsiteY3" fmla="*/ 1907037 h 2826327"/>
+              <a:gd name="connsiteX4" fmla="*/ 674798 w 880171"/>
+              <a:gd name="connsiteY4" fmla="*/ 1437613 h 2826327"/>
+              <a:gd name="connsiteX5" fmla="*/ 777484 w 880171"/>
+              <a:gd name="connsiteY5" fmla="*/ 889951 h 2826327"/>
+              <a:gd name="connsiteX6" fmla="*/ 816603 w 880171"/>
+              <a:gd name="connsiteY6" fmla="*/ 542772 h 2826327"/>
+              <a:gd name="connsiteX7" fmla="*/ 850832 w 880171"/>
+              <a:gd name="connsiteY7" fmla="*/ 288500 h 2826327"/>
+              <a:gd name="connsiteX8" fmla="*/ 880171 w 880171"/>
+              <a:gd name="connsiteY8" fmla="*/ 0 h 2826327"/>
+              <a:gd name="connsiteX9" fmla="*/ 875281 w 880171"/>
+              <a:gd name="connsiteY9" fmla="*/ 9780 h 2826327"/>
+            </a:gdLst>
+            <a:ahLst/>
+            <a:cxnLst>
+              <a:cxn ang="0">
+                <a:pos x="connsiteX0" y="connsiteY0"/>
+              </a:cxn>
+              <a:cxn ang="0">
+                <a:pos x="connsiteX1" y="connsiteY1"/>
+              </a:cxn>
+              <a:cxn ang="0">
+                <a:pos x="connsiteX2" y="connsiteY2"/>
+              </a:cxn>
+              <a:cxn ang="0">
+                <a:pos x="connsiteX3" y="connsiteY3"/>
+              </a:cxn>
+              <a:cxn ang="0">
+                <a:pos x="connsiteX4" y="connsiteY4"/>
+              </a:cxn>
+              <a:cxn ang="0">
+                <a:pos x="connsiteX5" y="connsiteY5"/>
+              </a:cxn>
+              <a:cxn ang="0">
+                <a:pos x="connsiteX6" y="connsiteY6"/>
+              </a:cxn>
+              <a:cxn ang="0">
+                <a:pos x="connsiteX7" y="connsiteY7"/>
+              </a:cxn>
+              <a:cxn ang="0">
+                <a:pos x="connsiteX8" y="connsiteY8"/>
+              </a:cxn>
+              <a:cxn ang="0">
+                <a:pos x="connsiteX9" y="connsiteY9"/>
+              </a:cxn>
+            </a:cxnLst>
+            <a:rect l="l" t="t" r="r" b="b"/>
+            <a:pathLst>
+              <a:path w="880171" h="2826327">
+                <a:moveTo>
+                  <a:pt x="0" y="2826327"/>
+                </a:moveTo>
+                <a:lnTo>
+                  <a:pt x="136915" y="2660073"/>
+                </a:lnTo>
+                <a:lnTo>
+                  <a:pt x="327619" y="2347123"/>
+                </a:lnTo>
+                <a:lnTo>
+                  <a:pt x="508543" y="1907037"/>
+                </a:lnTo>
+                <a:lnTo>
+                  <a:pt x="674798" y="1437613"/>
+                </a:lnTo>
+                <a:lnTo>
+                  <a:pt x="777484" y="889951"/>
+                </a:lnTo>
+                <a:lnTo>
+                  <a:pt x="816603" y="542772"/>
+                </a:lnTo>
+                <a:lnTo>
+                  <a:pt x="850832" y="288500"/>
+                </a:lnTo>
+                <a:lnTo>
+                  <a:pt x="880171" y="0"/>
+                </a:lnTo>
+                <a:lnTo>
+                  <a:pt x="875281" y="9780"/>
+                </a:lnTo>
+              </a:path>
+            </a:pathLst>
+          </a:custGeom>
+          <a:noFill/>
+        </p:spPr>
+        <p:style>
+          <a:lnRef idx="2">
+            <a:schemeClr val="accent1">
+              <a:shade val="50000"/>
+            </a:schemeClr>
+          </a:lnRef>
+          <a:fillRef idx="1">
+            <a:schemeClr val="accent1"/>
+          </a:fillRef>
+          <a:effectRef idx="0">
+            <a:schemeClr val="accent1"/>
+          </a:effectRef>
+          <a:fontRef idx="minor">
+            <a:schemeClr val="lt1"/>
+          </a:fontRef>
+        </p:style>
+        <p:txBody>
+          <a:bodyPr rtlCol="0" anchor="ctr"/>
+          <a:lstStyle/>
+          <a:p>
+            <a:pPr algn="ctr"/>
+            <a:endParaRPr lang="pt-BR"/>
+          </a:p>
+        </p:txBody>
+      </p:sp>
+      <p:sp>
+        <p:nvSpPr>
+          <p:cNvPr id="115" name="Forma Livre: Forma 114">
+            <a:extLst>
+              <a:ext uri="{FF2B5EF4-FFF2-40B4-BE49-F238E27FC236}">
+                <a16:creationId xmlns:a16="http://schemas.microsoft.com/office/drawing/2014/main" id="{98235B3F-97C3-7B66-5C99-9A72429A87FF}"/>
+              </a:ext>
+            </a:extLst>
+          </p:cNvPr>
+          <p:cNvSpPr/>
+          <p:nvPr/>
+        </p:nvSpPr>
+        <p:spPr>
+          <a:xfrm>
+            <a:off x="6987577" y="1911927"/>
+            <a:ext cx="1168672" cy="2840997"/>
+          </a:xfrm>
+          <a:custGeom>
+            <a:avLst/>
+            <a:gdLst>
+              <a:gd name="connsiteX0" fmla="*/ 1168672 w 1168672"/>
+              <a:gd name="connsiteY0" fmla="*/ 2840997 h 2840997"/>
+              <a:gd name="connsiteX1" fmla="*/ 1095324 w 1168672"/>
+              <a:gd name="connsiteY1" fmla="*/ 2327564 h 2840997"/>
+              <a:gd name="connsiteX2" fmla="*/ 992638 w 1168672"/>
+              <a:gd name="connsiteY2" fmla="*/ 1863029 h 2840997"/>
+              <a:gd name="connsiteX3" fmla="*/ 797044 w 1168672"/>
+              <a:gd name="connsiteY3" fmla="*/ 1286028 h 2840997"/>
+              <a:gd name="connsiteX4" fmla="*/ 488984 w 1168672"/>
+              <a:gd name="connsiteY4" fmla="*/ 718807 h 2840997"/>
+              <a:gd name="connsiteX5" fmla="*/ 176034 w 1168672"/>
+              <a:gd name="connsiteY5" fmla="*/ 244492 h 2840997"/>
+              <a:gd name="connsiteX6" fmla="*/ 0 w 1168672"/>
+              <a:gd name="connsiteY6" fmla="*/ 0 h 2840997"/>
+            </a:gdLst>
+            <a:ahLst/>
+            <a:cxnLst>
+              <a:cxn ang="0">
+                <a:pos x="connsiteX0" y="connsiteY0"/>
+              </a:cxn>
+              <a:cxn ang="0">
+                <a:pos x="connsiteX1" y="connsiteY1"/>
+              </a:cxn>
+              <a:cxn ang="0">
+                <a:pos x="connsiteX2" y="connsiteY2"/>
+              </a:cxn>
+              <a:cxn ang="0">
+                <a:pos x="connsiteX3" y="connsiteY3"/>
+              </a:cxn>
+              <a:cxn ang="0">
+                <a:pos x="connsiteX4" y="connsiteY4"/>
+              </a:cxn>
+              <a:cxn ang="0">
+                <a:pos x="connsiteX5" y="connsiteY5"/>
+              </a:cxn>
+              <a:cxn ang="0">
+                <a:pos x="connsiteX6" y="connsiteY6"/>
+              </a:cxn>
+            </a:cxnLst>
+            <a:rect l="l" t="t" r="r" b="b"/>
+            <a:pathLst>
+              <a:path w="1168672" h="2840997">
+                <a:moveTo>
+                  <a:pt x="1168672" y="2840997"/>
+                </a:moveTo>
+                <a:lnTo>
+                  <a:pt x="1095324" y="2327564"/>
+                </a:lnTo>
+                <a:lnTo>
+                  <a:pt x="992638" y="1863029"/>
+                </a:lnTo>
+                <a:lnTo>
+                  <a:pt x="797044" y="1286028"/>
+                </a:lnTo>
+                <a:lnTo>
+                  <a:pt x="488984" y="718807"/>
+                </a:lnTo>
+                <a:lnTo>
+                  <a:pt x="176034" y="244492"/>
+                </a:lnTo>
+                <a:lnTo>
+                  <a:pt x="0" y="0"/>
+                </a:lnTo>
+              </a:path>
+            </a:pathLst>
+          </a:custGeom>
+          <a:noFill/>
+        </p:spPr>
+        <p:style>
+          <a:lnRef idx="2">
+            <a:schemeClr val="accent1">
+              <a:shade val="50000"/>
+            </a:schemeClr>
+          </a:lnRef>
+          <a:fillRef idx="1">
+            <a:schemeClr val="accent1"/>
+          </a:fillRef>
+          <a:effectRef idx="0">
+            <a:schemeClr val="accent1"/>
+          </a:effectRef>
+          <a:fontRef idx="minor">
+            <a:schemeClr val="lt1"/>
+          </a:fontRef>
+        </p:style>
+        <p:txBody>
+          <a:bodyPr rtlCol="0" anchor="ctr"/>
+          <a:lstStyle/>
+          <a:p>
+            <a:pPr algn="ctr"/>
+            <a:endParaRPr lang="pt-BR"/>
+          </a:p>
+        </p:txBody>
+      </p:sp>
+      <p:sp>
+        <p:nvSpPr>
+          <p:cNvPr id="122" name="CaixaDeTexto 121">
+            <a:extLst>
+              <a:ext uri="{FF2B5EF4-FFF2-40B4-BE49-F238E27FC236}">
+                <a16:creationId xmlns:a16="http://schemas.microsoft.com/office/drawing/2014/main" id="{6D5378FA-1A3F-364C-8B5D-1081FEE88A68}"/>
+              </a:ext>
+            </a:extLst>
+          </p:cNvPr>
+          <p:cNvSpPr txBox="1"/>
+          <p:nvPr/>
+        </p:nvSpPr>
+        <p:spPr>
+          <a:xfrm>
+            <a:off x="2506819" y="324451"/>
+            <a:ext cx="1946495" cy="584775"/>
+          </a:xfrm>
+          <a:prstGeom prst="rect">
+            <a:avLst/>
+          </a:prstGeom>
+          <a:noFill/>
+        </p:spPr>
+        <p:txBody>
+          <a:bodyPr wrap="none" rtlCol="0">
+            <a:spAutoFit/>
+          </a:bodyPr>
+          <a:lstStyle/>
+          <a:p>
+            <a:pPr algn="ctr"/>
+            <a:r>
+              <a:rPr lang="pt-BR" sz="1600" b="1" dirty="0" err="1"/>
+              <a:t>Traditional</a:t>
+            </a:r>
+            <a:r>
+              <a:rPr lang="pt-BR" sz="1600" b="1" dirty="0"/>
+              <a:t> approach</a:t>
+            </a:r>
+          </a:p>
+          <a:p>
+            <a:pPr algn="ctr"/>
+            <a:r>
+              <a:rPr lang="pt-BR" sz="1600" b="1" dirty="0"/>
+              <a:t>“</a:t>
+            </a:r>
+            <a:r>
+              <a:rPr lang="pt-BR" sz="1600" b="1" dirty="0" err="1"/>
+              <a:t>chasing</a:t>
+            </a:r>
+            <a:r>
+              <a:rPr lang="pt-BR" sz="1600" b="1" dirty="0"/>
+              <a:t> </a:t>
+            </a:r>
+            <a:r>
+              <a:rPr lang="pt-BR" sz="1600" b="1" dirty="0" err="1"/>
+              <a:t>the</a:t>
+            </a:r>
+            <a:r>
+              <a:rPr lang="pt-BR" sz="1600" b="1" dirty="0"/>
+              <a:t> data”</a:t>
+            </a:r>
+          </a:p>
+        </p:txBody>
+      </p:sp>
+      <p:sp>
+        <p:nvSpPr>
+          <p:cNvPr id="123" name="CaixaDeTexto 122">
+            <a:extLst>
+              <a:ext uri="{FF2B5EF4-FFF2-40B4-BE49-F238E27FC236}">
+                <a16:creationId xmlns:a16="http://schemas.microsoft.com/office/drawing/2014/main" id="{128A5A9C-3DFA-25DA-5C5C-1EA560BA83D4}"/>
+              </a:ext>
+            </a:extLst>
+          </p:cNvPr>
+          <p:cNvSpPr txBox="1"/>
+          <p:nvPr/>
+        </p:nvSpPr>
+        <p:spPr>
+          <a:xfrm>
+            <a:off x="5789643" y="475674"/>
+            <a:ext cx="1787156" cy="338554"/>
+          </a:xfrm>
+          <a:prstGeom prst="rect">
+            <a:avLst/>
+          </a:prstGeom>
+          <a:noFill/>
+        </p:spPr>
+        <p:txBody>
+          <a:bodyPr wrap="none" rtlCol="0">
+            <a:spAutoFit/>
+          </a:bodyPr>
+          <a:lstStyle/>
+          <a:p>
+            <a:pPr algn="ctr"/>
+            <a:r>
+              <a:rPr lang="pt-BR" sz="1600" b="1" dirty="0" err="1"/>
+              <a:t>Bayesian</a:t>
+            </a:r>
+            <a:r>
+              <a:rPr lang="pt-BR" sz="1600" b="1" dirty="0"/>
+              <a:t> approach</a:t>
+            </a:r>
+          </a:p>
+        </p:txBody>
+      </p:sp>
+      <p:grpSp>
+        <p:nvGrpSpPr>
+          <p:cNvPr id="131" name="Agrupar 130">
+            <a:extLst>
+              <a:ext uri="{FF2B5EF4-FFF2-40B4-BE49-F238E27FC236}">
+                <a16:creationId xmlns:a16="http://schemas.microsoft.com/office/drawing/2014/main" id="{A8827C05-D5AC-DA37-6E39-B0D925CCFB37}"/>
+              </a:ext>
+            </a:extLst>
+          </p:cNvPr>
+          <p:cNvGrpSpPr/>
+          <p:nvPr/>
+        </p:nvGrpSpPr>
+        <p:grpSpPr>
+          <a:xfrm>
+            <a:off x="5789643" y="4684091"/>
+            <a:ext cx="2080341" cy="154294"/>
+            <a:chOff x="2769931" y="6156308"/>
+            <a:chExt cx="777852" cy="279534"/>
+          </a:xfrm>
+        </p:grpSpPr>
+        <p:cxnSp>
+          <p:nvCxnSpPr>
+            <p:cNvPr id="125" name="Conector reto 124">
+              <a:extLst>
+                <a:ext uri="{FF2B5EF4-FFF2-40B4-BE49-F238E27FC236}">
+                  <a16:creationId xmlns:a16="http://schemas.microsoft.com/office/drawing/2014/main" id="{90F0D619-2BCC-8580-1C91-E1E1B1575347}"/>
+                </a:ext>
+              </a:extLst>
+            </p:cNvPr>
+            <p:cNvCxnSpPr/>
+            <p:nvPr/>
+          </p:nvCxnSpPr>
+          <p:spPr>
+            <a:xfrm>
+              <a:off x="2769931" y="6156308"/>
+              <a:ext cx="0" cy="278721"/>
+            </a:xfrm>
+            <a:prstGeom prst="line">
+              <a:avLst/>
+            </a:prstGeom>
+            <a:ln w="19050"/>
+          </p:spPr>
+          <p:style>
+            <a:lnRef idx="1">
+              <a:schemeClr val="accent1"/>
+            </a:lnRef>
+            <a:fillRef idx="0">
+              <a:schemeClr val="accent1"/>
+            </a:fillRef>
+            <a:effectRef idx="0">
+              <a:schemeClr val="accent1"/>
+            </a:effectRef>
+            <a:fontRef idx="minor">
+              <a:schemeClr val="tx1"/>
+            </a:fontRef>
+          </p:style>
+        </p:cxnSp>
+        <p:cxnSp>
+          <p:nvCxnSpPr>
+            <p:cNvPr id="126" name="Conector reto 125">
+              <a:extLst>
+                <a:ext uri="{FF2B5EF4-FFF2-40B4-BE49-F238E27FC236}">
+                  <a16:creationId xmlns:a16="http://schemas.microsoft.com/office/drawing/2014/main" id="{9408D67D-A72C-2876-7978-009A58C66661}"/>
+                </a:ext>
+              </a:extLst>
+            </p:cNvPr>
+            <p:cNvCxnSpPr/>
+            <p:nvPr/>
+          </p:nvCxnSpPr>
+          <p:spPr>
+            <a:xfrm>
+              <a:off x="3547783" y="6157121"/>
+              <a:ext cx="0" cy="278721"/>
+            </a:xfrm>
+            <a:prstGeom prst="line">
+              <a:avLst/>
+            </a:prstGeom>
+            <a:ln w="19050"/>
+          </p:spPr>
+          <p:style>
+            <a:lnRef idx="1">
+              <a:schemeClr val="accent1"/>
+            </a:lnRef>
+            <a:fillRef idx="0">
+              <a:schemeClr val="accent1"/>
+            </a:fillRef>
+            <a:effectRef idx="0">
+              <a:schemeClr val="accent1"/>
+            </a:effectRef>
+            <a:fontRef idx="minor">
+              <a:schemeClr val="tx1"/>
+            </a:fontRef>
+          </p:style>
+        </p:cxnSp>
+        <p:cxnSp>
+          <p:nvCxnSpPr>
+            <p:cNvPr id="127" name="Conector reto 126">
+              <a:extLst>
+                <a:ext uri="{FF2B5EF4-FFF2-40B4-BE49-F238E27FC236}">
+                  <a16:creationId xmlns:a16="http://schemas.microsoft.com/office/drawing/2014/main" id="{2E60017C-1006-31F3-C809-2D909BBB7D45}"/>
+                </a:ext>
+              </a:extLst>
+            </p:cNvPr>
+            <p:cNvCxnSpPr>
+              <a:cxnSpLocks/>
+            </p:cNvCxnSpPr>
+            <p:nvPr/>
+          </p:nvCxnSpPr>
+          <p:spPr>
+            <a:xfrm flipH="1">
+              <a:off x="2777792" y="6295668"/>
+              <a:ext cx="760551" cy="0"/>
+            </a:xfrm>
+            <a:prstGeom prst="line">
+              <a:avLst/>
+            </a:prstGeom>
+            <a:ln w="19050"/>
+          </p:spPr>
+          <p:style>
+            <a:lnRef idx="1">
+              <a:schemeClr val="accent1"/>
+            </a:lnRef>
+            <a:fillRef idx="0">
+              <a:schemeClr val="accent1"/>
+            </a:fillRef>
+            <a:effectRef idx="0">
+              <a:schemeClr val="accent1"/>
+            </a:effectRef>
+            <a:fontRef idx="minor">
+              <a:schemeClr val="tx1"/>
+            </a:fontRef>
+          </p:style>
+        </p:cxnSp>
+      </p:grpSp>
+      <p:grpSp>
+        <p:nvGrpSpPr>
+          <p:cNvPr id="132" name="Agrupar 131">
+            <a:extLst>
+              <a:ext uri="{FF2B5EF4-FFF2-40B4-BE49-F238E27FC236}">
+                <a16:creationId xmlns:a16="http://schemas.microsoft.com/office/drawing/2014/main" id="{DA915705-D8A8-5D3A-C790-8B885F952517}"/>
+              </a:ext>
+            </a:extLst>
+          </p:cNvPr>
+          <p:cNvGrpSpPr/>
+          <p:nvPr/>
+        </p:nvGrpSpPr>
+        <p:grpSpPr>
+          <a:xfrm>
+            <a:off x="5907774" y="4461154"/>
+            <a:ext cx="2034803" cy="154294"/>
+            <a:chOff x="2769931" y="6156308"/>
+            <a:chExt cx="777852" cy="279534"/>
+          </a:xfrm>
+        </p:grpSpPr>
+        <p:cxnSp>
+          <p:nvCxnSpPr>
+            <p:cNvPr id="133" name="Conector reto 132">
+              <a:extLst>
+                <a:ext uri="{FF2B5EF4-FFF2-40B4-BE49-F238E27FC236}">
+                  <a16:creationId xmlns:a16="http://schemas.microsoft.com/office/drawing/2014/main" id="{183E9119-E9EA-DA44-A20D-0407C8B81AF1}"/>
+                </a:ext>
+              </a:extLst>
+            </p:cNvPr>
+            <p:cNvCxnSpPr/>
+            <p:nvPr/>
+          </p:nvCxnSpPr>
+          <p:spPr>
+            <a:xfrm>
+              <a:off x="2769931" y="6156308"/>
+              <a:ext cx="0" cy="278721"/>
+            </a:xfrm>
+            <a:prstGeom prst="line">
+              <a:avLst/>
+            </a:prstGeom>
+            <a:ln w="19050"/>
+          </p:spPr>
+          <p:style>
+            <a:lnRef idx="1">
+              <a:schemeClr val="accent1"/>
+            </a:lnRef>
+            <a:fillRef idx="0">
+              <a:schemeClr val="accent1"/>
+            </a:fillRef>
+            <a:effectRef idx="0">
+              <a:schemeClr val="accent1"/>
+            </a:effectRef>
+            <a:fontRef idx="minor">
+              <a:schemeClr val="tx1"/>
+            </a:fontRef>
+          </p:style>
+        </p:cxnSp>
+        <p:cxnSp>
+          <p:nvCxnSpPr>
+            <p:cNvPr id="134" name="Conector reto 133">
+              <a:extLst>
+                <a:ext uri="{FF2B5EF4-FFF2-40B4-BE49-F238E27FC236}">
+                  <a16:creationId xmlns:a16="http://schemas.microsoft.com/office/drawing/2014/main" id="{C8AA168A-201D-6BDA-DD58-3309E073648E}"/>
+                </a:ext>
+              </a:extLst>
+            </p:cNvPr>
+            <p:cNvCxnSpPr/>
+            <p:nvPr/>
+          </p:nvCxnSpPr>
+          <p:spPr>
+            <a:xfrm>
+              <a:off x="3547783" y="6157121"/>
+              <a:ext cx="0" cy="278721"/>
+            </a:xfrm>
+            <a:prstGeom prst="line">
+              <a:avLst/>
+            </a:prstGeom>
+            <a:ln w="19050"/>
+          </p:spPr>
+          <p:style>
+            <a:lnRef idx="1">
+              <a:schemeClr val="accent1"/>
+            </a:lnRef>
+            <a:fillRef idx="0">
+              <a:schemeClr val="accent1"/>
+            </a:fillRef>
+            <a:effectRef idx="0">
+              <a:schemeClr val="accent1"/>
+            </a:effectRef>
+            <a:fontRef idx="minor">
+              <a:schemeClr val="tx1"/>
+            </a:fontRef>
+          </p:style>
+        </p:cxnSp>
+        <p:cxnSp>
+          <p:nvCxnSpPr>
+            <p:cNvPr id="135" name="Conector reto 134">
+              <a:extLst>
+                <a:ext uri="{FF2B5EF4-FFF2-40B4-BE49-F238E27FC236}">
+                  <a16:creationId xmlns:a16="http://schemas.microsoft.com/office/drawing/2014/main" id="{C1FD4A64-2367-737E-CB27-79BD0B2DA834}"/>
+                </a:ext>
+              </a:extLst>
+            </p:cNvPr>
+            <p:cNvCxnSpPr>
+              <a:cxnSpLocks/>
+            </p:cNvCxnSpPr>
+            <p:nvPr/>
+          </p:nvCxnSpPr>
+          <p:spPr>
+            <a:xfrm flipH="1">
+              <a:off x="2777792" y="6295668"/>
+              <a:ext cx="760551" cy="0"/>
+            </a:xfrm>
+            <a:prstGeom prst="line">
+              <a:avLst/>
+            </a:prstGeom>
+            <a:ln w="19050"/>
+          </p:spPr>
+          <p:style>
+            <a:lnRef idx="1">
+              <a:schemeClr val="accent1"/>
+            </a:lnRef>
+            <a:fillRef idx="0">
+              <a:schemeClr val="accent1"/>
+            </a:fillRef>
+            <a:effectRef idx="0">
+              <a:schemeClr val="accent1"/>
+            </a:effectRef>
+            <a:fontRef idx="minor">
+              <a:schemeClr val="tx1"/>
+            </a:fontRef>
+          </p:style>
+        </p:cxnSp>
+      </p:grpSp>
+      <p:grpSp>
+        <p:nvGrpSpPr>
+          <p:cNvPr id="136" name="Agrupar 135">
+            <a:extLst>
+              <a:ext uri="{FF2B5EF4-FFF2-40B4-BE49-F238E27FC236}">
+                <a16:creationId xmlns:a16="http://schemas.microsoft.com/office/drawing/2014/main" id="{4F0BACDF-D184-401F-E2AA-F568F80F075F}"/>
+              </a:ext>
+            </a:extLst>
+          </p:cNvPr>
+          <p:cNvGrpSpPr/>
+          <p:nvPr/>
+        </p:nvGrpSpPr>
+        <p:grpSpPr>
+          <a:xfrm>
+            <a:off x="6096000" y="4263100"/>
+            <a:ext cx="1795780" cy="154294"/>
+            <a:chOff x="2769931" y="6156308"/>
+            <a:chExt cx="777852" cy="279534"/>
+          </a:xfrm>
+        </p:grpSpPr>
+        <p:cxnSp>
+          <p:nvCxnSpPr>
+            <p:cNvPr id="137" name="Conector reto 136">
+              <a:extLst>
+                <a:ext uri="{FF2B5EF4-FFF2-40B4-BE49-F238E27FC236}">
+                  <a16:creationId xmlns:a16="http://schemas.microsoft.com/office/drawing/2014/main" id="{5E57E06A-3593-F686-0ED1-841D65EFA075}"/>
+                </a:ext>
+              </a:extLst>
+            </p:cNvPr>
+            <p:cNvCxnSpPr/>
+            <p:nvPr/>
+          </p:nvCxnSpPr>
+          <p:spPr>
+            <a:xfrm>
+              <a:off x="2769931" y="6156308"/>
+              <a:ext cx="0" cy="278721"/>
+            </a:xfrm>
+            <a:prstGeom prst="line">
+              <a:avLst/>
+            </a:prstGeom>
+            <a:ln w="19050"/>
+          </p:spPr>
+          <p:style>
+            <a:lnRef idx="1">
+              <a:schemeClr val="accent1"/>
+            </a:lnRef>
+            <a:fillRef idx="0">
+              <a:schemeClr val="accent1"/>
+            </a:fillRef>
+            <a:effectRef idx="0">
+              <a:schemeClr val="accent1"/>
+            </a:effectRef>
+            <a:fontRef idx="minor">
+              <a:schemeClr val="tx1"/>
+            </a:fontRef>
+          </p:style>
+        </p:cxnSp>
+        <p:cxnSp>
+          <p:nvCxnSpPr>
+            <p:cNvPr id="138" name="Conector reto 137">
+              <a:extLst>
+                <a:ext uri="{FF2B5EF4-FFF2-40B4-BE49-F238E27FC236}">
+                  <a16:creationId xmlns:a16="http://schemas.microsoft.com/office/drawing/2014/main" id="{E32499BB-BA16-F359-F115-6C158C742527}"/>
+                </a:ext>
+              </a:extLst>
+            </p:cNvPr>
+            <p:cNvCxnSpPr/>
+            <p:nvPr/>
+          </p:nvCxnSpPr>
+          <p:spPr>
+            <a:xfrm>
+              <a:off x="3547783" y="6157121"/>
+              <a:ext cx="0" cy="278721"/>
+            </a:xfrm>
+            <a:prstGeom prst="line">
+              <a:avLst/>
+            </a:prstGeom>
+            <a:ln w="19050"/>
+          </p:spPr>
+          <p:style>
+            <a:lnRef idx="1">
+              <a:schemeClr val="accent1"/>
+            </a:lnRef>
+            <a:fillRef idx="0">
+              <a:schemeClr val="accent1"/>
+            </a:fillRef>
+            <a:effectRef idx="0">
+              <a:schemeClr val="accent1"/>
+            </a:effectRef>
+            <a:fontRef idx="minor">
+              <a:schemeClr val="tx1"/>
+            </a:fontRef>
+          </p:style>
+        </p:cxnSp>
+        <p:cxnSp>
+          <p:nvCxnSpPr>
+            <p:cNvPr id="139" name="Conector reto 138">
+              <a:extLst>
+                <a:ext uri="{FF2B5EF4-FFF2-40B4-BE49-F238E27FC236}">
+                  <a16:creationId xmlns:a16="http://schemas.microsoft.com/office/drawing/2014/main" id="{1233DF01-01CB-DF6D-62E2-2CAD52C48CB3}"/>
+                </a:ext>
+              </a:extLst>
+            </p:cNvPr>
+            <p:cNvCxnSpPr>
+              <a:cxnSpLocks/>
+            </p:cNvCxnSpPr>
+            <p:nvPr/>
+          </p:nvCxnSpPr>
+          <p:spPr>
+            <a:xfrm flipH="1">
+              <a:off x="2777792" y="6295668"/>
+              <a:ext cx="760551" cy="0"/>
+            </a:xfrm>
+            <a:prstGeom prst="line">
+              <a:avLst/>
+            </a:prstGeom>
+            <a:ln w="19050"/>
+          </p:spPr>
+          <p:style>
+            <a:lnRef idx="1">
+              <a:schemeClr val="accent1"/>
+            </a:lnRef>
+            <a:fillRef idx="0">
+              <a:schemeClr val="accent1"/>
+            </a:fillRef>
+            <a:effectRef idx="0">
+              <a:schemeClr val="accent1"/>
+            </a:effectRef>
+            <a:fontRef idx="minor">
+              <a:schemeClr val="tx1"/>
+            </a:fontRef>
+          </p:style>
+        </p:cxnSp>
+      </p:grpSp>
+      <p:grpSp>
+        <p:nvGrpSpPr>
+          <p:cNvPr id="140" name="Agrupar 139">
+            <a:extLst>
+              <a:ext uri="{FF2B5EF4-FFF2-40B4-BE49-F238E27FC236}">
+                <a16:creationId xmlns:a16="http://schemas.microsoft.com/office/drawing/2014/main" id="{1356086C-469C-B404-51F0-B58D15E9F6D7}"/>
+              </a:ext>
+            </a:extLst>
+          </p:cNvPr>
+          <p:cNvGrpSpPr/>
+          <p:nvPr/>
+        </p:nvGrpSpPr>
+        <p:grpSpPr>
+          <a:xfrm>
+            <a:off x="6298805" y="4001876"/>
+            <a:ext cx="1547099" cy="154294"/>
+            <a:chOff x="2769931" y="6156308"/>
+            <a:chExt cx="777852" cy="279534"/>
+          </a:xfrm>
+        </p:grpSpPr>
+        <p:cxnSp>
+          <p:nvCxnSpPr>
+            <p:cNvPr id="142" name="Conector reto 141">
+              <a:extLst>
+                <a:ext uri="{FF2B5EF4-FFF2-40B4-BE49-F238E27FC236}">
+                  <a16:creationId xmlns:a16="http://schemas.microsoft.com/office/drawing/2014/main" id="{8AA56451-DB03-963F-6AC7-DC1857C3B467}"/>
+                </a:ext>
+              </a:extLst>
+            </p:cNvPr>
+            <p:cNvCxnSpPr/>
+            <p:nvPr/>
+          </p:nvCxnSpPr>
+          <p:spPr>
+            <a:xfrm>
+              <a:off x="2769931" y="6156308"/>
+              <a:ext cx="0" cy="278721"/>
+            </a:xfrm>
+            <a:prstGeom prst="line">
+              <a:avLst/>
+            </a:prstGeom>
+            <a:ln w="19050"/>
+          </p:spPr>
+          <p:style>
+            <a:lnRef idx="1">
+              <a:schemeClr val="accent1"/>
+            </a:lnRef>
+            <a:fillRef idx="0">
+              <a:schemeClr val="accent1"/>
+            </a:fillRef>
+            <a:effectRef idx="0">
+              <a:schemeClr val="accent1"/>
+            </a:effectRef>
+            <a:fontRef idx="minor">
+              <a:schemeClr val="tx1"/>
+            </a:fontRef>
+          </p:style>
+        </p:cxnSp>
+        <p:cxnSp>
+          <p:nvCxnSpPr>
+            <p:cNvPr id="143" name="Conector reto 142">
+              <a:extLst>
+                <a:ext uri="{FF2B5EF4-FFF2-40B4-BE49-F238E27FC236}">
+                  <a16:creationId xmlns:a16="http://schemas.microsoft.com/office/drawing/2014/main" id="{E13F6BBD-6FE0-25C9-331D-0E38F224CBD0}"/>
+                </a:ext>
+              </a:extLst>
+            </p:cNvPr>
+            <p:cNvCxnSpPr/>
+            <p:nvPr/>
+          </p:nvCxnSpPr>
+          <p:spPr>
+            <a:xfrm>
+              <a:off x="3547783" y="6157121"/>
+              <a:ext cx="0" cy="278721"/>
+            </a:xfrm>
+            <a:prstGeom prst="line">
+              <a:avLst/>
+            </a:prstGeom>
+            <a:ln w="19050"/>
+          </p:spPr>
+          <p:style>
+            <a:lnRef idx="1">
+              <a:schemeClr val="accent1"/>
+            </a:lnRef>
+            <a:fillRef idx="0">
+              <a:schemeClr val="accent1"/>
+            </a:fillRef>
+            <a:effectRef idx="0">
+              <a:schemeClr val="accent1"/>
+            </a:effectRef>
+            <a:fontRef idx="minor">
+              <a:schemeClr val="tx1"/>
+            </a:fontRef>
+          </p:style>
+        </p:cxnSp>
+        <p:cxnSp>
+          <p:nvCxnSpPr>
+            <p:cNvPr id="144" name="Conector reto 143">
+              <a:extLst>
+                <a:ext uri="{FF2B5EF4-FFF2-40B4-BE49-F238E27FC236}">
+                  <a16:creationId xmlns:a16="http://schemas.microsoft.com/office/drawing/2014/main" id="{21D41A7C-6B44-4418-3A92-D9377014F3CB}"/>
+                </a:ext>
+              </a:extLst>
+            </p:cNvPr>
+            <p:cNvCxnSpPr>
+              <a:cxnSpLocks/>
+            </p:cNvCxnSpPr>
+            <p:nvPr/>
+          </p:nvCxnSpPr>
+          <p:spPr>
+            <a:xfrm flipH="1">
+              <a:off x="2777792" y="6295668"/>
+              <a:ext cx="760551" cy="0"/>
+            </a:xfrm>
+            <a:prstGeom prst="line">
+              <a:avLst/>
+            </a:prstGeom>
+            <a:ln w="19050"/>
+          </p:spPr>
+          <p:style>
+            <a:lnRef idx="1">
+              <a:schemeClr val="accent1"/>
+            </a:lnRef>
+            <a:fillRef idx="0">
+              <a:schemeClr val="accent1"/>
+            </a:fillRef>
+            <a:effectRef idx="0">
+              <a:schemeClr val="accent1"/>
+            </a:effectRef>
+            <a:fontRef idx="minor">
+              <a:schemeClr val="tx1"/>
+            </a:fontRef>
+          </p:style>
+        </p:cxnSp>
+      </p:grpSp>
+      <p:grpSp>
+        <p:nvGrpSpPr>
+          <p:cNvPr id="145" name="Agrupar 144">
+            <a:extLst>
+              <a:ext uri="{FF2B5EF4-FFF2-40B4-BE49-F238E27FC236}">
+                <a16:creationId xmlns:a16="http://schemas.microsoft.com/office/drawing/2014/main" id="{52CDB892-172F-D342-46AC-8007A88AEF42}"/>
+              </a:ext>
+            </a:extLst>
+          </p:cNvPr>
+          <p:cNvGrpSpPr/>
+          <p:nvPr/>
+        </p:nvGrpSpPr>
+        <p:grpSpPr>
+          <a:xfrm>
+            <a:off x="6438078" y="3463072"/>
+            <a:ext cx="1271440" cy="154294"/>
+            <a:chOff x="2769931" y="6156308"/>
+            <a:chExt cx="777852" cy="279534"/>
+          </a:xfrm>
+        </p:grpSpPr>
+        <p:cxnSp>
+          <p:nvCxnSpPr>
+            <p:cNvPr id="146" name="Conector reto 145">
+              <a:extLst>
+                <a:ext uri="{FF2B5EF4-FFF2-40B4-BE49-F238E27FC236}">
+                  <a16:creationId xmlns:a16="http://schemas.microsoft.com/office/drawing/2014/main" id="{1D0CED61-E2A1-27EF-56D7-3B8F739BF264}"/>
+                </a:ext>
+              </a:extLst>
+            </p:cNvPr>
+            <p:cNvCxnSpPr/>
+            <p:nvPr/>
+          </p:nvCxnSpPr>
+          <p:spPr>
+            <a:xfrm>
+              <a:off x="2769931" y="6156308"/>
+              <a:ext cx="0" cy="278721"/>
+            </a:xfrm>
+            <a:prstGeom prst="line">
+              <a:avLst/>
+            </a:prstGeom>
+            <a:ln w="19050"/>
+          </p:spPr>
+          <p:style>
+            <a:lnRef idx="1">
+              <a:schemeClr val="accent1"/>
+            </a:lnRef>
+            <a:fillRef idx="0">
+              <a:schemeClr val="accent1"/>
+            </a:fillRef>
+            <a:effectRef idx="0">
+              <a:schemeClr val="accent1"/>
+            </a:effectRef>
+            <a:fontRef idx="minor">
+              <a:schemeClr val="tx1"/>
+            </a:fontRef>
+          </p:style>
+        </p:cxnSp>
+        <p:cxnSp>
+          <p:nvCxnSpPr>
+            <p:cNvPr id="147" name="Conector reto 146">
+              <a:extLst>
+                <a:ext uri="{FF2B5EF4-FFF2-40B4-BE49-F238E27FC236}">
+                  <a16:creationId xmlns:a16="http://schemas.microsoft.com/office/drawing/2014/main" id="{72C44F5F-ECF4-82DD-8523-C48DDC77FCD9}"/>
+                </a:ext>
+              </a:extLst>
+            </p:cNvPr>
+            <p:cNvCxnSpPr/>
+            <p:nvPr/>
+          </p:nvCxnSpPr>
+          <p:spPr>
+            <a:xfrm>
+              <a:off x="3547783" y="6157121"/>
+              <a:ext cx="0" cy="278721"/>
+            </a:xfrm>
+            <a:prstGeom prst="line">
+              <a:avLst/>
+            </a:prstGeom>
+            <a:ln w="19050"/>
+          </p:spPr>
+          <p:style>
+            <a:lnRef idx="1">
+              <a:schemeClr val="accent1"/>
+            </a:lnRef>
+            <a:fillRef idx="0">
+              <a:schemeClr val="accent1"/>
+            </a:fillRef>
+            <a:effectRef idx="0">
+              <a:schemeClr val="accent1"/>
+            </a:effectRef>
+            <a:fontRef idx="minor">
+              <a:schemeClr val="tx1"/>
+            </a:fontRef>
+          </p:style>
+        </p:cxnSp>
+        <p:cxnSp>
+          <p:nvCxnSpPr>
+            <p:cNvPr id="149" name="Conector reto 148">
+              <a:extLst>
+                <a:ext uri="{FF2B5EF4-FFF2-40B4-BE49-F238E27FC236}">
+                  <a16:creationId xmlns:a16="http://schemas.microsoft.com/office/drawing/2014/main" id="{EF9C41AA-F001-E18A-06FC-5869F8CF07DD}"/>
+                </a:ext>
+              </a:extLst>
+            </p:cNvPr>
+            <p:cNvCxnSpPr>
+              <a:cxnSpLocks/>
+            </p:cNvCxnSpPr>
+            <p:nvPr/>
+          </p:nvCxnSpPr>
+          <p:spPr>
+            <a:xfrm flipH="1">
+              <a:off x="2777792" y="6295668"/>
+              <a:ext cx="760551" cy="0"/>
+            </a:xfrm>
+            <a:prstGeom prst="line">
+              <a:avLst/>
+            </a:prstGeom>
+            <a:ln w="19050"/>
+          </p:spPr>
+          <p:style>
+            <a:lnRef idx="1">
+              <a:schemeClr val="accent1"/>
+            </a:lnRef>
+            <a:fillRef idx="0">
+              <a:schemeClr val="accent1"/>
+            </a:fillRef>
+            <a:effectRef idx="0">
+              <a:schemeClr val="accent1"/>
+            </a:effectRef>
+            <a:fontRef idx="minor">
+              <a:schemeClr val="tx1"/>
+            </a:fontRef>
+          </p:style>
+        </p:cxnSp>
+      </p:grpSp>
+      <p:grpSp>
+        <p:nvGrpSpPr>
+          <p:cNvPr id="150" name="Agrupar 149">
+            <a:extLst>
+              <a:ext uri="{FF2B5EF4-FFF2-40B4-BE49-F238E27FC236}">
+                <a16:creationId xmlns:a16="http://schemas.microsoft.com/office/drawing/2014/main" id="{572E6668-38CA-91BE-B8C3-1DAAE4D09F40}"/>
+              </a:ext>
+            </a:extLst>
+          </p:cNvPr>
+          <p:cNvGrpSpPr/>
+          <p:nvPr/>
+        </p:nvGrpSpPr>
+        <p:grpSpPr>
+          <a:xfrm>
+            <a:off x="6480538" y="3064807"/>
+            <a:ext cx="1143545" cy="154294"/>
+            <a:chOff x="2769931" y="6156308"/>
+            <a:chExt cx="777852" cy="279534"/>
+          </a:xfrm>
+        </p:grpSpPr>
+        <p:cxnSp>
+          <p:nvCxnSpPr>
+            <p:cNvPr id="151" name="Conector reto 150">
+              <a:extLst>
+                <a:ext uri="{FF2B5EF4-FFF2-40B4-BE49-F238E27FC236}">
+                  <a16:creationId xmlns:a16="http://schemas.microsoft.com/office/drawing/2014/main" id="{635E1E27-9889-3AB2-7583-D798A9F82715}"/>
+                </a:ext>
+              </a:extLst>
+            </p:cNvPr>
+            <p:cNvCxnSpPr/>
+            <p:nvPr/>
+          </p:nvCxnSpPr>
+          <p:spPr>
+            <a:xfrm>
+              <a:off x="2769931" y="6156308"/>
+              <a:ext cx="0" cy="278721"/>
+            </a:xfrm>
+            <a:prstGeom prst="line">
+              <a:avLst/>
+            </a:prstGeom>
+            <a:ln w="19050"/>
+          </p:spPr>
+          <p:style>
+            <a:lnRef idx="1">
+              <a:schemeClr val="accent1"/>
+            </a:lnRef>
+            <a:fillRef idx="0">
+              <a:schemeClr val="accent1"/>
+            </a:fillRef>
+            <a:effectRef idx="0">
+              <a:schemeClr val="accent1"/>
+            </a:effectRef>
+            <a:fontRef idx="minor">
+              <a:schemeClr val="tx1"/>
+            </a:fontRef>
+          </p:style>
+        </p:cxnSp>
+        <p:cxnSp>
+          <p:nvCxnSpPr>
+            <p:cNvPr id="152" name="Conector reto 151">
+              <a:extLst>
+                <a:ext uri="{FF2B5EF4-FFF2-40B4-BE49-F238E27FC236}">
+                  <a16:creationId xmlns:a16="http://schemas.microsoft.com/office/drawing/2014/main" id="{718DA3D5-3B7A-081F-AA6A-3D539C059E25}"/>
+                </a:ext>
+              </a:extLst>
+            </p:cNvPr>
+            <p:cNvCxnSpPr/>
+            <p:nvPr/>
+          </p:nvCxnSpPr>
+          <p:spPr>
+            <a:xfrm>
+              <a:off x="3547783" y="6157121"/>
+              <a:ext cx="0" cy="278721"/>
+            </a:xfrm>
+            <a:prstGeom prst="line">
+              <a:avLst/>
+            </a:prstGeom>
+            <a:ln w="19050"/>
+          </p:spPr>
+          <p:style>
+            <a:lnRef idx="1">
+              <a:schemeClr val="accent1"/>
+            </a:lnRef>
+            <a:fillRef idx="0">
+              <a:schemeClr val="accent1"/>
+            </a:fillRef>
+            <a:effectRef idx="0">
+              <a:schemeClr val="accent1"/>
+            </a:effectRef>
+            <a:fontRef idx="minor">
+              <a:schemeClr val="tx1"/>
+            </a:fontRef>
+          </p:style>
+        </p:cxnSp>
+        <p:cxnSp>
+          <p:nvCxnSpPr>
+            <p:cNvPr id="153" name="Conector reto 152">
+              <a:extLst>
+                <a:ext uri="{FF2B5EF4-FFF2-40B4-BE49-F238E27FC236}">
+                  <a16:creationId xmlns:a16="http://schemas.microsoft.com/office/drawing/2014/main" id="{8930A255-CFFB-790F-50AE-ECF0CDF3F1FC}"/>
+                </a:ext>
+              </a:extLst>
+            </p:cNvPr>
+            <p:cNvCxnSpPr>
+              <a:cxnSpLocks/>
+            </p:cNvCxnSpPr>
+            <p:nvPr/>
+          </p:nvCxnSpPr>
+          <p:spPr>
+            <a:xfrm flipH="1">
+              <a:off x="2777792" y="6295668"/>
+              <a:ext cx="760551" cy="0"/>
+            </a:xfrm>
+            <a:prstGeom prst="line">
+              <a:avLst/>
+            </a:prstGeom>
+            <a:ln w="19050"/>
+          </p:spPr>
+          <p:style>
+            <a:lnRef idx="1">
+              <a:schemeClr val="accent1"/>
+            </a:lnRef>
+            <a:fillRef idx="0">
+              <a:schemeClr val="accent1"/>
+            </a:fillRef>
+            <a:effectRef idx="0">
+              <a:schemeClr val="accent1"/>
+            </a:effectRef>
+            <a:fontRef idx="minor">
+              <a:schemeClr val="tx1"/>
+            </a:fontRef>
+          </p:style>
+        </p:cxnSp>
+      </p:grpSp>
+      <p:grpSp>
+        <p:nvGrpSpPr>
+          <p:cNvPr id="154" name="Agrupar 153">
+            <a:extLst>
+              <a:ext uri="{FF2B5EF4-FFF2-40B4-BE49-F238E27FC236}">
+                <a16:creationId xmlns:a16="http://schemas.microsoft.com/office/drawing/2014/main" id="{D0056062-63CF-B80A-6A57-A0418AFA8DD8}"/>
+              </a:ext>
+            </a:extLst>
+          </p:cNvPr>
+          <p:cNvGrpSpPr/>
+          <p:nvPr/>
+        </p:nvGrpSpPr>
+        <p:grpSpPr>
+          <a:xfrm>
+            <a:off x="6568133" y="2777597"/>
+            <a:ext cx="896591" cy="154294"/>
+            <a:chOff x="2769931" y="6156308"/>
+            <a:chExt cx="777852" cy="279534"/>
+          </a:xfrm>
+        </p:grpSpPr>
+        <p:cxnSp>
+          <p:nvCxnSpPr>
+            <p:cNvPr id="155" name="Conector reto 154">
+              <a:extLst>
+                <a:ext uri="{FF2B5EF4-FFF2-40B4-BE49-F238E27FC236}">
+                  <a16:creationId xmlns:a16="http://schemas.microsoft.com/office/drawing/2014/main" id="{B4876B68-2F34-0B25-836F-C43209064E16}"/>
+                </a:ext>
+              </a:extLst>
+            </p:cNvPr>
+            <p:cNvCxnSpPr/>
+            <p:nvPr/>
+          </p:nvCxnSpPr>
+          <p:spPr>
+            <a:xfrm>
+              <a:off x="2769931" y="6156308"/>
+              <a:ext cx="0" cy="278721"/>
+            </a:xfrm>
+            <a:prstGeom prst="line">
+              <a:avLst/>
+            </a:prstGeom>
+            <a:ln w="19050"/>
+          </p:spPr>
+          <p:style>
+            <a:lnRef idx="1">
+              <a:schemeClr val="accent1"/>
+            </a:lnRef>
+            <a:fillRef idx="0">
+              <a:schemeClr val="accent1"/>
+            </a:fillRef>
+            <a:effectRef idx="0">
+              <a:schemeClr val="accent1"/>
+            </a:effectRef>
+            <a:fontRef idx="minor">
+              <a:schemeClr val="tx1"/>
+            </a:fontRef>
+          </p:style>
+        </p:cxnSp>
+        <p:cxnSp>
+          <p:nvCxnSpPr>
+            <p:cNvPr id="156" name="Conector reto 155">
+              <a:extLst>
+                <a:ext uri="{FF2B5EF4-FFF2-40B4-BE49-F238E27FC236}">
+                  <a16:creationId xmlns:a16="http://schemas.microsoft.com/office/drawing/2014/main" id="{F41B2FFA-8F80-9036-0FD5-5E3FB40998BA}"/>
+                </a:ext>
+              </a:extLst>
+            </p:cNvPr>
+            <p:cNvCxnSpPr/>
+            <p:nvPr/>
+          </p:nvCxnSpPr>
+          <p:spPr>
+            <a:xfrm>
+              <a:off x="3547783" y="6157121"/>
+              <a:ext cx="0" cy="278721"/>
+            </a:xfrm>
+            <a:prstGeom prst="line">
+              <a:avLst/>
+            </a:prstGeom>
+            <a:ln w="19050"/>
+          </p:spPr>
+          <p:style>
+            <a:lnRef idx="1">
+              <a:schemeClr val="accent1"/>
+            </a:lnRef>
+            <a:fillRef idx="0">
+              <a:schemeClr val="accent1"/>
+            </a:fillRef>
+            <a:effectRef idx="0">
+              <a:schemeClr val="accent1"/>
+            </a:effectRef>
+            <a:fontRef idx="minor">
+              <a:schemeClr val="tx1"/>
+            </a:fontRef>
+          </p:style>
+        </p:cxnSp>
+        <p:cxnSp>
+          <p:nvCxnSpPr>
+            <p:cNvPr id="157" name="Conector reto 156">
+              <a:extLst>
+                <a:ext uri="{FF2B5EF4-FFF2-40B4-BE49-F238E27FC236}">
+                  <a16:creationId xmlns:a16="http://schemas.microsoft.com/office/drawing/2014/main" id="{68F1E6ED-BFA8-DB8E-9DB0-E6A4C2D3F8BA}"/>
+                </a:ext>
+              </a:extLst>
+            </p:cNvPr>
+            <p:cNvCxnSpPr>
+              <a:cxnSpLocks/>
+            </p:cNvCxnSpPr>
+            <p:nvPr/>
+          </p:nvCxnSpPr>
+          <p:spPr>
+            <a:xfrm flipH="1">
+              <a:off x="2777792" y="6295668"/>
+              <a:ext cx="760551" cy="0"/>
+            </a:xfrm>
+            <a:prstGeom prst="line">
+              <a:avLst/>
+            </a:prstGeom>
+            <a:ln w="19050"/>
+          </p:spPr>
+          <p:style>
+            <a:lnRef idx="1">
+              <a:schemeClr val="accent1"/>
+            </a:lnRef>
+            <a:fillRef idx="0">
+              <a:schemeClr val="accent1"/>
+            </a:fillRef>
+            <a:effectRef idx="0">
+              <a:schemeClr val="accent1"/>
+            </a:effectRef>
+            <a:fontRef idx="minor">
+              <a:schemeClr val="tx1"/>
+            </a:fontRef>
+          </p:style>
+        </p:cxnSp>
+      </p:grpSp>
+      <p:grpSp>
+        <p:nvGrpSpPr>
+          <p:cNvPr id="158" name="Agrupar 157">
+            <a:extLst>
+              <a:ext uri="{FF2B5EF4-FFF2-40B4-BE49-F238E27FC236}">
+                <a16:creationId xmlns:a16="http://schemas.microsoft.com/office/drawing/2014/main" id="{D92A0561-A2AE-76A7-33A9-687FA6C1E4C7}"/>
+              </a:ext>
+            </a:extLst>
+          </p:cNvPr>
+          <p:cNvGrpSpPr/>
+          <p:nvPr/>
+        </p:nvGrpSpPr>
+        <p:grpSpPr>
+          <a:xfrm>
+            <a:off x="6609417" y="2462034"/>
+            <a:ext cx="685814" cy="154294"/>
+            <a:chOff x="2769931" y="6156308"/>
+            <a:chExt cx="777852" cy="279534"/>
+          </a:xfrm>
+        </p:grpSpPr>
+        <p:cxnSp>
+          <p:nvCxnSpPr>
+            <p:cNvPr id="159" name="Conector reto 158">
+              <a:extLst>
+                <a:ext uri="{FF2B5EF4-FFF2-40B4-BE49-F238E27FC236}">
+                  <a16:creationId xmlns:a16="http://schemas.microsoft.com/office/drawing/2014/main" id="{1B5F30A6-D8DD-F2E5-D8CE-9A446434DBE2}"/>
+                </a:ext>
+              </a:extLst>
+            </p:cNvPr>
+            <p:cNvCxnSpPr/>
+            <p:nvPr/>
+          </p:nvCxnSpPr>
+          <p:spPr>
+            <a:xfrm>
+              <a:off x="2769931" y="6156308"/>
+              <a:ext cx="0" cy="278721"/>
+            </a:xfrm>
+            <a:prstGeom prst="line">
+              <a:avLst/>
+            </a:prstGeom>
+            <a:ln w="19050"/>
+          </p:spPr>
+          <p:style>
+            <a:lnRef idx="1">
+              <a:schemeClr val="accent1"/>
+            </a:lnRef>
+            <a:fillRef idx="0">
+              <a:schemeClr val="accent1"/>
+            </a:fillRef>
+            <a:effectRef idx="0">
+              <a:schemeClr val="accent1"/>
+            </a:effectRef>
+            <a:fontRef idx="minor">
+              <a:schemeClr val="tx1"/>
+            </a:fontRef>
+          </p:style>
+        </p:cxnSp>
+        <p:cxnSp>
+          <p:nvCxnSpPr>
+            <p:cNvPr id="160" name="Conector reto 159">
+              <a:extLst>
+                <a:ext uri="{FF2B5EF4-FFF2-40B4-BE49-F238E27FC236}">
+                  <a16:creationId xmlns:a16="http://schemas.microsoft.com/office/drawing/2014/main" id="{D57A3FED-F210-5158-ACD5-EB80BB3327E0}"/>
+                </a:ext>
+              </a:extLst>
+            </p:cNvPr>
+            <p:cNvCxnSpPr/>
+            <p:nvPr/>
+          </p:nvCxnSpPr>
+          <p:spPr>
+            <a:xfrm>
+              <a:off x="3547783" y="6157121"/>
+              <a:ext cx="0" cy="278721"/>
+            </a:xfrm>
+            <a:prstGeom prst="line">
+              <a:avLst/>
+            </a:prstGeom>
+            <a:ln w="19050"/>
+          </p:spPr>
+          <p:style>
+            <a:lnRef idx="1">
+              <a:schemeClr val="accent1"/>
+            </a:lnRef>
+            <a:fillRef idx="0">
+              <a:schemeClr val="accent1"/>
+            </a:fillRef>
+            <a:effectRef idx="0">
+              <a:schemeClr val="accent1"/>
+            </a:effectRef>
+            <a:fontRef idx="minor">
+              <a:schemeClr val="tx1"/>
+            </a:fontRef>
+          </p:style>
+        </p:cxnSp>
+        <p:cxnSp>
+          <p:nvCxnSpPr>
+            <p:cNvPr id="161" name="Conector reto 160">
+              <a:extLst>
+                <a:ext uri="{FF2B5EF4-FFF2-40B4-BE49-F238E27FC236}">
+                  <a16:creationId xmlns:a16="http://schemas.microsoft.com/office/drawing/2014/main" id="{2C1855E7-7F27-6523-2ED2-24F5A6EB75D0}"/>
+                </a:ext>
+              </a:extLst>
+            </p:cNvPr>
+            <p:cNvCxnSpPr>
+              <a:cxnSpLocks/>
+            </p:cNvCxnSpPr>
+            <p:nvPr/>
+          </p:nvCxnSpPr>
+          <p:spPr>
+            <a:xfrm flipH="1">
+              <a:off x="2777792" y="6295668"/>
+              <a:ext cx="760551" cy="0"/>
+            </a:xfrm>
+            <a:prstGeom prst="line">
+              <a:avLst/>
+            </a:prstGeom>
+            <a:ln w="19050"/>
+          </p:spPr>
+          <p:style>
+            <a:lnRef idx="1">
+              <a:schemeClr val="accent1"/>
+            </a:lnRef>
+            <a:fillRef idx="0">
+              <a:schemeClr val="accent1"/>
+            </a:fillRef>
+            <a:effectRef idx="0">
+              <a:schemeClr val="accent1"/>
+            </a:effectRef>
+            <a:fontRef idx="minor">
+              <a:schemeClr val="tx1"/>
+            </a:fontRef>
+          </p:style>
+        </p:cxnSp>
+      </p:grpSp>
+      <p:grpSp>
+        <p:nvGrpSpPr>
+          <p:cNvPr id="162" name="Agrupar 161">
+            <a:extLst>
+              <a:ext uri="{FF2B5EF4-FFF2-40B4-BE49-F238E27FC236}">
+                <a16:creationId xmlns:a16="http://schemas.microsoft.com/office/drawing/2014/main" id="{7BCAA5F6-4F48-BCE4-02AA-2A24F63570E3}"/>
+              </a:ext>
+            </a:extLst>
+          </p:cNvPr>
+          <p:cNvGrpSpPr/>
+          <p:nvPr/>
+        </p:nvGrpSpPr>
+        <p:grpSpPr>
+          <a:xfrm>
+            <a:off x="6577194" y="2162096"/>
+            <a:ext cx="482645" cy="154294"/>
+            <a:chOff x="2769931" y="6156308"/>
+            <a:chExt cx="777852" cy="279534"/>
+          </a:xfrm>
+        </p:grpSpPr>
+        <p:cxnSp>
+          <p:nvCxnSpPr>
+            <p:cNvPr id="163" name="Conector reto 162">
+              <a:extLst>
+                <a:ext uri="{FF2B5EF4-FFF2-40B4-BE49-F238E27FC236}">
+                  <a16:creationId xmlns:a16="http://schemas.microsoft.com/office/drawing/2014/main" id="{09C2C352-0567-B083-1693-8D2DD1A35B9A}"/>
+                </a:ext>
+              </a:extLst>
+            </p:cNvPr>
+            <p:cNvCxnSpPr/>
+            <p:nvPr/>
+          </p:nvCxnSpPr>
+          <p:spPr>
+            <a:xfrm>
+              <a:off x="2769931" y="6156308"/>
+              <a:ext cx="0" cy="278721"/>
+            </a:xfrm>
+            <a:prstGeom prst="line">
+              <a:avLst/>
+            </a:prstGeom>
+            <a:ln w="19050"/>
+          </p:spPr>
+          <p:style>
+            <a:lnRef idx="1">
+              <a:schemeClr val="accent1"/>
+            </a:lnRef>
+            <a:fillRef idx="0">
+              <a:schemeClr val="accent1"/>
+            </a:fillRef>
+            <a:effectRef idx="0">
+              <a:schemeClr val="accent1"/>
+            </a:effectRef>
+            <a:fontRef idx="minor">
+              <a:schemeClr val="tx1"/>
+            </a:fontRef>
+          </p:style>
+        </p:cxnSp>
+        <p:cxnSp>
+          <p:nvCxnSpPr>
+            <p:cNvPr id="164" name="Conector reto 163">
+              <a:extLst>
+                <a:ext uri="{FF2B5EF4-FFF2-40B4-BE49-F238E27FC236}">
+                  <a16:creationId xmlns:a16="http://schemas.microsoft.com/office/drawing/2014/main" id="{7BA91A02-2526-25FD-9C2F-6FFCF43456E6}"/>
+                </a:ext>
+              </a:extLst>
+            </p:cNvPr>
+            <p:cNvCxnSpPr/>
+            <p:nvPr/>
+          </p:nvCxnSpPr>
+          <p:spPr>
+            <a:xfrm>
+              <a:off x="3547783" y="6157121"/>
+              <a:ext cx="0" cy="278721"/>
+            </a:xfrm>
+            <a:prstGeom prst="line">
+              <a:avLst/>
+            </a:prstGeom>
+            <a:ln w="19050"/>
+          </p:spPr>
+          <p:style>
+            <a:lnRef idx="1">
+              <a:schemeClr val="accent1"/>
+            </a:lnRef>
+            <a:fillRef idx="0">
+              <a:schemeClr val="accent1"/>
+            </a:fillRef>
+            <a:effectRef idx="0">
+              <a:schemeClr val="accent1"/>
+            </a:effectRef>
+            <a:fontRef idx="minor">
+              <a:schemeClr val="tx1"/>
+            </a:fontRef>
+          </p:style>
+        </p:cxnSp>
+        <p:cxnSp>
+          <p:nvCxnSpPr>
+            <p:cNvPr id="165" name="Conector reto 164">
+              <a:extLst>
+                <a:ext uri="{FF2B5EF4-FFF2-40B4-BE49-F238E27FC236}">
+                  <a16:creationId xmlns:a16="http://schemas.microsoft.com/office/drawing/2014/main" id="{179DACB6-4DDB-6103-1A53-7F6321847A1B}"/>
+                </a:ext>
+              </a:extLst>
+            </p:cNvPr>
+            <p:cNvCxnSpPr>
+              <a:cxnSpLocks/>
+            </p:cNvCxnSpPr>
+            <p:nvPr/>
+          </p:nvCxnSpPr>
+          <p:spPr>
+            <a:xfrm flipH="1">
+              <a:off x="2777792" y="6295668"/>
+              <a:ext cx="760551" cy="0"/>
+            </a:xfrm>
+            <a:prstGeom prst="line">
+              <a:avLst/>
+            </a:prstGeom>
+            <a:ln w="19050"/>
+          </p:spPr>
+          <p:style>
+            <a:lnRef idx="1">
+              <a:schemeClr val="accent1"/>
+            </a:lnRef>
+            <a:fillRef idx="0">
+              <a:schemeClr val="accent1"/>
+            </a:fillRef>
+            <a:effectRef idx="0">
+              <a:schemeClr val="accent1"/>
+            </a:effectRef>
+            <a:fontRef idx="minor">
+              <a:schemeClr val="tx1"/>
+            </a:fontRef>
+          </p:style>
+        </p:cxnSp>
+      </p:grpSp>
+      <p:grpSp>
+        <p:nvGrpSpPr>
+          <p:cNvPr id="166" name="Agrupar 165">
+            <a:extLst>
+              <a:ext uri="{FF2B5EF4-FFF2-40B4-BE49-F238E27FC236}">
+                <a16:creationId xmlns:a16="http://schemas.microsoft.com/office/drawing/2014/main" id="{3496BFA2-87AE-D006-3F58-8D76D092A031}"/>
+              </a:ext>
+            </a:extLst>
+          </p:cNvPr>
+          <p:cNvGrpSpPr/>
+          <p:nvPr/>
+        </p:nvGrpSpPr>
+        <p:grpSpPr>
+          <a:xfrm>
+            <a:off x="6532377" y="1870537"/>
+            <a:ext cx="410502" cy="154294"/>
+            <a:chOff x="2769931" y="6156308"/>
+            <a:chExt cx="777852" cy="279534"/>
+          </a:xfrm>
+        </p:grpSpPr>
+        <p:cxnSp>
+          <p:nvCxnSpPr>
+            <p:cNvPr id="167" name="Conector reto 166">
+              <a:extLst>
+                <a:ext uri="{FF2B5EF4-FFF2-40B4-BE49-F238E27FC236}">
+                  <a16:creationId xmlns:a16="http://schemas.microsoft.com/office/drawing/2014/main" id="{651504CC-BDBC-40DB-2F49-BFC5DD087C2E}"/>
+                </a:ext>
+              </a:extLst>
+            </p:cNvPr>
+            <p:cNvCxnSpPr/>
+            <p:nvPr/>
+          </p:nvCxnSpPr>
+          <p:spPr>
+            <a:xfrm>
+              <a:off x="2769931" y="6156308"/>
+              <a:ext cx="0" cy="278721"/>
+            </a:xfrm>
+            <a:prstGeom prst="line">
+              <a:avLst/>
+            </a:prstGeom>
+            <a:ln w="19050"/>
+          </p:spPr>
+          <p:style>
+            <a:lnRef idx="1">
+              <a:schemeClr val="accent1"/>
+            </a:lnRef>
+            <a:fillRef idx="0">
+              <a:schemeClr val="accent1"/>
+            </a:fillRef>
+            <a:effectRef idx="0">
+              <a:schemeClr val="accent1"/>
+            </a:effectRef>
+            <a:fontRef idx="minor">
+              <a:schemeClr val="tx1"/>
+            </a:fontRef>
+          </p:style>
+        </p:cxnSp>
+        <p:cxnSp>
+          <p:nvCxnSpPr>
+            <p:cNvPr id="168" name="Conector reto 167">
+              <a:extLst>
+                <a:ext uri="{FF2B5EF4-FFF2-40B4-BE49-F238E27FC236}">
+                  <a16:creationId xmlns:a16="http://schemas.microsoft.com/office/drawing/2014/main" id="{B8C320FC-2FEB-7C87-9903-6400738D080E}"/>
+                </a:ext>
+              </a:extLst>
+            </p:cNvPr>
+            <p:cNvCxnSpPr/>
+            <p:nvPr/>
+          </p:nvCxnSpPr>
+          <p:spPr>
+            <a:xfrm>
+              <a:off x="3547783" y="6157121"/>
+              <a:ext cx="0" cy="278721"/>
+            </a:xfrm>
+            <a:prstGeom prst="line">
+              <a:avLst/>
+            </a:prstGeom>
+            <a:ln w="19050"/>
+          </p:spPr>
+          <p:style>
+            <a:lnRef idx="1">
+              <a:schemeClr val="accent1"/>
+            </a:lnRef>
+            <a:fillRef idx="0">
+              <a:schemeClr val="accent1"/>
+            </a:fillRef>
+            <a:effectRef idx="0">
+              <a:schemeClr val="accent1"/>
+            </a:effectRef>
+            <a:fontRef idx="minor">
+              <a:schemeClr val="tx1"/>
+            </a:fontRef>
+          </p:style>
+        </p:cxnSp>
+        <p:cxnSp>
+          <p:nvCxnSpPr>
+            <p:cNvPr id="169" name="Conector reto 168">
+              <a:extLst>
+                <a:ext uri="{FF2B5EF4-FFF2-40B4-BE49-F238E27FC236}">
+                  <a16:creationId xmlns:a16="http://schemas.microsoft.com/office/drawing/2014/main" id="{7E0E7DCC-F1B1-7A41-0EBC-7FDFE6F3C19F}"/>
+                </a:ext>
+              </a:extLst>
+            </p:cNvPr>
+            <p:cNvCxnSpPr>
+              <a:cxnSpLocks/>
+            </p:cNvCxnSpPr>
+            <p:nvPr/>
+          </p:nvCxnSpPr>
+          <p:spPr>
+            <a:xfrm flipH="1">
+              <a:off x="2777792" y="6295668"/>
+              <a:ext cx="760551" cy="0"/>
+            </a:xfrm>
+            <a:prstGeom prst="line">
+              <a:avLst/>
+            </a:prstGeom>
+            <a:ln w="19050"/>
+          </p:spPr>
+          <p:style>
+            <a:lnRef idx="1">
+              <a:schemeClr val="accent1"/>
+            </a:lnRef>
+            <a:fillRef idx="0">
+              <a:schemeClr val="accent1"/>
+            </a:fillRef>
+            <a:effectRef idx="0">
+              <a:schemeClr val="accent1"/>
+            </a:effectRef>
+            <a:fontRef idx="minor">
+              <a:schemeClr val="tx1"/>
+            </a:fontRef>
+          </p:style>
+        </p:cxnSp>
+      </p:grpSp>
+      <p:grpSp>
+        <p:nvGrpSpPr>
+          <p:cNvPr id="170" name="Agrupar 169">
+            <a:extLst>
+              <a:ext uri="{FF2B5EF4-FFF2-40B4-BE49-F238E27FC236}">
+                <a16:creationId xmlns:a16="http://schemas.microsoft.com/office/drawing/2014/main" id="{367AC6F8-F9DA-156C-6293-2B3C17F48618}"/>
+              </a:ext>
+            </a:extLst>
+          </p:cNvPr>
+          <p:cNvGrpSpPr/>
+          <p:nvPr/>
+        </p:nvGrpSpPr>
+        <p:grpSpPr>
+          <a:xfrm>
+            <a:off x="5414864" y="5241944"/>
+            <a:ext cx="499618" cy="154294"/>
+            <a:chOff x="2769931" y="6156308"/>
+            <a:chExt cx="777852" cy="279534"/>
+          </a:xfrm>
+        </p:grpSpPr>
+        <p:cxnSp>
+          <p:nvCxnSpPr>
+            <p:cNvPr id="171" name="Conector reto 170">
+              <a:extLst>
+                <a:ext uri="{FF2B5EF4-FFF2-40B4-BE49-F238E27FC236}">
+                  <a16:creationId xmlns:a16="http://schemas.microsoft.com/office/drawing/2014/main" id="{E5FA872B-3621-76BC-312D-4FB2DEA56AEE}"/>
+                </a:ext>
+              </a:extLst>
+            </p:cNvPr>
+            <p:cNvCxnSpPr/>
+            <p:nvPr/>
+          </p:nvCxnSpPr>
+          <p:spPr>
+            <a:xfrm>
+              <a:off x="2769931" y="6156308"/>
+              <a:ext cx="0" cy="278721"/>
+            </a:xfrm>
+            <a:prstGeom prst="line">
+              <a:avLst/>
+            </a:prstGeom>
+            <a:ln w="19050"/>
+          </p:spPr>
+          <p:style>
+            <a:lnRef idx="1">
+              <a:schemeClr val="accent1"/>
+            </a:lnRef>
+            <a:fillRef idx="0">
+              <a:schemeClr val="accent1"/>
+            </a:fillRef>
+            <a:effectRef idx="0">
+              <a:schemeClr val="accent1"/>
+            </a:effectRef>
+            <a:fontRef idx="minor">
+              <a:schemeClr val="tx1"/>
+            </a:fontRef>
+          </p:style>
+        </p:cxnSp>
+        <p:cxnSp>
+          <p:nvCxnSpPr>
+            <p:cNvPr id="172" name="Conector reto 171">
+              <a:extLst>
+                <a:ext uri="{FF2B5EF4-FFF2-40B4-BE49-F238E27FC236}">
+                  <a16:creationId xmlns:a16="http://schemas.microsoft.com/office/drawing/2014/main" id="{7F7B3932-A6A1-5473-0C6A-D4FC88D04628}"/>
+                </a:ext>
+              </a:extLst>
+            </p:cNvPr>
+            <p:cNvCxnSpPr/>
+            <p:nvPr/>
+          </p:nvCxnSpPr>
+          <p:spPr>
+            <a:xfrm>
+              <a:off x="3547783" y="6157121"/>
+              <a:ext cx="0" cy="278721"/>
+            </a:xfrm>
+            <a:prstGeom prst="line">
+              <a:avLst/>
+            </a:prstGeom>
+            <a:ln w="19050"/>
+          </p:spPr>
+          <p:style>
+            <a:lnRef idx="1">
+              <a:schemeClr val="accent1"/>
+            </a:lnRef>
+            <a:fillRef idx="0">
+              <a:schemeClr val="accent1"/>
+            </a:fillRef>
+            <a:effectRef idx="0">
+              <a:schemeClr val="accent1"/>
+            </a:effectRef>
+            <a:fontRef idx="minor">
+              <a:schemeClr val="tx1"/>
+            </a:fontRef>
+          </p:style>
+        </p:cxnSp>
+        <p:cxnSp>
+          <p:nvCxnSpPr>
+            <p:cNvPr id="173" name="Conector reto 172">
+              <a:extLst>
+                <a:ext uri="{FF2B5EF4-FFF2-40B4-BE49-F238E27FC236}">
+                  <a16:creationId xmlns:a16="http://schemas.microsoft.com/office/drawing/2014/main" id="{298CC1CD-B41B-C152-3F78-097229BB5441}"/>
+                </a:ext>
+              </a:extLst>
+            </p:cNvPr>
+            <p:cNvCxnSpPr>
+              <a:cxnSpLocks/>
+            </p:cNvCxnSpPr>
+            <p:nvPr/>
+          </p:nvCxnSpPr>
+          <p:spPr>
+            <a:xfrm flipH="1">
+              <a:off x="2777792" y="6295668"/>
+              <a:ext cx="760551" cy="0"/>
+            </a:xfrm>
+            <a:prstGeom prst="line">
+              <a:avLst/>
+            </a:prstGeom>
+            <a:ln w="19050"/>
+          </p:spPr>
+          <p:style>
+            <a:lnRef idx="1">
+              <a:schemeClr val="accent1"/>
+            </a:lnRef>
+            <a:fillRef idx="0">
+              <a:schemeClr val="accent1"/>
+            </a:fillRef>
+            <a:effectRef idx="0">
+              <a:schemeClr val="accent1"/>
+            </a:effectRef>
+            <a:fontRef idx="minor">
+              <a:schemeClr val="tx1"/>
+            </a:fontRef>
+          </p:style>
+        </p:cxnSp>
+      </p:grpSp>
+      <p:sp>
+        <p:nvSpPr>
+          <p:cNvPr id="174" name="Elipse 173">
+            <a:extLst>
+              <a:ext uri="{FF2B5EF4-FFF2-40B4-BE49-F238E27FC236}">
+                <a16:creationId xmlns:a16="http://schemas.microsoft.com/office/drawing/2014/main" id="{C341BDCC-6688-C79C-CE47-5A49248A3252}"/>
+              </a:ext>
+            </a:extLst>
+          </p:cNvPr>
+          <p:cNvSpPr/>
+          <p:nvPr/>
+        </p:nvSpPr>
+        <p:spPr>
+          <a:xfrm rot="10800000">
+            <a:off x="5581256" y="5213648"/>
+            <a:ext cx="190701" cy="190701"/>
+          </a:xfrm>
+          <a:prstGeom prst="ellipse">
+            <a:avLst/>
+          </a:prstGeom>
+        </p:spPr>
+        <p:style>
+          <a:lnRef idx="2">
+            <a:schemeClr val="accent1">
+              <a:shade val="50000"/>
+            </a:schemeClr>
+          </a:lnRef>
+          <a:fillRef idx="1">
+            <a:schemeClr val="accent1"/>
+          </a:fillRef>
+          <a:effectRef idx="0">
+            <a:schemeClr val="accent1"/>
+          </a:effectRef>
+          <a:fontRef idx="minor">
+            <a:schemeClr val="lt1"/>
+          </a:fontRef>
+        </p:style>
+        <p:txBody>
+          <a:bodyPr rtlCol="0" anchor="ctr"/>
+          <a:lstStyle/>
+          <a:p>
+            <a:pPr algn="ctr"/>
+            <a:endParaRPr lang="pt-BR"/>
+          </a:p>
+        </p:txBody>
+      </p:sp>
+      <p:sp>
+        <p:nvSpPr>
+          <p:cNvPr id="175" name="CaixaDeTexto 174">
+            <a:extLst>
+              <a:ext uri="{FF2B5EF4-FFF2-40B4-BE49-F238E27FC236}">
+                <a16:creationId xmlns:a16="http://schemas.microsoft.com/office/drawing/2014/main" id="{780F37EB-181B-7205-E1C6-A0B931FA51B6}"/>
+              </a:ext>
+            </a:extLst>
+          </p:cNvPr>
+          <p:cNvSpPr txBox="1"/>
+          <p:nvPr/>
+        </p:nvSpPr>
+        <p:spPr>
+          <a:xfrm>
+            <a:off x="5983172" y="5149065"/>
+            <a:ext cx="2485680" cy="307777"/>
+          </a:xfrm>
+          <a:prstGeom prst="rect">
+            <a:avLst/>
+          </a:prstGeom>
+          <a:noFill/>
+        </p:spPr>
+        <p:txBody>
+          <a:bodyPr wrap="none" rtlCol="0">
+            <a:spAutoFit/>
+          </a:bodyPr>
+          <a:lstStyle/>
+          <a:p>
+            <a:r>
+              <a:rPr lang="pt-BR" sz="1400" dirty="0"/>
+              <a:t>= </a:t>
+            </a:r>
+            <a:r>
+              <a:rPr lang="pt-BR" sz="1400" dirty="0" err="1"/>
+              <a:t>uncertain</a:t>
+            </a:r>
+            <a:r>
+              <a:rPr lang="pt-BR" sz="1400" dirty="0"/>
+              <a:t> model </a:t>
+            </a:r>
+            <a:r>
+              <a:rPr lang="pt-BR" sz="1400" dirty="0" err="1"/>
+              <a:t>around</a:t>
+            </a:r>
+            <a:r>
+              <a:rPr lang="pt-BR" sz="1400" dirty="0"/>
+              <a:t> data </a:t>
+            </a:r>
+          </a:p>
+        </p:txBody>
+      </p:sp>
+    </p:spTree>
+    <p:extLst>
+      <p:ext uri="{BB962C8B-B14F-4D97-AF65-F5344CB8AC3E}">
+        <p14:creationId xmlns:p14="http://schemas.microsoft.com/office/powerpoint/2010/main" val="294333902"/>
+      </p:ext>
+    </p:extLst>
+  </p:cSld>
+  <p:clrMapOvr>
+    <a:masterClrMapping/>
+  </p:clrMapOvr>
+</p:sld>
+</file>
+
+<file path=ppt/slides/slide31.xml><?xml version="1.0" encoding="utf-8"?>
+<p:sld xmlns:a="http://schemas.openxmlformats.org/drawingml/2006/main" xmlns:r="http://schemas.openxmlformats.org/officeDocument/2006/relationships" xmlns:p="http://schemas.openxmlformats.org/presentationml/2006/main">
+  <p:cSld>
+    <p:spTree>
+      <p:nvGrpSpPr>
+        <p:cNvPr id="1" name=""/>
+        <p:cNvGrpSpPr/>
+        <p:nvPr/>
+      </p:nvGrpSpPr>
+      <p:grpSpPr>
+        <a:xfrm>
+          <a:off x="0" y="0"/>
+          <a:ext cx="0" cy="0"/>
+          <a:chOff x="0" y="0"/>
+          <a:chExt cx="0" cy="0"/>
+        </a:xfrm>
+      </p:grpSpPr>
       <p:pic>
         <p:nvPicPr>
           <p:cNvPr id="4" name="Imagem 3"/>
@@ -30823,7 +34833,7 @@
 </p:sld>
 </file>
 
-<file path=ppt/slides/slide31.xml><?xml version="1.0" encoding="utf-8"?>
+<file path=ppt/slides/slide32.xml><?xml version="1.0" encoding="utf-8"?>
 <p:sld xmlns:a="http://schemas.openxmlformats.org/drawingml/2006/main" xmlns:r="http://schemas.openxmlformats.org/officeDocument/2006/relationships" xmlns:p="http://schemas.openxmlformats.org/presentationml/2006/main">
   <p:cSld>
     <p:spTree>
